--- a/presentations/S5_SoI_Architecture_Group.pptx
+++ b/presentations/S5_SoI_Architecture_Group.pptx
@@ -4184,31 +4184,7 @@
                   </a:outerShdw>
                 </a:effectLst>
               </a:rPr>
-              <a:t> </a:t>
-            </a:r>
-            <a:r>
-              <a:rPr lang="en-US" b="1" dirty="0" smtClean="0">
-                <a:effectLst>
-                  <a:outerShdw blurRad="38100" dist="38100" dir="2700000" algn="tl">
-                    <a:srgbClr val="000000">
-                      <a:alpha val="43137"/>
-                    </a:srgbClr>
-                  </a:outerShdw>
-                </a:effectLst>
-              </a:rPr>
-              <a:t>Architecture </a:t>
-            </a:r>
-            <a:r>
-              <a:rPr lang="en-US" b="1" dirty="0" smtClean="0">
-                <a:effectLst>
-                  <a:outerShdw blurRad="38100" dist="38100" dir="2700000" algn="tl">
-                    <a:srgbClr val="000000">
-                      <a:alpha val="43137"/>
-                    </a:srgbClr>
-                  </a:outerShdw>
-                </a:effectLst>
-              </a:rPr>
-              <a:t>Group</a:t>
+              <a:t> Architecture Group</a:t>
             </a:r>
             <a:endParaRPr lang="en-US" b="1" dirty="0">
               <a:effectLst>
@@ -4455,7 +4431,9 @@
         </p:nvSpPr>
         <p:spPr/>
         <p:txBody>
-          <a:bodyPr/>
+          <a:bodyPr>
+            <a:normAutofit lnSpcReduction="10000"/>
+          </a:bodyPr>
           <a:lstStyle/>
           <a:p>
             <a:pPr>
@@ -4468,8 +4446,138 @@
             </a:pPr>
             <a:r>
               <a:rPr lang="en-US" dirty="0" smtClean="0"/>
-              <a:t>[TBD]</a:t>
-            </a:r>
+              <a:t>Data types (or an ontology), ports, and connections can be automatically extracted from code (with some moderate up front work)</a:t>
+            </a:r>
+          </a:p>
+          <a:p>
+            <a:pPr>
+              <a:lnSpc>
+                <a:spcPct val="100000"/>
+              </a:lnSpc>
+              <a:spcBef>
+                <a:spcPts val="200"/>
+              </a:spcBef>
+            </a:pPr>
+            <a:r>
+              <a:rPr lang="en-US" dirty="0" smtClean="0"/>
+              <a:t>Reusable (template) properties help find common mistakes</a:t>
+            </a:r>
+          </a:p>
+          <a:p>
+            <a:pPr>
+              <a:lnSpc>
+                <a:spcPct val="100000"/>
+              </a:lnSpc>
+              <a:spcBef>
+                <a:spcPts val="200"/>
+              </a:spcBef>
+            </a:pPr>
+            <a:r>
+              <a:rPr lang="en-US" dirty="0" smtClean="0"/>
+              <a:t>Not every error can be detected with a template property--a review of the specification itself is still worthwhile</a:t>
+            </a:r>
+          </a:p>
+          <a:p>
+            <a:pPr>
+              <a:lnSpc>
+                <a:spcPct val="100000"/>
+              </a:lnSpc>
+              <a:spcBef>
+                <a:spcPts val="200"/>
+              </a:spcBef>
+            </a:pPr>
+            <a:r>
+              <a:rPr lang="en-US" dirty="0" smtClean="0"/>
+              <a:t>Assurance arguments are useful to capture the “rest of the story”</a:t>
+            </a:r>
+          </a:p>
+          <a:p>
+            <a:pPr lvl="1">
+              <a:lnSpc>
+                <a:spcPct val="100000"/>
+              </a:lnSpc>
+              <a:spcBef>
+                <a:spcPts val="200"/>
+              </a:spcBef>
+            </a:pPr>
+            <a:r>
+              <a:rPr lang="en-US" dirty="0" smtClean="0"/>
+              <a:t>Differences between the model and the real world</a:t>
+            </a:r>
+          </a:p>
+          <a:p>
+            <a:pPr lvl="1">
+              <a:lnSpc>
+                <a:spcPct val="100000"/>
+              </a:lnSpc>
+              <a:spcBef>
+                <a:spcPts val="200"/>
+              </a:spcBef>
+            </a:pPr>
+            <a:r>
+              <a:rPr lang="en-US" dirty="0" smtClean="0"/>
+              <a:t>Specification versus intent</a:t>
+            </a:r>
+          </a:p>
+          <a:p>
+            <a:pPr>
+              <a:lnSpc>
+                <a:spcPct val="100000"/>
+              </a:lnSpc>
+              <a:spcBef>
+                <a:spcPts val="200"/>
+              </a:spcBef>
+            </a:pPr>
+            <a:r>
+              <a:rPr lang="en-US" dirty="0" smtClean="0"/>
+              <a:t>SpeAR, ASSERT, and AADL/AGREE are all very capable analysis tools. Each one has some advantages over the others.</a:t>
+            </a:r>
+          </a:p>
+          <a:p>
+            <a:pPr>
+              <a:lnSpc>
+                <a:spcPct val="100000"/>
+              </a:lnSpc>
+              <a:spcBef>
+                <a:spcPts val="200"/>
+              </a:spcBef>
+            </a:pPr>
+            <a:r>
+              <a:rPr lang="en-US" dirty="0" smtClean="0"/>
+              <a:t>Challenges: arrays, inheritance</a:t>
+            </a:r>
+          </a:p>
+          <a:p>
+            <a:pPr>
+              <a:lnSpc>
+                <a:spcPct val="100000"/>
+              </a:lnSpc>
+              <a:spcBef>
+                <a:spcPts val="200"/>
+              </a:spcBef>
+            </a:pPr>
+            <a:endParaRPr lang="en-US" dirty="0" smtClean="0"/>
+          </a:p>
+          <a:p>
+            <a:pPr>
+              <a:lnSpc>
+                <a:spcPct val="100000"/>
+              </a:lnSpc>
+              <a:spcBef>
+                <a:spcPts val="200"/>
+              </a:spcBef>
+            </a:pPr>
+            <a:endParaRPr lang="en-US" dirty="0" smtClean="0"/>
+          </a:p>
+          <a:p>
+            <a:pPr>
+              <a:lnSpc>
+                <a:spcPct val="100000"/>
+              </a:lnSpc>
+              <a:spcBef>
+                <a:spcPts val="200"/>
+              </a:spcBef>
+            </a:pPr>
             <a:endParaRPr lang="en-US" dirty="0" smtClean="0"/>
           </a:p>
           <a:p>
@@ -4619,8 +4727,93 @@
             </a:pPr>
             <a:r>
               <a:rPr lang="en-US" dirty="0" smtClean="0"/>
-              <a:t>[TBD]</a:t>
-            </a:r>
+              <a:t>Write contracts for the remaining components</a:t>
+            </a:r>
+          </a:p>
+          <a:p>
+            <a:pPr>
+              <a:lnSpc>
+                <a:spcPct val="100000"/>
+              </a:lnSpc>
+              <a:spcBef>
+                <a:spcPts val="200"/>
+              </a:spcBef>
+            </a:pPr>
+            <a:r>
+              <a:rPr lang="en-US" dirty="0" smtClean="0"/>
+              <a:t>State and analyze system-level properties</a:t>
+            </a:r>
+          </a:p>
+          <a:p>
+            <a:pPr>
+              <a:lnSpc>
+                <a:spcPct val="100000"/>
+              </a:lnSpc>
+              <a:spcBef>
+                <a:spcPts val="200"/>
+              </a:spcBef>
+            </a:pPr>
+            <a:r>
+              <a:rPr lang="en-US" dirty="0" smtClean="0"/>
+              <a:t>Generate code from AADL</a:t>
+            </a:r>
+          </a:p>
+          <a:p>
+            <a:pPr>
+              <a:lnSpc>
+                <a:spcPct val="100000"/>
+              </a:lnSpc>
+              <a:spcBef>
+                <a:spcPts val="200"/>
+              </a:spcBef>
+            </a:pPr>
+            <a:r>
+              <a:rPr lang="en-US" dirty="0" smtClean="0"/>
+              <a:t>Generate test cases from AGREE and run on </a:t>
+            </a:r>
+            <a:r>
+              <a:rPr lang="en-US" dirty="0" err="1" smtClean="0"/>
+              <a:t>UxAS</a:t>
+            </a:r>
+            <a:r>
+              <a:rPr lang="en-US" dirty="0" smtClean="0"/>
+              <a:t> implementation</a:t>
+            </a:r>
+          </a:p>
+          <a:p>
+            <a:pPr>
+              <a:lnSpc>
+                <a:spcPct val="100000"/>
+              </a:lnSpc>
+              <a:spcBef>
+                <a:spcPts val="200"/>
+              </a:spcBef>
+            </a:pPr>
+            <a:r>
+              <a:rPr lang="en-US" dirty="0" smtClean="0"/>
+              <a:t>Continue documenting decisions and the assurance case for the architecture</a:t>
+            </a:r>
+          </a:p>
+          <a:p>
+            <a:pPr>
+              <a:lnSpc>
+                <a:spcPct val="100000"/>
+              </a:lnSpc>
+              <a:spcBef>
+                <a:spcPts val="200"/>
+              </a:spcBef>
+            </a:pPr>
+            <a:endParaRPr lang="en-US" dirty="0" smtClean="0"/>
+          </a:p>
+          <a:p>
+            <a:pPr>
+              <a:lnSpc>
+                <a:spcPct val="100000"/>
+              </a:lnSpc>
+              <a:spcBef>
+                <a:spcPts val="200"/>
+              </a:spcBef>
+            </a:pPr>
             <a:endParaRPr lang="en-US" dirty="0" smtClean="0"/>
           </a:p>
           <a:p>
@@ -5052,8 +5245,13 @@
             </a:r>
             <a:r>
               <a:rPr lang="en-US" dirty="0"/>
-              <a:t> – LinQuest/AFRL</a:t>
-            </a:r>
+              <a:t> – </a:t>
+            </a:r>
+            <a:r>
+              <a:rPr lang="en-US" dirty="0" smtClean="0"/>
+              <a:t>LinQuest (LQ)/AFRL</a:t>
+            </a:r>
+            <a:endParaRPr lang="en-US" dirty="0"/>
           </a:p>
           <a:p>
             <a:pPr lvl="1">
@@ -5066,8 +5264,13 @@
             </a:pPr>
             <a:r>
               <a:rPr lang="en-US" dirty="0" smtClean="0"/>
-              <a:t>Brian Hulbert – LinQuest/AFRL</a:t>
-            </a:r>
+              <a:t>Brian Hulbert – </a:t>
+            </a:r>
+            <a:r>
+              <a:rPr lang="en-US" dirty="0" smtClean="0"/>
+              <a:t>LinQuest (LQ)/AFRL</a:t>
+            </a:r>
+            <a:endParaRPr lang="en-US" dirty="0" smtClean="0"/>
           </a:p>
           <a:p>
             <a:pPr lvl="1">
@@ -5080,8 +5283,13 @@
             </a:pPr>
             <a:r>
               <a:rPr lang="en-US" dirty="0" smtClean="0"/>
-              <a:t>Jen Davis – Rockwell Collins</a:t>
-            </a:r>
+              <a:t>Jen Davis – Rockwell </a:t>
+            </a:r>
+            <a:r>
+              <a:rPr lang="en-US" dirty="0" smtClean="0"/>
+              <a:t>Collins (RC)</a:t>
+            </a:r>
+            <a:endParaRPr lang="en-US" dirty="0" smtClean="0"/>
           </a:p>
           <a:p>
             <a:pPr lvl="1">
@@ -5098,8 +5306,13 @@
             </a:r>
             <a:r>
               <a:rPr lang="en-US" dirty="0"/>
-              <a:t> Kumar – Iowa State University</a:t>
-            </a:r>
+              <a:t> Kumar – Iowa State </a:t>
+            </a:r>
+            <a:r>
+              <a:rPr lang="en-US" dirty="0" smtClean="0"/>
+              <a:t>University (ISU)</a:t>
+            </a:r>
+            <a:endParaRPr lang="en-US" dirty="0"/>
           </a:p>
           <a:p>
             <a:pPr lvl="1">
@@ -5122,6 +5335,11 @@
               <a:rPr lang="en-US" dirty="0"/>
               <a:t> – University of Cincinnati </a:t>
             </a:r>
+            <a:r>
+              <a:rPr lang="en-US" dirty="0" smtClean="0"/>
+              <a:t>(UC)</a:t>
+            </a:r>
+            <a:endParaRPr lang="en-US" dirty="0"/>
           </a:p>
           <a:p>
             <a:pPr lvl="1">
@@ -5160,8 +5378,13 @@
             </a:r>
             <a:r>
               <a:rPr lang="en-US" dirty="0"/>
-              <a:t> Ren – Honeywell</a:t>
-            </a:r>
+              <a:t> Ren – </a:t>
+            </a:r>
+            <a:r>
+              <a:rPr lang="en-US" dirty="0" smtClean="0"/>
+              <a:t>Honeywell (H)</a:t>
+            </a:r>
+            <a:endParaRPr lang="en-US" dirty="0"/>
           </a:p>
           <a:p>
             <a:pPr lvl="1">
@@ -5182,8 +5405,13 @@
             </a:r>
             <a:r>
               <a:rPr lang="en-US" dirty="0"/>
-              <a:t> – Dependable Computing</a:t>
-            </a:r>
+              <a:t> – Dependable </a:t>
+            </a:r>
+            <a:r>
+              <a:rPr lang="en-US" dirty="0" smtClean="0"/>
+              <a:t>Computing (DC)</a:t>
+            </a:r>
+            <a:endParaRPr lang="en-US" dirty="0"/>
           </a:p>
           <a:p>
             <a:pPr lvl="1">
@@ -5547,14 +5775,43 @@
             <a:pPr fontAlgn="base"/>
             <a:r>
               <a:rPr lang="en-US" dirty="0"/>
-              <a:t>Extracted data types, input and output ports, and connections from code into both AADL/AGREE and ASSERT</a:t>
-            </a:r>
+              <a:t>Extracted data types, input and output ports, and connections from code into both AADL/AGREE and </a:t>
+            </a:r>
+            <a:r>
+              <a:rPr lang="en-US" dirty="0" smtClean="0"/>
+              <a:t>ASSERT </a:t>
+            </a:r>
+            <a:r>
+              <a:rPr lang="en-US" dirty="0" smtClean="0">
+                <a:solidFill>
+                  <a:srgbClr val="0000FF"/>
+                </a:solidFill>
+              </a:rPr>
+              <a:t>(LQ/AFRL, GE, RC)</a:t>
+            </a:r>
+            <a:endParaRPr lang="en-US" dirty="0">
+              <a:solidFill>
+                <a:srgbClr val="0000FF"/>
+              </a:solidFill>
+            </a:endParaRPr>
           </a:p>
           <a:p>
             <a:pPr fontAlgn="base"/>
             <a:r>
               <a:rPr lang="en-US" dirty="0"/>
-              <a:t>Created formal contracts for 6-8 services and tasks based on the </a:t>
+              <a:t>Created formal contracts for </a:t>
+            </a:r>
+            <a:r>
+              <a:rPr lang="en-US" dirty="0">
+                <a:solidFill>
+                  <a:srgbClr val="FF0000"/>
+                </a:solidFill>
+              </a:rPr>
+              <a:t>6-8</a:t>
+            </a:r>
+            <a:r>
+              <a:rPr lang="en-US" dirty="0"/>
+              <a:t> services and tasks based on the </a:t>
             </a:r>
             <a:r>
               <a:rPr lang="en-US" dirty="0" err="1"/>
@@ -5562,29 +5819,87 @@
             </a:r>
             <a:r>
               <a:rPr lang="en-US" dirty="0"/>
-              <a:t> Wiki and conversations with the developer</a:t>
-            </a:r>
+              <a:t> Wiki and conversations with the </a:t>
+            </a:r>
+            <a:r>
+              <a:rPr lang="en-US" dirty="0" smtClean="0"/>
+              <a:t>developer </a:t>
+            </a:r>
+            <a:r>
+              <a:rPr lang="en-US" dirty="0" smtClean="0">
+                <a:solidFill>
+                  <a:srgbClr val="0000FF"/>
+                </a:solidFill>
+              </a:rPr>
+              <a:t>(DC, RC)</a:t>
+            </a:r>
+            <a:endParaRPr lang="en-US" dirty="0">
+              <a:solidFill>
+                <a:srgbClr val="0000FF"/>
+              </a:solidFill>
+            </a:endParaRPr>
           </a:p>
           <a:p>
             <a:pPr fontAlgn="base"/>
             <a:r>
+              <a:rPr lang="en-US" dirty="0">
+                <a:solidFill>
+                  <a:srgbClr val="FF0000"/>
+                </a:solidFill>
+              </a:rPr>
+              <a:t>**</a:t>
+            </a:r>
+            <a:r>
               <a:rPr lang="en-US" dirty="0"/>
-              <a:t>**Stated and analyzed </a:t>
+              <a:t>Stated and analyzed </a:t>
             </a:r>
             <a:r>
               <a:rPr lang="en-US" dirty="0" smtClean="0"/>
               <a:t>behavioral properties </a:t>
             </a:r>
             <a:r>
+              <a:rPr lang="en-US" dirty="0" smtClean="0"/>
+              <a:t>of these </a:t>
+            </a:r>
+            <a:r>
               <a:rPr lang="en-US" dirty="0"/>
-              <a:t>about these component-level contracts</a:t>
-            </a:r>
+              <a:t>component-level </a:t>
+            </a:r>
+            <a:r>
+              <a:rPr lang="en-US" dirty="0" smtClean="0"/>
+              <a:t>contracts </a:t>
+            </a:r>
+            <a:r>
+              <a:rPr lang="en-US" dirty="0" smtClean="0">
+                <a:solidFill>
+                  <a:srgbClr val="0000FF"/>
+                </a:solidFill>
+              </a:rPr>
+              <a:t>(DC, RC)</a:t>
+            </a:r>
+            <a:endParaRPr lang="en-US" dirty="0">
+              <a:solidFill>
+                <a:srgbClr val="0000FF"/>
+              </a:solidFill>
+            </a:endParaRPr>
           </a:p>
           <a:p>
             <a:pPr fontAlgn="base"/>
             <a:r>
+              <a:rPr lang="en-US" dirty="0">
+                <a:solidFill>
+                  <a:srgbClr val="FF0000"/>
+                </a:solidFill>
+              </a:rPr>
+              <a:t>**</a:t>
+            </a:r>
+            <a:r>
               <a:rPr lang="en-US" dirty="0"/>
-              <a:t>**Stated and analyzed structural properties about </a:t>
+              <a:t>Stated and analyzed structural properties </a:t>
+            </a:r>
+            <a:r>
+              <a:rPr lang="en-US" dirty="0" smtClean="0"/>
+              <a:t>of </a:t>
             </a:r>
             <a:r>
               <a:rPr lang="en-US" dirty="0" err="1" smtClean="0"/>
@@ -5595,23 +5910,74 @@
               <a:t> in </a:t>
             </a:r>
             <a:r>
+              <a:rPr lang="en-US" dirty="0" smtClean="0"/>
+              <a:t>Resolute </a:t>
+            </a:r>
+            <a:r>
+              <a:rPr lang="en-US" dirty="0" smtClean="0">
+                <a:solidFill>
+                  <a:srgbClr val="0000FF"/>
+                </a:solidFill>
+              </a:rPr>
+              <a:t>(LQ/AFRL, DC)</a:t>
+            </a:r>
+            <a:endParaRPr lang="en-US" dirty="0">
+              <a:solidFill>
+                <a:srgbClr val="0000FF"/>
+              </a:solidFill>
+            </a:endParaRPr>
+          </a:p>
+          <a:p>
+            <a:pPr fontAlgn="base"/>
+            <a:r>
+              <a:rPr lang="en-US" dirty="0" smtClean="0"/>
+              <a:t>Idioms and lemmas </a:t>
+            </a:r>
+            <a:r>
               <a:rPr lang="en-US" dirty="0"/>
-              <a:t>Resolute</a:t>
-            </a:r>
+              <a:t>developed and documented for effective use of </a:t>
+            </a:r>
+            <a:r>
+              <a:rPr lang="en-US" dirty="0" smtClean="0"/>
+              <a:t>AGREE </a:t>
+            </a:r>
+            <a:r>
+              <a:rPr lang="en-US" dirty="0" smtClean="0">
+                <a:solidFill>
+                  <a:srgbClr val="0000FF"/>
+                </a:solidFill>
+              </a:rPr>
+              <a:t>(DC, RC)</a:t>
+            </a:r>
+            <a:endParaRPr lang="en-US" dirty="0">
+              <a:solidFill>
+                <a:srgbClr val="0000FF"/>
+              </a:solidFill>
+            </a:endParaRPr>
           </a:p>
           <a:p>
             <a:pPr fontAlgn="base"/>
             <a:r>
               <a:rPr lang="en-US" dirty="0"/>
-              <a:t>Idioms developed and documented for effective use of AGREE</a:t>
-            </a:r>
-          </a:p>
-          <a:p>
-            <a:pPr fontAlgn="base"/>
-            <a:r>
-              <a:rPr lang="en-US" dirty="0"/>
-              <a:t>Developed tool to compose component contracts into a system contract</a:t>
-            </a:r>
+              <a:t>Developed tool to compose component contracts into a system </a:t>
+            </a:r>
+            <a:r>
+              <a:rPr lang="en-US" dirty="0" smtClean="0"/>
+              <a:t>contract </a:t>
+            </a:r>
+            <a:r>
+              <a:rPr lang="en-US" dirty="0" smtClean="0">
+                <a:solidFill>
+                  <a:srgbClr val="0000FF"/>
+                </a:solidFill>
+              </a:rPr>
+              <a:t>(H, ISU)</a:t>
+            </a:r>
+            <a:endParaRPr lang="en-US" dirty="0">
+              <a:solidFill>
+                <a:srgbClr val="0000FF"/>
+              </a:solidFill>
+            </a:endParaRPr>
           </a:p>
           <a:p>
             <a:pPr lvl="1" fontAlgn="base"/>
@@ -5636,16 +6002,49 @@
             </a:r>
             <a:r>
               <a:rPr lang="en-US" dirty="0" smtClean="0"/>
-              <a:t> to the Robot Operating System (ROS)</a:t>
-            </a:r>
+              <a:t> to the Robot Operating System (ROS</a:t>
+            </a:r>
+            <a:r>
+              <a:rPr lang="en-US" dirty="0" smtClean="0"/>
+              <a:t>) </a:t>
+            </a:r>
+            <a:r>
+              <a:rPr lang="en-US" dirty="0" smtClean="0">
+                <a:solidFill>
+                  <a:srgbClr val="0000FF"/>
+                </a:solidFill>
+              </a:rPr>
+              <a:t>(UC)</a:t>
+            </a:r>
+            <a:endParaRPr lang="en-US" dirty="0" smtClean="0">
+              <a:solidFill>
+                <a:srgbClr val="0000FF"/>
+              </a:solidFill>
+            </a:endParaRPr>
           </a:p>
           <a:p>
             <a:pPr fontAlgn="base"/>
             <a:r>
               <a:rPr lang="en-US" dirty="0" smtClean="0"/>
-              <a:t>Created an assurance argument for state machine correctness</a:t>
-            </a:r>
-            <a:endParaRPr lang="en-US" dirty="0"/>
+              <a:t>Created an assurance argument for state machine </a:t>
+            </a:r>
+            <a:r>
+              <a:rPr lang="en-US" dirty="0" smtClean="0"/>
+              <a:t>correctness </a:t>
+            </a:r>
+            <a:r>
+              <a:rPr lang="en-US" dirty="0" smtClean="0">
+                <a:solidFill>
+                  <a:srgbClr val="0000FF"/>
+                </a:solidFill>
+              </a:rPr>
+              <a:t>(DC)</a:t>
+            </a:r>
+            <a:endParaRPr lang="en-US" dirty="0">
+              <a:solidFill>
+                <a:srgbClr val="0000FF"/>
+              </a:solidFill>
+            </a:endParaRPr>
           </a:p>
           <a:p>
             <a:pPr fontAlgn="base"/>
@@ -6080,6 +6479,34 @@
           </a:extLst>
         </p:spPr>
       </p:pic>
+      <p:sp>
+        <p:nvSpPr>
+          <p:cNvPr id="9" name="Footer Placeholder 3"/>
+          <p:cNvSpPr>
+            <a:spLocks noGrp="1"/>
+          </p:cNvSpPr>
+          <p:nvPr>
+            <p:ph type="ftr" sz="quarter" idx="11"/>
+          </p:nvPr>
+        </p:nvSpPr>
+        <p:spPr>
+          <a:xfrm>
+            <a:off x="4038600" y="6419124"/>
+            <a:ext cx="4114800" cy="306936"/>
+          </a:xfrm>
+        </p:spPr>
+        <p:txBody>
+          <a:bodyPr/>
+          <a:lstStyle/>
+          <a:p>
+            <a:r>
+              <a:rPr lang="en-US" dirty="0" smtClean="0"/>
+              <a:t>Architecture Group</a:t>
+            </a:r>
+            <a:endParaRPr lang="en-US" dirty="0"/>
+          </a:p>
+        </p:txBody>
+      </p:sp>
     </p:spTree>
     <p:extLst>
       <p:ext uri="{BB962C8B-B14F-4D97-AF65-F5344CB8AC3E}">
@@ -6151,18 +6578,74 @@
           <a:lstStyle/>
           <a:p>
             <a:r>
+              <a:rPr lang="en-US" dirty="0" smtClean="0"/>
+              <a:t>For components with state machines, we can check that</a:t>
+            </a:r>
+          </a:p>
+          <a:p>
+            <a:pPr lvl="1"/>
+            <a:r>
+              <a:rPr lang="en-US" dirty="0" smtClean="0"/>
+              <a:t>All states </a:t>
+            </a:r>
+            <a:r>
               <a:rPr lang="en-US" dirty="0"/>
-              <a:t>States and transitions are </a:t>
-            </a:r>
-            <a:r>
-              <a:rPr lang="en-US" dirty="0" smtClean="0"/>
-              <a:t>reachable</a:t>
-            </a:r>
-          </a:p>
-          <a:p>
-            <a:r>
-              <a:rPr lang="en-US" dirty="0" smtClean="0"/>
-              <a:t>[Ben and Jen fill in]</a:t>
+              <a:t>and </a:t>
+            </a:r>
+            <a:r>
+              <a:rPr lang="en-US" dirty="0" smtClean="0"/>
+              <a:t>transitions are reachable</a:t>
+            </a:r>
+          </a:p>
+          <a:p>
+            <a:pPr lvl="1"/>
+            <a:r>
+              <a:rPr lang="en-US" dirty="0" smtClean="0"/>
+              <a:t>Only the states and transitions specified are possible</a:t>
+            </a:r>
+          </a:p>
+          <a:p>
+            <a:r>
+              <a:rPr lang="en-US" dirty="0" smtClean="0"/>
+              <a:t>All input/output events are possible</a:t>
+            </a:r>
+          </a:p>
+          <a:p>
+            <a:r>
+              <a:rPr lang="en-US" dirty="0" smtClean="0"/>
+              <a:t>We can also check that each component is </a:t>
+            </a:r>
+            <a:r>
+              <a:rPr lang="en-US" i="1" dirty="0" smtClean="0"/>
+              <a:t>realizable</a:t>
+            </a:r>
+            <a:endParaRPr lang="en-US" dirty="0" smtClean="0"/>
+          </a:p>
+        </p:txBody>
+      </p:sp>
+      <p:sp>
+        <p:nvSpPr>
+          <p:cNvPr id="4" name="Footer Placeholder 3"/>
+          <p:cNvSpPr>
+            <a:spLocks noGrp="1"/>
+          </p:cNvSpPr>
+          <p:nvPr>
+            <p:ph type="ftr" sz="quarter" idx="11"/>
+          </p:nvPr>
+        </p:nvSpPr>
+        <p:spPr>
+          <a:xfrm>
+            <a:off x="4038600" y="6419124"/>
+            <a:ext cx="4114800" cy="306936"/>
+          </a:xfrm>
+        </p:spPr>
+        <p:txBody>
+          <a:bodyPr/>
+          <a:lstStyle/>
+          <a:p>
+            <a:r>
+              <a:rPr lang="en-US" dirty="0" smtClean="0"/>
+              <a:t>Architecture Group</a:t>
             </a:r>
             <a:endParaRPr lang="en-US" dirty="0"/>
           </a:p>
@@ -6250,6 +6733,34 @@
           </a:p>
         </p:txBody>
       </p:sp>
+      <p:sp>
+        <p:nvSpPr>
+          <p:cNvPr id="4" name="Footer Placeholder 3"/>
+          <p:cNvSpPr>
+            <a:spLocks noGrp="1"/>
+          </p:cNvSpPr>
+          <p:nvPr>
+            <p:ph type="ftr" sz="quarter" idx="11"/>
+          </p:nvPr>
+        </p:nvSpPr>
+        <p:spPr>
+          <a:xfrm>
+            <a:off x="4038600" y="6419124"/>
+            <a:ext cx="4114800" cy="306936"/>
+          </a:xfrm>
+        </p:spPr>
+        <p:txBody>
+          <a:bodyPr/>
+          <a:lstStyle/>
+          <a:p>
+            <a:r>
+              <a:rPr lang="en-US" dirty="0" smtClean="0"/>
+              <a:t>Architecture Group</a:t>
+            </a:r>
+            <a:endParaRPr lang="en-US" dirty="0"/>
+          </a:p>
+        </p:txBody>
+      </p:sp>
     </p:spTree>
     <p:extLst>
       <p:ext uri="{BB962C8B-B14F-4D97-AF65-F5344CB8AC3E}">
@@ -6323,6 +6834,34 @@
             <a:r>
               <a:rPr lang="en-US" dirty="0" smtClean="0"/>
               <a:t>[Ben fill in]</a:t>
+            </a:r>
+            <a:endParaRPr lang="en-US" dirty="0"/>
+          </a:p>
+        </p:txBody>
+      </p:sp>
+      <p:sp>
+        <p:nvSpPr>
+          <p:cNvPr id="4" name="Footer Placeholder 3"/>
+          <p:cNvSpPr>
+            <a:spLocks noGrp="1"/>
+          </p:cNvSpPr>
+          <p:nvPr>
+            <p:ph type="ftr" sz="quarter" idx="11"/>
+          </p:nvPr>
+        </p:nvSpPr>
+        <p:spPr>
+          <a:xfrm>
+            <a:off x="4038600" y="6419124"/>
+            <a:ext cx="4114800" cy="306936"/>
+          </a:xfrm>
+        </p:spPr>
+        <p:txBody>
+          <a:bodyPr/>
+          <a:lstStyle/>
+          <a:p>
+            <a:r>
+              <a:rPr lang="en-US" dirty="0" smtClean="0"/>
+              <a:t>Architecture Group</a:t>
             </a:r>
             <a:endParaRPr lang="en-US" dirty="0"/>
           </a:p>

--- a/presentations/S5_SoI_Architecture_Group.pptx
+++ b/presentations/S5_SoI_Architecture_Group.pptx
@@ -5,7 +5,7 @@
     <p:sldMasterId id="2147483648" r:id="rId1"/>
   </p:sldMasterIdLst>
   <p:notesMasterIdLst>
-    <p:notesMasterId r:id="rId13"/>
+    <p:notesMasterId r:id="rId14"/>
   </p:notesMasterIdLst>
   <p:sldIdLst>
     <p:sldId id="256" r:id="rId2"/>
@@ -15,10 +15,11 @@
     <p:sldId id="260" r:id="rId6"/>
     <p:sldId id="265" r:id="rId7"/>
     <p:sldId id="263" r:id="rId8"/>
-    <p:sldId id="264" r:id="rId9"/>
-    <p:sldId id="266" r:id="rId10"/>
-    <p:sldId id="261" r:id="rId11"/>
-    <p:sldId id="262" r:id="rId12"/>
+    <p:sldId id="266" r:id="rId9"/>
+    <p:sldId id="267" r:id="rId10"/>
+    <p:sldId id="268" r:id="rId11"/>
+    <p:sldId id="261" r:id="rId12"/>
+    <p:sldId id="262" r:id="rId13"/>
   </p:sldIdLst>
   <p:sldSz cx="12192000" cy="6858000"/>
   <p:notesSz cx="6858000" cy="9144000"/>
@@ -207,7 +208,7 @@
           <a:p>
             <a:fld id="{7E04793A-A12B-44AC-A0A5-947722C372BD}" type="datetimeFigureOut">
               <a:rPr lang="en-US" smtClean="0"/>
-              <a:t>7/14/2017</a:t>
+              <a:t>7/25/2017</a:t>
             </a:fld>
             <a:endParaRPr lang="en-US"/>
           </a:p>
@@ -960,7 +961,7 @@
           <a:p>
             <a:fld id="{563BCB51-F13E-4501-921D-7D4EB39EDE9B}" type="slidenum">
               <a:rPr lang="en-US" smtClean="0"/>
-              <a:t>10</a:t>
+              <a:t>11</a:t>
             </a:fld>
             <a:endParaRPr lang="en-US"/>
           </a:p>
@@ -1044,7 +1045,7 @@
           <a:p>
             <a:fld id="{563BCB51-F13E-4501-921D-7D4EB39EDE9B}" type="slidenum">
               <a:rPr lang="en-US" smtClean="0"/>
-              <a:t>11</a:t>
+              <a:t>12</a:t>
             </a:fld>
             <a:endParaRPr lang="en-US"/>
           </a:p>
@@ -1194,7 +1195,7 @@
           <a:p>
             <a:fld id="{9228EC5D-0FAB-4052-8D3C-D3FC4849CE90}" type="datetimeFigureOut">
               <a:rPr lang="en-US" smtClean="0"/>
-              <a:t>7/14/2017</a:t>
+              <a:t>7/25/2017</a:t>
             </a:fld>
             <a:endParaRPr lang="en-US"/>
           </a:p>
@@ -1369,7 +1370,7 @@
           <a:p>
             <a:fld id="{9228EC5D-0FAB-4052-8D3C-D3FC4849CE90}" type="datetimeFigureOut">
               <a:rPr lang="en-US" smtClean="0"/>
-              <a:t>7/14/2017</a:t>
+              <a:t>7/25/2017</a:t>
             </a:fld>
             <a:endParaRPr lang="en-US"/>
           </a:p>
@@ -1549,7 +1550,7 @@
           <a:p>
             <a:fld id="{9228EC5D-0FAB-4052-8D3C-D3FC4849CE90}" type="datetimeFigureOut">
               <a:rPr lang="en-US" smtClean="0"/>
-              <a:t>7/14/2017</a:t>
+              <a:t>7/25/2017</a:t>
             </a:fld>
             <a:endParaRPr lang="en-US"/>
           </a:p>
@@ -1724,7 +1725,7 @@
           <a:p>
             <a:fld id="{9228EC5D-0FAB-4052-8D3C-D3FC4849CE90}" type="datetimeFigureOut">
               <a:rPr lang="en-US" smtClean="0"/>
-              <a:t>7/14/2017</a:t>
+              <a:t>7/25/2017</a:t>
             </a:fld>
             <a:endParaRPr lang="en-US"/>
           </a:p>
@@ -1970,7 +1971,7 @@
           <a:p>
             <a:fld id="{9228EC5D-0FAB-4052-8D3C-D3FC4849CE90}" type="datetimeFigureOut">
               <a:rPr lang="en-US" smtClean="0"/>
-              <a:t>7/14/2017</a:t>
+              <a:t>7/25/2017</a:t>
             </a:fld>
             <a:endParaRPr lang="en-US"/>
           </a:p>
@@ -2207,7 +2208,7 @@
           <a:p>
             <a:fld id="{9228EC5D-0FAB-4052-8D3C-D3FC4849CE90}" type="datetimeFigureOut">
               <a:rPr lang="en-US" smtClean="0"/>
-              <a:t>7/14/2017</a:t>
+              <a:t>7/25/2017</a:t>
             </a:fld>
             <a:endParaRPr lang="en-US"/>
           </a:p>
@@ -2574,7 +2575,7 @@
           <a:p>
             <a:fld id="{9228EC5D-0FAB-4052-8D3C-D3FC4849CE90}" type="datetimeFigureOut">
               <a:rPr lang="en-US" smtClean="0"/>
-              <a:t>7/14/2017</a:t>
+              <a:t>7/25/2017</a:t>
             </a:fld>
             <a:endParaRPr lang="en-US"/>
           </a:p>
@@ -2697,7 +2698,7 @@
           <a:p>
             <a:fld id="{9228EC5D-0FAB-4052-8D3C-D3FC4849CE90}" type="datetimeFigureOut">
               <a:rPr lang="en-US" smtClean="0"/>
-              <a:t>7/14/2017</a:t>
+              <a:t>7/25/2017</a:t>
             </a:fld>
             <a:endParaRPr lang="en-US"/>
           </a:p>
@@ -2792,7 +2793,7 @@
           <a:p>
             <a:fld id="{9228EC5D-0FAB-4052-8D3C-D3FC4849CE90}" type="datetimeFigureOut">
               <a:rPr lang="en-US" smtClean="0"/>
-              <a:t>7/14/2017</a:t>
+              <a:t>7/25/2017</a:t>
             </a:fld>
             <a:endParaRPr lang="en-US"/>
           </a:p>
@@ -3069,7 +3070,7 @@
           <a:p>
             <a:fld id="{9228EC5D-0FAB-4052-8D3C-D3FC4849CE90}" type="datetimeFigureOut">
               <a:rPr lang="en-US" smtClean="0"/>
-              <a:t>7/14/2017</a:t>
+              <a:t>7/25/2017</a:t>
             </a:fld>
             <a:endParaRPr lang="en-US"/>
           </a:p>
@@ -3322,7 +3323,7 @@
           <a:p>
             <a:fld id="{9228EC5D-0FAB-4052-8D3C-D3FC4849CE90}" type="datetimeFigureOut">
               <a:rPr lang="en-US" smtClean="0"/>
-              <a:t>7/14/2017</a:t>
+              <a:t>7/25/2017</a:t>
             </a:fld>
             <a:endParaRPr lang="en-US"/>
           </a:p>
@@ -3535,7 +3536,7 @@
           <a:p>
             <a:fld id="{9228EC5D-0FAB-4052-8D3C-D3FC4849CE90}" type="datetimeFigureOut">
               <a:rPr lang="en-US" smtClean="0"/>
-              <a:t>7/14/2017</a:t>
+              <a:t>7/25/2017</a:t>
             </a:fld>
             <a:endParaRPr lang="en-US"/>
           </a:p>
@@ -4411,6 +4412,106 @@
           <a:bodyPr/>
           <a:lstStyle/>
           <a:p>
+            <a:endParaRPr lang="en-US"/>
+          </a:p>
+        </p:txBody>
+      </p:sp>
+      <p:sp>
+        <p:nvSpPr>
+          <p:cNvPr id="3" name="Content Placeholder 2"/>
+          <p:cNvSpPr>
+            <a:spLocks noGrp="1"/>
+          </p:cNvSpPr>
+          <p:nvPr>
+            <p:ph idx="1"/>
+          </p:nvPr>
+        </p:nvSpPr>
+        <p:spPr/>
+        <p:txBody>
+          <a:bodyPr/>
+          <a:lstStyle/>
+          <a:p>
+            <a:r>
+              <a:rPr lang="en-US" dirty="0" smtClean="0"/>
+              <a:t>[Placeholder for Chris Elliott’s work]</a:t>
+            </a:r>
+            <a:endParaRPr lang="en-US" dirty="0"/>
+          </a:p>
+        </p:txBody>
+      </p:sp>
+      <p:sp>
+        <p:nvSpPr>
+          <p:cNvPr id="4" name="Footer Placeholder 3"/>
+          <p:cNvSpPr>
+            <a:spLocks noGrp="1"/>
+          </p:cNvSpPr>
+          <p:nvPr>
+            <p:ph type="ftr" sz="quarter" idx="11"/>
+          </p:nvPr>
+        </p:nvSpPr>
+        <p:spPr>
+          <a:xfrm>
+            <a:off x="4038600" y="6419124"/>
+            <a:ext cx="4114800" cy="306936"/>
+          </a:xfrm>
+        </p:spPr>
+        <p:txBody>
+          <a:bodyPr/>
+          <a:lstStyle/>
+          <a:p>
+            <a:r>
+              <a:rPr lang="en-US" dirty="0" smtClean="0"/>
+              <a:t>Architecture Group</a:t>
+            </a:r>
+            <a:endParaRPr lang="en-US" dirty="0"/>
+          </a:p>
+        </p:txBody>
+      </p:sp>
+    </p:spTree>
+    <p:extLst>
+      <p:ext uri="{BB962C8B-B14F-4D97-AF65-F5344CB8AC3E}">
+        <p14:creationId xmlns:p14="http://schemas.microsoft.com/office/powerpoint/2010/main" val="1619698478"/>
+      </p:ext>
+    </p:extLst>
+  </p:cSld>
+  <p:clrMapOvr>
+    <a:masterClrMapping/>
+  </p:clrMapOvr>
+</p:sld>
+</file>
+
+<file path=ppt/slides/slide11.xml><?xml version="1.0" encoding="utf-8"?>
+<p:sld xmlns:a="http://schemas.openxmlformats.org/drawingml/2006/main" xmlns:r="http://schemas.openxmlformats.org/officeDocument/2006/relationships" xmlns:p="http://schemas.openxmlformats.org/presentationml/2006/main">
+  <p:cSld>
+    <p:spTree>
+      <p:nvGrpSpPr>
+        <p:cNvPr id="1" name=""/>
+        <p:cNvGrpSpPr/>
+        <p:nvPr/>
+      </p:nvGrpSpPr>
+      <p:grpSpPr>
+        <a:xfrm>
+          <a:off x="0" y="0"/>
+          <a:ext cx="0" cy="0"/>
+          <a:chOff x="0" y="0"/>
+          <a:chExt cx="0" cy="0"/>
+        </a:xfrm>
+      </p:grpSpPr>
+      <p:sp>
+        <p:nvSpPr>
+          <p:cNvPr id="2" name="Title 1"/>
+          <p:cNvSpPr>
+            <a:spLocks noGrp="1"/>
+          </p:cNvSpPr>
+          <p:nvPr>
+            <p:ph type="title"/>
+          </p:nvPr>
+        </p:nvSpPr>
+        <p:spPr/>
+        <p:txBody>
+          <a:bodyPr/>
+          <a:lstStyle/>
+          <a:p>
             <a:r>
               <a:rPr lang="en-US" dirty="0" smtClean="0"/>
               <a:t>Lessons Learned</a:t>
@@ -4432,7 +4533,7 @@
         <p:spPr/>
         <p:txBody>
           <a:bodyPr>
-            <a:normAutofit lnSpcReduction="10000"/>
+            <a:normAutofit fontScale="92500" lnSpcReduction="10000"/>
           </a:bodyPr>
           <a:lstStyle/>
           <a:p>
@@ -4446,7 +4547,25 @@
             </a:pPr>
             <a:r>
               <a:rPr lang="en-US" dirty="0" smtClean="0"/>
-              <a:t>Data types (or an ontology), ports, and connections can be automatically extracted from code (with some moderate up front work)</a:t>
+              <a:t>Many problems are identified through the process of formalization, before analysis</a:t>
+            </a:r>
+          </a:p>
+          <a:p>
+            <a:pPr>
+              <a:lnSpc>
+                <a:spcPct val="100000"/>
+              </a:lnSpc>
+              <a:spcBef>
+                <a:spcPts val="200"/>
+              </a:spcBef>
+            </a:pPr>
+            <a:r>
+              <a:rPr lang="en-US" dirty="0" smtClean="0"/>
+              <a:t>Data </a:t>
+            </a:r>
+            <a:r>
+              <a:rPr lang="en-US" dirty="0" smtClean="0"/>
+              <a:t>types (or an ontology), ports, and connections can be automatically extracted from code (with some moderate up front work)</a:t>
             </a:r>
           </a:p>
           <a:p>
@@ -4636,7 +4755,7 @@
           <a:p>
             <a:fld id="{22900CBD-C7D3-47FA-BEF9-49DBBEB1A58F}" type="slidenum">
               <a:rPr lang="en-US" smtClean="0"/>
-              <a:t>10</a:t>
+              <a:t>11</a:t>
             </a:fld>
             <a:endParaRPr lang="en-US"/>
           </a:p>
@@ -4662,7 +4781,7 @@
 </p:sld>
 </file>
 
-<file path=ppt/slides/slide11.xml><?xml version="1.0" encoding="utf-8"?>
+<file path=ppt/slides/slide12.xml><?xml version="1.0" encoding="utf-8"?>
 <p:sld xmlns:a="http://schemas.openxmlformats.org/drawingml/2006/main" xmlns:r="http://schemas.openxmlformats.org/officeDocument/2006/relationships" xmlns:p="http://schemas.openxmlformats.org/presentationml/2006/main">
   <p:cSld>
     <p:spTree>
@@ -4872,7 +4991,7 @@
           <a:p>
             <a:fld id="{22900CBD-C7D3-47FA-BEF9-49DBBEB1A58F}" type="slidenum">
               <a:rPr lang="en-US" smtClean="0"/>
-              <a:t>11</a:t>
+              <a:t>12</a:t>
             </a:fld>
             <a:endParaRPr lang="en-US"/>
           </a:p>
@@ -5264,13 +5383,8 @@
             </a:pPr>
             <a:r>
               <a:rPr lang="en-US" dirty="0" smtClean="0"/>
-              <a:t>Brian Hulbert – </a:t>
-            </a:r>
-            <a:r>
-              <a:rPr lang="en-US" dirty="0" smtClean="0"/>
-              <a:t>LinQuest (LQ)/AFRL</a:t>
-            </a:r>
-            <a:endParaRPr lang="en-US" dirty="0" smtClean="0"/>
+              <a:t>Brian Hulbert – LinQuest (LQ)/AFRL</a:t>
+            </a:r>
           </a:p>
           <a:p>
             <a:pPr lvl="1">
@@ -5283,13 +5397,8 @@
             </a:pPr>
             <a:r>
               <a:rPr lang="en-US" dirty="0" smtClean="0"/>
-              <a:t>Jen Davis – Rockwell </a:t>
-            </a:r>
-            <a:r>
-              <a:rPr lang="en-US" dirty="0" smtClean="0"/>
-              <a:t>Collins (RC)</a:t>
-            </a:r>
-            <a:endParaRPr lang="en-US" dirty="0" smtClean="0"/>
+              <a:t>Jen Davis – Rockwell Collins (RC)</a:t>
+            </a:r>
           </a:p>
           <a:p>
             <a:pPr lvl="1">
@@ -5768,7 +5877,7 @@
         <p:spPr/>
         <p:txBody>
           <a:bodyPr>
-            <a:normAutofit fontScale="85000" lnSpcReduction="10000"/>
+            <a:normAutofit fontScale="92500" lnSpcReduction="20000"/>
           </a:bodyPr>
           <a:lstStyle/>
           <a:p>
@@ -5855,11 +5964,7 @@
             </a:r>
             <a:r>
               <a:rPr lang="en-US" dirty="0" smtClean="0"/>
-              <a:t>behavioral properties </a:t>
-            </a:r>
-            <a:r>
-              <a:rPr lang="en-US" dirty="0" smtClean="0"/>
-              <a:t>of these </a:t>
+              <a:t>behavioral properties of these </a:t>
             </a:r>
             <a:r>
               <a:rPr lang="en-US" dirty="0"/>
@@ -5886,52 +5991,12 @@
           <a:p>
             <a:pPr fontAlgn="base"/>
             <a:r>
-              <a:rPr lang="en-US" dirty="0">
-                <a:solidFill>
-                  <a:srgbClr val="FF0000"/>
-                </a:solidFill>
-              </a:rPr>
-              <a:t>**</a:t>
-            </a:r>
-            <a:r>
-              <a:rPr lang="en-US" dirty="0"/>
-              <a:t>Stated and analyzed structural properties </a:t>
-            </a:r>
-            <a:r>
-              <a:rPr lang="en-US" dirty="0" smtClean="0"/>
-              <a:t>of </a:t>
-            </a:r>
-            <a:r>
-              <a:rPr lang="en-US" dirty="0" err="1" smtClean="0"/>
-              <a:t>UxAS</a:t>
-            </a:r>
-            <a:r>
-              <a:rPr lang="en-US" dirty="0" smtClean="0"/>
-              <a:t> in </a:t>
-            </a:r>
-            <a:r>
-              <a:rPr lang="en-US" dirty="0" smtClean="0"/>
-              <a:t>Resolute </a:t>
-            </a:r>
-            <a:r>
-              <a:rPr lang="en-US" dirty="0" smtClean="0">
-                <a:solidFill>
-                  <a:srgbClr val="0000FF"/>
-                </a:solidFill>
-              </a:rPr>
-              <a:t>(LQ/AFRL, DC)</a:t>
-            </a:r>
-            <a:endParaRPr lang="en-US" dirty="0">
-              <a:solidFill>
-                <a:srgbClr val="0000FF"/>
-              </a:solidFill>
-            </a:endParaRPr>
-          </a:p>
-          <a:p>
-            <a:pPr fontAlgn="base"/>
-            <a:r>
-              <a:rPr lang="en-US" dirty="0" smtClean="0"/>
-              <a:t>Idioms and lemmas </a:t>
+              <a:rPr lang="en-US" dirty="0" smtClean="0"/>
+              <a:t>Idioms </a:t>
+            </a:r>
+            <a:r>
+              <a:rPr lang="en-US" dirty="0" smtClean="0"/>
+              <a:t>and lemmas </a:t>
             </a:r>
             <a:r>
               <a:rPr lang="en-US" dirty="0"/>
@@ -6002,11 +6067,7 @@
             </a:r>
             <a:r>
               <a:rPr lang="en-US" dirty="0" smtClean="0"/>
-              <a:t> to the Robot Operating System (ROS</a:t>
-            </a:r>
-            <a:r>
-              <a:rPr lang="en-US" dirty="0" smtClean="0"/>
-              <a:t>) </a:t>
+              <a:t> to the Robot Operating System (ROS) </a:t>
             </a:r>
             <a:r>
               <a:rPr lang="en-US" dirty="0" smtClean="0">
@@ -6016,21 +6077,12 @@
               </a:rPr>
               <a:t>(UC)</a:t>
             </a:r>
-            <a:endParaRPr lang="en-US" dirty="0" smtClean="0">
-              <a:solidFill>
-                <a:srgbClr val="0000FF"/>
-              </a:solidFill>
-            </a:endParaRPr>
           </a:p>
           <a:p>
             <a:pPr fontAlgn="base"/>
             <a:r>
               <a:rPr lang="en-US" dirty="0" smtClean="0"/>
-              <a:t>Created an assurance argument for state machine </a:t>
-            </a:r>
-            <a:r>
-              <a:rPr lang="en-US" dirty="0" smtClean="0"/>
-              <a:t>correctness </a:t>
+              <a:t>Created an assurance argument for state machine correctness </a:t>
             </a:r>
             <a:r>
               <a:rPr lang="en-US" dirty="0" smtClean="0">
@@ -6700,11 +6752,7 @@
           <a:p>
             <a:r>
               <a:rPr lang="en-US" dirty="0" smtClean="0"/>
-              <a:t>Accomplishments: Structural properties of </a:t>
-            </a:r>
-            <a:r>
-              <a:rPr lang="en-US" dirty="0" err="1" smtClean="0"/>
-              <a:t>UxAS</a:t>
+              <a:t>Accomplishments: State Machine Correctness Argument</a:t>
             </a:r>
             <a:endParaRPr lang="en-US" dirty="0"/>
           </a:p>
@@ -6727,7 +6775,7 @@
           <a:p>
             <a:r>
               <a:rPr lang="en-US" dirty="0" smtClean="0"/>
-              <a:t>[Aaron and Ben fill in]</a:t>
+              <a:t>[Ben fill in]</a:t>
             </a:r>
             <a:endParaRPr lang="en-US" dirty="0"/>
           </a:p>
@@ -6761,10 +6809,40 @@
           </a:p>
         </p:txBody>
       </p:sp>
+      <p:pic>
+        <p:nvPicPr>
+          <p:cNvPr id="5" name="Content Placeholder 4"/>
+          <p:cNvPicPr>
+            <a:picLocks noChangeAspect="1"/>
+          </p:cNvPicPr>
+          <p:nvPr/>
+        </p:nvPicPr>
+        <p:blipFill>
+          <a:blip r:embed="rId2">
+            <a:extLst>
+              <a:ext uri="{28A0092B-C50C-407E-A947-70E740481C1C}">
+                <a14:useLocalDpi xmlns:a14="http://schemas.microsoft.com/office/drawing/2010/main" val="0"/>
+              </a:ext>
+            </a:extLst>
+          </a:blip>
+          <a:stretch>
+            <a:fillRect/>
+          </a:stretch>
+        </p:blipFill>
+        <p:spPr>
+          <a:xfrm>
+            <a:off x="1403163" y="781917"/>
+            <a:ext cx="7106186" cy="5637207"/>
+          </a:xfrm>
+          <a:prstGeom prst="rect">
+            <a:avLst/>
+          </a:prstGeom>
+        </p:spPr>
+      </p:pic>
     </p:spTree>
     <p:extLst>
       <p:ext uri="{BB962C8B-B14F-4D97-AF65-F5344CB8AC3E}">
-        <p14:creationId xmlns:p14="http://schemas.microsoft.com/office/powerpoint/2010/main" val="3332586287"/>
+        <p14:creationId xmlns:p14="http://schemas.microsoft.com/office/powerpoint/2010/main" val="286898037"/>
       </p:ext>
     </p:extLst>
   </p:cSld>
@@ -6803,16 +6881,10 @@
         </p:nvSpPr>
         <p:spPr/>
         <p:txBody>
-          <a:bodyPr>
-            <a:normAutofit fontScale="90000"/>
-          </a:bodyPr>
-          <a:lstStyle/>
-          <a:p>
-            <a:r>
-              <a:rPr lang="en-US" dirty="0" smtClean="0"/>
-              <a:t>Accomplishments: State Machine Correctness Argument</a:t>
-            </a:r>
-            <a:endParaRPr lang="en-US" dirty="0"/>
+          <a:bodyPr/>
+          <a:lstStyle/>
+          <a:p>
+            <a:endParaRPr lang="en-US"/>
           </a:p>
         </p:txBody>
       </p:sp>
@@ -6833,7 +6905,7 @@
           <a:p>
             <a:r>
               <a:rPr lang="en-US" dirty="0" smtClean="0"/>
-              <a:t>[Ben fill in]</a:t>
+              <a:t>[Placeholder for GE’s work]</a:t>
             </a:r>
             <a:endParaRPr lang="en-US" dirty="0"/>
           </a:p>
@@ -6870,7 +6942,7 @@
     </p:spTree>
     <p:extLst>
       <p:ext uri="{BB962C8B-B14F-4D97-AF65-F5344CB8AC3E}">
-        <p14:creationId xmlns:p14="http://schemas.microsoft.com/office/powerpoint/2010/main" val="286898037"/>
+        <p14:creationId xmlns:p14="http://schemas.microsoft.com/office/powerpoint/2010/main" val="2960052227"/>
       </p:ext>
     </p:extLst>
   </p:cSld>

--- a/presentations/S5_SoI_Architecture_Group.pptx
+++ b/presentations/S5_SoI_Architecture_Group.pptx
@@ -1,11 +1,11 @@
 
 <file path=ppt/presentation.xml><?xml version="1.0" encoding="utf-8"?>
-<p:presentation xmlns:a="http://schemas.openxmlformats.org/drawingml/2006/main" xmlns:r="http://schemas.openxmlformats.org/officeDocument/2006/relationships" xmlns:p="http://schemas.openxmlformats.org/presentationml/2006/main" saveSubsetFonts="1">
+<p:presentation xmlns:a="http://schemas.openxmlformats.org/drawingml/2006/main" xmlns:r="http://schemas.openxmlformats.org/officeDocument/2006/relationships" xmlns:p="http://schemas.openxmlformats.org/presentationml/2006/main" saveSubsetFonts="1" autoCompressPictures="0">
   <p:sldMasterIdLst>
     <p:sldMasterId id="2147483648" r:id="rId1"/>
   </p:sldMasterIdLst>
   <p:notesMasterIdLst>
-    <p:notesMasterId r:id="rId14"/>
+    <p:notesMasterId r:id="rId32"/>
   </p:notesMasterIdLst>
   <p:sldIdLst>
     <p:sldId id="256" r:id="rId2"/>
@@ -13,13 +13,31 @@
     <p:sldId id="258" r:id="rId4"/>
     <p:sldId id="259" r:id="rId5"/>
     <p:sldId id="260" r:id="rId6"/>
-    <p:sldId id="265" r:id="rId7"/>
-    <p:sldId id="263" r:id="rId8"/>
-    <p:sldId id="266" r:id="rId9"/>
-    <p:sldId id="267" r:id="rId10"/>
-    <p:sldId id="268" r:id="rId11"/>
-    <p:sldId id="261" r:id="rId12"/>
-    <p:sldId id="262" r:id="rId13"/>
+    <p:sldId id="281" r:id="rId7"/>
+    <p:sldId id="265" r:id="rId8"/>
+    <p:sldId id="280" r:id="rId9"/>
+    <p:sldId id="263" r:id="rId10"/>
+    <p:sldId id="279" r:id="rId11"/>
+    <p:sldId id="267" r:id="rId12"/>
+    <p:sldId id="282" r:id="rId13"/>
+    <p:sldId id="283" r:id="rId14"/>
+    <p:sldId id="284" r:id="rId15"/>
+    <p:sldId id="285" r:id="rId16"/>
+    <p:sldId id="286" r:id="rId17"/>
+    <p:sldId id="266" r:id="rId18"/>
+    <p:sldId id="269" r:id="rId19"/>
+    <p:sldId id="268" r:id="rId20"/>
+    <p:sldId id="270" r:id="rId21"/>
+    <p:sldId id="271" r:id="rId22"/>
+    <p:sldId id="272" r:id="rId23"/>
+    <p:sldId id="273" r:id="rId24"/>
+    <p:sldId id="274" r:id="rId25"/>
+    <p:sldId id="275" r:id="rId26"/>
+    <p:sldId id="276" r:id="rId27"/>
+    <p:sldId id="277" r:id="rId28"/>
+    <p:sldId id="278" r:id="rId29"/>
+    <p:sldId id="261" r:id="rId30"/>
+    <p:sldId id="262" r:id="rId31"/>
   </p:sldIdLst>
   <p:sldSz cx="12192000" cy="6858000"/>
   <p:notesSz cx="6858000" cy="9144000"/>
@@ -208,7 +226,7 @@
           <a:p>
             <a:fld id="{7E04793A-A12B-44AC-A0A5-947722C372BD}" type="datetimeFigureOut">
               <a:rPr lang="en-US" smtClean="0"/>
-              <a:t>7/25/2017</a:t>
+              <a:t>7/26/2017</a:t>
             </a:fld>
             <a:endParaRPr lang="en-US"/>
           </a:p>
@@ -961,7 +979,7 @@
           <a:p>
             <a:fld id="{563BCB51-F13E-4501-921D-7D4EB39EDE9B}" type="slidenum">
               <a:rPr lang="en-US" smtClean="0"/>
-              <a:t>11</a:t>
+              <a:t>29</a:t>
             </a:fld>
             <a:endParaRPr lang="en-US"/>
           </a:p>
@@ -1045,7 +1063,7 @@
           <a:p>
             <a:fld id="{563BCB51-F13E-4501-921D-7D4EB39EDE9B}" type="slidenum">
               <a:rPr lang="en-US" smtClean="0"/>
-              <a:t>12</a:t>
+              <a:t>30</a:t>
             </a:fld>
             <a:endParaRPr lang="en-US"/>
           </a:p>
@@ -1195,7 +1213,7 @@
           <a:p>
             <a:fld id="{9228EC5D-0FAB-4052-8D3C-D3FC4849CE90}" type="datetimeFigureOut">
               <a:rPr lang="en-US" smtClean="0"/>
-              <a:t>7/25/2017</a:t>
+              <a:t>7/26/2017</a:t>
             </a:fld>
             <a:endParaRPr lang="en-US"/>
           </a:p>
@@ -1370,7 +1388,7 @@
           <a:p>
             <a:fld id="{9228EC5D-0FAB-4052-8D3C-D3FC4849CE90}" type="datetimeFigureOut">
               <a:rPr lang="en-US" smtClean="0"/>
-              <a:t>7/25/2017</a:t>
+              <a:t>7/26/2017</a:t>
             </a:fld>
             <a:endParaRPr lang="en-US"/>
           </a:p>
@@ -1550,7 +1568,7 @@
           <a:p>
             <a:fld id="{9228EC5D-0FAB-4052-8D3C-D3FC4849CE90}" type="datetimeFigureOut">
               <a:rPr lang="en-US" smtClean="0"/>
-              <a:t>7/25/2017</a:t>
+              <a:t>7/26/2017</a:t>
             </a:fld>
             <a:endParaRPr lang="en-US"/>
           </a:p>
@@ -1725,7 +1743,7 @@
           <a:p>
             <a:fld id="{9228EC5D-0FAB-4052-8D3C-D3FC4849CE90}" type="datetimeFigureOut">
               <a:rPr lang="en-US" smtClean="0"/>
-              <a:t>7/25/2017</a:t>
+              <a:t>7/26/2017</a:t>
             </a:fld>
             <a:endParaRPr lang="en-US"/>
           </a:p>
@@ -1971,7 +1989,7 @@
           <a:p>
             <a:fld id="{9228EC5D-0FAB-4052-8D3C-D3FC4849CE90}" type="datetimeFigureOut">
               <a:rPr lang="en-US" smtClean="0"/>
-              <a:t>7/25/2017</a:t>
+              <a:t>7/26/2017</a:t>
             </a:fld>
             <a:endParaRPr lang="en-US"/>
           </a:p>
@@ -2208,7 +2226,7 @@
           <a:p>
             <a:fld id="{9228EC5D-0FAB-4052-8D3C-D3FC4849CE90}" type="datetimeFigureOut">
               <a:rPr lang="en-US" smtClean="0"/>
-              <a:t>7/25/2017</a:t>
+              <a:t>7/26/2017</a:t>
             </a:fld>
             <a:endParaRPr lang="en-US"/>
           </a:p>
@@ -2575,7 +2593,7 @@
           <a:p>
             <a:fld id="{9228EC5D-0FAB-4052-8D3C-D3FC4849CE90}" type="datetimeFigureOut">
               <a:rPr lang="en-US" smtClean="0"/>
-              <a:t>7/25/2017</a:t>
+              <a:t>7/26/2017</a:t>
             </a:fld>
             <a:endParaRPr lang="en-US"/>
           </a:p>
@@ -2698,7 +2716,7 @@
           <a:p>
             <a:fld id="{9228EC5D-0FAB-4052-8D3C-D3FC4849CE90}" type="datetimeFigureOut">
               <a:rPr lang="en-US" smtClean="0"/>
-              <a:t>7/25/2017</a:t>
+              <a:t>7/26/2017</a:t>
             </a:fld>
             <a:endParaRPr lang="en-US"/>
           </a:p>
@@ -2793,7 +2811,7 @@
           <a:p>
             <a:fld id="{9228EC5D-0FAB-4052-8D3C-D3FC4849CE90}" type="datetimeFigureOut">
               <a:rPr lang="en-US" smtClean="0"/>
-              <a:t>7/25/2017</a:t>
+              <a:t>7/26/2017</a:t>
             </a:fld>
             <a:endParaRPr lang="en-US"/>
           </a:p>
@@ -3070,7 +3088,7 @@
           <a:p>
             <a:fld id="{9228EC5D-0FAB-4052-8D3C-D3FC4849CE90}" type="datetimeFigureOut">
               <a:rPr lang="en-US" smtClean="0"/>
-              <a:t>7/25/2017</a:t>
+              <a:t>7/26/2017</a:t>
             </a:fld>
             <a:endParaRPr lang="en-US"/>
           </a:p>
@@ -3323,7 +3341,7 @@
           <a:p>
             <a:fld id="{9228EC5D-0FAB-4052-8D3C-D3FC4849CE90}" type="datetimeFigureOut">
               <a:rPr lang="en-US" smtClean="0"/>
-              <a:t>7/25/2017</a:t>
+              <a:t>7/26/2017</a:t>
             </a:fld>
             <a:endParaRPr lang="en-US"/>
           </a:p>
@@ -3536,7 +3554,7 @@
           <a:p>
             <a:fld id="{9228EC5D-0FAB-4052-8D3C-D3FC4849CE90}" type="datetimeFigureOut">
               <a:rPr lang="en-US" smtClean="0"/>
-              <a:t>7/25/2017</a:t>
+              <a:t>7/26/2017</a:t>
             </a:fld>
             <a:endParaRPr lang="en-US"/>
           </a:p>
@@ -4433,44 +4451,40 @@
           <a:p>
             <a:r>
               <a:rPr lang="en-US" dirty="0" smtClean="0"/>
-              <a:t>[Placeholder for Chris Elliott’s work]</a:t>
-            </a:r>
-            <a:endParaRPr lang="en-US" dirty="0"/>
-          </a:p>
-        </p:txBody>
-      </p:sp>
-      <p:sp>
-        <p:nvSpPr>
-          <p:cNvPr id="4" name="Footer Placeholder 3"/>
-          <p:cNvSpPr>
-            <a:spLocks noGrp="1"/>
-          </p:cNvSpPr>
-          <p:nvPr>
-            <p:ph type="ftr" sz="quarter" idx="11"/>
-          </p:nvPr>
-        </p:nvSpPr>
-        <p:spPr>
-          <a:xfrm>
-            <a:off x="4038600" y="6419124"/>
-            <a:ext cx="4114800" cy="306936"/>
-          </a:xfrm>
-        </p:spPr>
-        <p:txBody>
-          <a:bodyPr/>
-          <a:lstStyle/>
-          <a:p>
-            <a:r>
-              <a:rPr lang="en-US" dirty="0" smtClean="0"/>
-              <a:t>Architecture Group</a:t>
-            </a:r>
-            <a:endParaRPr lang="en-US" dirty="0"/>
+              <a:t>[Document bugs/issues found via formalization and analysis]</a:t>
+            </a:r>
+          </a:p>
+          <a:p>
+            <a:r>
+              <a:rPr lang="en-US" dirty="0" smtClean="0">
+                <a:solidFill>
+                  <a:srgbClr val="FF0000"/>
+                </a:solidFill>
+              </a:rPr>
+              <a:t>Chris found stuff by talking to the Bens</a:t>
+            </a:r>
+          </a:p>
+          <a:p>
+            <a:r>
+              <a:rPr lang="en-US" dirty="0" smtClean="0">
+                <a:solidFill>
+                  <a:srgbClr val="FF0000"/>
+                </a:solidFill>
+              </a:rPr>
+              <a:t>Jen—ping Derek for list</a:t>
+            </a:r>
+            <a:endParaRPr lang="en-US" dirty="0">
+              <a:solidFill>
+                <a:srgbClr val="FF0000"/>
+              </a:solidFill>
+            </a:endParaRPr>
           </a:p>
         </p:txBody>
       </p:sp>
     </p:spTree>
     <p:extLst>
       <p:ext uri="{BB962C8B-B14F-4D97-AF65-F5344CB8AC3E}">
-        <p14:creationId xmlns:p14="http://schemas.microsoft.com/office/powerpoint/2010/main" val="1619698478"/>
+        <p14:creationId xmlns:p14="http://schemas.microsoft.com/office/powerpoint/2010/main" val="3185477435"/>
       </p:ext>
     </p:extLst>
   </p:cSld>
@@ -4512,9 +4526,28 @@
           <a:bodyPr/>
           <a:lstStyle/>
           <a:p>
+            <a:endParaRPr lang="en-US"/>
+          </a:p>
+        </p:txBody>
+      </p:sp>
+      <p:sp>
+        <p:nvSpPr>
+          <p:cNvPr id="3" name="Content Placeholder 2"/>
+          <p:cNvSpPr>
+            <a:spLocks noGrp="1"/>
+          </p:cNvSpPr>
+          <p:nvPr>
+            <p:ph idx="1"/>
+          </p:nvPr>
+        </p:nvSpPr>
+        <p:spPr/>
+        <p:txBody>
+          <a:bodyPr/>
+          <a:lstStyle/>
+          <a:p>
             <a:r>
               <a:rPr lang="en-US" dirty="0" smtClean="0"/>
-              <a:t>Lessons Learned</a:t>
+              <a:t>[Placeholder for GE’s work]</a:t>
             </a:r>
             <a:endParaRPr lang="en-US" dirty="0"/>
           </a:p>
@@ -4522,201 +4555,6 @@
       </p:sp>
       <p:sp>
         <p:nvSpPr>
-          <p:cNvPr id="3" name="Content Placeholder 2"/>
-          <p:cNvSpPr>
-            <a:spLocks noGrp="1"/>
-          </p:cNvSpPr>
-          <p:nvPr>
-            <p:ph idx="1"/>
-          </p:nvPr>
-        </p:nvSpPr>
-        <p:spPr/>
-        <p:txBody>
-          <a:bodyPr>
-            <a:normAutofit fontScale="92500" lnSpcReduction="10000"/>
-          </a:bodyPr>
-          <a:lstStyle/>
-          <a:p>
-            <a:pPr>
-              <a:lnSpc>
-                <a:spcPct val="100000"/>
-              </a:lnSpc>
-              <a:spcBef>
-                <a:spcPts val="200"/>
-              </a:spcBef>
-            </a:pPr>
-            <a:r>
-              <a:rPr lang="en-US" dirty="0" smtClean="0"/>
-              <a:t>Many problems are identified through the process of formalization, before analysis</a:t>
-            </a:r>
-          </a:p>
-          <a:p>
-            <a:pPr>
-              <a:lnSpc>
-                <a:spcPct val="100000"/>
-              </a:lnSpc>
-              <a:spcBef>
-                <a:spcPts val="200"/>
-              </a:spcBef>
-            </a:pPr>
-            <a:r>
-              <a:rPr lang="en-US" dirty="0" smtClean="0"/>
-              <a:t>Data </a:t>
-            </a:r>
-            <a:r>
-              <a:rPr lang="en-US" dirty="0" smtClean="0"/>
-              <a:t>types (or an ontology), ports, and connections can be automatically extracted from code (with some moderate up front work)</a:t>
-            </a:r>
-          </a:p>
-          <a:p>
-            <a:pPr>
-              <a:lnSpc>
-                <a:spcPct val="100000"/>
-              </a:lnSpc>
-              <a:spcBef>
-                <a:spcPts val="200"/>
-              </a:spcBef>
-            </a:pPr>
-            <a:r>
-              <a:rPr lang="en-US" dirty="0" smtClean="0"/>
-              <a:t>Reusable (template) properties help find common mistakes</a:t>
-            </a:r>
-          </a:p>
-          <a:p>
-            <a:pPr>
-              <a:lnSpc>
-                <a:spcPct val="100000"/>
-              </a:lnSpc>
-              <a:spcBef>
-                <a:spcPts val="200"/>
-              </a:spcBef>
-            </a:pPr>
-            <a:r>
-              <a:rPr lang="en-US" dirty="0" smtClean="0"/>
-              <a:t>Not every error can be detected with a template property--a review of the specification itself is still worthwhile</a:t>
-            </a:r>
-          </a:p>
-          <a:p>
-            <a:pPr>
-              <a:lnSpc>
-                <a:spcPct val="100000"/>
-              </a:lnSpc>
-              <a:spcBef>
-                <a:spcPts val="200"/>
-              </a:spcBef>
-            </a:pPr>
-            <a:r>
-              <a:rPr lang="en-US" dirty="0" smtClean="0"/>
-              <a:t>Assurance arguments are useful to capture the “rest of the story”</a:t>
-            </a:r>
-          </a:p>
-          <a:p>
-            <a:pPr lvl="1">
-              <a:lnSpc>
-                <a:spcPct val="100000"/>
-              </a:lnSpc>
-              <a:spcBef>
-                <a:spcPts val="200"/>
-              </a:spcBef>
-            </a:pPr>
-            <a:r>
-              <a:rPr lang="en-US" dirty="0" smtClean="0"/>
-              <a:t>Differences between the model and the real world</a:t>
-            </a:r>
-          </a:p>
-          <a:p>
-            <a:pPr lvl="1">
-              <a:lnSpc>
-                <a:spcPct val="100000"/>
-              </a:lnSpc>
-              <a:spcBef>
-                <a:spcPts val="200"/>
-              </a:spcBef>
-            </a:pPr>
-            <a:r>
-              <a:rPr lang="en-US" dirty="0" smtClean="0"/>
-              <a:t>Specification versus intent</a:t>
-            </a:r>
-          </a:p>
-          <a:p>
-            <a:pPr>
-              <a:lnSpc>
-                <a:spcPct val="100000"/>
-              </a:lnSpc>
-              <a:spcBef>
-                <a:spcPts val="200"/>
-              </a:spcBef>
-            </a:pPr>
-            <a:r>
-              <a:rPr lang="en-US" dirty="0" smtClean="0"/>
-              <a:t>SpeAR, ASSERT, and AADL/AGREE are all very capable analysis tools. Each one has some advantages over the others.</a:t>
-            </a:r>
-          </a:p>
-          <a:p>
-            <a:pPr>
-              <a:lnSpc>
-                <a:spcPct val="100000"/>
-              </a:lnSpc>
-              <a:spcBef>
-                <a:spcPts val="200"/>
-              </a:spcBef>
-            </a:pPr>
-            <a:r>
-              <a:rPr lang="en-US" dirty="0" smtClean="0"/>
-              <a:t>Challenges: arrays, inheritance</a:t>
-            </a:r>
-          </a:p>
-          <a:p>
-            <a:pPr>
-              <a:lnSpc>
-                <a:spcPct val="100000"/>
-              </a:lnSpc>
-              <a:spcBef>
-                <a:spcPts val="200"/>
-              </a:spcBef>
-            </a:pPr>
-            <a:endParaRPr lang="en-US" dirty="0" smtClean="0"/>
-          </a:p>
-          <a:p>
-            <a:pPr>
-              <a:lnSpc>
-                <a:spcPct val="100000"/>
-              </a:lnSpc>
-              <a:spcBef>
-                <a:spcPts val="200"/>
-              </a:spcBef>
-            </a:pPr>
-            <a:endParaRPr lang="en-US" dirty="0" smtClean="0"/>
-          </a:p>
-          <a:p>
-            <a:pPr>
-              <a:lnSpc>
-                <a:spcPct val="100000"/>
-              </a:lnSpc>
-              <a:spcBef>
-                <a:spcPts val="200"/>
-              </a:spcBef>
-            </a:pPr>
-            <a:endParaRPr lang="en-US" dirty="0" smtClean="0"/>
-          </a:p>
-          <a:p>
-            <a:pPr>
-              <a:lnSpc>
-                <a:spcPct val="100000"/>
-              </a:lnSpc>
-              <a:spcBef>
-                <a:spcPts val="200"/>
-              </a:spcBef>
-            </a:pPr>
-            <a:endParaRPr lang="en-US" dirty="0" smtClean="0"/>
-          </a:p>
-          <a:p>
-            <a:endParaRPr lang="en-US" dirty="0"/>
-          </a:p>
-        </p:txBody>
-      </p:sp>
-      <p:sp>
-        <p:nvSpPr>
           <p:cNvPr id="4" name="Footer Placeholder 3"/>
           <p:cNvSpPr>
             <a:spLocks noGrp="1"/>
@@ -4725,7 +4563,12 @@
             <p:ph type="ftr" sz="quarter" idx="11"/>
           </p:nvPr>
         </p:nvSpPr>
-        <p:spPr/>
+        <p:spPr>
+          <a:xfrm>
+            <a:off x="4038600" y="6419124"/>
+            <a:ext cx="4114800" cy="306936"/>
+          </a:xfrm>
+        </p:spPr>
         <p:txBody>
           <a:bodyPr/>
           <a:lstStyle/>
@@ -4735,49 +4578,19 @@
               <a:t>Architecture Group</a:t>
             </a:r>
             <a:endParaRPr lang="en-US" dirty="0"/>
-          </a:p>
-        </p:txBody>
-      </p:sp>
-      <p:sp>
-        <p:nvSpPr>
-          <p:cNvPr id="5" name="Slide Number Placeholder 4"/>
-          <p:cNvSpPr>
-            <a:spLocks noGrp="1"/>
-          </p:cNvSpPr>
-          <p:nvPr>
-            <p:ph type="sldNum" sz="quarter" idx="12"/>
-          </p:nvPr>
-        </p:nvSpPr>
-        <p:spPr/>
-        <p:txBody>
-          <a:bodyPr/>
-          <a:lstStyle/>
-          <a:p>
-            <a:fld id="{22900CBD-C7D3-47FA-BEF9-49DBBEB1A58F}" type="slidenum">
-              <a:rPr lang="en-US" smtClean="0"/>
-              <a:t>11</a:t>
-            </a:fld>
-            <a:endParaRPr lang="en-US"/>
           </a:p>
         </p:txBody>
       </p:sp>
     </p:spTree>
     <p:extLst>
       <p:ext uri="{BB962C8B-B14F-4D97-AF65-F5344CB8AC3E}">
-        <p14:creationId xmlns:p14="http://schemas.microsoft.com/office/powerpoint/2010/main" val="3123488723"/>
+        <p14:creationId xmlns:p14="http://schemas.microsoft.com/office/powerpoint/2010/main" val="2960052227"/>
       </p:ext>
     </p:extLst>
   </p:cSld>
   <p:clrMapOvr>
     <a:masterClrMapping/>
   </p:clrMapOvr>
-  <p:timing>
-    <p:tnLst>
-      <p:par>
-        <p:cTn id="1" dur="indefinite" restart="never" nodeType="tmRoot"/>
-      </p:par>
-    </p:tnLst>
-  </p:timing>
 </p:sld>
 </file>
 
@@ -4810,25 +4623,27 @@
         </p:nvSpPr>
         <p:spPr/>
         <p:txBody>
-          <a:bodyPr/>
-          <a:lstStyle/>
-          <a:p>
-            <a:r>
-              <a:rPr lang="en-US" dirty="0" smtClean="0"/>
-              <a:t>Recommended Future Directions</a:t>
-            </a:r>
-            <a:endParaRPr lang="en-US" dirty="0"/>
-          </a:p>
-        </p:txBody>
-      </p:sp>
-      <p:sp>
-        <p:nvSpPr>
-          <p:cNvPr id="3" name="Content Placeholder 2"/>
-          <p:cNvSpPr>
-            <a:spLocks noGrp="1"/>
-          </p:cNvSpPr>
-          <p:nvPr>
-            <p:ph idx="1"/>
+          <a:bodyPr>
+            <a:normAutofit/>
+          </a:bodyPr>
+          <a:lstStyle/>
+          <a:p>
+            <a:pPr algn="ctr"/>
+            <a:r>
+              <a:rPr lang="en-US" dirty="0"/>
+              <a:t>Proposed Approach </a:t>
+            </a:r>
+          </a:p>
+        </p:txBody>
+      </p:sp>
+      <p:sp>
+        <p:nvSpPr>
+          <p:cNvPr id="3" name="Footer Placeholder 2"/>
+          <p:cNvSpPr>
+            <a:spLocks noGrp="1"/>
+          </p:cNvSpPr>
+          <p:nvPr>
+            <p:ph type="ftr" sz="quarter" idx="11"/>
           </p:nvPr>
         </p:nvSpPr>
         <p:spPr/>
@@ -4836,124 +4651,2499 @@
           <a:bodyPr/>
           <a:lstStyle/>
           <a:p>
-            <a:pPr>
+            <a:r>
+              <a:rPr lang="en-US" dirty="0"/>
+              <a:t>Architecture Group</a:t>
+            </a:r>
+          </a:p>
+        </p:txBody>
+      </p:sp>
+      <p:sp>
+        <p:nvSpPr>
+          <p:cNvPr id="5" name="Flowchart: Multidocument 4"/>
+          <p:cNvSpPr/>
+          <p:nvPr/>
+        </p:nvSpPr>
+        <p:spPr>
+          <a:xfrm>
+            <a:off x="1705342" y="1810791"/>
+            <a:ext cx="1558456" cy="922352"/>
+          </a:xfrm>
+          <a:prstGeom prst="flowChartMultidocument">
+            <a:avLst/>
+          </a:prstGeom>
+          <a:noFill/>
+          <a:ln w="9525" cap="flat" cmpd="sng" algn="ctr">
+            <a:solidFill>
+              <a:srgbClr val="454545">
+                <a:lumMod val="50000"/>
+              </a:srgbClr>
+            </a:solidFill>
+            <a:prstDash val="solid"/>
+          </a:ln>
+          <a:effectLst/>
+        </p:spPr>
+        <p:txBody>
+          <a:bodyPr rtlCol="0" anchor="ctr"/>
+          <a:lstStyle/>
+          <a:p>
+            <a:pPr algn="ctr" eaLnBrk="0" fontAlgn="base" hangingPunct="0">
+              <a:spcBef>
+                <a:spcPct val="0"/>
+              </a:spcBef>
+              <a:spcAft>
+                <a:spcPct val="0"/>
+              </a:spcAft>
+              <a:defRPr/>
+            </a:pPr>
+            <a:r>
+              <a:rPr lang="en-US" sz="1000" kern="0" dirty="0">
+                <a:solidFill>
+                  <a:srgbClr val="454545">
+                    <a:lumMod val="50000"/>
+                  </a:srgbClr>
+                </a:solidFill>
+                <a:latin typeface="GE Inspira Pitch"/>
+              </a:rPr>
+              <a:t>Software Codebase</a:t>
+            </a:r>
+          </a:p>
+          <a:p>
+            <a:pPr algn="ctr" eaLnBrk="0" fontAlgn="base" hangingPunct="0">
+              <a:spcBef>
+                <a:spcPct val="0"/>
+              </a:spcBef>
+              <a:spcAft>
+                <a:spcPct val="0"/>
+              </a:spcAft>
+              <a:defRPr/>
+            </a:pPr>
+            <a:r>
+              <a:rPr lang="en-US" sz="1000" kern="0" dirty="0">
+                <a:solidFill>
+                  <a:srgbClr val="454545">
+                    <a:lumMod val="50000"/>
+                  </a:srgbClr>
+                </a:solidFill>
+                <a:latin typeface="GE Inspira Pitch"/>
+              </a:rPr>
+              <a:t>(C, C++, Java, C#, Python, Ada, …)</a:t>
+            </a:r>
+          </a:p>
+        </p:txBody>
+      </p:sp>
+      <p:sp>
+        <p:nvSpPr>
+          <p:cNvPr id="6" name="Rectangle: Rounded Corners 5"/>
+          <p:cNvSpPr/>
+          <p:nvPr/>
+        </p:nvSpPr>
+        <p:spPr>
+          <a:xfrm>
+            <a:off x="3891585" y="1999343"/>
+            <a:ext cx="1048512" cy="540689"/>
+          </a:xfrm>
+          <a:prstGeom prst="roundRect">
+            <a:avLst/>
+          </a:prstGeom>
+          <a:noFill/>
+          <a:ln w="9525" cap="flat" cmpd="sng" algn="ctr">
+            <a:solidFill>
+              <a:srgbClr val="454545">
+                <a:lumMod val="50000"/>
+              </a:srgbClr>
+            </a:solidFill>
+            <a:prstDash val="solid"/>
+          </a:ln>
+          <a:effectLst/>
+        </p:spPr>
+        <p:txBody>
+          <a:bodyPr rtlCol="0" anchor="ctr"/>
+          <a:lstStyle/>
+          <a:p>
+            <a:pPr algn="ctr" eaLnBrk="0" fontAlgn="base" hangingPunct="0">
+              <a:spcBef>
+                <a:spcPct val="0"/>
+              </a:spcBef>
+              <a:spcAft>
+                <a:spcPct val="0"/>
+              </a:spcAft>
+              <a:defRPr/>
+            </a:pPr>
+            <a:r>
+              <a:rPr lang="en-US" sz="1000" kern="0" dirty="0">
+                <a:solidFill>
+                  <a:srgbClr val="454545">
+                    <a:lumMod val="50000"/>
+                  </a:srgbClr>
+                </a:solidFill>
+                <a:latin typeface="GE Inspira Pitch"/>
+              </a:rPr>
+              <a:t>Reverse Engineering</a:t>
+            </a:r>
+          </a:p>
+        </p:txBody>
+      </p:sp>
+      <p:sp>
+        <p:nvSpPr>
+          <p:cNvPr id="7" name="Cylinder 6"/>
+          <p:cNvSpPr/>
+          <p:nvPr/>
+        </p:nvSpPr>
+        <p:spPr>
+          <a:xfrm>
+            <a:off x="3745281" y="2855481"/>
+            <a:ext cx="1341120" cy="621792"/>
+          </a:xfrm>
+          <a:prstGeom prst="can">
+            <a:avLst/>
+          </a:prstGeom>
+          <a:noFill/>
+          <a:ln w="19050" cap="flat" cmpd="sng" algn="ctr">
+            <a:solidFill>
+              <a:srgbClr val="052F69">
+                <a:lumMod val="60000"/>
+                <a:lumOff val="40000"/>
+              </a:srgbClr>
+            </a:solidFill>
+            <a:prstDash val="solid"/>
+          </a:ln>
+          <a:effectLst/>
+        </p:spPr>
+        <p:txBody>
+          <a:bodyPr rtlCol="0" anchor="ctr"/>
+          <a:lstStyle/>
+          <a:p>
+            <a:pPr algn="ctr" eaLnBrk="0" fontAlgn="base" hangingPunct="0">
+              <a:spcBef>
+                <a:spcPct val="0"/>
+              </a:spcBef>
+              <a:spcAft>
+                <a:spcPct val="0"/>
+              </a:spcAft>
+              <a:defRPr/>
+            </a:pPr>
+            <a:r>
+              <a:rPr lang="en-US" sz="1000" kern="0" dirty="0">
+                <a:solidFill>
+                  <a:srgbClr val="454545">
+                    <a:lumMod val="50000"/>
+                  </a:srgbClr>
+                </a:solidFill>
+                <a:latin typeface="GE Inspira Pitch"/>
+              </a:rPr>
+              <a:t>Software Design Information</a:t>
+            </a:r>
+          </a:p>
+        </p:txBody>
+      </p:sp>
+      <p:sp>
+        <p:nvSpPr>
+          <p:cNvPr id="8" name="Rectangle: Rounded Corners 7"/>
+          <p:cNvSpPr/>
+          <p:nvPr/>
+        </p:nvSpPr>
+        <p:spPr>
+          <a:xfrm>
+            <a:off x="5676886" y="2896032"/>
+            <a:ext cx="1048512" cy="540689"/>
+          </a:xfrm>
+          <a:prstGeom prst="roundRect">
+            <a:avLst/>
+          </a:prstGeom>
+          <a:noFill/>
+          <a:ln w="9525" cap="flat" cmpd="sng" algn="ctr">
+            <a:solidFill>
+              <a:srgbClr val="454545">
+                <a:lumMod val="50000"/>
+              </a:srgbClr>
+            </a:solidFill>
+            <a:prstDash val="solid"/>
+          </a:ln>
+          <a:effectLst/>
+        </p:spPr>
+        <p:txBody>
+          <a:bodyPr rtlCol="0" anchor="ctr"/>
+          <a:lstStyle/>
+          <a:p>
+            <a:pPr algn="ctr" eaLnBrk="0" fontAlgn="base" hangingPunct="0">
+              <a:spcBef>
+                <a:spcPct val="0"/>
+              </a:spcBef>
+              <a:spcAft>
+                <a:spcPct val="0"/>
+              </a:spcAft>
+              <a:defRPr/>
+            </a:pPr>
+            <a:r>
+              <a:rPr lang="en-US" sz="1000" kern="0" dirty="0">
+                <a:solidFill>
+                  <a:srgbClr val="454545">
+                    <a:lumMod val="50000"/>
+                  </a:srgbClr>
+                </a:solidFill>
+                <a:latin typeface="GE Inspira Pitch"/>
+              </a:rPr>
+              <a:t>Architecture Information Extraction</a:t>
+            </a:r>
+          </a:p>
+        </p:txBody>
+      </p:sp>
+      <p:sp>
+        <p:nvSpPr>
+          <p:cNvPr id="9" name="Rectangle: Rounded Corners 8"/>
+          <p:cNvSpPr/>
+          <p:nvPr/>
+        </p:nvSpPr>
+        <p:spPr>
+          <a:xfrm>
+            <a:off x="5676886" y="3821706"/>
+            <a:ext cx="1048512" cy="540689"/>
+          </a:xfrm>
+          <a:prstGeom prst="roundRect">
+            <a:avLst/>
+          </a:prstGeom>
+          <a:noFill/>
+          <a:ln w="9525" cap="flat" cmpd="sng" algn="ctr">
+            <a:solidFill>
+              <a:srgbClr val="454545">
+                <a:lumMod val="50000"/>
+              </a:srgbClr>
+            </a:solidFill>
+            <a:prstDash val="solid"/>
+          </a:ln>
+          <a:effectLst/>
+        </p:spPr>
+        <p:txBody>
+          <a:bodyPr rtlCol="0" anchor="ctr"/>
+          <a:lstStyle/>
+          <a:p>
+            <a:pPr algn="ctr" eaLnBrk="0" fontAlgn="base" hangingPunct="0">
+              <a:spcBef>
+                <a:spcPct val="0"/>
+              </a:spcBef>
+              <a:spcAft>
+                <a:spcPct val="0"/>
+              </a:spcAft>
+              <a:defRPr/>
+            </a:pPr>
+            <a:r>
+              <a:rPr lang="en-US" sz="1000" kern="0" dirty="0">
+                <a:solidFill>
+                  <a:srgbClr val="454545">
+                    <a:lumMod val="50000"/>
+                  </a:srgbClr>
+                </a:solidFill>
+                <a:latin typeface="GE Inspira Pitch"/>
+              </a:rPr>
+              <a:t>Automated Ontology Generation</a:t>
+            </a:r>
+          </a:p>
+        </p:txBody>
+      </p:sp>
+      <p:sp>
+        <p:nvSpPr>
+          <p:cNvPr id="10" name="Flowchart: Multidocument 9"/>
+          <p:cNvSpPr/>
+          <p:nvPr/>
+        </p:nvSpPr>
+        <p:spPr>
+          <a:xfrm>
+            <a:off x="3703902" y="3630876"/>
+            <a:ext cx="1558456" cy="922352"/>
+          </a:xfrm>
+          <a:prstGeom prst="flowChartMultidocument">
+            <a:avLst/>
+          </a:prstGeom>
+          <a:noFill/>
+          <a:ln w="9525" cap="flat" cmpd="sng" algn="ctr">
+            <a:solidFill>
+              <a:srgbClr val="454545">
+                <a:lumMod val="50000"/>
+              </a:srgbClr>
+            </a:solidFill>
+            <a:prstDash val="solid"/>
+          </a:ln>
+          <a:effectLst/>
+        </p:spPr>
+        <p:txBody>
+          <a:bodyPr rtlCol="0" anchor="ctr"/>
+          <a:lstStyle/>
+          <a:p>
+            <a:pPr algn="ctr" eaLnBrk="0" fontAlgn="base" hangingPunct="0">
+              <a:spcBef>
+                <a:spcPct val="0"/>
+              </a:spcBef>
+              <a:spcAft>
+                <a:spcPct val="0"/>
+              </a:spcAft>
+              <a:defRPr/>
+            </a:pPr>
+            <a:r>
+              <a:rPr lang="en-US" sz="1000" kern="0" dirty="0">
+                <a:solidFill>
+                  <a:srgbClr val="454545">
+                    <a:lumMod val="50000"/>
+                  </a:srgbClr>
+                </a:solidFill>
+                <a:latin typeface="GE Inspira Pitch"/>
+              </a:rPr>
+              <a:t>Architecture &amp; Ontology Mapping Template</a:t>
+            </a:r>
+          </a:p>
+        </p:txBody>
+      </p:sp>
+      <p:sp>
+        <p:nvSpPr>
+          <p:cNvPr id="11" name="Cylinder 10"/>
+          <p:cNvSpPr/>
+          <p:nvPr/>
+        </p:nvSpPr>
+        <p:spPr>
+          <a:xfrm>
+            <a:off x="7139926" y="3781155"/>
+            <a:ext cx="1341120" cy="621792"/>
+          </a:xfrm>
+          <a:prstGeom prst="can">
+            <a:avLst/>
+          </a:prstGeom>
+          <a:noFill/>
+          <a:ln w="19050" cap="flat" cmpd="sng" algn="ctr">
+            <a:solidFill>
+              <a:srgbClr val="052F69">
+                <a:lumMod val="60000"/>
+                <a:lumOff val="40000"/>
+              </a:srgbClr>
+            </a:solidFill>
+            <a:prstDash val="solid"/>
+          </a:ln>
+          <a:effectLst/>
+        </p:spPr>
+        <p:txBody>
+          <a:bodyPr rtlCol="0" anchor="ctr"/>
+          <a:lstStyle/>
+          <a:p>
+            <a:pPr algn="ctr" eaLnBrk="0" fontAlgn="base" hangingPunct="0">
+              <a:spcBef>
+                <a:spcPct val="0"/>
+              </a:spcBef>
+              <a:spcAft>
+                <a:spcPct val="0"/>
+              </a:spcAft>
+              <a:defRPr/>
+            </a:pPr>
+            <a:r>
+              <a:rPr lang="en-US" sz="1000" kern="0" dirty="0">
+                <a:solidFill>
+                  <a:srgbClr val="454545">
+                    <a:lumMod val="50000"/>
+                  </a:srgbClr>
+                </a:solidFill>
+                <a:latin typeface="GE Inspira Pitch"/>
+              </a:rPr>
+              <a:t>Ontology Model</a:t>
+            </a:r>
+          </a:p>
+        </p:txBody>
+      </p:sp>
+      <p:sp>
+        <p:nvSpPr>
+          <p:cNvPr id="12" name="Flowchart: Multidocument 11"/>
+          <p:cNvSpPr/>
+          <p:nvPr/>
+        </p:nvSpPr>
+        <p:spPr>
+          <a:xfrm>
+            <a:off x="6921847" y="4713843"/>
+            <a:ext cx="1558456" cy="922352"/>
+          </a:xfrm>
+          <a:prstGeom prst="flowChartMultidocument">
+            <a:avLst/>
+          </a:prstGeom>
+          <a:noFill/>
+          <a:ln w="9525" cap="flat" cmpd="sng" algn="ctr">
+            <a:solidFill>
+              <a:srgbClr val="454545">
+                <a:lumMod val="50000"/>
+              </a:srgbClr>
+            </a:solidFill>
+            <a:prstDash val="solid"/>
+          </a:ln>
+          <a:effectLst/>
+        </p:spPr>
+        <p:txBody>
+          <a:bodyPr rtlCol="0" anchor="ctr"/>
+          <a:lstStyle/>
+          <a:p>
+            <a:pPr algn="ctr" eaLnBrk="0" fontAlgn="base" hangingPunct="0">
+              <a:spcBef>
+                <a:spcPct val="0"/>
+              </a:spcBef>
+              <a:spcAft>
+                <a:spcPct val="0"/>
+              </a:spcAft>
+              <a:defRPr/>
+            </a:pPr>
+            <a:r>
+              <a:rPr lang="en-US" sz="1000" kern="0" dirty="0">
+                <a:solidFill>
+                  <a:srgbClr val="454545">
+                    <a:lumMod val="50000"/>
+                  </a:srgbClr>
+                </a:solidFill>
+                <a:latin typeface="GE Inspira Pitch"/>
+              </a:rPr>
+              <a:t>ASSERT™ SADL Ontology files </a:t>
+            </a:r>
+          </a:p>
+          <a:p>
+            <a:pPr algn="ctr" eaLnBrk="0" fontAlgn="base" hangingPunct="0">
+              <a:spcBef>
+                <a:spcPct val="0"/>
+              </a:spcBef>
+              <a:spcAft>
+                <a:spcPct val="0"/>
+              </a:spcAft>
+              <a:defRPr/>
+            </a:pPr>
+            <a:r>
+              <a:rPr lang="en-US" sz="1000" kern="0" dirty="0">
+                <a:solidFill>
+                  <a:srgbClr val="454545">
+                    <a:lumMod val="50000"/>
+                  </a:srgbClr>
+                </a:solidFill>
+                <a:latin typeface="GE Inspira Pitch"/>
+              </a:rPr>
+              <a:t>(.sadl files)</a:t>
+            </a:r>
+          </a:p>
+        </p:txBody>
+      </p:sp>
+      <p:pic>
+        <p:nvPicPr>
+          <p:cNvPr id="13" name="Picture 12"/>
+          <p:cNvPicPr>
+            <a:picLocks noChangeAspect="1"/>
+          </p:cNvPicPr>
+          <p:nvPr/>
+        </p:nvPicPr>
+        <p:blipFill>
+          <a:blip r:embed="rId2"/>
+          <a:stretch>
+            <a:fillRect/>
+          </a:stretch>
+        </p:blipFill>
+        <p:spPr>
+          <a:xfrm>
+            <a:off x="8987870" y="4617884"/>
+            <a:ext cx="900060" cy="1110506"/>
+          </a:xfrm>
+          <a:prstGeom prst="rect">
+            <a:avLst/>
+          </a:prstGeom>
+        </p:spPr>
+      </p:pic>
+      <p:cxnSp>
+        <p:nvCxnSpPr>
+          <p:cNvPr id="14" name="Straight Arrow Connector 13"/>
+          <p:cNvCxnSpPr>
+            <a:stCxn id="5" idx="3"/>
+            <a:endCxn id="6" idx="1"/>
+          </p:cNvCxnSpPr>
+          <p:nvPr/>
+        </p:nvCxnSpPr>
+        <p:spPr>
+          <a:xfrm flipV="1">
+            <a:off x="3263798" y="2269688"/>
+            <a:ext cx="627787" cy="2279"/>
+          </a:xfrm>
+          <a:prstGeom prst="straightConnector1">
+            <a:avLst/>
+          </a:prstGeom>
+          <a:noFill/>
+          <a:ln w="25400" cap="flat" cmpd="sng" algn="ctr">
+            <a:solidFill>
+              <a:srgbClr val="4C4C4C"/>
+            </a:solidFill>
+            <a:prstDash val="solid"/>
+            <a:tailEnd type="triangle"/>
+          </a:ln>
+          <a:effectLst/>
+        </p:spPr>
+      </p:cxnSp>
+      <p:cxnSp>
+        <p:nvCxnSpPr>
+          <p:cNvPr id="15" name="Straight Arrow Connector 14"/>
+          <p:cNvCxnSpPr>
+            <a:stCxn id="6" idx="2"/>
+            <a:endCxn id="7" idx="1"/>
+          </p:cNvCxnSpPr>
+          <p:nvPr/>
+        </p:nvCxnSpPr>
+        <p:spPr>
+          <a:xfrm>
+            <a:off x="4415841" y="2540032"/>
+            <a:ext cx="0" cy="315449"/>
+          </a:xfrm>
+          <a:prstGeom prst="straightConnector1">
+            <a:avLst/>
+          </a:prstGeom>
+          <a:noFill/>
+          <a:ln w="25400" cap="flat" cmpd="sng" algn="ctr">
+            <a:solidFill>
+              <a:srgbClr val="4C4C4C"/>
+            </a:solidFill>
+            <a:prstDash val="solid"/>
+            <a:tailEnd type="triangle"/>
+          </a:ln>
+          <a:effectLst/>
+        </p:spPr>
+      </p:cxnSp>
+      <p:cxnSp>
+        <p:nvCxnSpPr>
+          <p:cNvPr id="16" name="Straight Arrow Connector 15"/>
+          <p:cNvCxnSpPr>
+            <a:stCxn id="7" idx="4"/>
+            <a:endCxn id="8" idx="1"/>
+          </p:cNvCxnSpPr>
+          <p:nvPr/>
+        </p:nvCxnSpPr>
+        <p:spPr>
+          <a:xfrm>
+            <a:off x="5086401" y="3166377"/>
+            <a:ext cx="590485" cy="0"/>
+          </a:xfrm>
+          <a:prstGeom prst="straightConnector1">
+            <a:avLst/>
+          </a:prstGeom>
+          <a:noFill/>
+          <a:ln w="25400" cap="flat" cmpd="sng" algn="ctr">
+            <a:solidFill>
+              <a:srgbClr val="4C4C4C"/>
+            </a:solidFill>
+            <a:prstDash val="solid"/>
+            <a:tailEnd type="triangle"/>
+          </a:ln>
+          <a:effectLst/>
+        </p:spPr>
+      </p:cxnSp>
+      <p:cxnSp>
+        <p:nvCxnSpPr>
+          <p:cNvPr id="17" name="Straight Arrow Connector 16"/>
+          <p:cNvCxnSpPr>
+            <a:stCxn id="8" idx="2"/>
+            <a:endCxn id="9" idx="0"/>
+          </p:cNvCxnSpPr>
+          <p:nvPr/>
+        </p:nvCxnSpPr>
+        <p:spPr>
+          <a:xfrm>
+            <a:off x="6201142" y="3436721"/>
+            <a:ext cx="0" cy="384985"/>
+          </a:xfrm>
+          <a:prstGeom prst="straightConnector1">
+            <a:avLst/>
+          </a:prstGeom>
+          <a:noFill/>
+          <a:ln w="25400" cap="flat" cmpd="sng" algn="ctr">
+            <a:solidFill>
+              <a:srgbClr val="4C4C4C"/>
+            </a:solidFill>
+            <a:prstDash val="solid"/>
+            <a:tailEnd type="triangle"/>
+          </a:ln>
+          <a:effectLst/>
+        </p:spPr>
+      </p:cxnSp>
+      <p:cxnSp>
+        <p:nvCxnSpPr>
+          <p:cNvPr id="18" name="Straight Arrow Connector 17"/>
+          <p:cNvCxnSpPr>
+            <a:stCxn id="10" idx="3"/>
+            <a:endCxn id="9" idx="1"/>
+          </p:cNvCxnSpPr>
+          <p:nvPr/>
+        </p:nvCxnSpPr>
+        <p:spPr>
+          <a:xfrm flipV="1">
+            <a:off x="5262358" y="4092051"/>
+            <a:ext cx="414528" cy="1"/>
+          </a:xfrm>
+          <a:prstGeom prst="straightConnector1">
+            <a:avLst/>
+          </a:prstGeom>
+          <a:noFill/>
+          <a:ln w="25400" cap="flat" cmpd="sng" algn="ctr">
+            <a:solidFill>
+              <a:srgbClr val="4C4C4C"/>
+            </a:solidFill>
+            <a:prstDash val="solid"/>
+            <a:tailEnd type="triangle"/>
+          </a:ln>
+          <a:effectLst/>
+        </p:spPr>
+      </p:cxnSp>
+      <p:cxnSp>
+        <p:nvCxnSpPr>
+          <p:cNvPr id="19" name="Straight Arrow Connector 18"/>
+          <p:cNvCxnSpPr>
+            <a:stCxn id="9" idx="3"/>
+            <a:endCxn id="11" idx="2"/>
+          </p:cNvCxnSpPr>
+          <p:nvPr/>
+        </p:nvCxnSpPr>
+        <p:spPr>
+          <a:xfrm>
+            <a:off x="6725398" y="4092051"/>
+            <a:ext cx="414528" cy="0"/>
+          </a:xfrm>
+          <a:prstGeom prst="straightConnector1">
+            <a:avLst/>
+          </a:prstGeom>
+          <a:noFill/>
+          <a:ln w="25400" cap="flat" cmpd="sng" algn="ctr">
+            <a:solidFill>
+              <a:srgbClr val="4C4C4C"/>
+            </a:solidFill>
+            <a:prstDash val="solid"/>
+            <a:tailEnd type="triangle"/>
+          </a:ln>
+          <a:effectLst/>
+        </p:spPr>
+      </p:cxnSp>
+      <p:cxnSp>
+        <p:nvCxnSpPr>
+          <p:cNvPr id="20" name="Straight Arrow Connector 19"/>
+          <p:cNvCxnSpPr>
+            <a:stCxn id="11" idx="3"/>
+            <a:endCxn id="12" idx="0"/>
+          </p:cNvCxnSpPr>
+          <p:nvPr/>
+        </p:nvCxnSpPr>
+        <p:spPr>
+          <a:xfrm flipH="1">
+            <a:off x="7808291" y="4402947"/>
+            <a:ext cx="2195" cy="310896"/>
+          </a:xfrm>
+          <a:prstGeom prst="straightConnector1">
+            <a:avLst/>
+          </a:prstGeom>
+          <a:noFill/>
+          <a:ln w="25400" cap="flat" cmpd="sng" algn="ctr">
+            <a:solidFill>
+              <a:srgbClr val="4C4C4C"/>
+            </a:solidFill>
+            <a:prstDash val="solid"/>
+            <a:tailEnd type="triangle"/>
+          </a:ln>
+          <a:effectLst/>
+        </p:spPr>
+      </p:cxnSp>
+      <p:cxnSp>
+        <p:nvCxnSpPr>
+          <p:cNvPr id="21" name="Straight Arrow Connector 20"/>
+          <p:cNvCxnSpPr>
+            <a:stCxn id="12" idx="3"/>
+            <a:endCxn id="13" idx="1"/>
+          </p:cNvCxnSpPr>
+          <p:nvPr/>
+        </p:nvCxnSpPr>
+        <p:spPr>
+          <a:xfrm flipV="1">
+            <a:off x="8480303" y="5173137"/>
+            <a:ext cx="507567" cy="1882"/>
+          </a:xfrm>
+          <a:prstGeom prst="straightConnector1">
+            <a:avLst/>
+          </a:prstGeom>
+          <a:noFill/>
+          <a:ln w="25400" cap="flat" cmpd="sng" algn="ctr">
+            <a:solidFill>
+              <a:srgbClr val="4C4C4C"/>
+            </a:solidFill>
+            <a:prstDash val="solid"/>
+            <a:tailEnd type="triangle"/>
+          </a:ln>
+          <a:effectLst/>
+        </p:spPr>
+      </p:cxnSp>
+      <p:sp>
+        <p:nvSpPr>
+          <p:cNvPr id="22" name="Rectangle 21"/>
+          <p:cNvSpPr/>
+          <p:nvPr/>
+        </p:nvSpPr>
+        <p:spPr>
+          <a:xfrm>
+            <a:off x="1705342" y="5849301"/>
+            <a:ext cx="4540025" cy="369332"/>
+          </a:xfrm>
+          <a:prstGeom prst="rect">
+            <a:avLst/>
+          </a:prstGeom>
+        </p:spPr>
+        <p:txBody>
+          <a:bodyPr wrap="none">
+            <a:spAutoFit/>
+          </a:bodyPr>
+          <a:lstStyle/>
+          <a:p>
+            <a:r>
+              <a:rPr lang="en-US" dirty="0">
+                <a:solidFill>
+                  <a:srgbClr val="63666A"/>
+                </a:solidFill>
+                <a:latin typeface="GE Inspira Sans"/>
+              </a:rPr>
+              <a:t>*SADL: Semantic Application Design Language</a:t>
+            </a:r>
+          </a:p>
+        </p:txBody>
+      </p:sp>
+      <p:sp>
+        <p:nvSpPr>
+          <p:cNvPr id="23" name="TextBox 22"/>
+          <p:cNvSpPr txBox="1"/>
+          <p:nvPr/>
+        </p:nvSpPr>
+        <p:spPr>
+          <a:xfrm>
+            <a:off x="7429499" y="1568903"/>
+            <a:ext cx="4598377" cy="2031325"/>
+          </a:xfrm>
+          <a:prstGeom prst="rect">
+            <a:avLst/>
+          </a:prstGeom>
+          <a:noFill/>
+        </p:spPr>
+        <p:txBody>
+          <a:bodyPr wrap="square" rtlCol="0">
+            <a:spAutoFit/>
+          </a:bodyPr>
+          <a:lstStyle/>
+          <a:p>
+            <a:pPr marL="285750" indent="-285750">
+              <a:buFont typeface="Arial" panose="020B0604020202020204" pitchFamily="34" charset="0"/>
+              <a:buChar char="•"/>
+            </a:pPr>
+            <a:r>
+              <a:rPr lang="en-US" dirty="0"/>
+              <a:t>Extract architecture information through reverse engineering. </a:t>
+            </a:r>
+          </a:p>
+          <a:p>
+            <a:pPr marL="285750" indent="-285750">
+              <a:buFont typeface="Arial" panose="020B0604020202020204" pitchFamily="34" charset="0"/>
+              <a:buChar char="•"/>
+            </a:pPr>
+            <a:r>
+              <a:rPr lang="en-US" dirty="0"/>
+              <a:t>Transform extracted architecture information into SADL ontology. </a:t>
+            </a:r>
+          </a:p>
+          <a:p>
+            <a:pPr marL="285750" indent="-285750">
+              <a:buFont typeface="Arial" panose="020B0604020202020204" pitchFamily="34" charset="0"/>
+              <a:buChar char="•"/>
+            </a:pPr>
+            <a:r>
+              <a:rPr lang="en-US" dirty="0"/>
+              <a:t>Import SADL ontology into </a:t>
+            </a:r>
+            <a:r>
+              <a:rPr lang="en-US" dirty="0" err="1"/>
+              <a:t>ASSERT™to</a:t>
+            </a:r>
+            <a:r>
+              <a:rPr lang="en-US" dirty="0"/>
+              <a:t> enable requirement capture, analysis, and test generation in ASSERT™</a:t>
+            </a:r>
+          </a:p>
+        </p:txBody>
+      </p:sp>
+    </p:spTree>
+    <p:extLst>
+      <p:ext uri="{BB962C8B-B14F-4D97-AF65-F5344CB8AC3E}">
+        <p14:creationId xmlns:p14="http://schemas.microsoft.com/office/powerpoint/2010/main" val="480357351"/>
+      </p:ext>
+    </p:extLst>
+  </p:cSld>
+  <p:clrMapOvr>
+    <a:masterClrMapping/>
+  </p:clrMapOvr>
+</p:sld>
+</file>
+
+<file path=ppt/slides/slide13.xml><?xml version="1.0" encoding="utf-8"?>
+<p:sld xmlns:a="http://schemas.openxmlformats.org/drawingml/2006/main" xmlns:r="http://schemas.openxmlformats.org/officeDocument/2006/relationships" xmlns:p="http://schemas.openxmlformats.org/presentationml/2006/main">
+  <p:cSld>
+    <p:spTree>
+      <p:nvGrpSpPr>
+        <p:cNvPr id="1" name=""/>
+        <p:cNvGrpSpPr/>
+        <p:nvPr/>
+      </p:nvGrpSpPr>
+      <p:grpSpPr>
+        <a:xfrm>
+          <a:off x="0" y="0"/>
+          <a:ext cx="0" cy="0"/>
+          <a:chOff x="0" y="0"/>
+          <a:chExt cx="0" cy="0"/>
+        </a:xfrm>
+      </p:grpSpPr>
+      <p:sp>
+        <p:nvSpPr>
+          <p:cNvPr id="2" name="Title 1"/>
+          <p:cNvSpPr>
+            <a:spLocks noGrp="1"/>
+          </p:cNvSpPr>
+          <p:nvPr>
+            <p:ph type="title"/>
+          </p:nvPr>
+        </p:nvSpPr>
+        <p:spPr/>
+        <p:txBody>
+          <a:bodyPr>
+            <a:normAutofit fontScale="90000"/>
+          </a:bodyPr>
+          <a:lstStyle/>
+          <a:p>
+            <a:pPr algn="ctr"/>
+            <a:r>
+              <a:rPr lang="en-US" dirty="0"/>
+              <a:t>Modeling Message Type Definition in SADL Ontology</a:t>
+            </a:r>
+          </a:p>
+        </p:txBody>
+      </p:sp>
+      <p:sp>
+        <p:nvSpPr>
+          <p:cNvPr id="8" name="Footer Placeholder 2"/>
+          <p:cNvSpPr>
+            <a:spLocks noGrp="1"/>
+          </p:cNvSpPr>
+          <p:nvPr>
+            <p:ph type="ftr" sz="quarter" idx="11"/>
+          </p:nvPr>
+        </p:nvSpPr>
+        <p:spPr>
+          <a:xfrm>
+            <a:off x="4038600" y="6414539"/>
+            <a:ext cx="4114800" cy="306936"/>
+          </a:xfrm>
+        </p:spPr>
+        <p:txBody>
+          <a:bodyPr/>
+          <a:lstStyle/>
+          <a:p>
+            <a:r>
+              <a:rPr lang="en-US" dirty="0"/>
+              <a:t>Architecture Group</a:t>
+            </a:r>
+          </a:p>
+        </p:txBody>
+      </p:sp>
+      <p:pic>
+        <p:nvPicPr>
+          <p:cNvPr id="9" name="Picture 8"/>
+          <p:cNvPicPr>
+            <a:picLocks noChangeAspect="1"/>
+          </p:cNvPicPr>
+          <p:nvPr/>
+        </p:nvPicPr>
+        <p:blipFill>
+          <a:blip r:embed="rId2"/>
+          <a:stretch>
+            <a:fillRect/>
+          </a:stretch>
+        </p:blipFill>
+        <p:spPr>
+          <a:xfrm>
+            <a:off x="1242265" y="1653767"/>
+            <a:ext cx="8748041" cy="4402167"/>
+          </a:xfrm>
+          <a:prstGeom prst="rect">
+            <a:avLst/>
+          </a:prstGeom>
+        </p:spPr>
+      </p:pic>
+    </p:spTree>
+    <p:extLst>
+      <p:ext uri="{BB962C8B-B14F-4D97-AF65-F5344CB8AC3E}">
+        <p14:creationId xmlns:p14="http://schemas.microsoft.com/office/powerpoint/2010/main" val="2484124833"/>
+      </p:ext>
+    </p:extLst>
+  </p:cSld>
+  <p:clrMapOvr>
+    <a:masterClrMapping/>
+  </p:clrMapOvr>
+</p:sld>
+</file>
+
+<file path=ppt/slides/slide14.xml><?xml version="1.0" encoding="utf-8"?>
+<p:sld xmlns:a="http://schemas.openxmlformats.org/drawingml/2006/main" xmlns:r="http://schemas.openxmlformats.org/officeDocument/2006/relationships" xmlns:p="http://schemas.openxmlformats.org/presentationml/2006/main">
+  <p:cSld>
+    <p:spTree>
+      <p:nvGrpSpPr>
+        <p:cNvPr id="1" name=""/>
+        <p:cNvGrpSpPr/>
+        <p:nvPr/>
+      </p:nvGrpSpPr>
+      <p:grpSpPr>
+        <a:xfrm>
+          <a:off x="0" y="0"/>
+          <a:ext cx="0" cy="0"/>
+          <a:chOff x="0" y="0"/>
+          <a:chExt cx="0" cy="0"/>
+        </a:xfrm>
+      </p:grpSpPr>
+      <p:sp>
+        <p:nvSpPr>
+          <p:cNvPr id="2" name="Title 1"/>
+          <p:cNvSpPr>
+            <a:spLocks noGrp="1"/>
+          </p:cNvSpPr>
+          <p:nvPr>
+            <p:ph type="title"/>
+          </p:nvPr>
+        </p:nvSpPr>
+        <p:spPr/>
+        <p:txBody>
+          <a:bodyPr/>
+          <a:lstStyle/>
+          <a:p>
+            <a:r>
+              <a:rPr lang="en-US" dirty="0"/>
+              <a:t>Modeling Dataflow in SADL Ontology</a:t>
+            </a:r>
+          </a:p>
+        </p:txBody>
+      </p:sp>
+      <p:sp>
+        <p:nvSpPr>
+          <p:cNvPr id="4" name="TextBox 3"/>
+          <p:cNvSpPr txBox="1"/>
+          <p:nvPr/>
+        </p:nvSpPr>
+        <p:spPr>
+          <a:xfrm>
+            <a:off x="810335" y="1460921"/>
+            <a:ext cx="10631401" cy="2215991"/>
+          </a:xfrm>
+          <a:prstGeom prst="rect">
+            <a:avLst/>
+          </a:prstGeom>
+          <a:solidFill>
+            <a:schemeClr val="tx1">
+              <a:lumMod val="20000"/>
+              <a:lumOff val="80000"/>
+            </a:schemeClr>
+          </a:solidFill>
+        </p:spPr>
+        <p:txBody>
+          <a:bodyPr wrap="square" lIns="0" tIns="0" rIns="0" bIns="0" rtlCol="0">
+            <a:spAutoFit/>
+          </a:bodyPr>
+          <a:lstStyle/>
+          <a:p>
+            <a:r>
+              <a:rPr lang="en-US" dirty="0">
+                <a:solidFill>
+                  <a:srgbClr val="800080"/>
+                </a:solidFill>
+                <a:latin typeface="Consolas;Consolas"/>
+              </a:rPr>
+              <a:t>Context</a:t>
+            </a:r>
+            <a:r>
+              <a:rPr lang="en-US" dirty="0">
+                <a:solidFill>
+                  <a:srgbClr val="000000"/>
+                </a:solidFill>
+                <a:latin typeface="Consolas;Consolas"/>
+              </a:rPr>
+              <a:t>: </a:t>
+            </a:r>
+            <a:endParaRPr lang="en-US" sz="1050" dirty="0">
+              <a:solidFill>
+                <a:srgbClr val="000000"/>
+              </a:solidFill>
+              <a:latin typeface="Consolas;Consolas"/>
+            </a:endParaRPr>
+          </a:p>
+          <a:p>
+            <a:r>
+              <a:rPr lang="en-US" dirty="0">
+                <a:solidFill>
+                  <a:srgbClr val="008000"/>
+                </a:solidFill>
+                <a:latin typeface="Consolas;Consolas"/>
+              </a:rPr>
+              <a:t>	</a:t>
+            </a:r>
+            <a:r>
+              <a:rPr lang="en-US" dirty="0" err="1">
+                <a:solidFill>
+                  <a:srgbClr val="008000"/>
+                </a:solidFill>
+                <a:highlight>
+                  <a:srgbClr val="E8F2FE"/>
+                </a:highlight>
+                <a:latin typeface="Consolas;Consolas"/>
+              </a:rPr>
+              <a:t>TaskAssignmentSummary</a:t>
+            </a:r>
+            <a:r>
+              <a:rPr lang="en-US" dirty="0">
+                <a:solidFill>
+                  <a:srgbClr val="008000"/>
+                </a:solidFill>
+                <a:highlight>
+                  <a:srgbClr val="E8F2FE"/>
+                </a:highlight>
+                <a:latin typeface="Consolas;Consolas"/>
+              </a:rPr>
+              <a:t>__Subscription</a:t>
+            </a:r>
+            <a:r>
+              <a:rPr lang="en-US" dirty="0">
+                <a:solidFill>
+                  <a:srgbClr val="000000"/>
+                </a:solidFill>
+                <a:highlight>
+                  <a:srgbClr val="E8F2FE"/>
+                </a:highlight>
+                <a:latin typeface="Consolas;Consolas"/>
+              </a:rPr>
+              <a:t> </a:t>
+            </a:r>
+            <a:r>
+              <a:rPr lang="en-US" dirty="0">
+                <a:solidFill>
+                  <a:srgbClr val="800080"/>
+                </a:solidFill>
+                <a:highlight>
+                  <a:srgbClr val="E8F2FE"/>
+                </a:highlight>
+                <a:latin typeface="Consolas;Consolas"/>
+              </a:rPr>
+              <a:t>of</a:t>
+            </a:r>
+            <a:r>
+              <a:rPr lang="en-US" dirty="0">
+                <a:solidFill>
+                  <a:srgbClr val="000000"/>
+                </a:solidFill>
+                <a:highlight>
+                  <a:srgbClr val="E8F2FE"/>
+                </a:highlight>
+                <a:latin typeface="Consolas;Consolas"/>
+              </a:rPr>
+              <a:t> </a:t>
+            </a:r>
+            <a:r>
+              <a:rPr lang="en-US" dirty="0">
+                <a:solidFill>
+                  <a:srgbClr val="000080"/>
+                </a:solidFill>
+                <a:highlight>
+                  <a:srgbClr val="E8F2FE"/>
+                </a:highlight>
+                <a:latin typeface="Consolas;Consolas"/>
+              </a:rPr>
+              <a:t>PlanBuilderService</a:t>
+            </a:r>
+            <a:r>
+              <a:rPr lang="en-US" dirty="0">
+                <a:solidFill>
+                  <a:srgbClr val="000000"/>
+                </a:solidFill>
+                <a:highlight>
+                  <a:srgbClr val="E8F2FE"/>
+                </a:highlight>
+                <a:latin typeface="Consolas;Consolas"/>
+              </a:rPr>
+              <a:t> </a:t>
+            </a:r>
+            <a:r>
+              <a:rPr lang="en-US" dirty="0">
+                <a:solidFill>
+                  <a:srgbClr val="800080"/>
+                </a:solidFill>
+                <a:highlight>
+                  <a:srgbClr val="E8F2FE"/>
+                </a:highlight>
+                <a:latin typeface="Consolas;Consolas"/>
+              </a:rPr>
+              <a:t>is</a:t>
+            </a:r>
+            <a:r>
+              <a:rPr lang="en-US" dirty="0">
+                <a:solidFill>
+                  <a:srgbClr val="000000"/>
+                </a:solidFill>
+                <a:highlight>
+                  <a:srgbClr val="E8F2FE"/>
+                </a:highlight>
+                <a:latin typeface="Consolas;Consolas"/>
+              </a:rPr>
+              <a:t> </a:t>
+            </a:r>
+            <a:r>
+              <a:rPr lang="en-US" dirty="0" err="1">
+                <a:solidFill>
+                  <a:srgbClr val="008000"/>
+                </a:solidFill>
+                <a:highlight>
+                  <a:srgbClr val="E8F2FE"/>
+                </a:highlight>
+                <a:latin typeface="Consolas;Consolas"/>
+              </a:rPr>
+              <a:t>TaskAssignmentSummary_out</a:t>
+            </a:r>
+            <a:r>
+              <a:rPr lang="en-US" dirty="0">
+                <a:solidFill>
+                  <a:srgbClr val="000000"/>
+                </a:solidFill>
+                <a:highlight>
+                  <a:srgbClr val="E8F2FE"/>
+                </a:highlight>
+                <a:latin typeface="Consolas;Consolas"/>
+              </a:rPr>
+              <a:t> </a:t>
+            </a:r>
+            <a:r>
+              <a:rPr lang="en-US" dirty="0">
+                <a:solidFill>
+                  <a:srgbClr val="800080"/>
+                </a:solidFill>
+                <a:highlight>
+                  <a:srgbClr val="E8F2FE"/>
+                </a:highlight>
+                <a:latin typeface="Consolas;Consolas"/>
+              </a:rPr>
+              <a:t>of</a:t>
+            </a:r>
+            <a:r>
+              <a:rPr lang="en-US" dirty="0">
+                <a:solidFill>
+                  <a:srgbClr val="000000"/>
+                </a:solidFill>
+                <a:highlight>
+                  <a:srgbClr val="E8F2FE"/>
+                </a:highlight>
+                <a:latin typeface="Consolas;Consolas"/>
+              </a:rPr>
+              <a:t> 	</a:t>
+            </a:r>
+            <a:r>
+              <a:rPr lang="en-US" dirty="0">
+                <a:solidFill>
+                  <a:srgbClr val="000080"/>
+                </a:solidFill>
+                <a:highlight>
+                  <a:srgbClr val="E8F2FE"/>
+                </a:highlight>
+                <a:latin typeface="Consolas;Consolas"/>
+              </a:rPr>
+              <a:t>AssignmentTreeBranchBoundBase</a:t>
+            </a:r>
+            <a:r>
+              <a:rPr lang="en-US" dirty="0">
+                <a:solidFill>
+                  <a:srgbClr val="000000"/>
+                </a:solidFill>
+                <a:latin typeface="Consolas;Consolas"/>
+              </a:rPr>
+              <a:t>    </a:t>
+            </a:r>
+          </a:p>
+          <a:p>
+            <a:r>
+              <a:rPr lang="en-US" dirty="0">
+                <a:solidFill>
+                  <a:srgbClr val="000000"/>
+                </a:solidFill>
+                <a:latin typeface="Consolas;Consolas"/>
+              </a:rPr>
+              <a:t>	</a:t>
+            </a:r>
+            <a:r>
+              <a:rPr lang="en-US" dirty="0">
+                <a:solidFill>
+                  <a:srgbClr val="800080"/>
+                </a:solidFill>
+                <a:latin typeface="Consolas;Consolas"/>
+              </a:rPr>
+              <a:t>and</a:t>
+            </a:r>
+            <a:endParaRPr lang="en-US" sz="1100" dirty="0">
+              <a:solidFill>
+                <a:srgbClr val="000000"/>
+              </a:solidFill>
+              <a:latin typeface="Consolas;Consolas;Consolas"/>
+            </a:endParaRPr>
+          </a:p>
+          <a:p>
+            <a:r>
+              <a:rPr lang="en-US" dirty="0">
+                <a:solidFill>
+                  <a:srgbClr val="008000"/>
+                </a:solidFill>
+                <a:highlight>
+                  <a:srgbClr val="E8F2FE"/>
+                </a:highlight>
+                <a:latin typeface="Consolas;Consolas"/>
+              </a:rPr>
+              <a:t>	</a:t>
+            </a:r>
+            <a:r>
+              <a:rPr lang="en-US" dirty="0" err="1">
+                <a:solidFill>
+                  <a:srgbClr val="008000"/>
+                </a:solidFill>
+                <a:highlight>
+                  <a:srgbClr val="E8F2FE"/>
+                </a:highlight>
+                <a:latin typeface="Consolas;Consolas"/>
+              </a:rPr>
+              <a:t>TaskImplementationRequest</a:t>
+            </a:r>
+            <a:r>
+              <a:rPr lang="en-US" dirty="0">
+                <a:solidFill>
+                  <a:srgbClr val="008000"/>
+                </a:solidFill>
+                <a:highlight>
+                  <a:srgbClr val="E8F2FE"/>
+                </a:highlight>
+                <a:latin typeface="Consolas;Consolas"/>
+              </a:rPr>
+              <a:t>__Subscription</a:t>
+            </a:r>
+            <a:r>
+              <a:rPr lang="en-US" dirty="0">
+                <a:solidFill>
+                  <a:srgbClr val="000000"/>
+                </a:solidFill>
+                <a:highlight>
+                  <a:srgbClr val="E8F2FE"/>
+                </a:highlight>
+                <a:latin typeface="Consolas;Consolas"/>
+              </a:rPr>
+              <a:t> </a:t>
+            </a:r>
+            <a:r>
+              <a:rPr lang="en-US" dirty="0">
+                <a:solidFill>
+                  <a:srgbClr val="800080"/>
+                </a:solidFill>
+                <a:highlight>
+                  <a:srgbClr val="E8F2FE"/>
+                </a:highlight>
+                <a:latin typeface="Consolas;Consolas"/>
+              </a:rPr>
+              <a:t>of</a:t>
+            </a:r>
+            <a:r>
+              <a:rPr lang="en-US" dirty="0">
+                <a:solidFill>
+                  <a:srgbClr val="000000"/>
+                </a:solidFill>
+                <a:highlight>
+                  <a:srgbClr val="E8F2FE"/>
+                </a:highlight>
+                <a:latin typeface="Consolas;Consolas"/>
+              </a:rPr>
+              <a:t> </a:t>
+            </a:r>
+            <a:r>
+              <a:rPr lang="en-US" dirty="0" err="1">
+                <a:solidFill>
+                  <a:srgbClr val="000080"/>
+                </a:solidFill>
+                <a:highlight>
+                  <a:srgbClr val="E8F2FE"/>
+                </a:highlight>
+                <a:latin typeface="Consolas;Consolas"/>
+              </a:rPr>
+              <a:t>TaskServiceBase</a:t>
+            </a:r>
+            <a:r>
+              <a:rPr lang="en-US" dirty="0">
+                <a:solidFill>
+                  <a:srgbClr val="000000"/>
+                </a:solidFill>
+                <a:highlight>
+                  <a:srgbClr val="E8F2FE"/>
+                </a:highlight>
+                <a:latin typeface="Consolas;Consolas"/>
+              </a:rPr>
+              <a:t> </a:t>
+            </a:r>
+            <a:r>
+              <a:rPr lang="en-US" dirty="0">
+                <a:solidFill>
+                  <a:srgbClr val="800080"/>
+                </a:solidFill>
+                <a:highlight>
+                  <a:srgbClr val="E8F2FE"/>
+                </a:highlight>
+                <a:latin typeface="Consolas;Consolas"/>
+              </a:rPr>
+              <a:t>is</a:t>
+            </a:r>
+            <a:r>
+              <a:rPr lang="en-US" dirty="0">
+                <a:solidFill>
+                  <a:srgbClr val="000000"/>
+                </a:solidFill>
+                <a:highlight>
+                  <a:srgbClr val="E8F2FE"/>
+                </a:highlight>
+                <a:latin typeface="Consolas;Consolas"/>
+              </a:rPr>
+              <a:t> </a:t>
+            </a:r>
+            <a:r>
+              <a:rPr lang="en-US" dirty="0" err="1">
+                <a:solidFill>
+                  <a:srgbClr val="008000"/>
+                </a:solidFill>
+                <a:highlight>
+                  <a:srgbClr val="E8F2FE"/>
+                </a:highlight>
+                <a:latin typeface="Consolas;Consolas"/>
+              </a:rPr>
+              <a:t>TaskImplementationRequest_out</a:t>
+            </a:r>
+            <a:r>
+              <a:rPr lang="en-US" dirty="0">
+                <a:solidFill>
+                  <a:srgbClr val="000000"/>
+                </a:solidFill>
+                <a:highlight>
+                  <a:srgbClr val="E8F2FE"/>
+                </a:highlight>
+                <a:latin typeface="Consolas;Consolas"/>
+              </a:rPr>
+              <a:t> </a:t>
+            </a:r>
+            <a:r>
+              <a:rPr lang="en-US" dirty="0">
+                <a:solidFill>
+                  <a:srgbClr val="800080"/>
+                </a:solidFill>
+                <a:highlight>
+                  <a:srgbClr val="E8F2FE"/>
+                </a:highlight>
+                <a:latin typeface="Consolas;Consolas"/>
+              </a:rPr>
+              <a:t>of</a:t>
+            </a:r>
+            <a:r>
+              <a:rPr lang="en-US" dirty="0">
+                <a:solidFill>
+                  <a:srgbClr val="000000"/>
+                </a:solidFill>
+                <a:highlight>
+                  <a:srgbClr val="E8F2FE"/>
+                </a:highlight>
+                <a:latin typeface="Consolas;Consolas"/>
+              </a:rPr>
+              <a:t> 	</a:t>
+            </a:r>
+            <a:r>
+              <a:rPr lang="en-US" dirty="0">
+                <a:solidFill>
+                  <a:srgbClr val="000080"/>
+                </a:solidFill>
+                <a:highlight>
+                  <a:srgbClr val="E8F2FE"/>
+                </a:highlight>
+                <a:latin typeface="Consolas;Consolas"/>
+              </a:rPr>
+              <a:t>PlanBuilderService</a:t>
+            </a:r>
+          </a:p>
+          <a:p>
+            <a:r>
+              <a:rPr lang="en-US" dirty="0">
+                <a:solidFill>
+                  <a:srgbClr val="800080"/>
+                </a:solidFill>
+                <a:highlight>
+                  <a:srgbClr val="E8F2FE"/>
+                </a:highlight>
+                <a:latin typeface="Consolas;Consolas"/>
+              </a:rPr>
+              <a:t>	and</a:t>
+            </a:r>
+            <a:endParaRPr lang="en-US" sz="1100" dirty="0">
+              <a:solidFill>
+                <a:srgbClr val="000000"/>
+              </a:solidFill>
+              <a:highlight>
+                <a:srgbClr val="E8F2FE"/>
+              </a:highlight>
+              <a:latin typeface="Consolas;Consolas;Consolas"/>
+            </a:endParaRPr>
+          </a:p>
+          <a:p>
+            <a:r>
+              <a:rPr lang="en-US" dirty="0">
+                <a:solidFill>
+                  <a:srgbClr val="800080"/>
+                </a:solidFill>
+                <a:latin typeface="Consolas;Consolas"/>
+              </a:rPr>
+              <a:t>	…</a:t>
+            </a:r>
+          </a:p>
+        </p:txBody>
+      </p:sp>
+      <p:sp>
+        <p:nvSpPr>
+          <p:cNvPr id="5" name="Rectangle: Top Corners Rounded 4"/>
+          <p:cNvSpPr/>
+          <p:nvPr/>
+        </p:nvSpPr>
+        <p:spPr>
+          <a:xfrm>
+            <a:off x="810335" y="1171815"/>
+            <a:ext cx="3755446" cy="289106"/>
+          </a:xfrm>
+          <a:prstGeom prst="round2SameRect">
+            <a:avLst/>
+          </a:prstGeom>
+          <a:solidFill>
+            <a:schemeClr val="tx1">
+              <a:lumMod val="50000"/>
+            </a:schemeClr>
+          </a:solidFill>
+          <a:ln>
+            <a:solidFill>
+              <a:schemeClr val="tx1">
+                <a:lumMod val="75000"/>
+              </a:schemeClr>
+            </a:solidFill>
+          </a:ln>
+        </p:spPr>
+        <p:style>
+          <a:lnRef idx="2">
+            <a:schemeClr val="accent1">
+              <a:shade val="50000"/>
+            </a:schemeClr>
+          </a:lnRef>
+          <a:fillRef idx="1">
+            <a:schemeClr val="accent1"/>
+          </a:fillRef>
+          <a:effectRef idx="0">
+            <a:schemeClr val="accent1"/>
+          </a:effectRef>
+          <a:fontRef idx="minor">
+            <a:schemeClr val="lt1"/>
+          </a:fontRef>
+        </p:style>
+        <p:txBody>
+          <a:bodyPr rtlCol="0" anchor="ctr"/>
+          <a:lstStyle/>
+          <a:p>
+            <a:pPr algn="ctr"/>
+            <a:r>
+              <a:rPr lang="en-US" sz="1400" dirty="0">
+                <a:solidFill>
+                  <a:schemeClr val="bg1"/>
+                </a:solidFill>
+              </a:rPr>
+              <a:t>Illustrative Example in SADL Ontology</a:t>
+            </a:r>
+          </a:p>
+        </p:txBody>
+      </p:sp>
+      <p:sp>
+        <p:nvSpPr>
+          <p:cNvPr id="6" name="Rectangle: Rounded Corners 5"/>
+          <p:cNvSpPr/>
+          <p:nvPr/>
+        </p:nvSpPr>
+        <p:spPr>
+          <a:xfrm>
+            <a:off x="5242560" y="5074422"/>
+            <a:ext cx="1578380" cy="685800"/>
+          </a:xfrm>
+          <a:prstGeom prst="roundRect">
+            <a:avLst/>
+          </a:prstGeom>
+          <a:noFill/>
+          <a:ln>
+            <a:solidFill>
+              <a:schemeClr val="tx1">
+                <a:lumMod val="50000"/>
+              </a:schemeClr>
+            </a:solidFill>
+          </a:ln>
+          <a:effectLst/>
+        </p:spPr>
+        <p:style>
+          <a:lnRef idx="2">
+            <a:schemeClr val="accent1">
+              <a:shade val="50000"/>
+            </a:schemeClr>
+          </a:lnRef>
+          <a:fillRef idx="1">
+            <a:schemeClr val="accent1"/>
+          </a:fillRef>
+          <a:effectRef idx="0">
+            <a:schemeClr val="accent1"/>
+          </a:effectRef>
+          <a:fontRef idx="minor">
+            <a:schemeClr val="lt1"/>
+          </a:fontRef>
+        </p:style>
+        <p:txBody>
+          <a:bodyPr rtlCol="0" anchor="ctr"/>
+          <a:lstStyle/>
+          <a:p>
+            <a:pPr algn="ctr"/>
+            <a:r>
+              <a:rPr lang="en-US" sz="1200" dirty="0">
+                <a:solidFill>
+                  <a:schemeClr val="tx1">
+                    <a:lumMod val="50000"/>
+                  </a:schemeClr>
+                </a:solidFill>
+              </a:rPr>
+              <a:t>PlanBuilderService</a:t>
+            </a:r>
+          </a:p>
+        </p:txBody>
+      </p:sp>
+      <p:sp>
+        <p:nvSpPr>
+          <p:cNvPr id="7" name="Rectangle: Rounded Corners 6"/>
+          <p:cNvSpPr/>
+          <p:nvPr/>
+        </p:nvSpPr>
+        <p:spPr>
+          <a:xfrm>
+            <a:off x="776363" y="3772900"/>
+            <a:ext cx="2424037" cy="685800"/>
+          </a:xfrm>
+          <a:prstGeom prst="roundRect">
+            <a:avLst/>
+          </a:prstGeom>
+          <a:noFill/>
+          <a:ln>
+            <a:solidFill>
+              <a:schemeClr val="tx1">
+                <a:lumMod val="50000"/>
+              </a:schemeClr>
+            </a:solidFill>
+          </a:ln>
+          <a:effectLst/>
+        </p:spPr>
+        <p:style>
+          <a:lnRef idx="2">
+            <a:schemeClr val="accent1">
+              <a:shade val="50000"/>
+            </a:schemeClr>
+          </a:lnRef>
+          <a:fillRef idx="1">
+            <a:schemeClr val="accent1"/>
+          </a:fillRef>
+          <a:effectRef idx="0">
+            <a:schemeClr val="accent1"/>
+          </a:effectRef>
+          <a:fontRef idx="minor">
+            <a:schemeClr val="lt1"/>
+          </a:fontRef>
+        </p:style>
+        <p:txBody>
+          <a:bodyPr rtlCol="0" anchor="ctr"/>
+          <a:lstStyle/>
+          <a:p>
+            <a:pPr algn="ctr"/>
+            <a:r>
+              <a:rPr lang="en-US" sz="1200" dirty="0">
+                <a:solidFill>
+                  <a:schemeClr val="tx1">
+                    <a:lumMod val="50000"/>
+                  </a:schemeClr>
+                </a:solidFill>
+              </a:rPr>
+              <a:t>AssignmentTreeBranchBoundBase</a:t>
+            </a:r>
+          </a:p>
+        </p:txBody>
+      </p:sp>
+      <p:sp>
+        <p:nvSpPr>
+          <p:cNvPr id="8" name="Rectangle: Rounded Corners 7"/>
+          <p:cNvSpPr/>
+          <p:nvPr/>
+        </p:nvSpPr>
+        <p:spPr>
+          <a:xfrm>
+            <a:off x="10507980" y="5511812"/>
+            <a:ext cx="1345156" cy="685800"/>
+          </a:xfrm>
+          <a:prstGeom prst="roundRect">
+            <a:avLst/>
+          </a:prstGeom>
+          <a:noFill/>
+          <a:ln>
+            <a:solidFill>
+              <a:schemeClr val="tx1">
+                <a:lumMod val="50000"/>
+              </a:schemeClr>
+            </a:solidFill>
+          </a:ln>
+          <a:effectLst/>
+        </p:spPr>
+        <p:style>
+          <a:lnRef idx="2">
+            <a:schemeClr val="accent1">
+              <a:shade val="50000"/>
+            </a:schemeClr>
+          </a:lnRef>
+          <a:fillRef idx="1">
+            <a:schemeClr val="accent1"/>
+          </a:fillRef>
+          <a:effectRef idx="0">
+            <a:schemeClr val="accent1"/>
+          </a:effectRef>
+          <a:fontRef idx="minor">
+            <a:schemeClr val="lt1"/>
+          </a:fontRef>
+        </p:style>
+        <p:txBody>
+          <a:bodyPr rtlCol="0" anchor="ctr"/>
+          <a:lstStyle/>
+          <a:p>
+            <a:pPr algn="ctr"/>
+            <a:r>
+              <a:rPr lang="en-US" sz="1200" dirty="0" err="1">
+                <a:solidFill>
+                  <a:schemeClr val="tx1">
+                    <a:lumMod val="50000"/>
+                  </a:schemeClr>
+                </a:solidFill>
+              </a:rPr>
+              <a:t>TaskServiceBase</a:t>
+            </a:r>
+            <a:endParaRPr lang="en-US" sz="1200" dirty="0">
+              <a:solidFill>
+                <a:schemeClr val="tx1">
+                  <a:lumMod val="50000"/>
+                </a:schemeClr>
+              </a:solidFill>
+            </a:endParaRPr>
+          </a:p>
+        </p:txBody>
+      </p:sp>
+      <p:sp>
+        <p:nvSpPr>
+          <p:cNvPr id="11" name="TextBox 10"/>
+          <p:cNvSpPr txBox="1"/>
+          <p:nvPr/>
+        </p:nvSpPr>
+        <p:spPr>
+          <a:xfrm>
+            <a:off x="6830477" y="5245856"/>
+            <a:ext cx="2041120" cy="153888"/>
+          </a:xfrm>
+          <a:prstGeom prst="rect">
+            <a:avLst/>
+          </a:prstGeom>
+          <a:noFill/>
+        </p:spPr>
+        <p:txBody>
+          <a:bodyPr wrap="square" lIns="0" tIns="0" rIns="0" bIns="0" rtlCol="0">
+            <a:spAutoFit/>
+          </a:bodyPr>
+          <a:lstStyle/>
+          <a:p>
+            <a:r>
+              <a:rPr lang="en-US" sz="1000" b="1" dirty="0" err="1">
+                <a:solidFill>
+                  <a:schemeClr val="accent6">
+                    <a:lumMod val="75000"/>
+                  </a:schemeClr>
+                </a:solidFill>
+              </a:rPr>
+              <a:t>TaskImplementationRequest_out</a:t>
+            </a:r>
+            <a:endParaRPr lang="en-US" sz="1000" b="1" dirty="0">
+              <a:solidFill>
+                <a:schemeClr val="accent6">
+                  <a:lumMod val="75000"/>
+                </a:schemeClr>
+              </a:solidFill>
+            </a:endParaRPr>
+          </a:p>
+        </p:txBody>
+      </p:sp>
+      <p:cxnSp>
+        <p:nvCxnSpPr>
+          <p:cNvPr id="15" name="Connector: Elbow 14"/>
+          <p:cNvCxnSpPr>
+            <a:stCxn id="6" idx="3"/>
+            <a:endCxn id="8" idx="1"/>
+          </p:cNvCxnSpPr>
+          <p:nvPr/>
+        </p:nvCxnSpPr>
+        <p:spPr>
+          <a:xfrm>
+            <a:off x="6820940" y="5417322"/>
+            <a:ext cx="3687040" cy="437390"/>
+          </a:xfrm>
+          <a:prstGeom prst="bentConnector3">
+            <a:avLst/>
+          </a:prstGeom>
+          <a:ln w="12700">
+            <a:solidFill>
+              <a:schemeClr val="accent4">
+                <a:lumMod val="50000"/>
+                <a:lumOff val="50000"/>
+              </a:schemeClr>
+            </a:solidFill>
+            <a:tailEnd type="triangle"/>
+          </a:ln>
+        </p:spPr>
+        <p:style>
+          <a:lnRef idx="1">
+            <a:schemeClr val="accent1"/>
+          </a:lnRef>
+          <a:fillRef idx="0">
+            <a:schemeClr val="accent1"/>
+          </a:fillRef>
+          <a:effectRef idx="0">
+            <a:schemeClr val="accent1"/>
+          </a:effectRef>
+          <a:fontRef idx="minor">
+            <a:schemeClr val="tx1"/>
+          </a:fontRef>
+        </p:style>
+      </p:cxnSp>
+      <p:sp>
+        <p:nvSpPr>
+          <p:cNvPr id="16" name="TextBox 15"/>
+          <p:cNvSpPr txBox="1"/>
+          <p:nvPr/>
+        </p:nvSpPr>
+        <p:spPr>
+          <a:xfrm>
+            <a:off x="8054341" y="5872258"/>
+            <a:ext cx="2453639" cy="153888"/>
+          </a:xfrm>
+          <a:prstGeom prst="rect">
+            <a:avLst/>
+          </a:prstGeom>
+          <a:noFill/>
+        </p:spPr>
+        <p:txBody>
+          <a:bodyPr wrap="square" lIns="0" tIns="0" rIns="0" bIns="0" rtlCol="0">
+            <a:spAutoFit/>
+          </a:bodyPr>
+          <a:lstStyle/>
+          <a:p>
+            <a:r>
+              <a:rPr lang="en-US" sz="1000" b="1" dirty="0" err="1">
+                <a:solidFill>
+                  <a:schemeClr val="accent6">
+                    <a:lumMod val="75000"/>
+                  </a:schemeClr>
+                </a:solidFill>
+              </a:rPr>
+              <a:t>TaskImplementationRequest_Subscription</a:t>
+            </a:r>
+            <a:endParaRPr lang="en-US" sz="1000" b="1" dirty="0">
+              <a:solidFill>
+                <a:schemeClr val="accent6">
+                  <a:lumMod val="75000"/>
+                </a:schemeClr>
+              </a:solidFill>
+            </a:endParaRPr>
+          </a:p>
+        </p:txBody>
+      </p:sp>
+      <p:cxnSp>
+        <p:nvCxnSpPr>
+          <p:cNvPr id="24" name="Connector: Elbow 23"/>
+          <p:cNvCxnSpPr>
+            <a:stCxn id="7" idx="3"/>
+            <a:endCxn id="6" idx="1"/>
+          </p:cNvCxnSpPr>
+          <p:nvPr/>
+        </p:nvCxnSpPr>
+        <p:spPr>
+          <a:xfrm>
+            <a:off x="3200400" y="4115800"/>
+            <a:ext cx="2042160" cy="1301522"/>
+          </a:xfrm>
+          <a:prstGeom prst="bentConnector3">
+            <a:avLst/>
+          </a:prstGeom>
+          <a:ln w="12700">
+            <a:solidFill>
+              <a:schemeClr val="accent4">
+                <a:lumMod val="50000"/>
+                <a:lumOff val="50000"/>
+              </a:schemeClr>
+            </a:solidFill>
+            <a:tailEnd type="triangle"/>
+          </a:ln>
+        </p:spPr>
+        <p:style>
+          <a:lnRef idx="1">
+            <a:schemeClr val="accent1"/>
+          </a:lnRef>
+          <a:fillRef idx="0">
+            <a:schemeClr val="accent1"/>
+          </a:fillRef>
+          <a:effectRef idx="0">
+            <a:schemeClr val="accent1"/>
+          </a:effectRef>
+          <a:fontRef idx="minor">
+            <a:schemeClr val="tx1"/>
+          </a:fontRef>
+        </p:style>
+      </p:cxnSp>
+      <p:sp>
+        <p:nvSpPr>
+          <p:cNvPr id="31" name="TextBox 30"/>
+          <p:cNvSpPr txBox="1"/>
+          <p:nvPr/>
+        </p:nvSpPr>
+        <p:spPr>
+          <a:xfrm>
+            <a:off x="3233837" y="3935248"/>
+            <a:ext cx="2041120" cy="153888"/>
+          </a:xfrm>
+          <a:prstGeom prst="rect">
+            <a:avLst/>
+          </a:prstGeom>
+          <a:noFill/>
+        </p:spPr>
+        <p:txBody>
+          <a:bodyPr wrap="square" lIns="0" tIns="0" rIns="0" bIns="0" rtlCol="0">
+            <a:spAutoFit/>
+          </a:bodyPr>
+          <a:lstStyle/>
+          <a:p>
+            <a:r>
+              <a:rPr lang="en-US" sz="1000" b="1" dirty="0" err="1">
+                <a:solidFill>
+                  <a:schemeClr val="accent6">
+                    <a:lumMod val="75000"/>
+                  </a:schemeClr>
+                </a:solidFill>
+              </a:rPr>
+              <a:t>TaskAssignmentSummary_out</a:t>
+            </a:r>
+            <a:endParaRPr lang="en-US" sz="1000" b="1" dirty="0">
+              <a:solidFill>
+                <a:schemeClr val="accent6">
+                  <a:lumMod val="75000"/>
+                </a:schemeClr>
+              </a:solidFill>
+            </a:endParaRPr>
+          </a:p>
+        </p:txBody>
+      </p:sp>
+      <p:sp>
+        <p:nvSpPr>
+          <p:cNvPr id="32" name="TextBox 31"/>
+          <p:cNvSpPr txBox="1"/>
+          <p:nvPr/>
+        </p:nvSpPr>
+        <p:spPr>
+          <a:xfrm>
+            <a:off x="2940361" y="5439715"/>
+            <a:ext cx="2470797" cy="153888"/>
+          </a:xfrm>
+          <a:prstGeom prst="rect">
+            <a:avLst/>
+          </a:prstGeom>
+          <a:noFill/>
+        </p:spPr>
+        <p:txBody>
+          <a:bodyPr wrap="square" lIns="0" tIns="0" rIns="0" bIns="0" rtlCol="0">
+            <a:spAutoFit/>
+          </a:bodyPr>
+          <a:lstStyle/>
+          <a:p>
+            <a:r>
+              <a:rPr lang="en-US" sz="1000" b="1" dirty="0" err="1">
+                <a:solidFill>
+                  <a:schemeClr val="accent6">
+                    <a:lumMod val="75000"/>
+                  </a:schemeClr>
+                </a:solidFill>
+              </a:rPr>
+              <a:t>TaskAssignmentSummary_Subscription</a:t>
+            </a:r>
+            <a:endParaRPr lang="en-US" sz="1000" b="1" dirty="0">
+              <a:solidFill>
+                <a:schemeClr val="accent6">
+                  <a:lumMod val="75000"/>
+                </a:schemeClr>
+              </a:solidFill>
+            </a:endParaRPr>
+          </a:p>
+        </p:txBody>
+      </p:sp>
+      <p:sp>
+        <p:nvSpPr>
+          <p:cNvPr id="17" name="Footer Placeholder 2"/>
+          <p:cNvSpPr>
+            <a:spLocks noGrp="1"/>
+          </p:cNvSpPr>
+          <p:nvPr>
+            <p:ph type="ftr" sz="quarter" idx="11"/>
+          </p:nvPr>
+        </p:nvSpPr>
+        <p:spPr>
+          <a:xfrm>
+            <a:off x="4038600" y="6414539"/>
+            <a:ext cx="4114800" cy="306936"/>
+          </a:xfrm>
+        </p:spPr>
+        <p:txBody>
+          <a:bodyPr/>
+          <a:lstStyle/>
+          <a:p>
+            <a:r>
+              <a:rPr lang="en-US" dirty="0"/>
+              <a:t>Architecture Group</a:t>
+            </a:r>
+          </a:p>
+        </p:txBody>
+      </p:sp>
+    </p:spTree>
+    <p:extLst>
+      <p:ext uri="{BB962C8B-B14F-4D97-AF65-F5344CB8AC3E}">
+        <p14:creationId xmlns:p14="http://schemas.microsoft.com/office/powerpoint/2010/main" val="193506217"/>
+      </p:ext>
+    </p:extLst>
+  </p:cSld>
+  <p:clrMapOvr>
+    <a:masterClrMapping/>
+  </p:clrMapOvr>
+</p:sld>
+</file>
+
+<file path=ppt/slides/slide15.xml><?xml version="1.0" encoding="utf-8"?>
+<p:sld xmlns:a="http://schemas.openxmlformats.org/drawingml/2006/main" xmlns:r="http://schemas.openxmlformats.org/officeDocument/2006/relationships" xmlns:p="http://schemas.openxmlformats.org/presentationml/2006/main">
+  <p:cSld>
+    <p:spTree>
+      <p:nvGrpSpPr>
+        <p:cNvPr id="1" name=""/>
+        <p:cNvGrpSpPr/>
+        <p:nvPr/>
+      </p:nvGrpSpPr>
+      <p:grpSpPr>
+        <a:xfrm>
+          <a:off x="0" y="0"/>
+          <a:ext cx="0" cy="0"/>
+          <a:chOff x="0" y="0"/>
+          <a:chExt cx="0" cy="0"/>
+        </a:xfrm>
+      </p:grpSpPr>
+      <p:sp>
+        <p:nvSpPr>
+          <p:cNvPr id="2" name="Title 1"/>
+          <p:cNvSpPr>
+            <a:spLocks noGrp="1"/>
+          </p:cNvSpPr>
+          <p:nvPr>
+            <p:ph type="title"/>
+          </p:nvPr>
+        </p:nvSpPr>
+        <p:spPr/>
+        <p:txBody>
+          <a:bodyPr>
+            <a:normAutofit fontScale="90000"/>
+          </a:bodyPr>
+          <a:lstStyle/>
+          <a:p>
+            <a:r>
+              <a:rPr lang="en-US" dirty="0"/>
+              <a:t>Modeling Data types and Variable Declarations in SADL Ontology</a:t>
+            </a:r>
+          </a:p>
+        </p:txBody>
+      </p:sp>
+      <p:sp>
+        <p:nvSpPr>
+          <p:cNvPr id="3" name="Slide Number Placeholder 2"/>
+          <p:cNvSpPr>
+            <a:spLocks noGrp="1"/>
+          </p:cNvSpPr>
+          <p:nvPr>
+            <p:ph type="sldNum" sz="quarter" idx="12"/>
+          </p:nvPr>
+        </p:nvSpPr>
+        <p:spPr>
+          <a:prstGeom prst="rect">
+            <a:avLst/>
+          </a:prstGeom>
+        </p:spPr>
+        <p:txBody>
+          <a:bodyPr/>
+          <a:lstStyle/>
+          <a:p>
+            <a:fld id="{00E6A5BD-C011-4A45-AA3A-201790FB7F2B}" type="slidenum">
+              <a:rPr lang="en-CA" smtClean="0"/>
+              <a:t>15</a:t>
+            </a:fld>
+            <a:endParaRPr lang="en-CA"/>
+          </a:p>
+        </p:txBody>
+      </p:sp>
+      <p:grpSp>
+        <p:nvGrpSpPr>
+          <p:cNvPr id="4" name="Group 3"/>
+          <p:cNvGrpSpPr/>
+          <p:nvPr/>
+        </p:nvGrpSpPr>
+        <p:grpSpPr>
+          <a:xfrm>
+            <a:off x="1627188" y="1476595"/>
+            <a:ext cx="8806046" cy="1664859"/>
+            <a:chOff x="247637" y="1362295"/>
+            <a:chExt cx="8806046" cy="1664859"/>
+          </a:xfrm>
+        </p:grpSpPr>
+        <p:pic>
+          <p:nvPicPr>
+            <p:cNvPr id="5" name="Picture 4"/>
+            <p:cNvPicPr>
+              <a:picLocks noChangeAspect="1"/>
+            </p:cNvPicPr>
+            <p:nvPr/>
+          </p:nvPicPr>
+          <p:blipFill>
+            <a:blip r:embed="rId2"/>
+            <a:stretch>
+              <a:fillRect/>
+            </a:stretch>
+          </p:blipFill>
+          <p:spPr>
+            <a:xfrm>
+              <a:off x="255588" y="1613551"/>
+              <a:ext cx="8798095" cy="1413603"/>
+            </a:xfrm>
+            <a:prstGeom prst="rect">
+              <a:avLst/>
+            </a:prstGeom>
+            <a:ln>
+              <a:solidFill>
+                <a:srgbClr val="454545"/>
+              </a:solidFill>
+            </a:ln>
+          </p:spPr>
+        </p:pic>
+        <p:sp>
+          <p:nvSpPr>
+            <p:cNvPr id="6" name="Rectangle: Top Corners Snipped 5"/>
+            <p:cNvSpPr/>
+            <p:nvPr/>
+          </p:nvSpPr>
+          <p:spPr>
+            <a:xfrm>
+              <a:off x="247637" y="1362295"/>
+              <a:ext cx="5728290" cy="251253"/>
+            </a:xfrm>
+            <a:prstGeom prst="snip2SameRect">
+              <a:avLst/>
+            </a:prstGeom>
+            <a:solidFill>
+              <a:srgbClr val="454545"/>
+            </a:solidFill>
+            <a:ln w="25400" cap="flat" cmpd="sng" algn="ctr">
+              <a:solidFill>
+                <a:srgbClr val="454545">
+                  <a:shade val="50000"/>
+                </a:srgbClr>
+              </a:solidFill>
+              <a:prstDash val="solid"/>
+            </a:ln>
+            <a:effectLst/>
+          </p:spPr>
+          <p:txBody>
+            <a:bodyPr rtlCol="0" anchor="ctr"/>
+            <a:lstStyle/>
+            <a:p>
+              <a:pPr marL="0" marR="0" lvl="0" indent="0" algn="ctr" defTabSz="914400" eaLnBrk="0" fontAlgn="base" latinLnBrk="0" hangingPunct="0">
+                <a:lnSpc>
+                  <a:spcPct val="100000"/>
+                </a:lnSpc>
+                <a:spcBef>
+                  <a:spcPct val="0"/>
+                </a:spcBef>
+                <a:spcAft>
+                  <a:spcPct val="0"/>
+                </a:spcAft>
+                <a:buClrTx/>
+                <a:buSzTx/>
+                <a:buFontTx/>
+                <a:buNone/>
+                <a:tabLst/>
+                <a:defRPr/>
+              </a:pPr>
+              <a:r>
+                <a:rPr kumimoji="0" lang="en-US" sz="1400" b="0" i="0" u="none" strike="noStrike" kern="0" cap="none" spc="0" normalizeH="0" baseline="0" noProof="0" dirty="0">
+                  <a:ln>
+                    <a:noFill/>
+                  </a:ln>
+                  <a:solidFill>
+                    <a:prstClr val="white"/>
+                  </a:solidFill>
+                  <a:effectLst/>
+                  <a:uLnTx/>
+                  <a:uFillTx/>
+                  <a:latin typeface="GE Inspira Pitch"/>
+                  <a:ea typeface="+mn-ea"/>
+                  <a:cs typeface="+mn-cs"/>
+                </a:rPr>
+                <a:t>Snapshot of SADL Ontology Representation of AFRL UxAS Data Type </a:t>
+              </a:r>
+            </a:p>
+          </p:txBody>
+        </p:sp>
+      </p:grpSp>
+      <p:grpSp>
+        <p:nvGrpSpPr>
+          <p:cNvPr id="7" name="Group 6"/>
+          <p:cNvGrpSpPr/>
+          <p:nvPr/>
+        </p:nvGrpSpPr>
+        <p:grpSpPr>
+          <a:xfrm>
+            <a:off x="1627188" y="3436215"/>
+            <a:ext cx="5830136" cy="2262779"/>
+            <a:chOff x="247637" y="3321915"/>
+            <a:chExt cx="5830136" cy="2262779"/>
+          </a:xfrm>
+        </p:grpSpPr>
+        <p:pic>
+          <p:nvPicPr>
+            <p:cNvPr id="8" name="Picture 7"/>
+            <p:cNvPicPr>
+              <a:picLocks noChangeAspect="1"/>
+            </p:cNvPicPr>
+            <p:nvPr/>
+          </p:nvPicPr>
+          <p:blipFill>
+            <a:blip r:embed="rId3"/>
+            <a:stretch>
+              <a:fillRect/>
+            </a:stretch>
+          </p:blipFill>
+          <p:spPr>
+            <a:xfrm>
+              <a:off x="255588" y="3565219"/>
+              <a:ext cx="5822185" cy="2019475"/>
+            </a:xfrm>
+            <a:prstGeom prst="rect">
+              <a:avLst/>
+            </a:prstGeom>
+            <a:ln>
+              <a:solidFill>
+                <a:srgbClr val="454545"/>
+              </a:solidFill>
+            </a:ln>
+          </p:spPr>
+        </p:pic>
+        <p:sp>
+          <p:nvSpPr>
+            <p:cNvPr id="9" name="Rectangle: Top Corners Snipped 8"/>
+            <p:cNvSpPr/>
+            <p:nvPr/>
+          </p:nvSpPr>
+          <p:spPr>
+            <a:xfrm>
+              <a:off x="247637" y="3321915"/>
+              <a:ext cx="5515854" cy="243304"/>
+            </a:xfrm>
+            <a:prstGeom prst="snip2SameRect">
+              <a:avLst/>
+            </a:prstGeom>
+            <a:solidFill>
+              <a:srgbClr val="454545"/>
+            </a:solidFill>
+            <a:ln w="25400" cap="flat" cmpd="sng" algn="ctr">
+              <a:solidFill>
+                <a:srgbClr val="454545">
+                  <a:shade val="50000"/>
+                </a:srgbClr>
+              </a:solidFill>
+              <a:prstDash val="solid"/>
+            </a:ln>
+            <a:effectLst/>
+          </p:spPr>
+          <p:txBody>
+            <a:bodyPr rtlCol="0" anchor="ctr"/>
+            <a:lstStyle/>
+            <a:p>
+              <a:pPr marL="0" marR="0" lvl="0" indent="0" algn="ctr" defTabSz="914400" eaLnBrk="0" fontAlgn="base" latinLnBrk="0" hangingPunct="0">
+                <a:lnSpc>
+                  <a:spcPct val="100000"/>
+                </a:lnSpc>
+                <a:spcBef>
+                  <a:spcPct val="0"/>
+                </a:spcBef>
+                <a:spcAft>
+                  <a:spcPct val="0"/>
+                </a:spcAft>
+                <a:buClrTx/>
+                <a:buSzTx/>
+                <a:buFontTx/>
+                <a:buNone/>
+                <a:tabLst/>
+                <a:defRPr/>
+              </a:pPr>
+              <a:r>
+                <a:rPr kumimoji="0" lang="en-US" sz="1400" b="0" i="0" u="none" strike="noStrike" kern="0" cap="none" spc="0" normalizeH="0" baseline="0" noProof="0" dirty="0">
+                  <a:ln>
+                    <a:noFill/>
+                  </a:ln>
+                  <a:solidFill>
+                    <a:prstClr val="white"/>
+                  </a:solidFill>
+                  <a:effectLst/>
+                  <a:uLnTx/>
+                  <a:uFillTx/>
+                  <a:latin typeface="GE Inspira Pitch"/>
+                  <a:ea typeface="+mn-ea"/>
+                  <a:cs typeface="+mn-cs"/>
+                </a:rPr>
+                <a:t>Snapshot of SADL Ontology Representation of AFRL UxAS Data Type </a:t>
+              </a:r>
+            </a:p>
+          </p:txBody>
+        </p:sp>
+      </p:grpSp>
+      <p:sp>
+        <p:nvSpPr>
+          <p:cNvPr id="10" name="Rectangle 9"/>
+          <p:cNvSpPr/>
+          <p:nvPr/>
+        </p:nvSpPr>
+        <p:spPr>
+          <a:xfrm>
+            <a:off x="1627188" y="1727850"/>
+            <a:ext cx="3211180" cy="286811"/>
+          </a:xfrm>
+          <a:prstGeom prst="rect">
+            <a:avLst/>
+          </a:prstGeom>
+          <a:noFill/>
+          <a:ln w="28575" cap="flat" cmpd="sng" algn="ctr">
+            <a:solidFill>
+              <a:srgbClr val="F4A82D"/>
+            </a:solidFill>
+            <a:prstDash val="solid"/>
+          </a:ln>
+          <a:effectLst/>
+        </p:spPr>
+        <p:txBody>
+          <a:bodyPr rtlCol="0" anchor="ctr"/>
+          <a:lstStyle/>
+          <a:p>
+            <a:pPr marL="0" marR="0" lvl="0" indent="0" algn="ctr" defTabSz="914400" eaLnBrk="0" fontAlgn="base" latinLnBrk="0" hangingPunct="0">
               <a:lnSpc>
                 <a:spcPct val="100000"/>
               </a:lnSpc>
               <a:spcBef>
-                <a:spcPts val="200"/>
+                <a:spcPct val="0"/>
               </a:spcBef>
+              <a:spcAft>
+                <a:spcPct val="0"/>
+              </a:spcAft>
+              <a:buClrTx/>
+              <a:buSzTx/>
+              <a:buFontTx/>
+              <a:buNone/>
+              <a:tabLst/>
+              <a:defRPr/>
             </a:pPr>
-            <a:r>
-              <a:rPr lang="en-US" dirty="0" smtClean="0"/>
-              <a:t>Write contracts for the remaining components</a:t>
-            </a:r>
-          </a:p>
-          <a:p>
-            <a:pPr>
+            <a:endParaRPr kumimoji="0" lang="en-US" sz="3200" b="0" i="0" u="none" strike="noStrike" kern="0" cap="none" spc="0" normalizeH="0" baseline="0" noProof="0">
+              <a:ln>
+                <a:noFill/>
+              </a:ln>
+              <a:solidFill>
+                <a:prstClr val="white"/>
+              </a:solidFill>
+              <a:effectLst/>
+              <a:uLnTx/>
+              <a:uFillTx/>
+              <a:latin typeface="GE Inspira Pitch"/>
+              <a:ea typeface="+mn-ea"/>
+              <a:cs typeface="+mn-cs"/>
+            </a:endParaRPr>
+          </a:p>
+        </p:txBody>
+      </p:sp>
+      <p:sp>
+        <p:nvSpPr>
+          <p:cNvPr id="11" name="Rectangle 10"/>
+          <p:cNvSpPr/>
+          <p:nvPr/>
+        </p:nvSpPr>
+        <p:spPr>
+          <a:xfrm>
+            <a:off x="4729520" y="3851873"/>
+            <a:ext cx="2247748" cy="158566"/>
+          </a:xfrm>
+          <a:prstGeom prst="rect">
+            <a:avLst/>
+          </a:prstGeom>
+          <a:noFill/>
+          <a:ln w="28575" cap="flat" cmpd="sng" algn="ctr">
+            <a:solidFill>
+              <a:srgbClr val="F4A82D"/>
+            </a:solidFill>
+            <a:prstDash val="solid"/>
+          </a:ln>
+          <a:effectLst/>
+        </p:spPr>
+        <p:txBody>
+          <a:bodyPr rtlCol="0" anchor="ctr"/>
+          <a:lstStyle/>
+          <a:p>
+            <a:pPr marL="0" marR="0" lvl="0" indent="0" algn="ctr" defTabSz="914400" eaLnBrk="0" fontAlgn="base" latinLnBrk="0" hangingPunct="0">
               <a:lnSpc>
                 <a:spcPct val="100000"/>
               </a:lnSpc>
               <a:spcBef>
-                <a:spcPts val="200"/>
+                <a:spcPct val="0"/>
               </a:spcBef>
+              <a:spcAft>
+                <a:spcPct val="0"/>
+              </a:spcAft>
+              <a:buClrTx/>
+              <a:buSzTx/>
+              <a:buFontTx/>
+              <a:buNone/>
+              <a:tabLst/>
+              <a:defRPr/>
             </a:pPr>
-            <a:r>
-              <a:rPr lang="en-US" dirty="0" smtClean="0"/>
-              <a:t>State and analyze system-level properties</a:t>
-            </a:r>
-          </a:p>
-          <a:p>
-            <a:pPr>
+            <a:endParaRPr kumimoji="0" lang="en-US" sz="3200" b="0" i="0" u="none" strike="noStrike" kern="0" cap="none" spc="0" normalizeH="0" baseline="0" noProof="0">
+              <a:ln>
+                <a:noFill/>
+              </a:ln>
+              <a:solidFill>
+                <a:prstClr val="white"/>
+              </a:solidFill>
+              <a:effectLst/>
+              <a:uLnTx/>
+              <a:uFillTx/>
+              <a:latin typeface="GE Inspira Pitch"/>
+              <a:ea typeface="+mn-ea"/>
+              <a:cs typeface="+mn-cs"/>
+            </a:endParaRPr>
+          </a:p>
+        </p:txBody>
+      </p:sp>
+      <p:cxnSp>
+        <p:nvCxnSpPr>
+          <p:cNvPr id="12" name="Connector: Elbow 11"/>
+          <p:cNvCxnSpPr>
+            <a:stCxn id="10" idx="3"/>
+            <a:endCxn id="11" idx="3"/>
+          </p:cNvCxnSpPr>
+          <p:nvPr/>
+        </p:nvCxnSpPr>
+        <p:spPr>
+          <a:xfrm>
+            <a:off x="4838368" y="1871256"/>
+            <a:ext cx="2138900" cy="2059900"/>
+          </a:xfrm>
+          <a:prstGeom prst="bentConnector3">
+            <a:avLst>
+              <a:gd name="adj1" fmla="val 110688"/>
+            </a:avLst>
+          </a:prstGeom>
+          <a:noFill/>
+          <a:ln w="28575" cap="flat" cmpd="sng" algn="ctr">
+            <a:solidFill>
+              <a:srgbClr val="F4A82D"/>
+            </a:solidFill>
+            <a:prstDash val="solid"/>
+          </a:ln>
+          <a:effectLst/>
+        </p:spPr>
+      </p:cxnSp>
+      <p:sp>
+        <p:nvSpPr>
+          <p:cNvPr id="13" name="TextBox 12"/>
+          <p:cNvSpPr txBox="1"/>
+          <p:nvPr/>
+        </p:nvSpPr>
+        <p:spPr>
+          <a:xfrm>
+            <a:off x="1627188" y="5942298"/>
+            <a:ext cx="8453658" cy="338554"/>
+          </a:xfrm>
+          <a:prstGeom prst="rect">
+            <a:avLst/>
+          </a:prstGeom>
+          <a:solidFill>
+            <a:srgbClr val="F4A82D">
+              <a:lumMod val="20000"/>
+              <a:lumOff val="80000"/>
+            </a:srgbClr>
+          </a:solidFill>
+        </p:spPr>
+        <p:txBody>
+          <a:bodyPr wrap="square" rtlCol="0">
+            <a:spAutoFit/>
+          </a:bodyPr>
+          <a:lstStyle/>
+          <a:p>
+            <a:pPr marL="0" marR="0" lvl="0" indent="0" defTabSz="914400" eaLnBrk="0" fontAlgn="base" latinLnBrk="0" hangingPunct="0">
               <a:lnSpc>
                 <a:spcPct val="100000"/>
               </a:lnSpc>
               <a:spcBef>
-                <a:spcPts val="200"/>
+                <a:spcPct val="0"/>
               </a:spcBef>
+              <a:spcAft>
+                <a:spcPct val="0"/>
+              </a:spcAft>
+              <a:buClrTx/>
+              <a:buSzTx/>
+              <a:buFontTx/>
+              <a:buNone/>
+              <a:tabLst/>
+              <a:defRPr/>
             </a:pPr>
             <a:r>
-              <a:rPr lang="en-US" dirty="0" smtClean="0"/>
-              <a:t>Generate code from AADL</a:t>
-            </a:r>
-          </a:p>
-          <a:p>
-            <a:pPr>
-              <a:lnSpc>
-                <a:spcPct val="100000"/>
-              </a:lnSpc>
-              <a:spcBef>
-                <a:spcPts val="200"/>
-              </a:spcBef>
-            </a:pPr>
-            <a:r>
-              <a:rPr lang="en-US" dirty="0" smtClean="0"/>
-              <a:t>Generate test cases from AGREE and run on </a:t>
-            </a:r>
-            <a:r>
-              <a:rPr lang="en-US" dirty="0" err="1" smtClean="0"/>
-              <a:t>UxAS</a:t>
-            </a:r>
-            <a:r>
-              <a:rPr lang="en-US" dirty="0" smtClean="0"/>
-              <a:t> implementation</a:t>
-            </a:r>
-          </a:p>
-          <a:p>
-            <a:pPr>
-              <a:lnSpc>
-                <a:spcPct val="100000"/>
-              </a:lnSpc>
-              <a:spcBef>
-                <a:spcPts val="200"/>
-              </a:spcBef>
-            </a:pPr>
-            <a:r>
-              <a:rPr lang="en-US" dirty="0" smtClean="0"/>
-              <a:t>Continue documenting decisions and the assurance case for the architecture</a:t>
-            </a:r>
-          </a:p>
-          <a:p>
-            <a:pPr>
-              <a:lnSpc>
-                <a:spcPct val="100000"/>
-              </a:lnSpc>
-              <a:spcBef>
-                <a:spcPts val="200"/>
-              </a:spcBef>
-            </a:pPr>
-            <a:endParaRPr lang="en-US" dirty="0" smtClean="0"/>
-          </a:p>
-          <a:p>
-            <a:pPr>
-              <a:lnSpc>
-                <a:spcPct val="100000"/>
-              </a:lnSpc>
-              <a:spcBef>
-                <a:spcPts val="200"/>
-              </a:spcBef>
-            </a:pPr>
-            <a:endParaRPr lang="en-US" dirty="0" smtClean="0"/>
-          </a:p>
-          <a:p>
-            <a:pPr>
-              <a:lnSpc>
-                <a:spcPct val="100000"/>
-              </a:lnSpc>
-              <a:spcBef>
-                <a:spcPts val="200"/>
-              </a:spcBef>
-            </a:pPr>
-            <a:endParaRPr lang="en-US" dirty="0" smtClean="0"/>
-          </a:p>
-          <a:p>
-            <a:endParaRPr lang="en-US" dirty="0"/>
-          </a:p>
-        </p:txBody>
-      </p:sp>
-      <p:sp>
-        <p:nvSpPr>
-          <p:cNvPr id="4" name="Footer Placeholder 3"/>
+              <a:rPr kumimoji="0" lang="en-US" sz="1600" b="0" i="0" u="none" strike="noStrike" kern="0" cap="none" spc="0" normalizeH="0" baseline="0" noProof="0" dirty="0">
+                <a:ln>
+                  <a:noFill/>
+                </a:ln>
+                <a:solidFill>
+                  <a:srgbClr val="454545"/>
+                </a:solidFill>
+                <a:effectLst/>
+                <a:uLnTx/>
+                <a:uFillTx/>
+                <a:latin typeface="GE Inspira Pitch" pitchFamily="34" charset="0"/>
+              </a:rPr>
+              <a:t>Data types of AFRL UxAS source code represented in SADL ontology</a:t>
+            </a:r>
+          </a:p>
+        </p:txBody>
+      </p:sp>
+      <p:sp>
+        <p:nvSpPr>
+          <p:cNvPr id="14" name="Footer Placeholder 2"/>
           <p:cNvSpPr>
             <a:spLocks noGrp="1"/>
           </p:cNvSpPr>
@@ -4961,46 +7151,612 @@
             <p:ph type="ftr" sz="quarter" idx="11"/>
           </p:nvPr>
         </p:nvSpPr>
-        <p:spPr/>
-        <p:txBody>
-          <a:bodyPr/>
-          <a:lstStyle/>
-          <a:p>
-            <a:r>
-              <a:rPr lang="en-US" dirty="0" smtClean="0"/>
+        <p:spPr>
+          <a:xfrm>
+            <a:off x="4038600" y="6414539"/>
+            <a:ext cx="4114800" cy="306936"/>
+          </a:xfrm>
+        </p:spPr>
+        <p:txBody>
+          <a:bodyPr/>
+          <a:lstStyle/>
+          <a:p>
+            <a:r>
+              <a:rPr lang="en-US" dirty="0"/>
               <a:t>Architecture Group</a:t>
             </a:r>
-            <a:endParaRPr lang="en-US" dirty="0"/>
-          </a:p>
-        </p:txBody>
-      </p:sp>
-      <p:sp>
-        <p:nvSpPr>
-          <p:cNvPr id="5" name="Slide Number Placeholder 4"/>
-          <p:cNvSpPr>
-            <a:spLocks noGrp="1"/>
-          </p:cNvSpPr>
-          <p:nvPr>
-            <p:ph type="sldNum" sz="quarter" idx="12"/>
-          </p:nvPr>
-        </p:nvSpPr>
-        <p:spPr/>
-        <p:txBody>
-          <a:bodyPr/>
-          <a:lstStyle/>
-          <a:p>
-            <a:fld id="{22900CBD-C7D3-47FA-BEF9-49DBBEB1A58F}" type="slidenum">
-              <a:rPr lang="en-US" smtClean="0"/>
-              <a:t>12</a:t>
-            </a:fld>
-            <a:endParaRPr lang="en-US"/>
           </a:p>
         </p:txBody>
       </p:sp>
     </p:spTree>
     <p:extLst>
       <p:ext uri="{BB962C8B-B14F-4D97-AF65-F5344CB8AC3E}">
-        <p14:creationId xmlns:p14="http://schemas.microsoft.com/office/powerpoint/2010/main" val="2472667537"/>
+        <p14:creationId xmlns:p14="http://schemas.microsoft.com/office/powerpoint/2010/main" val="2993529687"/>
+      </p:ext>
+    </p:extLst>
+  </p:cSld>
+  <p:clrMapOvr>
+    <a:masterClrMapping/>
+  </p:clrMapOvr>
+</p:sld>
+</file>
+
+<file path=ppt/slides/slide16.xml><?xml version="1.0" encoding="utf-8"?>
+<p:sld xmlns:a="http://schemas.openxmlformats.org/drawingml/2006/main" xmlns:r="http://schemas.openxmlformats.org/officeDocument/2006/relationships" xmlns:p="http://schemas.openxmlformats.org/presentationml/2006/main">
+  <p:cSld>
+    <p:spTree>
+      <p:nvGrpSpPr>
+        <p:cNvPr id="1" name=""/>
+        <p:cNvGrpSpPr/>
+        <p:nvPr/>
+      </p:nvGrpSpPr>
+      <p:grpSpPr>
+        <a:xfrm>
+          <a:off x="0" y="0"/>
+          <a:ext cx="0" cy="0"/>
+          <a:chOff x="0" y="0"/>
+          <a:chExt cx="0" cy="0"/>
+        </a:xfrm>
+      </p:grpSpPr>
+      <p:sp>
+        <p:nvSpPr>
+          <p:cNvPr id="2" name="Title 1"/>
+          <p:cNvSpPr>
+            <a:spLocks noGrp="1"/>
+          </p:cNvSpPr>
+          <p:nvPr>
+            <p:ph type="title"/>
+          </p:nvPr>
+        </p:nvSpPr>
+        <p:spPr/>
+        <p:txBody>
+          <a:bodyPr>
+            <a:normAutofit fontScale="90000"/>
+          </a:bodyPr>
+          <a:lstStyle/>
+          <a:p>
+            <a:pPr algn="ctr"/>
+            <a:r>
+              <a:rPr lang="en-US" dirty="0"/>
+              <a:t>Illustrative example: Modified AADL Contracts Pass Analysis  </a:t>
+            </a:r>
+          </a:p>
+        </p:txBody>
+      </p:sp>
+      <p:grpSp>
+        <p:nvGrpSpPr>
+          <p:cNvPr id="7" name="Group 6"/>
+          <p:cNvGrpSpPr/>
+          <p:nvPr/>
+        </p:nvGrpSpPr>
+        <p:grpSpPr>
+          <a:xfrm>
+            <a:off x="346330" y="1713031"/>
+            <a:ext cx="7807070" cy="3744390"/>
+            <a:chOff x="571858" y="1534853"/>
+            <a:chExt cx="8814075" cy="4009460"/>
+          </a:xfrm>
+        </p:grpSpPr>
+        <p:pic>
+          <p:nvPicPr>
+            <p:cNvPr id="5" name="Picture 4"/>
+            <p:cNvPicPr>
+              <a:picLocks noChangeAspect="1"/>
+            </p:cNvPicPr>
+            <p:nvPr/>
+          </p:nvPicPr>
+          <p:blipFill>
+            <a:blip r:embed="rId2"/>
+            <a:stretch>
+              <a:fillRect/>
+            </a:stretch>
+          </p:blipFill>
+          <p:spPr>
+            <a:xfrm>
+              <a:off x="571858" y="3719720"/>
+              <a:ext cx="8814075" cy="1824593"/>
+            </a:xfrm>
+            <a:prstGeom prst="rect">
+              <a:avLst/>
+            </a:prstGeom>
+          </p:spPr>
+        </p:pic>
+        <p:pic>
+          <p:nvPicPr>
+            <p:cNvPr id="6" name="Picture 5"/>
+            <p:cNvPicPr>
+              <a:picLocks noChangeAspect="1"/>
+            </p:cNvPicPr>
+            <p:nvPr/>
+          </p:nvPicPr>
+          <p:blipFill>
+            <a:blip r:embed="rId3"/>
+            <a:stretch>
+              <a:fillRect/>
+            </a:stretch>
+          </p:blipFill>
+          <p:spPr>
+            <a:xfrm>
+              <a:off x="571858" y="1534853"/>
+              <a:ext cx="8558002" cy="2095682"/>
+            </a:xfrm>
+            <a:prstGeom prst="rect">
+              <a:avLst/>
+            </a:prstGeom>
+          </p:spPr>
+        </p:pic>
+      </p:grpSp>
+      <p:sp>
+        <p:nvSpPr>
+          <p:cNvPr id="9" name="Arrow: Down 8"/>
+          <p:cNvSpPr/>
+          <p:nvPr/>
+        </p:nvSpPr>
+        <p:spPr>
+          <a:xfrm rot="16200000">
+            <a:off x="7099927" y="3573444"/>
+            <a:ext cx="573024" cy="596590"/>
+          </a:xfrm>
+          <a:prstGeom prst="downArrow">
+            <a:avLst/>
+          </a:prstGeom>
+        </p:spPr>
+        <p:style>
+          <a:lnRef idx="2">
+            <a:schemeClr val="accent1">
+              <a:shade val="50000"/>
+            </a:schemeClr>
+          </a:lnRef>
+          <a:fillRef idx="1">
+            <a:schemeClr val="accent1"/>
+          </a:fillRef>
+          <a:effectRef idx="0">
+            <a:schemeClr val="accent1"/>
+          </a:effectRef>
+          <a:fontRef idx="minor">
+            <a:schemeClr val="lt1"/>
+          </a:fontRef>
+        </p:style>
+        <p:txBody>
+          <a:bodyPr rtlCol="0" anchor="ctr"/>
+          <a:lstStyle/>
+          <a:p>
+            <a:pPr algn="ctr"/>
+            <a:endParaRPr lang="en-US"/>
+          </a:p>
+        </p:txBody>
+      </p:sp>
+      <p:pic>
+        <p:nvPicPr>
+          <p:cNvPr id="10" name="Picture 9"/>
+          <p:cNvPicPr>
+            <a:picLocks noChangeAspect="1"/>
+          </p:cNvPicPr>
+          <p:nvPr/>
+        </p:nvPicPr>
+        <p:blipFill>
+          <a:blip r:embed="rId4"/>
+          <a:stretch>
+            <a:fillRect/>
+          </a:stretch>
+        </p:blipFill>
+        <p:spPr>
+          <a:xfrm>
+            <a:off x="7686317" y="2872736"/>
+            <a:ext cx="4505683" cy="1640144"/>
+          </a:xfrm>
+          <a:prstGeom prst="rect">
+            <a:avLst/>
+          </a:prstGeom>
+        </p:spPr>
+      </p:pic>
+      <p:sp>
+        <p:nvSpPr>
+          <p:cNvPr id="11" name="Footer Placeholder 2"/>
+          <p:cNvSpPr>
+            <a:spLocks noGrp="1"/>
+          </p:cNvSpPr>
+          <p:nvPr>
+            <p:ph type="ftr" sz="quarter" idx="11"/>
+          </p:nvPr>
+        </p:nvSpPr>
+        <p:spPr>
+          <a:xfrm>
+            <a:off x="4038600" y="6414539"/>
+            <a:ext cx="4114800" cy="306936"/>
+          </a:xfrm>
+        </p:spPr>
+        <p:txBody>
+          <a:bodyPr/>
+          <a:lstStyle/>
+          <a:p>
+            <a:r>
+              <a:rPr lang="en-US" dirty="0"/>
+              <a:t>Architecture Group</a:t>
+            </a:r>
+          </a:p>
+        </p:txBody>
+      </p:sp>
+      <p:sp>
+        <p:nvSpPr>
+          <p:cNvPr id="12" name="TextBox 11"/>
+          <p:cNvSpPr txBox="1"/>
+          <p:nvPr/>
+        </p:nvSpPr>
+        <p:spPr>
+          <a:xfrm>
+            <a:off x="8153400" y="4730262"/>
+            <a:ext cx="3786554" cy="1477328"/>
+          </a:xfrm>
+          <a:prstGeom prst="rect">
+            <a:avLst/>
+          </a:prstGeom>
+          <a:solidFill>
+            <a:schemeClr val="accent4">
+              <a:lumMod val="40000"/>
+              <a:lumOff val="60000"/>
+            </a:schemeClr>
+          </a:solidFill>
+        </p:spPr>
+        <p:txBody>
+          <a:bodyPr wrap="square" rtlCol="0">
+            <a:spAutoFit/>
+          </a:bodyPr>
+          <a:lstStyle/>
+          <a:p>
+            <a:pPr marL="285750" indent="-285750">
+              <a:buFont typeface="Arial" panose="020B0604020202020204" pitchFamily="34" charset="0"/>
+              <a:buChar char="•"/>
+            </a:pPr>
+            <a:r>
+              <a:rPr lang="en-US" dirty="0">
+                <a:solidFill>
+                  <a:srgbClr val="0000FF"/>
+                </a:solidFill>
+              </a:rPr>
+              <a:t>What we learned: errors introduced in the manual contracts/requirements capturing process can be found earlier through automated analysis.  </a:t>
+            </a:r>
+          </a:p>
+        </p:txBody>
+      </p:sp>
+    </p:spTree>
+    <p:extLst>
+      <p:ext uri="{BB962C8B-B14F-4D97-AF65-F5344CB8AC3E}">
+        <p14:creationId xmlns:p14="http://schemas.microsoft.com/office/powerpoint/2010/main" val="872709652"/>
+      </p:ext>
+    </p:extLst>
+  </p:cSld>
+  <p:clrMapOvr>
+    <a:masterClrMapping/>
+  </p:clrMapOvr>
+</p:sld>
+</file>
+
+<file path=ppt/slides/slide17.xml><?xml version="1.0" encoding="utf-8"?>
+<p:sld xmlns:a="http://schemas.openxmlformats.org/drawingml/2006/main" xmlns:r="http://schemas.openxmlformats.org/officeDocument/2006/relationships" xmlns:p="http://schemas.openxmlformats.org/presentationml/2006/main">
+  <p:cSld>
+    <p:spTree>
+      <p:nvGrpSpPr>
+        <p:cNvPr id="1" name=""/>
+        <p:cNvGrpSpPr/>
+        <p:nvPr/>
+      </p:nvGrpSpPr>
+      <p:grpSpPr>
+        <a:xfrm>
+          <a:off x="0" y="0"/>
+          <a:ext cx="0" cy="0"/>
+          <a:chOff x="0" y="0"/>
+          <a:chExt cx="0" cy="0"/>
+        </a:xfrm>
+      </p:grpSpPr>
+      <p:sp>
+        <p:nvSpPr>
+          <p:cNvPr id="2" name="Title 1"/>
+          <p:cNvSpPr>
+            <a:spLocks noGrp="1"/>
+          </p:cNvSpPr>
+          <p:nvPr>
+            <p:ph type="title"/>
+          </p:nvPr>
+        </p:nvSpPr>
+        <p:spPr/>
+        <p:txBody>
+          <a:bodyPr>
+            <a:normAutofit/>
+          </a:bodyPr>
+          <a:lstStyle/>
+          <a:p>
+            <a:r>
+              <a:rPr lang="en-US" dirty="0" smtClean="0"/>
+              <a:t>State </a:t>
+            </a:r>
+            <a:r>
+              <a:rPr lang="en-US" dirty="0" smtClean="0"/>
+              <a:t>Machine Correctness Argument</a:t>
+            </a:r>
+            <a:endParaRPr lang="en-US" dirty="0"/>
+          </a:p>
+        </p:txBody>
+      </p:sp>
+      <p:sp>
+        <p:nvSpPr>
+          <p:cNvPr id="3" name="Content Placeholder 2"/>
+          <p:cNvSpPr>
+            <a:spLocks noGrp="1"/>
+          </p:cNvSpPr>
+          <p:nvPr>
+            <p:ph idx="1"/>
+          </p:nvPr>
+        </p:nvSpPr>
+        <p:spPr/>
+        <p:txBody>
+          <a:bodyPr/>
+          <a:lstStyle/>
+          <a:p>
+            <a:pPr marL="0" indent="0">
+              <a:buNone/>
+            </a:pPr>
+            <a:endParaRPr lang="en-US" dirty="0"/>
+          </a:p>
+        </p:txBody>
+      </p:sp>
+      <p:sp>
+        <p:nvSpPr>
+          <p:cNvPr id="4" name="Footer Placeholder 3"/>
+          <p:cNvSpPr>
+            <a:spLocks noGrp="1"/>
+          </p:cNvSpPr>
+          <p:nvPr>
+            <p:ph type="ftr" sz="quarter" idx="11"/>
+          </p:nvPr>
+        </p:nvSpPr>
+        <p:spPr>
+          <a:xfrm>
+            <a:off x="4038600" y="6419124"/>
+            <a:ext cx="4114800" cy="306936"/>
+          </a:xfrm>
+        </p:spPr>
+        <p:txBody>
+          <a:bodyPr/>
+          <a:lstStyle/>
+          <a:p>
+            <a:r>
+              <a:rPr lang="en-US" dirty="0" smtClean="0"/>
+              <a:t>Architecture Group</a:t>
+            </a:r>
+            <a:endParaRPr lang="en-US" dirty="0"/>
+          </a:p>
+        </p:txBody>
+      </p:sp>
+      <p:pic>
+        <p:nvPicPr>
+          <p:cNvPr id="5" name="Content Placeholder 4"/>
+          <p:cNvPicPr>
+            <a:picLocks noChangeAspect="1"/>
+          </p:cNvPicPr>
+          <p:nvPr/>
+        </p:nvPicPr>
+        <p:blipFill rotWithShape="1">
+          <a:blip r:embed="rId2">
+            <a:extLst>
+              <a:ext uri="{28A0092B-C50C-407E-A947-70E740481C1C}">
+                <a14:useLocalDpi xmlns:a14="http://schemas.microsoft.com/office/drawing/2010/main" val="0"/>
+              </a:ext>
+            </a:extLst>
+          </a:blip>
+          <a:srcRect t="22931"/>
+          <a:stretch/>
+        </p:blipFill>
+        <p:spPr>
+          <a:xfrm>
+            <a:off x="4192651" y="1490194"/>
+            <a:ext cx="7682191" cy="4696674"/>
+          </a:xfrm>
+          <a:prstGeom prst="rect">
+            <a:avLst/>
+          </a:prstGeom>
+        </p:spPr>
+      </p:pic>
+      <p:sp>
+        <p:nvSpPr>
+          <p:cNvPr id="6" name="Rectangular Callout 5"/>
+          <p:cNvSpPr/>
+          <p:nvPr/>
+        </p:nvSpPr>
+        <p:spPr>
+          <a:xfrm>
+            <a:off x="210064" y="1589417"/>
+            <a:ext cx="6179367" cy="2621635"/>
+          </a:xfrm>
+          <a:prstGeom prst="wedgeRectCallout">
+            <a:avLst>
+              <a:gd name="adj1" fmla="val -16492"/>
+              <a:gd name="adj2" fmla="val 6306"/>
+            </a:avLst>
+          </a:prstGeom>
+        </p:spPr>
+        <p:style>
+          <a:lnRef idx="1">
+            <a:schemeClr val="accent3"/>
+          </a:lnRef>
+          <a:fillRef idx="2">
+            <a:schemeClr val="accent3"/>
+          </a:fillRef>
+          <a:effectRef idx="1">
+            <a:schemeClr val="accent3"/>
+          </a:effectRef>
+          <a:fontRef idx="minor">
+            <a:schemeClr val="dk1"/>
+          </a:fontRef>
+        </p:style>
+        <p:txBody>
+          <a:bodyPr rtlCol="0" anchor="ctr"/>
+          <a:lstStyle>
+            <a:defPPr>
+              <a:defRPr lang="en-US"/>
+            </a:defPPr>
+            <a:lvl1pPr marL="0" algn="l" defTabSz="914400" rtl="0" eaLnBrk="1" latinLnBrk="0" hangingPunct="1">
+              <a:defRPr sz="1800" kern="1200">
+                <a:solidFill>
+                  <a:schemeClr val="dk1"/>
+                </a:solidFill>
+                <a:latin typeface="+mn-lt"/>
+                <a:ea typeface="+mn-ea"/>
+                <a:cs typeface="+mn-cs"/>
+              </a:defRPr>
+            </a:lvl1pPr>
+            <a:lvl2pPr marL="457200" algn="l" defTabSz="914400" rtl="0" eaLnBrk="1" latinLnBrk="0" hangingPunct="1">
+              <a:defRPr sz="1800" kern="1200">
+                <a:solidFill>
+                  <a:schemeClr val="dk1"/>
+                </a:solidFill>
+                <a:latin typeface="+mn-lt"/>
+                <a:ea typeface="+mn-ea"/>
+                <a:cs typeface="+mn-cs"/>
+              </a:defRPr>
+            </a:lvl2pPr>
+            <a:lvl3pPr marL="914400" algn="l" defTabSz="914400" rtl="0" eaLnBrk="1" latinLnBrk="0" hangingPunct="1">
+              <a:defRPr sz="1800" kern="1200">
+                <a:solidFill>
+                  <a:schemeClr val="dk1"/>
+                </a:solidFill>
+                <a:latin typeface="+mn-lt"/>
+                <a:ea typeface="+mn-ea"/>
+                <a:cs typeface="+mn-cs"/>
+              </a:defRPr>
+            </a:lvl3pPr>
+            <a:lvl4pPr marL="1371600" algn="l" defTabSz="914400" rtl="0" eaLnBrk="1" latinLnBrk="0" hangingPunct="1">
+              <a:defRPr sz="1800" kern="1200">
+                <a:solidFill>
+                  <a:schemeClr val="dk1"/>
+                </a:solidFill>
+                <a:latin typeface="+mn-lt"/>
+                <a:ea typeface="+mn-ea"/>
+                <a:cs typeface="+mn-cs"/>
+              </a:defRPr>
+            </a:lvl4pPr>
+            <a:lvl5pPr marL="1828800" algn="l" defTabSz="914400" rtl="0" eaLnBrk="1" latinLnBrk="0" hangingPunct="1">
+              <a:defRPr sz="1800" kern="1200">
+                <a:solidFill>
+                  <a:schemeClr val="dk1"/>
+                </a:solidFill>
+                <a:latin typeface="+mn-lt"/>
+                <a:ea typeface="+mn-ea"/>
+                <a:cs typeface="+mn-cs"/>
+              </a:defRPr>
+            </a:lvl5pPr>
+            <a:lvl6pPr marL="2286000" algn="l" defTabSz="914400" rtl="0" eaLnBrk="1" latinLnBrk="0" hangingPunct="1">
+              <a:defRPr sz="1800" kern="1200">
+                <a:solidFill>
+                  <a:schemeClr val="dk1"/>
+                </a:solidFill>
+                <a:latin typeface="+mn-lt"/>
+                <a:ea typeface="+mn-ea"/>
+                <a:cs typeface="+mn-cs"/>
+              </a:defRPr>
+            </a:lvl6pPr>
+            <a:lvl7pPr marL="2743200" algn="l" defTabSz="914400" rtl="0" eaLnBrk="1" latinLnBrk="0" hangingPunct="1">
+              <a:defRPr sz="1800" kern="1200">
+                <a:solidFill>
+                  <a:schemeClr val="dk1"/>
+                </a:solidFill>
+                <a:latin typeface="+mn-lt"/>
+                <a:ea typeface="+mn-ea"/>
+                <a:cs typeface="+mn-cs"/>
+              </a:defRPr>
+            </a:lvl7pPr>
+            <a:lvl8pPr marL="3200400" algn="l" defTabSz="914400" rtl="0" eaLnBrk="1" latinLnBrk="0" hangingPunct="1">
+              <a:defRPr sz="1800" kern="1200">
+                <a:solidFill>
+                  <a:schemeClr val="dk1"/>
+                </a:solidFill>
+                <a:latin typeface="+mn-lt"/>
+                <a:ea typeface="+mn-ea"/>
+                <a:cs typeface="+mn-cs"/>
+              </a:defRPr>
+            </a:lvl8pPr>
+            <a:lvl9pPr marL="3657600" algn="l" defTabSz="914400" rtl="0" eaLnBrk="1" latinLnBrk="0" hangingPunct="1">
+              <a:defRPr sz="1800" kern="1200">
+                <a:solidFill>
+                  <a:schemeClr val="dk1"/>
+                </a:solidFill>
+                <a:latin typeface="+mn-lt"/>
+                <a:ea typeface="+mn-ea"/>
+                <a:cs typeface="+mn-cs"/>
+              </a:defRPr>
+            </a:lvl9pPr>
+          </a:lstStyle>
+          <a:p>
+            <a:r>
+              <a:rPr lang="en-US" dirty="0" smtClean="0"/>
+              <a:t>Argument pattern for individual AADL component state machine correctness:</a:t>
+            </a:r>
+          </a:p>
+          <a:p>
+            <a:pPr marL="342900" indent="-342900">
+              <a:buFont typeface="Arial" charset="0"/>
+              <a:buChar char="•"/>
+            </a:pPr>
+            <a:r>
+              <a:rPr lang="en-US" dirty="0" smtClean="0"/>
+              <a:t>Structure repeated for each component</a:t>
+            </a:r>
+          </a:p>
+          <a:p>
+            <a:pPr marL="342900" indent="-342900">
+              <a:buFont typeface="Arial" charset="0"/>
+              <a:buChar char="•"/>
+            </a:pPr>
+            <a:r>
+              <a:rPr lang="en-US" dirty="0" smtClean="0"/>
+              <a:t>Vision: Situated within a larger model correctness argument</a:t>
+            </a:r>
+          </a:p>
+          <a:p>
+            <a:endParaRPr lang="en-US" dirty="0" smtClean="0"/>
+          </a:p>
+          <a:p>
+            <a:r>
+              <a:rPr lang="en-US" dirty="0" smtClean="0"/>
+              <a:t>Argument situates proposed AGREE lemmas:</a:t>
+            </a:r>
+          </a:p>
+          <a:p>
+            <a:pPr marL="342900" indent="-342900">
+              <a:buFont typeface="Arial" charset="0"/>
+              <a:buChar char="•"/>
+            </a:pPr>
+            <a:r>
+              <a:rPr lang="en-US" dirty="0" smtClean="0"/>
+              <a:t>Purpose</a:t>
+            </a:r>
+          </a:p>
+          <a:p>
+            <a:pPr marL="342900" indent="-342900">
+              <a:buFont typeface="Arial" charset="0"/>
+              <a:buChar char="•"/>
+            </a:pPr>
+            <a:r>
+              <a:rPr lang="en-US" dirty="0" smtClean="0"/>
+              <a:t>Rationale</a:t>
+            </a:r>
+          </a:p>
+          <a:p>
+            <a:pPr marL="342900" indent="-342900">
+              <a:buFont typeface="Arial" charset="0"/>
+              <a:buChar char="•"/>
+            </a:pPr>
+            <a:r>
+              <a:rPr lang="en-US" dirty="0" smtClean="0"/>
+              <a:t>Limitations and benefits</a:t>
+            </a:r>
+          </a:p>
+        </p:txBody>
+      </p:sp>
+    </p:spTree>
+    <p:extLst>
+      <p:ext uri="{BB962C8B-B14F-4D97-AF65-F5344CB8AC3E}">
+        <p14:creationId xmlns:p14="http://schemas.microsoft.com/office/powerpoint/2010/main" val="286898037"/>
       </p:ext>
     </p:extLst>
   </p:cSld>
@@ -5014,6 +7770,320 @@
       </p:par>
     </p:tnLst>
   </p:timing>
+</p:sld>
+</file>
+
+<file path=ppt/slides/slide18.xml><?xml version="1.0" encoding="utf-8"?>
+<p:sld xmlns:a="http://schemas.openxmlformats.org/drawingml/2006/main" xmlns:r="http://schemas.openxmlformats.org/officeDocument/2006/relationships" xmlns:p="http://schemas.openxmlformats.org/presentationml/2006/main">
+  <p:cSld>
+    <p:spTree>
+      <p:nvGrpSpPr>
+        <p:cNvPr id="1" name=""/>
+        <p:cNvGrpSpPr/>
+        <p:nvPr/>
+      </p:nvGrpSpPr>
+      <p:grpSpPr>
+        <a:xfrm>
+          <a:off x="0" y="0"/>
+          <a:ext cx="0" cy="0"/>
+          <a:chOff x="0" y="0"/>
+          <a:chExt cx="0" cy="0"/>
+        </a:xfrm>
+      </p:grpSpPr>
+      <p:sp>
+        <p:nvSpPr>
+          <p:cNvPr id="2" name="Title 1"/>
+          <p:cNvSpPr>
+            <a:spLocks noGrp="1"/>
+          </p:cNvSpPr>
+          <p:nvPr>
+            <p:ph type="title"/>
+          </p:nvPr>
+        </p:nvSpPr>
+        <p:spPr/>
+        <p:txBody>
+          <a:bodyPr/>
+          <a:lstStyle/>
+          <a:p>
+            <a:r>
+              <a:rPr lang="en-US" dirty="0" smtClean="0"/>
+              <a:t>Argument-Derived Observations</a:t>
+            </a:r>
+            <a:endParaRPr lang="en-US" dirty="0"/>
+          </a:p>
+        </p:txBody>
+      </p:sp>
+      <p:sp>
+        <p:nvSpPr>
+          <p:cNvPr id="3" name="Content Placeholder 2"/>
+          <p:cNvSpPr>
+            <a:spLocks noGrp="1"/>
+          </p:cNvSpPr>
+          <p:nvPr>
+            <p:ph idx="1"/>
+          </p:nvPr>
+        </p:nvSpPr>
+        <p:spPr/>
+        <p:txBody>
+          <a:bodyPr>
+            <a:normAutofit lnSpcReduction="10000"/>
+          </a:bodyPr>
+          <a:lstStyle/>
+          <a:p>
+            <a:r>
+              <a:rPr lang="en-US" dirty="0"/>
+              <a:t>Best practices/standards for AADL/AGREE use are needed</a:t>
+            </a:r>
+          </a:p>
+          <a:p>
+            <a:pPr lvl="1"/>
+            <a:r>
+              <a:rPr lang="en-US" dirty="0"/>
+              <a:t>Situate proofs within modeling fault analysis/mitigation</a:t>
+            </a:r>
+          </a:p>
+          <a:p>
+            <a:pPr lvl="1"/>
+            <a:r>
+              <a:rPr lang="en-US" dirty="0"/>
+              <a:t>Supports arguments that the set of lemmas are complete and correct</a:t>
+            </a:r>
+          </a:p>
+          <a:p>
+            <a:r>
+              <a:rPr lang="en-US" dirty="0"/>
+              <a:t>Additional tool support to reduce human error</a:t>
+            </a:r>
+          </a:p>
+          <a:p>
+            <a:pPr lvl="1"/>
+            <a:r>
+              <a:rPr lang="en-US" dirty="0"/>
+              <a:t>E.g., Lemmas and repetitive infrastructure are developed manually</a:t>
+            </a:r>
+          </a:p>
+          <a:p>
+            <a:pPr lvl="1"/>
+            <a:r>
+              <a:rPr lang="en-US" dirty="0"/>
+              <a:t>Minimize repetitive concerns in the argument about human error</a:t>
+            </a:r>
+          </a:p>
+          <a:p>
+            <a:r>
+              <a:rPr lang="en-US" dirty="0"/>
+              <a:t>Enhanced integration between AADL and AGREE </a:t>
+            </a:r>
+          </a:p>
+          <a:p>
+            <a:pPr lvl="1"/>
+            <a:r>
+              <a:rPr lang="en-US" dirty="0"/>
+              <a:t>Minimize repetitive arguments about AADL and AGREE consistency/agreement</a:t>
+            </a:r>
+          </a:p>
+          <a:p>
+            <a:r>
+              <a:rPr lang="en-US" dirty="0"/>
+              <a:t>A simpler higher-level protocol state machine spec for validation</a:t>
+            </a:r>
+          </a:p>
+          <a:p>
+            <a:pPr lvl="1"/>
+            <a:r>
+              <a:rPr lang="en-US" dirty="0"/>
+              <a:t>Provide a structure to validate against</a:t>
+            </a:r>
+          </a:p>
+          <a:p>
+            <a:pPr lvl="1"/>
+            <a:r>
+              <a:rPr lang="en-US" dirty="0"/>
+              <a:t>Simplify validation activity and simplify validation </a:t>
+            </a:r>
+            <a:r>
+              <a:rPr lang="en-US" dirty="0" smtClean="0"/>
+              <a:t>arguments</a:t>
+            </a:r>
+            <a:endParaRPr lang="en-US" dirty="0"/>
+          </a:p>
+        </p:txBody>
+      </p:sp>
+      <p:sp>
+        <p:nvSpPr>
+          <p:cNvPr id="4" name="Footer Placeholder 3"/>
+          <p:cNvSpPr>
+            <a:spLocks noGrp="1"/>
+          </p:cNvSpPr>
+          <p:nvPr>
+            <p:ph type="ftr" sz="quarter" idx="11"/>
+          </p:nvPr>
+        </p:nvSpPr>
+        <p:spPr>
+          <a:xfrm>
+            <a:off x="4038600" y="6419124"/>
+            <a:ext cx="4114800" cy="306936"/>
+          </a:xfrm>
+        </p:spPr>
+        <p:txBody>
+          <a:bodyPr/>
+          <a:lstStyle/>
+          <a:p>
+            <a:r>
+              <a:rPr lang="en-US" dirty="0" smtClean="0"/>
+              <a:t>Architecture Group</a:t>
+            </a:r>
+            <a:endParaRPr lang="en-US" dirty="0"/>
+          </a:p>
+        </p:txBody>
+      </p:sp>
+    </p:spTree>
+    <p:extLst>
+      <p:ext uri="{BB962C8B-B14F-4D97-AF65-F5344CB8AC3E}">
+        <p14:creationId xmlns:p14="http://schemas.microsoft.com/office/powerpoint/2010/main" val="1512231083"/>
+      </p:ext>
+    </p:extLst>
+  </p:cSld>
+  <p:clrMapOvr>
+    <a:masterClrMapping/>
+  </p:clrMapOvr>
+  <p:timing>
+    <p:tnLst>
+      <p:par>
+        <p:cTn id="1" dur="indefinite" restart="never" nodeType="tmRoot"/>
+      </p:par>
+    </p:tnLst>
+  </p:timing>
+</p:sld>
+</file>
+
+<file path=ppt/slides/slide19.xml><?xml version="1.0" encoding="utf-8"?>
+<p:sld xmlns:a="http://schemas.openxmlformats.org/drawingml/2006/main" xmlns:r="http://schemas.openxmlformats.org/officeDocument/2006/relationships" xmlns:p="http://schemas.openxmlformats.org/presentationml/2006/main">
+  <p:cSld>
+    <p:spTree>
+      <p:nvGrpSpPr>
+        <p:cNvPr id="1" name=""/>
+        <p:cNvGrpSpPr/>
+        <p:nvPr/>
+      </p:nvGrpSpPr>
+      <p:grpSpPr>
+        <a:xfrm>
+          <a:off x="0" y="0"/>
+          <a:ext cx="0" cy="0"/>
+          <a:chOff x="0" y="0"/>
+          <a:chExt cx="0" cy="0"/>
+        </a:xfrm>
+      </p:grpSpPr>
+      <p:sp>
+        <p:nvSpPr>
+          <p:cNvPr id="2" name="Title 1"/>
+          <p:cNvSpPr>
+            <a:spLocks noGrp="1"/>
+          </p:cNvSpPr>
+          <p:nvPr>
+            <p:ph type="title"/>
+          </p:nvPr>
+        </p:nvSpPr>
+        <p:spPr/>
+        <p:txBody>
+          <a:bodyPr/>
+          <a:lstStyle/>
+          <a:p>
+            <a:endParaRPr lang="en-US"/>
+          </a:p>
+        </p:txBody>
+      </p:sp>
+      <p:sp>
+        <p:nvSpPr>
+          <p:cNvPr id="3" name="Content Placeholder 2"/>
+          <p:cNvSpPr>
+            <a:spLocks noGrp="1"/>
+          </p:cNvSpPr>
+          <p:nvPr>
+            <p:ph idx="1"/>
+          </p:nvPr>
+        </p:nvSpPr>
+        <p:spPr/>
+        <p:txBody>
+          <a:bodyPr/>
+          <a:lstStyle/>
+          <a:p>
+            <a:r>
+              <a:rPr lang="en-US" dirty="0" smtClean="0">
+                <a:solidFill>
+                  <a:srgbClr val="FF0000"/>
+                </a:solidFill>
+              </a:rPr>
+              <a:t>[Placeholder for Chris Elliott’s work</a:t>
+            </a:r>
+            <a:r>
+              <a:rPr lang="en-US" dirty="0" smtClean="0">
+                <a:solidFill>
+                  <a:srgbClr val="FF0000"/>
+                </a:solidFill>
+              </a:rPr>
+              <a:t>]</a:t>
+            </a:r>
+          </a:p>
+          <a:p>
+            <a:r>
+              <a:rPr lang="en-US" dirty="0" smtClean="0"/>
+              <a:t>Enabling simulation</a:t>
+            </a:r>
+          </a:p>
+          <a:p>
+            <a:r>
+              <a:rPr lang="en-US" dirty="0" smtClean="0"/>
+              <a:t>Enabling analysis from Simulink</a:t>
+            </a:r>
+          </a:p>
+          <a:p>
+            <a:r>
+              <a:rPr lang="en-US" dirty="0" smtClean="0"/>
+              <a:t>Visualizing counterexamples</a:t>
+            </a:r>
+            <a:endParaRPr lang="en-US" dirty="0"/>
+          </a:p>
+        </p:txBody>
+      </p:sp>
+      <p:sp>
+        <p:nvSpPr>
+          <p:cNvPr id="4" name="Footer Placeholder 3"/>
+          <p:cNvSpPr>
+            <a:spLocks noGrp="1"/>
+          </p:cNvSpPr>
+          <p:nvPr>
+            <p:ph type="ftr" sz="quarter" idx="11"/>
+          </p:nvPr>
+        </p:nvSpPr>
+        <p:spPr>
+          <a:xfrm>
+            <a:off x="4038600" y="6419124"/>
+            <a:ext cx="4114800" cy="306936"/>
+          </a:xfrm>
+        </p:spPr>
+        <p:txBody>
+          <a:bodyPr/>
+          <a:lstStyle/>
+          <a:p>
+            <a:r>
+              <a:rPr lang="en-US" dirty="0" smtClean="0"/>
+              <a:t>Architecture Group</a:t>
+            </a:r>
+            <a:endParaRPr lang="en-US" dirty="0"/>
+          </a:p>
+        </p:txBody>
+      </p:sp>
+    </p:spTree>
+    <p:extLst>
+      <p:ext uri="{BB962C8B-B14F-4D97-AF65-F5344CB8AC3E}">
+        <p14:creationId xmlns:p14="http://schemas.microsoft.com/office/powerpoint/2010/main" val="1619698478"/>
+      </p:ext>
+    </p:extLst>
+  </p:cSld>
+  <p:clrMapOvr>
+    <a:masterClrMapping/>
+  </p:clrMapOvr>
 </p:sld>
 </file>
 
@@ -5207,6 +8277,1142 @@
     <p:extLst>
       <p:ext uri="{BB962C8B-B14F-4D97-AF65-F5344CB8AC3E}">
         <p14:creationId xmlns:p14="http://schemas.microsoft.com/office/powerpoint/2010/main" val="1165000552"/>
+      </p:ext>
+    </p:extLst>
+  </p:cSld>
+  <p:clrMapOvr>
+    <a:masterClrMapping/>
+  </p:clrMapOvr>
+  <p:timing>
+    <p:tnLst>
+      <p:par>
+        <p:cTn id="1" dur="indefinite" restart="never" nodeType="tmRoot"/>
+      </p:par>
+    </p:tnLst>
+  </p:timing>
+</p:sld>
+</file>
+
+<file path=ppt/slides/slide20.xml><?xml version="1.0" encoding="utf-8"?>
+<p:sld xmlns:a="http://schemas.openxmlformats.org/drawingml/2006/main" xmlns:r="http://schemas.openxmlformats.org/officeDocument/2006/relationships" xmlns:p="http://schemas.openxmlformats.org/presentationml/2006/main">
+  <p:cSld>
+    <p:spTree>
+      <p:nvGrpSpPr>
+        <p:cNvPr id="1" name=""/>
+        <p:cNvGrpSpPr/>
+        <p:nvPr/>
+      </p:nvGrpSpPr>
+      <p:grpSpPr>
+        <a:xfrm>
+          <a:off x="0" y="0"/>
+          <a:ext cx="0" cy="0"/>
+          <a:chOff x="0" y="0"/>
+          <a:chExt cx="0" cy="0"/>
+        </a:xfrm>
+      </p:grpSpPr>
+      <p:sp>
+        <p:nvSpPr>
+          <p:cNvPr id="2" name="Title 1"/>
+          <p:cNvSpPr>
+            <a:spLocks noGrp="1"/>
+          </p:cNvSpPr>
+          <p:nvPr>
+            <p:ph type="title"/>
+          </p:nvPr>
+        </p:nvSpPr>
+        <p:spPr/>
+        <p:txBody>
+          <a:bodyPr/>
+          <a:lstStyle/>
+          <a:p>
+            <a:endParaRPr lang="en-US" dirty="0"/>
+          </a:p>
+        </p:txBody>
+      </p:sp>
+      <p:sp>
+        <p:nvSpPr>
+          <p:cNvPr id="3" name="Content Placeholder 2"/>
+          <p:cNvSpPr>
+            <a:spLocks noGrp="1"/>
+          </p:cNvSpPr>
+          <p:nvPr>
+            <p:ph idx="1"/>
+          </p:nvPr>
+        </p:nvSpPr>
+        <p:spPr/>
+        <p:txBody>
+          <a:bodyPr/>
+          <a:lstStyle/>
+          <a:p>
+            <a:endParaRPr lang="en-US" dirty="0"/>
+          </a:p>
+        </p:txBody>
+      </p:sp>
+      <p:pic>
+        <p:nvPicPr>
+          <p:cNvPr id="4" name="Picture 3"/>
+          <p:cNvPicPr>
+            <a:picLocks noChangeAspect="1"/>
+          </p:cNvPicPr>
+          <p:nvPr/>
+        </p:nvPicPr>
+        <p:blipFill rotWithShape="1">
+          <a:blip r:embed="rId2"/>
+          <a:srcRect l="15355" t="13635" r="13521" b="2923"/>
+          <a:stretch/>
+        </p:blipFill>
+        <p:spPr>
+          <a:xfrm>
+            <a:off x="1569026" y="259772"/>
+            <a:ext cx="8905009" cy="6529493"/>
+          </a:xfrm>
+          <a:prstGeom prst="rect">
+            <a:avLst/>
+          </a:prstGeom>
+        </p:spPr>
+      </p:pic>
+    </p:spTree>
+    <p:extLst>
+      <p:ext uri="{BB962C8B-B14F-4D97-AF65-F5344CB8AC3E}">
+        <p14:creationId xmlns:p14="http://schemas.microsoft.com/office/powerpoint/2010/main" val="2347626870"/>
+      </p:ext>
+    </p:extLst>
+  </p:cSld>
+  <p:clrMapOvr>
+    <a:masterClrMapping/>
+  </p:clrMapOvr>
+</p:sld>
+</file>
+
+<file path=ppt/slides/slide21.xml><?xml version="1.0" encoding="utf-8"?>
+<p:sld xmlns:a="http://schemas.openxmlformats.org/drawingml/2006/main" xmlns:r="http://schemas.openxmlformats.org/officeDocument/2006/relationships" xmlns:p="http://schemas.openxmlformats.org/presentationml/2006/main">
+  <p:cSld>
+    <p:spTree>
+      <p:nvGrpSpPr>
+        <p:cNvPr id="1" name=""/>
+        <p:cNvGrpSpPr/>
+        <p:nvPr/>
+      </p:nvGrpSpPr>
+      <p:grpSpPr>
+        <a:xfrm>
+          <a:off x="0" y="0"/>
+          <a:ext cx="0" cy="0"/>
+          <a:chOff x="0" y="0"/>
+          <a:chExt cx="0" cy="0"/>
+        </a:xfrm>
+      </p:grpSpPr>
+      <p:sp>
+        <p:nvSpPr>
+          <p:cNvPr id="2" name="Title 1"/>
+          <p:cNvSpPr>
+            <a:spLocks noGrp="1"/>
+          </p:cNvSpPr>
+          <p:nvPr>
+            <p:ph type="title"/>
+          </p:nvPr>
+        </p:nvSpPr>
+        <p:spPr/>
+        <p:txBody>
+          <a:bodyPr/>
+          <a:lstStyle/>
+          <a:p>
+            <a:endParaRPr lang="en-US"/>
+          </a:p>
+        </p:txBody>
+      </p:sp>
+      <p:sp>
+        <p:nvSpPr>
+          <p:cNvPr id="3" name="Content Placeholder 2"/>
+          <p:cNvSpPr>
+            <a:spLocks noGrp="1"/>
+          </p:cNvSpPr>
+          <p:nvPr>
+            <p:ph idx="1"/>
+          </p:nvPr>
+        </p:nvSpPr>
+        <p:spPr/>
+        <p:txBody>
+          <a:bodyPr/>
+          <a:lstStyle/>
+          <a:p>
+            <a:endParaRPr lang="en-US"/>
+          </a:p>
+        </p:txBody>
+      </p:sp>
+      <p:pic>
+        <p:nvPicPr>
+          <p:cNvPr id="4" name="Picture 3"/>
+          <p:cNvPicPr>
+            <a:picLocks noChangeAspect="1"/>
+          </p:cNvPicPr>
+          <p:nvPr/>
+        </p:nvPicPr>
+        <p:blipFill>
+          <a:blip r:embed="rId2"/>
+          <a:stretch>
+            <a:fillRect/>
+          </a:stretch>
+        </p:blipFill>
+        <p:spPr>
+          <a:xfrm>
+            <a:off x="180353" y="457200"/>
+            <a:ext cx="11831293" cy="6400800"/>
+          </a:xfrm>
+          <a:prstGeom prst="rect">
+            <a:avLst/>
+          </a:prstGeom>
+        </p:spPr>
+      </p:pic>
+    </p:spTree>
+    <p:extLst>
+      <p:ext uri="{BB962C8B-B14F-4D97-AF65-F5344CB8AC3E}">
+        <p14:creationId xmlns:p14="http://schemas.microsoft.com/office/powerpoint/2010/main" val="1810468914"/>
+      </p:ext>
+    </p:extLst>
+  </p:cSld>
+  <p:clrMapOvr>
+    <a:masterClrMapping/>
+  </p:clrMapOvr>
+</p:sld>
+</file>
+
+<file path=ppt/slides/slide22.xml><?xml version="1.0" encoding="utf-8"?>
+<p:sld xmlns:a="http://schemas.openxmlformats.org/drawingml/2006/main" xmlns:r="http://schemas.openxmlformats.org/officeDocument/2006/relationships" xmlns:p="http://schemas.openxmlformats.org/presentationml/2006/main">
+  <p:cSld>
+    <p:spTree>
+      <p:nvGrpSpPr>
+        <p:cNvPr id="1" name=""/>
+        <p:cNvGrpSpPr/>
+        <p:nvPr/>
+      </p:nvGrpSpPr>
+      <p:grpSpPr>
+        <a:xfrm>
+          <a:off x="0" y="0"/>
+          <a:ext cx="0" cy="0"/>
+          <a:chOff x="0" y="0"/>
+          <a:chExt cx="0" cy="0"/>
+        </a:xfrm>
+      </p:grpSpPr>
+      <p:sp>
+        <p:nvSpPr>
+          <p:cNvPr id="2" name="Title 1"/>
+          <p:cNvSpPr>
+            <a:spLocks noGrp="1"/>
+          </p:cNvSpPr>
+          <p:nvPr>
+            <p:ph type="title"/>
+          </p:nvPr>
+        </p:nvSpPr>
+        <p:spPr/>
+        <p:txBody>
+          <a:bodyPr/>
+          <a:lstStyle/>
+          <a:p>
+            <a:endParaRPr lang="en-US"/>
+          </a:p>
+        </p:txBody>
+      </p:sp>
+      <p:sp>
+        <p:nvSpPr>
+          <p:cNvPr id="3" name="Content Placeholder 2"/>
+          <p:cNvSpPr>
+            <a:spLocks noGrp="1"/>
+          </p:cNvSpPr>
+          <p:nvPr>
+            <p:ph idx="1"/>
+          </p:nvPr>
+        </p:nvSpPr>
+        <p:spPr/>
+        <p:txBody>
+          <a:bodyPr/>
+          <a:lstStyle/>
+          <a:p>
+            <a:endParaRPr lang="en-US"/>
+          </a:p>
+        </p:txBody>
+      </p:sp>
+      <p:pic>
+        <p:nvPicPr>
+          <p:cNvPr id="4" name="Picture 3"/>
+          <p:cNvPicPr>
+            <a:picLocks noChangeAspect="1"/>
+          </p:cNvPicPr>
+          <p:nvPr/>
+        </p:nvPicPr>
+        <p:blipFill>
+          <a:blip r:embed="rId2"/>
+          <a:stretch>
+            <a:fillRect/>
+          </a:stretch>
+        </p:blipFill>
+        <p:spPr>
+          <a:xfrm>
+            <a:off x="180353" y="457200"/>
+            <a:ext cx="11831293" cy="6400800"/>
+          </a:xfrm>
+          <a:prstGeom prst="rect">
+            <a:avLst/>
+          </a:prstGeom>
+        </p:spPr>
+      </p:pic>
+    </p:spTree>
+    <p:extLst>
+      <p:ext uri="{BB962C8B-B14F-4D97-AF65-F5344CB8AC3E}">
+        <p14:creationId xmlns:p14="http://schemas.microsoft.com/office/powerpoint/2010/main" val="3693590454"/>
+      </p:ext>
+    </p:extLst>
+  </p:cSld>
+  <p:clrMapOvr>
+    <a:masterClrMapping/>
+  </p:clrMapOvr>
+</p:sld>
+</file>
+
+<file path=ppt/slides/slide23.xml><?xml version="1.0" encoding="utf-8"?>
+<p:sld xmlns:a="http://schemas.openxmlformats.org/drawingml/2006/main" xmlns:r="http://schemas.openxmlformats.org/officeDocument/2006/relationships" xmlns:p="http://schemas.openxmlformats.org/presentationml/2006/main">
+  <p:cSld>
+    <p:spTree>
+      <p:nvGrpSpPr>
+        <p:cNvPr id="1" name=""/>
+        <p:cNvGrpSpPr/>
+        <p:nvPr/>
+      </p:nvGrpSpPr>
+      <p:grpSpPr>
+        <a:xfrm>
+          <a:off x="0" y="0"/>
+          <a:ext cx="0" cy="0"/>
+          <a:chOff x="0" y="0"/>
+          <a:chExt cx="0" cy="0"/>
+        </a:xfrm>
+      </p:grpSpPr>
+      <p:sp>
+        <p:nvSpPr>
+          <p:cNvPr id="2" name="Title 1"/>
+          <p:cNvSpPr>
+            <a:spLocks noGrp="1"/>
+          </p:cNvSpPr>
+          <p:nvPr>
+            <p:ph type="title"/>
+          </p:nvPr>
+        </p:nvSpPr>
+        <p:spPr/>
+        <p:txBody>
+          <a:bodyPr/>
+          <a:lstStyle/>
+          <a:p>
+            <a:endParaRPr lang="en-US"/>
+          </a:p>
+        </p:txBody>
+      </p:sp>
+      <p:sp>
+        <p:nvSpPr>
+          <p:cNvPr id="3" name="Content Placeholder 2"/>
+          <p:cNvSpPr>
+            <a:spLocks noGrp="1"/>
+          </p:cNvSpPr>
+          <p:nvPr>
+            <p:ph idx="1"/>
+          </p:nvPr>
+        </p:nvSpPr>
+        <p:spPr/>
+        <p:txBody>
+          <a:bodyPr/>
+          <a:lstStyle/>
+          <a:p>
+            <a:endParaRPr lang="en-US"/>
+          </a:p>
+        </p:txBody>
+      </p:sp>
+      <p:pic>
+        <p:nvPicPr>
+          <p:cNvPr id="4" name="Picture 3"/>
+          <p:cNvPicPr>
+            <a:picLocks noChangeAspect="1"/>
+          </p:cNvPicPr>
+          <p:nvPr/>
+        </p:nvPicPr>
+        <p:blipFill>
+          <a:blip r:embed="rId2"/>
+          <a:stretch>
+            <a:fillRect/>
+          </a:stretch>
+        </p:blipFill>
+        <p:spPr>
+          <a:xfrm>
+            <a:off x="180353" y="457200"/>
+            <a:ext cx="11831293" cy="6400800"/>
+          </a:xfrm>
+          <a:prstGeom prst="rect">
+            <a:avLst/>
+          </a:prstGeom>
+        </p:spPr>
+      </p:pic>
+    </p:spTree>
+    <p:extLst>
+      <p:ext uri="{BB962C8B-B14F-4D97-AF65-F5344CB8AC3E}">
+        <p14:creationId xmlns:p14="http://schemas.microsoft.com/office/powerpoint/2010/main" val="568152296"/>
+      </p:ext>
+    </p:extLst>
+  </p:cSld>
+  <p:clrMapOvr>
+    <a:masterClrMapping/>
+  </p:clrMapOvr>
+</p:sld>
+</file>
+
+<file path=ppt/slides/slide24.xml><?xml version="1.0" encoding="utf-8"?>
+<p:sld xmlns:a="http://schemas.openxmlformats.org/drawingml/2006/main" xmlns:r="http://schemas.openxmlformats.org/officeDocument/2006/relationships" xmlns:p="http://schemas.openxmlformats.org/presentationml/2006/main">
+  <p:cSld>
+    <p:spTree>
+      <p:nvGrpSpPr>
+        <p:cNvPr id="1" name=""/>
+        <p:cNvGrpSpPr/>
+        <p:nvPr/>
+      </p:nvGrpSpPr>
+      <p:grpSpPr>
+        <a:xfrm>
+          <a:off x="0" y="0"/>
+          <a:ext cx="0" cy="0"/>
+          <a:chOff x="0" y="0"/>
+          <a:chExt cx="0" cy="0"/>
+        </a:xfrm>
+      </p:grpSpPr>
+      <p:sp>
+        <p:nvSpPr>
+          <p:cNvPr id="2" name="Title 1"/>
+          <p:cNvSpPr>
+            <a:spLocks noGrp="1"/>
+          </p:cNvSpPr>
+          <p:nvPr>
+            <p:ph type="title"/>
+          </p:nvPr>
+        </p:nvSpPr>
+        <p:spPr/>
+        <p:txBody>
+          <a:bodyPr/>
+          <a:lstStyle/>
+          <a:p>
+            <a:endParaRPr lang="en-US"/>
+          </a:p>
+        </p:txBody>
+      </p:sp>
+      <p:sp>
+        <p:nvSpPr>
+          <p:cNvPr id="3" name="Content Placeholder 2"/>
+          <p:cNvSpPr>
+            <a:spLocks noGrp="1"/>
+          </p:cNvSpPr>
+          <p:nvPr>
+            <p:ph idx="1"/>
+          </p:nvPr>
+        </p:nvSpPr>
+        <p:spPr/>
+        <p:txBody>
+          <a:bodyPr/>
+          <a:lstStyle/>
+          <a:p>
+            <a:endParaRPr lang="en-US"/>
+          </a:p>
+        </p:txBody>
+      </p:sp>
+      <p:pic>
+        <p:nvPicPr>
+          <p:cNvPr id="4" name="Picture 3"/>
+          <p:cNvPicPr>
+            <a:picLocks noChangeAspect="1"/>
+          </p:cNvPicPr>
+          <p:nvPr/>
+        </p:nvPicPr>
+        <p:blipFill>
+          <a:blip r:embed="rId2"/>
+          <a:stretch>
+            <a:fillRect/>
+          </a:stretch>
+        </p:blipFill>
+        <p:spPr>
+          <a:xfrm>
+            <a:off x="180353" y="365125"/>
+            <a:ext cx="11831293" cy="6400800"/>
+          </a:xfrm>
+          <a:prstGeom prst="rect">
+            <a:avLst/>
+          </a:prstGeom>
+        </p:spPr>
+      </p:pic>
+    </p:spTree>
+    <p:extLst>
+      <p:ext uri="{BB962C8B-B14F-4D97-AF65-F5344CB8AC3E}">
+        <p14:creationId xmlns:p14="http://schemas.microsoft.com/office/powerpoint/2010/main" val="721413985"/>
+      </p:ext>
+    </p:extLst>
+  </p:cSld>
+  <p:clrMapOvr>
+    <a:masterClrMapping/>
+  </p:clrMapOvr>
+</p:sld>
+</file>
+
+<file path=ppt/slides/slide25.xml><?xml version="1.0" encoding="utf-8"?>
+<p:sld xmlns:a="http://schemas.openxmlformats.org/drawingml/2006/main" xmlns:r="http://schemas.openxmlformats.org/officeDocument/2006/relationships" xmlns:p="http://schemas.openxmlformats.org/presentationml/2006/main">
+  <p:cSld>
+    <p:spTree>
+      <p:nvGrpSpPr>
+        <p:cNvPr id="1" name=""/>
+        <p:cNvGrpSpPr/>
+        <p:nvPr/>
+      </p:nvGrpSpPr>
+      <p:grpSpPr>
+        <a:xfrm>
+          <a:off x="0" y="0"/>
+          <a:ext cx="0" cy="0"/>
+          <a:chOff x="0" y="0"/>
+          <a:chExt cx="0" cy="0"/>
+        </a:xfrm>
+      </p:grpSpPr>
+      <p:sp>
+        <p:nvSpPr>
+          <p:cNvPr id="2" name="Title 1"/>
+          <p:cNvSpPr>
+            <a:spLocks noGrp="1"/>
+          </p:cNvSpPr>
+          <p:nvPr>
+            <p:ph type="title"/>
+          </p:nvPr>
+        </p:nvSpPr>
+        <p:spPr/>
+        <p:txBody>
+          <a:bodyPr/>
+          <a:lstStyle/>
+          <a:p>
+            <a:endParaRPr lang="en-US"/>
+          </a:p>
+        </p:txBody>
+      </p:sp>
+      <p:sp>
+        <p:nvSpPr>
+          <p:cNvPr id="3" name="Content Placeholder 2"/>
+          <p:cNvSpPr>
+            <a:spLocks noGrp="1"/>
+          </p:cNvSpPr>
+          <p:nvPr>
+            <p:ph idx="1"/>
+          </p:nvPr>
+        </p:nvSpPr>
+        <p:spPr/>
+        <p:txBody>
+          <a:bodyPr/>
+          <a:lstStyle/>
+          <a:p>
+            <a:endParaRPr lang="en-US"/>
+          </a:p>
+        </p:txBody>
+      </p:sp>
+      <p:pic>
+        <p:nvPicPr>
+          <p:cNvPr id="4" name="Picture 3"/>
+          <p:cNvPicPr>
+            <a:picLocks noChangeAspect="1"/>
+          </p:cNvPicPr>
+          <p:nvPr/>
+        </p:nvPicPr>
+        <p:blipFill>
+          <a:blip r:embed="rId2"/>
+          <a:stretch>
+            <a:fillRect/>
+          </a:stretch>
+        </p:blipFill>
+        <p:spPr>
+          <a:xfrm>
+            <a:off x="180353" y="457200"/>
+            <a:ext cx="11831293" cy="6400800"/>
+          </a:xfrm>
+          <a:prstGeom prst="rect">
+            <a:avLst/>
+          </a:prstGeom>
+        </p:spPr>
+      </p:pic>
+    </p:spTree>
+    <p:extLst>
+      <p:ext uri="{BB962C8B-B14F-4D97-AF65-F5344CB8AC3E}">
+        <p14:creationId xmlns:p14="http://schemas.microsoft.com/office/powerpoint/2010/main" val="8969968"/>
+      </p:ext>
+    </p:extLst>
+  </p:cSld>
+  <p:clrMapOvr>
+    <a:masterClrMapping/>
+  </p:clrMapOvr>
+</p:sld>
+</file>
+
+<file path=ppt/slides/slide26.xml><?xml version="1.0" encoding="utf-8"?>
+<p:sld xmlns:a="http://schemas.openxmlformats.org/drawingml/2006/main" xmlns:r="http://schemas.openxmlformats.org/officeDocument/2006/relationships" xmlns:p="http://schemas.openxmlformats.org/presentationml/2006/main">
+  <p:cSld>
+    <p:spTree>
+      <p:nvGrpSpPr>
+        <p:cNvPr id="1" name=""/>
+        <p:cNvGrpSpPr/>
+        <p:nvPr/>
+      </p:nvGrpSpPr>
+      <p:grpSpPr>
+        <a:xfrm>
+          <a:off x="0" y="0"/>
+          <a:ext cx="0" cy="0"/>
+          <a:chOff x="0" y="0"/>
+          <a:chExt cx="0" cy="0"/>
+        </a:xfrm>
+      </p:grpSpPr>
+      <p:sp>
+        <p:nvSpPr>
+          <p:cNvPr id="2" name="Title 1"/>
+          <p:cNvSpPr>
+            <a:spLocks noGrp="1"/>
+          </p:cNvSpPr>
+          <p:nvPr>
+            <p:ph type="title"/>
+          </p:nvPr>
+        </p:nvSpPr>
+        <p:spPr/>
+        <p:txBody>
+          <a:bodyPr/>
+          <a:lstStyle/>
+          <a:p>
+            <a:endParaRPr lang="en-US"/>
+          </a:p>
+        </p:txBody>
+      </p:sp>
+      <p:sp>
+        <p:nvSpPr>
+          <p:cNvPr id="3" name="Content Placeholder 2"/>
+          <p:cNvSpPr>
+            <a:spLocks noGrp="1"/>
+          </p:cNvSpPr>
+          <p:nvPr>
+            <p:ph idx="1"/>
+          </p:nvPr>
+        </p:nvSpPr>
+        <p:spPr/>
+        <p:txBody>
+          <a:bodyPr/>
+          <a:lstStyle/>
+          <a:p>
+            <a:endParaRPr lang="en-US"/>
+          </a:p>
+        </p:txBody>
+      </p:sp>
+      <p:pic>
+        <p:nvPicPr>
+          <p:cNvPr id="4" name="Picture 3"/>
+          <p:cNvPicPr>
+            <a:picLocks noChangeAspect="1"/>
+          </p:cNvPicPr>
+          <p:nvPr/>
+        </p:nvPicPr>
+        <p:blipFill>
+          <a:blip r:embed="rId2"/>
+          <a:stretch>
+            <a:fillRect/>
+          </a:stretch>
+        </p:blipFill>
+        <p:spPr>
+          <a:xfrm>
+            <a:off x="180353" y="457200"/>
+            <a:ext cx="11831293" cy="6400800"/>
+          </a:xfrm>
+          <a:prstGeom prst="rect">
+            <a:avLst/>
+          </a:prstGeom>
+        </p:spPr>
+      </p:pic>
+    </p:spTree>
+    <p:extLst>
+      <p:ext uri="{BB962C8B-B14F-4D97-AF65-F5344CB8AC3E}">
+        <p14:creationId xmlns:p14="http://schemas.microsoft.com/office/powerpoint/2010/main" val="942965700"/>
+      </p:ext>
+    </p:extLst>
+  </p:cSld>
+  <p:clrMapOvr>
+    <a:masterClrMapping/>
+  </p:clrMapOvr>
+</p:sld>
+</file>
+
+<file path=ppt/slides/slide27.xml><?xml version="1.0" encoding="utf-8"?>
+<p:sld xmlns:a="http://schemas.openxmlformats.org/drawingml/2006/main" xmlns:r="http://schemas.openxmlformats.org/officeDocument/2006/relationships" xmlns:p="http://schemas.openxmlformats.org/presentationml/2006/main">
+  <p:cSld>
+    <p:spTree>
+      <p:nvGrpSpPr>
+        <p:cNvPr id="1" name=""/>
+        <p:cNvGrpSpPr/>
+        <p:nvPr/>
+      </p:nvGrpSpPr>
+      <p:grpSpPr>
+        <a:xfrm>
+          <a:off x="0" y="0"/>
+          <a:ext cx="0" cy="0"/>
+          <a:chOff x="0" y="0"/>
+          <a:chExt cx="0" cy="0"/>
+        </a:xfrm>
+      </p:grpSpPr>
+      <p:sp>
+        <p:nvSpPr>
+          <p:cNvPr id="2" name="Title 1"/>
+          <p:cNvSpPr>
+            <a:spLocks noGrp="1"/>
+          </p:cNvSpPr>
+          <p:nvPr>
+            <p:ph type="title"/>
+          </p:nvPr>
+        </p:nvSpPr>
+        <p:spPr/>
+        <p:txBody>
+          <a:bodyPr/>
+          <a:lstStyle/>
+          <a:p>
+            <a:endParaRPr lang="en-US"/>
+          </a:p>
+        </p:txBody>
+      </p:sp>
+      <p:sp>
+        <p:nvSpPr>
+          <p:cNvPr id="3" name="Content Placeholder 2"/>
+          <p:cNvSpPr>
+            <a:spLocks noGrp="1"/>
+          </p:cNvSpPr>
+          <p:nvPr>
+            <p:ph idx="1"/>
+          </p:nvPr>
+        </p:nvSpPr>
+        <p:spPr/>
+        <p:txBody>
+          <a:bodyPr/>
+          <a:lstStyle/>
+          <a:p>
+            <a:endParaRPr lang="en-US"/>
+          </a:p>
+        </p:txBody>
+      </p:sp>
+      <p:pic>
+        <p:nvPicPr>
+          <p:cNvPr id="5" name="Picture 4"/>
+          <p:cNvPicPr>
+            <a:picLocks noChangeAspect="1"/>
+          </p:cNvPicPr>
+          <p:nvPr/>
+        </p:nvPicPr>
+        <p:blipFill>
+          <a:blip r:embed="rId2"/>
+          <a:stretch>
+            <a:fillRect/>
+          </a:stretch>
+        </p:blipFill>
+        <p:spPr>
+          <a:xfrm>
+            <a:off x="180353" y="457200"/>
+            <a:ext cx="11831293" cy="6400800"/>
+          </a:xfrm>
+          <a:prstGeom prst="rect">
+            <a:avLst/>
+          </a:prstGeom>
+        </p:spPr>
+      </p:pic>
+    </p:spTree>
+    <p:extLst>
+      <p:ext uri="{BB962C8B-B14F-4D97-AF65-F5344CB8AC3E}">
+        <p14:creationId xmlns:p14="http://schemas.microsoft.com/office/powerpoint/2010/main" val="1712548615"/>
+      </p:ext>
+    </p:extLst>
+  </p:cSld>
+  <p:clrMapOvr>
+    <a:masterClrMapping/>
+  </p:clrMapOvr>
+</p:sld>
+</file>
+
+<file path=ppt/slides/slide28.xml><?xml version="1.0" encoding="utf-8"?>
+<p:sld xmlns:a="http://schemas.openxmlformats.org/drawingml/2006/main" xmlns:r="http://schemas.openxmlformats.org/officeDocument/2006/relationships" xmlns:p="http://schemas.openxmlformats.org/presentationml/2006/main">
+  <p:cSld>
+    <p:spTree>
+      <p:nvGrpSpPr>
+        <p:cNvPr id="1" name=""/>
+        <p:cNvGrpSpPr/>
+        <p:nvPr/>
+      </p:nvGrpSpPr>
+      <p:grpSpPr>
+        <a:xfrm>
+          <a:off x="0" y="0"/>
+          <a:ext cx="0" cy="0"/>
+          <a:chOff x="0" y="0"/>
+          <a:chExt cx="0" cy="0"/>
+        </a:xfrm>
+      </p:grpSpPr>
+      <p:sp>
+        <p:nvSpPr>
+          <p:cNvPr id="2" name="Title 1"/>
+          <p:cNvSpPr>
+            <a:spLocks noGrp="1"/>
+          </p:cNvSpPr>
+          <p:nvPr>
+            <p:ph type="title"/>
+          </p:nvPr>
+        </p:nvSpPr>
+        <p:spPr/>
+        <p:txBody>
+          <a:bodyPr/>
+          <a:lstStyle/>
+          <a:p>
+            <a:endParaRPr lang="en-US"/>
+          </a:p>
+        </p:txBody>
+      </p:sp>
+      <p:sp>
+        <p:nvSpPr>
+          <p:cNvPr id="3" name="Content Placeholder 2"/>
+          <p:cNvSpPr>
+            <a:spLocks noGrp="1"/>
+          </p:cNvSpPr>
+          <p:nvPr>
+            <p:ph idx="1"/>
+          </p:nvPr>
+        </p:nvSpPr>
+        <p:spPr/>
+        <p:txBody>
+          <a:bodyPr/>
+          <a:lstStyle/>
+          <a:p>
+            <a:endParaRPr lang="en-US"/>
+          </a:p>
+        </p:txBody>
+      </p:sp>
+      <p:pic>
+        <p:nvPicPr>
+          <p:cNvPr id="4" name="Picture 3"/>
+          <p:cNvPicPr>
+            <a:picLocks noChangeAspect="1"/>
+          </p:cNvPicPr>
+          <p:nvPr/>
+        </p:nvPicPr>
+        <p:blipFill>
+          <a:blip r:embed="rId2"/>
+          <a:stretch>
+            <a:fillRect/>
+          </a:stretch>
+        </p:blipFill>
+        <p:spPr>
+          <a:xfrm>
+            <a:off x="180353" y="457200"/>
+            <a:ext cx="11831293" cy="6400800"/>
+          </a:xfrm>
+          <a:prstGeom prst="rect">
+            <a:avLst/>
+          </a:prstGeom>
+        </p:spPr>
+      </p:pic>
+    </p:spTree>
+    <p:extLst>
+      <p:ext uri="{BB962C8B-B14F-4D97-AF65-F5344CB8AC3E}">
+        <p14:creationId xmlns:p14="http://schemas.microsoft.com/office/powerpoint/2010/main" val="1771569847"/>
+      </p:ext>
+    </p:extLst>
+  </p:cSld>
+  <p:clrMapOvr>
+    <a:masterClrMapping/>
+  </p:clrMapOvr>
+</p:sld>
+</file>
+
+<file path=ppt/slides/slide29.xml><?xml version="1.0" encoding="utf-8"?>
+<p:sld xmlns:a="http://schemas.openxmlformats.org/drawingml/2006/main" xmlns:r="http://schemas.openxmlformats.org/officeDocument/2006/relationships" xmlns:p="http://schemas.openxmlformats.org/presentationml/2006/main">
+  <p:cSld>
+    <p:spTree>
+      <p:nvGrpSpPr>
+        <p:cNvPr id="1" name=""/>
+        <p:cNvGrpSpPr/>
+        <p:nvPr/>
+      </p:nvGrpSpPr>
+      <p:grpSpPr>
+        <a:xfrm>
+          <a:off x="0" y="0"/>
+          <a:ext cx="0" cy="0"/>
+          <a:chOff x="0" y="0"/>
+          <a:chExt cx="0" cy="0"/>
+        </a:xfrm>
+      </p:grpSpPr>
+      <p:sp>
+        <p:nvSpPr>
+          <p:cNvPr id="2" name="Title 1"/>
+          <p:cNvSpPr>
+            <a:spLocks noGrp="1"/>
+          </p:cNvSpPr>
+          <p:nvPr>
+            <p:ph type="title"/>
+          </p:nvPr>
+        </p:nvSpPr>
+        <p:spPr/>
+        <p:txBody>
+          <a:bodyPr/>
+          <a:lstStyle/>
+          <a:p>
+            <a:r>
+              <a:rPr lang="en-US" dirty="0" smtClean="0"/>
+              <a:t>Lessons Learned</a:t>
+            </a:r>
+            <a:endParaRPr lang="en-US" dirty="0"/>
+          </a:p>
+        </p:txBody>
+      </p:sp>
+      <p:sp>
+        <p:nvSpPr>
+          <p:cNvPr id="3" name="Content Placeholder 2"/>
+          <p:cNvSpPr>
+            <a:spLocks noGrp="1"/>
+          </p:cNvSpPr>
+          <p:nvPr>
+            <p:ph idx="1"/>
+          </p:nvPr>
+        </p:nvSpPr>
+        <p:spPr/>
+        <p:txBody>
+          <a:bodyPr>
+            <a:normAutofit fontScale="92500" lnSpcReduction="20000"/>
+          </a:bodyPr>
+          <a:lstStyle/>
+          <a:p>
+            <a:pPr>
+              <a:lnSpc>
+                <a:spcPct val="100000"/>
+              </a:lnSpc>
+              <a:spcBef>
+                <a:spcPts val="200"/>
+              </a:spcBef>
+            </a:pPr>
+            <a:r>
+              <a:rPr lang="en-US" dirty="0" smtClean="0"/>
+              <a:t>Many problems are identified through the process of formalization, before analysis</a:t>
+            </a:r>
+          </a:p>
+          <a:p>
+            <a:pPr>
+              <a:lnSpc>
+                <a:spcPct val="100000"/>
+              </a:lnSpc>
+              <a:spcBef>
+                <a:spcPts val="200"/>
+              </a:spcBef>
+            </a:pPr>
+            <a:r>
+              <a:rPr lang="en-US" dirty="0" smtClean="0"/>
+              <a:t>Data types (or an ontology), ports, and connections can be automatically extracted from code (with some moderate up front work)</a:t>
+            </a:r>
+          </a:p>
+          <a:p>
+            <a:pPr>
+              <a:lnSpc>
+                <a:spcPct val="100000"/>
+              </a:lnSpc>
+              <a:spcBef>
+                <a:spcPts val="200"/>
+              </a:spcBef>
+            </a:pPr>
+            <a:r>
+              <a:rPr lang="en-US" dirty="0" smtClean="0"/>
+              <a:t>Reusable (template) properties help find common mistakes</a:t>
+            </a:r>
+          </a:p>
+          <a:p>
+            <a:pPr>
+              <a:lnSpc>
+                <a:spcPct val="100000"/>
+              </a:lnSpc>
+              <a:spcBef>
+                <a:spcPts val="200"/>
+              </a:spcBef>
+            </a:pPr>
+            <a:r>
+              <a:rPr lang="en-US" dirty="0" smtClean="0"/>
+              <a:t>Not every error can be detected with a template property--a review of the specification itself is still worthwhile</a:t>
+            </a:r>
+          </a:p>
+          <a:p>
+            <a:pPr>
+              <a:lnSpc>
+                <a:spcPct val="100000"/>
+              </a:lnSpc>
+              <a:spcBef>
+                <a:spcPts val="200"/>
+              </a:spcBef>
+            </a:pPr>
+            <a:r>
+              <a:rPr lang="en-US" dirty="0" smtClean="0"/>
+              <a:t>Assurance arguments are useful to capture the “rest of the story”</a:t>
+            </a:r>
+          </a:p>
+          <a:p>
+            <a:pPr lvl="1">
+              <a:lnSpc>
+                <a:spcPct val="100000"/>
+              </a:lnSpc>
+              <a:spcBef>
+                <a:spcPts val="200"/>
+              </a:spcBef>
+            </a:pPr>
+            <a:r>
+              <a:rPr lang="en-US" dirty="0" smtClean="0"/>
+              <a:t>Differences between the model and the real world</a:t>
+            </a:r>
+          </a:p>
+          <a:p>
+            <a:pPr lvl="1">
+              <a:lnSpc>
+                <a:spcPct val="100000"/>
+              </a:lnSpc>
+              <a:spcBef>
+                <a:spcPts val="200"/>
+              </a:spcBef>
+            </a:pPr>
+            <a:r>
+              <a:rPr lang="en-US" dirty="0" smtClean="0"/>
+              <a:t>Specification versus </a:t>
+            </a:r>
+            <a:r>
+              <a:rPr lang="en-US" dirty="0" smtClean="0"/>
+              <a:t>intent</a:t>
+            </a:r>
+          </a:p>
+          <a:p>
+            <a:pPr lvl="1">
+              <a:lnSpc>
+                <a:spcPct val="100000"/>
+              </a:lnSpc>
+              <a:spcBef>
+                <a:spcPts val="200"/>
+              </a:spcBef>
+            </a:pPr>
+            <a:r>
+              <a:rPr lang="en-US" dirty="0" smtClean="0"/>
+              <a:t>Enhancements to the formal analysis tools could simplify the argument</a:t>
+            </a:r>
+            <a:endParaRPr lang="en-US" dirty="0" smtClean="0"/>
+          </a:p>
+          <a:p>
+            <a:pPr>
+              <a:lnSpc>
+                <a:spcPct val="100000"/>
+              </a:lnSpc>
+              <a:spcBef>
+                <a:spcPts val="200"/>
+              </a:spcBef>
+            </a:pPr>
+            <a:r>
+              <a:rPr lang="en-US" dirty="0" smtClean="0"/>
+              <a:t>SpeAR, ASSERT, </a:t>
+            </a:r>
+            <a:r>
+              <a:rPr lang="en-US" dirty="0" smtClean="0"/>
+              <a:t>AADL/AGREE, and </a:t>
+            </a:r>
+            <a:r>
+              <a:rPr lang="en-US" dirty="0" err="1" smtClean="0"/>
+              <a:t>QVtrace</a:t>
+            </a:r>
+            <a:r>
+              <a:rPr lang="en-US" dirty="0" smtClean="0"/>
+              <a:t> </a:t>
+            </a:r>
+            <a:r>
+              <a:rPr lang="en-US" dirty="0" smtClean="0"/>
+              <a:t>are all very capable analysis tools. </a:t>
+            </a:r>
+            <a:r>
+              <a:rPr lang="en-US" dirty="0" smtClean="0"/>
+              <a:t>There are synergies between them.</a:t>
+            </a:r>
+            <a:endParaRPr lang="en-US" dirty="0" smtClean="0"/>
+          </a:p>
+          <a:p>
+            <a:pPr>
+              <a:lnSpc>
+                <a:spcPct val="100000"/>
+              </a:lnSpc>
+              <a:spcBef>
+                <a:spcPts val="200"/>
+              </a:spcBef>
+            </a:pPr>
+            <a:r>
+              <a:rPr lang="en-US" dirty="0" smtClean="0"/>
+              <a:t>Challenges: arrays, </a:t>
+            </a:r>
+            <a:r>
+              <a:rPr lang="en-US" dirty="0" smtClean="0"/>
+              <a:t>inheritance</a:t>
+            </a:r>
+            <a:endParaRPr lang="en-US" dirty="0" smtClean="0"/>
+          </a:p>
+          <a:p>
+            <a:pPr>
+              <a:lnSpc>
+                <a:spcPct val="100000"/>
+              </a:lnSpc>
+              <a:spcBef>
+                <a:spcPts val="200"/>
+              </a:spcBef>
+            </a:pPr>
+            <a:endParaRPr lang="en-US" dirty="0" smtClean="0"/>
+          </a:p>
+          <a:p>
+            <a:endParaRPr lang="en-US" dirty="0"/>
+          </a:p>
+        </p:txBody>
+      </p:sp>
+      <p:sp>
+        <p:nvSpPr>
+          <p:cNvPr id="4" name="Footer Placeholder 3"/>
+          <p:cNvSpPr>
+            <a:spLocks noGrp="1"/>
+          </p:cNvSpPr>
+          <p:nvPr>
+            <p:ph type="ftr" sz="quarter" idx="11"/>
+          </p:nvPr>
+        </p:nvSpPr>
+        <p:spPr/>
+        <p:txBody>
+          <a:bodyPr/>
+          <a:lstStyle/>
+          <a:p>
+            <a:r>
+              <a:rPr lang="en-US" dirty="0" smtClean="0"/>
+              <a:t>Architecture Group</a:t>
+            </a:r>
+            <a:endParaRPr lang="en-US" dirty="0"/>
+          </a:p>
+        </p:txBody>
+      </p:sp>
+      <p:sp>
+        <p:nvSpPr>
+          <p:cNvPr id="5" name="Slide Number Placeholder 4"/>
+          <p:cNvSpPr>
+            <a:spLocks noGrp="1"/>
+          </p:cNvSpPr>
+          <p:nvPr>
+            <p:ph type="sldNum" sz="quarter" idx="12"/>
+          </p:nvPr>
+        </p:nvSpPr>
+        <p:spPr/>
+        <p:txBody>
+          <a:bodyPr/>
+          <a:lstStyle/>
+          <a:p>
+            <a:fld id="{22900CBD-C7D3-47FA-BEF9-49DBBEB1A58F}" type="slidenum">
+              <a:rPr lang="en-US" smtClean="0"/>
+              <a:t>29</a:t>
+            </a:fld>
+            <a:endParaRPr lang="en-US"/>
+          </a:p>
+        </p:txBody>
+      </p:sp>
+    </p:spTree>
+    <p:extLst>
+      <p:ext uri="{BB962C8B-B14F-4D97-AF65-F5344CB8AC3E}">
+        <p14:creationId xmlns:p14="http://schemas.microsoft.com/office/powerpoint/2010/main" val="3123488723"/>
       </p:ext>
     </p:extLst>
   </p:cSld>
@@ -5276,7 +9482,7 @@
         <p:spPr/>
         <p:txBody>
           <a:bodyPr>
-            <a:normAutofit fontScale="92500" lnSpcReduction="10000"/>
+            <a:normAutofit fontScale="92500" lnSpcReduction="20000"/>
           </a:bodyPr>
           <a:lstStyle/>
           <a:p>
@@ -5397,7 +9603,11 @@
             </a:pPr>
             <a:r>
               <a:rPr lang="en-US" dirty="0" smtClean="0"/>
-              <a:t>Jen Davis – Rockwell Collins (RC)</a:t>
+              <a:t>Jen Davis – Rockwell Collins (RC</a:t>
+            </a:r>
+            <a:r>
+              <a:rPr lang="en-US" dirty="0" smtClean="0"/>
+              <a:t>)</a:t>
             </a:r>
           </a:p>
           <a:p>
@@ -5410,18 +9620,10 @@
               </a:spcBef>
             </a:pPr>
             <a:r>
-              <a:rPr lang="en-US" dirty="0" err="1"/>
-              <a:t>Ratnesh</a:t>
-            </a:r>
-            <a:r>
-              <a:rPr lang="en-US" dirty="0"/>
-              <a:t> Kumar – Iowa State </a:t>
-            </a:r>
-            <a:r>
               <a:rPr lang="en-US" dirty="0" smtClean="0"/>
-              <a:t>University (ISU)</a:t>
-            </a:r>
-            <a:endParaRPr lang="en-US" dirty="0"/>
+              <a:t>Chris Elliott – Lockheed Martin (LM)</a:t>
+            </a:r>
+            <a:endParaRPr lang="en-US" dirty="0" smtClean="0"/>
           </a:p>
           <a:p>
             <a:pPr lvl="1">
@@ -5433,20 +9635,16 @@
               </a:spcBef>
             </a:pPr>
             <a:r>
+              <a:rPr lang="en-US" dirty="0" err="1"/>
+              <a:t>Ratnesh</a:t>
+            </a:r>
+            <a:r>
               <a:rPr lang="en-US" dirty="0"/>
-              <a:t>Cat </a:t>
-            </a:r>
-            <a:r>
-              <a:rPr lang="en-US" dirty="0" err="1"/>
-              <a:t>McGhan</a:t>
-            </a:r>
-            <a:r>
-              <a:rPr lang="en-US" dirty="0"/>
-              <a:t> – University of Cincinnati </a:t>
+              <a:t> Kumar – Iowa State </a:t>
             </a:r>
             <a:r>
               <a:rPr lang="en-US" dirty="0" smtClean="0"/>
-              <a:t>(UC)</a:t>
+              <a:t>University (ISU)</a:t>
             </a:r>
             <a:endParaRPr lang="en-US" dirty="0"/>
           </a:p>
@@ -5460,17 +9658,22 @@
               </a:spcBef>
             </a:pPr>
             <a:r>
+              <a:rPr lang="en-US" dirty="0"/>
+              <a:t>Cat </a:t>
+            </a:r>
+            <a:r>
+              <a:rPr lang="en-US" dirty="0" err="1"/>
+              <a:t>McGhan</a:t>
+            </a:r>
+            <a:r>
+              <a:rPr lang="en-US" dirty="0"/>
+              <a:t> – University of Cincinnati </a:t>
+            </a:r>
+            <a:r>
               <a:rPr lang="en-US" dirty="0" smtClean="0"/>
-              <a:t>Paul </a:t>
-            </a:r>
-            <a:r>
-              <a:rPr lang="en-US" dirty="0" err="1" smtClean="0"/>
-              <a:t>Meng</a:t>
-            </a:r>
-            <a:r>
-              <a:rPr lang="en-US" dirty="0" smtClean="0"/>
-              <a:t> – GE</a:t>
-            </a:r>
+              <a:t>(UC)</a:t>
+            </a:r>
+            <a:endParaRPr lang="en-US" dirty="0"/>
           </a:p>
           <a:p>
             <a:pPr lvl="1">
@@ -5482,18 +9685,17 @@
               </a:spcBef>
             </a:pPr>
             <a:r>
-              <a:rPr lang="en-US" dirty="0" err="1"/>
-              <a:t>Hao</a:t>
-            </a:r>
-            <a:r>
-              <a:rPr lang="en-US" dirty="0"/>
-              <a:t> Ren – </a:t>
-            </a:r>
-            <a:r>
               <a:rPr lang="en-US" dirty="0" smtClean="0"/>
-              <a:t>Honeywell (H)</a:t>
-            </a:r>
-            <a:endParaRPr lang="en-US" dirty="0"/>
+              <a:t>Paul </a:t>
+            </a:r>
+            <a:r>
+              <a:rPr lang="en-US" dirty="0" err="1" smtClean="0"/>
+              <a:t>Meng</a:t>
+            </a:r>
+            <a:r>
+              <a:rPr lang="en-US" dirty="0" smtClean="0"/>
+              <a:t> – GE</a:t>
+            </a:r>
           </a:p>
           <a:p>
             <a:pPr lvl="1">
@@ -5505,20 +9707,16 @@
               </a:spcBef>
             </a:pPr>
             <a:r>
+              <a:rPr lang="en-US" dirty="0" err="1"/>
+              <a:t>Hao</a:t>
+            </a:r>
+            <a:r>
+              <a:rPr lang="en-US" dirty="0"/>
+              <a:t> Ren – </a:t>
+            </a:r>
+            <a:r>
               <a:rPr lang="en-US" dirty="0" smtClean="0"/>
-              <a:t>Ben </a:t>
-            </a:r>
-            <a:r>
-              <a:rPr lang="en-US" dirty="0" err="1"/>
-              <a:t>Rodes</a:t>
-            </a:r>
-            <a:r>
-              <a:rPr lang="en-US" dirty="0"/>
-              <a:t> – Dependable </a:t>
-            </a:r>
-            <a:r>
-              <a:rPr lang="en-US" dirty="0" smtClean="0"/>
-              <a:t>Computing (DC)</a:t>
+              <a:t>Honeywell (H)</a:t>
             </a:r>
             <a:endParaRPr lang="en-US" dirty="0"/>
           </a:p>
@@ -5533,8 +9731,580 @@
             </a:pPr>
             <a:r>
               <a:rPr lang="en-US" dirty="0" smtClean="0"/>
-              <a:t>Han Yu – GE</a:t>
-            </a:r>
+              <a:t>Ben </a:t>
+            </a:r>
+            <a:r>
+              <a:rPr lang="en-US" dirty="0" err="1"/>
+              <a:t>Rodes</a:t>
+            </a:r>
+            <a:r>
+              <a:rPr lang="en-US" dirty="0"/>
+              <a:t> – Dependable </a:t>
+            </a:r>
+            <a:r>
+              <a:rPr lang="en-US" dirty="0" smtClean="0"/>
+              <a:t>Computing (DC)</a:t>
+            </a:r>
+            <a:endParaRPr lang="en-US" dirty="0"/>
+          </a:p>
+          <a:p>
+            <a:pPr lvl="1">
+              <a:lnSpc>
+                <a:spcPct val="100000"/>
+              </a:lnSpc>
+              <a:spcBef>
+                <a:spcPts val="200"/>
+              </a:spcBef>
+            </a:pPr>
+            <a:r>
+              <a:rPr lang="en-US" dirty="0" smtClean="0"/>
+              <a:t>Han Yu – </a:t>
+            </a:r>
+            <a:r>
+              <a:rPr lang="en-US" dirty="0" smtClean="0"/>
+              <a:t>GE</a:t>
+            </a:r>
+            <a:endParaRPr lang="en-US" dirty="0" smtClean="0"/>
+          </a:p>
+          <a:p>
+            <a:endParaRPr lang="en-US" dirty="0"/>
+          </a:p>
+        </p:txBody>
+      </p:sp>
+      <p:sp>
+        <p:nvSpPr>
+          <p:cNvPr id="4" name="Footer Placeholder 3"/>
+          <p:cNvSpPr>
+            <a:spLocks noGrp="1"/>
+          </p:cNvSpPr>
+          <p:nvPr>
+            <p:ph type="ftr" sz="quarter" idx="11"/>
+          </p:nvPr>
+        </p:nvSpPr>
+        <p:spPr/>
+        <p:txBody>
+          <a:bodyPr/>
+          <a:lstStyle/>
+          <a:p>
+            <a:r>
+              <a:rPr lang="en-US" dirty="0" smtClean="0"/>
+              <a:t>Architecture Group</a:t>
+            </a:r>
+            <a:endParaRPr lang="en-US" dirty="0"/>
+          </a:p>
+        </p:txBody>
+      </p:sp>
+      <p:sp>
+        <p:nvSpPr>
+          <p:cNvPr id="5" name="Slide Number Placeholder 4"/>
+          <p:cNvSpPr>
+            <a:spLocks noGrp="1"/>
+          </p:cNvSpPr>
+          <p:nvPr>
+            <p:ph type="sldNum" sz="quarter" idx="12"/>
+          </p:nvPr>
+        </p:nvSpPr>
+        <p:spPr/>
+        <p:txBody>
+          <a:bodyPr/>
+          <a:lstStyle/>
+          <a:p>
+            <a:fld id="{22900CBD-C7D3-47FA-BEF9-49DBBEB1A58F}" type="slidenum">
+              <a:rPr lang="en-US" smtClean="0"/>
+              <a:t>3</a:t>
+            </a:fld>
+            <a:endParaRPr lang="en-US"/>
+          </a:p>
+        </p:txBody>
+      </p:sp>
+      <p:pic>
+        <p:nvPicPr>
+          <p:cNvPr id="6" name="Picture 5"/>
+          <p:cNvPicPr>
+            <a:picLocks noChangeAspect="1"/>
+          </p:cNvPicPr>
+          <p:nvPr/>
+        </p:nvPicPr>
+        <p:blipFill>
+          <a:blip r:embed="rId3" cstate="print">
+            <a:extLst>
+              <a:ext uri="{28A0092B-C50C-407E-A947-70E740481C1C}">
+                <a14:useLocalDpi xmlns:a14="http://schemas.microsoft.com/office/drawing/2010/main" val="0"/>
+              </a:ext>
+            </a:extLst>
+          </a:blip>
+          <a:stretch>
+            <a:fillRect/>
+          </a:stretch>
+        </p:blipFill>
+        <p:spPr>
+          <a:xfrm>
+            <a:off x="8153400" y="2144537"/>
+            <a:ext cx="1632284" cy="860576"/>
+          </a:xfrm>
+          <a:prstGeom prst="rect">
+            <a:avLst/>
+          </a:prstGeom>
+        </p:spPr>
+      </p:pic>
+      <p:pic>
+        <p:nvPicPr>
+          <p:cNvPr id="8" name="Picture 7"/>
+          <p:cNvPicPr>
+            <a:picLocks noChangeAspect="1"/>
+          </p:cNvPicPr>
+          <p:nvPr/>
+        </p:nvPicPr>
+        <p:blipFill>
+          <a:blip r:embed="rId4" cstate="print">
+            <a:extLst>
+              <a:ext uri="{28A0092B-C50C-407E-A947-70E740481C1C}">
+                <a14:useLocalDpi xmlns:a14="http://schemas.microsoft.com/office/drawing/2010/main" val="0"/>
+              </a:ext>
+            </a:extLst>
+          </a:blip>
+          <a:stretch>
+            <a:fillRect/>
+          </a:stretch>
+        </p:blipFill>
+        <p:spPr>
+          <a:xfrm>
+            <a:off x="6389523" y="3399061"/>
+            <a:ext cx="2465518" cy="902529"/>
+          </a:xfrm>
+          <a:prstGeom prst="rect">
+            <a:avLst/>
+          </a:prstGeom>
+        </p:spPr>
+      </p:pic>
+      <p:pic>
+        <p:nvPicPr>
+          <p:cNvPr id="9" name="Shape 61"/>
+          <p:cNvPicPr preferRelativeResize="0"/>
+          <p:nvPr/>
+        </p:nvPicPr>
+        <p:blipFill>
+          <a:blip r:embed="rId5">
+            <a:alphaModFix/>
+          </a:blip>
+          <a:stretch>
+            <a:fillRect/>
+          </a:stretch>
+        </p:blipFill>
+        <p:spPr>
+          <a:xfrm>
+            <a:off x="6622687" y="2069584"/>
+            <a:ext cx="1194218" cy="1192844"/>
+          </a:xfrm>
+          <a:prstGeom prst="rect">
+            <a:avLst/>
+          </a:prstGeom>
+          <a:noFill/>
+          <a:ln>
+            <a:noFill/>
+          </a:ln>
+        </p:spPr>
+      </p:pic>
+      <p:pic>
+        <p:nvPicPr>
+          <p:cNvPr id="10" name="Picture 9"/>
+          <p:cNvPicPr>
+            <a:picLocks noChangeAspect="1"/>
+          </p:cNvPicPr>
+          <p:nvPr/>
+        </p:nvPicPr>
+        <p:blipFill>
+          <a:blip r:embed="rId6">
+            <a:extLst>
+              <a:ext uri="{28A0092B-C50C-407E-A947-70E740481C1C}">
+                <a14:useLocalDpi xmlns:a14="http://schemas.microsoft.com/office/drawing/2010/main" val="0"/>
+              </a:ext>
+            </a:extLst>
+          </a:blip>
+          <a:stretch>
+            <a:fillRect/>
+          </a:stretch>
+        </p:blipFill>
+        <p:spPr>
+          <a:xfrm>
+            <a:off x="9299282" y="3331003"/>
+            <a:ext cx="2115382" cy="970587"/>
+          </a:xfrm>
+          <a:prstGeom prst="rect">
+            <a:avLst/>
+          </a:prstGeom>
+        </p:spPr>
+      </p:pic>
+      <p:pic>
+        <p:nvPicPr>
+          <p:cNvPr id="11" name="Picture 10"/>
+          <p:cNvPicPr>
+            <a:picLocks noChangeAspect="1"/>
+          </p:cNvPicPr>
+          <p:nvPr/>
+        </p:nvPicPr>
+        <p:blipFill>
+          <a:blip r:embed="rId7">
+            <a:extLst>
+              <a:ext uri="{28A0092B-C50C-407E-A947-70E740481C1C}">
+                <a14:useLocalDpi xmlns:a14="http://schemas.microsoft.com/office/drawing/2010/main" val="0"/>
+              </a:ext>
+            </a:extLst>
+          </a:blip>
+          <a:stretch>
+            <a:fillRect/>
+          </a:stretch>
+        </p:blipFill>
+        <p:spPr>
+          <a:xfrm>
+            <a:off x="10688416" y="4440664"/>
+            <a:ext cx="1012258" cy="883034"/>
+          </a:xfrm>
+          <a:prstGeom prst="rect">
+            <a:avLst/>
+          </a:prstGeom>
+        </p:spPr>
+      </p:pic>
+      <p:pic>
+        <p:nvPicPr>
+          <p:cNvPr id="12" name="Picture 11"/>
+          <p:cNvPicPr>
+            <a:picLocks noChangeAspect="1"/>
+          </p:cNvPicPr>
+          <p:nvPr/>
+        </p:nvPicPr>
+        <p:blipFill>
+          <a:blip r:embed="rId8" cstate="print">
+            <a:extLst>
+              <a:ext uri="{28A0092B-C50C-407E-A947-70E740481C1C}">
+                <a14:useLocalDpi xmlns:a14="http://schemas.microsoft.com/office/drawing/2010/main" val="0"/>
+              </a:ext>
+            </a:extLst>
+          </a:blip>
+          <a:stretch>
+            <a:fillRect/>
+          </a:stretch>
+        </p:blipFill>
+        <p:spPr>
+          <a:xfrm>
+            <a:off x="8497696" y="4586030"/>
+            <a:ext cx="1745024" cy="569876"/>
+          </a:xfrm>
+          <a:prstGeom prst="rect">
+            <a:avLst/>
+          </a:prstGeom>
+        </p:spPr>
+      </p:pic>
+      <p:pic>
+        <p:nvPicPr>
+          <p:cNvPr id="17" name="Picture 16"/>
+          <p:cNvPicPr>
+            <a:picLocks noChangeAspect="1"/>
+          </p:cNvPicPr>
+          <p:nvPr/>
+        </p:nvPicPr>
+        <p:blipFill rotWithShape="1">
+          <a:blip r:embed="rId9">
+            <a:extLst>
+              <a:ext uri="{28A0092B-C50C-407E-A947-70E740481C1C}">
+                <a14:useLocalDpi xmlns:a14="http://schemas.microsoft.com/office/drawing/2010/main" val="0"/>
+              </a:ext>
+            </a:extLst>
+          </a:blip>
+          <a:srcRect t="24848" b="27650"/>
+          <a:stretch/>
+        </p:blipFill>
+        <p:spPr>
+          <a:xfrm>
+            <a:off x="6389523" y="4399803"/>
+            <a:ext cx="1798349" cy="854242"/>
+          </a:xfrm>
+          <a:prstGeom prst="rect">
+            <a:avLst/>
+          </a:prstGeom>
+        </p:spPr>
+      </p:pic>
+      <p:pic>
+        <p:nvPicPr>
+          <p:cNvPr id="18" name="Picture 17"/>
+          <p:cNvPicPr>
+            <a:picLocks noChangeAspect="1"/>
+          </p:cNvPicPr>
+          <p:nvPr/>
+        </p:nvPicPr>
+        <p:blipFill>
+          <a:blip r:embed="rId10">
+            <a:extLst>
+              <a:ext uri="{28A0092B-C50C-407E-A947-70E740481C1C}">
+                <a14:useLocalDpi xmlns:a14="http://schemas.microsoft.com/office/drawing/2010/main" val="0"/>
+              </a:ext>
+            </a:extLst>
+          </a:blip>
+          <a:stretch>
+            <a:fillRect/>
+          </a:stretch>
+        </p:blipFill>
+        <p:spPr>
+          <a:xfrm>
+            <a:off x="10242720" y="2001022"/>
+            <a:ext cx="1171944" cy="1171944"/>
+          </a:xfrm>
+          <a:prstGeom prst="rect">
+            <a:avLst/>
+          </a:prstGeom>
+        </p:spPr>
+      </p:pic>
+      <p:pic>
+        <p:nvPicPr>
+          <p:cNvPr id="21" name="Picture 20"/>
+          <p:cNvPicPr>
+            <a:picLocks noChangeAspect="1"/>
+          </p:cNvPicPr>
+          <p:nvPr/>
+        </p:nvPicPr>
+        <p:blipFill>
+          <a:blip r:embed="rId11">
+            <a:extLst>
+              <a:ext uri="{28A0092B-C50C-407E-A947-70E740481C1C}">
+                <a14:useLocalDpi xmlns:a14="http://schemas.microsoft.com/office/drawing/2010/main" val="0"/>
+              </a:ext>
+            </a:extLst>
+          </a:blip>
+          <a:stretch>
+            <a:fillRect/>
+          </a:stretch>
+        </p:blipFill>
+        <p:spPr>
+          <a:xfrm>
+            <a:off x="6203947" y="5304130"/>
+            <a:ext cx="4990598" cy="840907"/>
+          </a:xfrm>
+          <a:prstGeom prst="rect">
+            <a:avLst/>
+          </a:prstGeom>
+        </p:spPr>
+      </p:pic>
+      <p:sp>
+        <p:nvSpPr>
+          <p:cNvPr id="22" name="TextBox 21"/>
+          <p:cNvSpPr txBox="1"/>
+          <p:nvPr/>
+        </p:nvSpPr>
+        <p:spPr>
+          <a:xfrm>
+            <a:off x="372978" y="397042"/>
+            <a:ext cx="3753853" cy="646331"/>
+          </a:xfrm>
+          <a:prstGeom prst="rect">
+            <a:avLst/>
+          </a:prstGeom>
+          <a:noFill/>
+        </p:spPr>
+        <p:txBody>
+          <a:bodyPr wrap="square" rtlCol="0">
+            <a:spAutoFit/>
+          </a:bodyPr>
+          <a:lstStyle/>
+          <a:p>
+            <a:r>
+              <a:rPr lang="en-US" sz="3600" dirty="0" smtClean="0">
+                <a:solidFill>
+                  <a:srgbClr val="FF0000"/>
+                </a:solidFill>
+              </a:rPr>
+              <a:t>Update logos</a:t>
+            </a:r>
+            <a:endParaRPr lang="en-US" sz="3600" dirty="0">
+              <a:solidFill>
+                <a:srgbClr val="FF0000"/>
+              </a:solidFill>
+            </a:endParaRPr>
+          </a:p>
+        </p:txBody>
+      </p:sp>
+    </p:spTree>
+    <p:extLst>
+      <p:ext uri="{BB962C8B-B14F-4D97-AF65-F5344CB8AC3E}">
+        <p14:creationId xmlns:p14="http://schemas.microsoft.com/office/powerpoint/2010/main" val="1910809658"/>
+      </p:ext>
+    </p:extLst>
+  </p:cSld>
+  <p:clrMapOvr>
+    <a:masterClrMapping/>
+  </p:clrMapOvr>
+  <p:timing>
+    <p:tnLst>
+      <p:par>
+        <p:cTn id="1" dur="indefinite" restart="never" nodeType="tmRoot"/>
+      </p:par>
+    </p:tnLst>
+  </p:timing>
+</p:sld>
+</file>
+
+<file path=ppt/slides/slide30.xml><?xml version="1.0" encoding="utf-8"?>
+<p:sld xmlns:a="http://schemas.openxmlformats.org/drawingml/2006/main" xmlns:r="http://schemas.openxmlformats.org/officeDocument/2006/relationships" xmlns:p="http://schemas.openxmlformats.org/presentationml/2006/main">
+  <p:cSld>
+    <p:spTree>
+      <p:nvGrpSpPr>
+        <p:cNvPr id="1" name=""/>
+        <p:cNvGrpSpPr/>
+        <p:nvPr/>
+      </p:nvGrpSpPr>
+      <p:grpSpPr>
+        <a:xfrm>
+          <a:off x="0" y="0"/>
+          <a:ext cx="0" cy="0"/>
+          <a:chOff x="0" y="0"/>
+          <a:chExt cx="0" cy="0"/>
+        </a:xfrm>
+      </p:grpSpPr>
+      <p:sp>
+        <p:nvSpPr>
+          <p:cNvPr id="2" name="Title 1"/>
+          <p:cNvSpPr>
+            <a:spLocks noGrp="1"/>
+          </p:cNvSpPr>
+          <p:nvPr>
+            <p:ph type="title"/>
+          </p:nvPr>
+        </p:nvSpPr>
+        <p:spPr/>
+        <p:txBody>
+          <a:bodyPr/>
+          <a:lstStyle/>
+          <a:p>
+            <a:r>
+              <a:rPr lang="en-US" dirty="0" smtClean="0"/>
+              <a:t>Recommended Future Directions</a:t>
+            </a:r>
+            <a:endParaRPr lang="en-US" dirty="0"/>
+          </a:p>
+        </p:txBody>
+      </p:sp>
+      <p:sp>
+        <p:nvSpPr>
+          <p:cNvPr id="3" name="Content Placeholder 2"/>
+          <p:cNvSpPr>
+            <a:spLocks noGrp="1"/>
+          </p:cNvSpPr>
+          <p:nvPr>
+            <p:ph idx="1"/>
+          </p:nvPr>
+        </p:nvSpPr>
+        <p:spPr/>
+        <p:txBody>
+          <a:bodyPr/>
+          <a:lstStyle/>
+          <a:p>
+            <a:pPr>
+              <a:lnSpc>
+                <a:spcPct val="100000"/>
+              </a:lnSpc>
+              <a:spcBef>
+                <a:spcPts val="200"/>
+              </a:spcBef>
+            </a:pPr>
+            <a:r>
+              <a:rPr lang="en-US" dirty="0" smtClean="0"/>
+              <a:t>Write contracts for the remaining components</a:t>
+            </a:r>
+          </a:p>
+          <a:p>
+            <a:pPr>
+              <a:lnSpc>
+                <a:spcPct val="100000"/>
+              </a:lnSpc>
+              <a:spcBef>
+                <a:spcPts val="200"/>
+              </a:spcBef>
+            </a:pPr>
+            <a:r>
+              <a:rPr lang="en-US" dirty="0" smtClean="0"/>
+              <a:t>State and analyze system-level </a:t>
+            </a:r>
+            <a:r>
+              <a:rPr lang="en-US" dirty="0" smtClean="0"/>
+              <a:t>properties (in progress)</a:t>
+            </a:r>
+            <a:endParaRPr lang="en-US" dirty="0" smtClean="0"/>
+          </a:p>
+          <a:p>
+            <a:pPr>
+              <a:lnSpc>
+                <a:spcPct val="100000"/>
+              </a:lnSpc>
+              <a:spcBef>
+                <a:spcPts val="200"/>
+              </a:spcBef>
+            </a:pPr>
+            <a:r>
+              <a:rPr lang="en-US" dirty="0" smtClean="0"/>
+              <a:t>Generate code from AADL</a:t>
+            </a:r>
+          </a:p>
+          <a:p>
+            <a:pPr>
+              <a:lnSpc>
+                <a:spcPct val="100000"/>
+              </a:lnSpc>
+              <a:spcBef>
+                <a:spcPts val="200"/>
+              </a:spcBef>
+            </a:pPr>
+            <a:r>
+              <a:rPr lang="en-US" dirty="0" smtClean="0"/>
+              <a:t>Generate test cases from AGREE and run on </a:t>
+            </a:r>
+            <a:r>
+              <a:rPr lang="en-US" dirty="0" err="1" smtClean="0"/>
+              <a:t>UxAS</a:t>
+            </a:r>
+            <a:r>
+              <a:rPr lang="en-US" dirty="0" smtClean="0"/>
+              <a:t> implementation</a:t>
+            </a:r>
+          </a:p>
+          <a:p>
+            <a:pPr>
+              <a:lnSpc>
+                <a:spcPct val="100000"/>
+              </a:lnSpc>
+              <a:spcBef>
+                <a:spcPts val="200"/>
+              </a:spcBef>
+            </a:pPr>
+            <a:r>
+              <a:rPr lang="en-US" dirty="0" smtClean="0"/>
+              <a:t>Continue documenting decisions and the assurance case for the </a:t>
+            </a:r>
+            <a:r>
+              <a:rPr lang="en-US" dirty="0" smtClean="0"/>
+              <a:t>architecture</a:t>
+            </a:r>
+          </a:p>
+          <a:p>
+            <a:pPr>
+              <a:lnSpc>
+                <a:spcPct val="100000"/>
+              </a:lnSpc>
+              <a:spcBef>
+                <a:spcPts val="200"/>
+              </a:spcBef>
+            </a:pPr>
+            <a:r>
+              <a:rPr lang="en-US" dirty="0"/>
+              <a:t>Model of Heterogeneous System (Distributed Mission-Task-Autopilot Management-</a:t>
+            </a:r>
+            <a:r>
+              <a:rPr lang="en-US" dirty="0" err="1"/>
+              <a:t>Dubin</a:t>
+            </a:r>
+            <a:r>
+              <a:rPr lang="en-US" dirty="0"/>
+              <a:t>)</a:t>
+            </a:r>
+            <a:endParaRPr lang="en-US" dirty="0" smtClean="0"/>
           </a:p>
           <a:p>
             <a:pPr>
@@ -5548,6 +10318,28 @@
             <a:endParaRPr lang="en-US" dirty="0" smtClean="0"/>
           </a:p>
           <a:p>
+            <a:pPr>
+              <a:lnSpc>
+                <a:spcPct val="100000"/>
+              </a:lnSpc>
+              <a:spcBef>
+                <a:spcPts val="200"/>
+              </a:spcBef>
+            </a:pPr>
+            <a:endParaRPr lang="en-US" dirty="0" smtClean="0"/>
+          </a:p>
+          <a:p>
+            <a:pPr>
+              <a:lnSpc>
+                <a:spcPct val="100000"/>
+              </a:lnSpc>
+              <a:spcBef>
+                <a:spcPts val="200"/>
+              </a:spcBef>
+            </a:pPr>
+            <a:endParaRPr lang="en-US" dirty="0" smtClean="0"/>
+          </a:p>
+          <a:p>
             <a:endParaRPr lang="en-US" dirty="0"/>
           </a:p>
         </p:txBody>
@@ -5592,7 +10384,7 @@
           <a:p>
             <a:fld id="{22900CBD-C7D3-47FA-BEF9-49DBBEB1A58F}" type="slidenum">
               <a:rPr lang="en-US" smtClean="0"/>
-              <a:t>3</a:t>
+              <a:t>30</a:t>
             </a:fld>
             <a:endParaRPr lang="en-US"/>
           </a:p>
@@ -5601,7 +10393,7 @@
     </p:spTree>
     <p:extLst>
       <p:ext uri="{BB962C8B-B14F-4D97-AF65-F5344CB8AC3E}">
-        <p14:creationId xmlns:p14="http://schemas.microsoft.com/office/powerpoint/2010/main" val="1910809658"/>
+        <p14:creationId xmlns:p14="http://schemas.microsoft.com/office/powerpoint/2010/main" val="2472667537"/>
       </p:ext>
     </p:extLst>
   </p:cSld>
@@ -5705,56 +10497,76 @@
             <a:pPr fontAlgn="base"/>
             <a:r>
               <a:rPr lang="en-US" dirty="0"/>
-              <a:t>Make / begin to implement a revised formal architecture to mitigate challenges</a:t>
+              <a:t>Make / begin to implement a revised formal architecture to mitigate </a:t>
+            </a:r>
+            <a:r>
+              <a:rPr lang="en-US" dirty="0" smtClean="0"/>
+              <a:t>challenges</a:t>
             </a:r>
           </a:p>
           <a:p>
             <a:pPr fontAlgn="base"/>
-            <a:r>
-              <a:rPr lang="en-US" dirty="0"/>
+            <a:endParaRPr lang="en-US" dirty="0"/>
+          </a:p>
+          <a:p>
+            <a:pPr fontAlgn="base"/>
+            <a:r>
+              <a:rPr lang="en-US" dirty="0">
+                <a:solidFill>
+                  <a:schemeClr val="accent2">
+                    <a:lumMod val="50000"/>
+                  </a:schemeClr>
+                </a:solidFill>
+              </a:rPr>
               <a:t>(Non-objective) We did NOT attempt to prove </a:t>
             </a:r>
             <a:r>
-              <a:rPr lang="en-US" dirty="0" smtClean="0"/>
+              <a:rPr lang="en-US" dirty="0" smtClean="0">
+                <a:solidFill>
+                  <a:schemeClr val="accent2">
+                    <a:lumMod val="50000"/>
+                  </a:schemeClr>
+                </a:solidFill>
+              </a:rPr>
               <a:t>that the </a:t>
             </a:r>
             <a:r>
-              <a:rPr lang="en-US" dirty="0"/>
+              <a:rPr lang="en-US" dirty="0">
+                <a:solidFill>
+                  <a:schemeClr val="accent2">
+                    <a:lumMod val="50000"/>
+                  </a:schemeClr>
+                </a:solidFill>
+              </a:rPr>
               <a:t>component contracts are true for the existing C++ code for </a:t>
             </a:r>
             <a:r>
-              <a:rPr lang="en-US" dirty="0" err="1"/>
+              <a:rPr lang="en-US" dirty="0" err="1">
+                <a:solidFill>
+                  <a:schemeClr val="accent2">
+                    <a:lumMod val="50000"/>
+                  </a:schemeClr>
+                </a:solidFill>
+              </a:rPr>
               <a:t>UxAS</a:t>
             </a:r>
             <a:r>
-              <a:rPr lang="en-US" dirty="0"/>
+              <a:rPr lang="en-US" dirty="0" smtClean="0">
+                <a:solidFill>
+                  <a:schemeClr val="accent2">
+                    <a:lumMod val="50000"/>
+                  </a:schemeClr>
+                </a:solidFill>
+              </a:rPr>
               <a:t>.</a:t>
             </a:r>
-          </a:p>
-          <a:p>
-            <a:pPr>
-              <a:lnSpc>
-                <a:spcPct val="100000"/>
-              </a:lnSpc>
-              <a:spcBef>
-                <a:spcPts val="200"/>
-              </a:spcBef>
-            </a:pPr>
-            <a:endParaRPr lang="en-US" dirty="0" smtClean="0"/>
-          </a:p>
-          <a:p>
-            <a:pPr>
-              <a:lnSpc>
-                <a:spcPct val="100000"/>
-              </a:lnSpc>
-              <a:spcBef>
-                <a:spcPts val="200"/>
-              </a:spcBef>
-            </a:pPr>
-            <a:endParaRPr lang="en-US" dirty="0" smtClean="0"/>
-          </a:p>
-          <a:p>
-            <a:endParaRPr lang="en-US" dirty="0"/>
+            <a:endParaRPr lang="en-US" dirty="0">
+              <a:solidFill>
+                <a:schemeClr val="accent2">
+                  <a:lumMod val="50000"/>
+                </a:schemeClr>
+              </a:solidFill>
+            </a:endParaRPr>
           </a:p>
         </p:txBody>
       </p:sp>
@@ -5800,7 +10612,7 @@
               <a:rPr lang="en-US" smtClean="0"/>
               <a:t>4</a:t>
             </a:fld>
-            <a:endParaRPr lang="en-US"/>
+            <a:endParaRPr lang="en-US" dirty="0"/>
           </a:p>
         </p:txBody>
       </p:sp>
@@ -5951,20 +10763,20 @@
           <a:p>
             <a:pPr fontAlgn="base"/>
             <a:r>
-              <a:rPr lang="en-US" dirty="0">
-                <a:solidFill>
-                  <a:srgbClr val="FF0000"/>
-                </a:solidFill>
-              </a:rPr>
-              <a:t>**</a:t>
+              <a:rPr lang="en-US" dirty="0" smtClean="0"/>
+              <a:t>Stated </a:t>
             </a:r>
             <a:r>
               <a:rPr lang="en-US" dirty="0"/>
-              <a:t>Stated and analyzed </a:t>
+              <a:t>and analyzed </a:t>
             </a:r>
             <a:r>
               <a:rPr lang="en-US" dirty="0" smtClean="0"/>
-              <a:t>behavioral properties of these </a:t>
+              <a:t>properties </a:t>
+            </a:r>
+            <a:r>
+              <a:rPr lang="en-US" dirty="0" smtClean="0"/>
+              <a:t>of these </a:t>
             </a:r>
             <a:r>
               <a:rPr lang="en-US" dirty="0"/>
@@ -5992,11 +10804,7 @@
             <a:pPr fontAlgn="base"/>
             <a:r>
               <a:rPr lang="en-US" dirty="0" smtClean="0"/>
-              <a:t>Idioms </a:t>
-            </a:r>
-            <a:r>
-              <a:rPr lang="en-US" dirty="0" smtClean="0"/>
-              <a:t>and lemmas </a:t>
+              <a:t>Idioms and lemmas </a:t>
             </a:r>
             <a:r>
               <a:rPr lang="en-US" dirty="0"/>
@@ -6059,15 +10867,11 @@
             <a:pPr fontAlgn="base"/>
             <a:r>
               <a:rPr lang="en-US" dirty="0" smtClean="0"/>
-              <a:t>Connected </a:t>
-            </a:r>
-            <a:r>
-              <a:rPr lang="en-US" dirty="0" err="1" smtClean="0"/>
-              <a:t>UxAS</a:t>
+              <a:t>Created </a:t>
             </a:r>
             <a:r>
               <a:rPr lang="en-US" dirty="0" smtClean="0"/>
-              <a:t> to the Robot Operating System (ROS) </a:t>
+              <a:t>an assurance argument for state machine correctness </a:t>
             </a:r>
             <a:r>
               <a:rPr lang="en-US" dirty="0" smtClean="0">
@@ -6075,14 +10879,7 @@
                   <a:srgbClr val="0000FF"/>
                 </a:solidFill>
               </a:rPr>
-              <a:t>(UC)</a:t>
-            </a:r>
-          </a:p>
-          <a:p>
-            <a:pPr fontAlgn="base"/>
-            <a:r>
-              <a:rPr lang="en-US" dirty="0" smtClean="0"/>
-              <a:t>Created an assurance argument for state machine correctness </a:t>
+              <a:t>(DC</a:t>
             </a:r>
             <a:r>
               <a:rPr lang="en-US" dirty="0" smtClean="0">
@@ -6090,7 +10887,53 @@
                   <a:srgbClr val="0000FF"/>
                 </a:solidFill>
               </a:rPr>
-              <a:t>(DC)</a:t>
+              <a:t>)</a:t>
+            </a:r>
+          </a:p>
+          <a:p>
+            <a:pPr fontAlgn="base"/>
+            <a:r>
+              <a:rPr lang="en-US" dirty="0" smtClean="0"/>
+              <a:t>Abstraction of task service finite state machine for simulation and formal analysis </a:t>
+            </a:r>
+            <a:r>
+              <a:rPr lang="en-US" dirty="0" smtClean="0">
+                <a:solidFill>
+                  <a:srgbClr val="0000FF"/>
+                </a:solidFill>
+              </a:rPr>
+              <a:t>(LM)</a:t>
+            </a:r>
+          </a:p>
+          <a:p>
+            <a:pPr fontAlgn="base"/>
+            <a:r>
+              <a:rPr lang="en-US" dirty="0"/>
+              <a:t>Connected </a:t>
+            </a:r>
+            <a:r>
+              <a:rPr lang="en-US" dirty="0" err="1"/>
+              <a:t>UxAS</a:t>
+            </a:r>
+            <a:r>
+              <a:rPr lang="en-US" dirty="0"/>
+              <a:t> to the Robot Operating System (ROS) </a:t>
+            </a:r>
+            <a:r>
+              <a:rPr lang="en-US" dirty="0">
+                <a:solidFill>
+                  <a:srgbClr val="0000FF"/>
+                </a:solidFill>
+              </a:rPr>
+              <a:t>(UC</a:t>
+            </a:r>
+            <a:r>
+              <a:rPr lang="en-US" dirty="0" smtClean="0">
+                <a:solidFill>
+                  <a:srgbClr val="0000FF"/>
+                </a:solidFill>
+              </a:rPr>
+              <a:t>)</a:t>
             </a:r>
             <a:endParaRPr lang="en-US" dirty="0">
               <a:solidFill>
@@ -6098,60 +10941,6 @@
               </a:solidFill>
             </a:endParaRPr>
           </a:p>
-          <a:p>
-            <a:pPr fontAlgn="base"/>
-            <a:r>
-              <a:rPr lang="en-US" dirty="0">
-                <a:solidFill>
-                  <a:srgbClr val="FF0000"/>
-                </a:solidFill>
-              </a:rPr>
-              <a:t>**(If we get to it) Stated and analyzed X system-level </a:t>
-            </a:r>
-            <a:r>
-              <a:rPr lang="en-US" dirty="0" smtClean="0">
-                <a:solidFill>
-                  <a:srgbClr val="FF0000"/>
-                </a:solidFill>
-              </a:rPr>
-              <a:t>behavioral properties </a:t>
-            </a:r>
-            <a:r>
-              <a:rPr lang="en-US" dirty="0">
-                <a:solidFill>
-                  <a:srgbClr val="FF0000"/>
-                </a:solidFill>
-              </a:rPr>
-              <a:t>for </a:t>
-            </a:r>
-            <a:r>
-              <a:rPr lang="en-US" dirty="0" err="1" smtClean="0">
-                <a:solidFill>
-                  <a:srgbClr val="FF0000"/>
-                </a:solidFill>
-              </a:rPr>
-              <a:t>UxAS</a:t>
-            </a:r>
-            <a:endParaRPr lang="en-US" dirty="0" smtClean="0">
-              <a:solidFill>
-                <a:srgbClr val="FF0000"/>
-              </a:solidFill>
-            </a:endParaRPr>
-          </a:p>
-          <a:p>
-            <a:pPr>
-              <a:lnSpc>
-                <a:spcPct val="100000"/>
-              </a:lnSpc>
-              <a:spcBef>
-                <a:spcPts val="200"/>
-              </a:spcBef>
-            </a:pPr>
-            <a:endParaRPr lang="en-US" dirty="0" smtClean="0"/>
-          </a:p>
-          <a:p>
-            <a:endParaRPr lang="en-US" dirty="0"/>
-          </a:p>
         </p:txBody>
       </p:sp>
       <p:sp>
@@ -6196,7 +10985,7 @@
               <a:rPr lang="en-US" smtClean="0"/>
               <a:t>5</a:t>
             </a:fld>
-            <a:endParaRPr lang="en-US"/>
+            <a:endParaRPr lang="en-US" dirty="0"/>
           </a:p>
         </p:txBody>
       </p:sp>
@@ -6277,6 +11066,148 @@
 </file>
 
 <file path=ppt/slides/slide6.xml><?xml version="1.0" encoding="utf-8"?>
+<p:sld xmlns:a="http://schemas.openxmlformats.org/drawingml/2006/main" xmlns:r="http://schemas.openxmlformats.org/officeDocument/2006/relationships" xmlns:p="http://schemas.openxmlformats.org/presentationml/2006/main">
+  <p:cSld>
+    <p:spTree>
+      <p:nvGrpSpPr>
+        <p:cNvPr id="1" name=""/>
+        <p:cNvGrpSpPr/>
+        <p:nvPr/>
+      </p:nvGrpSpPr>
+      <p:grpSpPr>
+        <a:xfrm>
+          <a:off x="0" y="0"/>
+          <a:ext cx="0" cy="0"/>
+          <a:chOff x="0" y="0"/>
+          <a:chExt cx="0" cy="0"/>
+        </a:xfrm>
+      </p:grpSpPr>
+      <p:sp>
+        <p:nvSpPr>
+          <p:cNvPr id="2" name="Title 1"/>
+          <p:cNvSpPr>
+            <a:spLocks noGrp="1"/>
+          </p:cNvSpPr>
+          <p:nvPr>
+            <p:ph type="title"/>
+          </p:nvPr>
+        </p:nvSpPr>
+        <p:spPr/>
+        <p:txBody>
+          <a:bodyPr/>
+          <a:lstStyle/>
+          <a:p>
+            <a:r>
+              <a:rPr lang="en-US" dirty="0" smtClean="0">
+                <a:solidFill>
+                  <a:srgbClr val="FF0000"/>
+                </a:solidFill>
+              </a:rPr>
+              <a:t>Storyline (to be deleted and spoken instead)</a:t>
+            </a:r>
+            <a:endParaRPr lang="en-US" dirty="0">
+              <a:solidFill>
+                <a:srgbClr val="FF0000"/>
+              </a:solidFill>
+            </a:endParaRPr>
+          </a:p>
+        </p:txBody>
+      </p:sp>
+      <p:sp>
+        <p:nvSpPr>
+          <p:cNvPr id="3" name="Content Placeholder 2"/>
+          <p:cNvSpPr>
+            <a:spLocks noGrp="1"/>
+          </p:cNvSpPr>
+          <p:nvPr>
+            <p:ph idx="1"/>
+          </p:nvPr>
+        </p:nvSpPr>
+        <p:spPr/>
+        <p:txBody>
+          <a:bodyPr/>
+          <a:lstStyle/>
+          <a:p>
+            <a:r>
+              <a:rPr lang="en-US" dirty="0" smtClean="0"/>
+              <a:t>Wanted to formalize </a:t>
+            </a:r>
+            <a:r>
+              <a:rPr lang="en-US" dirty="0" err="1" smtClean="0"/>
+              <a:t>UxAS</a:t>
+            </a:r>
+            <a:r>
+              <a:rPr lang="en-US" dirty="0" smtClean="0"/>
+              <a:t> to enable analysis</a:t>
+            </a:r>
+          </a:p>
+          <a:p>
+            <a:pPr lvl="1"/>
+            <a:r>
+              <a:rPr lang="en-US" dirty="0" smtClean="0"/>
+              <a:t>Found issues along the way. Fixed some.</a:t>
+            </a:r>
+          </a:p>
+          <a:p>
+            <a:pPr lvl="1"/>
+            <a:r>
+              <a:rPr lang="en-US" dirty="0" smtClean="0"/>
+              <a:t>Gave us insights.</a:t>
+            </a:r>
+          </a:p>
+          <a:p>
+            <a:r>
+              <a:rPr lang="en-US" dirty="0" smtClean="0"/>
+              <a:t>To do this, we needed to capture contracts for the components in a formal language.</a:t>
+            </a:r>
+          </a:p>
+          <a:p>
+            <a:endParaRPr lang="en-US" dirty="0"/>
+          </a:p>
+        </p:txBody>
+      </p:sp>
+      <p:sp>
+        <p:nvSpPr>
+          <p:cNvPr id="4" name="Footer Placeholder 3"/>
+          <p:cNvSpPr>
+            <a:spLocks noGrp="1"/>
+          </p:cNvSpPr>
+          <p:nvPr>
+            <p:ph type="ftr" sz="quarter" idx="11"/>
+          </p:nvPr>
+        </p:nvSpPr>
+        <p:spPr>
+          <a:xfrm>
+            <a:off x="4038600" y="6419124"/>
+            <a:ext cx="4114800" cy="306936"/>
+          </a:xfrm>
+        </p:spPr>
+        <p:txBody>
+          <a:bodyPr/>
+          <a:lstStyle/>
+          <a:p>
+            <a:r>
+              <a:rPr lang="en-US" dirty="0" smtClean="0"/>
+              <a:t>Architecture Group</a:t>
+            </a:r>
+            <a:endParaRPr lang="en-US" dirty="0"/>
+          </a:p>
+        </p:txBody>
+      </p:sp>
+    </p:spTree>
+    <p:extLst>
+      <p:ext uri="{BB962C8B-B14F-4D97-AF65-F5344CB8AC3E}">
+        <p14:creationId xmlns:p14="http://schemas.microsoft.com/office/powerpoint/2010/main" val="231483436"/>
+      </p:ext>
+    </p:extLst>
+  </p:cSld>
+  <p:clrMapOvr>
+    <a:masterClrMapping/>
+  </p:clrMapOvr>
+</p:sld>
+</file>
+
+<file path=ppt/slides/slide7.xml><?xml version="1.0" encoding="utf-8"?>
 <p:sld xmlns:a="http://schemas.openxmlformats.org/drawingml/2006/main" xmlns:r="http://schemas.openxmlformats.org/officeDocument/2006/relationships" xmlns:p="http://schemas.openxmlformats.org/presentationml/2006/main">
   <p:cSld>
     <p:spTree>
@@ -6434,16 +11365,16 @@
           <a:lstStyle/>
           <a:p>
             <a:r>
-              <a:rPr lang="en-US" dirty="0" smtClean="0"/>
-              <a:t>Accomplishments: </a:t>
-            </a:r>
-            <a:r>
               <a:rPr lang="en-US" dirty="0" err="1" smtClean="0"/>
               <a:t>UxAS</a:t>
             </a:r>
             <a:r>
               <a:rPr lang="en-US" dirty="0" smtClean="0"/>
-              <a:t> Formal Model Status</a:t>
+              <a:t> </a:t>
+            </a:r>
+            <a:r>
+              <a:rPr lang="en-US" dirty="0" smtClean="0"/>
+              <a:t>Formal Model Status</a:t>
             </a:r>
             <a:endParaRPr lang="en-US" dirty="0"/>
           </a:p>
@@ -6559,154 +11490,48 @@
           </a:p>
         </p:txBody>
       </p:sp>
+      <p:sp>
+        <p:nvSpPr>
+          <p:cNvPr id="4" name="TextBox 3"/>
+          <p:cNvSpPr txBox="1"/>
+          <p:nvPr/>
+        </p:nvSpPr>
+        <p:spPr>
+          <a:xfrm>
+            <a:off x="354621" y="372979"/>
+            <a:ext cx="3447547" cy="369332"/>
+          </a:xfrm>
+          <a:prstGeom prst="rect">
+            <a:avLst/>
+          </a:prstGeom>
+          <a:noFill/>
+        </p:spPr>
+        <p:txBody>
+          <a:bodyPr wrap="none" rtlCol="0">
+            <a:spAutoFit/>
+          </a:bodyPr>
+          <a:lstStyle/>
+          <a:p>
+            <a:r>
+              <a:rPr lang="en-US" dirty="0" smtClean="0">
+                <a:solidFill>
+                  <a:srgbClr val="FF0000"/>
+                </a:solidFill>
+              </a:rPr>
+              <a:t>Add legible headers for all sections</a:t>
+            </a:r>
+            <a:endParaRPr lang="en-US" dirty="0">
+              <a:solidFill>
+                <a:srgbClr val="FF0000"/>
+              </a:solidFill>
+            </a:endParaRPr>
+          </a:p>
+        </p:txBody>
+      </p:sp>
     </p:spTree>
     <p:extLst>
       <p:ext uri="{BB962C8B-B14F-4D97-AF65-F5344CB8AC3E}">
         <p14:creationId xmlns:p14="http://schemas.microsoft.com/office/powerpoint/2010/main" val="2327439826"/>
-      </p:ext>
-    </p:extLst>
-  </p:cSld>
-  <p:clrMapOvr>
-    <a:masterClrMapping/>
-  </p:clrMapOvr>
-</p:sld>
-</file>
-
-<file path=ppt/slides/slide7.xml><?xml version="1.0" encoding="utf-8"?>
-<p:sld xmlns:a="http://schemas.openxmlformats.org/drawingml/2006/main" xmlns:r="http://schemas.openxmlformats.org/officeDocument/2006/relationships" xmlns:p="http://schemas.openxmlformats.org/presentationml/2006/main">
-  <p:cSld>
-    <p:spTree>
-      <p:nvGrpSpPr>
-        <p:cNvPr id="1" name=""/>
-        <p:cNvGrpSpPr/>
-        <p:nvPr/>
-      </p:nvGrpSpPr>
-      <p:grpSpPr>
-        <a:xfrm>
-          <a:off x="0" y="0"/>
-          <a:ext cx="0" cy="0"/>
-          <a:chOff x="0" y="0"/>
-          <a:chExt cx="0" cy="0"/>
-        </a:xfrm>
-      </p:grpSpPr>
-      <p:sp>
-        <p:nvSpPr>
-          <p:cNvPr id="2" name="Title 1"/>
-          <p:cNvSpPr>
-            <a:spLocks noGrp="1"/>
-          </p:cNvSpPr>
-          <p:nvPr>
-            <p:ph type="title"/>
-          </p:nvPr>
-        </p:nvSpPr>
-        <p:spPr/>
-        <p:txBody>
-          <a:bodyPr>
-            <a:normAutofit fontScale="90000"/>
-          </a:bodyPr>
-          <a:lstStyle/>
-          <a:p>
-            <a:r>
-              <a:rPr lang="en-US" dirty="0" smtClean="0"/>
-              <a:t>Accomplishments: Behavioral properties of component contracts</a:t>
-            </a:r>
-            <a:endParaRPr lang="en-US" dirty="0"/>
-          </a:p>
-        </p:txBody>
-      </p:sp>
-      <p:sp>
-        <p:nvSpPr>
-          <p:cNvPr id="3" name="Content Placeholder 2"/>
-          <p:cNvSpPr>
-            <a:spLocks noGrp="1"/>
-          </p:cNvSpPr>
-          <p:nvPr>
-            <p:ph idx="1"/>
-          </p:nvPr>
-        </p:nvSpPr>
-        <p:spPr/>
-        <p:txBody>
-          <a:bodyPr/>
-          <a:lstStyle/>
-          <a:p>
-            <a:r>
-              <a:rPr lang="en-US" dirty="0" smtClean="0"/>
-              <a:t>For components with state machines, we can check that</a:t>
-            </a:r>
-          </a:p>
-          <a:p>
-            <a:pPr lvl="1"/>
-            <a:r>
-              <a:rPr lang="en-US" dirty="0" smtClean="0"/>
-              <a:t>All states </a:t>
-            </a:r>
-            <a:r>
-              <a:rPr lang="en-US" dirty="0"/>
-              <a:t>and </a:t>
-            </a:r>
-            <a:r>
-              <a:rPr lang="en-US" dirty="0" smtClean="0"/>
-              <a:t>transitions are reachable</a:t>
-            </a:r>
-          </a:p>
-          <a:p>
-            <a:pPr lvl="1"/>
-            <a:r>
-              <a:rPr lang="en-US" dirty="0" smtClean="0"/>
-              <a:t>Only the states and transitions specified are possible</a:t>
-            </a:r>
-          </a:p>
-          <a:p>
-            <a:r>
-              <a:rPr lang="en-US" dirty="0" smtClean="0"/>
-              <a:t>All input/output events are possible</a:t>
-            </a:r>
-          </a:p>
-          <a:p>
-            <a:r>
-              <a:rPr lang="en-US" dirty="0" smtClean="0"/>
-              <a:t>We can also check that each component is </a:t>
-            </a:r>
-            <a:r>
-              <a:rPr lang="en-US" i="1" dirty="0" smtClean="0"/>
-              <a:t>realizable</a:t>
-            </a:r>
-            <a:endParaRPr lang="en-US" dirty="0" smtClean="0"/>
-          </a:p>
-        </p:txBody>
-      </p:sp>
-      <p:sp>
-        <p:nvSpPr>
-          <p:cNvPr id="4" name="Footer Placeholder 3"/>
-          <p:cNvSpPr>
-            <a:spLocks noGrp="1"/>
-          </p:cNvSpPr>
-          <p:nvPr>
-            <p:ph type="ftr" sz="quarter" idx="11"/>
-          </p:nvPr>
-        </p:nvSpPr>
-        <p:spPr>
-          <a:xfrm>
-            <a:off x="4038600" y="6419124"/>
-            <a:ext cx="4114800" cy="306936"/>
-          </a:xfrm>
-        </p:spPr>
-        <p:txBody>
-          <a:bodyPr/>
-          <a:lstStyle/>
-          <a:p>
-            <a:r>
-              <a:rPr lang="en-US" dirty="0" smtClean="0"/>
-              <a:t>Architecture Group</a:t>
-            </a:r>
-            <a:endParaRPr lang="en-US" dirty="0"/>
-          </a:p>
-        </p:txBody>
-      </p:sp>
-    </p:spTree>
-    <p:extLst>
-      <p:ext uri="{BB962C8B-B14F-4D97-AF65-F5344CB8AC3E}">
-        <p14:creationId xmlns:p14="http://schemas.microsoft.com/office/powerpoint/2010/main" val="1022737261"/>
       </p:ext>
     </p:extLst>
   </p:cSld>
@@ -6745,16 +11570,10 @@
         </p:nvSpPr>
         <p:spPr/>
         <p:txBody>
-          <a:bodyPr>
-            <a:normAutofit fontScale="90000"/>
-          </a:bodyPr>
-          <a:lstStyle/>
-          <a:p>
-            <a:r>
-              <a:rPr lang="en-US" dirty="0" smtClean="0"/>
-              <a:t>Accomplishments: State Machine Correctness Argument</a:t>
-            </a:r>
-            <a:endParaRPr lang="en-US" dirty="0"/>
+          <a:bodyPr/>
+          <a:lstStyle/>
+          <a:p>
+            <a:endParaRPr lang="en-US"/>
           </a:p>
         </p:txBody>
       </p:sp>
@@ -6774,75 +11593,25 @@
           <a:lstStyle/>
           <a:p>
             <a:r>
-              <a:rPr lang="en-US" dirty="0" smtClean="0"/>
-              <a:t>[Ben fill in]</a:t>
-            </a:r>
-            <a:endParaRPr lang="en-US" dirty="0"/>
-          </a:p>
-        </p:txBody>
-      </p:sp>
-      <p:sp>
-        <p:nvSpPr>
-          <p:cNvPr id="4" name="Footer Placeholder 3"/>
-          <p:cNvSpPr>
-            <a:spLocks noGrp="1"/>
-          </p:cNvSpPr>
-          <p:nvPr>
-            <p:ph type="ftr" sz="quarter" idx="11"/>
-          </p:nvPr>
-        </p:nvSpPr>
-        <p:spPr>
-          <a:xfrm>
-            <a:off x="4038600" y="6419124"/>
-            <a:ext cx="4114800" cy="306936"/>
-          </a:xfrm>
-        </p:spPr>
-        <p:txBody>
-          <a:bodyPr/>
-          <a:lstStyle/>
-          <a:p>
-            <a:r>
-              <a:rPr lang="en-US" dirty="0" smtClean="0"/>
-              <a:t>Architecture Group</a:t>
-            </a:r>
-            <a:endParaRPr lang="en-US" dirty="0"/>
-          </a:p>
-        </p:txBody>
-      </p:sp>
-      <p:pic>
-        <p:nvPicPr>
-          <p:cNvPr id="5" name="Content Placeholder 4"/>
-          <p:cNvPicPr>
-            <a:picLocks noChangeAspect="1"/>
-          </p:cNvPicPr>
-          <p:nvPr/>
-        </p:nvPicPr>
-        <p:blipFill>
-          <a:blip r:embed="rId2">
-            <a:extLst>
-              <a:ext uri="{28A0092B-C50C-407E-A947-70E740481C1C}">
-                <a14:useLocalDpi xmlns:a14="http://schemas.microsoft.com/office/drawing/2010/main" val="0"/>
-              </a:ext>
-            </a:extLst>
-          </a:blip>
-          <a:stretch>
-            <a:fillRect/>
-          </a:stretch>
-        </p:blipFill>
-        <p:spPr>
-          <a:xfrm>
-            <a:off x="1403163" y="781917"/>
-            <a:ext cx="7106186" cy="5637207"/>
-          </a:xfrm>
-          <a:prstGeom prst="rect">
-            <a:avLst/>
-          </a:prstGeom>
-        </p:spPr>
-      </p:pic>
+              <a:rPr lang="en-US" dirty="0" smtClean="0">
+                <a:solidFill>
+                  <a:srgbClr val="FF0000"/>
+                </a:solidFill>
+              </a:rPr>
+              <a:t>[Think about bridge b/w architecture and state machines (how they relate), message passing, etc.]</a:t>
+            </a:r>
+            <a:endParaRPr lang="en-US" dirty="0">
+              <a:solidFill>
+                <a:srgbClr val="FF0000"/>
+              </a:solidFill>
+            </a:endParaRPr>
+          </a:p>
+        </p:txBody>
+      </p:sp>
     </p:spTree>
     <p:extLst>
       <p:ext uri="{BB962C8B-B14F-4D97-AF65-F5344CB8AC3E}">
-        <p14:creationId xmlns:p14="http://schemas.microsoft.com/office/powerpoint/2010/main" val="286898037"/>
+        <p14:creationId xmlns:p14="http://schemas.microsoft.com/office/powerpoint/2010/main" val="2399838130"/>
       </p:ext>
     </p:extLst>
   </p:cSld>
@@ -6881,10 +11650,20 @@
         </p:nvSpPr>
         <p:spPr/>
         <p:txBody>
-          <a:bodyPr/>
-          <a:lstStyle/>
-          <a:p>
-            <a:endParaRPr lang="en-US"/>
+          <a:bodyPr>
+            <a:normAutofit/>
+          </a:bodyPr>
+          <a:lstStyle/>
+          <a:p>
+            <a:r>
+              <a:rPr lang="en-US" dirty="0" smtClean="0"/>
+              <a:t>Behavioral </a:t>
+            </a:r>
+            <a:r>
+              <a:rPr lang="en-US" dirty="0" smtClean="0"/>
+              <a:t>properties of component contracts</a:t>
+            </a:r>
+            <a:endParaRPr lang="en-US" dirty="0"/>
           </a:p>
         </p:txBody>
       </p:sp>
@@ -6905,9 +11684,47 @@
           <a:p>
             <a:r>
               <a:rPr lang="en-US" dirty="0" smtClean="0"/>
-              <a:t>[Placeholder for GE’s work]</a:t>
-            </a:r>
-            <a:endParaRPr lang="en-US" dirty="0"/>
+              <a:t>For components with state machines, we can check that</a:t>
+            </a:r>
+          </a:p>
+          <a:p>
+            <a:pPr lvl="1"/>
+            <a:r>
+              <a:rPr lang="en-US" dirty="0" smtClean="0"/>
+              <a:t>All states </a:t>
+            </a:r>
+            <a:r>
+              <a:rPr lang="en-US" dirty="0"/>
+              <a:t>and </a:t>
+            </a:r>
+            <a:r>
+              <a:rPr lang="en-US" dirty="0" smtClean="0"/>
+              <a:t>transitions are reachable</a:t>
+            </a:r>
+          </a:p>
+          <a:p>
+            <a:pPr lvl="1"/>
+            <a:r>
+              <a:rPr lang="en-US" dirty="0" smtClean="0"/>
+              <a:t>Only the states and transitions specified are possible</a:t>
+            </a:r>
+          </a:p>
+          <a:p>
+            <a:r>
+              <a:rPr lang="en-US" dirty="0" smtClean="0"/>
+              <a:t>All input/output events are possible</a:t>
+            </a:r>
+          </a:p>
+          <a:p>
+            <a:r>
+              <a:rPr lang="en-US" dirty="0" smtClean="0"/>
+              <a:t>We can also check that each component is </a:t>
+            </a:r>
+            <a:r>
+              <a:rPr lang="en-US" i="1" dirty="0" smtClean="0"/>
+              <a:t>realizable</a:t>
+            </a:r>
+            <a:endParaRPr lang="en-US" dirty="0" smtClean="0"/>
           </a:p>
         </p:txBody>
       </p:sp>
@@ -6942,7 +11759,7 @@
     </p:spTree>
     <p:extLst>
       <p:ext uri="{BB962C8B-B14F-4D97-AF65-F5344CB8AC3E}">
-        <p14:creationId xmlns:p14="http://schemas.microsoft.com/office/powerpoint/2010/main" val="2960052227"/>
+        <p14:creationId xmlns:p14="http://schemas.microsoft.com/office/powerpoint/2010/main" val="1022737261"/>
       </p:ext>
     </p:extLst>
   </p:cSld>

--- a/presentations/S5_SoI_Architecture_Group.pptx
+++ b/presentations/S5_SoI_Architecture_Group.pptx
@@ -5,39 +5,47 @@
     <p:sldMasterId id="2147483648" r:id="rId1"/>
   </p:sldMasterIdLst>
   <p:notesMasterIdLst>
-    <p:notesMasterId r:id="rId32"/>
+    <p:notesMasterId r:id="rId40"/>
   </p:notesMasterIdLst>
   <p:sldIdLst>
     <p:sldId id="256" r:id="rId2"/>
     <p:sldId id="257" r:id="rId3"/>
     <p:sldId id="258" r:id="rId4"/>
-    <p:sldId id="259" r:id="rId5"/>
-    <p:sldId id="260" r:id="rId6"/>
-    <p:sldId id="281" r:id="rId7"/>
-    <p:sldId id="265" r:id="rId8"/>
-    <p:sldId id="280" r:id="rId9"/>
-    <p:sldId id="263" r:id="rId10"/>
-    <p:sldId id="279" r:id="rId11"/>
-    <p:sldId id="267" r:id="rId12"/>
-    <p:sldId id="282" r:id="rId13"/>
-    <p:sldId id="283" r:id="rId14"/>
-    <p:sldId id="284" r:id="rId15"/>
-    <p:sldId id="285" r:id="rId16"/>
-    <p:sldId id="286" r:id="rId17"/>
-    <p:sldId id="266" r:id="rId18"/>
-    <p:sldId id="269" r:id="rId19"/>
-    <p:sldId id="268" r:id="rId20"/>
-    <p:sldId id="270" r:id="rId21"/>
-    <p:sldId id="271" r:id="rId22"/>
-    <p:sldId id="272" r:id="rId23"/>
-    <p:sldId id="273" r:id="rId24"/>
-    <p:sldId id="274" r:id="rId25"/>
-    <p:sldId id="275" r:id="rId26"/>
-    <p:sldId id="276" r:id="rId27"/>
-    <p:sldId id="277" r:id="rId28"/>
-    <p:sldId id="278" r:id="rId29"/>
-    <p:sldId id="261" r:id="rId30"/>
-    <p:sldId id="262" r:id="rId31"/>
+    <p:sldId id="281" r:id="rId5"/>
+    <p:sldId id="259" r:id="rId6"/>
+    <p:sldId id="260" r:id="rId7"/>
+    <p:sldId id="287" r:id="rId8"/>
+    <p:sldId id="288" r:id="rId9"/>
+    <p:sldId id="290" r:id="rId10"/>
+    <p:sldId id="291" r:id="rId11"/>
+    <p:sldId id="265" r:id="rId12"/>
+    <p:sldId id="293" r:id="rId13"/>
+    <p:sldId id="294" r:id="rId14"/>
+    <p:sldId id="292" r:id="rId15"/>
+    <p:sldId id="282" r:id="rId16"/>
+    <p:sldId id="283" r:id="rId17"/>
+    <p:sldId id="284" r:id="rId18"/>
+    <p:sldId id="285" r:id="rId19"/>
+    <p:sldId id="286" r:id="rId20"/>
+    <p:sldId id="289" r:id="rId21"/>
+    <p:sldId id="266" r:id="rId22"/>
+    <p:sldId id="269" r:id="rId23"/>
+    <p:sldId id="280" r:id="rId24"/>
+    <p:sldId id="263" r:id="rId25"/>
+    <p:sldId id="279" r:id="rId26"/>
+    <p:sldId id="267" r:id="rId27"/>
+    <p:sldId id="268" r:id="rId28"/>
+    <p:sldId id="270" r:id="rId29"/>
+    <p:sldId id="271" r:id="rId30"/>
+    <p:sldId id="272" r:id="rId31"/>
+    <p:sldId id="273" r:id="rId32"/>
+    <p:sldId id="274" r:id="rId33"/>
+    <p:sldId id="275" r:id="rId34"/>
+    <p:sldId id="276" r:id="rId35"/>
+    <p:sldId id="277" r:id="rId36"/>
+    <p:sldId id="278" r:id="rId37"/>
+    <p:sldId id="261" r:id="rId38"/>
+    <p:sldId id="262" r:id="rId39"/>
   </p:sldIdLst>
   <p:sldSz cx="12192000" cy="6858000"/>
   <p:notesSz cx="6858000" cy="9144000"/>
@@ -226,7 +234,7 @@
           <a:p>
             <a:fld id="{7E04793A-A12B-44AC-A0A5-947722C372BD}" type="datetimeFigureOut">
               <a:rPr lang="en-US" smtClean="0"/>
-              <a:t>7/26/2017</a:t>
+              <a:t>7/27/2017</a:t>
             </a:fld>
             <a:endParaRPr lang="en-US"/>
           </a:p>
@@ -811,7 +819,7 @@
           <a:p>
             <a:fld id="{563BCB51-F13E-4501-921D-7D4EB39EDE9B}" type="slidenum">
               <a:rPr lang="en-US" smtClean="0"/>
-              <a:t>4</a:t>
+              <a:t>5</a:t>
             </a:fld>
             <a:endParaRPr lang="en-US"/>
           </a:p>
@@ -895,7 +903,7 @@
           <a:p>
             <a:fld id="{563BCB51-F13E-4501-921D-7D4EB39EDE9B}" type="slidenum">
               <a:rPr lang="en-US" smtClean="0"/>
-              <a:t>5</a:t>
+              <a:t>6</a:t>
             </a:fld>
             <a:endParaRPr lang="en-US"/>
           </a:p>
@@ -978,17 +986,26 @@
           <a:lstStyle/>
           <a:p>
             <a:fld id="{563BCB51-F13E-4501-921D-7D4EB39EDE9B}" type="slidenum">
-              <a:rPr lang="en-US" smtClean="0"/>
-              <a:t>29</a:t>
+              <a:rPr lang="en-US" smtClean="0">
+                <a:solidFill>
+                  <a:prstClr val="black"/>
+                </a:solidFill>
+              </a:rPr>
+              <a:pPr/>
+              <a:t>7</a:t>
             </a:fld>
-            <a:endParaRPr lang="en-US"/>
+            <a:endParaRPr lang="en-US">
+              <a:solidFill>
+                <a:prstClr val="black"/>
+              </a:solidFill>
+            </a:endParaRPr>
           </a:p>
         </p:txBody>
       </p:sp>
     </p:spTree>
     <p:extLst>
       <p:ext uri="{BB962C8B-B14F-4D97-AF65-F5344CB8AC3E}">
-        <p14:creationId xmlns:p14="http://schemas.microsoft.com/office/powerpoint/2010/main" val="1073842913"/>
+        <p14:creationId xmlns:p14="http://schemas.microsoft.com/office/powerpoint/2010/main" val="3483627554"/>
       </p:ext>
     </p:extLst>
   </p:cSld>
@@ -1063,7 +1080,91 @@
           <a:p>
             <a:fld id="{563BCB51-F13E-4501-921D-7D4EB39EDE9B}" type="slidenum">
               <a:rPr lang="en-US" smtClean="0"/>
-              <a:t>30</a:t>
+              <a:t>37</a:t>
+            </a:fld>
+            <a:endParaRPr lang="en-US"/>
+          </a:p>
+        </p:txBody>
+      </p:sp>
+    </p:spTree>
+    <p:extLst>
+      <p:ext uri="{BB962C8B-B14F-4D97-AF65-F5344CB8AC3E}">
+        <p14:creationId xmlns:p14="http://schemas.microsoft.com/office/powerpoint/2010/main" val="1073842913"/>
+      </p:ext>
+    </p:extLst>
+  </p:cSld>
+  <p:clrMapOvr>
+    <a:masterClrMapping/>
+  </p:clrMapOvr>
+</p:notes>
+</file>
+
+<file path=ppt/notesSlides/notesSlide8.xml><?xml version="1.0" encoding="utf-8"?>
+<p:notes xmlns:a="http://schemas.openxmlformats.org/drawingml/2006/main" xmlns:r="http://schemas.openxmlformats.org/officeDocument/2006/relationships" xmlns:p="http://schemas.openxmlformats.org/presentationml/2006/main">
+  <p:cSld>
+    <p:spTree>
+      <p:nvGrpSpPr>
+        <p:cNvPr id="1" name=""/>
+        <p:cNvGrpSpPr/>
+        <p:nvPr/>
+      </p:nvGrpSpPr>
+      <p:grpSpPr>
+        <a:xfrm>
+          <a:off x="0" y="0"/>
+          <a:ext cx="0" cy="0"/>
+          <a:chOff x="0" y="0"/>
+          <a:chExt cx="0" cy="0"/>
+        </a:xfrm>
+      </p:grpSpPr>
+      <p:sp>
+        <p:nvSpPr>
+          <p:cNvPr id="2" name="Slide Image Placeholder 1"/>
+          <p:cNvSpPr>
+            <a:spLocks noGrp="1" noRot="1" noChangeAspect="1"/>
+          </p:cNvSpPr>
+          <p:nvPr>
+            <p:ph type="sldImg"/>
+          </p:nvPr>
+        </p:nvSpPr>
+        <p:spPr/>
+      </p:sp>
+      <p:sp>
+        <p:nvSpPr>
+          <p:cNvPr id="3" name="Notes Placeholder 2"/>
+          <p:cNvSpPr>
+            <a:spLocks noGrp="1"/>
+          </p:cNvSpPr>
+          <p:nvPr>
+            <p:ph type="body" idx="1"/>
+          </p:nvPr>
+        </p:nvSpPr>
+        <p:spPr/>
+        <p:txBody>
+          <a:bodyPr/>
+          <a:lstStyle/>
+          <a:p>
+            <a:endParaRPr lang="en-US"/>
+          </a:p>
+        </p:txBody>
+      </p:sp>
+      <p:sp>
+        <p:nvSpPr>
+          <p:cNvPr id="4" name="Slide Number Placeholder 3"/>
+          <p:cNvSpPr>
+            <a:spLocks noGrp="1"/>
+          </p:cNvSpPr>
+          <p:nvPr>
+            <p:ph type="sldNum" sz="quarter" idx="10"/>
+          </p:nvPr>
+        </p:nvSpPr>
+        <p:spPr/>
+        <p:txBody>
+          <a:bodyPr/>
+          <a:lstStyle/>
+          <a:p>
+            <a:fld id="{563BCB51-F13E-4501-921D-7D4EB39EDE9B}" type="slidenum">
+              <a:rPr lang="en-US" smtClean="0"/>
+              <a:t>38</a:t>
             </a:fld>
             <a:endParaRPr lang="en-US"/>
           </a:p>
@@ -1213,7 +1314,7 @@
           <a:p>
             <a:fld id="{9228EC5D-0FAB-4052-8D3C-D3FC4849CE90}" type="datetimeFigureOut">
               <a:rPr lang="en-US" smtClean="0"/>
-              <a:t>7/26/2017</a:t>
+              <a:t>7/27/2017</a:t>
             </a:fld>
             <a:endParaRPr lang="en-US"/>
           </a:p>
@@ -1234,7 +1335,7 @@
           <a:bodyPr/>
           <a:lstStyle/>
           <a:p>
-            <a:endParaRPr lang="en-US"/>
+            <a:endParaRPr lang="en-US" dirty="0"/>
           </a:p>
         </p:txBody>
       </p:sp>
@@ -1271,6 +1372,13 @@
   <p:clrMapOvr>
     <a:masterClrMapping/>
   </p:clrMapOvr>
+  <p:timing>
+    <p:tnLst>
+      <p:par>
+        <p:cTn id="1" dur="indefinite" restart="never" nodeType="tmRoot"/>
+      </p:par>
+    </p:tnLst>
+  </p:timing>
 </p:sldLayout>
 </file>
 
@@ -1388,7 +1496,7 @@
           <a:p>
             <a:fld id="{9228EC5D-0FAB-4052-8D3C-D3FC4849CE90}" type="datetimeFigureOut">
               <a:rPr lang="en-US" smtClean="0"/>
-              <a:t>7/26/2017</a:t>
+              <a:t>7/27/2017</a:t>
             </a:fld>
             <a:endParaRPr lang="en-US"/>
           </a:p>
@@ -1568,7 +1676,7 @@
           <a:p>
             <a:fld id="{9228EC5D-0FAB-4052-8D3C-D3FC4849CE90}" type="datetimeFigureOut">
               <a:rPr lang="en-US" smtClean="0"/>
-              <a:t>7/26/2017</a:t>
+              <a:t>7/27/2017</a:t>
             </a:fld>
             <a:endParaRPr lang="en-US"/>
           </a:p>
@@ -1743,7 +1851,7 @@
           <a:p>
             <a:fld id="{9228EC5D-0FAB-4052-8D3C-D3FC4849CE90}" type="datetimeFigureOut">
               <a:rPr lang="en-US" smtClean="0"/>
-              <a:t>7/26/2017</a:t>
+              <a:t>7/27/2017</a:t>
             </a:fld>
             <a:endParaRPr lang="en-US"/>
           </a:p>
@@ -1989,7 +2097,7 @@
           <a:p>
             <a:fld id="{9228EC5D-0FAB-4052-8D3C-D3FC4849CE90}" type="datetimeFigureOut">
               <a:rPr lang="en-US" smtClean="0"/>
-              <a:t>7/26/2017</a:t>
+              <a:t>7/27/2017</a:t>
             </a:fld>
             <a:endParaRPr lang="en-US"/>
           </a:p>
@@ -2226,7 +2334,7 @@
           <a:p>
             <a:fld id="{9228EC5D-0FAB-4052-8D3C-D3FC4849CE90}" type="datetimeFigureOut">
               <a:rPr lang="en-US" smtClean="0"/>
-              <a:t>7/26/2017</a:t>
+              <a:t>7/27/2017</a:t>
             </a:fld>
             <a:endParaRPr lang="en-US"/>
           </a:p>
@@ -2593,7 +2701,7 @@
           <a:p>
             <a:fld id="{9228EC5D-0FAB-4052-8D3C-D3FC4849CE90}" type="datetimeFigureOut">
               <a:rPr lang="en-US" smtClean="0"/>
-              <a:t>7/26/2017</a:t>
+              <a:t>7/27/2017</a:t>
             </a:fld>
             <a:endParaRPr lang="en-US"/>
           </a:p>
@@ -2716,7 +2824,7 @@
           <a:p>
             <a:fld id="{9228EC5D-0FAB-4052-8D3C-D3FC4849CE90}" type="datetimeFigureOut">
               <a:rPr lang="en-US" smtClean="0"/>
-              <a:t>7/26/2017</a:t>
+              <a:t>7/27/2017</a:t>
             </a:fld>
             <a:endParaRPr lang="en-US"/>
           </a:p>
@@ -2774,6 +2882,13 @@
   <p:clrMapOvr>
     <a:masterClrMapping/>
   </p:clrMapOvr>
+  <p:timing>
+    <p:tnLst>
+      <p:par>
+        <p:cTn id="1" dur="indefinite" restart="never" nodeType="tmRoot"/>
+      </p:par>
+    </p:tnLst>
+  </p:timing>
 </p:sldLayout>
 </file>
 
@@ -2811,7 +2926,7 @@
           <a:p>
             <a:fld id="{9228EC5D-0FAB-4052-8D3C-D3FC4849CE90}" type="datetimeFigureOut">
               <a:rPr lang="en-US" smtClean="0"/>
-              <a:t>7/26/2017</a:t>
+              <a:t>7/27/2017</a:t>
             </a:fld>
             <a:endParaRPr lang="en-US"/>
           </a:p>
@@ -3088,7 +3203,7 @@
           <a:p>
             <a:fld id="{9228EC5D-0FAB-4052-8D3C-D3FC4849CE90}" type="datetimeFigureOut">
               <a:rPr lang="en-US" smtClean="0"/>
-              <a:t>7/26/2017</a:t>
+              <a:t>7/27/2017</a:t>
             </a:fld>
             <a:endParaRPr lang="en-US"/>
           </a:p>
@@ -3341,7 +3456,7 @@
           <a:p>
             <a:fld id="{9228EC5D-0FAB-4052-8D3C-D3FC4849CE90}" type="datetimeFigureOut">
               <a:rPr lang="en-US" smtClean="0"/>
-              <a:t>7/26/2017</a:t>
+              <a:t>7/27/2017</a:t>
             </a:fld>
             <a:endParaRPr lang="en-US"/>
           </a:p>
@@ -3554,7 +3669,7 @@
           <a:p>
             <a:fld id="{9228EC5D-0FAB-4052-8D3C-D3FC4849CE90}" type="datetimeFigureOut">
               <a:rPr lang="en-US" smtClean="0"/>
-              <a:t>7/26/2017</a:t>
+              <a:t>7/27/2017</a:t>
             </a:fld>
             <a:endParaRPr lang="en-US"/>
           </a:p>
@@ -3592,8 +3707,16 @@
           </a:lstStyle>
           <a:p>
             <a:r>
-              <a:rPr lang="en-US" smtClean="0"/>
-              <a:t>&lt;SoI Group Name&gt; Group</a:t>
+              <a:rPr lang="en-US" dirty="0" smtClean="0"/>
+              <a:t>&lt;</a:t>
+            </a:r>
+            <a:r>
+              <a:rPr lang="en-US" dirty="0" err="1" smtClean="0"/>
+              <a:t>SoI</a:t>
+            </a:r>
+            <a:r>
+              <a:rPr lang="en-US" dirty="0" smtClean="0"/>
+              <a:t> Group Name&gt; Group</a:t>
             </a:r>
             <a:endParaRPr lang="en-US" dirty="0"/>
           </a:p>
@@ -3831,6 +3954,13 @@
     <p:sldLayoutId id="2147483658" r:id="rId10"/>
     <p:sldLayoutId id="2147483659" r:id="rId11"/>
   </p:sldLayoutIdLst>
+  <p:timing>
+    <p:tnLst>
+      <p:par>
+        <p:cTn id="1" dur="indefinite" restart="never" nodeType="tmRoot"/>
+      </p:par>
+    </p:tnLst>
+  </p:timing>
   <p:txStyles>
     <p:titleStyle>
       <a:lvl1pPr algn="r" defTabSz="914400" rtl="0" eaLnBrk="1" latinLnBrk="0" hangingPunct="1">
@@ -4427,70 +4557,190 @@
         </p:nvSpPr>
         <p:spPr/>
         <p:txBody>
+          <a:bodyPr>
+            <a:normAutofit fontScale="90000"/>
+          </a:bodyPr>
+          <a:lstStyle/>
+          <a:p>
+            <a:r>
+              <a:rPr lang="en-US" dirty="0" smtClean="0"/>
+              <a:t>Formalization in AADL/AGREE</a:t>
+            </a:r>
+            <a:br>
+              <a:rPr lang="en-US" dirty="0" smtClean="0"/>
+            </a:br>
+            <a:r>
+              <a:rPr lang="en-US" dirty="0" smtClean="0"/>
+              <a:t>Formalize Services</a:t>
+            </a:r>
+            <a:endParaRPr lang="en-US" dirty="0"/>
+          </a:p>
+        </p:txBody>
+      </p:sp>
+      <p:sp>
+        <p:nvSpPr>
+          <p:cNvPr id="3" name="Content Placeholder 2"/>
+          <p:cNvSpPr>
+            <a:spLocks noGrp="1"/>
+          </p:cNvSpPr>
+          <p:nvPr>
+            <p:ph idx="1"/>
+          </p:nvPr>
+        </p:nvSpPr>
+        <p:spPr/>
+        <p:txBody>
           <a:bodyPr/>
           <a:lstStyle/>
           <a:p>
-            <a:endParaRPr lang="en-US"/>
-          </a:p>
-        </p:txBody>
-      </p:sp>
-      <p:sp>
-        <p:nvSpPr>
-          <p:cNvPr id="3" name="Content Placeholder 2"/>
-          <p:cNvSpPr>
-            <a:spLocks noGrp="1"/>
-          </p:cNvSpPr>
-          <p:nvPr>
-            <p:ph idx="1"/>
-          </p:nvPr>
-        </p:nvSpPr>
-        <p:spPr/>
-        <p:txBody>
-          <a:bodyPr/>
-          <a:lstStyle/>
-          <a:p>
-            <a:r>
-              <a:rPr lang="en-US" dirty="0" smtClean="0"/>
-              <a:t>[Document bugs/issues found via formalization and analysis]</a:t>
-            </a:r>
-          </a:p>
-          <a:p>
-            <a:r>
-              <a:rPr lang="en-US" dirty="0" smtClean="0">
-                <a:solidFill>
-                  <a:srgbClr val="FF0000"/>
-                </a:solidFill>
-              </a:rPr>
-              <a:t>Chris found stuff by talking to the Bens</a:t>
-            </a:r>
-          </a:p>
-          <a:p>
-            <a:r>
-              <a:rPr lang="en-US" dirty="0" smtClean="0">
-                <a:solidFill>
-                  <a:srgbClr val="FF0000"/>
-                </a:solidFill>
-              </a:rPr>
-              <a:t>Jen—ping Derek for list</a:t>
-            </a:r>
-            <a:endParaRPr lang="en-US" dirty="0">
-              <a:solidFill>
-                <a:srgbClr val="FF0000"/>
-              </a:solidFill>
-            </a:endParaRPr>
+            <a:r>
+              <a:rPr lang="en-US" dirty="0"/>
+              <a:t>Created formal contracts for 6-8 services and tasks based on the </a:t>
+            </a:r>
+            <a:r>
+              <a:rPr lang="en-US" dirty="0" err="1"/>
+              <a:t>OpenUxAS</a:t>
+            </a:r>
+            <a:r>
+              <a:rPr lang="en-US" dirty="0"/>
+              <a:t> Wiki and conversations with the </a:t>
+            </a:r>
+            <a:r>
+              <a:rPr lang="en-US" dirty="0" smtClean="0"/>
+              <a:t>developer</a:t>
+            </a:r>
+          </a:p>
+          <a:p>
+            <a:r>
+              <a:rPr lang="en-US" dirty="0" smtClean="0"/>
+              <a:t>Abstracted the common message bus by direct port connections</a:t>
+            </a:r>
+          </a:p>
+          <a:p>
+            <a:endParaRPr lang="en-US" dirty="0"/>
+          </a:p>
+        </p:txBody>
+      </p:sp>
+      <p:sp>
+        <p:nvSpPr>
+          <p:cNvPr id="5" name="Rectangle 4"/>
+          <p:cNvSpPr/>
+          <p:nvPr/>
+        </p:nvSpPr>
+        <p:spPr>
+          <a:xfrm>
+            <a:off x="-498143" y="0"/>
+            <a:ext cx="1781033" cy="1003110"/>
+          </a:xfrm>
+          <a:prstGeom prst="rect">
+            <a:avLst/>
+          </a:prstGeom>
+          <a:solidFill>
+            <a:srgbClr val="FF0000"/>
+          </a:solidFill>
+          <a:ln>
+            <a:solidFill>
+              <a:schemeClr val="tx1"/>
+            </a:solidFill>
+          </a:ln>
+        </p:spPr>
+        <p:style>
+          <a:lnRef idx="2">
+            <a:schemeClr val="accent1">
+              <a:shade val="50000"/>
+            </a:schemeClr>
+          </a:lnRef>
+          <a:fillRef idx="1">
+            <a:schemeClr val="accent1"/>
+          </a:fillRef>
+          <a:effectRef idx="0">
+            <a:schemeClr val="accent1"/>
+          </a:effectRef>
+          <a:fontRef idx="minor">
+            <a:schemeClr val="lt1"/>
+          </a:fontRef>
+        </p:style>
+        <p:txBody>
+          <a:bodyPr rtlCol="0" anchor="ctr"/>
+          <a:lstStyle/>
+          <a:p>
+            <a:pPr algn="ctr"/>
+            <a:r>
+              <a:rPr lang="en-US" sz="1400" dirty="0" smtClean="0"/>
+              <a:t>These are bullets to be revised and graphics to be generated.</a:t>
+            </a:r>
+            <a:endParaRPr lang="en-US" sz="1400" dirty="0"/>
+          </a:p>
+        </p:txBody>
+      </p:sp>
+      <p:sp>
+        <p:nvSpPr>
+          <p:cNvPr id="6" name="Rectangle 5"/>
+          <p:cNvSpPr/>
+          <p:nvPr/>
+        </p:nvSpPr>
+        <p:spPr>
+          <a:xfrm>
+            <a:off x="10251743" y="2759122"/>
+            <a:ext cx="1781033" cy="1342030"/>
+          </a:xfrm>
+          <a:prstGeom prst="rect">
+            <a:avLst/>
+          </a:prstGeom>
+          <a:solidFill>
+            <a:srgbClr val="FF0000"/>
+          </a:solidFill>
+          <a:ln>
+            <a:solidFill>
+              <a:schemeClr val="tx1"/>
+            </a:solidFill>
+          </a:ln>
+        </p:spPr>
+        <p:style>
+          <a:lnRef idx="2">
+            <a:schemeClr val="accent1">
+              <a:shade val="50000"/>
+            </a:schemeClr>
+          </a:lnRef>
+          <a:fillRef idx="1">
+            <a:schemeClr val="accent1"/>
+          </a:fillRef>
+          <a:effectRef idx="0">
+            <a:schemeClr val="accent1"/>
+          </a:effectRef>
+          <a:fontRef idx="minor">
+            <a:schemeClr val="lt1"/>
+          </a:fontRef>
+        </p:style>
+        <p:txBody>
+          <a:bodyPr rtlCol="0" anchor="ctr"/>
+          <a:lstStyle/>
+          <a:p>
+            <a:pPr algn="ctr"/>
+            <a:r>
+              <a:rPr lang="en-US" sz="1400" dirty="0" smtClean="0"/>
+              <a:t>Make/pull a AADL connection image here showing interaction of a few components</a:t>
+            </a:r>
+            <a:endParaRPr lang="en-US" sz="1400" dirty="0"/>
           </a:p>
         </p:txBody>
       </p:sp>
     </p:spTree>
     <p:extLst>
       <p:ext uri="{BB962C8B-B14F-4D97-AF65-F5344CB8AC3E}">
-        <p14:creationId xmlns:p14="http://schemas.microsoft.com/office/powerpoint/2010/main" val="3185477435"/>
+        <p14:creationId xmlns:p14="http://schemas.microsoft.com/office/powerpoint/2010/main" val="2173611341"/>
       </p:ext>
     </p:extLst>
   </p:cSld>
   <p:clrMapOvr>
     <a:masterClrMapping/>
   </p:clrMapOvr>
+  <p:timing>
+    <p:tnLst>
+      <p:par>
+        <p:cTn id="1" dur="indefinite" restart="never" nodeType="tmRoot"/>
+      </p:par>
+    </p:tnLst>
+  </p:timing>
 </p:sld>
 </file>
 
@@ -4511,6 +4761,129 @@
           <a:chExt cx="0" cy="0"/>
         </a:xfrm>
       </p:grpSpPr>
+      <p:pic>
+        <p:nvPicPr>
+          <p:cNvPr id="1028" name="Picture 4" descr="https://lh4.googleusercontent.com/9bjLwyYlSv25bY9F6pj2yw_1DxUQal8NJj6tb85hRJZRDyqnHEqOwH9xCm2eu1ywevhZnpDOxZNyYfLmXrMi8p0mFtgRiNtGUoG2y8al1qXeA7GZorR4RomsXQiAf1D9vKctRJ9ifA"/>
+          <p:cNvPicPr>
+            <a:picLocks noChangeAspect="1" noChangeArrowheads="1"/>
+          </p:cNvPicPr>
+          <p:nvPr/>
+        </p:nvPicPr>
+        <p:blipFill>
+          <a:blip r:embed="rId2">
+            <a:extLst>
+              <a:ext uri="{28A0092B-C50C-407E-A947-70E740481C1C}">
+                <a14:useLocalDpi xmlns:a14="http://schemas.microsoft.com/office/drawing/2010/main" val="0"/>
+              </a:ext>
+            </a:extLst>
+          </a:blip>
+          <a:srcRect/>
+          <a:stretch>
+            <a:fillRect/>
+          </a:stretch>
+        </p:blipFill>
+        <p:spPr bwMode="auto">
+          <a:xfrm>
+            <a:off x="6969369" y="4017082"/>
+            <a:ext cx="4349263" cy="661845"/>
+          </a:xfrm>
+          <a:prstGeom prst="rect">
+            <a:avLst/>
+          </a:prstGeom>
+          <a:noFill/>
+          <a:extLst>
+            <a:ext uri="{909E8E84-426E-40DD-AFC4-6F175D3DCCD1}">
+              <a14:hiddenFill xmlns:a14="http://schemas.microsoft.com/office/drawing/2010/main">
+                <a:solidFill>
+                  <a:srgbClr val="FFFFFF"/>
+                </a:solidFill>
+              </a14:hiddenFill>
+            </a:ext>
+          </a:extLst>
+        </p:spPr>
+      </p:pic>
+      <p:pic>
+        <p:nvPicPr>
+          <p:cNvPr id="1026" name="Picture 2" descr="https://lh5.googleusercontent.com/DkfKB_LAYF7MxWJKmZbklhROLmtWPlA5y00mtWTYDmzI0zDgUgFs1p3VQUb07nXgvSIPREgJfeM-70RLv2x8qR-T0ifWPcrM-S__-kiUexfbrbfvFibq8ajfWiIq5w7HWkKfMfRmBg"/>
+          <p:cNvPicPr>
+            <a:picLocks noChangeAspect="1" noChangeArrowheads="1"/>
+          </p:cNvPicPr>
+          <p:nvPr/>
+        </p:nvPicPr>
+        <p:blipFill>
+          <a:blip r:embed="rId3">
+            <a:extLst>
+              <a:ext uri="{28A0092B-C50C-407E-A947-70E740481C1C}">
+                <a14:useLocalDpi xmlns:a14="http://schemas.microsoft.com/office/drawing/2010/main" val="0"/>
+              </a:ext>
+            </a:extLst>
+          </a:blip>
+          <a:srcRect/>
+          <a:stretch>
+            <a:fillRect/>
+          </a:stretch>
+        </p:blipFill>
+        <p:spPr bwMode="auto">
+          <a:xfrm>
+            <a:off x="6969369" y="1564234"/>
+            <a:ext cx="4082317" cy="2278503"/>
+          </a:xfrm>
+          <a:prstGeom prst="rect">
+            <a:avLst/>
+          </a:prstGeom>
+          <a:noFill/>
+          <a:extLst>
+            <a:ext uri="{909E8E84-426E-40DD-AFC4-6F175D3DCCD1}">
+              <a14:hiddenFill xmlns:a14="http://schemas.microsoft.com/office/drawing/2010/main">
+                <a:solidFill>
+                  <a:srgbClr val="FFFFFF"/>
+                </a:solidFill>
+              </a14:hiddenFill>
+            </a:ext>
+          </a:extLst>
+        </p:spPr>
+      </p:pic>
+      <p:pic>
+        <p:nvPicPr>
+          <p:cNvPr id="1027" name="Picture 3" descr="https://lh5.googleusercontent.com/LTzpRmMu71mFswU22fYGvprIcQYeV6dKNjywZUyDPD2nr1LDZMNGQoAgy-It5BvzkMty6RQwHYRu7Y2au6MjEfNKS9qCSnRf1d68fHqY9h0rv1XTSKRtm4XMRDK0HrIh1Ejy84_yVw"/>
+          <p:cNvPicPr>
+            <a:picLocks noChangeAspect="1" noChangeArrowheads="1"/>
+          </p:cNvPicPr>
+          <p:nvPr/>
+        </p:nvPicPr>
+        <p:blipFill>
+          <a:blip r:embed="rId4">
+            <a:extLst>
+              <a:ext uri="{28A0092B-C50C-407E-A947-70E740481C1C}">
+                <a14:useLocalDpi xmlns:a14="http://schemas.microsoft.com/office/drawing/2010/main" val="0"/>
+              </a:ext>
+            </a:extLst>
+          </a:blip>
+          <a:srcRect/>
+          <a:stretch>
+            <a:fillRect/>
+          </a:stretch>
+        </p:blipFill>
+        <p:spPr bwMode="auto">
+          <a:xfrm>
+            <a:off x="354621" y="1705232"/>
+            <a:ext cx="6067534" cy="4441815"/>
+          </a:xfrm>
+          <a:prstGeom prst="rect">
+            <a:avLst/>
+          </a:prstGeom>
+          <a:noFill/>
+          <a:extLst>
+            <a:ext uri="{909E8E84-426E-40DD-AFC4-6F175D3DCCD1}">
+              <a14:hiddenFill xmlns:a14="http://schemas.microsoft.com/office/drawing/2010/main">
+                <a:solidFill>
+                  <a:srgbClr val="FFFFFF"/>
+                </a:solidFill>
+              </a14:hiddenFill>
+            </a:ext>
+          </a:extLst>
+        </p:spPr>
+      </p:pic>
       <p:sp>
         <p:nvSpPr>
           <p:cNvPr id="2" name="Title 1"/>
@@ -4523,10 +4896,27 @@
         </p:nvSpPr>
         <p:spPr/>
         <p:txBody>
-          <a:bodyPr/>
-          <a:lstStyle/>
-          <a:p>
-            <a:endParaRPr lang="en-US"/>
+          <a:bodyPr>
+            <a:normAutofit fontScale="90000"/>
+          </a:bodyPr>
+          <a:lstStyle/>
+          <a:p>
+            <a:r>
+              <a:rPr lang="en-US" dirty="0"/>
+              <a:t>Formalization in AADL/AGREE</a:t>
+            </a:r>
+            <a:br>
+              <a:rPr lang="en-US" dirty="0"/>
+            </a:br>
+            <a:r>
+              <a:rPr lang="en-US" dirty="0" err="1" smtClean="0"/>
+              <a:t>UxAS</a:t>
+            </a:r>
+            <a:r>
+              <a:rPr lang="en-US" dirty="0" smtClean="0"/>
+              <a:t> Formal Model Status</a:t>
+            </a:r>
+            <a:endParaRPr lang="en-US" dirty="0"/>
           </a:p>
         </p:txBody>
       </p:sp>
@@ -4540,22 +4930,81 @@
             <p:ph idx="1"/>
           </p:nvPr>
         </p:nvSpPr>
-        <p:spPr/>
-        <p:txBody>
-          <a:bodyPr/>
-          <a:lstStyle/>
-          <a:p>
-            <a:r>
-              <a:rPr lang="en-US" dirty="0" smtClean="0"/>
-              <a:t>[Placeholder for GE’s work]</a:t>
-            </a:r>
-            <a:endParaRPr lang="en-US" dirty="0"/>
-          </a:p>
-        </p:txBody>
-      </p:sp>
-      <p:sp>
-        <p:nvSpPr>
-          <p:cNvPr id="4" name="Footer Placeholder 3"/>
+        <p:spPr>
+          <a:xfrm>
+            <a:off x="527222" y="2344701"/>
+            <a:ext cx="11664778" cy="4668452"/>
+          </a:xfrm>
+        </p:spPr>
+        <p:txBody>
+          <a:bodyPr>
+            <a:normAutofit/>
+          </a:bodyPr>
+          <a:lstStyle/>
+          <a:p>
+            <a:pPr marL="0" indent="0">
+              <a:buNone/>
+            </a:pPr>
+            <a:r>
+              <a:rPr lang="en-US" sz="20000" dirty="0" smtClean="0">
+                <a:solidFill>
+                  <a:srgbClr val="FF0000"/>
+                </a:solidFill>
+              </a:rPr>
+              <a:t>UPDATE</a:t>
+            </a:r>
+            <a:endParaRPr lang="en-US" sz="20000" dirty="0">
+              <a:solidFill>
+                <a:srgbClr val="FF0000"/>
+              </a:solidFill>
+            </a:endParaRPr>
+          </a:p>
+        </p:txBody>
+      </p:sp>
+      <p:pic>
+        <p:nvPicPr>
+          <p:cNvPr id="1029" name="Picture 5" descr="https://lh5.googleusercontent.com/gC3rD4WDnizAZeb0vpA3ifVAhBYbtCyDGhWPDG8rzlzhE7t8e-sMmOlGux592fRahyIy74mLoxc7YrhGcuDEBbl0a0I2OVEAwSva9bjBC5crP9JS5uyT-0Tb705WwV4iv7OU7rMVBg"/>
+          <p:cNvPicPr>
+            <a:picLocks noChangeAspect="1" noChangeArrowheads="1"/>
+          </p:cNvPicPr>
+          <p:nvPr/>
+        </p:nvPicPr>
+        <p:blipFill>
+          <a:blip r:embed="rId5">
+            <a:extLst>
+              <a:ext uri="{28A0092B-C50C-407E-A947-70E740481C1C}">
+                <a14:useLocalDpi xmlns:a14="http://schemas.microsoft.com/office/drawing/2010/main" val="0"/>
+              </a:ext>
+            </a:extLst>
+          </a:blip>
+          <a:srcRect/>
+          <a:stretch>
+            <a:fillRect/>
+          </a:stretch>
+        </p:blipFill>
+        <p:spPr bwMode="auto">
+          <a:xfrm>
+            <a:off x="6969369" y="4769702"/>
+            <a:ext cx="4335702" cy="1407261"/>
+          </a:xfrm>
+          <a:prstGeom prst="rect">
+            <a:avLst/>
+          </a:prstGeom>
+          <a:noFill/>
+          <a:extLst>
+            <a:ext uri="{909E8E84-426E-40DD-AFC4-6F175D3DCCD1}">
+              <a14:hiddenFill xmlns:a14="http://schemas.microsoft.com/office/drawing/2010/main">
+                <a:solidFill>
+                  <a:srgbClr val="FFFFFF"/>
+                </a:solidFill>
+              </a14:hiddenFill>
+            </a:ext>
+          </a:extLst>
+        </p:spPr>
+      </p:pic>
+      <p:sp>
+        <p:nvSpPr>
+          <p:cNvPr id="9" name="Footer Placeholder 3"/>
           <p:cNvSpPr>
             <a:spLocks noGrp="1"/>
           </p:cNvSpPr>
@@ -4581,16 +5030,61 @@
           </a:p>
         </p:txBody>
       </p:sp>
+      <p:sp>
+        <p:nvSpPr>
+          <p:cNvPr id="4" name="TextBox 3"/>
+          <p:cNvSpPr txBox="1"/>
+          <p:nvPr/>
+        </p:nvSpPr>
+        <p:spPr>
+          <a:xfrm>
+            <a:off x="354621" y="372979"/>
+            <a:ext cx="3447547" cy="369332"/>
+          </a:xfrm>
+          <a:prstGeom prst="rect">
+            <a:avLst/>
+          </a:prstGeom>
+          <a:noFill/>
+        </p:spPr>
+        <p:txBody>
+          <a:bodyPr wrap="none" rtlCol="0">
+            <a:spAutoFit/>
+          </a:bodyPr>
+          <a:lstStyle/>
+          <a:p>
+            <a:r>
+              <a:rPr lang="en-US" dirty="0" smtClean="0">
+                <a:solidFill>
+                  <a:srgbClr val="FF0000"/>
+                </a:solidFill>
+              </a:rPr>
+              <a:t>Add legible headers for all sections</a:t>
+            </a:r>
+            <a:endParaRPr lang="en-US" dirty="0">
+              <a:solidFill>
+                <a:srgbClr val="FF0000"/>
+              </a:solidFill>
+            </a:endParaRPr>
+          </a:p>
+        </p:txBody>
+      </p:sp>
     </p:spTree>
     <p:extLst>
       <p:ext uri="{BB962C8B-B14F-4D97-AF65-F5344CB8AC3E}">
-        <p14:creationId xmlns:p14="http://schemas.microsoft.com/office/powerpoint/2010/main" val="2960052227"/>
+        <p14:creationId xmlns:p14="http://schemas.microsoft.com/office/powerpoint/2010/main" val="2327439826"/>
       </p:ext>
     </p:extLst>
   </p:cSld>
   <p:clrMapOvr>
     <a:masterClrMapping/>
   </p:clrMapOvr>
+  <p:timing>
+    <p:tnLst>
+      <p:par>
+        <p:cTn id="1" dur="indefinite" restart="never" nodeType="tmRoot"/>
+      </p:par>
+    </p:tnLst>
+  </p:timing>
 </p:sld>
 </file>
 
@@ -4624,36 +5118,689 @@
         <p:spPr/>
         <p:txBody>
           <a:bodyPr>
-            <a:normAutofit/>
+            <a:normAutofit fontScale="90000"/>
           </a:bodyPr>
           <a:lstStyle/>
           <a:p>
+            <a:r>
+              <a:rPr lang="en-US" dirty="0" smtClean="0"/>
+              <a:t>Formalization in AADL/AGREE</a:t>
+            </a:r>
+            <a:br>
+              <a:rPr lang="en-US" dirty="0" smtClean="0"/>
+            </a:br>
+            <a:r>
+              <a:rPr lang="en-US" dirty="0" smtClean="0"/>
+              <a:t>What Did We Prove?</a:t>
+            </a:r>
+            <a:endParaRPr lang="en-US" dirty="0"/>
+          </a:p>
+        </p:txBody>
+      </p:sp>
+      <p:sp>
+        <p:nvSpPr>
+          <p:cNvPr id="3" name="Content Placeholder 2"/>
+          <p:cNvSpPr>
+            <a:spLocks noGrp="1"/>
+          </p:cNvSpPr>
+          <p:nvPr>
+            <p:ph idx="1"/>
+          </p:nvPr>
+        </p:nvSpPr>
+        <p:spPr/>
+        <p:txBody>
+          <a:bodyPr/>
+          <a:lstStyle/>
+          <a:p>
+            <a:r>
+              <a:rPr lang="en-US" dirty="0"/>
+              <a:t>Created formal contracts for 6-8 services and tasks based on the </a:t>
+            </a:r>
+            <a:r>
+              <a:rPr lang="en-US" dirty="0" err="1"/>
+              <a:t>OpenUxAS</a:t>
+            </a:r>
+            <a:r>
+              <a:rPr lang="en-US" dirty="0"/>
+              <a:t> Wiki and conversations with the </a:t>
+            </a:r>
+            <a:r>
+              <a:rPr lang="en-US" dirty="0" smtClean="0"/>
+              <a:t>developer</a:t>
+            </a:r>
+            <a:endParaRPr lang="en-US" dirty="0"/>
+          </a:p>
+          <a:p>
+            <a:r>
+              <a:rPr lang="en-US" dirty="0"/>
+              <a:t>Stated and analyzed properties of these component-level contracts including timing aspects </a:t>
+            </a:r>
+            <a:endParaRPr lang="en-US" dirty="0" smtClean="0"/>
+          </a:p>
+          <a:p>
+            <a:endParaRPr lang="en-US" dirty="0"/>
+          </a:p>
+        </p:txBody>
+      </p:sp>
+      <p:sp>
+        <p:nvSpPr>
+          <p:cNvPr id="4" name="Rectangle 3"/>
+          <p:cNvSpPr/>
+          <p:nvPr/>
+        </p:nvSpPr>
+        <p:spPr>
+          <a:xfrm>
+            <a:off x="-498143" y="0"/>
+            <a:ext cx="1781033" cy="1003110"/>
+          </a:xfrm>
+          <a:prstGeom prst="rect">
+            <a:avLst/>
+          </a:prstGeom>
+          <a:solidFill>
+            <a:srgbClr val="FF0000"/>
+          </a:solidFill>
+          <a:ln>
+            <a:solidFill>
+              <a:schemeClr val="tx1"/>
+            </a:solidFill>
+          </a:ln>
+        </p:spPr>
+        <p:style>
+          <a:lnRef idx="2">
+            <a:schemeClr val="accent1">
+              <a:shade val="50000"/>
+            </a:schemeClr>
+          </a:lnRef>
+          <a:fillRef idx="1">
+            <a:schemeClr val="accent1"/>
+          </a:fillRef>
+          <a:effectRef idx="0">
+            <a:schemeClr val="accent1"/>
+          </a:effectRef>
+          <a:fontRef idx="minor">
+            <a:schemeClr val="lt1"/>
+          </a:fontRef>
+        </p:style>
+        <p:txBody>
+          <a:bodyPr rtlCol="0" anchor="ctr"/>
+          <a:lstStyle/>
+          <a:p>
             <a:pPr algn="ctr"/>
+            <a:r>
+              <a:rPr lang="en-US" sz="1400" dirty="0" smtClean="0"/>
+              <a:t>These are bullets to be revised and graphics to be generated.</a:t>
+            </a:r>
+            <a:endParaRPr lang="en-US" sz="1400" dirty="0"/>
+          </a:p>
+        </p:txBody>
+      </p:sp>
+      <p:sp>
+        <p:nvSpPr>
+          <p:cNvPr id="5" name="Rectangle 4"/>
+          <p:cNvSpPr/>
+          <p:nvPr/>
+        </p:nvSpPr>
+        <p:spPr>
+          <a:xfrm>
+            <a:off x="673289" y="3621205"/>
+            <a:ext cx="2779595" cy="1810604"/>
+          </a:xfrm>
+          <a:prstGeom prst="rect">
+            <a:avLst/>
+          </a:prstGeom>
+          <a:solidFill>
+            <a:srgbClr val="FF0000"/>
+          </a:solidFill>
+          <a:ln>
+            <a:solidFill>
+              <a:schemeClr val="tx1"/>
+            </a:solidFill>
+          </a:ln>
+        </p:spPr>
+        <p:style>
+          <a:lnRef idx="2">
+            <a:schemeClr val="accent1">
+              <a:shade val="50000"/>
+            </a:schemeClr>
+          </a:lnRef>
+          <a:fillRef idx="1">
+            <a:schemeClr val="accent1"/>
+          </a:fillRef>
+          <a:effectRef idx="0">
+            <a:schemeClr val="accent1"/>
+          </a:effectRef>
+          <a:fontRef idx="minor">
+            <a:schemeClr val="lt1"/>
+          </a:fontRef>
+        </p:style>
+        <p:txBody>
+          <a:bodyPr rtlCol="0" anchor="ctr"/>
+          <a:lstStyle/>
+          <a:p>
+            <a:pPr algn="ctr"/>
+            <a:r>
+              <a:rPr lang="en-US" sz="1400" dirty="0" smtClean="0"/>
+              <a:t>Show some components that the contracts resolve</a:t>
+            </a:r>
+          </a:p>
+          <a:p>
+            <a:pPr algn="ctr"/>
+            <a:endParaRPr lang="en-US" sz="1400" dirty="0"/>
+          </a:p>
+          <a:p>
+            <a:pPr algn="ctr"/>
+            <a:r>
+              <a:rPr lang="en-US" sz="1400" dirty="0" smtClean="0"/>
+              <a:t>State what </a:t>
+            </a:r>
+            <a:r>
+              <a:rPr lang="en-US" sz="1400" dirty="0" err="1" smtClean="0"/>
+              <a:t>realizability</a:t>
+            </a:r>
+            <a:r>
+              <a:rPr lang="en-US" sz="1400" dirty="0" smtClean="0"/>
+              <a:t> and entailment shows here</a:t>
+            </a:r>
+          </a:p>
+          <a:p>
+            <a:pPr algn="ctr"/>
+            <a:endParaRPr lang="en-US" sz="1400" dirty="0"/>
+          </a:p>
+          <a:p>
+            <a:pPr algn="ctr"/>
+            <a:r>
+              <a:rPr lang="en-US" sz="1400" dirty="0" smtClean="0"/>
+              <a:t>Talk about the timing properties capability</a:t>
+            </a:r>
+          </a:p>
+        </p:txBody>
+      </p:sp>
+      <p:sp>
+        <p:nvSpPr>
+          <p:cNvPr id="6" name="Rectangle 5"/>
+          <p:cNvSpPr/>
+          <p:nvPr/>
+        </p:nvSpPr>
+        <p:spPr>
+          <a:xfrm>
+            <a:off x="9894628" y="2916071"/>
+            <a:ext cx="2090382" cy="1003110"/>
+          </a:xfrm>
+          <a:prstGeom prst="rect">
+            <a:avLst/>
+          </a:prstGeom>
+          <a:solidFill>
+            <a:srgbClr val="FF0000"/>
+          </a:solidFill>
+          <a:ln>
+            <a:solidFill>
+              <a:schemeClr val="tx1"/>
+            </a:solidFill>
+          </a:ln>
+        </p:spPr>
+        <p:style>
+          <a:lnRef idx="2">
+            <a:schemeClr val="accent1">
+              <a:shade val="50000"/>
+            </a:schemeClr>
+          </a:lnRef>
+          <a:fillRef idx="1">
+            <a:schemeClr val="accent1"/>
+          </a:fillRef>
+          <a:effectRef idx="0">
+            <a:schemeClr val="accent1"/>
+          </a:effectRef>
+          <a:fontRef idx="minor">
+            <a:schemeClr val="lt1"/>
+          </a:fontRef>
+        </p:style>
+        <p:txBody>
+          <a:bodyPr rtlCol="0" anchor="ctr"/>
+          <a:lstStyle/>
+          <a:p>
+            <a:pPr algn="ctr"/>
+            <a:r>
+              <a:rPr lang="en-US" sz="1400" dirty="0" smtClean="0"/>
+              <a:t>Show some images of the analysis “green checks”</a:t>
+            </a:r>
+            <a:endParaRPr lang="en-US" sz="1400" dirty="0"/>
+          </a:p>
+        </p:txBody>
+      </p:sp>
+    </p:spTree>
+    <p:extLst>
+      <p:ext uri="{BB962C8B-B14F-4D97-AF65-F5344CB8AC3E}">
+        <p14:creationId xmlns:p14="http://schemas.microsoft.com/office/powerpoint/2010/main" val="1045976476"/>
+      </p:ext>
+    </p:extLst>
+  </p:cSld>
+  <p:clrMapOvr>
+    <a:masterClrMapping/>
+  </p:clrMapOvr>
+  <p:timing>
+    <p:tnLst>
+      <p:par>
+        <p:cTn id="1" dur="indefinite" restart="never" nodeType="tmRoot"/>
+      </p:par>
+    </p:tnLst>
+  </p:timing>
+</p:sld>
+</file>
+
+<file path=ppt/slides/slide13.xml><?xml version="1.0" encoding="utf-8"?>
+<p:sld xmlns:a="http://schemas.openxmlformats.org/drawingml/2006/main" xmlns:r="http://schemas.openxmlformats.org/officeDocument/2006/relationships" xmlns:p="http://schemas.openxmlformats.org/presentationml/2006/main">
+  <p:cSld>
+    <p:spTree>
+      <p:nvGrpSpPr>
+        <p:cNvPr id="1" name=""/>
+        <p:cNvGrpSpPr/>
+        <p:nvPr/>
+      </p:nvGrpSpPr>
+      <p:grpSpPr>
+        <a:xfrm>
+          <a:off x="0" y="0"/>
+          <a:ext cx="0" cy="0"/>
+          <a:chOff x="0" y="0"/>
+          <a:chExt cx="0" cy="0"/>
+        </a:xfrm>
+      </p:grpSpPr>
+      <p:sp>
+        <p:nvSpPr>
+          <p:cNvPr id="2" name="Title 1"/>
+          <p:cNvSpPr>
+            <a:spLocks noGrp="1"/>
+          </p:cNvSpPr>
+          <p:nvPr>
+            <p:ph type="title"/>
+          </p:nvPr>
+        </p:nvSpPr>
+        <p:spPr/>
+        <p:txBody>
+          <a:bodyPr>
+            <a:normAutofit fontScale="90000"/>
+          </a:bodyPr>
+          <a:lstStyle/>
+          <a:p>
+            <a:r>
+              <a:rPr lang="en-US" dirty="0" smtClean="0"/>
+              <a:t>Formalization in AADL/AGREE</a:t>
+            </a:r>
+            <a:br>
+              <a:rPr lang="en-US" dirty="0" smtClean="0"/>
+            </a:br>
+            <a:r>
+              <a:rPr lang="en-US" dirty="0" smtClean="0"/>
+              <a:t>What Did We Learn?</a:t>
+            </a:r>
+            <a:endParaRPr lang="en-US" dirty="0"/>
+          </a:p>
+        </p:txBody>
+      </p:sp>
+      <p:sp>
+        <p:nvSpPr>
+          <p:cNvPr id="3" name="Content Placeholder 2"/>
+          <p:cNvSpPr>
+            <a:spLocks noGrp="1"/>
+          </p:cNvSpPr>
+          <p:nvPr>
+            <p:ph idx="1"/>
+          </p:nvPr>
+        </p:nvSpPr>
+        <p:spPr/>
+        <p:txBody>
+          <a:bodyPr/>
+          <a:lstStyle/>
+          <a:p>
+            <a:r>
+              <a:rPr lang="en-US" dirty="0" smtClean="0"/>
+              <a:t>Idioms </a:t>
+            </a:r>
+            <a:r>
+              <a:rPr lang="en-US" dirty="0"/>
+              <a:t>and lemmas developed and documented for effective use of </a:t>
+            </a:r>
+            <a:r>
+              <a:rPr lang="en-US" dirty="0" smtClean="0"/>
+              <a:t>AGREE</a:t>
+            </a:r>
+          </a:p>
+          <a:p>
+            <a:pPr marL="0" indent="0">
+              <a:buNone/>
+            </a:pPr>
+            <a:endParaRPr lang="en-US" dirty="0"/>
+          </a:p>
+        </p:txBody>
+      </p:sp>
+      <p:sp>
+        <p:nvSpPr>
+          <p:cNvPr id="4" name="Rectangle 3"/>
+          <p:cNvSpPr/>
+          <p:nvPr/>
+        </p:nvSpPr>
+        <p:spPr>
+          <a:xfrm>
+            <a:off x="-498143" y="0"/>
+            <a:ext cx="1781033" cy="1003110"/>
+          </a:xfrm>
+          <a:prstGeom prst="rect">
+            <a:avLst/>
+          </a:prstGeom>
+          <a:solidFill>
+            <a:srgbClr val="FF0000"/>
+          </a:solidFill>
+          <a:ln>
+            <a:solidFill>
+              <a:schemeClr val="tx1"/>
+            </a:solidFill>
+          </a:ln>
+        </p:spPr>
+        <p:style>
+          <a:lnRef idx="2">
+            <a:schemeClr val="accent1">
+              <a:shade val="50000"/>
+            </a:schemeClr>
+          </a:lnRef>
+          <a:fillRef idx="1">
+            <a:schemeClr val="accent1"/>
+          </a:fillRef>
+          <a:effectRef idx="0">
+            <a:schemeClr val="accent1"/>
+          </a:effectRef>
+          <a:fontRef idx="minor">
+            <a:schemeClr val="lt1"/>
+          </a:fontRef>
+        </p:style>
+        <p:txBody>
+          <a:bodyPr rtlCol="0" anchor="ctr"/>
+          <a:lstStyle/>
+          <a:p>
+            <a:pPr algn="ctr"/>
+            <a:r>
+              <a:rPr lang="en-US" sz="1400" dirty="0" smtClean="0"/>
+              <a:t>These are bullets to be revised and graphics to be generated.</a:t>
+            </a:r>
+            <a:endParaRPr lang="en-US" sz="1400" dirty="0"/>
+          </a:p>
+        </p:txBody>
+      </p:sp>
+      <p:sp>
+        <p:nvSpPr>
+          <p:cNvPr id="5" name="Rectangle 4"/>
+          <p:cNvSpPr/>
+          <p:nvPr/>
+        </p:nvSpPr>
+        <p:spPr>
+          <a:xfrm>
+            <a:off x="10251743" y="2759122"/>
+            <a:ext cx="1781033" cy="1003110"/>
+          </a:xfrm>
+          <a:prstGeom prst="rect">
+            <a:avLst/>
+          </a:prstGeom>
+          <a:solidFill>
+            <a:srgbClr val="FF0000"/>
+          </a:solidFill>
+          <a:ln>
+            <a:solidFill>
+              <a:schemeClr val="tx1"/>
+            </a:solidFill>
+          </a:ln>
+        </p:spPr>
+        <p:style>
+          <a:lnRef idx="2">
+            <a:schemeClr val="accent1">
+              <a:shade val="50000"/>
+            </a:schemeClr>
+          </a:lnRef>
+          <a:fillRef idx="1">
+            <a:schemeClr val="accent1"/>
+          </a:fillRef>
+          <a:effectRef idx="0">
+            <a:schemeClr val="accent1"/>
+          </a:effectRef>
+          <a:fontRef idx="minor">
+            <a:schemeClr val="lt1"/>
+          </a:fontRef>
+        </p:style>
+        <p:txBody>
+          <a:bodyPr rtlCol="0" anchor="ctr"/>
+          <a:lstStyle/>
+          <a:p>
+            <a:pPr algn="ctr"/>
+            <a:r>
+              <a:rPr lang="en-US" sz="1400" dirty="0" smtClean="0"/>
+              <a:t>Insert a image of some of the idiom document</a:t>
+            </a:r>
+            <a:endParaRPr lang="en-US" sz="1400" dirty="0"/>
+          </a:p>
+        </p:txBody>
+      </p:sp>
+      <p:sp>
+        <p:nvSpPr>
+          <p:cNvPr id="6" name="Rectangle 5"/>
+          <p:cNvSpPr/>
+          <p:nvPr/>
+        </p:nvSpPr>
+        <p:spPr>
+          <a:xfrm>
+            <a:off x="332095" y="2590799"/>
+            <a:ext cx="1781033" cy="1003110"/>
+          </a:xfrm>
+          <a:prstGeom prst="rect">
+            <a:avLst/>
+          </a:prstGeom>
+          <a:solidFill>
+            <a:srgbClr val="FF0000"/>
+          </a:solidFill>
+          <a:ln>
+            <a:solidFill>
+              <a:schemeClr val="tx1"/>
+            </a:solidFill>
+          </a:ln>
+        </p:spPr>
+        <p:style>
+          <a:lnRef idx="2">
+            <a:schemeClr val="accent1">
+              <a:shade val="50000"/>
+            </a:schemeClr>
+          </a:lnRef>
+          <a:fillRef idx="1">
+            <a:schemeClr val="accent1"/>
+          </a:fillRef>
+          <a:effectRef idx="0">
+            <a:schemeClr val="accent1"/>
+          </a:effectRef>
+          <a:fontRef idx="minor">
+            <a:schemeClr val="lt1"/>
+          </a:fontRef>
+        </p:style>
+        <p:txBody>
+          <a:bodyPr rtlCol="0" anchor="ctr"/>
+          <a:lstStyle/>
+          <a:p>
+            <a:pPr algn="ctr"/>
+            <a:r>
+              <a:rPr lang="en-US" sz="1400" dirty="0" smtClean="0"/>
+              <a:t>Pull some points from the document</a:t>
+            </a:r>
+            <a:r>
+              <a:rPr lang="en-US" sz="1400" dirty="0"/>
+              <a:t> </a:t>
+            </a:r>
+            <a:r>
+              <a:rPr lang="en-US" sz="1400" dirty="0" smtClean="0"/>
+              <a:t>such as multiple </a:t>
+            </a:r>
+          </a:p>
+        </p:txBody>
+      </p:sp>
+    </p:spTree>
+    <p:extLst>
+      <p:ext uri="{BB962C8B-B14F-4D97-AF65-F5344CB8AC3E}">
+        <p14:creationId xmlns:p14="http://schemas.microsoft.com/office/powerpoint/2010/main" val="711001369"/>
+      </p:ext>
+    </p:extLst>
+  </p:cSld>
+  <p:clrMapOvr>
+    <a:masterClrMapping/>
+  </p:clrMapOvr>
+  <p:timing>
+    <p:tnLst>
+      <p:par>
+        <p:cTn id="1" dur="indefinite" restart="never" nodeType="tmRoot"/>
+      </p:par>
+    </p:tnLst>
+  </p:timing>
+</p:sld>
+</file>
+
+<file path=ppt/slides/slide14.xml><?xml version="1.0" encoding="utf-8"?>
+<p:sld xmlns:a="http://schemas.openxmlformats.org/drawingml/2006/main" xmlns:r="http://schemas.openxmlformats.org/officeDocument/2006/relationships" xmlns:p="http://schemas.openxmlformats.org/presentationml/2006/main">
+  <p:cSld>
+    <p:spTree>
+      <p:nvGrpSpPr>
+        <p:cNvPr id="1" name=""/>
+        <p:cNvGrpSpPr/>
+        <p:nvPr/>
+      </p:nvGrpSpPr>
+      <p:grpSpPr>
+        <a:xfrm>
+          <a:off x="0" y="0"/>
+          <a:ext cx="0" cy="0"/>
+          <a:chOff x="0" y="0"/>
+          <a:chExt cx="0" cy="0"/>
+        </a:xfrm>
+      </p:grpSpPr>
+      <p:sp>
+        <p:nvSpPr>
+          <p:cNvPr id="2" name="Title 1"/>
+          <p:cNvSpPr>
+            <a:spLocks noGrp="1"/>
+          </p:cNvSpPr>
+          <p:nvPr>
+            <p:ph type="title"/>
+          </p:nvPr>
+        </p:nvSpPr>
+        <p:spPr/>
+        <p:txBody>
+          <a:bodyPr/>
+          <a:lstStyle/>
+          <a:p>
+            <a:endParaRPr lang="en-US"/>
+          </a:p>
+        </p:txBody>
+      </p:sp>
+      <p:sp>
+        <p:nvSpPr>
+          <p:cNvPr id="3" name="Content Placeholder 2"/>
+          <p:cNvSpPr>
+            <a:spLocks noGrp="1"/>
+          </p:cNvSpPr>
+          <p:nvPr>
+            <p:ph idx="1"/>
+          </p:nvPr>
+        </p:nvSpPr>
+        <p:spPr/>
+        <p:txBody>
+          <a:bodyPr/>
+          <a:lstStyle/>
+          <a:p>
+            <a:endParaRPr lang="en-US"/>
+          </a:p>
+        </p:txBody>
+      </p:sp>
+    </p:spTree>
+    <p:extLst>
+      <p:ext uri="{BB962C8B-B14F-4D97-AF65-F5344CB8AC3E}">
+        <p14:creationId xmlns:p14="http://schemas.microsoft.com/office/powerpoint/2010/main" val="2318963977"/>
+      </p:ext>
+    </p:extLst>
+  </p:cSld>
+  <p:clrMapOvr>
+    <a:masterClrMapping/>
+  </p:clrMapOvr>
+  <p:timing>
+    <p:tnLst>
+      <p:par>
+        <p:cTn id="1" dur="indefinite" restart="never" nodeType="tmRoot"/>
+      </p:par>
+    </p:tnLst>
+  </p:timing>
+</p:sld>
+</file>
+
+<file path=ppt/slides/slide15.xml><?xml version="1.0" encoding="utf-8"?>
+<p:sld xmlns:a="http://schemas.openxmlformats.org/drawingml/2006/main" xmlns:r="http://schemas.openxmlformats.org/officeDocument/2006/relationships" xmlns:p="http://schemas.openxmlformats.org/presentationml/2006/main">
+  <p:cSld>
+    <p:spTree>
+      <p:nvGrpSpPr>
+        <p:cNvPr id="1" name=""/>
+        <p:cNvGrpSpPr/>
+        <p:nvPr/>
+      </p:nvGrpSpPr>
+      <p:grpSpPr>
+        <a:xfrm>
+          <a:off x="0" y="0"/>
+          <a:ext cx="0" cy="0"/>
+          <a:chOff x="0" y="0"/>
+          <a:chExt cx="0" cy="0"/>
+        </a:xfrm>
+      </p:grpSpPr>
+      <p:sp>
+        <p:nvSpPr>
+          <p:cNvPr id="3" name="Footer Placeholder 2"/>
+          <p:cNvSpPr>
+            <a:spLocks noGrp="1"/>
+          </p:cNvSpPr>
+          <p:nvPr>
+            <p:ph type="ftr" sz="quarter" idx="11"/>
+          </p:nvPr>
+        </p:nvSpPr>
+        <p:spPr/>
+        <p:txBody>
+          <a:bodyPr/>
+          <a:lstStyle/>
+          <a:p>
+            <a:r>
+              <a:rPr lang="en-US" dirty="0"/>
+              <a:t>Architecture Group</a:t>
+            </a:r>
+          </a:p>
+        </p:txBody>
+      </p:sp>
+      <p:sp>
+        <p:nvSpPr>
+          <p:cNvPr id="2" name="Title 1"/>
+          <p:cNvSpPr>
+            <a:spLocks noGrp="1"/>
+          </p:cNvSpPr>
+          <p:nvPr>
+            <p:ph type="title" idx="4294967295"/>
+          </p:nvPr>
+        </p:nvSpPr>
+        <p:spPr>
+          <a:xfrm>
+            <a:off x="0" y="68263"/>
+            <a:ext cx="10417175" cy="1179512"/>
+          </a:xfrm>
+        </p:spPr>
+        <p:txBody>
+          <a:bodyPr vert="horz" lIns="91440" tIns="45720" rIns="91440" bIns="45720" rtlCol="0" anchor="ctr">
+            <a:normAutofit fontScale="90000"/>
+          </a:bodyPr>
+          <a:lstStyle/>
+          <a:p>
+            <a:r>
+              <a:rPr lang="en-US" dirty="0"/>
+              <a:t>Formalization in ASSERT</a:t>
+            </a:r>
+            <a:br>
+              <a:rPr lang="en-US" dirty="0"/>
+            </a:br>
             <a:r>
               <a:rPr lang="en-US" dirty="0"/>
               <a:t>Proposed Approach </a:t>
-            </a:r>
-          </a:p>
-        </p:txBody>
-      </p:sp>
-      <p:sp>
-        <p:nvSpPr>
-          <p:cNvPr id="3" name="Footer Placeholder 2"/>
-          <p:cNvSpPr>
-            <a:spLocks noGrp="1"/>
-          </p:cNvSpPr>
-          <p:nvPr>
-            <p:ph type="ftr" sz="quarter" idx="11"/>
-          </p:nvPr>
-        </p:nvSpPr>
-        <p:spPr/>
-        <p:txBody>
-          <a:bodyPr/>
-          <a:lstStyle/>
-          <a:p>
-            <a:r>
-              <a:rPr lang="en-US" dirty="0"/>
-              <a:t>Architecture Group</a:t>
             </a:r>
           </a:p>
         </p:txBody>
@@ -5472,10 +6619,17 @@
   <p:clrMapOvr>
     <a:masterClrMapping/>
   </p:clrMapOvr>
+  <p:timing>
+    <p:tnLst>
+      <p:par>
+        <p:cTn id="1" dur="indefinite" restart="never" nodeType="tmRoot"/>
+      </p:par>
+    </p:tnLst>
+  </p:timing>
 </p:sld>
 </file>
 
-<file path=ppt/slides/slide13.xml><?xml version="1.0" encoding="utf-8"?>
+<file path=ppt/slides/slide16.xml><?xml version="1.0" encoding="utf-8"?>
 <p:sld xmlns:a="http://schemas.openxmlformats.org/drawingml/2006/main" xmlns:r="http://schemas.openxmlformats.org/officeDocument/2006/relationships" xmlns:p="http://schemas.openxmlformats.org/presentationml/2006/main">
   <p:cSld>
     <p:spTree>
@@ -5509,10 +6663,20 @@
           </a:bodyPr>
           <a:lstStyle/>
           <a:p>
-            <a:pPr algn="ctr"/>
             <a:r>
               <a:rPr lang="en-US" dirty="0"/>
-              <a:t>Modeling Message Type Definition in SADL Ontology</a:t>
+              <a:t>Formalization in ASSERT</a:t>
+            </a:r>
+            <a:br>
+              <a:rPr lang="en-US" dirty="0"/>
+            </a:br>
+            <a:r>
+              <a:rPr lang="en-US" sz="4000" dirty="0" smtClean="0"/>
+              <a:t>Modeling </a:t>
+            </a:r>
+            <a:r>
+              <a:rPr lang="en-US" sz="4000" dirty="0"/>
+              <a:t>Message Type Definition in SADL Ontology</a:t>
             </a:r>
           </a:p>
         </p:txBody>
@@ -5578,10 +6742,17 @@
   <p:clrMapOvr>
     <a:masterClrMapping/>
   </p:clrMapOvr>
+  <p:timing>
+    <p:tnLst>
+      <p:par>
+        <p:cTn id="1" dur="indefinite" restart="never" nodeType="tmRoot"/>
+      </p:par>
+    </p:tnLst>
+  </p:timing>
 </p:sld>
 </file>
 
-<file path=ppt/slides/slide14.xml><?xml version="1.0" encoding="utf-8"?>
+<file path=ppt/slides/slide17.xml><?xml version="1.0" encoding="utf-8"?>
 <p:sld xmlns:a="http://schemas.openxmlformats.org/drawingml/2006/main" xmlns:r="http://schemas.openxmlformats.org/officeDocument/2006/relationships" xmlns:p="http://schemas.openxmlformats.org/presentationml/2006/main">
   <p:cSld>
     <p:spTree>
@@ -5610,12 +6781,25 @@
         </p:nvSpPr>
         <p:spPr/>
         <p:txBody>
-          <a:bodyPr/>
+          <a:bodyPr>
+            <a:normAutofit fontScale="90000"/>
+          </a:bodyPr>
           <a:lstStyle/>
           <a:p>
             <a:r>
               <a:rPr lang="en-US" dirty="0"/>
-              <a:t>Modeling Dataflow in SADL Ontology</a:t>
+              <a:t>Formalization in ASSERT</a:t>
+            </a:r>
+            <a:br>
+              <a:rPr lang="en-US" dirty="0"/>
+            </a:br>
+            <a:r>
+              <a:rPr lang="en-US" sz="4000" dirty="0" smtClean="0"/>
+              <a:t>Modeling </a:t>
+            </a:r>
+            <a:r>
+              <a:rPr lang="en-US" sz="4000" dirty="0"/>
+              <a:t>Dataflow in SADL Ontology</a:t>
             </a:r>
           </a:p>
         </p:txBody>
@@ -6633,10 +7817,17 @@
   <p:clrMapOvr>
     <a:masterClrMapping/>
   </p:clrMapOvr>
+  <p:timing>
+    <p:tnLst>
+      <p:par>
+        <p:cTn id="1" dur="indefinite" restart="never" nodeType="tmRoot"/>
+      </p:par>
+    </p:tnLst>
+  </p:timing>
 </p:sld>
 </file>
 
-<file path=ppt/slides/slide15.xml><?xml version="1.0" encoding="utf-8"?>
+<file path=ppt/slides/slide18.xml><?xml version="1.0" encoding="utf-8"?>
 <p:sld xmlns:a="http://schemas.openxmlformats.org/drawingml/2006/main" xmlns:r="http://schemas.openxmlformats.org/officeDocument/2006/relationships" xmlns:p="http://schemas.openxmlformats.org/presentationml/2006/main">
   <p:cSld>
     <p:spTree>
@@ -6672,7 +7863,18 @@
           <a:p>
             <a:r>
               <a:rPr lang="en-US" dirty="0"/>
-              <a:t>Modeling Data types and Variable Declarations in SADL Ontology</a:t>
+              <a:t>Formalization in ASSERT</a:t>
+            </a:r>
+            <a:br>
+              <a:rPr lang="en-US" dirty="0"/>
+            </a:br>
+            <a:r>
+              <a:rPr lang="en-US" sz="4000" dirty="0" smtClean="0"/>
+              <a:t>Modeling </a:t>
+            </a:r>
+            <a:r>
+              <a:rPr lang="en-US" sz="4000" dirty="0"/>
+              <a:t>Data types and Variable Declarations in SADL Ontology</a:t>
             </a:r>
           </a:p>
         </p:txBody>
@@ -6698,7 +7900,7 @@
           <a:p>
             <a:fld id="{00E6A5BD-C011-4A45-AA3A-201790FB7F2B}" type="slidenum">
               <a:rPr lang="en-CA" smtClean="0"/>
-              <a:t>15</a:t>
+              <a:t>18</a:t>
             </a:fld>
             <a:endParaRPr lang="en-CA"/>
           </a:p>
@@ -7178,10 +8380,17 @@
   <p:clrMapOvr>
     <a:masterClrMapping/>
   </p:clrMapOvr>
+  <p:timing>
+    <p:tnLst>
+      <p:par>
+        <p:cTn id="1" dur="indefinite" restart="never" nodeType="tmRoot"/>
+      </p:par>
+    </p:tnLst>
+  </p:timing>
 </p:sld>
 </file>
 
-<file path=ppt/slides/slide16.xml><?xml version="1.0" encoding="utf-8"?>
+<file path=ppt/slides/slide19.xml><?xml version="1.0" encoding="utf-8"?>
 <p:sld xmlns:a="http://schemas.openxmlformats.org/drawingml/2006/main" xmlns:r="http://schemas.openxmlformats.org/officeDocument/2006/relationships" xmlns:p="http://schemas.openxmlformats.org/presentationml/2006/main">
   <p:cSld>
     <p:spTree>
@@ -7215,10 +8424,20 @@
           </a:bodyPr>
           <a:lstStyle/>
           <a:p>
-            <a:pPr algn="ctr"/>
             <a:r>
               <a:rPr lang="en-US" dirty="0"/>
-              <a:t>Illustrative example: Modified AADL Contracts Pass Analysis  </a:t>
+              <a:t>Formalization in ASSERT</a:t>
+            </a:r>
+            <a:br>
+              <a:rPr lang="en-US" dirty="0"/>
+            </a:br>
+            <a:r>
+              <a:rPr lang="en-US" sz="4000" dirty="0" smtClean="0"/>
+              <a:t>Illustrative </a:t>
+            </a:r>
+            <a:r>
+              <a:rPr lang="en-US" sz="4000" dirty="0"/>
+              <a:t>example: Modified AADL Contracts Pass Analysis  </a:t>
             </a:r>
           </a:p>
         </p:txBody>
@@ -7429,10 +8648,17 @@
   <p:clrMapOvr>
     <a:masterClrMapping/>
   </p:clrMapOvr>
+  <p:timing>
+    <p:tnLst>
+      <p:par>
+        <p:cTn id="1" dur="indefinite" restart="never" nodeType="tmRoot"/>
+      </p:par>
+    </p:tnLst>
+  </p:timing>
 </p:sld>
 </file>
 
-<file path=ppt/slides/slide17.xml><?xml version="1.0" encoding="utf-8"?>
+<file path=ppt/slides/slide2.xml><?xml version="1.0" encoding="utf-8"?>
 <p:sld xmlns:a="http://schemas.openxmlformats.org/drawingml/2006/main" xmlns:r="http://schemas.openxmlformats.org/officeDocument/2006/relationships" xmlns:p="http://schemas.openxmlformats.org/presentationml/2006/main">
   <p:cSld>
     <p:spTree>
@@ -7461,6 +8687,291 @@
         </p:nvSpPr>
         <p:spPr/>
         <p:txBody>
+          <a:bodyPr/>
+          <a:lstStyle/>
+          <a:p>
+            <a:r>
+              <a:rPr lang="en-US" dirty="0" smtClean="0"/>
+              <a:t>Agenda</a:t>
+            </a:r>
+            <a:endParaRPr lang="en-US" dirty="0"/>
+          </a:p>
+        </p:txBody>
+      </p:sp>
+      <p:sp>
+        <p:nvSpPr>
+          <p:cNvPr id="3" name="Content Placeholder 2"/>
+          <p:cNvSpPr>
+            <a:spLocks noGrp="1"/>
+          </p:cNvSpPr>
+          <p:nvPr>
+            <p:ph idx="1"/>
+          </p:nvPr>
+        </p:nvSpPr>
+        <p:spPr/>
+        <p:txBody>
+          <a:bodyPr/>
+          <a:lstStyle/>
+          <a:p>
+            <a:pPr>
+              <a:lnSpc>
+                <a:spcPct val="100000"/>
+              </a:lnSpc>
+              <a:spcBef>
+                <a:spcPts val="200"/>
+              </a:spcBef>
+            </a:pPr>
+            <a:r>
+              <a:rPr lang="en-US" dirty="0" smtClean="0"/>
+              <a:t>Group Description</a:t>
+            </a:r>
+          </a:p>
+          <a:p>
+            <a:pPr>
+              <a:lnSpc>
+                <a:spcPct val="100000"/>
+              </a:lnSpc>
+              <a:spcBef>
+                <a:spcPts val="200"/>
+              </a:spcBef>
+            </a:pPr>
+            <a:r>
+              <a:rPr lang="en-US" dirty="0" smtClean="0"/>
+              <a:t>Group Objectives</a:t>
+            </a:r>
+          </a:p>
+          <a:p>
+            <a:pPr>
+              <a:lnSpc>
+                <a:spcPct val="100000"/>
+              </a:lnSpc>
+              <a:spcBef>
+                <a:spcPts val="200"/>
+              </a:spcBef>
+            </a:pPr>
+            <a:r>
+              <a:rPr lang="en-US" dirty="0" smtClean="0"/>
+              <a:t>Group Accomplishments</a:t>
+            </a:r>
+          </a:p>
+          <a:p>
+            <a:pPr>
+              <a:lnSpc>
+                <a:spcPct val="100000"/>
+              </a:lnSpc>
+              <a:spcBef>
+                <a:spcPts val="200"/>
+              </a:spcBef>
+            </a:pPr>
+            <a:r>
+              <a:rPr lang="en-US" dirty="0" smtClean="0"/>
+              <a:t>Lessons Learned</a:t>
+            </a:r>
+          </a:p>
+          <a:p>
+            <a:pPr>
+              <a:lnSpc>
+                <a:spcPct val="100000"/>
+              </a:lnSpc>
+              <a:spcBef>
+                <a:spcPts val="200"/>
+              </a:spcBef>
+            </a:pPr>
+            <a:r>
+              <a:rPr lang="en-US" dirty="0" smtClean="0"/>
+              <a:t>Recommended Future Directions</a:t>
+            </a:r>
+          </a:p>
+          <a:p>
+            <a:pPr>
+              <a:lnSpc>
+                <a:spcPct val="100000"/>
+              </a:lnSpc>
+              <a:spcBef>
+                <a:spcPts val="200"/>
+              </a:spcBef>
+            </a:pPr>
+            <a:endParaRPr lang="en-US" dirty="0" smtClean="0"/>
+          </a:p>
+          <a:p>
+            <a:endParaRPr lang="en-US" dirty="0"/>
+          </a:p>
+        </p:txBody>
+      </p:sp>
+      <p:sp>
+        <p:nvSpPr>
+          <p:cNvPr id="4" name="Footer Placeholder 3"/>
+          <p:cNvSpPr>
+            <a:spLocks noGrp="1"/>
+          </p:cNvSpPr>
+          <p:nvPr>
+            <p:ph type="ftr" sz="quarter" idx="11"/>
+          </p:nvPr>
+        </p:nvSpPr>
+        <p:spPr/>
+        <p:txBody>
+          <a:bodyPr/>
+          <a:lstStyle/>
+          <a:p>
+            <a:r>
+              <a:rPr lang="en-US" dirty="0" smtClean="0"/>
+              <a:t>Architecture Group</a:t>
+            </a:r>
+            <a:endParaRPr lang="en-US" dirty="0"/>
+          </a:p>
+        </p:txBody>
+      </p:sp>
+      <p:sp>
+        <p:nvSpPr>
+          <p:cNvPr id="5" name="Slide Number Placeholder 4"/>
+          <p:cNvSpPr>
+            <a:spLocks noGrp="1"/>
+          </p:cNvSpPr>
+          <p:nvPr>
+            <p:ph type="sldNum" sz="quarter" idx="12"/>
+          </p:nvPr>
+        </p:nvSpPr>
+        <p:spPr/>
+        <p:txBody>
+          <a:bodyPr/>
+          <a:lstStyle/>
+          <a:p>
+            <a:fld id="{22900CBD-C7D3-47FA-BEF9-49DBBEB1A58F}" type="slidenum">
+              <a:rPr lang="en-US" smtClean="0"/>
+              <a:t>2</a:t>
+            </a:fld>
+            <a:endParaRPr lang="en-US"/>
+          </a:p>
+        </p:txBody>
+      </p:sp>
+    </p:spTree>
+    <p:extLst>
+      <p:ext uri="{BB962C8B-B14F-4D97-AF65-F5344CB8AC3E}">
+        <p14:creationId xmlns:p14="http://schemas.microsoft.com/office/powerpoint/2010/main" val="1165000552"/>
+      </p:ext>
+    </p:extLst>
+  </p:cSld>
+  <p:clrMapOvr>
+    <a:masterClrMapping/>
+  </p:clrMapOvr>
+  <p:timing>
+    <p:tnLst>
+      <p:par>
+        <p:cTn id="1" dur="indefinite" restart="never" nodeType="tmRoot"/>
+      </p:par>
+    </p:tnLst>
+  </p:timing>
+</p:sld>
+</file>
+
+<file path=ppt/slides/slide20.xml><?xml version="1.0" encoding="utf-8"?>
+<p:sld xmlns:a="http://schemas.openxmlformats.org/drawingml/2006/main" xmlns:r="http://schemas.openxmlformats.org/officeDocument/2006/relationships" xmlns:p="http://schemas.openxmlformats.org/presentationml/2006/main">
+  <p:cSld>
+    <p:spTree>
+      <p:nvGrpSpPr>
+        <p:cNvPr id="1" name=""/>
+        <p:cNvGrpSpPr/>
+        <p:nvPr/>
+      </p:nvGrpSpPr>
+      <p:grpSpPr>
+        <a:xfrm>
+          <a:off x="0" y="0"/>
+          <a:ext cx="0" cy="0"/>
+          <a:chOff x="0" y="0"/>
+          <a:chExt cx="0" cy="0"/>
+        </a:xfrm>
+      </p:grpSpPr>
+      <p:sp>
+        <p:nvSpPr>
+          <p:cNvPr id="4" name="Title 3"/>
+          <p:cNvSpPr>
+            <a:spLocks noGrp="1"/>
+          </p:cNvSpPr>
+          <p:nvPr>
+            <p:ph type="ctrTitle"/>
+          </p:nvPr>
+        </p:nvSpPr>
+        <p:spPr/>
+        <p:txBody>
+          <a:bodyPr/>
+          <a:lstStyle/>
+          <a:p>
+            <a:r>
+              <a:rPr lang="en-US" dirty="0" smtClean="0"/>
+              <a:t>State Machine Reasoning</a:t>
+            </a:r>
+            <a:endParaRPr lang="en-US" dirty="0"/>
+          </a:p>
+        </p:txBody>
+      </p:sp>
+      <p:sp>
+        <p:nvSpPr>
+          <p:cNvPr id="5" name="Subtitle 4"/>
+          <p:cNvSpPr>
+            <a:spLocks noGrp="1"/>
+          </p:cNvSpPr>
+          <p:nvPr>
+            <p:ph type="subTitle" idx="1"/>
+          </p:nvPr>
+        </p:nvSpPr>
+        <p:spPr/>
+        <p:txBody>
+          <a:bodyPr/>
+          <a:lstStyle/>
+          <a:p>
+            <a:endParaRPr lang="en-US"/>
+          </a:p>
+        </p:txBody>
+      </p:sp>
+    </p:spTree>
+    <p:extLst>
+      <p:ext uri="{BB962C8B-B14F-4D97-AF65-F5344CB8AC3E}">
+        <p14:creationId xmlns:p14="http://schemas.microsoft.com/office/powerpoint/2010/main" val="1155288964"/>
+      </p:ext>
+    </p:extLst>
+  </p:cSld>
+  <p:clrMapOvr>
+    <a:masterClrMapping/>
+  </p:clrMapOvr>
+  <p:timing>
+    <p:tnLst>
+      <p:par>
+        <p:cTn id="1" dur="indefinite" restart="never" nodeType="tmRoot"/>
+      </p:par>
+    </p:tnLst>
+  </p:timing>
+</p:sld>
+</file>
+
+<file path=ppt/slides/slide21.xml><?xml version="1.0" encoding="utf-8"?>
+<p:sld xmlns:a="http://schemas.openxmlformats.org/drawingml/2006/main" xmlns:r="http://schemas.openxmlformats.org/officeDocument/2006/relationships" xmlns:p="http://schemas.openxmlformats.org/presentationml/2006/main">
+  <p:cSld>
+    <p:spTree>
+      <p:nvGrpSpPr>
+        <p:cNvPr id="1" name=""/>
+        <p:cNvGrpSpPr/>
+        <p:nvPr/>
+      </p:nvGrpSpPr>
+      <p:grpSpPr>
+        <a:xfrm>
+          <a:off x="0" y="0"/>
+          <a:ext cx="0" cy="0"/>
+          <a:chOff x="0" y="0"/>
+          <a:chExt cx="0" cy="0"/>
+        </a:xfrm>
+      </p:grpSpPr>
+      <p:sp>
+        <p:nvSpPr>
+          <p:cNvPr id="2" name="Title 1"/>
+          <p:cNvSpPr>
+            <a:spLocks noGrp="1"/>
+          </p:cNvSpPr>
+          <p:nvPr>
+            <p:ph type="title"/>
+          </p:nvPr>
+        </p:nvSpPr>
+        <p:spPr/>
+        <p:txBody>
           <a:bodyPr>
             <a:normAutofit/>
           </a:bodyPr>
@@ -7468,11 +8979,7 @@
           <a:p>
             <a:r>
               <a:rPr lang="en-US" dirty="0" smtClean="0"/>
-              <a:t>State </a:t>
-            </a:r>
-            <a:r>
-              <a:rPr lang="en-US" dirty="0" smtClean="0"/>
-              <a:t>Machine Correctness Argument</a:t>
+              <a:t>State Machine Correctness Argument</a:t>
             </a:r>
             <a:endParaRPr lang="en-US" dirty="0"/>
           </a:p>
@@ -7773,7 +9280,7 @@
 </p:sld>
 </file>
 
-<file path=ppt/slides/slide18.xml><?xml version="1.0" encoding="utf-8"?>
+<file path=ppt/slides/slide22.xml><?xml version="1.0" encoding="utf-8"?>
 <p:sld xmlns:a="http://schemas.openxmlformats.org/drawingml/2006/main" xmlns:r="http://schemas.openxmlformats.org/officeDocument/2006/relationships" xmlns:p="http://schemas.openxmlformats.org/presentationml/2006/main">
   <p:cSld>
     <p:spTree>
@@ -7957,7 +9464,7 @@
 </p:sld>
 </file>
 
-<file path=ppt/slides/slide19.xml><?xml version="1.0" encoding="utf-8"?>
+<file path=ppt/slides/slide23.xml><?xml version="1.0" encoding="utf-8"?>
 <p:sld xmlns:a="http://schemas.openxmlformats.org/drawingml/2006/main" xmlns:r="http://schemas.openxmlformats.org/officeDocument/2006/relationships" xmlns:p="http://schemas.openxmlformats.org/presentationml/2006/main">
   <p:cSld>
     <p:spTree>
@@ -8014,80 +9521,37 @@
                   <a:srgbClr val="FF0000"/>
                 </a:solidFill>
               </a:rPr>
-              <a:t>[Placeholder for Chris Elliott’s work</a:t>
-            </a:r>
-            <a:r>
-              <a:rPr lang="en-US" dirty="0" smtClean="0">
-                <a:solidFill>
-                  <a:srgbClr val="FF0000"/>
-                </a:solidFill>
-              </a:rPr>
-              <a:t>]</a:t>
-            </a:r>
-          </a:p>
-          <a:p>
-            <a:r>
-              <a:rPr lang="en-US" dirty="0" smtClean="0"/>
-              <a:t>Enabling simulation</a:t>
-            </a:r>
-          </a:p>
-          <a:p>
-            <a:r>
-              <a:rPr lang="en-US" dirty="0" smtClean="0"/>
-              <a:t>Enabling analysis from Simulink</a:t>
-            </a:r>
-          </a:p>
-          <a:p>
-            <a:r>
-              <a:rPr lang="en-US" dirty="0" smtClean="0"/>
-              <a:t>Visualizing counterexamples</a:t>
-            </a:r>
-            <a:endParaRPr lang="en-US" dirty="0"/>
-          </a:p>
-        </p:txBody>
-      </p:sp>
-      <p:sp>
-        <p:nvSpPr>
-          <p:cNvPr id="4" name="Footer Placeholder 3"/>
-          <p:cNvSpPr>
-            <a:spLocks noGrp="1"/>
-          </p:cNvSpPr>
-          <p:nvPr>
-            <p:ph type="ftr" sz="quarter" idx="11"/>
-          </p:nvPr>
-        </p:nvSpPr>
-        <p:spPr>
-          <a:xfrm>
-            <a:off x="4038600" y="6419124"/>
-            <a:ext cx="4114800" cy="306936"/>
-          </a:xfrm>
-        </p:spPr>
-        <p:txBody>
-          <a:bodyPr/>
-          <a:lstStyle/>
-          <a:p>
-            <a:r>
-              <a:rPr lang="en-US" dirty="0" smtClean="0"/>
-              <a:t>Architecture Group</a:t>
-            </a:r>
-            <a:endParaRPr lang="en-US" dirty="0"/>
+              <a:t>[Think about bridge b/w architecture and state machines (how they relate), message passing, etc.]</a:t>
+            </a:r>
+            <a:endParaRPr lang="en-US" dirty="0">
+              <a:solidFill>
+                <a:srgbClr val="FF0000"/>
+              </a:solidFill>
+            </a:endParaRPr>
           </a:p>
         </p:txBody>
       </p:sp>
     </p:spTree>
     <p:extLst>
       <p:ext uri="{BB962C8B-B14F-4D97-AF65-F5344CB8AC3E}">
-        <p14:creationId xmlns:p14="http://schemas.microsoft.com/office/powerpoint/2010/main" val="1619698478"/>
+        <p14:creationId xmlns:p14="http://schemas.microsoft.com/office/powerpoint/2010/main" val="2399838130"/>
       </p:ext>
     </p:extLst>
   </p:cSld>
   <p:clrMapOvr>
     <a:masterClrMapping/>
   </p:clrMapOvr>
+  <p:timing>
+    <p:tnLst>
+      <p:par>
+        <p:cTn id="1" dur="indefinite" restart="never" nodeType="tmRoot"/>
+      </p:par>
+    </p:tnLst>
+  </p:timing>
 </p:sld>
 </file>
 
-<file path=ppt/slides/slide2.xml><?xml version="1.0" encoding="utf-8"?>
+<file path=ppt/slides/slide24.xml><?xml version="1.0" encoding="utf-8"?>
 <p:sld xmlns:a="http://schemas.openxmlformats.org/drawingml/2006/main" xmlns:r="http://schemas.openxmlformats.org/officeDocument/2006/relationships" xmlns:p="http://schemas.openxmlformats.org/presentationml/2006/main">
   <p:cSld>
     <p:spTree>
@@ -8116,167 +9580,112 @@
         </p:nvSpPr>
         <p:spPr/>
         <p:txBody>
+          <a:bodyPr>
+            <a:normAutofit/>
+          </a:bodyPr>
+          <a:lstStyle/>
+          <a:p>
+            <a:r>
+              <a:rPr lang="en-US" dirty="0" smtClean="0"/>
+              <a:t>Behavioral properties of component contracts</a:t>
+            </a:r>
+            <a:endParaRPr lang="en-US" dirty="0"/>
+          </a:p>
+        </p:txBody>
+      </p:sp>
+      <p:sp>
+        <p:nvSpPr>
+          <p:cNvPr id="3" name="Content Placeholder 2"/>
+          <p:cNvSpPr>
+            <a:spLocks noGrp="1"/>
+          </p:cNvSpPr>
+          <p:nvPr>
+            <p:ph idx="1"/>
+          </p:nvPr>
+        </p:nvSpPr>
+        <p:spPr/>
+        <p:txBody>
           <a:bodyPr/>
           <a:lstStyle/>
           <a:p>
             <a:r>
               <a:rPr lang="en-US" dirty="0" smtClean="0"/>
-              <a:t>Agenda</a:t>
+              <a:t>For components with state machines, we can check that</a:t>
+            </a:r>
+          </a:p>
+          <a:p>
+            <a:pPr lvl="1"/>
+            <a:r>
+              <a:rPr lang="en-US" dirty="0" smtClean="0"/>
+              <a:t>All states </a:t>
+            </a:r>
+            <a:r>
+              <a:rPr lang="en-US" dirty="0"/>
+              <a:t>and </a:t>
+            </a:r>
+            <a:r>
+              <a:rPr lang="en-US" dirty="0" smtClean="0"/>
+              <a:t>transitions are reachable</a:t>
+            </a:r>
+          </a:p>
+          <a:p>
+            <a:pPr lvl="1"/>
+            <a:r>
+              <a:rPr lang="en-US" dirty="0" smtClean="0"/>
+              <a:t>Only the states and transitions specified are possible</a:t>
+            </a:r>
+          </a:p>
+          <a:p>
+            <a:r>
+              <a:rPr lang="en-US" dirty="0" smtClean="0"/>
+              <a:t>All input/output events are possible</a:t>
+            </a:r>
+          </a:p>
+          <a:p>
+            <a:r>
+              <a:rPr lang="en-US" dirty="0" smtClean="0"/>
+              <a:t>We can also check that each component is </a:t>
+            </a:r>
+            <a:r>
+              <a:rPr lang="en-US" i="1" dirty="0" smtClean="0"/>
+              <a:t>realizable</a:t>
+            </a:r>
+            <a:endParaRPr lang="en-US" dirty="0" smtClean="0"/>
+          </a:p>
+        </p:txBody>
+      </p:sp>
+      <p:sp>
+        <p:nvSpPr>
+          <p:cNvPr id="4" name="Footer Placeholder 3"/>
+          <p:cNvSpPr>
+            <a:spLocks noGrp="1"/>
+          </p:cNvSpPr>
+          <p:nvPr>
+            <p:ph type="ftr" sz="quarter" idx="11"/>
+          </p:nvPr>
+        </p:nvSpPr>
+        <p:spPr>
+          <a:xfrm>
+            <a:off x="4038600" y="6419124"/>
+            <a:ext cx="4114800" cy="306936"/>
+          </a:xfrm>
+        </p:spPr>
+        <p:txBody>
+          <a:bodyPr/>
+          <a:lstStyle/>
+          <a:p>
+            <a:r>
+              <a:rPr lang="en-US" dirty="0" smtClean="0"/>
+              <a:t>Architecture Group</a:t>
             </a:r>
             <a:endParaRPr lang="en-US" dirty="0"/>
-          </a:p>
-        </p:txBody>
-      </p:sp>
-      <p:sp>
-        <p:nvSpPr>
-          <p:cNvPr id="3" name="Content Placeholder 2"/>
-          <p:cNvSpPr>
-            <a:spLocks noGrp="1"/>
-          </p:cNvSpPr>
-          <p:nvPr>
-            <p:ph idx="1"/>
-          </p:nvPr>
-        </p:nvSpPr>
-        <p:spPr/>
-        <p:txBody>
-          <a:bodyPr/>
-          <a:lstStyle/>
-          <a:p>
-            <a:pPr>
-              <a:lnSpc>
-                <a:spcPct val="100000"/>
-              </a:lnSpc>
-              <a:spcBef>
-                <a:spcPts val="200"/>
-              </a:spcBef>
-            </a:pPr>
-            <a:r>
-              <a:rPr lang="en-US" dirty="0" smtClean="0"/>
-              <a:t>Group Description</a:t>
-            </a:r>
-          </a:p>
-          <a:p>
-            <a:pPr>
-              <a:lnSpc>
-                <a:spcPct val="100000"/>
-              </a:lnSpc>
-              <a:spcBef>
-                <a:spcPts val="200"/>
-              </a:spcBef>
-            </a:pPr>
-            <a:r>
-              <a:rPr lang="en-US" dirty="0" smtClean="0"/>
-              <a:t>Group Objectives</a:t>
-            </a:r>
-          </a:p>
-          <a:p>
-            <a:pPr>
-              <a:lnSpc>
-                <a:spcPct val="100000"/>
-              </a:lnSpc>
-              <a:spcBef>
-                <a:spcPts val="200"/>
-              </a:spcBef>
-            </a:pPr>
-            <a:r>
-              <a:rPr lang="en-US" dirty="0" smtClean="0"/>
-              <a:t>Group Accomplishments</a:t>
-            </a:r>
-          </a:p>
-          <a:p>
-            <a:pPr>
-              <a:lnSpc>
-                <a:spcPct val="100000"/>
-              </a:lnSpc>
-              <a:spcBef>
-                <a:spcPts val="200"/>
-              </a:spcBef>
-            </a:pPr>
-            <a:r>
-              <a:rPr lang="en-US" dirty="0" smtClean="0"/>
-              <a:t>Lessons Learned</a:t>
-            </a:r>
-          </a:p>
-          <a:p>
-            <a:pPr>
-              <a:lnSpc>
-                <a:spcPct val="100000"/>
-              </a:lnSpc>
-              <a:spcBef>
-                <a:spcPts val="200"/>
-              </a:spcBef>
-            </a:pPr>
-            <a:r>
-              <a:rPr lang="en-US" dirty="0" smtClean="0"/>
-              <a:t>Recommended Future Directions</a:t>
-            </a:r>
-          </a:p>
-          <a:p>
-            <a:pPr>
-              <a:lnSpc>
-                <a:spcPct val="100000"/>
-              </a:lnSpc>
-              <a:spcBef>
-                <a:spcPts val="200"/>
-              </a:spcBef>
-            </a:pPr>
-            <a:endParaRPr lang="en-US" dirty="0" smtClean="0"/>
-          </a:p>
-          <a:p>
-            <a:endParaRPr lang="en-US" dirty="0"/>
-          </a:p>
-        </p:txBody>
-      </p:sp>
-      <p:sp>
-        <p:nvSpPr>
-          <p:cNvPr id="4" name="Footer Placeholder 3"/>
-          <p:cNvSpPr>
-            <a:spLocks noGrp="1"/>
-          </p:cNvSpPr>
-          <p:nvPr>
-            <p:ph type="ftr" sz="quarter" idx="11"/>
-          </p:nvPr>
-        </p:nvSpPr>
-        <p:spPr/>
-        <p:txBody>
-          <a:bodyPr/>
-          <a:lstStyle/>
-          <a:p>
-            <a:r>
-              <a:rPr lang="en-US" dirty="0" smtClean="0"/>
-              <a:t>Architecture Group</a:t>
-            </a:r>
-            <a:endParaRPr lang="en-US" dirty="0"/>
-          </a:p>
-        </p:txBody>
-      </p:sp>
-      <p:sp>
-        <p:nvSpPr>
-          <p:cNvPr id="5" name="Slide Number Placeholder 4"/>
-          <p:cNvSpPr>
-            <a:spLocks noGrp="1"/>
-          </p:cNvSpPr>
-          <p:nvPr>
-            <p:ph type="sldNum" sz="quarter" idx="12"/>
-          </p:nvPr>
-        </p:nvSpPr>
-        <p:spPr/>
-        <p:txBody>
-          <a:bodyPr/>
-          <a:lstStyle/>
-          <a:p>
-            <a:fld id="{22900CBD-C7D3-47FA-BEF9-49DBBEB1A58F}" type="slidenum">
-              <a:rPr lang="en-US" smtClean="0"/>
-              <a:t>2</a:t>
-            </a:fld>
-            <a:endParaRPr lang="en-US"/>
           </a:p>
         </p:txBody>
       </p:sp>
     </p:spTree>
     <p:extLst>
       <p:ext uri="{BB962C8B-B14F-4D97-AF65-F5344CB8AC3E}">
-        <p14:creationId xmlns:p14="http://schemas.microsoft.com/office/powerpoint/2010/main" val="1165000552"/>
+        <p14:creationId xmlns:p14="http://schemas.microsoft.com/office/powerpoint/2010/main" val="1022737261"/>
       </p:ext>
     </p:extLst>
   </p:cSld>
@@ -8293,7 +9702,346 @@
 </p:sld>
 </file>
 
-<file path=ppt/slides/slide20.xml><?xml version="1.0" encoding="utf-8"?>
+<file path=ppt/slides/slide25.xml><?xml version="1.0" encoding="utf-8"?>
+<p:sld xmlns:a="http://schemas.openxmlformats.org/drawingml/2006/main" xmlns:r="http://schemas.openxmlformats.org/officeDocument/2006/relationships" xmlns:p="http://schemas.openxmlformats.org/presentationml/2006/main">
+  <p:cSld>
+    <p:spTree>
+      <p:nvGrpSpPr>
+        <p:cNvPr id="1" name=""/>
+        <p:cNvGrpSpPr/>
+        <p:nvPr/>
+      </p:nvGrpSpPr>
+      <p:grpSpPr>
+        <a:xfrm>
+          <a:off x="0" y="0"/>
+          <a:ext cx="0" cy="0"/>
+          <a:chOff x="0" y="0"/>
+          <a:chExt cx="0" cy="0"/>
+        </a:xfrm>
+      </p:grpSpPr>
+      <p:sp>
+        <p:nvSpPr>
+          <p:cNvPr id="2" name="Title 1"/>
+          <p:cNvSpPr>
+            <a:spLocks noGrp="1"/>
+          </p:cNvSpPr>
+          <p:nvPr>
+            <p:ph type="title"/>
+          </p:nvPr>
+        </p:nvSpPr>
+        <p:spPr/>
+        <p:txBody>
+          <a:bodyPr/>
+          <a:lstStyle/>
+          <a:p>
+            <a:endParaRPr lang="en-US"/>
+          </a:p>
+        </p:txBody>
+      </p:sp>
+      <p:sp>
+        <p:nvSpPr>
+          <p:cNvPr id="3" name="Content Placeholder 2"/>
+          <p:cNvSpPr>
+            <a:spLocks noGrp="1"/>
+          </p:cNvSpPr>
+          <p:nvPr>
+            <p:ph idx="1"/>
+          </p:nvPr>
+        </p:nvSpPr>
+        <p:spPr/>
+        <p:txBody>
+          <a:bodyPr/>
+          <a:lstStyle/>
+          <a:p>
+            <a:r>
+              <a:rPr lang="en-US" dirty="0" smtClean="0"/>
+              <a:t>[Document bugs/issues found via formalization and analysis]</a:t>
+            </a:r>
+          </a:p>
+          <a:p>
+            <a:r>
+              <a:rPr lang="en-US" dirty="0" smtClean="0">
+                <a:solidFill>
+                  <a:srgbClr val="FF0000"/>
+                </a:solidFill>
+              </a:rPr>
+              <a:t>Chris found stuff by talking to the Bens</a:t>
+            </a:r>
+          </a:p>
+          <a:p>
+            <a:r>
+              <a:rPr lang="en-US" dirty="0" smtClean="0">
+                <a:solidFill>
+                  <a:srgbClr val="FF0000"/>
+                </a:solidFill>
+              </a:rPr>
+              <a:t>Jen—ping Derek for list</a:t>
+            </a:r>
+            <a:endParaRPr lang="en-US" dirty="0">
+              <a:solidFill>
+                <a:srgbClr val="FF0000"/>
+              </a:solidFill>
+            </a:endParaRPr>
+          </a:p>
+        </p:txBody>
+      </p:sp>
+    </p:spTree>
+    <p:extLst>
+      <p:ext uri="{BB962C8B-B14F-4D97-AF65-F5344CB8AC3E}">
+        <p14:creationId xmlns:p14="http://schemas.microsoft.com/office/powerpoint/2010/main" val="3185477435"/>
+      </p:ext>
+    </p:extLst>
+  </p:cSld>
+  <p:clrMapOvr>
+    <a:masterClrMapping/>
+  </p:clrMapOvr>
+  <p:timing>
+    <p:tnLst>
+      <p:par>
+        <p:cTn id="1" dur="indefinite" restart="never" nodeType="tmRoot"/>
+      </p:par>
+    </p:tnLst>
+  </p:timing>
+</p:sld>
+</file>
+
+<file path=ppt/slides/slide26.xml><?xml version="1.0" encoding="utf-8"?>
+<p:sld xmlns:a="http://schemas.openxmlformats.org/drawingml/2006/main" xmlns:r="http://schemas.openxmlformats.org/officeDocument/2006/relationships" xmlns:p="http://schemas.openxmlformats.org/presentationml/2006/main">
+  <p:cSld>
+    <p:spTree>
+      <p:nvGrpSpPr>
+        <p:cNvPr id="1" name=""/>
+        <p:cNvGrpSpPr/>
+        <p:nvPr/>
+      </p:nvGrpSpPr>
+      <p:grpSpPr>
+        <a:xfrm>
+          <a:off x="0" y="0"/>
+          <a:ext cx="0" cy="0"/>
+          <a:chOff x="0" y="0"/>
+          <a:chExt cx="0" cy="0"/>
+        </a:xfrm>
+      </p:grpSpPr>
+      <p:sp>
+        <p:nvSpPr>
+          <p:cNvPr id="2" name="Title 1"/>
+          <p:cNvSpPr>
+            <a:spLocks noGrp="1"/>
+          </p:cNvSpPr>
+          <p:nvPr>
+            <p:ph type="title"/>
+          </p:nvPr>
+        </p:nvSpPr>
+        <p:spPr/>
+        <p:txBody>
+          <a:bodyPr/>
+          <a:lstStyle/>
+          <a:p>
+            <a:endParaRPr lang="en-US"/>
+          </a:p>
+        </p:txBody>
+      </p:sp>
+      <p:sp>
+        <p:nvSpPr>
+          <p:cNvPr id="3" name="Content Placeholder 2"/>
+          <p:cNvSpPr>
+            <a:spLocks noGrp="1"/>
+          </p:cNvSpPr>
+          <p:nvPr>
+            <p:ph idx="1"/>
+          </p:nvPr>
+        </p:nvSpPr>
+        <p:spPr/>
+        <p:txBody>
+          <a:bodyPr/>
+          <a:lstStyle/>
+          <a:p>
+            <a:r>
+              <a:rPr lang="en-US" dirty="0" smtClean="0"/>
+              <a:t>[Placeholder for GE’s work]</a:t>
+            </a:r>
+            <a:endParaRPr lang="en-US" dirty="0"/>
+          </a:p>
+        </p:txBody>
+      </p:sp>
+      <p:sp>
+        <p:nvSpPr>
+          <p:cNvPr id="4" name="Footer Placeholder 3"/>
+          <p:cNvSpPr>
+            <a:spLocks noGrp="1"/>
+          </p:cNvSpPr>
+          <p:nvPr>
+            <p:ph type="ftr" sz="quarter" idx="11"/>
+          </p:nvPr>
+        </p:nvSpPr>
+        <p:spPr>
+          <a:xfrm>
+            <a:off x="4038600" y="6419124"/>
+            <a:ext cx="4114800" cy="306936"/>
+          </a:xfrm>
+        </p:spPr>
+        <p:txBody>
+          <a:bodyPr/>
+          <a:lstStyle/>
+          <a:p>
+            <a:r>
+              <a:rPr lang="en-US" dirty="0" smtClean="0"/>
+              <a:t>Architecture Group</a:t>
+            </a:r>
+            <a:endParaRPr lang="en-US" dirty="0"/>
+          </a:p>
+        </p:txBody>
+      </p:sp>
+    </p:spTree>
+    <p:extLst>
+      <p:ext uri="{BB962C8B-B14F-4D97-AF65-F5344CB8AC3E}">
+        <p14:creationId xmlns:p14="http://schemas.microsoft.com/office/powerpoint/2010/main" val="2960052227"/>
+      </p:ext>
+    </p:extLst>
+  </p:cSld>
+  <p:clrMapOvr>
+    <a:masterClrMapping/>
+  </p:clrMapOvr>
+  <p:timing>
+    <p:tnLst>
+      <p:par>
+        <p:cTn id="1" dur="indefinite" restart="never" nodeType="tmRoot"/>
+      </p:par>
+    </p:tnLst>
+  </p:timing>
+</p:sld>
+</file>
+
+<file path=ppt/slides/slide27.xml><?xml version="1.0" encoding="utf-8"?>
+<p:sld xmlns:a="http://schemas.openxmlformats.org/drawingml/2006/main" xmlns:r="http://schemas.openxmlformats.org/officeDocument/2006/relationships" xmlns:p="http://schemas.openxmlformats.org/presentationml/2006/main">
+  <p:cSld>
+    <p:spTree>
+      <p:nvGrpSpPr>
+        <p:cNvPr id="1" name=""/>
+        <p:cNvGrpSpPr/>
+        <p:nvPr/>
+      </p:nvGrpSpPr>
+      <p:grpSpPr>
+        <a:xfrm>
+          <a:off x="0" y="0"/>
+          <a:ext cx="0" cy="0"/>
+          <a:chOff x="0" y="0"/>
+          <a:chExt cx="0" cy="0"/>
+        </a:xfrm>
+      </p:grpSpPr>
+      <p:sp>
+        <p:nvSpPr>
+          <p:cNvPr id="2" name="Title 1"/>
+          <p:cNvSpPr>
+            <a:spLocks noGrp="1"/>
+          </p:cNvSpPr>
+          <p:nvPr>
+            <p:ph type="title"/>
+          </p:nvPr>
+        </p:nvSpPr>
+        <p:spPr/>
+        <p:txBody>
+          <a:bodyPr/>
+          <a:lstStyle/>
+          <a:p>
+            <a:endParaRPr lang="en-US"/>
+          </a:p>
+        </p:txBody>
+      </p:sp>
+      <p:sp>
+        <p:nvSpPr>
+          <p:cNvPr id="3" name="Content Placeholder 2"/>
+          <p:cNvSpPr>
+            <a:spLocks noGrp="1"/>
+          </p:cNvSpPr>
+          <p:nvPr>
+            <p:ph idx="1"/>
+          </p:nvPr>
+        </p:nvSpPr>
+        <p:spPr/>
+        <p:txBody>
+          <a:bodyPr/>
+          <a:lstStyle/>
+          <a:p>
+            <a:r>
+              <a:rPr lang="en-US" dirty="0" smtClean="0">
+                <a:solidFill>
+                  <a:srgbClr val="FF0000"/>
+                </a:solidFill>
+              </a:rPr>
+              <a:t>[Placeholder for Chris Elliott’s work]</a:t>
+            </a:r>
+          </a:p>
+          <a:p>
+            <a:r>
+              <a:rPr lang="en-US" dirty="0" smtClean="0"/>
+              <a:t>Enabling simulation</a:t>
+            </a:r>
+          </a:p>
+          <a:p>
+            <a:r>
+              <a:rPr lang="en-US" dirty="0" smtClean="0"/>
+              <a:t>Enabling analysis from Simulink</a:t>
+            </a:r>
+          </a:p>
+          <a:p>
+            <a:r>
+              <a:rPr lang="en-US" dirty="0" smtClean="0"/>
+              <a:t>Visualizing counterexamples</a:t>
+            </a:r>
+            <a:endParaRPr lang="en-US" dirty="0"/>
+          </a:p>
+        </p:txBody>
+      </p:sp>
+      <p:sp>
+        <p:nvSpPr>
+          <p:cNvPr id="4" name="Footer Placeholder 3"/>
+          <p:cNvSpPr>
+            <a:spLocks noGrp="1"/>
+          </p:cNvSpPr>
+          <p:nvPr>
+            <p:ph type="ftr" sz="quarter" idx="11"/>
+          </p:nvPr>
+        </p:nvSpPr>
+        <p:spPr>
+          <a:xfrm>
+            <a:off x="4038600" y="6419124"/>
+            <a:ext cx="4114800" cy="306936"/>
+          </a:xfrm>
+        </p:spPr>
+        <p:txBody>
+          <a:bodyPr/>
+          <a:lstStyle/>
+          <a:p>
+            <a:r>
+              <a:rPr lang="en-US" dirty="0" smtClean="0"/>
+              <a:t>Architecture Group</a:t>
+            </a:r>
+            <a:endParaRPr lang="en-US" dirty="0"/>
+          </a:p>
+        </p:txBody>
+      </p:sp>
+    </p:spTree>
+    <p:extLst>
+      <p:ext uri="{BB962C8B-B14F-4D97-AF65-F5344CB8AC3E}">
+        <p14:creationId xmlns:p14="http://schemas.microsoft.com/office/powerpoint/2010/main" val="1619698478"/>
+      </p:ext>
+    </p:extLst>
+  </p:cSld>
+  <p:clrMapOvr>
+    <a:masterClrMapping/>
+  </p:clrMapOvr>
+  <p:timing>
+    <p:tnLst>
+      <p:par>
+        <p:cTn id="1" dur="indefinite" restart="never" nodeType="tmRoot"/>
+      </p:par>
+    </p:tnLst>
+  </p:timing>
+</p:sld>
+</file>
+
+<file path=ppt/slides/slide28.xml><?xml version="1.0" encoding="utf-8"?>
 <p:sld xmlns:a="http://schemas.openxmlformats.org/drawingml/2006/main" xmlns:r="http://schemas.openxmlformats.org/officeDocument/2006/relationships" xmlns:p="http://schemas.openxmlformats.org/presentationml/2006/main">
   <p:cSld>
     <p:spTree>
@@ -8384,7 +10132,7 @@
 </p:sld>
 </file>
 
-<file path=ppt/slides/slide21.xml><?xml version="1.0" encoding="utf-8"?>
+<file path=ppt/slides/slide29.xml><?xml version="1.0" encoding="utf-8"?>
 <p:sld xmlns:a="http://schemas.openxmlformats.org/drawingml/2006/main" xmlns:r="http://schemas.openxmlformats.org/officeDocument/2006/relationships" xmlns:p="http://schemas.openxmlformats.org/presentationml/2006/main">
   <p:cSld>
     <p:spTree>
@@ -8476,7 +10224,672 @@
 </p:sld>
 </file>
 
-<file path=ppt/slides/slide22.xml><?xml version="1.0" encoding="utf-8"?>
+<file path=ppt/slides/slide3.xml><?xml version="1.0" encoding="utf-8"?>
+<p:sld xmlns:a="http://schemas.openxmlformats.org/drawingml/2006/main" xmlns:r="http://schemas.openxmlformats.org/officeDocument/2006/relationships" xmlns:p="http://schemas.openxmlformats.org/presentationml/2006/main">
+  <p:cSld>
+    <p:spTree>
+      <p:nvGrpSpPr>
+        <p:cNvPr id="1" name=""/>
+        <p:cNvGrpSpPr/>
+        <p:nvPr/>
+      </p:nvGrpSpPr>
+      <p:grpSpPr>
+        <a:xfrm>
+          <a:off x="0" y="0"/>
+          <a:ext cx="0" cy="0"/>
+          <a:chOff x="0" y="0"/>
+          <a:chExt cx="0" cy="0"/>
+        </a:xfrm>
+      </p:grpSpPr>
+      <p:sp>
+        <p:nvSpPr>
+          <p:cNvPr id="2" name="Title 1"/>
+          <p:cNvSpPr>
+            <a:spLocks noGrp="1"/>
+          </p:cNvSpPr>
+          <p:nvPr>
+            <p:ph type="title"/>
+          </p:nvPr>
+        </p:nvSpPr>
+        <p:spPr/>
+        <p:txBody>
+          <a:bodyPr/>
+          <a:lstStyle/>
+          <a:p>
+            <a:r>
+              <a:rPr lang="en-US" dirty="0" smtClean="0"/>
+              <a:t>Group Description</a:t>
+            </a:r>
+            <a:endParaRPr lang="en-US" dirty="0"/>
+          </a:p>
+        </p:txBody>
+      </p:sp>
+      <p:sp>
+        <p:nvSpPr>
+          <p:cNvPr id="3" name="Content Placeholder 2"/>
+          <p:cNvSpPr>
+            <a:spLocks noGrp="1"/>
+          </p:cNvSpPr>
+          <p:nvPr>
+            <p:ph idx="1"/>
+          </p:nvPr>
+        </p:nvSpPr>
+        <p:spPr/>
+        <p:txBody>
+          <a:bodyPr>
+            <a:normAutofit fontScale="92500" lnSpcReduction="20000"/>
+          </a:bodyPr>
+          <a:lstStyle/>
+          <a:p>
+            <a:pPr>
+              <a:lnSpc>
+                <a:spcPct val="100000"/>
+              </a:lnSpc>
+              <a:spcBef>
+                <a:spcPts val="200"/>
+              </a:spcBef>
+            </a:pPr>
+            <a:r>
+              <a:rPr lang="en-US" b="1" dirty="0" smtClean="0"/>
+              <a:t>Primary goal: Develop </a:t>
+            </a:r>
+            <a:r>
+              <a:rPr lang="en-US" b="1" dirty="0"/>
+              <a:t>a formal architecture for </a:t>
+            </a:r>
+            <a:r>
+              <a:rPr lang="en-US" b="1" dirty="0" err="1" smtClean="0"/>
+              <a:t>UxAS</a:t>
+            </a:r>
+            <a:r>
+              <a:rPr lang="en-US" b="1" dirty="0" smtClean="0"/>
+              <a:t> </a:t>
+            </a:r>
+            <a:r>
+              <a:rPr lang="en-US" b="1" dirty="0"/>
+              <a:t>in an assume/guarantee framework</a:t>
+            </a:r>
+          </a:p>
+          <a:p>
+            <a:pPr>
+              <a:lnSpc>
+                <a:spcPct val="100000"/>
+              </a:lnSpc>
+              <a:spcBef>
+                <a:spcPts val="200"/>
+              </a:spcBef>
+            </a:pPr>
+            <a:r>
+              <a:rPr lang="en-US" dirty="0" smtClean="0"/>
+              <a:t>Team Members</a:t>
+            </a:r>
+          </a:p>
+          <a:p>
+            <a:pPr lvl="1">
+              <a:lnSpc>
+                <a:spcPct val="100000"/>
+              </a:lnSpc>
+              <a:spcBef>
+                <a:spcPts val="200"/>
+              </a:spcBef>
+            </a:pPr>
+            <a:r>
+              <a:rPr lang="en-US" dirty="0" smtClean="0"/>
+              <a:t>Sean </a:t>
+            </a:r>
+            <a:r>
+              <a:rPr lang="en-US" dirty="0" err="1" smtClean="0"/>
+              <a:t>Regisford</a:t>
+            </a:r>
+            <a:r>
+              <a:rPr lang="en-US" dirty="0" smtClean="0"/>
+              <a:t> – AFRL </a:t>
+            </a:r>
+          </a:p>
+          <a:p>
+            <a:pPr lvl="1">
+              <a:lnSpc>
+                <a:spcPct val="100000"/>
+              </a:lnSpc>
+              <a:spcBef>
+                <a:spcPts val="200"/>
+              </a:spcBef>
+            </a:pPr>
+            <a:r>
+              <a:rPr lang="en-US" dirty="0"/>
+              <a:t>Aaron </a:t>
+            </a:r>
+            <a:r>
+              <a:rPr lang="en-US" dirty="0" err="1"/>
+              <a:t>Fifarek</a:t>
+            </a:r>
+            <a:r>
+              <a:rPr lang="en-US" dirty="0"/>
+              <a:t> – </a:t>
+            </a:r>
+            <a:r>
+              <a:rPr lang="en-US" dirty="0" smtClean="0"/>
+              <a:t>LinQuest (LQ)/AFRL</a:t>
+            </a:r>
+            <a:endParaRPr lang="en-US" dirty="0"/>
+          </a:p>
+          <a:p>
+            <a:pPr lvl="1">
+              <a:lnSpc>
+                <a:spcPct val="100000"/>
+              </a:lnSpc>
+              <a:spcBef>
+                <a:spcPts val="200"/>
+              </a:spcBef>
+            </a:pPr>
+            <a:r>
+              <a:rPr lang="en-US" dirty="0" smtClean="0"/>
+              <a:t>Brian Hulbert – LinQuest (LQ)/AFRL</a:t>
+            </a:r>
+          </a:p>
+          <a:p>
+            <a:pPr lvl="1">
+              <a:lnSpc>
+                <a:spcPct val="100000"/>
+              </a:lnSpc>
+              <a:spcBef>
+                <a:spcPts val="200"/>
+              </a:spcBef>
+            </a:pPr>
+            <a:r>
+              <a:rPr lang="en-US" dirty="0" smtClean="0"/>
+              <a:t>Jen Davis – Rockwell Collins (RC)</a:t>
+            </a:r>
+          </a:p>
+          <a:p>
+            <a:pPr lvl="1">
+              <a:lnSpc>
+                <a:spcPct val="100000"/>
+              </a:lnSpc>
+              <a:spcBef>
+                <a:spcPts val="200"/>
+              </a:spcBef>
+            </a:pPr>
+            <a:r>
+              <a:rPr lang="en-US" dirty="0" smtClean="0"/>
+              <a:t>Chris Elliott – Lockheed Martin (LM)</a:t>
+            </a:r>
+          </a:p>
+          <a:p>
+            <a:pPr lvl="1">
+              <a:lnSpc>
+                <a:spcPct val="100000"/>
+              </a:lnSpc>
+              <a:spcBef>
+                <a:spcPts val="200"/>
+              </a:spcBef>
+            </a:pPr>
+            <a:r>
+              <a:rPr lang="en-US" dirty="0" err="1"/>
+              <a:t>Ratnesh</a:t>
+            </a:r>
+            <a:r>
+              <a:rPr lang="en-US" dirty="0"/>
+              <a:t> Kumar – Iowa State </a:t>
+            </a:r>
+            <a:r>
+              <a:rPr lang="en-US" dirty="0" smtClean="0"/>
+              <a:t>University (ISU)</a:t>
+            </a:r>
+            <a:endParaRPr lang="en-US" dirty="0"/>
+          </a:p>
+          <a:p>
+            <a:pPr lvl="1">
+              <a:lnSpc>
+                <a:spcPct val="100000"/>
+              </a:lnSpc>
+              <a:spcBef>
+                <a:spcPts val="200"/>
+              </a:spcBef>
+            </a:pPr>
+            <a:r>
+              <a:rPr lang="en-US" dirty="0"/>
+              <a:t>Cat </a:t>
+            </a:r>
+            <a:r>
+              <a:rPr lang="en-US" dirty="0" err="1"/>
+              <a:t>McGhan</a:t>
+            </a:r>
+            <a:r>
+              <a:rPr lang="en-US" dirty="0"/>
+              <a:t> – University of Cincinnati </a:t>
+            </a:r>
+            <a:r>
+              <a:rPr lang="en-US" dirty="0" smtClean="0"/>
+              <a:t>(UC)</a:t>
+            </a:r>
+            <a:endParaRPr lang="en-US" dirty="0"/>
+          </a:p>
+          <a:p>
+            <a:pPr lvl="1">
+              <a:lnSpc>
+                <a:spcPct val="100000"/>
+              </a:lnSpc>
+              <a:spcBef>
+                <a:spcPts val="200"/>
+              </a:spcBef>
+            </a:pPr>
+            <a:r>
+              <a:rPr lang="en-US" dirty="0" smtClean="0"/>
+              <a:t>Paul </a:t>
+            </a:r>
+            <a:r>
+              <a:rPr lang="en-US" dirty="0" err="1" smtClean="0"/>
+              <a:t>Meng</a:t>
+            </a:r>
+            <a:r>
+              <a:rPr lang="en-US" dirty="0" smtClean="0"/>
+              <a:t> – GE</a:t>
+            </a:r>
+          </a:p>
+          <a:p>
+            <a:pPr lvl="1">
+              <a:lnSpc>
+                <a:spcPct val="100000"/>
+              </a:lnSpc>
+              <a:spcBef>
+                <a:spcPts val="200"/>
+              </a:spcBef>
+            </a:pPr>
+            <a:r>
+              <a:rPr lang="en-US" dirty="0" err="1"/>
+              <a:t>Hao</a:t>
+            </a:r>
+            <a:r>
+              <a:rPr lang="en-US" dirty="0"/>
+              <a:t> Ren – </a:t>
+            </a:r>
+            <a:r>
+              <a:rPr lang="en-US" dirty="0" smtClean="0"/>
+              <a:t>Honeywell (H)</a:t>
+            </a:r>
+            <a:endParaRPr lang="en-US" dirty="0"/>
+          </a:p>
+          <a:p>
+            <a:pPr lvl="1">
+              <a:lnSpc>
+                <a:spcPct val="100000"/>
+              </a:lnSpc>
+              <a:spcBef>
+                <a:spcPts val="200"/>
+              </a:spcBef>
+            </a:pPr>
+            <a:r>
+              <a:rPr lang="en-US" dirty="0" smtClean="0"/>
+              <a:t>Ben </a:t>
+            </a:r>
+            <a:r>
+              <a:rPr lang="en-US" dirty="0" err="1"/>
+              <a:t>Rodes</a:t>
+            </a:r>
+            <a:r>
+              <a:rPr lang="en-US" dirty="0"/>
+              <a:t> – Dependable </a:t>
+            </a:r>
+            <a:r>
+              <a:rPr lang="en-US" dirty="0" smtClean="0"/>
+              <a:t>Computing (DC)</a:t>
+            </a:r>
+            <a:endParaRPr lang="en-US" dirty="0"/>
+          </a:p>
+          <a:p>
+            <a:pPr lvl="1">
+              <a:lnSpc>
+                <a:spcPct val="100000"/>
+              </a:lnSpc>
+              <a:spcBef>
+                <a:spcPts val="200"/>
+              </a:spcBef>
+            </a:pPr>
+            <a:r>
+              <a:rPr lang="en-US" dirty="0" smtClean="0"/>
+              <a:t>Han Yu – GE</a:t>
+            </a:r>
+          </a:p>
+          <a:p>
+            <a:endParaRPr lang="en-US" dirty="0"/>
+          </a:p>
+        </p:txBody>
+      </p:sp>
+      <p:sp>
+        <p:nvSpPr>
+          <p:cNvPr id="4" name="Footer Placeholder 3"/>
+          <p:cNvSpPr>
+            <a:spLocks noGrp="1"/>
+          </p:cNvSpPr>
+          <p:nvPr>
+            <p:ph type="ftr" sz="quarter" idx="11"/>
+          </p:nvPr>
+        </p:nvSpPr>
+        <p:spPr/>
+        <p:txBody>
+          <a:bodyPr/>
+          <a:lstStyle/>
+          <a:p>
+            <a:r>
+              <a:rPr lang="en-US" dirty="0" smtClean="0"/>
+              <a:t>Architecture Group</a:t>
+            </a:r>
+            <a:endParaRPr lang="en-US" dirty="0"/>
+          </a:p>
+        </p:txBody>
+      </p:sp>
+      <p:sp>
+        <p:nvSpPr>
+          <p:cNvPr id="5" name="Slide Number Placeholder 4"/>
+          <p:cNvSpPr>
+            <a:spLocks noGrp="1"/>
+          </p:cNvSpPr>
+          <p:nvPr>
+            <p:ph type="sldNum" sz="quarter" idx="12"/>
+          </p:nvPr>
+        </p:nvSpPr>
+        <p:spPr/>
+        <p:txBody>
+          <a:bodyPr/>
+          <a:lstStyle/>
+          <a:p>
+            <a:fld id="{22900CBD-C7D3-47FA-BEF9-49DBBEB1A58F}" type="slidenum">
+              <a:rPr lang="en-US" smtClean="0"/>
+              <a:t>3</a:t>
+            </a:fld>
+            <a:endParaRPr lang="en-US"/>
+          </a:p>
+        </p:txBody>
+      </p:sp>
+      <p:pic>
+        <p:nvPicPr>
+          <p:cNvPr id="9" name="Shape 61"/>
+          <p:cNvPicPr preferRelativeResize="0"/>
+          <p:nvPr/>
+        </p:nvPicPr>
+        <p:blipFill>
+          <a:blip r:embed="rId3">
+            <a:alphaModFix/>
+          </a:blip>
+          <a:stretch>
+            <a:fillRect/>
+          </a:stretch>
+        </p:blipFill>
+        <p:spPr>
+          <a:xfrm>
+            <a:off x="6622687" y="2069584"/>
+            <a:ext cx="1194218" cy="1192844"/>
+          </a:xfrm>
+          <a:prstGeom prst="rect">
+            <a:avLst/>
+          </a:prstGeom>
+          <a:noFill/>
+          <a:ln>
+            <a:noFill/>
+          </a:ln>
+        </p:spPr>
+      </p:pic>
+      <p:pic>
+        <p:nvPicPr>
+          <p:cNvPr id="10" name="Picture 9"/>
+          <p:cNvPicPr>
+            <a:picLocks noChangeAspect="1"/>
+          </p:cNvPicPr>
+          <p:nvPr/>
+        </p:nvPicPr>
+        <p:blipFill>
+          <a:blip r:embed="rId4">
+            <a:extLst>
+              <a:ext uri="{28A0092B-C50C-407E-A947-70E740481C1C}">
+                <a14:useLocalDpi xmlns:a14="http://schemas.microsoft.com/office/drawing/2010/main" val="0"/>
+              </a:ext>
+            </a:extLst>
+          </a:blip>
+          <a:stretch>
+            <a:fillRect/>
+          </a:stretch>
+        </p:blipFill>
+        <p:spPr>
+          <a:xfrm>
+            <a:off x="9299282" y="3331003"/>
+            <a:ext cx="2115382" cy="970587"/>
+          </a:xfrm>
+          <a:prstGeom prst="rect">
+            <a:avLst/>
+          </a:prstGeom>
+        </p:spPr>
+      </p:pic>
+      <p:pic>
+        <p:nvPicPr>
+          <p:cNvPr id="12" name="Picture 11"/>
+          <p:cNvPicPr>
+            <a:picLocks noChangeAspect="1"/>
+          </p:cNvPicPr>
+          <p:nvPr/>
+        </p:nvPicPr>
+        <p:blipFill>
+          <a:blip r:embed="rId5" cstate="print">
+            <a:extLst>
+              <a:ext uri="{28A0092B-C50C-407E-A947-70E740481C1C}">
+                <a14:useLocalDpi xmlns:a14="http://schemas.microsoft.com/office/drawing/2010/main" val="0"/>
+              </a:ext>
+            </a:extLst>
+          </a:blip>
+          <a:stretch>
+            <a:fillRect/>
+          </a:stretch>
+        </p:blipFill>
+        <p:spPr>
+          <a:xfrm>
+            <a:off x="8497696" y="4586030"/>
+            <a:ext cx="1745024" cy="569876"/>
+          </a:xfrm>
+          <a:prstGeom prst="rect">
+            <a:avLst/>
+          </a:prstGeom>
+        </p:spPr>
+      </p:pic>
+      <p:pic>
+        <p:nvPicPr>
+          <p:cNvPr id="17" name="Picture 16"/>
+          <p:cNvPicPr>
+            <a:picLocks noChangeAspect="1"/>
+          </p:cNvPicPr>
+          <p:nvPr/>
+        </p:nvPicPr>
+        <p:blipFill rotWithShape="1">
+          <a:blip r:embed="rId6">
+            <a:extLst>
+              <a:ext uri="{28A0092B-C50C-407E-A947-70E740481C1C}">
+                <a14:useLocalDpi xmlns:a14="http://schemas.microsoft.com/office/drawing/2010/main" val="0"/>
+              </a:ext>
+            </a:extLst>
+          </a:blip>
+          <a:srcRect t="24848" b="27650"/>
+          <a:stretch/>
+        </p:blipFill>
+        <p:spPr>
+          <a:xfrm>
+            <a:off x="6389523" y="4399803"/>
+            <a:ext cx="1798349" cy="854242"/>
+          </a:xfrm>
+          <a:prstGeom prst="rect">
+            <a:avLst/>
+          </a:prstGeom>
+        </p:spPr>
+      </p:pic>
+      <p:pic>
+        <p:nvPicPr>
+          <p:cNvPr id="21" name="Picture 20"/>
+          <p:cNvPicPr>
+            <a:picLocks noChangeAspect="1"/>
+          </p:cNvPicPr>
+          <p:nvPr/>
+        </p:nvPicPr>
+        <p:blipFill>
+          <a:blip r:embed="rId7">
+            <a:extLst>
+              <a:ext uri="{28A0092B-C50C-407E-A947-70E740481C1C}">
+                <a14:useLocalDpi xmlns:a14="http://schemas.microsoft.com/office/drawing/2010/main" val="0"/>
+              </a:ext>
+            </a:extLst>
+          </a:blip>
+          <a:stretch>
+            <a:fillRect/>
+          </a:stretch>
+        </p:blipFill>
+        <p:spPr>
+          <a:xfrm>
+            <a:off x="6203947" y="5304130"/>
+            <a:ext cx="4990598" cy="840907"/>
+          </a:xfrm>
+          <a:prstGeom prst="rect">
+            <a:avLst/>
+          </a:prstGeom>
+        </p:spPr>
+      </p:pic>
+      <p:pic>
+        <p:nvPicPr>
+          <p:cNvPr id="7" name="Picture 6"/>
+          <p:cNvPicPr>
+            <a:picLocks noChangeAspect="1"/>
+          </p:cNvPicPr>
+          <p:nvPr/>
+        </p:nvPicPr>
+        <p:blipFill>
+          <a:blip r:embed="rId8">
+            <a:extLst>
+              <a:ext uri="{28A0092B-C50C-407E-A947-70E740481C1C}">
+                <a14:useLocalDpi xmlns:a14="http://schemas.microsoft.com/office/drawing/2010/main" val="0"/>
+              </a:ext>
+            </a:extLst>
+          </a:blip>
+          <a:stretch>
+            <a:fillRect/>
+          </a:stretch>
+        </p:blipFill>
+        <p:spPr>
+          <a:xfrm>
+            <a:off x="8167168" y="2082139"/>
+            <a:ext cx="1915149" cy="1009709"/>
+          </a:xfrm>
+          <a:prstGeom prst="rect">
+            <a:avLst/>
+          </a:prstGeom>
+        </p:spPr>
+      </p:pic>
+      <p:pic>
+        <p:nvPicPr>
+          <p:cNvPr id="13" name="Picture 12"/>
+          <p:cNvPicPr>
+            <a:picLocks noChangeAspect="1"/>
+          </p:cNvPicPr>
+          <p:nvPr/>
+        </p:nvPicPr>
+        <p:blipFill>
+          <a:blip r:embed="rId9">
+            <a:extLst>
+              <a:ext uri="{28A0092B-C50C-407E-A947-70E740481C1C}">
+                <a14:useLocalDpi xmlns:a14="http://schemas.microsoft.com/office/drawing/2010/main" val="0"/>
+              </a:ext>
+            </a:extLst>
+          </a:blip>
+          <a:stretch>
+            <a:fillRect/>
+          </a:stretch>
+        </p:blipFill>
+        <p:spPr>
+          <a:xfrm>
+            <a:off x="6389523" y="3409199"/>
+            <a:ext cx="2676315" cy="979693"/>
+          </a:xfrm>
+          <a:prstGeom prst="rect">
+            <a:avLst/>
+          </a:prstGeom>
+        </p:spPr>
+      </p:pic>
+      <p:pic>
+        <p:nvPicPr>
+          <p:cNvPr id="16" name="Picture 15"/>
+          <p:cNvPicPr>
+            <a:picLocks noChangeAspect="1"/>
+          </p:cNvPicPr>
+          <p:nvPr/>
+        </p:nvPicPr>
+        <p:blipFill>
+          <a:blip r:embed="rId10">
+            <a:extLst>
+              <a:ext uri="{28A0092B-C50C-407E-A947-70E740481C1C}">
+                <a14:useLocalDpi xmlns:a14="http://schemas.microsoft.com/office/drawing/2010/main" val="0"/>
+              </a:ext>
+            </a:extLst>
+          </a:blip>
+          <a:stretch>
+            <a:fillRect/>
+          </a:stretch>
+        </p:blipFill>
+        <p:spPr>
+          <a:xfrm>
+            <a:off x="10663881" y="4278750"/>
+            <a:ext cx="1118021" cy="975295"/>
+          </a:xfrm>
+          <a:prstGeom prst="rect">
+            <a:avLst/>
+          </a:prstGeom>
+        </p:spPr>
+      </p:pic>
+      <p:pic>
+        <p:nvPicPr>
+          <p:cNvPr id="19" name="Picture 18"/>
+          <p:cNvPicPr>
+            <a:picLocks noChangeAspect="1"/>
+          </p:cNvPicPr>
+          <p:nvPr/>
+        </p:nvPicPr>
+        <p:blipFill>
+          <a:blip r:embed="rId11">
+            <a:extLst>
+              <a:ext uri="{28A0092B-C50C-407E-A947-70E740481C1C}">
+                <a14:useLocalDpi xmlns:a14="http://schemas.microsoft.com/office/drawing/2010/main" val="0"/>
+              </a:ext>
+            </a:extLst>
+          </a:blip>
+          <a:stretch>
+            <a:fillRect/>
+          </a:stretch>
+        </p:blipFill>
+        <p:spPr>
+          <a:xfrm>
+            <a:off x="10356973" y="1999091"/>
+            <a:ext cx="1152525" cy="1152525"/>
+          </a:xfrm>
+          <a:prstGeom prst="rect">
+            <a:avLst/>
+          </a:prstGeom>
+        </p:spPr>
+      </p:pic>
+    </p:spTree>
+    <p:extLst>
+      <p:ext uri="{BB962C8B-B14F-4D97-AF65-F5344CB8AC3E}">
+        <p14:creationId xmlns:p14="http://schemas.microsoft.com/office/powerpoint/2010/main" val="1910809658"/>
+      </p:ext>
+    </p:extLst>
+  </p:cSld>
+  <p:clrMapOvr>
+    <a:masterClrMapping/>
+  </p:clrMapOvr>
+  <p:timing>
+    <p:tnLst>
+      <p:par>
+        <p:cTn id="1" dur="indefinite" restart="never" nodeType="tmRoot"/>
+      </p:par>
+    </p:tnLst>
+  </p:timing>
+</p:sld>
+</file>
+
+<file path=ppt/slides/slide30.xml><?xml version="1.0" encoding="utf-8"?>
 <p:sld xmlns:a="http://schemas.openxmlformats.org/drawingml/2006/main" xmlns:r="http://schemas.openxmlformats.org/officeDocument/2006/relationships" xmlns:p="http://schemas.openxmlformats.org/presentationml/2006/main">
   <p:cSld>
     <p:spTree>
@@ -8568,7 +10981,7 @@
 </p:sld>
 </file>
 
-<file path=ppt/slides/slide23.xml><?xml version="1.0" encoding="utf-8"?>
+<file path=ppt/slides/slide31.xml><?xml version="1.0" encoding="utf-8"?>
 <p:sld xmlns:a="http://schemas.openxmlformats.org/drawingml/2006/main" xmlns:r="http://schemas.openxmlformats.org/officeDocument/2006/relationships" xmlns:p="http://schemas.openxmlformats.org/presentationml/2006/main">
   <p:cSld>
     <p:spTree>
@@ -8660,7 +11073,7 @@
 </p:sld>
 </file>
 
-<file path=ppt/slides/slide24.xml><?xml version="1.0" encoding="utf-8"?>
+<file path=ppt/slides/slide32.xml><?xml version="1.0" encoding="utf-8"?>
 <p:sld xmlns:a="http://schemas.openxmlformats.org/drawingml/2006/main" xmlns:r="http://schemas.openxmlformats.org/officeDocument/2006/relationships" xmlns:p="http://schemas.openxmlformats.org/presentationml/2006/main">
   <p:cSld>
     <p:spTree>
@@ -8752,7 +11165,7 @@
 </p:sld>
 </file>
 
-<file path=ppt/slides/slide25.xml><?xml version="1.0" encoding="utf-8"?>
+<file path=ppt/slides/slide33.xml><?xml version="1.0" encoding="utf-8"?>
 <p:sld xmlns:a="http://schemas.openxmlformats.org/drawingml/2006/main" xmlns:r="http://schemas.openxmlformats.org/officeDocument/2006/relationships" xmlns:p="http://schemas.openxmlformats.org/presentationml/2006/main">
   <p:cSld>
     <p:spTree>
@@ -8844,7 +11257,7 @@
 </p:sld>
 </file>
 
-<file path=ppt/slides/slide26.xml><?xml version="1.0" encoding="utf-8"?>
+<file path=ppt/slides/slide34.xml><?xml version="1.0" encoding="utf-8"?>
 <p:sld xmlns:a="http://schemas.openxmlformats.org/drawingml/2006/main" xmlns:r="http://schemas.openxmlformats.org/officeDocument/2006/relationships" xmlns:p="http://schemas.openxmlformats.org/presentationml/2006/main">
   <p:cSld>
     <p:spTree>
@@ -8936,7 +11349,7 @@
 </p:sld>
 </file>
 
-<file path=ppt/slides/slide27.xml><?xml version="1.0" encoding="utf-8"?>
+<file path=ppt/slides/slide35.xml><?xml version="1.0" encoding="utf-8"?>
 <p:sld xmlns:a="http://schemas.openxmlformats.org/drawingml/2006/main" xmlns:r="http://schemas.openxmlformats.org/officeDocument/2006/relationships" xmlns:p="http://schemas.openxmlformats.org/presentationml/2006/main">
   <p:cSld>
     <p:spTree>
@@ -9028,7 +11441,7 @@
 </p:sld>
 </file>
 
-<file path=ppt/slides/slide28.xml><?xml version="1.0" encoding="utf-8"?>
+<file path=ppt/slides/slide36.xml><?xml version="1.0" encoding="utf-8"?>
 <p:sld xmlns:a="http://schemas.openxmlformats.org/drawingml/2006/main" xmlns:r="http://schemas.openxmlformats.org/officeDocument/2006/relationships" xmlns:p="http://schemas.openxmlformats.org/presentationml/2006/main">
   <p:cSld>
     <p:spTree>
@@ -9120,7 +11533,7 @@
 </p:sld>
 </file>
 
-<file path=ppt/slides/slide29.xml><?xml version="1.0" encoding="utf-8"?>
+<file path=ppt/slides/slide37.xml><?xml version="1.0" encoding="utf-8"?>
 <p:sld xmlns:a="http://schemas.openxmlformats.org/drawingml/2006/main" xmlns:r="http://schemas.openxmlformats.org/officeDocument/2006/relationships" xmlns:p="http://schemas.openxmlformats.org/presentationml/2006/main">
   <p:cSld>
     <p:spTree>
@@ -9271,11 +11684,7 @@
             </a:pPr>
             <a:r>
               <a:rPr lang="en-US" dirty="0" smtClean="0"/>
-              <a:t>Specification versus </a:t>
-            </a:r>
-            <a:r>
-              <a:rPr lang="en-US" dirty="0" smtClean="0"/>
-              <a:t>intent</a:t>
+              <a:t>Specification versus intent</a:t>
             </a:r>
           </a:p>
           <a:p>
@@ -9291,7 +11700,6 @@
               <a:rPr lang="en-US" dirty="0" smtClean="0"/>
               <a:t>Enhancements to the formal analysis tools could simplify the argument</a:t>
             </a:r>
-            <a:endParaRPr lang="en-US" dirty="0" smtClean="0"/>
           </a:p>
           <a:p>
             <a:pPr>
@@ -9304,11 +11712,7 @@
             </a:pPr>
             <a:r>
               <a:rPr lang="en-US" dirty="0" smtClean="0"/>
-              <a:t>SpeAR, ASSERT, </a:t>
-            </a:r>
-            <a:r>
-              <a:rPr lang="en-US" dirty="0" smtClean="0"/>
-              <a:t>AADL/AGREE, and </a:t>
+              <a:t>SpeAR, ASSERT, AADL/AGREE, and </a:t>
             </a:r>
             <a:r>
               <a:rPr lang="en-US" dirty="0" err="1" smtClean="0"/>
@@ -9316,17 +11720,8 @@
             </a:r>
             <a:r>
               <a:rPr lang="en-US" dirty="0" smtClean="0"/>
-              <a:t> </a:t>
-            </a:r>
-            <a:r>
-              <a:rPr lang="en-US" dirty="0" smtClean="0"/>
-              <a:t>are all very capable analysis tools. </a:t>
-            </a:r>
-            <a:r>
-              <a:rPr lang="en-US" dirty="0" smtClean="0"/>
-              <a:t>There are synergies between them.</a:t>
-            </a:r>
-            <a:endParaRPr lang="en-US" dirty="0" smtClean="0"/>
+              <a:t> are all very capable analysis tools. There are synergies between them.</a:t>
+            </a:r>
           </a:p>
           <a:p>
             <a:pPr>
@@ -9339,13 +11734,8 @@
             </a:pPr>
             <a:r>
               <a:rPr lang="en-US" dirty="0" smtClean="0"/>
-              <a:t>Challenges: arrays, </a:t>
-            </a:r>
-            <a:r>
-              <a:rPr lang="en-US" dirty="0" smtClean="0"/>
-              <a:t>inheritance</a:t>
-            </a:r>
-            <a:endParaRPr lang="en-US" dirty="0" smtClean="0"/>
+              <a:t>Challenges: arrays, inheritance</a:t>
+            </a:r>
           </a:p>
           <a:p>
             <a:pPr>
@@ -9403,7 +11793,7 @@
           <a:p>
             <a:fld id="{22900CBD-C7D3-47FA-BEF9-49DBBEB1A58F}" type="slidenum">
               <a:rPr lang="en-US" smtClean="0"/>
-              <a:t>29</a:t>
+              <a:t>37</a:t>
             </a:fld>
             <a:endParaRPr lang="en-US"/>
           </a:p>
@@ -9429,7 +11819,7 @@
 </p:sld>
 </file>
 
-<file path=ppt/slides/slide3.xml><?xml version="1.0" encoding="utf-8"?>
+<file path=ppt/slides/slide38.xml><?xml version="1.0" encoding="utf-8"?>
 <p:sld xmlns:a="http://schemas.openxmlformats.org/drawingml/2006/main" xmlns:r="http://schemas.openxmlformats.org/officeDocument/2006/relationships" xmlns:p="http://schemas.openxmlformats.org/presentationml/2006/main">
   <p:cSld>
     <p:spTree>
@@ -9463,7 +11853,7 @@
           <a:p>
             <a:r>
               <a:rPr lang="en-US" dirty="0" smtClean="0"/>
-              <a:t>Group Description</a:t>
+              <a:t>Recommended Future Directions</a:t>
             </a:r>
             <a:endParaRPr lang="en-US" dirty="0"/>
           </a:p>
@@ -9481,9 +11871,7 @@
         </p:nvSpPr>
         <p:spPr/>
         <p:txBody>
-          <a:bodyPr>
-            <a:normAutofit fontScale="92500" lnSpcReduction="20000"/>
-          </a:bodyPr>
+          <a:bodyPr/>
           <a:lstStyle/>
           <a:p>
             <a:pPr>
@@ -9495,24 +11883,8 @@
               </a:spcBef>
             </a:pPr>
             <a:r>
-              <a:rPr lang="en-US" b="1" dirty="0" smtClean="0"/>
-              <a:t>Primary goal: Develop </a:t>
-            </a:r>
-            <a:r>
-              <a:rPr lang="en-US" b="1" dirty="0"/>
-              <a:t>a formal architecture for </a:t>
-            </a:r>
-            <a:r>
-              <a:rPr lang="en-US" b="1" dirty="0" err="1" smtClean="0"/>
-              <a:t>UxAS</a:t>
-            </a:r>
-            <a:r>
-              <a:rPr lang="en-US" b="1" dirty="0" smtClean="0"/>
-              <a:t> </a:t>
-            </a:r>
-            <a:r>
-              <a:rPr lang="en-US" b="1" dirty="0"/>
-              <a:t>in an assume/guarantee framework</a:t>
+              <a:rPr lang="en-US" dirty="0" smtClean="0"/>
+              <a:t>Write contracts for the remaining components</a:t>
             </a:r>
           </a:p>
           <a:p>
@@ -9526,676 +11898,9 @@
             </a:pPr>
             <a:r>
               <a:rPr lang="en-US" dirty="0" smtClean="0"/>
-              <a:t>Team Members</a:t>
-            </a:r>
-          </a:p>
-          <a:p>
-            <a:pPr lvl="1">
-              <a:lnSpc>
-                <a:spcPct val="100000"/>
-              </a:lnSpc>
-              <a:spcBef>
-                <a:spcPts val="200"/>
-              </a:spcBef>
-            </a:pPr>
-            <a:r>
-              <a:rPr lang="en-US" dirty="0" smtClean="0"/>
-              <a:t>Sean </a:t>
-            </a:r>
-            <a:r>
-              <a:rPr lang="en-US" dirty="0" err="1" smtClean="0"/>
-              <a:t>Regisford</a:t>
-            </a:r>
-            <a:r>
-              <a:rPr lang="en-US" dirty="0" smtClean="0"/>
-              <a:t> – AFRL </a:t>
-            </a:r>
-          </a:p>
-          <a:p>
-            <a:pPr lvl="1">
-              <a:lnSpc>
-                <a:spcPct val="100000"/>
-              </a:lnSpc>
-              <a:spcBef>
-                <a:spcPts val="200"/>
-              </a:spcBef>
-            </a:pPr>
-            <a:r>
-              <a:rPr lang="en-US" dirty="0"/>
-              <a:t>Aaron </a:t>
-            </a:r>
-            <a:r>
-              <a:rPr lang="en-US" dirty="0" err="1"/>
-              <a:t>Fifarek</a:t>
-            </a:r>
-            <a:r>
-              <a:rPr lang="en-US" dirty="0"/>
-              <a:t> – </a:t>
-            </a:r>
-            <a:r>
-              <a:rPr lang="en-US" dirty="0" smtClean="0"/>
-              <a:t>LinQuest (LQ)/AFRL</a:t>
-            </a:r>
-            <a:endParaRPr lang="en-US" dirty="0"/>
-          </a:p>
-          <a:p>
-            <a:pPr lvl="1">
-              <a:lnSpc>
-                <a:spcPct val="100000"/>
-              </a:lnSpc>
-              <a:spcBef>
-                <a:spcPts val="200"/>
-              </a:spcBef>
-            </a:pPr>
-            <a:r>
-              <a:rPr lang="en-US" dirty="0" smtClean="0"/>
-              <a:t>Brian Hulbert – LinQuest (LQ)/AFRL</a:t>
-            </a:r>
-          </a:p>
-          <a:p>
-            <a:pPr lvl="1">
-              <a:lnSpc>
-                <a:spcPct val="100000"/>
-              </a:lnSpc>
-              <a:spcBef>
-                <a:spcPts val="200"/>
-              </a:spcBef>
-            </a:pPr>
-            <a:r>
-              <a:rPr lang="en-US" dirty="0" smtClean="0"/>
-              <a:t>Jen Davis – Rockwell Collins (RC</a:t>
-            </a:r>
-            <a:r>
-              <a:rPr lang="en-US" dirty="0" smtClean="0"/>
-              <a:t>)</a:t>
-            </a:r>
-          </a:p>
-          <a:p>
-            <a:pPr lvl="1">
-              <a:lnSpc>
-                <a:spcPct val="100000"/>
-              </a:lnSpc>
-              <a:spcBef>
-                <a:spcPts val="200"/>
-              </a:spcBef>
-            </a:pPr>
-            <a:r>
-              <a:rPr lang="en-US" dirty="0" smtClean="0"/>
-              <a:t>Chris Elliott – Lockheed Martin (LM)</a:t>
-            </a:r>
-            <a:endParaRPr lang="en-US" dirty="0" smtClean="0"/>
-          </a:p>
-          <a:p>
-            <a:pPr lvl="1">
-              <a:lnSpc>
-                <a:spcPct val="100000"/>
-              </a:lnSpc>
-              <a:spcBef>
-                <a:spcPts val="200"/>
-              </a:spcBef>
-            </a:pPr>
-            <a:r>
-              <a:rPr lang="en-US" dirty="0" err="1"/>
-              <a:t>Ratnesh</a:t>
-            </a:r>
-            <a:r>
-              <a:rPr lang="en-US" dirty="0"/>
-              <a:t> Kumar – Iowa State </a:t>
-            </a:r>
-            <a:r>
-              <a:rPr lang="en-US" dirty="0" smtClean="0"/>
-              <a:t>University (ISU)</a:t>
-            </a:r>
-            <a:endParaRPr lang="en-US" dirty="0"/>
-          </a:p>
-          <a:p>
-            <a:pPr lvl="1">
-              <a:lnSpc>
-                <a:spcPct val="100000"/>
-              </a:lnSpc>
-              <a:spcBef>
-                <a:spcPts val="200"/>
-              </a:spcBef>
-            </a:pPr>
-            <a:r>
-              <a:rPr lang="en-US" dirty="0"/>
-              <a:t>Cat </a:t>
-            </a:r>
-            <a:r>
-              <a:rPr lang="en-US" dirty="0" err="1"/>
-              <a:t>McGhan</a:t>
-            </a:r>
-            <a:r>
-              <a:rPr lang="en-US" dirty="0"/>
-              <a:t> – University of Cincinnati </a:t>
-            </a:r>
-            <a:r>
-              <a:rPr lang="en-US" dirty="0" smtClean="0"/>
-              <a:t>(UC)</a:t>
-            </a:r>
-            <a:endParaRPr lang="en-US" dirty="0"/>
-          </a:p>
-          <a:p>
-            <a:pPr lvl="1">
-              <a:lnSpc>
-                <a:spcPct val="100000"/>
-              </a:lnSpc>
-              <a:spcBef>
-                <a:spcPts val="200"/>
-              </a:spcBef>
-            </a:pPr>
-            <a:r>
-              <a:rPr lang="en-US" dirty="0" smtClean="0"/>
-              <a:t>Paul </a:t>
-            </a:r>
-            <a:r>
-              <a:rPr lang="en-US" dirty="0" err="1" smtClean="0"/>
-              <a:t>Meng</a:t>
-            </a:r>
-            <a:r>
-              <a:rPr lang="en-US" dirty="0" smtClean="0"/>
-              <a:t> – GE</a:t>
-            </a:r>
-          </a:p>
-          <a:p>
-            <a:pPr lvl="1">
-              <a:lnSpc>
-                <a:spcPct val="100000"/>
-              </a:lnSpc>
-              <a:spcBef>
-                <a:spcPts val="200"/>
-              </a:spcBef>
-            </a:pPr>
-            <a:r>
-              <a:rPr lang="en-US" dirty="0" err="1"/>
-              <a:t>Hao</a:t>
-            </a:r>
-            <a:r>
-              <a:rPr lang="en-US" dirty="0"/>
-              <a:t> Ren – </a:t>
-            </a:r>
-            <a:r>
-              <a:rPr lang="en-US" dirty="0" smtClean="0"/>
-              <a:t>Honeywell (H)</a:t>
-            </a:r>
-            <a:endParaRPr lang="en-US" dirty="0"/>
-          </a:p>
-          <a:p>
-            <a:pPr lvl="1">
-              <a:lnSpc>
-                <a:spcPct val="100000"/>
-              </a:lnSpc>
-              <a:spcBef>
-                <a:spcPts val="200"/>
-              </a:spcBef>
-            </a:pPr>
-            <a:r>
-              <a:rPr lang="en-US" dirty="0" smtClean="0"/>
-              <a:t>Ben </a:t>
-            </a:r>
-            <a:r>
-              <a:rPr lang="en-US" dirty="0" err="1"/>
-              <a:t>Rodes</a:t>
-            </a:r>
-            <a:r>
-              <a:rPr lang="en-US" dirty="0"/>
-              <a:t> – Dependable </a:t>
-            </a:r>
-            <a:r>
-              <a:rPr lang="en-US" dirty="0" smtClean="0"/>
-              <a:t>Computing (DC)</a:t>
-            </a:r>
-            <a:endParaRPr lang="en-US" dirty="0"/>
-          </a:p>
-          <a:p>
-            <a:pPr lvl="1">
-              <a:lnSpc>
-                <a:spcPct val="100000"/>
-              </a:lnSpc>
-              <a:spcBef>
-                <a:spcPts val="200"/>
-              </a:spcBef>
-            </a:pPr>
-            <a:r>
-              <a:rPr lang="en-US" dirty="0" smtClean="0"/>
-              <a:t>Han Yu – </a:t>
-            </a:r>
-            <a:r>
-              <a:rPr lang="en-US" dirty="0" smtClean="0"/>
-              <a:t>GE</a:t>
-            </a:r>
-            <a:endParaRPr lang="en-US" dirty="0" smtClean="0"/>
-          </a:p>
-          <a:p>
-            <a:endParaRPr lang="en-US" dirty="0"/>
-          </a:p>
-        </p:txBody>
-      </p:sp>
-      <p:sp>
-        <p:nvSpPr>
-          <p:cNvPr id="4" name="Footer Placeholder 3"/>
-          <p:cNvSpPr>
-            <a:spLocks noGrp="1"/>
-          </p:cNvSpPr>
-          <p:nvPr>
-            <p:ph type="ftr" sz="quarter" idx="11"/>
-          </p:nvPr>
-        </p:nvSpPr>
-        <p:spPr/>
-        <p:txBody>
-          <a:bodyPr/>
-          <a:lstStyle/>
-          <a:p>
-            <a:r>
-              <a:rPr lang="en-US" dirty="0" smtClean="0"/>
-              <a:t>Architecture Group</a:t>
-            </a:r>
-            <a:endParaRPr lang="en-US" dirty="0"/>
-          </a:p>
-        </p:txBody>
-      </p:sp>
-      <p:sp>
-        <p:nvSpPr>
-          <p:cNvPr id="5" name="Slide Number Placeholder 4"/>
-          <p:cNvSpPr>
-            <a:spLocks noGrp="1"/>
-          </p:cNvSpPr>
-          <p:nvPr>
-            <p:ph type="sldNum" sz="quarter" idx="12"/>
-          </p:nvPr>
-        </p:nvSpPr>
-        <p:spPr/>
-        <p:txBody>
-          <a:bodyPr/>
-          <a:lstStyle/>
-          <a:p>
-            <a:fld id="{22900CBD-C7D3-47FA-BEF9-49DBBEB1A58F}" type="slidenum">
-              <a:rPr lang="en-US" smtClean="0"/>
-              <a:t>3</a:t>
-            </a:fld>
-            <a:endParaRPr lang="en-US"/>
-          </a:p>
-        </p:txBody>
-      </p:sp>
-      <p:pic>
-        <p:nvPicPr>
-          <p:cNvPr id="6" name="Picture 5"/>
-          <p:cNvPicPr>
-            <a:picLocks noChangeAspect="1"/>
-          </p:cNvPicPr>
-          <p:nvPr/>
-        </p:nvPicPr>
-        <p:blipFill>
-          <a:blip r:embed="rId3" cstate="print">
-            <a:extLst>
-              <a:ext uri="{28A0092B-C50C-407E-A947-70E740481C1C}">
-                <a14:useLocalDpi xmlns:a14="http://schemas.microsoft.com/office/drawing/2010/main" val="0"/>
-              </a:ext>
-            </a:extLst>
-          </a:blip>
-          <a:stretch>
-            <a:fillRect/>
-          </a:stretch>
-        </p:blipFill>
-        <p:spPr>
-          <a:xfrm>
-            <a:off x="8153400" y="2144537"/>
-            <a:ext cx="1632284" cy="860576"/>
-          </a:xfrm>
-          <a:prstGeom prst="rect">
-            <a:avLst/>
-          </a:prstGeom>
-        </p:spPr>
-      </p:pic>
-      <p:pic>
-        <p:nvPicPr>
-          <p:cNvPr id="8" name="Picture 7"/>
-          <p:cNvPicPr>
-            <a:picLocks noChangeAspect="1"/>
-          </p:cNvPicPr>
-          <p:nvPr/>
-        </p:nvPicPr>
-        <p:blipFill>
-          <a:blip r:embed="rId4" cstate="print">
-            <a:extLst>
-              <a:ext uri="{28A0092B-C50C-407E-A947-70E740481C1C}">
-                <a14:useLocalDpi xmlns:a14="http://schemas.microsoft.com/office/drawing/2010/main" val="0"/>
-              </a:ext>
-            </a:extLst>
-          </a:blip>
-          <a:stretch>
-            <a:fillRect/>
-          </a:stretch>
-        </p:blipFill>
-        <p:spPr>
-          <a:xfrm>
-            <a:off x="6389523" y="3399061"/>
-            <a:ext cx="2465518" cy="902529"/>
-          </a:xfrm>
-          <a:prstGeom prst="rect">
-            <a:avLst/>
-          </a:prstGeom>
-        </p:spPr>
-      </p:pic>
-      <p:pic>
-        <p:nvPicPr>
-          <p:cNvPr id="9" name="Shape 61"/>
-          <p:cNvPicPr preferRelativeResize="0"/>
-          <p:nvPr/>
-        </p:nvPicPr>
-        <p:blipFill>
-          <a:blip r:embed="rId5">
-            <a:alphaModFix/>
-          </a:blip>
-          <a:stretch>
-            <a:fillRect/>
-          </a:stretch>
-        </p:blipFill>
-        <p:spPr>
-          <a:xfrm>
-            <a:off x="6622687" y="2069584"/>
-            <a:ext cx="1194218" cy="1192844"/>
-          </a:xfrm>
-          <a:prstGeom prst="rect">
-            <a:avLst/>
-          </a:prstGeom>
-          <a:noFill/>
-          <a:ln>
-            <a:noFill/>
-          </a:ln>
-        </p:spPr>
-      </p:pic>
-      <p:pic>
-        <p:nvPicPr>
-          <p:cNvPr id="10" name="Picture 9"/>
-          <p:cNvPicPr>
-            <a:picLocks noChangeAspect="1"/>
-          </p:cNvPicPr>
-          <p:nvPr/>
-        </p:nvPicPr>
-        <p:blipFill>
-          <a:blip r:embed="rId6">
-            <a:extLst>
-              <a:ext uri="{28A0092B-C50C-407E-A947-70E740481C1C}">
-                <a14:useLocalDpi xmlns:a14="http://schemas.microsoft.com/office/drawing/2010/main" val="0"/>
-              </a:ext>
-            </a:extLst>
-          </a:blip>
-          <a:stretch>
-            <a:fillRect/>
-          </a:stretch>
-        </p:blipFill>
-        <p:spPr>
-          <a:xfrm>
-            <a:off x="9299282" y="3331003"/>
-            <a:ext cx="2115382" cy="970587"/>
-          </a:xfrm>
-          <a:prstGeom prst="rect">
-            <a:avLst/>
-          </a:prstGeom>
-        </p:spPr>
-      </p:pic>
-      <p:pic>
-        <p:nvPicPr>
-          <p:cNvPr id="11" name="Picture 10"/>
-          <p:cNvPicPr>
-            <a:picLocks noChangeAspect="1"/>
-          </p:cNvPicPr>
-          <p:nvPr/>
-        </p:nvPicPr>
-        <p:blipFill>
-          <a:blip r:embed="rId7">
-            <a:extLst>
-              <a:ext uri="{28A0092B-C50C-407E-A947-70E740481C1C}">
-                <a14:useLocalDpi xmlns:a14="http://schemas.microsoft.com/office/drawing/2010/main" val="0"/>
-              </a:ext>
-            </a:extLst>
-          </a:blip>
-          <a:stretch>
-            <a:fillRect/>
-          </a:stretch>
-        </p:blipFill>
-        <p:spPr>
-          <a:xfrm>
-            <a:off x="10688416" y="4440664"/>
-            <a:ext cx="1012258" cy="883034"/>
-          </a:xfrm>
-          <a:prstGeom prst="rect">
-            <a:avLst/>
-          </a:prstGeom>
-        </p:spPr>
-      </p:pic>
-      <p:pic>
-        <p:nvPicPr>
-          <p:cNvPr id="12" name="Picture 11"/>
-          <p:cNvPicPr>
-            <a:picLocks noChangeAspect="1"/>
-          </p:cNvPicPr>
-          <p:nvPr/>
-        </p:nvPicPr>
-        <p:blipFill>
-          <a:blip r:embed="rId8" cstate="print">
-            <a:extLst>
-              <a:ext uri="{28A0092B-C50C-407E-A947-70E740481C1C}">
-                <a14:useLocalDpi xmlns:a14="http://schemas.microsoft.com/office/drawing/2010/main" val="0"/>
-              </a:ext>
-            </a:extLst>
-          </a:blip>
-          <a:stretch>
-            <a:fillRect/>
-          </a:stretch>
-        </p:blipFill>
-        <p:spPr>
-          <a:xfrm>
-            <a:off x="8497696" y="4586030"/>
-            <a:ext cx="1745024" cy="569876"/>
-          </a:xfrm>
-          <a:prstGeom prst="rect">
-            <a:avLst/>
-          </a:prstGeom>
-        </p:spPr>
-      </p:pic>
-      <p:pic>
-        <p:nvPicPr>
-          <p:cNvPr id="17" name="Picture 16"/>
-          <p:cNvPicPr>
-            <a:picLocks noChangeAspect="1"/>
-          </p:cNvPicPr>
-          <p:nvPr/>
-        </p:nvPicPr>
-        <p:blipFill rotWithShape="1">
-          <a:blip r:embed="rId9">
-            <a:extLst>
-              <a:ext uri="{28A0092B-C50C-407E-A947-70E740481C1C}">
-                <a14:useLocalDpi xmlns:a14="http://schemas.microsoft.com/office/drawing/2010/main" val="0"/>
-              </a:ext>
-            </a:extLst>
-          </a:blip>
-          <a:srcRect t="24848" b="27650"/>
-          <a:stretch/>
-        </p:blipFill>
-        <p:spPr>
-          <a:xfrm>
-            <a:off x="6389523" y="4399803"/>
-            <a:ext cx="1798349" cy="854242"/>
-          </a:xfrm>
-          <a:prstGeom prst="rect">
-            <a:avLst/>
-          </a:prstGeom>
-        </p:spPr>
-      </p:pic>
-      <p:pic>
-        <p:nvPicPr>
-          <p:cNvPr id="18" name="Picture 17"/>
-          <p:cNvPicPr>
-            <a:picLocks noChangeAspect="1"/>
-          </p:cNvPicPr>
-          <p:nvPr/>
-        </p:nvPicPr>
-        <p:blipFill>
-          <a:blip r:embed="rId10">
-            <a:extLst>
-              <a:ext uri="{28A0092B-C50C-407E-A947-70E740481C1C}">
-                <a14:useLocalDpi xmlns:a14="http://schemas.microsoft.com/office/drawing/2010/main" val="0"/>
-              </a:ext>
-            </a:extLst>
-          </a:blip>
-          <a:stretch>
-            <a:fillRect/>
-          </a:stretch>
-        </p:blipFill>
-        <p:spPr>
-          <a:xfrm>
-            <a:off x="10242720" y="2001022"/>
-            <a:ext cx="1171944" cy="1171944"/>
-          </a:xfrm>
-          <a:prstGeom prst="rect">
-            <a:avLst/>
-          </a:prstGeom>
-        </p:spPr>
-      </p:pic>
-      <p:pic>
-        <p:nvPicPr>
-          <p:cNvPr id="21" name="Picture 20"/>
-          <p:cNvPicPr>
-            <a:picLocks noChangeAspect="1"/>
-          </p:cNvPicPr>
-          <p:nvPr/>
-        </p:nvPicPr>
-        <p:blipFill>
-          <a:blip r:embed="rId11">
-            <a:extLst>
-              <a:ext uri="{28A0092B-C50C-407E-A947-70E740481C1C}">
-                <a14:useLocalDpi xmlns:a14="http://schemas.microsoft.com/office/drawing/2010/main" val="0"/>
-              </a:ext>
-            </a:extLst>
-          </a:blip>
-          <a:stretch>
-            <a:fillRect/>
-          </a:stretch>
-        </p:blipFill>
-        <p:spPr>
-          <a:xfrm>
-            <a:off x="6203947" y="5304130"/>
-            <a:ext cx="4990598" cy="840907"/>
-          </a:xfrm>
-          <a:prstGeom prst="rect">
-            <a:avLst/>
-          </a:prstGeom>
-        </p:spPr>
-      </p:pic>
-      <p:sp>
-        <p:nvSpPr>
-          <p:cNvPr id="22" name="TextBox 21"/>
-          <p:cNvSpPr txBox="1"/>
-          <p:nvPr/>
-        </p:nvSpPr>
-        <p:spPr>
-          <a:xfrm>
-            <a:off x="372978" y="397042"/>
-            <a:ext cx="3753853" cy="646331"/>
-          </a:xfrm>
-          <a:prstGeom prst="rect">
-            <a:avLst/>
-          </a:prstGeom>
-          <a:noFill/>
-        </p:spPr>
-        <p:txBody>
-          <a:bodyPr wrap="square" rtlCol="0">
-            <a:spAutoFit/>
-          </a:bodyPr>
-          <a:lstStyle/>
-          <a:p>
-            <a:r>
-              <a:rPr lang="en-US" sz="3600" dirty="0" smtClean="0">
-                <a:solidFill>
-                  <a:srgbClr val="FF0000"/>
-                </a:solidFill>
-              </a:rPr>
-              <a:t>Update logos</a:t>
-            </a:r>
-            <a:endParaRPr lang="en-US" sz="3600" dirty="0">
-              <a:solidFill>
-                <a:srgbClr val="FF0000"/>
-              </a:solidFill>
-            </a:endParaRPr>
-          </a:p>
-        </p:txBody>
-      </p:sp>
-    </p:spTree>
-    <p:extLst>
-      <p:ext uri="{BB962C8B-B14F-4D97-AF65-F5344CB8AC3E}">
-        <p14:creationId xmlns:p14="http://schemas.microsoft.com/office/powerpoint/2010/main" val="1910809658"/>
-      </p:ext>
-    </p:extLst>
-  </p:cSld>
-  <p:clrMapOvr>
-    <a:masterClrMapping/>
-  </p:clrMapOvr>
-  <p:timing>
-    <p:tnLst>
-      <p:par>
-        <p:cTn id="1" dur="indefinite" restart="never" nodeType="tmRoot"/>
-      </p:par>
-    </p:tnLst>
-  </p:timing>
-</p:sld>
-</file>
-
-<file path=ppt/slides/slide30.xml><?xml version="1.0" encoding="utf-8"?>
-<p:sld xmlns:a="http://schemas.openxmlformats.org/drawingml/2006/main" xmlns:r="http://schemas.openxmlformats.org/officeDocument/2006/relationships" xmlns:p="http://schemas.openxmlformats.org/presentationml/2006/main">
-  <p:cSld>
-    <p:spTree>
-      <p:nvGrpSpPr>
-        <p:cNvPr id="1" name=""/>
-        <p:cNvGrpSpPr/>
-        <p:nvPr/>
-      </p:nvGrpSpPr>
-      <p:grpSpPr>
-        <a:xfrm>
-          <a:off x="0" y="0"/>
-          <a:ext cx="0" cy="0"/>
-          <a:chOff x="0" y="0"/>
-          <a:chExt cx="0" cy="0"/>
-        </a:xfrm>
-      </p:grpSpPr>
-      <p:sp>
-        <p:nvSpPr>
-          <p:cNvPr id="2" name="Title 1"/>
-          <p:cNvSpPr>
-            <a:spLocks noGrp="1"/>
-          </p:cNvSpPr>
-          <p:nvPr>
-            <p:ph type="title"/>
-          </p:nvPr>
-        </p:nvSpPr>
-        <p:spPr/>
-        <p:txBody>
-          <a:bodyPr/>
-          <a:lstStyle/>
-          <a:p>
-            <a:r>
-              <a:rPr lang="en-US" dirty="0" smtClean="0"/>
-              <a:t>Recommended Future Directions</a:t>
-            </a:r>
-            <a:endParaRPr lang="en-US" dirty="0"/>
-          </a:p>
-        </p:txBody>
-      </p:sp>
-      <p:sp>
-        <p:nvSpPr>
-          <p:cNvPr id="3" name="Content Placeholder 2"/>
-          <p:cNvSpPr>
-            <a:spLocks noGrp="1"/>
-          </p:cNvSpPr>
-          <p:nvPr>
-            <p:ph idx="1"/>
-          </p:nvPr>
-        </p:nvSpPr>
-        <p:spPr/>
-        <p:txBody>
-          <a:bodyPr/>
-          <a:lstStyle/>
+              <a:t>State and analyze system-level properties (in progress)</a:t>
+            </a:r>
+          </a:p>
           <a:p>
             <a:pPr>
               <a:lnSpc>
@@ -10207,7 +11912,7 @@
             </a:pPr>
             <a:r>
               <a:rPr lang="en-US" dirty="0" smtClean="0"/>
-              <a:t>Write contracts for the remaining components</a:t>
+              <a:t>Generate code from AADL</a:t>
             </a:r>
           </a:p>
           <a:p>
@@ -10221,13 +11926,16 @@
             </a:pPr>
             <a:r>
               <a:rPr lang="en-US" dirty="0" smtClean="0"/>
-              <a:t>State and analyze system-level </a:t>
-            </a:r>
-            <a:r>
-              <a:rPr lang="en-US" dirty="0" smtClean="0"/>
-              <a:t>properties (in progress)</a:t>
-            </a:r>
-            <a:endParaRPr lang="en-US" dirty="0" smtClean="0"/>
+              <a:t>Generate test cases from AGREE and run on </a:t>
+            </a:r>
+            <a:r>
+              <a:rPr lang="en-US" dirty="0" err="1" smtClean="0"/>
+              <a:t>UxAS</a:t>
+            </a:r>
+            <a:r>
+              <a:rPr lang="en-US" dirty="0" smtClean="0"/>
+              <a:t> implementation</a:t>
+            </a:r>
           </a:p>
           <a:p>
             <a:pPr>
@@ -10240,47 +11948,7 @@
             </a:pPr>
             <a:r>
               <a:rPr lang="en-US" dirty="0" smtClean="0"/>
-              <a:t>Generate code from AADL</a:t>
-            </a:r>
-          </a:p>
-          <a:p>
-            <a:pPr>
-              <a:lnSpc>
-                <a:spcPct val="100000"/>
-              </a:lnSpc>
-              <a:spcBef>
-                <a:spcPts val="200"/>
-              </a:spcBef>
-            </a:pPr>
-            <a:r>
-              <a:rPr lang="en-US" dirty="0" smtClean="0"/>
-              <a:t>Generate test cases from AGREE and run on </a:t>
-            </a:r>
-            <a:r>
-              <a:rPr lang="en-US" dirty="0" err="1" smtClean="0"/>
-              <a:t>UxAS</a:t>
-            </a:r>
-            <a:r>
-              <a:rPr lang="en-US" dirty="0" smtClean="0"/>
-              <a:t> implementation</a:t>
-            </a:r>
-          </a:p>
-          <a:p>
-            <a:pPr>
-              <a:lnSpc>
-                <a:spcPct val="100000"/>
-              </a:lnSpc>
-              <a:spcBef>
-                <a:spcPts val="200"/>
-              </a:spcBef>
-            </a:pPr>
-            <a:r>
-              <a:rPr lang="en-US" dirty="0" smtClean="0"/>
-              <a:t>Continue documenting decisions and the assurance case for the </a:t>
-            </a:r>
-            <a:r>
-              <a:rPr lang="en-US" dirty="0" smtClean="0"/>
-              <a:t>architecture</a:t>
+              <a:t>Continue documenting decisions and the assurance case for the architecture</a:t>
             </a:r>
           </a:p>
           <a:p>
@@ -10384,7 +12052,7 @@
           <a:p>
             <a:fld id="{22900CBD-C7D3-47FA-BEF9-49DBBEB1A58F}" type="slidenum">
               <a:rPr lang="en-US" smtClean="0"/>
-              <a:t>30</a:t>
+              <a:t>38</a:t>
             </a:fld>
             <a:endParaRPr lang="en-US"/>
           </a:p>
@@ -10443,128 +12111,16 @@
           <a:lstStyle/>
           <a:p>
             <a:r>
-              <a:rPr lang="en-US" dirty="0" smtClean="0"/>
-              <a:t>Group Objectives</a:t>
-            </a:r>
-            <a:endParaRPr lang="en-US" dirty="0"/>
-          </a:p>
-        </p:txBody>
-      </p:sp>
-      <p:sp>
-        <p:nvSpPr>
-          <p:cNvPr id="3" name="Content Placeholder 2"/>
-          <p:cNvSpPr>
-            <a:spLocks noGrp="1"/>
-          </p:cNvSpPr>
-          <p:nvPr>
-            <p:ph idx="1"/>
-          </p:nvPr>
-        </p:nvSpPr>
-        <p:spPr/>
-        <p:txBody>
-          <a:bodyPr/>
-          <a:lstStyle/>
-          <a:p>
-            <a:pPr fontAlgn="base"/>
-            <a:r>
-              <a:rPr lang="en-US" b="1" dirty="0"/>
-              <a:t>Develop a formal architecture for the current state of </a:t>
-            </a:r>
-            <a:r>
-              <a:rPr lang="en-US" b="1" dirty="0" err="1"/>
-              <a:t>UxAS</a:t>
-            </a:r>
-            <a:r>
-              <a:rPr lang="en-US" b="1" dirty="0"/>
-              <a:t> in an assume/guarantee framework</a:t>
-            </a:r>
-          </a:p>
-          <a:p>
-            <a:pPr fontAlgn="base"/>
-            <a:r>
-              <a:rPr lang="en-US" dirty="0"/>
-              <a:t>Identify strengths, weaknesses, and problems for the current architecture</a:t>
-            </a:r>
-          </a:p>
-          <a:p>
-            <a:pPr fontAlgn="base"/>
-            <a:r>
-              <a:rPr lang="en-US" dirty="0"/>
-              <a:t>Document decisions made along the way with supporting rationale</a:t>
-            </a:r>
-          </a:p>
-          <a:p>
-            <a:pPr fontAlgn="base"/>
-            <a:r>
-              <a:rPr lang="en-US" dirty="0"/>
-              <a:t>Make / begin to implement a revised formal architecture to mitigate </a:t>
-            </a:r>
-            <a:r>
-              <a:rPr lang="en-US" dirty="0" smtClean="0"/>
-              <a:t>challenges</a:t>
-            </a:r>
-          </a:p>
-          <a:p>
-            <a:pPr fontAlgn="base"/>
-            <a:endParaRPr lang="en-US" dirty="0"/>
-          </a:p>
-          <a:p>
-            <a:pPr fontAlgn="base"/>
-            <a:r>
-              <a:rPr lang="en-US" dirty="0">
+              <a:rPr lang="en-US" dirty="0" smtClean="0">
                 <a:solidFill>
-                  <a:schemeClr val="accent2">
-                    <a:lumMod val="50000"/>
-                  </a:schemeClr>
+                  <a:srgbClr val="FF0000"/>
                 </a:solidFill>
               </a:rPr>
-              <a:t>(Non-objective) We did NOT attempt to prove </a:t>
-            </a:r>
-            <a:r>
-              <a:rPr lang="en-US" dirty="0" smtClean="0">
-                <a:solidFill>
-                  <a:schemeClr val="accent2">
-                    <a:lumMod val="50000"/>
-                  </a:schemeClr>
-                </a:solidFill>
-              </a:rPr>
-              <a:t>that the </a:t>
-            </a:r>
-            <a:r>
-              <a:rPr lang="en-US" dirty="0">
-                <a:solidFill>
-                  <a:schemeClr val="accent2">
-                    <a:lumMod val="50000"/>
-                  </a:schemeClr>
-                </a:solidFill>
-              </a:rPr>
-              <a:t>component contracts are true for the existing C++ code for </a:t>
-            </a:r>
-            <a:r>
-              <a:rPr lang="en-US" dirty="0" err="1">
-                <a:solidFill>
-                  <a:schemeClr val="accent2">
-                    <a:lumMod val="50000"/>
-                  </a:schemeClr>
-                </a:solidFill>
-              </a:rPr>
-              <a:t>UxAS</a:t>
-            </a:r>
-            <a:r>
-              <a:rPr lang="en-US" dirty="0" smtClean="0">
-                <a:solidFill>
-                  <a:schemeClr val="accent2">
-                    <a:lumMod val="50000"/>
-                  </a:schemeClr>
-                </a:solidFill>
-              </a:rPr>
-              <a:t>.</a:t>
+              <a:t>Storyline (to be deleted and spoken instead)</a:t>
             </a:r>
             <a:endParaRPr lang="en-US" dirty="0">
               <a:solidFill>
-                <a:schemeClr val="accent2">
-                  <a:lumMod val="50000"/>
-                </a:schemeClr>
+                <a:srgbClr val="FF0000"/>
               </a:solidFill>
             </a:endParaRPr>
           </a:p>
@@ -10572,6 +12128,59 @@
       </p:sp>
       <p:sp>
         <p:nvSpPr>
+          <p:cNvPr id="3" name="Content Placeholder 2"/>
+          <p:cNvSpPr>
+            <a:spLocks noGrp="1"/>
+          </p:cNvSpPr>
+          <p:nvPr>
+            <p:ph idx="1"/>
+          </p:nvPr>
+        </p:nvSpPr>
+        <p:spPr/>
+        <p:txBody>
+          <a:bodyPr/>
+          <a:lstStyle/>
+          <a:p>
+            <a:r>
+              <a:rPr lang="en-US" dirty="0" smtClean="0"/>
+              <a:t>Wanted to formalize </a:t>
+            </a:r>
+            <a:r>
+              <a:rPr lang="en-US" dirty="0" err="1" smtClean="0"/>
+              <a:t>UxAS</a:t>
+            </a:r>
+            <a:r>
+              <a:rPr lang="en-US" dirty="0" smtClean="0"/>
+              <a:t> to enable analysis</a:t>
+            </a:r>
+          </a:p>
+          <a:p>
+            <a:pPr lvl="1"/>
+            <a:r>
+              <a:rPr lang="en-US" dirty="0" smtClean="0"/>
+              <a:t>Found issues along the way. Fixed some.</a:t>
+            </a:r>
+          </a:p>
+          <a:p>
+            <a:pPr lvl="1"/>
+            <a:r>
+              <a:rPr lang="en-US" dirty="0" smtClean="0"/>
+              <a:t>Gave us insights.</a:t>
+            </a:r>
+          </a:p>
+          <a:p>
+            <a:r>
+              <a:rPr lang="en-US" dirty="0" smtClean="0"/>
+              <a:t>To do this, we needed to capture contracts for the components in a formal language.</a:t>
+            </a:r>
+          </a:p>
+          <a:p>
+            <a:endParaRPr lang="en-US" dirty="0"/>
+          </a:p>
+        </p:txBody>
+      </p:sp>
+      <p:sp>
+        <p:nvSpPr>
           <p:cNvPr id="4" name="Footer Placeholder 3"/>
           <p:cNvSpPr>
             <a:spLocks noGrp="1"/>
@@ -10580,7 +12189,12 @@
             <p:ph type="ftr" sz="quarter" idx="11"/>
           </p:nvPr>
         </p:nvSpPr>
-        <p:spPr/>
+        <p:spPr>
+          <a:xfrm>
+            <a:off x="4038600" y="6419124"/>
+            <a:ext cx="4114800" cy="306936"/>
+          </a:xfrm>
+        </p:spPr>
         <p:txBody>
           <a:bodyPr/>
           <a:lstStyle/>
@@ -10589,29 +12203,6 @@
               <a:rPr lang="en-US" dirty="0" smtClean="0"/>
               <a:t>Architecture Group</a:t>
             </a:r>
-            <a:endParaRPr lang="en-US" dirty="0"/>
-          </a:p>
-        </p:txBody>
-      </p:sp>
-      <p:sp>
-        <p:nvSpPr>
-          <p:cNvPr id="5" name="Slide Number Placeholder 4"/>
-          <p:cNvSpPr>
-            <a:spLocks noGrp="1"/>
-          </p:cNvSpPr>
-          <p:nvPr>
-            <p:ph type="sldNum" sz="quarter" idx="12"/>
-          </p:nvPr>
-        </p:nvSpPr>
-        <p:spPr/>
-        <p:txBody>
-          <a:bodyPr/>
-          <a:lstStyle/>
-          <a:p>
-            <a:fld id="{22900CBD-C7D3-47FA-BEF9-49DBBEB1A58F}" type="slidenum">
-              <a:rPr lang="en-US" smtClean="0"/>
-              <a:t>4</a:t>
-            </a:fld>
             <a:endParaRPr lang="en-US" dirty="0"/>
           </a:p>
         </p:txBody>
@@ -10619,7 +12210,7 @@
     </p:spTree>
     <p:extLst>
       <p:ext uri="{BB962C8B-B14F-4D97-AF65-F5344CB8AC3E}">
-        <p14:creationId xmlns:p14="http://schemas.microsoft.com/office/powerpoint/2010/main" val="1473503506"/>
+        <p14:creationId xmlns:p14="http://schemas.microsoft.com/office/powerpoint/2010/main" val="231483436"/>
       </p:ext>
     </p:extLst>
   </p:cSld>
@@ -10670,7 +12261,7 @@
           <a:p>
             <a:r>
               <a:rPr lang="en-US" dirty="0" smtClean="0"/>
-              <a:t>Group Accomplishments</a:t>
+              <a:t>Group Objectives</a:t>
             </a:r>
             <a:endParaRPr lang="en-US" dirty="0"/>
           </a:p>
@@ -10688,258 +12279,75 @@
         </p:nvSpPr>
         <p:spPr/>
         <p:txBody>
-          <a:bodyPr>
-            <a:normAutofit fontScale="92500" lnSpcReduction="20000"/>
-          </a:bodyPr>
+          <a:bodyPr/>
           <a:lstStyle/>
           <a:p>
             <a:pPr fontAlgn="base"/>
             <a:r>
+              <a:rPr lang="en-US" b="1" dirty="0"/>
+              <a:t>Develop a formal architecture for the current state of </a:t>
+            </a:r>
+            <a:r>
+              <a:rPr lang="en-US" b="1" dirty="0" err="1"/>
+              <a:t>UxAS</a:t>
+            </a:r>
+            <a:r>
+              <a:rPr lang="en-US" b="1" dirty="0"/>
+              <a:t> in an assume/guarantee framework</a:t>
+            </a:r>
+          </a:p>
+          <a:p>
+            <a:pPr fontAlgn="base"/>
+            <a:r>
               <a:rPr lang="en-US" dirty="0"/>
-              <a:t>Extracted data types, input and output ports, and connections from code into both AADL/AGREE and </a:t>
-            </a:r>
-            <a:r>
-              <a:rPr lang="en-US" dirty="0" smtClean="0"/>
-              <a:t>ASSERT </a:t>
-            </a:r>
-            <a:r>
-              <a:rPr lang="en-US" dirty="0" smtClean="0">
-                <a:solidFill>
-                  <a:srgbClr val="0000FF"/>
-                </a:solidFill>
-              </a:rPr>
-              <a:t>(LQ/AFRL, GE, RC)</a:t>
-            </a:r>
-            <a:endParaRPr lang="en-US" dirty="0">
-              <a:solidFill>
-                <a:srgbClr val="0000FF"/>
-              </a:solidFill>
-            </a:endParaRPr>
+              <a:t>Identify strengths, weaknesses, and problems for the current architecture</a:t>
+            </a:r>
           </a:p>
           <a:p>
             <a:pPr fontAlgn="base"/>
             <a:r>
               <a:rPr lang="en-US" dirty="0"/>
-              <a:t>Created formal contracts for </a:t>
-            </a:r>
-            <a:r>
-              <a:rPr lang="en-US" dirty="0">
-                <a:solidFill>
-                  <a:srgbClr val="FF0000"/>
-                </a:solidFill>
-              </a:rPr>
-              <a:t>6-8</a:t>
-            </a:r>
+              <a:t>Document decisions made along the way with supporting rationale</a:t>
+            </a:r>
+          </a:p>
+          <a:p>
+            <a:pPr fontAlgn="base"/>
             <a:r>
               <a:rPr lang="en-US" dirty="0"/>
-              <a:t> services and tasks based on the </a:t>
-            </a:r>
-            <a:r>
-              <a:rPr lang="en-US" dirty="0" err="1"/>
-              <a:t>OpenUxAS</a:t>
-            </a:r>
+              <a:t>Make / begin to implement a revised formal architecture to mitigate </a:t>
+            </a:r>
+            <a:r>
+              <a:rPr lang="en-US" dirty="0" smtClean="0"/>
+              <a:t>challenges</a:t>
+            </a:r>
+          </a:p>
+          <a:p>
+            <a:pPr fontAlgn="base"/>
+            <a:endParaRPr lang="en-US" dirty="0"/>
+          </a:p>
+          <a:p>
+            <a:pPr fontAlgn="base"/>
             <a:r>
               <a:rPr lang="en-US" dirty="0"/>
-              <a:t> Wiki and conversations with the </a:t>
-            </a:r>
-            <a:r>
-              <a:rPr lang="en-US" dirty="0" smtClean="0"/>
-              <a:t>developer </a:t>
-            </a:r>
-            <a:r>
-              <a:rPr lang="en-US" dirty="0" smtClean="0">
-                <a:solidFill>
-                  <a:srgbClr val="0000FF"/>
-                </a:solidFill>
-              </a:rPr>
-              <a:t>(DC, RC)</a:t>
-            </a:r>
-            <a:endParaRPr lang="en-US" dirty="0">
-              <a:solidFill>
-                <a:srgbClr val="0000FF"/>
-              </a:solidFill>
-            </a:endParaRPr>
-          </a:p>
-          <a:p>
-            <a:pPr fontAlgn="base"/>
-            <a:r>
-              <a:rPr lang="en-US" dirty="0" smtClean="0"/>
-              <a:t>Stated </a:t>
+              <a:t>(Non-objective) We did NOT attempt to prove </a:t>
+            </a:r>
+            <a:r>
+              <a:rPr lang="en-US" dirty="0" smtClean="0"/>
+              <a:t>that the </a:t>
             </a:r>
             <a:r>
               <a:rPr lang="en-US" dirty="0"/>
-              <a:t>and analyzed </a:t>
-            </a:r>
-            <a:r>
-              <a:rPr lang="en-US" dirty="0" smtClean="0"/>
-              <a:t>properties </a:t>
-            </a:r>
-            <a:r>
-              <a:rPr lang="en-US" dirty="0" smtClean="0"/>
-              <a:t>of these </a:t>
-            </a:r>
-            <a:r>
-              <a:rPr lang="en-US" dirty="0"/>
-              <a:t>component-level </a:t>
-            </a:r>
-            <a:r>
-              <a:rPr lang="en-US" dirty="0" smtClean="0"/>
-              <a:t>contracts </a:t>
-            </a:r>
-            <a:r>
-              <a:rPr lang="en-US" dirty="0" smtClean="0">
-                <a:solidFill>
-                  <a:srgbClr val="0000FF"/>
-                </a:solidFill>
-              </a:rPr>
-              <a:t>(DC, RC)</a:t>
-            </a:r>
-            <a:endParaRPr lang="en-US" dirty="0">
-              <a:solidFill>
-                <a:srgbClr val="0000FF"/>
-              </a:solidFill>
-            </a:endParaRPr>
-          </a:p>
-          <a:p>
-            <a:pPr fontAlgn="base"/>
-            <a:r>
-              <a:rPr lang="en-US" dirty="0" smtClean="0"/>
-              <a:t>Idioms and lemmas </a:t>
-            </a:r>
-            <a:r>
-              <a:rPr lang="en-US" dirty="0"/>
-              <a:t>developed and documented for effective use of </a:t>
-            </a:r>
-            <a:r>
-              <a:rPr lang="en-US" dirty="0" smtClean="0"/>
-              <a:t>AGREE </a:t>
-            </a:r>
-            <a:r>
-              <a:rPr lang="en-US" dirty="0" smtClean="0">
-                <a:solidFill>
-                  <a:srgbClr val="0000FF"/>
-                </a:solidFill>
-              </a:rPr>
-              <a:t>(DC, RC)</a:t>
-            </a:r>
-            <a:endParaRPr lang="en-US" dirty="0">
-              <a:solidFill>
-                <a:srgbClr val="0000FF"/>
-              </a:solidFill>
-            </a:endParaRPr>
-          </a:p>
-          <a:p>
-            <a:pPr fontAlgn="base"/>
-            <a:r>
-              <a:rPr lang="en-US" dirty="0"/>
-              <a:t>Developed tool to compose component contracts into a system </a:t>
-            </a:r>
-            <a:r>
-              <a:rPr lang="en-US" dirty="0" smtClean="0"/>
-              <a:t>contract </a:t>
-            </a:r>
-            <a:r>
-              <a:rPr lang="en-US" dirty="0" smtClean="0">
-                <a:solidFill>
-                  <a:srgbClr val="0000FF"/>
-                </a:solidFill>
-              </a:rPr>
-              <a:t>(H, ISU)</a:t>
-            </a:r>
-            <a:endParaRPr lang="en-US" dirty="0">
-              <a:solidFill>
-                <a:srgbClr val="0000FF"/>
-              </a:solidFill>
-            </a:endParaRPr>
-          </a:p>
-          <a:p>
-            <a:pPr lvl="1" fontAlgn="base"/>
-            <a:r>
-              <a:rPr lang="en-US" dirty="0"/>
-              <a:t>Added support for timing with finite history (i.e., “previous</a:t>
-            </a:r>
-            <a:r>
-              <a:rPr lang="en-US" dirty="0" smtClean="0"/>
-              <a:t>”)</a:t>
-            </a:r>
-          </a:p>
-          <a:p>
-            <a:pPr fontAlgn="base"/>
-            <a:r>
-              <a:rPr lang="en-US" dirty="0" smtClean="0"/>
-              <a:t>Created </a:t>
-            </a:r>
-            <a:r>
-              <a:rPr lang="en-US" dirty="0" smtClean="0"/>
-              <a:t>an assurance argument for state machine correctness </a:t>
-            </a:r>
-            <a:r>
-              <a:rPr lang="en-US" dirty="0" smtClean="0">
-                <a:solidFill>
-                  <a:srgbClr val="0000FF"/>
-                </a:solidFill>
-              </a:rPr>
-              <a:t>(DC</a:t>
-            </a:r>
-            <a:r>
-              <a:rPr lang="en-US" dirty="0" smtClean="0">
-                <a:solidFill>
-                  <a:srgbClr val="0000FF"/>
-                </a:solidFill>
-              </a:rPr>
-              <a:t>)</a:t>
-            </a:r>
-          </a:p>
-          <a:p>
-            <a:pPr fontAlgn="base"/>
-            <a:r>
-              <a:rPr lang="en-US" dirty="0" smtClean="0"/>
-              <a:t>Abstraction of task service finite state machine for simulation and formal analysis </a:t>
-            </a:r>
-            <a:r>
-              <a:rPr lang="en-US" dirty="0" smtClean="0">
-                <a:solidFill>
-                  <a:srgbClr val="0000FF"/>
-                </a:solidFill>
-              </a:rPr>
-              <a:t>(LM)</a:t>
-            </a:r>
-          </a:p>
-          <a:p>
-            <a:pPr fontAlgn="base"/>
-            <a:r>
-              <a:rPr lang="en-US" dirty="0"/>
-              <a:t>Connected </a:t>
+              <a:t>component contracts are true for the existing C++ code for </a:t>
             </a:r>
             <a:r>
               <a:rPr lang="en-US" dirty="0" err="1"/>
               <a:t>UxAS</a:t>
             </a:r>
             <a:r>
-              <a:rPr lang="en-US" dirty="0"/>
-              <a:t> to the Robot Operating System (ROS) </a:t>
-            </a:r>
-            <a:r>
-              <a:rPr lang="en-US" dirty="0">
-                <a:solidFill>
-                  <a:srgbClr val="0000FF"/>
-                </a:solidFill>
-              </a:rPr>
-              <a:t>(UC</a:t>
-            </a:r>
-            <a:r>
-              <a:rPr lang="en-US" dirty="0" smtClean="0">
-                <a:solidFill>
-                  <a:srgbClr val="0000FF"/>
-                </a:solidFill>
-              </a:rPr>
-              <a:t>)</a:t>
-            </a:r>
-            <a:endParaRPr lang="en-US" dirty="0">
-              <a:solidFill>
-                <a:srgbClr val="0000FF"/>
-              </a:solidFill>
-            </a:endParaRPr>
+              <a:rPr lang="en-US" dirty="0" smtClean="0"/>
+              <a:t>.</a:t>
+            </a:r>
+            <a:endParaRPr lang="en-US" dirty="0"/>
           </a:p>
         </p:txBody>
       </p:sp>
@@ -10991,64 +12399,64 @@
       </p:sp>
       <p:sp>
         <p:nvSpPr>
-          <p:cNvPr id="6" name="Rectangle 5"/>
+          <p:cNvPr id="7" name="Left Arrow 6"/>
           <p:cNvSpPr/>
           <p:nvPr/>
         </p:nvSpPr>
         <p:spPr>
           <a:xfrm>
-            <a:off x="5977217" y="3244334"/>
-            <a:ext cx="237566" cy="369332"/>
+            <a:off x="9508176" y="4678878"/>
+            <a:ext cx="2487881" cy="1277896"/>
           </a:xfrm>
-          <a:prstGeom prst="rect">
+          <a:prstGeom prst="leftArrow">
             <a:avLst/>
           </a:prstGeom>
+          <a:solidFill>
+            <a:srgbClr val="FF0000"/>
+          </a:solidFill>
+          <a:ln>
+            <a:solidFill>
+              <a:schemeClr val="tx1"/>
+            </a:solidFill>
+          </a:ln>
         </p:spPr>
-        <p:txBody>
-          <a:bodyPr wrap="none">
-            <a:spAutoFit/>
-          </a:bodyPr>
-          <a:lstStyle/>
-          <a:p>
-            <a:r>
-              <a:rPr lang="en-US" dirty="0"/>
-              <a:t> </a:t>
-            </a:r>
-          </a:p>
-        </p:txBody>
-      </p:sp>
-      <p:sp>
-        <p:nvSpPr>
-          <p:cNvPr id="7" name="Rectangle 6"/>
-          <p:cNvSpPr/>
-          <p:nvPr/>
-        </p:nvSpPr>
-        <p:spPr>
-          <a:xfrm>
-            <a:off x="5977217" y="3244334"/>
-            <a:ext cx="237566" cy="369332"/>
-          </a:xfrm>
-          <a:prstGeom prst="rect">
-            <a:avLst/>
-          </a:prstGeom>
-        </p:spPr>
-        <p:txBody>
-          <a:bodyPr wrap="none">
-            <a:spAutoFit/>
-          </a:bodyPr>
-          <a:lstStyle/>
-          <a:p>
-            <a:r>
-              <a:rPr lang="en-US" dirty="0"/>
-              <a:t> </a:t>
-            </a:r>
+        <p:style>
+          <a:lnRef idx="2">
+            <a:schemeClr val="accent1">
+              <a:shade val="50000"/>
+            </a:schemeClr>
+          </a:lnRef>
+          <a:fillRef idx="1">
+            <a:schemeClr val="accent1"/>
+          </a:fillRef>
+          <a:effectRef idx="0">
+            <a:schemeClr val="accent1"/>
+          </a:effectRef>
+          <a:fontRef idx="minor">
+            <a:schemeClr val="lt1"/>
+          </a:fontRef>
+        </p:style>
+        <p:txBody>
+          <a:bodyPr rtlCol="0" anchor="ctr"/>
+          <a:lstStyle/>
+          <a:p>
+            <a:pPr algn="ctr"/>
+            <a:r>
+              <a:rPr lang="en-US" sz="1400" dirty="0"/>
+              <a:t>Maybe build this point in as an </a:t>
+            </a:r>
+            <a:r>
+              <a:rPr lang="en-US" sz="1400" dirty="0" err="1"/>
+              <a:t>annimation</a:t>
+            </a:r>
+            <a:endParaRPr lang="en-US" sz="1400" dirty="0"/>
           </a:p>
         </p:txBody>
       </p:sp>
     </p:spTree>
     <p:extLst>
       <p:ext uri="{BB962C8B-B14F-4D97-AF65-F5344CB8AC3E}">
-        <p14:creationId xmlns:p14="http://schemas.microsoft.com/office/powerpoint/2010/main" val="3648641319"/>
+        <p14:creationId xmlns:p14="http://schemas.microsoft.com/office/powerpoint/2010/main" val="1473503506"/>
       </p:ext>
     </p:extLst>
   </p:cSld>
@@ -11098,29 +12506,272 @@
           <a:lstStyle/>
           <a:p>
             <a:r>
+              <a:rPr lang="en-US" dirty="0" smtClean="0"/>
+              <a:t>Group Accomplishments</a:t>
+            </a:r>
+            <a:endParaRPr lang="en-US" dirty="0"/>
+          </a:p>
+        </p:txBody>
+      </p:sp>
+      <p:sp>
+        <p:nvSpPr>
+          <p:cNvPr id="3" name="Content Placeholder 2"/>
+          <p:cNvSpPr>
+            <a:spLocks noGrp="1"/>
+          </p:cNvSpPr>
+          <p:nvPr>
+            <p:ph idx="1"/>
+          </p:nvPr>
+        </p:nvSpPr>
+        <p:spPr/>
+        <p:txBody>
+          <a:bodyPr>
+            <a:normAutofit fontScale="92500" lnSpcReduction="20000"/>
+          </a:bodyPr>
+          <a:lstStyle/>
+          <a:p>
+            <a:pPr fontAlgn="base"/>
+            <a:r>
+              <a:rPr lang="en-US" dirty="0"/>
+              <a:t>Extracted data types, input and output ports, and connections from code into both AADL/AGREE and </a:t>
+            </a:r>
+            <a:r>
+              <a:rPr lang="en-US" dirty="0" smtClean="0"/>
+              <a:t>ASSERT </a:t>
+            </a:r>
+            <a:r>
               <a:rPr lang="en-US" dirty="0" smtClean="0">
+                <a:solidFill>
+                  <a:srgbClr val="0000FF"/>
+                </a:solidFill>
+              </a:rPr>
+              <a:t>(LQ/AFRL, GE, RC)</a:t>
+            </a:r>
+            <a:endParaRPr lang="en-US" dirty="0">
+              <a:solidFill>
+                <a:srgbClr val="0000FF"/>
+              </a:solidFill>
+            </a:endParaRPr>
+          </a:p>
+          <a:p>
+            <a:pPr fontAlgn="base"/>
+            <a:r>
+              <a:rPr lang="en-US" dirty="0"/>
+              <a:t>Created formal contracts for </a:t>
+            </a:r>
+            <a:r>
+              <a:rPr lang="en-US" dirty="0">
                 <a:solidFill>
                   <a:srgbClr val="FF0000"/>
                 </a:solidFill>
               </a:rPr>
-              <a:t>Storyline (to be deleted and spoken instead)</a:t>
+              <a:t>6-8</a:t>
+            </a:r>
+            <a:r>
+              <a:rPr lang="en-US" dirty="0"/>
+              <a:t> services and tasks based on the </a:t>
+            </a:r>
+            <a:r>
+              <a:rPr lang="en-US" dirty="0" err="1"/>
+              <a:t>OpenUxAS</a:t>
+            </a:r>
+            <a:r>
+              <a:rPr lang="en-US" dirty="0"/>
+              <a:t> Wiki and conversations with the </a:t>
+            </a:r>
+            <a:r>
+              <a:rPr lang="en-US" dirty="0" smtClean="0"/>
+              <a:t>developer </a:t>
+            </a:r>
+            <a:r>
+              <a:rPr lang="en-US" dirty="0" smtClean="0">
+                <a:solidFill>
+                  <a:srgbClr val="0000FF"/>
+                </a:solidFill>
+              </a:rPr>
+              <a:t>(DC, RC)</a:t>
             </a:r>
             <a:endParaRPr lang="en-US" dirty="0">
               <a:solidFill>
-                <a:srgbClr val="FF0000"/>
+                <a:srgbClr val="0000FF"/>
               </a:solidFill>
             </a:endParaRPr>
           </a:p>
-        </p:txBody>
-      </p:sp>
-      <p:sp>
-        <p:nvSpPr>
-          <p:cNvPr id="3" name="Content Placeholder 2"/>
-          <p:cNvSpPr>
-            <a:spLocks noGrp="1"/>
-          </p:cNvSpPr>
-          <p:nvPr>
-            <p:ph idx="1"/>
+          <a:p>
+            <a:pPr fontAlgn="base"/>
+            <a:r>
+              <a:rPr lang="en-US" dirty="0" smtClean="0"/>
+              <a:t>Stated </a:t>
+            </a:r>
+            <a:r>
+              <a:rPr lang="en-US" dirty="0"/>
+              <a:t>and analyzed </a:t>
+            </a:r>
+            <a:r>
+              <a:rPr lang="en-US" dirty="0" smtClean="0"/>
+              <a:t>properties of these </a:t>
+            </a:r>
+            <a:r>
+              <a:rPr lang="en-US" dirty="0"/>
+              <a:t>component-level </a:t>
+            </a:r>
+            <a:r>
+              <a:rPr lang="en-US" dirty="0" smtClean="0"/>
+              <a:t>contracts </a:t>
+            </a:r>
+            <a:r>
+              <a:rPr lang="en-US" dirty="0" smtClean="0">
+                <a:solidFill>
+                  <a:srgbClr val="0000FF"/>
+                </a:solidFill>
+              </a:rPr>
+              <a:t>(DC, RC)</a:t>
+            </a:r>
+            <a:endParaRPr lang="en-US" dirty="0">
+              <a:solidFill>
+                <a:srgbClr val="0000FF"/>
+              </a:solidFill>
+            </a:endParaRPr>
+          </a:p>
+          <a:p>
+            <a:pPr fontAlgn="base"/>
+            <a:r>
+              <a:rPr lang="en-US" dirty="0" smtClean="0"/>
+              <a:t>Idioms and lemmas </a:t>
+            </a:r>
+            <a:r>
+              <a:rPr lang="en-US" dirty="0"/>
+              <a:t>developed and documented for effective use of </a:t>
+            </a:r>
+            <a:r>
+              <a:rPr lang="en-US" dirty="0" smtClean="0"/>
+              <a:t>AGREE </a:t>
+            </a:r>
+            <a:r>
+              <a:rPr lang="en-US" dirty="0" smtClean="0">
+                <a:solidFill>
+                  <a:srgbClr val="0000FF"/>
+                </a:solidFill>
+              </a:rPr>
+              <a:t>(DC, RC)</a:t>
+            </a:r>
+            <a:endParaRPr lang="en-US" dirty="0">
+              <a:solidFill>
+                <a:srgbClr val="0000FF"/>
+              </a:solidFill>
+            </a:endParaRPr>
+          </a:p>
+          <a:p>
+            <a:pPr fontAlgn="base"/>
+            <a:r>
+              <a:rPr lang="en-US" dirty="0"/>
+              <a:t>Developed tool to compose component contracts into a system </a:t>
+            </a:r>
+            <a:r>
+              <a:rPr lang="en-US" dirty="0" smtClean="0"/>
+              <a:t>contract </a:t>
+            </a:r>
+            <a:r>
+              <a:rPr lang="en-US" dirty="0" smtClean="0">
+                <a:solidFill>
+                  <a:srgbClr val="0000FF"/>
+                </a:solidFill>
+              </a:rPr>
+              <a:t>(H, ISU)</a:t>
+            </a:r>
+            <a:endParaRPr lang="en-US" dirty="0">
+              <a:solidFill>
+                <a:srgbClr val="0000FF"/>
+              </a:solidFill>
+            </a:endParaRPr>
+          </a:p>
+          <a:p>
+            <a:pPr lvl="1" fontAlgn="base"/>
+            <a:r>
+              <a:rPr lang="en-US" dirty="0"/>
+              <a:t>Added support for timing with finite history (i.e., “previous</a:t>
+            </a:r>
+            <a:r>
+              <a:rPr lang="en-US" dirty="0" smtClean="0"/>
+              <a:t>”)</a:t>
+            </a:r>
+          </a:p>
+          <a:p>
+            <a:pPr fontAlgn="base"/>
+            <a:r>
+              <a:rPr lang="en-US" dirty="0" smtClean="0"/>
+              <a:t>Created an assurance argument for state machine correctness </a:t>
+            </a:r>
+            <a:r>
+              <a:rPr lang="en-US" dirty="0" smtClean="0">
+                <a:solidFill>
+                  <a:srgbClr val="0000FF"/>
+                </a:solidFill>
+              </a:rPr>
+              <a:t>(DC)</a:t>
+            </a:r>
+          </a:p>
+          <a:p>
+            <a:pPr fontAlgn="base"/>
+            <a:r>
+              <a:rPr lang="en-US" dirty="0" smtClean="0"/>
+              <a:t>Abstraction of task service finite state machine for simulation and formal analysis </a:t>
+            </a:r>
+            <a:r>
+              <a:rPr lang="en-US" dirty="0" smtClean="0">
+                <a:solidFill>
+                  <a:srgbClr val="0000FF"/>
+                </a:solidFill>
+              </a:rPr>
+              <a:t>(LM)</a:t>
+            </a:r>
+          </a:p>
+          <a:p>
+            <a:pPr fontAlgn="base"/>
+            <a:r>
+              <a:rPr lang="en-US" dirty="0"/>
+              <a:t>Connected </a:t>
+            </a:r>
+            <a:r>
+              <a:rPr lang="en-US" dirty="0" err="1"/>
+              <a:t>UxAS</a:t>
+            </a:r>
+            <a:r>
+              <a:rPr lang="en-US" dirty="0"/>
+              <a:t> to the Robot Operating System (ROS) </a:t>
+            </a:r>
+            <a:r>
+              <a:rPr lang="en-US" dirty="0">
+                <a:solidFill>
+                  <a:srgbClr val="0000FF"/>
+                </a:solidFill>
+              </a:rPr>
+              <a:t>(UC</a:t>
+            </a:r>
+            <a:r>
+              <a:rPr lang="en-US" dirty="0" smtClean="0">
+                <a:solidFill>
+                  <a:srgbClr val="0000FF"/>
+                </a:solidFill>
+              </a:rPr>
+              <a:t>)</a:t>
+            </a:r>
+            <a:endParaRPr lang="en-US" dirty="0">
+              <a:solidFill>
+                <a:srgbClr val="0000FF"/>
+              </a:solidFill>
+            </a:endParaRPr>
+          </a:p>
+        </p:txBody>
+      </p:sp>
+      <p:sp>
+        <p:nvSpPr>
+          <p:cNvPr id="4" name="Footer Placeholder 3"/>
+          <p:cNvSpPr>
+            <a:spLocks noGrp="1"/>
+          </p:cNvSpPr>
+          <p:nvPr>
+            <p:ph type="ftr" sz="quarter" idx="11"/>
           </p:nvPr>
         </p:nvSpPr>
         <p:spPr/>
@@ -11130,80 +12781,310 @@
           <a:p>
             <a:r>
               <a:rPr lang="en-US" dirty="0" smtClean="0"/>
-              <a:t>Wanted to formalize </a:t>
-            </a:r>
-            <a:r>
-              <a:rPr lang="en-US" dirty="0" err="1" smtClean="0"/>
-              <a:t>UxAS</a:t>
-            </a:r>
-            <a:r>
-              <a:rPr lang="en-US" dirty="0" smtClean="0"/>
-              <a:t> to enable analysis</a:t>
-            </a:r>
-          </a:p>
-          <a:p>
-            <a:pPr lvl="1"/>
-            <a:r>
-              <a:rPr lang="en-US" dirty="0" smtClean="0"/>
-              <a:t>Found issues along the way. Fixed some.</a:t>
-            </a:r>
-          </a:p>
-          <a:p>
-            <a:pPr lvl="1"/>
-            <a:r>
-              <a:rPr lang="en-US" dirty="0" smtClean="0"/>
-              <a:t>Gave us insights.</a:t>
-            </a:r>
-          </a:p>
-          <a:p>
-            <a:r>
-              <a:rPr lang="en-US" dirty="0" smtClean="0"/>
-              <a:t>To do this, we needed to capture contracts for the components in a formal language.</a:t>
-            </a:r>
-          </a:p>
-          <a:p>
+              <a:t>Architecture Group</a:t>
+            </a:r>
             <a:endParaRPr lang="en-US" dirty="0"/>
           </a:p>
         </p:txBody>
       </p:sp>
       <p:sp>
         <p:nvSpPr>
-          <p:cNvPr id="4" name="Footer Placeholder 3"/>
-          <p:cNvSpPr>
-            <a:spLocks noGrp="1"/>
-          </p:cNvSpPr>
-          <p:nvPr>
-            <p:ph type="ftr" sz="quarter" idx="11"/>
-          </p:nvPr>
+          <p:cNvPr id="5" name="Slide Number Placeholder 4"/>
+          <p:cNvSpPr>
+            <a:spLocks noGrp="1"/>
+          </p:cNvSpPr>
+          <p:nvPr>
+            <p:ph type="sldNum" sz="quarter" idx="12"/>
+          </p:nvPr>
+        </p:nvSpPr>
+        <p:spPr/>
+        <p:txBody>
+          <a:bodyPr/>
+          <a:lstStyle/>
+          <a:p>
+            <a:fld id="{22900CBD-C7D3-47FA-BEF9-49DBBEB1A58F}" type="slidenum">
+              <a:rPr lang="en-US" smtClean="0"/>
+              <a:t>6</a:t>
+            </a:fld>
+            <a:endParaRPr lang="en-US" dirty="0"/>
+          </a:p>
+        </p:txBody>
+      </p:sp>
+      <p:sp>
+        <p:nvSpPr>
+          <p:cNvPr id="6" name="Rectangle 5"/>
+          <p:cNvSpPr/>
+          <p:nvPr/>
         </p:nvSpPr>
         <p:spPr>
           <a:xfrm>
-            <a:off x="4038600" y="6419124"/>
-            <a:ext cx="4114800" cy="306936"/>
+            <a:off x="5977217" y="3244334"/>
+            <a:ext cx="237566" cy="369332"/>
           </a:xfrm>
+          <a:prstGeom prst="rect">
+            <a:avLst/>
+          </a:prstGeom>
         </p:spPr>
         <p:txBody>
-          <a:bodyPr/>
-          <a:lstStyle/>
-          <a:p>
-            <a:r>
-              <a:rPr lang="en-US" dirty="0" smtClean="0"/>
-              <a:t>Architecture Group</a:t>
-            </a:r>
-            <a:endParaRPr lang="en-US" dirty="0"/>
+          <a:bodyPr wrap="none">
+            <a:spAutoFit/>
+          </a:bodyPr>
+          <a:lstStyle/>
+          <a:p>
+            <a:r>
+              <a:rPr lang="en-US" dirty="0"/>
+              <a:t> </a:t>
+            </a:r>
+          </a:p>
+        </p:txBody>
+      </p:sp>
+      <p:sp>
+        <p:nvSpPr>
+          <p:cNvPr id="7" name="Rectangle 6"/>
+          <p:cNvSpPr/>
+          <p:nvPr/>
+        </p:nvSpPr>
+        <p:spPr>
+          <a:xfrm>
+            <a:off x="5977217" y="3244334"/>
+            <a:ext cx="237566" cy="369332"/>
+          </a:xfrm>
+          <a:prstGeom prst="rect">
+            <a:avLst/>
+          </a:prstGeom>
+        </p:spPr>
+        <p:txBody>
+          <a:bodyPr wrap="none">
+            <a:spAutoFit/>
+          </a:bodyPr>
+          <a:lstStyle/>
+          <a:p>
+            <a:r>
+              <a:rPr lang="en-US" dirty="0"/>
+              <a:t> </a:t>
+            </a:r>
+          </a:p>
+        </p:txBody>
+      </p:sp>
+      <p:sp>
+        <p:nvSpPr>
+          <p:cNvPr id="9" name="Left Arrow 8"/>
+          <p:cNvSpPr/>
+          <p:nvPr/>
+        </p:nvSpPr>
+        <p:spPr>
+          <a:xfrm>
+            <a:off x="9704119" y="3918857"/>
+            <a:ext cx="2487881" cy="1277896"/>
+          </a:xfrm>
+          <a:prstGeom prst="leftArrow">
+            <a:avLst/>
+          </a:prstGeom>
+          <a:solidFill>
+            <a:srgbClr val="FF0000"/>
+          </a:solidFill>
+          <a:ln>
+            <a:solidFill>
+              <a:schemeClr val="tx1"/>
+            </a:solidFill>
+          </a:ln>
+        </p:spPr>
+        <p:style>
+          <a:lnRef idx="2">
+            <a:schemeClr val="accent1">
+              <a:shade val="50000"/>
+            </a:schemeClr>
+          </a:lnRef>
+          <a:fillRef idx="1">
+            <a:schemeClr val="accent1"/>
+          </a:fillRef>
+          <a:effectRef idx="0">
+            <a:schemeClr val="accent1"/>
+          </a:effectRef>
+          <a:fontRef idx="minor">
+            <a:schemeClr val="lt1"/>
+          </a:fontRef>
+        </p:style>
+        <p:txBody>
+          <a:bodyPr rtlCol="0" anchor="ctr"/>
+          <a:lstStyle/>
+          <a:p>
+            <a:pPr algn="ctr"/>
+            <a:r>
+              <a:rPr lang="en-US" sz="1400" dirty="0" smtClean="0"/>
+              <a:t>How important do we want this to be</a:t>
+            </a:r>
+            <a:endParaRPr lang="en-US" sz="1400" dirty="0"/>
+          </a:p>
+        </p:txBody>
+      </p:sp>
+      <p:sp>
+        <p:nvSpPr>
+          <p:cNvPr id="10" name="Left Arrow 9"/>
+          <p:cNvSpPr/>
+          <p:nvPr/>
+        </p:nvSpPr>
+        <p:spPr>
+          <a:xfrm>
+            <a:off x="8610599" y="4988761"/>
+            <a:ext cx="2487881" cy="1277896"/>
+          </a:xfrm>
+          <a:prstGeom prst="leftArrow">
+            <a:avLst/>
+          </a:prstGeom>
+          <a:solidFill>
+            <a:srgbClr val="FF0000"/>
+          </a:solidFill>
+          <a:ln>
+            <a:solidFill>
+              <a:schemeClr val="tx1"/>
+            </a:solidFill>
+          </a:ln>
+        </p:spPr>
+        <p:style>
+          <a:lnRef idx="2">
+            <a:schemeClr val="accent1">
+              <a:shade val="50000"/>
+            </a:schemeClr>
+          </a:lnRef>
+          <a:fillRef idx="1">
+            <a:schemeClr val="accent1"/>
+          </a:fillRef>
+          <a:effectRef idx="0">
+            <a:schemeClr val="accent1"/>
+          </a:effectRef>
+          <a:fontRef idx="minor">
+            <a:schemeClr val="lt1"/>
+          </a:fontRef>
+        </p:style>
+        <p:txBody>
+          <a:bodyPr rtlCol="0" anchor="ctr"/>
+          <a:lstStyle/>
+          <a:p>
+            <a:pPr algn="ctr"/>
+            <a:r>
+              <a:rPr lang="en-US" sz="1400" dirty="0" smtClean="0"/>
+              <a:t>How important do we want this to be</a:t>
+            </a:r>
+            <a:endParaRPr lang="en-US" sz="1400" dirty="0"/>
+          </a:p>
+        </p:txBody>
+      </p:sp>
+      <p:sp>
+        <p:nvSpPr>
+          <p:cNvPr id="16" name="Left Brace 15"/>
+          <p:cNvSpPr/>
+          <p:nvPr/>
+        </p:nvSpPr>
+        <p:spPr>
+          <a:xfrm>
+            <a:off x="108284" y="2165684"/>
+            <a:ext cx="252663" cy="1447982"/>
+          </a:xfrm>
+          <a:prstGeom prst="leftBrace">
+            <a:avLst>
+              <a:gd name="adj1" fmla="val 8333"/>
+              <a:gd name="adj2" fmla="val 40186"/>
+            </a:avLst>
+          </a:prstGeom>
+          <a:ln w="38100">
+            <a:solidFill>
+              <a:srgbClr val="FF0000"/>
+            </a:solidFill>
+          </a:ln>
+        </p:spPr>
+        <p:style>
+          <a:lnRef idx="1">
+            <a:schemeClr val="accent1"/>
+          </a:lnRef>
+          <a:fillRef idx="0">
+            <a:schemeClr val="accent1"/>
+          </a:fillRef>
+          <a:effectRef idx="0">
+            <a:schemeClr val="accent1"/>
+          </a:effectRef>
+          <a:fontRef idx="minor">
+            <a:schemeClr val="tx1"/>
+          </a:fontRef>
+        </p:style>
+        <p:txBody>
+          <a:bodyPr rtlCol="0" anchor="ctr"/>
+          <a:lstStyle/>
+          <a:p>
+            <a:pPr algn="ctr"/>
+            <a:endParaRPr lang="en-US"/>
+          </a:p>
+        </p:txBody>
+      </p:sp>
+      <p:sp>
+        <p:nvSpPr>
+          <p:cNvPr id="17" name="Right Arrow 16"/>
+          <p:cNvSpPr/>
+          <p:nvPr/>
+        </p:nvSpPr>
+        <p:spPr>
+          <a:xfrm>
+            <a:off x="-940741" y="2122935"/>
+            <a:ext cx="1099915" cy="1253438"/>
+          </a:xfrm>
+          <a:prstGeom prst="rightArrow">
+            <a:avLst/>
+          </a:prstGeom>
+          <a:solidFill>
+            <a:srgbClr val="FF0000"/>
+          </a:solidFill>
+          <a:ln>
+            <a:solidFill>
+              <a:schemeClr val="tx1"/>
+            </a:solidFill>
+          </a:ln>
+        </p:spPr>
+        <p:style>
+          <a:lnRef idx="2">
+            <a:schemeClr val="accent1">
+              <a:shade val="50000"/>
+            </a:schemeClr>
+          </a:lnRef>
+          <a:fillRef idx="1">
+            <a:schemeClr val="accent1"/>
+          </a:fillRef>
+          <a:effectRef idx="0">
+            <a:schemeClr val="accent1"/>
+          </a:effectRef>
+          <a:fontRef idx="minor">
+            <a:schemeClr val="lt1"/>
+          </a:fontRef>
+        </p:style>
+        <p:txBody>
+          <a:bodyPr rtlCol="0" anchor="ctr"/>
+          <a:lstStyle/>
+          <a:p>
+            <a:pPr algn="ctr"/>
+            <a:r>
+              <a:rPr lang="en-US" sz="1400" dirty="0" smtClean="0"/>
+              <a:t>All related?</a:t>
+            </a:r>
+            <a:endParaRPr lang="en-US" sz="1400" dirty="0"/>
           </a:p>
         </p:txBody>
       </p:sp>
     </p:spTree>
     <p:extLst>
       <p:ext uri="{BB962C8B-B14F-4D97-AF65-F5344CB8AC3E}">
-        <p14:creationId xmlns:p14="http://schemas.microsoft.com/office/powerpoint/2010/main" val="231483436"/>
+        <p14:creationId xmlns:p14="http://schemas.microsoft.com/office/powerpoint/2010/main" val="3648641319"/>
       </p:ext>
     </p:extLst>
   </p:cSld>
   <p:clrMapOvr>
     <a:masterClrMapping/>
   </p:clrMapOvr>
+  <p:timing>
+    <p:tnLst>
+      <p:par>
+        <p:cTn id="1" dur="indefinite" restart="never" nodeType="tmRoot"/>
+      </p:par>
+    </p:tnLst>
+  </p:timing>
 </p:sld>
 </file>
 
@@ -11224,320 +13105,474 @@
           <a:chExt cx="0" cy="0"/>
         </a:xfrm>
       </p:grpSpPr>
-      <p:pic>
-        <p:nvPicPr>
-          <p:cNvPr id="1028" name="Picture 4" descr="https://lh4.googleusercontent.com/9bjLwyYlSv25bY9F6pj2yw_1DxUQal8NJj6tb85hRJZRDyqnHEqOwH9xCm2eu1ywevhZnpDOxZNyYfLmXrMi8p0mFtgRiNtGUoG2y8al1qXeA7GZorR4RomsXQiAf1D9vKctRJ9ifA"/>
-          <p:cNvPicPr>
-            <a:picLocks noChangeAspect="1" noChangeArrowheads="1"/>
-          </p:cNvPicPr>
+      <p:sp>
+        <p:nvSpPr>
+          <p:cNvPr id="2" name="Title 1"/>
+          <p:cNvSpPr>
+            <a:spLocks noGrp="1"/>
+          </p:cNvSpPr>
+          <p:nvPr>
+            <p:ph type="title"/>
+          </p:nvPr>
+        </p:nvSpPr>
+        <p:spPr/>
+        <p:txBody>
+          <a:bodyPr/>
+          <a:lstStyle/>
+          <a:p>
+            <a:r>
+              <a:rPr lang="en-US" dirty="0" smtClean="0"/>
+              <a:t>Group Accomplishments</a:t>
+            </a:r>
+            <a:endParaRPr lang="en-US" dirty="0"/>
+          </a:p>
+        </p:txBody>
+      </p:sp>
+      <p:sp>
+        <p:nvSpPr>
+          <p:cNvPr id="3" name="Content Placeholder 2"/>
+          <p:cNvSpPr>
+            <a:spLocks noGrp="1"/>
+          </p:cNvSpPr>
+          <p:nvPr>
+            <p:ph idx="1"/>
+          </p:nvPr>
+        </p:nvSpPr>
+        <p:spPr/>
+        <p:txBody>
+          <a:bodyPr>
+            <a:normAutofit fontScale="77500" lnSpcReduction="20000"/>
+          </a:bodyPr>
+          <a:lstStyle/>
+          <a:p>
+            <a:pPr fontAlgn="base"/>
+            <a:r>
+              <a:rPr lang="en-US" dirty="0"/>
+              <a:t>Extracted data types, input and output ports, and connections from code into both AADL/AGREE and </a:t>
+            </a:r>
+            <a:r>
+              <a:rPr lang="en-US" dirty="0" smtClean="0"/>
+              <a:t>ASSERT </a:t>
+            </a:r>
+            <a:r>
+              <a:rPr lang="en-US" dirty="0" smtClean="0">
+                <a:solidFill>
+                  <a:srgbClr val="0000FF"/>
+                </a:solidFill>
+              </a:rPr>
+              <a:t>(LQ/AFRL, GE, RC)</a:t>
+            </a:r>
+            <a:endParaRPr lang="en-US" dirty="0">
+              <a:solidFill>
+                <a:srgbClr val="0000FF"/>
+              </a:solidFill>
+            </a:endParaRPr>
+          </a:p>
+          <a:p>
+            <a:pPr fontAlgn="base"/>
+            <a:r>
+              <a:rPr lang="en-US" dirty="0" smtClean="0"/>
+              <a:t>Utilized AADL/AGREE to:</a:t>
+            </a:r>
+          </a:p>
+          <a:p>
+            <a:pPr lvl="1" fontAlgn="base"/>
+            <a:r>
+              <a:rPr lang="en-US" dirty="0" smtClean="0"/>
+              <a:t>Created </a:t>
+            </a:r>
+            <a:r>
+              <a:rPr lang="en-US" dirty="0"/>
+              <a:t>formal contracts for </a:t>
+            </a:r>
+            <a:r>
+              <a:rPr lang="en-US" dirty="0">
+                <a:solidFill>
+                  <a:srgbClr val="FF0000"/>
+                </a:solidFill>
+              </a:rPr>
+              <a:t>6-8</a:t>
+            </a:r>
+            <a:r>
+              <a:rPr lang="en-US" dirty="0"/>
+              <a:t> services and tasks based on the </a:t>
+            </a:r>
+            <a:r>
+              <a:rPr lang="en-US" dirty="0" err="1"/>
+              <a:t>OpenUxAS</a:t>
+            </a:r>
+            <a:r>
+              <a:rPr lang="en-US" dirty="0"/>
+              <a:t> Wiki and conversations with the </a:t>
+            </a:r>
+            <a:r>
+              <a:rPr lang="en-US" dirty="0" smtClean="0"/>
+              <a:t>developer </a:t>
+            </a:r>
+            <a:r>
+              <a:rPr lang="en-US" dirty="0" smtClean="0">
+                <a:solidFill>
+                  <a:srgbClr val="0000FF"/>
+                </a:solidFill>
+              </a:rPr>
+              <a:t>(DC, RC)</a:t>
+            </a:r>
+            <a:endParaRPr lang="en-US" dirty="0">
+              <a:solidFill>
+                <a:srgbClr val="0000FF"/>
+              </a:solidFill>
+            </a:endParaRPr>
+          </a:p>
+          <a:p>
+            <a:pPr lvl="1" fontAlgn="base"/>
+            <a:r>
+              <a:rPr lang="en-US" dirty="0" smtClean="0"/>
+              <a:t>Stated </a:t>
+            </a:r>
+            <a:r>
+              <a:rPr lang="en-US" dirty="0"/>
+              <a:t>and analyzed </a:t>
+            </a:r>
+            <a:r>
+              <a:rPr lang="en-US" dirty="0" smtClean="0"/>
+              <a:t>properties of these </a:t>
+            </a:r>
+            <a:r>
+              <a:rPr lang="en-US" dirty="0"/>
+              <a:t>component-level </a:t>
+            </a:r>
+            <a:r>
+              <a:rPr lang="en-US" dirty="0" smtClean="0"/>
+              <a:t>contracts including timing aspects </a:t>
+            </a:r>
+            <a:r>
+              <a:rPr lang="en-US" dirty="0" smtClean="0">
+                <a:solidFill>
+                  <a:srgbClr val="0000FF"/>
+                </a:solidFill>
+              </a:rPr>
+              <a:t>(DC, RC, LQ)</a:t>
+            </a:r>
+            <a:endParaRPr lang="en-US" dirty="0">
+              <a:solidFill>
+                <a:srgbClr val="0000FF"/>
+              </a:solidFill>
+            </a:endParaRPr>
+          </a:p>
+          <a:p>
+            <a:pPr lvl="1" fontAlgn="base"/>
+            <a:r>
+              <a:rPr lang="en-US" dirty="0" smtClean="0"/>
+              <a:t>Idioms and lemmas </a:t>
+            </a:r>
+            <a:r>
+              <a:rPr lang="en-US" dirty="0"/>
+              <a:t>developed and documented for effective use of </a:t>
+            </a:r>
+            <a:r>
+              <a:rPr lang="en-US" dirty="0" smtClean="0"/>
+              <a:t>AGREE </a:t>
+            </a:r>
+            <a:r>
+              <a:rPr lang="en-US" dirty="0" smtClean="0">
+                <a:solidFill>
+                  <a:srgbClr val="0000FF"/>
+                </a:solidFill>
+              </a:rPr>
+              <a:t>(DC, RC)</a:t>
+            </a:r>
+            <a:endParaRPr lang="en-US" dirty="0">
+              <a:solidFill>
+                <a:srgbClr val="0000FF"/>
+              </a:solidFill>
+            </a:endParaRPr>
+          </a:p>
+          <a:p>
+            <a:pPr fontAlgn="base"/>
+            <a:r>
+              <a:rPr lang="en-US" dirty="0" smtClean="0"/>
+              <a:t>Utilized ASSERT to:</a:t>
+            </a:r>
+          </a:p>
+          <a:p>
+            <a:pPr lvl="1" fontAlgn="base"/>
+            <a:r>
+              <a:rPr lang="en-US" dirty="0" smtClean="0"/>
+              <a:t>Create an ontology of the system </a:t>
+            </a:r>
+            <a:r>
+              <a:rPr lang="en-US" dirty="0" smtClean="0">
+                <a:solidFill>
+                  <a:srgbClr val="0000FF"/>
+                </a:solidFill>
+              </a:rPr>
+              <a:t>(GE)</a:t>
+            </a:r>
+            <a:endParaRPr lang="en-US" dirty="0" smtClean="0"/>
+          </a:p>
+          <a:p>
+            <a:pPr lvl="1" fontAlgn="base"/>
+            <a:r>
+              <a:rPr lang="en-US" dirty="0" smtClean="0"/>
+              <a:t>Examine contractual obligations of a representative component </a:t>
+            </a:r>
+            <a:r>
+              <a:rPr lang="en-US" dirty="0">
+                <a:solidFill>
+                  <a:srgbClr val="0000FF"/>
+                </a:solidFill>
+              </a:rPr>
+              <a:t>(GE)</a:t>
+            </a:r>
+            <a:endParaRPr lang="en-US" dirty="0" smtClean="0"/>
+          </a:p>
+          <a:p>
+            <a:pPr fontAlgn="base"/>
+            <a:r>
+              <a:rPr lang="en-US" dirty="0" smtClean="0"/>
+              <a:t>Developed </a:t>
+            </a:r>
+            <a:r>
+              <a:rPr lang="en-US" dirty="0"/>
+              <a:t>tool to compose component contracts into a system </a:t>
+            </a:r>
+            <a:r>
+              <a:rPr lang="en-US" dirty="0" smtClean="0"/>
+              <a:t>contract </a:t>
+            </a:r>
+            <a:r>
+              <a:rPr lang="en-US" dirty="0" smtClean="0">
+                <a:solidFill>
+                  <a:srgbClr val="0000FF"/>
+                </a:solidFill>
+              </a:rPr>
+              <a:t>(H, ISU)</a:t>
+            </a:r>
+            <a:endParaRPr lang="en-US" dirty="0">
+              <a:solidFill>
+                <a:srgbClr val="0000FF"/>
+              </a:solidFill>
+            </a:endParaRPr>
+          </a:p>
+          <a:p>
+            <a:pPr lvl="1" fontAlgn="base"/>
+            <a:r>
+              <a:rPr lang="en-US" dirty="0"/>
+              <a:t>Added support for timing with finite history (i.e., “previous</a:t>
+            </a:r>
+            <a:r>
+              <a:rPr lang="en-US" dirty="0" smtClean="0"/>
+              <a:t>”)</a:t>
+            </a:r>
+          </a:p>
+          <a:p>
+            <a:pPr fontAlgn="base"/>
+            <a:r>
+              <a:rPr lang="en-US" dirty="0" smtClean="0"/>
+              <a:t>Created an assurance argument for state machine correctness </a:t>
+            </a:r>
+            <a:r>
+              <a:rPr lang="en-US" dirty="0" smtClean="0">
+                <a:solidFill>
+                  <a:srgbClr val="0000FF"/>
+                </a:solidFill>
+              </a:rPr>
+              <a:t>(DC)</a:t>
+            </a:r>
+          </a:p>
+          <a:p>
+            <a:pPr fontAlgn="base"/>
+            <a:r>
+              <a:rPr lang="en-US" dirty="0" smtClean="0"/>
+              <a:t>Abstraction of task service finite state machine for simulation and formal analysis </a:t>
+            </a:r>
+            <a:r>
+              <a:rPr lang="en-US" dirty="0" smtClean="0">
+                <a:solidFill>
+                  <a:srgbClr val="0000FF"/>
+                </a:solidFill>
+              </a:rPr>
+              <a:t>(LM)</a:t>
+            </a:r>
+          </a:p>
+          <a:p>
+            <a:pPr fontAlgn="base"/>
+            <a:r>
+              <a:rPr lang="en-US" dirty="0"/>
+              <a:t>Connected </a:t>
+            </a:r>
+            <a:r>
+              <a:rPr lang="en-US" dirty="0" err="1"/>
+              <a:t>UxAS</a:t>
+            </a:r>
+            <a:r>
+              <a:rPr lang="en-US" dirty="0"/>
+              <a:t> to the Robot Operating System (ROS) </a:t>
+            </a:r>
+            <a:r>
+              <a:rPr lang="en-US" dirty="0">
+                <a:solidFill>
+                  <a:srgbClr val="0000FF"/>
+                </a:solidFill>
+              </a:rPr>
+              <a:t>(UC</a:t>
+            </a:r>
+            <a:r>
+              <a:rPr lang="en-US" dirty="0" smtClean="0">
+                <a:solidFill>
+                  <a:srgbClr val="0000FF"/>
+                </a:solidFill>
+              </a:rPr>
+              <a:t>)</a:t>
+            </a:r>
+            <a:endParaRPr lang="en-US" dirty="0">
+              <a:solidFill>
+                <a:srgbClr val="0000FF"/>
+              </a:solidFill>
+            </a:endParaRPr>
+          </a:p>
+        </p:txBody>
+      </p:sp>
+      <p:sp>
+        <p:nvSpPr>
+          <p:cNvPr id="4" name="Footer Placeholder 3"/>
+          <p:cNvSpPr>
+            <a:spLocks noGrp="1"/>
+          </p:cNvSpPr>
+          <p:nvPr>
+            <p:ph type="ftr" sz="quarter" idx="11"/>
+          </p:nvPr>
+        </p:nvSpPr>
+        <p:spPr/>
+        <p:txBody>
+          <a:bodyPr/>
+          <a:lstStyle/>
+          <a:p>
+            <a:r>
+              <a:rPr lang="en-US" dirty="0" smtClean="0"/>
+              <a:t>Architecture Group</a:t>
+            </a:r>
+            <a:endParaRPr lang="en-US" dirty="0"/>
+          </a:p>
+        </p:txBody>
+      </p:sp>
+      <p:sp>
+        <p:nvSpPr>
+          <p:cNvPr id="5" name="Slide Number Placeholder 4"/>
+          <p:cNvSpPr>
+            <a:spLocks noGrp="1"/>
+          </p:cNvSpPr>
+          <p:nvPr>
+            <p:ph type="sldNum" sz="quarter" idx="12"/>
+          </p:nvPr>
+        </p:nvSpPr>
+        <p:spPr/>
+        <p:txBody>
+          <a:bodyPr/>
+          <a:lstStyle/>
+          <a:p>
+            <a:fld id="{22900CBD-C7D3-47FA-BEF9-49DBBEB1A58F}" type="slidenum">
+              <a:rPr lang="en-US" smtClean="0">
+                <a:solidFill>
+                  <a:prstClr val="black">
+                    <a:tint val="75000"/>
+                  </a:prstClr>
+                </a:solidFill>
+              </a:rPr>
+              <a:pPr/>
+              <a:t>7</a:t>
+            </a:fld>
+            <a:endParaRPr lang="en-US" dirty="0">
+              <a:solidFill>
+                <a:prstClr val="black">
+                  <a:tint val="75000"/>
+                </a:prstClr>
+              </a:solidFill>
+            </a:endParaRPr>
+          </a:p>
+        </p:txBody>
+      </p:sp>
+      <p:sp>
+        <p:nvSpPr>
+          <p:cNvPr id="6" name="Rectangle 5"/>
+          <p:cNvSpPr/>
           <p:nvPr/>
-        </p:nvPicPr>
-        <p:blipFill>
-          <a:blip r:embed="rId2">
-            <a:extLst>
-              <a:ext uri="{28A0092B-C50C-407E-A947-70E740481C1C}">
-                <a14:useLocalDpi xmlns:a14="http://schemas.microsoft.com/office/drawing/2010/main" val="0"/>
-              </a:ext>
-            </a:extLst>
-          </a:blip>
-          <a:srcRect/>
-          <a:stretch>
-            <a:fillRect/>
-          </a:stretch>
-        </p:blipFill>
-        <p:spPr bwMode="auto">
+        </p:nvSpPr>
+        <p:spPr>
           <a:xfrm>
-            <a:off x="6969369" y="4017082"/>
-            <a:ext cx="4349263" cy="661845"/>
+            <a:off x="5977217" y="3244334"/>
+            <a:ext cx="237566" cy="369332"/>
           </a:xfrm>
           <a:prstGeom prst="rect">
             <a:avLst/>
           </a:prstGeom>
-          <a:noFill/>
-          <a:extLst>
-            <a:ext uri="{909E8E84-426E-40DD-AFC4-6F175D3DCCD1}">
-              <a14:hiddenFill xmlns:a14="http://schemas.microsoft.com/office/drawing/2010/main">
+        </p:spPr>
+        <p:txBody>
+          <a:bodyPr wrap="none">
+            <a:spAutoFit/>
+          </a:bodyPr>
+          <a:lstStyle/>
+          <a:p>
+            <a:r>
+              <a:rPr lang="en-US" dirty="0">
                 <a:solidFill>
-                  <a:srgbClr val="FFFFFF"/>
+                  <a:prstClr val="black"/>
                 </a:solidFill>
-              </a14:hiddenFill>
-            </a:ext>
-          </a:extLst>
-        </p:spPr>
-      </p:pic>
-      <p:pic>
-        <p:nvPicPr>
-          <p:cNvPr id="1026" name="Picture 2" descr="https://lh5.googleusercontent.com/DkfKB_LAYF7MxWJKmZbklhROLmtWPlA5y00mtWTYDmzI0zDgUgFs1p3VQUb07nXgvSIPREgJfeM-70RLv2x8qR-T0ifWPcrM-S__-kiUexfbrbfvFibq8ajfWiIq5w7HWkKfMfRmBg"/>
-          <p:cNvPicPr>
-            <a:picLocks noChangeAspect="1" noChangeArrowheads="1"/>
-          </p:cNvPicPr>
+              </a:rPr>
+              <a:t> </a:t>
+            </a:r>
+          </a:p>
+        </p:txBody>
+      </p:sp>
+      <p:sp>
+        <p:nvSpPr>
+          <p:cNvPr id="7" name="Rectangle 6"/>
+          <p:cNvSpPr/>
           <p:nvPr/>
-        </p:nvPicPr>
-        <p:blipFill>
-          <a:blip r:embed="rId3">
-            <a:extLst>
-              <a:ext uri="{28A0092B-C50C-407E-A947-70E740481C1C}">
-                <a14:useLocalDpi xmlns:a14="http://schemas.microsoft.com/office/drawing/2010/main" val="0"/>
-              </a:ext>
-            </a:extLst>
-          </a:blip>
-          <a:srcRect/>
-          <a:stretch>
-            <a:fillRect/>
-          </a:stretch>
-        </p:blipFill>
-        <p:spPr bwMode="auto">
+        </p:nvSpPr>
+        <p:spPr>
           <a:xfrm>
-            <a:off x="6969369" y="1564234"/>
-            <a:ext cx="4082317" cy="2278503"/>
+            <a:off x="5977217" y="3244334"/>
+            <a:ext cx="237566" cy="369332"/>
           </a:xfrm>
           <a:prstGeom prst="rect">
             <a:avLst/>
           </a:prstGeom>
-          <a:noFill/>
-          <a:extLst>
-            <a:ext uri="{909E8E84-426E-40DD-AFC4-6F175D3DCCD1}">
-              <a14:hiddenFill xmlns:a14="http://schemas.microsoft.com/office/drawing/2010/main">
+        </p:spPr>
+        <p:txBody>
+          <a:bodyPr wrap="none">
+            <a:spAutoFit/>
+          </a:bodyPr>
+          <a:lstStyle/>
+          <a:p>
+            <a:r>
+              <a:rPr lang="en-US" dirty="0">
                 <a:solidFill>
-                  <a:srgbClr val="FFFFFF"/>
-                </a:solidFill>
-              </a14:hiddenFill>
-            </a:ext>
-          </a:extLst>
-        </p:spPr>
-      </p:pic>
-      <p:pic>
-        <p:nvPicPr>
-          <p:cNvPr id="1027" name="Picture 3" descr="https://lh5.googleusercontent.com/LTzpRmMu71mFswU22fYGvprIcQYeV6dKNjywZUyDPD2nr1LDZMNGQoAgy-It5BvzkMty6RQwHYRu7Y2au6MjEfNKS9qCSnRf1d68fHqY9h0rv1XTSKRtm4XMRDK0HrIh1Ejy84_yVw"/>
-          <p:cNvPicPr>
-            <a:picLocks noChangeAspect="1" noChangeArrowheads="1"/>
-          </p:cNvPicPr>
-          <p:nvPr/>
-        </p:nvPicPr>
-        <p:blipFill>
-          <a:blip r:embed="rId4">
-            <a:extLst>
-              <a:ext uri="{28A0092B-C50C-407E-A947-70E740481C1C}">
-                <a14:useLocalDpi xmlns:a14="http://schemas.microsoft.com/office/drawing/2010/main" val="0"/>
-              </a:ext>
-            </a:extLst>
-          </a:blip>
-          <a:srcRect/>
-          <a:stretch>
-            <a:fillRect/>
-          </a:stretch>
-        </p:blipFill>
-        <p:spPr bwMode="auto">
-          <a:xfrm>
-            <a:off x="354621" y="1705232"/>
-            <a:ext cx="6067534" cy="4441815"/>
-          </a:xfrm>
-          <a:prstGeom prst="rect">
-            <a:avLst/>
-          </a:prstGeom>
-          <a:noFill/>
-          <a:extLst>
-            <a:ext uri="{909E8E84-426E-40DD-AFC4-6F175D3DCCD1}">
-              <a14:hiddenFill xmlns:a14="http://schemas.microsoft.com/office/drawing/2010/main">
-                <a:solidFill>
-                  <a:srgbClr val="FFFFFF"/>
-                </a:solidFill>
-              </a14:hiddenFill>
-            </a:ext>
-          </a:extLst>
-        </p:spPr>
-      </p:pic>
-      <p:sp>
-        <p:nvSpPr>
-          <p:cNvPr id="2" name="Title 1"/>
-          <p:cNvSpPr>
-            <a:spLocks noGrp="1"/>
-          </p:cNvSpPr>
-          <p:nvPr>
-            <p:ph type="title"/>
-          </p:nvPr>
-        </p:nvSpPr>
-        <p:spPr/>
-        <p:txBody>
-          <a:bodyPr>
-            <a:normAutofit/>
-          </a:bodyPr>
-          <a:lstStyle/>
-          <a:p>
-            <a:r>
-              <a:rPr lang="en-US" dirty="0" err="1" smtClean="0"/>
-              <a:t>UxAS</a:t>
-            </a:r>
-            <a:r>
-              <a:rPr lang="en-US" dirty="0" smtClean="0"/>
-              <a:t> </a:t>
-            </a:r>
-            <a:r>
-              <a:rPr lang="en-US" dirty="0" smtClean="0"/>
-              <a:t>Formal Model Status</a:t>
-            </a:r>
-            <a:endParaRPr lang="en-US" dirty="0"/>
-          </a:p>
-        </p:txBody>
-      </p:sp>
-      <p:sp>
-        <p:nvSpPr>
-          <p:cNvPr id="3" name="Content Placeholder 2"/>
-          <p:cNvSpPr>
-            <a:spLocks noGrp="1"/>
-          </p:cNvSpPr>
-          <p:nvPr>
-            <p:ph idx="1"/>
-          </p:nvPr>
-        </p:nvSpPr>
-        <p:spPr>
-          <a:xfrm>
-            <a:off x="527222" y="2344701"/>
-            <a:ext cx="11664778" cy="4668452"/>
-          </a:xfrm>
-        </p:spPr>
-        <p:txBody>
-          <a:bodyPr>
-            <a:normAutofit/>
-          </a:bodyPr>
-          <a:lstStyle/>
-          <a:p>
-            <a:pPr marL="0" indent="0">
-              <a:buNone/>
-            </a:pPr>
-            <a:r>
-              <a:rPr lang="en-US" sz="20000" dirty="0" smtClean="0">
-                <a:solidFill>
-                  <a:srgbClr val="FF0000"/>
+                  <a:prstClr val="black"/>
                 </a:solidFill>
               </a:rPr>
-              <a:t>UPDATE</a:t>
-            </a:r>
-            <a:endParaRPr lang="en-US" sz="20000" dirty="0">
-              <a:solidFill>
-                <a:srgbClr val="FF0000"/>
-              </a:solidFill>
-            </a:endParaRPr>
-          </a:p>
-        </p:txBody>
-      </p:sp>
-      <p:pic>
-        <p:nvPicPr>
-          <p:cNvPr id="1029" name="Picture 5" descr="https://lh5.googleusercontent.com/gC3rD4WDnizAZeb0vpA3ifVAhBYbtCyDGhWPDG8rzlzhE7t8e-sMmOlGux592fRahyIy74mLoxc7YrhGcuDEBbl0a0I2OVEAwSva9bjBC5crP9JS5uyT-0Tb705WwV4iv7OU7rMVBg"/>
-          <p:cNvPicPr>
-            <a:picLocks noChangeAspect="1" noChangeArrowheads="1"/>
-          </p:cNvPicPr>
-          <p:nvPr/>
-        </p:nvPicPr>
-        <p:blipFill>
-          <a:blip r:embed="rId5">
-            <a:extLst>
-              <a:ext uri="{28A0092B-C50C-407E-A947-70E740481C1C}">
-                <a14:useLocalDpi xmlns:a14="http://schemas.microsoft.com/office/drawing/2010/main" val="0"/>
-              </a:ext>
-            </a:extLst>
-          </a:blip>
-          <a:srcRect/>
-          <a:stretch>
-            <a:fillRect/>
-          </a:stretch>
-        </p:blipFill>
-        <p:spPr bwMode="auto">
-          <a:xfrm>
-            <a:off x="6969369" y="4769702"/>
-            <a:ext cx="4335702" cy="1407261"/>
-          </a:xfrm>
-          <a:prstGeom prst="rect">
-            <a:avLst/>
-          </a:prstGeom>
-          <a:noFill/>
-          <a:extLst>
-            <a:ext uri="{909E8E84-426E-40DD-AFC4-6F175D3DCCD1}">
-              <a14:hiddenFill xmlns:a14="http://schemas.microsoft.com/office/drawing/2010/main">
-                <a:solidFill>
-                  <a:srgbClr val="FFFFFF"/>
-                </a:solidFill>
-              </a14:hiddenFill>
-            </a:ext>
-          </a:extLst>
-        </p:spPr>
-      </p:pic>
-      <p:sp>
-        <p:nvSpPr>
-          <p:cNvPr id="9" name="Footer Placeholder 3"/>
-          <p:cNvSpPr>
-            <a:spLocks noGrp="1"/>
-          </p:cNvSpPr>
-          <p:nvPr>
-            <p:ph type="ftr" sz="quarter" idx="11"/>
-          </p:nvPr>
-        </p:nvSpPr>
-        <p:spPr>
-          <a:xfrm>
-            <a:off x="4038600" y="6419124"/>
-            <a:ext cx="4114800" cy="306936"/>
-          </a:xfrm>
-        </p:spPr>
-        <p:txBody>
-          <a:bodyPr/>
-          <a:lstStyle/>
-          <a:p>
-            <a:r>
-              <a:rPr lang="en-US" dirty="0" smtClean="0"/>
-              <a:t>Architecture Group</a:t>
-            </a:r>
-            <a:endParaRPr lang="en-US" dirty="0"/>
-          </a:p>
-        </p:txBody>
-      </p:sp>
-      <p:sp>
-        <p:nvSpPr>
-          <p:cNvPr id="4" name="TextBox 3"/>
-          <p:cNvSpPr txBox="1"/>
-          <p:nvPr/>
-        </p:nvSpPr>
-        <p:spPr>
-          <a:xfrm>
-            <a:off x="354621" y="372979"/>
-            <a:ext cx="3447547" cy="369332"/>
-          </a:xfrm>
-          <a:prstGeom prst="rect">
-            <a:avLst/>
-          </a:prstGeom>
-          <a:noFill/>
-        </p:spPr>
-        <p:txBody>
-          <a:bodyPr wrap="none" rtlCol="0">
-            <a:spAutoFit/>
-          </a:bodyPr>
-          <a:lstStyle/>
-          <a:p>
-            <a:r>
-              <a:rPr lang="en-US" dirty="0" smtClean="0">
-                <a:solidFill>
-                  <a:srgbClr val="FF0000"/>
-                </a:solidFill>
-              </a:rPr>
-              <a:t>Add legible headers for all sections</a:t>
-            </a:r>
-            <a:endParaRPr lang="en-US" dirty="0">
-              <a:solidFill>
-                <a:srgbClr val="FF0000"/>
-              </a:solidFill>
-            </a:endParaRPr>
+              <a:t> </a:t>
+            </a:r>
           </a:p>
         </p:txBody>
       </p:sp>
     </p:spTree>
     <p:extLst>
       <p:ext uri="{BB962C8B-B14F-4D97-AF65-F5344CB8AC3E}">
-        <p14:creationId xmlns:p14="http://schemas.microsoft.com/office/powerpoint/2010/main" val="2327439826"/>
+        <p14:creationId xmlns:p14="http://schemas.microsoft.com/office/powerpoint/2010/main" val="2929048058"/>
       </p:ext>
     </p:extLst>
   </p:cSld>
   <p:clrMapOvr>
     <a:masterClrMapping/>
   </p:clrMapOvr>
+  <p:timing>
+    <p:tnLst>
+      <p:par>
+        <p:cTn id="1" dur="indefinite" restart="never" nodeType="tmRoot"/>
+      </p:par>
+    </p:tnLst>
+  </p:timing>
 </p:sld>
 </file>
 
@@ -11565,7 +13600,7 @@
             <a:spLocks noGrp="1"/>
           </p:cNvSpPr>
           <p:nvPr>
-            <p:ph type="title"/>
+            <p:ph type="ctrTitle"/>
           </p:nvPr>
         </p:nvSpPr>
         <p:spPr/>
@@ -11573,18 +13608,30 @@
           <a:bodyPr/>
           <a:lstStyle/>
           <a:p>
-            <a:endParaRPr lang="en-US"/>
-          </a:p>
-        </p:txBody>
-      </p:sp>
-      <p:sp>
-        <p:nvSpPr>
-          <p:cNvPr id="3" name="Content Placeholder 2"/>
-          <p:cNvSpPr>
-            <a:spLocks noGrp="1"/>
-          </p:cNvSpPr>
-          <p:nvPr>
-            <p:ph idx="1"/>
+            <a:r>
+              <a:rPr lang="en-US" dirty="0" smtClean="0"/>
+              <a:t>Developing the </a:t>
+            </a:r>
+            <a:r>
+              <a:rPr lang="en-US" dirty="0" err="1" smtClean="0"/>
+              <a:t>UxAS</a:t>
+            </a:r>
+            <a:r>
+              <a:rPr lang="en-US" dirty="0" smtClean="0"/>
+              <a:t> Formal Representation</a:t>
+            </a:r>
+            <a:endParaRPr lang="en-US" dirty="0"/>
+          </a:p>
+        </p:txBody>
+      </p:sp>
+      <p:sp>
+        <p:nvSpPr>
+          <p:cNvPr id="4" name="Subtitle 3"/>
+          <p:cNvSpPr>
+            <a:spLocks noGrp="1"/>
+          </p:cNvSpPr>
+          <p:nvPr>
+            <p:ph type="subTitle" idx="1"/>
           </p:nvPr>
         </p:nvSpPr>
         <p:spPr/>
@@ -11592,32 +13639,27 @@
           <a:bodyPr/>
           <a:lstStyle/>
           <a:p>
-            <a:r>
-              <a:rPr lang="en-US" dirty="0" smtClean="0">
-                <a:solidFill>
-                  <a:srgbClr val="FF0000"/>
-                </a:solidFill>
-              </a:rPr>
-              <a:t>[Think about bridge b/w architecture and state machines (how they relate), message passing, etc.]</a:t>
-            </a:r>
-            <a:endParaRPr lang="en-US" dirty="0">
-              <a:solidFill>
-                <a:srgbClr val="FF0000"/>
-              </a:solidFill>
-            </a:endParaRPr>
+            <a:endParaRPr lang="en-US" dirty="0"/>
           </a:p>
         </p:txBody>
       </p:sp>
     </p:spTree>
     <p:extLst>
       <p:ext uri="{BB962C8B-B14F-4D97-AF65-F5344CB8AC3E}">
-        <p14:creationId xmlns:p14="http://schemas.microsoft.com/office/powerpoint/2010/main" val="2399838130"/>
+        <p14:creationId xmlns:p14="http://schemas.microsoft.com/office/powerpoint/2010/main" val="2036259575"/>
       </p:ext>
     </p:extLst>
   </p:cSld>
   <p:clrMapOvr>
     <a:masterClrMapping/>
   </p:clrMapOvr>
+  <p:timing>
+    <p:tnLst>
+      <p:par>
+        <p:cTn id="1" dur="indefinite" restart="never" nodeType="tmRoot"/>
+      </p:par>
+    </p:tnLst>
+  </p:timing>
 </p:sld>
 </file>
 
@@ -11650,18 +13692,12 @@
         </p:nvSpPr>
         <p:spPr/>
         <p:txBody>
-          <a:bodyPr>
-            <a:normAutofit/>
-          </a:bodyPr>
-          <a:lstStyle/>
-          <a:p>
-            <a:r>
-              <a:rPr lang="en-US" dirty="0" smtClean="0"/>
-              <a:t>Behavioral </a:t>
-            </a:r>
-            <a:r>
-              <a:rPr lang="en-US" dirty="0" smtClean="0"/>
-              <a:t>properties of component contracts</a:t>
+          <a:bodyPr/>
+          <a:lstStyle/>
+          <a:p>
+            <a:r>
+              <a:rPr lang="en-US" dirty="0" smtClean="0"/>
+              <a:t>Producing the Formal Architecture</a:t>
             </a:r>
             <a:endParaRPr lang="en-US" dirty="0"/>
           </a:p>
@@ -11675,97 +13711,308 @@
           </p:cNvSpPr>
           <p:nvPr>
             <p:ph idx="1"/>
-          </p:nvPr>
-        </p:nvSpPr>
-        <p:spPr/>
-        <p:txBody>
-          <a:bodyPr/>
-          <a:lstStyle/>
-          <a:p>
-            <a:r>
-              <a:rPr lang="en-US" dirty="0" smtClean="0"/>
-              <a:t>For components with state machines, we can check that</a:t>
-            </a:r>
-          </a:p>
-          <a:p>
-            <a:pPr lvl="1"/>
-            <a:r>
-              <a:rPr lang="en-US" dirty="0" smtClean="0"/>
-              <a:t>All states </a:t>
-            </a:r>
-            <a:r>
-              <a:rPr lang="en-US" dirty="0"/>
-              <a:t>and </a:t>
-            </a:r>
-            <a:r>
-              <a:rPr lang="en-US" dirty="0" smtClean="0"/>
-              <a:t>transitions are reachable</a:t>
-            </a:r>
-          </a:p>
-          <a:p>
-            <a:pPr lvl="1"/>
-            <a:r>
-              <a:rPr lang="en-US" dirty="0" smtClean="0"/>
-              <a:t>Only the states and transitions specified are possible</a:t>
-            </a:r>
-          </a:p>
-          <a:p>
-            <a:r>
-              <a:rPr lang="en-US" dirty="0" smtClean="0"/>
-              <a:t>All input/output events are possible</a:t>
-            </a:r>
-          </a:p>
-          <a:p>
-            <a:r>
-              <a:rPr lang="en-US" dirty="0" smtClean="0"/>
-              <a:t>We can also check that each component is </a:t>
-            </a:r>
-            <a:r>
-              <a:rPr lang="en-US" i="1" dirty="0" smtClean="0"/>
-              <a:t>realizable</a:t>
-            </a:r>
-            <a:endParaRPr lang="en-US" dirty="0" smtClean="0"/>
-          </a:p>
-        </p:txBody>
-      </p:sp>
-      <p:sp>
-        <p:nvSpPr>
-          <p:cNvPr id="4" name="Footer Placeholder 3"/>
-          <p:cNvSpPr>
-            <a:spLocks noGrp="1"/>
-          </p:cNvSpPr>
-          <p:nvPr>
-            <p:ph type="ftr" sz="quarter" idx="11"/>
           </p:nvPr>
         </p:nvSpPr>
         <p:spPr>
           <a:xfrm>
-            <a:off x="4038600" y="6419124"/>
-            <a:ext cx="4114800" cy="306936"/>
+            <a:off x="210065" y="1508511"/>
+            <a:ext cx="9445726" cy="4668452"/>
           </a:xfrm>
         </p:spPr>
         <p:txBody>
-          <a:bodyPr/>
-          <a:lstStyle/>
-          <a:p>
-            <a:r>
-              <a:rPr lang="en-US" dirty="0" smtClean="0"/>
-              <a:t>Architecture Group</a:t>
-            </a:r>
+          <a:bodyPr>
+            <a:normAutofit lnSpcReduction="10000"/>
+          </a:bodyPr>
+          <a:lstStyle/>
+          <a:p>
+            <a:r>
+              <a:rPr lang="en-US" dirty="0" smtClean="0"/>
+              <a:t>The architecture relied on the documentation that was found </a:t>
+            </a:r>
+            <a:br>
+              <a:rPr lang="en-US" dirty="0" smtClean="0"/>
+            </a:br>
+            <a:r>
+              <a:rPr lang="en-US" dirty="0" smtClean="0"/>
+              <a:t>on the </a:t>
+            </a:r>
+            <a:r>
+              <a:rPr lang="en-US" dirty="0" err="1" smtClean="0"/>
+              <a:t>UxAS</a:t>
+            </a:r>
+            <a:r>
+              <a:rPr lang="en-US" dirty="0" smtClean="0"/>
+              <a:t> wiki page.</a:t>
+            </a:r>
+          </a:p>
+          <a:p>
+            <a:pPr lvl="1"/>
+            <a:r>
+              <a:rPr lang="en-US" dirty="0" smtClean="0"/>
+              <a:t>Direct code decomposition was going to be too intensive to meet objectives efficiently.</a:t>
+            </a:r>
+          </a:p>
+          <a:p>
+            <a:pPr lvl="1"/>
+            <a:r>
+              <a:rPr lang="en-US" dirty="0" smtClean="0"/>
+              <a:t>Through generation, gaps were identified.</a:t>
+            </a:r>
+          </a:p>
+          <a:p>
+            <a:pPr marL="457200" lvl="1" indent="0">
+              <a:buNone/>
+            </a:pPr>
+            <a:endParaRPr lang="en-US" dirty="0" smtClean="0"/>
+          </a:p>
+          <a:p>
             <a:endParaRPr lang="en-US" dirty="0"/>
+          </a:p>
+          <a:p>
+            <a:r>
+              <a:rPr lang="en-US" dirty="0" smtClean="0"/>
+              <a:t>Team members on the team and SMEs exposed:</a:t>
+            </a:r>
+          </a:p>
+          <a:p>
+            <a:pPr lvl="1"/>
+            <a:r>
+              <a:rPr lang="en-US" dirty="0" smtClean="0"/>
+              <a:t>Behavior that was not desired</a:t>
+            </a:r>
+          </a:p>
+          <a:p>
+            <a:pPr lvl="1"/>
+            <a:r>
+              <a:rPr lang="en-US" dirty="0" smtClean="0"/>
+              <a:t>Design decisions that gave components similar but different roles</a:t>
+            </a:r>
+          </a:p>
+          <a:p>
+            <a:pPr lvl="1"/>
+            <a:r>
+              <a:rPr lang="en-US" dirty="0" smtClean="0"/>
+              <a:t>Clarification on how components were envisioned to work but currently does not.</a:t>
+            </a:r>
+          </a:p>
+          <a:p>
+            <a:pPr lvl="1"/>
+            <a:endParaRPr lang="en-US" dirty="0" smtClean="0"/>
+          </a:p>
+          <a:p>
+            <a:pPr lvl="1"/>
+            <a:endParaRPr lang="en-US" dirty="0"/>
+          </a:p>
+        </p:txBody>
+      </p:sp>
+      <p:sp>
+        <p:nvSpPr>
+          <p:cNvPr id="4" name="Rectangle 3"/>
+          <p:cNvSpPr/>
+          <p:nvPr/>
+        </p:nvSpPr>
+        <p:spPr>
+          <a:xfrm>
+            <a:off x="-498143" y="0"/>
+            <a:ext cx="1781033" cy="1003110"/>
+          </a:xfrm>
+          <a:prstGeom prst="rect">
+            <a:avLst/>
+          </a:prstGeom>
+          <a:solidFill>
+            <a:srgbClr val="FF0000"/>
+          </a:solidFill>
+          <a:ln>
+            <a:solidFill>
+              <a:schemeClr val="tx1"/>
+            </a:solidFill>
+          </a:ln>
+        </p:spPr>
+        <p:style>
+          <a:lnRef idx="2">
+            <a:schemeClr val="accent1">
+              <a:shade val="50000"/>
+            </a:schemeClr>
+          </a:lnRef>
+          <a:fillRef idx="1">
+            <a:schemeClr val="accent1"/>
+          </a:fillRef>
+          <a:effectRef idx="0">
+            <a:schemeClr val="accent1"/>
+          </a:effectRef>
+          <a:fontRef idx="minor">
+            <a:schemeClr val="lt1"/>
+          </a:fontRef>
+        </p:style>
+        <p:txBody>
+          <a:bodyPr rtlCol="0" anchor="ctr"/>
+          <a:lstStyle/>
+          <a:p>
+            <a:pPr algn="ctr"/>
+            <a:r>
+              <a:rPr lang="en-US" sz="1400" dirty="0" smtClean="0"/>
+              <a:t>These are bullets to be revised and graphics to be generated.</a:t>
+            </a:r>
+            <a:endParaRPr lang="en-US" sz="1400" dirty="0"/>
+          </a:p>
+        </p:txBody>
+      </p:sp>
+      <p:pic>
+        <p:nvPicPr>
+          <p:cNvPr id="5" name="Picture 4"/>
+          <p:cNvPicPr>
+            <a:picLocks noChangeAspect="1"/>
+          </p:cNvPicPr>
+          <p:nvPr/>
+        </p:nvPicPr>
+        <p:blipFill>
+          <a:blip r:embed="rId2"/>
+          <a:stretch>
+            <a:fillRect/>
+          </a:stretch>
+        </p:blipFill>
+        <p:spPr>
+          <a:xfrm>
+            <a:off x="9578404" y="1630907"/>
+            <a:ext cx="2531709" cy="4225982"/>
+          </a:xfrm>
+          <a:prstGeom prst="rect">
+            <a:avLst/>
+          </a:prstGeom>
+        </p:spPr>
+      </p:pic>
+      <p:sp>
+        <p:nvSpPr>
+          <p:cNvPr id="6" name="Rectangle 5"/>
+          <p:cNvSpPr/>
+          <p:nvPr/>
+        </p:nvSpPr>
+        <p:spPr>
+          <a:xfrm>
+            <a:off x="3057099" y="3350972"/>
+            <a:ext cx="6287069" cy="983530"/>
+          </a:xfrm>
+          <a:prstGeom prst="rect">
+            <a:avLst/>
+          </a:prstGeom>
+        </p:spPr>
+        <p:style>
+          <a:lnRef idx="2">
+            <a:schemeClr val="accent1">
+              <a:shade val="50000"/>
+            </a:schemeClr>
+          </a:lnRef>
+          <a:fillRef idx="1">
+            <a:schemeClr val="accent1"/>
+          </a:fillRef>
+          <a:effectRef idx="0">
+            <a:schemeClr val="accent1"/>
+          </a:effectRef>
+          <a:fontRef idx="minor">
+            <a:schemeClr val="lt1"/>
+          </a:fontRef>
+        </p:style>
+        <p:txBody>
+          <a:bodyPr rtlCol="0" anchor="ctr"/>
+          <a:lstStyle/>
+          <a:p>
+            <a:pPr algn="ctr"/>
+            <a:r>
+              <a:rPr lang="en-US" b="1" i="1" dirty="0" smtClean="0"/>
+              <a:t>Just the effort to formalize components proved extremely valuable to the SMEs, even before the analysis.</a:t>
+            </a:r>
+            <a:endParaRPr lang="en-US" b="1" i="1" dirty="0"/>
           </a:p>
         </p:txBody>
       </p:sp>
     </p:spTree>
     <p:extLst>
       <p:ext uri="{BB962C8B-B14F-4D97-AF65-F5344CB8AC3E}">
-        <p14:creationId xmlns:p14="http://schemas.microsoft.com/office/powerpoint/2010/main" val="1022737261"/>
+        <p14:creationId xmlns:p14="http://schemas.microsoft.com/office/powerpoint/2010/main" val="112893349"/>
       </p:ext>
     </p:extLst>
   </p:cSld>
   <p:clrMapOvr>
     <a:masterClrMapping/>
   </p:clrMapOvr>
+  <p:timing>
+    <p:tnLst>
+      <p:par>
+        <p:cTn id="1" dur="indefinite" restart="never" nodeType="tmRoot">
+          <p:childTnLst>
+            <p:seq concurrent="1" nextAc="seek">
+              <p:cTn id="2" dur="indefinite" nodeType="mainSeq">
+                <p:childTnLst>
+                  <p:par>
+                    <p:cTn id="3" fill="hold">
+                      <p:stCondLst>
+                        <p:cond delay="indefinite"/>
+                      </p:stCondLst>
+                      <p:childTnLst>
+                        <p:par>
+                          <p:cTn id="4" fill="hold">
+                            <p:stCondLst>
+                              <p:cond delay="0"/>
+                            </p:stCondLst>
+                            <p:childTnLst>
+                              <p:par>
+                                <p:cTn id="5" presetID="1" presetClass="entr" presetSubtype="0" fill="hold" grpId="0" nodeType="clickEffect">
+                                  <p:stCondLst>
+                                    <p:cond delay="0"/>
+                                  </p:stCondLst>
+                                  <p:childTnLst>
+                                    <p:set>
+                                      <p:cBhvr>
+                                        <p:cTn id="6" dur="1" fill="hold">
+                                          <p:stCondLst>
+                                            <p:cond delay="0"/>
+                                          </p:stCondLst>
+                                        </p:cTn>
+                                        <p:tgtEl>
+                                          <p:spTgt spid="6"/>
+                                        </p:tgtEl>
+                                        <p:attrNameLst>
+                                          <p:attrName>style.visibility</p:attrName>
+                                        </p:attrNameLst>
+                                      </p:cBhvr>
+                                      <p:to>
+                                        <p:strVal val="visible"/>
+                                      </p:to>
+                                    </p:set>
+                                  </p:childTnLst>
+                                </p:cTn>
+                              </p:par>
+                            </p:childTnLst>
+                          </p:cTn>
+                        </p:par>
+                      </p:childTnLst>
+                    </p:cTn>
+                  </p:par>
+                </p:childTnLst>
+              </p:cTn>
+              <p:prevCondLst>
+                <p:cond evt="onPrev" delay="0">
+                  <p:tgtEl>
+                    <p:sldTgt/>
+                  </p:tgtEl>
+                </p:cond>
+              </p:prevCondLst>
+              <p:nextCondLst>
+                <p:cond evt="onNext" delay="0">
+                  <p:tgtEl>
+                    <p:sldTgt/>
+                  </p:tgtEl>
+                </p:cond>
+              </p:nextCondLst>
+            </p:seq>
+          </p:childTnLst>
+        </p:cTn>
+      </p:par>
+    </p:tnLst>
+    <p:bldLst>
+      <p:bldP spid="6" grpId="0" animBg="1"/>
+    </p:bldLst>
+  </p:timing>
 </p:sld>
 </file>
 

--- a/presentations/S5_SoI_Architecture_Group.pptx
+++ b/presentations/S5_SoI_Architecture_Group.pptx
@@ -10129,6 +10129,13 @@
   <p:clrMapOvr>
     <a:masterClrMapping/>
   </p:clrMapOvr>
+  <p:timing>
+    <p:tnLst>
+      <p:par>
+        <p:cTn id="1" dur="indefinite" restart="never" nodeType="tmRoot"/>
+      </p:par>
+    </p:tnLst>
+  </p:timing>
 </p:sld>
 </file>
 
@@ -10221,6 +10228,13 @@
   <p:clrMapOvr>
     <a:masterClrMapping/>
   </p:clrMapOvr>
+  <p:timing>
+    <p:tnLst>
+      <p:par>
+        <p:cTn id="1" dur="indefinite" restart="never" nodeType="tmRoot"/>
+      </p:par>
+    </p:tnLst>
+  </p:timing>
 </p:sld>
 </file>
 
@@ -10978,6 +10992,13 @@
   <p:clrMapOvr>
     <a:masterClrMapping/>
   </p:clrMapOvr>
+  <p:timing>
+    <p:tnLst>
+      <p:par>
+        <p:cTn id="1" dur="indefinite" restart="never" nodeType="tmRoot"/>
+      </p:par>
+    </p:tnLst>
+  </p:timing>
 </p:sld>
 </file>
 
@@ -11070,6 +11091,13 @@
   <p:clrMapOvr>
     <a:masterClrMapping/>
   </p:clrMapOvr>
+  <p:timing>
+    <p:tnLst>
+      <p:par>
+        <p:cTn id="1" dur="indefinite" restart="never" nodeType="tmRoot"/>
+      </p:par>
+    </p:tnLst>
+  </p:timing>
 </p:sld>
 </file>
 
@@ -11162,6 +11190,13 @@
   <p:clrMapOvr>
     <a:masterClrMapping/>
   </p:clrMapOvr>
+  <p:timing>
+    <p:tnLst>
+      <p:par>
+        <p:cTn id="1" dur="indefinite" restart="never" nodeType="tmRoot"/>
+      </p:par>
+    </p:tnLst>
+  </p:timing>
 </p:sld>
 </file>
 
@@ -11254,6 +11289,13 @@
   <p:clrMapOvr>
     <a:masterClrMapping/>
   </p:clrMapOvr>
+  <p:timing>
+    <p:tnLst>
+      <p:par>
+        <p:cTn id="1" dur="indefinite" restart="never" nodeType="tmRoot"/>
+      </p:par>
+    </p:tnLst>
+  </p:timing>
 </p:sld>
 </file>
 
@@ -11346,6 +11388,13 @@
   <p:clrMapOvr>
     <a:masterClrMapping/>
   </p:clrMapOvr>
+  <p:timing>
+    <p:tnLst>
+      <p:par>
+        <p:cTn id="1" dur="indefinite" restart="never" nodeType="tmRoot"/>
+      </p:par>
+    </p:tnLst>
+  </p:timing>
 </p:sld>
 </file>
 
@@ -11438,6 +11487,13 @@
   <p:clrMapOvr>
     <a:masterClrMapping/>
   </p:clrMapOvr>
+  <p:timing>
+    <p:tnLst>
+      <p:par>
+        <p:cTn id="1" dur="indefinite" restart="never" nodeType="tmRoot"/>
+      </p:par>
+    </p:tnLst>
+  </p:timing>
 </p:sld>
 </file>
 
@@ -11530,6 +11586,13 @@
   <p:clrMapOvr>
     <a:masterClrMapping/>
   </p:clrMapOvr>
+  <p:timing>
+    <p:tnLst>
+      <p:par>
+        <p:cTn id="1" dur="indefinite" restart="never" nodeType="tmRoot"/>
+      </p:par>
+    </p:tnLst>
+  </p:timing>
 </p:sld>
 </file>
 
@@ -12397,62 +12460,6 @@
           </a:p>
         </p:txBody>
       </p:sp>
-      <p:sp>
-        <p:nvSpPr>
-          <p:cNvPr id="7" name="Left Arrow 6"/>
-          <p:cNvSpPr/>
-          <p:nvPr/>
-        </p:nvSpPr>
-        <p:spPr>
-          <a:xfrm>
-            <a:off x="9508176" y="4678878"/>
-            <a:ext cx="2487881" cy="1277896"/>
-          </a:xfrm>
-          <a:prstGeom prst="leftArrow">
-            <a:avLst/>
-          </a:prstGeom>
-          <a:solidFill>
-            <a:srgbClr val="FF0000"/>
-          </a:solidFill>
-          <a:ln>
-            <a:solidFill>
-              <a:schemeClr val="tx1"/>
-            </a:solidFill>
-          </a:ln>
-        </p:spPr>
-        <p:style>
-          <a:lnRef idx="2">
-            <a:schemeClr val="accent1">
-              <a:shade val="50000"/>
-            </a:schemeClr>
-          </a:lnRef>
-          <a:fillRef idx="1">
-            <a:schemeClr val="accent1"/>
-          </a:fillRef>
-          <a:effectRef idx="0">
-            <a:schemeClr val="accent1"/>
-          </a:effectRef>
-          <a:fontRef idx="minor">
-            <a:schemeClr val="lt1"/>
-          </a:fontRef>
-        </p:style>
-        <p:txBody>
-          <a:bodyPr rtlCol="0" anchor="ctr"/>
-          <a:lstStyle/>
-          <a:p>
-            <a:pPr algn="ctr"/>
-            <a:r>
-              <a:rPr lang="en-US" sz="1400" dirty="0"/>
-              <a:t>Maybe build this point in as an </a:t>
-            </a:r>
-            <a:r>
-              <a:rPr lang="en-US" sz="1400" dirty="0" err="1"/>
-              <a:t>annimation</a:t>
-            </a:r>
-            <a:endParaRPr lang="en-US" sz="1400" dirty="0"/>
-          </a:p>
-        </p:txBody>
-      </p:sp>
     </p:spTree>
     <p:extLst>
       <p:ext uri="{BB962C8B-B14F-4D97-AF65-F5344CB8AC3E}">
@@ -12466,7 +12473,79 @@
   <p:timing>
     <p:tnLst>
       <p:par>
-        <p:cTn id="1" dur="indefinite" restart="never" nodeType="tmRoot"/>
+        <p:cTn id="1" dur="indefinite" restart="never" nodeType="tmRoot">
+          <p:childTnLst>
+            <p:seq concurrent="1" nextAc="seek">
+              <p:cTn id="2" dur="indefinite" nodeType="mainSeq">
+                <p:childTnLst>
+                  <p:par>
+                    <p:cTn id="3" fill="hold">
+                      <p:stCondLst>
+                        <p:cond delay="indefinite"/>
+                      </p:stCondLst>
+                      <p:childTnLst>
+                        <p:par>
+                          <p:cTn id="4" fill="hold">
+                            <p:stCondLst>
+                              <p:cond delay="0"/>
+                            </p:stCondLst>
+                            <p:childTnLst>
+                              <p:par>
+                                <p:cTn id="5" presetID="1" presetClass="entr" presetSubtype="0" fill="hold" nodeType="clickEffect">
+                                  <p:stCondLst>
+                                    <p:cond delay="0"/>
+                                  </p:stCondLst>
+                                  <p:childTnLst>
+                                    <p:set>
+                                      <p:cBhvr>
+                                        <p:cTn id="6" dur="1" fill="hold">
+                                          <p:stCondLst>
+                                            <p:cond delay="0"/>
+                                          </p:stCondLst>
+                                        </p:cTn>
+                                        <p:tgtEl>
+                                          <p:spTgt spid="3">
+                                            <p:txEl>
+                                              <p:pRg st="5" end="5"/>
+                                            </p:txEl>
+                                          </p:spTgt>
+                                        </p:tgtEl>
+                                        <p:attrNameLst>
+                                          <p:attrName>style.visibility</p:attrName>
+                                        </p:attrNameLst>
+                                      </p:cBhvr>
+                                      <p:to>
+                                        <p:strVal val="visible"/>
+                                      </p:to>
+                                    </p:set>
+                                  </p:childTnLst>
+                                </p:cTn>
+                              </p:par>
+                            </p:childTnLst>
+                          </p:cTn>
+                        </p:par>
+                      </p:childTnLst>
+                    </p:cTn>
+                  </p:par>
+                </p:childTnLst>
+              </p:cTn>
+              <p:prevCondLst>
+                <p:cond evt="onPrev" delay="0">
+                  <p:tgtEl>
+                    <p:sldTgt/>
+                  </p:tgtEl>
+                </p:cond>
+              </p:prevCondLst>
+              <p:nextCondLst>
+                <p:cond evt="onNext" delay="0">
+                  <p:tgtEl>
+                    <p:sldTgt/>
+                  </p:tgtEl>
+                </p:cond>
+              </p:nextCondLst>
+            </p:seq>
+          </p:childTnLst>
+        </p:cTn>
       </p:par>
     </p:tnLst>
   </p:timing>

--- a/presentations/S5_SoI_Architecture_Group.pptx
+++ b/presentations/S5_SoI_Architecture_Group.pptx
@@ -5,7 +5,7 @@
     <p:sldMasterId id="2147483648" r:id="rId1"/>
   </p:sldMasterIdLst>
   <p:notesMasterIdLst>
-    <p:notesMasterId r:id="rId40"/>
+    <p:notesMasterId r:id="rId39"/>
   </p:notesMasterIdLst>
   <p:sldIdLst>
     <p:sldId id="256" r:id="rId2"/>
@@ -33,19 +33,18 @@
     <p:sldId id="280" r:id="rId24"/>
     <p:sldId id="263" r:id="rId25"/>
     <p:sldId id="279" r:id="rId26"/>
-    <p:sldId id="267" r:id="rId27"/>
-    <p:sldId id="268" r:id="rId28"/>
-    <p:sldId id="270" r:id="rId29"/>
-    <p:sldId id="271" r:id="rId30"/>
-    <p:sldId id="272" r:id="rId31"/>
-    <p:sldId id="273" r:id="rId32"/>
-    <p:sldId id="274" r:id="rId33"/>
-    <p:sldId id="275" r:id="rId34"/>
-    <p:sldId id="276" r:id="rId35"/>
-    <p:sldId id="277" r:id="rId36"/>
-    <p:sldId id="278" r:id="rId37"/>
-    <p:sldId id="261" r:id="rId38"/>
-    <p:sldId id="262" r:id="rId39"/>
+    <p:sldId id="268" r:id="rId27"/>
+    <p:sldId id="295" r:id="rId28"/>
+    <p:sldId id="296" r:id="rId29"/>
+    <p:sldId id="297" r:id="rId30"/>
+    <p:sldId id="298" r:id="rId31"/>
+    <p:sldId id="299" r:id="rId32"/>
+    <p:sldId id="300" r:id="rId33"/>
+    <p:sldId id="301" r:id="rId34"/>
+    <p:sldId id="302" r:id="rId35"/>
+    <p:sldId id="303" r:id="rId36"/>
+    <p:sldId id="261" r:id="rId37"/>
+    <p:sldId id="262" r:id="rId38"/>
   </p:sldIdLst>
   <p:sldSz cx="12192000" cy="6858000"/>
   <p:notesSz cx="6858000" cy="9144000"/>
@@ -1080,7 +1079,7 @@
           <a:p>
             <a:fld id="{563BCB51-F13E-4501-921D-7D4EB39EDE9B}" type="slidenum">
               <a:rPr lang="en-US" smtClean="0"/>
-              <a:t>37</a:t>
+              <a:t>36</a:t>
             </a:fld>
             <a:endParaRPr lang="en-US"/>
           </a:p>
@@ -1164,7 +1163,7 @@
           <a:p>
             <a:fld id="{563BCB51-F13E-4501-921D-7D4EB39EDE9B}" type="slidenum">
               <a:rPr lang="en-US" smtClean="0"/>
-              <a:t>38</a:t>
+              <a:t>37</a:t>
             </a:fld>
             <a:endParaRPr lang="en-US"/>
           </a:p>
@@ -4589,12 +4588,78 @@
         </p:nvSpPr>
         <p:spPr/>
         <p:txBody>
-          <a:bodyPr/>
-          <a:lstStyle/>
-          <a:p>
+          <a:bodyPr>
+            <a:normAutofit/>
+          </a:bodyPr>
+          <a:lstStyle/>
+          <a:p>
+            <a:r>
+              <a:rPr lang="en-US" dirty="0" smtClean="0"/>
+              <a:t>Wrote a script to extract </a:t>
+            </a:r>
             <a:r>
               <a:rPr lang="en-US" dirty="0"/>
-              <a:t>Created formal contracts for 6-8 services and tasks based on the </a:t>
+              <a:t>data types, input and output ports, and connections from </a:t>
+            </a:r>
+            <a:r>
+              <a:rPr lang="en-US" dirty="0" smtClean="0"/>
+              <a:t>code</a:t>
+            </a:r>
+          </a:p>
+          <a:p>
+            <a:pPr lvl="1"/>
+            <a:r>
+              <a:rPr lang="en-US" dirty="0"/>
+              <a:t>abstracted the common message bus by direct port </a:t>
+            </a:r>
+            <a:r>
+              <a:rPr lang="en-US" dirty="0" smtClean="0"/>
+              <a:t>connections</a:t>
+            </a:r>
+          </a:p>
+          <a:p>
+            <a:pPr lvl="1"/>
+            <a:r>
+              <a:rPr lang="en-US" dirty="0" smtClean="0">
+                <a:solidFill>
+                  <a:srgbClr val="FF0000"/>
+                </a:solidFill>
+              </a:rPr>
+              <a:t>The “structure” of the Waterways mission instantiation of </a:t>
+            </a:r>
+            <a:r>
+              <a:rPr lang="en-US" dirty="0" err="1" smtClean="0">
+                <a:solidFill>
+                  <a:srgbClr val="FF0000"/>
+                </a:solidFill>
+              </a:rPr>
+              <a:t>UxAS</a:t>
+            </a:r>
+            <a:r>
+              <a:rPr lang="en-US" dirty="0" smtClean="0">
+                <a:solidFill>
+                  <a:srgbClr val="FF0000"/>
+                </a:solidFill>
+              </a:rPr>
+              <a:t> is nearly complete</a:t>
+            </a:r>
+          </a:p>
+          <a:p>
+            <a:r>
+              <a:rPr lang="en-US" dirty="0" smtClean="0"/>
+              <a:t>Created </a:t>
+            </a:r>
+            <a:r>
+              <a:rPr lang="en-US" dirty="0"/>
+              <a:t>formal contracts </a:t>
+            </a:r>
+            <a:r>
+              <a:rPr lang="en-US" dirty="0" smtClean="0"/>
+              <a:t>(capturing behaviors) for eight services </a:t>
+            </a:r>
+            <a:r>
+              <a:rPr lang="en-US" dirty="0"/>
+              <a:t>and tasks based on the </a:t>
             </a:r>
             <a:r>
               <a:rPr lang="en-US" dirty="0" err="1"/>
@@ -4607,12 +4672,6 @@
             <a:r>
               <a:rPr lang="en-US" dirty="0" smtClean="0"/>
               <a:t>developer</a:t>
-            </a:r>
-          </a:p>
-          <a:p>
-            <a:r>
-              <a:rPr lang="en-US" dirty="0" smtClean="0"/>
-              <a:t>Abstracted the common message bus by direct port connections</a:t>
             </a:r>
           </a:p>
           <a:p>
@@ -4628,7 +4687,7 @@
         </p:nvSpPr>
         <p:spPr>
           <a:xfrm>
-            <a:off x="-498143" y="0"/>
+            <a:off x="210065" y="156741"/>
             <a:ext cx="1781033" cy="1003110"/>
           </a:xfrm>
           <a:prstGeom prst="rect">
@@ -4680,7 +4739,7 @@
         </p:nvSpPr>
         <p:spPr>
           <a:xfrm>
-            <a:off x="10251743" y="2759122"/>
+            <a:off x="9043429" y="4452110"/>
             <a:ext cx="1781033" cy="1342030"/>
           </a:xfrm>
           <a:prstGeom prst="rect">
@@ -4721,6 +4780,34 @@
               <a:t>Make/pull a AADL connection image here showing interaction of a few components</a:t>
             </a:r>
             <a:endParaRPr lang="en-US" sz="1400" dirty="0"/>
+          </a:p>
+        </p:txBody>
+      </p:sp>
+      <p:sp>
+        <p:nvSpPr>
+          <p:cNvPr id="7" name="Footer Placeholder 3"/>
+          <p:cNvSpPr>
+            <a:spLocks noGrp="1"/>
+          </p:cNvSpPr>
+          <p:nvPr>
+            <p:ph type="ftr" sz="quarter" idx="11"/>
+          </p:nvPr>
+        </p:nvSpPr>
+        <p:spPr>
+          <a:xfrm>
+            <a:off x="4038600" y="6419124"/>
+            <a:ext cx="4114800" cy="306936"/>
+          </a:xfrm>
+        </p:spPr>
+        <p:txBody>
+          <a:bodyPr/>
+          <a:lstStyle/>
+          <a:p>
+            <a:r>
+              <a:rPr lang="en-US" dirty="0" smtClean="0"/>
+              <a:t>Architecture Group</a:t>
+            </a:r>
+            <a:endParaRPr lang="en-US" dirty="0"/>
           </a:p>
         </p:txBody>
       </p:sp>
@@ -5149,36 +5236,52 @@
         </p:nvSpPr>
         <p:spPr/>
         <p:txBody>
-          <a:bodyPr/>
-          <a:lstStyle/>
-          <a:p>
+          <a:bodyPr>
+            <a:normAutofit/>
+          </a:bodyPr>
+          <a:lstStyle/>
+          <a:p>
+            <a:r>
+              <a:rPr lang="en-US" dirty="0" smtClean="0"/>
+              <a:t>Realizability—check that a component implementation is possible and that there are no conflicts amongst the guarantees in the component’s contract</a:t>
+            </a:r>
+          </a:p>
+          <a:p>
+            <a:r>
+              <a:rPr lang="en-US" dirty="0" smtClean="0"/>
+              <a:t>Assume/guarantee reasoning—check higher-level guarantees and lemmas using the guarantees of the subcomponents, and check that the assumptions of the subcomponents hold</a:t>
+            </a:r>
+          </a:p>
+          <a:p>
+            <a:pPr lvl="1"/>
+            <a:r>
+              <a:rPr lang="en-US" dirty="0" smtClean="0"/>
+              <a:t>Can check that all </a:t>
+            </a:r>
             <a:r>
               <a:rPr lang="en-US" dirty="0"/>
-              <a:t>Created formal contracts for 6-8 services and tasks based on the </a:t>
-            </a:r>
-            <a:r>
-              <a:rPr lang="en-US" dirty="0" err="1"/>
-              <a:t>OpenUxAS</a:t>
-            </a:r>
-            <a:r>
-              <a:rPr lang="en-US" dirty="0"/>
-              <a:t> Wiki and conversations with the </a:t>
-            </a:r>
-            <a:r>
-              <a:rPr lang="en-US" dirty="0" smtClean="0"/>
-              <a:t>developer</a:t>
-            </a:r>
-            <a:endParaRPr lang="en-US" dirty="0"/>
-          </a:p>
-          <a:p>
-            <a:r>
-              <a:rPr lang="en-US" dirty="0"/>
-              <a:t>Stated and analyzed properties of these component-level contracts including timing aspects </a:t>
-            </a:r>
-            <a:endParaRPr lang="en-US" dirty="0" smtClean="0"/>
-          </a:p>
-          <a:p>
-            <a:endParaRPr lang="en-US" dirty="0"/>
+              <a:t>input/output events are </a:t>
+            </a:r>
+            <a:r>
+              <a:rPr lang="en-US" dirty="0" smtClean="0"/>
+              <a:t>possible</a:t>
+            </a:r>
+          </a:p>
+          <a:p>
+            <a:pPr lvl="1"/>
+            <a:r>
+              <a:rPr lang="en-US" dirty="0" smtClean="0">
+                <a:solidFill>
+                  <a:srgbClr val="FF0000"/>
+                </a:solidFill>
+              </a:rPr>
+              <a:t>Timing</a:t>
+            </a:r>
+            <a:endParaRPr lang="en-US" dirty="0">
+              <a:solidFill>
+                <a:srgbClr val="FF0000"/>
+              </a:solidFill>
+            </a:endParaRPr>
           </a:p>
         </p:txBody>
       </p:sp>
@@ -5242,8 +5345,8 @@
         </p:nvSpPr>
         <p:spPr>
           <a:xfrm>
-            <a:off x="673289" y="3621205"/>
-            <a:ext cx="2779595" cy="1810604"/>
+            <a:off x="1865750" y="4638475"/>
+            <a:ext cx="3866052" cy="1319442"/>
           </a:xfrm>
           <a:prstGeom prst="rect">
             <a:avLst/>
@@ -5323,7 +5426,7 @@
         </p:nvSpPr>
         <p:spPr>
           <a:xfrm>
-            <a:off x="9894628" y="2916071"/>
+            <a:off x="10080009" y="4486379"/>
             <a:ext cx="2090382" cy="1003110"/>
           </a:xfrm>
           <a:prstGeom prst="rect">
@@ -5367,6 +5470,188 @@
           </a:p>
         </p:txBody>
       </p:sp>
+      <p:pic>
+        <p:nvPicPr>
+          <p:cNvPr id="7" name="Picture 6"/>
+          <p:cNvPicPr>
+            <a:picLocks noChangeAspect="1"/>
+          </p:cNvPicPr>
+          <p:nvPr/>
+        </p:nvPicPr>
+        <p:blipFill rotWithShape="1">
+          <a:blip r:embed="rId2"/>
+          <a:srcRect b="76247"/>
+          <a:stretch/>
+        </p:blipFill>
+        <p:spPr>
+          <a:xfrm>
+            <a:off x="6063343" y="4815139"/>
+            <a:ext cx="3940628" cy="529746"/>
+          </a:xfrm>
+          <a:prstGeom prst="rect">
+            <a:avLst/>
+          </a:prstGeom>
+        </p:spPr>
+      </p:pic>
+      <p:pic>
+        <p:nvPicPr>
+          <p:cNvPr id="8" name="Picture 7"/>
+          <p:cNvPicPr>
+            <a:picLocks noChangeAspect="1"/>
+          </p:cNvPicPr>
+          <p:nvPr/>
+        </p:nvPicPr>
+        <p:blipFill>
+          <a:blip r:embed="rId3"/>
+          <a:stretch>
+            <a:fillRect/>
+          </a:stretch>
+        </p:blipFill>
+        <p:spPr>
+          <a:xfrm>
+            <a:off x="6096000" y="4473560"/>
+            <a:ext cx="2113915" cy="329830"/>
+          </a:xfrm>
+          <a:prstGeom prst="rect">
+            <a:avLst/>
+          </a:prstGeom>
+        </p:spPr>
+      </p:pic>
+      <p:sp>
+        <p:nvSpPr>
+          <p:cNvPr id="9" name="TextBox 8"/>
+          <p:cNvSpPr txBox="1"/>
+          <p:nvPr/>
+        </p:nvSpPr>
+        <p:spPr>
+          <a:xfrm>
+            <a:off x="6042454" y="3891259"/>
+            <a:ext cx="5228675" cy="646331"/>
+          </a:xfrm>
+          <a:prstGeom prst="rect">
+            <a:avLst/>
+          </a:prstGeom>
+          <a:noFill/>
+        </p:spPr>
+        <p:txBody>
+          <a:bodyPr wrap="none" rtlCol="0">
+            <a:spAutoFit/>
+          </a:bodyPr>
+          <a:lstStyle/>
+          <a:p>
+            <a:r>
+              <a:rPr lang="en-US" dirty="0" smtClean="0"/>
+              <a:t>Some analysis results for the </a:t>
+            </a:r>
+            <a:r>
+              <a:rPr lang="en-US" dirty="0" err="1" smtClean="0"/>
+              <a:t>RouteAggregatorService</a:t>
+            </a:r>
+            <a:r>
+              <a:rPr lang="en-US" dirty="0" smtClean="0"/>
+              <a:t> </a:t>
+            </a:r>
+          </a:p>
+          <a:p>
+            <a:r>
+              <a:rPr lang="en-US" dirty="0" smtClean="0"/>
+              <a:t>(</a:t>
+            </a:r>
+            <a:r>
+              <a:rPr lang="en-US" dirty="0" err="1" smtClean="0"/>
+              <a:t>AggregatorRole</a:t>
+            </a:r>
+            <a:r>
+              <a:rPr lang="en-US" dirty="0" smtClean="0"/>
+              <a:t>):</a:t>
+            </a:r>
+            <a:endParaRPr lang="en-US" dirty="0"/>
+          </a:p>
+        </p:txBody>
+      </p:sp>
+      <p:sp>
+        <p:nvSpPr>
+          <p:cNvPr id="10" name="Footer Placeholder 3"/>
+          <p:cNvSpPr>
+            <a:spLocks noGrp="1"/>
+          </p:cNvSpPr>
+          <p:nvPr>
+            <p:ph type="ftr" sz="quarter" idx="11"/>
+          </p:nvPr>
+        </p:nvSpPr>
+        <p:spPr>
+          <a:xfrm>
+            <a:off x="4038600" y="6419124"/>
+            <a:ext cx="4114800" cy="306936"/>
+          </a:xfrm>
+        </p:spPr>
+        <p:txBody>
+          <a:bodyPr/>
+          <a:lstStyle/>
+          <a:p>
+            <a:r>
+              <a:rPr lang="en-US" dirty="0" smtClean="0"/>
+              <a:t>Architecture Group</a:t>
+            </a:r>
+            <a:endParaRPr lang="en-US" dirty="0"/>
+          </a:p>
+        </p:txBody>
+      </p:sp>
+      <p:sp>
+        <p:nvSpPr>
+          <p:cNvPr id="12" name="TextBox 11"/>
+          <p:cNvSpPr txBox="1"/>
+          <p:nvPr/>
+        </p:nvSpPr>
+        <p:spPr>
+          <a:xfrm>
+            <a:off x="1865750" y="0"/>
+            <a:ext cx="2542964" cy="1323439"/>
+          </a:xfrm>
+          <a:prstGeom prst="rect">
+            <a:avLst/>
+          </a:prstGeom>
+          <a:solidFill>
+            <a:srgbClr val="FFFF00"/>
+          </a:solidFill>
+        </p:spPr>
+        <p:txBody>
+          <a:bodyPr wrap="square" rtlCol="0">
+            <a:spAutoFit/>
+          </a:bodyPr>
+          <a:lstStyle/>
+          <a:p>
+            <a:r>
+              <a:rPr lang="en-US" sz="1000" dirty="0" smtClean="0"/>
+              <a:t>Aaron: We didn’t prove much that didn’t involve state machines. The only other lemmas I see are that the number of messages being processed is nonnegative and that the size of a queue is nonnegative and at least sometimes positive. These are kind of odd things to show in a presentation I think.</a:t>
+            </a:r>
+            <a:endParaRPr lang="en-US" sz="1000" dirty="0"/>
+          </a:p>
+        </p:txBody>
+      </p:sp>
+      <p:pic>
+        <p:nvPicPr>
+          <p:cNvPr id="13" name="Picture 12"/>
+          <p:cNvPicPr>
+            <a:picLocks noChangeAspect="1"/>
+          </p:cNvPicPr>
+          <p:nvPr/>
+        </p:nvPicPr>
+        <p:blipFill rotWithShape="1">
+          <a:blip r:embed="rId2"/>
+          <a:srcRect t="69636"/>
+          <a:stretch/>
+        </p:blipFill>
+        <p:spPr>
+          <a:xfrm>
+            <a:off x="6063343" y="5438278"/>
+            <a:ext cx="3940628" cy="677185"/>
+          </a:xfrm>
+          <a:prstGeom prst="rect">
+            <a:avLst/>
+          </a:prstGeom>
+        </p:spPr>
+      </p:pic>
     </p:spTree>
     <p:extLst>
       <p:ext uri="{BB962C8B-B14F-4D97-AF65-F5344CB8AC3E}">
@@ -5635,6 +5920,66 @@
           </a:p>
         </p:txBody>
       </p:sp>
+      <p:sp>
+        <p:nvSpPr>
+          <p:cNvPr id="7" name="Footer Placeholder 3"/>
+          <p:cNvSpPr>
+            <a:spLocks noGrp="1"/>
+          </p:cNvSpPr>
+          <p:nvPr>
+            <p:ph type="ftr" sz="quarter" idx="11"/>
+          </p:nvPr>
+        </p:nvSpPr>
+        <p:spPr>
+          <a:xfrm>
+            <a:off x="4038600" y="6419124"/>
+            <a:ext cx="4114800" cy="306936"/>
+          </a:xfrm>
+        </p:spPr>
+        <p:txBody>
+          <a:bodyPr/>
+          <a:lstStyle/>
+          <a:p>
+            <a:r>
+              <a:rPr lang="en-US" dirty="0" smtClean="0"/>
+              <a:t>Architecture Group</a:t>
+            </a:r>
+            <a:endParaRPr lang="en-US" dirty="0"/>
+          </a:p>
+        </p:txBody>
+      </p:sp>
+      <p:sp>
+        <p:nvSpPr>
+          <p:cNvPr id="8" name="TextBox 7"/>
+          <p:cNvSpPr txBox="1"/>
+          <p:nvPr/>
+        </p:nvSpPr>
+        <p:spPr>
+          <a:xfrm>
+            <a:off x="3291778" y="3762232"/>
+            <a:ext cx="2542964" cy="400110"/>
+          </a:xfrm>
+          <a:prstGeom prst="rect">
+            <a:avLst/>
+          </a:prstGeom>
+          <a:solidFill>
+            <a:srgbClr val="FFFF00"/>
+          </a:solidFill>
+        </p:spPr>
+        <p:txBody>
+          <a:bodyPr wrap="square" rtlCol="0">
+            <a:spAutoFit/>
+          </a:bodyPr>
+          <a:lstStyle/>
+          <a:p>
+            <a:r>
+              <a:rPr lang="en-US" sz="1000" dirty="0" smtClean="0"/>
+              <a:t>Aaron: Almost all the idioms and lemmas are only applicable to state machines as I recall.</a:t>
+            </a:r>
+            <a:endParaRPr lang="en-US" sz="1000" dirty="0"/>
+          </a:p>
+        </p:txBody>
+      </p:sp>
     </p:spTree>
     <p:extLst>
       <p:ext uri="{BB962C8B-B14F-4D97-AF65-F5344CB8AC3E}">
@@ -5707,6 +6052,34 @@
           <a:lstStyle/>
           <a:p>
             <a:endParaRPr lang="en-US"/>
+          </a:p>
+        </p:txBody>
+      </p:sp>
+      <p:sp>
+        <p:nvSpPr>
+          <p:cNvPr id="4" name="Footer Placeholder 3"/>
+          <p:cNvSpPr>
+            <a:spLocks noGrp="1"/>
+          </p:cNvSpPr>
+          <p:nvPr>
+            <p:ph type="ftr" sz="quarter" idx="11"/>
+          </p:nvPr>
+        </p:nvSpPr>
+        <p:spPr>
+          <a:xfrm>
+            <a:off x="4038600" y="6419124"/>
+            <a:ext cx="4114800" cy="306936"/>
+          </a:xfrm>
+        </p:spPr>
+        <p:txBody>
+          <a:bodyPr/>
+          <a:lstStyle/>
+          <a:p>
+            <a:r>
+              <a:rPr lang="en-US" dirty="0" smtClean="0"/>
+              <a:t>Architecture Group</a:t>
+            </a:r>
+            <a:endParaRPr lang="en-US" dirty="0"/>
           </a:p>
         </p:txBody>
       </p:sp>
@@ -8923,6 +9296,34 @@
           </a:p>
         </p:txBody>
       </p:sp>
+      <p:sp>
+        <p:nvSpPr>
+          <p:cNvPr id="6" name="Footer Placeholder 3"/>
+          <p:cNvSpPr>
+            <a:spLocks noGrp="1"/>
+          </p:cNvSpPr>
+          <p:nvPr>
+            <p:ph type="ftr" sz="quarter" idx="11"/>
+          </p:nvPr>
+        </p:nvSpPr>
+        <p:spPr>
+          <a:xfrm>
+            <a:off x="4038600" y="6419124"/>
+            <a:ext cx="4114800" cy="306936"/>
+          </a:xfrm>
+        </p:spPr>
+        <p:txBody>
+          <a:bodyPr/>
+          <a:lstStyle/>
+          <a:p>
+            <a:r>
+              <a:rPr lang="en-US" dirty="0" smtClean="0"/>
+              <a:t>Architecture Group</a:t>
+            </a:r>
+            <a:endParaRPr lang="en-US" dirty="0"/>
+          </a:p>
+        </p:txBody>
+      </p:sp>
     </p:spTree>
     <p:extLst>
       <p:ext uri="{BB962C8B-B14F-4D97-AF65-F5344CB8AC3E}">
@@ -9051,13 +9452,13 @@
               </a:ext>
             </a:extLst>
           </a:blip>
-          <a:srcRect t="22931"/>
+          <a:srcRect t="24566"/>
           <a:stretch/>
         </p:blipFill>
         <p:spPr>
           <a:xfrm>
-            <a:off x="4192651" y="1490194"/>
-            <a:ext cx="7682191" cy="4696674"/>
+            <a:off x="3131209" y="1508512"/>
+            <a:ext cx="8939582" cy="5349488"/>
           </a:xfrm>
           <a:prstGeom prst="rect">
             <a:avLst/>
@@ -9072,8 +9473,8 @@
         </p:nvSpPr>
         <p:spPr>
           <a:xfrm>
-            <a:off x="210064" y="1589417"/>
-            <a:ext cx="6179367" cy="2621635"/>
+            <a:off x="210065" y="1589417"/>
+            <a:ext cx="5592022" cy="3102326"/>
           </a:xfrm>
           <a:prstGeom prst="wedgeRectCallout">
             <a:avLst>
@@ -9366,7 +9767,15 @@
             <a:pPr lvl="1"/>
             <a:r>
               <a:rPr lang="en-US" dirty="0"/>
-              <a:t>E.g., Lemmas and repetitive infrastructure are developed manually</a:t>
+              <a:t>E.g., </a:t>
+            </a:r>
+            <a:r>
+              <a:rPr lang="en-US" dirty="0" smtClean="0"/>
+              <a:t>lemmas </a:t>
+            </a:r>
+            <a:r>
+              <a:rPr lang="en-US" dirty="0"/>
+              <a:t>and repetitive infrastructure are developed manually</a:t>
             </a:r>
           </a:p>
           <a:p>
@@ -9531,6 +9940,34 @@
           </a:p>
         </p:txBody>
       </p:sp>
+      <p:sp>
+        <p:nvSpPr>
+          <p:cNvPr id="4" name="Footer Placeholder 3"/>
+          <p:cNvSpPr>
+            <a:spLocks noGrp="1"/>
+          </p:cNvSpPr>
+          <p:nvPr>
+            <p:ph type="ftr" sz="quarter" idx="11"/>
+          </p:nvPr>
+        </p:nvSpPr>
+        <p:spPr>
+          <a:xfrm>
+            <a:off x="4038600" y="6419124"/>
+            <a:ext cx="4114800" cy="306936"/>
+          </a:xfrm>
+        </p:spPr>
+        <p:txBody>
+          <a:bodyPr/>
+          <a:lstStyle/>
+          <a:p>
+            <a:r>
+              <a:rPr lang="en-US" dirty="0" smtClean="0"/>
+              <a:t>Architecture Group</a:t>
+            </a:r>
+            <a:endParaRPr lang="en-US" dirty="0"/>
+          </a:p>
+        </p:txBody>
+      </p:sp>
     </p:spTree>
     <p:extLst>
       <p:ext uri="{BB962C8B-B14F-4D97-AF65-F5344CB8AC3E}">
@@ -9682,6 +10119,38 @@
           </a:p>
         </p:txBody>
       </p:sp>
+      <p:sp>
+        <p:nvSpPr>
+          <p:cNvPr id="5" name="TextBox 4"/>
+          <p:cNvSpPr txBox="1"/>
+          <p:nvPr/>
+        </p:nvSpPr>
+        <p:spPr>
+          <a:xfrm>
+            <a:off x="6753436" y="3842737"/>
+            <a:ext cx="2542964" cy="707886"/>
+          </a:xfrm>
+          <a:prstGeom prst="rect">
+            <a:avLst/>
+          </a:prstGeom>
+          <a:solidFill>
+            <a:srgbClr val="FFFF00"/>
+          </a:solidFill>
+        </p:spPr>
+        <p:txBody>
+          <a:bodyPr wrap="square" rtlCol="0">
+            <a:spAutoFit/>
+          </a:bodyPr>
+          <a:lstStyle/>
+          <a:p>
+            <a:r>
+              <a:rPr lang="en-US" sz="1000" dirty="0" smtClean="0"/>
+              <a:t>Aaron: I’m inclined to move this info back up to the “What did we prove?” slide. We can discuss. Only a couple bullets here are specific to state machines. </a:t>
+            </a:r>
+            <a:endParaRPr lang="en-US" sz="1000" dirty="0"/>
+          </a:p>
+        </p:txBody>
+      </p:sp>
     </p:spTree>
     <p:extLst>
       <p:ext uri="{BB962C8B-B14F-4D97-AF65-F5344CB8AC3E}">
@@ -9785,6 +10254,34 @@
           </a:p>
         </p:txBody>
       </p:sp>
+      <p:sp>
+        <p:nvSpPr>
+          <p:cNvPr id="4" name="Footer Placeholder 3"/>
+          <p:cNvSpPr>
+            <a:spLocks noGrp="1"/>
+          </p:cNvSpPr>
+          <p:nvPr>
+            <p:ph type="ftr" sz="quarter" idx="11"/>
+          </p:nvPr>
+        </p:nvSpPr>
+        <p:spPr>
+          <a:xfrm>
+            <a:off x="4038600" y="6419124"/>
+            <a:ext cx="4114800" cy="306936"/>
+          </a:xfrm>
+        </p:spPr>
+        <p:txBody>
+          <a:bodyPr/>
+          <a:lstStyle/>
+          <a:p>
+            <a:r>
+              <a:rPr lang="en-US" dirty="0" smtClean="0"/>
+              <a:t>Architecture Group</a:t>
+            </a:r>
+            <a:endParaRPr lang="en-US" dirty="0"/>
+          </a:p>
+        </p:txBody>
+      </p:sp>
     </p:spTree>
     <p:extLst>
       <p:ext uri="{BB962C8B-B14F-4D97-AF65-F5344CB8AC3E}">
@@ -9857,8 +10354,30 @@
           <a:lstStyle/>
           <a:p>
             <a:r>
-              <a:rPr lang="en-US" dirty="0" smtClean="0"/>
-              <a:t>[Placeholder for GE’s work]</a:t>
+              <a:rPr lang="en-US" dirty="0" smtClean="0">
+                <a:solidFill>
+                  <a:srgbClr val="FF0000"/>
+                </a:solidFill>
+              </a:rPr>
+              <a:t>[Placeholder for Chris Elliott’s work]</a:t>
+            </a:r>
+          </a:p>
+          <a:p>
+            <a:r>
+              <a:rPr lang="en-US" dirty="0" smtClean="0"/>
+              <a:t>Enabling simulation</a:t>
+            </a:r>
+          </a:p>
+          <a:p>
+            <a:r>
+              <a:rPr lang="en-US" dirty="0" smtClean="0"/>
+              <a:t>Enabling analysis from Simulink</a:t>
+            </a:r>
+          </a:p>
+          <a:p>
+            <a:r>
+              <a:rPr lang="en-US" dirty="0" smtClean="0"/>
+              <a:t>Visualizing counterexamples</a:t>
             </a:r>
             <a:endParaRPr lang="en-US" dirty="0"/>
           </a:p>
@@ -9895,7 +10414,7 @@
     </p:spTree>
     <p:extLst>
       <p:ext uri="{BB962C8B-B14F-4D97-AF65-F5344CB8AC3E}">
-        <p14:creationId xmlns:p14="http://schemas.microsoft.com/office/powerpoint/2010/main" val="2960052227"/>
+        <p14:creationId xmlns:p14="http://schemas.microsoft.com/office/powerpoint/2010/main" val="1619698478"/>
       </p:ext>
     </p:extLst>
   </p:cSld>
@@ -9929,102 +10448,33 @@
           <a:chExt cx="0" cy="0"/>
         </a:xfrm>
       </p:grpSpPr>
-      <p:sp>
-        <p:nvSpPr>
-          <p:cNvPr id="2" name="Title 1"/>
-          <p:cNvSpPr>
-            <a:spLocks noGrp="1"/>
-          </p:cNvSpPr>
-          <p:nvPr>
-            <p:ph type="title"/>
-          </p:nvPr>
-        </p:nvSpPr>
-        <p:spPr/>
-        <p:txBody>
-          <a:bodyPr/>
-          <a:lstStyle/>
-          <a:p>
-            <a:endParaRPr lang="en-US"/>
-          </a:p>
-        </p:txBody>
-      </p:sp>
-      <p:sp>
-        <p:nvSpPr>
-          <p:cNvPr id="3" name="Content Placeholder 2"/>
-          <p:cNvSpPr>
-            <a:spLocks noGrp="1"/>
-          </p:cNvSpPr>
-          <p:nvPr>
-            <p:ph idx="1"/>
-          </p:nvPr>
-        </p:nvSpPr>
-        <p:spPr/>
-        <p:txBody>
-          <a:bodyPr/>
-          <a:lstStyle/>
-          <a:p>
-            <a:r>
-              <a:rPr lang="en-US" dirty="0" smtClean="0">
-                <a:solidFill>
-                  <a:srgbClr val="FF0000"/>
-                </a:solidFill>
-              </a:rPr>
-              <a:t>[Placeholder for Chris Elliott’s work]</a:t>
-            </a:r>
-          </a:p>
-          <a:p>
-            <a:r>
-              <a:rPr lang="en-US" dirty="0" smtClean="0"/>
-              <a:t>Enabling simulation</a:t>
-            </a:r>
-          </a:p>
-          <a:p>
-            <a:r>
-              <a:rPr lang="en-US" dirty="0" smtClean="0"/>
-              <a:t>Enabling analysis from Simulink</a:t>
-            </a:r>
-          </a:p>
-          <a:p>
-            <a:r>
-              <a:rPr lang="en-US" dirty="0" smtClean="0"/>
-              <a:t>Visualizing counterexamples</a:t>
-            </a:r>
-            <a:endParaRPr lang="en-US" dirty="0"/>
-          </a:p>
-        </p:txBody>
-      </p:sp>
-      <p:sp>
-        <p:nvSpPr>
-          <p:cNvPr id="4" name="Footer Placeholder 3"/>
-          <p:cNvSpPr>
-            <a:spLocks noGrp="1"/>
-          </p:cNvSpPr>
-          <p:nvPr>
-            <p:ph type="ftr" sz="quarter" idx="11"/>
-          </p:nvPr>
-        </p:nvSpPr>
-        <p:spPr>
-          <a:xfrm>
-            <a:off x="4038600" y="6419124"/>
-            <a:ext cx="4114800" cy="306936"/>
-          </a:xfrm>
-        </p:spPr>
-        <p:txBody>
-          <a:bodyPr/>
-          <a:lstStyle/>
-          <a:p>
-            <a:r>
-              <a:rPr lang="en-US" dirty="0" smtClean="0"/>
-              <a:t>Architecture Group</a:t>
-            </a:r>
-            <a:endParaRPr lang="en-US" dirty="0"/>
-          </a:p>
-        </p:txBody>
-      </p:sp>
+      <p:pic>
+        <p:nvPicPr>
+          <p:cNvPr id="5" name="Picture 4"/>
+          <p:cNvPicPr>
+            <a:picLocks noChangeAspect="1"/>
+          </p:cNvPicPr>
+          <p:nvPr/>
+        </p:nvPicPr>
+        <p:blipFill rotWithShape="1">
+          <a:blip r:embed="rId2"/>
+          <a:srcRect l="14804" r="14709"/>
+          <a:stretch/>
+        </p:blipFill>
+        <p:spPr>
+          <a:xfrm>
+            <a:off x="0" y="0"/>
+            <a:ext cx="9300117" cy="6858000"/>
+          </a:xfrm>
+          <a:prstGeom prst="rect">
+            <a:avLst/>
+          </a:prstGeom>
+        </p:spPr>
+      </p:pic>
     </p:spTree>
     <p:extLst>
       <p:ext uri="{BB962C8B-B14F-4D97-AF65-F5344CB8AC3E}">
-        <p14:creationId xmlns:p14="http://schemas.microsoft.com/office/powerpoint/2010/main" val="1619698478"/>
+        <p14:creationId xmlns:p14="http://schemas.microsoft.com/office/powerpoint/2010/main" val="1187641710"/>
       </p:ext>
     </p:extLst>
   </p:cSld>
@@ -10058,61 +10508,53 @@
           <a:chExt cx="0" cy="0"/>
         </a:xfrm>
       </p:grpSpPr>
-      <p:sp>
-        <p:nvSpPr>
-          <p:cNvPr id="2" name="Title 1"/>
-          <p:cNvSpPr>
-            <a:spLocks noGrp="1"/>
-          </p:cNvSpPr>
-          <p:nvPr>
-            <p:ph type="title"/>
-          </p:nvPr>
-        </p:nvSpPr>
-        <p:spPr/>
-        <p:txBody>
-          <a:bodyPr/>
-          <a:lstStyle/>
-          <a:p>
-            <a:endParaRPr lang="en-US" dirty="0"/>
-          </a:p>
-        </p:txBody>
-      </p:sp>
-      <p:sp>
-        <p:nvSpPr>
-          <p:cNvPr id="3" name="Content Placeholder 2"/>
-          <p:cNvSpPr>
-            <a:spLocks noGrp="1"/>
-          </p:cNvSpPr>
-          <p:nvPr>
-            <p:ph idx="1"/>
-          </p:nvPr>
-        </p:nvSpPr>
-        <p:spPr/>
-        <p:txBody>
-          <a:bodyPr/>
-          <a:lstStyle/>
-          <a:p>
-            <a:endParaRPr lang="en-US" dirty="0"/>
-          </a:p>
-        </p:txBody>
-      </p:sp>
       <p:pic>
         <p:nvPicPr>
-          <p:cNvPr id="4" name="Picture 3"/>
+          <p:cNvPr id="2" name="Picture 1"/>
+          <p:cNvPicPr>
+            <a:picLocks noChangeAspect="1"/>
+          </p:cNvPicPr>
+          <p:nvPr/>
+        </p:nvPicPr>
+        <p:blipFill>
+          <a:blip r:embed="rId2">
+            <a:extLst>
+              <a:ext uri="{28A0092B-C50C-407E-A947-70E740481C1C}">
+                <a14:useLocalDpi xmlns:a14="http://schemas.microsoft.com/office/drawing/2010/main" val="0"/>
+              </a:ext>
+            </a:extLst>
+          </a:blip>
+          <a:stretch>
+            <a:fillRect/>
+          </a:stretch>
+        </p:blipFill>
+        <p:spPr>
+          <a:xfrm>
+            <a:off x="10688595" y="30586"/>
+            <a:ext cx="1456881" cy="1371600"/>
+          </a:xfrm>
+          <a:prstGeom prst="rect">
+            <a:avLst/>
+          </a:prstGeom>
+        </p:spPr>
+      </p:pic>
+      <p:pic>
+        <p:nvPicPr>
+          <p:cNvPr id="3" name="Picture 2"/>
           <p:cNvPicPr>
             <a:picLocks noChangeAspect="1"/>
           </p:cNvPicPr>
           <p:nvPr/>
         </p:nvPicPr>
         <p:blipFill rotWithShape="1">
-          <a:blip r:embed="rId2"/>
-          <a:srcRect l="15355" t="13635" r="13521" b="2923"/>
+          <a:blip r:embed="rId3"/>
+          <a:srcRect l="14804" r="14369"/>
           <a:stretch/>
         </p:blipFill>
         <p:spPr>
           <a:xfrm>
-            <a:off x="1569026" y="259772"/>
-            <a:ext cx="8905009" cy="6529493"/>
+            <a:off x="0" y="0"/>
+            <a:ext cx="9344722" cy="6858000"/>
           </a:xfrm>
           <a:prstGeom prst="rect">
             <a:avLst/>
@@ -10122,7 +10564,7 @@
     </p:spTree>
     <p:extLst>
       <p:ext uri="{BB962C8B-B14F-4D97-AF65-F5344CB8AC3E}">
-        <p14:creationId xmlns:p14="http://schemas.microsoft.com/office/powerpoint/2010/main" val="2347626870"/>
+        <p14:creationId xmlns:p14="http://schemas.microsoft.com/office/powerpoint/2010/main" val="861964655"/>
       </p:ext>
     </p:extLst>
   </p:cSld>
@@ -10156,62 +10598,23 @@
           <a:chExt cx="0" cy="0"/>
         </a:xfrm>
       </p:grpSpPr>
-      <p:sp>
-        <p:nvSpPr>
-          <p:cNvPr id="2" name="Title 1"/>
-          <p:cNvSpPr>
-            <a:spLocks noGrp="1"/>
-          </p:cNvSpPr>
-          <p:nvPr>
-            <p:ph type="title"/>
-          </p:nvPr>
-        </p:nvSpPr>
-        <p:spPr/>
-        <p:txBody>
-          <a:bodyPr/>
-          <a:lstStyle/>
-          <a:p>
-            <a:endParaRPr lang="en-US"/>
-          </a:p>
-        </p:txBody>
-      </p:sp>
-      <p:sp>
-        <p:nvSpPr>
-          <p:cNvPr id="3" name="Content Placeholder 2"/>
-          <p:cNvSpPr>
-            <a:spLocks noGrp="1"/>
-          </p:cNvSpPr>
-          <p:nvPr>
-            <p:ph idx="1"/>
-          </p:nvPr>
-        </p:nvSpPr>
-        <p:spPr/>
-        <p:txBody>
-          <a:bodyPr/>
-          <a:lstStyle/>
-          <a:p>
-            <a:endParaRPr lang="en-US"/>
-          </a:p>
-        </p:txBody>
-      </p:sp>
       <p:pic>
         <p:nvPicPr>
-          <p:cNvPr id="4" name="Picture 3"/>
+          <p:cNvPr id="2" name="Picture 1"/>
           <p:cNvPicPr>
             <a:picLocks noChangeAspect="1"/>
           </p:cNvPicPr>
           <p:nvPr/>
         </p:nvPicPr>
-        <p:blipFill>
+        <p:blipFill rotWithShape="1">
           <a:blip r:embed="rId2"/>
-          <a:stretch>
-            <a:fillRect/>
-          </a:stretch>
+          <a:srcRect l="14551" r="14033"/>
+          <a:stretch/>
         </p:blipFill>
         <p:spPr>
           <a:xfrm>
-            <a:off x="180353" y="457200"/>
-            <a:ext cx="11831293" cy="6400800"/>
+            <a:off x="0" y="0"/>
+            <a:ext cx="9422780" cy="6858000"/>
           </a:xfrm>
           <a:prstGeom prst="rect">
             <a:avLst/>
@@ -10221,7 +10624,7 @@
     </p:spTree>
     <p:extLst>
       <p:ext uri="{BB962C8B-B14F-4D97-AF65-F5344CB8AC3E}">
-        <p14:creationId xmlns:p14="http://schemas.microsoft.com/office/powerpoint/2010/main" val="1810468914"/>
+        <p14:creationId xmlns:p14="http://schemas.microsoft.com/office/powerpoint/2010/main" val="223185886"/>
       </p:ext>
     </p:extLst>
   </p:cSld>
@@ -10920,62 +11323,23 @@
           <a:chExt cx="0" cy="0"/>
         </a:xfrm>
       </p:grpSpPr>
-      <p:sp>
-        <p:nvSpPr>
-          <p:cNvPr id="2" name="Title 1"/>
-          <p:cNvSpPr>
-            <a:spLocks noGrp="1"/>
-          </p:cNvSpPr>
-          <p:nvPr>
-            <p:ph type="title"/>
-          </p:nvPr>
-        </p:nvSpPr>
-        <p:spPr/>
-        <p:txBody>
-          <a:bodyPr/>
-          <a:lstStyle/>
-          <a:p>
-            <a:endParaRPr lang="en-US"/>
-          </a:p>
-        </p:txBody>
-      </p:sp>
-      <p:sp>
-        <p:nvSpPr>
-          <p:cNvPr id="3" name="Content Placeholder 2"/>
-          <p:cNvSpPr>
-            <a:spLocks noGrp="1"/>
-          </p:cNvSpPr>
-          <p:nvPr>
-            <p:ph idx="1"/>
-          </p:nvPr>
-        </p:nvSpPr>
-        <p:spPr/>
-        <p:txBody>
-          <a:bodyPr/>
-          <a:lstStyle/>
-          <a:p>
-            <a:endParaRPr lang="en-US"/>
-          </a:p>
-        </p:txBody>
-      </p:sp>
       <p:pic>
         <p:nvPicPr>
-          <p:cNvPr id="4" name="Picture 3"/>
+          <p:cNvPr id="2" name="Picture 1"/>
           <p:cNvPicPr>
             <a:picLocks noChangeAspect="1"/>
           </p:cNvPicPr>
           <p:nvPr/>
         </p:nvPicPr>
-        <p:blipFill>
+        <p:blipFill rotWithShape="1">
           <a:blip r:embed="rId2"/>
-          <a:stretch>
-            <a:fillRect/>
-          </a:stretch>
+          <a:srcRect l="14466" r="14612"/>
+          <a:stretch/>
         </p:blipFill>
         <p:spPr>
           <a:xfrm>
-            <a:off x="180353" y="457200"/>
-            <a:ext cx="11831293" cy="6400800"/>
+            <a:off x="0" y="0"/>
+            <a:ext cx="9357667" cy="6858000"/>
           </a:xfrm>
           <a:prstGeom prst="rect">
             <a:avLst/>
@@ -10985,7 +11349,7 @@
     </p:spTree>
     <p:extLst>
       <p:ext uri="{BB962C8B-B14F-4D97-AF65-F5344CB8AC3E}">
-        <p14:creationId xmlns:p14="http://schemas.microsoft.com/office/powerpoint/2010/main" val="3693590454"/>
+        <p14:creationId xmlns:p14="http://schemas.microsoft.com/office/powerpoint/2010/main" val="95250053"/>
       </p:ext>
     </p:extLst>
   </p:cSld>
@@ -11019,62 +11383,23 @@
           <a:chExt cx="0" cy="0"/>
         </a:xfrm>
       </p:grpSpPr>
-      <p:sp>
-        <p:nvSpPr>
-          <p:cNvPr id="2" name="Title 1"/>
-          <p:cNvSpPr>
-            <a:spLocks noGrp="1"/>
-          </p:cNvSpPr>
-          <p:nvPr>
-            <p:ph type="title"/>
-          </p:nvPr>
-        </p:nvSpPr>
-        <p:spPr/>
-        <p:txBody>
-          <a:bodyPr/>
-          <a:lstStyle/>
-          <a:p>
-            <a:endParaRPr lang="en-US"/>
-          </a:p>
-        </p:txBody>
-      </p:sp>
-      <p:sp>
-        <p:nvSpPr>
-          <p:cNvPr id="3" name="Content Placeholder 2"/>
-          <p:cNvSpPr>
-            <a:spLocks noGrp="1"/>
-          </p:cNvSpPr>
-          <p:nvPr>
-            <p:ph idx="1"/>
-          </p:nvPr>
-        </p:nvSpPr>
-        <p:spPr/>
-        <p:txBody>
-          <a:bodyPr/>
-          <a:lstStyle/>
-          <a:p>
-            <a:endParaRPr lang="en-US"/>
-          </a:p>
-        </p:txBody>
-      </p:sp>
       <p:pic>
         <p:nvPicPr>
-          <p:cNvPr id="4" name="Picture 3"/>
+          <p:cNvPr id="2" name="Picture 1"/>
           <p:cNvPicPr>
             <a:picLocks noChangeAspect="1"/>
           </p:cNvPicPr>
           <p:nvPr/>
         </p:nvPicPr>
-        <p:blipFill>
+        <p:blipFill rotWithShape="1">
           <a:blip r:embed="rId2"/>
-          <a:stretch>
-            <a:fillRect/>
-          </a:stretch>
+          <a:srcRect l="14536" r="14117"/>
+          <a:stretch/>
         </p:blipFill>
         <p:spPr>
           <a:xfrm>
-            <a:off x="180353" y="457200"/>
-            <a:ext cx="11831293" cy="6400800"/>
+            <a:off x="0" y="0"/>
+            <a:ext cx="9413481" cy="6858000"/>
           </a:xfrm>
           <a:prstGeom prst="rect">
             <a:avLst/>
@@ -11084,7 +11409,7 @@
     </p:spTree>
     <p:extLst>
       <p:ext uri="{BB962C8B-B14F-4D97-AF65-F5344CB8AC3E}">
-        <p14:creationId xmlns:p14="http://schemas.microsoft.com/office/powerpoint/2010/main" val="568152296"/>
+        <p14:creationId xmlns:p14="http://schemas.microsoft.com/office/powerpoint/2010/main" val="214912045"/>
       </p:ext>
     </p:extLst>
   </p:cSld>
@@ -11118,62 +11443,23 @@
           <a:chExt cx="0" cy="0"/>
         </a:xfrm>
       </p:grpSpPr>
-      <p:sp>
-        <p:nvSpPr>
-          <p:cNvPr id="2" name="Title 1"/>
-          <p:cNvSpPr>
-            <a:spLocks noGrp="1"/>
-          </p:cNvSpPr>
-          <p:nvPr>
-            <p:ph type="title"/>
-          </p:nvPr>
-        </p:nvSpPr>
-        <p:spPr/>
-        <p:txBody>
-          <a:bodyPr/>
-          <a:lstStyle/>
-          <a:p>
-            <a:endParaRPr lang="en-US"/>
-          </a:p>
-        </p:txBody>
-      </p:sp>
-      <p:sp>
-        <p:nvSpPr>
-          <p:cNvPr id="3" name="Content Placeholder 2"/>
-          <p:cNvSpPr>
-            <a:spLocks noGrp="1"/>
-          </p:cNvSpPr>
-          <p:nvPr>
-            <p:ph idx="1"/>
-          </p:nvPr>
-        </p:nvSpPr>
-        <p:spPr/>
-        <p:txBody>
-          <a:bodyPr/>
-          <a:lstStyle/>
-          <a:p>
-            <a:endParaRPr lang="en-US"/>
-          </a:p>
-        </p:txBody>
-      </p:sp>
       <p:pic>
         <p:nvPicPr>
-          <p:cNvPr id="4" name="Picture 3"/>
+          <p:cNvPr id="2" name="Picture 1"/>
           <p:cNvPicPr>
             <a:picLocks noChangeAspect="1"/>
           </p:cNvPicPr>
           <p:nvPr/>
         </p:nvPicPr>
-        <p:blipFill>
+        <p:blipFill rotWithShape="1">
           <a:blip r:embed="rId2"/>
-          <a:stretch>
-            <a:fillRect/>
-          </a:stretch>
+          <a:srcRect l="14635" r="14455"/>
+          <a:stretch/>
         </p:blipFill>
         <p:spPr>
           <a:xfrm>
-            <a:off x="180353" y="365125"/>
-            <a:ext cx="11831293" cy="6400800"/>
+            <a:off x="0" y="0"/>
+            <a:ext cx="9355873" cy="6858000"/>
           </a:xfrm>
           <a:prstGeom prst="rect">
             <a:avLst/>
@@ -11183,7 +11469,7 @@
     </p:spTree>
     <p:extLst>
       <p:ext uri="{BB962C8B-B14F-4D97-AF65-F5344CB8AC3E}">
-        <p14:creationId xmlns:p14="http://schemas.microsoft.com/office/powerpoint/2010/main" val="721413985"/>
+        <p14:creationId xmlns:p14="http://schemas.microsoft.com/office/powerpoint/2010/main" val="1388401068"/>
       </p:ext>
     </p:extLst>
   </p:cSld>
@@ -11217,62 +11503,23 @@
           <a:chExt cx="0" cy="0"/>
         </a:xfrm>
       </p:grpSpPr>
-      <p:sp>
-        <p:nvSpPr>
-          <p:cNvPr id="2" name="Title 1"/>
-          <p:cNvSpPr>
-            <a:spLocks noGrp="1"/>
-          </p:cNvSpPr>
-          <p:nvPr>
-            <p:ph type="title"/>
-          </p:nvPr>
-        </p:nvSpPr>
-        <p:spPr/>
-        <p:txBody>
-          <a:bodyPr/>
-          <a:lstStyle/>
-          <a:p>
-            <a:endParaRPr lang="en-US"/>
-          </a:p>
-        </p:txBody>
-      </p:sp>
-      <p:sp>
-        <p:nvSpPr>
-          <p:cNvPr id="3" name="Content Placeholder 2"/>
-          <p:cNvSpPr>
-            <a:spLocks noGrp="1"/>
-          </p:cNvSpPr>
-          <p:nvPr>
-            <p:ph idx="1"/>
-          </p:nvPr>
-        </p:nvSpPr>
-        <p:spPr/>
-        <p:txBody>
-          <a:bodyPr/>
-          <a:lstStyle/>
-          <a:p>
-            <a:endParaRPr lang="en-US"/>
-          </a:p>
-        </p:txBody>
-      </p:sp>
       <p:pic>
         <p:nvPicPr>
-          <p:cNvPr id="4" name="Picture 3"/>
+          <p:cNvPr id="2" name="Picture 1"/>
           <p:cNvPicPr>
             <a:picLocks noChangeAspect="1"/>
           </p:cNvPicPr>
           <p:nvPr/>
         </p:nvPicPr>
-        <p:blipFill>
+        <p:blipFill rotWithShape="1">
           <a:blip r:embed="rId2"/>
-          <a:stretch>
-            <a:fillRect/>
-          </a:stretch>
+          <a:srcRect l="14720" r="15061"/>
+          <a:stretch/>
         </p:blipFill>
         <p:spPr>
           <a:xfrm>
-            <a:off x="180353" y="457200"/>
-            <a:ext cx="11831293" cy="6400800"/>
+            <a:off x="0" y="0"/>
+            <a:ext cx="9264724" cy="6858000"/>
           </a:xfrm>
           <a:prstGeom prst="rect">
             <a:avLst/>
@@ -11282,7 +11529,7 @@
     </p:spTree>
     <p:extLst>
       <p:ext uri="{BB962C8B-B14F-4D97-AF65-F5344CB8AC3E}">
-        <p14:creationId xmlns:p14="http://schemas.microsoft.com/office/powerpoint/2010/main" val="8969968"/>
+        <p14:creationId xmlns:p14="http://schemas.microsoft.com/office/powerpoint/2010/main" val="4140318843"/>
       </p:ext>
     </p:extLst>
   </p:cSld>
@@ -11316,62 +11563,23 @@
           <a:chExt cx="0" cy="0"/>
         </a:xfrm>
       </p:grpSpPr>
-      <p:sp>
-        <p:nvSpPr>
-          <p:cNvPr id="2" name="Title 1"/>
-          <p:cNvSpPr>
-            <a:spLocks noGrp="1"/>
-          </p:cNvSpPr>
-          <p:nvPr>
-            <p:ph type="title"/>
-          </p:nvPr>
-        </p:nvSpPr>
-        <p:spPr/>
-        <p:txBody>
-          <a:bodyPr/>
-          <a:lstStyle/>
-          <a:p>
-            <a:endParaRPr lang="en-US"/>
-          </a:p>
-        </p:txBody>
-      </p:sp>
-      <p:sp>
-        <p:nvSpPr>
-          <p:cNvPr id="3" name="Content Placeholder 2"/>
-          <p:cNvSpPr>
-            <a:spLocks noGrp="1"/>
-          </p:cNvSpPr>
-          <p:nvPr>
-            <p:ph idx="1"/>
-          </p:nvPr>
-        </p:nvSpPr>
-        <p:spPr/>
-        <p:txBody>
-          <a:bodyPr/>
-          <a:lstStyle/>
-          <a:p>
-            <a:endParaRPr lang="en-US"/>
-          </a:p>
-        </p:txBody>
-      </p:sp>
       <p:pic>
         <p:nvPicPr>
-          <p:cNvPr id="4" name="Picture 3"/>
+          <p:cNvPr id="2" name="Picture 1"/>
           <p:cNvPicPr>
             <a:picLocks noChangeAspect="1"/>
           </p:cNvPicPr>
           <p:nvPr/>
         </p:nvPicPr>
-        <p:blipFill>
+        <p:blipFill rotWithShape="1">
           <a:blip r:embed="rId2"/>
-          <a:stretch>
-            <a:fillRect/>
-          </a:stretch>
+          <a:srcRect l="14538" r="14361"/>
+          <a:stretch/>
         </p:blipFill>
         <p:spPr>
           <a:xfrm>
-            <a:off x="180353" y="457200"/>
-            <a:ext cx="11831293" cy="6400800"/>
+            <a:off x="0" y="0"/>
+            <a:ext cx="9381061" cy="6858000"/>
           </a:xfrm>
           <a:prstGeom prst="rect">
             <a:avLst/>
@@ -11381,20 +11589,13 @@
     </p:spTree>
     <p:extLst>
       <p:ext uri="{BB962C8B-B14F-4D97-AF65-F5344CB8AC3E}">
-        <p14:creationId xmlns:p14="http://schemas.microsoft.com/office/powerpoint/2010/main" val="942965700"/>
+        <p14:creationId xmlns:p14="http://schemas.microsoft.com/office/powerpoint/2010/main" val="1544345946"/>
       </p:ext>
     </p:extLst>
   </p:cSld>
   <p:clrMapOvr>
     <a:masterClrMapping/>
   </p:clrMapOvr>
-  <p:timing>
-    <p:tnLst>
-      <p:par>
-        <p:cTn id="1" dur="indefinite" restart="never" nodeType="tmRoot"/>
-      </p:par>
-    </p:tnLst>
-  </p:timing>
 </p:sld>
 </file>
 
@@ -11415,62 +11616,23 @@
           <a:chExt cx="0" cy="0"/>
         </a:xfrm>
       </p:grpSpPr>
-      <p:sp>
-        <p:nvSpPr>
-          <p:cNvPr id="2" name="Title 1"/>
-          <p:cNvSpPr>
-            <a:spLocks noGrp="1"/>
-          </p:cNvSpPr>
-          <p:nvPr>
-            <p:ph type="title"/>
-          </p:nvPr>
-        </p:nvSpPr>
-        <p:spPr/>
-        <p:txBody>
-          <a:bodyPr/>
-          <a:lstStyle/>
-          <a:p>
-            <a:endParaRPr lang="en-US"/>
-          </a:p>
-        </p:txBody>
-      </p:sp>
-      <p:sp>
-        <p:nvSpPr>
-          <p:cNvPr id="3" name="Content Placeholder 2"/>
-          <p:cNvSpPr>
-            <a:spLocks noGrp="1"/>
-          </p:cNvSpPr>
-          <p:nvPr>
-            <p:ph idx="1"/>
-          </p:nvPr>
-        </p:nvSpPr>
-        <p:spPr/>
-        <p:txBody>
-          <a:bodyPr/>
-          <a:lstStyle/>
-          <a:p>
-            <a:endParaRPr lang="en-US"/>
-          </a:p>
-        </p:txBody>
-      </p:sp>
       <p:pic>
         <p:nvPicPr>
-          <p:cNvPr id="5" name="Picture 4"/>
+          <p:cNvPr id="2" name="Picture 1"/>
           <p:cNvPicPr>
             <a:picLocks noChangeAspect="1"/>
           </p:cNvPicPr>
           <p:nvPr/>
         </p:nvPicPr>
-        <p:blipFill>
+        <p:blipFill rotWithShape="1">
           <a:blip r:embed="rId2"/>
-          <a:stretch>
-            <a:fillRect/>
-          </a:stretch>
+          <a:srcRect l="14636" r="14623"/>
+          <a:stretch/>
         </p:blipFill>
         <p:spPr>
           <a:xfrm>
-            <a:off x="180353" y="457200"/>
-            <a:ext cx="11831293" cy="6400800"/>
+            <a:off x="0" y="0"/>
+            <a:ext cx="9333570" cy="6858000"/>
           </a:xfrm>
           <a:prstGeom prst="rect">
             <a:avLst/>
@@ -11480,20 +11642,13 @@
     </p:spTree>
     <p:extLst>
       <p:ext uri="{BB962C8B-B14F-4D97-AF65-F5344CB8AC3E}">
-        <p14:creationId xmlns:p14="http://schemas.microsoft.com/office/powerpoint/2010/main" val="1712548615"/>
+        <p14:creationId xmlns:p14="http://schemas.microsoft.com/office/powerpoint/2010/main" val="3158349419"/>
       </p:ext>
     </p:extLst>
   </p:cSld>
   <p:clrMapOvr>
     <a:masterClrMapping/>
   </p:clrMapOvr>
-  <p:timing>
-    <p:tnLst>
-      <p:par>
-        <p:cTn id="1" dur="indefinite" restart="never" nodeType="tmRoot"/>
-      </p:par>
-    </p:tnLst>
-  </p:timing>
 </p:sld>
 </file>
 
@@ -11529,57 +11684,244 @@
           <a:bodyPr/>
           <a:lstStyle/>
           <a:p>
+            <a:r>
+              <a:rPr lang="en-US" dirty="0" smtClean="0"/>
+              <a:t>Lessons Learned</a:t>
+            </a:r>
+            <a:endParaRPr lang="en-US" dirty="0"/>
+          </a:p>
+        </p:txBody>
+      </p:sp>
+      <p:sp>
+        <p:nvSpPr>
+          <p:cNvPr id="3" name="Content Placeholder 2"/>
+          <p:cNvSpPr>
+            <a:spLocks noGrp="1"/>
+          </p:cNvSpPr>
+          <p:nvPr>
+            <p:ph idx="1"/>
+          </p:nvPr>
+        </p:nvSpPr>
+        <p:spPr/>
+        <p:txBody>
+          <a:bodyPr>
+            <a:normAutofit fontScale="92500" lnSpcReduction="20000"/>
+          </a:bodyPr>
+          <a:lstStyle/>
+          <a:p>
+            <a:pPr>
+              <a:lnSpc>
+                <a:spcPct val="100000"/>
+              </a:lnSpc>
+              <a:spcBef>
+                <a:spcPts val="200"/>
+              </a:spcBef>
+            </a:pPr>
+            <a:r>
+              <a:rPr lang="en-US" dirty="0" smtClean="0"/>
+              <a:t>Many problems are identified through the process of formalization, before analysis</a:t>
+            </a:r>
+          </a:p>
+          <a:p>
+            <a:pPr>
+              <a:lnSpc>
+                <a:spcPct val="100000"/>
+              </a:lnSpc>
+              <a:spcBef>
+                <a:spcPts val="200"/>
+              </a:spcBef>
+            </a:pPr>
+            <a:r>
+              <a:rPr lang="en-US" dirty="0" smtClean="0"/>
+              <a:t>Data types (or an ontology), ports, and connections can be automatically extracted from code (with some moderate up front work)</a:t>
+            </a:r>
+          </a:p>
+          <a:p>
+            <a:pPr>
+              <a:lnSpc>
+                <a:spcPct val="100000"/>
+              </a:lnSpc>
+              <a:spcBef>
+                <a:spcPts val="200"/>
+              </a:spcBef>
+            </a:pPr>
+            <a:r>
+              <a:rPr lang="en-US" dirty="0" smtClean="0"/>
+              <a:t>Reusable (template) properties help find common mistakes</a:t>
+            </a:r>
+          </a:p>
+          <a:p>
+            <a:pPr>
+              <a:lnSpc>
+                <a:spcPct val="100000"/>
+              </a:lnSpc>
+              <a:spcBef>
+                <a:spcPts val="200"/>
+              </a:spcBef>
+            </a:pPr>
+            <a:r>
+              <a:rPr lang="en-US" dirty="0" smtClean="0"/>
+              <a:t>Not every error can be detected with a template property--a review of the specification itself is still worthwhile</a:t>
+            </a:r>
+          </a:p>
+          <a:p>
+            <a:pPr>
+              <a:lnSpc>
+                <a:spcPct val="100000"/>
+              </a:lnSpc>
+              <a:spcBef>
+                <a:spcPts val="200"/>
+              </a:spcBef>
+            </a:pPr>
+            <a:r>
+              <a:rPr lang="en-US" dirty="0" smtClean="0"/>
+              <a:t>Assurance arguments are useful to capture the “rest of the story”</a:t>
+            </a:r>
+          </a:p>
+          <a:p>
+            <a:pPr lvl="1">
+              <a:lnSpc>
+                <a:spcPct val="100000"/>
+              </a:lnSpc>
+              <a:spcBef>
+                <a:spcPts val="200"/>
+              </a:spcBef>
+            </a:pPr>
+            <a:r>
+              <a:rPr lang="en-US" dirty="0" smtClean="0"/>
+              <a:t>Differences between the model and the real world</a:t>
+            </a:r>
+          </a:p>
+          <a:p>
+            <a:pPr lvl="1">
+              <a:lnSpc>
+                <a:spcPct val="100000"/>
+              </a:lnSpc>
+              <a:spcBef>
+                <a:spcPts val="200"/>
+              </a:spcBef>
+            </a:pPr>
+            <a:r>
+              <a:rPr lang="en-US" dirty="0" smtClean="0"/>
+              <a:t>Specification versus intent</a:t>
+            </a:r>
+          </a:p>
+          <a:p>
+            <a:pPr lvl="1">
+              <a:lnSpc>
+                <a:spcPct val="100000"/>
+              </a:lnSpc>
+              <a:spcBef>
+                <a:spcPts val="200"/>
+              </a:spcBef>
+            </a:pPr>
+            <a:r>
+              <a:rPr lang="en-US" dirty="0" smtClean="0"/>
+              <a:t>Enhancements to the formal analysis tools could simplify the argument</a:t>
+            </a:r>
+          </a:p>
+          <a:p>
+            <a:pPr>
+              <a:lnSpc>
+                <a:spcPct val="100000"/>
+              </a:lnSpc>
+              <a:spcBef>
+                <a:spcPts val="200"/>
+              </a:spcBef>
+            </a:pPr>
+            <a:r>
+              <a:rPr lang="en-US" dirty="0" smtClean="0"/>
+              <a:t>SpeAR, ASSERT, AADL/AGREE, and </a:t>
+            </a:r>
+            <a:r>
+              <a:rPr lang="en-US" dirty="0" err="1" smtClean="0"/>
+              <a:t>QVtrace</a:t>
+            </a:r>
+            <a:r>
+              <a:rPr lang="en-US" dirty="0" smtClean="0"/>
+              <a:t> are all very capable analysis tools. There are synergies between them.</a:t>
+            </a:r>
+          </a:p>
+          <a:p>
+            <a:pPr>
+              <a:lnSpc>
+                <a:spcPct val="100000"/>
+              </a:lnSpc>
+              <a:spcBef>
+                <a:spcPts val="200"/>
+              </a:spcBef>
+            </a:pPr>
+            <a:r>
+              <a:rPr lang="en-US" dirty="0" smtClean="0"/>
+              <a:t>Challenges: arrays, inheritance</a:t>
+            </a:r>
+          </a:p>
+          <a:p>
+            <a:pPr>
+              <a:lnSpc>
+                <a:spcPct val="100000"/>
+              </a:lnSpc>
+              <a:spcBef>
+                <a:spcPts val="200"/>
+              </a:spcBef>
+            </a:pPr>
+            <a:endParaRPr lang="en-US" dirty="0" smtClean="0"/>
+          </a:p>
+          <a:p>
+            <a:endParaRPr lang="en-US" dirty="0"/>
+          </a:p>
+        </p:txBody>
+      </p:sp>
+      <p:sp>
+        <p:nvSpPr>
+          <p:cNvPr id="4" name="Footer Placeholder 3"/>
+          <p:cNvSpPr>
+            <a:spLocks noGrp="1"/>
+          </p:cNvSpPr>
+          <p:nvPr>
+            <p:ph type="ftr" sz="quarter" idx="11"/>
+          </p:nvPr>
+        </p:nvSpPr>
+        <p:spPr/>
+        <p:txBody>
+          <a:bodyPr/>
+          <a:lstStyle/>
+          <a:p>
+            <a:r>
+              <a:rPr lang="en-US" dirty="0" smtClean="0"/>
+              <a:t>Architecture Group</a:t>
+            </a:r>
+            <a:endParaRPr lang="en-US" dirty="0"/>
+          </a:p>
+        </p:txBody>
+      </p:sp>
+      <p:sp>
+        <p:nvSpPr>
+          <p:cNvPr id="5" name="Slide Number Placeholder 4"/>
+          <p:cNvSpPr>
+            <a:spLocks noGrp="1"/>
+          </p:cNvSpPr>
+          <p:nvPr>
+            <p:ph type="sldNum" sz="quarter" idx="12"/>
+          </p:nvPr>
+        </p:nvSpPr>
+        <p:spPr/>
+        <p:txBody>
+          <a:bodyPr/>
+          <a:lstStyle/>
+          <a:p>
+            <a:fld id="{22900CBD-C7D3-47FA-BEF9-49DBBEB1A58F}" type="slidenum">
+              <a:rPr lang="en-US" smtClean="0"/>
+              <a:t>36</a:t>
+            </a:fld>
             <a:endParaRPr lang="en-US"/>
           </a:p>
         </p:txBody>
       </p:sp>
-      <p:sp>
-        <p:nvSpPr>
-          <p:cNvPr id="3" name="Content Placeholder 2"/>
-          <p:cNvSpPr>
-            <a:spLocks noGrp="1"/>
-          </p:cNvSpPr>
-          <p:nvPr>
-            <p:ph idx="1"/>
-          </p:nvPr>
-        </p:nvSpPr>
-        <p:spPr/>
-        <p:txBody>
-          <a:bodyPr/>
-          <a:lstStyle/>
-          <a:p>
-            <a:endParaRPr lang="en-US"/>
-          </a:p>
-        </p:txBody>
-      </p:sp>
-      <p:pic>
-        <p:nvPicPr>
-          <p:cNvPr id="4" name="Picture 3"/>
-          <p:cNvPicPr>
-            <a:picLocks noChangeAspect="1"/>
-          </p:cNvPicPr>
-          <p:nvPr/>
-        </p:nvPicPr>
-        <p:blipFill>
-          <a:blip r:embed="rId2"/>
-          <a:stretch>
-            <a:fillRect/>
-          </a:stretch>
-        </p:blipFill>
-        <p:spPr>
-          <a:xfrm>
-            <a:off x="180353" y="457200"/>
-            <a:ext cx="11831293" cy="6400800"/>
-          </a:xfrm>
-          <a:prstGeom prst="rect">
-            <a:avLst/>
-          </a:prstGeom>
-        </p:spPr>
-      </p:pic>
     </p:spTree>
     <p:extLst>
       <p:ext uri="{BB962C8B-B14F-4D97-AF65-F5344CB8AC3E}">
-        <p14:creationId xmlns:p14="http://schemas.microsoft.com/office/powerpoint/2010/main" val="1771569847"/>
+        <p14:creationId xmlns:p14="http://schemas.microsoft.com/office/powerpoint/2010/main" val="3123488723"/>
       </p:ext>
     </p:extLst>
   </p:cSld>
@@ -11630,7 +11972,7 @@
           <a:p>
             <a:r>
               <a:rPr lang="en-US" dirty="0" smtClean="0"/>
-              <a:t>Lessons Learned</a:t>
+              <a:t>Recommended Future Directions</a:t>
             </a:r>
             <a:endParaRPr lang="en-US" dirty="0"/>
           </a:p>
@@ -11648,9 +11990,7 @@
         </p:nvSpPr>
         <p:spPr/>
         <p:txBody>
-          <a:bodyPr>
-            <a:normAutofit fontScale="92500" lnSpcReduction="20000"/>
-          </a:bodyPr>
+          <a:bodyPr/>
           <a:lstStyle/>
           <a:p>
             <a:pPr>
@@ -11663,7 +12003,7 @@
             </a:pPr>
             <a:r>
               <a:rPr lang="en-US" dirty="0" smtClean="0"/>
-              <a:t>Many problems are identified through the process of formalization, before analysis</a:t>
+              <a:t>Write contracts for the remaining components</a:t>
             </a:r>
           </a:p>
           <a:p>
@@ -11677,7 +12017,7 @@
             </a:pPr>
             <a:r>
               <a:rPr lang="en-US" dirty="0" smtClean="0"/>
-              <a:t>Data types (or an ontology), ports, and connections can be automatically extracted from code (with some moderate up front work)</a:t>
+              <a:t>State and analyze system-level properties (in progress)</a:t>
             </a:r>
           </a:p>
           <a:p>
@@ -11691,7 +12031,7 @@
             </a:pPr>
             <a:r>
               <a:rPr lang="en-US" dirty="0" smtClean="0"/>
-              <a:t>Reusable (template) properties help find common mistakes</a:t>
+              <a:t>Generate code from AADL</a:t>
             </a:r>
           </a:p>
           <a:p>
@@ -11705,7 +12045,15 @@
             </a:pPr>
             <a:r>
               <a:rPr lang="en-US" dirty="0" smtClean="0"/>
-              <a:t>Not every error can be detected with a template property--a review of the specification itself is still worthwhile</a:t>
+              <a:t>Generate test cases from AGREE and run on </a:t>
+            </a:r>
+            <a:r>
+              <a:rPr lang="en-US" dirty="0" err="1" smtClean="0"/>
+              <a:t>UxAS</a:t>
+            </a:r>
+            <a:r>
+              <a:rPr lang="en-US" dirty="0" smtClean="0"/>
+              <a:t> implementation</a:t>
             </a:r>
           </a:p>
           <a:p>
@@ -11719,49 +12067,7 @@
             </a:pPr>
             <a:r>
               <a:rPr lang="en-US" dirty="0" smtClean="0"/>
-              <a:t>Assurance arguments are useful to capture the “rest of the story”</a:t>
-            </a:r>
-          </a:p>
-          <a:p>
-            <a:pPr lvl="1">
-              <a:lnSpc>
-                <a:spcPct val="100000"/>
-              </a:lnSpc>
-              <a:spcBef>
-                <a:spcPts val="200"/>
-              </a:spcBef>
-            </a:pPr>
-            <a:r>
-              <a:rPr lang="en-US" dirty="0" smtClean="0"/>
-              <a:t>Differences between the model and the real world</a:t>
-            </a:r>
-          </a:p>
-          <a:p>
-            <a:pPr lvl="1">
-              <a:lnSpc>
-                <a:spcPct val="100000"/>
-              </a:lnSpc>
-              <a:spcBef>
-                <a:spcPts val="200"/>
-              </a:spcBef>
-            </a:pPr>
-            <a:r>
-              <a:rPr lang="en-US" dirty="0" smtClean="0"/>
-              <a:t>Specification versus intent</a:t>
-            </a:r>
-          </a:p>
-          <a:p>
-            <a:pPr lvl="1">
-              <a:lnSpc>
-                <a:spcPct val="100000"/>
-              </a:lnSpc>
-              <a:spcBef>
-                <a:spcPts val="200"/>
-              </a:spcBef>
-            </a:pPr>
-            <a:r>
-              <a:rPr lang="en-US" dirty="0" smtClean="0"/>
-              <a:t>Enhancements to the formal analysis tools could simplify the argument</a:t>
+              <a:t>Continue documenting decisions and the assurance case for the architecture</a:t>
             </a:r>
           </a:p>
           <a:p>
@@ -11774,31 +12080,18 @@
               </a:spcBef>
             </a:pPr>
             <a:r>
-              <a:rPr lang="en-US" dirty="0" smtClean="0"/>
-              <a:t>SpeAR, ASSERT, AADL/AGREE, and </a:t>
-            </a:r>
-            <a:r>
-              <a:rPr lang="en-US" dirty="0" err="1" smtClean="0"/>
-              <a:t>QVtrace</a:t>
-            </a:r>
-            <a:r>
-              <a:rPr lang="en-US" dirty="0" smtClean="0"/>
-              <a:t> are all very capable analysis tools. There are synergies between them.</a:t>
-            </a:r>
-          </a:p>
-          <a:p>
-            <a:pPr>
-              <a:lnSpc>
-                <a:spcPct val="100000"/>
-              </a:lnSpc>
-              <a:spcBef>
-                <a:spcPts val="200"/>
-              </a:spcBef>
-            </a:pPr>
-            <a:r>
-              <a:rPr lang="en-US" dirty="0" smtClean="0"/>
-              <a:t>Challenges: arrays, inheritance</a:t>
-            </a:r>
+              <a:rPr lang="en-US" dirty="0"/>
+              <a:t>Model of Heterogeneous System (Distributed Mission-Task-Autopilot Management-</a:t>
+            </a:r>
+            <a:r>
+              <a:rPr lang="en-US" dirty="0" err="1"/>
+              <a:t>Dubin</a:t>
+            </a:r>
+            <a:r>
+              <a:rPr lang="en-US" dirty="0"/>
+              <a:t>)</a:t>
+            </a:r>
+            <a:endParaRPr lang="en-US" dirty="0" smtClean="0"/>
           </a:p>
           <a:p>
             <a:pPr>
@@ -11812,232 +12105,6 @@
             <a:endParaRPr lang="en-US" dirty="0" smtClean="0"/>
           </a:p>
           <a:p>
-            <a:endParaRPr lang="en-US" dirty="0"/>
-          </a:p>
-        </p:txBody>
-      </p:sp>
-      <p:sp>
-        <p:nvSpPr>
-          <p:cNvPr id="4" name="Footer Placeholder 3"/>
-          <p:cNvSpPr>
-            <a:spLocks noGrp="1"/>
-          </p:cNvSpPr>
-          <p:nvPr>
-            <p:ph type="ftr" sz="quarter" idx="11"/>
-          </p:nvPr>
-        </p:nvSpPr>
-        <p:spPr/>
-        <p:txBody>
-          <a:bodyPr/>
-          <a:lstStyle/>
-          <a:p>
-            <a:r>
-              <a:rPr lang="en-US" dirty="0" smtClean="0"/>
-              <a:t>Architecture Group</a:t>
-            </a:r>
-            <a:endParaRPr lang="en-US" dirty="0"/>
-          </a:p>
-        </p:txBody>
-      </p:sp>
-      <p:sp>
-        <p:nvSpPr>
-          <p:cNvPr id="5" name="Slide Number Placeholder 4"/>
-          <p:cNvSpPr>
-            <a:spLocks noGrp="1"/>
-          </p:cNvSpPr>
-          <p:nvPr>
-            <p:ph type="sldNum" sz="quarter" idx="12"/>
-          </p:nvPr>
-        </p:nvSpPr>
-        <p:spPr/>
-        <p:txBody>
-          <a:bodyPr/>
-          <a:lstStyle/>
-          <a:p>
-            <a:fld id="{22900CBD-C7D3-47FA-BEF9-49DBBEB1A58F}" type="slidenum">
-              <a:rPr lang="en-US" smtClean="0"/>
-              <a:t>37</a:t>
-            </a:fld>
-            <a:endParaRPr lang="en-US"/>
-          </a:p>
-        </p:txBody>
-      </p:sp>
-    </p:spTree>
-    <p:extLst>
-      <p:ext uri="{BB962C8B-B14F-4D97-AF65-F5344CB8AC3E}">
-        <p14:creationId xmlns:p14="http://schemas.microsoft.com/office/powerpoint/2010/main" val="3123488723"/>
-      </p:ext>
-    </p:extLst>
-  </p:cSld>
-  <p:clrMapOvr>
-    <a:masterClrMapping/>
-  </p:clrMapOvr>
-  <p:timing>
-    <p:tnLst>
-      <p:par>
-        <p:cTn id="1" dur="indefinite" restart="never" nodeType="tmRoot"/>
-      </p:par>
-    </p:tnLst>
-  </p:timing>
-</p:sld>
-</file>
-
-<file path=ppt/slides/slide38.xml><?xml version="1.0" encoding="utf-8"?>
-<p:sld xmlns:a="http://schemas.openxmlformats.org/drawingml/2006/main" xmlns:r="http://schemas.openxmlformats.org/officeDocument/2006/relationships" xmlns:p="http://schemas.openxmlformats.org/presentationml/2006/main">
-  <p:cSld>
-    <p:spTree>
-      <p:nvGrpSpPr>
-        <p:cNvPr id="1" name=""/>
-        <p:cNvGrpSpPr/>
-        <p:nvPr/>
-      </p:nvGrpSpPr>
-      <p:grpSpPr>
-        <a:xfrm>
-          <a:off x="0" y="0"/>
-          <a:ext cx="0" cy="0"/>
-          <a:chOff x="0" y="0"/>
-          <a:chExt cx="0" cy="0"/>
-        </a:xfrm>
-      </p:grpSpPr>
-      <p:sp>
-        <p:nvSpPr>
-          <p:cNvPr id="2" name="Title 1"/>
-          <p:cNvSpPr>
-            <a:spLocks noGrp="1"/>
-          </p:cNvSpPr>
-          <p:nvPr>
-            <p:ph type="title"/>
-          </p:nvPr>
-        </p:nvSpPr>
-        <p:spPr/>
-        <p:txBody>
-          <a:bodyPr/>
-          <a:lstStyle/>
-          <a:p>
-            <a:r>
-              <a:rPr lang="en-US" dirty="0" smtClean="0"/>
-              <a:t>Recommended Future Directions</a:t>
-            </a:r>
-            <a:endParaRPr lang="en-US" dirty="0"/>
-          </a:p>
-        </p:txBody>
-      </p:sp>
-      <p:sp>
-        <p:nvSpPr>
-          <p:cNvPr id="3" name="Content Placeholder 2"/>
-          <p:cNvSpPr>
-            <a:spLocks noGrp="1"/>
-          </p:cNvSpPr>
-          <p:nvPr>
-            <p:ph idx="1"/>
-          </p:nvPr>
-        </p:nvSpPr>
-        <p:spPr/>
-        <p:txBody>
-          <a:bodyPr/>
-          <a:lstStyle/>
-          <a:p>
-            <a:pPr>
-              <a:lnSpc>
-                <a:spcPct val="100000"/>
-              </a:lnSpc>
-              <a:spcBef>
-                <a:spcPts val="200"/>
-              </a:spcBef>
-            </a:pPr>
-            <a:r>
-              <a:rPr lang="en-US" dirty="0" smtClean="0"/>
-              <a:t>Write contracts for the remaining components</a:t>
-            </a:r>
-          </a:p>
-          <a:p>
-            <a:pPr>
-              <a:lnSpc>
-                <a:spcPct val="100000"/>
-              </a:lnSpc>
-              <a:spcBef>
-                <a:spcPts val="200"/>
-              </a:spcBef>
-            </a:pPr>
-            <a:r>
-              <a:rPr lang="en-US" dirty="0" smtClean="0"/>
-              <a:t>State and analyze system-level properties (in progress)</a:t>
-            </a:r>
-          </a:p>
-          <a:p>
-            <a:pPr>
-              <a:lnSpc>
-                <a:spcPct val="100000"/>
-              </a:lnSpc>
-              <a:spcBef>
-                <a:spcPts val="200"/>
-              </a:spcBef>
-            </a:pPr>
-            <a:r>
-              <a:rPr lang="en-US" dirty="0" smtClean="0"/>
-              <a:t>Generate code from AADL</a:t>
-            </a:r>
-          </a:p>
-          <a:p>
-            <a:pPr>
-              <a:lnSpc>
-                <a:spcPct val="100000"/>
-              </a:lnSpc>
-              <a:spcBef>
-                <a:spcPts val="200"/>
-              </a:spcBef>
-            </a:pPr>
-            <a:r>
-              <a:rPr lang="en-US" dirty="0" smtClean="0"/>
-              <a:t>Generate test cases from AGREE and run on </a:t>
-            </a:r>
-            <a:r>
-              <a:rPr lang="en-US" dirty="0" err="1" smtClean="0"/>
-              <a:t>UxAS</a:t>
-            </a:r>
-            <a:r>
-              <a:rPr lang="en-US" dirty="0" smtClean="0"/>
-              <a:t> implementation</a:t>
-            </a:r>
-          </a:p>
-          <a:p>
-            <a:pPr>
-              <a:lnSpc>
-                <a:spcPct val="100000"/>
-              </a:lnSpc>
-              <a:spcBef>
-                <a:spcPts val="200"/>
-              </a:spcBef>
-            </a:pPr>
-            <a:r>
-              <a:rPr lang="en-US" dirty="0" smtClean="0"/>
-              <a:t>Continue documenting decisions and the assurance case for the architecture</a:t>
-            </a:r>
-          </a:p>
-          <a:p>
-            <a:pPr>
-              <a:lnSpc>
-                <a:spcPct val="100000"/>
-              </a:lnSpc>
-              <a:spcBef>
-                <a:spcPts val="200"/>
-              </a:spcBef>
-            </a:pPr>
-            <a:r>
-              <a:rPr lang="en-US" dirty="0"/>
-              <a:t>Model of Heterogeneous System (Distributed Mission-Task-Autopilot Management-</a:t>
-            </a:r>
-            <a:r>
-              <a:rPr lang="en-US" dirty="0" err="1"/>
-              <a:t>Dubin</a:t>
-            </a:r>
-            <a:r>
-              <a:rPr lang="en-US" dirty="0"/>
-              <a:t>)</a:t>
-            </a:r>
-            <a:endParaRPr lang="en-US" dirty="0" smtClean="0"/>
-          </a:p>
-          <a:p>
             <a:pPr>
               <a:lnSpc>
                 <a:spcPct val="100000"/>
@@ -12060,17 +12127,6 @@
             <a:endParaRPr lang="en-US" dirty="0" smtClean="0"/>
           </a:p>
           <a:p>
-            <a:pPr>
-              <a:lnSpc>
-                <a:spcPct val="100000"/>
-              </a:lnSpc>
-              <a:spcBef>
-                <a:spcPts val="200"/>
-              </a:spcBef>
-            </a:pPr>
-            <a:endParaRPr lang="en-US" dirty="0" smtClean="0"/>
-          </a:p>
-          <a:p>
             <a:endParaRPr lang="en-US" dirty="0"/>
           </a:p>
         </p:txBody>
@@ -12115,7 +12171,7 @@
           <a:p>
             <a:fld id="{22900CBD-C7D3-47FA-BEF9-49DBBEB1A58F}" type="slidenum">
               <a:rPr lang="en-US" smtClean="0"/>
-              <a:t>38</a:t>
+              <a:t>37</a:t>
             </a:fld>
             <a:endParaRPr lang="en-US"/>
           </a:p>
@@ -12639,16 +12695,12 @@
               <a:t>Created formal contracts for </a:t>
             </a:r>
             <a:r>
-              <a:rPr lang="en-US" dirty="0">
-                <a:solidFill>
-                  <a:srgbClr val="FF0000"/>
-                </a:solidFill>
-              </a:rPr>
-              <a:t>6-8</a:t>
+              <a:rPr lang="en-US" dirty="0" smtClean="0"/>
+              <a:t>eight </a:t>
             </a:r>
             <a:r>
               <a:rPr lang="en-US" dirty="0"/>
-              <a:t> services and tasks based on the </a:t>
+              <a:t>services and tasks based on the </a:t>
             </a:r>
             <a:r>
               <a:rPr lang="en-US" dirty="0" err="1"/>
@@ -13251,8 +13303,9 @@
             <a:pPr fontAlgn="base"/>
             <a:r>
               <a:rPr lang="en-US" dirty="0" smtClean="0"/>
-              <a:t>Utilized AADL/AGREE to:</a:t>
-            </a:r>
+              <a:t>Formalization in AADL/AGREE:</a:t>
+            </a:r>
+            <a:endParaRPr lang="en-US" dirty="0" smtClean="0"/>
           </a:p>
           <a:p>
             <a:pPr lvl="1" fontAlgn="base"/>
@@ -13265,16 +13318,12 @@
               <a:t>formal contracts for </a:t>
             </a:r>
             <a:r>
-              <a:rPr lang="en-US" dirty="0">
-                <a:solidFill>
-                  <a:srgbClr val="FF0000"/>
-                </a:solidFill>
-              </a:rPr>
-              <a:t>6-8</a:t>
+              <a:rPr lang="en-US" dirty="0" smtClean="0"/>
+              <a:t>eight </a:t>
             </a:r>
             <a:r>
               <a:rPr lang="en-US" dirty="0"/>
-              <a:t> services and tasks based on the </a:t>
+              <a:t>services and tasks based on the </a:t>
             </a:r>
             <a:r>
               <a:rPr lang="en-US" dirty="0" err="1"/>
@@ -13310,7 +13359,11 @@
             </a:r>
             <a:r>
               <a:rPr lang="en-US" dirty="0"/>
-              <a:t>and analyzed </a:t>
+              <a:t>and </a:t>
+            </a:r>
+            <a:r>
+              <a:rPr lang="en-US" dirty="0" smtClean="0"/>
+              <a:t>analyzed </a:t>
             </a:r>
             <a:r>
               <a:rPr lang="en-US" dirty="0" smtClean="0"/>
@@ -13342,7 +13395,11 @@
             <a:pPr lvl="1" fontAlgn="base"/>
             <a:r>
               <a:rPr lang="en-US" dirty="0" smtClean="0"/>
-              <a:t>Idioms and lemmas </a:t>
+              <a:t>Idioms </a:t>
+            </a:r>
+            <a:r>
+              <a:rPr lang="en-US" dirty="0" smtClean="0"/>
+              <a:t>and lemmas </a:t>
             </a:r>
             <a:r>
               <a:rPr lang="en-US" dirty="0"/>
@@ -13370,14 +13427,19 @@
             <a:pPr fontAlgn="base"/>
             <a:r>
               <a:rPr lang="en-US" dirty="0" smtClean="0"/>
-              <a:t>Utilized ASSERT to:</a:t>
-            </a:r>
+              <a:t>Formalization in ASSERT:</a:t>
+            </a:r>
+            <a:endParaRPr lang="en-US" dirty="0" smtClean="0"/>
           </a:p>
           <a:p>
             <a:pPr lvl="1" fontAlgn="base"/>
             <a:r>
               <a:rPr lang="en-US" dirty="0" smtClean="0"/>
-              <a:t>Create an ontology of the system </a:t>
+              <a:t>Created </a:t>
+            </a:r>
+            <a:r>
+              <a:rPr lang="en-US" dirty="0" smtClean="0"/>
+              <a:t>an ontology of the system </a:t>
             </a:r>
             <a:r>
               <a:rPr lang="en-US" dirty="0" smtClean="0">
@@ -13393,7 +13455,11 @@
             <a:pPr lvl="1" fontAlgn="base"/>
             <a:r>
               <a:rPr lang="en-US" dirty="0" smtClean="0"/>
-              <a:t>Examine contractual obligations of a representative component </a:t>
+              <a:t>Examined </a:t>
+            </a:r>
+            <a:r>
+              <a:rPr lang="en-US" dirty="0" smtClean="0"/>
+              <a:t>contractual obligations of a representative component </a:t>
             </a:r>
             <a:r>
               <a:rPr lang="en-US" dirty="0">
@@ -13463,7 +13529,19 @@
             <a:pPr fontAlgn="base"/>
             <a:r>
               <a:rPr lang="en-US" dirty="0" smtClean="0"/>
-              <a:t>Abstraction of task service finite state machine for simulation and formal analysis </a:t>
+              <a:t>Abstracted a task </a:t>
+            </a:r>
+            <a:r>
+              <a:rPr lang="en-US" dirty="0" smtClean="0"/>
+              <a:t>service finite state </a:t>
+            </a:r>
+            <a:r>
+              <a:rPr lang="en-US" dirty="0" smtClean="0"/>
+              <a:t>machine in Stateflow </a:t>
+            </a:r>
+            <a:r>
+              <a:rPr lang="en-US" dirty="0" smtClean="0"/>
+              <a:t>for simulation and formal analysis </a:t>
             </a:r>
             <a:r>
               <a:rPr lang="en-US" dirty="0" smtClean="0">
@@ -13722,6 +13800,34 @@
           </a:p>
         </p:txBody>
       </p:sp>
+      <p:sp>
+        <p:nvSpPr>
+          <p:cNvPr id="5" name="Footer Placeholder 3"/>
+          <p:cNvSpPr>
+            <a:spLocks noGrp="1"/>
+          </p:cNvSpPr>
+          <p:nvPr>
+            <p:ph type="ftr" sz="quarter" idx="11"/>
+          </p:nvPr>
+        </p:nvSpPr>
+        <p:spPr>
+          <a:xfrm>
+            <a:off x="4038600" y="6419124"/>
+            <a:ext cx="4114800" cy="306936"/>
+          </a:xfrm>
+        </p:spPr>
+        <p:txBody>
+          <a:bodyPr/>
+          <a:lstStyle/>
+          <a:p>
+            <a:r>
+              <a:rPr lang="en-US" dirty="0" smtClean="0"/>
+              <a:t>Architecture Group</a:t>
+            </a:r>
+            <a:endParaRPr lang="en-US" dirty="0"/>
+          </a:p>
+        </p:txBody>
+      </p:sp>
     </p:spTree>
     <p:extLst>
       <p:ext uri="{BB962C8B-B14F-4D97-AF65-F5344CB8AC3E}">
@@ -13806,14 +13912,27 @@
           <a:p>
             <a:r>
               <a:rPr lang="en-US" dirty="0" smtClean="0"/>
-              <a:t>The architecture relied on the documentation that was found </a:t>
-            </a:r>
-            <a:br>
-              <a:rPr lang="en-US" dirty="0" smtClean="0"/>
-            </a:br>
-            <a:r>
-              <a:rPr lang="en-US" dirty="0" smtClean="0"/>
-              <a:t>on the </a:t>
+              <a:t>The </a:t>
+            </a:r>
+            <a:r>
+              <a:rPr lang="en-US" dirty="0" smtClean="0"/>
+              <a:t>formal </a:t>
+            </a:r>
+            <a:r>
+              <a:rPr lang="en-US" dirty="0" smtClean="0"/>
+              <a:t>architecture </a:t>
+            </a:r>
+            <a:r>
+              <a:rPr lang="en-US" dirty="0" smtClean="0"/>
+              <a:t>relied on the documentation that was found </a:t>
+            </a:r>
+            <a:r>
+              <a:rPr lang="en-US" dirty="0" smtClean="0"/>
+              <a:t>on </a:t>
+            </a:r>
+            <a:r>
+              <a:rPr lang="en-US" dirty="0" smtClean="0"/>
+              <a:t>the </a:t>
             </a:r>
             <a:r>
               <a:rPr lang="en-US" dirty="0" err="1" smtClean="0"/>
@@ -13821,7 +13940,15 @@
             </a:r>
             <a:r>
               <a:rPr lang="en-US" dirty="0" smtClean="0"/>
-              <a:t> wiki page.</a:t>
+              <a:t> </a:t>
+            </a:r>
+            <a:r>
+              <a:rPr lang="en-US" dirty="0" smtClean="0"/>
+              <a:t>Wiki </a:t>
+            </a:r>
+            <a:r>
+              <a:rPr lang="en-US" dirty="0" smtClean="0"/>
+              <a:t>page.</a:t>
             </a:r>
           </a:p>
           <a:p>
@@ -13835,7 +13962,15 @@
             <a:pPr lvl="1"/>
             <a:r>
               <a:rPr lang="en-US" dirty="0" smtClean="0"/>
-              <a:t>Through generation, gaps were identified.</a:t>
+              <a:t>Through </a:t>
+            </a:r>
+            <a:r>
+              <a:rPr lang="en-US" dirty="0" smtClean="0"/>
+              <a:t>formalization, </a:t>
+            </a:r>
+            <a:r>
+              <a:rPr lang="en-US" dirty="0" smtClean="0"/>
+              <a:t>gaps were identified.</a:t>
             </a:r>
           </a:p>
           <a:p>
@@ -13850,7 +13985,15 @@
           <a:p>
             <a:r>
               <a:rPr lang="en-US" dirty="0" smtClean="0"/>
-              <a:t>Team members on the team and SMEs exposed:</a:t>
+              <a:t>Team members </a:t>
+            </a:r>
+            <a:r>
+              <a:rPr lang="en-US" dirty="0" smtClean="0"/>
+              <a:t>and </a:t>
+            </a:r>
+            <a:r>
+              <a:rPr lang="en-US" dirty="0" smtClean="0"/>
+              <a:t>SMEs exposed:</a:t>
             </a:r>
           </a:p>
           <a:p>
@@ -13871,16 +14014,17 @@
             <a:pPr lvl="1"/>
             <a:r>
               <a:rPr lang="en-US" dirty="0" smtClean="0"/>
-              <a:t>Clarification on how components were envisioned to work but currently does not.</a:t>
-            </a:r>
+              <a:t>Clarification on how components were envisioned to work but currently </a:t>
+            </a:r>
+            <a:r>
+              <a:rPr lang="en-US" dirty="0" smtClean="0"/>
+              <a:t>do not</a:t>
+            </a:r>
+            <a:endParaRPr lang="en-US" dirty="0" smtClean="0"/>
           </a:p>
           <a:p>
             <a:pPr lvl="1"/>
             <a:endParaRPr lang="en-US" dirty="0" smtClean="0"/>
-          </a:p>
-          <a:p>
-            <a:pPr lvl="1"/>
-            <a:endParaRPr lang="en-US" dirty="0"/>
           </a:p>
         </p:txBody>
       </p:sp>
@@ -13968,8 +14112,8 @@
         </p:nvSpPr>
         <p:spPr>
           <a:xfrm>
-            <a:off x="3057099" y="3350972"/>
-            <a:ext cx="6287069" cy="983530"/>
+            <a:off x="2556356" y="3252133"/>
+            <a:ext cx="6287069" cy="819124"/>
           </a:xfrm>
           <a:prstGeom prst="rect">
             <a:avLst/>
@@ -14001,6 +14145,34 @@
               <a:t>Just the effort to formalize components proved extremely valuable to the SMEs, even before the analysis.</a:t>
             </a:r>
             <a:endParaRPr lang="en-US" b="1" i="1" dirty="0"/>
+          </a:p>
+        </p:txBody>
+      </p:sp>
+      <p:sp>
+        <p:nvSpPr>
+          <p:cNvPr id="7" name="Footer Placeholder 3"/>
+          <p:cNvSpPr>
+            <a:spLocks noGrp="1"/>
+          </p:cNvSpPr>
+          <p:nvPr>
+            <p:ph type="ftr" sz="quarter" idx="11"/>
+          </p:nvPr>
+        </p:nvSpPr>
+        <p:spPr>
+          <a:xfrm>
+            <a:off x="4038600" y="6419124"/>
+            <a:ext cx="4114800" cy="306936"/>
+          </a:xfrm>
+        </p:spPr>
+        <p:txBody>
+          <a:bodyPr/>
+          <a:lstStyle/>
+          <a:p>
+            <a:r>
+              <a:rPr lang="en-US" dirty="0" smtClean="0"/>
+              <a:t>Architecture Group</a:t>
+            </a:r>
+            <a:endParaRPr lang="en-US" dirty="0"/>
           </a:p>
         </p:txBody>
       </p:sp>

--- a/presentations/S5_SoI_Architecture_Group.pptx
+++ b/presentations/S5_SoI_Architecture_Group.pptx
@@ -5,7 +5,7 @@
     <p:sldMasterId id="2147483648" r:id="rId1"/>
   </p:sldMasterIdLst>
   <p:notesMasterIdLst>
-    <p:notesMasterId r:id="rId38"/>
+    <p:notesMasterId r:id="rId40"/>
   </p:notesMasterIdLst>
   <p:sldIdLst>
     <p:sldId id="256" r:id="rId2"/>
@@ -22,28 +22,30 @@
     <p:sldId id="293" r:id="rId13"/>
     <p:sldId id="294" r:id="rId14"/>
     <p:sldId id="324" r:id="rId15"/>
-    <p:sldId id="307" r:id="rId16"/>
-    <p:sldId id="322" r:id="rId17"/>
-    <p:sldId id="309" r:id="rId18"/>
-    <p:sldId id="312" r:id="rId19"/>
-    <p:sldId id="327" r:id="rId20"/>
-    <p:sldId id="328" r:id="rId21"/>
-    <p:sldId id="329" r:id="rId22"/>
-    <p:sldId id="330" r:id="rId23"/>
-    <p:sldId id="331" r:id="rId24"/>
-    <p:sldId id="315" r:id="rId25"/>
-    <p:sldId id="279" r:id="rId26"/>
-    <p:sldId id="289" r:id="rId27"/>
-    <p:sldId id="326" r:id="rId28"/>
-    <p:sldId id="266" r:id="rId29"/>
-    <p:sldId id="269" r:id="rId30"/>
-    <p:sldId id="268" r:id="rId31"/>
-    <p:sldId id="295" r:id="rId32"/>
-    <p:sldId id="305" r:id="rId33"/>
-    <p:sldId id="261" r:id="rId34"/>
-    <p:sldId id="262" r:id="rId35"/>
-    <p:sldId id="306" r:id="rId36"/>
-    <p:sldId id="313" r:id="rId37"/>
+    <p:sldId id="334" r:id="rId16"/>
+    <p:sldId id="307" r:id="rId17"/>
+    <p:sldId id="322" r:id="rId18"/>
+    <p:sldId id="309" r:id="rId19"/>
+    <p:sldId id="312" r:id="rId20"/>
+    <p:sldId id="327" r:id="rId21"/>
+    <p:sldId id="328" r:id="rId22"/>
+    <p:sldId id="329" r:id="rId23"/>
+    <p:sldId id="330" r:id="rId24"/>
+    <p:sldId id="331" r:id="rId25"/>
+    <p:sldId id="315" r:id="rId26"/>
+    <p:sldId id="279" r:id="rId27"/>
+    <p:sldId id="289" r:id="rId28"/>
+    <p:sldId id="335" r:id="rId29"/>
+    <p:sldId id="326" r:id="rId30"/>
+    <p:sldId id="266" r:id="rId31"/>
+    <p:sldId id="269" r:id="rId32"/>
+    <p:sldId id="268" r:id="rId33"/>
+    <p:sldId id="295" r:id="rId34"/>
+    <p:sldId id="305" r:id="rId35"/>
+    <p:sldId id="261" r:id="rId36"/>
+    <p:sldId id="262" r:id="rId37"/>
+    <p:sldId id="306" r:id="rId38"/>
+    <p:sldId id="313" r:id="rId39"/>
   </p:sldIdLst>
   <p:sldSz cx="12192000" cy="6858000"/>
   <p:notesSz cx="6858000" cy="9144000"/>
@@ -649,7 +651,7 @@
           <a:p>
             <a:fld id="{563BCB51-F13E-4501-921D-7D4EB39EDE9B}" type="slidenum">
               <a:rPr lang="en-US" smtClean="0"/>
-              <a:t>16</a:t>
+              <a:t>17</a:t>
             </a:fld>
             <a:endParaRPr lang="en-US"/>
           </a:p>
@@ -753,7 +755,7 @@
           <a:p>
             <a:fld id="{563BCB51-F13E-4501-921D-7D4EB39EDE9B}" type="slidenum">
               <a:rPr lang="en-US" smtClean="0"/>
-              <a:t>17</a:t>
+              <a:t>18</a:t>
             </a:fld>
             <a:endParaRPr lang="en-US"/>
           </a:p>
@@ -881,7 +883,7 @@
           <a:p>
             <a:fld id="{563BCB51-F13E-4501-921D-7D4EB39EDE9B}" type="slidenum">
               <a:rPr lang="en-US" smtClean="0"/>
-              <a:t>18</a:t>
+              <a:t>19</a:t>
             </a:fld>
             <a:endParaRPr lang="en-US"/>
           </a:p>
@@ -973,7 +975,7 @@
           <a:p>
             <a:fld id="{563BCB51-F13E-4501-921D-7D4EB39EDE9B}" type="slidenum">
               <a:rPr lang="en-US" smtClean="0"/>
-              <a:t>19</a:t>
+              <a:t>20</a:t>
             </a:fld>
             <a:endParaRPr lang="en-US"/>
           </a:p>
@@ -1057,7 +1059,7 @@
           <a:p>
             <a:fld id="{563BCB51-F13E-4501-921D-7D4EB39EDE9B}" type="slidenum">
               <a:rPr lang="en-US" smtClean="0"/>
-              <a:t>24</a:t>
+              <a:t>25</a:t>
             </a:fld>
             <a:endParaRPr lang="en-US"/>
           </a:p>
@@ -1151,7 +1153,7 @@
           <a:p>
             <a:fld id="{563BCB51-F13E-4501-921D-7D4EB39EDE9B}" type="slidenum">
               <a:rPr lang="en-US" smtClean="0"/>
-              <a:t>25</a:t>
+              <a:t>26</a:t>
             </a:fld>
             <a:endParaRPr lang="en-US"/>
           </a:p>
@@ -1235,7 +1237,7 @@
           <a:p>
             <a:fld id="{563BCB51-F13E-4501-921D-7D4EB39EDE9B}" type="slidenum">
               <a:rPr lang="en-US" smtClean="0"/>
-              <a:t>30</a:t>
+              <a:t>32</a:t>
             </a:fld>
             <a:endParaRPr lang="en-US"/>
           </a:p>
@@ -1327,7 +1329,7 @@
           <a:p>
             <a:fld id="{563BCB51-F13E-4501-921D-7D4EB39EDE9B}" type="slidenum">
               <a:rPr lang="en-US" smtClean="0"/>
-              <a:t>31</a:t>
+              <a:t>33</a:t>
             </a:fld>
             <a:endParaRPr lang="en-US"/>
           </a:p>
@@ -1415,7 +1417,7 @@
           <a:p>
             <a:fld id="{563BCB51-F13E-4501-921D-7D4EB39EDE9B}" type="slidenum">
               <a:rPr lang="en-US" smtClean="0"/>
-              <a:t>32</a:t>
+              <a:t>34</a:t>
             </a:fld>
             <a:endParaRPr lang="en-US"/>
           </a:p>
@@ -1547,7 +1549,7 @@
           <a:p>
             <a:fld id="{563BCB51-F13E-4501-921D-7D4EB39EDE9B}" type="slidenum">
               <a:rPr lang="en-US" smtClean="0"/>
-              <a:t>33</a:t>
+              <a:t>35</a:t>
             </a:fld>
             <a:endParaRPr lang="en-US"/>
           </a:p>
@@ -1754,7 +1756,7 @@
           <a:p>
             <a:fld id="{563BCB51-F13E-4501-921D-7D4EB39EDE9B}" type="slidenum">
               <a:rPr lang="en-US" smtClean="0"/>
-              <a:t>34</a:t>
+              <a:t>36</a:t>
             </a:fld>
             <a:endParaRPr lang="en-US"/>
           </a:p>
@@ -1848,7 +1850,7 @@
           <a:p>
             <a:fld id="{563BCB51-F13E-4501-921D-7D4EB39EDE9B}" type="slidenum">
               <a:rPr lang="en-US" smtClean="0"/>
-              <a:t>35</a:t>
+              <a:t>37</a:t>
             </a:fld>
             <a:endParaRPr lang="en-US"/>
           </a:p>
@@ -1940,7 +1942,7 @@
           <a:p>
             <a:fld id="{563BCB51-F13E-4501-921D-7D4EB39EDE9B}" type="slidenum">
               <a:rPr lang="en-US" smtClean="0"/>
-              <a:t>36</a:t>
+              <a:t>38</a:t>
             </a:fld>
             <a:endParaRPr lang="en-US"/>
           </a:p>
@@ -2804,7 +2806,7 @@
           <a:p>
             <a:fld id="{563BCB51-F13E-4501-921D-7D4EB39EDE9B}" type="slidenum">
               <a:rPr lang="en-US" smtClean="0"/>
-              <a:t>15</a:t>
+              <a:t>16</a:t>
             </a:fld>
             <a:endParaRPr lang="en-US"/>
           </a:p>
@@ -8938,95 +8940,62 @@
             </a:r>
           </a:p>
           <a:p>
-            <a:pPr lvl="1"/>
-            <a:r>
-              <a:rPr lang="en-US" dirty="0" smtClean="0"/>
-              <a:t>Responsiveness/timing</a:t>
-            </a:r>
-          </a:p>
-          <a:p>
-            <a:r>
-              <a:rPr lang="en-US" dirty="0" smtClean="0"/>
-              <a:t>Challenges</a:t>
-            </a:r>
-          </a:p>
-          <a:p>
-            <a:pPr lvl="1"/>
-            <a:r>
-              <a:rPr lang="en-US" dirty="0" smtClean="0"/>
-              <a:t>Many system-level requirements for </a:t>
-            </a:r>
-            <a:r>
-              <a:rPr lang="en-US" dirty="0" err="1" smtClean="0"/>
-              <a:t>UxAS</a:t>
-            </a:r>
-            <a:r>
-              <a:rPr lang="en-US" dirty="0" smtClean="0"/>
-              <a:t> are informal </a:t>
-            </a:r>
-          </a:p>
-          <a:p>
-            <a:pPr lvl="1"/>
-            <a:r>
-              <a:rPr lang="en-US" dirty="0" smtClean="0"/>
-              <a:t>Others require significant infrastructure (supporting contract guarantees) in order to prove them</a:t>
-            </a:r>
-          </a:p>
-          <a:p>
-            <a:r>
-              <a:rPr lang="en-US" dirty="0" smtClean="0"/>
-              <a:t>Perhaps we can compose the component contracts we have to discover new system-level properties…</a:t>
-            </a:r>
+            <a:pPr marL="457200" lvl="1" indent="0">
+              <a:buNone/>
+            </a:pPr>
+            <a:endParaRPr lang="en-US" sz="900" b="1" dirty="0" smtClean="0"/>
+          </a:p>
+          <a:p>
+            <a:pPr marL="457200" lvl="1" indent="0">
+              <a:buNone/>
+            </a:pPr>
+            <a:r>
+              <a:rPr lang="en-US" b="1" dirty="0" smtClean="0"/>
+              <a:t>Responsiveness/timing example</a:t>
+            </a:r>
+          </a:p>
+          <a:p>
+            <a:pPr marL="457200" lvl="1" indent="0">
+              <a:buNone/>
+            </a:pPr>
+            <a:endParaRPr lang="en-US" sz="400" b="1" dirty="0" smtClean="0"/>
+          </a:p>
+          <a:p>
+            <a:pPr marL="457200" lvl="1" indent="0">
+              <a:buNone/>
+            </a:pPr>
+            <a:r>
+              <a:rPr lang="en-US" i="1" dirty="0" smtClean="0"/>
+              <a:t>Task Manager Service:</a:t>
+            </a:r>
+          </a:p>
+          <a:p>
+            <a:pPr lvl="2"/>
             <a:endParaRPr lang="en-US" dirty="0"/>
+          </a:p>
+          <a:p>
+            <a:pPr lvl="2"/>
+            <a:endParaRPr lang="en-US" dirty="0" smtClean="0"/>
+          </a:p>
+          <a:p>
+            <a:pPr lvl="2"/>
+            <a:endParaRPr lang="en-US" dirty="0"/>
+          </a:p>
+          <a:p>
+            <a:pPr lvl="2"/>
+            <a:endParaRPr lang="en-US" dirty="0" smtClean="0"/>
+          </a:p>
+          <a:p>
+            <a:pPr marL="457200" lvl="1" indent="0">
+              <a:buNone/>
+            </a:pPr>
+            <a:r>
+              <a:rPr lang="en-US" i="1" dirty="0" smtClean="0"/>
+              <a:t>Waterways (system-level) – not yet proven:</a:t>
+            </a:r>
           </a:p>
         </p:txBody>
       </p:sp>
-      <p:pic>
-        <p:nvPicPr>
-          <p:cNvPr id="5" name="Picture 4"/>
-          <p:cNvPicPr>
-            <a:picLocks noChangeAspect="1"/>
-          </p:cNvPicPr>
-          <p:nvPr/>
-        </p:nvPicPr>
-        <p:blipFill rotWithShape="1">
-          <a:blip r:embed="rId2"/>
-          <a:srcRect b="55559"/>
-          <a:stretch/>
-        </p:blipFill>
-        <p:spPr>
-          <a:xfrm>
-            <a:off x="6829546" y="2884573"/>
-            <a:ext cx="5201160" cy="3204500"/>
-          </a:xfrm>
-          <a:prstGeom prst="rect">
-            <a:avLst/>
-          </a:prstGeom>
-        </p:spPr>
-      </p:pic>
-      <p:pic>
-        <p:nvPicPr>
-          <p:cNvPr id="6" name="Picture 5"/>
-          <p:cNvPicPr>
-            <a:picLocks noChangeAspect="1"/>
-          </p:cNvPicPr>
-          <p:nvPr/>
-        </p:nvPicPr>
-        <p:blipFill rotWithShape="1">
-          <a:blip r:embed="rId3"/>
-          <a:srcRect b="53632"/>
-          <a:stretch/>
-        </p:blipFill>
-        <p:spPr>
-          <a:xfrm>
-            <a:off x="7210206" y="1536751"/>
-            <a:ext cx="4579974" cy="1259528"/>
-          </a:xfrm>
-          <a:prstGeom prst="rect">
-            <a:avLst/>
-          </a:prstGeom>
-        </p:spPr>
-      </p:pic>
       <p:sp>
         <p:nvSpPr>
           <p:cNvPr id="8" name="Footer Placeholder 7"/>
@@ -9037,16 +9006,21 @@
             <p:ph type="ftr" sz="quarter" idx="11"/>
           </p:nvPr>
         </p:nvSpPr>
-        <p:spPr/>
+        <p:spPr>
+          <a:xfrm>
+            <a:off x="3991732" y="6437441"/>
+            <a:ext cx="4114800" cy="306936"/>
+          </a:xfrm>
+        </p:spPr>
         <p:txBody>
           <a:bodyPr/>
           <a:lstStyle/>
           <a:p>
             <a:r>
-              <a:rPr lang="en-US" smtClean="0"/>
+              <a:rPr lang="en-US" dirty="0" smtClean="0"/>
               <a:t>Architecture Group</a:t>
             </a:r>
-            <a:endParaRPr lang="en-US"/>
+            <a:endParaRPr lang="en-US" dirty="0"/>
           </a:p>
         </p:txBody>
       </p:sp>
@@ -9174,10 +9148,414 @@
           </a:p>
         </p:txBody>
       </p:sp>
+      <p:pic>
+        <p:nvPicPr>
+          <p:cNvPr id="10" name="Picture 9"/>
+          <p:cNvPicPr>
+            <a:picLocks noChangeAspect="1"/>
+          </p:cNvPicPr>
+          <p:nvPr/>
+        </p:nvPicPr>
+        <p:blipFill>
+          <a:blip r:embed="rId2"/>
+          <a:stretch>
+            <a:fillRect/>
+          </a:stretch>
+        </p:blipFill>
+        <p:spPr>
+          <a:xfrm>
+            <a:off x="674594" y="3178873"/>
+            <a:ext cx="11150753" cy="1210785"/>
+          </a:xfrm>
+          <a:prstGeom prst="rect">
+            <a:avLst/>
+          </a:prstGeom>
+        </p:spPr>
+      </p:pic>
+      <p:pic>
+        <p:nvPicPr>
+          <p:cNvPr id="14" name="Picture 13"/>
+          <p:cNvPicPr>
+            <a:picLocks noChangeAspect="1"/>
+          </p:cNvPicPr>
+          <p:nvPr/>
+        </p:nvPicPr>
+        <p:blipFill>
+          <a:blip r:embed="rId3"/>
+          <a:stretch>
+            <a:fillRect/>
+          </a:stretch>
+        </p:blipFill>
+        <p:spPr>
+          <a:xfrm>
+            <a:off x="674594" y="4892018"/>
+            <a:ext cx="10319715" cy="969718"/>
+          </a:xfrm>
+          <a:prstGeom prst="rect">
+            <a:avLst/>
+          </a:prstGeom>
+        </p:spPr>
+      </p:pic>
+      <p:sp>
+        <p:nvSpPr>
+          <p:cNvPr id="15" name="Rectangle 14"/>
+          <p:cNvSpPr/>
+          <p:nvPr/>
+        </p:nvSpPr>
+        <p:spPr>
+          <a:xfrm>
+            <a:off x="565608" y="2036190"/>
+            <a:ext cx="11368726" cy="3959257"/>
+          </a:xfrm>
+          <a:prstGeom prst="rect">
+            <a:avLst/>
+          </a:prstGeom>
+          <a:noFill/>
+        </p:spPr>
+        <p:style>
+          <a:lnRef idx="2">
+            <a:schemeClr val="accent1">
+              <a:shade val="50000"/>
+            </a:schemeClr>
+          </a:lnRef>
+          <a:fillRef idx="1">
+            <a:schemeClr val="accent1"/>
+          </a:fillRef>
+          <a:effectRef idx="0">
+            <a:schemeClr val="accent1"/>
+          </a:effectRef>
+          <a:fontRef idx="minor">
+            <a:schemeClr val="lt1"/>
+          </a:fontRef>
+        </p:style>
+        <p:txBody>
+          <a:bodyPr rtlCol="0" anchor="ctr"/>
+          <a:lstStyle/>
+          <a:p>
+            <a:pPr algn="ctr"/>
+            <a:endParaRPr lang="en-US"/>
+          </a:p>
+        </p:txBody>
+      </p:sp>
     </p:spTree>
     <p:extLst>
       <p:ext uri="{BB962C8B-B14F-4D97-AF65-F5344CB8AC3E}">
         <p14:creationId xmlns:p14="http://schemas.microsoft.com/office/powerpoint/2010/main" val="2309602601"/>
+      </p:ext>
+    </p:extLst>
+  </p:cSld>
+  <p:clrMapOvr>
+    <a:masterClrMapping/>
+  </p:clrMapOvr>
+  <p:timing>
+    <p:tnLst>
+      <p:par>
+        <p:cTn id="1" dur="indefinite" restart="never" nodeType="tmRoot"/>
+      </p:par>
+    </p:tnLst>
+  </p:timing>
+</p:sld>
+</file>
+
+<file path=ppt/slides/slide15.xml><?xml version="1.0" encoding="utf-8"?>
+<p:sld xmlns:a="http://schemas.openxmlformats.org/drawingml/2006/main" xmlns:r="http://schemas.openxmlformats.org/officeDocument/2006/relationships" xmlns:p="http://schemas.openxmlformats.org/presentationml/2006/main">
+  <p:cSld>
+    <p:spTree>
+      <p:nvGrpSpPr>
+        <p:cNvPr id="1" name=""/>
+        <p:cNvGrpSpPr/>
+        <p:nvPr/>
+      </p:nvGrpSpPr>
+      <p:grpSpPr>
+        <a:xfrm>
+          <a:off x="0" y="0"/>
+          <a:ext cx="0" cy="0"/>
+          <a:chOff x="0" y="0"/>
+          <a:chExt cx="0" cy="0"/>
+        </a:xfrm>
+      </p:grpSpPr>
+      <p:sp>
+        <p:nvSpPr>
+          <p:cNvPr id="2" name="Title 1"/>
+          <p:cNvSpPr>
+            <a:spLocks noGrp="1"/>
+          </p:cNvSpPr>
+          <p:nvPr>
+            <p:ph type="title"/>
+          </p:nvPr>
+        </p:nvSpPr>
+        <p:spPr/>
+        <p:txBody>
+          <a:bodyPr/>
+          <a:lstStyle/>
+          <a:p>
+            <a:r>
+              <a:rPr lang="en-US" dirty="0" smtClean="0"/>
+              <a:t>System-level contracts</a:t>
+            </a:r>
+            <a:endParaRPr lang="en-US" dirty="0"/>
+          </a:p>
+        </p:txBody>
+      </p:sp>
+      <p:sp>
+        <p:nvSpPr>
+          <p:cNvPr id="3" name="Content Placeholder 2"/>
+          <p:cNvSpPr>
+            <a:spLocks noGrp="1"/>
+          </p:cNvSpPr>
+          <p:nvPr>
+            <p:ph idx="1"/>
+          </p:nvPr>
+        </p:nvSpPr>
+        <p:spPr>
+          <a:xfrm>
+            <a:off x="210065" y="1508511"/>
+            <a:ext cx="6219015" cy="4668452"/>
+          </a:xfrm>
+        </p:spPr>
+        <p:txBody>
+          <a:bodyPr/>
+          <a:lstStyle/>
+          <a:p>
+            <a:r>
+              <a:rPr lang="en-US" dirty="0" smtClean="0"/>
+              <a:t>System-level guarantees are in progress</a:t>
+            </a:r>
+          </a:p>
+          <a:p>
+            <a:r>
+              <a:rPr lang="en-US" dirty="0" smtClean="0"/>
+              <a:t>Challenges</a:t>
+            </a:r>
+          </a:p>
+          <a:p>
+            <a:pPr lvl="1"/>
+            <a:r>
+              <a:rPr lang="en-US" dirty="0" smtClean="0"/>
+              <a:t>Many system-level requirements for </a:t>
+            </a:r>
+            <a:r>
+              <a:rPr lang="en-US" dirty="0" err="1" smtClean="0"/>
+              <a:t>UxAS</a:t>
+            </a:r>
+            <a:r>
+              <a:rPr lang="en-US" dirty="0" smtClean="0"/>
+              <a:t> are informal </a:t>
+            </a:r>
+          </a:p>
+          <a:p>
+            <a:pPr lvl="1"/>
+            <a:r>
+              <a:rPr lang="en-US" dirty="0" smtClean="0"/>
+              <a:t>Others require significant infrastructure (supporting contract guarantees) in order to prove them</a:t>
+            </a:r>
+          </a:p>
+          <a:p>
+            <a:r>
+              <a:rPr lang="en-US" dirty="0" smtClean="0"/>
+              <a:t>Perhaps we can compose the component contracts we have to discover new system-level properties…</a:t>
+            </a:r>
+            <a:endParaRPr lang="en-US" dirty="0"/>
+          </a:p>
+        </p:txBody>
+      </p:sp>
+      <p:pic>
+        <p:nvPicPr>
+          <p:cNvPr id="5" name="Picture 4"/>
+          <p:cNvPicPr>
+            <a:picLocks noChangeAspect="1"/>
+          </p:cNvPicPr>
+          <p:nvPr/>
+        </p:nvPicPr>
+        <p:blipFill rotWithShape="1">
+          <a:blip r:embed="rId2"/>
+          <a:srcRect b="62218"/>
+          <a:stretch/>
+        </p:blipFill>
+        <p:spPr>
+          <a:xfrm>
+            <a:off x="6429080" y="3254625"/>
+            <a:ext cx="5579095" cy="2922338"/>
+          </a:xfrm>
+          <a:prstGeom prst="rect">
+            <a:avLst/>
+          </a:prstGeom>
+        </p:spPr>
+      </p:pic>
+      <p:pic>
+        <p:nvPicPr>
+          <p:cNvPr id="6" name="Picture 5"/>
+          <p:cNvPicPr>
+            <a:picLocks noChangeAspect="1"/>
+          </p:cNvPicPr>
+          <p:nvPr/>
+        </p:nvPicPr>
+        <p:blipFill rotWithShape="1">
+          <a:blip r:embed="rId3"/>
+          <a:srcRect r="13111" b="43321"/>
+          <a:stretch/>
+        </p:blipFill>
+        <p:spPr>
+          <a:xfrm>
+            <a:off x="7079530" y="1536830"/>
+            <a:ext cx="4440024" cy="1717795"/>
+          </a:xfrm>
+          <a:prstGeom prst="rect">
+            <a:avLst/>
+          </a:prstGeom>
+        </p:spPr>
+      </p:pic>
+      <p:sp>
+        <p:nvSpPr>
+          <p:cNvPr id="8" name="Footer Placeholder 7"/>
+          <p:cNvSpPr>
+            <a:spLocks noGrp="1"/>
+          </p:cNvSpPr>
+          <p:nvPr>
+            <p:ph type="ftr" sz="quarter" idx="11"/>
+          </p:nvPr>
+        </p:nvSpPr>
+        <p:spPr/>
+        <p:txBody>
+          <a:bodyPr/>
+          <a:lstStyle/>
+          <a:p>
+            <a:r>
+              <a:rPr lang="en-US" smtClean="0"/>
+              <a:t>Architecture Group</a:t>
+            </a:r>
+            <a:endParaRPr lang="en-US"/>
+          </a:p>
+        </p:txBody>
+      </p:sp>
+      <p:sp>
+        <p:nvSpPr>
+          <p:cNvPr id="9" name="Footer Placeholder 3"/>
+          <p:cNvSpPr txBox="1">
+            <a:spLocks/>
+          </p:cNvSpPr>
+          <p:nvPr/>
+        </p:nvSpPr>
+        <p:spPr>
+          <a:xfrm>
+            <a:off x="102476" y="6437441"/>
+            <a:ext cx="4532586" cy="306936"/>
+          </a:xfrm>
+          <a:prstGeom prst="rect">
+            <a:avLst/>
+          </a:prstGeom>
+        </p:spPr>
+        <p:txBody>
+          <a:bodyPr vert="horz" lIns="91440" tIns="45720" rIns="91440" bIns="45720" rtlCol="0" anchor="ctr"/>
+          <a:lstStyle>
+            <a:defPPr>
+              <a:defRPr lang="en-US"/>
+            </a:defPPr>
+            <a:lvl1pPr marL="0" algn="ctr" defTabSz="914400" rtl="0" eaLnBrk="1" latinLnBrk="0" hangingPunct="1">
+              <a:defRPr sz="1400" kern="1200">
+                <a:solidFill>
+                  <a:srgbClr val="000000"/>
+                </a:solidFill>
+                <a:latin typeface="+mn-lt"/>
+                <a:ea typeface="+mn-ea"/>
+                <a:cs typeface="+mn-cs"/>
+              </a:defRPr>
+            </a:lvl1pPr>
+            <a:lvl2pPr marL="457200" algn="l" defTabSz="914400" rtl="0" eaLnBrk="1" latinLnBrk="0" hangingPunct="1">
+              <a:defRPr sz="1800" kern="1200">
+                <a:solidFill>
+                  <a:schemeClr val="tx1"/>
+                </a:solidFill>
+                <a:latin typeface="+mn-lt"/>
+                <a:ea typeface="+mn-ea"/>
+                <a:cs typeface="+mn-cs"/>
+              </a:defRPr>
+            </a:lvl2pPr>
+            <a:lvl3pPr marL="914400" algn="l" defTabSz="914400" rtl="0" eaLnBrk="1" latinLnBrk="0" hangingPunct="1">
+              <a:defRPr sz="1800" kern="1200">
+                <a:solidFill>
+                  <a:schemeClr val="tx1"/>
+                </a:solidFill>
+                <a:latin typeface="+mn-lt"/>
+                <a:ea typeface="+mn-ea"/>
+                <a:cs typeface="+mn-cs"/>
+              </a:defRPr>
+            </a:lvl3pPr>
+            <a:lvl4pPr marL="1371600" algn="l" defTabSz="914400" rtl="0" eaLnBrk="1" latinLnBrk="0" hangingPunct="1">
+              <a:defRPr sz="1800" kern="1200">
+                <a:solidFill>
+                  <a:schemeClr val="tx1"/>
+                </a:solidFill>
+                <a:latin typeface="+mn-lt"/>
+                <a:ea typeface="+mn-ea"/>
+                <a:cs typeface="+mn-cs"/>
+              </a:defRPr>
+            </a:lvl4pPr>
+            <a:lvl5pPr marL="1828800" algn="l" defTabSz="914400" rtl="0" eaLnBrk="1" latinLnBrk="0" hangingPunct="1">
+              <a:defRPr sz="1800" kern="1200">
+                <a:solidFill>
+                  <a:schemeClr val="tx1"/>
+                </a:solidFill>
+                <a:latin typeface="+mn-lt"/>
+                <a:ea typeface="+mn-ea"/>
+                <a:cs typeface="+mn-cs"/>
+              </a:defRPr>
+            </a:lvl5pPr>
+            <a:lvl6pPr marL="2286000" algn="l" defTabSz="914400" rtl="0" eaLnBrk="1" latinLnBrk="0" hangingPunct="1">
+              <a:defRPr sz="1800" kern="1200">
+                <a:solidFill>
+                  <a:schemeClr val="tx1"/>
+                </a:solidFill>
+                <a:latin typeface="+mn-lt"/>
+                <a:ea typeface="+mn-ea"/>
+                <a:cs typeface="+mn-cs"/>
+              </a:defRPr>
+            </a:lvl6pPr>
+            <a:lvl7pPr marL="2743200" algn="l" defTabSz="914400" rtl="0" eaLnBrk="1" latinLnBrk="0" hangingPunct="1">
+              <a:defRPr sz="1800" kern="1200">
+                <a:solidFill>
+                  <a:schemeClr val="tx1"/>
+                </a:solidFill>
+                <a:latin typeface="+mn-lt"/>
+                <a:ea typeface="+mn-ea"/>
+                <a:cs typeface="+mn-cs"/>
+              </a:defRPr>
+            </a:lvl7pPr>
+            <a:lvl8pPr marL="3200400" algn="l" defTabSz="914400" rtl="0" eaLnBrk="1" latinLnBrk="0" hangingPunct="1">
+              <a:defRPr sz="1800" kern="1200">
+                <a:solidFill>
+                  <a:schemeClr val="tx1"/>
+                </a:solidFill>
+                <a:latin typeface="+mn-lt"/>
+                <a:ea typeface="+mn-ea"/>
+                <a:cs typeface="+mn-cs"/>
+              </a:defRPr>
+            </a:lvl8pPr>
+            <a:lvl9pPr marL="3657600" algn="l" defTabSz="914400" rtl="0" eaLnBrk="1" latinLnBrk="0" hangingPunct="1">
+              <a:defRPr sz="1800" kern="1200">
+                <a:solidFill>
+                  <a:schemeClr val="tx1"/>
+                </a:solidFill>
+                <a:latin typeface="+mn-lt"/>
+                <a:ea typeface="+mn-ea"/>
+                <a:cs typeface="+mn-cs"/>
+              </a:defRPr>
+            </a:lvl9pPr>
+          </a:lstStyle>
+          <a:p>
+            <a:pPr algn="l"/>
+            <a:r>
+              <a:rPr lang="en-US" dirty="0" smtClean="0"/>
+              <a:t>Rockwell Collins, Dependable Computing, AFRL/LinQuest</a:t>
+            </a:r>
+            <a:endParaRPr lang="en-US" dirty="0"/>
+          </a:p>
+        </p:txBody>
+      </p:sp>
+    </p:spTree>
+    <p:extLst>
+      <p:ext uri="{BB962C8B-B14F-4D97-AF65-F5344CB8AC3E}">
+        <p14:creationId xmlns:p14="http://schemas.microsoft.com/office/powerpoint/2010/main" val="337961903"/>
       </p:ext>
     </p:extLst>
   </p:cSld>
@@ -9220,7 +9598,7 @@
                                         <p:tgtEl>
                                           <p:spTgt spid="3">
                                             <p:txEl>
-                                              <p:pRg st="3" end="3"/>
+                                              <p:pRg st="2" end="2"/>
                                             </p:txEl>
                                           </p:spTgt>
                                         </p:tgtEl>
@@ -9296,7 +9674,7 @@
                                         <p:tgtEl>
                                           <p:spTgt spid="3">
                                             <p:txEl>
-                                              <p:pRg st="4" end="4"/>
+                                              <p:pRg st="3" end="3"/>
                                             </p:txEl>
                                           </p:spTgt>
                                         </p:tgtEl>
@@ -9372,7 +9750,7 @@
                                         <p:tgtEl>
                                           <p:spTgt spid="3">
                                             <p:txEl>
-                                              <p:pRg st="5" end="5"/>
+                                              <p:pRg st="4" end="4"/>
                                             </p:txEl>
                                           </p:spTgt>
                                         </p:tgtEl>
@@ -9418,7 +9796,7 @@
 </p:sld>
 </file>
 
-<file path=ppt/slides/slide15.xml><?xml version="1.0" encoding="utf-8"?>
+<file path=ppt/slides/slide16.xml><?xml version="1.0" encoding="utf-8"?>
 <p:sld xmlns:a="http://schemas.openxmlformats.org/drawingml/2006/main" xmlns:r="http://schemas.openxmlformats.org/officeDocument/2006/relationships" xmlns:p="http://schemas.openxmlformats.org/presentationml/2006/main">
   <p:cSld>
     <p:spTree>
@@ -11385,7 +11763,7 @@
 </p:sld>
 </file>
 
-<file path=ppt/slides/slide16.xml><?xml version="1.0" encoding="utf-8"?>
+<file path=ppt/slides/slide17.xml><?xml version="1.0" encoding="utf-8"?>
 <p:sld xmlns:a="http://schemas.openxmlformats.org/drawingml/2006/main" xmlns:r="http://schemas.openxmlformats.org/officeDocument/2006/relationships" xmlns:p="http://schemas.openxmlformats.org/presentationml/2006/main">
   <p:cSld>
     <p:spTree>
@@ -13396,7 +13774,7 @@
 </p:sld>
 </file>
 
-<file path=ppt/slides/slide17.xml><?xml version="1.0" encoding="utf-8"?>
+<file path=ppt/slides/slide18.xml><?xml version="1.0" encoding="utf-8"?>
 <p:sld xmlns:a="http://schemas.openxmlformats.org/drawingml/2006/main" xmlns:r="http://schemas.openxmlformats.org/officeDocument/2006/relationships" xmlns:p="http://schemas.openxmlformats.org/presentationml/2006/main">
   <p:cSld>
     <p:spTree>
@@ -14544,7 +14922,7 @@
 </p:sld>
 </file>
 
-<file path=ppt/slides/slide18.xml><?xml version="1.0" encoding="utf-8"?>
+<file path=ppt/slides/slide19.xml><?xml version="1.0" encoding="utf-8"?>
 <p:sld xmlns:a="http://schemas.openxmlformats.org/drawingml/2006/main" xmlns:r="http://schemas.openxmlformats.org/officeDocument/2006/relationships" xmlns:p="http://schemas.openxmlformats.org/presentationml/2006/main">
   <p:cSld>
     <p:spTree>
@@ -15595,238 +15973,6 @@
 </p:sld>
 </file>
 
-<file path=ppt/slides/slide19.xml><?xml version="1.0" encoding="utf-8"?>
-<p:sld xmlns:a="http://schemas.openxmlformats.org/drawingml/2006/main" xmlns:r="http://schemas.openxmlformats.org/officeDocument/2006/relationships" xmlns:p="http://schemas.openxmlformats.org/presentationml/2006/main">
-  <p:cSld>
-    <p:spTree>
-      <p:nvGrpSpPr>
-        <p:cNvPr id="1" name=""/>
-        <p:cNvGrpSpPr/>
-        <p:nvPr/>
-      </p:nvGrpSpPr>
-      <p:grpSpPr>
-        <a:xfrm>
-          <a:off x="0" y="0"/>
-          <a:ext cx="0" cy="0"/>
-          <a:chOff x="0" y="0"/>
-          <a:chExt cx="0" cy="0"/>
-        </a:xfrm>
-      </p:grpSpPr>
-      <p:sp>
-        <p:nvSpPr>
-          <p:cNvPr id="2" name="Title 1"/>
-          <p:cNvSpPr>
-            <a:spLocks noGrp="1"/>
-          </p:cNvSpPr>
-          <p:nvPr>
-            <p:ph type="title"/>
-          </p:nvPr>
-        </p:nvSpPr>
-        <p:spPr/>
-        <p:txBody>
-          <a:bodyPr>
-            <a:normAutofit fontScale="90000"/>
-          </a:bodyPr>
-          <a:lstStyle/>
-          <a:p>
-            <a:r>
-              <a:rPr lang="en-US" dirty="0"/>
-              <a:t>Modeling UxAS System Architecture in SADL Ontology</a:t>
-            </a:r>
-          </a:p>
-        </p:txBody>
-      </p:sp>
-      <p:pic>
-        <p:nvPicPr>
-          <p:cNvPr id="4" name="Picture 3"/>
-          <p:cNvPicPr>
-            <a:picLocks noChangeAspect="1"/>
-          </p:cNvPicPr>
-          <p:nvPr/>
-        </p:nvPicPr>
-        <p:blipFill>
-          <a:blip r:embed="rId3"/>
-          <a:stretch>
-            <a:fillRect/>
-          </a:stretch>
-        </p:blipFill>
-        <p:spPr>
-          <a:xfrm>
-            <a:off x="1128567" y="1514924"/>
-            <a:ext cx="9853662" cy="4678486"/>
-          </a:xfrm>
-          <a:prstGeom prst="rect">
-            <a:avLst/>
-          </a:prstGeom>
-        </p:spPr>
-      </p:pic>
-      <p:sp>
-        <p:nvSpPr>
-          <p:cNvPr id="5" name="Footer Placeholder 4"/>
-          <p:cNvSpPr>
-            <a:spLocks noGrp="1"/>
-          </p:cNvSpPr>
-          <p:nvPr>
-            <p:ph type="ftr" sz="quarter" idx="11"/>
-          </p:nvPr>
-        </p:nvSpPr>
-        <p:spPr/>
-        <p:txBody>
-          <a:bodyPr/>
-          <a:lstStyle/>
-          <a:p>
-            <a:r>
-              <a:rPr lang="en-US" smtClean="0"/>
-              <a:t>Architecture Group</a:t>
-            </a:r>
-            <a:endParaRPr lang="en-US"/>
-          </a:p>
-        </p:txBody>
-      </p:sp>
-      <p:sp>
-        <p:nvSpPr>
-          <p:cNvPr id="7" name="Footer Placeholder 3"/>
-          <p:cNvSpPr txBox="1">
-            <a:spLocks/>
-          </p:cNvSpPr>
-          <p:nvPr/>
-        </p:nvSpPr>
-        <p:spPr>
-          <a:xfrm>
-            <a:off x="102476" y="6437441"/>
-            <a:ext cx="4532586" cy="306936"/>
-          </a:xfrm>
-          <a:prstGeom prst="rect">
-            <a:avLst/>
-          </a:prstGeom>
-        </p:spPr>
-        <p:txBody>
-          <a:bodyPr vert="horz" lIns="91440" tIns="45720" rIns="91440" bIns="45720" rtlCol="0" anchor="ctr"/>
-          <a:lstStyle>
-            <a:defPPr>
-              <a:defRPr lang="en-US"/>
-            </a:defPPr>
-            <a:lvl1pPr marL="0" algn="ctr" defTabSz="914400" rtl="0" eaLnBrk="1" latinLnBrk="0" hangingPunct="1">
-              <a:defRPr sz="1400" kern="1200">
-                <a:solidFill>
-                  <a:srgbClr val="000000"/>
-                </a:solidFill>
-                <a:latin typeface="+mn-lt"/>
-                <a:ea typeface="+mn-ea"/>
-                <a:cs typeface="+mn-cs"/>
-              </a:defRPr>
-            </a:lvl1pPr>
-            <a:lvl2pPr marL="457200" algn="l" defTabSz="914400" rtl="0" eaLnBrk="1" latinLnBrk="0" hangingPunct="1">
-              <a:defRPr sz="1800" kern="1200">
-                <a:solidFill>
-                  <a:schemeClr val="tx1"/>
-                </a:solidFill>
-                <a:latin typeface="+mn-lt"/>
-                <a:ea typeface="+mn-ea"/>
-                <a:cs typeface="+mn-cs"/>
-              </a:defRPr>
-            </a:lvl2pPr>
-            <a:lvl3pPr marL="914400" algn="l" defTabSz="914400" rtl="0" eaLnBrk="1" latinLnBrk="0" hangingPunct="1">
-              <a:defRPr sz="1800" kern="1200">
-                <a:solidFill>
-                  <a:schemeClr val="tx1"/>
-                </a:solidFill>
-                <a:latin typeface="+mn-lt"/>
-                <a:ea typeface="+mn-ea"/>
-                <a:cs typeface="+mn-cs"/>
-              </a:defRPr>
-            </a:lvl3pPr>
-            <a:lvl4pPr marL="1371600" algn="l" defTabSz="914400" rtl="0" eaLnBrk="1" latinLnBrk="0" hangingPunct="1">
-              <a:defRPr sz="1800" kern="1200">
-                <a:solidFill>
-                  <a:schemeClr val="tx1"/>
-                </a:solidFill>
-                <a:latin typeface="+mn-lt"/>
-                <a:ea typeface="+mn-ea"/>
-                <a:cs typeface="+mn-cs"/>
-              </a:defRPr>
-            </a:lvl4pPr>
-            <a:lvl5pPr marL="1828800" algn="l" defTabSz="914400" rtl="0" eaLnBrk="1" latinLnBrk="0" hangingPunct="1">
-              <a:defRPr sz="1800" kern="1200">
-                <a:solidFill>
-                  <a:schemeClr val="tx1"/>
-                </a:solidFill>
-                <a:latin typeface="+mn-lt"/>
-                <a:ea typeface="+mn-ea"/>
-                <a:cs typeface="+mn-cs"/>
-              </a:defRPr>
-            </a:lvl5pPr>
-            <a:lvl6pPr marL="2286000" algn="l" defTabSz="914400" rtl="0" eaLnBrk="1" latinLnBrk="0" hangingPunct="1">
-              <a:defRPr sz="1800" kern="1200">
-                <a:solidFill>
-                  <a:schemeClr val="tx1"/>
-                </a:solidFill>
-                <a:latin typeface="+mn-lt"/>
-                <a:ea typeface="+mn-ea"/>
-                <a:cs typeface="+mn-cs"/>
-              </a:defRPr>
-            </a:lvl6pPr>
-            <a:lvl7pPr marL="2743200" algn="l" defTabSz="914400" rtl="0" eaLnBrk="1" latinLnBrk="0" hangingPunct="1">
-              <a:defRPr sz="1800" kern="1200">
-                <a:solidFill>
-                  <a:schemeClr val="tx1"/>
-                </a:solidFill>
-                <a:latin typeface="+mn-lt"/>
-                <a:ea typeface="+mn-ea"/>
-                <a:cs typeface="+mn-cs"/>
-              </a:defRPr>
-            </a:lvl7pPr>
-            <a:lvl8pPr marL="3200400" algn="l" defTabSz="914400" rtl="0" eaLnBrk="1" latinLnBrk="0" hangingPunct="1">
-              <a:defRPr sz="1800" kern="1200">
-                <a:solidFill>
-                  <a:schemeClr val="tx1"/>
-                </a:solidFill>
-                <a:latin typeface="+mn-lt"/>
-                <a:ea typeface="+mn-ea"/>
-                <a:cs typeface="+mn-cs"/>
-              </a:defRPr>
-            </a:lvl8pPr>
-            <a:lvl9pPr marL="3657600" algn="l" defTabSz="914400" rtl="0" eaLnBrk="1" latinLnBrk="0" hangingPunct="1">
-              <a:defRPr sz="1800" kern="1200">
-                <a:solidFill>
-                  <a:schemeClr val="tx1"/>
-                </a:solidFill>
-                <a:latin typeface="+mn-lt"/>
-                <a:ea typeface="+mn-ea"/>
-                <a:cs typeface="+mn-cs"/>
-              </a:defRPr>
-            </a:lvl9pPr>
-          </a:lstStyle>
-          <a:p>
-            <a:pPr algn="l"/>
-            <a:r>
-              <a:rPr lang="en-US" dirty="0" smtClean="0"/>
-              <a:t>GE</a:t>
-            </a:r>
-            <a:endParaRPr lang="en-US" dirty="0"/>
-          </a:p>
-        </p:txBody>
-      </p:sp>
-    </p:spTree>
-    <p:extLst>
-      <p:ext uri="{BB962C8B-B14F-4D97-AF65-F5344CB8AC3E}">
-        <p14:creationId xmlns:p14="http://schemas.microsoft.com/office/powerpoint/2010/main" val="1742350916"/>
-      </p:ext>
-    </p:extLst>
-  </p:cSld>
-  <p:clrMapOvr>
-    <a:masterClrMapping/>
-  </p:clrMapOvr>
-  <p:timing>
-    <p:tnLst>
-      <p:par>
-        <p:cTn id="1" dur="indefinite" restart="never" nodeType="tmRoot"/>
-      </p:par>
-    </p:tnLst>
-  </p:timing>
-</p:sld>
-</file>
-
 <file path=ppt/slides/slide2.xml><?xml version="1.0" encoding="utf-8"?>
 <p:sld xmlns:a="http://schemas.openxmlformats.org/drawingml/2006/main" xmlns:r="http://schemas.openxmlformats.org/officeDocument/2006/relationships" xmlns:p="http://schemas.openxmlformats.org/presentationml/2006/main">
   <p:cSld>
@@ -16052,6 +16198,238 @@
           </a:bodyPr>
           <a:lstStyle/>
           <a:p>
+            <a:r>
+              <a:rPr lang="en-US" dirty="0"/>
+              <a:t>Modeling UxAS System Architecture in SADL Ontology</a:t>
+            </a:r>
+          </a:p>
+        </p:txBody>
+      </p:sp>
+      <p:pic>
+        <p:nvPicPr>
+          <p:cNvPr id="4" name="Picture 3"/>
+          <p:cNvPicPr>
+            <a:picLocks noChangeAspect="1"/>
+          </p:cNvPicPr>
+          <p:nvPr/>
+        </p:nvPicPr>
+        <p:blipFill>
+          <a:blip r:embed="rId3"/>
+          <a:stretch>
+            <a:fillRect/>
+          </a:stretch>
+        </p:blipFill>
+        <p:spPr>
+          <a:xfrm>
+            <a:off x="1128567" y="1514924"/>
+            <a:ext cx="9853662" cy="4678486"/>
+          </a:xfrm>
+          <a:prstGeom prst="rect">
+            <a:avLst/>
+          </a:prstGeom>
+        </p:spPr>
+      </p:pic>
+      <p:sp>
+        <p:nvSpPr>
+          <p:cNvPr id="5" name="Footer Placeholder 4"/>
+          <p:cNvSpPr>
+            <a:spLocks noGrp="1"/>
+          </p:cNvSpPr>
+          <p:nvPr>
+            <p:ph type="ftr" sz="quarter" idx="11"/>
+          </p:nvPr>
+        </p:nvSpPr>
+        <p:spPr/>
+        <p:txBody>
+          <a:bodyPr/>
+          <a:lstStyle/>
+          <a:p>
+            <a:r>
+              <a:rPr lang="en-US" smtClean="0"/>
+              <a:t>Architecture Group</a:t>
+            </a:r>
+            <a:endParaRPr lang="en-US"/>
+          </a:p>
+        </p:txBody>
+      </p:sp>
+      <p:sp>
+        <p:nvSpPr>
+          <p:cNvPr id="7" name="Footer Placeholder 3"/>
+          <p:cNvSpPr txBox="1">
+            <a:spLocks/>
+          </p:cNvSpPr>
+          <p:nvPr/>
+        </p:nvSpPr>
+        <p:spPr>
+          <a:xfrm>
+            <a:off x="102476" y="6437441"/>
+            <a:ext cx="4532586" cy="306936"/>
+          </a:xfrm>
+          <a:prstGeom prst="rect">
+            <a:avLst/>
+          </a:prstGeom>
+        </p:spPr>
+        <p:txBody>
+          <a:bodyPr vert="horz" lIns="91440" tIns="45720" rIns="91440" bIns="45720" rtlCol="0" anchor="ctr"/>
+          <a:lstStyle>
+            <a:defPPr>
+              <a:defRPr lang="en-US"/>
+            </a:defPPr>
+            <a:lvl1pPr marL="0" algn="ctr" defTabSz="914400" rtl="0" eaLnBrk="1" latinLnBrk="0" hangingPunct="1">
+              <a:defRPr sz="1400" kern="1200">
+                <a:solidFill>
+                  <a:srgbClr val="000000"/>
+                </a:solidFill>
+                <a:latin typeface="+mn-lt"/>
+                <a:ea typeface="+mn-ea"/>
+                <a:cs typeface="+mn-cs"/>
+              </a:defRPr>
+            </a:lvl1pPr>
+            <a:lvl2pPr marL="457200" algn="l" defTabSz="914400" rtl="0" eaLnBrk="1" latinLnBrk="0" hangingPunct="1">
+              <a:defRPr sz="1800" kern="1200">
+                <a:solidFill>
+                  <a:schemeClr val="tx1"/>
+                </a:solidFill>
+                <a:latin typeface="+mn-lt"/>
+                <a:ea typeface="+mn-ea"/>
+                <a:cs typeface="+mn-cs"/>
+              </a:defRPr>
+            </a:lvl2pPr>
+            <a:lvl3pPr marL="914400" algn="l" defTabSz="914400" rtl="0" eaLnBrk="1" latinLnBrk="0" hangingPunct="1">
+              <a:defRPr sz="1800" kern="1200">
+                <a:solidFill>
+                  <a:schemeClr val="tx1"/>
+                </a:solidFill>
+                <a:latin typeface="+mn-lt"/>
+                <a:ea typeface="+mn-ea"/>
+                <a:cs typeface="+mn-cs"/>
+              </a:defRPr>
+            </a:lvl3pPr>
+            <a:lvl4pPr marL="1371600" algn="l" defTabSz="914400" rtl="0" eaLnBrk="1" latinLnBrk="0" hangingPunct="1">
+              <a:defRPr sz="1800" kern="1200">
+                <a:solidFill>
+                  <a:schemeClr val="tx1"/>
+                </a:solidFill>
+                <a:latin typeface="+mn-lt"/>
+                <a:ea typeface="+mn-ea"/>
+                <a:cs typeface="+mn-cs"/>
+              </a:defRPr>
+            </a:lvl4pPr>
+            <a:lvl5pPr marL="1828800" algn="l" defTabSz="914400" rtl="0" eaLnBrk="1" latinLnBrk="0" hangingPunct="1">
+              <a:defRPr sz="1800" kern="1200">
+                <a:solidFill>
+                  <a:schemeClr val="tx1"/>
+                </a:solidFill>
+                <a:latin typeface="+mn-lt"/>
+                <a:ea typeface="+mn-ea"/>
+                <a:cs typeface="+mn-cs"/>
+              </a:defRPr>
+            </a:lvl5pPr>
+            <a:lvl6pPr marL="2286000" algn="l" defTabSz="914400" rtl="0" eaLnBrk="1" latinLnBrk="0" hangingPunct="1">
+              <a:defRPr sz="1800" kern="1200">
+                <a:solidFill>
+                  <a:schemeClr val="tx1"/>
+                </a:solidFill>
+                <a:latin typeface="+mn-lt"/>
+                <a:ea typeface="+mn-ea"/>
+                <a:cs typeface="+mn-cs"/>
+              </a:defRPr>
+            </a:lvl6pPr>
+            <a:lvl7pPr marL="2743200" algn="l" defTabSz="914400" rtl="0" eaLnBrk="1" latinLnBrk="0" hangingPunct="1">
+              <a:defRPr sz="1800" kern="1200">
+                <a:solidFill>
+                  <a:schemeClr val="tx1"/>
+                </a:solidFill>
+                <a:latin typeface="+mn-lt"/>
+                <a:ea typeface="+mn-ea"/>
+                <a:cs typeface="+mn-cs"/>
+              </a:defRPr>
+            </a:lvl7pPr>
+            <a:lvl8pPr marL="3200400" algn="l" defTabSz="914400" rtl="0" eaLnBrk="1" latinLnBrk="0" hangingPunct="1">
+              <a:defRPr sz="1800" kern="1200">
+                <a:solidFill>
+                  <a:schemeClr val="tx1"/>
+                </a:solidFill>
+                <a:latin typeface="+mn-lt"/>
+                <a:ea typeface="+mn-ea"/>
+                <a:cs typeface="+mn-cs"/>
+              </a:defRPr>
+            </a:lvl8pPr>
+            <a:lvl9pPr marL="3657600" algn="l" defTabSz="914400" rtl="0" eaLnBrk="1" latinLnBrk="0" hangingPunct="1">
+              <a:defRPr sz="1800" kern="1200">
+                <a:solidFill>
+                  <a:schemeClr val="tx1"/>
+                </a:solidFill>
+                <a:latin typeface="+mn-lt"/>
+                <a:ea typeface="+mn-ea"/>
+                <a:cs typeface="+mn-cs"/>
+              </a:defRPr>
+            </a:lvl9pPr>
+          </a:lstStyle>
+          <a:p>
+            <a:pPr algn="l"/>
+            <a:r>
+              <a:rPr lang="en-US" dirty="0" smtClean="0"/>
+              <a:t>GE</a:t>
+            </a:r>
+            <a:endParaRPr lang="en-US" dirty="0"/>
+          </a:p>
+        </p:txBody>
+      </p:sp>
+    </p:spTree>
+    <p:extLst>
+      <p:ext uri="{BB962C8B-B14F-4D97-AF65-F5344CB8AC3E}">
+        <p14:creationId xmlns:p14="http://schemas.microsoft.com/office/powerpoint/2010/main" val="1742350916"/>
+      </p:ext>
+    </p:extLst>
+  </p:cSld>
+  <p:clrMapOvr>
+    <a:masterClrMapping/>
+  </p:clrMapOvr>
+  <p:timing>
+    <p:tnLst>
+      <p:par>
+        <p:cTn id="1" dur="indefinite" restart="never" nodeType="tmRoot"/>
+      </p:par>
+    </p:tnLst>
+  </p:timing>
+</p:sld>
+</file>
+
+<file path=ppt/slides/slide21.xml><?xml version="1.0" encoding="utf-8"?>
+<p:sld xmlns:a="http://schemas.openxmlformats.org/drawingml/2006/main" xmlns:r="http://schemas.openxmlformats.org/officeDocument/2006/relationships" xmlns:p="http://schemas.openxmlformats.org/presentationml/2006/main">
+  <p:cSld>
+    <p:spTree>
+      <p:nvGrpSpPr>
+        <p:cNvPr id="1" name=""/>
+        <p:cNvGrpSpPr/>
+        <p:nvPr/>
+      </p:nvGrpSpPr>
+      <p:grpSpPr>
+        <a:xfrm>
+          <a:off x="0" y="0"/>
+          <a:ext cx="0" cy="0"/>
+          <a:chOff x="0" y="0"/>
+          <a:chExt cx="0" cy="0"/>
+        </a:xfrm>
+      </p:grpSpPr>
+      <p:sp>
+        <p:nvSpPr>
+          <p:cNvPr id="2" name="Title 1"/>
+          <p:cNvSpPr>
+            <a:spLocks noGrp="1"/>
+          </p:cNvSpPr>
+          <p:nvPr>
+            <p:ph type="title"/>
+          </p:nvPr>
+        </p:nvSpPr>
+        <p:spPr/>
+        <p:txBody>
+          <a:bodyPr>
+            <a:normAutofit fontScale="90000"/>
+          </a:bodyPr>
+          <a:lstStyle/>
+          <a:p>
             <a:pPr algn="ctr"/>
             <a:r>
               <a:rPr lang="en-US" dirty="0"/>
@@ -16255,7 +16633,7 @@
 </p:sld>
 </file>
 
-<file path=ppt/slides/slide21.xml><?xml version="1.0" encoding="utf-8"?>
+<file path=ppt/slides/slide22.xml><?xml version="1.0" encoding="utf-8"?>
 <p:sld xmlns:a="http://schemas.openxmlformats.org/drawingml/2006/main" xmlns:r="http://schemas.openxmlformats.org/officeDocument/2006/relationships" xmlns:p="http://schemas.openxmlformats.org/presentationml/2006/main">
   <p:cSld>
     <p:spTree>
@@ -17459,7 +17837,7 @@
 </p:sld>
 </file>
 
-<file path=ppt/slides/slide22.xml><?xml version="1.0" encoding="utf-8"?>
+<file path=ppt/slides/slide23.xml><?xml version="1.0" encoding="utf-8"?>
 <p:sld xmlns:a="http://schemas.openxmlformats.org/drawingml/2006/main" xmlns:r="http://schemas.openxmlformats.org/officeDocument/2006/relationships" xmlns:p="http://schemas.openxmlformats.org/presentationml/2006/main">
   <p:cSld>
     <p:spTree>
@@ -17701,7 +18079,7 @@
 </p:sld>
 </file>
 
-<file path=ppt/slides/slide23.xml><?xml version="1.0" encoding="utf-8"?>
+<file path=ppt/slides/slide24.xml><?xml version="1.0" encoding="utf-8"?>
 <p:sld xmlns:a="http://schemas.openxmlformats.org/drawingml/2006/main" xmlns:r="http://schemas.openxmlformats.org/officeDocument/2006/relationships" xmlns:p="http://schemas.openxmlformats.org/presentationml/2006/main">
   <p:cSld>
     <p:spTree>
@@ -18464,7 +18842,7 @@
 </p:sld>
 </file>
 
-<file path=ppt/slides/slide24.xml><?xml version="1.0" encoding="utf-8"?>
+<file path=ppt/slides/slide25.xml><?xml version="1.0" encoding="utf-8"?>
 <p:sld xmlns:a="http://schemas.openxmlformats.org/drawingml/2006/main" xmlns:r="http://schemas.openxmlformats.org/officeDocument/2006/relationships" xmlns:p="http://schemas.openxmlformats.org/presentationml/2006/main">
   <p:cSld>
     <p:spTree>
@@ -18941,7 +19319,7 @@
 </p:sld>
 </file>
 
-<file path=ppt/slides/slide25.xml><?xml version="1.0" encoding="utf-8"?>
+<file path=ppt/slides/slide26.xml><?xml version="1.0" encoding="utf-8"?>
 <p:sld xmlns:a="http://schemas.openxmlformats.org/drawingml/2006/main" xmlns:r="http://schemas.openxmlformats.org/officeDocument/2006/relationships" xmlns:p="http://schemas.openxmlformats.org/presentationml/2006/main">
   <p:cSld>
     <p:spTree>
@@ -19156,93 +19534,6 @@
     <p:extLst>
       <p:ext uri="{BB962C8B-B14F-4D97-AF65-F5344CB8AC3E}">
         <p14:creationId xmlns:p14="http://schemas.microsoft.com/office/powerpoint/2010/main" val="3185477435"/>
-      </p:ext>
-    </p:extLst>
-  </p:cSld>
-  <p:clrMapOvr>
-    <a:masterClrMapping/>
-  </p:clrMapOvr>
-  <mc:AlternateContent xmlns:mc="http://schemas.openxmlformats.org/markup-compatibility/2006" xmlns:p14="http://schemas.microsoft.com/office/powerpoint/2010/main">
-    <mc:Choice Requires="p14">
-      <p:transition spd="slow" p14:dur="2000"/>
-    </mc:Choice>
-    <mc:Fallback xmlns="">
-      <p:transition spd="slow"/>
-    </mc:Fallback>
-  </mc:AlternateContent>
-  <p:timing>
-    <p:tnLst>
-      <p:par>
-        <p:cTn id="1" dur="indefinite" restart="never" nodeType="tmRoot"/>
-      </p:par>
-    </p:tnLst>
-  </p:timing>
-</p:sld>
-</file>
-
-<file path=ppt/slides/slide26.xml><?xml version="1.0" encoding="utf-8"?>
-<p:sld xmlns:a="http://schemas.openxmlformats.org/drawingml/2006/main" xmlns:r="http://schemas.openxmlformats.org/officeDocument/2006/relationships" xmlns:p="http://schemas.openxmlformats.org/presentationml/2006/main">
-  <p:cSld>
-    <p:spTree>
-      <p:nvGrpSpPr>
-        <p:cNvPr id="1" name=""/>
-        <p:cNvGrpSpPr/>
-        <p:nvPr/>
-      </p:nvGrpSpPr>
-      <p:grpSpPr>
-        <a:xfrm>
-          <a:off x="0" y="0"/>
-          <a:ext cx="0" cy="0"/>
-          <a:chOff x="0" y="0"/>
-          <a:chExt cx="0" cy="0"/>
-        </a:xfrm>
-      </p:grpSpPr>
-      <p:sp>
-        <p:nvSpPr>
-          <p:cNvPr id="4" name="Title 3"/>
-          <p:cNvSpPr>
-            <a:spLocks noGrp="1"/>
-          </p:cNvSpPr>
-          <p:nvPr>
-            <p:ph type="ctrTitle"/>
-          </p:nvPr>
-        </p:nvSpPr>
-        <p:spPr/>
-        <p:txBody>
-          <a:bodyPr/>
-          <a:lstStyle/>
-          <a:p>
-            <a:r>
-              <a:rPr lang="en-US" dirty="0" smtClean="0"/>
-              <a:t>State Machine Reasoning</a:t>
-            </a:r>
-            <a:endParaRPr lang="en-US" dirty="0"/>
-          </a:p>
-        </p:txBody>
-      </p:sp>
-      <p:sp>
-        <p:nvSpPr>
-          <p:cNvPr id="5" name="Subtitle 4"/>
-          <p:cNvSpPr>
-            <a:spLocks noGrp="1"/>
-          </p:cNvSpPr>
-          <p:nvPr>
-            <p:ph type="subTitle" idx="1"/>
-          </p:nvPr>
-        </p:nvSpPr>
-        <p:spPr/>
-        <p:txBody>
-          <a:bodyPr/>
-          <a:lstStyle/>
-          <a:p>
-            <a:endParaRPr lang="en-US"/>
-          </a:p>
-        </p:txBody>
-      </p:sp>
-    </p:spTree>
-    <p:extLst>
-      <p:ext uri="{BB962C8B-B14F-4D97-AF65-F5344CB8AC3E}">
-        <p14:creationId xmlns:p14="http://schemas.microsoft.com/office/powerpoint/2010/main" val="1155288964"/>
       </p:ext>
     </p:extLst>
   </p:cSld>
@@ -19286,12 +19577,12 @@
       </p:grpSpPr>
       <p:sp>
         <p:nvSpPr>
-          <p:cNvPr id="2" name="Title 1"/>
+          <p:cNvPr id="4" name="Title 3"/>
           <p:cNvSpPr>
             <a:spLocks noGrp="1"/>
           </p:cNvSpPr>
           <p:nvPr>
-            <p:ph type="title"/>
+            <p:ph type="ctrTitle"/>
           </p:nvPr>
         </p:nvSpPr>
         <p:spPr/>
@@ -19299,18 +19590,22 @@
           <a:bodyPr/>
           <a:lstStyle/>
           <a:p>
-            <a:endParaRPr lang="en-US"/>
+            <a:r>
+              <a:rPr lang="en-US" dirty="0" smtClean="0"/>
+              <a:t>State Machine Reasoning</a:t>
+            </a:r>
+            <a:endParaRPr lang="en-US" dirty="0"/>
           </a:p>
         </p:txBody>
       </p:sp>
       <p:sp>
         <p:nvSpPr>
-          <p:cNvPr id="3" name="Content Placeholder 2"/>
+          <p:cNvPr id="5" name="Subtitle 4"/>
           <p:cNvSpPr>
             <a:spLocks noGrp="1"/>
           </p:cNvSpPr>
           <p:nvPr>
-            <p:ph idx="1"/>
+            <p:ph type="subTitle" idx="1"/>
           </p:nvPr>
         </p:nvSpPr>
         <p:spPr/>
@@ -19318,78 +19613,6 @@
           <a:bodyPr/>
           <a:lstStyle/>
           <a:p>
-            <a:r>
-              <a:rPr lang="en-US" dirty="0" smtClean="0">
-                <a:solidFill>
-                  <a:srgbClr val="FF0000"/>
-                </a:solidFill>
-              </a:rPr>
-              <a:t>What we show in AGREE about state machines</a:t>
-            </a:r>
-          </a:p>
-          <a:p>
-            <a:r>
-              <a:rPr lang="en-US" dirty="0" smtClean="0">
-                <a:solidFill>
-                  <a:srgbClr val="FF0000"/>
-                </a:solidFill>
-              </a:rPr>
-              <a:t>Why it doesn’t catch all issues – reference document</a:t>
-            </a:r>
-          </a:p>
-          <a:p>
-            <a:r>
-              <a:rPr lang="en-US" dirty="0" smtClean="0">
-                <a:solidFill>
-                  <a:srgbClr val="FF0000"/>
-                </a:solidFill>
-              </a:rPr>
-              <a:t>Hence an assurance case</a:t>
-            </a:r>
-          </a:p>
-          <a:p>
-            <a:endParaRPr lang="en-US" dirty="0">
-              <a:solidFill>
-                <a:srgbClr val="FF0000"/>
-              </a:solidFill>
-            </a:endParaRPr>
-          </a:p>
-          <a:p>
-            <a:r>
-              <a:rPr lang="en-US" dirty="0" smtClean="0">
-                <a:solidFill>
-                  <a:srgbClr val="FF0000"/>
-                </a:solidFill>
-              </a:rPr>
-              <a:t>Bring back screenshot of analysis in AGREE</a:t>
-            </a:r>
-            <a:endParaRPr lang="en-US" dirty="0">
-              <a:solidFill>
-                <a:srgbClr val="FF0000"/>
-              </a:solidFill>
-            </a:endParaRPr>
-          </a:p>
-        </p:txBody>
-      </p:sp>
-      <p:sp>
-        <p:nvSpPr>
-          <p:cNvPr id="5" name="Footer Placeholder 4"/>
-          <p:cNvSpPr>
-            <a:spLocks noGrp="1"/>
-          </p:cNvSpPr>
-          <p:nvPr>
-            <p:ph type="ftr" sz="quarter" idx="11"/>
-          </p:nvPr>
-        </p:nvSpPr>
-        <p:spPr/>
-        <p:txBody>
-          <a:bodyPr/>
-          <a:lstStyle/>
-          <a:p>
-            <a:r>
-              <a:rPr lang="en-US" smtClean="0"/>
-              <a:t>Architecture Group</a:t>
-            </a:r>
             <a:endParaRPr lang="en-US"/>
           </a:p>
         </p:txBody>
@@ -19397,13 +19620,21 @@
     </p:spTree>
     <p:extLst>
       <p:ext uri="{BB962C8B-B14F-4D97-AF65-F5344CB8AC3E}">
-        <p14:creationId xmlns:p14="http://schemas.microsoft.com/office/powerpoint/2010/main" val="3980395289"/>
+        <p14:creationId xmlns:p14="http://schemas.microsoft.com/office/powerpoint/2010/main" val="1155288964"/>
       </p:ext>
     </p:extLst>
   </p:cSld>
   <p:clrMapOvr>
     <a:masterClrMapping/>
   </p:clrMapOvr>
+  <mc:AlternateContent xmlns:mc="http://schemas.openxmlformats.org/markup-compatibility/2006" xmlns:p14="http://schemas.microsoft.com/office/powerpoint/2010/main">
+    <mc:Choice Requires="p14">
+      <p:transition spd="slow" p14:dur="2000"/>
+    </mc:Choice>
+    <mc:Fallback xmlns="">
+      <p:transition spd="slow"/>
+    </mc:Fallback>
+  </mc:AlternateContent>
   <p:timing>
     <p:tnLst>
       <p:par>
@@ -19431,35 +19662,6 @@
           <a:chExt cx="0" cy="0"/>
         </a:xfrm>
       </p:grpSpPr>
-      <p:pic>
-        <p:nvPicPr>
-          <p:cNvPr id="5" name="Content Placeholder 4"/>
-          <p:cNvPicPr>
-            <a:picLocks noChangeAspect="1"/>
-          </p:cNvPicPr>
-          <p:nvPr/>
-        </p:nvPicPr>
-        <p:blipFill rotWithShape="1">
-          <a:blip r:embed="rId2">
-            <a:extLst>
-              <a:ext uri="{28A0092B-C50C-407E-A947-70E740481C1C}">
-                <a14:useLocalDpi xmlns:a14="http://schemas.microsoft.com/office/drawing/2010/main" val="0"/>
-              </a:ext>
-            </a:extLst>
-          </a:blip>
-          <a:srcRect t="24566"/>
-          <a:stretch/>
-        </p:blipFill>
-        <p:spPr>
-          <a:xfrm>
-            <a:off x="3131209" y="1508512"/>
-            <a:ext cx="8939582" cy="5349488"/>
-          </a:xfrm>
-          <a:prstGeom prst="rect">
-            <a:avLst/>
-          </a:prstGeom>
-        </p:spPr>
-      </p:pic>
       <p:sp>
         <p:nvSpPr>
           <p:cNvPr id="2" name="Title 1"/>
@@ -19473,13 +19675,13 @@
         <p:spPr/>
         <p:txBody>
           <a:bodyPr>
-            <a:normAutofit/>
+            <a:normAutofit fontScale="90000"/>
           </a:bodyPr>
           <a:lstStyle/>
           <a:p>
             <a:r>
               <a:rPr lang="en-US" dirty="0" smtClean="0"/>
-              <a:t>State Machine Correctness Argument</a:t>
+              <a:t>State Machine for the Route Aggregator Service</a:t>
             </a:r>
             <a:endParaRPr lang="en-US" dirty="0"/>
           </a:p>
@@ -19495,233 +19697,224 @@
             <p:ph idx="1"/>
           </p:nvPr>
         </p:nvSpPr>
-        <p:spPr>
-          <a:xfrm>
-            <a:off x="95003" y="1508511"/>
-            <a:ext cx="6460176" cy="4668452"/>
-          </a:xfrm>
-        </p:spPr>
+        <p:spPr/>
         <p:txBody>
-          <a:bodyPr>
-            <a:normAutofit/>
-          </a:bodyPr>
+          <a:bodyPr/>
           <a:lstStyle/>
           <a:p>
-            <a:r>
-              <a:rPr lang="en-US" dirty="0"/>
-              <a:t>Argument pattern for individual AADL component state machine correctness:</a:t>
-            </a:r>
-          </a:p>
-          <a:p>
-            <a:pPr marL="800100" lvl="1" indent="-342900">
-              <a:buFont typeface="Arial" charset="0"/>
-              <a:buChar char="•"/>
-            </a:pPr>
-            <a:r>
-              <a:rPr lang="en-US" dirty="0"/>
-              <a:t>Structure repeated for each component</a:t>
-            </a:r>
-          </a:p>
-          <a:p>
-            <a:pPr marL="800100" lvl="1" indent="-342900">
-              <a:buFont typeface="Arial" charset="0"/>
-              <a:buChar char="•"/>
-            </a:pPr>
-            <a:r>
-              <a:rPr lang="en-US" dirty="0"/>
-              <a:t>Vision: Situated within a larger model correctness argument</a:t>
-            </a:r>
-          </a:p>
-          <a:p>
-            <a:r>
-              <a:rPr lang="en-US" dirty="0" smtClean="0"/>
-              <a:t>Argument </a:t>
-            </a:r>
-            <a:r>
-              <a:rPr lang="en-US" dirty="0"/>
-              <a:t>situates proposed AGREE lemmas:</a:t>
-            </a:r>
-          </a:p>
-          <a:p>
-            <a:pPr marL="800100" lvl="1" indent="-342900">
-              <a:buFont typeface="Arial" charset="0"/>
-              <a:buChar char="•"/>
-            </a:pPr>
-            <a:r>
-              <a:rPr lang="en-US" dirty="0"/>
-              <a:t>Purpose</a:t>
-            </a:r>
-          </a:p>
-          <a:p>
-            <a:pPr marL="800100" lvl="1" indent="-342900">
-              <a:buFont typeface="Arial" charset="0"/>
-              <a:buChar char="•"/>
-            </a:pPr>
-            <a:r>
-              <a:rPr lang="en-US" dirty="0"/>
-              <a:t>Rationale</a:t>
-            </a:r>
-          </a:p>
-          <a:p>
-            <a:pPr marL="800100" lvl="1" indent="-342900">
-              <a:buFont typeface="Arial" charset="0"/>
-              <a:buChar char="•"/>
-            </a:pPr>
-            <a:r>
-              <a:rPr lang="en-US" dirty="0"/>
-              <a:t>Limitations and benefits</a:t>
-            </a:r>
-          </a:p>
-          <a:p>
-            <a:pPr marL="0" indent="0">
-              <a:buNone/>
-            </a:pPr>
             <a:endParaRPr lang="en-US" dirty="0"/>
           </a:p>
         </p:txBody>
       </p:sp>
       <p:sp>
         <p:nvSpPr>
-          <p:cNvPr id="6" name="Footer Placeholder 3"/>
-          <p:cNvSpPr txBox="1">
-            <a:spLocks/>
+          <p:cNvPr id="4" name="Footer Placeholder 3"/>
+          <p:cNvSpPr>
+            <a:spLocks noGrp="1"/>
           </p:cNvSpPr>
+          <p:nvPr>
+            <p:ph type="ftr" sz="quarter" idx="11"/>
+          </p:nvPr>
+        </p:nvSpPr>
+        <p:spPr/>
+        <p:txBody>
+          <a:bodyPr/>
+          <a:lstStyle/>
+          <a:p>
+            <a:r>
+              <a:rPr lang="en-US" smtClean="0"/>
+              <a:t>Architecture Group</a:t>
+            </a:r>
+            <a:endParaRPr lang="en-US"/>
+          </a:p>
+        </p:txBody>
+      </p:sp>
+      <p:pic>
+        <p:nvPicPr>
+          <p:cNvPr id="6" name="Picture 5"/>
+          <p:cNvPicPr>
+            <a:picLocks noChangeAspect="1"/>
+          </p:cNvPicPr>
           <p:nvPr/>
-        </p:nvSpPr>
+        </p:nvPicPr>
+        <p:blipFill>
+          <a:blip r:embed="rId2"/>
+          <a:stretch>
+            <a:fillRect/>
+          </a:stretch>
+        </p:blipFill>
         <p:spPr>
           <a:xfrm>
-            <a:off x="102476" y="6437441"/>
-            <a:ext cx="4532586" cy="306936"/>
+            <a:off x="2320133" y="1523262"/>
+            <a:ext cx="9400131" cy="4575517"/>
           </a:xfrm>
           <a:prstGeom prst="rect">
             <a:avLst/>
           </a:prstGeom>
         </p:spPr>
+      </p:pic>
+      <p:sp>
+        <p:nvSpPr>
+          <p:cNvPr id="7" name="TextBox 6"/>
+          <p:cNvSpPr txBox="1"/>
+          <p:nvPr/>
+        </p:nvSpPr>
+        <p:spPr>
+          <a:xfrm>
+            <a:off x="839621" y="2966484"/>
+            <a:ext cx="606055" cy="369332"/>
+          </a:xfrm>
+          <a:prstGeom prst="rect">
+            <a:avLst/>
+          </a:prstGeom>
+          <a:noFill/>
+          <a:ln>
+            <a:solidFill>
+              <a:schemeClr val="tx1"/>
+            </a:solidFill>
+          </a:ln>
+        </p:spPr>
         <p:txBody>
-          <a:bodyPr vert="horz" lIns="91440" tIns="45720" rIns="91440" bIns="45720" rtlCol="0" anchor="ctr"/>
-          <a:lstStyle>
-            <a:defPPr>
-              <a:defRPr lang="en-US"/>
-            </a:defPPr>
-            <a:lvl1pPr marL="0" algn="ctr" defTabSz="914400" rtl="0" eaLnBrk="1" latinLnBrk="0" hangingPunct="1">
-              <a:defRPr sz="1400" kern="1200">
-                <a:solidFill>
-                  <a:srgbClr val="000000"/>
-                </a:solidFill>
-                <a:latin typeface="+mn-lt"/>
-                <a:ea typeface="+mn-ea"/>
-                <a:cs typeface="+mn-cs"/>
-              </a:defRPr>
-            </a:lvl1pPr>
-            <a:lvl2pPr marL="457200" algn="l" defTabSz="914400" rtl="0" eaLnBrk="1" latinLnBrk="0" hangingPunct="1">
-              <a:defRPr sz="1800" kern="1200">
-                <a:solidFill>
-                  <a:schemeClr val="tx1"/>
-                </a:solidFill>
-                <a:latin typeface="+mn-lt"/>
-                <a:ea typeface="+mn-ea"/>
-                <a:cs typeface="+mn-cs"/>
-              </a:defRPr>
-            </a:lvl2pPr>
-            <a:lvl3pPr marL="914400" algn="l" defTabSz="914400" rtl="0" eaLnBrk="1" latinLnBrk="0" hangingPunct="1">
-              <a:defRPr sz="1800" kern="1200">
-                <a:solidFill>
-                  <a:schemeClr val="tx1"/>
-                </a:solidFill>
-                <a:latin typeface="+mn-lt"/>
-                <a:ea typeface="+mn-ea"/>
-                <a:cs typeface="+mn-cs"/>
-              </a:defRPr>
-            </a:lvl3pPr>
-            <a:lvl4pPr marL="1371600" algn="l" defTabSz="914400" rtl="0" eaLnBrk="1" latinLnBrk="0" hangingPunct="1">
-              <a:defRPr sz="1800" kern="1200">
-                <a:solidFill>
-                  <a:schemeClr val="tx1"/>
-                </a:solidFill>
-                <a:latin typeface="+mn-lt"/>
-                <a:ea typeface="+mn-ea"/>
-                <a:cs typeface="+mn-cs"/>
-              </a:defRPr>
-            </a:lvl4pPr>
-            <a:lvl5pPr marL="1828800" algn="l" defTabSz="914400" rtl="0" eaLnBrk="1" latinLnBrk="0" hangingPunct="1">
-              <a:defRPr sz="1800" kern="1200">
-                <a:solidFill>
-                  <a:schemeClr val="tx1"/>
-                </a:solidFill>
-                <a:latin typeface="+mn-lt"/>
-                <a:ea typeface="+mn-ea"/>
-                <a:cs typeface="+mn-cs"/>
-              </a:defRPr>
-            </a:lvl5pPr>
-            <a:lvl6pPr marL="2286000" algn="l" defTabSz="914400" rtl="0" eaLnBrk="1" latinLnBrk="0" hangingPunct="1">
-              <a:defRPr sz="1800" kern="1200">
-                <a:solidFill>
-                  <a:schemeClr val="tx1"/>
-                </a:solidFill>
-                <a:latin typeface="+mn-lt"/>
-                <a:ea typeface="+mn-ea"/>
-                <a:cs typeface="+mn-cs"/>
-              </a:defRPr>
-            </a:lvl6pPr>
-            <a:lvl7pPr marL="2743200" algn="l" defTabSz="914400" rtl="0" eaLnBrk="1" latinLnBrk="0" hangingPunct="1">
-              <a:defRPr sz="1800" kern="1200">
-                <a:solidFill>
-                  <a:schemeClr val="tx1"/>
-                </a:solidFill>
-                <a:latin typeface="+mn-lt"/>
-                <a:ea typeface="+mn-ea"/>
-                <a:cs typeface="+mn-cs"/>
-              </a:defRPr>
-            </a:lvl7pPr>
-            <a:lvl8pPr marL="3200400" algn="l" defTabSz="914400" rtl="0" eaLnBrk="1" latinLnBrk="0" hangingPunct="1">
-              <a:defRPr sz="1800" kern="1200">
-                <a:solidFill>
-                  <a:schemeClr val="tx1"/>
-                </a:solidFill>
-                <a:latin typeface="+mn-lt"/>
-                <a:ea typeface="+mn-ea"/>
-                <a:cs typeface="+mn-cs"/>
-              </a:defRPr>
-            </a:lvl8pPr>
-            <a:lvl9pPr marL="3657600" algn="l" defTabSz="914400" rtl="0" eaLnBrk="1" latinLnBrk="0" hangingPunct="1">
-              <a:defRPr sz="1800" kern="1200">
-                <a:solidFill>
-                  <a:schemeClr val="tx1"/>
-                </a:solidFill>
-                <a:latin typeface="+mn-lt"/>
-                <a:ea typeface="+mn-ea"/>
-                <a:cs typeface="+mn-cs"/>
-              </a:defRPr>
-            </a:lvl9pPr>
-          </a:lstStyle>
-          <a:p>
-            <a:pPr algn="l"/>
+          <a:bodyPr wrap="square" rtlCol="0">
+            <a:spAutoFit/>
+          </a:bodyPr>
+          <a:lstStyle/>
+          <a:p>
             <a:r>
               <a:rPr lang="en-US" dirty="0" smtClean="0"/>
-              <a:t>Dependable Computing</a:t>
+              <a:t>IDLE</a:t>
             </a:r>
             <a:endParaRPr lang="en-US" dirty="0"/>
           </a:p>
         </p:txBody>
       </p:sp>
+      <p:sp>
+        <p:nvSpPr>
+          <p:cNvPr id="8" name="TextBox 7"/>
+          <p:cNvSpPr txBox="1"/>
+          <p:nvPr/>
+        </p:nvSpPr>
+        <p:spPr>
+          <a:xfrm>
+            <a:off x="595423" y="3971925"/>
+            <a:ext cx="1095154" cy="369332"/>
+          </a:xfrm>
+          <a:prstGeom prst="rect">
+            <a:avLst/>
+          </a:prstGeom>
+          <a:noFill/>
+          <a:ln>
+            <a:solidFill>
+              <a:schemeClr val="tx1"/>
+            </a:solidFill>
+          </a:ln>
+        </p:spPr>
+        <p:txBody>
+          <a:bodyPr wrap="square" rtlCol="0">
+            <a:spAutoFit/>
+          </a:bodyPr>
+          <a:lstStyle/>
+          <a:p>
+            <a:r>
+              <a:rPr lang="en-US" dirty="0" smtClean="0"/>
+              <a:t>PENDING</a:t>
+            </a:r>
+            <a:endParaRPr lang="en-US" dirty="0"/>
+          </a:p>
+        </p:txBody>
+      </p:sp>
+      <p:cxnSp>
+        <p:nvCxnSpPr>
+          <p:cNvPr id="14" name="Elbow Connector 13"/>
+          <p:cNvCxnSpPr>
+            <a:stCxn id="7" idx="3"/>
+            <a:endCxn id="8" idx="3"/>
+          </p:cNvCxnSpPr>
+          <p:nvPr/>
+        </p:nvCxnSpPr>
+        <p:spPr>
+          <a:xfrm>
+            <a:off x="1445676" y="3151150"/>
+            <a:ext cx="244901" cy="1005441"/>
+          </a:xfrm>
+          <a:prstGeom prst="bentConnector3">
+            <a:avLst>
+              <a:gd name="adj1" fmla="val 193344"/>
+            </a:avLst>
+          </a:prstGeom>
+          <a:ln>
+            <a:solidFill>
+              <a:schemeClr val="tx1"/>
+            </a:solidFill>
+            <a:tailEnd type="triangle"/>
+          </a:ln>
+        </p:spPr>
+        <p:style>
+          <a:lnRef idx="1">
+            <a:schemeClr val="accent1"/>
+          </a:lnRef>
+          <a:fillRef idx="0">
+            <a:schemeClr val="accent1"/>
+          </a:fillRef>
+          <a:effectRef idx="0">
+            <a:schemeClr val="accent1"/>
+          </a:effectRef>
+          <a:fontRef idx="minor">
+            <a:schemeClr val="tx1"/>
+          </a:fontRef>
+        </p:style>
+      </p:cxnSp>
+      <p:cxnSp>
+        <p:nvCxnSpPr>
+          <p:cNvPr id="18" name="Elbow Connector 17"/>
+          <p:cNvCxnSpPr>
+            <a:stCxn id="8" idx="1"/>
+            <a:endCxn id="7" idx="1"/>
+          </p:cNvCxnSpPr>
+          <p:nvPr/>
+        </p:nvCxnSpPr>
+        <p:spPr>
+          <a:xfrm rot="10800000" flipH="1">
+            <a:off x="595423" y="3151151"/>
+            <a:ext cx="244198" cy="1005441"/>
+          </a:xfrm>
+          <a:prstGeom prst="bentConnector3">
+            <a:avLst>
+              <a:gd name="adj1" fmla="val -93613"/>
+            </a:avLst>
+          </a:prstGeom>
+          <a:ln>
+            <a:solidFill>
+              <a:schemeClr val="tx1"/>
+            </a:solidFill>
+            <a:tailEnd type="triangle"/>
+          </a:ln>
+        </p:spPr>
+        <p:style>
+          <a:lnRef idx="1">
+            <a:schemeClr val="accent1"/>
+          </a:lnRef>
+          <a:fillRef idx="0">
+            <a:schemeClr val="accent1"/>
+          </a:fillRef>
+          <a:effectRef idx="0">
+            <a:schemeClr val="accent1"/>
+          </a:effectRef>
+          <a:fontRef idx="minor">
+            <a:schemeClr val="tx1"/>
+          </a:fontRef>
+        </p:style>
+      </p:cxnSp>
     </p:spTree>
     <p:extLst>
       <p:ext uri="{BB962C8B-B14F-4D97-AF65-F5344CB8AC3E}">
-        <p14:creationId xmlns:p14="http://schemas.microsoft.com/office/powerpoint/2010/main" val="286898037"/>
+        <p14:creationId xmlns:p14="http://schemas.microsoft.com/office/powerpoint/2010/main" val="3818518847"/>
       </p:ext>
     </p:extLst>
   </p:cSld>
   <p:clrMapOvr>
     <a:masterClrMapping/>
   </p:clrMapOvr>
-  <mc:AlternateContent xmlns:mc="http://schemas.openxmlformats.org/markup-compatibility/2006" xmlns:p14="http://schemas.microsoft.com/office/powerpoint/2010/main">
-    <mc:Choice Requires="p14">
-      <p:transition spd="slow" p14:dur="2000"/>
-    </mc:Choice>
-    <mc:Fallback xmlns="">
-      <p:transition spd="slow"/>
-    </mc:Fallback>
-  </mc:AlternateContent>
   <p:timing>
     <p:tnLst>
       <p:par>
@@ -19766,7 +19959,7 @@
           <a:p>
             <a:r>
               <a:rPr lang="en-US" dirty="0" smtClean="0"/>
-              <a:t>Argument-Derived Observations</a:t>
+              <a:t>State Machine Reasoning in AGREE</a:t>
             </a:r>
             <a:endParaRPr lang="en-US" dirty="0"/>
           </a:p>
@@ -19782,227 +19975,70 @@
             <p:ph idx="1"/>
           </p:nvPr>
         </p:nvSpPr>
-        <p:spPr/>
+        <p:spPr>
+          <a:xfrm>
+            <a:off x="210065" y="1508511"/>
+            <a:ext cx="11507014" cy="4668452"/>
+          </a:xfrm>
+        </p:spPr>
         <p:txBody>
-          <a:bodyPr>
-            <a:normAutofit lnSpcReduction="10000"/>
-          </a:bodyPr>
+          <a:bodyPr/>
           <a:lstStyle/>
           <a:p>
             <a:r>
-              <a:rPr lang="en-US" dirty="0"/>
-              <a:t>Best practices/standards for AADL/AGREE use are needed</a:t>
+              <a:rPr lang="en-US" dirty="0" smtClean="0"/>
+              <a:t>Example properties that we can prove:</a:t>
             </a:r>
           </a:p>
           <a:p>
             <a:pPr lvl="1"/>
             <a:r>
-              <a:rPr lang="en-US" dirty="0"/>
-              <a:t>Situate proofs within modeling fault analysis/mitigation</a:t>
+              <a:rPr lang="en-US" dirty="0" smtClean="0"/>
+              <a:t>States are reachable</a:t>
             </a:r>
           </a:p>
           <a:p>
             <a:pPr lvl="1"/>
-            <a:r>
-              <a:rPr lang="en-US" dirty="0"/>
-              <a:t>Supports arguments that the set of lemmas are complete and correct</a:t>
-            </a:r>
-          </a:p>
-          <a:p>
-            <a:r>
-              <a:rPr lang="en-US" dirty="0"/>
-              <a:t>Additional tool support to reduce human error</a:t>
-            </a:r>
+            <a:endParaRPr lang="en-US" dirty="0" smtClean="0"/>
           </a:p>
           <a:p>
             <a:pPr lvl="1"/>
-            <a:r>
-              <a:rPr lang="en-US" dirty="0"/>
-              <a:t>E.g., </a:t>
-            </a:r>
+            <a:endParaRPr lang="en-US" dirty="0" smtClean="0"/>
+          </a:p>
+          <a:p>
+            <a:pPr lvl="1"/>
             <a:r>
               <a:rPr lang="en-US" dirty="0" smtClean="0"/>
-              <a:t>lemmas </a:t>
-            </a:r>
-            <a:r>
-              <a:rPr lang="en-US" dirty="0"/>
-              <a:t>and repetitive infrastructure are developed manually</a:t>
+              <a:t>Transitions are viable</a:t>
             </a:r>
           </a:p>
           <a:p>
             <a:pPr lvl="1"/>
-            <a:r>
-              <a:rPr lang="en-US" dirty="0"/>
-              <a:t>Minimize repetitive concerns in the argument about human error</a:t>
-            </a:r>
-          </a:p>
-          <a:p>
-            <a:r>
-              <a:rPr lang="en-US" dirty="0"/>
-              <a:t>Enhanced integration between AADL and AGREE </a:t>
-            </a:r>
-          </a:p>
-          <a:p>
-            <a:pPr lvl="1"/>
-            <a:r>
-              <a:rPr lang="en-US" dirty="0"/>
-              <a:t>Minimize repetitive arguments about AADL and AGREE consistency/agreement</a:t>
-            </a:r>
-          </a:p>
-          <a:p>
-            <a:r>
-              <a:rPr lang="en-US" dirty="0"/>
-              <a:t>A simpler higher-level protocol state machine spec for validation</a:t>
-            </a:r>
-          </a:p>
-          <a:p>
-            <a:pPr lvl="1"/>
-            <a:r>
-              <a:rPr lang="en-US" dirty="0"/>
-              <a:t>Provide a structure to validate against</a:t>
-            </a:r>
-          </a:p>
-          <a:p>
-            <a:pPr lvl="1"/>
-            <a:r>
-              <a:rPr lang="en-US" dirty="0"/>
-              <a:t>Simplify validation activity and simplify validation </a:t>
-            </a:r>
+            <a:endParaRPr lang="en-US" dirty="0" smtClean="0"/>
+          </a:p>
+          <a:p>
+            <a:endParaRPr lang="en-US" dirty="0" smtClean="0"/>
+          </a:p>
+          <a:p>
+            <a:endParaRPr lang="en-US" dirty="0" smtClean="0"/>
+          </a:p>
+          <a:p>
             <a:r>
               <a:rPr lang="en-US" dirty="0" smtClean="0"/>
-              <a:t>arguments</a:t>
-            </a:r>
-            <a:endParaRPr lang="en-US" dirty="0"/>
+              <a:t>Even so, the modeler can make mistakes</a:t>
+            </a:r>
+          </a:p>
+          <a:p>
+            <a:r>
+              <a:rPr lang="en-US" dirty="0" smtClean="0"/>
+              <a:t>We use an assurance case to capture the rest of the argument</a:t>
+            </a:r>
           </a:p>
         </p:txBody>
       </p:sp>
       <p:sp>
         <p:nvSpPr>
-          <p:cNvPr id="5" name="Footer Placeholder 3"/>
-          <p:cNvSpPr txBox="1">
-            <a:spLocks/>
-          </p:cNvSpPr>
-          <p:nvPr/>
-        </p:nvSpPr>
-        <p:spPr>
-          <a:xfrm>
-            <a:off x="102476" y="6437441"/>
-            <a:ext cx="4532586" cy="306936"/>
-          </a:xfrm>
-          <a:prstGeom prst="rect">
-            <a:avLst/>
-          </a:prstGeom>
-        </p:spPr>
-        <p:txBody>
-          <a:bodyPr vert="horz" lIns="91440" tIns="45720" rIns="91440" bIns="45720" rtlCol="0" anchor="ctr"/>
-          <a:lstStyle>
-            <a:defPPr>
-              <a:defRPr lang="en-US"/>
-            </a:defPPr>
-            <a:lvl1pPr marL="0" algn="ctr" defTabSz="914400" rtl="0" eaLnBrk="1" latinLnBrk="0" hangingPunct="1">
-              <a:defRPr sz="1400" kern="1200">
-                <a:solidFill>
-                  <a:srgbClr val="000000"/>
-                </a:solidFill>
-                <a:latin typeface="+mn-lt"/>
-                <a:ea typeface="+mn-ea"/>
-                <a:cs typeface="+mn-cs"/>
-              </a:defRPr>
-            </a:lvl1pPr>
-            <a:lvl2pPr marL="457200" algn="l" defTabSz="914400" rtl="0" eaLnBrk="1" latinLnBrk="0" hangingPunct="1">
-              <a:defRPr sz="1800" kern="1200">
-                <a:solidFill>
-                  <a:schemeClr val="tx1"/>
-                </a:solidFill>
-                <a:latin typeface="+mn-lt"/>
-                <a:ea typeface="+mn-ea"/>
-                <a:cs typeface="+mn-cs"/>
-              </a:defRPr>
-            </a:lvl2pPr>
-            <a:lvl3pPr marL="914400" algn="l" defTabSz="914400" rtl="0" eaLnBrk="1" latinLnBrk="0" hangingPunct="1">
-              <a:defRPr sz="1800" kern="1200">
-                <a:solidFill>
-                  <a:schemeClr val="tx1"/>
-                </a:solidFill>
-                <a:latin typeface="+mn-lt"/>
-                <a:ea typeface="+mn-ea"/>
-                <a:cs typeface="+mn-cs"/>
-              </a:defRPr>
-            </a:lvl3pPr>
-            <a:lvl4pPr marL="1371600" algn="l" defTabSz="914400" rtl="0" eaLnBrk="1" latinLnBrk="0" hangingPunct="1">
-              <a:defRPr sz="1800" kern="1200">
-                <a:solidFill>
-                  <a:schemeClr val="tx1"/>
-                </a:solidFill>
-                <a:latin typeface="+mn-lt"/>
-                <a:ea typeface="+mn-ea"/>
-                <a:cs typeface="+mn-cs"/>
-              </a:defRPr>
-            </a:lvl4pPr>
-            <a:lvl5pPr marL="1828800" algn="l" defTabSz="914400" rtl="0" eaLnBrk="1" latinLnBrk="0" hangingPunct="1">
-              <a:defRPr sz="1800" kern="1200">
-                <a:solidFill>
-                  <a:schemeClr val="tx1"/>
-                </a:solidFill>
-                <a:latin typeface="+mn-lt"/>
-                <a:ea typeface="+mn-ea"/>
-                <a:cs typeface="+mn-cs"/>
-              </a:defRPr>
-            </a:lvl5pPr>
-            <a:lvl6pPr marL="2286000" algn="l" defTabSz="914400" rtl="0" eaLnBrk="1" latinLnBrk="0" hangingPunct="1">
-              <a:defRPr sz="1800" kern="1200">
-                <a:solidFill>
-                  <a:schemeClr val="tx1"/>
-                </a:solidFill>
-                <a:latin typeface="+mn-lt"/>
-                <a:ea typeface="+mn-ea"/>
-                <a:cs typeface="+mn-cs"/>
-              </a:defRPr>
-            </a:lvl6pPr>
-            <a:lvl7pPr marL="2743200" algn="l" defTabSz="914400" rtl="0" eaLnBrk="1" latinLnBrk="0" hangingPunct="1">
-              <a:defRPr sz="1800" kern="1200">
-                <a:solidFill>
-                  <a:schemeClr val="tx1"/>
-                </a:solidFill>
-                <a:latin typeface="+mn-lt"/>
-                <a:ea typeface="+mn-ea"/>
-                <a:cs typeface="+mn-cs"/>
-              </a:defRPr>
-            </a:lvl7pPr>
-            <a:lvl8pPr marL="3200400" algn="l" defTabSz="914400" rtl="0" eaLnBrk="1" latinLnBrk="0" hangingPunct="1">
-              <a:defRPr sz="1800" kern="1200">
-                <a:solidFill>
-                  <a:schemeClr val="tx1"/>
-                </a:solidFill>
-                <a:latin typeface="+mn-lt"/>
-                <a:ea typeface="+mn-ea"/>
-                <a:cs typeface="+mn-cs"/>
-              </a:defRPr>
-            </a:lvl8pPr>
-            <a:lvl9pPr marL="3657600" algn="l" defTabSz="914400" rtl="0" eaLnBrk="1" latinLnBrk="0" hangingPunct="1">
-              <a:defRPr sz="1800" kern="1200">
-                <a:solidFill>
-                  <a:schemeClr val="tx1"/>
-                </a:solidFill>
-                <a:latin typeface="+mn-lt"/>
-                <a:ea typeface="+mn-ea"/>
-                <a:cs typeface="+mn-cs"/>
-              </a:defRPr>
-            </a:lvl9pPr>
-          </a:lstStyle>
-          <a:p>
-            <a:pPr algn="l"/>
-            <a:r>
-              <a:rPr lang="en-US" dirty="0" smtClean="0"/>
-              <a:t>Dependable Computing</a:t>
-            </a:r>
-            <a:endParaRPr lang="en-US" dirty="0"/>
-          </a:p>
-        </p:txBody>
-      </p:sp>
-      <p:sp>
-        <p:nvSpPr>
-          <p:cNvPr id="7" name="Footer Placeholder 6"/>
+          <p:cNvPr id="5" name="Footer Placeholder 4"/>
           <p:cNvSpPr>
             <a:spLocks noGrp="1"/>
           </p:cNvSpPr>
@@ -20023,24 +20059,133 @@
           </a:p>
         </p:txBody>
       </p:sp>
+      <p:pic>
+        <p:nvPicPr>
+          <p:cNvPr id="6" name="Picture 5"/>
+          <p:cNvPicPr>
+            <a:picLocks noChangeAspect="1"/>
+          </p:cNvPicPr>
+          <p:nvPr/>
+        </p:nvPicPr>
+        <p:blipFill rotWithShape="1">
+          <a:blip r:embed="rId2"/>
+          <a:srcRect t="61135" r="2191" b="30824"/>
+          <a:stretch/>
+        </p:blipFill>
+        <p:spPr>
+          <a:xfrm>
+            <a:off x="1016294" y="4538608"/>
+            <a:ext cx="8368984" cy="378684"/>
+          </a:xfrm>
+          <a:prstGeom prst="rect">
+            <a:avLst/>
+          </a:prstGeom>
+        </p:spPr>
+      </p:pic>
+      <p:pic>
+        <p:nvPicPr>
+          <p:cNvPr id="12" name="Picture 11"/>
+          <p:cNvPicPr>
+            <a:picLocks noChangeAspect="1"/>
+          </p:cNvPicPr>
+          <p:nvPr/>
+        </p:nvPicPr>
+        <p:blipFill>
+          <a:blip r:embed="rId3"/>
+          <a:stretch>
+            <a:fillRect/>
+          </a:stretch>
+        </p:blipFill>
+        <p:spPr>
+          <a:xfrm>
+            <a:off x="1016294" y="2379313"/>
+            <a:ext cx="10515761" cy="278827"/>
+          </a:xfrm>
+          <a:prstGeom prst="rect">
+            <a:avLst/>
+          </a:prstGeom>
+        </p:spPr>
+      </p:pic>
+      <p:pic>
+        <p:nvPicPr>
+          <p:cNvPr id="13" name="Picture 12"/>
+          <p:cNvPicPr>
+            <a:picLocks noChangeAspect="1"/>
+          </p:cNvPicPr>
+          <p:nvPr/>
+        </p:nvPicPr>
+        <p:blipFill rotWithShape="1">
+          <a:blip r:embed="rId2"/>
+          <a:srcRect l="-316" t="46039" r="2507" b="46207"/>
+          <a:stretch/>
+        </p:blipFill>
+        <p:spPr>
+          <a:xfrm>
+            <a:off x="1016294" y="2744645"/>
+            <a:ext cx="7974483" cy="347946"/>
+          </a:xfrm>
+          <a:prstGeom prst="rect">
+            <a:avLst/>
+          </a:prstGeom>
+        </p:spPr>
+      </p:pic>
+      <p:pic>
+        <p:nvPicPr>
+          <p:cNvPr id="14" name="Picture 13"/>
+          <p:cNvPicPr>
+            <a:picLocks noChangeAspect="1"/>
+          </p:cNvPicPr>
+          <p:nvPr/>
+        </p:nvPicPr>
+        <p:blipFill rotWithShape="1">
+          <a:blip r:embed="rId4"/>
+          <a:srcRect t="10933" b="-1"/>
+          <a:stretch/>
+        </p:blipFill>
+        <p:spPr>
+          <a:xfrm>
+            <a:off x="1016294" y="4154281"/>
+            <a:ext cx="9969497" cy="268739"/>
+          </a:xfrm>
+          <a:prstGeom prst="rect">
+            <a:avLst/>
+          </a:prstGeom>
+        </p:spPr>
+      </p:pic>
+      <p:pic>
+        <p:nvPicPr>
+          <p:cNvPr id="15" name="Picture 14"/>
+          <p:cNvPicPr>
+            <a:picLocks noChangeAspect="1"/>
+          </p:cNvPicPr>
+          <p:nvPr/>
+        </p:nvPicPr>
+        <p:blipFill>
+          <a:blip r:embed="rId5"/>
+          <a:stretch>
+            <a:fillRect/>
+          </a:stretch>
+        </p:blipFill>
+        <p:spPr>
+          <a:xfrm>
+            <a:off x="1016294" y="3528942"/>
+            <a:ext cx="8244664" cy="517548"/>
+          </a:xfrm>
+          <a:prstGeom prst="rect">
+            <a:avLst/>
+          </a:prstGeom>
+        </p:spPr>
+      </p:pic>
     </p:spTree>
     <p:extLst>
       <p:ext uri="{BB962C8B-B14F-4D97-AF65-F5344CB8AC3E}">
-        <p14:creationId xmlns:p14="http://schemas.microsoft.com/office/powerpoint/2010/main" val="1512231083"/>
+        <p14:creationId xmlns:p14="http://schemas.microsoft.com/office/powerpoint/2010/main" val="3980395289"/>
       </p:ext>
     </p:extLst>
   </p:cSld>
   <p:clrMapOvr>
     <a:masterClrMapping/>
   </p:clrMapOvr>
-  <mc:AlternateContent xmlns:mc="http://schemas.openxmlformats.org/markup-compatibility/2006" xmlns:p14="http://schemas.microsoft.com/office/powerpoint/2010/main">
-    <mc:Choice Requires="p14">
-      <p:transition spd="slow" p14:dur="2000"/>
-    </mc:Choice>
-    <mc:Fallback xmlns="">
-      <p:transition spd="slow"/>
-    </mc:Fallback>
-  </mc:AlternateContent>
   <p:timing>
     <p:tnLst>
       <p:par>
@@ -20748,6 +20893,643 @@
           <a:chExt cx="0" cy="0"/>
         </a:xfrm>
       </p:grpSpPr>
+      <p:pic>
+        <p:nvPicPr>
+          <p:cNvPr id="5" name="Content Placeholder 4"/>
+          <p:cNvPicPr>
+            <a:picLocks noChangeAspect="1"/>
+          </p:cNvPicPr>
+          <p:nvPr/>
+        </p:nvPicPr>
+        <p:blipFill rotWithShape="1">
+          <a:blip r:embed="rId2">
+            <a:extLst>
+              <a:ext uri="{28A0092B-C50C-407E-A947-70E740481C1C}">
+                <a14:useLocalDpi xmlns:a14="http://schemas.microsoft.com/office/drawing/2010/main" val="0"/>
+              </a:ext>
+            </a:extLst>
+          </a:blip>
+          <a:srcRect t="24566"/>
+          <a:stretch/>
+        </p:blipFill>
+        <p:spPr>
+          <a:xfrm>
+            <a:off x="3131209" y="1508512"/>
+            <a:ext cx="8939582" cy="5349488"/>
+          </a:xfrm>
+          <a:prstGeom prst="rect">
+            <a:avLst/>
+          </a:prstGeom>
+        </p:spPr>
+      </p:pic>
+      <p:sp>
+        <p:nvSpPr>
+          <p:cNvPr id="2" name="Title 1"/>
+          <p:cNvSpPr>
+            <a:spLocks noGrp="1"/>
+          </p:cNvSpPr>
+          <p:nvPr>
+            <p:ph type="title"/>
+          </p:nvPr>
+        </p:nvSpPr>
+        <p:spPr/>
+        <p:txBody>
+          <a:bodyPr>
+            <a:normAutofit/>
+          </a:bodyPr>
+          <a:lstStyle/>
+          <a:p>
+            <a:r>
+              <a:rPr lang="en-US" dirty="0" smtClean="0"/>
+              <a:t>State Machine Correctness Argument</a:t>
+            </a:r>
+            <a:endParaRPr lang="en-US" dirty="0"/>
+          </a:p>
+        </p:txBody>
+      </p:sp>
+      <p:sp>
+        <p:nvSpPr>
+          <p:cNvPr id="3" name="Content Placeholder 2"/>
+          <p:cNvSpPr>
+            <a:spLocks noGrp="1"/>
+          </p:cNvSpPr>
+          <p:nvPr>
+            <p:ph idx="1"/>
+          </p:nvPr>
+        </p:nvSpPr>
+        <p:spPr>
+          <a:xfrm>
+            <a:off x="95003" y="1508511"/>
+            <a:ext cx="6460176" cy="4668452"/>
+          </a:xfrm>
+        </p:spPr>
+        <p:txBody>
+          <a:bodyPr>
+            <a:normAutofit/>
+          </a:bodyPr>
+          <a:lstStyle/>
+          <a:p>
+            <a:r>
+              <a:rPr lang="en-US" dirty="0"/>
+              <a:t>Argument pattern for individual AADL component state machine correctness:</a:t>
+            </a:r>
+          </a:p>
+          <a:p>
+            <a:pPr marL="800100" lvl="1" indent="-342900">
+              <a:buFont typeface="Arial" charset="0"/>
+              <a:buChar char="•"/>
+            </a:pPr>
+            <a:r>
+              <a:rPr lang="en-US" dirty="0"/>
+              <a:t>Structure repeated for each component</a:t>
+            </a:r>
+          </a:p>
+          <a:p>
+            <a:pPr marL="800100" lvl="1" indent="-342900">
+              <a:buFont typeface="Arial" charset="0"/>
+              <a:buChar char="•"/>
+            </a:pPr>
+            <a:r>
+              <a:rPr lang="en-US" dirty="0"/>
+              <a:t>Vision: Situated within a larger model correctness argument</a:t>
+            </a:r>
+          </a:p>
+          <a:p>
+            <a:r>
+              <a:rPr lang="en-US" dirty="0" smtClean="0"/>
+              <a:t>Argument </a:t>
+            </a:r>
+            <a:r>
+              <a:rPr lang="en-US" dirty="0"/>
+              <a:t>situates proposed AGREE lemmas:</a:t>
+            </a:r>
+          </a:p>
+          <a:p>
+            <a:pPr marL="800100" lvl="1" indent="-342900">
+              <a:buFont typeface="Arial" charset="0"/>
+              <a:buChar char="•"/>
+            </a:pPr>
+            <a:r>
+              <a:rPr lang="en-US" dirty="0"/>
+              <a:t>Purpose</a:t>
+            </a:r>
+          </a:p>
+          <a:p>
+            <a:pPr marL="800100" lvl="1" indent="-342900">
+              <a:buFont typeface="Arial" charset="0"/>
+              <a:buChar char="•"/>
+            </a:pPr>
+            <a:r>
+              <a:rPr lang="en-US" dirty="0"/>
+              <a:t>Rationale</a:t>
+            </a:r>
+          </a:p>
+          <a:p>
+            <a:pPr marL="800100" lvl="1" indent="-342900">
+              <a:buFont typeface="Arial" charset="0"/>
+              <a:buChar char="•"/>
+            </a:pPr>
+            <a:r>
+              <a:rPr lang="en-US" dirty="0"/>
+              <a:t>Limitations and benefits</a:t>
+            </a:r>
+          </a:p>
+          <a:p>
+            <a:pPr marL="0" indent="0">
+              <a:buNone/>
+            </a:pPr>
+            <a:endParaRPr lang="en-US" dirty="0"/>
+          </a:p>
+        </p:txBody>
+      </p:sp>
+      <p:sp>
+        <p:nvSpPr>
+          <p:cNvPr id="6" name="Footer Placeholder 3"/>
+          <p:cNvSpPr txBox="1">
+            <a:spLocks/>
+          </p:cNvSpPr>
+          <p:nvPr/>
+        </p:nvSpPr>
+        <p:spPr>
+          <a:xfrm>
+            <a:off x="102476" y="6437441"/>
+            <a:ext cx="4532586" cy="306936"/>
+          </a:xfrm>
+          <a:prstGeom prst="rect">
+            <a:avLst/>
+          </a:prstGeom>
+        </p:spPr>
+        <p:txBody>
+          <a:bodyPr vert="horz" lIns="91440" tIns="45720" rIns="91440" bIns="45720" rtlCol="0" anchor="ctr"/>
+          <a:lstStyle>
+            <a:defPPr>
+              <a:defRPr lang="en-US"/>
+            </a:defPPr>
+            <a:lvl1pPr marL="0" algn="ctr" defTabSz="914400" rtl="0" eaLnBrk="1" latinLnBrk="0" hangingPunct="1">
+              <a:defRPr sz="1400" kern="1200">
+                <a:solidFill>
+                  <a:srgbClr val="000000"/>
+                </a:solidFill>
+                <a:latin typeface="+mn-lt"/>
+                <a:ea typeface="+mn-ea"/>
+                <a:cs typeface="+mn-cs"/>
+              </a:defRPr>
+            </a:lvl1pPr>
+            <a:lvl2pPr marL="457200" algn="l" defTabSz="914400" rtl="0" eaLnBrk="1" latinLnBrk="0" hangingPunct="1">
+              <a:defRPr sz="1800" kern="1200">
+                <a:solidFill>
+                  <a:schemeClr val="tx1"/>
+                </a:solidFill>
+                <a:latin typeface="+mn-lt"/>
+                <a:ea typeface="+mn-ea"/>
+                <a:cs typeface="+mn-cs"/>
+              </a:defRPr>
+            </a:lvl2pPr>
+            <a:lvl3pPr marL="914400" algn="l" defTabSz="914400" rtl="0" eaLnBrk="1" latinLnBrk="0" hangingPunct="1">
+              <a:defRPr sz="1800" kern="1200">
+                <a:solidFill>
+                  <a:schemeClr val="tx1"/>
+                </a:solidFill>
+                <a:latin typeface="+mn-lt"/>
+                <a:ea typeface="+mn-ea"/>
+                <a:cs typeface="+mn-cs"/>
+              </a:defRPr>
+            </a:lvl3pPr>
+            <a:lvl4pPr marL="1371600" algn="l" defTabSz="914400" rtl="0" eaLnBrk="1" latinLnBrk="0" hangingPunct="1">
+              <a:defRPr sz="1800" kern="1200">
+                <a:solidFill>
+                  <a:schemeClr val="tx1"/>
+                </a:solidFill>
+                <a:latin typeface="+mn-lt"/>
+                <a:ea typeface="+mn-ea"/>
+                <a:cs typeface="+mn-cs"/>
+              </a:defRPr>
+            </a:lvl4pPr>
+            <a:lvl5pPr marL="1828800" algn="l" defTabSz="914400" rtl="0" eaLnBrk="1" latinLnBrk="0" hangingPunct="1">
+              <a:defRPr sz="1800" kern="1200">
+                <a:solidFill>
+                  <a:schemeClr val="tx1"/>
+                </a:solidFill>
+                <a:latin typeface="+mn-lt"/>
+                <a:ea typeface="+mn-ea"/>
+                <a:cs typeface="+mn-cs"/>
+              </a:defRPr>
+            </a:lvl5pPr>
+            <a:lvl6pPr marL="2286000" algn="l" defTabSz="914400" rtl="0" eaLnBrk="1" latinLnBrk="0" hangingPunct="1">
+              <a:defRPr sz="1800" kern="1200">
+                <a:solidFill>
+                  <a:schemeClr val="tx1"/>
+                </a:solidFill>
+                <a:latin typeface="+mn-lt"/>
+                <a:ea typeface="+mn-ea"/>
+                <a:cs typeface="+mn-cs"/>
+              </a:defRPr>
+            </a:lvl6pPr>
+            <a:lvl7pPr marL="2743200" algn="l" defTabSz="914400" rtl="0" eaLnBrk="1" latinLnBrk="0" hangingPunct="1">
+              <a:defRPr sz="1800" kern="1200">
+                <a:solidFill>
+                  <a:schemeClr val="tx1"/>
+                </a:solidFill>
+                <a:latin typeface="+mn-lt"/>
+                <a:ea typeface="+mn-ea"/>
+                <a:cs typeface="+mn-cs"/>
+              </a:defRPr>
+            </a:lvl7pPr>
+            <a:lvl8pPr marL="3200400" algn="l" defTabSz="914400" rtl="0" eaLnBrk="1" latinLnBrk="0" hangingPunct="1">
+              <a:defRPr sz="1800" kern="1200">
+                <a:solidFill>
+                  <a:schemeClr val="tx1"/>
+                </a:solidFill>
+                <a:latin typeface="+mn-lt"/>
+                <a:ea typeface="+mn-ea"/>
+                <a:cs typeface="+mn-cs"/>
+              </a:defRPr>
+            </a:lvl8pPr>
+            <a:lvl9pPr marL="3657600" algn="l" defTabSz="914400" rtl="0" eaLnBrk="1" latinLnBrk="0" hangingPunct="1">
+              <a:defRPr sz="1800" kern="1200">
+                <a:solidFill>
+                  <a:schemeClr val="tx1"/>
+                </a:solidFill>
+                <a:latin typeface="+mn-lt"/>
+                <a:ea typeface="+mn-ea"/>
+                <a:cs typeface="+mn-cs"/>
+              </a:defRPr>
+            </a:lvl9pPr>
+          </a:lstStyle>
+          <a:p>
+            <a:pPr algn="l"/>
+            <a:r>
+              <a:rPr lang="en-US" dirty="0" smtClean="0"/>
+              <a:t>Dependable Computing</a:t>
+            </a:r>
+            <a:endParaRPr lang="en-US" dirty="0"/>
+          </a:p>
+        </p:txBody>
+      </p:sp>
+    </p:spTree>
+    <p:extLst>
+      <p:ext uri="{BB962C8B-B14F-4D97-AF65-F5344CB8AC3E}">
+        <p14:creationId xmlns:p14="http://schemas.microsoft.com/office/powerpoint/2010/main" val="286898037"/>
+      </p:ext>
+    </p:extLst>
+  </p:cSld>
+  <p:clrMapOvr>
+    <a:masterClrMapping/>
+  </p:clrMapOvr>
+  <mc:AlternateContent xmlns:mc="http://schemas.openxmlformats.org/markup-compatibility/2006" xmlns:p14="http://schemas.microsoft.com/office/powerpoint/2010/main">
+    <mc:Choice Requires="p14">
+      <p:transition spd="slow" p14:dur="2000"/>
+    </mc:Choice>
+    <mc:Fallback xmlns="">
+      <p:transition spd="slow"/>
+    </mc:Fallback>
+  </mc:AlternateContent>
+  <p:timing>
+    <p:tnLst>
+      <p:par>
+        <p:cTn id="1" dur="indefinite" restart="never" nodeType="tmRoot"/>
+      </p:par>
+    </p:tnLst>
+  </p:timing>
+</p:sld>
+</file>
+
+<file path=ppt/slides/slide31.xml><?xml version="1.0" encoding="utf-8"?>
+<p:sld xmlns:a="http://schemas.openxmlformats.org/drawingml/2006/main" xmlns:r="http://schemas.openxmlformats.org/officeDocument/2006/relationships" xmlns:p="http://schemas.openxmlformats.org/presentationml/2006/main">
+  <p:cSld>
+    <p:spTree>
+      <p:nvGrpSpPr>
+        <p:cNvPr id="1" name=""/>
+        <p:cNvGrpSpPr/>
+        <p:nvPr/>
+      </p:nvGrpSpPr>
+      <p:grpSpPr>
+        <a:xfrm>
+          <a:off x="0" y="0"/>
+          <a:ext cx="0" cy="0"/>
+          <a:chOff x="0" y="0"/>
+          <a:chExt cx="0" cy="0"/>
+        </a:xfrm>
+      </p:grpSpPr>
+      <p:sp>
+        <p:nvSpPr>
+          <p:cNvPr id="2" name="Title 1"/>
+          <p:cNvSpPr>
+            <a:spLocks noGrp="1"/>
+          </p:cNvSpPr>
+          <p:nvPr>
+            <p:ph type="title"/>
+          </p:nvPr>
+        </p:nvSpPr>
+        <p:spPr/>
+        <p:txBody>
+          <a:bodyPr/>
+          <a:lstStyle/>
+          <a:p>
+            <a:r>
+              <a:rPr lang="en-US" dirty="0" smtClean="0"/>
+              <a:t>Argument-Derived Observations</a:t>
+            </a:r>
+            <a:endParaRPr lang="en-US" dirty="0"/>
+          </a:p>
+        </p:txBody>
+      </p:sp>
+      <p:sp>
+        <p:nvSpPr>
+          <p:cNvPr id="3" name="Content Placeholder 2"/>
+          <p:cNvSpPr>
+            <a:spLocks noGrp="1"/>
+          </p:cNvSpPr>
+          <p:nvPr>
+            <p:ph idx="1"/>
+          </p:nvPr>
+        </p:nvSpPr>
+        <p:spPr/>
+        <p:txBody>
+          <a:bodyPr>
+            <a:normAutofit lnSpcReduction="10000"/>
+          </a:bodyPr>
+          <a:lstStyle/>
+          <a:p>
+            <a:r>
+              <a:rPr lang="en-US" dirty="0"/>
+              <a:t>Best practices/standards for AADL/AGREE use are needed</a:t>
+            </a:r>
+          </a:p>
+          <a:p>
+            <a:pPr lvl="1"/>
+            <a:r>
+              <a:rPr lang="en-US" dirty="0"/>
+              <a:t>Situate proofs within modeling fault analysis/mitigation</a:t>
+            </a:r>
+          </a:p>
+          <a:p>
+            <a:pPr lvl="1"/>
+            <a:r>
+              <a:rPr lang="en-US" dirty="0"/>
+              <a:t>Supports arguments that the set of lemmas are complete and correct</a:t>
+            </a:r>
+          </a:p>
+          <a:p>
+            <a:r>
+              <a:rPr lang="en-US" dirty="0"/>
+              <a:t>Additional tool support to reduce human error</a:t>
+            </a:r>
+          </a:p>
+          <a:p>
+            <a:pPr lvl="1"/>
+            <a:r>
+              <a:rPr lang="en-US" dirty="0"/>
+              <a:t>E.g., </a:t>
+            </a:r>
+            <a:r>
+              <a:rPr lang="en-US" dirty="0" smtClean="0"/>
+              <a:t>lemmas </a:t>
+            </a:r>
+            <a:r>
+              <a:rPr lang="en-US" dirty="0"/>
+              <a:t>and repetitive infrastructure are developed manually</a:t>
+            </a:r>
+          </a:p>
+          <a:p>
+            <a:pPr lvl="1"/>
+            <a:r>
+              <a:rPr lang="en-US" dirty="0"/>
+              <a:t>Minimize repetitive concerns in the argument about human error</a:t>
+            </a:r>
+          </a:p>
+          <a:p>
+            <a:r>
+              <a:rPr lang="en-US" dirty="0"/>
+              <a:t>Enhanced integration between AADL and AGREE </a:t>
+            </a:r>
+          </a:p>
+          <a:p>
+            <a:pPr lvl="1"/>
+            <a:r>
+              <a:rPr lang="en-US" dirty="0"/>
+              <a:t>Minimize repetitive arguments about AADL and AGREE consistency/agreement</a:t>
+            </a:r>
+          </a:p>
+          <a:p>
+            <a:r>
+              <a:rPr lang="en-US" dirty="0"/>
+              <a:t>A simpler higher-level protocol state machine spec for validation</a:t>
+            </a:r>
+          </a:p>
+          <a:p>
+            <a:pPr lvl="1"/>
+            <a:r>
+              <a:rPr lang="en-US" dirty="0"/>
+              <a:t>Provide a structure to validate against</a:t>
+            </a:r>
+          </a:p>
+          <a:p>
+            <a:pPr lvl="1"/>
+            <a:r>
+              <a:rPr lang="en-US" dirty="0"/>
+              <a:t>Simplify validation activity and simplify validation </a:t>
+            </a:r>
+            <a:r>
+              <a:rPr lang="en-US" dirty="0" smtClean="0"/>
+              <a:t>arguments</a:t>
+            </a:r>
+            <a:endParaRPr lang="en-US" dirty="0"/>
+          </a:p>
+        </p:txBody>
+      </p:sp>
+      <p:sp>
+        <p:nvSpPr>
+          <p:cNvPr id="5" name="Footer Placeholder 3"/>
+          <p:cNvSpPr txBox="1">
+            <a:spLocks/>
+          </p:cNvSpPr>
+          <p:nvPr/>
+        </p:nvSpPr>
+        <p:spPr>
+          <a:xfrm>
+            <a:off x="102476" y="6437441"/>
+            <a:ext cx="4532586" cy="306936"/>
+          </a:xfrm>
+          <a:prstGeom prst="rect">
+            <a:avLst/>
+          </a:prstGeom>
+        </p:spPr>
+        <p:txBody>
+          <a:bodyPr vert="horz" lIns="91440" tIns="45720" rIns="91440" bIns="45720" rtlCol="0" anchor="ctr"/>
+          <a:lstStyle>
+            <a:defPPr>
+              <a:defRPr lang="en-US"/>
+            </a:defPPr>
+            <a:lvl1pPr marL="0" algn="ctr" defTabSz="914400" rtl="0" eaLnBrk="1" latinLnBrk="0" hangingPunct="1">
+              <a:defRPr sz="1400" kern="1200">
+                <a:solidFill>
+                  <a:srgbClr val="000000"/>
+                </a:solidFill>
+                <a:latin typeface="+mn-lt"/>
+                <a:ea typeface="+mn-ea"/>
+                <a:cs typeface="+mn-cs"/>
+              </a:defRPr>
+            </a:lvl1pPr>
+            <a:lvl2pPr marL="457200" algn="l" defTabSz="914400" rtl="0" eaLnBrk="1" latinLnBrk="0" hangingPunct="1">
+              <a:defRPr sz="1800" kern="1200">
+                <a:solidFill>
+                  <a:schemeClr val="tx1"/>
+                </a:solidFill>
+                <a:latin typeface="+mn-lt"/>
+                <a:ea typeface="+mn-ea"/>
+                <a:cs typeface="+mn-cs"/>
+              </a:defRPr>
+            </a:lvl2pPr>
+            <a:lvl3pPr marL="914400" algn="l" defTabSz="914400" rtl="0" eaLnBrk="1" latinLnBrk="0" hangingPunct="1">
+              <a:defRPr sz="1800" kern="1200">
+                <a:solidFill>
+                  <a:schemeClr val="tx1"/>
+                </a:solidFill>
+                <a:latin typeface="+mn-lt"/>
+                <a:ea typeface="+mn-ea"/>
+                <a:cs typeface="+mn-cs"/>
+              </a:defRPr>
+            </a:lvl3pPr>
+            <a:lvl4pPr marL="1371600" algn="l" defTabSz="914400" rtl="0" eaLnBrk="1" latinLnBrk="0" hangingPunct="1">
+              <a:defRPr sz="1800" kern="1200">
+                <a:solidFill>
+                  <a:schemeClr val="tx1"/>
+                </a:solidFill>
+                <a:latin typeface="+mn-lt"/>
+                <a:ea typeface="+mn-ea"/>
+                <a:cs typeface="+mn-cs"/>
+              </a:defRPr>
+            </a:lvl4pPr>
+            <a:lvl5pPr marL="1828800" algn="l" defTabSz="914400" rtl="0" eaLnBrk="1" latinLnBrk="0" hangingPunct="1">
+              <a:defRPr sz="1800" kern="1200">
+                <a:solidFill>
+                  <a:schemeClr val="tx1"/>
+                </a:solidFill>
+                <a:latin typeface="+mn-lt"/>
+                <a:ea typeface="+mn-ea"/>
+                <a:cs typeface="+mn-cs"/>
+              </a:defRPr>
+            </a:lvl5pPr>
+            <a:lvl6pPr marL="2286000" algn="l" defTabSz="914400" rtl="0" eaLnBrk="1" latinLnBrk="0" hangingPunct="1">
+              <a:defRPr sz="1800" kern="1200">
+                <a:solidFill>
+                  <a:schemeClr val="tx1"/>
+                </a:solidFill>
+                <a:latin typeface="+mn-lt"/>
+                <a:ea typeface="+mn-ea"/>
+                <a:cs typeface="+mn-cs"/>
+              </a:defRPr>
+            </a:lvl6pPr>
+            <a:lvl7pPr marL="2743200" algn="l" defTabSz="914400" rtl="0" eaLnBrk="1" latinLnBrk="0" hangingPunct="1">
+              <a:defRPr sz="1800" kern="1200">
+                <a:solidFill>
+                  <a:schemeClr val="tx1"/>
+                </a:solidFill>
+                <a:latin typeface="+mn-lt"/>
+                <a:ea typeface="+mn-ea"/>
+                <a:cs typeface="+mn-cs"/>
+              </a:defRPr>
+            </a:lvl7pPr>
+            <a:lvl8pPr marL="3200400" algn="l" defTabSz="914400" rtl="0" eaLnBrk="1" latinLnBrk="0" hangingPunct="1">
+              <a:defRPr sz="1800" kern="1200">
+                <a:solidFill>
+                  <a:schemeClr val="tx1"/>
+                </a:solidFill>
+                <a:latin typeface="+mn-lt"/>
+                <a:ea typeface="+mn-ea"/>
+                <a:cs typeface="+mn-cs"/>
+              </a:defRPr>
+            </a:lvl8pPr>
+            <a:lvl9pPr marL="3657600" algn="l" defTabSz="914400" rtl="0" eaLnBrk="1" latinLnBrk="0" hangingPunct="1">
+              <a:defRPr sz="1800" kern="1200">
+                <a:solidFill>
+                  <a:schemeClr val="tx1"/>
+                </a:solidFill>
+                <a:latin typeface="+mn-lt"/>
+                <a:ea typeface="+mn-ea"/>
+                <a:cs typeface="+mn-cs"/>
+              </a:defRPr>
+            </a:lvl9pPr>
+          </a:lstStyle>
+          <a:p>
+            <a:pPr algn="l"/>
+            <a:r>
+              <a:rPr lang="en-US" dirty="0" smtClean="0"/>
+              <a:t>Dependable Computing</a:t>
+            </a:r>
+            <a:endParaRPr lang="en-US" dirty="0"/>
+          </a:p>
+        </p:txBody>
+      </p:sp>
+      <p:sp>
+        <p:nvSpPr>
+          <p:cNvPr id="7" name="Footer Placeholder 6"/>
+          <p:cNvSpPr>
+            <a:spLocks noGrp="1"/>
+          </p:cNvSpPr>
+          <p:nvPr>
+            <p:ph type="ftr" sz="quarter" idx="11"/>
+          </p:nvPr>
+        </p:nvSpPr>
+        <p:spPr/>
+        <p:txBody>
+          <a:bodyPr/>
+          <a:lstStyle/>
+          <a:p>
+            <a:r>
+              <a:rPr lang="en-US" smtClean="0"/>
+              <a:t>Architecture Group</a:t>
+            </a:r>
+            <a:endParaRPr lang="en-US"/>
+          </a:p>
+        </p:txBody>
+      </p:sp>
+    </p:spTree>
+    <p:extLst>
+      <p:ext uri="{BB962C8B-B14F-4D97-AF65-F5344CB8AC3E}">
+        <p14:creationId xmlns:p14="http://schemas.microsoft.com/office/powerpoint/2010/main" val="1512231083"/>
+      </p:ext>
+    </p:extLst>
+  </p:cSld>
+  <p:clrMapOvr>
+    <a:masterClrMapping/>
+  </p:clrMapOvr>
+  <mc:AlternateContent xmlns:mc="http://schemas.openxmlformats.org/markup-compatibility/2006" xmlns:p14="http://schemas.microsoft.com/office/powerpoint/2010/main">
+    <mc:Choice Requires="p14">
+      <p:transition spd="slow" p14:dur="2000"/>
+    </mc:Choice>
+    <mc:Fallback xmlns="">
+      <p:transition spd="slow"/>
+    </mc:Fallback>
+  </mc:AlternateContent>
+  <p:timing>
+    <p:tnLst>
+      <p:par>
+        <p:cTn id="1" dur="indefinite" restart="never" nodeType="tmRoot"/>
+      </p:par>
+    </p:tnLst>
+  </p:timing>
+</p:sld>
+</file>
+
+<file path=ppt/slides/slide32.xml><?xml version="1.0" encoding="utf-8"?>
+<p:sld xmlns:a="http://schemas.openxmlformats.org/drawingml/2006/main" xmlns:r="http://schemas.openxmlformats.org/officeDocument/2006/relationships" xmlns:p="http://schemas.openxmlformats.org/presentationml/2006/main">
+  <p:cSld>
+    <p:spTree>
+      <p:nvGrpSpPr>
+        <p:cNvPr id="1" name=""/>
+        <p:cNvGrpSpPr/>
+        <p:nvPr/>
+      </p:nvGrpSpPr>
+      <p:grpSpPr>
+        <a:xfrm>
+          <a:off x="0" y="0"/>
+          <a:ext cx="0" cy="0"/>
+          <a:chOff x="0" y="0"/>
+          <a:chExt cx="0" cy="0"/>
+        </a:xfrm>
+      </p:grpSpPr>
       <p:sp>
         <p:nvSpPr>
           <p:cNvPr id="2" name="Title 1"/>
@@ -21087,7 +21869,7 @@
 </p:sld>
 </file>
 
-<file path=ppt/slides/slide31.xml><?xml version="1.0" encoding="utf-8"?>
+<file path=ppt/slides/slide33.xml><?xml version="1.0" encoding="utf-8"?>
 <p:sld xmlns:a="http://schemas.openxmlformats.org/drawingml/2006/main" xmlns:r="http://schemas.openxmlformats.org/officeDocument/2006/relationships" xmlns:p="http://schemas.openxmlformats.org/presentationml/2006/main">
   <p:cSld>
     <p:spTree>
@@ -21155,7 +21937,7 @@
 </p:sld>
 </file>
 
-<file path=ppt/slides/slide32.xml><?xml version="1.0" encoding="utf-8"?>
+<file path=ppt/slides/slide34.xml><?xml version="1.0" encoding="utf-8"?>
 <p:sld xmlns:a="http://schemas.openxmlformats.org/drawingml/2006/main" xmlns:r="http://schemas.openxmlformats.org/officeDocument/2006/relationships" xmlns:p="http://schemas.openxmlformats.org/presentationml/2006/main">
   <p:cSld>
     <p:spTree>
@@ -21945,7 +22727,7 @@
 </p:sld>
 </file>
 
-<file path=ppt/slides/slide33.xml><?xml version="1.0" encoding="utf-8"?>
+<file path=ppt/slides/slide35.xml><?xml version="1.0" encoding="utf-8"?>
 <p:sld xmlns:a="http://schemas.openxmlformats.org/drawingml/2006/main" xmlns:r="http://schemas.openxmlformats.org/officeDocument/2006/relationships" xmlns:p="http://schemas.openxmlformats.org/presentationml/2006/main">
   <p:cSld>
     <p:spTree>
@@ -22174,7 +22956,7 @@
 </p:sld>
 </file>
 
-<file path=ppt/slides/slide34.xml><?xml version="1.0" encoding="utf-8"?>
+<file path=ppt/slides/slide36.xml><?xml version="1.0" encoding="utf-8"?>
 <p:sld xmlns:a="http://schemas.openxmlformats.org/drawingml/2006/main" xmlns:r="http://schemas.openxmlformats.org/officeDocument/2006/relationships" xmlns:p="http://schemas.openxmlformats.org/presentationml/2006/main">
   <p:cSld>
     <p:spTree>
@@ -22471,7 +23253,7 @@
 </p:sld>
 </file>
 
-<file path=ppt/slides/slide35.xml><?xml version="1.0" encoding="utf-8"?>
+<file path=ppt/slides/slide37.xml><?xml version="1.0" encoding="utf-8"?>
 <p:sld xmlns:a="http://schemas.openxmlformats.org/drawingml/2006/main" xmlns:r="http://schemas.openxmlformats.org/officeDocument/2006/relationships" xmlns:p="http://schemas.openxmlformats.org/presentationml/2006/main">
   <p:cSld>
     <p:spTree>
@@ -22558,7 +23340,7 @@
 </p:sld>
 </file>
 
-<file path=ppt/slides/slide36.xml><?xml version="1.0" encoding="utf-8"?>
+<file path=ppt/slides/slide38.xml><?xml version="1.0" encoding="utf-8"?>
 <p:sld xmlns:a="http://schemas.openxmlformats.org/drawingml/2006/main" xmlns:r="http://schemas.openxmlformats.org/officeDocument/2006/relationships" xmlns:p="http://schemas.openxmlformats.org/presentationml/2006/main">
   <p:cSld>
     <p:spTree>

--- a/presentations/S5_SoI_Architecture_Group.pptx
+++ b/presentations/S5_SoI_Architecture_Group.pptx
@@ -14,38 +14,38 @@
     <p:sldId id="259" r:id="rId5"/>
     <p:sldId id="287" r:id="rId6"/>
     <p:sldId id="288" r:id="rId7"/>
-    <p:sldId id="290" r:id="rId8"/>
-    <p:sldId id="323" r:id="rId9"/>
-    <p:sldId id="291" r:id="rId10"/>
-    <p:sldId id="332" r:id="rId11"/>
-    <p:sldId id="333" r:id="rId12"/>
-    <p:sldId id="293" r:id="rId13"/>
-    <p:sldId id="294" r:id="rId14"/>
-    <p:sldId id="324" r:id="rId15"/>
-    <p:sldId id="334" r:id="rId16"/>
-    <p:sldId id="307" r:id="rId17"/>
-    <p:sldId id="322" r:id="rId18"/>
-    <p:sldId id="309" r:id="rId19"/>
-    <p:sldId id="312" r:id="rId20"/>
-    <p:sldId id="327" r:id="rId21"/>
-    <p:sldId id="328" r:id="rId22"/>
-    <p:sldId id="329" r:id="rId23"/>
-    <p:sldId id="330" r:id="rId24"/>
-    <p:sldId id="331" r:id="rId25"/>
-    <p:sldId id="315" r:id="rId26"/>
-    <p:sldId id="279" r:id="rId27"/>
-    <p:sldId id="289" r:id="rId28"/>
-    <p:sldId id="335" r:id="rId29"/>
-    <p:sldId id="326" r:id="rId30"/>
-    <p:sldId id="266" r:id="rId31"/>
-    <p:sldId id="269" r:id="rId32"/>
-    <p:sldId id="268" r:id="rId33"/>
-    <p:sldId id="295" r:id="rId34"/>
-    <p:sldId id="305" r:id="rId35"/>
-    <p:sldId id="261" r:id="rId36"/>
-    <p:sldId id="262" r:id="rId37"/>
-    <p:sldId id="306" r:id="rId38"/>
-    <p:sldId id="313" r:id="rId39"/>
+    <p:sldId id="323" r:id="rId8"/>
+    <p:sldId id="291" r:id="rId9"/>
+    <p:sldId id="332" r:id="rId10"/>
+    <p:sldId id="333" r:id="rId11"/>
+    <p:sldId id="293" r:id="rId12"/>
+    <p:sldId id="294" r:id="rId13"/>
+    <p:sldId id="324" r:id="rId14"/>
+    <p:sldId id="334" r:id="rId15"/>
+    <p:sldId id="307" r:id="rId16"/>
+    <p:sldId id="322" r:id="rId17"/>
+    <p:sldId id="309" r:id="rId18"/>
+    <p:sldId id="312" r:id="rId19"/>
+    <p:sldId id="327" r:id="rId20"/>
+    <p:sldId id="328" r:id="rId21"/>
+    <p:sldId id="329" r:id="rId22"/>
+    <p:sldId id="330" r:id="rId23"/>
+    <p:sldId id="331" r:id="rId24"/>
+    <p:sldId id="315" r:id="rId25"/>
+    <p:sldId id="279" r:id="rId26"/>
+    <p:sldId id="289" r:id="rId27"/>
+    <p:sldId id="335" r:id="rId28"/>
+    <p:sldId id="326" r:id="rId29"/>
+    <p:sldId id="266" r:id="rId30"/>
+    <p:sldId id="269" r:id="rId31"/>
+    <p:sldId id="268" r:id="rId32"/>
+    <p:sldId id="295" r:id="rId33"/>
+    <p:sldId id="305" r:id="rId34"/>
+    <p:sldId id="261" r:id="rId35"/>
+    <p:sldId id="262" r:id="rId36"/>
+    <p:sldId id="306" r:id="rId37"/>
+    <p:sldId id="313" r:id="rId38"/>
+    <p:sldId id="290" r:id="rId39"/>
   </p:sldIdLst>
   <p:sldSz cx="12192000" cy="6858000"/>
   <p:notesSz cx="6858000" cy="9144000"/>
@@ -234,7 +234,7 @@
           <a:p>
             <a:fld id="{7E04793A-A12B-44AC-A0A5-947722C372BD}" type="datetimeFigureOut">
               <a:rPr lang="en-US" smtClean="0"/>
-              <a:t>7/31/2017</a:t>
+              <a:t>8/2/2017</a:t>
             </a:fld>
             <a:endParaRPr lang="en-US"/>
           </a:p>
@@ -651,7 +651,7 @@
           <a:p>
             <a:fld id="{563BCB51-F13E-4501-921D-7D4EB39EDE9B}" type="slidenum">
               <a:rPr lang="en-US" smtClean="0"/>
-              <a:t>17</a:t>
+              <a:t>16</a:t>
             </a:fld>
             <a:endParaRPr lang="en-US"/>
           </a:p>
@@ -755,7 +755,7 @@
           <a:p>
             <a:fld id="{563BCB51-F13E-4501-921D-7D4EB39EDE9B}" type="slidenum">
               <a:rPr lang="en-US" smtClean="0"/>
-              <a:t>18</a:t>
+              <a:t>17</a:t>
             </a:fld>
             <a:endParaRPr lang="en-US"/>
           </a:p>
@@ -883,7 +883,7 @@
           <a:p>
             <a:fld id="{563BCB51-F13E-4501-921D-7D4EB39EDE9B}" type="slidenum">
               <a:rPr lang="en-US" smtClean="0"/>
-              <a:t>19</a:t>
+              <a:t>18</a:t>
             </a:fld>
             <a:endParaRPr lang="en-US"/>
           </a:p>
@@ -975,7 +975,7 @@
           <a:p>
             <a:fld id="{563BCB51-F13E-4501-921D-7D4EB39EDE9B}" type="slidenum">
               <a:rPr lang="en-US" smtClean="0"/>
-              <a:t>20</a:t>
+              <a:t>19</a:t>
             </a:fld>
             <a:endParaRPr lang="en-US"/>
           </a:p>
@@ -1059,7 +1059,7 @@
           <a:p>
             <a:fld id="{563BCB51-F13E-4501-921D-7D4EB39EDE9B}" type="slidenum">
               <a:rPr lang="en-US" smtClean="0"/>
-              <a:t>25</a:t>
+              <a:t>24</a:t>
             </a:fld>
             <a:endParaRPr lang="en-US"/>
           </a:p>
@@ -1153,7 +1153,7 @@
           <a:p>
             <a:fld id="{563BCB51-F13E-4501-921D-7D4EB39EDE9B}" type="slidenum">
               <a:rPr lang="en-US" smtClean="0"/>
-              <a:t>26</a:t>
+              <a:t>25</a:t>
             </a:fld>
             <a:endParaRPr lang="en-US"/>
           </a:p>
@@ -1237,7 +1237,7 @@
           <a:p>
             <a:fld id="{563BCB51-F13E-4501-921D-7D4EB39EDE9B}" type="slidenum">
               <a:rPr lang="en-US" smtClean="0"/>
-              <a:t>32</a:t>
+              <a:t>31</a:t>
             </a:fld>
             <a:endParaRPr lang="en-US"/>
           </a:p>
@@ -1329,7 +1329,7 @@
           <a:p>
             <a:fld id="{563BCB51-F13E-4501-921D-7D4EB39EDE9B}" type="slidenum">
               <a:rPr lang="en-US" smtClean="0"/>
-              <a:t>33</a:t>
+              <a:t>32</a:t>
             </a:fld>
             <a:endParaRPr lang="en-US"/>
           </a:p>
@@ -1392,10 +1392,6 @@
           <a:bodyPr/>
           <a:lstStyle/>
           <a:p>
-            <a:r>
-              <a:rPr lang="en-US" dirty="0" smtClean="0"/>
-              <a:t>Maybe cut out middle</a:t>
-            </a:r>
             <a:endParaRPr lang="en-US" dirty="0"/>
           </a:p>
         </p:txBody>
@@ -1417,7 +1413,7 @@
           <a:p>
             <a:fld id="{563BCB51-F13E-4501-921D-7D4EB39EDE9B}" type="slidenum">
               <a:rPr lang="en-US" smtClean="0"/>
-              <a:t>34</a:t>
+              <a:t>33</a:t>
             </a:fld>
             <a:endParaRPr lang="en-US"/>
           </a:p>
@@ -1549,7 +1545,7 @@
           <a:p>
             <a:fld id="{563BCB51-F13E-4501-921D-7D4EB39EDE9B}" type="slidenum">
               <a:rPr lang="en-US" smtClean="0"/>
-              <a:t>35</a:t>
+              <a:t>34</a:t>
             </a:fld>
             <a:endParaRPr lang="en-US"/>
           </a:p>
@@ -1756,7 +1752,7 @@
           <a:p>
             <a:fld id="{563BCB51-F13E-4501-921D-7D4EB39EDE9B}" type="slidenum">
               <a:rPr lang="en-US" smtClean="0"/>
-              <a:t>36</a:t>
+              <a:t>35</a:t>
             </a:fld>
             <a:endParaRPr lang="en-US"/>
           </a:p>
@@ -1850,7 +1846,7 @@
           <a:p>
             <a:fld id="{563BCB51-F13E-4501-921D-7D4EB39EDE9B}" type="slidenum">
               <a:rPr lang="en-US" smtClean="0"/>
-              <a:t>37</a:t>
+              <a:t>36</a:t>
             </a:fld>
             <a:endParaRPr lang="en-US"/>
           </a:p>
@@ -1942,7 +1938,7 @@
           <a:p>
             <a:fld id="{563BCB51-F13E-4501-921D-7D4EB39EDE9B}" type="slidenum">
               <a:rPr lang="en-US" smtClean="0"/>
-              <a:t>38</a:t>
+              <a:t>37</a:t>
             </a:fld>
             <a:endParaRPr lang="en-US"/>
           </a:p>
@@ -2123,11 +2119,7 @@
           <a:p>
             <a:r>
               <a:rPr lang="en-US" dirty="0" smtClean="0"/>
-              <a:t>Wanted </a:t>
-            </a:r>
-            <a:r>
-              <a:rPr lang="en-US" dirty="0" smtClean="0"/>
-              <a:t>to formalize </a:t>
+              <a:t>Wanted to formalize </a:t>
             </a:r>
             <a:r>
               <a:rPr lang="en-US" dirty="0" err="1" smtClean="0"/>
@@ -2243,28 +2235,11 @@
           <a:bodyPr/>
           <a:lstStyle/>
           <a:p>
+            <a:r>
+              <a:rPr lang="en-US" dirty="0" smtClean="0"/>
+              <a:t>Restructure?:</a:t>
+            </a:r>
             <a:endParaRPr lang="en-US" dirty="0" smtClean="0"/>
-          </a:p>
-          <a:p>
-            <a:endParaRPr lang="en-US" dirty="0" smtClean="0"/>
-          </a:p>
-          <a:p>
-            <a:r>
-              <a:rPr lang="en-US" dirty="0" smtClean="0"/>
-              <a:t>Add slide numbers throughout (some missing)</a:t>
-            </a:r>
-          </a:p>
-          <a:p>
-            <a:endParaRPr lang="en-US" dirty="0" smtClean="0"/>
-          </a:p>
-          <a:p>
-            <a:endParaRPr lang="en-US" dirty="0" smtClean="0"/>
-          </a:p>
-          <a:p>
-            <a:r>
-              <a:rPr lang="en-US" dirty="0" smtClean="0"/>
-              <a:t>Restructure:</a:t>
-            </a:r>
           </a:p>
           <a:p>
             <a:pPr fontAlgn="base"/>
@@ -2436,7 +2411,7 @@
           <a:p>
             <a:fld id="{563BCB51-F13E-4501-921D-7D4EB39EDE9B}" type="slidenum">
               <a:rPr lang="en-US" smtClean="0"/>
-              <a:t>8</a:t>
+              <a:t>7</a:t>
             </a:fld>
             <a:endParaRPr lang="en-US"/>
           </a:p>
@@ -2520,7 +2495,7 @@
           <a:p>
             <a:fld id="{563BCB51-F13E-4501-921D-7D4EB39EDE9B}" type="slidenum">
               <a:rPr lang="en-US" smtClean="0"/>
-              <a:t>9</a:t>
+              <a:t>8</a:t>
             </a:fld>
             <a:endParaRPr lang="en-US"/>
           </a:p>
@@ -2589,11 +2564,7 @@
             </a:r>
             <a:r>
               <a:rPr lang="en-US" baseline="0" dirty="0" smtClean="0"/>
-              <a:t> adding or replacing with a screenshot of a Waterways timing </a:t>
-            </a:r>
-            <a:r>
-              <a:rPr lang="en-US" baseline="0" dirty="0" smtClean="0"/>
-              <a:t>guarantee</a:t>
+              <a:t> adding or replacing with a screenshot of a Waterways timing guarantee</a:t>
             </a:r>
           </a:p>
           <a:p>
@@ -2646,7 +2617,7 @@
           <a:p>
             <a:fld id="{563BCB51-F13E-4501-921D-7D4EB39EDE9B}" type="slidenum">
               <a:rPr lang="en-US" smtClean="0"/>
-              <a:t>12</a:t>
+              <a:t>11</a:t>
             </a:fld>
             <a:endParaRPr lang="en-US"/>
           </a:p>
@@ -2719,7 +2690,15 @@
             </a:r>
             <a:r>
               <a:rPr lang="en-US" baseline="0" dirty="0" smtClean="0"/>
-              <a:t> timing properties and there difficulty</a:t>
+              <a:t> timing properties and </a:t>
+            </a:r>
+            <a:r>
+              <a:rPr lang="en-US" baseline="0" dirty="0" smtClean="0"/>
+              <a:t>their </a:t>
+            </a:r>
+            <a:r>
+              <a:rPr lang="en-US" baseline="0" dirty="0" smtClean="0"/>
+              <a:t>difficulty</a:t>
             </a:r>
           </a:p>
           <a:p>
@@ -2806,7 +2785,7 @@
           <a:p>
             <a:fld id="{563BCB51-F13E-4501-921D-7D4EB39EDE9B}" type="slidenum">
               <a:rPr lang="en-US" smtClean="0"/>
-              <a:t>16</a:t>
+              <a:t>15</a:t>
             </a:fld>
             <a:endParaRPr lang="en-US"/>
           </a:p>
@@ -2956,7 +2935,7 @@
           <a:p>
             <a:fld id="{D8C1A6F0-22E7-43BA-845F-179ADE321C29}" type="datetime1">
               <a:rPr lang="en-US" smtClean="0"/>
-              <a:t>7/31/2017</a:t>
+              <a:t>8/2/2017</a:t>
             </a:fld>
             <a:endParaRPr lang="en-US"/>
           </a:p>
@@ -3096,7 +3075,7 @@
           <a:p>
             <a:fld id="{809F1B80-5ABC-496A-90FB-1497CA7A7A5A}" type="datetime1">
               <a:rPr lang="en-US" smtClean="0"/>
-              <a:t>7/31/2017</a:t>
+              <a:t>8/2/2017</a:t>
             </a:fld>
             <a:endParaRPr lang="en-US"/>
           </a:p>
@@ -3264,7 +3243,7 @@
           <a:p>
             <a:fld id="{DD3A5961-224A-4707-A0D0-EEBBFAC270C3}" type="datetime1">
               <a:rPr lang="en-US" smtClean="0"/>
-              <a:t>7/31/2017</a:t>
+              <a:t>8/2/2017</a:t>
             </a:fld>
             <a:endParaRPr lang="en-US"/>
           </a:p>
@@ -3427,7 +3406,7 @@
           <a:p>
             <a:fld id="{C43DD526-D288-46A1-A4D7-93476E8857CB}" type="datetime1">
               <a:rPr lang="en-US" smtClean="0"/>
-              <a:t>7/31/2017</a:t>
+              <a:t>8/2/2017</a:t>
             </a:fld>
             <a:endParaRPr lang="en-US"/>
           </a:p>
@@ -3661,7 +3640,7 @@
           <a:p>
             <a:fld id="{A58ED832-FCD9-41A6-A822-7EC540C6BE8A}" type="datetime1">
               <a:rPr lang="en-US" smtClean="0"/>
-              <a:t>7/31/2017</a:t>
+              <a:t>8/2/2017</a:t>
             </a:fld>
             <a:endParaRPr lang="en-US"/>
           </a:p>
@@ -3886,7 +3865,7 @@
           <a:p>
             <a:fld id="{2063F7ED-387D-452A-9BB6-0D771C4E0657}" type="datetime1">
               <a:rPr lang="en-US" smtClean="0"/>
-              <a:t>7/31/2017</a:t>
+              <a:t>8/2/2017</a:t>
             </a:fld>
             <a:endParaRPr lang="en-US"/>
           </a:p>
@@ -4241,7 +4220,7 @@
           <a:p>
             <a:fld id="{5A577B89-8D2C-4C42-8DCA-2AF606673FAA}" type="datetime1">
               <a:rPr lang="en-US" smtClean="0"/>
-              <a:t>7/31/2017</a:t>
+              <a:t>8/2/2017</a:t>
             </a:fld>
             <a:endParaRPr lang="en-US"/>
           </a:p>
@@ -4352,7 +4331,7 @@
           <a:p>
             <a:fld id="{373D8DB6-B2FA-4209-BCC0-61E6BE769329}" type="datetime1">
               <a:rPr lang="en-US" smtClean="0"/>
-              <a:t>7/31/2017</a:t>
+              <a:t>8/2/2017</a:t>
             </a:fld>
             <a:endParaRPr lang="en-US"/>
           </a:p>
@@ -4435,7 +4414,7 @@
           <a:p>
             <a:fld id="{BDE8D1D6-1B9E-4997-97BB-F24CBF04A2C1}" type="datetime1">
               <a:rPr lang="en-US" smtClean="0"/>
-              <a:t>7/31/2017</a:t>
+              <a:t>8/2/2017</a:t>
             </a:fld>
             <a:endParaRPr lang="en-US"/>
           </a:p>
@@ -4700,7 +4679,7 @@
           <a:p>
             <a:fld id="{4A42FA36-6266-4DD4-9472-309DE61048F8}" type="datetime1">
               <a:rPr lang="en-US" smtClean="0"/>
-              <a:t>7/31/2017</a:t>
+              <a:t>8/2/2017</a:t>
             </a:fld>
             <a:endParaRPr lang="en-US"/>
           </a:p>
@@ -4941,7 +4920,7 @@
           <a:p>
             <a:fld id="{765A3943-7707-4AD3-9928-B95D8AF66B0F}" type="datetime1">
               <a:rPr lang="en-US" smtClean="0"/>
-              <a:t>7/31/2017</a:t>
+              <a:t>8/2/2017</a:t>
             </a:fld>
             <a:endParaRPr lang="en-US"/>
           </a:p>
@@ -5142,7 +5121,7 @@
           <a:p>
             <a:fld id="{65737EDE-5AD6-4348-ABA5-D7CA7E48E436}" type="datetime1">
               <a:rPr lang="en-US" smtClean="0"/>
-              <a:t>7/31/2017</a:t>
+              <a:t>8/2/2017</a:t>
             </a:fld>
             <a:endParaRPr lang="en-US" dirty="0"/>
           </a:p>
@@ -5745,7 +5724,7 @@
           <p:nvPr/>
         </p:nvPicPr>
         <p:blipFill>
-          <a:blip r:embed="rId5">
+          <a:blip r:embed="rId3">
             <a:extLst>
               <a:ext uri="{28A0092B-C50C-407E-A947-70E740481C1C}">
                 <a14:useLocalDpi xmlns:a14="http://schemas.microsoft.com/office/drawing/2010/main" val="0"/>
@@ -5932,7 +5911,7 @@
           <p:nvPr/>
         </p:nvPicPr>
         <p:blipFill>
-          <a:blip r:embed="rId6" cstate="print">
+          <a:blip r:embed="rId4" cstate="print">
             <a:extLst>
               <a:ext uri="{28A0092B-C50C-407E-A947-70E740481C1C}">
                 <a14:useLocalDpi xmlns:a14="http://schemas.microsoft.com/office/drawing/2010/main" val="0"/>
@@ -5962,7 +5941,7 @@
           <p:nvPr/>
         </p:nvPicPr>
         <p:blipFill>
-          <a:blip r:embed="rId7">
+          <a:blip r:embed="rId5">
             <a:extLst>
               <a:ext uri="{28A0092B-C50C-407E-A947-70E740481C1C}">
                 <a14:useLocalDpi xmlns:a14="http://schemas.microsoft.com/office/drawing/2010/main" val="0"/>
@@ -5977,39 +5956,6 @@
           <a:xfrm>
             <a:off x="10360263" y="4663454"/>
             <a:ext cx="1831737" cy="1724514"/>
-          </a:xfrm>
-          <a:prstGeom prst="rect">
-            <a:avLst/>
-          </a:prstGeom>
-        </p:spPr>
-      </p:pic>
-      <p:pic>
-        <p:nvPicPr>
-          <p:cNvPr id="3" name="Audio 2">
-            <a:hlinkClick r:id="" action="ppaction://media"/>
-          </p:cNvPr>
-          <p:cNvPicPr>
-            <a:picLocks noChangeAspect="1"/>
-          </p:cNvPicPr>
-          <p:nvPr>
-            <a:audioFile r:link="rId2"/>
-            <p:extLst>
-              <p:ext uri="{DAA4B4D4-6D71-4841-9C94-3DE7FCFB9230}">
-                <p14:media xmlns:p14="http://schemas.microsoft.com/office/powerpoint/2010/main" r:embed="rId1"/>
-              </p:ext>
-            </p:extLst>
-          </p:nvPr>
-        </p:nvPicPr>
-        <p:blipFill>
-          <a:blip r:embed="rId8"/>
-          <a:stretch>
-            <a:fillRect/>
-          </a:stretch>
-        </p:blipFill>
-        <p:spPr>
-          <a:xfrm>
-            <a:off x="11430000" y="6096000"/>
-            <a:ext cx="609600" cy="609600"/>
           </a:xfrm>
           <a:prstGeom prst="rect">
             <a:avLst/>
@@ -6037,87 +5983,7 @@
   <p:timing>
     <p:tnLst>
       <p:par>
-        <p:cTn id="1" dur="indefinite" restart="never" nodeType="tmRoot">
-          <p:childTnLst>
-            <p:seq concurrent="1" nextAc="seek">
-              <p:cTn id="2" dur="indefinite" nodeType="mainSeq">
-                <p:childTnLst>
-                  <p:par>
-                    <p:cTn id="3" fill="hold">
-                      <p:stCondLst>
-                        <p:cond delay="indefinite"/>
-                        <p:cond evt="onBegin" delay="0">
-                          <p:tn val="2"/>
-                        </p:cond>
-                      </p:stCondLst>
-                      <p:childTnLst>
-                        <p:par>
-                          <p:cTn id="4" fill="hold">
-                            <p:stCondLst>
-                              <p:cond delay="0"/>
-                            </p:stCondLst>
-                            <p:childTnLst>
-                              <p:par>
-                                <p:cTn id="5" presetID="1" presetClass="mediacall" presetSubtype="0" fill="hold" nodeType="afterEffect">
-                                  <p:stCondLst>
-                                    <p:cond delay="0"/>
-                                  </p:stCondLst>
-                                  <p:childTnLst>
-                                    <p:cmd type="call" cmd="playFrom(0.0)">
-                                      <p:cBhvr>
-                                        <p:cTn id="6" dur="1" fill="hold"/>
-                                        <p:tgtEl>
-                                          <p:spTgt spid="3"/>
-                                        </p:tgtEl>
-                                      </p:cBhvr>
-                                    </p:cmd>
-                                  </p:childTnLst>
-                                </p:cTn>
-                              </p:par>
-                            </p:childTnLst>
-                          </p:cTn>
-                        </p:par>
-                      </p:childTnLst>
-                    </p:cTn>
-                  </p:par>
-                </p:childTnLst>
-              </p:cTn>
-              <p:prevCondLst>
-                <p:cond evt="onPrev" delay="0">
-                  <p:tgtEl>
-                    <p:sldTgt/>
-                  </p:tgtEl>
-                </p:cond>
-              </p:prevCondLst>
-              <p:nextCondLst>
-                <p:cond evt="onNext" delay="0">
-                  <p:tgtEl>
-                    <p:sldTgt/>
-                  </p:tgtEl>
-                </p:cond>
-              </p:nextCondLst>
-            </p:seq>
-            <p:audio isNarration="1">
-              <p:cMediaNode vol="80000" showWhenStopped="0">
-                <p:cTn id="7" fill="hold" display="0">
-                  <p:stCondLst>
-                    <p:cond delay="indefinite"/>
-                  </p:stCondLst>
-                  <p:endCondLst>
-                    <p:cond evt="onStopAudio" delay="0">
-                      <p:tgtEl>
-                        <p:sldTgt/>
-                      </p:tgtEl>
-                    </p:cond>
-                  </p:endCondLst>
-                </p:cTn>
-                <p:tgtEl>
-                  <p:spTgt spid="3"/>
-                </p:tgtEl>
-              </p:cMediaNode>
-            </p:audio>
-          </p:childTnLst>
-        </p:cTn>
+        <p:cTn id="1" dur="indefinite" restart="never" nodeType="tmRoot"/>
       </p:par>
     </p:tnLst>
   </p:timing>
@@ -6125,820 +5991,6 @@
 </file>
 
 <file path=ppt/slides/slide10.xml><?xml version="1.0" encoding="utf-8"?>
-<p:sld xmlns:a="http://schemas.openxmlformats.org/drawingml/2006/main" xmlns:r="http://schemas.openxmlformats.org/officeDocument/2006/relationships" xmlns:p="http://schemas.openxmlformats.org/presentationml/2006/main">
-  <p:cSld>
-    <p:spTree>
-      <p:nvGrpSpPr>
-        <p:cNvPr id="1" name=""/>
-        <p:cNvGrpSpPr/>
-        <p:nvPr/>
-      </p:nvGrpSpPr>
-      <p:grpSpPr>
-        <a:xfrm>
-          <a:off x="0" y="0"/>
-          <a:ext cx="0" cy="0"/>
-          <a:chOff x="0" y="0"/>
-          <a:chExt cx="0" cy="0"/>
-        </a:xfrm>
-      </p:grpSpPr>
-      <p:sp>
-        <p:nvSpPr>
-          <p:cNvPr id="9" name="Footer Placeholder 3"/>
-          <p:cNvSpPr>
-            <a:spLocks noGrp="1" noChangeAspect="1"/>
-          </p:cNvSpPr>
-          <p:nvPr>
-            <p:ph type="ftr" sz="quarter" idx="11"/>
-          </p:nvPr>
-        </p:nvSpPr>
-        <p:spPr/>
-        <p:txBody>
-          <a:bodyPr/>
-          <a:lstStyle/>
-          <a:p>
-            <a:r>
-              <a:rPr lang="en-US" dirty="0" smtClean="0"/>
-              <a:t>Architecture Group</a:t>
-            </a:r>
-            <a:endParaRPr lang="en-US" dirty="0"/>
-          </a:p>
-        </p:txBody>
-      </p:sp>
-      <p:sp>
-        <p:nvSpPr>
-          <p:cNvPr id="2" name="Title 1"/>
-          <p:cNvSpPr>
-            <a:spLocks noGrp="1" noChangeAspect="1"/>
-          </p:cNvSpPr>
-          <p:nvPr>
-            <p:ph type="title"/>
-          </p:nvPr>
-        </p:nvSpPr>
-        <p:spPr/>
-        <p:txBody>
-          <a:bodyPr>
-            <a:normAutofit fontScale="90000"/>
-          </a:bodyPr>
-          <a:lstStyle/>
-          <a:p>
-            <a:r>
-              <a:rPr lang="en-US" dirty="0"/>
-              <a:t>Formalization in AADL/AGREE</a:t>
-            </a:r>
-            <a:br>
-              <a:rPr lang="en-US" dirty="0"/>
-            </a:br>
-            <a:r>
-              <a:rPr lang="en-US" dirty="0" err="1" smtClean="0"/>
-              <a:t>UxAS</a:t>
-            </a:r>
-            <a:r>
-              <a:rPr lang="en-US" dirty="0" smtClean="0"/>
-              <a:t> Formal Model Status</a:t>
-            </a:r>
-            <a:endParaRPr lang="en-US" dirty="0"/>
-          </a:p>
-        </p:txBody>
-      </p:sp>
-      <p:sp>
-        <p:nvSpPr>
-          <p:cNvPr id="4" name="TextBox 3"/>
-          <p:cNvSpPr txBox="1">
-            <a:spLocks noChangeAspect="1"/>
-          </p:cNvSpPr>
-          <p:nvPr/>
-        </p:nvSpPr>
-        <p:spPr>
-          <a:xfrm>
-            <a:off x="354621" y="372979"/>
-            <a:ext cx="3447547" cy="369332"/>
-          </a:xfrm>
-          <a:prstGeom prst="rect">
-            <a:avLst/>
-          </a:prstGeom>
-          <a:noFill/>
-        </p:spPr>
-        <p:txBody>
-          <a:bodyPr wrap="none" rtlCol="0">
-            <a:spAutoFit/>
-          </a:bodyPr>
-          <a:lstStyle/>
-          <a:p>
-            <a:r>
-              <a:rPr lang="en-US" dirty="0">
-                <a:solidFill>
-                  <a:srgbClr val="FF0000"/>
-                </a:solidFill>
-              </a:rPr>
-              <a:t>Add legible headers for all sections</a:t>
-            </a:r>
-          </a:p>
-        </p:txBody>
-      </p:sp>
-      <p:grpSp>
-        <p:nvGrpSpPr>
-          <p:cNvPr id="41" name="Group 40"/>
-          <p:cNvGrpSpPr>
-            <a:grpSpLocks noChangeAspect="1"/>
-          </p:cNvGrpSpPr>
-          <p:nvPr/>
-        </p:nvGrpSpPr>
-        <p:grpSpPr>
-          <a:xfrm>
-            <a:off x="51245" y="2299422"/>
-            <a:ext cx="5253075" cy="4447849"/>
-            <a:chOff x="210065" y="1395738"/>
-            <a:chExt cx="3927840" cy="3325755"/>
-          </a:xfrm>
-        </p:grpSpPr>
-        <p:sp>
-          <p:nvSpPr>
-            <p:cNvPr id="20" name="Rectangle 19"/>
-            <p:cNvSpPr/>
-            <p:nvPr/>
-          </p:nvSpPr>
-          <p:spPr>
-            <a:xfrm>
-              <a:off x="210065" y="1395738"/>
-              <a:ext cx="3927840" cy="3325755"/>
-            </a:xfrm>
-            <a:prstGeom prst="rect">
-              <a:avLst/>
-            </a:prstGeom>
-            <a:solidFill>
-              <a:schemeClr val="bg1"/>
-            </a:solidFill>
-            <a:ln>
-              <a:solidFill>
-                <a:schemeClr val="tx1"/>
-              </a:solidFill>
-            </a:ln>
-            <a:effectLst>
-              <a:outerShdw blurRad="50800" dist="38100" dir="2700000" algn="tl" rotWithShape="0">
-                <a:prstClr val="black">
-                  <a:alpha val="40000"/>
-                </a:prstClr>
-              </a:outerShdw>
-            </a:effectLst>
-          </p:spPr>
-          <p:style>
-            <a:lnRef idx="2">
-              <a:schemeClr val="accent1">
-                <a:shade val="50000"/>
-              </a:schemeClr>
-            </a:lnRef>
-            <a:fillRef idx="1">
-              <a:schemeClr val="accent1"/>
-            </a:fillRef>
-            <a:effectRef idx="0">
-              <a:schemeClr val="accent1"/>
-            </a:effectRef>
-            <a:fontRef idx="minor">
-              <a:schemeClr val="lt1"/>
-            </a:fontRef>
-          </p:style>
-          <p:txBody>
-            <a:bodyPr rtlCol="0" anchor="ctr"/>
-            <a:lstStyle/>
-            <a:p>
-              <a:pPr algn="ctr"/>
-              <a:endParaRPr lang="en-US">
-                <a:solidFill>
-                  <a:prstClr val="white"/>
-                </a:solidFill>
-              </a:endParaRPr>
-            </a:p>
-          </p:txBody>
-        </p:sp>
-        <p:sp>
-          <p:nvSpPr>
-            <p:cNvPr id="40" name="TextBox 39"/>
-            <p:cNvSpPr txBox="1"/>
-            <p:nvPr/>
-          </p:nvSpPr>
-          <p:spPr>
-            <a:xfrm>
-              <a:off x="1697915" y="1433034"/>
-              <a:ext cx="952137" cy="361396"/>
-            </a:xfrm>
-            <a:prstGeom prst="rect">
-              <a:avLst/>
-            </a:prstGeom>
-            <a:noFill/>
-          </p:spPr>
-          <p:txBody>
-            <a:bodyPr wrap="none" rtlCol="0">
-              <a:spAutoFit/>
-            </a:bodyPr>
-            <a:lstStyle/>
-            <a:p>
-              <a:pPr algn="ctr"/>
-              <a:r>
-                <a:rPr lang="en-US" sz="2000" b="1" dirty="0" smtClean="0">
-                  <a:solidFill>
-                    <a:prstClr val="black"/>
-                  </a:solidFill>
-                </a:rPr>
-                <a:t>Services</a:t>
-              </a:r>
-              <a:endParaRPr lang="en-US" sz="2000" b="1" dirty="0">
-                <a:solidFill>
-                  <a:prstClr val="black"/>
-                </a:solidFill>
-              </a:endParaRPr>
-            </a:p>
-          </p:txBody>
-        </p:sp>
-      </p:grpSp>
-      <p:grpSp>
-        <p:nvGrpSpPr>
-          <p:cNvPr id="45" name="Group 44"/>
-          <p:cNvGrpSpPr>
-            <a:grpSpLocks noChangeAspect="1"/>
-          </p:cNvGrpSpPr>
-          <p:nvPr/>
-        </p:nvGrpSpPr>
-        <p:grpSpPr>
-          <a:xfrm>
-            <a:off x="5411690" y="1267285"/>
-            <a:ext cx="4570821" cy="3439129"/>
-            <a:chOff x="4559057" y="1479288"/>
-            <a:chExt cx="3962966" cy="2981773"/>
-          </a:xfrm>
-        </p:grpSpPr>
-        <p:sp>
-          <p:nvSpPr>
-            <p:cNvPr id="18" name="Rectangle 17"/>
-            <p:cNvSpPr/>
-            <p:nvPr/>
-          </p:nvSpPr>
-          <p:spPr>
-            <a:xfrm>
-              <a:off x="4559057" y="1479288"/>
-              <a:ext cx="3962966" cy="2981773"/>
-            </a:xfrm>
-            <a:prstGeom prst="rect">
-              <a:avLst/>
-            </a:prstGeom>
-            <a:solidFill>
-              <a:schemeClr val="bg1"/>
-            </a:solidFill>
-            <a:ln>
-              <a:solidFill>
-                <a:schemeClr val="tx1"/>
-              </a:solidFill>
-            </a:ln>
-            <a:effectLst>
-              <a:outerShdw blurRad="50800" dist="38100" dir="2700000" algn="tl" rotWithShape="0">
-                <a:prstClr val="black">
-                  <a:alpha val="40000"/>
-                </a:prstClr>
-              </a:outerShdw>
-            </a:effectLst>
-          </p:spPr>
-          <p:style>
-            <a:lnRef idx="2">
-              <a:schemeClr val="accent1">
-                <a:shade val="50000"/>
-              </a:schemeClr>
-            </a:lnRef>
-            <a:fillRef idx="1">
-              <a:schemeClr val="accent1"/>
-            </a:fillRef>
-            <a:effectRef idx="0">
-              <a:schemeClr val="accent1"/>
-            </a:effectRef>
-            <a:fontRef idx="minor">
-              <a:schemeClr val="lt1"/>
-            </a:fontRef>
-          </p:style>
-          <p:txBody>
-            <a:bodyPr rtlCol="0" anchor="ctr"/>
-            <a:lstStyle/>
-            <a:p>
-              <a:pPr algn="ctr"/>
-              <a:endParaRPr lang="en-US">
-                <a:solidFill>
-                  <a:prstClr val="white"/>
-                </a:solidFill>
-              </a:endParaRPr>
-            </a:p>
-          </p:txBody>
-        </p:sp>
-        <p:pic>
-          <p:nvPicPr>
-            <p:cNvPr id="13" name="Picture 12"/>
-            <p:cNvPicPr>
-              <a:picLocks noChangeAspect="1"/>
-            </p:cNvPicPr>
-            <p:nvPr/>
-          </p:nvPicPr>
-          <p:blipFill rotWithShape="1">
-            <a:blip r:embed="rId2"/>
-            <a:srcRect t="4780" b="50278"/>
-            <a:stretch/>
-          </p:blipFill>
-          <p:spPr>
-            <a:xfrm>
-              <a:off x="4677558" y="1953879"/>
-              <a:ext cx="3755461" cy="2419350"/>
-            </a:xfrm>
-            <a:prstGeom prst="rect">
-              <a:avLst/>
-            </a:prstGeom>
-          </p:spPr>
-        </p:pic>
-        <p:sp>
-          <p:nvSpPr>
-            <p:cNvPr id="42" name="TextBox 41"/>
-            <p:cNvSpPr txBox="1"/>
-            <p:nvPr/>
-          </p:nvSpPr>
-          <p:spPr>
-            <a:xfrm>
-              <a:off x="6186829" y="1516919"/>
-              <a:ext cx="745012" cy="400110"/>
-            </a:xfrm>
-            <a:prstGeom prst="rect">
-              <a:avLst/>
-            </a:prstGeom>
-            <a:noFill/>
-          </p:spPr>
-          <p:txBody>
-            <a:bodyPr wrap="none" rtlCol="0">
-              <a:spAutoFit/>
-            </a:bodyPr>
-            <a:lstStyle/>
-            <a:p>
-              <a:r>
-                <a:rPr lang="en-US" sz="2000" b="1" dirty="0" smtClean="0">
-                  <a:solidFill>
-                    <a:prstClr val="black"/>
-                  </a:solidFill>
-                </a:rPr>
-                <a:t>Tasks</a:t>
-              </a:r>
-              <a:endParaRPr lang="en-US" sz="2000" b="1" dirty="0">
-                <a:solidFill>
-                  <a:prstClr val="black"/>
-                </a:solidFill>
-              </a:endParaRPr>
-            </a:p>
-          </p:txBody>
-        </p:sp>
-      </p:grpSp>
-      <p:grpSp>
-        <p:nvGrpSpPr>
-          <p:cNvPr id="47" name="Group 46"/>
-          <p:cNvGrpSpPr>
-            <a:grpSpLocks noChangeAspect="1"/>
-          </p:cNvGrpSpPr>
-          <p:nvPr/>
-        </p:nvGrpSpPr>
-        <p:grpSpPr>
-          <a:xfrm>
-            <a:off x="212948" y="253992"/>
-            <a:ext cx="4109041" cy="1911944"/>
-            <a:chOff x="539159" y="4178744"/>
-            <a:chExt cx="4109041" cy="1911944"/>
-          </a:xfrm>
-        </p:grpSpPr>
-        <p:sp>
-          <p:nvSpPr>
-            <p:cNvPr id="28" name="Rectangle 27"/>
-            <p:cNvSpPr/>
-            <p:nvPr/>
-          </p:nvSpPr>
-          <p:spPr>
-            <a:xfrm>
-              <a:off x="539159" y="4178744"/>
-              <a:ext cx="4109041" cy="1911944"/>
-            </a:xfrm>
-            <a:prstGeom prst="rect">
-              <a:avLst/>
-            </a:prstGeom>
-            <a:solidFill>
-              <a:schemeClr val="bg1"/>
-            </a:solidFill>
-            <a:ln>
-              <a:solidFill>
-                <a:schemeClr val="tx1"/>
-              </a:solidFill>
-            </a:ln>
-            <a:effectLst>
-              <a:outerShdw blurRad="50800" dist="38100" dir="2700000" algn="tl" rotWithShape="0">
-                <a:prstClr val="black">
-                  <a:alpha val="40000"/>
-                </a:prstClr>
-              </a:outerShdw>
-            </a:effectLst>
-          </p:spPr>
-          <p:style>
-            <a:lnRef idx="2">
-              <a:schemeClr val="accent1">
-                <a:shade val="50000"/>
-              </a:schemeClr>
-            </a:lnRef>
-            <a:fillRef idx="1">
-              <a:schemeClr val="accent1"/>
-            </a:fillRef>
-            <a:effectRef idx="0">
-              <a:schemeClr val="accent1"/>
-            </a:effectRef>
-            <a:fontRef idx="minor">
-              <a:schemeClr val="lt1"/>
-            </a:fontRef>
-          </p:style>
-          <p:txBody>
-            <a:bodyPr rtlCol="0" anchor="ctr"/>
-            <a:lstStyle/>
-            <a:p>
-              <a:pPr algn="ctr"/>
-              <a:endParaRPr lang="en-US">
-                <a:solidFill>
-                  <a:prstClr val="white"/>
-                </a:solidFill>
-              </a:endParaRPr>
-            </a:p>
-          </p:txBody>
-        </p:sp>
-        <p:pic>
-          <p:nvPicPr>
-            <p:cNvPr id="21" name="Picture 20"/>
-            <p:cNvPicPr>
-              <a:picLocks noChangeAspect="1"/>
-            </p:cNvPicPr>
-            <p:nvPr/>
-          </p:nvPicPr>
-          <p:blipFill rotWithShape="1">
-            <a:blip r:embed="rId2"/>
-            <a:srcRect t="76457"/>
-            <a:stretch/>
-          </p:blipFill>
-          <p:spPr>
-            <a:xfrm>
-              <a:off x="650792" y="4608766"/>
-              <a:ext cx="3908265" cy="1423120"/>
-            </a:xfrm>
-            <a:prstGeom prst="rect">
-              <a:avLst/>
-            </a:prstGeom>
-          </p:spPr>
-        </p:pic>
-        <p:sp>
-          <p:nvSpPr>
-            <p:cNvPr id="44" name="TextBox 43"/>
-            <p:cNvSpPr txBox="1"/>
-            <p:nvPr/>
-          </p:nvSpPr>
-          <p:spPr>
-            <a:xfrm>
-              <a:off x="1929130" y="4193700"/>
-              <a:ext cx="1351588" cy="400110"/>
-            </a:xfrm>
-            <a:prstGeom prst="rect">
-              <a:avLst/>
-            </a:prstGeom>
-            <a:noFill/>
-          </p:spPr>
-          <p:txBody>
-            <a:bodyPr wrap="none" rtlCol="0">
-              <a:spAutoFit/>
-            </a:bodyPr>
-            <a:lstStyle/>
-            <a:p>
-              <a:r>
-                <a:rPr lang="en-US" sz="2000" b="1" dirty="0" smtClean="0">
-                  <a:solidFill>
-                    <a:prstClr val="black"/>
-                  </a:solidFill>
-                </a:rPr>
-                <a:t>Data Types</a:t>
-              </a:r>
-              <a:endParaRPr lang="en-US" sz="2000" b="1" dirty="0">
-                <a:solidFill>
-                  <a:prstClr val="black"/>
-                </a:solidFill>
-              </a:endParaRPr>
-            </a:p>
-          </p:txBody>
-        </p:sp>
-      </p:grpSp>
-      <p:grpSp>
-        <p:nvGrpSpPr>
-          <p:cNvPr id="46" name="Group 45"/>
-          <p:cNvGrpSpPr>
-            <a:grpSpLocks noChangeAspect="1"/>
-          </p:cNvGrpSpPr>
-          <p:nvPr/>
-        </p:nvGrpSpPr>
-        <p:grpSpPr>
-          <a:xfrm>
-            <a:off x="5446772" y="4791656"/>
-            <a:ext cx="4512694" cy="1059101"/>
-            <a:chOff x="7348849" y="1337771"/>
-            <a:chExt cx="4436213" cy="1041152"/>
-          </a:xfrm>
-        </p:grpSpPr>
-        <p:sp>
-          <p:nvSpPr>
-            <p:cNvPr id="19" name="Rectangle 18"/>
-            <p:cNvSpPr/>
-            <p:nvPr/>
-          </p:nvSpPr>
-          <p:spPr>
-            <a:xfrm>
-              <a:off x="7348849" y="1351267"/>
-              <a:ext cx="4436213" cy="1027656"/>
-            </a:xfrm>
-            <a:prstGeom prst="rect">
-              <a:avLst/>
-            </a:prstGeom>
-            <a:solidFill>
-              <a:schemeClr val="bg1"/>
-            </a:solidFill>
-            <a:ln>
-              <a:solidFill>
-                <a:schemeClr val="tx1"/>
-              </a:solidFill>
-            </a:ln>
-            <a:effectLst>
-              <a:outerShdw blurRad="50800" dist="38100" dir="2700000" algn="tl" rotWithShape="0">
-                <a:prstClr val="black">
-                  <a:alpha val="40000"/>
-                </a:prstClr>
-              </a:outerShdw>
-            </a:effectLst>
-          </p:spPr>
-          <p:style>
-            <a:lnRef idx="2">
-              <a:schemeClr val="accent1">
-                <a:shade val="50000"/>
-              </a:schemeClr>
-            </a:lnRef>
-            <a:fillRef idx="1">
-              <a:schemeClr val="accent1"/>
-            </a:fillRef>
-            <a:effectRef idx="0">
-              <a:schemeClr val="accent1"/>
-            </a:effectRef>
-            <a:fontRef idx="minor">
-              <a:schemeClr val="lt1"/>
-            </a:fontRef>
-          </p:style>
-          <p:txBody>
-            <a:bodyPr rtlCol="0" anchor="ctr"/>
-            <a:lstStyle/>
-            <a:p>
-              <a:pPr algn="ctr"/>
-              <a:endParaRPr lang="en-US">
-                <a:solidFill>
-                  <a:prstClr val="white"/>
-                </a:solidFill>
-              </a:endParaRPr>
-            </a:p>
-          </p:txBody>
-        </p:sp>
-        <p:pic>
-          <p:nvPicPr>
-            <p:cNvPr id="16" name="Picture 15"/>
-            <p:cNvPicPr>
-              <a:picLocks noChangeAspect="1"/>
-            </p:cNvPicPr>
-            <p:nvPr/>
-          </p:nvPicPr>
-          <p:blipFill rotWithShape="1">
-            <a:blip r:embed="rId2"/>
-            <a:srcRect t="59201" b="31067"/>
-            <a:stretch/>
-          </p:blipFill>
-          <p:spPr>
-            <a:xfrm>
-              <a:off x="7404824" y="1741727"/>
-              <a:ext cx="4337287" cy="605037"/>
-            </a:xfrm>
-            <a:prstGeom prst="rect">
-              <a:avLst/>
-            </a:prstGeom>
-          </p:spPr>
-        </p:pic>
-        <p:sp>
-          <p:nvSpPr>
-            <p:cNvPr id="43" name="TextBox 42"/>
-            <p:cNvSpPr txBox="1"/>
-            <p:nvPr/>
-          </p:nvSpPr>
-          <p:spPr>
-            <a:xfrm>
-              <a:off x="8965668" y="1337771"/>
-              <a:ext cx="1202573" cy="400110"/>
-            </a:xfrm>
-            <a:prstGeom prst="rect">
-              <a:avLst/>
-            </a:prstGeom>
-            <a:noFill/>
-          </p:spPr>
-          <p:txBody>
-            <a:bodyPr wrap="none" rtlCol="0">
-              <a:spAutoFit/>
-            </a:bodyPr>
-            <a:lstStyle/>
-            <a:p>
-              <a:pPr algn="ctr"/>
-              <a:r>
-                <a:rPr lang="en-US" sz="2000" b="1" dirty="0" smtClean="0">
-                  <a:solidFill>
-                    <a:prstClr val="black"/>
-                  </a:solidFill>
-                </a:rPr>
-                <a:t>Scenarios</a:t>
-              </a:r>
-              <a:endParaRPr lang="en-US" sz="2000" b="1" dirty="0">
-                <a:solidFill>
-                  <a:prstClr val="black"/>
-                </a:solidFill>
-              </a:endParaRPr>
-            </a:p>
-          </p:txBody>
-        </p:sp>
-      </p:grpSp>
-      <p:sp>
-        <p:nvSpPr>
-          <p:cNvPr id="22" name="Footer Placeholder 3"/>
-          <p:cNvSpPr txBox="1">
-            <a:spLocks/>
-          </p:cNvSpPr>
-          <p:nvPr/>
-        </p:nvSpPr>
-        <p:spPr>
-          <a:xfrm>
-            <a:off x="7025382" y="6429730"/>
-            <a:ext cx="4532586" cy="306936"/>
-          </a:xfrm>
-          <a:prstGeom prst="rect">
-            <a:avLst/>
-          </a:prstGeom>
-        </p:spPr>
-        <p:txBody>
-          <a:bodyPr vert="horz" lIns="91440" tIns="45720" rIns="91440" bIns="45720" rtlCol="0" anchor="ctr"/>
-          <a:lstStyle>
-            <a:defPPr>
-              <a:defRPr lang="en-US"/>
-            </a:defPPr>
-            <a:lvl1pPr marL="0" algn="ctr" defTabSz="914400" rtl="0" eaLnBrk="1" latinLnBrk="0" hangingPunct="1">
-              <a:defRPr sz="1400" kern="1200">
-                <a:solidFill>
-                  <a:srgbClr val="000000"/>
-                </a:solidFill>
-                <a:latin typeface="+mn-lt"/>
-                <a:ea typeface="+mn-ea"/>
-                <a:cs typeface="+mn-cs"/>
-              </a:defRPr>
-            </a:lvl1pPr>
-            <a:lvl2pPr marL="457200" algn="l" defTabSz="914400" rtl="0" eaLnBrk="1" latinLnBrk="0" hangingPunct="1">
-              <a:defRPr sz="1800" kern="1200">
-                <a:solidFill>
-                  <a:schemeClr val="tx1"/>
-                </a:solidFill>
-                <a:latin typeface="+mn-lt"/>
-                <a:ea typeface="+mn-ea"/>
-                <a:cs typeface="+mn-cs"/>
-              </a:defRPr>
-            </a:lvl2pPr>
-            <a:lvl3pPr marL="914400" algn="l" defTabSz="914400" rtl="0" eaLnBrk="1" latinLnBrk="0" hangingPunct="1">
-              <a:defRPr sz="1800" kern="1200">
-                <a:solidFill>
-                  <a:schemeClr val="tx1"/>
-                </a:solidFill>
-                <a:latin typeface="+mn-lt"/>
-                <a:ea typeface="+mn-ea"/>
-                <a:cs typeface="+mn-cs"/>
-              </a:defRPr>
-            </a:lvl3pPr>
-            <a:lvl4pPr marL="1371600" algn="l" defTabSz="914400" rtl="0" eaLnBrk="1" latinLnBrk="0" hangingPunct="1">
-              <a:defRPr sz="1800" kern="1200">
-                <a:solidFill>
-                  <a:schemeClr val="tx1"/>
-                </a:solidFill>
-                <a:latin typeface="+mn-lt"/>
-                <a:ea typeface="+mn-ea"/>
-                <a:cs typeface="+mn-cs"/>
-              </a:defRPr>
-            </a:lvl4pPr>
-            <a:lvl5pPr marL="1828800" algn="l" defTabSz="914400" rtl="0" eaLnBrk="1" latinLnBrk="0" hangingPunct="1">
-              <a:defRPr sz="1800" kern="1200">
-                <a:solidFill>
-                  <a:schemeClr val="tx1"/>
-                </a:solidFill>
-                <a:latin typeface="+mn-lt"/>
-                <a:ea typeface="+mn-ea"/>
-                <a:cs typeface="+mn-cs"/>
-              </a:defRPr>
-            </a:lvl5pPr>
-            <a:lvl6pPr marL="2286000" algn="l" defTabSz="914400" rtl="0" eaLnBrk="1" latinLnBrk="0" hangingPunct="1">
-              <a:defRPr sz="1800" kern="1200">
-                <a:solidFill>
-                  <a:schemeClr val="tx1"/>
-                </a:solidFill>
-                <a:latin typeface="+mn-lt"/>
-                <a:ea typeface="+mn-ea"/>
-                <a:cs typeface="+mn-cs"/>
-              </a:defRPr>
-            </a:lvl6pPr>
-            <a:lvl7pPr marL="2743200" algn="l" defTabSz="914400" rtl="0" eaLnBrk="1" latinLnBrk="0" hangingPunct="1">
-              <a:defRPr sz="1800" kern="1200">
-                <a:solidFill>
-                  <a:schemeClr val="tx1"/>
-                </a:solidFill>
-                <a:latin typeface="+mn-lt"/>
-                <a:ea typeface="+mn-ea"/>
-                <a:cs typeface="+mn-cs"/>
-              </a:defRPr>
-            </a:lvl7pPr>
-            <a:lvl8pPr marL="3200400" algn="l" defTabSz="914400" rtl="0" eaLnBrk="1" latinLnBrk="0" hangingPunct="1">
-              <a:defRPr sz="1800" kern="1200">
-                <a:solidFill>
-                  <a:schemeClr val="tx1"/>
-                </a:solidFill>
-                <a:latin typeface="+mn-lt"/>
-                <a:ea typeface="+mn-ea"/>
-                <a:cs typeface="+mn-cs"/>
-              </a:defRPr>
-            </a:lvl8pPr>
-            <a:lvl9pPr marL="3657600" algn="l" defTabSz="914400" rtl="0" eaLnBrk="1" latinLnBrk="0" hangingPunct="1">
-              <a:defRPr sz="1800" kern="1200">
-                <a:solidFill>
-                  <a:schemeClr val="tx1"/>
-                </a:solidFill>
-                <a:latin typeface="+mn-lt"/>
-                <a:ea typeface="+mn-ea"/>
-                <a:cs typeface="+mn-cs"/>
-              </a:defRPr>
-            </a:lvl9pPr>
-          </a:lstStyle>
-          <a:p>
-            <a:pPr algn="l"/>
-            <a:r>
-              <a:rPr lang="en-US" dirty="0" smtClean="0"/>
-              <a:t>Rockwell Collins, Dependable Computing, AFRL/LinQuest</a:t>
-            </a:r>
-            <a:endParaRPr lang="en-US" dirty="0"/>
-          </a:p>
-        </p:txBody>
-      </p:sp>
-      <p:pic>
-        <p:nvPicPr>
-          <p:cNvPr id="5" name="Picture 4"/>
-          <p:cNvPicPr>
-            <a:picLocks noChangeAspect="1"/>
-          </p:cNvPicPr>
-          <p:nvPr/>
-        </p:nvPicPr>
-        <p:blipFill>
-          <a:blip r:embed="rId3"/>
-          <a:stretch>
-            <a:fillRect/>
-          </a:stretch>
-        </p:blipFill>
-        <p:spPr>
-          <a:xfrm>
-            <a:off x="106191" y="2723444"/>
-            <a:ext cx="5160387" cy="3965939"/>
-          </a:xfrm>
-          <a:prstGeom prst="rect">
-            <a:avLst/>
-          </a:prstGeom>
-        </p:spPr>
-      </p:pic>
-    </p:spTree>
-    <p:extLst>
-      <p:ext uri="{BB962C8B-B14F-4D97-AF65-F5344CB8AC3E}">
-        <p14:creationId xmlns:p14="http://schemas.microsoft.com/office/powerpoint/2010/main" val="2357698760"/>
-      </p:ext>
-    </p:extLst>
-  </p:cSld>
-  <p:clrMapOvr>
-    <a:masterClrMapping/>
-  </p:clrMapOvr>
-  <mc:AlternateContent xmlns:mc="http://schemas.openxmlformats.org/markup-compatibility/2006" xmlns:p14="http://schemas.microsoft.com/office/powerpoint/2010/main">
-    <mc:Choice Requires="p14">
-      <p:transition spd="slow" p14:dur="2000"/>
-    </mc:Choice>
-    <mc:Fallback xmlns="">
-      <p:transition spd="slow"/>
-    </mc:Fallback>
-  </mc:AlternateContent>
-  <p:timing>
-    <p:tnLst>
-      <p:par>
-        <p:cTn id="1" dur="indefinite" restart="never" nodeType="tmRoot"/>
-      </p:par>
-    </p:tnLst>
-  </p:timing>
-</p:sld>
-</file>
-
-<file path=ppt/slides/slide11.xml><?xml version="1.0" encoding="utf-8"?>
 <p:sld xmlns:a="http://schemas.openxmlformats.org/drawingml/2006/main" xmlns:r="http://schemas.openxmlformats.org/officeDocument/2006/relationships" xmlns:p="http://schemas.openxmlformats.org/presentationml/2006/main">
   <p:cSld>
     <p:spTree>
@@ -8031,7 +7083,7 @@
 </p:sld>
 </file>
 
-<file path=ppt/slides/slide12.xml><?xml version="1.0" encoding="utf-8"?>
+<file path=ppt/slides/slide11.xml><?xml version="1.0" encoding="utf-8"?>
 <p:sld xmlns:a="http://schemas.openxmlformats.org/drawingml/2006/main" xmlns:r="http://schemas.openxmlformats.org/officeDocument/2006/relationships" xmlns:p="http://schemas.openxmlformats.org/presentationml/2006/main">
   <p:cSld>
     <p:spTree>
@@ -8116,11 +7168,7 @@
             </a:pPr>
             <a:r>
               <a:rPr lang="en-US" dirty="0" smtClean="0"/>
-              <a:t>Checks that </a:t>
-            </a:r>
-            <a:r>
-              <a:rPr lang="en-US" dirty="0" smtClean="0"/>
-              <a:t>a component implementation is possible and that there are no conflicts amongst the guarantees in the component’s contract</a:t>
+              <a:t>Checks that a component implementation is possible and that there are no conflicts amongst the guarantees in the component’s contract</a:t>
             </a:r>
           </a:p>
           <a:p>
@@ -8129,11 +7177,7 @@
             </a:pPr>
             <a:r>
               <a:rPr lang="en-US" b="1" dirty="0" smtClean="0"/>
-              <a:t>Assume/guarantee </a:t>
-            </a:r>
-            <a:r>
-              <a:rPr lang="en-US" b="1" dirty="0" smtClean="0"/>
-              <a:t>reasoning</a:t>
+              <a:t>Assume/guarantee reasoning</a:t>
             </a:r>
           </a:p>
           <a:p>
@@ -8142,11 +7186,23 @@
             </a:pPr>
             <a:r>
               <a:rPr lang="en-US" dirty="0" smtClean="0"/>
-              <a:t>Checks that higher-level </a:t>
+              <a:t>Checks </a:t>
             </a:r>
             <a:r>
               <a:rPr lang="en-US" dirty="0" smtClean="0"/>
-              <a:t>guarantees and lemmas using the guarantees of the subcomponents, and check that the assumptions of the subcomponents hold</a:t>
+              <a:t>higher-level </a:t>
+            </a:r>
+            <a:r>
+              <a:rPr lang="en-US" dirty="0" smtClean="0"/>
+              <a:t>guarantees and lemmas using the guarantees of the subcomponents, and </a:t>
+            </a:r>
+            <a:r>
+              <a:rPr lang="en-US" dirty="0" smtClean="0"/>
+              <a:t>checks </a:t>
+            </a:r>
+            <a:r>
+              <a:rPr lang="en-US" dirty="0" smtClean="0"/>
+              <a:t>that the assumptions of the subcomponents hold</a:t>
             </a:r>
           </a:p>
           <a:p>
@@ -8479,10 +7535,10 @@
           <a:lstStyle/>
           <a:p>
             <a:r>
-              <a:rPr lang="en-US" smtClean="0"/>
+              <a:rPr lang="en-US" dirty="0" smtClean="0"/>
               <a:t>Architecture Group</a:t>
             </a:r>
-            <a:endParaRPr lang="en-US"/>
+            <a:endParaRPr lang="en-US" dirty="0"/>
           </a:p>
         </p:txBody>
       </p:sp>
@@ -8514,7 +7570,7 @@
 </p:sld>
 </file>
 
-<file path=ppt/slides/slide13.xml><?xml version="1.0" encoding="utf-8"?>
+<file path=ppt/slides/slide12.xml><?xml version="1.0" encoding="utf-8"?>
 <p:sld xmlns:a="http://schemas.openxmlformats.org/drawingml/2006/main" xmlns:r="http://schemas.openxmlformats.org/officeDocument/2006/relationships" xmlns:p="http://schemas.openxmlformats.org/presentationml/2006/main">
   <p:cSld>
     <p:spTree>
@@ -8874,7 +7930,7 @@
 </p:sld>
 </file>
 
-<file path=ppt/slides/slide14.xml><?xml version="1.0" encoding="utf-8"?>
+<file path=ppt/slides/slide13.xml><?xml version="1.0" encoding="utf-8"?>
 <p:sld xmlns:a="http://schemas.openxmlformats.org/drawingml/2006/main" xmlns:r="http://schemas.openxmlformats.org/officeDocument/2006/relationships" xmlns:p="http://schemas.openxmlformats.org/presentationml/2006/main">
   <p:cSld>
     <p:spTree>
@@ -9257,7 +8313,7 @@
 </p:sld>
 </file>
 
-<file path=ppt/slides/slide15.xml><?xml version="1.0" encoding="utf-8"?>
+<file path=ppt/slides/slide14.xml><?xml version="1.0" encoding="utf-8"?>
 <p:sld xmlns:a="http://schemas.openxmlformats.org/drawingml/2006/main" xmlns:r="http://schemas.openxmlformats.org/officeDocument/2006/relationships" xmlns:p="http://schemas.openxmlformats.org/presentationml/2006/main">
   <p:cSld>
     <p:spTree>
@@ -9796,7 +8852,7 @@
 </p:sld>
 </file>
 
-<file path=ppt/slides/slide16.xml><?xml version="1.0" encoding="utf-8"?>
+<file path=ppt/slides/slide15.xml><?xml version="1.0" encoding="utf-8"?>
 <p:sld xmlns:a="http://schemas.openxmlformats.org/drawingml/2006/main" xmlns:r="http://schemas.openxmlformats.org/officeDocument/2006/relationships" xmlns:p="http://schemas.openxmlformats.org/presentationml/2006/main">
   <p:cSld>
     <p:spTree>
@@ -11763,7 +10819,7 @@
 </p:sld>
 </file>
 
-<file path=ppt/slides/slide17.xml><?xml version="1.0" encoding="utf-8"?>
+<file path=ppt/slides/slide16.xml><?xml version="1.0" encoding="utf-8"?>
 <p:sld xmlns:a="http://schemas.openxmlformats.org/drawingml/2006/main" xmlns:r="http://schemas.openxmlformats.org/officeDocument/2006/relationships" xmlns:p="http://schemas.openxmlformats.org/presentationml/2006/main">
   <p:cSld>
     <p:spTree>
@@ -13774,7 +12830,7 @@
 </p:sld>
 </file>
 
-<file path=ppt/slides/slide18.xml><?xml version="1.0" encoding="utf-8"?>
+<file path=ppt/slides/slide17.xml><?xml version="1.0" encoding="utf-8"?>
 <p:sld xmlns:a="http://schemas.openxmlformats.org/drawingml/2006/main" xmlns:r="http://schemas.openxmlformats.org/officeDocument/2006/relationships" xmlns:p="http://schemas.openxmlformats.org/presentationml/2006/main">
   <p:cSld>
     <p:spTree>
@@ -14922,7 +13978,7 @@
 </p:sld>
 </file>
 
-<file path=ppt/slides/slide19.xml><?xml version="1.0" encoding="utf-8"?>
+<file path=ppt/slides/slide18.xml><?xml version="1.0" encoding="utf-8"?>
 <p:sld xmlns:a="http://schemas.openxmlformats.org/drawingml/2006/main" xmlns:r="http://schemas.openxmlformats.org/officeDocument/2006/relationships" xmlns:p="http://schemas.openxmlformats.org/presentationml/2006/main">
   <p:cSld>
     <p:spTree>
@@ -15973,6 +15029,238 @@
 </p:sld>
 </file>
 
+<file path=ppt/slides/slide19.xml><?xml version="1.0" encoding="utf-8"?>
+<p:sld xmlns:a="http://schemas.openxmlformats.org/drawingml/2006/main" xmlns:r="http://schemas.openxmlformats.org/officeDocument/2006/relationships" xmlns:p="http://schemas.openxmlformats.org/presentationml/2006/main">
+  <p:cSld>
+    <p:spTree>
+      <p:nvGrpSpPr>
+        <p:cNvPr id="1" name=""/>
+        <p:cNvGrpSpPr/>
+        <p:nvPr/>
+      </p:nvGrpSpPr>
+      <p:grpSpPr>
+        <a:xfrm>
+          <a:off x="0" y="0"/>
+          <a:ext cx="0" cy="0"/>
+          <a:chOff x="0" y="0"/>
+          <a:chExt cx="0" cy="0"/>
+        </a:xfrm>
+      </p:grpSpPr>
+      <p:sp>
+        <p:nvSpPr>
+          <p:cNvPr id="2" name="Title 1"/>
+          <p:cNvSpPr>
+            <a:spLocks noGrp="1"/>
+          </p:cNvSpPr>
+          <p:nvPr>
+            <p:ph type="title"/>
+          </p:nvPr>
+        </p:nvSpPr>
+        <p:spPr/>
+        <p:txBody>
+          <a:bodyPr>
+            <a:normAutofit fontScale="90000"/>
+          </a:bodyPr>
+          <a:lstStyle/>
+          <a:p>
+            <a:r>
+              <a:rPr lang="en-US" dirty="0"/>
+              <a:t>Modeling UxAS System Architecture in SADL Ontology</a:t>
+            </a:r>
+          </a:p>
+        </p:txBody>
+      </p:sp>
+      <p:pic>
+        <p:nvPicPr>
+          <p:cNvPr id="4" name="Picture 3"/>
+          <p:cNvPicPr>
+            <a:picLocks noChangeAspect="1"/>
+          </p:cNvPicPr>
+          <p:nvPr/>
+        </p:nvPicPr>
+        <p:blipFill>
+          <a:blip r:embed="rId3"/>
+          <a:stretch>
+            <a:fillRect/>
+          </a:stretch>
+        </p:blipFill>
+        <p:spPr>
+          <a:xfrm>
+            <a:off x="1128567" y="1514924"/>
+            <a:ext cx="9853662" cy="4678486"/>
+          </a:xfrm>
+          <a:prstGeom prst="rect">
+            <a:avLst/>
+          </a:prstGeom>
+        </p:spPr>
+      </p:pic>
+      <p:sp>
+        <p:nvSpPr>
+          <p:cNvPr id="5" name="Footer Placeholder 4"/>
+          <p:cNvSpPr>
+            <a:spLocks noGrp="1"/>
+          </p:cNvSpPr>
+          <p:nvPr>
+            <p:ph type="ftr" sz="quarter" idx="11"/>
+          </p:nvPr>
+        </p:nvSpPr>
+        <p:spPr/>
+        <p:txBody>
+          <a:bodyPr/>
+          <a:lstStyle/>
+          <a:p>
+            <a:r>
+              <a:rPr lang="en-US" smtClean="0"/>
+              <a:t>Architecture Group</a:t>
+            </a:r>
+            <a:endParaRPr lang="en-US"/>
+          </a:p>
+        </p:txBody>
+      </p:sp>
+      <p:sp>
+        <p:nvSpPr>
+          <p:cNvPr id="7" name="Footer Placeholder 3"/>
+          <p:cNvSpPr txBox="1">
+            <a:spLocks/>
+          </p:cNvSpPr>
+          <p:nvPr/>
+        </p:nvSpPr>
+        <p:spPr>
+          <a:xfrm>
+            <a:off x="102476" y="6437441"/>
+            <a:ext cx="4532586" cy="306936"/>
+          </a:xfrm>
+          <a:prstGeom prst="rect">
+            <a:avLst/>
+          </a:prstGeom>
+        </p:spPr>
+        <p:txBody>
+          <a:bodyPr vert="horz" lIns="91440" tIns="45720" rIns="91440" bIns="45720" rtlCol="0" anchor="ctr"/>
+          <a:lstStyle>
+            <a:defPPr>
+              <a:defRPr lang="en-US"/>
+            </a:defPPr>
+            <a:lvl1pPr marL="0" algn="ctr" defTabSz="914400" rtl="0" eaLnBrk="1" latinLnBrk="0" hangingPunct="1">
+              <a:defRPr sz="1400" kern="1200">
+                <a:solidFill>
+                  <a:srgbClr val="000000"/>
+                </a:solidFill>
+                <a:latin typeface="+mn-lt"/>
+                <a:ea typeface="+mn-ea"/>
+                <a:cs typeface="+mn-cs"/>
+              </a:defRPr>
+            </a:lvl1pPr>
+            <a:lvl2pPr marL="457200" algn="l" defTabSz="914400" rtl="0" eaLnBrk="1" latinLnBrk="0" hangingPunct="1">
+              <a:defRPr sz="1800" kern="1200">
+                <a:solidFill>
+                  <a:schemeClr val="tx1"/>
+                </a:solidFill>
+                <a:latin typeface="+mn-lt"/>
+                <a:ea typeface="+mn-ea"/>
+                <a:cs typeface="+mn-cs"/>
+              </a:defRPr>
+            </a:lvl2pPr>
+            <a:lvl3pPr marL="914400" algn="l" defTabSz="914400" rtl="0" eaLnBrk="1" latinLnBrk="0" hangingPunct="1">
+              <a:defRPr sz="1800" kern="1200">
+                <a:solidFill>
+                  <a:schemeClr val="tx1"/>
+                </a:solidFill>
+                <a:latin typeface="+mn-lt"/>
+                <a:ea typeface="+mn-ea"/>
+                <a:cs typeface="+mn-cs"/>
+              </a:defRPr>
+            </a:lvl3pPr>
+            <a:lvl4pPr marL="1371600" algn="l" defTabSz="914400" rtl="0" eaLnBrk="1" latinLnBrk="0" hangingPunct="1">
+              <a:defRPr sz="1800" kern="1200">
+                <a:solidFill>
+                  <a:schemeClr val="tx1"/>
+                </a:solidFill>
+                <a:latin typeface="+mn-lt"/>
+                <a:ea typeface="+mn-ea"/>
+                <a:cs typeface="+mn-cs"/>
+              </a:defRPr>
+            </a:lvl4pPr>
+            <a:lvl5pPr marL="1828800" algn="l" defTabSz="914400" rtl="0" eaLnBrk="1" latinLnBrk="0" hangingPunct="1">
+              <a:defRPr sz="1800" kern="1200">
+                <a:solidFill>
+                  <a:schemeClr val="tx1"/>
+                </a:solidFill>
+                <a:latin typeface="+mn-lt"/>
+                <a:ea typeface="+mn-ea"/>
+                <a:cs typeface="+mn-cs"/>
+              </a:defRPr>
+            </a:lvl5pPr>
+            <a:lvl6pPr marL="2286000" algn="l" defTabSz="914400" rtl="0" eaLnBrk="1" latinLnBrk="0" hangingPunct="1">
+              <a:defRPr sz="1800" kern="1200">
+                <a:solidFill>
+                  <a:schemeClr val="tx1"/>
+                </a:solidFill>
+                <a:latin typeface="+mn-lt"/>
+                <a:ea typeface="+mn-ea"/>
+                <a:cs typeface="+mn-cs"/>
+              </a:defRPr>
+            </a:lvl6pPr>
+            <a:lvl7pPr marL="2743200" algn="l" defTabSz="914400" rtl="0" eaLnBrk="1" latinLnBrk="0" hangingPunct="1">
+              <a:defRPr sz="1800" kern="1200">
+                <a:solidFill>
+                  <a:schemeClr val="tx1"/>
+                </a:solidFill>
+                <a:latin typeface="+mn-lt"/>
+                <a:ea typeface="+mn-ea"/>
+                <a:cs typeface="+mn-cs"/>
+              </a:defRPr>
+            </a:lvl7pPr>
+            <a:lvl8pPr marL="3200400" algn="l" defTabSz="914400" rtl="0" eaLnBrk="1" latinLnBrk="0" hangingPunct="1">
+              <a:defRPr sz="1800" kern="1200">
+                <a:solidFill>
+                  <a:schemeClr val="tx1"/>
+                </a:solidFill>
+                <a:latin typeface="+mn-lt"/>
+                <a:ea typeface="+mn-ea"/>
+                <a:cs typeface="+mn-cs"/>
+              </a:defRPr>
+            </a:lvl8pPr>
+            <a:lvl9pPr marL="3657600" algn="l" defTabSz="914400" rtl="0" eaLnBrk="1" latinLnBrk="0" hangingPunct="1">
+              <a:defRPr sz="1800" kern="1200">
+                <a:solidFill>
+                  <a:schemeClr val="tx1"/>
+                </a:solidFill>
+                <a:latin typeface="+mn-lt"/>
+                <a:ea typeface="+mn-ea"/>
+                <a:cs typeface="+mn-cs"/>
+              </a:defRPr>
+            </a:lvl9pPr>
+          </a:lstStyle>
+          <a:p>
+            <a:pPr algn="l"/>
+            <a:r>
+              <a:rPr lang="en-US" dirty="0" smtClean="0"/>
+              <a:t>GE</a:t>
+            </a:r>
+            <a:endParaRPr lang="en-US" dirty="0"/>
+          </a:p>
+        </p:txBody>
+      </p:sp>
+    </p:spTree>
+    <p:extLst>
+      <p:ext uri="{BB962C8B-B14F-4D97-AF65-F5344CB8AC3E}">
+        <p14:creationId xmlns:p14="http://schemas.microsoft.com/office/powerpoint/2010/main" val="1742350916"/>
+      </p:ext>
+    </p:extLst>
+  </p:cSld>
+  <p:clrMapOvr>
+    <a:masterClrMapping/>
+  </p:clrMapOvr>
+  <p:timing>
+    <p:tnLst>
+      <p:par>
+        <p:cTn id="1" dur="indefinite" restart="never" nodeType="tmRoot"/>
+      </p:par>
+    </p:tnLst>
+  </p:timing>
+</p:sld>
+</file>
+
 <file path=ppt/slides/slide2.xml><?xml version="1.0" encoding="utf-8"?>
 <p:sld xmlns:a="http://schemas.openxmlformats.org/drawingml/2006/main" xmlns:r="http://schemas.openxmlformats.org/officeDocument/2006/relationships" xmlns:p="http://schemas.openxmlformats.org/presentationml/2006/main">
   <p:cSld>
@@ -16198,238 +15486,6 @@
           </a:bodyPr>
           <a:lstStyle/>
           <a:p>
-            <a:r>
-              <a:rPr lang="en-US" dirty="0"/>
-              <a:t>Modeling UxAS System Architecture in SADL Ontology</a:t>
-            </a:r>
-          </a:p>
-        </p:txBody>
-      </p:sp>
-      <p:pic>
-        <p:nvPicPr>
-          <p:cNvPr id="4" name="Picture 3"/>
-          <p:cNvPicPr>
-            <a:picLocks noChangeAspect="1"/>
-          </p:cNvPicPr>
-          <p:nvPr/>
-        </p:nvPicPr>
-        <p:blipFill>
-          <a:blip r:embed="rId3"/>
-          <a:stretch>
-            <a:fillRect/>
-          </a:stretch>
-        </p:blipFill>
-        <p:spPr>
-          <a:xfrm>
-            <a:off x="1128567" y="1514924"/>
-            <a:ext cx="9853662" cy="4678486"/>
-          </a:xfrm>
-          <a:prstGeom prst="rect">
-            <a:avLst/>
-          </a:prstGeom>
-        </p:spPr>
-      </p:pic>
-      <p:sp>
-        <p:nvSpPr>
-          <p:cNvPr id="5" name="Footer Placeholder 4"/>
-          <p:cNvSpPr>
-            <a:spLocks noGrp="1"/>
-          </p:cNvSpPr>
-          <p:nvPr>
-            <p:ph type="ftr" sz="quarter" idx="11"/>
-          </p:nvPr>
-        </p:nvSpPr>
-        <p:spPr/>
-        <p:txBody>
-          <a:bodyPr/>
-          <a:lstStyle/>
-          <a:p>
-            <a:r>
-              <a:rPr lang="en-US" smtClean="0"/>
-              <a:t>Architecture Group</a:t>
-            </a:r>
-            <a:endParaRPr lang="en-US"/>
-          </a:p>
-        </p:txBody>
-      </p:sp>
-      <p:sp>
-        <p:nvSpPr>
-          <p:cNvPr id="7" name="Footer Placeholder 3"/>
-          <p:cNvSpPr txBox="1">
-            <a:spLocks/>
-          </p:cNvSpPr>
-          <p:nvPr/>
-        </p:nvSpPr>
-        <p:spPr>
-          <a:xfrm>
-            <a:off x="102476" y="6437441"/>
-            <a:ext cx="4532586" cy="306936"/>
-          </a:xfrm>
-          <a:prstGeom prst="rect">
-            <a:avLst/>
-          </a:prstGeom>
-        </p:spPr>
-        <p:txBody>
-          <a:bodyPr vert="horz" lIns="91440" tIns="45720" rIns="91440" bIns="45720" rtlCol="0" anchor="ctr"/>
-          <a:lstStyle>
-            <a:defPPr>
-              <a:defRPr lang="en-US"/>
-            </a:defPPr>
-            <a:lvl1pPr marL="0" algn="ctr" defTabSz="914400" rtl="0" eaLnBrk="1" latinLnBrk="0" hangingPunct="1">
-              <a:defRPr sz="1400" kern="1200">
-                <a:solidFill>
-                  <a:srgbClr val="000000"/>
-                </a:solidFill>
-                <a:latin typeface="+mn-lt"/>
-                <a:ea typeface="+mn-ea"/>
-                <a:cs typeface="+mn-cs"/>
-              </a:defRPr>
-            </a:lvl1pPr>
-            <a:lvl2pPr marL="457200" algn="l" defTabSz="914400" rtl="0" eaLnBrk="1" latinLnBrk="0" hangingPunct="1">
-              <a:defRPr sz="1800" kern="1200">
-                <a:solidFill>
-                  <a:schemeClr val="tx1"/>
-                </a:solidFill>
-                <a:latin typeface="+mn-lt"/>
-                <a:ea typeface="+mn-ea"/>
-                <a:cs typeface="+mn-cs"/>
-              </a:defRPr>
-            </a:lvl2pPr>
-            <a:lvl3pPr marL="914400" algn="l" defTabSz="914400" rtl="0" eaLnBrk="1" latinLnBrk="0" hangingPunct="1">
-              <a:defRPr sz="1800" kern="1200">
-                <a:solidFill>
-                  <a:schemeClr val="tx1"/>
-                </a:solidFill>
-                <a:latin typeface="+mn-lt"/>
-                <a:ea typeface="+mn-ea"/>
-                <a:cs typeface="+mn-cs"/>
-              </a:defRPr>
-            </a:lvl3pPr>
-            <a:lvl4pPr marL="1371600" algn="l" defTabSz="914400" rtl="0" eaLnBrk="1" latinLnBrk="0" hangingPunct="1">
-              <a:defRPr sz="1800" kern="1200">
-                <a:solidFill>
-                  <a:schemeClr val="tx1"/>
-                </a:solidFill>
-                <a:latin typeface="+mn-lt"/>
-                <a:ea typeface="+mn-ea"/>
-                <a:cs typeface="+mn-cs"/>
-              </a:defRPr>
-            </a:lvl4pPr>
-            <a:lvl5pPr marL="1828800" algn="l" defTabSz="914400" rtl="0" eaLnBrk="1" latinLnBrk="0" hangingPunct="1">
-              <a:defRPr sz="1800" kern="1200">
-                <a:solidFill>
-                  <a:schemeClr val="tx1"/>
-                </a:solidFill>
-                <a:latin typeface="+mn-lt"/>
-                <a:ea typeface="+mn-ea"/>
-                <a:cs typeface="+mn-cs"/>
-              </a:defRPr>
-            </a:lvl5pPr>
-            <a:lvl6pPr marL="2286000" algn="l" defTabSz="914400" rtl="0" eaLnBrk="1" latinLnBrk="0" hangingPunct="1">
-              <a:defRPr sz="1800" kern="1200">
-                <a:solidFill>
-                  <a:schemeClr val="tx1"/>
-                </a:solidFill>
-                <a:latin typeface="+mn-lt"/>
-                <a:ea typeface="+mn-ea"/>
-                <a:cs typeface="+mn-cs"/>
-              </a:defRPr>
-            </a:lvl6pPr>
-            <a:lvl7pPr marL="2743200" algn="l" defTabSz="914400" rtl="0" eaLnBrk="1" latinLnBrk="0" hangingPunct="1">
-              <a:defRPr sz="1800" kern="1200">
-                <a:solidFill>
-                  <a:schemeClr val="tx1"/>
-                </a:solidFill>
-                <a:latin typeface="+mn-lt"/>
-                <a:ea typeface="+mn-ea"/>
-                <a:cs typeface="+mn-cs"/>
-              </a:defRPr>
-            </a:lvl7pPr>
-            <a:lvl8pPr marL="3200400" algn="l" defTabSz="914400" rtl="0" eaLnBrk="1" latinLnBrk="0" hangingPunct="1">
-              <a:defRPr sz="1800" kern="1200">
-                <a:solidFill>
-                  <a:schemeClr val="tx1"/>
-                </a:solidFill>
-                <a:latin typeface="+mn-lt"/>
-                <a:ea typeface="+mn-ea"/>
-                <a:cs typeface="+mn-cs"/>
-              </a:defRPr>
-            </a:lvl8pPr>
-            <a:lvl9pPr marL="3657600" algn="l" defTabSz="914400" rtl="0" eaLnBrk="1" latinLnBrk="0" hangingPunct="1">
-              <a:defRPr sz="1800" kern="1200">
-                <a:solidFill>
-                  <a:schemeClr val="tx1"/>
-                </a:solidFill>
-                <a:latin typeface="+mn-lt"/>
-                <a:ea typeface="+mn-ea"/>
-                <a:cs typeface="+mn-cs"/>
-              </a:defRPr>
-            </a:lvl9pPr>
-          </a:lstStyle>
-          <a:p>
-            <a:pPr algn="l"/>
-            <a:r>
-              <a:rPr lang="en-US" dirty="0" smtClean="0"/>
-              <a:t>GE</a:t>
-            </a:r>
-            <a:endParaRPr lang="en-US" dirty="0"/>
-          </a:p>
-        </p:txBody>
-      </p:sp>
-    </p:spTree>
-    <p:extLst>
-      <p:ext uri="{BB962C8B-B14F-4D97-AF65-F5344CB8AC3E}">
-        <p14:creationId xmlns:p14="http://schemas.microsoft.com/office/powerpoint/2010/main" val="1742350916"/>
-      </p:ext>
-    </p:extLst>
-  </p:cSld>
-  <p:clrMapOvr>
-    <a:masterClrMapping/>
-  </p:clrMapOvr>
-  <p:timing>
-    <p:tnLst>
-      <p:par>
-        <p:cTn id="1" dur="indefinite" restart="never" nodeType="tmRoot"/>
-      </p:par>
-    </p:tnLst>
-  </p:timing>
-</p:sld>
-</file>
-
-<file path=ppt/slides/slide21.xml><?xml version="1.0" encoding="utf-8"?>
-<p:sld xmlns:a="http://schemas.openxmlformats.org/drawingml/2006/main" xmlns:r="http://schemas.openxmlformats.org/officeDocument/2006/relationships" xmlns:p="http://schemas.openxmlformats.org/presentationml/2006/main">
-  <p:cSld>
-    <p:spTree>
-      <p:nvGrpSpPr>
-        <p:cNvPr id="1" name=""/>
-        <p:cNvGrpSpPr/>
-        <p:nvPr/>
-      </p:nvGrpSpPr>
-      <p:grpSpPr>
-        <a:xfrm>
-          <a:off x="0" y="0"/>
-          <a:ext cx="0" cy="0"/>
-          <a:chOff x="0" y="0"/>
-          <a:chExt cx="0" cy="0"/>
-        </a:xfrm>
-      </p:grpSpPr>
-      <p:sp>
-        <p:nvSpPr>
-          <p:cNvPr id="2" name="Title 1"/>
-          <p:cNvSpPr>
-            <a:spLocks noGrp="1"/>
-          </p:cNvSpPr>
-          <p:nvPr>
-            <p:ph type="title"/>
-          </p:nvPr>
-        </p:nvSpPr>
-        <p:spPr/>
-        <p:txBody>
-          <a:bodyPr>
-            <a:normAutofit fontScale="90000"/>
-          </a:bodyPr>
-          <a:lstStyle/>
-          <a:p>
             <a:pPr algn="ctr"/>
             <a:r>
               <a:rPr lang="en-US" dirty="0"/>
@@ -16633,7 +15689,7 @@
 </p:sld>
 </file>
 
-<file path=ppt/slides/slide22.xml><?xml version="1.0" encoding="utf-8"?>
+<file path=ppt/slides/slide21.xml><?xml version="1.0" encoding="utf-8"?>
 <p:sld xmlns:a="http://schemas.openxmlformats.org/drawingml/2006/main" xmlns:r="http://schemas.openxmlformats.org/officeDocument/2006/relationships" xmlns:p="http://schemas.openxmlformats.org/presentationml/2006/main">
   <p:cSld>
     <p:spTree>
@@ -17837,7 +16893,7 @@
 </p:sld>
 </file>
 
-<file path=ppt/slides/slide23.xml><?xml version="1.0" encoding="utf-8"?>
+<file path=ppt/slides/slide22.xml><?xml version="1.0" encoding="utf-8"?>
 <p:sld xmlns:a="http://schemas.openxmlformats.org/drawingml/2006/main" xmlns:r="http://schemas.openxmlformats.org/officeDocument/2006/relationships" xmlns:p="http://schemas.openxmlformats.org/presentationml/2006/main">
   <p:cSld>
     <p:spTree>
@@ -18079,7 +17135,7 @@
 </p:sld>
 </file>
 
-<file path=ppt/slides/slide24.xml><?xml version="1.0" encoding="utf-8"?>
+<file path=ppt/slides/slide23.xml><?xml version="1.0" encoding="utf-8"?>
 <p:sld xmlns:a="http://schemas.openxmlformats.org/drawingml/2006/main" xmlns:r="http://schemas.openxmlformats.org/officeDocument/2006/relationships" xmlns:p="http://schemas.openxmlformats.org/presentationml/2006/main">
   <p:cSld>
     <p:spTree>
@@ -18842,7 +17898,7 @@
 </p:sld>
 </file>
 
-<file path=ppt/slides/slide25.xml><?xml version="1.0" encoding="utf-8"?>
+<file path=ppt/slides/slide24.xml><?xml version="1.0" encoding="utf-8"?>
 <p:sld xmlns:a="http://schemas.openxmlformats.org/drawingml/2006/main" xmlns:r="http://schemas.openxmlformats.org/officeDocument/2006/relationships" xmlns:p="http://schemas.openxmlformats.org/presentationml/2006/main">
   <p:cSld>
     <p:spTree>
@@ -19319,7 +18375,7 @@
 </p:sld>
 </file>
 
-<file path=ppt/slides/slide26.xml><?xml version="1.0" encoding="utf-8"?>
+<file path=ppt/slides/slide25.xml><?xml version="1.0" encoding="utf-8"?>
 <p:sld xmlns:a="http://schemas.openxmlformats.org/drawingml/2006/main" xmlns:r="http://schemas.openxmlformats.org/officeDocument/2006/relationships" xmlns:p="http://schemas.openxmlformats.org/presentationml/2006/main">
   <p:cSld>
     <p:spTree>
@@ -19362,11 +18418,7 @@
             </a:br>
             <a:r>
               <a:rPr lang="en-US" dirty="0" smtClean="0"/>
-              <a:t>Impact </a:t>
-            </a:r>
-            <a:r>
-              <a:rPr lang="en-US" dirty="0" smtClean="0"/>
-              <a:t>of Formalization on </a:t>
+              <a:t>Impact of Formalization on </a:t>
             </a:r>
             <a:r>
               <a:rPr lang="en-US" dirty="0" err="1" smtClean="0"/>
@@ -19558,7 +18610,7 @@
 </p:sld>
 </file>
 
-<file path=ppt/slides/slide27.xml><?xml version="1.0" encoding="utf-8"?>
+<file path=ppt/slides/slide26.xml><?xml version="1.0" encoding="utf-8"?>
 <p:sld xmlns:a="http://schemas.openxmlformats.org/drawingml/2006/main" xmlns:r="http://schemas.openxmlformats.org/officeDocument/2006/relationships" xmlns:p="http://schemas.openxmlformats.org/presentationml/2006/main">
   <p:cSld>
     <p:spTree>
@@ -19645,7 +18697,7 @@
 </p:sld>
 </file>
 
-<file path=ppt/slides/slide28.xml><?xml version="1.0" encoding="utf-8"?>
+<file path=ppt/slides/slide27.xml><?xml version="1.0" encoding="utf-8"?>
 <p:sld xmlns:a="http://schemas.openxmlformats.org/drawingml/2006/main" xmlns:r="http://schemas.openxmlformats.org/officeDocument/2006/relationships" xmlns:p="http://schemas.openxmlformats.org/presentationml/2006/main">
   <p:cSld>
     <p:spTree>
@@ -19925,7 +18977,7 @@
 </p:sld>
 </file>
 
-<file path=ppt/slides/slide29.xml><?xml version="1.0" encoding="utf-8"?>
+<file path=ppt/slides/slide28.xml><?xml version="1.0" encoding="utf-8"?>
 <p:sld xmlns:a="http://schemas.openxmlformats.org/drawingml/2006/main" xmlns:r="http://schemas.openxmlformats.org/officeDocument/2006/relationships" xmlns:p="http://schemas.openxmlformats.org/presentationml/2006/main">
   <p:cSld>
     <p:spTree>
@@ -20025,7 +19077,15 @@
           <a:p>
             <a:r>
               <a:rPr lang="en-US" dirty="0" smtClean="0"/>
-              <a:t>Even so, the modeler can make mistakes</a:t>
+              <a:t>Even so, the </a:t>
+            </a:r>
+            <a:r>
+              <a:rPr lang="en-US" dirty="0" smtClean="0"/>
+              <a:t>(human) modeler can </a:t>
+            </a:r>
+            <a:r>
+              <a:rPr lang="en-US" dirty="0" smtClean="0"/>
+              <a:t>make mistakes</a:t>
             </a:r>
           </a:p>
           <a:p>
@@ -20186,6 +19246,324 @@
   <p:clrMapOvr>
     <a:masterClrMapping/>
   </p:clrMapOvr>
+  <p:timing>
+    <p:tnLst>
+      <p:par>
+        <p:cTn id="1" dur="indefinite" restart="never" nodeType="tmRoot"/>
+      </p:par>
+    </p:tnLst>
+  </p:timing>
+</p:sld>
+</file>
+
+<file path=ppt/slides/slide29.xml><?xml version="1.0" encoding="utf-8"?>
+<p:sld xmlns:a="http://schemas.openxmlformats.org/drawingml/2006/main" xmlns:r="http://schemas.openxmlformats.org/officeDocument/2006/relationships" xmlns:p="http://schemas.openxmlformats.org/presentationml/2006/main">
+  <p:cSld>
+    <p:spTree>
+      <p:nvGrpSpPr>
+        <p:cNvPr id="1" name=""/>
+        <p:cNvGrpSpPr/>
+        <p:nvPr/>
+      </p:nvGrpSpPr>
+      <p:grpSpPr>
+        <a:xfrm>
+          <a:off x="0" y="0"/>
+          <a:ext cx="0" cy="0"/>
+          <a:chOff x="0" y="0"/>
+          <a:chExt cx="0" cy="0"/>
+        </a:xfrm>
+      </p:grpSpPr>
+      <p:pic>
+        <p:nvPicPr>
+          <p:cNvPr id="5" name="Content Placeholder 4"/>
+          <p:cNvPicPr>
+            <a:picLocks noChangeAspect="1"/>
+          </p:cNvPicPr>
+          <p:nvPr/>
+        </p:nvPicPr>
+        <p:blipFill rotWithShape="1">
+          <a:blip r:embed="rId2">
+            <a:extLst>
+              <a:ext uri="{28A0092B-C50C-407E-A947-70E740481C1C}">
+                <a14:useLocalDpi xmlns:a14="http://schemas.microsoft.com/office/drawing/2010/main" val="0"/>
+              </a:ext>
+            </a:extLst>
+          </a:blip>
+          <a:srcRect t="24566"/>
+          <a:stretch/>
+        </p:blipFill>
+        <p:spPr>
+          <a:xfrm>
+            <a:off x="3131209" y="1508512"/>
+            <a:ext cx="8939582" cy="5349488"/>
+          </a:xfrm>
+          <a:prstGeom prst="rect">
+            <a:avLst/>
+          </a:prstGeom>
+        </p:spPr>
+      </p:pic>
+      <p:sp>
+        <p:nvSpPr>
+          <p:cNvPr id="2" name="Title 1"/>
+          <p:cNvSpPr>
+            <a:spLocks noGrp="1"/>
+          </p:cNvSpPr>
+          <p:nvPr>
+            <p:ph type="title"/>
+          </p:nvPr>
+        </p:nvSpPr>
+        <p:spPr/>
+        <p:txBody>
+          <a:bodyPr>
+            <a:normAutofit/>
+          </a:bodyPr>
+          <a:lstStyle/>
+          <a:p>
+            <a:r>
+              <a:rPr lang="en-US" dirty="0" smtClean="0"/>
+              <a:t>State Machine Correctness Argument</a:t>
+            </a:r>
+            <a:endParaRPr lang="en-US" dirty="0"/>
+          </a:p>
+        </p:txBody>
+      </p:sp>
+      <p:sp>
+        <p:nvSpPr>
+          <p:cNvPr id="3" name="Content Placeholder 2"/>
+          <p:cNvSpPr>
+            <a:spLocks noGrp="1"/>
+          </p:cNvSpPr>
+          <p:nvPr>
+            <p:ph idx="1"/>
+          </p:nvPr>
+        </p:nvSpPr>
+        <p:spPr>
+          <a:xfrm>
+            <a:off x="95003" y="1508511"/>
+            <a:ext cx="6460176" cy="4668452"/>
+          </a:xfrm>
+        </p:spPr>
+        <p:txBody>
+          <a:bodyPr>
+            <a:normAutofit/>
+          </a:bodyPr>
+          <a:lstStyle/>
+          <a:p>
+            <a:r>
+              <a:rPr lang="en-US" dirty="0"/>
+              <a:t>Argument pattern for individual AADL component state machine correctness:</a:t>
+            </a:r>
+          </a:p>
+          <a:p>
+            <a:pPr marL="800100" lvl="1" indent="-342900">
+              <a:buFont typeface="Arial" charset="0"/>
+              <a:buChar char="•"/>
+            </a:pPr>
+            <a:r>
+              <a:rPr lang="en-US" dirty="0"/>
+              <a:t>Structure repeated for each component</a:t>
+            </a:r>
+          </a:p>
+          <a:p>
+            <a:pPr marL="800100" lvl="1" indent="-342900">
+              <a:buFont typeface="Arial" charset="0"/>
+              <a:buChar char="•"/>
+            </a:pPr>
+            <a:r>
+              <a:rPr lang="en-US" dirty="0"/>
+              <a:t>Vision: Situated within a larger model correctness argument</a:t>
+            </a:r>
+          </a:p>
+          <a:p>
+            <a:r>
+              <a:rPr lang="en-US" dirty="0" smtClean="0"/>
+              <a:t>Argument </a:t>
+            </a:r>
+            <a:r>
+              <a:rPr lang="en-US" dirty="0"/>
+              <a:t>situates proposed AGREE lemmas:</a:t>
+            </a:r>
+          </a:p>
+          <a:p>
+            <a:pPr marL="800100" lvl="1" indent="-342900">
+              <a:buFont typeface="Arial" charset="0"/>
+              <a:buChar char="•"/>
+            </a:pPr>
+            <a:r>
+              <a:rPr lang="en-US" dirty="0"/>
+              <a:t>Purpose</a:t>
+            </a:r>
+          </a:p>
+          <a:p>
+            <a:pPr marL="800100" lvl="1" indent="-342900">
+              <a:buFont typeface="Arial" charset="0"/>
+              <a:buChar char="•"/>
+            </a:pPr>
+            <a:r>
+              <a:rPr lang="en-US" dirty="0"/>
+              <a:t>Rationale</a:t>
+            </a:r>
+          </a:p>
+          <a:p>
+            <a:pPr marL="800100" lvl="1" indent="-342900">
+              <a:buFont typeface="Arial" charset="0"/>
+              <a:buChar char="•"/>
+            </a:pPr>
+            <a:r>
+              <a:rPr lang="en-US" dirty="0"/>
+              <a:t>Limitations and benefits</a:t>
+            </a:r>
+          </a:p>
+          <a:p>
+            <a:pPr marL="0" indent="0">
+              <a:buNone/>
+            </a:pPr>
+            <a:endParaRPr lang="en-US" dirty="0"/>
+          </a:p>
+        </p:txBody>
+      </p:sp>
+      <p:sp>
+        <p:nvSpPr>
+          <p:cNvPr id="6" name="Footer Placeholder 3"/>
+          <p:cNvSpPr txBox="1">
+            <a:spLocks/>
+          </p:cNvSpPr>
+          <p:nvPr/>
+        </p:nvSpPr>
+        <p:spPr>
+          <a:xfrm>
+            <a:off x="102476" y="6437441"/>
+            <a:ext cx="4532586" cy="306936"/>
+          </a:xfrm>
+          <a:prstGeom prst="rect">
+            <a:avLst/>
+          </a:prstGeom>
+        </p:spPr>
+        <p:txBody>
+          <a:bodyPr vert="horz" lIns="91440" tIns="45720" rIns="91440" bIns="45720" rtlCol="0" anchor="ctr"/>
+          <a:lstStyle>
+            <a:defPPr>
+              <a:defRPr lang="en-US"/>
+            </a:defPPr>
+            <a:lvl1pPr marL="0" algn="ctr" defTabSz="914400" rtl="0" eaLnBrk="1" latinLnBrk="0" hangingPunct="1">
+              <a:defRPr sz="1400" kern="1200">
+                <a:solidFill>
+                  <a:srgbClr val="000000"/>
+                </a:solidFill>
+                <a:latin typeface="+mn-lt"/>
+                <a:ea typeface="+mn-ea"/>
+                <a:cs typeface="+mn-cs"/>
+              </a:defRPr>
+            </a:lvl1pPr>
+            <a:lvl2pPr marL="457200" algn="l" defTabSz="914400" rtl="0" eaLnBrk="1" latinLnBrk="0" hangingPunct="1">
+              <a:defRPr sz="1800" kern="1200">
+                <a:solidFill>
+                  <a:schemeClr val="tx1"/>
+                </a:solidFill>
+                <a:latin typeface="+mn-lt"/>
+                <a:ea typeface="+mn-ea"/>
+                <a:cs typeface="+mn-cs"/>
+              </a:defRPr>
+            </a:lvl2pPr>
+            <a:lvl3pPr marL="914400" algn="l" defTabSz="914400" rtl="0" eaLnBrk="1" latinLnBrk="0" hangingPunct="1">
+              <a:defRPr sz="1800" kern="1200">
+                <a:solidFill>
+                  <a:schemeClr val="tx1"/>
+                </a:solidFill>
+                <a:latin typeface="+mn-lt"/>
+                <a:ea typeface="+mn-ea"/>
+                <a:cs typeface="+mn-cs"/>
+              </a:defRPr>
+            </a:lvl3pPr>
+            <a:lvl4pPr marL="1371600" algn="l" defTabSz="914400" rtl="0" eaLnBrk="1" latinLnBrk="0" hangingPunct="1">
+              <a:defRPr sz="1800" kern="1200">
+                <a:solidFill>
+                  <a:schemeClr val="tx1"/>
+                </a:solidFill>
+                <a:latin typeface="+mn-lt"/>
+                <a:ea typeface="+mn-ea"/>
+                <a:cs typeface="+mn-cs"/>
+              </a:defRPr>
+            </a:lvl4pPr>
+            <a:lvl5pPr marL="1828800" algn="l" defTabSz="914400" rtl="0" eaLnBrk="1" latinLnBrk="0" hangingPunct="1">
+              <a:defRPr sz="1800" kern="1200">
+                <a:solidFill>
+                  <a:schemeClr val="tx1"/>
+                </a:solidFill>
+                <a:latin typeface="+mn-lt"/>
+                <a:ea typeface="+mn-ea"/>
+                <a:cs typeface="+mn-cs"/>
+              </a:defRPr>
+            </a:lvl5pPr>
+            <a:lvl6pPr marL="2286000" algn="l" defTabSz="914400" rtl="0" eaLnBrk="1" latinLnBrk="0" hangingPunct="1">
+              <a:defRPr sz="1800" kern="1200">
+                <a:solidFill>
+                  <a:schemeClr val="tx1"/>
+                </a:solidFill>
+                <a:latin typeface="+mn-lt"/>
+                <a:ea typeface="+mn-ea"/>
+                <a:cs typeface="+mn-cs"/>
+              </a:defRPr>
+            </a:lvl6pPr>
+            <a:lvl7pPr marL="2743200" algn="l" defTabSz="914400" rtl="0" eaLnBrk="1" latinLnBrk="0" hangingPunct="1">
+              <a:defRPr sz="1800" kern="1200">
+                <a:solidFill>
+                  <a:schemeClr val="tx1"/>
+                </a:solidFill>
+                <a:latin typeface="+mn-lt"/>
+                <a:ea typeface="+mn-ea"/>
+                <a:cs typeface="+mn-cs"/>
+              </a:defRPr>
+            </a:lvl7pPr>
+            <a:lvl8pPr marL="3200400" algn="l" defTabSz="914400" rtl="0" eaLnBrk="1" latinLnBrk="0" hangingPunct="1">
+              <a:defRPr sz="1800" kern="1200">
+                <a:solidFill>
+                  <a:schemeClr val="tx1"/>
+                </a:solidFill>
+                <a:latin typeface="+mn-lt"/>
+                <a:ea typeface="+mn-ea"/>
+                <a:cs typeface="+mn-cs"/>
+              </a:defRPr>
+            </a:lvl8pPr>
+            <a:lvl9pPr marL="3657600" algn="l" defTabSz="914400" rtl="0" eaLnBrk="1" latinLnBrk="0" hangingPunct="1">
+              <a:defRPr sz="1800" kern="1200">
+                <a:solidFill>
+                  <a:schemeClr val="tx1"/>
+                </a:solidFill>
+                <a:latin typeface="+mn-lt"/>
+                <a:ea typeface="+mn-ea"/>
+                <a:cs typeface="+mn-cs"/>
+              </a:defRPr>
+            </a:lvl9pPr>
+          </a:lstStyle>
+          <a:p>
+            <a:pPr algn="l"/>
+            <a:r>
+              <a:rPr lang="en-US" dirty="0" smtClean="0"/>
+              <a:t>Dependable Computing</a:t>
+            </a:r>
+            <a:endParaRPr lang="en-US" dirty="0"/>
+          </a:p>
+        </p:txBody>
+      </p:sp>
+    </p:spTree>
+    <p:extLst>
+      <p:ext uri="{BB962C8B-B14F-4D97-AF65-F5344CB8AC3E}">
+        <p14:creationId xmlns:p14="http://schemas.microsoft.com/office/powerpoint/2010/main" val="286898037"/>
+      </p:ext>
+    </p:extLst>
+  </p:cSld>
+  <p:clrMapOvr>
+    <a:masterClrMapping/>
+  </p:clrMapOvr>
+  <mc:AlternateContent xmlns:mc="http://schemas.openxmlformats.org/markup-compatibility/2006" xmlns:p14="http://schemas.microsoft.com/office/powerpoint/2010/main">
+    <mc:Choice Requires="p14">
+      <p:transition spd="slow" p14:dur="2000"/>
+    </mc:Choice>
+    <mc:Fallback xmlns="">
+      <p:transition spd="slow"/>
+    </mc:Fallback>
+  </mc:AlternateContent>
   <p:timing>
     <p:tnLst>
       <p:par>
@@ -20893,35 +20271,6 @@
           <a:chExt cx="0" cy="0"/>
         </a:xfrm>
       </p:grpSpPr>
-      <p:pic>
-        <p:nvPicPr>
-          <p:cNvPr id="5" name="Content Placeholder 4"/>
-          <p:cNvPicPr>
-            <a:picLocks noChangeAspect="1"/>
-          </p:cNvPicPr>
-          <p:nvPr/>
-        </p:nvPicPr>
-        <p:blipFill rotWithShape="1">
-          <a:blip r:embed="rId2">
-            <a:extLst>
-              <a:ext uri="{28A0092B-C50C-407E-A947-70E740481C1C}">
-                <a14:useLocalDpi xmlns:a14="http://schemas.microsoft.com/office/drawing/2010/main" val="0"/>
-              </a:ext>
-            </a:extLst>
-          </a:blip>
-          <a:srcRect t="24566"/>
-          <a:stretch/>
-        </p:blipFill>
-        <p:spPr>
-          <a:xfrm>
-            <a:off x="3131209" y="1508512"/>
-            <a:ext cx="8939582" cy="5349488"/>
-          </a:xfrm>
-          <a:prstGeom prst="rect">
-            <a:avLst/>
-          </a:prstGeom>
-        </p:spPr>
-      </p:pic>
       <p:sp>
         <p:nvSpPr>
           <p:cNvPr id="2" name="Title 1"/>
@@ -20934,14 +20283,12 @@
         </p:nvSpPr>
         <p:spPr/>
         <p:txBody>
-          <a:bodyPr>
-            <a:normAutofit/>
-          </a:bodyPr>
+          <a:bodyPr/>
           <a:lstStyle/>
           <a:p>
             <a:r>
               <a:rPr lang="en-US" dirty="0" smtClean="0"/>
-              <a:t>State Machine Correctness Argument</a:t>
+              <a:t>Argument-Derived Observations</a:t>
             </a:r>
             <a:endParaRPr lang="en-US" dirty="0"/>
           </a:p>
@@ -20957,94 +20304,103 @@
             <p:ph idx="1"/>
           </p:nvPr>
         </p:nvSpPr>
-        <p:spPr>
-          <a:xfrm>
-            <a:off x="95003" y="1508511"/>
-            <a:ext cx="6460176" cy="4668452"/>
-          </a:xfrm>
-        </p:spPr>
+        <p:spPr/>
         <p:txBody>
           <a:bodyPr>
-            <a:normAutofit/>
+            <a:normAutofit lnSpcReduction="10000"/>
           </a:bodyPr>
           <a:lstStyle/>
           <a:p>
             <a:r>
               <a:rPr lang="en-US" dirty="0"/>
-              <a:t>Argument pattern for individual AADL component state machine correctness:</a:t>
-            </a:r>
-          </a:p>
-          <a:p>
-            <a:pPr marL="800100" lvl="1" indent="-342900">
-              <a:buFont typeface="Arial" charset="0"/>
-              <a:buChar char="•"/>
-            </a:pPr>
+              <a:t>Best practices/standards for AADL/AGREE use are needed</a:t>
+            </a:r>
+          </a:p>
+          <a:p>
+            <a:pPr lvl="1"/>
             <a:r>
               <a:rPr lang="en-US" dirty="0"/>
-              <a:t>Structure repeated for each component</a:t>
-            </a:r>
-          </a:p>
-          <a:p>
-            <a:pPr marL="800100" lvl="1" indent="-342900">
-              <a:buFont typeface="Arial" charset="0"/>
-              <a:buChar char="•"/>
-            </a:pPr>
+              <a:t>Situate proofs within modeling fault analysis/mitigation</a:t>
+            </a:r>
+          </a:p>
+          <a:p>
+            <a:pPr lvl="1"/>
             <a:r>
               <a:rPr lang="en-US" dirty="0"/>
-              <a:t>Vision: Situated within a larger model correctness argument</a:t>
-            </a:r>
-          </a:p>
-          <a:p>
+              <a:t>Supports arguments that the set of lemmas are complete and correct</a:t>
+            </a:r>
+          </a:p>
+          <a:p>
+            <a:r>
+              <a:rPr lang="en-US" dirty="0"/>
+              <a:t>Additional tool support to reduce human error</a:t>
+            </a:r>
+          </a:p>
+          <a:p>
+            <a:pPr lvl="1"/>
+            <a:r>
+              <a:rPr lang="en-US" dirty="0"/>
+              <a:t>E.g., </a:t>
+            </a:r>
             <a:r>
               <a:rPr lang="en-US" dirty="0" smtClean="0"/>
-              <a:t>Argument </a:t>
+              <a:t>lemmas </a:t>
             </a:r>
             <a:r>
               <a:rPr lang="en-US" dirty="0"/>
-              <a:t>situates proposed AGREE lemmas:</a:t>
-            </a:r>
-          </a:p>
-          <a:p>
-            <a:pPr marL="800100" lvl="1" indent="-342900">
-              <a:buFont typeface="Arial" charset="0"/>
-              <a:buChar char="•"/>
-            </a:pPr>
+              <a:t>and repetitive infrastructure are developed manually</a:t>
+            </a:r>
+          </a:p>
+          <a:p>
+            <a:pPr lvl="1"/>
             <a:r>
               <a:rPr lang="en-US" dirty="0"/>
-              <a:t>Purpose</a:t>
-            </a:r>
-          </a:p>
-          <a:p>
-            <a:pPr marL="800100" lvl="1" indent="-342900">
-              <a:buFont typeface="Arial" charset="0"/>
-              <a:buChar char="•"/>
-            </a:pPr>
+              <a:t>Minimize repetitive concerns in the argument about human error</a:t>
+            </a:r>
+          </a:p>
+          <a:p>
             <a:r>
               <a:rPr lang="en-US" dirty="0"/>
-              <a:t>Rationale</a:t>
-            </a:r>
-          </a:p>
-          <a:p>
-            <a:pPr marL="800100" lvl="1" indent="-342900">
-              <a:buFont typeface="Arial" charset="0"/>
-              <a:buChar char="•"/>
-            </a:pPr>
+              <a:t>Enhanced integration between AADL and AGREE </a:t>
+            </a:r>
+          </a:p>
+          <a:p>
+            <a:pPr lvl="1"/>
             <a:r>
               <a:rPr lang="en-US" dirty="0"/>
-              <a:t>Limitations and benefits</a:t>
-            </a:r>
-          </a:p>
-          <a:p>
-            <a:pPr marL="0" indent="0">
-              <a:buNone/>
-            </a:pPr>
+              <a:t>Minimize repetitive arguments about AADL and AGREE consistency/agreement</a:t>
+            </a:r>
+          </a:p>
+          <a:p>
+            <a:r>
+              <a:rPr lang="en-US" dirty="0"/>
+              <a:t>A simpler higher-level protocol state machine spec for validation</a:t>
+            </a:r>
+          </a:p>
+          <a:p>
+            <a:pPr lvl="1"/>
+            <a:r>
+              <a:rPr lang="en-US" dirty="0"/>
+              <a:t>Provide a structure to validate against</a:t>
+            </a:r>
+          </a:p>
+          <a:p>
+            <a:pPr lvl="1"/>
+            <a:r>
+              <a:rPr lang="en-US" dirty="0"/>
+              <a:t>Simplify validation activity and simplify validation </a:t>
+            </a:r>
+            <a:r>
+              <a:rPr lang="en-US" dirty="0" smtClean="0"/>
+              <a:t>arguments</a:t>
+            </a:r>
             <a:endParaRPr lang="en-US" dirty="0"/>
           </a:p>
         </p:txBody>
       </p:sp>
       <p:sp>
         <p:nvSpPr>
-          <p:cNvPr id="6" name="Footer Placeholder 3"/>
+          <p:cNvPr id="5" name="Footer Placeholder 3"/>
           <p:cNvSpPr txBox="1">
             <a:spLocks/>
           </p:cNvSpPr>
@@ -21166,10 +20522,33 @@
           </a:p>
         </p:txBody>
       </p:sp>
+      <p:sp>
+        <p:nvSpPr>
+          <p:cNvPr id="7" name="Footer Placeholder 6"/>
+          <p:cNvSpPr>
+            <a:spLocks noGrp="1"/>
+          </p:cNvSpPr>
+          <p:nvPr>
+            <p:ph type="ftr" sz="quarter" idx="11"/>
+          </p:nvPr>
+        </p:nvSpPr>
+        <p:spPr/>
+        <p:txBody>
+          <a:bodyPr/>
+          <a:lstStyle/>
+          <a:p>
+            <a:r>
+              <a:rPr lang="en-US" smtClean="0"/>
+              <a:t>Architecture Group</a:t>
+            </a:r>
+            <a:endParaRPr lang="en-US"/>
+          </a:p>
+        </p:txBody>
+      </p:sp>
     </p:spTree>
     <p:extLst>
       <p:ext uri="{BB962C8B-B14F-4D97-AF65-F5344CB8AC3E}">
-        <p14:creationId xmlns:p14="http://schemas.microsoft.com/office/powerpoint/2010/main" val="286898037"/>
+        <p14:creationId xmlns:p14="http://schemas.microsoft.com/office/powerpoint/2010/main" val="1512231083"/>
       </p:ext>
     </p:extLst>
   </p:cSld>
@@ -21228,7 +20607,7 @@
           <a:p>
             <a:r>
               <a:rPr lang="en-US" dirty="0" smtClean="0"/>
-              <a:t>Argument-Derived Observations</a:t>
+              <a:t>Stateflow Representation</a:t>
             </a:r>
             <a:endParaRPr lang="en-US" dirty="0"/>
           </a:p>
@@ -21252,88 +20631,124 @@
           <a:lstStyle/>
           <a:p>
             <a:r>
+              <a:rPr lang="en-US" dirty="0" smtClean="0"/>
+              <a:t>Benefits</a:t>
+            </a:r>
+          </a:p>
+          <a:p>
+            <a:pPr lvl="1"/>
+            <a:r>
+              <a:rPr lang="en-US" dirty="0" smtClean="0"/>
+              <a:t>Enable simulation</a:t>
+            </a:r>
+          </a:p>
+          <a:p>
+            <a:pPr lvl="1"/>
+            <a:r>
+              <a:rPr lang="en-US" dirty="0" smtClean="0"/>
+              <a:t>Enable analysis from Simulink</a:t>
+            </a:r>
+          </a:p>
+          <a:p>
+            <a:pPr lvl="2"/>
+            <a:r>
+              <a:rPr lang="en-US" dirty="0" err="1" smtClean="0"/>
+              <a:t>QVtrace</a:t>
+            </a:r>
+            <a:endParaRPr lang="en-US" dirty="0" smtClean="0"/>
+          </a:p>
+          <a:p>
+            <a:pPr lvl="2"/>
+            <a:r>
+              <a:rPr lang="en-US" dirty="0" smtClean="0"/>
+              <a:t>Simulink-to-PVS</a:t>
+            </a:r>
+          </a:p>
+          <a:p>
+            <a:pPr lvl="2"/>
+            <a:r>
+              <a:rPr lang="en-US" dirty="0" smtClean="0"/>
+              <a:t>Simulink Design Verifier</a:t>
+            </a:r>
+          </a:p>
+          <a:p>
+            <a:pPr lvl="1"/>
+            <a:r>
+              <a:rPr lang="en-US" dirty="0" smtClean="0"/>
+              <a:t>Visualize counterexamples</a:t>
+            </a:r>
+          </a:p>
+          <a:p>
+            <a:pPr lvl="1"/>
+            <a:r>
+              <a:rPr lang="en-US" dirty="0" smtClean="0"/>
+              <a:t>Evidence in the assurance argument: “gold standard state machine”</a:t>
+            </a:r>
+          </a:p>
+          <a:p>
+            <a:r>
+              <a:rPr lang="en-US" dirty="0" smtClean="0"/>
+              <a:t>Created a Stateflow representation of the Task Service Base state machine</a:t>
+            </a:r>
+          </a:p>
+          <a:p>
+            <a:pPr>
+              <a:lnSpc>
+                <a:spcPct val="100000"/>
+              </a:lnSpc>
+              <a:spcBef>
+                <a:spcPts val="200"/>
+              </a:spcBef>
+            </a:pPr>
+            <a:r>
               <a:rPr lang="en-US" dirty="0"/>
-              <a:t>Best practices/standards for AADL/AGREE use are needed</a:t>
-            </a:r>
-          </a:p>
-          <a:p>
-            <a:pPr lvl="1"/>
+              <a:t>Simulink/Stateflow </a:t>
+            </a:r>
+            <a:r>
+              <a:rPr lang="en-US" dirty="0" smtClean="0"/>
+              <a:t>abstractions </a:t>
+            </a:r>
+            <a:r>
+              <a:rPr lang="en-US" dirty="0" smtClean="0"/>
+              <a:t>cross-checked </a:t>
+            </a:r>
             <a:r>
               <a:rPr lang="en-US" dirty="0"/>
-              <a:t>Situate proofs within modeling fault analysis/mitigation</a:t>
-            </a:r>
-          </a:p>
-          <a:p>
-            <a:pPr lvl="1"/>
+              <a:t>with AADL model</a:t>
+            </a:r>
+          </a:p>
+          <a:p>
+            <a:pPr lvl="1">
+              <a:lnSpc>
+                <a:spcPct val="100000"/>
+              </a:lnSpc>
+              <a:spcBef>
+                <a:spcPts val="200"/>
+              </a:spcBef>
+            </a:pPr>
+            <a:r>
+              <a:rPr lang="en-US" dirty="0" smtClean="0"/>
+              <a:t>Found erroneous </a:t>
+            </a:r>
             <a:r>
               <a:rPr lang="en-US" dirty="0"/>
-              <a:t>Supports arguments that the set of lemmas are complete and correct</a:t>
-            </a:r>
-          </a:p>
-          <a:p>
+              <a:t>initial conditions, unused from/</a:t>
+            </a:r>
+            <a:r>
+              <a:rPr lang="en-US" dirty="0" err="1"/>
+              <a:t>goto</a:t>
+            </a:r>
             <a:r>
               <a:rPr lang="en-US" dirty="0"/>
-              <a:t>Additional tool support to reduce human error</a:t>
-            </a:r>
-          </a:p>
-          <a:p>
-            <a:pPr lvl="1"/>
-            <a:r>
-              <a:rPr lang="en-US" dirty="0"/>
-              <a:t>E.g., </a:t>
+              <a:t> flags, and incorrect settings on if-else </a:t>
             </a:r>
             <a:r>
               <a:rPr lang="en-US" dirty="0" smtClean="0"/>
-              <a:t>lemmas </a:t>
-            </a:r>
-            <a:r>
-              <a:rPr lang="en-US" dirty="0"/>
-              <a:t>and repetitive infrastructure are developed manually</a:t>
-            </a:r>
-          </a:p>
-          <a:p>
-            <a:pPr lvl="1"/>
-            <a:r>
-              <a:rPr lang="en-US" dirty="0"/>
-              <a:t>Minimize repetitive concerns in the argument about human error</a:t>
-            </a:r>
-          </a:p>
-          <a:p>
-            <a:r>
-              <a:rPr lang="en-US" dirty="0"/>
-              <a:t>Enhanced integration between AADL and AGREE </a:t>
-            </a:r>
-          </a:p>
-          <a:p>
-            <a:pPr lvl="1"/>
-            <a:r>
-              <a:rPr lang="en-US" dirty="0"/>
-              <a:t>Minimize repetitive arguments about AADL and AGREE consistency/agreement</a:t>
-            </a:r>
-          </a:p>
-          <a:p>
-            <a:r>
-              <a:rPr lang="en-US" dirty="0"/>
-              <a:t>A simpler higher-level protocol state machine spec for validation</a:t>
-            </a:r>
-          </a:p>
-          <a:p>
-            <a:pPr lvl="1"/>
-            <a:r>
-              <a:rPr lang="en-US" dirty="0"/>
-              <a:t>Provide a structure to validate against</a:t>
-            </a:r>
-          </a:p>
-          <a:p>
-            <a:pPr lvl="1"/>
-            <a:r>
-              <a:rPr lang="en-US" dirty="0"/>
-              <a:t>Simplify validation activity and simplify validation </a:t>
-            </a:r>
-            <a:r>
-              <a:rPr lang="en-US" dirty="0" smtClean="0"/>
-              <a:t>arguments</a:t>
-            </a:r>
+              <a:t>cases in Stateflow model</a:t>
+            </a:r>
+            <a:endParaRPr lang="en-US" dirty="0"/>
+          </a:p>
+          <a:p>
             <a:endParaRPr lang="en-US" dirty="0"/>
           </a:p>
         </p:txBody>
@@ -21456,7 +20871,7 @@
             <a:pPr algn="l"/>
             <a:r>
               <a:rPr lang="en-US" dirty="0" smtClean="0"/>
-              <a:t>Dependable Computing</a:t>
+              <a:t>Lockheed Martin, Dependable Computing, Rockwell Collins</a:t>
             </a:r>
             <a:endParaRPr lang="en-US" dirty="0"/>
           </a:p>
@@ -21478,366 +20893,10 @@
           <a:lstStyle/>
           <a:p>
             <a:r>
-              <a:rPr lang="en-US" smtClean="0"/>
+              <a:rPr lang="en-US" dirty="0" smtClean="0"/>
               <a:t>Architecture Group</a:t>
             </a:r>
-            <a:endParaRPr lang="en-US"/>
-          </a:p>
-        </p:txBody>
-      </p:sp>
-    </p:spTree>
-    <p:extLst>
-      <p:ext uri="{BB962C8B-B14F-4D97-AF65-F5344CB8AC3E}">
-        <p14:creationId xmlns:p14="http://schemas.microsoft.com/office/powerpoint/2010/main" val="1512231083"/>
-      </p:ext>
-    </p:extLst>
-  </p:cSld>
-  <p:clrMapOvr>
-    <a:masterClrMapping/>
-  </p:clrMapOvr>
-  <mc:AlternateContent xmlns:mc="http://schemas.openxmlformats.org/markup-compatibility/2006" xmlns:p14="http://schemas.microsoft.com/office/powerpoint/2010/main">
-    <mc:Choice Requires="p14">
-      <p:transition spd="slow" p14:dur="2000"/>
-    </mc:Choice>
-    <mc:Fallback xmlns="">
-      <p:transition spd="slow"/>
-    </mc:Fallback>
-  </mc:AlternateContent>
-  <p:timing>
-    <p:tnLst>
-      <p:par>
-        <p:cTn id="1" dur="indefinite" restart="never" nodeType="tmRoot"/>
-      </p:par>
-    </p:tnLst>
-  </p:timing>
-</p:sld>
-</file>
-
-<file path=ppt/slides/slide32.xml><?xml version="1.0" encoding="utf-8"?>
-<p:sld xmlns:a="http://schemas.openxmlformats.org/drawingml/2006/main" xmlns:r="http://schemas.openxmlformats.org/officeDocument/2006/relationships" xmlns:p="http://schemas.openxmlformats.org/presentationml/2006/main">
-  <p:cSld>
-    <p:spTree>
-      <p:nvGrpSpPr>
-        <p:cNvPr id="1" name=""/>
-        <p:cNvGrpSpPr/>
-        <p:nvPr/>
-      </p:nvGrpSpPr>
-      <p:grpSpPr>
-        <a:xfrm>
-          <a:off x="0" y="0"/>
-          <a:ext cx="0" cy="0"/>
-          <a:chOff x="0" y="0"/>
-          <a:chExt cx="0" cy="0"/>
-        </a:xfrm>
-      </p:grpSpPr>
-      <p:sp>
-        <p:nvSpPr>
-          <p:cNvPr id="2" name="Title 1"/>
-          <p:cNvSpPr>
-            <a:spLocks noGrp="1"/>
-          </p:cNvSpPr>
-          <p:nvPr>
-            <p:ph type="title"/>
-          </p:nvPr>
-        </p:nvSpPr>
-        <p:spPr/>
-        <p:txBody>
-          <a:bodyPr/>
-          <a:lstStyle/>
-          <a:p>
-            <a:r>
-              <a:rPr lang="en-US" dirty="0" smtClean="0"/>
-              <a:t>Stateflow Representation</a:t>
-            </a:r>
             <a:endParaRPr lang="en-US" dirty="0"/>
-          </a:p>
-        </p:txBody>
-      </p:sp>
-      <p:sp>
-        <p:nvSpPr>
-          <p:cNvPr id="3" name="Content Placeholder 2"/>
-          <p:cNvSpPr>
-            <a:spLocks noGrp="1"/>
-          </p:cNvSpPr>
-          <p:nvPr>
-            <p:ph idx="1"/>
-          </p:nvPr>
-        </p:nvSpPr>
-        <p:spPr/>
-        <p:txBody>
-          <a:bodyPr>
-            <a:normAutofit lnSpcReduction="10000"/>
-          </a:bodyPr>
-          <a:lstStyle/>
-          <a:p>
-            <a:r>
-              <a:rPr lang="en-US" dirty="0" smtClean="0"/>
-              <a:t>Benefits</a:t>
-            </a:r>
-          </a:p>
-          <a:p>
-            <a:pPr lvl="1"/>
-            <a:r>
-              <a:rPr lang="en-US" dirty="0" smtClean="0"/>
-              <a:t>Enable simulation</a:t>
-            </a:r>
-          </a:p>
-          <a:p>
-            <a:pPr lvl="1"/>
-            <a:r>
-              <a:rPr lang="en-US" dirty="0" smtClean="0"/>
-              <a:t>Enable analysis from Simulink</a:t>
-            </a:r>
-          </a:p>
-          <a:p>
-            <a:pPr lvl="2"/>
-            <a:r>
-              <a:rPr lang="en-US" dirty="0" err="1" smtClean="0"/>
-              <a:t>QVtrace</a:t>
-            </a:r>
-            <a:endParaRPr lang="en-US" dirty="0" smtClean="0"/>
-          </a:p>
-          <a:p>
-            <a:pPr lvl="2"/>
-            <a:r>
-              <a:rPr lang="en-US" dirty="0" smtClean="0"/>
-              <a:t>Simulink-to-PVS</a:t>
-            </a:r>
-          </a:p>
-          <a:p>
-            <a:pPr lvl="2"/>
-            <a:r>
-              <a:rPr lang="en-US" dirty="0" smtClean="0"/>
-              <a:t>Simulink Design Verifier</a:t>
-            </a:r>
-          </a:p>
-          <a:p>
-            <a:pPr lvl="1"/>
-            <a:r>
-              <a:rPr lang="en-US" dirty="0" smtClean="0"/>
-              <a:t>Visualize </a:t>
-            </a:r>
-            <a:r>
-              <a:rPr lang="en-US" dirty="0" smtClean="0"/>
-              <a:t>counterexamples</a:t>
-            </a:r>
-          </a:p>
-          <a:p>
-            <a:pPr lvl="1"/>
-            <a:r>
-              <a:rPr lang="en-US" dirty="0" smtClean="0"/>
-              <a:t>Evidence in the assurance argument: “gold standard state machine”</a:t>
-            </a:r>
-            <a:endParaRPr lang="en-US" dirty="0" smtClean="0"/>
-          </a:p>
-          <a:p>
-            <a:r>
-              <a:rPr lang="en-US" dirty="0" smtClean="0"/>
-              <a:t>Created a Stateflow representation of the Task Service Base state machine</a:t>
-            </a:r>
-          </a:p>
-          <a:p>
-            <a:pPr>
-              <a:lnSpc>
-                <a:spcPct val="100000"/>
-              </a:lnSpc>
-              <a:spcBef>
-                <a:spcPts val="200"/>
-              </a:spcBef>
-            </a:pPr>
-            <a:r>
-              <a:rPr lang="en-US" dirty="0"/>
-              <a:t>Simulink/Stateflow Abstractions </a:t>
-            </a:r>
-            <a:r>
-              <a:rPr lang="en-US" dirty="0" smtClean="0"/>
-              <a:t>cross-checked </a:t>
-            </a:r>
-            <a:r>
-              <a:rPr lang="en-US" dirty="0"/>
-              <a:t>with AADL model</a:t>
-            </a:r>
-          </a:p>
-          <a:p>
-            <a:pPr lvl="1">
-              <a:lnSpc>
-                <a:spcPct val="100000"/>
-              </a:lnSpc>
-              <a:spcBef>
-                <a:spcPts val="200"/>
-              </a:spcBef>
-            </a:pPr>
-            <a:r>
-              <a:rPr lang="en-US" dirty="0" smtClean="0"/>
-              <a:t>Found erroneous </a:t>
-            </a:r>
-            <a:r>
-              <a:rPr lang="en-US" dirty="0"/>
-              <a:t>initial conditions, unused from/</a:t>
-            </a:r>
-            <a:r>
-              <a:rPr lang="en-US" dirty="0" err="1"/>
-              <a:t>goto</a:t>
-            </a:r>
-            <a:r>
-              <a:rPr lang="en-US" dirty="0"/>
-              <a:t> flags, and incorrect settings on if-else </a:t>
-            </a:r>
-            <a:r>
-              <a:rPr lang="en-US" dirty="0" smtClean="0"/>
-              <a:t>cases in Stateflow model</a:t>
-            </a:r>
-            <a:endParaRPr lang="en-US" dirty="0"/>
-          </a:p>
-          <a:p>
-            <a:endParaRPr lang="en-US" dirty="0"/>
-          </a:p>
-        </p:txBody>
-      </p:sp>
-      <p:sp>
-        <p:nvSpPr>
-          <p:cNvPr id="5" name="Footer Placeholder 3"/>
-          <p:cNvSpPr txBox="1">
-            <a:spLocks/>
-          </p:cNvSpPr>
-          <p:nvPr/>
-        </p:nvSpPr>
-        <p:spPr>
-          <a:xfrm>
-            <a:off x="102476" y="6437441"/>
-            <a:ext cx="4532586" cy="306936"/>
-          </a:xfrm>
-          <a:prstGeom prst="rect">
-            <a:avLst/>
-          </a:prstGeom>
-        </p:spPr>
-        <p:txBody>
-          <a:bodyPr vert="horz" lIns="91440" tIns="45720" rIns="91440" bIns="45720" rtlCol="0" anchor="ctr"/>
-          <a:lstStyle>
-            <a:defPPr>
-              <a:defRPr lang="en-US"/>
-            </a:defPPr>
-            <a:lvl1pPr marL="0" algn="ctr" defTabSz="914400" rtl="0" eaLnBrk="1" latinLnBrk="0" hangingPunct="1">
-              <a:defRPr sz="1400" kern="1200">
-                <a:solidFill>
-                  <a:srgbClr val="000000"/>
-                </a:solidFill>
-                <a:latin typeface="+mn-lt"/>
-                <a:ea typeface="+mn-ea"/>
-                <a:cs typeface="+mn-cs"/>
-              </a:defRPr>
-            </a:lvl1pPr>
-            <a:lvl2pPr marL="457200" algn="l" defTabSz="914400" rtl="0" eaLnBrk="1" latinLnBrk="0" hangingPunct="1">
-              <a:defRPr sz="1800" kern="1200">
-                <a:solidFill>
-                  <a:schemeClr val="tx1"/>
-                </a:solidFill>
-                <a:latin typeface="+mn-lt"/>
-                <a:ea typeface="+mn-ea"/>
-                <a:cs typeface="+mn-cs"/>
-              </a:defRPr>
-            </a:lvl2pPr>
-            <a:lvl3pPr marL="914400" algn="l" defTabSz="914400" rtl="0" eaLnBrk="1" latinLnBrk="0" hangingPunct="1">
-              <a:defRPr sz="1800" kern="1200">
-                <a:solidFill>
-                  <a:schemeClr val="tx1"/>
-                </a:solidFill>
-                <a:latin typeface="+mn-lt"/>
-                <a:ea typeface="+mn-ea"/>
-                <a:cs typeface="+mn-cs"/>
-              </a:defRPr>
-            </a:lvl3pPr>
-            <a:lvl4pPr marL="1371600" algn="l" defTabSz="914400" rtl="0" eaLnBrk="1" latinLnBrk="0" hangingPunct="1">
-              <a:defRPr sz="1800" kern="1200">
-                <a:solidFill>
-                  <a:schemeClr val="tx1"/>
-                </a:solidFill>
-                <a:latin typeface="+mn-lt"/>
-                <a:ea typeface="+mn-ea"/>
-                <a:cs typeface="+mn-cs"/>
-              </a:defRPr>
-            </a:lvl4pPr>
-            <a:lvl5pPr marL="1828800" algn="l" defTabSz="914400" rtl="0" eaLnBrk="1" latinLnBrk="0" hangingPunct="1">
-              <a:defRPr sz="1800" kern="1200">
-                <a:solidFill>
-                  <a:schemeClr val="tx1"/>
-                </a:solidFill>
-                <a:latin typeface="+mn-lt"/>
-                <a:ea typeface="+mn-ea"/>
-                <a:cs typeface="+mn-cs"/>
-              </a:defRPr>
-            </a:lvl5pPr>
-            <a:lvl6pPr marL="2286000" algn="l" defTabSz="914400" rtl="0" eaLnBrk="1" latinLnBrk="0" hangingPunct="1">
-              <a:defRPr sz="1800" kern="1200">
-                <a:solidFill>
-                  <a:schemeClr val="tx1"/>
-                </a:solidFill>
-                <a:latin typeface="+mn-lt"/>
-                <a:ea typeface="+mn-ea"/>
-                <a:cs typeface="+mn-cs"/>
-              </a:defRPr>
-            </a:lvl6pPr>
-            <a:lvl7pPr marL="2743200" algn="l" defTabSz="914400" rtl="0" eaLnBrk="1" latinLnBrk="0" hangingPunct="1">
-              <a:defRPr sz="1800" kern="1200">
-                <a:solidFill>
-                  <a:schemeClr val="tx1"/>
-                </a:solidFill>
-                <a:latin typeface="+mn-lt"/>
-                <a:ea typeface="+mn-ea"/>
-                <a:cs typeface="+mn-cs"/>
-              </a:defRPr>
-            </a:lvl7pPr>
-            <a:lvl8pPr marL="3200400" algn="l" defTabSz="914400" rtl="0" eaLnBrk="1" latinLnBrk="0" hangingPunct="1">
-              <a:defRPr sz="1800" kern="1200">
-                <a:solidFill>
-                  <a:schemeClr val="tx1"/>
-                </a:solidFill>
-                <a:latin typeface="+mn-lt"/>
-                <a:ea typeface="+mn-ea"/>
-                <a:cs typeface="+mn-cs"/>
-              </a:defRPr>
-            </a:lvl8pPr>
-            <a:lvl9pPr marL="3657600" algn="l" defTabSz="914400" rtl="0" eaLnBrk="1" latinLnBrk="0" hangingPunct="1">
-              <a:defRPr sz="1800" kern="1200">
-                <a:solidFill>
-                  <a:schemeClr val="tx1"/>
-                </a:solidFill>
-                <a:latin typeface="+mn-lt"/>
-                <a:ea typeface="+mn-ea"/>
-                <a:cs typeface="+mn-cs"/>
-              </a:defRPr>
-            </a:lvl9pPr>
-          </a:lstStyle>
-          <a:p>
-            <a:pPr algn="l"/>
-            <a:r>
-              <a:rPr lang="en-US" dirty="0" smtClean="0"/>
-              <a:t>Lockheed Martin, Dependable Computing, Rockwell Collins</a:t>
-            </a:r>
-            <a:endParaRPr lang="en-US" dirty="0"/>
-          </a:p>
-        </p:txBody>
-      </p:sp>
-      <p:sp>
-        <p:nvSpPr>
-          <p:cNvPr id="7" name="Footer Placeholder 6"/>
-          <p:cNvSpPr>
-            <a:spLocks noGrp="1"/>
-          </p:cNvSpPr>
-          <p:nvPr>
-            <p:ph type="ftr" sz="quarter" idx="11"/>
-          </p:nvPr>
-        </p:nvSpPr>
-        <p:spPr/>
-        <p:txBody>
-          <a:bodyPr/>
-          <a:lstStyle/>
-          <a:p>
-            <a:r>
-              <a:rPr lang="en-US" smtClean="0"/>
-              <a:t>Architecture Group</a:t>
-            </a:r>
-            <a:endParaRPr lang="en-US"/>
           </a:p>
         </p:txBody>
       </p:sp>
@@ -21869,7 +20928,7 @@
 </p:sld>
 </file>
 
-<file path=ppt/slides/slide33.xml><?xml version="1.0" encoding="utf-8"?>
+<file path=ppt/slides/slide32.xml><?xml version="1.0" encoding="utf-8"?>
 <p:sld xmlns:a="http://schemas.openxmlformats.org/drawingml/2006/main" xmlns:r="http://schemas.openxmlformats.org/officeDocument/2006/relationships" xmlns:p="http://schemas.openxmlformats.org/presentationml/2006/main">
   <p:cSld>
     <p:spTree>
@@ -21937,7 +20996,7 @@
 </p:sld>
 </file>
 
-<file path=ppt/slides/slide34.xml><?xml version="1.0" encoding="utf-8"?>
+<file path=ppt/slides/slide33.xml><?xml version="1.0" encoding="utf-8"?>
 <p:sld xmlns:a="http://schemas.openxmlformats.org/drawingml/2006/main" xmlns:r="http://schemas.openxmlformats.org/officeDocument/2006/relationships" xmlns:p="http://schemas.openxmlformats.org/presentationml/2006/main">
   <p:cSld>
     <p:spTree>
@@ -22464,7 +21523,6 @@
               <a:rPr lang="en-US" dirty="0" smtClean="0"/>
               <a:t> is a model checker for Simulink that uses SMT Solvers such as Z3</a:t>
             </a:r>
-            <a:endParaRPr lang="en-US" dirty="0" smtClean="0"/>
           </a:p>
           <a:p>
             <a:pPr>
@@ -22628,7 +21686,6 @@
               <a:rPr lang="en-US" dirty="0"/>
               <a:t>Lockheed Martin, Dependable Computing, Rockwell Collins</a:t>
             </a:r>
-            <a:endParaRPr lang="en-US" dirty="0"/>
           </a:p>
         </p:txBody>
       </p:sp>
@@ -22703,6 +21760,235 @@
     <p:extLst>
       <p:ext uri="{BB962C8B-B14F-4D97-AF65-F5344CB8AC3E}">
         <p14:creationId xmlns:p14="http://schemas.microsoft.com/office/powerpoint/2010/main" val="1931412935"/>
+      </p:ext>
+    </p:extLst>
+  </p:cSld>
+  <p:clrMapOvr>
+    <a:masterClrMapping/>
+  </p:clrMapOvr>
+  <mc:AlternateContent xmlns:mc="http://schemas.openxmlformats.org/markup-compatibility/2006" xmlns:p14="http://schemas.microsoft.com/office/powerpoint/2010/main">
+    <mc:Choice Requires="p14">
+      <p:transition spd="slow" p14:dur="2000"/>
+    </mc:Choice>
+    <mc:Fallback xmlns="">
+      <p:transition spd="slow"/>
+    </mc:Fallback>
+  </mc:AlternateContent>
+  <p:timing>
+    <p:tnLst>
+      <p:par>
+        <p:cTn id="1" dur="indefinite" restart="never" nodeType="tmRoot"/>
+      </p:par>
+    </p:tnLst>
+  </p:timing>
+</p:sld>
+</file>
+
+<file path=ppt/slides/slide34.xml><?xml version="1.0" encoding="utf-8"?>
+<p:sld xmlns:a="http://schemas.openxmlformats.org/drawingml/2006/main" xmlns:r="http://schemas.openxmlformats.org/officeDocument/2006/relationships" xmlns:p="http://schemas.openxmlformats.org/presentationml/2006/main">
+  <p:cSld>
+    <p:spTree>
+      <p:nvGrpSpPr>
+        <p:cNvPr id="1" name=""/>
+        <p:cNvGrpSpPr/>
+        <p:nvPr/>
+      </p:nvGrpSpPr>
+      <p:grpSpPr>
+        <a:xfrm>
+          <a:off x="0" y="0"/>
+          <a:ext cx="0" cy="0"/>
+          <a:chOff x="0" y="0"/>
+          <a:chExt cx="0" cy="0"/>
+        </a:xfrm>
+      </p:grpSpPr>
+      <p:sp>
+        <p:nvSpPr>
+          <p:cNvPr id="2" name="Title 1"/>
+          <p:cNvSpPr>
+            <a:spLocks noGrp="1"/>
+          </p:cNvSpPr>
+          <p:nvPr>
+            <p:ph type="title"/>
+          </p:nvPr>
+        </p:nvSpPr>
+        <p:spPr/>
+        <p:txBody>
+          <a:bodyPr/>
+          <a:lstStyle/>
+          <a:p>
+            <a:r>
+              <a:rPr lang="en-US" dirty="0" smtClean="0"/>
+              <a:t>Lessons Learned</a:t>
+            </a:r>
+            <a:endParaRPr lang="en-US" dirty="0"/>
+          </a:p>
+        </p:txBody>
+      </p:sp>
+      <p:sp>
+        <p:nvSpPr>
+          <p:cNvPr id="3" name="Content Placeholder 2"/>
+          <p:cNvSpPr>
+            <a:spLocks noGrp="1"/>
+          </p:cNvSpPr>
+          <p:nvPr>
+            <p:ph idx="1"/>
+          </p:nvPr>
+        </p:nvSpPr>
+        <p:spPr/>
+        <p:txBody>
+          <a:bodyPr>
+            <a:normAutofit lnSpcReduction="10000"/>
+          </a:bodyPr>
+          <a:lstStyle/>
+          <a:p>
+            <a:pPr>
+              <a:lnSpc>
+                <a:spcPct val="100000"/>
+              </a:lnSpc>
+              <a:spcBef>
+                <a:spcPts val="200"/>
+              </a:spcBef>
+            </a:pPr>
+            <a:r>
+              <a:rPr lang="en-US" dirty="0" smtClean="0"/>
+              <a:t>Many problems are identified through the process of formalization, before analysis</a:t>
+            </a:r>
+          </a:p>
+          <a:p>
+            <a:pPr>
+              <a:lnSpc>
+                <a:spcPct val="100000"/>
+              </a:lnSpc>
+              <a:spcBef>
+                <a:spcPts val="200"/>
+              </a:spcBef>
+            </a:pPr>
+            <a:r>
+              <a:rPr lang="en-US" dirty="0" smtClean="0"/>
+              <a:t>Data types (or an ontology), ports, and connections can be automatically extracted from code (with some moderate up front work)</a:t>
+            </a:r>
+          </a:p>
+          <a:p>
+            <a:pPr>
+              <a:lnSpc>
+                <a:spcPct val="100000"/>
+              </a:lnSpc>
+              <a:spcBef>
+                <a:spcPts val="200"/>
+              </a:spcBef>
+            </a:pPr>
+            <a:r>
+              <a:rPr lang="en-US" dirty="0" smtClean="0"/>
+              <a:t>Reusable (template) properties help find common mistakes</a:t>
+            </a:r>
+          </a:p>
+          <a:p>
+            <a:pPr>
+              <a:lnSpc>
+                <a:spcPct val="100000"/>
+              </a:lnSpc>
+              <a:spcBef>
+                <a:spcPts val="200"/>
+              </a:spcBef>
+            </a:pPr>
+            <a:r>
+              <a:rPr lang="en-US" dirty="0" smtClean="0"/>
+              <a:t>Not every error can be detected with a template property--a review of the specification itself is still worthwhile</a:t>
+            </a:r>
+          </a:p>
+          <a:p>
+            <a:pPr>
+              <a:lnSpc>
+                <a:spcPct val="100000"/>
+              </a:lnSpc>
+              <a:spcBef>
+                <a:spcPts val="200"/>
+              </a:spcBef>
+            </a:pPr>
+            <a:r>
+              <a:rPr lang="en-US" dirty="0" smtClean="0"/>
+              <a:t>Assurance arguments are useful to capture the “rest of the story”</a:t>
+            </a:r>
+          </a:p>
+          <a:p>
+            <a:pPr>
+              <a:lnSpc>
+                <a:spcPct val="100000"/>
+              </a:lnSpc>
+              <a:spcBef>
+                <a:spcPts val="200"/>
+              </a:spcBef>
+            </a:pPr>
+            <a:r>
+              <a:rPr lang="en-US" dirty="0" smtClean="0"/>
+              <a:t>SpeAR, ASSERT, AADL/AGREE, and </a:t>
+            </a:r>
+            <a:r>
+              <a:rPr lang="en-US" dirty="0" err="1" smtClean="0"/>
+              <a:t>QVtrace</a:t>
+            </a:r>
+            <a:r>
+              <a:rPr lang="en-US" dirty="0" smtClean="0"/>
+              <a:t> are all very capable analysis tools. There are synergies between them.</a:t>
+            </a:r>
+          </a:p>
+          <a:p>
+            <a:pPr>
+              <a:lnSpc>
+                <a:spcPct val="100000"/>
+              </a:lnSpc>
+              <a:spcBef>
+                <a:spcPts val="200"/>
+              </a:spcBef>
+            </a:pPr>
+            <a:r>
+              <a:rPr lang="en-US" dirty="0" smtClean="0"/>
+              <a:t>Challenges: arrays, inheritance</a:t>
+            </a:r>
+          </a:p>
+          <a:p>
+            <a:pPr>
+              <a:lnSpc>
+                <a:spcPct val="100000"/>
+              </a:lnSpc>
+              <a:spcBef>
+                <a:spcPts val="200"/>
+              </a:spcBef>
+            </a:pPr>
+            <a:endParaRPr lang="en-US" dirty="0" smtClean="0"/>
+          </a:p>
+          <a:p>
+            <a:endParaRPr lang="en-US" dirty="0"/>
+          </a:p>
+        </p:txBody>
+      </p:sp>
+      <p:sp>
+        <p:nvSpPr>
+          <p:cNvPr id="6" name="Footer Placeholder 5"/>
+          <p:cNvSpPr>
+            <a:spLocks noGrp="1"/>
+          </p:cNvSpPr>
+          <p:nvPr>
+            <p:ph type="ftr" sz="quarter" idx="11"/>
+          </p:nvPr>
+        </p:nvSpPr>
+        <p:spPr/>
+        <p:txBody>
+          <a:bodyPr/>
+          <a:lstStyle/>
+          <a:p>
+            <a:r>
+              <a:rPr lang="en-US" smtClean="0"/>
+              <a:t>Architecture Group</a:t>
+            </a:r>
+            <a:endParaRPr lang="en-US"/>
+          </a:p>
+        </p:txBody>
+      </p:sp>
+    </p:spTree>
+    <p:extLst>
+      <p:ext uri="{BB962C8B-B14F-4D97-AF65-F5344CB8AC3E}">
+        <p14:creationId xmlns:p14="http://schemas.microsoft.com/office/powerpoint/2010/main" val="3123488723"/>
       </p:ext>
     </p:extLst>
   </p:cSld>
@@ -22761,7 +22047,7 @@
           <a:p>
             <a:r>
               <a:rPr lang="en-US" dirty="0" smtClean="0"/>
-              <a:t>Lessons Learned</a:t>
+              <a:t>Recommended Future Directions</a:t>
             </a:r>
             <a:endParaRPr lang="en-US" dirty="0"/>
           </a:p>
@@ -22779,9 +22065,7 @@
         </p:nvSpPr>
         <p:spPr/>
         <p:txBody>
-          <a:bodyPr>
-            <a:normAutofit lnSpcReduction="10000"/>
-          </a:bodyPr>
+          <a:bodyPr/>
           <a:lstStyle/>
           <a:p>
             <a:pPr>
@@ -22794,7 +22078,7 @@
             </a:pPr>
             <a:r>
               <a:rPr lang="en-US" dirty="0" smtClean="0"/>
-              <a:t>Many problems are identified through the process of formalization, before analysis</a:t>
+              <a:t>Write contracts for the remaining thirty-one components</a:t>
             </a:r>
           </a:p>
           <a:p>
@@ -22806,10 +22090,7 @@
                 <a:spcPts val="200"/>
               </a:spcBef>
             </a:pPr>
-            <a:r>
-              <a:rPr lang="en-US" dirty="0" smtClean="0"/>
-              <a:t>Data types (or an ontology), ports, and connections can be automatically extracted from code (with some moderate up front work)</a:t>
-            </a:r>
+            <a:endParaRPr lang="en-US" dirty="0" smtClean="0"/>
           </a:p>
           <a:p>
             <a:pPr>
@@ -22822,7 +22103,7 @@
             </a:pPr>
             <a:r>
               <a:rPr lang="en-US" dirty="0" smtClean="0"/>
-              <a:t>Reusable (template) properties help find common mistakes</a:t>
+              <a:t>State/compose and analyze system-level properties (in progress)</a:t>
             </a:r>
           </a:p>
           <a:p>
@@ -22834,10 +22115,7 @@
                 <a:spcPts val="200"/>
               </a:spcBef>
             </a:pPr>
-            <a:r>
-              <a:rPr lang="en-US" dirty="0" smtClean="0"/>
-              <a:t>Not every error can be detected with a template property--a review of the specification itself is still worthwhile</a:t>
-            </a:r>
+            <a:endParaRPr lang="en-US" dirty="0" smtClean="0"/>
           </a:p>
           <a:p>
             <a:pPr>
@@ -22850,7 +22128,7 @@
             </a:pPr>
             <a:r>
               <a:rPr lang="en-US" dirty="0" smtClean="0"/>
-              <a:t>Assurance arguments are useful to capture the “rest of the story”</a:t>
+              <a:t>Generate code from AADL</a:t>
             </a:r>
           </a:p>
           <a:p>
@@ -22862,18 +22140,7 @@
                 <a:spcPts val="200"/>
               </a:spcBef>
             </a:pPr>
-            <a:r>
-              <a:rPr lang="en-US" dirty="0" smtClean="0"/>
-              <a:t>SpeAR, ASSERT, AADL/AGREE, and </a:t>
-            </a:r>
-            <a:r>
-              <a:rPr lang="en-US" dirty="0" err="1" smtClean="0"/>
-              <a:t>QVtrace</a:t>
-            </a:r>
-            <a:r>
-              <a:rPr lang="en-US" dirty="0" smtClean="0"/>
-              <a:t> are all very capable analysis tools. There are synergies between them.</a:t>
-            </a:r>
+            <a:endParaRPr lang="en-US" dirty="0" smtClean="0"/>
           </a:p>
           <a:p>
             <a:pPr>
@@ -22886,8 +22153,63 @@
             </a:pPr>
             <a:r>
               <a:rPr lang="en-US" dirty="0" smtClean="0"/>
-              <a:t>Challenges: arrays, inheritance</a:t>
-            </a:r>
+              <a:t>Generate test cases from AGREE and run on </a:t>
+            </a:r>
+            <a:r>
+              <a:rPr lang="en-US" dirty="0" err="1" smtClean="0"/>
+              <a:t>UxAS</a:t>
+            </a:r>
+            <a:r>
+              <a:rPr lang="en-US" dirty="0" smtClean="0"/>
+              <a:t> implementation</a:t>
+            </a:r>
+          </a:p>
+          <a:p>
+            <a:pPr>
+              <a:lnSpc>
+                <a:spcPct val="100000"/>
+              </a:lnSpc>
+              <a:spcBef>
+                <a:spcPts val="200"/>
+              </a:spcBef>
+            </a:pPr>
+            <a:endParaRPr lang="en-US" dirty="0" smtClean="0"/>
+          </a:p>
+          <a:p>
+            <a:pPr>
+              <a:lnSpc>
+                <a:spcPct val="100000"/>
+              </a:lnSpc>
+              <a:spcBef>
+                <a:spcPts val="200"/>
+              </a:spcBef>
+            </a:pPr>
+            <a:r>
+              <a:rPr lang="en-US" dirty="0" smtClean="0"/>
+              <a:t>Continue documenting decisions and the assurance case for the architecture</a:t>
+            </a:r>
+          </a:p>
+          <a:p>
+            <a:pPr>
+              <a:lnSpc>
+                <a:spcPct val="100000"/>
+              </a:lnSpc>
+              <a:spcBef>
+                <a:spcPts val="200"/>
+              </a:spcBef>
+            </a:pPr>
+            <a:endParaRPr lang="en-US" dirty="0" smtClean="0"/>
+          </a:p>
+          <a:p>
+            <a:pPr>
+              <a:lnSpc>
+                <a:spcPct val="100000"/>
+              </a:lnSpc>
+              <a:spcBef>
+                <a:spcPts val="200"/>
+              </a:spcBef>
+            </a:pPr>
+            <a:endParaRPr lang="en-US" dirty="0" smtClean="0"/>
           </a:p>
           <a:p>
             <a:pPr>
@@ -22931,7 +22253,7 @@
     </p:spTree>
     <p:extLst>
       <p:ext uri="{BB962C8B-B14F-4D97-AF65-F5344CB8AC3E}">
-        <p14:creationId xmlns:p14="http://schemas.microsoft.com/office/powerpoint/2010/main" val="3123488723"/>
+        <p14:creationId xmlns:p14="http://schemas.microsoft.com/office/powerpoint/2010/main" val="2472667537"/>
       </p:ext>
     </p:extLst>
   </p:cSld>
@@ -22975,303 +22297,6 @@
       </p:grpSpPr>
       <p:sp>
         <p:nvSpPr>
-          <p:cNvPr id="2" name="Title 1"/>
-          <p:cNvSpPr>
-            <a:spLocks noGrp="1"/>
-          </p:cNvSpPr>
-          <p:nvPr>
-            <p:ph type="title"/>
-          </p:nvPr>
-        </p:nvSpPr>
-        <p:spPr/>
-        <p:txBody>
-          <a:bodyPr/>
-          <a:lstStyle/>
-          <a:p>
-            <a:r>
-              <a:rPr lang="en-US" dirty="0" smtClean="0"/>
-              <a:t>Recommended Future Directions</a:t>
-            </a:r>
-            <a:endParaRPr lang="en-US" dirty="0"/>
-          </a:p>
-        </p:txBody>
-      </p:sp>
-      <p:sp>
-        <p:nvSpPr>
-          <p:cNvPr id="3" name="Content Placeholder 2"/>
-          <p:cNvSpPr>
-            <a:spLocks noGrp="1"/>
-          </p:cNvSpPr>
-          <p:nvPr>
-            <p:ph idx="1"/>
-          </p:nvPr>
-        </p:nvSpPr>
-        <p:spPr/>
-        <p:txBody>
-          <a:bodyPr/>
-          <a:lstStyle/>
-          <a:p>
-            <a:pPr>
-              <a:lnSpc>
-                <a:spcPct val="100000"/>
-              </a:lnSpc>
-              <a:spcBef>
-                <a:spcPts val="200"/>
-              </a:spcBef>
-            </a:pPr>
-            <a:r>
-              <a:rPr lang="en-US" dirty="0" smtClean="0"/>
-              <a:t>Write contracts for the remaining </a:t>
-            </a:r>
-            <a:r>
-              <a:rPr lang="en-US" dirty="0" smtClean="0"/>
-              <a:t>thirty-one </a:t>
-            </a:r>
-            <a:r>
-              <a:rPr lang="en-US" dirty="0" smtClean="0"/>
-              <a:t>components</a:t>
-            </a:r>
-          </a:p>
-          <a:p>
-            <a:pPr>
-              <a:lnSpc>
-                <a:spcPct val="100000"/>
-              </a:lnSpc>
-              <a:spcBef>
-                <a:spcPts val="200"/>
-              </a:spcBef>
-            </a:pPr>
-            <a:endParaRPr lang="en-US" dirty="0" smtClean="0"/>
-          </a:p>
-          <a:p>
-            <a:pPr>
-              <a:lnSpc>
-                <a:spcPct val="100000"/>
-              </a:lnSpc>
-              <a:spcBef>
-                <a:spcPts val="200"/>
-              </a:spcBef>
-            </a:pPr>
-            <a:r>
-              <a:rPr lang="en-US" dirty="0" smtClean="0"/>
-              <a:t>State/compose </a:t>
-            </a:r>
-            <a:r>
-              <a:rPr lang="en-US" dirty="0" smtClean="0"/>
-              <a:t>and analyze system-level properties (in progress</a:t>
-            </a:r>
-            <a:r>
-              <a:rPr lang="en-US" dirty="0" smtClean="0"/>
-              <a:t>)</a:t>
-            </a:r>
-          </a:p>
-          <a:p>
-            <a:pPr>
-              <a:lnSpc>
-                <a:spcPct val="100000"/>
-              </a:lnSpc>
-              <a:spcBef>
-                <a:spcPts val="200"/>
-              </a:spcBef>
-            </a:pPr>
-            <a:endParaRPr lang="en-US" dirty="0" smtClean="0"/>
-          </a:p>
-          <a:p>
-            <a:pPr>
-              <a:lnSpc>
-                <a:spcPct val="100000"/>
-              </a:lnSpc>
-              <a:spcBef>
-                <a:spcPts val="200"/>
-              </a:spcBef>
-            </a:pPr>
-            <a:r>
-              <a:rPr lang="en-US" dirty="0" smtClean="0"/>
-              <a:t>Generate </a:t>
-            </a:r>
-            <a:r>
-              <a:rPr lang="en-US" dirty="0" smtClean="0"/>
-              <a:t>code from </a:t>
-            </a:r>
-            <a:r>
-              <a:rPr lang="en-US" dirty="0" smtClean="0"/>
-              <a:t>AADL</a:t>
-            </a:r>
-          </a:p>
-          <a:p>
-            <a:pPr>
-              <a:lnSpc>
-                <a:spcPct val="100000"/>
-              </a:lnSpc>
-              <a:spcBef>
-                <a:spcPts val="200"/>
-              </a:spcBef>
-            </a:pPr>
-            <a:endParaRPr lang="en-US" dirty="0" smtClean="0"/>
-          </a:p>
-          <a:p>
-            <a:pPr>
-              <a:lnSpc>
-                <a:spcPct val="100000"/>
-              </a:lnSpc>
-              <a:spcBef>
-                <a:spcPts val="200"/>
-              </a:spcBef>
-            </a:pPr>
-            <a:r>
-              <a:rPr lang="en-US" dirty="0" smtClean="0"/>
-              <a:t>Generate </a:t>
-            </a:r>
-            <a:r>
-              <a:rPr lang="en-US" dirty="0" smtClean="0"/>
-              <a:t>test cases from AGREE and run on </a:t>
-            </a:r>
-            <a:r>
-              <a:rPr lang="en-US" dirty="0" err="1" smtClean="0"/>
-              <a:t>UxAS</a:t>
-            </a:r>
-            <a:r>
-              <a:rPr lang="en-US" dirty="0" smtClean="0"/>
-              <a:t> implementation</a:t>
-            </a:r>
-          </a:p>
-          <a:p>
-            <a:pPr>
-              <a:lnSpc>
-                <a:spcPct val="100000"/>
-              </a:lnSpc>
-              <a:spcBef>
-                <a:spcPts val="200"/>
-              </a:spcBef>
-            </a:pPr>
-            <a:endParaRPr lang="en-US" dirty="0" smtClean="0"/>
-          </a:p>
-          <a:p>
-            <a:pPr>
-              <a:lnSpc>
-                <a:spcPct val="100000"/>
-              </a:lnSpc>
-              <a:spcBef>
-                <a:spcPts val="200"/>
-              </a:spcBef>
-            </a:pPr>
-            <a:r>
-              <a:rPr lang="en-US" dirty="0" smtClean="0"/>
-              <a:t>Continue </a:t>
-            </a:r>
-            <a:r>
-              <a:rPr lang="en-US" dirty="0" smtClean="0"/>
-              <a:t>documenting decisions and the assurance case for the architecture</a:t>
-            </a:r>
-          </a:p>
-          <a:p>
-            <a:pPr>
-              <a:lnSpc>
-                <a:spcPct val="100000"/>
-              </a:lnSpc>
-              <a:spcBef>
-                <a:spcPts val="200"/>
-              </a:spcBef>
-            </a:pPr>
-            <a:endParaRPr lang="en-US" dirty="0" smtClean="0"/>
-          </a:p>
-          <a:p>
-            <a:pPr>
-              <a:lnSpc>
-                <a:spcPct val="100000"/>
-              </a:lnSpc>
-              <a:spcBef>
-                <a:spcPts val="200"/>
-              </a:spcBef>
-            </a:pPr>
-            <a:endParaRPr lang="en-US" dirty="0" smtClean="0"/>
-          </a:p>
-          <a:p>
-            <a:pPr>
-              <a:lnSpc>
-                <a:spcPct val="100000"/>
-              </a:lnSpc>
-              <a:spcBef>
-                <a:spcPts val="200"/>
-              </a:spcBef>
-            </a:pPr>
-            <a:endParaRPr lang="en-US" dirty="0" smtClean="0"/>
-          </a:p>
-          <a:p>
-            <a:endParaRPr lang="en-US" dirty="0"/>
-          </a:p>
-        </p:txBody>
-      </p:sp>
-      <p:sp>
-        <p:nvSpPr>
-          <p:cNvPr id="6" name="Footer Placeholder 5"/>
-          <p:cNvSpPr>
-            <a:spLocks noGrp="1"/>
-          </p:cNvSpPr>
-          <p:nvPr>
-            <p:ph type="ftr" sz="quarter" idx="11"/>
-          </p:nvPr>
-        </p:nvSpPr>
-        <p:spPr/>
-        <p:txBody>
-          <a:bodyPr/>
-          <a:lstStyle/>
-          <a:p>
-            <a:r>
-              <a:rPr lang="en-US" smtClean="0"/>
-              <a:t>Architecture Group</a:t>
-            </a:r>
-            <a:endParaRPr lang="en-US"/>
-          </a:p>
-        </p:txBody>
-      </p:sp>
-    </p:spTree>
-    <p:extLst>
-      <p:ext uri="{BB962C8B-B14F-4D97-AF65-F5344CB8AC3E}">
-        <p14:creationId xmlns:p14="http://schemas.microsoft.com/office/powerpoint/2010/main" val="2472667537"/>
-      </p:ext>
-    </p:extLst>
-  </p:cSld>
-  <p:clrMapOvr>
-    <a:masterClrMapping/>
-  </p:clrMapOvr>
-  <mc:AlternateContent xmlns:mc="http://schemas.openxmlformats.org/markup-compatibility/2006" xmlns:p14="http://schemas.microsoft.com/office/powerpoint/2010/main">
-    <mc:Choice Requires="p14">
-      <p:transition spd="slow" p14:dur="2000"/>
-    </mc:Choice>
-    <mc:Fallback xmlns="">
-      <p:transition spd="slow"/>
-    </mc:Fallback>
-  </mc:AlternateContent>
-  <p:timing>
-    <p:tnLst>
-      <p:par>
-        <p:cTn id="1" dur="indefinite" restart="never" nodeType="tmRoot"/>
-      </p:par>
-    </p:tnLst>
-  </p:timing>
-</p:sld>
-</file>
-
-<file path=ppt/slides/slide37.xml><?xml version="1.0" encoding="utf-8"?>
-<p:sld xmlns:a="http://schemas.openxmlformats.org/drawingml/2006/main" xmlns:r="http://schemas.openxmlformats.org/officeDocument/2006/relationships" xmlns:p="http://schemas.openxmlformats.org/presentationml/2006/main">
-  <p:cSld>
-    <p:spTree>
-      <p:nvGrpSpPr>
-        <p:cNvPr id="1" name=""/>
-        <p:cNvGrpSpPr/>
-        <p:nvPr/>
-      </p:nvGrpSpPr>
-      <p:grpSpPr>
-        <a:xfrm>
-          <a:off x="0" y="0"/>
-          <a:ext cx="0" cy="0"/>
-          <a:chOff x="0" y="0"/>
-          <a:chExt cx="0" cy="0"/>
-        </a:xfrm>
-      </p:grpSpPr>
-      <p:sp>
-        <p:nvSpPr>
           <p:cNvPr id="4" name="Title 3"/>
           <p:cNvSpPr>
             <a:spLocks noGrp="1"/>
@@ -23340,7 +22365,7 @@
 </p:sld>
 </file>
 
-<file path=ppt/slides/slide38.xml><?xml version="1.0" encoding="utf-8"?>
+<file path=ppt/slides/slide37.xml><?xml version="1.0" encoding="utf-8"?>
 <p:sld xmlns:a="http://schemas.openxmlformats.org/drawingml/2006/main" xmlns:r="http://schemas.openxmlformats.org/officeDocument/2006/relationships" xmlns:p="http://schemas.openxmlformats.org/presentationml/2006/main">
   <p:cSld>
     <p:spTree>
@@ -24814,6 +23839,303 @@
 </p:sld>
 </file>
 
+<file path=ppt/slides/slide38.xml><?xml version="1.0" encoding="utf-8"?>
+<p:sld xmlns:a="http://schemas.openxmlformats.org/drawingml/2006/main" xmlns:r="http://schemas.openxmlformats.org/officeDocument/2006/relationships" xmlns:p="http://schemas.openxmlformats.org/presentationml/2006/main">
+  <p:cSld>
+    <p:spTree>
+      <p:nvGrpSpPr>
+        <p:cNvPr id="1" name=""/>
+        <p:cNvGrpSpPr/>
+        <p:nvPr/>
+      </p:nvGrpSpPr>
+      <p:grpSpPr>
+        <a:xfrm>
+          <a:off x="0" y="0"/>
+          <a:ext cx="0" cy="0"/>
+          <a:chOff x="0" y="0"/>
+          <a:chExt cx="0" cy="0"/>
+        </a:xfrm>
+      </p:grpSpPr>
+      <p:sp>
+        <p:nvSpPr>
+          <p:cNvPr id="2" name="Title 1"/>
+          <p:cNvSpPr>
+            <a:spLocks noGrp="1"/>
+          </p:cNvSpPr>
+          <p:nvPr>
+            <p:ph type="title"/>
+          </p:nvPr>
+        </p:nvSpPr>
+        <p:spPr/>
+        <p:txBody>
+          <a:bodyPr/>
+          <a:lstStyle/>
+          <a:p>
+            <a:r>
+              <a:rPr lang="en-US" dirty="0" smtClean="0"/>
+              <a:t>Producing the Formal Architecture</a:t>
+            </a:r>
+            <a:endParaRPr lang="en-US" dirty="0"/>
+          </a:p>
+        </p:txBody>
+      </p:sp>
+      <p:sp>
+        <p:nvSpPr>
+          <p:cNvPr id="3" name="Content Placeholder 2"/>
+          <p:cNvSpPr>
+            <a:spLocks noGrp="1"/>
+          </p:cNvSpPr>
+          <p:nvPr>
+            <p:ph idx="1"/>
+          </p:nvPr>
+        </p:nvSpPr>
+        <p:spPr>
+          <a:xfrm>
+            <a:off x="210065" y="1508511"/>
+            <a:ext cx="8993312" cy="4668452"/>
+          </a:xfrm>
+        </p:spPr>
+        <p:txBody>
+          <a:bodyPr>
+            <a:normAutofit/>
+          </a:bodyPr>
+          <a:lstStyle/>
+          <a:p>
+            <a:r>
+              <a:rPr lang="en-US" dirty="0" smtClean="0"/>
+              <a:t>The formal architecture relied on the documentation that was found on the </a:t>
+            </a:r>
+            <a:r>
+              <a:rPr lang="en-US" dirty="0" err="1" smtClean="0"/>
+              <a:t>UxAS</a:t>
+            </a:r>
+            <a:r>
+              <a:rPr lang="en-US" dirty="0" smtClean="0"/>
+              <a:t> Wiki page.</a:t>
+            </a:r>
+          </a:p>
+          <a:p>
+            <a:pPr lvl="1"/>
+            <a:r>
+              <a:rPr lang="en-US" dirty="0" smtClean="0"/>
+              <a:t>Direct code decomposition was going to be too intensive to meet objectives efficiently.</a:t>
+            </a:r>
+          </a:p>
+          <a:p>
+            <a:pPr lvl="1"/>
+            <a:r>
+              <a:rPr lang="en-US" dirty="0" smtClean="0"/>
+              <a:t>Through formalization, gaps were identified.</a:t>
+            </a:r>
+          </a:p>
+          <a:p>
+            <a:pPr marL="457200" lvl="1" indent="0">
+              <a:buNone/>
+            </a:pPr>
+            <a:endParaRPr lang="en-US" dirty="0" smtClean="0"/>
+          </a:p>
+          <a:p>
+            <a:endParaRPr lang="en-US" dirty="0"/>
+          </a:p>
+          <a:p>
+            <a:pPr lvl="1"/>
+            <a:endParaRPr lang="en-US" dirty="0" smtClean="0"/>
+          </a:p>
+        </p:txBody>
+      </p:sp>
+      <p:pic>
+        <p:nvPicPr>
+          <p:cNvPr id="5" name="Picture 4"/>
+          <p:cNvPicPr>
+            <a:picLocks noChangeAspect="1"/>
+          </p:cNvPicPr>
+          <p:nvPr/>
+        </p:nvPicPr>
+        <p:blipFill>
+          <a:blip r:embed="rId3"/>
+          <a:stretch>
+            <a:fillRect/>
+          </a:stretch>
+        </p:blipFill>
+        <p:spPr>
+          <a:xfrm>
+            <a:off x="9345881" y="1524032"/>
+            <a:ext cx="2764233" cy="4614116"/>
+          </a:xfrm>
+          <a:prstGeom prst="rect">
+            <a:avLst/>
+          </a:prstGeom>
+        </p:spPr>
+      </p:pic>
+      <p:sp>
+        <p:nvSpPr>
+          <p:cNvPr id="6" name="Rectangle 5"/>
+          <p:cNvSpPr/>
+          <p:nvPr/>
+        </p:nvSpPr>
+        <p:spPr>
+          <a:xfrm>
+            <a:off x="1200522" y="4271636"/>
+            <a:ext cx="6287069" cy="819124"/>
+          </a:xfrm>
+          <a:prstGeom prst="rect">
+            <a:avLst/>
+          </a:prstGeom>
+        </p:spPr>
+        <p:style>
+          <a:lnRef idx="2">
+            <a:schemeClr val="accent1">
+              <a:shade val="50000"/>
+            </a:schemeClr>
+          </a:lnRef>
+          <a:fillRef idx="1">
+            <a:schemeClr val="accent1"/>
+          </a:fillRef>
+          <a:effectRef idx="0">
+            <a:schemeClr val="accent1"/>
+          </a:effectRef>
+          <a:fontRef idx="minor">
+            <a:schemeClr val="lt1"/>
+          </a:fontRef>
+        </p:style>
+        <p:txBody>
+          <a:bodyPr rtlCol="0" anchor="ctr"/>
+          <a:lstStyle/>
+          <a:p>
+            <a:pPr algn="ctr"/>
+            <a:r>
+              <a:rPr lang="en-US" b="1" i="1" dirty="0" smtClean="0"/>
+              <a:t>Just the effort to formalize components proved extremely valuable to the SMEs, even before the analysis.</a:t>
+            </a:r>
+            <a:endParaRPr lang="en-US" b="1" i="1" dirty="0"/>
+          </a:p>
+        </p:txBody>
+      </p:sp>
+      <p:sp>
+        <p:nvSpPr>
+          <p:cNvPr id="8" name="Footer Placeholder 7"/>
+          <p:cNvSpPr>
+            <a:spLocks noGrp="1"/>
+          </p:cNvSpPr>
+          <p:nvPr>
+            <p:ph type="ftr" sz="quarter" idx="11"/>
+          </p:nvPr>
+        </p:nvSpPr>
+        <p:spPr/>
+        <p:txBody>
+          <a:bodyPr/>
+          <a:lstStyle/>
+          <a:p>
+            <a:r>
+              <a:rPr lang="en-US" smtClean="0"/>
+              <a:t>Architecture Group</a:t>
+            </a:r>
+            <a:endParaRPr lang="en-US"/>
+          </a:p>
+        </p:txBody>
+      </p:sp>
+    </p:spTree>
+    <p:custDataLst>
+      <p:tags r:id="rId1"/>
+    </p:custDataLst>
+    <p:extLst>
+      <p:ext uri="{BB962C8B-B14F-4D97-AF65-F5344CB8AC3E}">
+        <p14:creationId xmlns:p14="http://schemas.microsoft.com/office/powerpoint/2010/main" val="112893349"/>
+      </p:ext>
+    </p:extLst>
+  </p:cSld>
+  <p:clrMapOvr>
+    <a:masterClrMapping/>
+  </p:clrMapOvr>
+  <mc:AlternateContent xmlns:mc="http://schemas.openxmlformats.org/markup-compatibility/2006" xmlns:p14="http://schemas.microsoft.com/office/powerpoint/2010/main">
+    <mc:Choice Requires="p14">
+      <p:transition spd="slow" p14:dur="2000"/>
+    </mc:Choice>
+    <mc:Fallback xmlns="">
+      <p:transition spd="slow"/>
+    </mc:Fallback>
+  </mc:AlternateContent>
+  <p:timing>
+    <p:tnLst>
+      <p:par>
+        <p:cTn id="1" dur="indefinite" restart="never" nodeType="tmRoot">
+          <p:childTnLst>
+            <p:seq concurrent="1" nextAc="seek">
+              <p:cTn id="2" dur="indefinite" nodeType="mainSeq">
+                <p:childTnLst>
+                  <p:par>
+                    <p:cTn id="3" fill="hold">
+                      <p:stCondLst>
+                        <p:cond delay="indefinite"/>
+                      </p:stCondLst>
+                      <p:childTnLst>
+                        <p:par>
+                          <p:cTn id="4" fill="hold">
+                            <p:stCondLst>
+                              <p:cond delay="0"/>
+                            </p:stCondLst>
+                            <p:childTnLst>
+                              <p:par>
+                                <p:cTn id="5" presetID="1" presetClass="entr" presetSubtype="0" fill="hold" grpId="0" nodeType="clickEffect">
+                                  <p:stCondLst>
+                                    <p:cond delay="0"/>
+                                  </p:stCondLst>
+                                  <p:childTnLst>
+                                    <p:set>
+                                      <p:cBhvr>
+                                        <p:cTn id="6" dur="1" fill="hold">
+                                          <p:stCondLst>
+                                            <p:cond delay="0"/>
+                                          </p:stCondLst>
+                                        </p:cTn>
+                                        <p:tgtEl>
+                                          <p:spTgt spid="6"/>
+                                        </p:tgtEl>
+                                        <p:attrNameLst>
+                                          <p:attrName>style.visibility</p:attrName>
+                                        </p:attrNameLst>
+                                      </p:cBhvr>
+                                      <p:to>
+                                        <p:strVal val="visible"/>
+                                      </p:to>
+                                    </p:set>
+                                  </p:childTnLst>
+                                </p:cTn>
+                              </p:par>
+                            </p:childTnLst>
+                          </p:cTn>
+                        </p:par>
+                      </p:childTnLst>
+                    </p:cTn>
+                  </p:par>
+                </p:childTnLst>
+              </p:cTn>
+              <p:prevCondLst>
+                <p:cond evt="onPrev" delay="0">
+                  <p:tgtEl>
+                    <p:sldTgt/>
+                  </p:tgtEl>
+                </p:cond>
+              </p:prevCondLst>
+              <p:nextCondLst>
+                <p:cond evt="onNext" delay="0">
+                  <p:tgtEl>
+                    <p:sldTgt/>
+                  </p:tgtEl>
+                </p:cond>
+              </p:nextCondLst>
+            </p:seq>
+          </p:childTnLst>
+        </p:cTn>
+      </p:par>
+    </p:tnLst>
+    <p:bldLst>
+      <p:bldP spid="6" grpId="0" animBg="1"/>
+    </p:bldLst>
+  </p:timing>
+</p:sld>
+</file>
+
 <file path=ppt/slides/slide4.xml><?xml version="1.0" encoding="utf-8"?>
 <p:sld xmlns:a="http://schemas.openxmlformats.org/drawingml/2006/main" xmlns:r="http://schemas.openxmlformats.org/officeDocument/2006/relationships" xmlns:p="http://schemas.openxmlformats.org/presentationml/2006/main">
   <p:cSld>
@@ -24946,7 +24268,6 @@
               <a:rPr lang="en-US" dirty="0" smtClean="0"/>
               <a:t>challenges</a:t>
             </a:r>
-            <a:endParaRPr lang="en-US" dirty="0" smtClean="0"/>
           </a:p>
         </p:txBody>
       </p:sp>
@@ -26712,11 +26033,7 @@
             </a:r>
             <a:r>
               <a:rPr lang="en-US" dirty="0" smtClean="0"/>
-              <a:t> formalization </a:t>
-            </a:r>
-            <a:r>
-              <a:rPr lang="en-US" dirty="0" smtClean="0"/>
-              <a:t>in AADL/AGREE :</a:t>
+              <a:t> formalization in AADL/AGREE :</a:t>
             </a:r>
           </a:p>
           <a:p>
@@ -26726,12 +26043,12 @@
               <a:t>Extracted data types, input and output ports, and connections from code </a:t>
             </a:r>
             <a:r>
-              <a:rPr lang="en-US" dirty="0">
+              <a:rPr lang="en-US" dirty="0" smtClean="0">
                 <a:solidFill>
                   <a:srgbClr val="0000FF"/>
                 </a:solidFill>
               </a:rPr>
-              <a:t>(LQ/AFRL, </a:t>
+              <a:t>(AFRL/LQ, </a:t>
             </a:r>
             <a:r>
               <a:rPr lang="en-US" dirty="0" smtClean="0">
@@ -26755,15 +26072,7 @@
             <a:pPr lvl="1" fontAlgn="base"/>
             <a:r>
               <a:rPr lang="en-US" dirty="0" smtClean="0"/>
-              <a:t>Created formal contracts for </a:t>
-            </a:r>
-            <a:r>
-              <a:rPr lang="en-US" dirty="0" smtClean="0"/>
-              <a:t>nine services </a:t>
-            </a:r>
-            <a:r>
-              <a:rPr lang="en-US" dirty="0" smtClean="0"/>
-              <a:t>and tasks based on the </a:t>
+              <a:t>Created formal contracts for nine services and tasks based on the </a:t>
             </a:r>
             <a:r>
               <a:rPr lang="en-US" dirty="0" err="1" smtClean="0"/>
@@ -26794,8 +26103,21 @@
                   <a:srgbClr val="0000FF"/>
                 </a:solidFill>
               </a:rPr>
-              <a:t>(DC, RC, LQ)</a:t>
-            </a:r>
+              <a:t>(DC, RC, </a:t>
+            </a:r>
+            <a:r>
+              <a:rPr lang="en-US" dirty="0" smtClean="0">
+                <a:solidFill>
+                  <a:srgbClr val="0000FF"/>
+                </a:solidFill>
+              </a:rPr>
+              <a:t>LQ)</a:t>
+            </a:r>
+            <a:endParaRPr lang="en-US" dirty="0" smtClean="0">
+              <a:solidFill>
+                <a:srgbClr val="0000FF"/>
+              </a:solidFill>
+            </a:endParaRPr>
           </a:p>
           <a:p>
             <a:pPr lvl="1" fontAlgn="base"/>
@@ -26809,8 +26131,21 @@
                   <a:srgbClr val="0000FF"/>
                 </a:solidFill>
               </a:rPr>
-              <a:t>(DC, RC)</a:t>
-            </a:r>
+              <a:t>(DC, </a:t>
+            </a:r>
+            <a:r>
+              <a:rPr lang="en-US" dirty="0" smtClean="0">
+                <a:solidFill>
+                  <a:srgbClr val="0000FF"/>
+                </a:solidFill>
+              </a:rPr>
+              <a:t>RC, LQ/AFRL)</a:t>
+            </a:r>
+            <a:endParaRPr lang="en-US" dirty="0" smtClean="0">
+              <a:solidFill>
+                <a:srgbClr val="0000FF"/>
+              </a:solidFill>
+            </a:endParaRPr>
           </a:p>
           <a:p>
             <a:pPr fontAlgn="base"/>
@@ -26820,11 +26155,7 @@
             </a:r>
             <a:r>
               <a:rPr lang="en-US" dirty="0" smtClean="0"/>
-              <a:t> formalization </a:t>
-            </a:r>
-            <a:r>
-              <a:rPr lang="en-US" dirty="0" smtClean="0"/>
-              <a:t>in ASSERT:</a:t>
+              <a:t> formalization in ASSERT:</a:t>
             </a:r>
           </a:p>
           <a:p>
@@ -26914,11 +26245,7 @@
             <a:pPr fontAlgn="base"/>
             <a:r>
               <a:rPr lang="en-US" dirty="0" smtClean="0"/>
-              <a:t>Abstracted a task service finite </a:t>
-            </a:r>
-            <a:r>
-              <a:rPr lang="en-US" dirty="0" smtClean="0"/>
-              <a:t>state machine in Stateflow for simulation and formal analysis </a:t>
+              <a:t>Abstracted a task service finite state machine in Stateflow for simulation and formal analysis </a:t>
             </a:r>
             <a:r>
               <a:rPr lang="en-US" dirty="0" smtClean="0">
@@ -27554,303 +26881,6 @@
 </file>
 
 <file path=ppt/slides/slide7.xml><?xml version="1.0" encoding="utf-8"?>
-<p:sld xmlns:a="http://schemas.openxmlformats.org/drawingml/2006/main" xmlns:r="http://schemas.openxmlformats.org/officeDocument/2006/relationships" xmlns:p="http://schemas.openxmlformats.org/presentationml/2006/main">
-  <p:cSld>
-    <p:spTree>
-      <p:nvGrpSpPr>
-        <p:cNvPr id="1" name=""/>
-        <p:cNvGrpSpPr/>
-        <p:nvPr/>
-      </p:nvGrpSpPr>
-      <p:grpSpPr>
-        <a:xfrm>
-          <a:off x="0" y="0"/>
-          <a:ext cx="0" cy="0"/>
-          <a:chOff x="0" y="0"/>
-          <a:chExt cx="0" cy="0"/>
-        </a:xfrm>
-      </p:grpSpPr>
-      <p:sp>
-        <p:nvSpPr>
-          <p:cNvPr id="2" name="Title 1"/>
-          <p:cNvSpPr>
-            <a:spLocks noGrp="1"/>
-          </p:cNvSpPr>
-          <p:nvPr>
-            <p:ph type="title"/>
-          </p:nvPr>
-        </p:nvSpPr>
-        <p:spPr/>
-        <p:txBody>
-          <a:bodyPr/>
-          <a:lstStyle/>
-          <a:p>
-            <a:r>
-              <a:rPr lang="en-US" dirty="0" smtClean="0"/>
-              <a:t>Producing the Formal Architecture</a:t>
-            </a:r>
-            <a:endParaRPr lang="en-US" dirty="0"/>
-          </a:p>
-        </p:txBody>
-      </p:sp>
-      <p:sp>
-        <p:nvSpPr>
-          <p:cNvPr id="3" name="Content Placeholder 2"/>
-          <p:cNvSpPr>
-            <a:spLocks noGrp="1"/>
-          </p:cNvSpPr>
-          <p:nvPr>
-            <p:ph idx="1"/>
-          </p:nvPr>
-        </p:nvSpPr>
-        <p:spPr>
-          <a:xfrm>
-            <a:off x="210065" y="1508511"/>
-            <a:ext cx="8993312" cy="4668452"/>
-          </a:xfrm>
-        </p:spPr>
-        <p:txBody>
-          <a:bodyPr>
-            <a:normAutofit/>
-          </a:bodyPr>
-          <a:lstStyle/>
-          <a:p>
-            <a:r>
-              <a:rPr lang="en-US" dirty="0" smtClean="0"/>
-              <a:t>The formal architecture relied on the documentation that was found on the </a:t>
-            </a:r>
-            <a:r>
-              <a:rPr lang="en-US" dirty="0" err="1" smtClean="0"/>
-              <a:t>UxAS</a:t>
-            </a:r>
-            <a:r>
-              <a:rPr lang="en-US" dirty="0" smtClean="0"/>
-              <a:t> Wiki page.</a:t>
-            </a:r>
-          </a:p>
-          <a:p>
-            <a:pPr lvl="1"/>
-            <a:r>
-              <a:rPr lang="en-US" dirty="0" smtClean="0"/>
-              <a:t>Direct code decomposition was going to be too intensive to meet objectives efficiently.</a:t>
-            </a:r>
-          </a:p>
-          <a:p>
-            <a:pPr lvl="1"/>
-            <a:r>
-              <a:rPr lang="en-US" dirty="0" smtClean="0"/>
-              <a:t>Through formalization, gaps were identified.</a:t>
-            </a:r>
-          </a:p>
-          <a:p>
-            <a:pPr marL="457200" lvl="1" indent="0">
-              <a:buNone/>
-            </a:pPr>
-            <a:endParaRPr lang="en-US" dirty="0" smtClean="0"/>
-          </a:p>
-          <a:p>
-            <a:endParaRPr lang="en-US" dirty="0"/>
-          </a:p>
-          <a:p>
-            <a:pPr lvl="1"/>
-            <a:endParaRPr lang="en-US" dirty="0" smtClean="0"/>
-          </a:p>
-        </p:txBody>
-      </p:sp>
-      <p:pic>
-        <p:nvPicPr>
-          <p:cNvPr id="5" name="Picture 4"/>
-          <p:cNvPicPr>
-            <a:picLocks noChangeAspect="1"/>
-          </p:cNvPicPr>
-          <p:nvPr/>
-        </p:nvPicPr>
-        <p:blipFill>
-          <a:blip r:embed="rId3"/>
-          <a:stretch>
-            <a:fillRect/>
-          </a:stretch>
-        </p:blipFill>
-        <p:spPr>
-          <a:xfrm>
-            <a:off x="9345881" y="1524032"/>
-            <a:ext cx="2764233" cy="4614116"/>
-          </a:xfrm>
-          <a:prstGeom prst="rect">
-            <a:avLst/>
-          </a:prstGeom>
-        </p:spPr>
-      </p:pic>
-      <p:sp>
-        <p:nvSpPr>
-          <p:cNvPr id="6" name="Rectangle 5"/>
-          <p:cNvSpPr/>
-          <p:nvPr/>
-        </p:nvSpPr>
-        <p:spPr>
-          <a:xfrm>
-            <a:off x="1200522" y="4271636"/>
-            <a:ext cx="6287069" cy="819124"/>
-          </a:xfrm>
-          <a:prstGeom prst="rect">
-            <a:avLst/>
-          </a:prstGeom>
-        </p:spPr>
-        <p:style>
-          <a:lnRef idx="2">
-            <a:schemeClr val="accent1">
-              <a:shade val="50000"/>
-            </a:schemeClr>
-          </a:lnRef>
-          <a:fillRef idx="1">
-            <a:schemeClr val="accent1"/>
-          </a:fillRef>
-          <a:effectRef idx="0">
-            <a:schemeClr val="accent1"/>
-          </a:effectRef>
-          <a:fontRef idx="minor">
-            <a:schemeClr val="lt1"/>
-          </a:fontRef>
-        </p:style>
-        <p:txBody>
-          <a:bodyPr rtlCol="0" anchor="ctr"/>
-          <a:lstStyle/>
-          <a:p>
-            <a:pPr algn="ctr"/>
-            <a:r>
-              <a:rPr lang="en-US" b="1" i="1" dirty="0" smtClean="0"/>
-              <a:t>Just the effort to formalize components proved extremely valuable to the SMEs, even before the analysis.</a:t>
-            </a:r>
-            <a:endParaRPr lang="en-US" b="1" i="1" dirty="0"/>
-          </a:p>
-        </p:txBody>
-      </p:sp>
-      <p:sp>
-        <p:nvSpPr>
-          <p:cNvPr id="8" name="Footer Placeholder 7"/>
-          <p:cNvSpPr>
-            <a:spLocks noGrp="1"/>
-          </p:cNvSpPr>
-          <p:nvPr>
-            <p:ph type="ftr" sz="quarter" idx="11"/>
-          </p:nvPr>
-        </p:nvSpPr>
-        <p:spPr/>
-        <p:txBody>
-          <a:bodyPr/>
-          <a:lstStyle/>
-          <a:p>
-            <a:r>
-              <a:rPr lang="en-US" smtClean="0"/>
-              <a:t>Architecture Group</a:t>
-            </a:r>
-            <a:endParaRPr lang="en-US"/>
-          </a:p>
-        </p:txBody>
-      </p:sp>
-    </p:spTree>
-    <p:custDataLst>
-      <p:tags r:id="rId1"/>
-    </p:custDataLst>
-    <p:extLst>
-      <p:ext uri="{BB962C8B-B14F-4D97-AF65-F5344CB8AC3E}">
-        <p14:creationId xmlns:p14="http://schemas.microsoft.com/office/powerpoint/2010/main" val="112893349"/>
-      </p:ext>
-    </p:extLst>
-  </p:cSld>
-  <p:clrMapOvr>
-    <a:masterClrMapping/>
-  </p:clrMapOvr>
-  <mc:AlternateContent xmlns:mc="http://schemas.openxmlformats.org/markup-compatibility/2006" xmlns:p14="http://schemas.microsoft.com/office/powerpoint/2010/main">
-    <mc:Choice Requires="p14">
-      <p:transition spd="slow" p14:dur="2000"/>
-    </mc:Choice>
-    <mc:Fallback xmlns="">
-      <p:transition spd="slow"/>
-    </mc:Fallback>
-  </mc:AlternateContent>
-  <p:timing>
-    <p:tnLst>
-      <p:par>
-        <p:cTn id="1" dur="indefinite" restart="never" nodeType="tmRoot">
-          <p:childTnLst>
-            <p:seq concurrent="1" nextAc="seek">
-              <p:cTn id="2" dur="indefinite" nodeType="mainSeq">
-                <p:childTnLst>
-                  <p:par>
-                    <p:cTn id="3" fill="hold">
-                      <p:stCondLst>
-                        <p:cond delay="indefinite"/>
-                      </p:stCondLst>
-                      <p:childTnLst>
-                        <p:par>
-                          <p:cTn id="4" fill="hold">
-                            <p:stCondLst>
-                              <p:cond delay="0"/>
-                            </p:stCondLst>
-                            <p:childTnLst>
-                              <p:par>
-                                <p:cTn id="5" presetID="1" presetClass="entr" presetSubtype="0" fill="hold" grpId="0" nodeType="clickEffect">
-                                  <p:stCondLst>
-                                    <p:cond delay="0"/>
-                                  </p:stCondLst>
-                                  <p:childTnLst>
-                                    <p:set>
-                                      <p:cBhvr>
-                                        <p:cTn id="6" dur="1" fill="hold">
-                                          <p:stCondLst>
-                                            <p:cond delay="0"/>
-                                          </p:stCondLst>
-                                        </p:cTn>
-                                        <p:tgtEl>
-                                          <p:spTgt spid="6"/>
-                                        </p:tgtEl>
-                                        <p:attrNameLst>
-                                          <p:attrName>style.visibility</p:attrName>
-                                        </p:attrNameLst>
-                                      </p:cBhvr>
-                                      <p:to>
-                                        <p:strVal val="visible"/>
-                                      </p:to>
-                                    </p:set>
-                                  </p:childTnLst>
-                                </p:cTn>
-                              </p:par>
-                            </p:childTnLst>
-                          </p:cTn>
-                        </p:par>
-                      </p:childTnLst>
-                    </p:cTn>
-                  </p:par>
-                </p:childTnLst>
-              </p:cTn>
-              <p:prevCondLst>
-                <p:cond evt="onPrev" delay="0">
-                  <p:tgtEl>
-                    <p:sldTgt/>
-                  </p:tgtEl>
-                </p:cond>
-              </p:prevCondLst>
-              <p:nextCondLst>
-                <p:cond evt="onNext" delay="0">
-                  <p:tgtEl>
-                    <p:sldTgt/>
-                  </p:tgtEl>
-                </p:cond>
-              </p:nextCondLst>
-            </p:seq>
-          </p:childTnLst>
-        </p:cTn>
-      </p:par>
-    </p:tnLst>
-    <p:bldLst>
-      <p:bldP spid="6" grpId="0" animBg="1"/>
-    </p:bldLst>
-  </p:timing>
-</p:sld>
-</file>
-
-<file path=ppt/slides/slide8.xml><?xml version="1.0" encoding="utf-8"?>
 <p:sld xmlns:a="http://schemas.openxmlformats.org/drawingml/2006/main" xmlns:r="http://schemas.openxmlformats.org/officeDocument/2006/relationships" xmlns:p="http://schemas.openxmlformats.org/presentationml/2006/main">
   <p:cSld>
     <p:spTree>
@@ -32134,7 +31164,7 @@
 </p:sld>
 </file>
 
-<file path=ppt/slides/slide9.xml><?xml version="1.0" encoding="utf-8"?>
+<file path=ppt/slides/slide8.xml><?xml version="1.0" encoding="utf-8"?>
 <p:sld xmlns:a="http://schemas.openxmlformats.org/drawingml/2006/main" xmlns:r="http://schemas.openxmlformats.org/officeDocument/2006/relationships" xmlns:p="http://schemas.openxmlformats.org/presentationml/2006/main">
   <p:cSld>
     <p:spTree>
@@ -32293,11 +31323,7 @@
             </a:r>
             <a:r>
               <a:rPr lang="en-US" dirty="0" smtClean="0"/>
-              <a:t>(captured behaviors) for </a:t>
-            </a:r>
-            <a:r>
-              <a:rPr lang="en-US" dirty="0" smtClean="0"/>
-              <a:t>nine services </a:t>
+              <a:t>(captured behaviors) for nine services </a:t>
             </a:r>
             <a:r>
               <a:rPr lang="en-US" dirty="0"/>
@@ -32611,6 +31637,820 @@
 </p:sld>
 </file>
 
+<file path=ppt/slides/slide9.xml><?xml version="1.0" encoding="utf-8"?>
+<p:sld xmlns:a="http://schemas.openxmlformats.org/drawingml/2006/main" xmlns:r="http://schemas.openxmlformats.org/officeDocument/2006/relationships" xmlns:p="http://schemas.openxmlformats.org/presentationml/2006/main">
+  <p:cSld>
+    <p:spTree>
+      <p:nvGrpSpPr>
+        <p:cNvPr id="1" name=""/>
+        <p:cNvGrpSpPr/>
+        <p:nvPr/>
+      </p:nvGrpSpPr>
+      <p:grpSpPr>
+        <a:xfrm>
+          <a:off x="0" y="0"/>
+          <a:ext cx="0" cy="0"/>
+          <a:chOff x="0" y="0"/>
+          <a:chExt cx="0" cy="0"/>
+        </a:xfrm>
+      </p:grpSpPr>
+      <p:sp>
+        <p:nvSpPr>
+          <p:cNvPr id="9" name="Footer Placeholder 3"/>
+          <p:cNvSpPr>
+            <a:spLocks noGrp="1" noChangeAspect="1"/>
+          </p:cNvSpPr>
+          <p:nvPr>
+            <p:ph type="ftr" sz="quarter" idx="11"/>
+          </p:nvPr>
+        </p:nvSpPr>
+        <p:spPr/>
+        <p:txBody>
+          <a:bodyPr/>
+          <a:lstStyle/>
+          <a:p>
+            <a:r>
+              <a:rPr lang="en-US" dirty="0" smtClean="0"/>
+              <a:t>Architecture Group</a:t>
+            </a:r>
+            <a:endParaRPr lang="en-US" dirty="0"/>
+          </a:p>
+        </p:txBody>
+      </p:sp>
+      <p:sp>
+        <p:nvSpPr>
+          <p:cNvPr id="2" name="Title 1"/>
+          <p:cNvSpPr>
+            <a:spLocks noGrp="1" noChangeAspect="1"/>
+          </p:cNvSpPr>
+          <p:nvPr>
+            <p:ph type="title"/>
+          </p:nvPr>
+        </p:nvSpPr>
+        <p:spPr/>
+        <p:txBody>
+          <a:bodyPr>
+            <a:normAutofit fontScale="90000"/>
+          </a:bodyPr>
+          <a:lstStyle/>
+          <a:p>
+            <a:r>
+              <a:rPr lang="en-US" dirty="0"/>
+              <a:t>Formalization in AADL/AGREE</a:t>
+            </a:r>
+            <a:br>
+              <a:rPr lang="en-US" dirty="0"/>
+            </a:br>
+            <a:r>
+              <a:rPr lang="en-US" dirty="0" err="1" smtClean="0"/>
+              <a:t>UxAS</a:t>
+            </a:r>
+            <a:r>
+              <a:rPr lang="en-US" dirty="0" smtClean="0"/>
+              <a:t> Formal Model Status</a:t>
+            </a:r>
+            <a:endParaRPr lang="en-US" dirty="0"/>
+          </a:p>
+        </p:txBody>
+      </p:sp>
+      <p:sp>
+        <p:nvSpPr>
+          <p:cNvPr id="4" name="TextBox 3"/>
+          <p:cNvSpPr txBox="1">
+            <a:spLocks noChangeAspect="1"/>
+          </p:cNvSpPr>
+          <p:nvPr/>
+        </p:nvSpPr>
+        <p:spPr>
+          <a:xfrm>
+            <a:off x="354621" y="372979"/>
+            <a:ext cx="3447547" cy="369332"/>
+          </a:xfrm>
+          <a:prstGeom prst="rect">
+            <a:avLst/>
+          </a:prstGeom>
+          <a:noFill/>
+        </p:spPr>
+        <p:txBody>
+          <a:bodyPr wrap="none" rtlCol="0">
+            <a:spAutoFit/>
+          </a:bodyPr>
+          <a:lstStyle/>
+          <a:p>
+            <a:r>
+              <a:rPr lang="en-US" dirty="0">
+                <a:solidFill>
+                  <a:srgbClr val="FF0000"/>
+                </a:solidFill>
+              </a:rPr>
+              <a:t>Add legible headers for all sections</a:t>
+            </a:r>
+          </a:p>
+        </p:txBody>
+      </p:sp>
+      <p:grpSp>
+        <p:nvGrpSpPr>
+          <p:cNvPr id="41" name="Group 40"/>
+          <p:cNvGrpSpPr>
+            <a:grpSpLocks noChangeAspect="1"/>
+          </p:cNvGrpSpPr>
+          <p:nvPr/>
+        </p:nvGrpSpPr>
+        <p:grpSpPr>
+          <a:xfrm>
+            <a:off x="51245" y="2299422"/>
+            <a:ext cx="5253075" cy="4447849"/>
+            <a:chOff x="210065" y="1395738"/>
+            <a:chExt cx="3927840" cy="3325755"/>
+          </a:xfrm>
+        </p:grpSpPr>
+        <p:sp>
+          <p:nvSpPr>
+            <p:cNvPr id="20" name="Rectangle 19"/>
+            <p:cNvSpPr/>
+            <p:nvPr/>
+          </p:nvSpPr>
+          <p:spPr>
+            <a:xfrm>
+              <a:off x="210065" y="1395738"/>
+              <a:ext cx="3927840" cy="3325755"/>
+            </a:xfrm>
+            <a:prstGeom prst="rect">
+              <a:avLst/>
+            </a:prstGeom>
+            <a:solidFill>
+              <a:schemeClr val="bg1"/>
+            </a:solidFill>
+            <a:ln>
+              <a:solidFill>
+                <a:schemeClr val="tx1"/>
+              </a:solidFill>
+            </a:ln>
+            <a:effectLst>
+              <a:outerShdw blurRad="50800" dist="38100" dir="2700000" algn="tl" rotWithShape="0">
+                <a:prstClr val="black">
+                  <a:alpha val="40000"/>
+                </a:prstClr>
+              </a:outerShdw>
+            </a:effectLst>
+          </p:spPr>
+          <p:style>
+            <a:lnRef idx="2">
+              <a:schemeClr val="accent1">
+                <a:shade val="50000"/>
+              </a:schemeClr>
+            </a:lnRef>
+            <a:fillRef idx="1">
+              <a:schemeClr val="accent1"/>
+            </a:fillRef>
+            <a:effectRef idx="0">
+              <a:schemeClr val="accent1"/>
+            </a:effectRef>
+            <a:fontRef idx="minor">
+              <a:schemeClr val="lt1"/>
+            </a:fontRef>
+          </p:style>
+          <p:txBody>
+            <a:bodyPr rtlCol="0" anchor="ctr"/>
+            <a:lstStyle/>
+            <a:p>
+              <a:pPr algn="ctr"/>
+              <a:endParaRPr lang="en-US">
+                <a:solidFill>
+                  <a:prstClr val="white"/>
+                </a:solidFill>
+              </a:endParaRPr>
+            </a:p>
+          </p:txBody>
+        </p:sp>
+        <p:sp>
+          <p:nvSpPr>
+            <p:cNvPr id="40" name="TextBox 39"/>
+            <p:cNvSpPr txBox="1"/>
+            <p:nvPr/>
+          </p:nvSpPr>
+          <p:spPr>
+            <a:xfrm>
+              <a:off x="1697915" y="1433034"/>
+              <a:ext cx="952137" cy="361396"/>
+            </a:xfrm>
+            <a:prstGeom prst="rect">
+              <a:avLst/>
+            </a:prstGeom>
+            <a:noFill/>
+          </p:spPr>
+          <p:txBody>
+            <a:bodyPr wrap="none" rtlCol="0">
+              <a:spAutoFit/>
+            </a:bodyPr>
+            <a:lstStyle/>
+            <a:p>
+              <a:pPr algn="ctr"/>
+              <a:r>
+                <a:rPr lang="en-US" sz="2000" b="1" dirty="0" smtClean="0">
+                  <a:solidFill>
+                    <a:prstClr val="black"/>
+                  </a:solidFill>
+                </a:rPr>
+                <a:t>Services</a:t>
+              </a:r>
+              <a:endParaRPr lang="en-US" sz="2000" b="1" dirty="0">
+                <a:solidFill>
+                  <a:prstClr val="black"/>
+                </a:solidFill>
+              </a:endParaRPr>
+            </a:p>
+          </p:txBody>
+        </p:sp>
+      </p:grpSp>
+      <p:grpSp>
+        <p:nvGrpSpPr>
+          <p:cNvPr id="45" name="Group 44"/>
+          <p:cNvGrpSpPr>
+            <a:grpSpLocks noChangeAspect="1"/>
+          </p:cNvGrpSpPr>
+          <p:nvPr/>
+        </p:nvGrpSpPr>
+        <p:grpSpPr>
+          <a:xfrm>
+            <a:off x="5411690" y="1267285"/>
+            <a:ext cx="4570821" cy="3439129"/>
+            <a:chOff x="4559057" y="1479288"/>
+            <a:chExt cx="3962966" cy="2981773"/>
+          </a:xfrm>
+        </p:grpSpPr>
+        <p:sp>
+          <p:nvSpPr>
+            <p:cNvPr id="18" name="Rectangle 17"/>
+            <p:cNvSpPr/>
+            <p:nvPr/>
+          </p:nvSpPr>
+          <p:spPr>
+            <a:xfrm>
+              <a:off x="4559057" y="1479288"/>
+              <a:ext cx="3962966" cy="2981773"/>
+            </a:xfrm>
+            <a:prstGeom prst="rect">
+              <a:avLst/>
+            </a:prstGeom>
+            <a:solidFill>
+              <a:schemeClr val="bg1"/>
+            </a:solidFill>
+            <a:ln>
+              <a:solidFill>
+                <a:schemeClr val="tx1"/>
+              </a:solidFill>
+            </a:ln>
+            <a:effectLst>
+              <a:outerShdw blurRad="50800" dist="38100" dir="2700000" algn="tl" rotWithShape="0">
+                <a:prstClr val="black">
+                  <a:alpha val="40000"/>
+                </a:prstClr>
+              </a:outerShdw>
+            </a:effectLst>
+          </p:spPr>
+          <p:style>
+            <a:lnRef idx="2">
+              <a:schemeClr val="accent1">
+                <a:shade val="50000"/>
+              </a:schemeClr>
+            </a:lnRef>
+            <a:fillRef idx="1">
+              <a:schemeClr val="accent1"/>
+            </a:fillRef>
+            <a:effectRef idx="0">
+              <a:schemeClr val="accent1"/>
+            </a:effectRef>
+            <a:fontRef idx="minor">
+              <a:schemeClr val="lt1"/>
+            </a:fontRef>
+          </p:style>
+          <p:txBody>
+            <a:bodyPr rtlCol="0" anchor="ctr"/>
+            <a:lstStyle/>
+            <a:p>
+              <a:pPr algn="ctr"/>
+              <a:endParaRPr lang="en-US">
+                <a:solidFill>
+                  <a:prstClr val="white"/>
+                </a:solidFill>
+              </a:endParaRPr>
+            </a:p>
+          </p:txBody>
+        </p:sp>
+        <p:pic>
+          <p:nvPicPr>
+            <p:cNvPr id="13" name="Picture 12"/>
+            <p:cNvPicPr>
+              <a:picLocks noChangeAspect="1"/>
+            </p:cNvPicPr>
+            <p:nvPr/>
+          </p:nvPicPr>
+          <p:blipFill rotWithShape="1">
+            <a:blip r:embed="rId2"/>
+            <a:srcRect t="4780" b="50278"/>
+            <a:stretch/>
+          </p:blipFill>
+          <p:spPr>
+            <a:xfrm>
+              <a:off x="4677558" y="1953879"/>
+              <a:ext cx="3755461" cy="2419350"/>
+            </a:xfrm>
+            <a:prstGeom prst="rect">
+              <a:avLst/>
+            </a:prstGeom>
+          </p:spPr>
+        </p:pic>
+        <p:sp>
+          <p:nvSpPr>
+            <p:cNvPr id="42" name="TextBox 41"/>
+            <p:cNvSpPr txBox="1"/>
+            <p:nvPr/>
+          </p:nvSpPr>
+          <p:spPr>
+            <a:xfrm>
+              <a:off x="6186829" y="1516919"/>
+              <a:ext cx="745012" cy="400110"/>
+            </a:xfrm>
+            <a:prstGeom prst="rect">
+              <a:avLst/>
+            </a:prstGeom>
+            <a:noFill/>
+          </p:spPr>
+          <p:txBody>
+            <a:bodyPr wrap="none" rtlCol="0">
+              <a:spAutoFit/>
+            </a:bodyPr>
+            <a:lstStyle/>
+            <a:p>
+              <a:r>
+                <a:rPr lang="en-US" sz="2000" b="1" dirty="0" smtClean="0">
+                  <a:solidFill>
+                    <a:prstClr val="black"/>
+                  </a:solidFill>
+                </a:rPr>
+                <a:t>Tasks</a:t>
+              </a:r>
+              <a:endParaRPr lang="en-US" sz="2000" b="1" dirty="0">
+                <a:solidFill>
+                  <a:prstClr val="black"/>
+                </a:solidFill>
+              </a:endParaRPr>
+            </a:p>
+          </p:txBody>
+        </p:sp>
+      </p:grpSp>
+      <p:grpSp>
+        <p:nvGrpSpPr>
+          <p:cNvPr id="47" name="Group 46"/>
+          <p:cNvGrpSpPr>
+            <a:grpSpLocks noChangeAspect="1"/>
+          </p:cNvGrpSpPr>
+          <p:nvPr/>
+        </p:nvGrpSpPr>
+        <p:grpSpPr>
+          <a:xfrm>
+            <a:off x="212948" y="253992"/>
+            <a:ext cx="4109041" cy="1911944"/>
+            <a:chOff x="539159" y="4178744"/>
+            <a:chExt cx="4109041" cy="1911944"/>
+          </a:xfrm>
+        </p:grpSpPr>
+        <p:sp>
+          <p:nvSpPr>
+            <p:cNvPr id="28" name="Rectangle 27"/>
+            <p:cNvSpPr/>
+            <p:nvPr/>
+          </p:nvSpPr>
+          <p:spPr>
+            <a:xfrm>
+              <a:off x="539159" y="4178744"/>
+              <a:ext cx="4109041" cy="1911944"/>
+            </a:xfrm>
+            <a:prstGeom prst="rect">
+              <a:avLst/>
+            </a:prstGeom>
+            <a:solidFill>
+              <a:schemeClr val="bg1"/>
+            </a:solidFill>
+            <a:ln>
+              <a:solidFill>
+                <a:schemeClr val="tx1"/>
+              </a:solidFill>
+            </a:ln>
+            <a:effectLst>
+              <a:outerShdw blurRad="50800" dist="38100" dir="2700000" algn="tl" rotWithShape="0">
+                <a:prstClr val="black">
+                  <a:alpha val="40000"/>
+                </a:prstClr>
+              </a:outerShdw>
+            </a:effectLst>
+          </p:spPr>
+          <p:style>
+            <a:lnRef idx="2">
+              <a:schemeClr val="accent1">
+                <a:shade val="50000"/>
+              </a:schemeClr>
+            </a:lnRef>
+            <a:fillRef idx="1">
+              <a:schemeClr val="accent1"/>
+            </a:fillRef>
+            <a:effectRef idx="0">
+              <a:schemeClr val="accent1"/>
+            </a:effectRef>
+            <a:fontRef idx="minor">
+              <a:schemeClr val="lt1"/>
+            </a:fontRef>
+          </p:style>
+          <p:txBody>
+            <a:bodyPr rtlCol="0" anchor="ctr"/>
+            <a:lstStyle/>
+            <a:p>
+              <a:pPr algn="ctr"/>
+              <a:endParaRPr lang="en-US">
+                <a:solidFill>
+                  <a:prstClr val="white"/>
+                </a:solidFill>
+              </a:endParaRPr>
+            </a:p>
+          </p:txBody>
+        </p:sp>
+        <p:pic>
+          <p:nvPicPr>
+            <p:cNvPr id="21" name="Picture 20"/>
+            <p:cNvPicPr>
+              <a:picLocks noChangeAspect="1"/>
+            </p:cNvPicPr>
+            <p:nvPr/>
+          </p:nvPicPr>
+          <p:blipFill rotWithShape="1">
+            <a:blip r:embed="rId2"/>
+            <a:srcRect t="76457"/>
+            <a:stretch/>
+          </p:blipFill>
+          <p:spPr>
+            <a:xfrm>
+              <a:off x="650792" y="4608766"/>
+              <a:ext cx="3908265" cy="1423120"/>
+            </a:xfrm>
+            <a:prstGeom prst="rect">
+              <a:avLst/>
+            </a:prstGeom>
+          </p:spPr>
+        </p:pic>
+        <p:sp>
+          <p:nvSpPr>
+            <p:cNvPr id="44" name="TextBox 43"/>
+            <p:cNvSpPr txBox="1"/>
+            <p:nvPr/>
+          </p:nvSpPr>
+          <p:spPr>
+            <a:xfrm>
+              <a:off x="1929130" y="4193700"/>
+              <a:ext cx="1351588" cy="400110"/>
+            </a:xfrm>
+            <a:prstGeom prst="rect">
+              <a:avLst/>
+            </a:prstGeom>
+            <a:noFill/>
+          </p:spPr>
+          <p:txBody>
+            <a:bodyPr wrap="none" rtlCol="0">
+              <a:spAutoFit/>
+            </a:bodyPr>
+            <a:lstStyle/>
+            <a:p>
+              <a:r>
+                <a:rPr lang="en-US" sz="2000" b="1" dirty="0" smtClean="0">
+                  <a:solidFill>
+                    <a:prstClr val="black"/>
+                  </a:solidFill>
+                </a:rPr>
+                <a:t>Data Types</a:t>
+              </a:r>
+              <a:endParaRPr lang="en-US" sz="2000" b="1" dirty="0">
+                <a:solidFill>
+                  <a:prstClr val="black"/>
+                </a:solidFill>
+              </a:endParaRPr>
+            </a:p>
+          </p:txBody>
+        </p:sp>
+      </p:grpSp>
+      <p:grpSp>
+        <p:nvGrpSpPr>
+          <p:cNvPr id="46" name="Group 45"/>
+          <p:cNvGrpSpPr>
+            <a:grpSpLocks noChangeAspect="1"/>
+          </p:cNvGrpSpPr>
+          <p:nvPr/>
+        </p:nvGrpSpPr>
+        <p:grpSpPr>
+          <a:xfrm>
+            <a:off x="5446772" y="4791656"/>
+            <a:ext cx="4512694" cy="1059101"/>
+            <a:chOff x="7348849" y="1337771"/>
+            <a:chExt cx="4436213" cy="1041152"/>
+          </a:xfrm>
+        </p:grpSpPr>
+        <p:sp>
+          <p:nvSpPr>
+            <p:cNvPr id="19" name="Rectangle 18"/>
+            <p:cNvSpPr/>
+            <p:nvPr/>
+          </p:nvSpPr>
+          <p:spPr>
+            <a:xfrm>
+              <a:off x="7348849" y="1351267"/>
+              <a:ext cx="4436213" cy="1027656"/>
+            </a:xfrm>
+            <a:prstGeom prst="rect">
+              <a:avLst/>
+            </a:prstGeom>
+            <a:solidFill>
+              <a:schemeClr val="bg1"/>
+            </a:solidFill>
+            <a:ln>
+              <a:solidFill>
+                <a:schemeClr val="tx1"/>
+              </a:solidFill>
+            </a:ln>
+            <a:effectLst>
+              <a:outerShdw blurRad="50800" dist="38100" dir="2700000" algn="tl" rotWithShape="0">
+                <a:prstClr val="black">
+                  <a:alpha val="40000"/>
+                </a:prstClr>
+              </a:outerShdw>
+            </a:effectLst>
+          </p:spPr>
+          <p:style>
+            <a:lnRef idx="2">
+              <a:schemeClr val="accent1">
+                <a:shade val="50000"/>
+              </a:schemeClr>
+            </a:lnRef>
+            <a:fillRef idx="1">
+              <a:schemeClr val="accent1"/>
+            </a:fillRef>
+            <a:effectRef idx="0">
+              <a:schemeClr val="accent1"/>
+            </a:effectRef>
+            <a:fontRef idx="minor">
+              <a:schemeClr val="lt1"/>
+            </a:fontRef>
+          </p:style>
+          <p:txBody>
+            <a:bodyPr rtlCol="0" anchor="ctr"/>
+            <a:lstStyle/>
+            <a:p>
+              <a:pPr algn="ctr"/>
+              <a:endParaRPr lang="en-US">
+                <a:solidFill>
+                  <a:prstClr val="white"/>
+                </a:solidFill>
+              </a:endParaRPr>
+            </a:p>
+          </p:txBody>
+        </p:sp>
+        <p:pic>
+          <p:nvPicPr>
+            <p:cNvPr id="16" name="Picture 15"/>
+            <p:cNvPicPr>
+              <a:picLocks noChangeAspect="1"/>
+            </p:cNvPicPr>
+            <p:nvPr/>
+          </p:nvPicPr>
+          <p:blipFill rotWithShape="1">
+            <a:blip r:embed="rId2"/>
+            <a:srcRect t="59201" b="31067"/>
+            <a:stretch/>
+          </p:blipFill>
+          <p:spPr>
+            <a:xfrm>
+              <a:off x="7404824" y="1741727"/>
+              <a:ext cx="4337287" cy="605037"/>
+            </a:xfrm>
+            <a:prstGeom prst="rect">
+              <a:avLst/>
+            </a:prstGeom>
+          </p:spPr>
+        </p:pic>
+        <p:sp>
+          <p:nvSpPr>
+            <p:cNvPr id="43" name="TextBox 42"/>
+            <p:cNvSpPr txBox="1"/>
+            <p:nvPr/>
+          </p:nvSpPr>
+          <p:spPr>
+            <a:xfrm>
+              <a:off x="8965668" y="1337771"/>
+              <a:ext cx="1202573" cy="400110"/>
+            </a:xfrm>
+            <a:prstGeom prst="rect">
+              <a:avLst/>
+            </a:prstGeom>
+            <a:noFill/>
+          </p:spPr>
+          <p:txBody>
+            <a:bodyPr wrap="none" rtlCol="0">
+              <a:spAutoFit/>
+            </a:bodyPr>
+            <a:lstStyle/>
+            <a:p>
+              <a:pPr algn="ctr"/>
+              <a:r>
+                <a:rPr lang="en-US" sz="2000" b="1" dirty="0" smtClean="0">
+                  <a:solidFill>
+                    <a:prstClr val="black"/>
+                  </a:solidFill>
+                </a:rPr>
+                <a:t>Scenarios</a:t>
+              </a:r>
+              <a:endParaRPr lang="en-US" sz="2000" b="1" dirty="0">
+                <a:solidFill>
+                  <a:prstClr val="black"/>
+                </a:solidFill>
+              </a:endParaRPr>
+            </a:p>
+          </p:txBody>
+        </p:sp>
+      </p:grpSp>
+      <p:sp>
+        <p:nvSpPr>
+          <p:cNvPr id="22" name="Footer Placeholder 3"/>
+          <p:cNvSpPr txBox="1">
+            <a:spLocks/>
+          </p:cNvSpPr>
+          <p:nvPr/>
+        </p:nvSpPr>
+        <p:spPr>
+          <a:xfrm>
+            <a:off x="7025382" y="6429730"/>
+            <a:ext cx="4532586" cy="306936"/>
+          </a:xfrm>
+          <a:prstGeom prst="rect">
+            <a:avLst/>
+          </a:prstGeom>
+        </p:spPr>
+        <p:txBody>
+          <a:bodyPr vert="horz" lIns="91440" tIns="45720" rIns="91440" bIns="45720" rtlCol="0" anchor="ctr"/>
+          <a:lstStyle>
+            <a:defPPr>
+              <a:defRPr lang="en-US"/>
+            </a:defPPr>
+            <a:lvl1pPr marL="0" algn="ctr" defTabSz="914400" rtl="0" eaLnBrk="1" latinLnBrk="0" hangingPunct="1">
+              <a:defRPr sz="1400" kern="1200">
+                <a:solidFill>
+                  <a:srgbClr val="000000"/>
+                </a:solidFill>
+                <a:latin typeface="+mn-lt"/>
+                <a:ea typeface="+mn-ea"/>
+                <a:cs typeface="+mn-cs"/>
+              </a:defRPr>
+            </a:lvl1pPr>
+            <a:lvl2pPr marL="457200" algn="l" defTabSz="914400" rtl="0" eaLnBrk="1" latinLnBrk="0" hangingPunct="1">
+              <a:defRPr sz="1800" kern="1200">
+                <a:solidFill>
+                  <a:schemeClr val="tx1"/>
+                </a:solidFill>
+                <a:latin typeface="+mn-lt"/>
+                <a:ea typeface="+mn-ea"/>
+                <a:cs typeface="+mn-cs"/>
+              </a:defRPr>
+            </a:lvl2pPr>
+            <a:lvl3pPr marL="914400" algn="l" defTabSz="914400" rtl="0" eaLnBrk="1" latinLnBrk="0" hangingPunct="1">
+              <a:defRPr sz="1800" kern="1200">
+                <a:solidFill>
+                  <a:schemeClr val="tx1"/>
+                </a:solidFill>
+                <a:latin typeface="+mn-lt"/>
+                <a:ea typeface="+mn-ea"/>
+                <a:cs typeface="+mn-cs"/>
+              </a:defRPr>
+            </a:lvl3pPr>
+            <a:lvl4pPr marL="1371600" algn="l" defTabSz="914400" rtl="0" eaLnBrk="1" latinLnBrk="0" hangingPunct="1">
+              <a:defRPr sz="1800" kern="1200">
+                <a:solidFill>
+                  <a:schemeClr val="tx1"/>
+                </a:solidFill>
+                <a:latin typeface="+mn-lt"/>
+                <a:ea typeface="+mn-ea"/>
+                <a:cs typeface="+mn-cs"/>
+              </a:defRPr>
+            </a:lvl4pPr>
+            <a:lvl5pPr marL="1828800" algn="l" defTabSz="914400" rtl="0" eaLnBrk="1" latinLnBrk="0" hangingPunct="1">
+              <a:defRPr sz="1800" kern="1200">
+                <a:solidFill>
+                  <a:schemeClr val="tx1"/>
+                </a:solidFill>
+                <a:latin typeface="+mn-lt"/>
+                <a:ea typeface="+mn-ea"/>
+                <a:cs typeface="+mn-cs"/>
+              </a:defRPr>
+            </a:lvl5pPr>
+            <a:lvl6pPr marL="2286000" algn="l" defTabSz="914400" rtl="0" eaLnBrk="1" latinLnBrk="0" hangingPunct="1">
+              <a:defRPr sz="1800" kern="1200">
+                <a:solidFill>
+                  <a:schemeClr val="tx1"/>
+                </a:solidFill>
+                <a:latin typeface="+mn-lt"/>
+                <a:ea typeface="+mn-ea"/>
+                <a:cs typeface="+mn-cs"/>
+              </a:defRPr>
+            </a:lvl6pPr>
+            <a:lvl7pPr marL="2743200" algn="l" defTabSz="914400" rtl="0" eaLnBrk="1" latinLnBrk="0" hangingPunct="1">
+              <a:defRPr sz="1800" kern="1200">
+                <a:solidFill>
+                  <a:schemeClr val="tx1"/>
+                </a:solidFill>
+                <a:latin typeface="+mn-lt"/>
+                <a:ea typeface="+mn-ea"/>
+                <a:cs typeface="+mn-cs"/>
+              </a:defRPr>
+            </a:lvl7pPr>
+            <a:lvl8pPr marL="3200400" algn="l" defTabSz="914400" rtl="0" eaLnBrk="1" latinLnBrk="0" hangingPunct="1">
+              <a:defRPr sz="1800" kern="1200">
+                <a:solidFill>
+                  <a:schemeClr val="tx1"/>
+                </a:solidFill>
+                <a:latin typeface="+mn-lt"/>
+                <a:ea typeface="+mn-ea"/>
+                <a:cs typeface="+mn-cs"/>
+              </a:defRPr>
+            </a:lvl8pPr>
+            <a:lvl9pPr marL="3657600" algn="l" defTabSz="914400" rtl="0" eaLnBrk="1" latinLnBrk="0" hangingPunct="1">
+              <a:defRPr sz="1800" kern="1200">
+                <a:solidFill>
+                  <a:schemeClr val="tx1"/>
+                </a:solidFill>
+                <a:latin typeface="+mn-lt"/>
+                <a:ea typeface="+mn-ea"/>
+                <a:cs typeface="+mn-cs"/>
+              </a:defRPr>
+            </a:lvl9pPr>
+          </a:lstStyle>
+          <a:p>
+            <a:pPr algn="l"/>
+            <a:r>
+              <a:rPr lang="en-US" dirty="0" smtClean="0"/>
+              <a:t>Rockwell Collins, Dependable Computing, AFRL/LinQuest</a:t>
+            </a:r>
+            <a:endParaRPr lang="en-US" dirty="0"/>
+          </a:p>
+        </p:txBody>
+      </p:sp>
+      <p:pic>
+        <p:nvPicPr>
+          <p:cNvPr id="5" name="Picture 4"/>
+          <p:cNvPicPr>
+            <a:picLocks noChangeAspect="1"/>
+          </p:cNvPicPr>
+          <p:nvPr/>
+        </p:nvPicPr>
+        <p:blipFill>
+          <a:blip r:embed="rId3"/>
+          <a:stretch>
+            <a:fillRect/>
+          </a:stretch>
+        </p:blipFill>
+        <p:spPr>
+          <a:xfrm>
+            <a:off x="106191" y="2723444"/>
+            <a:ext cx="5160387" cy="3965939"/>
+          </a:xfrm>
+          <a:prstGeom prst="rect">
+            <a:avLst/>
+          </a:prstGeom>
+        </p:spPr>
+      </p:pic>
+    </p:spTree>
+    <p:extLst>
+      <p:ext uri="{BB962C8B-B14F-4D97-AF65-F5344CB8AC3E}">
+        <p14:creationId xmlns:p14="http://schemas.microsoft.com/office/powerpoint/2010/main" val="2357698760"/>
+      </p:ext>
+    </p:extLst>
+  </p:cSld>
+  <p:clrMapOvr>
+    <a:masterClrMapping/>
+  </p:clrMapOvr>
+  <mc:AlternateContent xmlns:mc="http://schemas.openxmlformats.org/markup-compatibility/2006" xmlns:p14="http://schemas.microsoft.com/office/powerpoint/2010/main">
+    <mc:Choice Requires="p14">
+      <p:transition spd="slow" p14:dur="2000"/>
+    </mc:Choice>
+    <mc:Fallback xmlns="">
+      <p:transition spd="slow"/>
+    </mc:Fallback>
+  </mc:AlternateContent>
+  <p:timing>
+    <p:tnLst>
+      <p:par>
+        <p:cTn id="1" dur="indefinite" restart="never" nodeType="tmRoot"/>
+      </p:par>
+    </p:tnLst>
+  </p:timing>
+</p:sld>
+</file>
+
 <file path=ppt/tags/tag1.xml><?xml version="1.0" encoding="utf-8"?>
 <p:tagLst xmlns:a="http://schemas.openxmlformats.org/drawingml/2006/main" xmlns:r="http://schemas.openxmlformats.org/officeDocument/2006/relationships" xmlns:p="http://schemas.openxmlformats.org/presentationml/2006/main">
   <p:tag name="TIMING" val="|0.2"/>
@@ -32619,13 +32459,13 @@
 
 <file path=ppt/tags/tag2.xml><?xml version="1.0" encoding="utf-8"?>
 <p:tagLst xmlns:a="http://schemas.openxmlformats.org/drawingml/2006/main" xmlns:r="http://schemas.openxmlformats.org/officeDocument/2006/relationships" xmlns:p="http://schemas.openxmlformats.org/presentationml/2006/main">
-  <p:tag name="TIMING" val="|0.2"/>
+  <p:tag name="TIMING" val="|7.5"/>
 </p:tagLst>
 </file>
 
 <file path=ppt/tags/tag3.xml><?xml version="1.0" encoding="utf-8"?>
 <p:tagLst xmlns:a="http://schemas.openxmlformats.org/drawingml/2006/main" xmlns:r="http://schemas.openxmlformats.org/officeDocument/2006/relationships" xmlns:p="http://schemas.openxmlformats.org/presentationml/2006/main">
-  <p:tag name="TIMING" val="|7.5"/>
+  <p:tag name="TIMING" val="|0.2"/>
 </p:tagLst>
 </file>
 

--- a/presentations/S5_SoI_Architecture_Group.pptx
+++ b/presentations/S5_SoI_Architecture_Group.pptx
@@ -37,15 +37,15 @@
     <p:sldId id="335" r:id="rId28"/>
     <p:sldId id="326" r:id="rId29"/>
     <p:sldId id="266" r:id="rId30"/>
-    <p:sldId id="269" r:id="rId31"/>
-    <p:sldId id="268" r:id="rId32"/>
-    <p:sldId id="295" r:id="rId33"/>
-    <p:sldId id="305" r:id="rId34"/>
-    <p:sldId id="261" r:id="rId35"/>
-    <p:sldId id="262" r:id="rId36"/>
-    <p:sldId id="306" r:id="rId37"/>
-    <p:sldId id="313" r:id="rId38"/>
-    <p:sldId id="290" r:id="rId39"/>
+    <p:sldId id="268" r:id="rId31"/>
+    <p:sldId id="295" r:id="rId32"/>
+    <p:sldId id="305" r:id="rId33"/>
+    <p:sldId id="261" r:id="rId34"/>
+    <p:sldId id="262" r:id="rId35"/>
+    <p:sldId id="306" r:id="rId36"/>
+    <p:sldId id="313" r:id="rId37"/>
+    <p:sldId id="290" r:id="rId38"/>
+    <p:sldId id="269" r:id="rId39"/>
   </p:sldIdLst>
   <p:sldSz cx="12192000" cy="6858000"/>
   <p:notesSz cx="6858000" cy="9144000"/>
@@ -1237,7 +1237,7 @@
           <a:p>
             <a:fld id="{563BCB51-F13E-4501-921D-7D4EB39EDE9B}" type="slidenum">
               <a:rPr lang="en-US" smtClean="0"/>
-              <a:t>31</a:t>
+              <a:t>30</a:t>
             </a:fld>
             <a:endParaRPr lang="en-US"/>
           </a:p>
@@ -1329,7 +1329,7 @@
           <a:p>
             <a:fld id="{563BCB51-F13E-4501-921D-7D4EB39EDE9B}" type="slidenum">
               <a:rPr lang="en-US" smtClean="0"/>
-              <a:t>32</a:t>
+              <a:t>31</a:t>
             </a:fld>
             <a:endParaRPr lang="en-US"/>
           </a:p>
@@ -1413,7 +1413,7 @@
           <a:p>
             <a:fld id="{563BCB51-F13E-4501-921D-7D4EB39EDE9B}" type="slidenum">
               <a:rPr lang="en-US" smtClean="0"/>
-              <a:t>33</a:t>
+              <a:t>32</a:t>
             </a:fld>
             <a:endParaRPr lang="en-US"/>
           </a:p>
@@ -1545,7 +1545,7 @@
           <a:p>
             <a:fld id="{563BCB51-F13E-4501-921D-7D4EB39EDE9B}" type="slidenum">
               <a:rPr lang="en-US" smtClean="0"/>
-              <a:t>34</a:t>
+              <a:t>33</a:t>
             </a:fld>
             <a:endParaRPr lang="en-US"/>
           </a:p>
@@ -1752,7 +1752,7 @@
           <a:p>
             <a:fld id="{563BCB51-F13E-4501-921D-7D4EB39EDE9B}" type="slidenum">
               <a:rPr lang="en-US" smtClean="0"/>
-              <a:t>35</a:t>
+              <a:t>34</a:t>
             </a:fld>
             <a:endParaRPr lang="en-US"/>
           </a:p>
@@ -1846,7 +1846,7 @@
           <a:p>
             <a:fld id="{563BCB51-F13E-4501-921D-7D4EB39EDE9B}" type="slidenum">
               <a:rPr lang="en-US" smtClean="0"/>
-              <a:t>36</a:t>
+              <a:t>35</a:t>
             </a:fld>
             <a:endParaRPr lang="en-US"/>
           </a:p>
@@ -1938,7 +1938,7 @@
           <a:p>
             <a:fld id="{563BCB51-F13E-4501-921D-7D4EB39EDE9B}" type="slidenum">
               <a:rPr lang="en-US" smtClean="0"/>
-              <a:t>37</a:t>
+              <a:t>36</a:t>
             </a:fld>
             <a:endParaRPr lang="en-US"/>
           </a:p>
@@ -2239,7 +2239,6 @@
               <a:rPr lang="en-US" dirty="0" smtClean="0"/>
               <a:t>Restructure?:</a:t>
             </a:r>
-            <a:endParaRPr lang="en-US" dirty="0" smtClean="0"/>
           </a:p>
           <a:p>
             <a:pPr fontAlgn="base"/>
@@ -2690,15 +2689,7 @@
             </a:r>
             <a:r>
               <a:rPr lang="en-US" baseline="0" dirty="0" smtClean="0"/>
-              <a:t> timing properties and </a:t>
-            </a:r>
-            <a:r>
-              <a:rPr lang="en-US" baseline="0" dirty="0" smtClean="0"/>
-              <a:t>their </a:t>
-            </a:r>
-            <a:r>
-              <a:rPr lang="en-US" baseline="0" dirty="0" smtClean="0"/>
-              <a:t>difficulty</a:t>
+              <a:t> timing properties and their difficulty</a:t>
             </a:r>
           </a:p>
           <a:p>
@@ -7186,23 +7177,7 @@
             </a:pPr>
             <a:r>
               <a:rPr lang="en-US" dirty="0" smtClean="0"/>
-              <a:t>Checks </a:t>
-            </a:r>
-            <a:r>
-              <a:rPr lang="en-US" dirty="0" smtClean="0"/>
-              <a:t>higher-level </a:t>
-            </a:r>
-            <a:r>
-              <a:rPr lang="en-US" dirty="0" smtClean="0"/>
-              <a:t>guarantees and lemmas using the guarantees of the subcomponents, and </a:t>
-            </a:r>
-            <a:r>
-              <a:rPr lang="en-US" dirty="0" smtClean="0"/>
-              <a:t>checks </a:t>
-            </a:r>
-            <a:r>
-              <a:rPr lang="en-US" dirty="0" smtClean="0"/>
-              <a:t>that the assumptions of the subcomponents hold</a:t>
+              <a:t>Checks higher-level guarantees and lemmas using the guarantees of the subcomponents, and checks that the assumptions of the subcomponents hold</a:t>
             </a:r>
           </a:p>
           <a:p>
@@ -18957,6 +18932,130 @@
           </a:fontRef>
         </p:style>
       </p:cxnSp>
+      <p:sp>
+        <p:nvSpPr>
+          <p:cNvPr id="10" name="Footer Placeholder 3"/>
+          <p:cNvSpPr txBox="1">
+            <a:spLocks/>
+          </p:cNvSpPr>
+          <p:nvPr/>
+        </p:nvSpPr>
+        <p:spPr>
+          <a:xfrm>
+            <a:off x="102476" y="6437441"/>
+            <a:ext cx="4532586" cy="306936"/>
+          </a:xfrm>
+          <a:prstGeom prst="rect">
+            <a:avLst/>
+          </a:prstGeom>
+        </p:spPr>
+        <p:txBody>
+          <a:bodyPr vert="horz" lIns="91440" tIns="45720" rIns="91440" bIns="45720" rtlCol="0" anchor="ctr"/>
+          <a:lstStyle>
+            <a:defPPr>
+              <a:defRPr lang="en-US"/>
+            </a:defPPr>
+            <a:lvl1pPr marL="0" algn="ctr" defTabSz="914400" rtl="0" eaLnBrk="1" latinLnBrk="0" hangingPunct="1">
+              <a:defRPr sz="1400" kern="1200">
+                <a:solidFill>
+                  <a:srgbClr val="000000"/>
+                </a:solidFill>
+                <a:latin typeface="+mn-lt"/>
+                <a:ea typeface="+mn-ea"/>
+                <a:cs typeface="+mn-cs"/>
+              </a:defRPr>
+            </a:lvl1pPr>
+            <a:lvl2pPr marL="457200" algn="l" defTabSz="914400" rtl="0" eaLnBrk="1" latinLnBrk="0" hangingPunct="1">
+              <a:defRPr sz="1800" kern="1200">
+                <a:solidFill>
+                  <a:schemeClr val="tx1"/>
+                </a:solidFill>
+                <a:latin typeface="+mn-lt"/>
+                <a:ea typeface="+mn-ea"/>
+                <a:cs typeface="+mn-cs"/>
+              </a:defRPr>
+            </a:lvl2pPr>
+            <a:lvl3pPr marL="914400" algn="l" defTabSz="914400" rtl="0" eaLnBrk="1" latinLnBrk="0" hangingPunct="1">
+              <a:defRPr sz="1800" kern="1200">
+                <a:solidFill>
+                  <a:schemeClr val="tx1"/>
+                </a:solidFill>
+                <a:latin typeface="+mn-lt"/>
+                <a:ea typeface="+mn-ea"/>
+                <a:cs typeface="+mn-cs"/>
+              </a:defRPr>
+            </a:lvl3pPr>
+            <a:lvl4pPr marL="1371600" algn="l" defTabSz="914400" rtl="0" eaLnBrk="1" latinLnBrk="0" hangingPunct="1">
+              <a:defRPr sz="1800" kern="1200">
+                <a:solidFill>
+                  <a:schemeClr val="tx1"/>
+                </a:solidFill>
+                <a:latin typeface="+mn-lt"/>
+                <a:ea typeface="+mn-ea"/>
+                <a:cs typeface="+mn-cs"/>
+              </a:defRPr>
+            </a:lvl4pPr>
+            <a:lvl5pPr marL="1828800" algn="l" defTabSz="914400" rtl="0" eaLnBrk="1" latinLnBrk="0" hangingPunct="1">
+              <a:defRPr sz="1800" kern="1200">
+                <a:solidFill>
+                  <a:schemeClr val="tx1"/>
+                </a:solidFill>
+                <a:latin typeface="+mn-lt"/>
+                <a:ea typeface="+mn-ea"/>
+                <a:cs typeface="+mn-cs"/>
+              </a:defRPr>
+            </a:lvl5pPr>
+            <a:lvl6pPr marL="2286000" algn="l" defTabSz="914400" rtl="0" eaLnBrk="1" latinLnBrk="0" hangingPunct="1">
+              <a:defRPr sz="1800" kern="1200">
+                <a:solidFill>
+                  <a:schemeClr val="tx1"/>
+                </a:solidFill>
+                <a:latin typeface="+mn-lt"/>
+                <a:ea typeface="+mn-ea"/>
+                <a:cs typeface="+mn-cs"/>
+              </a:defRPr>
+            </a:lvl6pPr>
+            <a:lvl7pPr marL="2743200" algn="l" defTabSz="914400" rtl="0" eaLnBrk="1" latinLnBrk="0" hangingPunct="1">
+              <a:defRPr sz="1800" kern="1200">
+                <a:solidFill>
+                  <a:schemeClr val="tx1"/>
+                </a:solidFill>
+                <a:latin typeface="+mn-lt"/>
+                <a:ea typeface="+mn-ea"/>
+                <a:cs typeface="+mn-cs"/>
+              </a:defRPr>
+            </a:lvl7pPr>
+            <a:lvl8pPr marL="3200400" algn="l" defTabSz="914400" rtl="0" eaLnBrk="1" latinLnBrk="0" hangingPunct="1">
+              <a:defRPr sz="1800" kern="1200">
+                <a:solidFill>
+                  <a:schemeClr val="tx1"/>
+                </a:solidFill>
+                <a:latin typeface="+mn-lt"/>
+                <a:ea typeface="+mn-ea"/>
+                <a:cs typeface="+mn-cs"/>
+              </a:defRPr>
+            </a:lvl8pPr>
+            <a:lvl9pPr marL="3657600" algn="l" defTabSz="914400" rtl="0" eaLnBrk="1" latinLnBrk="0" hangingPunct="1">
+              <a:defRPr sz="1800" kern="1200">
+                <a:solidFill>
+                  <a:schemeClr val="tx1"/>
+                </a:solidFill>
+                <a:latin typeface="+mn-lt"/>
+                <a:ea typeface="+mn-ea"/>
+                <a:cs typeface="+mn-cs"/>
+              </a:defRPr>
+            </a:lvl9pPr>
+          </a:lstStyle>
+          <a:p>
+            <a:pPr algn="l"/>
+            <a:r>
+              <a:rPr lang="en-US" dirty="0" smtClean="0"/>
+              <a:t>Rockwell Collins, Dependable Computing, AFRL/LinQuest</a:t>
+            </a:r>
+            <a:endParaRPr lang="en-US" dirty="0"/>
+          </a:p>
+        </p:txBody>
+      </p:sp>
     </p:spTree>
     <p:extLst>
       <p:ext uri="{BB962C8B-B14F-4D97-AF65-F5344CB8AC3E}">
@@ -19077,15 +19176,7 @@
           <a:p>
             <a:r>
               <a:rPr lang="en-US" dirty="0" smtClean="0"/>
-              <a:t>Even so, the </a:t>
-            </a:r>
-            <a:r>
-              <a:rPr lang="en-US" dirty="0" smtClean="0"/>
-              <a:t>(human) modeler can </a:t>
-            </a:r>
-            <a:r>
-              <a:rPr lang="en-US" dirty="0" smtClean="0"/>
-              <a:t>make mistakes</a:t>
+              <a:t>Even so, the (human) modeler can make mistakes</a:t>
             </a:r>
           </a:p>
           <a:p>
@@ -19236,6 +19327,130 @@
           </a:prstGeom>
         </p:spPr>
       </p:pic>
+      <p:sp>
+        <p:nvSpPr>
+          <p:cNvPr id="10" name="Footer Placeholder 3"/>
+          <p:cNvSpPr txBox="1">
+            <a:spLocks/>
+          </p:cNvSpPr>
+          <p:nvPr/>
+        </p:nvSpPr>
+        <p:spPr>
+          <a:xfrm>
+            <a:off x="102476" y="6437441"/>
+            <a:ext cx="4532586" cy="306936"/>
+          </a:xfrm>
+          <a:prstGeom prst="rect">
+            <a:avLst/>
+          </a:prstGeom>
+        </p:spPr>
+        <p:txBody>
+          <a:bodyPr vert="horz" lIns="91440" tIns="45720" rIns="91440" bIns="45720" rtlCol="0" anchor="ctr"/>
+          <a:lstStyle>
+            <a:defPPr>
+              <a:defRPr lang="en-US"/>
+            </a:defPPr>
+            <a:lvl1pPr marL="0" algn="ctr" defTabSz="914400" rtl="0" eaLnBrk="1" latinLnBrk="0" hangingPunct="1">
+              <a:defRPr sz="1400" kern="1200">
+                <a:solidFill>
+                  <a:srgbClr val="000000"/>
+                </a:solidFill>
+                <a:latin typeface="+mn-lt"/>
+                <a:ea typeface="+mn-ea"/>
+                <a:cs typeface="+mn-cs"/>
+              </a:defRPr>
+            </a:lvl1pPr>
+            <a:lvl2pPr marL="457200" algn="l" defTabSz="914400" rtl="0" eaLnBrk="1" latinLnBrk="0" hangingPunct="1">
+              <a:defRPr sz="1800" kern="1200">
+                <a:solidFill>
+                  <a:schemeClr val="tx1"/>
+                </a:solidFill>
+                <a:latin typeface="+mn-lt"/>
+                <a:ea typeface="+mn-ea"/>
+                <a:cs typeface="+mn-cs"/>
+              </a:defRPr>
+            </a:lvl2pPr>
+            <a:lvl3pPr marL="914400" algn="l" defTabSz="914400" rtl="0" eaLnBrk="1" latinLnBrk="0" hangingPunct="1">
+              <a:defRPr sz="1800" kern="1200">
+                <a:solidFill>
+                  <a:schemeClr val="tx1"/>
+                </a:solidFill>
+                <a:latin typeface="+mn-lt"/>
+                <a:ea typeface="+mn-ea"/>
+                <a:cs typeface="+mn-cs"/>
+              </a:defRPr>
+            </a:lvl3pPr>
+            <a:lvl4pPr marL="1371600" algn="l" defTabSz="914400" rtl="0" eaLnBrk="1" latinLnBrk="0" hangingPunct="1">
+              <a:defRPr sz="1800" kern="1200">
+                <a:solidFill>
+                  <a:schemeClr val="tx1"/>
+                </a:solidFill>
+                <a:latin typeface="+mn-lt"/>
+                <a:ea typeface="+mn-ea"/>
+                <a:cs typeface="+mn-cs"/>
+              </a:defRPr>
+            </a:lvl4pPr>
+            <a:lvl5pPr marL="1828800" algn="l" defTabSz="914400" rtl="0" eaLnBrk="1" latinLnBrk="0" hangingPunct="1">
+              <a:defRPr sz="1800" kern="1200">
+                <a:solidFill>
+                  <a:schemeClr val="tx1"/>
+                </a:solidFill>
+                <a:latin typeface="+mn-lt"/>
+                <a:ea typeface="+mn-ea"/>
+                <a:cs typeface="+mn-cs"/>
+              </a:defRPr>
+            </a:lvl5pPr>
+            <a:lvl6pPr marL="2286000" algn="l" defTabSz="914400" rtl="0" eaLnBrk="1" latinLnBrk="0" hangingPunct="1">
+              <a:defRPr sz="1800" kern="1200">
+                <a:solidFill>
+                  <a:schemeClr val="tx1"/>
+                </a:solidFill>
+                <a:latin typeface="+mn-lt"/>
+                <a:ea typeface="+mn-ea"/>
+                <a:cs typeface="+mn-cs"/>
+              </a:defRPr>
+            </a:lvl6pPr>
+            <a:lvl7pPr marL="2743200" algn="l" defTabSz="914400" rtl="0" eaLnBrk="1" latinLnBrk="0" hangingPunct="1">
+              <a:defRPr sz="1800" kern="1200">
+                <a:solidFill>
+                  <a:schemeClr val="tx1"/>
+                </a:solidFill>
+                <a:latin typeface="+mn-lt"/>
+                <a:ea typeface="+mn-ea"/>
+                <a:cs typeface="+mn-cs"/>
+              </a:defRPr>
+            </a:lvl7pPr>
+            <a:lvl8pPr marL="3200400" algn="l" defTabSz="914400" rtl="0" eaLnBrk="1" latinLnBrk="0" hangingPunct="1">
+              <a:defRPr sz="1800" kern="1200">
+                <a:solidFill>
+                  <a:schemeClr val="tx1"/>
+                </a:solidFill>
+                <a:latin typeface="+mn-lt"/>
+                <a:ea typeface="+mn-ea"/>
+                <a:cs typeface="+mn-cs"/>
+              </a:defRPr>
+            </a:lvl8pPr>
+            <a:lvl9pPr marL="3657600" algn="l" defTabSz="914400" rtl="0" eaLnBrk="1" latinLnBrk="0" hangingPunct="1">
+              <a:defRPr sz="1800" kern="1200">
+                <a:solidFill>
+                  <a:schemeClr val="tx1"/>
+                </a:solidFill>
+                <a:latin typeface="+mn-lt"/>
+                <a:ea typeface="+mn-ea"/>
+                <a:cs typeface="+mn-cs"/>
+              </a:defRPr>
+            </a:lvl9pPr>
+          </a:lstStyle>
+          <a:p>
+            <a:pPr algn="l"/>
+            <a:r>
+              <a:rPr lang="en-US" dirty="0" smtClean="0"/>
+              <a:t>Rockwell Collins, Dependable Computing, AFRL/LinQuest</a:t>
+            </a:r>
+            <a:endParaRPr lang="en-US" dirty="0"/>
+          </a:p>
+        </p:txBody>
+      </p:sp>
     </p:spTree>
     <p:extLst>
       <p:ext uri="{BB962C8B-B14F-4D97-AF65-F5344CB8AC3E}">
@@ -20288,7 +20503,7 @@
           <a:p>
             <a:r>
               <a:rPr lang="en-US" dirty="0" smtClean="0"/>
-              <a:t>Argument-Derived Observations</a:t>
+              <a:t>Stateflow Representation</a:t>
             </a:r>
             <a:endParaRPr lang="en-US" dirty="0"/>
           </a:p>
@@ -20312,325 +20527,6 @@
           <a:lstStyle/>
           <a:p>
             <a:r>
-              <a:rPr lang="en-US" dirty="0"/>
-              <a:t>Best practices/standards for AADL/AGREE use are needed</a:t>
-            </a:r>
-          </a:p>
-          <a:p>
-            <a:pPr lvl="1"/>
-            <a:r>
-              <a:rPr lang="en-US" dirty="0"/>
-              <a:t>Situate proofs within modeling fault analysis/mitigation</a:t>
-            </a:r>
-          </a:p>
-          <a:p>
-            <a:pPr lvl="1"/>
-            <a:r>
-              <a:rPr lang="en-US" dirty="0"/>
-              <a:t>Supports arguments that the set of lemmas are complete and correct</a:t>
-            </a:r>
-          </a:p>
-          <a:p>
-            <a:r>
-              <a:rPr lang="en-US" dirty="0"/>
-              <a:t>Additional tool support to reduce human error</a:t>
-            </a:r>
-          </a:p>
-          <a:p>
-            <a:pPr lvl="1"/>
-            <a:r>
-              <a:rPr lang="en-US" dirty="0"/>
-              <a:t>E.g., </a:t>
-            </a:r>
-            <a:r>
-              <a:rPr lang="en-US" dirty="0" smtClean="0"/>
-              <a:t>lemmas </a:t>
-            </a:r>
-            <a:r>
-              <a:rPr lang="en-US" dirty="0"/>
-              <a:t>and repetitive infrastructure are developed manually</a:t>
-            </a:r>
-          </a:p>
-          <a:p>
-            <a:pPr lvl="1"/>
-            <a:r>
-              <a:rPr lang="en-US" dirty="0"/>
-              <a:t>Minimize repetitive concerns in the argument about human error</a:t>
-            </a:r>
-          </a:p>
-          <a:p>
-            <a:r>
-              <a:rPr lang="en-US" dirty="0"/>
-              <a:t>Enhanced integration between AADL and AGREE </a:t>
-            </a:r>
-          </a:p>
-          <a:p>
-            <a:pPr lvl="1"/>
-            <a:r>
-              <a:rPr lang="en-US" dirty="0"/>
-              <a:t>Minimize repetitive arguments about AADL and AGREE consistency/agreement</a:t>
-            </a:r>
-          </a:p>
-          <a:p>
-            <a:r>
-              <a:rPr lang="en-US" dirty="0"/>
-              <a:t>A simpler higher-level protocol state machine spec for validation</a:t>
-            </a:r>
-          </a:p>
-          <a:p>
-            <a:pPr lvl="1"/>
-            <a:r>
-              <a:rPr lang="en-US" dirty="0"/>
-              <a:t>Provide a structure to validate against</a:t>
-            </a:r>
-          </a:p>
-          <a:p>
-            <a:pPr lvl="1"/>
-            <a:r>
-              <a:rPr lang="en-US" dirty="0"/>
-              <a:t>Simplify validation activity and simplify validation </a:t>
-            </a:r>
-            <a:r>
-              <a:rPr lang="en-US" dirty="0" smtClean="0"/>
-              <a:t>arguments</a:t>
-            </a:r>
-            <a:endParaRPr lang="en-US" dirty="0"/>
-          </a:p>
-        </p:txBody>
-      </p:sp>
-      <p:sp>
-        <p:nvSpPr>
-          <p:cNvPr id="5" name="Footer Placeholder 3"/>
-          <p:cNvSpPr txBox="1">
-            <a:spLocks/>
-          </p:cNvSpPr>
-          <p:nvPr/>
-        </p:nvSpPr>
-        <p:spPr>
-          <a:xfrm>
-            <a:off x="102476" y="6437441"/>
-            <a:ext cx="4532586" cy="306936"/>
-          </a:xfrm>
-          <a:prstGeom prst="rect">
-            <a:avLst/>
-          </a:prstGeom>
-        </p:spPr>
-        <p:txBody>
-          <a:bodyPr vert="horz" lIns="91440" tIns="45720" rIns="91440" bIns="45720" rtlCol="0" anchor="ctr"/>
-          <a:lstStyle>
-            <a:defPPr>
-              <a:defRPr lang="en-US"/>
-            </a:defPPr>
-            <a:lvl1pPr marL="0" algn="ctr" defTabSz="914400" rtl="0" eaLnBrk="1" latinLnBrk="0" hangingPunct="1">
-              <a:defRPr sz="1400" kern="1200">
-                <a:solidFill>
-                  <a:srgbClr val="000000"/>
-                </a:solidFill>
-                <a:latin typeface="+mn-lt"/>
-                <a:ea typeface="+mn-ea"/>
-                <a:cs typeface="+mn-cs"/>
-              </a:defRPr>
-            </a:lvl1pPr>
-            <a:lvl2pPr marL="457200" algn="l" defTabSz="914400" rtl="0" eaLnBrk="1" latinLnBrk="0" hangingPunct="1">
-              <a:defRPr sz="1800" kern="1200">
-                <a:solidFill>
-                  <a:schemeClr val="tx1"/>
-                </a:solidFill>
-                <a:latin typeface="+mn-lt"/>
-                <a:ea typeface="+mn-ea"/>
-                <a:cs typeface="+mn-cs"/>
-              </a:defRPr>
-            </a:lvl2pPr>
-            <a:lvl3pPr marL="914400" algn="l" defTabSz="914400" rtl="0" eaLnBrk="1" latinLnBrk="0" hangingPunct="1">
-              <a:defRPr sz="1800" kern="1200">
-                <a:solidFill>
-                  <a:schemeClr val="tx1"/>
-                </a:solidFill>
-                <a:latin typeface="+mn-lt"/>
-                <a:ea typeface="+mn-ea"/>
-                <a:cs typeface="+mn-cs"/>
-              </a:defRPr>
-            </a:lvl3pPr>
-            <a:lvl4pPr marL="1371600" algn="l" defTabSz="914400" rtl="0" eaLnBrk="1" latinLnBrk="0" hangingPunct="1">
-              <a:defRPr sz="1800" kern="1200">
-                <a:solidFill>
-                  <a:schemeClr val="tx1"/>
-                </a:solidFill>
-                <a:latin typeface="+mn-lt"/>
-                <a:ea typeface="+mn-ea"/>
-                <a:cs typeface="+mn-cs"/>
-              </a:defRPr>
-            </a:lvl4pPr>
-            <a:lvl5pPr marL="1828800" algn="l" defTabSz="914400" rtl="0" eaLnBrk="1" latinLnBrk="0" hangingPunct="1">
-              <a:defRPr sz="1800" kern="1200">
-                <a:solidFill>
-                  <a:schemeClr val="tx1"/>
-                </a:solidFill>
-                <a:latin typeface="+mn-lt"/>
-                <a:ea typeface="+mn-ea"/>
-                <a:cs typeface="+mn-cs"/>
-              </a:defRPr>
-            </a:lvl5pPr>
-            <a:lvl6pPr marL="2286000" algn="l" defTabSz="914400" rtl="0" eaLnBrk="1" latinLnBrk="0" hangingPunct="1">
-              <a:defRPr sz="1800" kern="1200">
-                <a:solidFill>
-                  <a:schemeClr val="tx1"/>
-                </a:solidFill>
-                <a:latin typeface="+mn-lt"/>
-                <a:ea typeface="+mn-ea"/>
-                <a:cs typeface="+mn-cs"/>
-              </a:defRPr>
-            </a:lvl6pPr>
-            <a:lvl7pPr marL="2743200" algn="l" defTabSz="914400" rtl="0" eaLnBrk="1" latinLnBrk="0" hangingPunct="1">
-              <a:defRPr sz="1800" kern="1200">
-                <a:solidFill>
-                  <a:schemeClr val="tx1"/>
-                </a:solidFill>
-                <a:latin typeface="+mn-lt"/>
-                <a:ea typeface="+mn-ea"/>
-                <a:cs typeface="+mn-cs"/>
-              </a:defRPr>
-            </a:lvl7pPr>
-            <a:lvl8pPr marL="3200400" algn="l" defTabSz="914400" rtl="0" eaLnBrk="1" latinLnBrk="0" hangingPunct="1">
-              <a:defRPr sz="1800" kern="1200">
-                <a:solidFill>
-                  <a:schemeClr val="tx1"/>
-                </a:solidFill>
-                <a:latin typeface="+mn-lt"/>
-                <a:ea typeface="+mn-ea"/>
-                <a:cs typeface="+mn-cs"/>
-              </a:defRPr>
-            </a:lvl8pPr>
-            <a:lvl9pPr marL="3657600" algn="l" defTabSz="914400" rtl="0" eaLnBrk="1" latinLnBrk="0" hangingPunct="1">
-              <a:defRPr sz="1800" kern="1200">
-                <a:solidFill>
-                  <a:schemeClr val="tx1"/>
-                </a:solidFill>
-                <a:latin typeface="+mn-lt"/>
-                <a:ea typeface="+mn-ea"/>
-                <a:cs typeface="+mn-cs"/>
-              </a:defRPr>
-            </a:lvl9pPr>
-          </a:lstStyle>
-          <a:p>
-            <a:pPr algn="l"/>
-            <a:r>
-              <a:rPr lang="en-US" dirty="0" smtClean="0"/>
-              <a:t>Dependable Computing</a:t>
-            </a:r>
-            <a:endParaRPr lang="en-US" dirty="0"/>
-          </a:p>
-        </p:txBody>
-      </p:sp>
-      <p:sp>
-        <p:nvSpPr>
-          <p:cNvPr id="7" name="Footer Placeholder 6"/>
-          <p:cNvSpPr>
-            <a:spLocks noGrp="1"/>
-          </p:cNvSpPr>
-          <p:nvPr>
-            <p:ph type="ftr" sz="quarter" idx="11"/>
-          </p:nvPr>
-        </p:nvSpPr>
-        <p:spPr/>
-        <p:txBody>
-          <a:bodyPr/>
-          <a:lstStyle/>
-          <a:p>
-            <a:r>
-              <a:rPr lang="en-US" smtClean="0"/>
-              <a:t>Architecture Group</a:t>
-            </a:r>
-            <a:endParaRPr lang="en-US"/>
-          </a:p>
-        </p:txBody>
-      </p:sp>
-    </p:spTree>
-    <p:extLst>
-      <p:ext uri="{BB962C8B-B14F-4D97-AF65-F5344CB8AC3E}">
-        <p14:creationId xmlns:p14="http://schemas.microsoft.com/office/powerpoint/2010/main" val="1512231083"/>
-      </p:ext>
-    </p:extLst>
-  </p:cSld>
-  <p:clrMapOvr>
-    <a:masterClrMapping/>
-  </p:clrMapOvr>
-  <mc:AlternateContent xmlns:mc="http://schemas.openxmlformats.org/markup-compatibility/2006" xmlns:p14="http://schemas.microsoft.com/office/powerpoint/2010/main">
-    <mc:Choice Requires="p14">
-      <p:transition spd="slow" p14:dur="2000"/>
-    </mc:Choice>
-    <mc:Fallback xmlns="">
-      <p:transition spd="slow"/>
-    </mc:Fallback>
-  </mc:AlternateContent>
-  <p:timing>
-    <p:tnLst>
-      <p:par>
-        <p:cTn id="1" dur="indefinite" restart="never" nodeType="tmRoot"/>
-      </p:par>
-    </p:tnLst>
-  </p:timing>
-</p:sld>
-</file>
-
-<file path=ppt/slides/slide31.xml><?xml version="1.0" encoding="utf-8"?>
-<p:sld xmlns:a="http://schemas.openxmlformats.org/drawingml/2006/main" xmlns:r="http://schemas.openxmlformats.org/officeDocument/2006/relationships" xmlns:p="http://schemas.openxmlformats.org/presentationml/2006/main">
-  <p:cSld>
-    <p:spTree>
-      <p:nvGrpSpPr>
-        <p:cNvPr id="1" name=""/>
-        <p:cNvGrpSpPr/>
-        <p:nvPr/>
-      </p:nvGrpSpPr>
-      <p:grpSpPr>
-        <a:xfrm>
-          <a:off x="0" y="0"/>
-          <a:ext cx="0" cy="0"/>
-          <a:chOff x="0" y="0"/>
-          <a:chExt cx="0" cy="0"/>
-        </a:xfrm>
-      </p:grpSpPr>
-      <p:sp>
-        <p:nvSpPr>
-          <p:cNvPr id="2" name="Title 1"/>
-          <p:cNvSpPr>
-            <a:spLocks noGrp="1"/>
-          </p:cNvSpPr>
-          <p:nvPr>
-            <p:ph type="title"/>
-          </p:nvPr>
-        </p:nvSpPr>
-        <p:spPr/>
-        <p:txBody>
-          <a:bodyPr/>
-          <a:lstStyle/>
-          <a:p>
-            <a:r>
-              <a:rPr lang="en-US" dirty="0" smtClean="0"/>
-              <a:t>Stateflow Representation</a:t>
-            </a:r>
-            <a:endParaRPr lang="en-US" dirty="0"/>
-          </a:p>
-        </p:txBody>
-      </p:sp>
-      <p:sp>
-        <p:nvSpPr>
-          <p:cNvPr id="3" name="Content Placeholder 2"/>
-          <p:cNvSpPr>
-            <a:spLocks noGrp="1"/>
-          </p:cNvSpPr>
-          <p:nvPr>
-            <p:ph idx="1"/>
-          </p:nvPr>
-        </p:nvSpPr>
-        <p:spPr/>
-        <p:txBody>
-          <a:bodyPr>
-            <a:normAutofit lnSpcReduction="10000"/>
-          </a:bodyPr>
-          <a:lstStyle/>
-          <a:p>
-            <a:r>
               <a:rPr lang="en-US" dirty="0" smtClean="0"/>
               <a:t>Benefits</a:t>
             </a:r>
@@ -20706,11 +20602,7 @@
             </a:r>
             <a:r>
               <a:rPr lang="en-US" dirty="0" smtClean="0"/>
-              <a:t>abstractions </a:t>
-            </a:r>
-            <a:r>
-              <a:rPr lang="en-US" dirty="0" smtClean="0"/>
-              <a:t>cross-checked </a:t>
+              <a:t>abstractions cross-checked </a:t>
             </a:r>
             <a:r>
               <a:rPr lang="en-US" dirty="0"/>
@@ -20928,7 +20820,7 @@
 </p:sld>
 </file>
 
-<file path=ppt/slides/slide32.xml><?xml version="1.0" encoding="utf-8"?>
+<file path=ppt/slides/slide31.xml><?xml version="1.0" encoding="utf-8"?>
 <p:sld xmlns:a="http://schemas.openxmlformats.org/drawingml/2006/main" xmlns:r="http://schemas.openxmlformats.org/officeDocument/2006/relationships" xmlns:p="http://schemas.openxmlformats.org/presentationml/2006/main">
   <p:cSld>
     <p:spTree>
@@ -20996,7 +20888,7 @@
 </p:sld>
 </file>
 
-<file path=ppt/slides/slide33.xml><?xml version="1.0" encoding="utf-8"?>
+<file path=ppt/slides/slide32.xml><?xml version="1.0" encoding="utf-8"?>
 <p:sld xmlns:a="http://schemas.openxmlformats.org/drawingml/2006/main" xmlns:r="http://schemas.openxmlformats.org/officeDocument/2006/relationships" xmlns:p="http://schemas.openxmlformats.org/presentationml/2006/main">
   <p:cSld>
     <p:spTree>
@@ -21784,6 +21676,235 @@
 </p:sld>
 </file>
 
+<file path=ppt/slides/slide33.xml><?xml version="1.0" encoding="utf-8"?>
+<p:sld xmlns:a="http://schemas.openxmlformats.org/drawingml/2006/main" xmlns:r="http://schemas.openxmlformats.org/officeDocument/2006/relationships" xmlns:p="http://schemas.openxmlformats.org/presentationml/2006/main">
+  <p:cSld>
+    <p:spTree>
+      <p:nvGrpSpPr>
+        <p:cNvPr id="1" name=""/>
+        <p:cNvGrpSpPr/>
+        <p:nvPr/>
+      </p:nvGrpSpPr>
+      <p:grpSpPr>
+        <a:xfrm>
+          <a:off x="0" y="0"/>
+          <a:ext cx="0" cy="0"/>
+          <a:chOff x="0" y="0"/>
+          <a:chExt cx="0" cy="0"/>
+        </a:xfrm>
+      </p:grpSpPr>
+      <p:sp>
+        <p:nvSpPr>
+          <p:cNvPr id="2" name="Title 1"/>
+          <p:cNvSpPr>
+            <a:spLocks noGrp="1"/>
+          </p:cNvSpPr>
+          <p:nvPr>
+            <p:ph type="title"/>
+          </p:nvPr>
+        </p:nvSpPr>
+        <p:spPr/>
+        <p:txBody>
+          <a:bodyPr/>
+          <a:lstStyle/>
+          <a:p>
+            <a:r>
+              <a:rPr lang="en-US" dirty="0" smtClean="0"/>
+              <a:t>Lessons Learned</a:t>
+            </a:r>
+            <a:endParaRPr lang="en-US" dirty="0"/>
+          </a:p>
+        </p:txBody>
+      </p:sp>
+      <p:sp>
+        <p:nvSpPr>
+          <p:cNvPr id="3" name="Content Placeholder 2"/>
+          <p:cNvSpPr>
+            <a:spLocks noGrp="1"/>
+          </p:cNvSpPr>
+          <p:nvPr>
+            <p:ph idx="1"/>
+          </p:nvPr>
+        </p:nvSpPr>
+        <p:spPr/>
+        <p:txBody>
+          <a:bodyPr>
+            <a:normAutofit lnSpcReduction="10000"/>
+          </a:bodyPr>
+          <a:lstStyle/>
+          <a:p>
+            <a:pPr>
+              <a:lnSpc>
+                <a:spcPct val="100000"/>
+              </a:lnSpc>
+              <a:spcBef>
+                <a:spcPts val="200"/>
+              </a:spcBef>
+            </a:pPr>
+            <a:r>
+              <a:rPr lang="en-US" dirty="0" smtClean="0"/>
+              <a:t>Many problems are identified through the process of formalization, before analysis</a:t>
+            </a:r>
+          </a:p>
+          <a:p>
+            <a:pPr>
+              <a:lnSpc>
+                <a:spcPct val="100000"/>
+              </a:lnSpc>
+              <a:spcBef>
+                <a:spcPts val="200"/>
+              </a:spcBef>
+            </a:pPr>
+            <a:r>
+              <a:rPr lang="en-US" dirty="0" smtClean="0"/>
+              <a:t>Data types (or an ontology), ports, and connections can be automatically extracted from code (with some moderate up front work)</a:t>
+            </a:r>
+          </a:p>
+          <a:p>
+            <a:pPr>
+              <a:lnSpc>
+                <a:spcPct val="100000"/>
+              </a:lnSpc>
+              <a:spcBef>
+                <a:spcPts val="200"/>
+              </a:spcBef>
+            </a:pPr>
+            <a:r>
+              <a:rPr lang="en-US" dirty="0" smtClean="0"/>
+              <a:t>Reusable (template) properties help find common mistakes</a:t>
+            </a:r>
+          </a:p>
+          <a:p>
+            <a:pPr>
+              <a:lnSpc>
+                <a:spcPct val="100000"/>
+              </a:lnSpc>
+              <a:spcBef>
+                <a:spcPts val="200"/>
+              </a:spcBef>
+            </a:pPr>
+            <a:r>
+              <a:rPr lang="en-US" dirty="0" smtClean="0"/>
+              <a:t>Not every error can be detected with a template property--a review of the specification itself is still worthwhile</a:t>
+            </a:r>
+          </a:p>
+          <a:p>
+            <a:pPr>
+              <a:lnSpc>
+                <a:spcPct val="100000"/>
+              </a:lnSpc>
+              <a:spcBef>
+                <a:spcPts val="200"/>
+              </a:spcBef>
+            </a:pPr>
+            <a:r>
+              <a:rPr lang="en-US" dirty="0" smtClean="0"/>
+              <a:t>Assurance arguments are useful to capture the “rest of the story”</a:t>
+            </a:r>
+          </a:p>
+          <a:p>
+            <a:pPr>
+              <a:lnSpc>
+                <a:spcPct val="100000"/>
+              </a:lnSpc>
+              <a:spcBef>
+                <a:spcPts val="200"/>
+              </a:spcBef>
+            </a:pPr>
+            <a:r>
+              <a:rPr lang="en-US" dirty="0" smtClean="0"/>
+              <a:t>SpeAR, ASSERT, AADL/AGREE, and </a:t>
+            </a:r>
+            <a:r>
+              <a:rPr lang="en-US" dirty="0" err="1" smtClean="0"/>
+              <a:t>QVtrace</a:t>
+            </a:r>
+            <a:r>
+              <a:rPr lang="en-US" dirty="0" smtClean="0"/>
+              <a:t> are all very capable analysis tools. There are synergies between them.</a:t>
+            </a:r>
+          </a:p>
+          <a:p>
+            <a:pPr>
+              <a:lnSpc>
+                <a:spcPct val="100000"/>
+              </a:lnSpc>
+              <a:spcBef>
+                <a:spcPts val="200"/>
+              </a:spcBef>
+            </a:pPr>
+            <a:r>
+              <a:rPr lang="en-US" dirty="0" smtClean="0"/>
+              <a:t>Challenges: arrays, inheritance</a:t>
+            </a:r>
+          </a:p>
+          <a:p>
+            <a:pPr>
+              <a:lnSpc>
+                <a:spcPct val="100000"/>
+              </a:lnSpc>
+              <a:spcBef>
+                <a:spcPts val="200"/>
+              </a:spcBef>
+            </a:pPr>
+            <a:endParaRPr lang="en-US" dirty="0" smtClean="0"/>
+          </a:p>
+          <a:p>
+            <a:endParaRPr lang="en-US" dirty="0"/>
+          </a:p>
+        </p:txBody>
+      </p:sp>
+      <p:sp>
+        <p:nvSpPr>
+          <p:cNvPr id="6" name="Footer Placeholder 5"/>
+          <p:cNvSpPr>
+            <a:spLocks noGrp="1"/>
+          </p:cNvSpPr>
+          <p:nvPr>
+            <p:ph type="ftr" sz="quarter" idx="11"/>
+          </p:nvPr>
+        </p:nvSpPr>
+        <p:spPr/>
+        <p:txBody>
+          <a:bodyPr/>
+          <a:lstStyle/>
+          <a:p>
+            <a:r>
+              <a:rPr lang="en-US" smtClean="0"/>
+              <a:t>Architecture Group</a:t>
+            </a:r>
+            <a:endParaRPr lang="en-US"/>
+          </a:p>
+        </p:txBody>
+      </p:sp>
+    </p:spTree>
+    <p:extLst>
+      <p:ext uri="{BB962C8B-B14F-4D97-AF65-F5344CB8AC3E}">
+        <p14:creationId xmlns:p14="http://schemas.microsoft.com/office/powerpoint/2010/main" val="3123488723"/>
+      </p:ext>
+    </p:extLst>
+  </p:cSld>
+  <p:clrMapOvr>
+    <a:masterClrMapping/>
+  </p:clrMapOvr>
+  <mc:AlternateContent xmlns:mc="http://schemas.openxmlformats.org/markup-compatibility/2006" xmlns:p14="http://schemas.microsoft.com/office/powerpoint/2010/main">
+    <mc:Choice Requires="p14">
+      <p:transition spd="slow" p14:dur="2000"/>
+    </mc:Choice>
+    <mc:Fallback xmlns="">
+      <p:transition spd="slow"/>
+    </mc:Fallback>
+  </mc:AlternateContent>
+  <p:timing>
+    <p:tnLst>
+      <p:par>
+        <p:cTn id="1" dur="indefinite" restart="never" nodeType="tmRoot"/>
+      </p:par>
+    </p:tnLst>
+  </p:timing>
+</p:sld>
+</file>
+
 <file path=ppt/slides/slide34.xml><?xml version="1.0" encoding="utf-8"?>
 <p:sld xmlns:a="http://schemas.openxmlformats.org/drawingml/2006/main" xmlns:r="http://schemas.openxmlformats.org/officeDocument/2006/relationships" xmlns:p="http://schemas.openxmlformats.org/presentationml/2006/main">
   <p:cSld>
@@ -21818,7 +21939,7 @@
           <a:p>
             <a:r>
               <a:rPr lang="en-US" dirty="0" smtClean="0"/>
-              <a:t>Lessons Learned</a:t>
+              <a:t>Recommended Future Directions</a:t>
             </a:r>
             <a:endParaRPr lang="en-US" dirty="0"/>
           </a:p>
@@ -21836,9 +21957,7 @@
         </p:nvSpPr>
         <p:spPr/>
         <p:txBody>
-          <a:bodyPr>
-            <a:normAutofit lnSpcReduction="10000"/>
-          </a:bodyPr>
+          <a:bodyPr/>
           <a:lstStyle/>
           <a:p>
             <a:pPr>
@@ -21851,7 +21970,7 @@
             </a:pPr>
             <a:r>
               <a:rPr lang="en-US" dirty="0" smtClean="0"/>
-              <a:t>Many problems are identified through the process of formalization, before analysis</a:t>
+              <a:t>Write contracts for the remaining thirty-one components</a:t>
             </a:r>
           </a:p>
           <a:p>
@@ -21863,10 +21982,7 @@
                 <a:spcPts val="200"/>
               </a:spcBef>
             </a:pPr>
-            <a:r>
-              <a:rPr lang="en-US" dirty="0" smtClean="0"/>
-              <a:t>Data types (or an ontology), ports, and connections can be automatically extracted from code (with some moderate up front work)</a:t>
-            </a:r>
+            <a:endParaRPr lang="en-US" dirty="0" smtClean="0"/>
           </a:p>
           <a:p>
             <a:pPr>
@@ -21879,7 +21995,7 @@
             </a:pPr>
             <a:r>
               <a:rPr lang="en-US" dirty="0" smtClean="0"/>
-              <a:t>Reusable (template) properties help find common mistakes</a:t>
+              <a:t>State/compose and analyze system-level properties (in progress)</a:t>
             </a:r>
           </a:p>
           <a:p>
@@ -21891,10 +22007,7 @@
                 <a:spcPts val="200"/>
               </a:spcBef>
             </a:pPr>
-            <a:r>
-              <a:rPr lang="en-US" dirty="0" smtClean="0"/>
-              <a:t>Not every error can be detected with a template property--a review of the specification itself is still worthwhile</a:t>
-            </a:r>
+            <a:endParaRPr lang="en-US" dirty="0" smtClean="0"/>
           </a:p>
           <a:p>
             <a:pPr>
@@ -21907,7 +22020,7 @@
             </a:pPr>
             <a:r>
               <a:rPr lang="en-US" dirty="0" smtClean="0"/>
-              <a:t>Assurance arguments are useful to capture the “rest of the story”</a:t>
+              <a:t>Generate code from AADL</a:t>
             </a:r>
           </a:p>
           <a:p>
@@ -21919,18 +22032,7 @@
                 <a:spcPts val="200"/>
               </a:spcBef>
             </a:pPr>
-            <a:r>
-              <a:rPr lang="en-US" dirty="0" smtClean="0"/>
-              <a:t>SpeAR, ASSERT, AADL/AGREE, and </a:t>
-            </a:r>
-            <a:r>
-              <a:rPr lang="en-US" dirty="0" err="1" smtClean="0"/>
-              <a:t>QVtrace</a:t>
-            </a:r>
-            <a:r>
-              <a:rPr lang="en-US" dirty="0" smtClean="0"/>
-              <a:t> are all very capable analysis tools. There are synergies between them.</a:t>
-            </a:r>
+            <a:endParaRPr lang="en-US" dirty="0" smtClean="0"/>
           </a:p>
           <a:p>
             <a:pPr>
@@ -21943,8 +22045,63 @@
             </a:pPr>
             <a:r>
               <a:rPr lang="en-US" dirty="0" smtClean="0"/>
-              <a:t>Challenges: arrays, inheritance</a:t>
-            </a:r>
+              <a:t>Generate test cases from AGREE and run on </a:t>
+            </a:r>
+            <a:r>
+              <a:rPr lang="en-US" dirty="0" err="1" smtClean="0"/>
+              <a:t>UxAS</a:t>
+            </a:r>
+            <a:r>
+              <a:rPr lang="en-US" dirty="0" smtClean="0"/>
+              <a:t> implementation</a:t>
+            </a:r>
+          </a:p>
+          <a:p>
+            <a:pPr>
+              <a:lnSpc>
+                <a:spcPct val="100000"/>
+              </a:lnSpc>
+              <a:spcBef>
+                <a:spcPts val="200"/>
+              </a:spcBef>
+            </a:pPr>
+            <a:endParaRPr lang="en-US" dirty="0" smtClean="0"/>
+          </a:p>
+          <a:p>
+            <a:pPr>
+              <a:lnSpc>
+                <a:spcPct val="100000"/>
+              </a:lnSpc>
+              <a:spcBef>
+                <a:spcPts val="200"/>
+              </a:spcBef>
+            </a:pPr>
+            <a:r>
+              <a:rPr lang="en-US" dirty="0" smtClean="0"/>
+              <a:t>Continue documenting decisions and the assurance case for the architecture</a:t>
+            </a:r>
+          </a:p>
+          <a:p>
+            <a:pPr>
+              <a:lnSpc>
+                <a:spcPct val="100000"/>
+              </a:lnSpc>
+              <a:spcBef>
+                <a:spcPts val="200"/>
+              </a:spcBef>
+            </a:pPr>
+            <a:endParaRPr lang="en-US" dirty="0" smtClean="0"/>
+          </a:p>
+          <a:p>
+            <a:pPr>
+              <a:lnSpc>
+                <a:spcPct val="100000"/>
+              </a:lnSpc>
+              <a:spcBef>
+                <a:spcPts val="200"/>
+              </a:spcBef>
+            </a:pPr>
+            <a:endParaRPr lang="en-US" dirty="0" smtClean="0"/>
           </a:p>
           <a:p>
             <a:pPr>
@@ -21988,7 +22145,7 @@
     </p:spTree>
     <p:extLst>
       <p:ext uri="{BB962C8B-B14F-4D97-AF65-F5344CB8AC3E}">
-        <p14:creationId xmlns:p14="http://schemas.microsoft.com/office/powerpoint/2010/main" val="3123488723"/>
+        <p14:creationId xmlns:p14="http://schemas.microsoft.com/office/powerpoint/2010/main" val="2472667537"/>
       </p:ext>
     </p:extLst>
   </p:cSld>
@@ -22032,271 +22189,6 @@
       </p:grpSpPr>
       <p:sp>
         <p:nvSpPr>
-          <p:cNvPr id="2" name="Title 1"/>
-          <p:cNvSpPr>
-            <a:spLocks noGrp="1"/>
-          </p:cNvSpPr>
-          <p:nvPr>
-            <p:ph type="title"/>
-          </p:nvPr>
-        </p:nvSpPr>
-        <p:spPr/>
-        <p:txBody>
-          <a:bodyPr/>
-          <a:lstStyle/>
-          <a:p>
-            <a:r>
-              <a:rPr lang="en-US" dirty="0" smtClean="0"/>
-              <a:t>Recommended Future Directions</a:t>
-            </a:r>
-            <a:endParaRPr lang="en-US" dirty="0"/>
-          </a:p>
-        </p:txBody>
-      </p:sp>
-      <p:sp>
-        <p:nvSpPr>
-          <p:cNvPr id="3" name="Content Placeholder 2"/>
-          <p:cNvSpPr>
-            <a:spLocks noGrp="1"/>
-          </p:cNvSpPr>
-          <p:nvPr>
-            <p:ph idx="1"/>
-          </p:nvPr>
-        </p:nvSpPr>
-        <p:spPr/>
-        <p:txBody>
-          <a:bodyPr/>
-          <a:lstStyle/>
-          <a:p>
-            <a:pPr>
-              <a:lnSpc>
-                <a:spcPct val="100000"/>
-              </a:lnSpc>
-              <a:spcBef>
-                <a:spcPts val="200"/>
-              </a:spcBef>
-            </a:pPr>
-            <a:r>
-              <a:rPr lang="en-US" dirty="0" smtClean="0"/>
-              <a:t>Write contracts for the remaining thirty-one components</a:t>
-            </a:r>
-          </a:p>
-          <a:p>
-            <a:pPr>
-              <a:lnSpc>
-                <a:spcPct val="100000"/>
-              </a:lnSpc>
-              <a:spcBef>
-                <a:spcPts val="200"/>
-              </a:spcBef>
-            </a:pPr>
-            <a:endParaRPr lang="en-US" dirty="0" smtClean="0"/>
-          </a:p>
-          <a:p>
-            <a:pPr>
-              <a:lnSpc>
-                <a:spcPct val="100000"/>
-              </a:lnSpc>
-              <a:spcBef>
-                <a:spcPts val="200"/>
-              </a:spcBef>
-            </a:pPr>
-            <a:r>
-              <a:rPr lang="en-US" dirty="0" smtClean="0"/>
-              <a:t>State/compose and analyze system-level properties (in progress)</a:t>
-            </a:r>
-          </a:p>
-          <a:p>
-            <a:pPr>
-              <a:lnSpc>
-                <a:spcPct val="100000"/>
-              </a:lnSpc>
-              <a:spcBef>
-                <a:spcPts val="200"/>
-              </a:spcBef>
-            </a:pPr>
-            <a:endParaRPr lang="en-US" dirty="0" smtClean="0"/>
-          </a:p>
-          <a:p>
-            <a:pPr>
-              <a:lnSpc>
-                <a:spcPct val="100000"/>
-              </a:lnSpc>
-              <a:spcBef>
-                <a:spcPts val="200"/>
-              </a:spcBef>
-            </a:pPr>
-            <a:r>
-              <a:rPr lang="en-US" dirty="0" smtClean="0"/>
-              <a:t>Generate code from AADL</a:t>
-            </a:r>
-          </a:p>
-          <a:p>
-            <a:pPr>
-              <a:lnSpc>
-                <a:spcPct val="100000"/>
-              </a:lnSpc>
-              <a:spcBef>
-                <a:spcPts val="200"/>
-              </a:spcBef>
-            </a:pPr>
-            <a:endParaRPr lang="en-US" dirty="0" smtClean="0"/>
-          </a:p>
-          <a:p>
-            <a:pPr>
-              <a:lnSpc>
-                <a:spcPct val="100000"/>
-              </a:lnSpc>
-              <a:spcBef>
-                <a:spcPts val="200"/>
-              </a:spcBef>
-            </a:pPr>
-            <a:r>
-              <a:rPr lang="en-US" dirty="0" smtClean="0"/>
-              <a:t>Generate test cases from AGREE and run on </a:t>
-            </a:r>
-            <a:r>
-              <a:rPr lang="en-US" dirty="0" err="1" smtClean="0"/>
-              <a:t>UxAS</a:t>
-            </a:r>
-            <a:r>
-              <a:rPr lang="en-US" dirty="0" smtClean="0"/>
-              <a:t> implementation</a:t>
-            </a:r>
-          </a:p>
-          <a:p>
-            <a:pPr>
-              <a:lnSpc>
-                <a:spcPct val="100000"/>
-              </a:lnSpc>
-              <a:spcBef>
-                <a:spcPts val="200"/>
-              </a:spcBef>
-            </a:pPr>
-            <a:endParaRPr lang="en-US" dirty="0" smtClean="0"/>
-          </a:p>
-          <a:p>
-            <a:pPr>
-              <a:lnSpc>
-                <a:spcPct val="100000"/>
-              </a:lnSpc>
-              <a:spcBef>
-                <a:spcPts val="200"/>
-              </a:spcBef>
-            </a:pPr>
-            <a:r>
-              <a:rPr lang="en-US" dirty="0" smtClean="0"/>
-              <a:t>Continue documenting decisions and the assurance case for the architecture</a:t>
-            </a:r>
-          </a:p>
-          <a:p>
-            <a:pPr>
-              <a:lnSpc>
-                <a:spcPct val="100000"/>
-              </a:lnSpc>
-              <a:spcBef>
-                <a:spcPts val="200"/>
-              </a:spcBef>
-            </a:pPr>
-            <a:endParaRPr lang="en-US" dirty="0" smtClean="0"/>
-          </a:p>
-          <a:p>
-            <a:pPr>
-              <a:lnSpc>
-                <a:spcPct val="100000"/>
-              </a:lnSpc>
-              <a:spcBef>
-                <a:spcPts val="200"/>
-              </a:spcBef>
-            </a:pPr>
-            <a:endParaRPr lang="en-US" dirty="0" smtClean="0"/>
-          </a:p>
-          <a:p>
-            <a:pPr>
-              <a:lnSpc>
-                <a:spcPct val="100000"/>
-              </a:lnSpc>
-              <a:spcBef>
-                <a:spcPts val="200"/>
-              </a:spcBef>
-            </a:pPr>
-            <a:endParaRPr lang="en-US" dirty="0" smtClean="0"/>
-          </a:p>
-          <a:p>
-            <a:endParaRPr lang="en-US" dirty="0"/>
-          </a:p>
-        </p:txBody>
-      </p:sp>
-      <p:sp>
-        <p:nvSpPr>
-          <p:cNvPr id="6" name="Footer Placeholder 5"/>
-          <p:cNvSpPr>
-            <a:spLocks noGrp="1"/>
-          </p:cNvSpPr>
-          <p:nvPr>
-            <p:ph type="ftr" sz="quarter" idx="11"/>
-          </p:nvPr>
-        </p:nvSpPr>
-        <p:spPr/>
-        <p:txBody>
-          <a:bodyPr/>
-          <a:lstStyle/>
-          <a:p>
-            <a:r>
-              <a:rPr lang="en-US" smtClean="0"/>
-              <a:t>Architecture Group</a:t>
-            </a:r>
-            <a:endParaRPr lang="en-US"/>
-          </a:p>
-        </p:txBody>
-      </p:sp>
-    </p:spTree>
-    <p:extLst>
-      <p:ext uri="{BB962C8B-B14F-4D97-AF65-F5344CB8AC3E}">
-        <p14:creationId xmlns:p14="http://schemas.microsoft.com/office/powerpoint/2010/main" val="2472667537"/>
-      </p:ext>
-    </p:extLst>
-  </p:cSld>
-  <p:clrMapOvr>
-    <a:masterClrMapping/>
-  </p:clrMapOvr>
-  <mc:AlternateContent xmlns:mc="http://schemas.openxmlformats.org/markup-compatibility/2006" xmlns:p14="http://schemas.microsoft.com/office/powerpoint/2010/main">
-    <mc:Choice Requires="p14">
-      <p:transition spd="slow" p14:dur="2000"/>
-    </mc:Choice>
-    <mc:Fallback xmlns="">
-      <p:transition spd="slow"/>
-    </mc:Fallback>
-  </mc:AlternateContent>
-  <p:timing>
-    <p:tnLst>
-      <p:par>
-        <p:cTn id="1" dur="indefinite" restart="never" nodeType="tmRoot"/>
-      </p:par>
-    </p:tnLst>
-  </p:timing>
-</p:sld>
-</file>
-
-<file path=ppt/slides/slide36.xml><?xml version="1.0" encoding="utf-8"?>
-<p:sld xmlns:a="http://schemas.openxmlformats.org/drawingml/2006/main" xmlns:r="http://schemas.openxmlformats.org/officeDocument/2006/relationships" xmlns:p="http://schemas.openxmlformats.org/presentationml/2006/main">
-  <p:cSld>
-    <p:spTree>
-      <p:nvGrpSpPr>
-        <p:cNvPr id="1" name=""/>
-        <p:cNvGrpSpPr/>
-        <p:nvPr/>
-      </p:nvGrpSpPr>
-      <p:grpSpPr>
-        <a:xfrm>
-          <a:off x="0" y="0"/>
-          <a:ext cx="0" cy="0"/>
-          <a:chOff x="0" y="0"/>
-          <a:chExt cx="0" cy="0"/>
-        </a:xfrm>
-      </p:grpSpPr>
-      <p:sp>
-        <p:nvSpPr>
           <p:cNvPr id="4" name="Title 3"/>
           <p:cNvSpPr>
             <a:spLocks noGrp="1"/>
@@ -22365,7 +22257,7 @@
 </p:sld>
 </file>
 
-<file path=ppt/slides/slide37.xml><?xml version="1.0" encoding="utf-8"?>
+<file path=ppt/slides/slide36.xml><?xml version="1.0" encoding="utf-8"?>
 <p:sld xmlns:a="http://schemas.openxmlformats.org/drawingml/2006/main" xmlns:r="http://schemas.openxmlformats.org/officeDocument/2006/relationships" xmlns:p="http://schemas.openxmlformats.org/presentationml/2006/main">
   <p:cSld>
     <p:spTree>
@@ -23839,7 +23731,7 @@
 </p:sld>
 </file>
 
-<file path=ppt/slides/slide38.xml><?xml version="1.0" encoding="utf-8"?>
+<file path=ppt/slides/slide37.xml><?xml version="1.0" encoding="utf-8"?>
 <p:sld xmlns:a="http://schemas.openxmlformats.org/drawingml/2006/main" xmlns:r="http://schemas.openxmlformats.org/officeDocument/2006/relationships" xmlns:p="http://schemas.openxmlformats.org/presentationml/2006/main">
   <p:cSld>
     <p:spTree>
@@ -24132,6 +24024,325 @@
     <p:bldLst>
       <p:bldP spid="6" grpId="0" animBg="1"/>
     </p:bldLst>
+  </p:timing>
+</p:sld>
+</file>
+
+<file path=ppt/slides/slide38.xml><?xml version="1.0" encoding="utf-8"?>
+<p:sld xmlns:a="http://schemas.openxmlformats.org/drawingml/2006/main" xmlns:r="http://schemas.openxmlformats.org/officeDocument/2006/relationships" xmlns:p="http://schemas.openxmlformats.org/presentationml/2006/main">
+  <p:cSld>
+    <p:spTree>
+      <p:nvGrpSpPr>
+        <p:cNvPr id="1" name=""/>
+        <p:cNvGrpSpPr/>
+        <p:nvPr/>
+      </p:nvGrpSpPr>
+      <p:grpSpPr>
+        <a:xfrm>
+          <a:off x="0" y="0"/>
+          <a:ext cx="0" cy="0"/>
+          <a:chOff x="0" y="0"/>
+          <a:chExt cx="0" cy="0"/>
+        </a:xfrm>
+      </p:grpSpPr>
+      <p:sp>
+        <p:nvSpPr>
+          <p:cNvPr id="2" name="Title 1"/>
+          <p:cNvSpPr>
+            <a:spLocks noGrp="1"/>
+          </p:cNvSpPr>
+          <p:nvPr>
+            <p:ph type="title"/>
+          </p:nvPr>
+        </p:nvSpPr>
+        <p:spPr/>
+        <p:txBody>
+          <a:bodyPr/>
+          <a:lstStyle/>
+          <a:p>
+            <a:r>
+              <a:rPr lang="en-US" dirty="0" smtClean="0"/>
+              <a:t>Argument-Derived Observations</a:t>
+            </a:r>
+            <a:endParaRPr lang="en-US" dirty="0"/>
+          </a:p>
+        </p:txBody>
+      </p:sp>
+      <p:sp>
+        <p:nvSpPr>
+          <p:cNvPr id="3" name="Content Placeholder 2"/>
+          <p:cNvSpPr>
+            <a:spLocks noGrp="1"/>
+          </p:cNvSpPr>
+          <p:nvPr>
+            <p:ph idx="1"/>
+          </p:nvPr>
+        </p:nvSpPr>
+        <p:spPr/>
+        <p:txBody>
+          <a:bodyPr>
+            <a:normAutofit lnSpcReduction="10000"/>
+          </a:bodyPr>
+          <a:lstStyle/>
+          <a:p>
+            <a:r>
+              <a:rPr lang="en-US" dirty="0"/>
+              <a:t>Best practices/standards for AADL/AGREE use are needed</a:t>
+            </a:r>
+          </a:p>
+          <a:p>
+            <a:pPr lvl="1"/>
+            <a:r>
+              <a:rPr lang="en-US" dirty="0"/>
+              <a:t>Situate proofs within modeling fault analysis/mitigation</a:t>
+            </a:r>
+          </a:p>
+          <a:p>
+            <a:pPr lvl="1"/>
+            <a:r>
+              <a:rPr lang="en-US" dirty="0"/>
+              <a:t>Supports arguments that the set of lemmas are complete and correct</a:t>
+            </a:r>
+          </a:p>
+          <a:p>
+            <a:r>
+              <a:rPr lang="en-US" dirty="0"/>
+              <a:t>Additional tool support to reduce human error</a:t>
+            </a:r>
+          </a:p>
+          <a:p>
+            <a:pPr lvl="1"/>
+            <a:r>
+              <a:rPr lang="en-US" dirty="0"/>
+              <a:t>E.g., </a:t>
+            </a:r>
+            <a:r>
+              <a:rPr lang="en-US" dirty="0" smtClean="0"/>
+              <a:t>lemmas </a:t>
+            </a:r>
+            <a:r>
+              <a:rPr lang="en-US" dirty="0"/>
+              <a:t>and repetitive infrastructure are developed manually</a:t>
+            </a:r>
+          </a:p>
+          <a:p>
+            <a:pPr lvl="1"/>
+            <a:r>
+              <a:rPr lang="en-US" dirty="0"/>
+              <a:t>Minimize repetitive concerns in the argument about human error</a:t>
+            </a:r>
+          </a:p>
+          <a:p>
+            <a:r>
+              <a:rPr lang="en-US" dirty="0"/>
+              <a:t>Enhanced integration between AADL and AGREE </a:t>
+            </a:r>
+          </a:p>
+          <a:p>
+            <a:pPr lvl="1"/>
+            <a:r>
+              <a:rPr lang="en-US" dirty="0"/>
+              <a:t>Minimize repetitive arguments about AADL and AGREE consistency/agreement</a:t>
+            </a:r>
+          </a:p>
+          <a:p>
+            <a:r>
+              <a:rPr lang="en-US" dirty="0"/>
+              <a:t>A simpler higher-level protocol state machine spec for validation</a:t>
+            </a:r>
+          </a:p>
+          <a:p>
+            <a:pPr lvl="1"/>
+            <a:r>
+              <a:rPr lang="en-US" dirty="0"/>
+              <a:t>Provide a structure to validate against</a:t>
+            </a:r>
+          </a:p>
+          <a:p>
+            <a:pPr lvl="1"/>
+            <a:r>
+              <a:rPr lang="en-US" dirty="0"/>
+              <a:t>Simplify validation activity and simplify validation </a:t>
+            </a:r>
+            <a:r>
+              <a:rPr lang="en-US" dirty="0" smtClean="0"/>
+              <a:t>arguments</a:t>
+            </a:r>
+            <a:endParaRPr lang="en-US" dirty="0"/>
+          </a:p>
+        </p:txBody>
+      </p:sp>
+      <p:sp>
+        <p:nvSpPr>
+          <p:cNvPr id="5" name="Footer Placeholder 3"/>
+          <p:cNvSpPr txBox="1">
+            <a:spLocks/>
+          </p:cNvSpPr>
+          <p:nvPr/>
+        </p:nvSpPr>
+        <p:spPr>
+          <a:xfrm>
+            <a:off x="102476" y="6437441"/>
+            <a:ext cx="4532586" cy="306936"/>
+          </a:xfrm>
+          <a:prstGeom prst="rect">
+            <a:avLst/>
+          </a:prstGeom>
+        </p:spPr>
+        <p:txBody>
+          <a:bodyPr vert="horz" lIns="91440" tIns="45720" rIns="91440" bIns="45720" rtlCol="0" anchor="ctr"/>
+          <a:lstStyle>
+            <a:defPPr>
+              <a:defRPr lang="en-US"/>
+            </a:defPPr>
+            <a:lvl1pPr marL="0" algn="ctr" defTabSz="914400" rtl="0" eaLnBrk="1" latinLnBrk="0" hangingPunct="1">
+              <a:defRPr sz="1400" kern="1200">
+                <a:solidFill>
+                  <a:srgbClr val="000000"/>
+                </a:solidFill>
+                <a:latin typeface="+mn-lt"/>
+                <a:ea typeface="+mn-ea"/>
+                <a:cs typeface="+mn-cs"/>
+              </a:defRPr>
+            </a:lvl1pPr>
+            <a:lvl2pPr marL="457200" algn="l" defTabSz="914400" rtl="0" eaLnBrk="1" latinLnBrk="0" hangingPunct="1">
+              <a:defRPr sz="1800" kern="1200">
+                <a:solidFill>
+                  <a:schemeClr val="tx1"/>
+                </a:solidFill>
+                <a:latin typeface="+mn-lt"/>
+                <a:ea typeface="+mn-ea"/>
+                <a:cs typeface="+mn-cs"/>
+              </a:defRPr>
+            </a:lvl2pPr>
+            <a:lvl3pPr marL="914400" algn="l" defTabSz="914400" rtl="0" eaLnBrk="1" latinLnBrk="0" hangingPunct="1">
+              <a:defRPr sz="1800" kern="1200">
+                <a:solidFill>
+                  <a:schemeClr val="tx1"/>
+                </a:solidFill>
+                <a:latin typeface="+mn-lt"/>
+                <a:ea typeface="+mn-ea"/>
+                <a:cs typeface="+mn-cs"/>
+              </a:defRPr>
+            </a:lvl3pPr>
+            <a:lvl4pPr marL="1371600" algn="l" defTabSz="914400" rtl="0" eaLnBrk="1" latinLnBrk="0" hangingPunct="1">
+              <a:defRPr sz="1800" kern="1200">
+                <a:solidFill>
+                  <a:schemeClr val="tx1"/>
+                </a:solidFill>
+                <a:latin typeface="+mn-lt"/>
+                <a:ea typeface="+mn-ea"/>
+                <a:cs typeface="+mn-cs"/>
+              </a:defRPr>
+            </a:lvl4pPr>
+            <a:lvl5pPr marL="1828800" algn="l" defTabSz="914400" rtl="0" eaLnBrk="1" latinLnBrk="0" hangingPunct="1">
+              <a:defRPr sz="1800" kern="1200">
+                <a:solidFill>
+                  <a:schemeClr val="tx1"/>
+                </a:solidFill>
+                <a:latin typeface="+mn-lt"/>
+                <a:ea typeface="+mn-ea"/>
+                <a:cs typeface="+mn-cs"/>
+              </a:defRPr>
+            </a:lvl5pPr>
+            <a:lvl6pPr marL="2286000" algn="l" defTabSz="914400" rtl="0" eaLnBrk="1" latinLnBrk="0" hangingPunct="1">
+              <a:defRPr sz="1800" kern="1200">
+                <a:solidFill>
+                  <a:schemeClr val="tx1"/>
+                </a:solidFill>
+                <a:latin typeface="+mn-lt"/>
+                <a:ea typeface="+mn-ea"/>
+                <a:cs typeface="+mn-cs"/>
+              </a:defRPr>
+            </a:lvl6pPr>
+            <a:lvl7pPr marL="2743200" algn="l" defTabSz="914400" rtl="0" eaLnBrk="1" latinLnBrk="0" hangingPunct="1">
+              <a:defRPr sz="1800" kern="1200">
+                <a:solidFill>
+                  <a:schemeClr val="tx1"/>
+                </a:solidFill>
+                <a:latin typeface="+mn-lt"/>
+                <a:ea typeface="+mn-ea"/>
+                <a:cs typeface="+mn-cs"/>
+              </a:defRPr>
+            </a:lvl7pPr>
+            <a:lvl8pPr marL="3200400" algn="l" defTabSz="914400" rtl="0" eaLnBrk="1" latinLnBrk="0" hangingPunct="1">
+              <a:defRPr sz="1800" kern="1200">
+                <a:solidFill>
+                  <a:schemeClr val="tx1"/>
+                </a:solidFill>
+                <a:latin typeface="+mn-lt"/>
+                <a:ea typeface="+mn-ea"/>
+                <a:cs typeface="+mn-cs"/>
+              </a:defRPr>
+            </a:lvl8pPr>
+            <a:lvl9pPr marL="3657600" algn="l" defTabSz="914400" rtl="0" eaLnBrk="1" latinLnBrk="0" hangingPunct="1">
+              <a:defRPr sz="1800" kern="1200">
+                <a:solidFill>
+                  <a:schemeClr val="tx1"/>
+                </a:solidFill>
+                <a:latin typeface="+mn-lt"/>
+                <a:ea typeface="+mn-ea"/>
+                <a:cs typeface="+mn-cs"/>
+              </a:defRPr>
+            </a:lvl9pPr>
+          </a:lstStyle>
+          <a:p>
+            <a:pPr algn="l"/>
+            <a:r>
+              <a:rPr lang="en-US" dirty="0" smtClean="0"/>
+              <a:t>Dependable Computing</a:t>
+            </a:r>
+            <a:endParaRPr lang="en-US" dirty="0"/>
+          </a:p>
+        </p:txBody>
+      </p:sp>
+      <p:sp>
+        <p:nvSpPr>
+          <p:cNvPr id="7" name="Footer Placeholder 6"/>
+          <p:cNvSpPr>
+            <a:spLocks noGrp="1"/>
+          </p:cNvSpPr>
+          <p:nvPr>
+            <p:ph type="ftr" sz="quarter" idx="11"/>
+          </p:nvPr>
+        </p:nvSpPr>
+        <p:spPr/>
+        <p:txBody>
+          <a:bodyPr/>
+          <a:lstStyle/>
+          <a:p>
+            <a:r>
+              <a:rPr lang="en-US" smtClean="0"/>
+              <a:t>Architecture Group</a:t>
+            </a:r>
+            <a:endParaRPr lang="en-US"/>
+          </a:p>
+        </p:txBody>
+      </p:sp>
+    </p:spTree>
+    <p:extLst>
+      <p:ext uri="{BB962C8B-B14F-4D97-AF65-F5344CB8AC3E}">
+        <p14:creationId xmlns:p14="http://schemas.microsoft.com/office/powerpoint/2010/main" val="1512231083"/>
+      </p:ext>
+    </p:extLst>
+  </p:cSld>
+  <p:clrMapOvr>
+    <a:masterClrMapping/>
+  </p:clrMapOvr>
+  <mc:AlternateContent xmlns:mc="http://schemas.openxmlformats.org/markup-compatibility/2006" xmlns:p14="http://schemas.microsoft.com/office/powerpoint/2010/main">
+    <mc:Choice Requires="p14">
+      <p:transition spd="slow" p14:dur="2000"/>
+    </mc:Choice>
+    <mc:Fallback xmlns="">
+      <p:transition spd="slow"/>
+    </mc:Fallback>
+  </mc:AlternateContent>
+  <p:timing>
+    <p:tnLst>
+      <p:par>
+        <p:cTn id="1" dur="indefinite" restart="never" nodeType="tmRoot"/>
+      </p:par>
+    </p:tnLst>
   </p:timing>
 </p:sld>
 </file>
@@ -26048,15 +26259,7 @@
                   <a:srgbClr val="0000FF"/>
                 </a:solidFill>
               </a:rPr>
-              <a:t>(AFRL/LQ, </a:t>
-            </a:r>
-            <a:r>
-              <a:rPr lang="en-US" dirty="0" smtClean="0">
-                <a:solidFill>
-                  <a:srgbClr val="0000FF"/>
-                </a:solidFill>
-              </a:rPr>
-              <a:t>RC</a:t>
+              <a:t>(AFRL/LQ, RC</a:t>
             </a:r>
             <a:r>
               <a:rPr lang="en-US" dirty="0">
@@ -26103,21 +26306,8 @@
                   <a:srgbClr val="0000FF"/>
                 </a:solidFill>
               </a:rPr>
-              <a:t>(DC, RC, </a:t>
-            </a:r>
-            <a:r>
-              <a:rPr lang="en-US" dirty="0" smtClean="0">
-                <a:solidFill>
-                  <a:srgbClr val="0000FF"/>
-                </a:solidFill>
-              </a:rPr>
-              <a:t>LQ)</a:t>
-            </a:r>
-            <a:endParaRPr lang="en-US" dirty="0" smtClean="0">
-              <a:solidFill>
-                <a:srgbClr val="0000FF"/>
-              </a:solidFill>
-            </a:endParaRPr>
+              <a:t>(DC, RC, LQ)</a:t>
+            </a:r>
           </a:p>
           <a:p>
             <a:pPr lvl="1" fontAlgn="base"/>
@@ -26131,21 +26321,8 @@
                   <a:srgbClr val="0000FF"/>
                 </a:solidFill>
               </a:rPr>
-              <a:t>(DC, </a:t>
-            </a:r>
-            <a:r>
-              <a:rPr lang="en-US" dirty="0" smtClean="0">
-                <a:solidFill>
-                  <a:srgbClr val="0000FF"/>
-                </a:solidFill>
-              </a:rPr>
-              <a:t>RC, LQ/AFRL)</a:t>
-            </a:r>
-            <a:endParaRPr lang="en-US" dirty="0" smtClean="0">
-              <a:solidFill>
-                <a:srgbClr val="0000FF"/>
-              </a:solidFill>
-            </a:endParaRPr>
+              <a:t>(DC, RC, LQ/AFRL)</a:t>
+            </a:r>
           </a:p>
           <a:p>
             <a:pPr fontAlgn="base"/>

--- a/presentations/S5_SoI_Architecture_Group.pptx
+++ b/presentations/S5_SoI_Architecture_Group.pptx
@@ -7117,7 +7117,15 @@
             </a:br>
             <a:r>
               <a:rPr lang="en-US" dirty="0" smtClean="0"/>
-              <a:t>What Did We Prove?</a:t>
+              <a:t>What </a:t>
+            </a:r>
+            <a:r>
+              <a:rPr lang="en-US" dirty="0" smtClean="0"/>
+              <a:t>Can </a:t>
+            </a:r>
+            <a:r>
+              <a:rPr lang="en-US" dirty="0" smtClean="0"/>
+              <a:t>We Prove?</a:t>
             </a:r>
             <a:endParaRPr lang="en-US" dirty="0"/>
           </a:p>
@@ -8203,30 +8211,6 @@
           </a:prstGeom>
         </p:spPr>
       </p:pic>
-      <p:pic>
-        <p:nvPicPr>
-          <p:cNvPr id="14" name="Picture 13"/>
-          <p:cNvPicPr>
-            <a:picLocks noChangeAspect="1"/>
-          </p:cNvPicPr>
-          <p:nvPr/>
-        </p:nvPicPr>
-        <p:blipFill>
-          <a:blip r:embed="rId3"/>
-          <a:stretch>
-            <a:fillRect/>
-          </a:stretch>
-        </p:blipFill>
-        <p:spPr>
-          <a:xfrm>
-            <a:off x="674594" y="4892018"/>
-            <a:ext cx="10319715" cy="969718"/>
-          </a:xfrm>
-          <a:prstGeom prst="rect">
-            <a:avLst/>
-          </a:prstGeom>
-        </p:spPr>
-      </p:pic>
       <p:sp>
         <p:nvSpPr>
           <p:cNvPr id="15" name="Rectangle 14"/>
@@ -8268,6 +8252,30 @@
           </a:p>
         </p:txBody>
       </p:sp>
+      <p:pic>
+        <p:nvPicPr>
+          <p:cNvPr id="4" name="Picture 3"/>
+          <p:cNvPicPr>
+            <a:picLocks noChangeAspect="1"/>
+          </p:cNvPicPr>
+          <p:nvPr/>
+        </p:nvPicPr>
+        <p:blipFill>
+          <a:blip r:embed="rId3"/>
+          <a:stretch>
+            <a:fillRect/>
+          </a:stretch>
+        </p:blipFill>
+        <p:spPr>
+          <a:xfrm>
+            <a:off x="674594" y="4946918"/>
+            <a:ext cx="10122358" cy="846351"/>
+          </a:xfrm>
+          <a:prstGeom prst="rect">
+            <a:avLst/>
+          </a:prstGeom>
+        </p:spPr>
+      </p:pic>
     </p:spTree>
     <p:extLst>
       <p:ext uri="{BB962C8B-B14F-4D97-AF65-F5344CB8AC3E}">
@@ -20527,15 +20535,33 @@
           <a:lstStyle/>
           <a:p>
             <a:r>
+              <a:rPr lang="en-US" dirty="0"/>
+              <a:t>Created a Stateflow representation of the Task Service Base state machine</a:t>
+            </a:r>
+          </a:p>
+          <a:p>
+            <a:r>
               <a:rPr lang="en-US" dirty="0" smtClean="0"/>
               <a:t>Benefits</a:t>
             </a:r>
+            <a:endParaRPr lang="en-US" dirty="0" smtClean="0"/>
           </a:p>
           <a:p>
             <a:pPr lvl="1"/>
             <a:r>
+              <a:rPr lang="en-US" dirty="0"/>
+              <a:t>Evidence in the assurance argument: “gold standard state machine”</a:t>
+            </a:r>
+          </a:p>
+          <a:p>
+            <a:pPr lvl="1"/>
+            <a:r>
               <a:rPr lang="en-US" dirty="0" smtClean="0"/>
-              <a:t>Enable simulation</a:t>
+              <a:t>Enable </a:t>
+            </a:r>
+            <a:r>
+              <a:rPr lang="en-US" dirty="0" smtClean="0"/>
+              <a:t>simulation</a:t>
             </a:r>
           </a:p>
           <a:p>
@@ -20572,19 +20598,6 @@
             <a:r>
               <a:rPr lang="en-US" dirty="0" smtClean="0"/>
               <a:t>Visualize counterexamples</a:t>
-            </a:r>
-          </a:p>
-          <a:p>
-            <a:pPr lvl="1"/>
-            <a:r>
-              <a:rPr lang="en-US" dirty="0" smtClean="0"/>
-              <a:t>Evidence in the assurance argument: “gold standard state machine”</a:t>
-            </a:r>
-          </a:p>
-          <a:p>
-            <a:r>
-              <a:rPr lang="en-US" dirty="0" smtClean="0"/>
-              <a:t>Created a Stateflow representation of the Task Service Base state machine</a:t>
             </a:r>
           </a:p>
           <a:p>
@@ -20597,7 +20610,7 @@
               </a:spcBef>
             </a:pPr>
             <a:r>
-              <a:rPr lang="en-US" dirty="0"/>
+              <a:rPr lang="en-US" dirty="0" smtClean="0"/>
               <a:t>Simulink/Stateflow </a:t>
             </a:r>
             <a:r>
@@ -20606,7 +20619,15 @@
             </a:r>
             <a:r>
               <a:rPr lang="en-US" dirty="0"/>
-              <a:t>with AADL model</a:t>
+              <a:t>with </a:t>
+            </a:r>
+            <a:r>
+              <a:rPr lang="en-US" dirty="0" smtClean="0"/>
+              <a:t>AADL/AGREE </a:t>
+            </a:r>
+            <a:r>
+              <a:rPr lang="en-US" dirty="0"/>
+              <a:t>model</a:t>
             </a:r>
           </a:p>
           <a:p>
@@ -21757,7 +21778,43 @@
             </a:pPr>
             <a:r>
               <a:rPr lang="en-US" dirty="0" smtClean="0"/>
-              <a:t>Data types (or an ontology), ports, and connections can be automatically extracted from code (with some moderate up front work)</a:t>
+              <a:t>Data </a:t>
+            </a:r>
+            <a:r>
+              <a:rPr lang="en-US" dirty="0" smtClean="0"/>
+              <a:t>types, ports</a:t>
+            </a:r>
+            <a:r>
+              <a:rPr lang="en-US" dirty="0" smtClean="0"/>
+              <a:t>, and connections </a:t>
+            </a:r>
+            <a:r>
+              <a:rPr lang="en-US" dirty="0" smtClean="0"/>
+              <a:t>(</a:t>
+            </a:r>
+            <a:r>
+              <a:rPr lang="en-US" dirty="0" smtClean="0"/>
+              <a:t>or an ontology) </a:t>
+            </a:r>
+            <a:r>
+              <a:rPr lang="en-US" dirty="0" smtClean="0"/>
+              <a:t>can </a:t>
+            </a:r>
+            <a:r>
+              <a:rPr lang="en-US" dirty="0" smtClean="0"/>
+              <a:t>be automatically extracted from code (with some </a:t>
+            </a:r>
+            <a:r>
+              <a:rPr lang="en-US" dirty="0" smtClean="0"/>
+              <a:t>moderate </a:t>
+            </a:r>
+            <a:r>
+              <a:rPr lang="en-US" dirty="0" smtClean="0"/>
+              <a:t>up </a:t>
+            </a:r>
+            <a:r>
+              <a:rPr lang="en-US" dirty="0" smtClean="0"/>
+              <a:t>front work)</a:t>
             </a:r>
           </a:p>
           <a:p>
@@ -21870,10 +21927,10 @@
           <a:lstStyle/>
           <a:p>
             <a:r>
-              <a:rPr lang="en-US" smtClean="0"/>
+              <a:rPr lang="en-US" dirty="0" smtClean="0"/>
               <a:t>Architecture Group</a:t>
             </a:r>
-            <a:endParaRPr lang="en-US"/>
+            <a:endParaRPr lang="en-US" dirty="0"/>
           </a:p>
         </p:txBody>
       </p:sp>
@@ -26790,15 +26847,33 @@
                                   </p:childTnLst>
                                 </p:cTn>
                               </p:par>
+                            </p:childTnLst>
+                          </p:cTn>
+                        </p:par>
+                      </p:childTnLst>
+                    </p:cTn>
+                  </p:par>
+                  <p:par>
+                    <p:cTn id="15" fill="hold">
+                      <p:stCondLst>
+                        <p:cond delay="indefinite"/>
+                      </p:stCondLst>
+                      <p:childTnLst>
+                        <p:par>
+                          <p:cTn id="16" fill="hold">
+                            <p:stCondLst>
+                              <p:cond delay="0"/>
+                            </p:stCondLst>
+                            <p:childTnLst>
                               <p:par>
-                                <p:cTn id="15" presetID="1" presetClass="entr" presetSubtype="0" fill="hold" nodeType="withEffect">
+                                <p:cTn id="17" presetID="1" presetClass="entr" presetSubtype="0" fill="hold" nodeType="clickEffect">
                                   <p:stCondLst>
                                     <p:cond delay="0"/>
                                   </p:stCondLst>
                                   <p:childTnLst>
                                     <p:set>
                                       <p:cBhvr>
-                                        <p:cTn id="16" dur="1" fill="hold">
+                                        <p:cTn id="18" dur="1" fill="hold">
                                           <p:stCondLst>
                                             <p:cond delay="0"/>
                                           </p:stCondLst>
@@ -26821,15 +26896,33 @@
                                   </p:childTnLst>
                                 </p:cTn>
                               </p:par>
+                            </p:childTnLst>
+                          </p:cTn>
+                        </p:par>
+                      </p:childTnLst>
+                    </p:cTn>
+                  </p:par>
+                  <p:par>
+                    <p:cTn id="19" fill="hold">
+                      <p:stCondLst>
+                        <p:cond delay="indefinite"/>
+                      </p:stCondLst>
+                      <p:childTnLst>
+                        <p:par>
+                          <p:cTn id="20" fill="hold">
+                            <p:stCondLst>
+                              <p:cond delay="0"/>
+                            </p:stCondLst>
+                            <p:childTnLst>
                               <p:par>
-                                <p:cTn id="17" presetID="1" presetClass="entr" presetSubtype="0" fill="hold" nodeType="withEffect">
+                                <p:cTn id="21" presetID="1" presetClass="entr" presetSubtype="0" fill="hold" nodeType="clickEffect">
                                   <p:stCondLst>
                                     <p:cond delay="0"/>
                                   </p:stCondLst>
                                   <p:childTnLst>
                                     <p:set>
                                       <p:cBhvr>
-                                        <p:cTn id="18" dur="1" fill="hold">
+                                        <p:cTn id="22" dur="1" fill="hold">
                                           <p:stCondLst>
                                             <p:cond delay="0"/>
                                           </p:stCondLst>
@@ -26852,15 +26945,33 @@
                                   </p:childTnLst>
                                 </p:cTn>
                               </p:par>
+                            </p:childTnLst>
+                          </p:cTn>
+                        </p:par>
+                      </p:childTnLst>
+                    </p:cTn>
+                  </p:par>
+                  <p:par>
+                    <p:cTn id="23" fill="hold">
+                      <p:stCondLst>
+                        <p:cond delay="indefinite"/>
+                      </p:stCondLst>
+                      <p:childTnLst>
+                        <p:par>
+                          <p:cTn id="24" fill="hold">
+                            <p:stCondLst>
+                              <p:cond delay="0"/>
+                            </p:stCondLst>
+                            <p:childTnLst>
                               <p:par>
-                                <p:cTn id="19" presetID="1" presetClass="entr" presetSubtype="0" fill="hold" nodeType="withEffect">
+                                <p:cTn id="25" presetID="1" presetClass="entr" presetSubtype="0" fill="hold" nodeType="clickEffect">
                                   <p:stCondLst>
                                     <p:cond delay="0"/>
                                   </p:stCondLst>
                                   <p:childTnLst>
                                     <p:set>
                                       <p:cBhvr>
-                                        <p:cTn id="20" dur="1" fill="hold">
+                                        <p:cTn id="26" dur="1" fill="hold">
                                           <p:stCondLst>
                                             <p:cond delay="0"/>
                                           </p:stCondLst>
@@ -26890,26 +27001,26 @@
                     </p:cTn>
                   </p:par>
                   <p:par>
-                    <p:cTn id="21" fill="hold">
+                    <p:cTn id="27" fill="hold">
                       <p:stCondLst>
                         <p:cond delay="indefinite"/>
                       </p:stCondLst>
                       <p:childTnLst>
                         <p:par>
-                          <p:cTn id="22" fill="hold">
+                          <p:cTn id="28" fill="hold">
                             <p:stCondLst>
                               <p:cond delay="0"/>
                             </p:stCondLst>
                             <p:childTnLst>
                               <p:par>
-                                <p:cTn id="23" presetID="1" presetClass="entr" presetSubtype="0" fill="hold" grpId="0" nodeType="clickEffect">
+                                <p:cTn id="29" presetID="1" presetClass="entr" presetSubtype="0" fill="hold" grpId="0" nodeType="clickEffect">
                                   <p:stCondLst>
                                     <p:cond delay="0"/>
                                   </p:stCondLst>
                                   <p:childTnLst>
                                     <p:set>
                                       <p:cBhvr>
-                                        <p:cTn id="24" dur="1" fill="hold">
+                                        <p:cTn id="30" dur="1" fill="hold">
                                           <p:stCondLst>
                                             <p:cond delay="0"/>
                                           </p:stCondLst>

--- a/presentations/S5_SoI_Architecture_Group.pptx
+++ b/presentations/S5_SoI_Architecture_Group.pptx
@@ -5,7 +5,7 @@
     <p:sldMasterId id="2147483648" r:id="rId1"/>
   </p:sldMasterIdLst>
   <p:notesMasterIdLst>
-    <p:notesMasterId r:id="rId40"/>
+    <p:notesMasterId r:id="rId39"/>
   </p:notesMasterIdLst>
   <p:sldIdLst>
     <p:sldId id="256" r:id="rId2"/>
@@ -22,30 +22,29 @@
     <p:sldId id="294" r:id="rId13"/>
     <p:sldId id="324" r:id="rId14"/>
     <p:sldId id="334" r:id="rId15"/>
-    <p:sldId id="307" r:id="rId16"/>
-    <p:sldId id="322" r:id="rId17"/>
-    <p:sldId id="309" r:id="rId18"/>
-    <p:sldId id="312" r:id="rId19"/>
-    <p:sldId id="327" r:id="rId20"/>
-    <p:sldId id="328" r:id="rId21"/>
-    <p:sldId id="329" r:id="rId22"/>
-    <p:sldId id="330" r:id="rId23"/>
-    <p:sldId id="331" r:id="rId24"/>
-    <p:sldId id="315" r:id="rId25"/>
-    <p:sldId id="279" r:id="rId26"/>
-    <p:sldId id="289" r:id="rId27"/>
-    <p:sldId id="335" r:id="rId28"/>
-    <p:sldId id="326" r:id="rId29"/>
-    <p:sldId id="266" r:id="rId30"/>
-    <p:sldId id="268" r:id="rId31"/>
-    <p:sldId id="295" r:id="rId32"/>
-    <p:sldId id="305" r:id="rId33"/>
-    <p:sldId id="261" r:id="rId34"/>
-    <p:sldId id="262" r:id="rId35"/>
-    <p:sldId id="306" r:id="rId36"/>
-    <p:sldId id="313" r:id="rId37"/>
-    <p:sldId id="290" r:id="rId38"/>
-    <p:sldId id="269" r:id="rId39"/>
+    <p:sldId id="336" r:id="rId16"/>
+    <p:sldId id="337" r:id="rId17"/>
+    <p:sldId id="312" r:id="rId18"/>
+    <p:sldId id="327" r:id="rId19"/>
+    <p:sldId id="328" r:id="rId20"/>
+    <p:sldId id="329" r:id="rId21"/>
+    <p:sldId id="330" r:id="rId22"/>
+    <p:sldId id="331" r:id="rId23"/>
+    <p:sldId id="315" r:id="rId24"/>
+    <p:sldId id="279" r:id="rId25"/>
+    <p:sldId id="289" r:id="rId26"/>
+    <p:sldId id="335" r:id="rId27"/>
+    <p:sldId id="326" r:id="rId28"/>
+    <p:sldId id="266" r:id="rId29"/>
+    <p:sldId id="268" r:id="rId30"/>
+    <p:sldId id="295" r:id="rId31"/>
+    <p:sldId id="305" r:id="rId32"/>
+    <p:sldId id="261" r:id="rId33"/>
+    <p:sldId id="262" r:id="rId34"/>
+    <p:sldId id="306" r:id="rId35"/>
+    <p:sldId id="313" r:id="rId36"/>
+    <p:sldId id="290" r:id="rId37"/>
+    <p:sldId id="269" r:id="rId38"/>
   </p:sldIdLst>
   <p:sldSz cx="12192000" cy="6858000"/>
   <p:notesSz cx="6858000" cy="9144000"/>
@@ -660,7 +659,7 @@
     </p:spTree>
     <p:extLst>
       <p:ext uri="{BB962C8B-B14F-4D97-AF65-F5344CB8AC3E}">
-        <p14:creationId xmlns:p14="http://schemas.microsoft.com/office/powerpoint/2010/main" val="3727502794"/>
+        <p14:creationId xmlns:p14="http://schemas.microsoft.com/office/powerpoint/2010/main" val="382512660"/>
       </p:ext>
     </p:extLst>
   </p:cSld>
@@ -715,24 +714,48 @@
           <a:lstStyle/>
           <a:p>
             <a:r>
+              <a:rPr lang="en-US" baseline="0" dirty="0" smtClean="0"/>
+              <a:t>Grab Tony’s version(?)</a:t>
+            </a:r>
+          </a:p>
+          <a:p>
+            <a:endParaRPr lang="en-US" baseline="0" dirty="0" smtClean="0"/>
+          </a:p>
+          <a:p>
+            <a:r>
               <a:rPr lang="en-US" dirty="0" smtClean="0"/>
-              <a:t>* </a:t>
-            </a:r>
-            <a:r>
-              <a:rPr lang="en-US" dirty="0" err="1" smtClean="0"/>
-              <a:t>Redlog</a:t>
+              <a:t>Two parts:</a:t>
+            </a:r>
+          </a:p>
+          <a:p>
+            <a:pPr marL="228600" indent="-228600">
+              <a:buAutoNum type="arabicParenR"/>
+            </a:pPr>
+            <a:r>
+              <a:rPr lang="en-US" dirty="0" smtClean="0"/>
+              <a:t>Import C++ to Enterprise Architect (“reverse engineering button”)</a:t>
+            </a:r>
+          </a:p>
+          <a:p>
+            <a:pPr marL="228600" indent="-228600">
+              <a:buAutoNum type="arabicParenR"/>
+            </a:pPr>
+            <a:r>
+              <a:rPr lang="en-US" dirty="0" smtClean="0"/>
+              <a:t>Use API to extract ontology (interfaces and connections)</a:t>
+            </a:r>
+          </a:p>
+          <a:p>
+            <a:pPr marL="228600" indent="-228600">
+              <a:buAutoNum type="arabicParenR"/>
+            </a:pPr>
+            <a:r>
+              <a:rPr lang="en-US" dirty="0" smtClean="0"/>
+              <a:t>Implement</a:t>
             </a:r>
             <a:r>
               <a:rPr lang="en-US" baseline="0" dirty="0" smtClean="0"/>
-              <a:t> is the QE solver (substitute for </a:t>
-            </a:r>
-            <a:r>
-              <a:rPr lang="en-US" baseline="0" dirty="0" err="1" smtClean="0"/>
-              <a:t>Jkind</a:t>
-            </a:r>
-            <a:r>
-              <a:rPr lang="en-US" baseline="0" dirty="0" smtClean="0"/>
-              <a:t>).</a:t>
+              <a:t> XML parser for message types -&gt; output SADL for message type definition</a:t>
             </a:r>
             <a:endParaRPr lang="en-US" dirty="0"/>
           </a:p>
@@ -764,7 +787,7 @@
     </p:spTree>
     <p:extLst>
       <p:ext uri="{BB962C8B-B14F-4D97-AF65-F5344CB8AC3E}">
-        <p14:creationId xmlns:p14="http://schemas.microsoft.com/office/powerpoint/2010/main" val="272515312"/>
+        <p14:creationId xmlns:p14="http://schemas.microsoft.com/office/powerpoint/2010/main" val="4026316700"/>
       </p:ext>
     </p:extLst>
   </p:cSld>
@@ -819,48 +842,12 @@
           <a:lstStyle/>
           <a:p>
             <a:r>
+              <a:rPr lang="en-US" dirty="0" smtClean="0"/>
+              <a:t>*Subtypes</a:t>
+            </a:r>
+            <a:r>
               <a:rPr lang="en-US" baseline="0" dirty="0" smtClean="0"/>
-              <a:t>Grab Tony’s version(?)</a:t>
-            </a:r>
-          </a:p>
-          <a:p>
-            <a:endParaRPr lang="en-US" baseline="0" dirty="0" smtClean="0"/>
-          </a:p>
-          <a:p>
-            <a:r>
-              <a:rPr lang="en-US" dirty="0" smtClean="0"/>
-              <a:t>Two parts:</a:t>
-            </a:r>
-          </a:p>
-          <a:p>
-            <a:pPr marL="228600" indent="-228600">
-              <a:buAutoNum type="arabicParenR"/>
-            </a:pPr>
-            <a:r>
-              <a:rPr lang="en-US" dirty="0" smtClean="0"/>
-              <a:t>Import C++ to Enterprise Architect (“reverse engineering button”)</a:t>
-            </a:r>
-          </a:p>
-          <a:p>
-            <a:pPr marL="228600" indent="-228600">
-              <a:buAutoNum type="arabicParenR"/>
-            </a:pPr>
-            <a:r>
-              <a:rPr lang="en-US" dirty="0" smtClean="0"/>
-              <a:t>Use API to extract ontology (interfaces and connections)</a:t>
-            </a:r>
-          </a:p>
-          <a:p>
-            <a:pPr marL="228600" indent="-228600">
-              <a:buAutoNum type="arabicParenR"/>
-            </a:pPr>
-            <a:r>
-              <a:rPr lang="en-US" dirty="0" smtClean="0"/>
-              <a:t>Implement</a:t>
-            </a:r>
-            <a:r>
-              <a:rPr lang="en-US" baseline="0" dirty="0" smtClean="0"/>
-              <a:t> XML parser for message types -&gt; output SADL for message type definition</a:t>
+              <a:t> capture the inheritance hierarchy</a:t>
             </a:r>
             <a:endParaRPr lang="en-US" dirty="0"/>
           </a:p>
@@ -892,7 +879,7 @@
     </p:spTree>
     <p:extLst>
       <p:ext uri="{BB962C8B-B14F-4D97-AF65-F5344CB8AC3E}">
-        <p14:creationId xmlns:p14="http://schemas.microsoft.com/office/powerpoint/2010/main" val="4026316700"/>
+        <p14:creationId xmlns:p14="http://schemas.microsoft.com/office/powerpoint/2010/main" val="498787023"/>
       </p:ext>
     </p:extLst>
   </p:cSld>
@@ -946,14 +933,6 @@
           <a:bodyPr/>
           <a:lstStyle/>
           <a:p>
-            <a:r>
-              <a:rPr lang="en-US" dirty="0" smtClean="0"/>
-              <a:t>*Subtypes</a:t>
-            </a:r>
-            <a:r>
-              <a:rPr lang="en-US" baseline="0" dirty="0" smtClean="0"/>
-              <a:t> capture the inheritance hierarchy</a:t>
-            </a:r>
             <a:endParaRPr lang="en-US" dirty="0"/>
           </a:p>
         </p:txBody>
@@ -975,7 +954,7 @@
           <a:p>
             <a:fld id="{563BCB51-F13E-4501-921D-7D4EB39EDE9B}" type="slidenum">
               <a:rPr lang="en-US" smtClean="0"/>
-              <a:t>19</a:t>
+              <a:t>23</a:t>
             </a:fld>
             <a:endParaRPr lang="en-US"/>
           </a:p>
@@ -984,7 +963,7 @@
     </p:spTree>
     <p:extLst>
       <p:ext uri="{BB962C8B-B14F-4D97-AF65-F5344CB8AC3E}">
-        <p14:creationId xmlns:p14="http://schemas.microsoft.com/office/powerpoint/2010/main" val="498787023"/>
+        <p14:creationId xmlns:p14="http://schemas.microsoft.com/office/powerpoint/2010/main" val="3983103230"/>
       </p:ext>
     </p:extLst>
   </p:cSld>
@@ -1038,6 +1017,16 @@
           <a:bodyPr/>
           <a:lstStyle/>
           <a:p>
+            <a:r>
+              <a:rPr lang="en-US" dirty="0" smtClean="0"/>
+              <a:t>*Victory slide*</a:t>
+            </a:r>
+          </a:p>
+          <a:p>
+            <a:r>
+              <a:rPr lang="en-US" dirty="0" smtClean="0"/>
+              <a:t>Note that this came from Derek</a:t>
+            </a:r>
             <a:endParaRPr lang="en-US" dirty="0"/>
           </a:p>
         </p:txBody>
@@ -1068,7 +1057,7 @@
     </p:spTree>
     <p:extLst>
       <p:ext uri="{BB962C8B-B14F-4D97-AF65-F5344CB8AC3E}">
-        <p14:creationId xmlns:p14="http://schemas.microsoft.com/office/powerpoint/2010/main" val="3983103230"/>
+        <p14:creationId xmlns:p14="http://schemas.microsoft.com/office/powerpoint/2010/main" val="3828001794"/>
       </p:ext>
     </p:extLst>
   </p:cSld>
@@ -1122,16 +1111,6 @@
           <a:bodyPr/>
           <a:lstStyle/>
           <a:p>
-            <a:r>
-              <a:rPr lang="en-US" dirty="0" smtClean="0"/>
-              <a:t>*Victory slide*</a:t>
-            </a:r>
-          </a:p>
-          <a:p>
-            <a:r>
-              <a:rPr lang="en-US" dirty="0" smtClean="0"/>
-              <a:t>Note that this came from Derek</a:t>
-            </a:r>
             <a:endParaRPr lang="en-US" dirty="0"/>
           </a:p>
         </p:txBody>
@@ -1153,7 +1132,7 @@
           <a:p>
             <a:fld id="{563BCB51-F13E-4501-921D-7D4EB39EDE9B}" type="slidenum">
               <a:rPr lang="en-US" smtClean="0"/>
-              <a:t>25</a:t>
+              <a:t>29</a:t>
             </a:fld>
             <a:endParaRPr lang="en-US"/>
           </a:p>
@@ -1162,7 +1141,7 @@
     </p:spTree>
     <p:extLst>
       <p:ext uri="{BB962C8B-B14F-4D97-AF65-F5344CB8AC3E}">
-        <p14:creationId xmlns:p14="http://schemas.microsoft.com/office/powerpoint/2010/main" val="3828001794"/>
+        <p14:creationId xmlns:p14="http://schemas.microsoft.com/office/powerpoint/2010/main" val="996447057"/>
       </p:ext>
     </p:extLst>
   </p:cSld>
@@ -1216,6 +1195,14 @@
           <a:bodyPr/>
           <a:lstStyle/>
           <a:p>
+            <a:r>
+              <a:rPr lang="en-US" dirty="0" smtClean="0"/>
+              <a:t>Each state has a sub state machine. Emulates failure in each</a:t>
+            </a:r>
+            <a:r>
+              <a:rPr lang="en-US" baseline="0" dirty="0" smtClean="0"/>
+              <a:t> state.</a:t>
+            </a:r>
             <a:endParaRPr lang="en-US" dirty="0"/>
           </a:p>
         </p:txBody>
@@ -1246,7 +1233,7 @@
     </p:spTree>
     <p:extLst>
       <p:ext uri="{BB962C8B-B14F-4D97-AF65-F5344CB8AC3E}">
-        <p14:creationId xmlns:p14="http://schemas.microsoft.com/office/powerpoint/2010/main" val="996447057"/>
+        <p14:creationId xmlns:p14="http://schemas.microsoft.com/office/powerpoint/2010/main" val="2667674851"/>
       </p:ext>
     </p:extLst>
   </p:cSld>
@@ -1300,14 +1287,6 @@
           <a:bodyPr/>
           <a:lstStyle/>
           <a:p>
-            <a:r>
-              <a:rPr lang="en-US" dirty="0" smtClean="0"/>
-              <a:t>Each state has a sub state machine. Emulates failure in each</a:t>
-            </a:r>
-            <a:r>
-              <a:rPr lang="en-US" baseline="0" dirty="0" smtClean="0"/>
-              <a:t> state.</a:t>
-            </a:r>
             <a:endParaRPr lang="en-US" dirty="0"/>
           </a:p>
         </p:txBody>
@@ -1338,7 +1317,7 @@
     </p:spTree>
     <p:extLst>
       <p:ext uri="{BB962C8B-B14F-4D97-AF65-F5344CB8AC3E}">
-        <p14:creationId xmlns:p14="http://schemas.microsoft.com/office/powerpoint/2010/main" val="2667674851"/>
+        <p14:creationId xmlns:p14="http://schemas.microsoft.com/office/powerpoint/2010/main" val="3964443442"/>
       </p:ext>
     </p:extLst>
   </p:cSld>
@@ -1392,6 +1371,54 @@
           <a:bodyPr/>
           <a:lstStyle/>
           <a:p>
+            <a:r>
+              <a:rPr lang="en-US" dirty="0" smtClean="0"/>
+              <a:t>Assurance arguments:</a:t>
+            </a:r>
+          </a:p>
+          <a:p>
+            <a:pPr lvl="1">
+              <a:lnSpc>
+                <a:spcPct val="100000"/>
+              </a:lnSpc>
+              <a:spcBef>
+                <a:spcPts val="200"/>
+              </a:spcBef>
+            </a:pPr>
+            <a:r>
+              <a:rPr lang="en-US" dirty="0" smtClean="0"/>
+              <a:t> Differences between the model and the real world</a:t>
+            </a:r>
+          </a:p>
+          <a:p>
+            <a:pPr lvl="1">
+              <a:lnSpc>
+                <a:spcPct val="100000"/>
+              </a:lnSpc>
+              <a:spcBef>
+                <a:spcPts val="200"/>
+              </a:spcBef>
+            </a:pPr>
+            <a:r>
+              <a:rPr lang="en-US" dirty="0" smtClean="0"/>
+              <a:t>Specification versus intent</a:t>
+            </a:r>
+          </a:p>
+          <a:p>
+            <a:pPr lvl="1">
+              <a:lnSpc>
+                <a:spcPct val="100000"/>
+              </a:lnSpc>
+              <a:spcBef>
+                <a:spcPts val="200"/>
+              </a:spcBef>
+            </a:pPr>
+            <a:r>
+              <a:rPr lang="en-US" dirty="0" smtClean="0"/>
+              <a:t>Enhancements to the formal analysis tools could simplify the argument</a:t>
+            </a:r>
+          </a:p>
+          <a:p>
             <a:endParaRPr lang="en-US" dirty="0"/>
           </a:p>
         </p:txBody>
@@ -1422,7 +1449,7 @@
     </p:spTree>
     <p:extLst>
       <p:ext uri="{BB962C8B-B14F-4D97-AF65-F5344CB8AC3E}">
-        <p14:creationId xmlns:p14="http://schemas.microsoft.com/office/powerpoint/2010/main" val="3964443442"/>
+        <p14:creationId xmlns:p14="http://schemas.microsoft.com/office/powerpoint/2010/main" val="1073842913"/>
       </p:ext>
     </p:extLst>
   </p:cSld>
@@ -1476,51 +1503,42 @@
           <a:bodyPr/>
           <a:lstStyle/>
           <a:p>
-            <a:r>
-              <a:rPr lang="en-US" dirty="0" smtClean="0"/>
-              <a:t>Assurance arguments:</a:t>
-            </a:r>
-          </a:p>
-          <a:p>
-            <a:pPr lvl="1">
+            <a:pPr marL="0" marR="0" lvl="0" indent="0" algn="l" defTabSz="914400" rtl="0" eaLnBrk="1" fontAlgn="auto" latinLnBrk="0" hangingPunct="1">
               <a:lnSpc>
                 <a:spcPct val="100000"/>
               </a:lnSpc>
               <a:spcBef>
-                <a:spcPts val="200"/>
+                <a:spcPts val="0"/>
               </a:spcBef>
+              <a:spcAft>
+                <a:spcPts val="0"/>
+              </a:spcAft>
+              <a:buClrTx/>
+              <a:buSzTx/>
+              <a:buFontTx/>
+              <a:buNone/>
+              <a:tabLst/>
+              <a:defRPr/>
             </a:pPr>
             <a:r>
               <a:rPr lang="en-US" dirty="0" smtClean="0"/>
-              <a:t> Differences between the model and the real world</a:t>
-            </a:r>
-          </a:p>
-          <a:p>
-            <a:pPr lvl="1">
-              <a:lnSpc>
-                <a:spcPct val="100000"/>
-              </a:lnSpc>
-              <a:spcBef>
-                <a:spcPts val="200"/>
-              </a:spcBef>
-            </a:pPr>
+              <a:t>Discuss:</a:t>
+            </a:r>
+            <a:r>
+              <a:rPr lang="en-US" baseline="0" dirty="0" smtClean="0"/>
+              <a:t> </a:t>
+            </a:r>
             <a:r>
               <a:rPr lang="en-US" dirty="0" smtClean="0"/>
-              <a:t>Specification versus intent</a:t>
-            </a:r>
-          </a:p>
-          <a:p>
-            <a:pPr lvl="1">
-              <a:lnSpc>
-                <a:spcPct val="100000"/>
-              </a:lnSpc>
-              <a:spcBef>
-                <a:spcPts val="200"/>
-              </a:spcBef>
-            </a:pPr>
+              <a:t>Model of Heterogeneous System (Distributed Mission-Task-Autopilot Management-</a:t>
+            </a:r>
+            <a:r>
+              <a:rPr lang="en-US" dirty="0" err="1" smtClean="0"/>
+              <a:t>Dubin</a:t>
+            </a:r>
             <a:r>
               <a:rPr lang="en-US" dirty="0" smtClean="0"/>
-              <a:t>Enhancements to the formal analysis tools could simplify the argument</a:t>
+              <a:t>)</a:t>
             </a:r>
           </a:p>
           <a:p>
@@ -1554,7 +1572,7 @@
     </p:spTree>
     <p:extLst>
       <p:ext uri="{BB962C8B-B14F-4D97-AF65-F5344CB8AC3E}">
-        <p14:creationId xmlns:p14="http://schemas.microsoft.com/office/powerpoint/2010/main" val="1073842913"/>
+        <p14:creationId xmlns:p14="http://schemas.microsoft.com/office/powerpoint/2010/main" val="1132558063"/>
       </p:ext>
     </p:extLst>
   </p:cSld>
@@ -1692,45 +1710,16 @@
           <a:bodyPr/>
           <a:lstStyle/>
           <a:p>
-            <a:pPr marL="0" marR="0" lvl="0" indent="0" algn="l" defTabSz="914400" rtl="0" eaLnBrk="1" fontAlgn="auto" latinLnBrk="0" hangingPunct="1">
-              <a:lnSpc>
-                <a:spcPct val="100000"/>
-              </a:lnSpc>
-              <a:spcBef>
-                <a:spcPts val="0"/>
-              </a:spcBef>
-              <a:spcAft>
-                <a:spcPts val="0"/>
-              </a:spcAft>
-              <a:buClrTx/>
-              <a:buSzTx/>
-              <a:buFontTx/>
-              <a:buNone/>
-              <a:tabLst/>
-              <a:defRPr/>
-            </a:pPr>
             <a:r>
               <a:rPr lang="en-US" dirty="0" smtClean="0"/>
-              <a:t>Discuss:</a:t>
-            </a:r>
-            <a:r>
-              <a:rPr lang="en-US" baseline="0" dirty="0" smtClean="0"/>
-              <a:t> </a:t>
-            </a:r>
+              <a:t>Maybe show a contract for a service</a:t>
+            </a:r>
+          </a:p>
+          <a:p>
             <a:r>
               <a:rPr lang="en-US" dirty="0" smtClean="0"/>
-              <a:t>Model of Heterogeneous System (Distributed Mission-Task-Autopilot Management-</a:t>
-            </a:r>
-            <a:r>
-              <a:rPr lang="en-US" dirty="0" err="1" smtClean="0"/>
-              <a:t>Dubin</a:t>
-            </a:r>
-            <a:r>
-              <a:rPr lang="en-US" dirty="0" smtClean="0"/>
-              <a:t>)</a:t>
-            </a:r>
-          </a:p>
-          <a:p>
+              <a:t>22 min at dry run</a:t>
+            </a:r>
             <a:endParaRPr lang="en-US" dirty="0"/>
           </a:p>
         </p:txBody>
@@ -1761,7 +1750,7 @@
     </p:spTree>
     <p:extLst>
       <p:ext uri="{BB962C8B-B14F-4D97-AF65-F5344CB8AC3E}">
-        <p14:creationId xmlns:p14="http://schemas.microsoft.com/office/powerpoint/2010/main" val="1132558063"/>
+        <p14:creationId xmlns:p14="http://schemas.microsoft.com/office/powerpoint/2010/main" val="273633511"/>
       </p:ext>
     </p:extLst>
   </p:cSld>
@@ -1817,13 +1806,11 @@
           <a:p>
             <a:r>
               <a:rPr lang="en-US" dirty="0" smtClean="0"/>
-              <a:t>Maybe show a contract for a service</a:t>
-            </a:r>
-          </a:p>
-          <a:p>
-            <a:r>
-              <a:rPr lang="en-US" dirty="0" smtClean="0"/>
-              <a:t>22 min at dry run</a:t>
+              <a:t>Improve legibility (maybe</a:t>
+            </a:r>
+            <a:r>
+              <a:rPr lang="en-US" baseline="0" dirty="0" smtClean="0"/>
+              <a:t> go back to two slides)</a:t>
             </a:r>
             <a:endParaRPr lang="en-US" dirty="0"/>
           </a:p>
@@ -1847,98 +1834,6 @@
             <a:fld id="{563BCB51-F13E-4501-921D-7D4EB39EDE9B}" type="slidenum">
               <a:rPr lang="en-US" smtClean="0"/>
               <a:t>35</a:t>
-            </a:fld>
-            <a:endParaRPr lang="en-US"/>
-          </a:p>
-        </p:txBody>
-      </p:sp>
-    </p:spTree>
-    <p:extLst>
-      <p:ext uri="{BB962C8B-B14F-4D97-AF65-F5344CB8AC3E}">
-        <p14:creationId xmlns:p14="http://schemas.microsoft.com/office/powerpoint/2010/main" val="273633511"/>
-      </p:ext>
-    </p:extLst>
-  </p:cSld>
-  <p:clrMapOvr>
-    <a:masterClrMapping/>
-  </p:clrMapOvr>
-</p:notes>
-</file>
-
-<file path=ppt/notesSlides/notesSlide22.xml><?xml version="1.0" encoding="utf-8"?>
-<p:notes xmlns:a="http://schemas.openxmlformats.org/drawingml/2006/main" xmlns:r="http://schemas.openxmlformats.org/officeDocument/2006/relationships" xmlns:p="http://schemas.openxmlformats.org/presentationml/2006/main">
-  <p:cSld>
-    <p:spTree>
-      <p:nvGrpSpPr>
-        <p:cNvPr id="1" name=""/>
-        <p:cNvGrpSpPr/>
-        <p:nvPr/>
-      </p:nvGrpSpPr>
-      <p:grpSpPr>
-        <a:xfrm>
-          <a:off x="0" y="0"/>
-          <a:ext cx="0" cy="0"/>
-          <a:chOff x="0" y="0"/>
-          <a:chExt cx="0" cy="0"/>
-        </a:xfrm>
-      </p:grpSpPr>
-      <p:sp>
-        <p:nvSpPr>
-          <p:cNvPr id="2" name="Slide Image Placeholder 1"/>
-          <p:cNvSpPr>
-            <a:spLocks noGrp="1" noRot="1" noChangeAspect="1"/>
-          </p:cNvSpPr>
-          <p:nvPr>
-            <p:ph type="sldImg"/>
-          </p:nvPr>
-        </p:nvSpPr>
-        <p:spPr/>
-      </p:sp>
-      <p:sp>
-        <p:nvSpPr>
-          <p:cNvPr id="3" name="Notes Placeholder 2"/>
-          <p:cNvSpPr>
-            <a:spLocks noGrp="1"/>
-          </p:cNvSpPr>
-          <p:nvPr>
-            <p:ph type="body" idx="1"/>
-          </p:nvPr>
-        </p:nvSpPr>
-        <p:spPr/>
-        <p:txBody>
-          <a:bodyPr/>
-          <a:lstStyle/>
-          <a:p>
-            <a:r>
-              <a:rPr lang="en-US" dirty="0" smtClean="0"/>
-              <a:t>Improve legibility (maybe</a:t>
-            </a:r>
-            <a:r>
-              <a:rPr lang="en-US" baseline="0" dirty="0" smtClean="0"/>
-              <a:t> go back to two slides)</a:t>
-            </a:r>
-            <a:endParaRPr lang="en-US" dirty="0"/>
-          </a:p>
-        </p:txBody>
-      </p:sp>
-      <p:sp>
-        <p:nvSpPr>
-          <p:cNvPr id="4" name="Slide Number Placeholder 3"/>
-          <p:cNvSpPr>
-            <a:spLocks noGrp="1"/>
-          </p:cNvSpPr>
-          <p:nvPr>
-            <p:ph type="sldNum" sz="quarter" idx="10"/>
-          </p:nvPr>
-        </p:nvSpPr>
-        <p:spPr/>
-        <p:txBody>
-          <a:bodyPr/>
-          <a:lstStyle/>
-          <a:p>
-            <a:fld id="{563BCB51-F13E-4501-921D-7D4EB39EDE9B}" type="slidenum">
-              <a:rPr lang="en-US" smtClean="0"/>
-              <a:t>36</a:t>
             </a:fld>
             <a:endParaRPr lang="en-US"/>
           </a:p>
@@ -2679,83 +2574,7 @@
           <a:bodyPr/>
           <a:lstStyle/>
           <a:p>
-            <a:pPr marL="171450" indent="-171450">
-              <a:buFont typeface="Arial" panose="020B0604020202020204" pitchFamily="34" charset="0"/>
-              <a:buChar char="•"/>
-            </a:pPr>
-            <a:r>
-              <a:rPr lang="en-US" dirty="0" smtClean="0"/>
-              <a:t>Maybe bridge here with system-level</a:t>
-            </a:r>
-            <a:r>
-              <a:rPr lang="en-US" baseline="0" dirty="0" smtClean="0"/>
-              <a:t> timing properties and their difficulty</a:t>
-            </a:r>
-          </a:p>
-          <a:p>
-            <a:pPr marL="171450" indent="-171450">
-              <a:buFont typeface="Arial" panose="020B0604020202020204" pitchFamily="34" charset="0"/>
-              <a:buChar char="•"/>
-            </a:pPr>
-            <a:endParaRPr lang="en-US" baseline="0" dirty="0" smtClean="0"/>
-          </a:p>
-          <a:p>
-            <a:pPr marL="171450" indent="-171450">
-              <a:buFont typeface="Arial" panose="020B0604020202020204" pitchFamily="34" charset="0"/>
-              <a:buChar char="•"/>
-            </a:pPr>
-            <a:r>
-              <a:rPr lang="en-US" baseline="0" dirty="0" smtClean="0"/>
-              <a:t>Formula is for non-time-dependent systems</a:t>
-            </a:r>
-          </a:p>
-          <a:p>
-            <a:pPr marL="171450" indent="-171450">
-              <a:buFont typeface="Arial" panose="020B0604020202020204" pitchFamily="34" charset="0"/>
-              <a:buChar char="•"/>
-            </a:pPr>
-            <a:endParaRPr lang="en-US" baseline="0" dirty="0" smtClean="0"/>
-          </a:p>
-          <a:p>
-            <a:pPr marL="171450" indent="-171450">
-              <a:buFont typeface="Arial" panose="020B0604020202020204" pitchFamily="34" charset="0"/>
-              <a:buChar char="•"/>
-            </a:pPr>
-            <a:r>
-              <a:rPr lang="en-US" baseline="0" dirty="0" smtClean="0"/>
-              <a:t>Can reuse strongest system property to prove other postulated properties. Can save analysis time.</a:t>
-            </a:r>
-          </a:p>
-          <a:p>
-            <a:pPr marL="171450" indent="-171450">
-              <a:buFont typeface="Arial" panose="020B0604020202020204" pitchFamily="34" charset="0"/>
-              <a:buChar char="•"/>
-            </a:pPr>
-            <a:endParaRPr lang="en-US" baseline="0" dirty="0" smtClean="0"/>
-          </a:p>
-          <a:p>
-            <a:pPr marL="171450" indent="-171450">
-              <a:buFont typeface="Arial" panose="020B0604020202020204" pitchFamily="34" charset="0"/>
-              <a:buChar char="•"/>
-            </a:pPr>
-            <a:r>
-              <a:rPr lang="en-US" baseline="0" dirty="0" smtClean="0"/>
-              <a:t>Can be reduced to QE problem</a:t>
-            </a:r>
-          </a:p>
-          <a:p>
-            <a:pPr marL="171450" indent="-171450">
-              <a:buFont typeface="Arial" panose="020B0604020202020204" pitchFamily="34" charset="0"/>
-              <a:buChar char="•"/>
-            </a:pPr>
-            <a:endParaRPr lang="en-US" baseline="0" dirty="0" smtClean="0"/>
-          </a:p>
-          <a:p>
-            <a:pPr marL="171450" indent="-171450">
-              <a:buFont typeface="Arial" panose="020B0604020202020204" pitchFamily="34" charset="0"/>
-              <a:buChar char="•"/>
-            </a:pPr>
-            <a:endParaRPr lang="en-US" dirty="0"/>
+            <a:endParaRPr lang="en-US"/>
           </a:p>
         </p:txBody>
       </p:sp>
@@ -2785,7 +2604,7 @@
     </p:spTree>
     <p:extLst>
       <p:ext uri="{BB962C8B-B14F-4D97-AF65-F5344CB8AC3E}">
-        <p14:creationId xmlns:p14="http://schemas.microsoft.com/office/powerpoint/2010/main" val="2583515437"/>
+        <p14:creationId xmlns:p14="http://schemas.microsoft.com/office/powerpoint/2010/main" val="1964175673"/>
       </p:ext>
     </p:extLst>
   </p:cSld>
@@ -7117,15 +6936,7 @@
             </a:br>
             <a:r>
               <a:rPr lang="en-US" dirty="0" smtClean="0"/>
-              <a:t>What </a:t>
-            </a:r>
-            <a:r>
-              <a:rPr lang="en-US" dirty="0" smtClean="0"/>
-              <a:t>Can </a:t>
-            </a:r>
-            <a:r>
-              <a:rPr lang="en-US" dirty="0" smtClean="0"/>
-              <a:t>We Prove?</a:t>
+              <a:t>What Can We Prove?</a:t>
             </a:r>
             <a:endParaRPr lang="en-US" dirty="0"/>
           </a:p>
@@ -8862,7 +8673,12 @@
             <p:ph type="title"/>
           </p:nvPr>
         </p:nvSpPr>
-        <p:spPr/>
+        <p:spPr>
+          <a:xfrm>
+            <a:off x="0" y="68559"/>
+            <a:ext cx="10663881" cy="1179474"/>
+          </a:xfrm>
+        </p:spPr>
         <p:txBody>
           <a:bodyPr>
             <a:noAutofit/>
@@ -8870,14 +8686,115 @@
           <a:lstStyle/>
           <a:p>
             <a:r>
-              <a:rPr lang="en-US" sz="2800" dirty="0"/>
-              <a:t>Quantifier Elimination based Property Composition and </a:t>
-            </a:r>
-            <a:r>
-              <a:rPr lang="en-US" sz="2800" dirty="0" smtClean="0"/>
-              <a:t>Verification</a:t>
-            </a:r>
-            <a:endParaRPr lang="en-US" sz="2800" dirty="0"/>
+              <a:rPr lang="en-US" sz="3200" dirty="0" smtClean="0"/>
+              <a:t>RELIQE (</a:t>
+            </a:r>
+            <a:r>
+              <a:rPr lang="en-US" sz="3200" u="sng" dirty="0" err="1" smtClean="0"/>
+              <a:t>RE</a:t>
+            </a:r>
+            <a:r>
+              <a:rPr lang="en-US" sz="3200" dirty="0" err="1" smtClean="0"/>
+              <a:t>duced</a:t>
+            </a:r>
+            <a:r>
+              <a:rPr lang="en-US" sz="3200" dirty="0" smtClean="0"/>
+              <a:t> </a:t>
+            </a:r>
+            <a:r>
+              <a:rPr lang="en-US" sz="3200" u="sng" dirty="0" smtClean="0"/>
+              <a:t>L</a:t>
+            </a:r>
+            <a:r>
+              <a:rPr lang="en-US" sz="3200" dirty="0" smtClean="0"/>
+              <a:t>ogic </a:t>
+            </a:r>
+            <a:r>
+              <a:rPr lang="en-US" sz="3200" u="sng" dirty="0" smtClean="0"/>
+              <a:t>I</a:t>
+            </a:r>
+            <a:r>
+              <a:rPr lang="en-US" sz="3200" dirty="0" smtClean="0"/>
+              <a:t>nference using </a:t>
+            </a:r>
+            <a:r>
+              <a:rPr lang="en-US" sz="3200" u="sng" dirty="0" smtClean="0"/>
+              <a:t>Q</a:t>
+            </a:r>
+            <a:r>
+              <a:rPr lang="en-US" sz="3200" dirty="0" smtClean="0"/>
+              <a:t>uantifier </a:t>
+            </a:r>
+            <a:r>
+              <a:rPr lang="en-US" sz="3200" u="sng" dirty="0" smtClean="0"/>
+              <a:t>E</a:t>
+            </a:r>
+            <a:r>
+              <a:rPr lang="en-US" sz="3200" dirty="0" smtClean="0"/>
+              <a:t>limination): </a:t>
+            </a:r>
+            <a:br>
+              <a:rPr lang="en-US" sz="3200" dirty="0" smtClean="0"/>
+            </a:br>
+            <a:r>
+              <a:rPr lang="en-US" sz="3200" dirty="0" smtClean="0"/>
+              <a:t>Framework for Compositional Reasoning </a:t>
+            </a:r>
+            <a:endParaRPr lang="en-US" sz="3200" dirty="0"/>
+          </a:p>
+        </p:txBody>
+      </p:sp>
+      <p:sp>
+        <p:nvSpPr>
+          <p:cNvPr id="4" name="Footer Placeholder 3"/>
+          <p:cNvSpPr>
+            <a:spLocks noGrp="1"/>
+          </p:cNvSpPr>
+          <p:nvPr>
+            <p:ph type="ftr" sz="quarter" idx="11"/>
+          </p:nvPr>
+        </p:nvSpPr>
+        <p:spPr/>
+        <p:txBody>
+          <a:bodyPr/>
+          <a:lstStyle/>
+          <a:p>
+            <a:r>
+              <a:rPr lang="en-US" dirty="0" smtClean="0"/>
+              <a:t>Architecture Group</a:t>
+            </a:r>
+            <a:endParaRPr lang="en-US" dirty="0"/>
+          </a:p>
+        </p:txBody>
+      </p:sp>
+      <p:sp>
+        <p:nvSpPr>
+          <p:cNvPr id="5" name="Slide Number Placeholder 4"/>
+          <p:cNvSpPr>
+            <a:spLocks noGrp="1"/>
+          </p:cNvSpPr>
+          <p:nvPr>
+            <p:ph type="sldNum" sz="quarter" idx="4294967295"/>
+          </p:nvPr>
+        </p:nvSpPr>
+        <p:spPr>
+          <a:xfrm>
+            <a:off x="8610599" y="6356350"/>
+            <a:ext cx="3264243" cy="365125"/>
+          </a:xfrm>
+          <a:prstGeom prst="rect">
+            <a:avLst/>
+          </a:prstGeom>
+        </p:spPr>
+        <p:txBody>
+          <a:bodyPr/>
+          <a:lstStyle/>
+          <a:p>
+            <a:fld id="{22900CBD-C7D3-47FA-BEF9-49DBBEB1A58F}" type="slidenum">
+              <a:rPr lang="en-US" smtClean="0"/>
+              <a:t>15</a:t>
+            </a:fld>
+            <a:endParaRPr lang="en-US"/>
           </a:p>
         </p:txBody>
       </p:sp>
@@ -8889,7 +8806,7 @@
         </p:nvSpPr>
         <p:spPr>
           <a:xfrm>
-            <a:off x="489857" y="2213562"/>
+            <a:off x="489857" y="1976059"/>
             <a:ext cx="10718800" cy="646331"/>
           </a:xfrm>
           <a:prstGeom prst="rect">
@@ -8909,7 +8826,21 @@
                 <a:latin typeface="Times New Roman" panose="02020603050405020304" pitchFamily="18" charset="0"/>
                 <a:cs typeface="Times New Roman" panose="02020603050405020304" pitchFamily="18" charset="0"/>
               </a:rPr>
-              <a:t>Strongest system property:</a:t>
+              <a:t>Strongest System </a:t>
+            </a:r>
+            <a:r>
+              <a:rPr lang="en-US" b="1" dirty="0">
+                <a:latin typeface="Times New Roman" panose="02020603050405020304" pitchFamily="18" charset="0"/>
+                <a:cs typeface="Times New Roman" panose="02020603050405020304" pitchFamily="18" charset="0"/>
+              </a:rPr>
+              <a:t>P</a:t>
+            </a:r>
+            <a:r>
+              <a:rPr lang="en-US" b="1" dirty="0" smtClean="0">
+                <a:latin typeface="Times New Roman" panose="02020603050405020304" pitchFamily="18" charset="0"/>
+                <a:cs typeface="Times New Roman" panose="02020603050405020304" pitchFamily="18" charset="0"/>
+              </a:rPr>
+              <a:t>roperty:</a:t>
             </a:r>
             <a:r>
               <a:rPr lang="en-US" dirty="0">
@@ -8944,7 +8875,21 @@
                 <a:latin typeface="Times New Roman" panose="02020603050405020304" pitchFamily="18" charset="0"/>
                 <a:cs typeface="Times New Roman" panose="02020603050405020304" pitchFamily="18" charset="0"/>
               </a:rPr>
-              <a:t>the given constraints of component properties and </a:t>
+              <a:t>the </a:t>
+            </a:r>
+            <a:r>
+              <a:rPr lang="en-US" dirty="0" smtClean="0">
+                <a:latin typeface="Times New Roman" panose="02020603050405020304" pitchFamily="18" charset="0"/>
+                <a:cs typeface="Times New Roman" panose="02020603050405020304" pitchFamily="18" charset="0"/>
+              </a:rPr>
+              <a:t>component </a:t>
+            </a:r>
+            <a:r>
+              <a:rPr lang="en-US" dirty="0">
+                <a:latin typeface="Times New Roman" panose="02020603050405020304" pitchFamily="18" charset="0"/>
+                <a:cs typeface="Times New Roman" panose="02020603050405020304" pitchFamily="18" charset="0"/>
+              </a:rPr>
+              <a:t>properties and </a:t>
             </a:r>
             <a:r>
               <a:rPr lang="en-US" dirty="0" smtClean="0">
@@ -8963,95 +8908,261 @@
           </a:p>
         </p:txBody>
       </p:sp>
-      <p:sp>
-        <p:nvSpPr>
-          <p:cNvPr id="8" name="TextBox 7"/>
-          <p:cNvSpPr txBox="1"/>
-          <p:nvPr/>
-        </p:nvSpPr>
-        <p:spPr>
-          <a:xfrm>
-            <a:off x="489857" y="1609834"/>
-            <a:ext cx="10718800" cy="646331"/>
-          </a:xfrm>
-          <a:prstGeom prst="rect">
-            <a:avLst/>
-          </a:prstGeom>
-          <a:noFill/>
-        </p:spPr>
-        <p:txBody>
-          <a:bodyPr wrap="square" rtlCol="0">
-            <a:spAutoFit/>
-          </a:bodyPr>
-          <a:lstStyle/>
-          <a:p>
-            <a:pPr algn="just"/>
-            <a:r>
-              <a:rPr lang="en-US" b="1" dirty="0" smtClean="0">
-                <a:latin typeface="Times New Roman" panose="02020603050405020304" pitchFamily="18" charset="0"/>
-                <a:cs typeface="Times New Roman" panose="02020603050405020304" pitchFamily="18" charset="0"/>
-              </a:rPr>
-              <a:t>Quantifier Elimination:</a:t>
-            </a:r>
-            <a:r>
-              <a:rPr lang="en-US" dirty="0">
-                <a:latin typeface="Times New Roman" panose="02020603050405020304" pitchFamily="18" charset="0"/>
-                <a:cs typeface="Times New Roman" panose="02020603050405020304" pitchFamily="18" charset="0"/>
-              </a:rPr>
-              <a:t> </a:t>
-            </a:r>
-            <a:r>
-              <a:rPr lang="en-US" dirty="0" smtClean="0">
-                <a:latin typeface="Times New Roman" panose="02020603050405020304" pitchFamily="18" charset="0"/>
-                <a:cs typeface="Times New Roman" panose="02020603050405020304" pitchFamily="18" charset="0"/>
-              </a:rPr>
-              <a:t>a powerful </a:t>
-            </a:r>
-            <a:r>
-              <a:rPr lang="en-US" dirty="0">
-                <a:latin typeface="Times New Roman" panose="02020603050405020304" pitchFamily="18" charset="0"/>
-                <a:cs typeface="Times New Roman" panose="02020603050405020304" pitchFamily="18" charset="0"/>
-              </a:rPr>
-              <a:t>technique </a:t>
-            </a:r>
-            <a:r>
-              <a:rPr lang="en-US" dirty="0" smtClean="0">
-                <a:latin typeface="Times New Roman" panose="02020603050405020304" pitchFamily="18" charset="0"/>
-                <a:cs typeface="Times New Roman" panose="02020603050405020304" pitchFamily="18" charset="0"/>
-              </a:rPr>
-              <a:t>for gaining </a:t>
-            </a:r>
-            <a:r>
-              <a:rPr lang="en-US" dirty="0">
-                <a:latin typeface="Times New Roman" panose="02020603050405020304" pitchFamily="18" charset="0"/>
-                <a:cs typeface="Times New Roman" panose="02020603050405020304" pitchFamily="18" charset="0"/>
-              </a:rPr>
-              <a:t>insight, through simplification, into problems involving</a:t>
-            </a:r>
-          </a:p>
-          <a:p>
-            <a:pPr algn="just"/>
-            <a:r>
-              <a:rPr lang="en-US" dirty="0">
-                <a:latin typeface="Times New Roman" panose="02020603050405020304" pitchFamily="18" charset="0"/>
-                <a:cs typeface="Times New Roman" panose="02020603050405020304" pitchFamily="18" charset="0"/>
-              </a:rPr>
-              <a:t>logic expressions in various </a:t>
-            </a:r>
-            <a:r>
-              <a:rPr lang="en-US" dirty="0" smtClean="0">
-                <a:latin typeface="Times New Roman" panose="02020603050405020304" pitchFamily="18" charset="0"/>
-                <a:cs typeface="Times New Roman" panose="02020603050405020304" pitchFamily="18" charset="0"/>
-              </a:rPr>
-              <a:t>theories.</a:t>
-            </a:r>
-            <a:endParaRPr lang="en-US" dirty="0">
-              <a:latin typeface="Times New Roman" panose="02020603050405020304" pitchFamily="18" charset="0"/>
-              <a:cs typeface="Times New Roman" panose="02020603050405020304" pitchFamily="18" charset="0"/>
-            </a:endParaRPr>
-          </a:p>
-        </p:txBody>
-      </p:sp>
+      <mc:AlternateContent xmlns:mc="http://schemas.openxmlformats.org/markup-compatibility/2006" xmlns:a14="http://schemas.microsoft.com/office/drawing/2010/main">
+        <mc:Choice Requires="a14">
+          <p:sp>
+            <p:nvSpPr>
+              <p:cNvPr id="8" name="TextBox 7"/>
+              <p:cNvSpPr txBox="1"/>
+              <p:nvPr/>
+            </p:nvSpPr>
+            <p:spPr>
+              <a:xfrm>
+                <a:off x="489856" y="1609834"/>
+                <a:ext cx="11702143" cy="369332"/>
+              </a:xfrm>
+              <a:prstGeom prst="rect">
+                <a:avLst/>
+              </a:prstGeom>
+              <a:noFill/>
+            </p:spPr>
+            <p:txBody>
+              <a:bodyPr wrap="square" rtlCol="0">
+                <a:spAutoFit/>
+              </a:bodyPr>
+              <a:lstStyle/>
+              <a:p>
+                <a:pPr lvl="0" algn="just"/>
+                <a:r>
+                  <a:rPr lang="en-US" b="1" dirty="0" smtClean="0">
+                    <a:latin typeface="Times New Roman" panose="02020603050405020304" pitchFamily="18" charset="0"/>
+                    <a:cs typeface="Times New Roman" panose="02020603050405020304" pitchFamily="18" charset="0"/>
+                  </a:rPr>
+                  <a:t>Quantifier Elimination:</a:t>
+                </a:r>
+                <a:r>
+                  <a:rPr lang="en-US" dirty="0">
+                    <a:latin typeface="Times New Roman" panose="02020603050405020304" pitchFamily="18" charset="0"/>
+                    <a:cs typeface="Times New Roman" panose="02020603050405020304" pitchFamily="18" charset="0"/>
+                  </a:rPr>
+                  <a:t> </a:t>
+                </a:r>
+                <a:r>
+                  <a:rPr lang="en-US" dirty="0">
+                    <a:solidFill>
+                      <a:prstClr val="black"/>
+                    </a:solidFill>
+                    <a:latin typeface="Times New Roman" panose="02020603050405020304" pitchFamily="18" charset="0"/>
+                    <a:cs typeface="Times New Roman" panose="02020603050405020304" pitchFamily="18" charset="0"/>
+                  </a:rPr>
+                  <a:t>Derive quantifier-free formula equivalent to a quantified formula, </a:t>
+                </a:r>
+                <a:r>
+                  <a:rPr lang="en-US" dirty="0" err="1">
+                    <a:solidFill>
+                      <a:prstClr val="black"/>
+                    </a:solidFill>
+                    <a:latin typeface="Times New Roman" panose="02020603050405020304" pitchFamily="18" charset="0"/>
+                    <a:cs typeface="Times New Roman" panose="02020603050405020304" pitchFamily="18" charset="0"/>
+                  </a:rPr>
+                  <a:t>eg</a:t>
+                </a:r>
+                <a:r>
+                  <a:rPr lang="en-US" dirty="0">
+                    <a:solidFill>
+                      <a:prstClr val="black"/>
+                    </a:solidFill>
+                    <a:latin typeface="Times New Roman" panose="02020603050405020304" pitchFamily="18" charset="0"/>
+                    <a:cs typeface="Times New Roman" panose="02020603050405020304" pitchFamily="18" charset="0"/>
+                  </a:rPr>
+                  <a:t>, </a:t>
+                </a:r>
+                <a14:m>
+                  <m:oMath xmlns:m="http://schemas.openxmlformats.org/officeDocument/2006/math">
+                    <m:r>
+                      <a:rPr lang="en-US" i="1">
+                        <a:solidFill>
+                          <a:prstClr val="black"/>
+                        </a:solidFill>
+                        <a:latin typeface="Cambria Math" panose="02040503050406030204" pitchFamily="18" charset="0"/>
+                        <a:cs typeface="Times New Roman" panose="02020603050405020304" pitchFamily="18" charset="0"/>
+                      </a:rPr>
+                      <m:t>∃</m:t>
+                    </m:r>
+                    <m:r>
+                      <a:rPr lang="en-US" i="1">
+                        <a:solidFill>
+                          <a:prstClr val="black"/>
+                        </a:solidFill>
+                        <a:latin typeface="Cambria Math" panose="02040503050406030204" pitchFamily="18" charset="0"/>
+                        <a:cs typeface="Times New Roman" panose="02020603050405020304" pitchFamily="18" charset="0"/>
+                      </a:rPr>
+                      <m:t>𝑥</m:t>
+                    </m:r>
+                    <m:r>
+                      <a:rPr lang="en-US" i="1">
+                        <a:solidFill>
+                          <a:prstClr val="black"/>
+                        </a:solidFill>
+                        <a:latin typeface="Cambria Math" panose="02040503050406030204" pitchFamily="18" charset="0"/>
+                        <a:cs typeface="Times New Roman" panose="02020603050405020304" pitchFamily="18" charset="0"/>
+                      </a:rPr>
+                      <m:t>:</m:t>
+                    </m:r>
+                    <m:d>
+                      <m:dPr>
+                        <m:ctrlPr>
+                          <a:rPr lang="en-US" i="1">
+                            <a:solidFill>
+                              <a:prstClr val="black"/>
+                            </a:solidFill>
+                            <a:latin typeface="Cambria Math" panose="02040503050406030204" pitchFamily="18" charset="0"/>
+                            <a:cs typeface="Times New Roman" panose="02020603050405020304" pitchFamily="18" charset="0"/>
+                          </a:rPr>
+                        </m:ctrlPr>
+                      </m:dPr>
+                      <m:e>
+                        <m:r>
+                          <a:rPr lang="en-US" i="1">
+                            <a:solidFill>
+                              <a:prstClr val="black"/>
+                            </a:solidFill>
+                            <a:latin typeface="Cambria Math" panose="02040503050406030204" pitchFamily="18" charset="0"/>
+                            <a:cs typeface="Times New Roman" panose="02020603050405020304" pitchFamily="18" charset="0"/>
+                          </a:rPr>
+                          <m:t>𝑦</m:t>
+                        </m:r>
+                        <m:r>
+                          <a:rPr lang="en-US" i="1">
+                            <a:solidFill>
+                              <a:prstClr val="black"/>
+                            </a:solidFill>
+                            <a:latin typeface="Cambria Math" panose="02040503050406030204" pitchFamily="18" charset="0"/>
+                            <a:cs typeface="Times New Roman" panose="02020603050405020304" pitchFamily="18" charset="0"/>
+                          </a:rPr>
+                          <m:t>≥</m:t>
+                        </m:r>
+                        <m:sSup>
+                          <m:sSupPr>
+                            <m:ctrlPr>
+                              <a:rPr lang="en-US" i="1">
+                                <a:solidFill>
+                                  <a:prstClr val="black"/>
+                                </a:solidFill>
+                                <a:latin typeface="Cambria Math" panose="02040503050406030204" pitchFamily="18" charset="0"/>
+                                <a:cs typeface="Times New Roman" panose="02020603050405020304" pitchFamily="18" charset="0"/>
+                              </a:rPr>
+                            </m:ctrlPr>
+                          </m:sSupPr>
+                          <m:e>
+                            <m:r>
+                              <a:rPr lang="en-US" i="1">
+                                <a:solidFill>
+                                  <a:prstClr val="black"/>
+                                </a:solidFill>
+                                <a:latin typeface="Cambria Math" panose="02040503050406030204" pitchFamily="18" charset="0"/>
+                                <a:cs typeface="Times New Roman" panose="02020603050405020304" pitchFamily="18" charset="0"/>
+                              </a:rPr>
+                              <m:t>𝑥</m:t>
+                            </m:r>
+                          </m:e>
+                          <m:sup>
+                            <m:r>
+                              <a:rPr lang="en-US" i="1">
+                                <a:solidFill>
+                                  <a:prstClr val="black"/>
+                                </a:solidFill>
+                                <a:latin typeface="Cambria Math" panose="02040503050406030204" pitchFamily="18" charset="0"/>
+                                <a:cs typeface="Times New Roman" panose="02020603050405020304" pitchFamily="18" charset="0"/>
+                              </a:rPr>
+                              <m:t>2</m:t>
+                            </m:r>
+                          </m:sup>
+                        </m:sSup>
+                      </m:e>
+                    </m:d>
+                    <m:r>
+                      <a:rPr lang="en-US" i="1">
+                        <a:solidFill>
+                          <a:prstClr val="black"/>
+                        </a:solidFill>
+                        <a:latin typeface="Cambria Math" panose="02040503050406030204" pitchFamily="18" charset="0"/>
+                        <a:cs typeface="Times New Roman" panose="02020603050405020304" pitchFamily="18" charset="0"/>
+                      </a:rPr>
+                      <m:t>≡(</m:t>
+                    </m:r>
+                    <m:r>
+                      <a:rPr lang="en-US" i="1">
+                        <a:solidFill>
+                          <a:prstClr val="black"/>
+                        </a:solidFill>
+                        <a:latin typeface="Cambria Math" panose="02040503050406030204" pitchFamily="18" charset="0"/>
+                        <a:cs typeface="Times New Roman" panose="02020603050405020304" pitchFamily="18" charset="0"/>
+                      </a:rPr>
+                      <m:t>𝑦</m:t>
+                    </m:r>
+                    <m:r>
+                      <a:rPr lang="en-US" i="1">
+                        <a:solidFill>
+                          <a:prstClr val="black"/>
+                        </a:solidFill>
+                        <a:latin typeface="Cambria Math" panose="02040503050406030204" pitchFamily="18" charset="0"/>
+                        <a:cs typeface="Times New Roman" panose="02020603050405020304" pitchFamily="18" charset="0"/>
+                      </a:rPr>
+                      <m:t>≥0)</m:t>
+                    </m:r>
+                  </m:oMath>
+                </a14:m>
+                <a:endParaRPr lang="en-US" dirty="0">
+                  <a:solidFill>
+                    <a:prstClr val="black"/>
+                  </a:solidFill>
+                  <a:latin typeface="Times New Roman" panose="02020603050405020304" pitchFamily="18" charset="0"/>
+                  <a:cs typeface="Times New Roman" panose="02020603050405020304" pitchFamily="18" charset="0"/>
+                </a:endParaRPr>
+              </a:p>
+            </p:txBody>
+          </p:sp>
+        </mc:Choice>
+        <mc:Fallback xmlns="">
+          <p:sp>
+            <p:nvSpPr>
+              <p:cNvPr id="8" name="TextBox 7"/>
+              <p:cNvSpPr txBox="1">
+                <a:spLocks noRot="1" noChangeAspect="1" noMove="1" noResize="1" noEditPoints="1" noAdjustHandles="1" noChangeArrowheads="1" noChangeShapeType="1" noTextEdit="1"/>
+              </p:cNvSpPr>
+              <p:nvPr/>
+            </p:nvSpPr>
+            <p:spPr>
+              <a:xfrm>
+                <a:off x="489856" y="1609834"/>
+                <a:ext cx="11702143" cy="369332"/>
+              </a:xfrm>
+              <a:prstGeom prst="rect">
+                <a:avLst/>
+              </a:prstGeom>
+              <a:blipFill>
+                <a:blip r:embed="rId3"/>
+                <a:stretch>
+                  <a:fillRect l="-417" t="-8197" b="-24590"/>
+                </a:stretch>
+              </a:blipFill>
+            </p:spPr>
+            <p:txBody>
+              <a:bodyPr/>
+              <a:lstStyle/>
+              <a:p>
+                <a:r>
+                  <a:rPr lang="en-US">
+                    <a:noFill/>
+                  </a:rPr>
+                  <a:t> </a:t>
+                </a:r>
+              </a:p>
+            </p:txBody>
+          </p:sp>
+        </mc:Fallback>
+      </mc:AlternateContent>
       <mc:AlternateContent xmlns:mc="http://schemas.openxmlformats.org/markup-compatibility/2006" xmlns:a14="http://schemas.microsoft.com/office/drawing/2010/main">
         <mc:Choice Requires="a14">
           <p:sp>
@@ -9062,8 +9173,8 @@
             </p:nvSpPr>
             <p:spPr>
               <a:xfrm>
-                <a:off x="2243181" y="5260564"/>
-                <a:ext cx="7212152" cy="984116"/>
+                <a:off x="344384" y="3932298"/>
+                <a:ext cx="11661569" cy="1784271"/>
               </a:xfrm>
               <a:prstGeom prst="rect">
                 <a:avLst/>
@@ -9097,7 +9208,7 @@
                         </m:sSubPr>
                         <m:e>
                           <m:r>
-                            <a:rPr lang="en-US" dirty="0">
+                            <a:rPr lang="en-US" i="1" dirty="0">
                               <a:solidFill>
                                 <a:schemeClr val="tx1"/>
                               </a:solidFill>
@@ -9108,10 +9219,7 @@
                             <m:t> </m:t>
                           </m:r>
                           <m:r>
-                            <m:rPr>
-                              <m:sty m:val="p"/>
-                            </m:rPr>
-                            <a:rPr lang="en-US" dirty="0">
+                            <a:rPr lang="en-US" i="1" dirty="0">
                               <a:solidFill>
                                 <a:schemeClr val="tx1"/>
                               </a:solidFill>
@@ -9119,15 +9227,12 @@
                               <a:latin typeface="Cambria Math" panose="02040503050406030204" pitchFamily="18" charset="0"/>
                               <a:cs typeface="Times New Roman" charset="0"/>
                             </a:rPr>
-                            <m:t>P</m:t>
+                            <m:t>𝑃</m:t>
                           </m:r>
                         </m:e>
                         <m:sub>
                           <m:r>
-                            <m:rPr>
-                              <m:sty m:val="p"/>
-                            </m:rPr>
-                            <a:rPr lang="en-US" i="0" dirty="0">
+                            <a:rPr lang="en-US" i="1" dirty="0">
                               <a:solidFill>
                                 <a:schemeClr val="tx1"/>
                               </a:solidFill>
@@ -9135,7 +9240,18 @@
                               <a:latin typeface="Cambria Math" panose="02040503050406030204" pitchFamily="18" charset="0"/>
                               <a:cs typeface="Times New Roman" charset="0"/>
                             </a:rPr>
-                            <m:t>strongest</m:t>
+                            <m:t>𝑠</m:t>
+                          </m:r>
+                          <m:r>
+                            <a:rPr lang="en-US" b="0" i="1" dirty="0" smtClean="0">
+                              <a:solidFill>
+                                <a:schemeClr val="tx1"/>
+                              </a:solidFill>
+                              <a:effectLst/>
+                              <a:latin typeface="Cambria Math" panose="02040503050406030204" pitchFamily="18" charset="0"/>
+                              <a:cs typeface="Times New Roman" charset="0"/>
+                            </a:rPr>
+                            <m:t>𝑦𝑠</m:t>
                           </m:r>
                         </m:sub>
                       </m:sSub>
@@ -9155,7 +9271,7 @@
                           <m:ctrlPr>
                             <a:rPr lang="en-US" b="0" i="1" dirty="0" smtClean="0">
                               <a:solidFill>
-                                <a:schemeClr val="tx1"/>
+                                <a:srgbClr val="FF0000"/>
                               </a:solidFill>
                               <a:effectLst/>
                               <a:latin typeface="Cambria Math" panose="02040503050406030204" pitchFamily="18" charset="0"/>
@@ -9167,7 +9283,7 @@
                           <m:r>
                             <a:rPr lang="en-US" b="0" i="1" dirty="0" smtClean="0">
                               <a:solidFill>
-                                <a:schemeClr val="tx1"/>
+                                <a:srgbClr val="FF0000"/>
                               </a:solidFill>
                               <a:effectLst/>
                               <a:latin typeface="Cambria Math" panose="02040503050406030204" pitchFamily="18" charset="0"/>
@@ -9180,7 +9296,7 @@
                           <m:r>
                             <a:rPr lang="en-US" b="0" i="1" dirty="0" smtClean="0">
                               <a:solidFill>
-                                <a:schemeClr val="tx1"/>
+                                <a:srgbClr val="FF0000"/>
                               </a:solidFill>
                               <a:effectLst/>
                               <a:latin typeface="Cambria Math" panose="02040503050406030204" pitchFamily="18" charset="0"/>
@@ -9206,7 +9322,7 @@
                           <m:ctrlPr>
                             <a:rPr lang="en-US" b="0" i="1" dirty="0" smtClean="0">
                               <a:solidFill>
-                                <a:schemeClr val="tx1"/>
+                                <a:srgbClr val="FF0000"/>
                               </a:solidFill>
                               <a:effectLst/>
                               <a:latin typeface="Cambria Math" panose="02040503050406030204" pitchFamily="18" charset="0"/>
@@ -9218,7 +9334,7 @@
                           <m:r>
                             <a:rPr lang="en-US" b="0" i="1" dirty="0" smtClean="0">
                               <a:solidFill>
-                                <a:schemeClr val="tx1"/>
+                                <a:srgbClr val="FF0000"/>
                               </a:solidFill>
                               <a:effectLst/>
                               <a:latin typeface="Cambria Math" panose="02040503050406030204" pitchFamily="18" charset="0"/>
@@ -9231,7 +9347,7 @@
                           <m:r>
                             <a:rPr lang="en-US" b="0" i="1" dirty="0" smtClean="0">
                               <a:solidFill>
-                                <a:schemeClr val="tx1"/>
+                                <a:srgbClr val="FF0000"/>
                               </a:solidFill>
                               <a:effectLst/>
                               <a:latin typeface="Cambria Math" panose="02040503050406030204" pitchFamily="18" charset="0"/>
@@ -9532,24 +9648,67 @@
                     </m:oMath>
                   </m:oMathPara>
                 </a14:m>
+                <a:endParaRPr lang="en-US" dirty="0" smtClean="0">
+                  <a:solidFill>
+                    <a:schemeClr val="tx1"/>
+                  </a:solidFill>
+                  <a:effectLst/>
+                </a:endParaRPr>
+              </a:p>
+              <a:p>
+                <a:pPr lvl="1"/>
+                <a:r>
+                  <a:rPr lang="en-US" dirty="0" smtClean="0"/>
+                  <a:t>(Conjunct </a:t>
+                </a:r>
+                <a:r>
+                  <a:rPr lang="en-US" dirty="0"/>
+                  <a:t>component contracts and connectivity constraints; eliminate variables </a:t>
+                </a:r>
+                <a:r>
+                  <a:rPr lang="en-US" dirty="0">
+                    <a:solidFill>
+                      <a:srgbClr val="FF0000"/>
+                    </a:solidFill>
+                  </a:rPr>
+                  <a:t>internal</a:t>
+                </a:r>
+                <a:r>
+                  <a:rPr lang="en-US" dirty="0"/>
+                  <a:t> </a:t>
+                </a:r>
+                <a:r>
+                  <a:rPr lang="en-US" dirty="0">
+                    <a:solidFill>
+                      <a:srgbClr val="FF0000"/>
+                    </a:solidFill>
+                  </a:rPr>
+                  <a:t>to </a:t>
+                </a:r>
                 <a:r>
                   <a:rPr lang="en-US" dirty="0" smtClean="0">
                     <a:solidFill>
-                      <a:schemeClr val="tx1"/>
+                      <a:srgbClr val="FF0000"/>
                     </a:solidFill>
-                    <a:effectLst/>
                   </a:rPr>
+                  <a:t>system</a:t>
+                </a:r>
+                <a:r>
+                  <a:rPr lang="en-US" dirty="0" smtClean="0"/>
+                  <a:t>.)</a:t>
+                </a:r>
+                <a:r>
+                  <a:rPr lang="en-US" dirty="0"/>
                   <a:t/>
                 </a:r>
                 <a:br>
-                  <a:rPr lang="en-US" dirty="0" smtClean="0">
-                    <a:solidFill>
-                      <a:schemeClr val="tx1"/>
-                    </a:solidFill>
-                    <a:effectLst/>
-                  </a:rPr>
+                  <a:rPr lang="en-US" dirty="0"/>
                 </a:br>
-                <a:endParaRPr lang="en-US" sz="1600" dirty="0">
+                <a:endParaRPr lang="en-US" sz="1600" dirty="0"/>
+              </a:p>
+              <a:p>
+                <a:pPr lvl="1"/>
+                <a:endParaRPr lang="en-US" dirty="0" smtClean="0">
                   <a:solidFill>
                     <a:schemeClr val="tx1"/>
                   </a:solidFill>
@@ -9570,14 +9729,14 @@
             </p:nvSpPr>
             <p:spPr>
               <a:xfrm>
-                <a:off x="2243181" y="5260564"/>
-                <a:ext cx="7212152" cy="984116"/>
+                <a:off x="344384" y="3932298"/>
+                <a:ext cx="11661569" cy="1784271"/>
               </a:xfrm>
               <a:prstGeom prst="rect">
                 <a:avLst/>
               </a:prstGeom>
-              <a:blipFill rotWithShape="0">
-                <a:blip r:embed="rId3"/>
+              <a:blipFill>
+                <a:blip r:embed="rId4"/>
                 <a:stretch>
                   <a:fillRect/>
                 </a:stretch>
@@ -9608,7 +9767,7 @@
             </p:nvSpPr>
             <p:spPr>
               <a:xfrm>
-                <a:off x="4906859" y="2880503"/>
+                <a:off x="4906859" y="2405500"/>
                 <a:ext cx="5559727" cy="1221745"/>
               </a:xfrm>
               <a:prstGeom prst="rect">
@@ -9627,86 +9786,6 @@
                     <a:cs typeface="Times New Roman" panose="02020603050405020304" pitchFamily="18" charset="0"/>
                   </a:rPr>
                   <a:t>Component variables:     </a:t>
-                </a:r>
-                <a14:m>
-                  <m:oMath xmlns:m="http://schemas.openxmlformats.org/officeDocument/2006/math">
-                    <m:sSub>
-                      <m:sSubPr>
-                        <m:ctrlPr>
-                          <a:rPr lang="en-US" b="0" i="1" smtClean="0">
-                            <a:latin typeface="Cambria Math" panose="02040503050406030204" pitchFamily="18" charset="0"/>
-                          </a:rPr>
-                        </m:ctrlPr>
-                      </m:sSubPr>
-                      <m:e>
-                        <m:r>
-                          <a:rPr lang="en-US" b="0" i="1" smtClean="0">
-                            <a:latin typeface="Cambria Math" panose="02040503050406030204" pitchFamily="18" charset="0"/>
-                          </a:rPr>
-                          <m:t>𝑥</m:t>
-                        </m:r>
-                      </m:e>
-                      <m:sub>
-                        <m:r>
-                          <a:rPr lang="en-US" b="0" i="1" smtClean="0">
-                            <a:latin typeface="Cambria Math" panose="02040503050406030204" pitchFamily="18" charset="0"/>
-                          </a:rPr>
-                          <m:t>1</m:t>
-                        </m:r>
-                      </m:sub>
-                    </m:sSub>
-                    <m:r>
-                      <a:rPr lang="en-US" b="0" i="1" smtClean="0">
-                        <a:latin typeface="Cambria Math" panose="02040503050406030204" pitchFamily="18" charset="0"/>
-                      </a:rPr>
-                      <m:t>,…,</m:t>
-                    </m:r>
-                    <m:sSub>
-                      <m:sSubPr>
-                        <m:ctrlPr>
-                          <a:rPr lang="en-US" b="0" i="1" smtClean="0">
-                            <a:latin typeface="Cambria Math" panose="02040503050406030204" pitchFamily="18" charset="0"/>
-                          </a:rPr>
-                        </m:ctrlPr>
-                      </m:sSubPr>
-                      <m:e>
-                        <m:r>
-                          <a:rPr lang="en-US" b="0" i="1" smtClean="0">
-                            <a:latin typeface="Cambria Math" panose="02040503050406030204" pitchFamily="18" charset="0"/>
-                          </a:rPr>
-                          <m:t>𝑥</m:t>
-                        </m:r>
-                      </m:e>
-                      <m:sub>
-                        <m:r>
-                          <a:rPr lang="en-US" b="0" i="1" smtClean="0">
-                            <a:latin typeface="Cambria Math" panose="02040503050406030204" pitchFamily="18" charset="0"/>
-                          </a:rPr>
-                          <m:t>𝑚</m:t>
-                        </m:r>
-                      </m:sub>
-                    </m:sSub>
-                  </m:oMath>
-                </a14:m>
-                <a:r>
-                  <a:rPr lang="en-US" dirty="0" smtClean="0"/>
-                  <a:t/>
-                </a:r>
-                <a:br>
-                  <a:rPr lang="en-US" dirty="0" smtClean="0"/>
-                </a:br>
-                <a:r>
-                  <a:rPr lang="en-US" b="0" i="0" dirty="0" smtClean="0">
-                    <a:latin typeface="Times New Roman" panose="02020603050405020304" pitchFamily="18" charset="0"/>
-                    <a:cs typeface="Times New Roman" panose="02020603050405020304" pitchFamily="18" charset="0"/>
-                  </a:rPr>
-                  <a:t>System variables:</a:t>
-                </a:r>
-                <a:r>
-                  <a:rPr lang="en-US" b="0" i="0" dirty="0" smtClean="0">
-                    <a:latin typeface="+mj-lt"/>
-                  </a:rPr>
-                  <a:t>             </a:t>
                 </a:r>
                 <a14:m>
                   <m:oMath xmlns:m="http://schemas.openxmlformats.org/officeDocument/2006/math">
@@ -9740,24 +9819,12 @@
                             </a:solidFill>
                             <a:latin typeface="Cambria Math" panose="02040503050406030204" pitchFamily="18" charset="0"/>
                           </a:rPr>
-                          <m:t>𝑚</m:t>
-                        </m:r>
-                        <m:r>
-                          <a:rPr lang="en-US" b="0" i="1" smtClean="0">
-                            <a:solidFill>
-                              <a:srgbClr val="FF0000"/>
-                            </a:solidFill>
-                            <a:latin typeface="Cambria Math" panose="02040503050406030204" pitchFamily="18" charset="0"/>
-                          </a:rPr>
-                          <m:t>+1</m:t>
+                          <m:t>1</m:t>
                         </m:r>
                       </m:sub>
                     </m:sSub>
                     <m:r>
                       <a:rPr lang="en-US" b="0" i="1" smtClean="0">
-                        <a:solidFill>
-                          <a:srgbClr val="FF0000"/>
-                        </a:solidFill>
                         <a:latin typeface="Cambria Math" panose="02040503050406030204" pitchFamily="18" charset="0"/>
                       </a:rPr>
                       <m:t>,…,</m:t>
@@ -9789,6 +9856,184 @@
                           <a:rPr lang="en-US" b="0" i="1" smtClean="0">
                             <a:solidFill>
                               <a:srgbClr val="FF0000"/>
+                            </a:solidFill>
+                            <a:latin typeface="Cambria Math" panose="02040503050406030204" pitchFamily="18" charset="0"/>
+                          </a:rPr>
+                          <m:t>𝑚</m:t>
+                        </m:r>
+                      </m:sub>
+                    </m:sSub>
+                    <m:r>
+                      <a:rPr lang="en-US" b="0" i="1" smtClean="0">
+                        <a:latin typeface="Cambria Math" panose="02040503050406030204" pitchFamily="18" charset="0"/>
+                      </a:rPr>
+                      <m:t>, </m:t>
+                    </m:r>
+                    <m:sSub>
+                      <m:sSubPr>
+                        <m:ctrlPr>
+                          <a:rPr lang="en-US" b="0" i="1" smtClean="0">
+                            <a:latin typeface="Cambria Math" panose="02040503050406030204" pitchFamily="18" charset="0"/>
+                          </a:rPr>
+                        </m:ctrlPr>
+                      </m:sSubPr>
+                      <m:e>
+                        <m:r>
+                          <a:rPr lang="en-US" b="0" i="1" smtClean="0">
+                            <a:latin typeface="Cambria Math" panose="02040503050406030204" pitchFamily="18" charset="0"/>
+                          </a:rPr>
+                          <m:t>𝑥</m:t>
+                        </m:r>
+                      </m:e>
+                      <m:sub>
+                        <m:r>
+                          <a:rPr lang="en-US" b="0" i="1" smtClean="0">
+                            <a:latin typeface="Cambria Math" panose="02040503050406030204" pitchFamily="18" charset="0"/>
+                          </a:rPr>
+                          <m:t>𝑚</m:t>
+                        </m:r>
+                        <m:r>
+                          <a:rPr lang="en-US" b="0" i="1" smtClean="0">
+                            <a:latin typeface="Cambria Math" panose="02040503050406030204" pitchFamily="18" charset="0"/>
+                          </a:rPr>
+                          <m:t>+1</m:t>
+                        </m:r>
+                      </m:sub>
+                    </m:sSub>
+                    <m:r>
+                      <a:rPr lang="en-US" b="0" i="1" smtClean="0">
+                        <a:latin typeface="Cambria Math" panose="02040503050406030204" pitchFamily="18" charset="0"/>
+                      </a:rPr>
+                      <m:t>,…, </m:t>
+                    </m:r>
+                    <m:sSub>
+                      <m:sSubPr>
+                        <m:ctrlPr>
+                          <a:rPr lang="en-US" b="0" i="1" smtClean="0">
+                            <a:latin typeface="Cambria Math" panose="02040503050406030204" pitchFamily="18" charset="0"/>
+                          </a:rPr>
+                        </m:ctrlPr>
+                      </m:sSubPr>
+                      <m:e>
+                        <m:r>
+                          <a:rPr lang="en-US" b="0" i="1" smtClean="0">
+                            <a:latin typeface="Cambria Math" panose="02040503050406030204" pitchFamily="18" charset="0"/>
+                          </a:rPr>
+                          <m:t>𝑥</m:t>
+                        </m:r>
+                      </m:e>
+                      <m:sub>
+                        <m:r>
+                          <a:rPr lang="en-US" b="0" i="1" smtClean="0">
+                            <a:latin typeface="Cambria Math" panose="02040503050406030204" pitchFamily="18" charset="0"/>
+                          </a:rPr>
+                          <m:t>𝑛</m:t>
+                        </m:r>
+                      </m:sub>
+                    </m:sSub>
+                  </m:oMath>
+                </a14:m>
+                <a:r>
+                  <a:rPr lang="en-US" dirty="0" smtClean="0"/>
+                  <a:t/>
+                </a:r>
+                <a:br>
+                  <a:rPr lang="en-US" dirty="0" smtClean="0"/>
+                </a:br>
+                <a:r>
+                  <a:rPr lang="en-US" b="0" i="0" dirty="0" smtClean="0">
+                    <a:latin typeface="Times New Roman" panose="02020603050405020304" pitchFamily="18" charset="0"/>
+                    <a:cs typeface="Times New Roman" panose="02020603050405020304" pitchFamily="18" charset="0"/>
+                  </a:rPr>
+                  <a:t>System variables:</a:t>
+                </a:r>
+                <a:r>
+                  <a:rPr lang="en-US" b="0" i="0" dirty="0" smtClean="0">
+                    <a:latin typeface="+mj-lt"/>
+                  </a:rPr>
+                  <a:t>             </a:t>
+                </a:r>
+                <a14:m>
+                  <m:oMath xmlns:m="http://schemas.openxmlformats.org/officeDocument/2006/math">
+                    <m:sSub>
+                      <m:sSubPr>
+                        <m:ctrlPr>
+                          <a:rPr lang="en-US" b="0" i="1" smtClean="0">
+                            <a:solidFill>
+                              <a:schemeClr val="tx1"/>
+                            </a:solidFill>
+                            <a:latin typeface="Cambria Math" panose="02040503050406030204" pitchFamily="18" charset="0"/>
+                          </a:rPr>
+                        </m:ctrlPr>
+                      </m:sSubPr>
+                      <m:e>
+                        <m:r>
+                          <a:rPr lang="en-US" b="0" i="1" smtClean="0">
+                            <a:solidFill>
+                              <a:schemeClr val="tx1"/>
+                            </a:solidFill>
+                            <a:latin typeface="Cambria Math" panose="02040503050406030204" pitchFamily="18" charset="0"/>
+                          </a:rPr>
+                          <m:t>𝑥</m:t>
+                        </m:r>
+                      </m:e>
+                      <m:sub>
+                        <m:r>
+                          <a:rPr lang="en-US" b="0" i="1" smtClean="0">
+                            <a:solidFill>
+                              <a:schemeClr val="tx1"/>
+                            </a:solidFill>
+                            <a:latin typeface="Cambria Math" panose="02040503050406030204" pitchFamily="18" charset="0"/>
+                          </a:rPr>
+                          <m:t>𝑚</m:t>
+                        </m:r>
+                        <m:r>
+                          <a:rPr lang="en-US" b="0" i="1" smtClean="0">
+                            <a:solidFill>
+                              <a:schemeClr val="tx1"/>
+                            </a:solidFill>
+                            <a:latin typeface="Cambria Math" panose="02040503050406030204" pitchFamily="18" charset="0"/>
+                          </a:rPr>
+                          <m:t>+1</m:t>
+                        </m:r>
+                      </m:sub>
+                    </m:sSub>
+                    <m:r>
+                      <a:rPr lang="en-US" b="0" i="1" smtClean="0">
+                        <a:solidFill>
+                          <a:schemeClr val="tx1"/>
+                        </a:solidFill>
+                        <a:latin typeface="Cambria Math" panose="02040503050406030204" pitchFamily="18" charset="0"/>
+                      </a:rPr>
+                      <m:t>,…,</m:t>
+                    </m:r>
+                    <m:sSub>
+                      <m:sSubPr>
+                        <m:ctrlPr>
+                          <a:rPr lang="en-US" b="0" i="1" smtClean="0">
+                            <a:solidFill>
+                              <a:schemeClr val="tx1"/>
+                            </a:solidFill>
+                            <a:latin typeface="Cambria Math" panose="02040503050406030204" pitchFamily="18" charset="0"/>
+                          </a:rPr>
+                        </m:ctrlPr>
+                      </m:sSubPr>
+                      <m:e>
+                        <m:r>
+                          <a:rPr lang="en-US" b="0" i="1" smtClean="0">
+                            <a:solidFill>
+                              <a:schemeClr val="tx1"/>
+                            </a:solidFill>
+                            <a:latin typeface="Cambria Math" panose="02040503050406030204" pitchFamily="18" charset="0"/>
+                          </a:rPr>
+                          <m:t>𝑥</m:t>
+                        </m:r>
+                      </m:e>
+                      <m:sub>
+                        <m:r>
+                          <a:rPr lang="en-US" b="0" i="1" smtClean="0">
+                            <a:solidFill>
+                              <a:schemeClr val="tx1"/>
                             </a:solidFill>
                             <a:latin typeface="Cambria Math" panose="02040503050406030204" pitchFamily="18" charset="0"/>
                           </a:rPr>
@@ -10064,14 +10309,14 @@
             </p:nvSpPr>
             <p:spPr>
               <a:xfrm>
-                <a:off x="4906859" y="2880503"/>
+                <a:off x="4906859" y="2405500"/>
                 <a:ext cx="5559727" cy="1221745"/>
               </a:xfrm>
               <a:prstGeom prst="rect">
                 <a:avLst/>
               </a:prstGeom>
-              <a:blipFill rotWithShape="0">
-                <a:blip r:embed="rId4"/>
+              <a:blipFill>
+                <a:blip r:embed="rId5"/>
                 <a:stretch>
                   <a:fillRect l="-987" t="-3500" b="-5500"/>
                 </a:stretch>
@@ -10100,7 +10345,7 @@
         </p:nvSpPr>
         <p:spPr>
           <a:xfrm>
-            <a:off x="489857" y="4997553"/>
+            <a:off x="489857" y="3669287"/>
             <a:ext cx="10718800" cy="369332"/>
           </a:xfrm>
           <a:prstGeom prst="rect">
@@ -10156,14 +10401,199 @@
         <mc:Choice Requires="a14">
           <p:sp>
             <p:nvSpPr>
-              <p:cNvPr id="12" name="Rectangle 11"/>
+              <p:cNvPr id="14" name="Rectangle 13"/>
               <p:cNvSpPr/>
               <p:nvPr/>
             </p:nvSpPr>
             <p:spPr>
               <a:xfrm>
-                <a:off x="3248417" y="4522230"/>
-                <a:ext cx="5201680" cy="415242"/>
+                <a:off x="489856" y="2803949"/>
+                <a:ext cx="4560929" cy="369332"/>
+              </a:xfrm>
+              <a:prstGeom prst="rect">
+                <a:avLst/>
+              </a:prstGeom>
+            </p:spPr>
+            <p:txBody>
+              <a:bodyPr wrap="none">
+                <a:spAutoFit/>
+              </a:bodyPr>
+              <a:lstStyle/>
+              <a:p>
+                <a:r>
+                  <a:rPr lang="en-US" b="0" dirty="0" smtClean="0">
+                    <a:solidFill>
+                      <a:srgbClr val="FF0000"/>
+                    </a:solidFill>
+                  </a:rPr>
+                  <a:t>Notation: </a:t>
+                </a:r>
+                <a14:m>
+                  <m:oMath xmlns:m="http://schemas.openxmlformats.org/officeDocument/2006/math">
+                    <m:r>
+                      <a:rPr lang="en-US" b="0" i="1" smtClean="0">
+                        <a:solidFill>
+                          <a:schemeClr val="tx1"/>
+                        </a:solidFill>
+                        <a:latin typeface="Cambria Math" panose="02040503050406030204" pitchFamily="18" charset="0"/>
+                      </a:rPr>
+                      <m:t>𝑆𝑦𝑠</m:t>
+                    </m:r>
+                    <m:r>
+                      <a:rPr lang="en-US" b="0" i="1" smtClean="0">
+                        <a:latin typeface="Cambria Math" panose="02040503050406030204" pitchFamily="18" charset="0"/>
+                      </a:rPr>
+                      <m:t>≔</m:t>
+                    </m:r>
+                    <m:r>
+                      <a:rPr lang="en-US" b="0" i="1" smtClean="0">
+                        <a:latin typeface="Cambria Math" panose="02040503050406030204" pitchFamily="18" charset="0"/>
+                      </a:rPr>
+                      <m:t>𝐶𝑜𝑚𝑝</m:t>
+                    </m:r>
+                    <m:d>
+                      <m:dPr>
+                        <m:ctrlPr>
+                          <a:rPr lang="en-US" b="0" i="1" smtClean="0">
+                            <a:latin typeface="Cambria Math" panose="02040503050406030204" pitchFamily="18" charset="0"/>
+                          </a:rPr>
+                        </m:ctrlPr>
+                      </m:dPr>
+                      <m:e>
+                        <m:r>
+                          <a:rPr lang="en-US" b="0" i="1" smtClean="0">
+                            <a:latin typeface="Cambria Math" panose="02040503050406030204" pitchFamily="18" charset="0"/>
+                          </a:rPr>
+                          <m:t>𝐶𝑜𝑚</m:t>
+                        </m:r>
+                        <m:sSub>
+                          <m:sSubPr>
+                            <m:ctrlPr>
+                              <a:rPr lang="en-US" b="0" i="1" smtClean="0">
+                                <a:latin typeface="Cambria Math" panose="02040503050406030204" pitchFamily="18" charset="0"/>
+                              </a:rPr>
+                            </m:ctrlPr>
+                          </m:sSubPr>
+                          <m:e>
+                            <m:r>
+                              <a:rPr lang="en-US" b="0" i="1" smtClean="0">
+                                <a:latin typeface="Cambria Math" panose="02040503050406030204" pitchFamily="18" charset="0"/>
+                              </a:rPr>
+                              <m:t>𝑝</m:t>
+                            </m:r>
+                          </m:e>
+                          <m:sub>
+                            <m:r>
+                              <a:rPr lang="en-US" b="0" i="1" smtClean="0">
+                                <a:latin typeface="Cambria Math" panose="02040503050406030204" pitchFamily="18" charset="0"/>
+                              </a:rPr>
+                              <m:t>1</m:t>
+                            </m:r>
+                          </m:sub>
+                        </m:sSub>
+                        <m:r>
+                          <a:rPr lang="en-US" b="0" i="1" smtClean="0">
+                            <a:latin typeface="Cambria Math" panose="02040503050406030204" pitchFamily="18" charset="0"/>
+                          </a:rPr>
+                          <m:t>,…,</m:t>
+                        </m:r>
+                        <m:r>
+                          <a:rPr lang="en-US" b="0" i="1" smtClean="0">
+                            <a:latin typeface="Cambria Math" panose="02040503050406030204" pitchFamily="18" charset="0"/>
+                          </a:rPr>
+                          <m:t>𝐶𝑜𝑚</m:t>
+                        </m:r>
+                        <m:sSub>
+                          <m:sSubPr>
+                            <m:ctrlPr>
+                              <a:rPr lang="en-US" b="0" i="1" smtClean="0">
+                                <a:latin typeface="Cambria Math" panose="02040503050406030204" pitchFamily="18" charset="0"/>
+                              </a:rPr>
+                            </m:ctrlPr>
+                          </m:sSubPr>
+                          <m:e>
+                            <m:r>
+                              <a:rPr lang="en-US" b="0" i="1" smtClean="0">
+                                <a:latin typeface="Cambria Math" panose="02040503050406030204" pitchFamily="18" charset="0"/>
+                              </a:rPr>
+                              <m:t>𝑝</m:t>
+                            </m:r>
+                          </m:e>
+                          <m:sub>
+                            <m:r>
+                              <a:rPr lang="en-US" b="0" i="1" smtClean="0">
+                                <a:latin typeface="Cambria Math" panose="02040503050406030204" pitchFamily="18" charset="0"/>
+                              </a:rPr>
+                              <m:t>𝑁</m:t>
+                            </m:r>
+                          </m:sub>
+                        </m:sSub>
+                      </m:e>
+                    </m:d>
+                    <m:r>
+                      <a:rPr lang="en-US" b="0" i="1" smtClean="0">
+                        <a:latin typeface="Cambria Math" panose="02040503050406030204" pitchFamily="18" charset="0"/>
+                      </a:rPr>
+                      <m:t>;</m:t>
+                    </m:r>
+                  </m:oMath>
+                </a14:m>
+                <a:endParaRPr lang="en-US" dirty="0" smtClean="0"/>
+              </a:p>
+            </p:txBody>
+          </p:sp>
+        </mc:Choice>
+        <mc:Fallback xmlns="">
+          <p:sp>
+            <p:nvSpPr>
+              <p:cNvPr id="14" name="Rectangle 13"/>
+              <p:cNvSpPr>
+                <a:spLocks noRot="1" noChangeAspect="1" noMove="1" noResize="1" noEditPoints="1" noAdjustHandles="1" noChangeArrowheads="1" noChangeShapeType="1" noTextEdit="1"/>
+              </p:cNvSpPr>
+              <p:nvPr/>
+            </p:nvSpPr>
+            <p:spPr>
+              <a:xfrm>
+                <a:off x="489856" y="2803949"/>
+                <a:ext cx="4560929" cy="369332"/>
+              </a:xfrm>
+              <a:prstGeom prst="rect">
+                <a:avLst/>
+              </a:prstGeom>
+              <a:blipFill>
+                <a:blip r:embed="rId6"/>
+                <a:stretch>
+                  <a:fillRect l="-1068" t="-9836" b="-24590"/>
+                </a:stretch>
+              </a:blipFill>
+            </p:spPr>
+            <p:txBody>
+              <a:bodyPr/>
+              <a:lstStyle/>
+              <a:p>
+                <a:r>
+                  <a:rPr lang="en-US">
+                    <a:noFill/>
+                  </a:rPr>
+                  <a:t> </a:t>
+                </a:r>
+              </a:p>
+            </p:txBody>
+          </p:sp>
+        </mc:Fallback>
+      </mc:AlternateContent>
+      <mc:AlternateContent xmlns:mc="http://schemas.openxmlformats.org/markup-compatibility/2006" xmlns:a14="http://schemas.microsoft.com/office/drawing/2010/main">
+        <mc:Choice Requires="a14">
+          <p:sp>
+            <p:nvSpPr>
+              <p:cNvPr id="15" name="Rectangle 14"/>
+              <p:cNvSpPr/>
+              <p:nvPr/>
+            </p:nvSpPr>
+            <p:spPr>
+              <a:xfrm>
+                <a:off x="3248417" y="5756035"/>
+                <a:ext cx="4693529" cy="414601"/>
               </a:xfrm>
               <a:prstGeom prst="rect">
                 <a:avLst/>
@@ -10183,7 +10613,7 @@
                     </m:oMathParaPr>
                     <m:oMath xmlns:m="http://schemas.openxmlformats.org/officeDocument/2006/math">
                       <m:r>
-                        <a:rPr lang="en-US" i="1" kern="0" dirty="0">
+                        <a:rPr lang="en-US" i="1" kern="0" dirty="0" smtClean="0">
                           <a:latin typeface="Cambria Math" panose="02040503050406030204" pitchFamily="18" charset="0"/>
                           <a:cs typeface="Times New Roman" charset="0"/>
                         </a:rPr>
@@ -10287,26 +10717,27 @@
                             </m:sSubPr>
                             <m:e>
                               <m:r>
-                                <m:rPr>
-                                  <m:sty m:val="p"/>
-                                </m:rPr>
-                                <a:rPr lang="en-US" kern="0" dirty="0">
+                                <a:rPr lang="en-US" i="1" kern="0" dirty="0">
                                   <a:latin typeface="Cambria Math" panose="02040503050406030204" pitchFamily="18" charset="0"/>
                                   <a:cs typeface="Times New Roman" charset="0"/>
                                 </a:rPr>
-                                <m:t>P</m:t>
+                                <m:t>𝑃</m:t>
                               </m:r>
                             </m:e>
                             <m:sub>
                               <m:r>
-                                <m:rPr>
-                                  <m:sty m:val="p"/>
-                                </m:rPr>
-                                <a:rPr lang="en-US" kern="0" dirty="0">
+                                <a:rPr lang="en-US" i="1" kern="0" dirty="0">
                                   <a:latin typeface="Cambria Math" panose="02040503050406030204" pitchFamily="18" charset="0"/>
                                   <a:cs typeface="Times New Roman" charset="0"/>
                                 </a:rPr>
-                                <m:t>strongest</m:t>
+                                <m:t>𝑠</m:t>
+                              </m:r>
+                              <m:r>
+                                <a:rPr lang="en-US" b="0" i="1" kern="0" dirty="0" smtClean="0">
+                                  <a:latin typeface="Cambria Math" panose="02040503050406030204" pitchFamily="18" charset="0"/>
+                                  <a:cs typeface="Times New Roman" charset="0"/>
+                                </a:rPr>
+                                <m:t>𝑦𝑠</m:t>
                               </m:r>
                             </m:sub>
                           </m:sSub>
@@ -10331,37 +10762,31 @@
                             </m:sSubPr>
                             <m:e>
                               <m:r>
-                                <m:rPr>
-                                  <m:sty m:val="p"/>
-                                </m:rPr>
-                                <a:rPr lang="en-US" kern="0" dirty="0">
+                                <a:rPr lang="en-US" i="1" kern="0" dirty="0">
                                   <a:latin typeface="Cambria Math" panose="02040503050406030204" pitchFamily="18" charset="0"/>
                                   <a:cs typeface="Times New Roman" charset="0"/>
                                 </a:rPr>
-                                <m:t>P</m:t>
+                                <m:t>𝑃</m:t>
                               </m:r>
                             </m:e>
                             <m:sub>
                               <m:r>
-                                <m:rPr>
-                                  <m:sty m:val="p"/>
-                                </m:rPr>
-                                <a:rPr lang="en-US" kern="0" dirty="0">
+                                <a:rPr lang="en-US" i="1" kern="0" dirty="0">
                                   <a:latin typeface="Cambria Math" panose="02040503050406030204" pitchFamily="18" charset="0"/>
                                   <a:cs typeface="Times New Roman" charset="0"/>
                                 </a:rPr>
-                                <m:t>postulated</m:t>
+                                <m:t>𝑝𝑜𝑠𝑡𝑢𝑙𝑎𝑡𝑒𝑑</m:t>
                               </m:r>
                             </m:sub>
                           </m:sSub>
                         </m:e>
                       </m:d>
                       <m:r>
-                        <a:rPr lang="en-US" i="1" kern="0" dirty="0">
+                        <a:rPr lang="en-US" b="0" i="1" kern="0" dirty="0" smtClean="0">
                           <a:latin typeface="Cambria Math" panose="02040503050406030204" pitchFamily="18" charset="0"/>
                           <a:cs typeface="Times New Roman" charset="0"/>
                         </a:rPr>
-                        <m:t>=</m:t>
+                        <m:t>≡</m:t>
                       </m:r>
                       <m:r>
                         <a:rPr lang="en-US" i="1" kern="0" dirty="0">
@@ -10381,7 +10806,7 @@
         <mc:Fallback xmlns="">
           <p:sp>
             <p:nvSpPr>
-              <p:cNvPr id="12" name="Rectangle 11"/>
+              <p:cNvPr id="15" name="Rectangle 14"/>
               <p:cNvSpPr>
                 <a:spLocks noRot="1" noChangeAspect="1" noMove="1" noResize="1" noEditPoints="1" noAdjustHandles="1" noChangeArrowheads="1" noChangeShapeType="1" noTextEdit="1"/>
               </p:cNvSpPr>
@@ -10389,16 +10814,16 @@
             </p:nvSpPr>
             <p:spPr>
               <a:xfrm>
-                <a:off x="3248417" y="4522230"/>
-                <a:ext cx="5201680" cy="415242"/>
+                <a:off x="3248417" y="5756035"/>
+                <a:ext cx="4693529" cy="414601"/>
               </a:xfrm>
               <a:prstGeom prst="rect">
                 <a:avLst/>
               </a:prstGeom>
-              <a:blipFill rotWithShape="0">
-                <a:blip r:embed="rId5"/>
+              <a:blipFill>
+                <a:blip r:embed="rId7"/>
                 <a:stretch>
-                  <a:fillRect b="-8824"/>
+                  <a:fillRect b="-5882"/>
                 </a:stretch>
               </a:blipFill>
             </p:spPr>
@@ -10419,13 +10844,13 @@
       </mc:AlternateContent>
       <p:sp>
         <p:nvSpPr>
-          <p:cNvPr id="13" name="Rectangle 12"/>
+          <p:cNvPr id="16" name="Rectangle 15"/>
           <p:cNvSpPr/>
           <p:nvPr/>
         </p:nvSpPr>
         <p:spPr>
           <a:xfrm>
-            <a:off x="489857" y="4122858"/>
+            <a:off x="489857" y="5356663"/>
             <a:ext cx="10718800" cy="369332"/>
           </a:xfrm>
           <a:prstGeom prst="rect">
@@ -10443,361 +10868,185 @@
                 <a:latin typeface="Times New Roman" panose="02020603050405020304" pitchFamily="18" charset="0"/>
                 <a:cs typeface="Times New Roman" panose="02020603050405020304" pitchFamily="18" charset="0"/>
               </a:rPr>
-              <a:t>Prove postulated system property from the strongest system property:</a:t>
+              <a:t>Use Strongest </a:t>
+            </a:r>
+            <a:r>
+              <a:rPr lang="en-US" b="1" dirty="0">
+                <a:latin typeface="Times New Roman" panose="02020603050405020304" pitchFamily="18" charset="0"/>
+                <a:cs typeface="Times New Roman" panose="02020603050405020304" pitchFamily="18" charset="0"/>
+              </a:rPr>
+              <a:t>S</a:t>
+            </a:r>
+            <a:r>
+              <a:rPr lang="en-US" b="1" dirty="0" smtClean="0">
+                <a:latin typeface="Times New Roman" panose="02020603050405020304" pitchFamily="18" charset="0"/>
+                <a:cs typeface="Times New Roman" panose="02020603050405020304" pitchFamily="18" charset="0"/>
+              </a:rPr>
+              <a:t>ystem P</a:t>
+            </a:r>
+            <a:r>
+              <a:rPr lang="en-US" b="1" dirty="0">
+                <a:latin typeface="Times New Roman" panose="02020603050405020304" pitchFamily="18" charset="0"/>
+                <a:cs typeface="Times New Roman" panose="02020603050405020304" pitchFamily="18" charset="0"/>
+              </a:rPr>
+              <a:t>roperty </a:t>
+            </a:r>
+            <a:r>
+              <a:rPr lang="en-US" b="1" dirty="0" smtClean="0">
+                <a:latin typeface="Times New Roman" panose="02020603050405020304" pitchFamily="18" charset="0"/>
+                <a:cs typeface="Times New Roman" panose="02020603050405020304" pitchFamily="18" charset="0"/>
+              </a:rPr>
+              <a:t>to prove </a:t>
+            </a:r>
+            <a:r>
+              <a:rPr lang="en-US" b="1" dirty="0">
+                <a:latin typeface="Times New Roman" panose="02020603050405020304" pitchFamily="18" charset="0"/>
+                <a:cs typeface="Times New Roman" panose="02020603050405020304" pitchFamily="18" charset="0"/>
+              </a:rPr>
+              <a:t>postulated system </a:t>
+            </a:r>
+            <a:r>
+              <a:rPr lang="en-US" b="1" dirty="0" smtClean="0">
+                <a:latin typeface="Times New Roman" panose="02020603050405020304" pitchFamily="18" charset="0"/>
+                <a:cs typeface="Times New Roman" panose="02020603050405020304" pitchFamily="18" charset="0"/>
+              </a:rPr>
+              <a:t>property: </a:t>
             </a:r>
             <a:endParaRPr lang="en-US" dirty="0"/>
           </a:p>
         </p:txBody>
       </p:sp>
-      <mc:AlternateContent xmlns:mc="http://schemas.openxmlformats.org/markup-compatibility/2006" xmlns:a14="http://schemas.microsoft.com/office/drawing/2010/main">
-        <mc:Choice Requires="a14">
-          <p:sp>
-            <p:nvSpPr>
-              <p:cNvPr id="14" name="Rectangle 13"/>
-              <p:cNvSpPr/>
-              <p:nvPr/>
-            </p:nvSpPr>
-            <p:spPr>
-              <a:xfrm>
-                <a:off x="1547188" y="3306709"/>
-                <a:ext cx="3169329" cy="369332"/>
-              </a:xfrm>
-              <a:prstGeom prst="rect">
-                <a:avLst/>
-              </a:prstGeom>
-            </p:spPr>
-            <p:txBody>
-              <a:bodyPr wrap="none">
-                <a:spAutoFit/>
-              </a:bodyPr>
-              <a:lstStyle/>
-              <a:p>
-                <a:pPr/>
-                <a14:m>
-                  <m:oMathPara xmlns:m="http://schemas.openxmlformats.org/officeDocument/2006/math">
-                    <m:oMathParaPr>
-                      <m:jc m:val="centerGroup"/>
-                    </m:oMathParaPr>
-                    <m:oMath xmlns:m="http://schemas.openxmlformats.org/officeDocument/2006/math">
-                      <m:r>
-                        <a:rPr lang="en-US" b="0" i="1" smtClean="0">
-                          <a:solidFill>
-                            <a:srgbClr val="FF0000"/>
-                          </a:solidFill>
-                          <a:latin typeface="Cambria Math" panose="02040503050406030204" pitchFamily="18" charset="0"/>
-                        </a:rPr>
-                        <m:t>𝑆𝑦𝑠</m:t>
-                      </m:r>
-                      <m:r>
-                        <a:rPr lang="en-US" b="0" i="1" smtClean="0">
-                          <a:latin typeface="Cambria Math" panose="02040503050406030204" pitchFamily="18" charset="0"/>
-                        </a:rPr>
-                        <m:t>≔</m:t>
-                      </m:r>
-                      <m:r>
-                        <a:rPr lang="en-US" b="0" i="1" smtClean="0">
-                          <a:latin typeface="Cambria Math" panose="02040503050406030204" pitchFamily="18" charset="0"/>
-                        </a:rPr>
-                        <m:t>𝐶𝑜𝑚𝑝</m:t>
-                      </m:r>
-                      <m:r>
-                        <a:rPr lang="en-US" b="0" i="1" smtClean="0">
-                          <a:latin typeface="Cambria Math" panose="02040503050406030204" pitchFamily="18" charset="0"/>
-                        </a:rPr>
-                        <m:t>(</m:t>
-                      </m:r>
-                      <m:r>
-                        <a:rPr lang="en-US" b="0" i="1" smtClean="0">
-                          <a:latin typeface="Cambria Math" panose="02040503050406030204" pitchFamily="18" charset="0"/>
-                        </a:rPr>
-                        <m:t>𝑆𝑢</m:t>
-                      </m:r>
-                      <m:sSub>
-                        <m:sSubPr>
-                          <m:ctrlPr>
-                            <a:rPr lang="en-US" b="0" i="1" smtClean="0">
-                              <a:latin typeface="Cambria Math" panose="02040503050406030204" pitchFamily="18" charset="0"/>
-                            </a:rPr>
-                          </m:ctrlPr>
-                        </m:sSubPr>
-                        <m:e>
-                          <m:r>
-                            <a:rPr lang="en-US" b="0" i="1" smtClean="0">
-                              <a:latin typeface="Cambria Math" panose="02040503050406030204" pitchFamily="18" charset="0"/>
-                            </a:rPr>
-                            <m:t>𝑏</m:t>
-                          </m:r>
-                        </m:e>
-                        <m:sub>
-                          <m:r>
-                            <a:rPr lang="en-US" b="0" i="1" smtClean="0">
-                              <a:latin typeface="Cambria Math" panose="02040503050406030204" pitchFamily="18" charset="0"/>
-                            </a:rPr>
-                            <m:t>1</m:t>
-                          </m:r>
-                        </m:sub>
-                      </m:sSub>
-                      <m:r>
-                        <a:rPr lang="en-US" b="0" i="1" smtClean="0">
-                          <a:latin typeface="Cambria Math" panose="02040503050406030204" pitchFamily="18" charset="0"/>
-                        </a:rPr>
-                        <m:t>,…,</m:t>
-                      </m:r>
-                      <m:r>
-                        <a:rPr lang="en-US" b="0" i="1" smtClean="0">
-                          <a:latin typeface="Cambria Math" panose="02040503050406030204" pitchFamily="18" charset="0"/>
-                        </a:rPr>
-                        <m:t>𝑆𝑢</m:t>
-                      </m:r>
-                      <m:sSub>
-                        <m:sSubPr>
-                          <m:ctrlPr>
-                            <a:rPr lang="en-US" b="0" i="1" smtClean="0">
-                              <a:latin typeface="Cambria Math" panose="02040503050406030204" pitchFamily="18" charset="0"/>
-                            </a:rPr>
-                          </m:ctrlPr>
-                        </m:sSubPr>
-                        <m:e>
-                          <m:r>
-                            <a:rPr lang="en-US" b="0" i="1" smtClean="0">
-                              <a:latin typeface="Cambria Math" panose="02040503050406030204" pitchFamily="18" charset="0"/>
-                            </a:rPr>
-                            <m:t>𝑏</m:t>
-                          </m:r>
-                        </m:e>
-                        <m:sub>
-                          <m:r>
-                            <a:rPr lang="en-US" b="0" i="1" smtClean="0">
-                              <a:latin typeface="Cambria Math" panose="02040503050406030204" pitchFamily="18" charset="0"/>
-                            </a:rPr>
-                            <m:t>𝑁</m:t>
-                          </m:r>
-                        </m:sub>
-                      </m:sSub>
-                      <m:r>
-                        <a:rPr lang="en-US" b="0" i="1" smtClean="0">
-                          <a:latin typeface="Cambria Math" panose="02040503050406030204" pitchFamily="18" charset="0"/>
-                        </a:rPr>
-                        <m:t>):</m:t>
-                      </m:r>
-                    </m:oMath>
-                  </m:oMathPara>
-                </a14:m>
-                <a:endParaRPr lang="en-US" dirty="0" smtClean="0"/>
-              </a:p>
-            </p:txBody>
-          </p:sp>
-        </mc:Choice>
-        <mc:Fallback xmlns="">
-          <p:sp>
-            <p:nvSpPr>
-              <p:cNvPr id="14" name="Rectangle 13"/>
-              <p:cNvSpPr>
-                <a:spLocks noRot="1" noChangeAspect="1" noMove="1" noResize="1" noEditPoints="1" noAdjustHandles="1" noChangeArrowheads="1" noChangeShapeType="1" noTextEdit="1"/>
-              </p:cNvSpPr>
-              <p:nvPr/>
-            </p:nvSpPr>
-            <p:spPr>
-              <a:xfrm>
-                <a:off x="1547188" y="3306709"/>
-                <a:ext cx="3169329" cy="369332"/>
-              </a:xfrm>
-              <a:prstGeom prst="rect">
-                <a:avLst/>
-              </a:prstGeom>
-              <a:blipFill rotWithShape="0">
-                <a:blip r:embed="rId6"/>
-                <a:stretch>
-                  <a:fillRect b="-13115"/>
-                </a:stretch>
-              </a:blipFill>
-            </p:spPr>
-            <p:txBody>
-              <a:bodyPr/>
-              <a:lstStyle/>
-              <a:p>
-                <a:r>
-                  <a:rPr lang="en-US">
-                    <a:noFill/>
-                  </a:rPr>
-                  <a:t> </a:t>
-                </a:r>
-              </a:p>
-            </p:txBody>
-          </p:sp>
-        </mc:Fallback>
-      </mc:AlternateContent>
       <p:sp>
         <p:nvSpPr>
-          <p:cNvPr id="15" name="Footer Placeholder 3"/>
-          <p:cNvSpPr txBox="1">
-            <a:spLocks/>
-          </p:cNvSpPr>
+          <p:cNvPr id="17" name="Rectangle 16"/>
+          <p:cNvSpPr/>
           <p:nvPr/>
         </p:nvSpPr>
         <p:spPr>
           <a:xfrm>
-            <a:off x="102476" y="6437441"/>
-            <a:ext cx="4532586" cy="306936"/>
+            <a:off x="2556356" y="3252133"/>
+            <a:ext cx="6287069" cy="819124"/>
           </a:xfrm>
           <a:prstGeom prst="rect">
             <a:avLst/>
           </a:prstGeom>
         </p:spPr>
+        <p:style>
+          <a:lnRef idx="2">
+            <a:schemeClr val="accent1">
+              <a:shade val="50000"/>
+            </a:schemeClr>
+          </a:lnRef>
+          <a:fillRef idx="1">
+            <a:schemeClr val="accent1"/>
+          </a:fillRef>
+          <a:effectRef idx="0">
+            <a:schemeClr val="accent1"/>
+          </a:effectRef>
+          <a:fontRef idx="minor">
+            <a:schemeClr val="lt1"/>
+          </a:fontRef>
+        </p:style>
         <p:txBody>
-          <a:bodyPr vert="horz" lIns="91440" tIns="45720" rIns="91440" bIns="45720" rtlCol="0" anchor="ctr"/>
-          <a:lstStyle>
-            <a:defPPr>
-              <a:defRPr lang="en-US"/>
-            </a:defPPr>
-            <a:lvl1pPr marL="0" algn="ctr" defTabSz="914400" rtl="0" eaLnBrk="1" latinLnBrk="0" hangingPunct="1">
-              <a:defRPr sz="1400" kern="1200">
-                <a:solidFill>
-                  <a:srgbClr val="000000"/>
-                </a:solidFill>
-                <a:latin typeface="+mn-lt"/>
-                <a:ea typeface="+mn-ea"/>
-                <a:cs typeface="+mn-cs"/>
-              </a:defRPr>
-            </a:lvl1pPr>
-            <a:lvl2pPr marL="457200" algn="l" defTabSz="914400" rtl="0" eaLnBrk="1" latinLnBrk="0" hangingPunct="1">
-              <a:defRPr sz="1800" kern="1200">
-                <a:solidFill>
-                  <a:schemeClr val="tx1"/>
-                </a:solidFill>
-                <a:latin typeface="+mn-lt"/>
-                <a:ea typeface="+mn-ea"/>
-                <a:cs typeface="+mn-cs"/>
-              </a:defRPr>
-            </a:lvl2pPr>
-            <a:lvl3pPr marL="914400" algn="l" defTabSz="914400" rtl="0" eaLnBrk="1" latinLnBrk="0" hangingPunct="1">
-              <a:defRPr sz="1800" kern="1200">
-                <a:solidFill>
-                  <a:schemeClr val="tx1"/>
-                </a:solidFill>
-                <a:latin typeface="+mn-lt"/>
-                <a:ea typeface="+mn-ea"/>
-                <a:cs typeface="+mn-cs"/>
-              </a:defRPr>
-            </a:lvl3pPr>
-            <a:lvl4pPr marL="1371600" algn="l" defTabSz="914400" rtl="0" eaLnBrk="1" latinLnBrk="0" hangingPunct="1">
-              <a:defRPr sz="1800" kern="1200">
-                <a:solidFill>
-                  <a:schemeClr val="tx1"/>
-                </a:solidFill>
-                <a:latin typeface="+mn-lt"/>
-                <a:ea typeface="+mn-ea"/>
-                <a:cs typeface="+mn-cs"/>
-              </a:defRPr>
-            </a:lvl4pPr>
-            <a:lvl5pPr marL="1828800" algn="l" defTabSz="914400" rtl="0" eaLnBrk="1" latinLnBrk="0" hangingPunct="1">
-              <a:defRPr sz="1800" kern="1200">
-                <a:solidFill>
-                  <a:schemeClr val="tx1"/>
-                </a:solidFill>
-                <a:latin typeface="+mn-lt"/>
-                <a:ea typeface="+mn-ea"/>
-                <a:cs typeface="+mn-cs"/>
-              </a:defRPr>
-            </a:lvl5pPr>
-            <a:lvl6pPr marL="2286000" algn="l" defTabSz="914400" rtl="0" eaLnBrk="1" latinLnBrk="0" hangingPunct="1">
-              <a:defRPr sz="1800" kern="1200">
-                <a:solidFill>
-                  <a:schemeClr val="tx1"/>
-                </a:solidFill>
-                <a:latin typeface="+mn-lt"/>
-                <a:ea typeface="+mn-ea"/>
-                <a:cs typeface="+mn-cs"/>
-              </a:defRPr>
-            </a:lvl6pPr>
-            <a:lvl7pPr marL="2743200" algn="l" defTabSz="914400" rtl="0" eaLnBrk="1" latinLnBrk="0" hangingPunct="1">
-              <a:defRPr sz="1800" kern="1200">
-                <a:solidFill>
-                  <a:schemeClr val="tx1"/>
-                </a:solidFill>
-                <a:latin typeface="+mn-lt"/>
-                <a:ea typeface="+mn-ea"/>
-                <a:cs typeface="+mn-cs"/>
-              </a:defRPr>
-            </a:lvl7pPr>
-            <a:lvl8pPr marL="3200400" algn="l" defTabSz="914400" rtl="0" eaLnBrk="1" latinLnBrk="0" hangingPunct="1">
-              <a:defRPr sz="1800" kern="1200">
-                <a:solidFill>
-                  <a:schemeClr val="tx1"/>
-                </a:solidFill>
-                <a:latin typeface="+mn-lt"/>
-                <a:ea typeface="+mn-ea"/>
-                <a:cs typeface="+mn-cs"/>
-              </a:defRPr>
-            </a:lvl8pPr>
-            <a:lvl9pPr marL="3657600" algn="l" defTabSz="914400" rtl="0" eaLnBrk="1" latinLnBrk="0" hangingPunct="1">
-              <a:defRPr sz="1800" kern="1200">
-                <a:solidFill>
-                  <a:schemeClr val="tx1"/>
-                </a:solidFill>
-                <a:latin typeface="+mn-lt"/>
-                <a:ea typeface="+mn-ea"/>
-                <a:cs typeface="+mn-cs"/>
-              </a:defRPr>
-            </a:lvl9pPr>
-          </a:lstStyle>
-          <a:p>
-            <a:pPr algn="l"/>
-            <a:r>
-              <a:rPr lang="en-US" dirty="0" smtClean="0"/>
-              <a:t>Honeywell, Iowa State University</a:t>
-            </a:r>
-            <a:endParaRPr lang="en-US" dirty="0"/>
-          </a:p>
-        </p:txBody>
-      </p:sp>
-      <p:sp>
-        <p:nvSpPr>
-          <p:cNvPr id="3" name="Footer Placeholder 2"/>
-          <p:cNvSpPr>
-            <a:spLocks noGrp="1"/>
-          </p:cNvSpPr>
-          <p:nvPr>
-            <p:ph type="ftr" sz="quarter" idx="11"/>
-          </p:nvPr>
-        </p:nvSpPr>
-        <p:spPr/>
-        <p:txBody>
-          <a:bodyPr/>
+          <a:bodyPr rtlCol="0" anchor="ctr"/>
           <a:lstStyle/>
           <a:p>
-            <a:r>
-              <a:rPr lang="en-US" smtClean="0"/>
-              <a:t>Architecture Group</a:t>
-            </a:r>
-            <a:endParaRPr lang="en-US"/>
+            <a:pPr algn="ctr"/>
+            <a:r>
+              <a:rPr lang="en-US" b="1" i="1" dirty="0" smtClean="0"/>
+              <a:t>AGREE contracts can be composed into a system-level contract</a:t>
+            </a:r>
+            <a:endParaRPr lang="en-US" b="1" i="1" dirty="0"/>
           </a:p>
         </p:txBody>
       </p:sp>
     </p:spTree>
     <p:extLst>
       <p:ext uri="{BB962C8B-B14F-4D97-AF65-F5344CB8AC3E}">
-        <p14:creationId xmlns:p14="http://schemas.microsoft.com/office/powerpoint/2010/main" val="2651131831"/>
+        <p14:creationId xmlns:p14="http://schemas.microsoft.com/office/powerpoint/2010/main" val="4236062541"/>
       </p:ext>
     </p:extLst>
   </p:cSld>
   <p:clrMapOvr>
     <a:masterClrMapping/>
   </p:clrMapOvr>
-  <mc:AlternateContent xmlns:mc="http://schemas.openxmlformats.org/markup-compatibility/2006" xmlns:p14="http://schemas.microsoft.com/office/powerpoint/2010/main">
-    <mc:Choice Requires="p14">
-      <p:transition spd="slow" p14:dur="2000"/>
-    </mc:Choice>
-    <mc:Fallback xmlns="">
-      <p:transition spd="slow"/>
-    </mc:Fallback>
-  </mc:AlternateContent>
   <p:timing>
     <p:tnLst>
       <p:par>
-        <p:cTn id="1" dur="indefinite" restart="never" nodeType="tmRoot"/>
+        <p:cTn id="1" dur="indefinite" restart="never" nodeType="tmRoot">
+          <p:childTnLst>
+            <p:seq concurrent="1" nextAc="seek">
+              <p:cTn id="2" dur="indefinite" nodeType="mainSeq">
+                <p:childTnLst>
+                  <p:par>
+                    <p:cTn id="3" fill="hold">
+                      <p:stCondLst>
+                        <p:cond delay="indefinite"/>
+                      </p:stCondLst>
+                      <p:childTnLst>
+                        <p:par>
+                          <p:cTn id="4" fill="hold">
+                            <p:stCondLst>
+                              <p:cond delay="0"/>
+                            </p:stCondLst>
+                            <p:childTnLst>
+                              <p:par>
+                                <p:cTn id="5" presetID="1" presetClass="entr" presetSubtype="0" fill="hold" grpId="0" nodeType="clickEffect">
+                                  <p:stCondLst>
+                                    <p:cond delay="0"/>
+                                  </p:stCondLst>
+                                  <p:childTnLst>
+                                    <p:set>
+                                      <p:cBhvr>
+                                        <p:cTn id="6" dur="1" fill="hold">
+                                          <p:stCondLst>
+                                            <p:cond delay="0"/>
+                                          </p:stCondLst>
+                                        </p:cTn>
+                                        <p:tgtEl>
+                                          <p:spTgt spid="17"/>
+                                        </p:tgtEl>
+                                        <p:attrNameLst>
+                                          <p:attrName>style.visibility</p:attrName>
+                                        </p:attrNameLst>
+                                      </p:cBhvr>
+                                      <p:to>
+                                        <p:strVal val="visible"/>
+                                      </p:to>
+                                    </p:set>
+                                  </p:childTnLst>
+                                </p:cTn>
+                              </p:par>
+                            </p:childTnLst>
+                          </p:cTn>
+                        </p:par>
+                      </p:childTnLst>
+                    </p:cTn>
+                  </p:par>
+                </p:childTnLst>
+              </p:cTn>
+              <p:prevCondLst>
+                <p:cond evt="onPrev" delay="0">
+                  <p:tgtEl>
+                    <p:sldTgt/>
+                  </p:tgtEl>
+                </p:cond>
+              </p:prevCondLst>
+              <p:nextCondLst>
+                <p:cond evt="onNext" delay="0">
+                  <p:tgtEl>
+                    <p:sldTgt/>
+                  </p:tgtEl>
+                </p:cond>
+              </p:nextCondLst>
+            </p:seq>
+          </p:childTnLst>
+        </p:cTn>
       </p:par>
     </p:tnLst>
+    <p:bldLst>
+      <p:bldP spid="17" grpId="0" animBg="1"/>
+    </p:bldLst>
   </p:timing>
 </p:sld>
 </file>
@@ -10832,32 +11081,55 @@
         <p:spPr/>
         <p:txBody>
           <a:bodyPr>
-            <a:noAutofit/>
+            <a:normAutofit/>
           </a:bodyPr>
           <a:lstStyle/>
           <a:p>
             <a:r>
-              <a:rPr lang="en-US" sz="2800" dirty="0"/>
-              <a:t>Quantifier Elimination based Property Composition and </a:t>
-            </a:r>
-            <a:r>
-              <a:rPr lang="en-US" sz="2800" dirty="0" smtClean="0"/>
-              <a:t>Verification</a:t>
-            </a:r>
-            <a:endParaRPr lang="en-US" sz="2800" dirty="0"/>
+              <a:rPr lang="en-US" sz="3200" dirty="0" smtClean="0">
+                <a:solidFill>
+                  <a:prstClr val="black"/>
+                </a:solidFill>
+              </a:rPr>
+              <a:t>Tool RELIQE: Implementation and Illustration </a:t>
+            </a:r>
+            <a:endParaRPr lang="en-US" sz="3200" dirty="0"/>
           </a:p>
         </p:txBody>
       </p:sp>
       <p:sp>
         <p:nvSpPr>
-          <p:cNvPr id="6" name="TextBox 5"/>
+          <p:cNvPr id="4" name="Footer Placeholder 3"/>
+          <p:cNvSpPr>
+            <a:spLocks noGrp="1"/>
+          </p:cNvSpPr>
+          <p:nvPr>
+            <p:ph type="ftr" sz="quarter" idx="11"/>
+          </p:nvPr>
+        </p:nvSpPr>
+        <p:spPr/>
+        <p:txBody>
+          <a:bodyPr/>
+          <a:lstStyle/>
+          <a:p>
+            <a:r>
+              <a:rPr lang="en-US" dirty="0" smtClean="0"/>
+              <a:t>Architecture Group</a:t>
+            </a:r>
+            <a:endParaRPr lang="en-US" dirty="0"/>
+          </a:p>
+        </p:txBody>
+      </p:sp>
+      <p:sp>
+        <p:nvSpPr>
+          <p:cNvPr id="22" name="TextBox 21"/>
           <p:cNvSpPr txBox="1"/>
           <p:nvPr/>
         </p:nvSpPr>
         <p:spPr>
           <a:xfrm>
-            <a:off x="489857" y="2213562"/>
-            <a:ext cx="10718800" cy="646331"/>
+            <a:off x="-60161" y="1386680"/>
+            <a:ext cx="12591076" cy="369332"/>
           </a:xfrm>
           <a:prstGeom prst="rect">
             <a:avLst/>
@@ -10876,141 +11148,14 @@
                 <a:latin typeface="Times New Roman" panose="02020603050405020304" pitchFamily="18" charset="0"/>
                 <a:cs typeface="Times New Roman" panose="02020603050405020304" pitchFamily="18" charset="0"/>
               </a:rPr>
-              <a:t>Strongest system property:</a:t>
-            </a:r>
-            <a:r>
-              <a:rPr lang="en-US" dirty="0">
-                <a:latin typeface="Times New Roman" panose="02020603050405020304" pitchFamily="18" charset="0"/>
-                <a:cs typeface="Times New Roman" panose="02020603050405020304" pitchFamily="18" charset="0"/>
-              </a:rPr>
-              <a:t> the </a:t>
+              <a:t>RELIQE</a:t>
             </a:r>
             <a:r>
               <a:rPr lang="en-US" dirty="0" smtClean="0">
                 <a:latin typeface="Times New Roman" panose="02020603050405020304" pitchFamily="18" charset="0"/>
                 <a:cs typeface="Times New Roman" panose="02020603050405020304" pitchFamily="18" charset="0"/>
               </a:rPr>
-              <a:t>system property </a:t>
-            </a:r>
-            <a:r>
-              <a:rPr lang="en-US" dirty="0">
-                <a:latin typeface="Times New Roman" panose="02020603050405020304" pitchFamily="18" charset="0"/>
-                <a:cs typeface="Times New Roman" panose="02020603050405020304" pitchFamily="18" charset="0"/>
-              </a:rPr>
-              <a:t>that implies any other system properties </a:t>
-            </a:r>
-            <a:r>
-              <a:rPr lang="en-US" dirty="0" smtClean="0">
-                <a:latin typeface="Times New Roman" panose="02020603050405020304" pitchFamily="18" charset="0"/>
-                <a:cs typeface="Times New Roman" panose="02020603050405020304" pitchFamily="18" charset="0"/>
-              </a:rPr>
-              <a:t>established upon </a:t>
-            </a:r>
-            <a:r>
-              <a:rPr lang="en-US" dirty="0">
-                <a:latin typeface="Times New Roman" panose="02020603050405020304" pitchFamily="18" charset="0"/>
-                <a:cs typeface="Times New Roman" panose="02020603050405020304" pitchFamily="18" charset="0"/>
-              </a:rPr>
-              <a:t>the given constraints of component properties and </a:t>
-            </a:r>
-            <a:r>
-              <a:rPr lang="en-US" dirty="0" smtClean="0">
-                <a:latin typeface="Times New Roman" panose="02020603050405020304" pitchFamily="18" charset="0"/>
-                <a:cs typeface="Times New Roman" panose="02020603050405020304" pitchFamily="18" charset="0"/>
-              </a:rPr>
-              <a:t>their connectivity</a:t>
-            </a:r>
-            <a:r>
-              <a:rPr lang="en-US" dirty="0">
-                <a:latin typeface="Times New Roman" panose="02020603050405020304" pitchFamily="18" charset="0"/>
-                <a:cs typeface="Times New Roman" panose="02020603050405020304" pitchFamily="18" charset="0"/>
-              </a:rPr>
-              <a:t>.</a:t>
-            </a:r>
-          </a:p>
-        </p:txBody>
-      </p:sp>
-      <p:sp>
-        <p:nvSpPr>
-          <p:cNvPr id="8" name="TextBox 7"/>
-          <p:cNvSpPr txBox="1"/>
-          <p:nvPr/>
-        </p:nvSpPr>
-        <p:spPr>
-          <a:xfrm>
-            <a:off x="489857" y="1609834"/>
-            <a:ext cx="10718800" cy="646331"/>
-          </a:xfrm>
-          <a:prstGeom prst="rect">
-            <a:avLst/>
-          </a:prstGeom>
-          <a:noFill/>
-        </p:spPr>
-        <p:txBody>
-          <a:bodyPr wrap="square" rtlCol="0">
-            <a:spAutoFit/>
-          </a:bodyPr>
-          <a:lstStyle/>
-          <a:p>
-            <a:pPr algn="just"/>
-            <a:r>
-              <a:rPr lang="en-US" b="1" dirty="0" smtClean="0">
-                <a:latin typeface="Times New Roman" panose="02020603050405020304" pitchFamily="18" charset="0"/>
-                <a:cs typeface="Times New Roman" panose="02020603050405020304" pitchFamily="18" charset="0"/>
-              </a:rPr>
-              <a:t>Quantifier Elimination:</a:t>
-            </a:r>
-            <a:r>
-              <a:rPr lang="en-US" dirty="0">
-                <a:latin typeface="Times New Roman" panose="02020603050405020304" pitchFamily="18" charset="0"/>
-                <a:cs typeface="Times New Roman" panose="02020603050405020304" pitchFamily="18" charset="0"/>
-              </a:rPr>
-              <a:t> </a:t>
-            </a:r>
-            <a:r>
-              <a:rPr lang="en-US" dirty="0" smtClean="0">
-                <a:latin typeface="Times New Roman" panose="02020603050405020304" pitchFamily="18" charset="0"/>
-                <a:cs typeface="Times New Roman" panose="02020603050405020304" pitchFamily="18" charset="0"/>
-              </a:rPr>
-              <a:t>a powerful </a:t>
-            </a:r>
-            <a:r>
-              <a:rPr lang="en-US" dirty="0">
-                <a:latin typeface="Times New Roman" panose="02020603050405020304" pitchFamily="18" charset="0"/>
-                <a:cs typeface="Times New Roman" panose="02020603050405020304" pitchFamily="18" charset="0"/>
-              </a:rPr>
-              <a:t>technique </a:t>
-            </a:r>
-            <a:r>
-              <a:rPr lang="en-US" dirty="0" smtClean="0">
-                <a:latin typeface="Times New Roman" panose="02020603050405020304" pitchFamily="18" charset="0"/>
-                <a:cs typeface="Times New Roman" panose="02020603050405020304" pitchFamily="18" charset="0"/>
-              </a:rPr>
-              <a:t>for gaining </a:t>
-            </a:r>
-            <a:r>
-              <a:rPr lang="en-US" dirty="0">
-                <a:latin typeface="Times New Roman" panose="02020603050405020304" pitchFamily="18" charset="0"/>
-                <a:cs typeface="Times New Roman" panose="02020603050405020304" pitchFamily="18" charset="0"/>
-              </a:rPr>
-              <a:t>insight, through simplification, into problems involving</a:t>
-            </a:r>
-          </a:p>
-          <a:p>
-            <a:pPr algn="just"/>
-            <a:r>
-              <a:rPr lang="en-US" dirty="0">
-                <a:latin typeface="Times New Roman" panose="02020603050405020304" pitchFamily="18" charset="0"/>
-                <a:cs typeface="Times New Roman" panose="02020603050405020304" pitchFamily="18" charset="0"/>
-              </a:rPr>
-              <a:t>logic expressions in various </a:t>
-            </a:r>
-            <a:r>
-              <a:rPr lang="en-US" dirty="0" smtClean="0">
-                <a:latin typeface="Times New Roman" panose="02020603050405020304" pitchFamily="18" charset="0"/>
-                <a:cs typeface="Times New Roman" panose="02020603050405020304" pitchFamily="18" charset="0"/>
-              </a:rPr>
-              <a:t>theories.</a:t>
+              <a:t> uses AADL for system architecture, AGREE annex for component contracts, REDLOG for Quantifier Elimination</a:t>
             </a:r>
             <a:endParaRPr lang="en-US" dirty="0">
               <a:latin typeface="Times New Roman" panose="02020603050405020304" pitchFamily="18" charset="0"/>
@@ -11019,568 +11164,686 @@
           </a:p>
         </p:txBody>
       </p:sp>
-      <mc:AlternateContent xmlns:mc="http://schemas.openxmlformats.org/markup-compatibility/2006" xmlns:a14="http://schemas.microsoft.com/office/drawing/2010/main">
-        <mc:Choice Requires="a14">
+      <p:grpSp>
+        <p:nvGrpSpPr>
+          <p:cNvPr id="29" name="Group 28"/>
+          <p:cNvGrpSpPr/>
+          <p:nvPr/>
+        </p:nvGrpSpPr>
+        <p:grpSpPr>
+          <a:xfrm>
+            <a:off x="-60161" y="1692948"/>
+            <a:ext cx="5436973" cy="1704699"/>
+            <a:chOff x="7723" y="2162381"/>
+            <a:chExt cx="5436973" cy="1704699"/>
+          </a:xfrm>
+        </p:grpSpPr>
+        <p:grpSp>
+          <p:nvGrpSpPr>
+            <p:cNvPr id="24" name="Group 23"/>
+            <p:cNvGrpSpPr/>
+            <p:nvPr/>
+          </p:nvGrpSpPr>
+          <p:grpSpPr>
+            <a:xfrm>
+              <a:off x="183146" y="2388516"/>
+              <a:ext cx="5132691" cy="1433635"/>
+              <a:chOff x="6678681" y="1896430"/>
+              <a:chExt cx="5132691" cy="1433635"/>
+            </a:xfrm>
+          </p:grpSpPr>
           <p:sp>
             <p:nvSpPr>
-              <p:cNvPr id="9" name="Rectangle 8"/>
+              <p:cNvPr id="6" name="Rectangle 5"/>
               <p:cNvSpPr/>
               <p:nvPr/>
             </p:nvSpPr>
             <p:spPr>
               <a:xfrm>
-                <a:off x="2243181" y="5260564"/>
-                <a:ext cx="7212152" cy="984116"/>
+                <a:off x="6705600" y="2666116"/>
+                <a:ext cx="5105772" cy="663949"/>
               </a:xfrm>
               <a:prstGeom prst="rect">
                 <a:avLst/>
               </a:prstGeom>
+              <a:ln>
+                <a:solidFill>
+                  <a:schemeClr val="accent1"/>
+                </a:solidFill>
+              </a:ln>
             </p:spPr>
+            <p:style>
+              <a:lnRef idx="1">
+                <a:schemeClr val="accent1"/>
+              </a:lnRef>
+              <a:fillRef idx="3">
+                <a:schemeClr val="accent1"/>
+              </a:fillRef>
+              <a:effectRef idx="2">
+                <a:schemeClr val="accent1"/>
+              </a:effectRef>
+              <a:fontRef idx="minor">
+                <a:schemeClr val="lt1"/>
+              </a:fontRef>
+            </p:style>
             <p:txBody>
-              <a:bodyPr wrap="square">
-                <a:spAutoFit/>
-              </a:bodyPr>
+              <a:bodyPr rtlCol="0" anchor="ctr"/>
               <a:lstStyle/>
               <a:p>
-                <a:pPr lvl="1"/>
-                <a14:m>
-                  <m:oMathPara xmlns:m="http://schemas.openxmlformats.org/officeDocument/2006/math">
-                    <m:oMathParaPr>
-                      <m:jc m:val="centerGroup"/>
-                    </m:oMathParaPr>
-                    <m:oMath xmlns:m="http://schemas.openxmlformats.org/officeDocument/2006/math">
-                      <m:sSub>
-                        <m:sSubPr>
-                          <m:ctrlPr>
-                            <a:rPr lang="en-US" i="1" dirty="0" smtClean="0">
-                              <a:solidFill>
-                                <a:schemeClr val="tx1"/>
-                              </a:solidFill>
-                              <a:effectLst/>
-                              <a:latin typeface="Cambria Math" panose="02040503050406030204" pitchFamily="18" charset="0"/>
-                              <a:cs typeface="Times New Roman" charset="0"/>
-                            </a:rPr>
-                          </m:ctrlPr>
-                        </m:sSubPr>
-                        <m:e>
-                          <m:r>
-                            <a:rPr lang="en-US" dirty="0">
-                              <a:solidFill>
-                                <a:schemeClr val="tx1"/>
-                              </a:solidFill>
-                              <a:effectLst/>
-                              <a:latin typeface="Cambria Math" panose="02040503050406030204" pitchFamily="18" charset="0"/>
-                              <a:cs typeface="Times New Roman" charset="0"/>
-                            </a:rPr>
-                            <m:t> </m:t>
-                          </m:r>
-                          <m:r>
-                            <m:rPr>
-                              <m:sty m:val="p"/>
-                            </m:rPr>
-                            <a:rPr lang="en-US" dirty="0">
-                              <a:solidFill>
-                                <a:schemeClr val="tx1"/>
-                              </a:solidFill>
-                              <a:effectLst/>
-                              <a:latin typeface="Cambria Math" panose="02040503050406030204" pitchFamily="18" charset="0"/>
-                              <a:cs typeface="Times New Roman" charset="0"/>
-                            </a:rPr>
-                            <m:t>P</m:t>
-                          </m:r>
-                        </m:e>
-                        <m:sub>
-                          <m:r>
-                            <m:rPr>
-                              <m:sty m:val="p"/>
-                            </m:rPr>
-                            <a:rPr lang="en-US" i="0" dirty="0">
-                              <a:solidFill>
-                                <a:schemeClr val="tx1"/>
-                              </a:solidFill>
-                              <a:effectLst/>
-                              <a:latin typeface="Cambria Math" panose="02040503050406030204" pitchFamily="18" charset="0"/>
-                              <a:cs typeface="Times New Roman" charset="0"/>
-                            </a:rPr>
-                            <m:t>strongest</m:t>
-                          </m:r>
-                        </m:sub>
-                      </m:sSub>
-                      <m:r>
-                        <a:rPr lang="en-US" i="1" dirty="0">
-                          <a:solidFill>
-                            <a:schemeClr val="tx1"/>
-                          </a:solidFill>
-                          <a:effectLst/>
-                          <a:latin typeface="Cambria Math" panose="02040503050406030204" pitchFamily="18" charset="0"/>
-                          <a:cs typeface="Times New Roman" charset="0"/>
-                        </a:rPr>
-                        <m:t>= ∃ </m:t>
-                      </m:r>
-                      <m:sSub>
-                        <m:sSubPr>
-                          <m:ctrlPr>
-                            <a:rPr lang="en-US" b="0" i="1" dirty="0" smtClean="0">
-                              <a:solidFill>
-                                <a:schemeClr val="tx1"/>
-                              </a:solidFill>
-                              <a:effectLst/>
-                              <a:latin typeface="Cambria Math" panose="02040503050406030204" pitchFamily="18" charset="0"/>
-                              <a:cs typeface="Times New Roman" charset="0"/>
-                            </a:rPr>
-                          </m:ctrlPr>
-                        </m:sSubPr>
-                        <m:e>
-                          <m:r>
-                            <a:rPr lang="en-US" b="0" i="1" dirty="0" smtClean="0">
-                              <a:solidFill>
-                                <a:schemeClr val="tx1"/>
-                              </a:solidFill>
-                              <a:effectLst/>
-                              <a:latin typeface="Cambria Math" panose="02040503050406030204" pitchFamily="18" charset="0"/>
-                              <a:cs typeface="Times New Roman" charset="0"/>
-                            </a:rPr>
-                            <m:t>𝑥</m:t>
-                          </m:r>
-                        </m:e>
-                        <m:sub>
-                          <m:r>
-                            <a:rPr lang="en-US" b="0" i="1" dirty="0" smtClean="0">
-                              <a:solidFill>
-                                <a:schemeClr val="tx1"/>
-                              </a:solidFill>
-                              <a:effectLst/>
-                              <a:latin typeface="Cambria Math" panose="02040503050406030204" pitchFamily="18" charset="0"/>
-                              <a:cs typeface="Times New Roman" charset="0"/>
-                            </a:rPr>
-                            <m:t>1</m:t>
-                          </m:r>
-                        </m:sub>
-                      </m:sSub>
-                      <m:r>
-                        <a:rPr lang="en-US" b="0" i="1" dirty="0" smtClean="0">
-                          <a:solidFill>
-                            <a:schemeClr val="tx1"/>
-                          </a:solidFill>
-                          <a:effectLst/>
-                          <a:latin typeface="Cambria Math" panose="02040503050406030204" pitchFamily="18" charset="0"/>
-                          <a:cs typeface="Times New Roman" charset="0"/>
-                        </a:rPr>
-                        <m:t>…∃</m:t>
-                      </m:r>
-                      <m:sSub>
-                        <m:sSubPr>
-                          <m:ctrlPr>
-                            <a:rPr lang="en-US" b="0" i="1" dirty="0" smtClean="0">
-                              <a:solidFill>
-                                <a:schemeClr val="tx1"/>
-                              </a:solidFill>
-                              <a:effectLst/>
-                              <a:latin typeface="Cambria Math" panose="02040503050406030204" pitchFamily="18" charset="0"/>
-                              <a:cs typeface="Times New Roman" charset="0"/>
-                            </a:rPr>
-                          </m:ctrlPr>
-                        </m:sSubPr>
-                        <m:e>
-                          <m:r>
-                            <a:rPr lang="en-US" b="0" i="1" dirty="0" smtClean="0">
-                              <a:solidFill>
-                                <a:schemeClr val="tx1"/>
-                              </a:solidFill>
-                              <a:effectLst/>
-                              <a:latin typeface="Cambria Math" panose="02040503050406030204" pitchFamily="18" charset="0"/>
-                              <a:cs typeface="Times New Roman" charset="0"/>
-                            </a:rPr>
-                            <m:t>𝑥</m:t>
-                          </m:r>
-                        </m:e>
-                        <m:sub>
-                          <m:r>
-                            <a:rPr lang="en-US" b="0" i="1" dirty="0" smtClean="0">
-                              <a:solidFill>
-                                <a:schemeClr val="tx1"/>
-                              </a:solidFill>
-                              <a:effectLst/>
-                              <a:latin typeface="Cambria Math" panose="02040503050406030204" pitchFamily="18" charset="0"/>
-                              <a:cs typeface="Times New Roman" charset="0"/>
-                            </a:rPr>
-                            <m:t>𝑚</m:t>
-                          </m:r>
-                        </m:sub>
-                      </m:sSub>
-                      <m:d>
-                        <m:dPr>
-                          <m:ctrlPr>
-                            <a:rPr lang="en-US" b="0" i="1" dirty="0" smtClean="0">
-                              <a:solidFill>
-                                <a:schemeClr val="tx1"/>
-                              </a:solidFill>
-                              <a:effectLst/>
-                              <a:latin typeface="Cambria Math" panose="02040503050406030204" pitchFamily="18" charset="0"/>
-                              <a:cs typeface="Times New Roman" charset="0"/>
-                            </a:rPr>
-                          </m:ctrlPr>
-                        </m:dPr>
-                        <m:e>
-                          <m:nary>
-                            <m:naryPr>
-                              <m:chr m:val="⋀"/>
-                              <m:ctrlPr>
-                                <a:rPr lang="en-US" i="1" dirty="0">
-                                  <a:latin typeface="Cambria Math" panose="02040503050406030204" pitchFamily="18" charset="0"/>
-                                  <a:cs typeface="Times New Roman" charset="0"/>
-                                </a:rPr>
-                              </m:ctrlPr>
-                            </m:naryPr>
-                            <m:sub>
-                              <m:r>
-                                <m:rPr>
-                                  <m:brk m:alnAt="23"/>
-                                </m:rPr>
-                                <a:rPr lang="en-US" i="1" dirty="0">
-                                  <a:latin typeface="Cambria Math" panose="02040503050406030204" pitchFamily="18" charset="0"/>
-                                  <a:cs typeface="Times New Roman" charset="0"/>
-                                </a:rPr>
-                                <m:t>𝑖</m:t>
-                              </m:r>
-                              <m:r>
-                                <a:rPr lang="en-US" i="1" dirty="0">
-                                  <a:latin typeface="Cambria Math" panose="02040503050406030204" pitchFamily="18" charset="0"/>
-                                  <a:cs typeface="Times New Roman" charset="0"/>
-                                </a:rPr>
-                                <m:t>=1</m:t>
-                              </m:r>
-                            </m:sub>
-                            <m:sup>
-                              <m:r>
-                                <a:rPr lang="en-US" b="0" i="1" dirty="0" smtClean="0">
-                                  <a:latin typeface="Cambria Math" panose="02040503050406030204" pitchFamily="18" charset="0"/>
-                                  <a:cs typeface="Times New Roman" charset="0"/>
-                                </a:rPr>
-                                <m:t>𝑁</m:t>
-                              </m:r>
-                            </m:sup>
-                            <m:e>
-                              <m:d>
-                                <m:dPr>
-                                  <m:ctrlPr>
-                                    <a:rPr lang="en-US" i="1" dirty="0" smtClean="0">
-                                      <a:latin typeface="Cambria Math" panose="02040503050406030204" pitchFamily="18" charset="0"/>
-                                      <a:cs typeface="Times New Roman" charset="0"/>
-                                    </a:rPr>
-                                  </m:ctrlPr>
-                                </m:dPr>
-                                <m:e>
-                                  <m:sSub>
-                                    <m:sSubPr>
-                                      <m:ctrlPr>
-                                        <a:rPr lang="en-US" i="1" dirty="0">
-                                          <a:latin typeface="Cambria Math" panose="02040503050406030204" pitchFamily="18" charset="0"/>
-                                          <a:cs typeface="Times New Roman" charset="0"/>
-                                        </a:rPr>
-                                      </m:ctrlPr>
-                                    </m:sSubPr>
-                                    <m:e>
-                                      <m:r>
-                                        <a:rPr lang="en-US" i="1" dirty="0">
-                                          <a:latin typeface="Cambria Math" panose="02040503050406030204" pitchFamily="18" charset="0"/>
-                                          <a:cs typeface="Times New Roman" charset="0"/>
-                                        </a:rPr>
-                                        <m:t>𝐴</m:t>
-                                      </m:r>
-                                    </m:e>
-                                    <m:sub>
-                                      <m:r>
-                                        <a:rPr lang="en-US" i="1" dirty="0">
-                                          <a:latin typeface="Cambria Math" panose="02040503050406030204" pitchFamily="18" charset="0"/>
-                                          <a:cs typeface="Times New Roman" charset="0"/>
-                                        </a:rPr>
-                                        <m:t>𝑖</m:t>
-                                      </m:r>
-                                    </m:sub>
-                                  </m:sSub>
-                                  <m:r>
-                                    <a:rPr lang="en-US" i="1" dirty="0">
-                                      <a:latin typeface="Cambria Math" panose="02040503050406030204" pitchFamily="18" charset="0"/>
-                                      <a:cs typeface="Times New Roman" charset="0"/>
-                                    </a:rPr>
-                                    <m:t>⇒</m:t>
-                                  </m:r>
-                                  <m:sSub>
-                                    <m:sSubPr>
-                                      <m:ctrlPr>
-                                        <a:rPr lang="en-US" i="1" dirty="0">
-                                          <a:latin typeface="Cambria Math" panose="02040503050406030204" pitchFamily="18" charset="0"/>
-                                          <a:cs typeface="Times New Roman" charset="0"/>
-                                        </a:rPr>
-                                      </m:ctrlPr>
-                                    </m:sSubPr>
-                                    <m:e>
-                                      <m:r>
-                                        <a:rPr lang="en-US" i="1" dirty="0">
-                                          <a:latin typeface="Cambria Math" panose="02040503050406030204" pitchFamily="18" charset="0"/>
-                                          <a:cs typeface="Times New Roman" charset="0"/>
-                                        </a:rPr>
-                                        <m:t>𝐺</m:t>
-                                      </m:r>
-                                    </m:e>
-                                    <m:sub>
-                                      <m:r>
-                                        <a:rPr lang="en-US" i="1" dirty="0">
-                                          <a:latin typeface="Cambria Math" panose="02040503050406030204" pitchFamily="18" charset="0"/>
-                                          <a:cs typeface="Times New Roman" charset="0"/>
-                                        </a:rPr>
-                                        <m:t>𝑖</m:t>
-                                      </m:r>
-                                    </m:sub>
-                                  </m:sSub>
-                                </m:e>
-                              </m:d>
-                            </m:e>
-                          </m:nary>
-                          <m:r>
-                            <a:rPr lang="en-US" i="1" dirty="0">
-                              <a:latin typeface="Cambria Math" panose="02040503050406030204" pitchFamily="18" charset="0"/>
-                              <a:cs typeface="Times New Roman" charset="0"/>
-                            </a:rPr>
-                            <m:t>∧</m:t>
-                          </m:r>
-                          <m:nary>
-                            <m:naryPr>
-                              <m:chr m:val="⋀"/>
-                              <m:supHide m:val="on"/>
-                              <m:ctrlPr>
-                                <a:rPr lang="en-US" i="1" dirty="0">
-                                  <a:latin typeface="Cambria Math" panose="02040503050406030204" pitchFamily="18" charset="0"/>
-                                  <a:cs typeface="Times New Roman" charset="0"/>
-                                </a:rPr>
-                              </m:ctrlPr>
-                            </m:naryPr>
-                            <m:sub>
-                              <m:d>
-                                <m:dPr>
-                                  <m:ctrlPr>
-                                    <a:rPr lang="en-US" i="1" dirty="0">
-                                      <a:latin typeface="Cambria Math" panose="02040503050406030204" pitchFamily="18" charset="0"/>
-                                      <a:cs typeface="Times New Roman" charset="0"/>
-                                    </a:rPr>
-                                  </m:ctrlPr>
-                                </m:dPr>
-                                <m:e>
-                                  <m:r>
-                                    <m:rPr>
-                                      <m:brk m:alnAt="7"/>
-                                    </m:rPr>
-                                    <a:rPr lang="en-US" i="1" dirty="0">
-                                      <a:latin typeface="Cambria Math" panose="02040503050406030204" pitchFamily="18" charset="0"/>
-                                      <a:cs typeface="Times New Roman" charset="0"/>
-                                    </a:rPr>
-                                    <m:t>𝑝</m:t>
-                                  </m:r>
-                                  <m:r>
-                                    <a:rPr lang="en-US" i="1" dirty="0">
-                                      <a:latin typeface="Cambria Math" panose="02040503050406030204" pitchFamily="18" charset="0"/>
-                                      <a:cs typeface="Times New Roman" charset="0"/>
-                                    </a:rPr>
-                                    <m:t>,</m:t>
-                                  </m:r>
-                                  <m:r>
-                                    <a:rPr lang="en-US" i="1" dirty="0">
-                                      <a:latin typeface="Cambria Math" panose="02040503050406030204" pitchFamily="18" charset="0"/>
-                                      <a:cs typeface="Times New Roman" charset="0"/>
-                                    </a:rPr>
-                                    <m:t>𝑞</m:t>
-                                  </m:r>
-                                </m:e>
-                              </m:d>
-                              <m:r>
-                                <a:rPr lang="en-US" i="1" dirty="0">
-                                  <a:latin typeface="Cambria Math" panose="02040503050406030204" pitchFamily="18" charset="0"/>
-                                  <a:cs typeface="Times New Roman" charset="0"/>
-                                </a:rPr>
-                                <m:t>∈</m:t>
-                              </m:r>
-                              <m:r>
-                                <a:rPr lang="en-US" i="1" dirty="0">
-                                  <a:latin typeface="Cambria Math" panose="02040503050406030204" pitchFamily="18" charset="0"/>
-                                  <a:cs typeface="Times New Roman" charset="0"/>
-                                </a:rPr>
-                                <m:t>𝐶</m:t>
-                              </m:r>
-                              <m:r>
-                                <a:rPr lang="en-US" i="1" dirty="0">
-                                  <a:latin typeface="Cambria Math" panose="02040503050406030204" pitchFamily="18" charset="0"/>
-                                  <a:cs typeface="Times New Roman" charset="0"/>
-                                </a:rPr>
-                                <m:t> </m:t>
-                              </m:r>
-                            </m:sub>
-                            <m:sup/>
-                            <m:e>
-                              <m:d>
-                                <m:dPr>
-                                  <m:ctrlPr>
-                                    <a:rPr lang="en-US" i="1" dirty="0" smtClean="0">
-                                      <a:latin typeface="Cambria Math" panose="02040503050406030204" pitchFamily="18" charset="0"/>
-                                      <a:cs typeface="Times New Roman" charset="0"/>
-                                    </a:rPr>
-                                  </m:ctrlPr>
-                                </m:dPr>
-                                <m:e>
-                                  <m:sSub>
-                                    <m:sSubPr>
-                                      <m:ctrlPr>
-                                        <a:rPr lang="en-US" i="1" dirty="0">
-                                          <a:latin typeface="Cambria Math" panose="02040503050406030204" pitchFamily="18" charset="0"/>
-                                          <a:cs typeface="Times New Roman" charset="0"/>
-                                        </a:rPr>
-                                      </m:ctrlPr>
-                                    </m:sSubPr>
-                                    <m:e>
-                                      <m:r>
-                                        <a:rPr lang="en-US" i="1" dirty="0">
-                                          <a:latin typeface="Cambria Math" panose="02040503050406030204" pitchFamily="18" charset="0"/>
-                                          <a:cs typeface="Times New Roman" charset="0"/>
-                                        </a:rPr>
-                                        <m:t>𝑥</m:t>
-                                      </m:r>
-                                    </m:e>
-                                    <m:sub>
-                                      <m:r>
-                                        <a:rPr lang="en-US" i="1" dirty="0">
-                                          <a:latin typeface="Cambria Math" panose="02040503050406030204" pitchFamily="18" charset="0"/>
-                                          <a:cs typeface="Times New Roman" charset="0"/>
-                                        </a:rPr>
-                                        <m:t>𝑝</m:t>
-                                      </m:r>
-                                    </m:sub>
-                                  </m:sSub>
-                                  <m:r>
-                                    <a:rPr lang="en-US" i="1" dirty="0">
-                                      <a:latin typeface="Cambria Math" panose="02040503050406030204" pitchFamily="18" charset="0"/>
-                                      <a:cs typeface="Times New Roman" charset="0"/>
-                                    </a:rPr>
-                                    <m:t>=</m:t>
-                                  </m:r>
-                                  <m:sSub>
-                                    <m:sSubPr>
-                                      <m:ctrlPr>
-                                        <a:rPr lang="en-US" i="1" dirty="0">
-                                          <a:latin typeface="Cambria Math" panose="02040503050406030204" pitchFamily="18" charset="0"/>
-                                          <a:cs typeface="Times New Roman" charset="0"/>
-                                        </a:rPr>
-                                      </m:ctrlPr>
-                                    </m:sSubPr>
-                                    <m:e>
-                                      <m:r>
-                                        <a:rPr lang="en-US" i="1" dirty="0">
-                                          <a:latin typeface="Cambria Math" panose="02040503050406030204" pitchFamily="18" charset="0"/>
-                                          <a:cs typeface="Times New Roman" charset="0"/>
-                                        </a:rPr>
-                                        <m:t>𝑥</m:t>
-                                      </m:r>
-                                    </m:e>
-                                    <m:sub>
-                                      <m:r>
-                                        <a:rPr lang="en-US" i="1" dirty="0">
-                                          <a:latin typeface="Cambria Math" panose="02040503050406030204" pitchFamily="18" charset="0"/>
-                                          <a:cs typeface="Times New Roman" charset="0"/>
-                                        </a:rPr>
-                                        <m:t>𝑞</m:t>
-                                      </m:r>
-                                    </m:sub>
-                                  </m:sSub>
-                                </m:e>
-                              </m:d>
-                            </m:e>
-                          </m:nary>
-                        </m:e>
-                      </m:d>
-                    </m:oMath>
-                  </m:oMathPara>
-                </a14:m>
-                <a:r>
-                  <a:rPr lang="en-US" dirty="0" smtClean="0">
-                    <a:solidFill>
-                      <a:schemeClr val="tx1"/>
-                    </a:solidFill>
-                    <a:effectLst/>
-                  </a:rPr>
-                  <a:t/>
-                </a:r>
-                <a:br>
-                  <a:rPr lang="en-US" dirty="0" smtClean="0">
-                    <a:solidFill>
-                      <a:schemeClr val="tx1"/>
-                    </a:solidFill>
-                    <a:effectLst/>
-                  </a:rPr>
-                </a:br>
-                <a:endParaRPr lang="en-US" sz="1600" dirty="0">
-                  <a:solidFill>
-                    <a:schemeClr val="tx1"/>
-                  </a:solidFill>
-                  <a:effectLst/>
+                <a:pPr algn="ctr"/>
+                <a:endParaRPr lang="en-US">
+                  <a:latin typeface="Times New Roman" panose="02020603050405020304" pitchFamily="18" charset="0"/>
+                  <a:cs typeface="Times New Roman" panose="02020603050405020304" pitchFamily="18" charset="0"/>
                 </a:endParaRPr>
               </a:p>
             </p:txBody>
           </p:sp>
-        </mc:Choice>
-        <mc:Fallback xmlns="">
           <p:sp>
             <p:nvSpPr>
-              <p:cNvPr id="9" name="Rectangle 8"/>
-              <p:cNvSpPr>
-                <a:spLocks noRot="1" noChangeAspect="1" noMove="1" noResize="1" noEditPoints="1" noAdjustHandles="1" noChangeArrowheads="1" noChangeShapeType="1" noTextEdit="1"/>
-              </p:cNvSpPr>
-              <p:nvPr/>
-            </p:nvSpPr>
-            <p:spPr>
-              <a:xfrm>
-                <a:off x="2243181" y="5260564"/>
-                <a:ext cx="7212152" cy="984116"/>
-              </a:xfrm>
-              <a:prstGeom prst="rect">
-                <a:avLst/>
-              </a:prstGeom>
-              <a:blipFill rotWithShape="0">
-                <a:blip r:embed="rId3"/>
-                <a:stretch>
-                  <a:fillRect/>
-                </a:stretch>
-              </a:blipFill>
-            </p:spPr>
-            <p:txBody>
-              <a:bodyPr/>
-              <a:lstStyle/>
-              <a:p>
-                <a:r>
-                  <a:rPr lang="en-US">
-                    <a:noFill/>
-                  </a:rPr>
-                  <a:t> </a:t>
-                </a:r>
-              </a:p>
-            </p:txBody>
-          </p:sp>
-        </mc:Fallback>
-      </mc:AlternateContent>
-      <mc:AlternateContent xmlns:mc="http://schemas.openxmlformats.org/markup-compatibility/2006" xmlns:a14="http://schemas.microsoft.com/office/drawing/2010/main">
-        <mc:Choice Requires="a14">
-          <p:sp>
-            <p:nvSpPr>
-              <p:cNvPr id="10" name="Rectangle 9"/>
+              <p:cNvPr id="7" name="Rectangle 6"/>
               <p:cNvSpPr/>
               <p:nvPr/>
             </p:nvSpPr>
             <p:spPr>
               <a:xfrm>
-                <a:off x="4906859" y="2880503"/>
-                <a:ext cx="5559727" cy="1221745"/>
+                <a:off x="6807540" y="2998291"/>
+                <a:ext cx="4901890" cy="325707"/>
               </a:xfrm>
               <a:prstGeom prst="rect">
                 <a:avLst/>
               </a:prstGeom>
+              <a:solidFill>
+                <a:schemeClr val="accent4">
+                  <a:lumMod val="20000"/>
+                  <a:lumOff val="80000"/>
+                </a:schemeClr>
+              </a:solidFill>
+              <a:ln>
+                <a:noFill/>
+              </a:ln>
+            </p:spPr>
+            <p:style>
+              <a:lnRef idx="1">
+                <a:schemeClr val="accent6"/>
+              </a:lnRef>
+              <a:fillRef idx="3">
+                <a:schemeClr val="accent6"/>
+              </a:fillRef>
+              <a:effectRef idx="2">
+                <a:schemeClr val="accent6"/>
+              </a:effectRef>
+              <a:fontRef idx="minor">
+                <a:schemeClr val="lt1"/>
+              </a:fontRef>
+            </p:style>
+            <p:txBody>
+              <a:bodyPr rtlCol="0" anchor="ctr"/>
+              <a:lstStyle/>
+              <a:p>
+                <a:pPr algn="ctr"/>
+                <a:r>
+                  <a:rPr lang="en-US" sz="2000" dirty="0" smtClean="0">
+                    <a:solidFill>
+                      <a:schemeClr val="tx1"/>
+                    </a:solidFill>
+                    <a:latin typeface="Times New Roman" panose="02020603050405020304" pitchFamily="18" charset="0"/>
+                    <a:cs typeface="Times New Roman" panose="02020603050405020304" pitchFamily="18" charset="0"/>
+                  </a:rPr>
+                  <a:t>Eclipse</a:t>
+                </a:r>
+                <a:endParaRPr lang="en-US" dirty="0">
+                  <a:solidFill>
+                    <a:schemeClr val="tx1"/>
+                  </a:solidFill>
+                  <a:latin typeface="Times New Roman" panose="02020603050405020304" pitchFamily="18" charset="0"/>
+                  <a:cs typeface="Times New Roman" panose="02020603050405020304" pitchFamily="18" charset="0"/>
+                </a:endParaRPr>
+              </a:p>
+            </p:txBody>
+          </p:sp>
+          <p:grpSp>
+            <p:nvGrpSpPr>
+              <p:cNvPr id="8" name="Group 7"/>
+              <p:cNvGrpSpPr/>
+              <p:nvPr/>
+            </p:nvGrpSpPr>
+            <p:grpSpPr>
+              <a:xfrm>
+                <a:off x="10558974" y="2697349"/>
+                <a:ext cx="1146761" cy="292441"/>
+                <a:chOff x="2155165" y="2924316"/>
+                <a:chExt cx="1159535" cy="457945"/>
+              </a:xfrm>
+            </p:grpSpPr>
+            <p:sp>
+              <p:nvSpPr>
+                <p:cNvPr id="9" name="Rectangle 8"/>
+                <p:cNvSpPr/>
+                <p:nvPr/>
+              </p:nvSpPr>
+              <p:spPr>
+                <a:xfrm>
+                  <a:off x="2155165" y="2924316"/>
+                  <a:ext cx="1159535" cy="457945"/>
+                </a:xfrm>
+                <a:prstGeom prst="rect">
+                  <a:avLst/>
+                </a:prstGeom>
+                <a:ln>
+                  <a:solidFill>
+                    <a:schemeClr val="accent1"/>
+                  </a:solidFill>
+                </a:ln>
+              </p:spPr>
+              <p:style>
+                <a:lnRef idx="1">
+                  <a:schemeClr val="accent2"/>
+                </a:lnRef>
+                <a:fillRef idx="3">
+                  <a:schemeClr val="accent2"/>
+                </a:fillRef>
+                <a:effectRef idx="2">
+                  <a:schemeClr val="accent2"/>
+                </a:effectRef>
+                <a:fontRef idx="minor">
+                  <a:schemeClr val="lt1"/>
+                </a:fontRef>
+              </p:style>
+              <p:txBody>
+                <a:bodyPr rtlCol="0" anchor="ctr"/>
+                <a:lstStyle/>
+                <a:p>
+                  <a:pPr algn="ctr"/>
+                  <a:endParaRPr lang="en-US">
+                    <a:latin typeface="Times New Roman" panose="02020603050405020304" pitchFamily="18" charset="0"/>
+                    <a:cs typeface="Times New Roman" panose="02020603050405020304" pitchFamily="18" charset="0"/>
+                  </a:endParaRPr>
+                </a:p>
+              </p:txBody>
+            </p:sp>
+            <p:sp>
+              <p:nvSpPr>
+                <p:cNvPr id="10" name="Isosceles Triangle 9"/>
+                <p:cNvSpPr/>
+                <p:nvPr/>
+              </p:nvSpPr>
+              <p:spPr>
+                <a:xfrm rot="5400000">
+                  <a:off x="2871428" y="2979203"/>
+                  <a:ext cx="413086" cy="304800"/>
+                </a:xfrm>
+                <a:prstGeom prst="triangle">
+                  <a:avLst/>
+                </a:prstGeom>
+                <a:ln>
+                  <a:solidFill>
+                    <a:schemeClr val="accent1"/>
+                  </a:solidFill>
+                </a:ln>
+              </p:spPr>
+              <p:style>
+                <a:lnRef idx="2">
+                  <a:schemeClr val="dk1">
+                    <a:shade val="50000"/>
+                  </a:schemeClr>
+                </a:lnRef>
+                <a:fillRef idx="1">
+                  <a:schemeClr val="dk1"/>
+                </a:fillRef>
+                <a:effectRef idx="0">
+                  <a:schemeClr val="dk1"/>
+                </a:effectRef>
+                <a:fontRef idx="minor">
+                  <a:schemeClr val="lt1"/>
+                </a:fontRef>
+              </p:style>
+              <p:txBody>
+                <a:bodyPr rtlCol="0" anchor="ctr"/>
+                <a:lstStyle/>
+                <a:p>
+                  <a:pPr algn="ctr"/>
+                  <a:endParaRPr lang="en-US">
+                    <a:latin typeface="Times New Roman" panose="02020603050405020304" pitchFamily="18" charset="0"/>
+                    <a:cs typeface="Times New Roman" panose="02020603050405020304" pitchFamily="18" charset="0"/>
+                  </a:endParaRPr>
+                </a:p>
+              </p:txBody>
+            </p:sp>
+          </p:grpSp>
+          <p:sp>
+            <p:nvSpPr>
+              <p:cNvPr id="11" name="TextBox 10"/>
+              <p:cNvSpPr txBox="1"/>
+              <p:nvPr/>
+            </p:nvSpPr>
+            <p:spPr>
+              <a:xfrm>
+                <a:off x="10558975" y="2678785"/>
+                <a:ext cx="820374" cy="307777"/>
+              </a:xfrm>
+              <a:prstGeom prst="rect">
+                <a:avLst/>
+              </a:prstGeom>
+              <a:noFill/>
+              <a:ln>
+                <a:noFill/>
+              </a:ln>
+            </p:spPr>
+            <p:txBody>
+              <a:bodyPr wrap="square" rtlCol="0">
+                <a:spAutoFit/>
+              </a:bodyPr>
+              <a:lstStyle/>
+              <a:p>
+                <a:r>
+                  <a:rPr lang="en-US" sz="1400" b="1" dirty="0" smtClean="0">
+                    <a:solidFill>
+                      <a:srgbClr val="FFFFFF"/>
+                    </a:solidFill>
+                    <a:latin typeface="Times New Roman" panose="02020603050405020304" pitchFamily="18" charset="0"/>
+                    <a:cs typeface="Times New Roman" panose="02020603050405020304" pitchFamily="18" charset="0"/>
+                  </a:rPr>
+                  <a:t>AGREE</a:t>
+                </a:r>
+                <a:endParaRPr lang="en-US" sz="1400" b="1" dirty="0">
+                  <a:solidFill>
+                    <a:srgbClr val="FFFFFF"/>
+                  </a:solidFill>
+                  <a:latin typeface="Times New Roman" panose="02020603050405020304" pitchFamily="18" charset="0"/>
+                  <a:cs typeface="Times New Roman" panose="02020603050405020304" pitchFamily="18" charset="0"/>
+                </a:endParaRPr>
+              </a:p>
+            </p:txBody>
+          </p:sp>
+          <p:sp>
+            <p:nvSpPr>
+              <p:cNvPr id="12" name="TextBox 11"/>
+              <p:cNvSpPr txBox="1"/>
+              <p:nvPr/>
+            </p:nvSpPr>
+            <p:spPr>
+              <a:xfrm>
+                <a:off x="6678681" y="2619545"/>
+                <a:ext cx="3313637" cy="400110"/>
+              </a:xfrm>
+              <a:prstGeom prst="rect">
+                <a:avLst/>
+              </a:prstGeom>
+              <a:noFill/>
+              <a:ln>
+                <a:noFill/>
+              </a:ln>
+            </p:spPr>
+            <p:txBody>
+              <a:bodyPr wrap="square" rtlCol="0">
+                <a:spAutoFit/>
+              </a:bodyPr>
+              <a:lstStyle/>
+              <a:p>
+                <a:r>
+                  <a:rPr lang="en-US" sz="2000" b="1" dirty="0" smtClean="0">
+                    <a:solidFill>
+                      <a:srgbClr val="FFFFFF"/>
+                    </a:solidFill>
+                    <a:latin typeface="Times New Roman" panose="02020603050405020304" pitchFamily="18" charset="0"/>
+                    <a:cs typeface="Times New Roman" panose="02020603050405020304" pitchFamily="18" charset="0"/>
+                  </a:rPr>
+                  <a:t>OSATE2</a:t>
+                </a:r>
+                <a:endParaRPr lang="en-US" sz="1600" dirty="0">
+                  <a:solidFill>
+                    <a:srgbClr val="FFFFFF"/>
+                  </a:solidFill>
+                  <a:latin typeface="Times New Roman" panose="02020603050405020304" pitchFamily="18" charset="0"/>
+                  <a:cs typeface="Times New Roman" panose="02020603050405020304" pitchFamily="18" charset="0"/>
+                </a:endParaRPr>
+              </a:p>
+            </p:txBody>
+          </p:sp>
+          <p:sp>
+            <p:nvSpPr>
+              <p:cNvPr id="13" name="Rounded Rectangle 12"/>
+              <p:cNvSpPr/>
+              <p:nvPr/>
+            </p:nvSpPr>
+            <p:spPr>
+              <a:xfrm>
+                <a:off x="7815126" y="2037580"/>
+                <a:ext cx="1097324" cy="445746"/>
+              </a:xfrm>
+              <a:prstGeom prst="roundRect">
+                <a:avLst/>
+              </a:prstGeom>
+              <a:solidFill>
+                <a:schemeClr val="accent1">
+                  <a:lumMod val="20000"/>
+                  <a:lumOff val="80000"/>
+                </a:schemeClr>
+              </a:solidFill>
+              <a:ln>
+                <a:solidFill>
+                  <a:schemeClr val="accent1"/>
+                </a:solidFill>
+              </a:ln>
+            </p:spPr>
+            <p:style>
+              <a:lnRef idx="2">
+                <a:schemeClr val="dk1"/>
+              </a:lnRef>
+              <a:fillRef idx="1">
+                <a:schemeClr val="lt1"/>
+              </a:fillRef>
+              <a:effectRef idx="0">
+                <a:schemeClr val="dk1"/>
+              </a:effectRef>
+              <a:fontRef idx="minor">
+                <a:schemeClr val="dk1"/>
+              </a:fontRef>
+            </p:style>
+            <p:txBody>
+              <a:bodyPr rtlCol="0" anchor="ctr"/>
+              <a:lstStyle/>
+              <a:p>
+                <a:pPr algn="ctr"/>
+                <a:r>
+                  <a:rPr lang="en-US" sz="1600" dirty="0" smtClean="0">
+                    <a:latin typeface="Agency FB" panose="020B0503020202020204" pitchFamily="34" charset="0"/>
+                    <a:cs typeface="Times New Roman" panose="02020603050405020304" pitchFamily="18" charset="0"/>
+                  </a:rPr>
+                  <a:t>Extended-AGREE</a:t>
+                </a:r>
+                <a:endParaRPr lang="en-US" sz="1600" dirty="0">
+                  <a:latin typeface="Agency FB" panose="020B0503020202020204" pitchFamily="34" charset="0"/>
+                  <a:cs typeface="Times New Roman" panose="02020603050405020304" pitchFamily="18" charset="0"/>
+                </a:endParaRPr>
+              </a:p>
+            </p:txBody>
+          </p:sp>
+          <p:cxnSp>
+            <p:nvCxnSpPr>
+              <p:cNvPr id="14" name="Straight Arrow Connector 13"/>
+              <p:cNvCxnSpPr/>
+              <p:nvPr/>
+            </p:nvCxnSpPr>
+            <p:spPr>
+              <a:xfrm>
+                <a:off x="8912450" y="2178734"/>
+                <a:ext cx="1496613" cy="0"/>
+              </a:xfrm>
+              <a:prstGeom prst="straightConnector1">
+                <a:avLst/>
+              </a:prstGeom>
+              <a:ln w="6350">
+                <a:solidFill>
+                  <a:schemeClr val="accent1"/>
+                </a:solidFill>
+                <a:tailEnd type="triangle"/>
+              </a:ln>
+            </p:spPr>
+            <p:style>
+              <a:lnRef idx="1">
+                <a:schemeClr val="accent1"/>
+              </a:lnRef>
+              <a:fillRef idx="0">
+                <a:schemeClr val="accent1"/>
+              </a:fillRef>
+              <a:effectRef idx="0">
+                <a:schemeClr val="accent1"/>
+              </a:effectRef>
+              <a:fontRef idx="minor">
+                <a:schemeClr val="tx1"/>
+              </a:fontRef>
+            </p:style>
+          </p:cxnSp>
+          <p:cxnSp>
+            <p:nvCxnSpPr>
+              <p:cNvPr id="15" name="Straight Arrow Connector 14"/>
+              <p:cNvCxnSpPr/>
+              <p:nvPr/>
+            </p:nvCxnSpPr>
+            <p:spPr>
+              <a:xfrm flipH="1">
+                <a:off x="8912450" y="2365659"/>
+                <a:ext cx="1505857" cy="1458"/>
+              </a:xfrm>
+              <a:prstGeom prst="straightConnector1">
+                <a:avLst/>
+              </a:prstGeom>
+              <a:ln w="6350">
+                <a:solidFill>
+                  <a:schemeClr val="accent1"/>
+                </a:solidFill>
+                <a:tailEnd type="triangle"/>
+              </a:ln>
+            </p:spPr>
+            <p:style>
+              <a:lnRef idx="1">
+                <a:schemeClr val="accent1"/>
+              </a:lnRef>
+              <a:fillRef idx="0">
+                <a:schemeClr val="accent1"/>
+              </a:fillRef>
+              <a:effectRef idx="0">
+                <a:schemeClr val="accent1"/>
+              </a:effectRef>
+              <a:fontRef idx="minor">
+                <a:schemeClr val="tx1"/>
+              </a:fontRef>
+            </p:style>
+          </p:cxnSp>
+          <p:sp>
+            <p:nvSpPr>
+              <p:cNvPr id="16" name="Rounded Rectangle 15"/>
+              <p:cNvSpPr/>
+              <p:nvPr/>
+            </p:nvSpPr>
+            <p:spPr>
+              <a:xfrm>
+                <a:off x="10409063" y="2037580"/>
+                <a:ext cx="1097324" cy="443770"/>
+              </a:xfrm>
+              <a:prstGeom prst="roundRect">
+                <a:avLst/>
+              </a:prstGeom>
+              <a:solidFill>
+                <a:schemeClr val="accent1">
+                  <a:lumMod val="20000"/>
+                  <a:lumOff val="80000"/>
+                </a:schemeClr>
+              </a:solidFill>
+              <a:ln>
+                <a:solidFill>
+                  <a:schemeClr val="accent1"/>
+                </a:solidFill>
+              </a:ln>
+            </p:spPr>
+            <p:style>
+              <a:lnRef idx="2">
+                <a:schemeClr val="dk1"/>
+              </a:lnRef>
+              <a:fillRef idx="1">
+                <a:schemeClr val="lt1"/>
+              </a:fillRef>
+              <a:effectRef idx="0">
+                <a:schemeClr val="dk1"/>
+              </a:effectRef>
+              <a:fontRef idx="minor">
+                <a:schemeClr val="dk1"/>
+              </a:fontRef>
+            </p:style>
+            <p:txBody>
+              <a:bodyPr rtlCol="0" anchor="ctr"/>
+              <a:lstStyle/>
+              <a:p>
+                <a:pPr algn="ctr"/>
+                <a:r>
+                  <a:rPr lang="en-US" sz="1600" dirty="0" err="1" smtClean="0">
+                    <a:latin typeface="Agency FB" panose="020B0503020202020204" pitchFamily="34" charset="0"/>
+                    <a:cs typeface="Times New Roman" panose="02020603050405020304" pitchFamily="18" charset="0"/>
+                  </a:rPr>
+                  <a:t>Redlog</a:t>
+                </a:r>
+                <a:endParaRPr lang="en-US" sz="1600" dirty="0">
+                  <a:latin typeface="Agency FB" panose="020B0503020202020204" pitchFamily="34" charset="0"/>
+                  <a:cs typeface="Times New Roman" panose="02020603050405020304" pitchFamily="18" charset="0"/>
+                </a:endParaRPr>
+              </a:p>
+            </p:txBody>
+          </p:sp>
+          <p:sp>
+            <p:nvSpPr>
+              <p:cNvPr id="17" name="Rounded Rectangular Callout 16"/>
+              <p:cNvSpPr/>
+              <p:nvPr/>
+            </p:nvSpPr>
+            <p:spPr>
+              <a:xfrm>
+                <a:off x="6705600" y="1957338"/>
+                <a:ext cx="5105771" cy="587631"/>
+              </a:xfrm>
+              <a:prstGeom prst="wedgeRoundRectCallout">
+                <a:avLst>
+                  <a:gd name="adj1" fmla="val 39717"/>
+                  <a:gd name="adj2" fmla="val 69952"/>
+                  <a:gd name="adj3" fmla="val 16667"/>
+                </a:avLst>
+              </a:prstGeom>
+              <a:noFill/>
+              <a:ln w="19050" cap="flat" cmpd="sng" algn="ctr">
+                <a:solidFill>
+                  <a:schemeClr val="accent1"/>
+                </a:solidFill>
+                <a:prstDash val="dash"/>
+              </a:ln>
+              <a:effectLst/>
+            </p:spPr>
+            <p:txBody>
+              <a:bodyPr rtlCol="0" anchor="ctr"/>
+              <a:lstStyle/>
+              <a:p>
+                <a:pPr marL="0" marR="0" lvl="0" indent="0" algn="ctr" defTabSz="914400" eaLnBrk="1" fontAlgn="base" latinLnBrk="0" hangingPunct="1">
+                  <a:lnSpc>
+                    <a:spcPct val="100000"/>
+                  </a:lnSpc>
+                  <a:spcBef>
+                    <a:spcPct val="0"/>
+                  </a:spcBef>
+                  <a:spcAft>
+                    <a:spcPct val="0"/>
+                  </a:spcAft>
+                  <a:buClrTx/>
+                  <a:buSzTx/>
+                  <a:buFontTx/>
+                  <a:buNone/>
+                  <a:tabLst/>
+                  <a:defRPr/>
+                </a:pPr>
+                <a:endParaRPr kumimoji="0" lang="en-US" sz="2800" b="1" i="0" u="none" strike="noStrike" kern="0" cap="none" spc="0" normalizeH="0" baseline="0" noProof="0" dirty="0" smtClean="0">
+                  <a:ln>
+                    <a:noFill/>
+                  </a:ln>
+                  <a:solidFill>
+                    <a:srgbClr val="FFFFFF"/>
+                  </a:solidFill>
+                  <a:effectLst/>
+                  <a:uLnTx/>
+                  <a:uFillTx/>
+                  <a:latin typeface="Garamond"/>
+                  <a:ea typeface="+mn-ea"/>
+                  <a:cs typeface="Arial"/>
+                </a:endParaRPr>
+              </a:p>
+            </p:txBody>
+          </p:sp>
+          <p:cxnSp>
+            <p:nvCxnSpPr>
+              <p:cNvPr id="18" name="Straight Arrow Connector 17"/>
+              <p:cNvCxnSpPr/>
+              <p:nvPr/>
+            </p:nvCxnSpPr>
+            <p:spPr>
+              <a:xfrm>
+                <a:off x="7078526" y="2178734"/>
+                <a:ext cx="736600" cy="0"/>
+              </a:xfrm>
+              <a:prstGeom prst="straightConnector1">
+                <a:avLst/>
+              </a:prstGeom>
+              <a:ln w="6350">
+                <a:solidFill>
+                  <a:schemeClr val="accent1"/>
+                </a:solidFill>
+                <a:tailEnd type="triangle"/>
+              </a:ln>
+            </p:spPr>
+            <p:style>
+              <a:lnRef idx="1">
+                <a:schemeClr val="accent1"/>
+              </a:lnRef>
+              <a:fillRef idx="0">
+                <a:schemeClr val="accent1"/>
+              </a:fillRef>
+              <a:effectRef idx="0">
+                <a:schemeClr val="accent1"/>
+              </a:effectRef>
+              <a:fontRef idx="minor">
+                <a:schemeClr val="tx1"/>
+              </a:fontRef>
+            </p:style>
+          </p:cxnSp>
+          <p:cxnSp>
+            <p:nvCxnSpPr>
+              <p:cNvPr id="19" name="Straight Arrow Connector 18"/>
+              <p:cNvCxnSpPr/>
+              <p:nvPr/>
+            </p:nvCxnSpPr>
+            <p:spPr>
+              <a:xfrm flipH="1">
+                <a:off x="7068283" y="2367117"/>
+                <a:ext cx="736600" cy="0"/>
+              </a:xfrm>
+              <a:prstGeom prst="straightConnector1">
+                <a:avLst/>
+              </a:prstGeom>
+              <a:ln w="6350">
+                <a:solidFill>
+                  <a:schemeClr val="accent1"/>
+                </a:solidFill>
+                <a:tailEnd type="triangle"/>
+              </a:ln>
+            </p:spPr>
+            <p:style>
+              <a:lnRef idx="1">
+                <a:schemeClr val="accent1"/>
+              </a:lnRef>
+              <a:fillRef idx="0">
+                <a:schemeClr val="accent1"/>
+              </a:fillRef>
+              <a:effectRef idx="0">
+                <a:schemeClr val="accent1"/>
+              </a:effectRef>
+              <a:fontRef idx="minor">
+                <a:schemeClr val="tx1"/>
+              </a:fontRef>
+            </p:style>
+          </p:cxnSp>
+          <p:sp>
+            <p:nvSpPr>
+              <p:cNvPr id="20" name="Rectangle 19"/>
+              <p:cNvSpPr/>
+              <p:nvPr/>
+            </p:nvSpPr>
+            <p:spPr>
+              <a:xfrm>
+                <a:off x="7092836" y="2111612"/>
+                <a:ext cx="583814" cy="307777"/>
+              </a:xfrm>
+              <a:prstGeom prst="rect">
+                <a:avLst/>
+              </a:prstGeom>
+              <a:ln>
+                <a:noFill/>
+              </a:ln>
             </p:spPr>
             <p:txBody>
               <a:bodyPr wrap="none">
@@ -11589,552 +11852,33 @@
               <a:lstStyle/>
               <a:p>
                 <a:r>
-                  <a:rPr lang="en-US" b="0" i="0" dirty="0" smtClean="0">
+                  <a:rPr lang="en-US" sz="1400" dirty="0" smtClean="0">
                     <a:latin typeface="Times New Roman" panose="02020603050405020304" pitchFamily="18" charset="0"/>
                     <a:cs typeface="Times New Roman" panose="02020603050405020304" pitchFamily="18" charset="0"/>
                   </a:rPr>
-                  <a:t>Component variables:     </a:t>
+                  <a:t>result</a:t>
                 </a:r>
-                <a14:m>
-                  <m:oMath xmlns:m="http://schemas.openxmlformats.org/officeDocument/2006/math">
-                    <m:sSub>
-                      <m:sSubPr>
-                        <m:ctrlPr>
-                          <a:rPr lang="en-US" b="0" i="1" smtClean="0">
-                            <a:latin typeface="Cambria Math" panose="02040503050406030204" pitchFamily="18" charset="0"/>
-                          </a:rPr>
-                        </m:ctrlPr>
-                      </m:sSubPr>
-                      <m:e>
-                        <m:r>
-                          <a:rPr lang="en-US" b="0" i="1" smtClean="0">
-                            <a:latin typeface="Cambria Math" panose="02040503050406030204" pitchFamily="18" charset="0"/>
-                          </a:rPr>
-                          <m:t>𝑥</m:t>
-                        </m:r>
-                      </m:e>
-                      <m:sub>
-                        <m:r>
-                          <a:rPr lang="en-US" b="0" i="1" smtClean="0">
-                            <a:latin typeface="Cambria Math" panose="02040503050406030204" pitchFamily="18" charset="0"/>
-                          </a:rPr>
-                          <m:t>1</m:t>
-                        </m:r>
-                      </m:sub>
-                    </m:sSub>
-                    <m:r>
-                      <a:rPr lang="en-US" b="0" i="1" smtClean="0">
-                        <a:latin typeface="Cambria Math" panose="02040503050406030204" pitchFamily="18" charset="0"/>
-                      </a:rPr>
-                      <m:t>,…,</m:t>
-                    </m:r>
-                    <m:sSub>
-                      <m:sSubPr>
-                        <m:ctrlPr>
-                          <a:rPr lang="en-US" b="0" i="1" smtClean="0">
-                            <a:latin typeface="Cambria Math" panose="02040503050406030204" pitchFamily="18" charset="0"/>
-                          </a:rPr>
-                        </m:ctrlPr>
-                      </m:sSubPr>
-                      <m:e>
-                        <m:r>
-                          <a:rPr lang="en-US" b="0" i="1" smtClean="0">
-                            <a:latin typeface="Cambria Math" panose="02040503050406030204" pitchFamily="18" charset="0"/>
-                          </a:rPr>
-                          <m:t>𝑥</m:t>
-                        </m:r>
-                      </m:e>
-                      <m:sub>
-                        <m:r>
-                          <a:rPr lang="en-US" b="0" i="1" smtClean="0">
-                            <a:latin typeface="Cambria Math" panose="02040503050406030204" pitchFamily="18" charset="0"/>
-                          </a:rPr>
-                          <m:t>𝑚</m:t>
-                        </m:r>
-                      </m:sub>
-                    </m:sSub>
-                  </m:oMath>
-                </a14:m>
-                <a:r>
-                  <a:rPr lang="en-US" dirty="0" smtClean="0"/>
-                  <a:t/>
-                </a:r>
-                <a:br>
-                  <a:rPr lang="en-US" dirty="0" smtClean="0"/>
-                </a:br>
-                <a:r>
-                  <a:rPr lang="en-US" b="0" i="0" dirty="0" smtClean="0">
-                    <a:latin typeface="Times New Roman" panose="02020603050405020304" pitchFamily="18" charset="0"/>
-                    <a:cs typeface="Times New Roman" panose="02020603050405020304" pitchFamily="18" charset="0"/>
-                  </a:rPr>
-                  <a:t>System variables:</a:t>
-                </a:r>
-                <a:r>
-                  <a:rPr lang="en-US" b="0" i="0" dirty="0" smtClean="0">
-                    <a:latin typeface="+mj-lt"/>
-                  </a:rPr>
-                  <a:t>             </a:t>
-                </a:r>
-                <a14:m>
-                  <m:oMath xmlns:m="http://schemas.openxmlformats.org/officeDocument/2006/math">
-                    <m:sSub>
-                      <m:sSubPr>
-                        <m:ctrlPr>
-                          <a:rPr lang="en-US" b="0" i="1" smtClean="0">
-                            <a:solidFill>
-                              <a:srgbClr val="FF0000"/>
-                            </a:solidFill>
-                            <a:latin typeface="Cambria Math" panose="02040503050406030204" pitchFamily="18" charset="0"/>
-                          </a:rPr>
-                        </m:ctrlPr>
-                      </m:sSubPr>
-                      <m:e>
-                        <m:r>
-                          <a:rPr lang="en-US" b="0" i="1" smtClean="0">
-                            <a:solidFill>
-                              <a:srgbClr val="FF0000"/>
-                            </a:solidFill>
-                            <a:latin typeface="Cambria Math" panose="02040503050406030204" pitchFamily="18" charset="0"/>
-                          </a:rPr>
-                          <m:t>𝑥</m:t>
-                        </m:r>
-                      </m:e>
-                      <m:sub>
-                        <m:r>
-                          <a:rPr lang="en-US" b="0" i="1" smtClean="0">
-                            <a:solidFill>
-                              <a:srgbClr val="FF0000"/>
-                            </a:solidFill>
-                            <a:latin typeface="Cambria Math" panose="02040503050406030204" pitchFamily="18" charset="0"/>
-                          </a:rPr>
-                          <m:t>𝑚</m:t>
-                        </m:r>
-                        <m:r>
-                          <a:rPr lang="en-US" b="0" i="1" smtClean="0">
-                            <a:solidFill>
-                              <a:srgbClr val="FF0000"/>
-                            </a:solidFill>
-                            <a:latin typeface="Cambria Math" panose="02040503050406030204" pitchFamily="18" charset="0"/>
-                          </a:rPr>
-                          <m:t>+1</m:t>
-                        </m:r>
-                      </m:sub>
-                    </m:sSub>
-                    <m:r>
-                      <a:rPr lang="en-US" b="0" i="1" smtClean="0">
-                        <a:solidFill>
-                          <a:srgbClr val="FF0000"/>
-                        </a:solidFill>
-                        <a:latin typeface="Cambria Math" panose="02040503050406030204" pitchFamily="18" charset="0"/>
-                      </a:rPr>
-                      <m:t>,…,</m:t>
-                    </m:r>
-                    <m:sSub>
-                      <m:sSubPr>
-                        <m:ctrlPr>
-                          <a:rPr lang="en-US" b="0" i="1" smtClean="0">
-                            <a:solidFill>
-                              <a:srgbClr val="FF0000"/>
-                            </a:solidFill>
-                            <a:latin typeface="Cambria Math" panose="02040503050406030204" pitchFamily="18" charset="0"/>
-                          </a:rPr>
-                        </m:ctrlPr>
-                      </m:sSubPr>
-                      <m:e>
-                        <m:r>
-                          <a:rPr lang="en-US" b="0" i="1" smtClean="0">
-                            <a:solidFill>
-                              <a:srgbClr val="FF0000"/>
-                            </a:solidFill>
-                            <a:latin typeface="Cambria Math" panose="02040503050406030204" pitchFamily="18" charset="0"/>
-                          </a:rPr>
-                          <m:t>𝑥</m:t>
-                        </m:r>
-                      </m:e>
-                      <m:sub>
-                        <m:r>
-                          <a:rPr lang="en-US" b="0" i="1" smtClean="0">
-                            <a:solidFill>
-                              <a:srgbClr val="FF0000"/>
-                            </a:solidFill>
-                            <a:latin typeface="Cambria Math" panose="02040503050406030204" pitchFamily="18" charset="0"/>
-                          </a:rPr>
-                          <m:t>𝑛</m:t>
-                        </m:r>
-                      </m:sub>
-                    </m:sSub>
-                  </m:oMath>
-                </a14:m>
-                <a:r>
-                  <a:rPr lang="en-US" b="0" dirty="0" smtClean="0"/>
-                  <a:t/>
-                </a:r>
-                <a:br>
-                  <a:rPr lang="en-US" b="0" dirty="0" smtClean="0"/>
-                </a:br>
-                <a:r>
-                  <a:rPr lang="en-US" b="0" i="0" dirty="0" smtClean="0">
-                    <a:latin typeface="Times New Roman" panose="02020603050405020304" pitchFamily="18" charset="0"/>
-                    <a:cs typeface="Times New Roman" panose="02020603050405020304" pitchFamily="18" charset="0"/>
-                  </a:rPr>
-                  <a:t>Component contracts:</a:t>
-                </a:r>
-                <a:r>
-                  <a:rPr lang="en-US" b="0" i="0" dirty="0" smtClean="0">
-                    <a:latin typeface="+mj-lt"/>
-                  </a:rPr>
-                  <a:t>     </a:t>
-                </a:r>
-                <a14:m>
-                  <m:oMath xmlns:m="http://schemas.openxmlformats.org/officeDocument/2006/math">
-                    <m:sSub>
-                      <m:sSubPr>
-                        <m:ctrlPr>
-                          <a:rPr lang="en-US" b="0" i="1" smtClean="0">
-                            <a:latin typeface="Cambria Math" panose="02040503050406030204" pitchFamily="18" charset="0"/>
-                          </a:rPr>
-                        </m:ctrlPr>
-                      </m:sSubPr>
-                      <m:e>
-                        <m:r>
-                          <a:rPr lang="en-US" b="0" i="1" smtClean="0">
-                            <a:latin typeface="Cambria Math" panose="02040503050406030204" pitchFamily="18" charset="0"/>
-                          </a:rPr>
-                          <m:t>𝐴</m:t>
-                        </m:r>
-                      </m:e>
-                      <m:sub>
-                        <m:r>
-                          <a:rPr lang="en-US" b="0" i="1" smtClean="0">
-                            <a:latin typeface="Cambria Math" panose="02040503050406030204" pitchFamily="18" charset="0"/>
-                          </a:rPr>
-                          <m:t>𝑖</m:t>
-                        </m:r>
-                      </m:sub>
-                    </m:sSub>
-                    <m:r>
-                      <a:rPr lang="en-US" b="0" i="1" smtClean="0">
-                        <a:latin typeface="Cambria Math" panose="02040503050406030204" pitchFamily="18" charset="0"/>
-                      </a:rPr>
-                      <m:t>⇒</m:t>
-                    </m:r>
-                    <m:sSub>
-                      <m:sSubPr>
-                        <m:ctrlPr>
-                          <a:rPr lang="en-US" i="1">
-                            <a:latin typeface="Cambria Math" panose="02040503050406030204" pitchFamily="18" charset="0"/>
-                          </a:rPr>
-                        </m:ctrlPr>
-                      </m:sSubPr>
-                      <m:e>
-                        <m:r>
-                          <a:rPr lang="en-US" i="1">
-                            <a:latin typeface="Cambria Math" panose="02040503050406030204" pitchFamily="18" charset="0"/>
-                          </a:rPr>
-                          <m:t>𝐺</m:t>
-                        </m:r>
-                      </m:e>
-                      <m:sub>
-                        <m:r>
-                          <a:rPr lang="en-US" i="1">
-                            <a:latin typeface="Cambria Math" panose="02040503050406030204" pitchFamily="18" charset="0"/>
-                          </a:rPr>
-                          <m:t>𝑖</m:t>
-                        </m:r>
-                      </m:sub>
-                    </m:sSub>
-                    <m:r>
-                      <a:rPr lang="en-US" i="1">
-                        <a:latin typeface="Cambria Math" panose="02040503050406030204" pitchFamily="18" charset="0"/>
-                      </a:rPr>
-                      <m:t>,     </m:t>
-                    </m:r>
-                    <m:r>
-                      <a:rPr lang="en-US" i="1">
-                        <a:latin typeface="Cambria Math" panose="02040503050406030204" pitchFamily="18" charset="0"/>
-                      </a:rPr>
-                      <m:t>𝑖</m:t>
-                    </m:r>
-                    <m:r>
-                      <a:rPr lang="en-US" i="1">
-                        <a:latin typeface="Cambria Math" panose="02040503050406030204" pitchFamily="18" charset="0"/>
-                      </a:rPr>
-                      <m:t>=1,…,</m:t>
-                    </m:r>
-                    <m:r>
-                      <a:rPr lang="en-US" i="1">
-                        <a:latin typeface="Cambria Math" panose="02040503050406030204" pitchFamily="18" charset="0"/>
-                      </a:rPr>
-                      <m:t>𝑁</m:t>
-                    </m:r>
-                  </m:oMath>
-                </a14:m>
-                <a:r>
-                  <a:rPr lang="en-US" b="0" dirty="0" smtClean="0"/>
-                  <a:t/>
-                </a:r>
-                <a:br>
-                  <a:rPr lang="en-US" b="0" dirty="0" smtClean="0"/>
-                </a:br>
-                <a:r>
-                  <a:rPr lang="en-US" b="0" i="0" dirty="0" smtClean="0">
-                    <a:latin typeface="Times New Roman" panose="02020603050405020304" pitchFamily="18" charset="0"/>
-                    <a:cs typeface="Times New Roman" panose="02020603050405020304" pitchFamily="18" charset="0"/>
-                  </a:rPr>
-                  <a:t>Connectivity set:</a:t>
-                </a:r>
-                <a:r>
-                  <a:rPr lang="en-US" b="0" i="0" dirty="0" smtClean="0">
-                    <a:latin typeface="+mj-lt"/>
-                  </a:rPr>
-                  <a:t>              </a:t>
-                </a:r>
-                <a14:m>
-                  <m:oMath xmlns:m="http://schemas.openxmlformats.org/officeDocument/2006/math">
-                    <m:r>
-                      <a:rPr lang="en-US" b="0" i="1" smtClean="0">
-                        <a:latin typeface="Cambria Math" panose="02040503050406030204" pitchFamily="18" charset="0"/>
-                      </a:rPr>
-                      <m:t>𝐶</m:t>
-                    </m:r>
-                    <m:r>
-                      <a:rPr lang="en-US" b="0" i="1" smtClean="0">
-                        <a:latin typeface="Cambria Math" panose="02040503050406030204" pitchFamily="18" charset="0"/>
-                      </a:rPr>
-                      <m:t>={(</m:t>
-                    </m:r>
-                    <m:r>
-                      <a:rPr lang="en-US" b="0" i="1" smtClean="0">
-                        <a:latin typeface="Cambria Math" panose="02040503050406030204" pitchFamily="18" charset="0"/>
-                      </a:rPr>
-                      <m:t>𝑝</m:t>
-                    </m:r>
-                    <m:r>
-                      <a:rPr lang="en-US" b="0" i="1" smtClean="0">
-                        <a:latin typeface="Cambria Math" panose="02040503050406030204" pitchFamily="18" charset="0"/>
-                      </a:rPr>
-                      <m:t>,</m:t>
-                    </m:r>
-                    <m:r>
-                      <a:rPr lang="en-US" b="0" i="1" smtClean="0">
-                        <a:latin typeface="Cambria Math" panose="02040503050406030204" pitchFamily="18" charset="0"/>
-                      </a:rPr>
-                      <m:t>𝑞</m:t>
-                    </m:r>
-                    <m:r>
-                      <a:rPr lang="en-US" b="0" i="1" smtClean="0">
-                        <a:latin typeface="Cambria Math" panose="02040503050406030204" pitchFamily="18" charset="0"/>
-                      </a:rPr>
-                      <m:t>)|</m:t>
-                    </m:r>
-                    <m:sSub>
-                      <m:sSubPr>
-                        <m:ctrlPr>
-                          <a:rPr lang="en-US" b="0" i="1" smtClean="0">
-                            <a:latin typeface="Cambria Math" panose="02040503050406030204" pitchFamily="18" charset="0"/>
-                          </a:rPr>
-                        </m:ctrlPr>
-                      </m:sSubPr>
-                      <m:e>
-                        <m:r>
-                          <a:rPr lang="en-US" b="0" i="1" smtClean="0">
-                            <a:latin typeface="Cambria Math" panose="02040503050406030204" pitchFamily="18" charset="0"/>
-                          </a:rPr>
-                          <m:t>𝑥</m:t>
-                        </m:r>
-                      </m:e>
-                      <m:sub>
-                        <m:r>
-                          <a:rPr lang="en-US" b="0" i="1" smtClean="0">
-                            <a:latin typeface="Cambria Math" panose="02040503050406030204" pitchFamily="18" charset="0"/>
-                          </a:rPr>
-                          <m:t>𝑝</m:t>
-                        </m:r>
-                      </m:sub>
-                    </m:sSub>
-                    <m:r>
-                      <a:rPr lang="en-US" b="0" i="1" smtClean="0">
-                        <a:latin typeface="Cambria Math" panose="02040503050406030204" pitchFamily="18" charset="0"/>
-                      </a:rPr>
-                      <m:t> </m:t>
-                    </m:r>
-                    <m:r>
-                      <a:rPr lang="en-US" b="0" i="1" smtClean="0">
-                        <a:latin typeface="Cambria Math" panose="02040503050406030204" pitchFamily="18" charset="0"/>
-                      </a:rPr>
-                      <m:t>𝑐𝑜𝑛𝑛𝑒𝑐𝑡𝑠</m:t>
-                    </m:r>
-                    <m:r>
-                      <a:rPr lang="en-US" b="0" i="1" smtClean="0">
-                        <a:latin typeface="Cambria Math" panose="02040503050406030204" pitchFamily="18" charset="0"/>
-                      </a:rPr>
-                      <m:t> </m:t>
-                    </m:r>
-                    <m:r>
-                      <a:rPr lang="en-US" b="0" i="1" smtClean="0">
-                        <a:latin typeface="Cambria Math" panose="02040503050406030204" pitchFamily="18" charset="0"/>
-                      </a:rPr>
-                      <m:t>𝑡𝑜</m:t>
-                    </m:r>
-                    <m:r>
-                      <a:rPr lang="en-US" b="0" i="1" smtClean="0">
-                        <a:latin typeface="Cambria Math" panose="02040503050406030204" pitchFamily="18" charset="0"/>
-                      </a:rPr>
-                      <m:t> </m:t>
-                    </m:r>
-                    <m:sSub>
-                      <m:sSubPr>
-                        <m:ctrlPr>
-                          <a:rPr lang="en-US" b="0" i="1" smtClean="0">
-                            <a:latin typeface="Cambria Math" panose="02040503050406030204" pitchFamily="18" charset="0"/>
-                          </a:rPr>
-                        </m:ctrlPr>
-                      </m:sSubPr>
-                      <m:e>
-                        <m:r>
-                          <a:rPr lang="en-US" b="0" i="1" smtClean="0">
-                            <a:latin typeface="Cambria Math" panose="02040503050406030204" pitchFamily="18" charset="0"/>
-                          </a:rPr>
-                          <m:t>𝑥</m:t>
-                        </m:r>
-                      </m:e>
-                      <m:sub>
-                        <m:r>
-                          <a:rPr lang="en-US" b="0" i="1" smtClean="0">
-                            <a:latin typeface="Cambria Math" panose="02040503050406030204" pitchFamily="18" charset="0"/>
-                          </a:rPr>
-                          <m:t>𝑞</m:t>
-                        </m:r>
-                      </m:sub>
-                    </m:sSub>
-                    <m:r>
-                      <a:rPr lang="en-US" b="0" i="1" smtClean="0">
-                        <a:latin typeface="Cambria Math" panose="02040503050406030204" pitchFamily="18" charset="0"/>
-                      </a:rPr>
-                      <m:t> }</m:t>
-                    </m:r>
-                  </m:oMath>
-                </a14:m>
-                <a:endParaRPr lang="en-US" dirty="0" smtClean="0"/>
+                <a:endParaRPr lang="en-US" sz="1400" dirty="0"/>
               </a:p>
             </p:txBody>
           </p:sp>
-        </mc:Choice>
-        <mc:Fallback xmlns="">
           <p:sp>
             <p:nvSpPr>
-              <p:cNvPr id="10" name="Rectangle 9"/>
-              <p:cNvSpPr>
-                <a:spLocks noRot="1" noChangeAspect="1" noMove="1" noResize="1" noEditPoints="1" noAdjustHandles="1" noChangeArrowheads="1" noChangeShapeType="1" noTextEdit="1"/>
-              </p:cNvSpPr>
-              <p:nvPr/>
-            </p:nvSpPr>
-            <p:spPr>
-              <a:xfrm>
-                <a:off x="4906859" y="2880503"/>
-                <a:ext cx="5559727" cy="1221745"/>
-              </a:xfrm>
-              <a:prstGeom prst="rect">
-                <a:avLst/>
-              </a:prstGeom>
-              <a:blipFill rotWithShape="0">
-                <a:blip r:embed="rId4"/>
-                <a:stretch>
-                  <a:fillRect l="-987" t="-3500" b="-5500"/>
-                </a:stretch>
-              </a:blipFill>
-            </p:spPr>
-            <p:txBody>
-              <a:bodyPr/>
-              <a:lstStyle/>
-              <a:p>
-                <a:r>
-                  <a:rPr lang="en-US">
-                    <a:noFill/>
-                  </a:rPr>
-                  <a:t> </a:t>
-                </a:r>
-              </a:p>
-            </p:txBody>
-          </p:sp>
-        </mc:Fallback>
-      </mc:AlternateContent>
-      <p:sp>
-        <p:nvSpPr>
-          <p:cNvPr id="11" name="Rectangle 10"/>
-          <p:cNvSpPr/>
-          <p:nvPr/>
-        </p:nvSpPr>
-        <p:spPr>
-          <a:xfrm>
-            <a:off x="489857" y="4997553"/>
-            <a:ext cx="10718800" cy="369332"/>
-          </a:xfrm>
-          <a:prstGeom prst="rect">
-            <a:avLst/>
-          </a:prstGeom>
-        </p:spPr>
-        <p:txBody>
-          <a:bodyPr wrap="square">
-            <a:spAutoFit/>
-          </a:bodyPr>
-          <a:lstStyle/>
-          <a:p>
-            <a:r>
-              <a:rPr lang="en-US" b="1" dirty="0" smtClean="0">
-                <a:latin typeface="Times New Roman" panose="02020603050405020304" pitchFamily="18" charset="0"/>
-                <a:cs typeface="Times New Roman" panose="02020603050405020304" pitchFamily="18" charset="0"/>
-              </a:rPr>
-              <a:t>Theorem: </a:t>
-            </a:r>
-            <a:r>
-              <a:rPr lang="en-US" dirty="0">
-                <a:latin typeface="Times New Roman" panose="02020603050405020304" pitchFamily="18" charset="0"/>
-                <a:cs typeface="Times New Roman" panose="02020603050405020304" pitchFamily="18" charset="0"/>
-              </a:rPr>
-              <a:t>The strongest system property, </a:t>
-            </a:r>
-            <a:r>
-              <a:rPr lang="en-US" dirty="0" smtClean="0">
-                <a:latin typeface="Times New Roman" panose="02020603050405020304" pitchFamily="18" charset="0"/>
-                <a:cs typeface="Times New Roman" panose="02020603050405020304" pitchFamily="18" charset="0"/>
-              </a:rPr>
-              <a:t>established upon </a:t>
-            </a:r>
-            <a:r>
-              <a:rPr lang="en-US" dirty="0">
-                <a:latin typeface="Times New Roman" panose="02020603050405020304" pitchFamily="18" charset="0"/>
-                <a:cs typeface="Times New Roman" panose="02020603050405020304" pitchFamily="18" charset="0"/>
-              </a:rPr>
-              <a:t>the component contracts and </a:t>
-            </a:r>
-            <a:r>
-              <a:rPr lang="en-US" dirty="0" smtClean="0">
-                <a:latin typeface="Times New Roman" panose="02020603050405020304" pitchFamily="18" charset="0"/>
-                <a:cs typeface="Times New Roman" panose="02020603050405020304" pitchFamily="18" charset="0"/>
-              </a:rPr>
-              <a:t>connectivity is given by:</a:t>
-            </a:r>
-            <a:endParaRPr lang="en-US" dirty="0"/>
-          </a:p>
-        </p:txBody>
-      </p:sp>
-      <mc:AlternateContent xmlns:mc="http://schemas.openxmlformats.org/markup-compatibility/2006" xmlns:a14="http://schemas.microsoft.com/office/drawing/2010/main">
-        <mc:Choice Requires="a14">
-          <p:sp>
-            <p:nvSpPr>
-              <p:cNvPr id="12" name="Rectangle 11"/>
+              <p:cNvPr id="21" name="Rectangle 20"/>
               <p:cNvSpPr/>
               <p:nvPr/>
             </p:nvSpPr>
             <p:spPr>
               <a:xfrm>
-                <a:off x="3248417" y="4522230"/>
-                <a:ext cx="5201680" cy="415242"/>
+                <a:off x="7078526" y="1896430"/>
+                <a:ext cx="529312" cy="307777"/>
               </a:xfrm>
               <a:prstGeom prst="rect">
                 <a:avLst/>
               </a:prstGeom>
+              <a:ln>
+                <a:noFill/>
+              </a:ln>
             </p:spPr>
             <p:txBody>
               <a:bodyPr wrap="none">
@@ -12142,296 +11886,41 @@
               </a:bodyPr>
               <a:lstStyle/>
               <a:p>
-                <a:pPr lvl="1"/>
-                <a14:m>
-                  <m:oMathPara xmlns:m="http://schemas.openxmlformats.org/officeDocument/2006/math">
-                    <m:oMathParaPr>
-                      <m:jc m:val="centerGroup"/>
-                    </m:oMathParaPr>
-                    <m:oMath xmlns:m="http://schemas.openxmlformats.org/officeDocument/2006/math">
-                      <m:r>
-                        <a:rPr lang="en-US" i="1" kern="0" dirty="0">
-                          <a:latin typeface="Cambria Math" panose="02040503050406030204" pitchFamily="18" charset="0"/>
-                          <a:cs typeface="Times New Roman" charset="0"/>
-                        </a:rPr>
-                        <m:t>∀ </m:t>
-                      </m:r>
-                      <m:sSub>
-                        <m:sSubPr>
-                          <m:ctrlPr>
-                            <a:rPr lang="en-US" i="1" kern="0" dirty="0">
-                              <a:latin typeface="Cambria Math" panose="02040503050406030204" pitchFamily="18" charset="0"/>
-                              <a:cs typeface="Times New Roman" charset="0"/>
-                            </a:rPr>
-                          </m:ctrlPr>
-                        </m:sSubPr>
-                        <m:e>
-                          <m:r>
-                            <a:rPr lang="en-US" i="1" kern="0" dirty="0">
-                              <a:latin typeface="Cambria Math" panose="02040503050406030204" pitchFamily="18" charset="0"/>
-                              <a:cs typeface="Times New Roman" charset="0"/>
-                            </a:rPr>
-                            <m:t>𝑥</m:t>
-                          </m:r>
-                        </m:e>
-                        <m:sub>
-                          <m:r>
-                            <a:rPr lang="en-US" i="1" kern="0" dirty="0">
-                              <a:latin typeface="Cambria Math" panose="02040503050406030204" pitchFamily="18" charset="0"/>
-                              <a:cs typeface="Times New Roman" charset="0"/>
-                            </a:rPr>
-                            <m:t>𝑚</m:t>
-                          </m:r>
-                          <m:r>
-                            <a:rPr lang="en-US" i="1" kern="0" dirty="0">
-                              <a:latin typeface="Cambria Math" panose="02040503050406030204" pitchFamily="18" charset="0"/>
-                              <a:cs typeface="Times New Roman" charset="0"/>
-                            </a:rPr>
-                            <m:t>+1</m:t>
-                          </m:r>
-                        </m:sub>
-                      </m:sSub>
-                      <m:r>
-                        <a:rPr lang="en-US" i="1" kern="0" dirty="0">
-                          <a:latin typeface="Cambria Math" panose="02040503050406030204" pitchFamily="18" charset="0"/>
-                          <a:cs typeface="Times New Roman" charset="0"/>
-                        </a:rPr>
-                        <m:t>…∀</m:t>
-                      </m:r>
-                      <m:sSub>
-                        <m:sSubPr>
-                          <m:ctrlPr>
-                            <a:rPr lang="en-US" i="1" kern="0" dirty="0">
-                              <a:latin typeface="Cambria Math" panose="02040503050406030204" pitchFamily="18" charset="0"/>
-                              <a:cs typeface="Times New Roman" charset="0"/>
-                            </a:rPr>
-                          </m:ctrlPr>
-                        </m:sSubPr>
-                        <m:e>
-                          <m:r>
-                            <a:rPr lang="en-US" i="1" kern="0" dirty="0">
-                              <a:latin typeface="Cambria Math" panose="02040503050406030204" pitchFamily="18" charset="0"/>
-                              <a:cs typeface="Times New Roman" charset="0"/>
-                            </a:rPr>
-                            <m:t>𝑥</m:t>
-                          </m:r>
-                        </m:e>
-                        <m:sub>
-                          <m:r>
-                            <a:rPr lang="en-US" i="1" kern="0" dirty="0">
-                              <a:latin typeface="Cambria Math" panose="02040503050406030204" pitchFamily="18" charset="0"/>
-                              <a:cs typeface="Times New Roman" charset="0"/>
-                            </a:rPr>
-                            <m:t>𝑛</m:t>
-                          </m:r>
-                        </m:sub>
-                      </m:sSub>
-                      <m:r>
-                        <a:rPr lang="en-US" i="1" kern="0" dirty="0">
-                          <a:latin typeface="Cambria Math" panose="02040503050406030204" pitchFamily="18" charset="0"/>
-                          <a:cs typeface="Times New Roman" charset="0"/>
-                        </a:rPr>
-                        <m:t> </m:t>
-                      </m:r>
-                      <m:d>
-                        <m:dPr>
-                          <m:ctrlPr>
-                            <a:rPr lang="en-US" i="1" kern="0" dirty="0">
-                              <a:latin typeface="Cambria Math" panose="02040503050406030204" pitchFamily="18" charset="0"/>
-                              <a:cs typeface="Times New Roman" charset="0"/>
-                            </a:rPr>
-                          </m:ctrlPr>
-                        </m:dPr>
-                        <m:e>
-                          <m:sSub>
-                            <m:sSubPr>
-                              <m:ctrlPr>
-                                <a:rPr lang="en-US" i="1" kern="0" dirty="0">
-                                  <a:latin typeface="Cambria Math" panose="02040503050406030204" pitchFamily="18" charset="0"/>
-                                  <a:cs typeface="Times New Roman" charset="0"/>
-                                </a:rPr>
-                              </m:ctrlPr>
-                            </m:sSubPr>
-                            <m:e>
-                              <m:r>
-                                <m:rPr>
-                                  <m:sty m:val="p"/>
-                                </m:rPr>
-                                <a:rPr lang="en-US" kern="0" dirty="0">
-                                  <a:latin typeface="Cambria Math" panose="02040503050406030204" pitchFamily="18" charset="0"/>
-                                  <a:cs typeface="Times New Roman" charset="0"/>
-                                </a:rPr>
-                                <m:t>P</m:t>
-                              </m:r>
-                            </m:e>
-                            <m:sub>
-                              <m:r>
-                                <m:rPr>
-                                  <m:sty m:val="p"/>
-                                </m:rPr>
-                                <a:rPr lang="en-US" kern="0" dirty="0">
-                                  <a:latin typeface="Cambria Math" panose="02040503050406030204" pitchFamily="18" charset="0"/>
-                                  <a:cs typeface="Times New Roman" charset="0"/>
-                                </a:rPr>
-                                <m:t>strongest</m:t>
-                              </m:r>
-                            </m:sub>
-                          </m:sSub>
-                          <m:r>
-                            <m:rPr>
-                              <m:nor/>
-                            </m:rPr>
-                            <a:rPr lang="en-US" kern="0">
-                              <a:latin typeface="Garamond"/>
-                              <a:cs typeface="Arial"/>
-                            </a:rPr>
-                            <m:t>⇒ </m:t>
-                          </m:r>
-                          <m:sSub>
-                            <m:sSubPr>
-                              <m:ctrlPr>
-                                <a:rPr lang="en-US" i="1" kern="0" dirty="0">
-                                  <a:latin typeface="Cambria Math" panose="02040503050406030204" pitchFamily="18" charset="0"/>
-                                  <a:cs typeface="Times New Roman" charset="0"/>
-                                </a:rPr>
-                              </m:ctrlPr>
-                            </m:sSubPr>
-                            <m:e>
-                              <m:r>
-                                <m:rPr>
-                                  <m:sty m:val="p"/>
-                                </m:rPr>
-                                <a:rPr lang="en-US" kern="0" dirty="0">
-                                  <a:latin typeface="Cambria Math" panose="02040503050406030204" pitchFamily="18" charset="0"/>
-                                  <a:cs typeface="Times New Roman" charset="0"/>
-                                </a:rPr>
-                                <m:t>P</m:t>
-                              </m:r>
-                            </m:e>
-                            <m:sub>
-                              <m:r>
-                                <m:rPr>
-                                  <m:sty m:val="p"/>
-                                </m:rPr>
-                                <a:rPr lang="en-US" kern="0" dirty="0">
-                                  <a:latin typeface="Cambria Math" panose="02040503050406030204" pitchFamily="18" charset="0"/>
-                                  <a:cs typeface="Times New Roman" charset="0"/>
-                                </a:rPr>
-                                <m:t>postulated</m:t>
-                              </m:r>
-                            </m:sub>
-                          </m:sSub>
-                        </m:e>
-                      </m:d>
-                      <m:r>
-                        <a:rPr lang="en-US" i="1" kern="0" dirty="0">
-                          <a:latin typeface="Cambria Math" panose="02040503050406030204" pitchFamily="18" charset="0"/>
-                          <a:cs typeface="Times New Roman" charset="0"/>
-                        </a:rPr>
-                        <m:t>=</m:t>
-                      </m:r>
-                      <m:r>
-                        <a:rPr lang="en-US" i="1" kern="0" dirty="0">
-                          <a:latin typeface="Cambria Math" panose="02040503050406030204" pitchFamily="18" charset="0"/>
-                          <a:cs typeface="Times New Roman" charset="0"/>
-                        </a:rPr>
-                        <m:t>𝑡𝑟𝑢𝑒</m:t>
-                      </m:r>
-                    </m:oMath>
-                  </m:oMathPara>
-                </a14:m>
-                <a:endParaRPr lang="en-US" sz="1600" dirty="0"/>
+                <a:r>
+                  <a:rPr lang="en-US" sz="1400" dirty="0" smtClean="0">
+                    <a:latin typeface="Times New Roman" panose="02020603050405020304" pitchFamily="18" charset="0"/>
+                    <a:cs typeface="Times New Roman" panose="02020603050405020304" pitchFamily="18" charset="0"/>
+                  </a:rPr>
+                  <a:t>.</a:t>
+                </a:r>
+                <a:r>
+                  <a:rPr lang="en-US" sz="1400" dirty="0" err="1" smtClean="0">
+                    <a:latin typeface="Times New Roman" panose="02020603050405020304" pitchFamily="18" charset="0"/>
+                    <a:cs typeface="Times New Roman" panose="02020603050405020304" pitchFamily="18" charset="0"/>
+                  </a:rPr>
+                  <a:t>aadl</a:t>
+                </a:r>
+                <a:endParaRPr lang="en-US" sz="1400" dirty="0"/>
               </a:p>
             </p:txBody>
           </p:sp>
-        </mc:Choice>
-        <mc:Fallback xmlns="">
           <p:sp>
             <p:nvSpPr>
-              <p:cNvPr id="12" name="Rectangle 11"/>
-              <p:cNvSpPr>
-                <a:spLocks noRot="1" noChangeAspect="1" noMove="1" noResize="1" noEditPoints="1" noAdjustHandles="1" noChangeArrowheads="1" noChangeShapeType="1" noTextEdit="1"/>
-              </p:cNvSpPr>
-              <p:nvPr/>
-            </p:nvSpPr>
-            <p:spPr>
-              <a:xfrm>
-                <a:off x="3248417" y="4522230"/>
-                <a:ext cx="5201680" cy="415242"/>
-              </a:xfrm>
-              <a:prstGeom prst="rect">
-                <a:avLst/>
-              </a:prstGeom>
-              <a:blipFill rotWithShape="0">
-                <a:blip r:embed="rId5"/>
-                <a:stretch>
-                  <a:fillRect b="-8824"/>
-                </a:stretch>
-              </a:blipFill>
-            </p:spPr>
-            <p:txBody>
-              <a:bodyPr/>
-              <a:lstStyle/>
-              <a:p>
-                <a:r>
-                  <a:rPr lang="en-US">
-                    <a:noFill/>
-                  </a:rPr>
-                  <a:t> </a:t>
-                </a:r>
-              </a:p>
-            </p:txBody>
-          </p:sp>
-        </mc:Fallback>
-      </mc:AlternateContent>
-      <p:sp>
-        <p:nvSpPr>
-          <p:cNvPr id="13" name="Rectangle 12"/>
-          <p:cNvSpPr/>
-          <p:nvPr/>
-        </p:nvSpPr>
-        <p:spPr>
-          <a:xfrm>
-            <a:off x="489857" y="4122858"/>
-            <a:ext cx="10718800" cy="369332"/>
-          </a:xfrm>
-          <a:prstGeom prst="rect">
-            <a:avLst/>
-          </a:prstGeom>
-        </p:spPr>
-        <p:txBody>
-          <a:bodyPr wrap="square">
-            <a:spAutoFit/>
-          </a:bodyPr>
-          <a:lstStyle/>
-          <a:p>
-            <a:r>
-              <a:rPr lang="en-US" b="1" dirty="0" smtClean="0">
-                <a:latin typeface="Times New Roman" panose="02020603050405020304" pitchFamily="18" charset="0"/>
-                <a:cs typeface="Times New Roman" panose="02020603050405020304" pitchFamily="18" charset="0"/>
-              </a:rPr>
-              <a:t>Prove postulated system property from the strongest system property:</a:t>
-            </a:r>
-            <a:endParaRPr lang="en-US" dirty="0"/>
-          </a:p>
-        </p:txBody>
-      </p:sp>
-      <mc:AlternateContent xmlns:mc="http://schemas.openxmlformats.org/markup-compatibility/2006" xmlns:a14="http://schemas.microsoft.com/office/drawing/2010/main">
-        <mc:Choice Requires="a14">
-          <p:sp>
-            <p:nvSpPr>
-              <p:cNvPr id="14" name="Rectangle 13"/>
+              <p:cNvPr id="37" name="Rectangle 36"/>
               <p:cNvSpPr/>
               <p:nvPr/>
             </p:nvSpPr>
             <p:spPr>
               <a:xfrm>
-                <a:off x="1547188" y="3306709"/>
-                <a:ext cx="3169329" cy="369332"/>
+                <a:off x="9115207" y="1918995"/>
+                <a:ext cx="1197764" cy="307777"/>
               </a:xfrm>
               <a:prstGeom prst="rect">
                 <a:avLst/>
               </a:prstGeom>
+              <a:ln>
+                <a:noFill/>
+              </a:ln>
             </p:spPr>
             <p:txBody>
               <a:bodyPr wrap="none">
@@ -12439,370 +11928,620 @@
               </a:bodyPr>
               <a:lstStyle/>
               <a:p>
-                <a:pPr/>
-                <a14:m>
-                  <m:oMathPara xmlns:m="http://schemas.openxmlformats.org/officeDocument/2006/math">
-                    <m:oMathParaPr>
-                      <m:jc m:val="centerGroup"/>
-                    </m:oMathParaPr>
-                    <m:oMath xmlns:m="http://schemas.openxmlformats.org/officeDocument/2006/math">
-                      <m:r>
-                        <a:rPr lang="en-US" b="0" i="1" smtClean="0">
-                          <a:solidFill>
-                            <a:srgbClr val="FF0000"/>
-                          </a:solidFill>
-                          <a:latin typeface="Cambria Math" panose="02040503050406030204" pitchFamily="18" charset="0"/>
-                        </a:rPr>
-                        <m:t>𝑆𝑦𝑠</m:t>
-                      </m:r>
-                      <m:r>
-                        <a:rPr lang="en-US" b="0" i="1" smtClean="0">
-                          <a:latin typeface="Cambria Math" panose="02040503050406030204" pitchFamily="18" charset="0"/>
-                        </a:rPr>
-                        <m:t>≔</m:t>
-                      </m:r>
-                      <m:r>
-                        <a:rPr lang="en-US" b="0" i="1" smtClean="0">
-                          <a:latin typeface="Cambria Math" panose="02040503050406030204" pitchFamily="18" charset="0"/>
-                        </a:rPr>
-                        <m:t>𝐶𝑜𝑚𝑝</m:t>
-                      </m:r>
-                      <m:r>
-                        <a:rPr lang="en-US" b="0" i="1" smtClean="0">
-                          <a:latin typeface="Cambria Math" panose="02040503050406030204" pitchFamily="18" charset="0"/>
-                        </a:rPr>
-                        <m:t>(</m:t>
-                      </m:r>
-                      <m:r>
-                        <a:rPr lang="en-US" b="0" i="1" smtClean="0">
-                          <a:latin typeface="Cambria Math" panose="02040503050406030204" pitchFamily="18" charset="0"/>
-                        </a:rPr>
-                        <m:t>𝑆𝑢</m:t>
-                      </m:r>
-                      <m:sSub>
-                        <m:sSubPr>
-                          <m:ctrlPr>
-                            <a:rPr lang="en-US" b="0" i="1" smtClean="0">
-                              <a:latin typeface="Cambria Math" panose="02040503050406030204" pitchFamily="18" charset="0"/>
-                            </a:rPr>
-                          </m:ctrlPr>
-                        </m:sSubPr>
-                        <m:e>
-                          <m:r>
-                            <a:rPr lang="en-US" b="0" i="1" smtClean="0">
-                              <a:latin typeface="Cambria Math" panose="02040503050406030204" pitchFamily="18" charset="0"/>
-                            </a:rPr>
-                            <m:t>𝑏</m:t>
-                          </m:r>
-                        </m:e>
-                        <m:sub>
-                          <m:r>
-                            <a:rPr lang="en-US" b="0" i="1" smtClean="0">
-                              <a:latin typeface="Cambria Math" panose="02040503050406030204" pitchFamily="18" charset="0"/>
-                            </a:rPr>
-                            <m:t>1</m:t>
-                          </m:r>
-                        </m:sub>
-                      </m:sSub>
-                      <m:r>
-                        <a:rPr lang="en-US" b="0" i="1" smtClean="0">
-                          <a:latin typeface="Cambria Math" panose="02040503050406030204" pitchFamily="18" charset="0"/>
-                        </a:rPr>
-                        <m:t>,…,</m:t>
-                      </m:r>
-                      <m:r>
-                        <a:rPr lang="en-US" b="0" i="1" smtClean="0">
-                          <a:latin typeface="Cambria Math" panose="02040503050406030204" pitchFamily="18" charset="0"/>
-                        </a:rPr>
-                        <m:t>𝑆𝑢</m:t>
-                      </m:r>
-                      <m:sSub>
-                        <m:sSubPr>
-                          <m:ctrlPr>
-                            <a:rPr lang="en-US" b="0" i="1" smtClean="0">
-                              <a:latin typeface="Cambria Math" panose="02040503050406030204" pitchFamily="18" charset="0"/>
-                            </a:rPr>
-                          </m:ctrlPr>
-                        </m:sSubPr>
-                        <m:e>
-                          <m:r>
-                            <a:rPr lang="en-US" b="0" i="1" smtClean="0">
-                              <a:latin typeface="Cambria Math" panose="02040503050406030204" pitchFamily="18" charset="0"/>
-                            </a:rPr>
-                            <m:t>𝑏</m:t>
-                          </m:r>
-                        </m:e>
-                        <m:sub>
-                          <m:r>
-                            <a:rPr lang="en-US" b="0" i="1" smtClean="0">
-                              <a:latin typeface="Cambria Math" panose="02040503050406030204" pitchFamily="18" charset="0"/>
-                            </a:rPr>
-                            <m:t>𝑁</m:t>
-                          </m:r>
-                        </m:sub>
-                      </m:sSub>
-                      <m:r>
-                        <a:rPr lang="en-US" b="0" i="1" smtClean="0">
-                          <a:latin typeface="Cambria Math" panose="02040503050406030204" pitchFamily="18" charset="0"/>
-                        </a:rPr>
-                        <m:t>):</m:t>
-                      </m:r>
-                    </m:oMath>
-                  </m:oMathPara>
-                </a14:m>
-                <a:endParaRPr lang="en-US" dirty="0" smtClean="0"/>
+                <a:r>
+                  <a:rPr lang="en-US" sz="1400" dirty="0" err="1" smtClean="0">
+                    <a:latin typeface="Times New Roman" panose="02020603050405020304" pitchFamily="18" charset="0"/>
+                    <a:cs typeface="Times New Roman" panose="02020603050405020304" pitchFamily="18" charset="0"/>
+                  </a:rPr>
+                  <a:t>Redlog</a:t>
+                </a:r>
+                <a:r>
+                  <a:rPr lang="en-US" sz="1400" dirty="0" smtClean="0">
+                    <a:latin typeface="Times New Roman" panose="02020603050405020304" pitchFamily="18" charset="0"/>
+                    <a:cs typeface="Times New Roman" panose="02020603050405020304" pitchFamily="18" charset="0"/>
+                  </a:rPr>
+                  <a:t> model</a:t>
+                </a:r>
+                <a:endParaRPr lang="en-US" sz="1400" dirty="0"/>
               </a:p>
             </p:txBody>
           </p:sp>
-        </mc:Choice>
-        <mc:Fallback xmlns="">
           <p:sp>
             <p:nvSpPr>
-              <p:cNvPr id="14" name="Rectangle 13"/>
-              <p:cNvSpPr>
-                <a:spLocks noRot="1" noChangeAspect="1" noMove="1" noResize="1" noEditPoints="1" noAdjustHandles="1" noChangeArrowheads="1" noChangeShapeType="1" noTextEdit="1"/>
-              </p:cNvSpPr>
+              <p:cNvPr id="38" name="Rectangle 37"/>
+              <p:cNvSpPr/>
               <p:nvPr/>
             </p:nvSpPr>
             <p:spPr>
               <a:xfrm>
-                <a:off x="1547188" y="3306709"/>
-                <a:ext cx="3169329" cy="369332"/>
+                <a:off x="9149671" y="2114327"/>
+                <a:ext cx="1128835" cy="307777"/>
               </a:xfrm>
               <a:prstGeom prst="rect">
                 <a:avLst/>
               </a:prstGeom>
-              <a:blipFill rotWithShape="0">
-                <a:blip r:embed="rId6"/>
-                <a:stretch>
-                  <a:fillRect b="-13115"/>
-                </a:stretch>
-              </a:blipFill>
+              <a:ln>
+                <a:noFill/>
+              </a:ln>
             </p:spPr>
             <p:txBody>
-              <a:bodyPr/>
+              <a:bodyPr wrap="none">
+                <a:spAutoFit/>
+              </a:bodyPr>
               <a:lstStyle/>
               <a:p>
                 <a:r>
-                  <a:rPr lang="en-US">
-                    <a:noFill/>
+                  <a:rPr lang="en-US" sz="1400" dirty="0" smtClean="0">
+                    <a:latin typeface="Times New Roman" panose="02020603050405020304" pitchFamily="18" charset="0"/>
+                    <a:cs typeface="Times New Roman" panose="02020603050405020304" pitchFamily="18" charset="0"/>
                   </a:rPr>
-                  <a:t> </a:t>
+                  <a:t>Result parser</a:t>
                 </a:r>
+                <a:endParaRPr lang="en-US" sz="1400" dirty="0"/>
               </a:p>
             </p:txBody>
           </p:sp>
-        </mc:Fallback>
-      </mc:AlternateContent>
+        </p:grpSp>
+        <p:sp>
+          <p:nvSpPr>
+            <p:cNvPr id="26" name="Rectangle 25"/>
+            <p:cNvSpPr/>
+            <p:nvPr/>
+          </p:nvSpPr>
+          <p:spPr>
+            <a:xfrm>
+              <a:off x="7723" y="2162381"/>
+              <a:ext cx="1082349" cy="369332"/>
+            </a:xfrm>
+            <a:prstGeom prst="rect">
+              <a:avLst/>
+            </a:prstGeom>
+          </p:spPr>
+          <p:txBody>
+            <a:bodyPr wrap="none">
+              <a:spAutoFit/>
+            </a:bodyPr>
+            <a:lstStyle/>
+            <a:p>
+              <a:pPr algn="ctr"/>
+              <a:r>
+                <a:rPr lang="en-US" b="1" dirty="0" smtClean="0">
+                  <a:latin typeface="Times New Roman" panose="02020603050405020304" pitchFamily="18" charset="0"/>
+                  <a:cs typeface="Times New Roman" panose="02020603050405020304" pitchFamily="18" charset="0"/>
+                </a:rPr>
+                <a:t>RELIQE</a:t>
+              </a:r>
+              <a:endParaRPr lang="en-US" b="1" dirty="0">
+                <a:latin typeface="Times New Roman" panose="02020603050405020304" pitchFamily="18" charset="0"/>
+                <a:cs typeface="Times New Roman" panose="02020603050405020304" pitchFamily="18" charset="0"/>
+              </a:endParaRPr>
+            </a:p>
+          </p:txBody>
+        </p:sp>
+        <p:sp>
+          <p:nvSpPr>
+            <p:cNvPr id="28" name="Rectangle 27"/>
+            <p:cNvSpPr/>
+            <p:nvPr/>
+          </p:nvSpPr>
+          <p:spPr>
+            <a:xfrm>
+              <a:off x="48239" y="2248611"/>
+              <a:ext cx="5396457" cy="1618469"/>
+            </a:xfrm>
+            <a:prstGeom prst="rect">
+              <a:avLst/>
+            </a:prstGeom>
+            <a:noFill/>
+          </p:spPr>
+          <p:style>
+            <a:lnRef idx="2">
+              <a:schemeClr val="accent1">
+                <a:shade val="50000"/>
+              </a:schemeClr>
+            </a:lnRef>
+            <a:fillRef idx="1">
+              <a:schemeClr val="accent1"/>
+            </a:fillRef>
+            <a:effectRef idx="0">
+              <a:schemeClr val="accent1"/>
+            </a:effectRef>
+            <a:fontRef idx="minor">
+              <a:schemeClr val="lt1"/>
+            </a:fontRef>
+          </p:style>
+          <p:txBody>
+            <a:bodyPr rtlCol="0" anchor="ctr"/>
+            <a:lstStyle/>
+            <a:p>
+              <a:pPr algn="ctr"/>
+              <a:endParaRPr lang="en-US"/>
+            </a:p>
+          </p:txBody>
+        </p:sp>
+      </p:grpSp>
+      <p:grpSp>
+        <p:nvGrpSpPr>
+          <p:cNvPr id="35" name="Group 34"/>
+          <p:cNvGrpSpPr/>
+          <p:nvPr/>
+        </p:nvGrpSpPr>
+        <p:grpSpPr>
+          <a:xfrm>
+            <a:off x="115262" y="3560117"/>
+            <a:ext cx="5126465" cy="988686"/>
+            <a:chOff x="-19312" y="1620050"/>
+            <a:chExt cx="5284110" cy="1375070"/>
+          </a:xfrm>
+        </p:grpSpPr>
+        <p:pic>
+          <p:nvPicPr>
+            <p:cNvPr id="36" name="Picture 35"/>
+            <p:cNvPicPr>
+              <a:picLocks noChangeAspect="1"/>
+            </p:cNvPicPr>
+            <p:nvPr/>
+          </p:nvPicPr>
+          <p:blipFill>
+            <a:blip r:embed="rId3"/>
+            <a:stretch>
+              <a:fillRect/>
+            </a:stretch>
+          </p:blipFill>
+          <p:spPr>
+            <a:xfrm>
+              <a:off x="639843" y="1620050"/>
+              <a:ext cx="3903150" cy="1375070"/>
+            </a:xfrm>
+            <a:prstGeom prst="rect">
+              <a:avLst/>
+            </a:prstGeom>
+          </p:spPr>
+        </p:pic>
+        <p:sp>
+          <p:nvSpPr>
+            <p:cNvPr id="39" name="Rectangle 38"/>
+            <p:cNvSpPr/>
+            <p:nvPr/>
+          </p:nvSpPr>
+          <p:spPr>
+            <a:xfrm>
+              <a:off x="-19312" y="2148733"/>
+              <a:ext cx="659155" cy="369332"/>
+            </a:xfrm>
+            <a:prstGeom prst="rect">
+              <a:avLst/>
+            </a:prstGeom>
+          </p:spPr>
+          <p:txBody>
+            <a:bodyPr wrap="none">
+              <a:spAutoFit/>
+            </a:bodyPr>
+            <a:lstStyle/>
+            <a:p>
+              <a:r>
+                <a:rPr lang="en-US" dirty="0" smtClean="0">
+                  <a:solidFill>
+                    <a:srgbClr val="FF0000"/>
+                  </a:solidFill>
+                  <a:latin typeface="Times New Roman" panose="02020603050405020304" pitchFamily="18" charset="0"/>
+                  <a:cs typeface="Times New Roman" panose="02020603050405020304" pitchFamily="18" charset="0"/>
+                </a:rPr>
+                <a:t>input</a:t>
+              </a:r>
+              <a:endParaRPr lang="en-US" dirty="0">
+                <a:solidFill>
+                  <a:srgbClr val="FF0000"/>
+                </a:solidFill>
+              </a:endParaRPr>
+            </a:p>
+          </p:txBody>
+        </p:sp>
+        <p:sp>
+          <p:nvSpPr>
+            <p:cNvPr id="44" name="Rectangle 43"/>
+            <p:cNvSpPr/>
+            <p:nvPr/>
+          </p:nvSpPr>
+          <p:spPr>
+            <a:xfrm>
+              <a:off x="4432519" y="2148733"/>
+              <a:ext cx="832279" cy="369332"/>
+            </a:xfrm>
+            <a:prstGeom prst="rect">
+              <a:avLst/>
+            </a:prstGeom>
+          </p:spPr>
+          <p:txBody>
+            <a:bodyPr wrap="none">
+              <a:spAutoFit/>
+            </a:bodyPr>
+            <a:lstStyle/>
+            <a:p>
+              <a:r>
+                <a:rPr lang="en-US" dirty="0" smtClean="0">
+                  <a:solidFill>
+                    <a:srgbClr val="FF0000"/>
+                  </a:solidFill>
+                  <a:latin typeface="Times New Roman" panose="02020603050405020304" pitchFamily="18" charset="0"/>
+                  <a:cs typeface="Times New Roman" panose="02020603050405020304" pitchFamily="18" charset="0"/>
+                </a:rPr>
+                <a:t>output </a:t>
+              </a:r>
+              <a:endParaRPr lang="en-US" dirty="0">
+                <a:solidFill>
+                  <a:srgbClr val="FF0000"/>
+                </a:solidFill>
+              </a:endParaRPr>
+            </a:p>
+          </p:txBody>
+        </p:sp>
+      </p:grpSp>
+      <p:grpSp>
+        <p:nvGrpSpPr>
+          <p:cNvPr id="45" name="Group 44"/>
+          <p:cNvGrpSpPr/>
+          <p:nvPr/>
+        </p:nvGrpSpPr>
+        <p:grpSpPr>
+          <a:xfrm>
+            <a:off x="6513794" y="3249430"/>
+            <a:ext cx="4849786" cy="1358676"/>
+            <a:chOff x="6302780" y="2932268"/>
+            <a:chExt cx="4849786" cy="1358676"/>
+          </a:xfrm>
+        </p:grpSpPr>
+        <p:pic>
+          <p:nvPicPr>
+            <p:cNvPr id="46" name="Picture 45"/>
+            <p:cNvPicPr>
+              <a:picLocks noChangeAspect="1"/>
+            </p:cNvPicPr>
+            <p:nvPr/>
+          </p:nvPicPr>
+          <p:blipFill rotWithShape="1">
+            <a:blip r:embed="rId4"/>
+            <a:srcRect l="1" t="48884" r="46572"/>
+            <a:stretch/>
+          </p:blipFill>
+          <p:spPr>
+            <a:xfrm>
+              <a:off x="6302780" y="2956887"/>
+              <a:ext cx="4849786" cy="1334057"/>
+            </a:xfrm>
+            <a:prstGeom prst="rect">
+              <a:avLst/>
+            </a:prstGeom>
+            <a:ln>
+              <a:solidFill>
+                <a:schemeClr val="tx1"/>
+              </a:solidFill>
+            </a:ln>
+          </p:spPr>
+        </p:pic>
+        <p:sp>
+          <p:nvSpPr>
+            <p:cNvPr id="47" name="Rectangle 46"/>
+            <p:cNvSpPr/>
+            <p:nvPr/>
+          </p:nvSpPr>
+          <p:spPr>
+            <a:xfrm>
+              <a:off x="9502755" y="2932268"/>
+              <a:ext cx="1649811" cy="461665"/>
+            </a:xfrm>
+            <a:prstGeom prst="rect">
+              <a:avLst/>
+            </a:prstGeom>
+          </p:spPr>
+          <p:txBody>
+            <a:bodyPr wrap="none">
+              <a:spAutoFit/>
+            </a:bodyPr>
+            <a:lstStyle/>
+            <a:p>
+              <a:r>
+                <a:rPr lang="en-US" sz="2400" dirty="0" smtClean="0">
+                  <a:effectLst>
+                    <a:outerShdw blurRad="38100" dist="38100" dir="2700000" algn="tl">
+                      <a:srgbClr val="000000">
+                        <a:alpha val="43137"/>
+                      </a:srgbClr>
+                    </a:outerShdw>
+                  </a:effectLst>
+                  <a:latin typeface="Agency FB" panose="020B0503020202020204" pitchFamily="34" charset="0"/>
+                </a:rPr>
+                <a:t>Integer domain</a:t>
+              </a:r>
+              <a:endParaRPr lang="en-US" sz="2400" dirty="0">
+                <a:effectLst>
+                  <a:outerShdw blurRad="38100" dist="38100" dir="2700000" algn="tl">
+                    <a:srgbClr val="000000">
+                      <a:alpha val="43137"/>
+                    </a:srgbClr>
+                  </a:outerShdw>
+                </a:effectLst>
+                <a:latin typeface="Agency FB" panose="020B0503020202020204" pitchFamily="34" charset="0"/>
+              </a:endParaRPr>
+            </a:p>
+          </p:txBody>
+        </p:sp>
+      </p:grpSp>
+      <p:grpSp>
+        <p:nvGrpSpPr>
+          <p:cNvPr id="48" name="Group 47"/>
+          <p:cNvGrpSpPr/>
+          <p:nvPr/>
+        </p:nvGrpSpPr>
+        <p:grpSpPr>
+          <a:xfrm>
+            <a:off x="5864389" y="1847165"/>
+            <a:ext cx="6267450" cy="1162050"/>
+            <a:chOff x="5371192" y="1680210"/>
+            <a:chExt cx="6267450" cy="1162050"/>
+          </a:xfrm>
+        </p:grpSpPr>
+        <p:pic>
+          <p:nvPicPr>
+            <p:cNvPr id="49" name="Picture 48"/>
+            <p:cNvPicPr>
+              <a:picLocks noChangeAspect="1"/>
+            </p:cNvPicPr>
+            <p:nvPr/>
+          </p:nvPicPr>
+          <p:blipFill>
+            <a:blip r:embed="rId5"/>
+            <a:stretch>
+              <a:fillRect/>
+            </a:stretch>
+          </p:blipFill>
+          <p:spPr>
+            <a:xfrm>
+              <a:off x="5371192" y="1680210"/>
+              <a:ext cx="6267450" cy="1162050"/>
+            </a:xfrm>
+            <a:prstGeom prst="rect">
+              <a:avLst/>
+            </a:prstGeom>
+            <a:ln>
+              <a:solidFill>
+                <a:schemeClr val="tx1"/>
+              </a:solidFill>
+            </a:ln>
+          </p:spPr>
+        </p:pic>
+        <p:sp>
+          <p:nvSpPr>
+            <p:cNvPr id="50" name="Rectangle 49"/>
+            <p:cNvSpPr/>
+            <p:nvPr/>
+          </p:nvSpPr>
+          <p:spPr>
+            <a:xfrm>
+              <a:off x="7599730" y="2345622"/>
+              <a:ext cx="1471878" cy="461665"/>
+            </a:xfrm>
+            <a:prstGeom prst="rect">
+              <a:avLst/>
+            </a:prstGeom>
+          </p:spPr>
+          <p:txBody>
+            <a:bodyPr wrap="none">
+              <a:spAutoFit/>
+            </a:bodyPr>
+            <a:lstStyle/>
+            <a:p>
+              <a:r>
+                <a:rPr lang="en-US" sz="2400" dirty="0" smtClean="0">
+                  <a:effectLst>
+                    <a:outerShdw blurRad="38100" dist="38100" dir="2700000" algn="tl">
+                      <a:srgbClr val="000000">
+                        <a:alpha val="43137"/>
+                      </a:srgbClr>
+                    </a:outerShdw>
+                  </a:effectLst>
+                  <a:latin typeface="Agency FB" panose="020B0503020202020204" pitchFamily="34" charset="0"/>
+                </a:rPr>
+                <a:t>Reals domain</a:t>
+              </a:r>
+              <a:endParaRPr lang="en-US" sz="2400" dirty="0">
+                <a:effectLst>
+                  <a:outerShdw blurRad="38100" dist="38100" dir="2700000" algn="tl">
+                    <a:srgbClr val="000000">
+                      <a:alpha val="43137"/>
+                    </a:srgbClr>
+                  </a:outerShdw>
+                </a:effectLst>
+                <a:latin typeface="Agency FB" panose="020B0503020202020204" pitchFamily="34" charset="0"/>
+              </a:endParaRPr>
+            </a:p>
+          </p:txBody>
+        </p:sp>
+      </p:grpSp>
       <p:sp>
         <p:nvSpPr>
-          <p:cNvPr id="16" name="Rectangle 15"/>
+          <p:cNvPr id="40" name="Rectangle 39"/>
           <p:cNvSpPr/>
           <p:nvPr/>
         </p:nvSpPr>
         <p:spPr>
           <a:xfrm>
-            <a:off x="2556356" y="3252133"/>
-            <a:ext cx="6287069" cy="819124"/>
-          </a:xfrm>
-          <a:prstGeom prst="rect">
-            <a:avLst/>
-          </a:prstGeom>
-        </p:spPr>
-        <p:style>
-          <a:lnRef idx="2">
-            <a:schemeClr val="accent1">
-              <a:shade val="50000"/>
-            </a:schemeClr>
-          </a:lnRef>
-          <a:fillRef idx="1">
-            <a:schemeClr val="accent1"/>
-          </a:fillRef>
-          <a:effectRef idx="0">
-            <a:schemeClr val="accent1"/>
-          </a:effectRef>
-          <a:fontRef idx="minor">
-            <a:schemeClr val="lt1"/>
-          </a:fontRef>
-        </p:style>
-        <p:txBody>
-          <a:bodyPr rtlCol="0" anchor="ctr"/>
-          <a:lstStyle/>
-          <a:p>
-            <a:pPr algn="ctr"/>
-            <a:r>
-              <a:rPr lang="en-US" b="1" i="1" dirty="0" smtClean="0"/>
-              <a:t>AGREE contracts can be composed into a system-level contract</a:t>
-            </a:r>
-            <a:endParaRPr lang="en-US" b="1" i="1" dirty="0"/>
-          </a:p>
-        </p:txBody>
-      </p:sp>
-      <p:sp>
-        <p:nvSpPr>
-          <p:cNvPr id="15" name="Footer Placeholder 3"/>
-          <p:cNvSpPr txBox="1">
-            <a:spLocks/>
-          </p:cNvSpPr>
-          <p:nvPr/>
-        </p:nvSpPr>
-        <p:spPr>
-          <a:xfrm>
-            <a:off x="102476" y="6437441"/>
-            <a:ext cx="4532586" cy="306936"/>
+            <a:off x="-60161" y="4546986"/>
+            <a:ext cx="12591076" cy="1969770"/>
           </a:xfrm>
           <a:prstGeom prst="rect">
             <a:avLst/>
           </a:prstGeom>
         </p:spPr>
         <p:txBody>
-          <a:bodyPr vert="horz" lIns="91440" tIns="45720" rIns="91440" bIns="45720" rtlCol="0" anchor="ctr"/>
-          <a:lstStyle>
-            <a:defPPr>
-              <a:defRPr lang="en-US"/>
-            </a:defPPr>
-            <a:lvl1pPr marL="0" algn="ctr" defTabSz="914400" rtl="0" eaLnBrk="1" latinLnBrk="0" hangingPunct="1">
-              <a:defRPr sz="1400" kern="1200">
-                <a:solidFill>
-                  <a:srgbClr val="000000"/>
-                </a:solidFill>
-                <a:latin typeface="+mn-lt"/>
-                <a:ea typeface="+mn-ea"/>
-                <a:cs typeface="+mn-cs"/>
-              </a:defRPr>
-            </a:lvl1pPr>
-            <a:lvl2pPr marL="457200" algn="l" defTabSz="914400" rtl="0" eaLnBrk="1" latinLnBrk="0" hangingPunct="1">
-              <a:defRPr sz="1800" kern="1200">
-                <a:solidFill>
-                  <a:schemeClr val="tx1"/>
-                </a:solidFill>
-                <a:latin typeface="+mn-lt"/>
-                <a:ea typeface="+mn-ea"/>
-                <a:cs typeface="+mn-cs"/>
-              </a:defRPr>
-            </a:lvl2pPr>
-            <a:lvl3pPr marL="914400" algn="l" defTabSz="914400" rtl="0" eaLnBrk="1" latinLnBrk="0" hangingPunct="1">
-              <a:defRPr sz="1800" kern="1200">
-                <a:solidFill>
-                  <a:schemeClr val="tx1"/>
-                </a:solidFill>
-                <a:latin typeface="+mn-lt"/>
-                <a:ea typeface="+mn-ea"/>
-                <a:cs typeface="+mn-cs"/>
-              </a:defRPr>
-            </a:lvl3pPr>
-            <a:lvl4pPr marL="1371600" algn="l" defTabSz="914400" rtl="0" eaLnBrk="1" latinLnBrk="0" hangingPunct="1">
-              <a:defRPr sz="1800" kern="1200">
-                <a:solidFill>
-                  <a:schemeClr val="tx1"/>
-                </a:solidFill>
-                <a:latin typeface="+mn-lt"/>
-                <a:ea typeface="+mn-ea"/>
-                <a:cs typeface="+mn-cs"/>
-              </a:defRPr>
-            </a:lvl4pPr>
-            <a:lvl5pPr marL="1828800" algn="l" defTabSz="914400" rtl="0" eaLnBrk="1" latinLnBrk="0" hangingPunct="1">
-              <a:defRPr sz="1800" kern="1200">
-                <a:solidFill>
-                  <a:schemeClr val="tx1"/>
-                </a:solidFill>
-                <a:latin typeface="+mn-lt"/>
-                <a:ea typeface="+mn-ea"/>
-                <a:cs typeface="+mn-cs"/>
-              </a:defRPr>
-            </a:lvl5pPr>
-            <a:lvl6pPr marL="2286000" algn="l" defTabSz="914400" rtl="0" eaLnBrk="1" latinLnBrk="0" hangingPunct="1">
-              <a:defRPr sz="1800" kern="1200">
-                <a:solidFill>
-                  <a:schemeClr val="tx1"/>
-                </a:solidFill>
-                <a:latin typeface="+mn-lt"/>
-                <a:ea typeface="+mn-ea"/>
-                <a:cs typeface="+mn-cs"/>
-              </a:defRPr>
-            </a:lvl6pPr>
-            <a:lvl7pPr marL="2743200" algn="l" defTabSz="914400" rtl="0" eaLnBrk="1" latinLnBrk="0" hangingPunct="1">
-              <a:defRPr sz="1800" kern="1200">
-                <a:solidFill>
-                  <a:schemeClr val="tx1"/>
-                </a:solidFill>
-                <a:latin typeface="+mn-lt"/>
-                <a:ea typeface="+mn-ea"/>
-                <a:cs typeface="+mn-cs"/>
-              </a:defRPr>
-            </a:lvl7pPr>
-            <a:lvl8pPr marL="3200400" algn="l" defTabSz="914400" rtl="0" eaLnBrk="1" latinLnBrk="0" hangingPunct="1">
-              <a:defRPr sz="1800" kern="1200">
-                <a:solidFill>
-                  <a:schemeClr val="tx1"/>
-                </a:solidFill>
-                <a:latin typeface="+mn-lt"/>
-                <a:ea typeface="+mn-ea"/>
-                <a:cs typeface="+mn-cs"/>
-              </a:defRPr>
-            </a:lvl8pPr>
-            <a:lvl9pPr marL="3657600" algn="l" defTabSz="914400" rtl="0" eaLnBrk="1" latinLnBrk="0" hangingPunct="1">
-              <a:defRPr sz="1800" kern="1200">
-                <a:solidFill>
-                  <a:schemeClr val="tx1"/>
-                </a:solidFill>
-                <a:latin typeface="+mn-lt"/>
-                <a:ea typeface="+mn-ea"/>
-                <a:cs typeface="+mn-cs"/>
-              </a:defRPr>
-            </a:lvl9pPr>
-          </a:lstStyle>
-          <a:p>
-            <a:pPr algn="l"/>
-            <a:r>
-              <a:rPr lang="en-US" dirty="0" smtClean="0"/>
-              <a:t>Honeywell, Iowa State University</a:t>
-            </a:r>
-            <a:endParaRPr lang="en-US" dirty="0"/>
-          </a:p>
-        </p:txBody>
-      </p:sp>
-      <p:sp>
-        <p:nvSpPr>
-          <p:cNvPr id="3" name="Footer Placeholder 2"/>
-          <p:cNvSpPr>
-            <a:spLocks noGrp="1"/>
-          </p:cNvSpPr>
-          <p:nvPr>
-            <p:ph type="ftr" sz="quarter" idx="11"/>
-          </p:nvPr>
-        </p:nvSpPr>
-        <p:spPr/>
-        <p:txBody>
-          <a:bodyPr/>
+          <a:bodyPr wrap="none">
+            <a:spAutoFit/>
+          </a:bodyPr>
           <a:lstStyle/>
           <a:p>
             <a:r>
-              <a:rPr lang="en-US" smtClean="0"/>
-              <a:t>Architecture Group</a:t>
-            </a:r>
-            <a:endParaRPr lang="en-US"/>
+              <a:rPr lang="en-US" sz="2400" dirty="0" smtClean="0">
+                <a:effectLst>
+                  <a:outerShdw blurRad="38100" dist="38100" dir="2700000" algn="tl">
+                    <a:srgbClr val="000000">
+                      <a:alpha val="43137"/>
+                    </a:srgbClr>
+                  </a:outerShdw>
+                </a:effectLst>
+                <a:latin typeface="Agency FB" panose="020B0503020202020204" pitchFamily="34" charset="0"/>
+              </a:rPr>
+              <a:t>Motivation from </a:t>
+            </a:r>
+            <a:r>
+              <a:rPr lang="en-US" sz="2400" dirty="0" err="1" smtClean="0">
+                <a:effectLst>
+                  <a:outerShdw blurRad="38100" dist="38100" dir="2700000" algn="tl">
+                    <a:srgbClr val="000000">
+                      <a:alpha val="43137"/>
+                    </a:srgbClr>
+                  </a:outerShdw>
+                </a:effectLst>
+                <a:latin typeface="Agency FB" panose="020B0503020202020204" pitchFamily="34" charset="0"/>
+              </a:rPr>
+              <a:t>UxAS</a:t>
+            </a:r>
+            <a:r>
+              <a:rPr lang="en-US" sz="2400" dirty="0" smtClean="0">
+                <a:effectLst>
+                  <a:outerShdw blurRad="38100" dist="38100" dir="2700000" algn="tl">
+                    <a:srgbClr val="000000">
+                      <a:alpha val="43137"/>
+                    </a:srgbClr>
+                  </a:outerShdw>
+                </a:effectLst>
+                <a:latin typeface="Agency FB" panose="020B0503020202020204" pitchFamily="34" charset="0"/>
+              </a:rPr>
+              <a:t> context for extension to Time-dependent Property Composition: </a:t>
+            </a:r>
+          </a:p>
+          <a:p>
+            <a:pPr marL="285750" indent="-285750">
+              <a:buFont typeface="Arial" panose="020B0604020202020204" pitchFamily="34" charset="0"/>
+              <a:buChar char="•"/>
+            </a:pPr>
+            <a:r>
+              <a:rPr lang="en-US" sz="2000" dirty="0">
+                <a:latin typeface="Times New Roman" panose="02020603050405020304" pitchFamily="18" charset="0"/>
+                <a:cs typeface="Times New Roman" panose="02020603050405020304" pitchFamily="18" charset="0"/>
+              </a:rPr>
+              <a:t>P</a:t>
+            </a:r>
+            <a:r>
+              <a:rPr lang="en-US" sz="2000" dirty="0" smtClean="0">
+                <a:latin typeface="Times New Roman" panose="02020603050405020304" pitchFamily="18" charset="0"/>
+                <a:cs typeface="Times New Roman" panose="02020603050405020304" pitchFamily="18" charset="0"/>
+              </a:rPr>
+              <a:t>roperties of Route-Aggregator Service vs Route-Planner-Visibility Service involve </a:t>
+            </a:r>
+            <a:r>
+              <a:rPr lang="en-US" sz="2000" dirty="0">
+                <a:latin typeface="Times New Roman" panose="02020603050405020304" pitchFamily="18" charset="0"/>
+                <a:cs typeface="Times New Roman" panose="02020603050405020304" pitchFamily="18" charset="0"/>
+              </a:rPr>
+              <a:t>t</a:t>
+            </a:r>
+            <a:r>
+              <a:rPr lang="en-US" sz="2000" dirty="0" smtClean="0">
+                <a:latin typeface="Times New Roman" panose="02020603050405020304" pitchFamily="18" charset="0"/>
+                <a:cs typeface="Times New Roman" panose="02020603050405020304" pitchFamily="18" charset="0"/>
+              </a:rPr>
+              <a:t>ime-dependent properties,</a:t>
+            </a:r>
+          </a:p>
+          <a:p>
+            <a:pPr lvl="1"/>
+            <a:r>
+              <a:rPr lang="en-US" sz="2000" dirty="0" smtClean="0">
+                <a:latin typeface="Times New Roman" panose="02020603050405020304" pitchFamily="18" charset="0"/>
+                <a:cs typeface="Times New Roman" panose="02020603050405020304" pitchFamily="18" charset="0"/>
+              </a:rPr>
+              <a:t>e.g., speed = [position – </a:t>
+            </a:r>
+            <a:r>
+              <a:rPr lang="en-US" sz="2000" dirty="0" smtClean="0">
+                <a:solidFill>
+                  <a:srgbClr val="FF0000"/>
+                </a:solidFill>
+                <a:latin typeface="Times New Roman" panose="02020603050405020304" pitchFamily="18" charset="0"/>
+                <a:cs typeface="Times New Roman" panose="02020603050405020304" pitchFamily="18" charset="0"/>
+              </a:rPr>
+              <a:t>previous</a:t>
+            </a:r>
+            <a:r>
+              <a:rPr lang="en-US" sz="2000" dirty="0" smtClean="0">
+                <a:latin typeface="Times New Roman" panose="02020603050405020304" pitchFamily="18" charset="0"/>
+                <a:cs typeface="Times New Roman" panose="02020603050405020304" pitchFamily="18" charset="0"/>
+              </a:rPr>
+              <a:t>(position)]/(sample-period).</a:t>
+            </a:r>
+          </a:p>
+          <a:p>
+            <a:pPr marL="285750" indent="-285750">
+              <a:buFont typeface="Arial" panose="020B0604020202020204" pitchFamily="34" charset="0"/>
+              <a:buChar char="•"/>
+            </a:pPr>
+            <a:r>
+              <a:rPr lang="en-US" sz="2000" dirty="0">
+                <a:latin typeface="Times New Roman" panose="02020603050405020304" pitchFamily="18" charset="0"/>
+                <a:cs typeface="Times New Roman" panose="02020603050405020304" pitchFamily="18" charset="0"/>
+              </a:rPr>
+              <a:t>E</a:t>
+            </a:r>
+            <a:r>
+              <a:rPr lang="en-US" sz="2000" dirty="0" smtClean="0">
+                <a:latin typeface="Times New Roman" panose="02020603050405020304" pitchFamily="18" charset="0"/>
+                <a:cs typeface="Times New Roman" panose="02020603050405020304" pitchFamily="18" charset="0"/>
+              </a:rPr>
+              <a:t>xtension to Time-dependent properties completed under </a:t>
+            </a:r>
+            <a:r>
+              <a:rPr lang="en-US" sz="2000" dirty="0" err="1" smtClean="0">
+                <a:latin typeface="Times New Roman" panose="02020603050405020304" pitchFamily="18" charset="0"/>
+                <a:cs typeface="Times New Roman" panose="02020603050405020304" pitchFamily="18" charset="0"/>
+              </a:rPr>
+              <a:t>SoI</a:t>
+            </a:r>
+            <a:r>
+              <a:rPr lang="en-US" sz="2000" dirty="0" smtClean="0">
+                <a:latin typeface="Times New Roman" panose="02020603050405020304" pitchFamily="18" charset="0"/>
+                <a:cs typeface="Times New Roman" panose="02020603050405020304" pitchFamily="18" charset="0"/>
+              </a:rPr>
+              <a:t>, more details presented under Hybrid Systems group </a:t>
+            </a:r>
+          </a:p>
+          <a:p>
+            <a:pPr lvl="1"/>
+            <a:r>
+              <a:rPr lang="en-US" sz="2000" dirty="0" smtClean="0">
+                <a:latin typeface="Times New Roman" panose="02020603050405020304" pitchFamily="18" charset="0"/>
+                <a:cs typeface="Times New Roman" panose="02020603050405020304" pitchFamily="18" charset="0"/>
+              </a:rPr>
+              <a:t>(our compositional reasoning framework applies not only to Cyber components, but also to Physical components)</a:t>
+            </a:r>
+          </a:p>
+          <a:p>
+            <a:endParaRPr lang="en-US" dirty="0">
+              <a:latin typeface="Times New Roman" panose="02020603050405020304" pitchFamily="18" charset="0"/>
+              <a:cs typeface="Times New Roman" panose="02020603050405020304" pitchFamily="18" charset="0"/>
+            </a:endParaRPr>
           </a:p>
         </p:txBody>
       </p:sp>
     </p:spTree>
     <p:extLst>
       <p:ext uri="{BB962C8B-B14F-4D97-AF65-F5344CB8AC3E}">
-        <p14:creationId xmlns:p14="http://schemas.microsoft.com/office/powerpoint/2010/main" val="2306198667"/>
+        <p14:creationId xmlns:p14="http://schemas.microsoft.com/office/powerpoint/2010/main" val="2020661278"/>
       </p:ext>
     </p:extLst>
   </p:cSld>
   <p:clrMapOvr>
     <a:masterClrMapping/>
   </p:clrMapOvr>
-  <mc:AlternateContent xmlns:mc="http://schemas.openxmlformats.org/markup-compatibility/2006" xmlns:p14="http://schemas.microsoft.com/office/powerpoint/2010/main">
-    <mc:Choice Requires="p14">
-      <p:transition spd="slow" p14:dur="2000"/>
-    </mc:Choice>
-    <mc:Fallback xmlns="">
-      <p:transition spd="slow"/>
-    </mc:Fallback>
-  </mc:AlternateContent>
   <p:timing>
     <p:tnLst>
       <p:par>
@@ -12814,1154 +12553,6 @@
 </file>
 
 <file path=ppt/slides/slide17.xml><?xml version="1.0" encoding="utf-8"?>
-<p:sld xmlns:a="http://schemas.openxmlformats.org/drawingml/2006/main" xmlns:r="http://schemas.openxmlformats.org/officeDocument/2006/relationships" xmlns:p="http://schemas.openxmlformats.org/presentationml/2006/main">
-  <p:cSld>
-    <p:spTree>
-      <p:nvGrpSpPr>
-        <p:cNvPr id="1" name=""/>
-        <p:cNvGrpSpPr/>
-        <p:nvPr/>
-      </p:nvGrpSpPr>
-      <p:grpSpPr>
-        <a:xfrm>
-          <a:off x="0" y="0"/>
-          <a:ext cx="0" cy="0"/>
-          <a:chOff x="0" y="0"/>
-          <a:chExt cx="0" cy="0"/>
-        </a:xfrm>
-      </p:grpSpPr>
-      <p:sp>
-        <p:nvSpPr>
-          <p:cNvPr id="2" name="Title 1"/>
-          <p:cNvSpPr>
-            <a:spLocks noGrp="1"/>
-          </p:cNvSpPr>
-          <p:nvPr>
-            <p:ph type="title"/>
-          </p:nvPr>
-        </p:nvSpPr>
-        <p:spPr/>
-        <p:txBody>
-          <a:bodyPr/>
-          <a:lstStyle/>
-          <a:p>
-            <a:r>
-              <a:rPr lang="en-US" sz="2800" dirty="0" smtClean="0">
-                <a:solidFill>
-                  <a:prstClr val="black"/>
-                </a:solidFill>
-              </a:rPr>
-              <a:t>Implementation and Experimental Result</a:t>
-            </a:r>
-            <a:endParaRPr lang="en-US" dirty="0"/>
-          </a:p>
-        </p:txBody>
-      </p:sp>
-      <p:sp>
-        <p:nvSpPr>
-          <p:cNvPr id="6" name="Rectangle 5"/>
-          <p:cNvSpPr/>
-          <p:nvPr/>
-        </p:nvSpPr>
-        <p:spPr>
-          <a:xfrm>
-            <a:off x="6705600" y="2564191"/>
-            <a:ext cx="5105772" cy="1028299"/>
-          </a:xfrm>
-          <a:prstGeom prst="rect">
-            <a:avLst/>
-          </a:prstGeom>
-        </p:spPr>
-        <p:style>
-          <a:lnRef idx="1">
-            <a:schemeClr val="accent1"/>
-          </a:lnRef>
-          <a:fillRef idx="3">
-            <a:schemeClr val="accent1"/>
-          </a:fillRef>
-          <a:effectRef idx="2">
-            <a:schemeClr val="accent1"/>
-          </a:effectRef>
-          <a:fontRef idx="minor">
-            <a:schemeClr val="lt1"/>
-          </a:fontRef>
-        </p:style>
-        <p:txBody>
-          <a:bodyPr rtlCol="0" anchor="ctr"/>
-          <a:lstStyle/>
-          <a:p>
-            <a:pPr algn="ctr"/>
-            <a:endParaRPr lang="en-US">
-              <a:latin typeface="Times New Roman" panose="02020603050405020304" pitchFamily="18" charset="0"/>
-              <a:cs typeface="Times New Roman" panose="02020603050405020304" pitchFamily="18" charset="0"/>
-            </a:endParaRPr>
-          </a:p>
-        </p:txBody>
-      </p:sp>
-      <p:sp>
-        <p:nvSpPr>
-          <p:cNvPr id="7" name="Rectangle 6"/>
-          <p:cNvSpPr/>
-          <p:nvPr/>
-        </p:nvSpPr>
-        <p:spPr>
-          <a:xfrm>
-            <a:off x="6821714" y="2944021"/>
-            <a:ext cx="4901890" cy="648469"/>
-          </a:xfrm>
-          <a:prstGeom prst="rect">
-            <a:avLst/>
-          </a:prstGeom>
-          <a:solidFill>
-            <a:schemeClr val="accent4">
-              <a:lumMod val="20000"/>
-              <a:lumOff val="80000"/>
-            </a:schemeClr>
-          </a:solidFill>
-        </p:spPr>
-        <p:style>
-          <a:lnRef idx="1">
-            <a:schemeClr val="accent6"/>
-          </a:lnRef>
-          <a:fillRef idx="3">
-            <a:schemeClr val="accent6"/>
-          </a:fillRef>
-          <a:effectRef idx="2">
-            <a:schemeClr val="accent6"/>
-          </a:effectRef>
-          <a:fontRef idx="minor">
-            <a:schemeClr val="lt1"/>
-          </a:fontRef>
-        </p:style>
-        <p:txBody>
-          <a:bodyPr rtlCol="0" anchor="ctr"/>
-          <a:lstStyle/>
-          <a:p>
-            <a:pPr algn="ctr"/>
-            <a:r>
-              <a:rPr lang="en-US" sz="2000" b="1" dirty="0" smtClean="0">
-                <a:solidFill>
-                  <a:schemeClr val="tx1"/>
-                </a:solidFill>
-                <a:latin typeface="Times New Roman" panose="02020603050405020304" pitchFamily="18" charset="0"/>
-                <a:cs typeface="Times New Roman" panose="02020603050405020304" pitchFamily="18" charset="0"/>
-              </a:rPr>
-              <a:t>Eclipse</a:t>
-            </a:r>
-            <a:endParaRPr lang="en-US" b="1" dirty="0">
-              <a:solidFill>
-                <a:schemeClr val="tx1"/>
-              </a:solidFill>
-              <a:latin typeface="Times New Roman" panose="02020603050405020304" pitchFamily="18" charset="0"/>
-              <a:cs typeface="Times New Roman" panose="02020603050405020304" pitchFamily="18" charset="0"/>
-            </a:endParaRPr>
-          </a:p>
-        </p:txBody>
-      </p:sp>
-      <p:grpSp>
-        <p:nvGrpSpPr>
-          <p:cNvPr id="8" name="Group 7"/>
-          <p:cNvGrpSpPr/>
-          <p:nvPr/>
-        </p:nvGrpSpPr>
-        <p:grpSpPr>
-          <a:xfrm>
-            <a:off x="11178212" y="2626378"/>
-            <a:ext cx="527524" cy="291965"/>
-            <a:chOff x="2781300" y="3092116"/>
-            <a:chExt cx="533400" cy="457200"/>
-          </a:xfrm>
-        </p:grpSpPr>
-        <p:sp>
-          <p:nvSpPr>
-            <p:cNvPr id="9" name="Rectangle 8"/>
-            <p:cNvSpPr/>
-            <p:nvPr/>
-          </p:nvSpPr>
-          <p:spPr>
-            <a:xfrm>
-              <a:off x="2781300" y="3092116"/>
-              <a:ext cx="533400" cy="457200"/>
-            </a:xfrm>
-            <a:prstGeom prst="rect">
-              <a:avLst/>
-            </a:prstGeom>
-          </p:spPr>
-          <p:style>
-            <a:lnRef idx="1">
-              <a:schemeClr val="accent2"/>
-            </a:lnRef>
-            <a:fillRef idx="3">
-              <a:schemeClr val="accent2"/>
-            </a:fillRef>
-            <a:effectRef idx="2">
-              <a:schemeClr val="accent2"/>
-            </a:effectRef>
-            <a:fontRef idx="minor">
-              <a:schemeClr val="lt1"/>
-            </a:fontRef>
-          </p:style>
-          <p:txBody>
-            <a:bodyPr rtlCol="0" anchor="ctr"/>
-            <a:lstStyle/>
-            <a:p>
-              <a:pPr algn="ctr"/>
-              <a:endParaRPr lang="en-US">
-                <a:latin typeface="Times New Roman" panose="02020603050405020304" pitchFamily="18" charset="0"/>
-                <a:cs typeface="Times New Roman" panose="02020603050405020304" pitchFamily="18" charset="0"/>
-              </a:endParaRPr>
-            </a:p>
-          </p:txBody>
-        </p:sp>
-        <p:sp>
-          <p:nvSpPr>
-            <p:cNvPr id="10" name="Isosceles Triangle 9"/>
-            <p:cNvSpPr/>
-            <p:nvPr/>
-          </p:nvSpPr>
-          <p:spPr>
-            <a:xfrm rot="5400000">
-              <a:off x="2917658" y="3146258"/>
-              <a:ext cx="413084" cy="304800"/>
-            </a:xfrm>
-            <a:prstGeom prst="triangle">
-              <a:avLst/>
-            </a:prstGeom>
-          </p:spPr>
-          <p:style>
-            <a:lnRef idx="2">
-              <a:schemeClr val="dk1">
-                <a:shade val="50000"/>
-              </a:schemeClr>
-            </a:lnRef>
-            <a:fillRef idx="1">
-              <a:schemeClr val="dk1"/>
-            </a:fillRef>
-            <a:effectRef idx="0">
-              <a:schemeClr val="dk1"/>
-            </a:effectRef>
-            <a:fontRef idx="minor">
-              <a:schemeClr val="lt1"/>
-            </a:fontRef>
-          </p:style>
-          <p:txBody>
-            <a:bodyPr rtlCol="0" anchor="ctr"/>
-            <a:lstStyle/>
-            <a:p>
-              <a:pPr algn="ctr"/>
-              <a:endParaRPr lang="en-US">
-                <a:latin typeface="Times New Roman" panose="02020603050405020304" pitchFamily="18" charset="0"/>
-                <a:cs typeface="Times New Roman" panose="02020603050405020304" pitchFamily="18" charset="0"/>
-              </a:endParaRPr>
-            </a:p>
-          </p:txBody>
-        </p:sp>
-      </p:grpSp>
-      <p:sp>
-        <p:nvSpPr>
-          <p:cNvPr id="11" name="TextBox 10"/>
-          <p:cNvSpPr txBox="1"/>
-          <p:nvPr/>
-        </p:nvSpPr>
-        <p:spPr>
-          <a:xfrm>
-            <a:off x="11000935" y="2592100"/>
-            <a:ext cx="820374" cy="307777"/>
-          </a:xfrm>
-          <a:prstGeom prst="rect">
-            <a:avLst/>
-          </a:prstGeom>
-          <a:noFill/>
-        </p:spPr>
-        <p:txBody>
-          <a:bodyPr wrap="square" rtlCol="0">
-            <a:spAutoFit/>
-          </a:bodyPr>
-          <a:lstStyle/>
-          <a:p>
-            <a:r>
-              <a:rPr lang="en-US" sz="1400" b="1" dirty="0" smtClean="0">
-                <a:solidFill>
-                  <a:srgbClr val="FFFFFF"/>
-                </a:solidFill>
-                <a:latin typeface="Times New Roman" panose="02020603050405020304" pitchFamily="18" charset="0"/>
-                <a:cs typeface="Times New Roman" panose="02020603050405020304" pitchFamily="18" charset="0"/>
-              </a:rPr>
-              <a:t>AGREE</a:t>
-            </a:r>
-            <a:endParaRPr lang="en-US" sz="1400" b="1" dirty="0">
-              <a:solidFill>
-                <a:srgbClr val="FFFFFF"/>
-              </a:solidFill>
-              <a:latin typeface="Times New Roman" panose="02020603050405020304" pitchFamily="18" charset="0"/>
-              <a:cs typeface="Times New Roman" panose="02020603050405020304" pitchFamily="18" charset="0"/>
-            </a:endParaRPr>
-          </a:p>
-        </p:txBody>
-      </p:sp>
-      <p:sp>
-        <p:nvSpPr>
-          <p:cNvPr id="12" name="TextBox 11"/>
-          <p:cNvSpPr txBox="1"/>
-          <p:nvPr/>
-        </p:nvSpPr>
-        <p:spPr>
-          <a:xfrm>
-            <a:off x="7697148" y="2573107"/>
-            <a:ext cx="3313637" cy="400110"/>
-          </a:xfrm>
-          <a:prstGeom prst="rect">
-            <a:avLst/>
-          </a:prstGeom>
-          <a:noFill/>
-        </p:spPr>
-        <p:txBody>
-          <a:bodyPr wrap="square" rtlCol="0">
-            <a:spAutoFit/>
-          </a:bodyPr>
-          <a:lstStyle/>
-          <a:p>
-            <a:r>
-              <a:rPr lang="en-US" sz="2000" b="1" dirty="0" smtClean="0">
-                <a:solidFill>
-                  <a:srgbClr val="FFFFFF"/>
-                </a:solidFill>
-                <a:latin typeface="Times New Roman" panose="02020603050405020304" pitchFamily="18" charset="0"/>
-                <a:cs typeface="Times New Roman" panose="02020603050405020304" pitchFamily="18" charset="0"/>
-              </a:rPr>
-              <a:t>OSATE2</a:t>
-            </a:r>
-            <a:endParaRPr lang="en-US" sz="1600" dirty="0">
-              <a:solidFill>
-                <a:srgbClr val="FFFFFF"/>
-              </a:solidFill>
-              <a:latin typeface="Times New Roman" panose="02020603050405020304" pitchFamily="18" charset="0"/>
-              <a:cs typeface="Times New Roman" panose="02020603050405020304" pitchFamily="18" charset="0"/>
-            </a:endParaRPr>
-          </a:p>
-        </p:txBody>
-      </p:sp>
-      <p:sp>
-        <p:nvSpPr>
-          <p:cNvPr id="13" name="Rounded Rectangle 12"/>
-          <p:cNvSpPr/>
-          <p:nvPr/>
-        </p:nvSpPr>
-        <p:spPr>
-          <a:xfrm>
-            <a:off x="7815126" y="1859455"/>
-            <a:ext cx="1097324" cy="445746"/>
-          </a:xfrm>
-          <a:prstGeom prst="roundRect">
-            <a:avLst/>
-          </a:prstGeom>
-          <a:solidFill>
-            <a:schemeClr val="accent1">
-              <a:lumMod val="20000"/>
-              <a:lumOff val="80000"/>
-            </a:schemeClr>
-          </a:solidFill>
-          <a:ln>
-            <a:solidFill>
-              <a:schemeClr val="accent1">
-                <a:lumMod val="60000"/>
-                <a:lumOff val="40000"/>
-              </a:schemeClr>
-            </a:solidFill>
-          </a:ln>
-        </p:spPr>
-        <p:style>
-          <a:lnRef idx="2">
-            <a:schemeClr val="dk1"/>
-          </a:lnRef>
-          <a:fillRef idx="1">
-            <a:schemeClr val="lt1"/>
-          </a:fillRef>
-          <a:effectRef idx="0">
-            <a:schemeClr val="dk1"/>
-          </a:effectRef>
-          <a:fontRef idx="minor">
-            <a:schemeClr val="dk1"/>
-          </a:fontRef>
-        </p:style>
-        <p:txBody>
-          <a:bodyPr rtlCol="0" anchor="ctr"/>
-          <a:lstStyle/>
-          <a:p>
-            <a:pPr algn="ctr"/>
-            <a:r>
-              <a:rPr lang="en-US" sz="1600" dirty="0" smtClean="0">
-                <a:latin typeface="Agency FB" panose="020B0503020202020204" pitchFamily="34" charset="0"/>
-                <a:cs typeface="Times New Roman" panose="02020603050405020304" pitchFamily="18" charset="0"/>
-              </a:rPr>
-              <a:t>Extended-AGREE</a:t>
-            </a:r>
-            <a:endParaRPr lang="en-US" sz="1600" dirty="0">
-              <a:latin typeface="Agency FB" panose="020B0503020202020204" pitchFamily="34" charset="0"/>
-              <a:cs typeface="Times New Roman" panose="02020603050405020304" pitchFamily="18" charset="0"/>
-            </a:endParaRPr>
-          </a:p>
-        </p:txBody>
-      </p:sp>
-      <p:cxnSp>
-        <p:nvCxnSpPr>
-          <p:cNvPr id="14" name="Straight Arrow Connector 13"/>
-          <p:cNvCxnSpPr/>
-          <p:nvPr/>
-        </p:nvCxnSpPr>
-        <p:spPr>
-          <a:xfrm>
-            <a:off x="8912450" y="2000609"/>
-            <a:ext cx="1496613" cy="0"/>
-          </a:xfrm>
-          <a:prstGeom prst="straightConnector1">
-            <a:avLst/>
-          </a:prstGeom>
-          <a:ln w="6350">
-            <a:solidFill>
-              <a:schemeClr val="tx1"/>
-            </a:solidFill>
-            <a:tailEnd type="triangle"/>
-          </a:ln>
-        </p:spPr>
-        <p:style>
-          <a:lnRef idx="1">
-            <a:schemeClr val="accent1"/>
-          </a:lnRef>
-          <a:fillRef idx="0">
-            <a:schemeClr val="accent1"/>
-          </a:fillRef>
-          <a:effectRef idx="0">
-            <a:schemeClr val="accent1"/>
-          </a:effectRef>
-          <a:fontRef idx="minor">
-            <a:schemeClr val="tx1"/>
-          </a:fontRef>
-        </p:style>
-      </p:cxnSp>
-      <p:cxnSp>
-        <p:nvCxnSpPr>
-          <p:cNvPr id="15" name="Straight Arrow Connector 14"/>
-          <p:cNvCxnSpPr/>
-          <p:nvPr/>
-        </p:nvCxnSpPr>
-        <p:spPr>
-          <a:xfrm flipH="1">
-            <a:off x="8912450" y="2187534"/>
-            <a:ext cx="1505857" cy="1458"/>
-          </a:xfrm>
-          <a:prstGeom prst="straightConnector1">
-            <a:avLst/>
-          </a:prstGeom>
-          <a:ln w="6350">
-            <a:solidFill>
-              <a:schemeClr val="tx1"/>
-            </a:solidFill>
-            <a:tailEnd type="triangle"/>
-          </a:ln>
-        </p:spPr>
-        <p:style>
-          <a:lnRef idx="1">
-            <a:schemeClr val="accent1"/>
-          </a:lnRef>
-          <a:fillRef idx="0">
-            <a:schemeClr val="accent1"/>
-          </a:fillRef>
-          <a:effectRef idx="0">
-            <a:schemeClr val="accent1"/>
-          </a:effectRef>
-          <a:fontRef idx="minor">
-            <a:schemeClr val="tx1"/>
-          </a:fontRef>
-        </p:style>
-      </p:cxnSp>
-      <p:sp>
-        <p:nvSpPr>
-          <p:cNvPr id="16" name="Rounded Rectangle 15"/>
-          <p:cNvSpPr/>
-          <p:nvPr/>
-        </p:nvSpPr>
-        <p:spPr>
-          <a:xfrm>
-            <a:off x="10409063" y="1859455"/>
-            <a:ext cx="1097324" cy="443770"/>
-          </a:xfrm>
-          <a:prstGeom prst="roundRect">
-            <a:avLst/>
-          </a:prstGeom>
-          <a:solidFill>
-            <a:schemeClr val="accent1">
-              <a:lumMod val="20000"/>
-              <a:lumOff val="80000"/>
-            </a:schemeClr>
-          </a:solidFill>
-          <a:ln>
-            <a:solidFill>
-              <a:schemeClr val="accent1">
-                <a:lumMod val="60000"/>
-                <a:lumOff val="40000"/>
-              </a:schemeClr>
-            </a:solidFill>
-          </a:ln>
-        </p:spPr>
-        <p:style>
-          <a:lnRef idx="2">
-            <a:schemeClr val="dk1"/>
-          </a:lnRef>
-          <a:fillRef idx="1">
-            <a:schemeClr val="lt1"/>
-          </a:fillRef>
-          <a:effectRef idx="0">
-            <a:schemeClr val="dk1"/>
-          </a:effectRef>
-          <a:fontRef idx="minor">
-            <a:schemeClr val="dk1"/>
-          </a:fontRef>
-        </p:style>
-        <p:txBody>
-          <a:bodyPr rtlCol="0" anchor="ctr"/>
-          <a:lstStyle/>
-          <a:p>
-            <a:pPr algn="ctr"/>
-            <a:r>
-              <a:rPr lang="en-US" sz="1600" dirty="0" err="1" smtClean="0">
-                <a:latin typeface="Agency FB" panose="020B0503020202020204" pitchFamily="34" charset="0"/>
-                <a:cs typeface="Times New Roman" panose="02020603050405020304" pitchFamily="18" charset="0"/>
-              </a:rPr>
-              <a:t>Redlog</a:t>
-            </a:r>
-            <a:endParaRPr lang="en-US" sz="1600" dirty="0">
-              <a:latin typeface="Agency FB" panose="020B0503020202020204" pitchFamily="34" charset="0"/>
-              <a:cs typeface="Times New Roman" panose="02020603050405020304" pitchFamily="18" charset="0"/>
-            </a:endParaRPr>
-          </a:p>
-        </p:txBody>
-      </p:sp>
-      <p:sp>
-        <p:nvSpPr>
-          <p:cNvPr id="17" name="Rounded Rectangular Callout 16"/>
-          <p:cNvSpPr/>
-          <p:nvPr/>
-        </p:nvSpPr>
-        <p:spPr>
-          <a:xfrm>
-            <a:off x="6705600" y="1686406"/>
-            <a:ext cx="5105771" cy="706199"/>
-          </a:xfrm>
-          <a:prstGeom prst="wedgeRoundRectCallout">
-            <a:avLst>
-              <a:gd name="adj1" fmla="val 39717"/>
-              <a:gd name="adj2" fmla="val 69952"/>
-              <a:gd name="adj3" fmla="val 16667"/>
-            </a:avLst>
-          </a:prstGeom>
-          <a:noFill/>
-          <a:ln w="19050" cap="flat" cmpd="sng" algn="ctr">
-            <a:solidFill>
-              <a:schemeClr val="accent1">
-                <a:lumMod val="75000"/>
-              </a:schemeClr>
-            </a:solidFill>
-            <a:prstDash val="dash"/>
-          </a:ln>
-          <a:effectLst/>
-        </p:spPr>
-        <p:txBody>
-          <a:bodyPr rtlCol="0" anchor="ctr"/>
-          <a:lstStyle/>
-          <a:p>
-            <a:pPr marL="0" marR="0" lvl="0" indent="0" algn="ctr" defTabSz="914400" eaLnBrk="1" fontAlgn="base" latinLnBrk="0" hangingPunct="1">
-              <a:lnSpc>
-                <a:spcPct val="100000"/>
-              </a:lnSpc>
-              <a:spcBef>
-                <a:spcPct val="0"/>
-              </a:spcBef>
-              <a:spcAft>
-                <a:spcPct val="0"/>
-              </a:spcAft>
-              <a:buClrTx/>
-              <a:buSzTx/>
-              <a:buFontTx/>
-              <a:buNone/>
-              <a:tabLst/>
-              <a:defRPr/>
-            </a:pPr>
-            <a:endParaRPr kumimoji="0" lang="en-US" sz="2800" b="1" i="0" u="none" strike="noStrike" kern="0" cap="none" spc="0" normalizeH="0" baseline="0" noProof="0" dirty="0" smtClean="0">
-              <a:ln>
-                <a:noFill/>
-              </a:ln>
-              <a:solidFill>
-                <a:srgbClr val="FFFFFF"/>
-              </a:solidFill>
-              <a:effectLst/>
-              <a:uLnTx/>
-              <a:uFillTx/>
-              <a:latin typeface="Garamond"/>
-              <a:ea typeface="+mn-ea"/>
-              <a:cs typeface="Arial"/>
-            </a:endParaRPr>
-          </a:p>
-        </p:txBody>
-      </p:sp>
-      <p:cxnSp>
-        <p:nvCxnSpPr>
-          <p:cNvPr id="18" name="Straight Arrow Connector 17"/>
-          <p:cNvCxnSpPr/>
-          <p:nvPr/>
-        </p:nvCxnSpPr>
-        <p:spPr>
-          <a:xfrm>
-            <a:off x="7078526" y="2000609"/>
-            <a:ext cx="736600" cy="0"/>
-          </a:xfrm>
-          <a:prstGeom prst="straightConnector1">
-            <a:avLst/>
-          </a:prstGeom>
-          <a:ln w="6350">
-            <a:solidFill>
-              <a:schemeClr val="tx1"/>
-            </a:solidFill>
-            <a:tailEnd type="triangle"/>
-          </a:ln>
-        </p:spPr>
-        <p:style>
-          <a:lnRef idx="1">
-            <a:schemeClr val="accent1"/>
-          </a:lnRef>
-          <a:fillRef idx="0">
-            <a:schemeClr val="accent1"/>
-          </a:fillRef>
-          <a:effectRef idx="0">
-            <a:schemeClr val="accent1"/>
-          </a:effectRef>
-          <a:fontRef idx="minor">
-            <a:schemeClr val="tx1"/>
-          </a:fontRef>
-        </p:style>
-      </p:cxnSp>
-      <p:cxnSp>
-        <p:nvCxnSpPr>
-          <p:cNvPr id="19" name="Straight Arrow Connector 18"/>
-          <p:cNvCxnSpPr/>
-          <p:nvPr/>
-        </p:nvCxnSpPr>
-        <p:spPr>
-          <a:xfrm flipH="1">
-            <a:off x="7068283" y="2188992"/>
-            <a:ext cx="736600" cy="0"/>
-          </a:xfrm>
-          <a:prstGeom prst="straightConnector1">
-            <a:avLst/>
-          </a:prstGeom>
-          <a:ln w="6350">
-            <a:solidFill>
-              <a:schemeClr val="tx1"/>
-            </a:solidFill>
-            <a:tailEnd type="triangle"/>
-          </a:ln>
-        </p:spPr>
-        <p:style>
-          <a:lnRef idx="1">
-            <a:schemeClr val="accent1"/>
-          </a:lnRef>
-          <a:fillRef idx="0">
-            <a:schemeClr val="accent1"/>
-          </a:fillRef>
-          <a:effectRef idx="0">
-            <a:schemeClr val="accent1"/>
-          </a:effectRef>
-          <a:fontRef idx="minor">
-            <a:schemeClr val="tx1"/>
-          </a:fontRef>
-        </p:style>
-      </p:cxnSp>
-      <p:sp>
-        <p:nvSpPr>
-          <p:cNvPr id="20" name="Rectangle 19"/>
-          <p:cNvSpPr/>
-          <p:nvPr/>
-        </p:nvSpPr>
-        <p:spPr>
-          <a:xfrm>
-            <a:off x="7092836" y="1933487"/>
-            <a:ext cx="583814" cy="307777"/>
-          </a:xfrm>
-          <a:prstGeom prst="rect">
-            <a:avLst/>
-          </a:prstGeom>
-        </p:spPr>
-        <p:txBody>
-          <a:bodyPr wrap="none">
-            <a:spAutoFit/>
-          </a:bodyPr>
-          <a:lstStyle/>
-          <a:p>
-            <a:r>
-              <a:rPr lang="en-US" sz="1400" dirty="0" smtClean="0">
-                <a:latin typeface="Times New Roman" panose="02020603050405020304" pitchFamily="18" charset="0"/>
-                <a:cs typeface="Times New Roman" panose="02020603050405020304" pitchFamily="18" charset="0"/>
-              </a:rPr>
-              <a:t>result</a:t>
-            </a:r>
-            <a:endParaRPr lang="en-US" sz="1400" dirty="0"/>
-          </a:p>
-        </p:txBody>
-      </p:sp>
-      <p:sp>
-        <p:nvSpPr>
-          <p:cNvPr id="21" name="Rectangle 20"/>
-          <p:cNvSpPr/>
-          <p:nvPr/>
-        </p:nvSpPr>
-        <p:spPr>
-          <a:xfrm>
-            <a:off x="7078526" y="1718305"/>
-            <a:ext cx="529312" cy="307777"/>
-          </a:xfrm>
-          <a:prstGeom prst="rect">
-            <a:avLst/>
-          </a:prstGeom>
-        </p:spPr>
-        <p:txBody>
-          <a:bodyPr wrap="none">
-            <a:spAutoFit/>
-          </a:bodyPr>
-          <a:lstStyle/>
-          <a:p>
-            <a:r>
-              <a:rPr lang="en-US" sz="1400" dirty="0" smtClean="0">
-                <a:latin typeface="Times New Roman" panose="02020603050405020304" pitchFamily="18" charset="0"/>
-                <a:cs typeface="Times New Roman" panose="02020603050405020304" pitchFamily="18" charset="0"/>
-              </a:rPr>
-              <a:t>.</a:t>
-            </a:r>
-            <a:r>
-              <a:rPr lang="en-US" sz="1400" dirty="0" err="1" smtClean="0">
-                <a:latin typeface="Times New Roman" panose="02020603050405020304" pitchFamily="18" charset="0"/>
-                <a:cs typeface="Times New Roman" panose="02020603050405020304" pitchFamily="18" charset="0"/>
-              </a:rPr>
-              <a:t>aadl</a:t>
-            </a:r>
-            <a:endParaRPr lang="en-US" sz="1400" dirty="0"/>
-          </a:p>
-        </p:txBody>
-      </p:sp>
-      <p:sp>
-        <p:nvSpPr>
-          <p:cNvPr id="22" name="TextBox 21"/>
-          <p:cNvSpPr txBox="1"/>
-          <p:nvPr/>
-        </p:nvSpPr>
-        <p:spPr>
-          <a:xfrm>
-            <a:off x="538225" y="1505649"/>
-            <a:ext cx="10718800" cy="369332"/>
-          </a:xfrm>
-          <a:prstGeom prst="rect">
-            <a:avLst/>
-          </a:prstGeom>
-          <a:noFill/>
-        </p:spPr>
-        <p:txBody>
-          <a:bodyPr wrap="square" rtlCol="0">
-            <a:spAutoFit/>
-          </a:bodyPr>
-          <a:lstStyle/>
-          <a:p>
-            <a:pPr algn="just"/>
-            <a:r>
-              <a:rPr lang="en-US" b="1" dirty="0" err="1" smtClean="0">
-                <a:latin typeface="Times New Roman" panose="02020603050405020304" pitchFamily="18" charset="0"/>
-                <a:cs typeface="Times New Roman" panose="02020603050405020304" pitchFamily="18" charset="0"/>
-              </a:rPr>
-              <a:t>Redlog</a:t>
-            </a:r>
-            <a:r>
-              <a:rPr lang="en-US" b="1" dirty="0">
-                <a:latin typeface="Times New Roman" panose="02020603050405020304" pitchFamily="18" charset="0"/>
-                <a:cs typeface="Times New Roman" panose="02020603050405020304" pitchFamily="18" charset="0"/>
-              </a:rPr>
-              <a:t>-</a:t>
-            </a:r>
-            <a:r>
-              <a:rPr lang="en-US" b="1" dirty="0" smtClean="0">
-                <a:latin typeface="Times New Roman" panose="02020603050405020304" pitchFamily="18" charset="0"/>
-                <a:cs typeface="Times New Roman" panose="02020603050405020304" pitchFamily="18" charset="0"/>
-              </a:rPr>
-              <a:t>integrated AGREE:</a:t>
-            </a:r>
-            <a:endParaRPr lang="en-US" dirty="0">
-              <a:latin typeface="Times New Roman" panose="02020603050405020304" pitchFamily="18" charset="0"/>
-              <a:cs typeface="Times New Roman" panose="02020603050405020304" pitchFamily="18" charset="0"/>
-            </a:endParaRPr>
-          </a:p>
-        </p:txBody>
-      </p:sp>
-      <p:sp>
-        <p:nvSpPr>
-          <p:cNvPr id="37" name="Rectangle 36"/>
-          <p:cNvSpPr/>
-          <p:nvPr/>
-        </p:nvSpPr>
-        <p:spPr>
-          <a:xfrm>
-            <a:off x="9115207" y="1740870"/>
-            <a:ext cx="1197764" cy="307777"/>
-          </a:xfrm>
-          <a:prstGeom prst="rect">
-            <a:avLst/>
-          </a:prstGeom>
-        </p:spPr>
-        <p:txBody>
-          <a:bodyPr wrap="none">
-            <a:spAutoFit/>
-          </a:bodyPr>
-          <a:lstStyle/>
-          <a:p>
-            <a:r>
-              <a:rPr lang="en-US" sz="1400" dirty="0" err="1" smtClean="0">
-                <a:latin typeface="Times New Roman" panose="02020603050405020304" pitchFamily="18" charset="0"/>
-                <a:cs typeface="Times New Roman" panose="02020603050405020304" pitchFamily="18" charset="0"/>
-              </a:rPr>
-              <a:t>Redlog</a:t>
-            </a:r>
-            <a:r>
-              <a:rPr lang="en-US" sz="1400" dirty="0" smtClean="0">
-                <a:latin typeface="Times New Roman" panose="02020603050405020304" pitchFamily="18" charset="0"/>
-                <a:cs typeface="Times New Roman" panose="02020603050405020304" pitchFamily="18" charset="0"/>
-              </a:rPr>
-              <a:t> model</a:t>
-            </a:r>
-            <a:endParaRPr lang="en-US" sz="1400" dirty="0"/>
-          </a:p>
-        </p:txBody>
-      </p:sp>
-      <p:sp>
-        <p:nvSpPr>
-          <p:cNvPr id="38" name="Rectangle 37"/>
-          <p:cNvSpPr/>
-          <p:nvPr/>
-        </p:nvSpPr>
-        <p:spPr>
-          <a:xfrm>
-            <a:off x="9149671" y="1936202"/>
-            <a:ext cx="1128835" cy="307777"/>
-          </a:xfrm>
-          <a:prstGeom prst="rect">
-            <a:avLst/>
-          </a:prstGeom>
-        </p:spPr>
-        <p:txBody>
-          <a:bodyPr wrap="none">
-            <a:spAutoFit/>
-          </a:bodyPr>
-          <a:lstStyle/>
-          <a:p>
-            <a:r>
-              <a:rPr lang="en-US" sz="1400" dirty="0" smtClean="0">
-                <a:latin typeface="Times New Roman" panose="02020603050405020304" pitchFamily="18" charset="0"/>
-                <a:cs typeface="Times New Roman" panose="02020603050405020304" pitchFamily="18" charset="0"/>
-              </a:rPr>
-              <a:t>Result parser</a:t>
-            </a:r>
-            <a:endParaRPr lang="en-US" sz="1400" dirty="0"/>
-          </a:p>
-        </p:txBody>
-      </p:sp>
-      <p:pic>
-        <p:nvPicPr>
-          <p:cNvPr id="40" name="Picture 39"/>
-          <p:cNvPicPr>
-            <a:picLocks noChangeAspect="1"/>
-          </p:cNvPicPr>
-          <p:nvPr/>
-        </p:nvPicPr>
-        <p:blipFill>
-          <a:blip r:embed="rId3"/>
-          <a:stretch>
-            <a:fillRect/>
-          </a:stretch>
-        </p:blipFill>
-        <p:spPr>
-          <a:xfrm>
-            <a:off x="594185" y="2090987"/>
-            <a:ext cx="5410571" cy="3830144"/>
-          </a:xfrm>
-          <a:prstGeom prst="rect">
-            <a:avLst/>
-          </a:prstGeom>
-        </p:spPr>
-      </p:pic>
-      <p:sp>
-        <p:nvSpPr>
-          <p:cNvPr id="41" name="Rounded Rectangle 40"/>
-          <p:cNvSpPr/>
-          <p:nvPr/>
-        </p:nvSpPr>
-        <p:spPr>
-          <a:xfrm>
-            <a:off x="1350878" y="5050281"/>
-            <a:ext cx="4653878" cy="187057"/>
-          </a:xfrm>
-          <a:prstGeom prst="roundRect">
-            <a:avLst/>
-          </a:prstGeom>
-          <a:noFill/>
-          <a:ln>
-            <a:solidFill>
-              <a:srgbClr val="FF0000"/>
-            </a:solidFill>
-            <a:prstDash val="sysDash"/>
-          </a:ln>
-        </p:spPr>
-        <p:style>
-          <a:lnRef idx="2">
-            <a:schemeClr val="dk1"/>
-          </a:lnRef>
-          <a:fillRef idx="1">
-            <a:schemeClr val="lt1"/>
-          </a:fillRef>
-          <a:effectRef idx="0">
-            <a:schemeClr val="dk1"/>
-          </a:effectRef>
-          <a:fontRef idx="minor">
-            <a:schemeClr val="dk1"/>
-          </a:fontRef>
-        </p:style>
-        <p:txBody>
-          <a:bodyPr rtlCol="0" anchor="ctr"/>
-          <a:lstStyle/>
-          <a:p>
-            <a:pPr algn="ctr"/>
-            <a:endParaRPr lang="en-US"/>
-          </a:p>
-        </p:txBody>
-      </p:sp>
-      <p:pic>
-        <p:nvPicPr>
-          <p:cNvPr id="42" name="Picture 41"/>
-          <p:cNvPicPr>
-            <a:picLocks noChangeAspect="1"/>
-          </p:cNvPicPr>
-          <p:nvPr/>
-        </p:nvPicPr>
-        <p:blipFill>
-          <a:blip r:embed="rId4"/>
-          <a:stretch>
-            <a:fillRect/>
-          </a:stretch>
-        </p:blipFill>
-        <p:spPr>
-          <a:xfrm>
-            <a:off x="6705599" y="3845440"/>
-            <a:ext cx="5105771" cy="635776"/>
-          </a:xfrm>
-          <a:prstGeom prst="rect">
-            <a:avLst/>
-          </a:prstGeom>
-        </p:spPr>
-      </p:pic>
-      <p:pic>
-        <p:nvPicPr>
-          <p:cNvPr id="43" name="Picture 42"/>
-          <p:cNvPicPr>
-            <a:picLocks noChangeAspect="1"/>
-          </p:cNvPicPr>
-          <p:nvPr/>
-        </p:nvPicPr>
-        <p:blipFill>
-          <a:blip r:embed="rId5"/>
-          <a:stretch>
-            <a:fillRect/>
-          </a:stretch>
-        </p:blipFill>
-        <p:spPr>
-          <a:xfrm>
-            <a:off x="6705599" y="4617552"/>
-            <a:ext cx="5169243" cy="1552575"/>
-          </a:xfrm>
-          <a:prstGeom prst="rect">
-            <a:avLst/>
-          </a:prstGeom>
-        </p:spPr>
-      </p:pic>
-      <p:sp>
-        <p:nvSpPr>
-          <p:cNvPr id="28" name="Footer Placeholder 3"/>
-          <p:cNvSpPr txBox="1">
-            <a:spLocks/>
-          </p:cNvSpPr>
-          <p:nvPr/>
-        </p:nvSpPr>
-        <p:spPr>
-          <a:xfrm>
-            <a:off x="102476" y="6437441"/>
-            <a:ext cx="4532586" cy="306936"/>
-          </a:xfrm>
-          <a:prstGeom prst="rect">
-            <a:avLst/>
-          </a:prstGeom>
-        </p:spPr>
-        <p:txBody>
-          <a:bodyPr vert="horz" lIns="91440" tIns="45720" rIns="91440" bIns="45720" rtlCol="0" anchor="ctr"/>
-          <a:lstStyle>
-            <a:defPPr>
-              <a:defRPr lang="en-US"/>
-            </a:defPPr>
-            <a:lvl1pPr marL="0" algn="ctr" defTabSz="914400" rtl="0" eaLnBrk="1" latinLnBrk="0" hangingPunct="1">
-              <a:defRPr sz="1400" kern="1200">
-                <a:solidFill>
-                  <a:srgbClr val="000000"/>
-                </a:solidFill>
-                <a:latin typeface="+mn-lt"/>
-                <a:ea typeface="+mn-ea"/>
-                <a:cs typeface="+mn-cs"/>
-              </a:defRPr>
-            </a:lvl1pPr>
-            <a:lvl2pPr marL="457200" algn="l" defTabSz="914400" rtl="0" eaLnBrk="1" latinLnBrk="0" hangingPunct="1">
-              <a:defRPr sz="1800" kern="1200">
-                <a:solidFill>
-                  <a:schemeClr val="tx1"/>
-                </a:solidFill>
-                <a:latin typeface="+mn-lt"/>
-                <a:ea typeface="+mn-ea"/>
-                <a:cs typeface="+mn-cs"/>
-              </a:defRPr>
-            </a:lvl2pPr>
-            <a:lvl3pPr marL="914400" algn="l" defTabSz="914400" rtl="0" eaLnBrk="1" latinLnBrk="0" hangingPunct="1">
-              <a:defRPr sz="1800" kern="1200">
-                <a:solidFill>
-                  <a:schemeClr val="tx1"/>
-                </a:solidFill>
-                <a:latin typeface="+mn-lt"/>
-                <a:ea typeface="+mn-ea"/>
-                <a:cs typeface="+mn-cs"/>
-              </a:defRPr>
-            </a:lvl3pPr>
-            <a:lvl4pPr marL="1371600" algn="l" defTabSz="914400" rtl="0" eaLnBrk="1" latinLnBrk="0" hangingPunct="1">
-              <a:defRPr sz="1800" kern="1200">
-                <a:solidFill>
-                  <a:schemeClr val="tx1"/>
-                </a:solidFill>
-                <a:latin typeface="+mn-lt"/>
-                <a:ea typeface="+mn-ea"/>
-                <a:cs typeface="+mn-cs"/>
-              </a:defRPr>
-            </a:lvl4pPr>
-            <a:lvl5pPr marL="1828800" algn="l" defTabSz="914400" rtl="0" eaLnBrk="1" latinLnBrk="0" hangingPunct="1">
-              <a:defRPr sz="1800" kern="1200">
-                <a:solidFill>
-                  <a:schemeClr val="tx1"/>
-                </a:solidFill>
-                <a:latin typeface="+mn-lt"/>
-                <a:ea typeface="+mn-ea"/>
-                <a:cs typeface="+mn-cs"/>
-              </a:defRPr>
-            </a:lvl5pPr>
-            <a:lvl6pPr marL="2286000" algn="l" defTabSz="914400" rtl="0" eaLnBrk="1" latinLnBrk="0" hangingPunct="1">
-              <a:defRPr sz="1800" kern="1200">
-                <a:solidFill>
-                  <a:schemeClr val="tx1"/>
-                </a:solidFill>
-                <a:latin typeface="+mn-lt"/>
-                <a:ea typeface="+mn-ea"/>
-                <a:cs typeface="+mn-cs"/>
-              </a:defRPr>
-            </a:lvl6pPr>
-            <a:lvl7pPr marL="2743200" algn="l" defTabSz="914400" rtl="0" eaLnBrk="1" latinLnBrk="0" hangingPunct="1">
-              <a:defRPr sz="1800" kern="1200">
-                <a:solidFill>
-                  <a:schemeClr val="tx1"/>
-                </a:solidFill>
-                <a:latin typeface="+mn-lt"/>
-                <a:ea typeface="+mn-ea"/>
-                <a:cs typeface="+mn-cs"/>
-              </a:defRPr>
-            </a:lvl7pPr>
-            <a:lvl8pPr marL="3200400" algn="l" defTabSz="914400" rtl="0" eaLnBrk="1" latinLnBrk="0" hangingPunct="1">
-              <a:defRPr sz="1800" kern="1200">
-                <a:solidFill>
-                  <a:schemeClr val="tx1"/>
-                </a:solidFill>
-                <a:latin typeface="+mn-lt"/>
-                <a:ea typeface="+mn-ea"/>
-                <a:cs typeface="+mn-cs"/>
-              </a:defRPr>
-            </a:lvl8pPr>
-            <a:lvl9pPr marL="3657600" algn="l" defTabSz="914400" rtl="0" eaLnBrk="1" latinLnBrk="0" hangingPunct="1">
-              <a:defRPr sz="1800" kern="1200">
-                <a:solidFill>
-                  <a:schemeClr val="tx1"/>
-                </a:solidFill>
-                <a:latin typeface="+mn-lt"/>
-                <a:ea typeface="+mn-ea"/>
-                <a:cs typeface="+mn-cs"/>
-              </a:defRPr>
-            </a:lvl9pPr>
-          </a:lstStyle>
-          <a:p>
-            <a:pPr algn="l"/>
-            <a:r>
-              <a:rPr lang="en-US" dirty="0" smtClean="0"/>
-              <a:t>Honeywell, Iowa State University</a:t>
-            </a:r>
-            <a:endParaRPr lang="en-US" dirty="0"/>
-          </a:p>
-        </p:txBody>
-      </p:sp>
-      <p:sp>
-        <p:nvSpPr>
-          <p:cNvPr id="3" name="Footer Placeholder 2"/>
-          <p:cNvSpPr>
-            <a:spLocks noGrp="1"/>
-          </p:cNvSpPr>
-          <p:nvPr>
-            <p:ph type="ftr" sz="quarter" idx="11"/>
-          </p:nvPr>
-        </p:nvSpPr>
-        <p:spPr/>
-        <p:txBody>
-          <a:bodyPr/>
-          <a:lstStyle/>
-          <a:p>
-            <a:r>
-              <a:rPr lang="en-US" smtClean="0"/>
-              <a:t>Architecture Group</a:t>
-            </a:r>
-            <a:endParaRPr lang="en-US"/>
-          </a:p>
-        </p:txBody>
-      </p:sp>
-    </p:spTree>
-    <p:extLst>
-      <p:ext uri="{BB962C8B-B14F-4D97-AF65-F5344CB8AC3E}">
-        <p14:creationId xmlns:p14="http://schemas.microsoft.com/office/powerpoint/2010/main" val="3729195834"/>
-      </p:ext>
-    </p:extLst>
-  </p:cSld>
-  <p:clrMapOvr>
-    <a:masterClrMapping/>
-  </p:clrMapOvr>
-  <mc:AlternateContent xmlns:mc="http://schemas.openxmlformats.org/markup-compatibility/2006" xmlns:p14="http://schemas.microsoft.com/office/powerpoint/2010/main">
-    <mc:Choice Requires="p14">
-      <p:transition spd="slow" p14:dur="2000"/>
-    </mc:Choice>
-    <mc:Fallback xmlns="">
-      <p:transition spd="slow"/>
-    </mc:Fallback>
-  </mc:AlternateContent>
-  <p:timing>
-    <p:tnLst>
-      <p:par>
-        <p:cTn id="1" dur="indefinite" restart="never" nodeType="tmRoot"/>
-      </p:par>
-    </p:tnLst>
-  </p:timing>
-</p:sld>
-</file>
-
-<file path=ppt/slides/slide18.xml><?xml version="1.0" encoding="utf-8"?>
 <p:sld xmlns:a="http://schemas.openxmlformats.org/drawingml/2006/main" xmlns:r="http://schemas.openxmlformats.org/officeDocument/2006/relationships" xmlns:p="http://schemas.openxmlformats.org/presentationml/2006/main">
   <p:cSld>
     <p:spTree>
@@ -15012,7 +13603,7 @@
 </p:sld>
 </file>
 
-<file path=ppt/slides/slide19.xml><?xml version="1.0" encoding="utf-8"?>
+<file path=ppt/slides/slide18.xml><?xml version="1.0" encoding="utf-8"?>
 <p:sld xmlns:a="http://schemas.openxmlformats.org/drawingml/2006/main" xmlns:r="http://schemas.openxmlformats.org/officeDocument/2006/relationships" xmlns:p="http://schemas.openxmlformats.org/presentationml/2006/main">
   <p:cSld>
     <p:spTree>
@@ -15244,198 +13835,7 @@
 </p:sld>
 </file>
 
-<file path=ppt/slides/slide2.xml><?xml version="1.0" encoding="utf-8"?>
-<p:sld xmlns:a="http://schemas.openxmlformats.org/drawingml/2006/main" xmlns:r="http://schemas.openxmlformats.org/officeDocument/2006/relationships" xmlns:p="http://schemas.openxmlformats.org/presentationml/2006/main">
-  <p:cSld>
-    <p:spTree>
-      <p:nvGrpSpPr>
-        <p:cNvPr id="1" name=""/>
-        <p:cNvGrpSpPr/>
-        <p:nvPr/>
-      </p:nvGrpSpPr>
-      <p:grpSpPr>
-        <a:xfrm>
-          <a:off x="0" y="0"/>
-          <a:ext cx="0" cy="0"/>
-          <a:chOff x="0" y="0"/>
-          <a:chExt cx="0" cy="0"/>
-        </a:xfrm>
-      </p:grpSpPr>
-      <p:sp>
-        <p:nvSpPr>
-          <p:cNvPr id="2" name="Title 1"/>
-          <p:cNvSpPr>
-            <a:spLocks noGrp="1"/>
-          </p:cNvSpPr>
-          <p:nvPr>
-            <p:ph type="title"/>
-          </p:nvPr>
-        </p:nvSpPr>
-        <p:spPr/>
-        <p:txBody>
-          <a:bodyPr/>
-          <a:lstStyle/>
-          <a:p>
-            <a:r>
-              <a:rPr lang="en-US" dirty="0" smtClean="0"/>
-              <a:t>Agenda</a:t>
-            </a:r>
-            <a:endParaRPr lang="en-US" dirty="0"/>
-          </a:p>
-        </p:txBody>
-      </p:sp>
-      <p:sp>
-        <p:nvSpPr>
-          <p:cNvPr id="3" name="Content Placeholder 2"/>
-          <p:cNvSpPr>
-            <a:spLocks noGrp="1"/>
-          </p:cNvSpPr>
-          <p:nvPr>
-            <p:ph idx="1"/>
-          </p:nvPr>
-        </p:nvSpPr>
-        <p:spPr/>
-        <p:txBody>
-          <a:bodyPr/>
-          <a:lstStyle/>
-          <a:p>
-            <a:pPr>
-              <a:lnSpc>
-                <a:spcPct val="100000"/>
-              </a:lnSpc>
-              <a:spcBef>
-                <a:spcPts val="200"/>
-              </a:spcBef>
-            </a:pPr>
-            <a:r>
-              <a:rPr lang="en-US" dirty="0" smtClean="0"/>
-              <a:t>Group Description</a:t>
-            </a:r>
-          </a:p>
-          <a:p>
-            <a:pPr>
-              <a:lnSpc>
-                <a:spcPct val="100000"/>
-              </a:lnSpc>
-              <a:spcBef>
-                <a:spcPts val="200"/>
-              </a:spcBef>
-            </a:pPr>
-            <a:r>
-              <a:rPr lang="en-US" dirty="0" smtClean="0"/>
-              <a:t>Group Objectives</a:t>
-            </a:r>
-          </a:p>
-          <a:p>
-            <a:pPr>
-              <a:lnSpc>
-                <a:spcPct val="100000"/>
-              </a:lnSpc>
-              <a:spcBef>
-                <a:spcPts val="200"/>
-              </a:spcBef>
-            </a:pPr>
-            <a:r>
-              <a:rPr lang="en-US" dirty="0" smtClean="0"/>
-              <a:t>Group Accomplishments</a:t>
-            </a:r>
-          </a:p>
-          <a:p>
-            <a:pPr>
-              <a:lnSpc>
-                <a:spcPct val="100000"/>
-              </a:lnSpc>
-              <a:spcBef>
-                <a:spcPts val="200"/>
-              </a:spcBef>
-            </a:pPr>
-            <a:r>
-              <a:rPr lang="en-US" dirty="0" smtClean="0"/>
-              <a:t>Lessons Learned</a:t>
-            </a:r>
-          </a:p>
-          <a:p>
-            <a:pPr>
-              <a:lnSpc>
-                <a:spcPct val="100000"/>
-              </a:lnSpc>
-              <a:spcBef>
-                <a:spcPts val="200"/>
-              </a:spcBef>
-            </a:pPr>
-            <a:r>
-              <a:rPr lang="en-US" dirty="0" smtClean="0"/>
-              <a:t>Recommended Future Directions</a:t>
-            </a:r>
-          </a:p>
-          <a:p>
-            <a:pPr>
-              <a:lnSpc>
-                <a:spcPct val="100000"/>
-              </a:lnSpc>
-              <a:spcBef>
-                <a:spcPts val="200"/>
-              </a:spcBef>
-            </a:pPr>
-            <a:endParaRPr lang="en-US" dirty="0" smtClean="0"/>
-          </a:p>
-          <a:p>
-            <a:endParaRPr lang="en-US" dirty="0"/>
-          </a:p>
-        </p:txBody>
-      </p:sp>
-      <p:sp>
-        <p:nvSpPr>
-          <p:cNvPr id="6" name="Footer Placeholder 5"/>
-          <p:cNvSpPr>
-            <a:spLocks noGrp="1"/>
-          </p:cNvSpPr>
-          <p:nvPr>
-            <p:ph type="ftr" sz="quarter" idx="11"/>
-          </p:nvPr>
-        </p:nvSpPr>
-        <p:spPr/>
-        <p:txBody>
-          <a:bodyPr/>
-          <a:lstStyle/>
-          <a:p>
-            <a:r>
-              <a:rPr lang="en-US" smtClean="0"/>
-              <a:t>Architecture Group</a:t>
-            </a:r>
-            <a:endParaRPr lang="en-US"/>
-          </a:p>
-        </p:txBody>
-      </p:sp>
-    </p:spTree>
-    <p:extLst>
-      <p:ext uri="{BB962C8B-B14F-4D97-AF65-F5344CB8AC3E}">
-        <p14:creationId xmlns:p14="http://schemas.microsoft.com/office/powerpoint/2010/main" val="1165000552"/>
-      </p:ext>
-    </p:extLst>
-  </p:cSld>
-  <p:clrMapOvr>
-    <a:masterClrMapping/>
-  </p:clrMapOvr>
-  <mc:AlternateContent xmlns:mc="http://schemas.openxmlformats.org/markup-compatibility/2006" xmlns:p14="http://schemas.microsoft.com/office/powerpoint/2010/main">
-    <mc:Choice Requires="p14">
-      <p:transition spd="slow" p14:dur="2000"/>
-    </mc:Choice>
-    <mc:Fallback xmlns="">
-      <p:transition spd="slow"/>
-    </mc:Fallback>
-  </mc:AlternateContent>
-  <p:timing>
-    <p:tnLst>
-      <p:par>
-        <p:cTn id="1" dur="indefinite" restart="never" nodeType="tmRoot"/>
-      </p:par>
-    </p:tnLst>
-  </p:timing>
-</p:sld>
-</file>
-
-<file path=ppt/slides/slide20.xml><?xml version="1.0" encoding="utf-8"?>
+<file path=ppt/slides/slide19.xml><?xml version="1.0" encoding="utf-8"?>
 <p:sld xmlns:a="http://schemas.openxmlformats.org/drawingml/2006/main" xmlns:r="http://schemas.openxmlformats.org/officeDocument/2006/relationships" xmlns:p="http://schemas.openxmlformats.org/presentationml/2006/main">
   <p:cSld>
     <p:spTree>
@@ -15672,7 +14072,198 @@
 </p:sld>
 </file>
 
-<file path=ppt/slides/slide21.xml><?xml version="1.0" encoding="utf-8"?>
+<file path=ppt/slides/slide2.xml><?xml version="1.0" encoding="utf-8"?>
+<p:sld xmlns:a="http://schemas.openxmlformats.org/drawingml/2006/main" xmlns:r="http://schemas.openxmlformats.org/officeDocument/2006/relationships" xmlns:p="http://schemas.openxmlformats.org/presentationml/2006/main">
+  <p:cSld>
+    <p:spTree>
+      <p:nvGrpSpPr>
+        <p:cNvPr id="1" name=""/>
+        <p:cNvGrpSpPr/>
+        <p:nvPr/>
+      </p:nvGrpSpPr>
+      <p:grpSpPr>
+        <a:xfrm>
+          <a:off x="0" y="0"/>
+          <a:ext cx="0" cy="0"/>
+          <a:chOff x="0" y="0"/>
+          <a:chExt cx="0" cy="0"/>
+        </a:xfrm>
+      </p:grpSpPr>
+      <p:sp>
+        <p:nvSpPr>
+          <p:cNvPr id="2" name="Title 1"/>
+          <p:cNvSpPr>
+            <a:spLocks noGrp="1"/>
+          </p:cNvSpPr>
+          <p:nvPr>
+            <p:ph type="title"/>
+          </p:nvPr>
+        </p:nvSpPr>
+        <p:spPr/>
+        <p:txBody>
+          <a:bodyPr/>
+          <a:lstStyle/>
+          <a:p>
+            <a:r>
+              <a:rPr lang="en-US" dirty="0" smtClean="0"/>
+              <a:t>Agenda</a:t>
+            </a:r>
+            <a:endParaRPr lang="en-US" dirty="0"/>
+          </a:p>
+        </p:txBody>
+      </p:sp>
+      <p:sp>
+        <p:nvSpPr>
+          <p:cNvPr id="3" name="Content Placeholder 2"/>
+          <p:cNvSpPr>
+            <a:spLocks noGrp="1"/>
+          </p:cNvSpPr>
+          <p:nvPr>
+            <p:ph idx="1"/>
+          </p:nvPr>
+        </p:nvSpPr>
+        <p:spPr/>
+        <p:txBody>
+          <a:bodyPr/>
+          <a:lstStyle/>
+          <a:p>
+            <a:pPr>
+              <a:lnSpc>
+                <a:spcPct val="100000"/>
+              </a:lnSpc>
+              <a:spcBef>
+                <a:spcPts val="200"/>
+              </a:spcBef>
+            </a:pPr>
+            <a:r>
+              <a:rPr lang="en-US" dirty="0" smtClean="0"/>
+              <a:t>Group Description</a:t>
+            </a:r>
+          </a:p>
+          <a:p>
+            <a:pPr>
+              <a:lnSpc>
+                <a:spcPct val="100000"/>
+              </a:lnSpc>
+              <a:spcBef>
+                <a:spcPts val="200"/>
+              </a:spcBef>
+            </a:pPr>
+            <a:r>
+              <a:rPr lang="en-US" dirty="0" smtClean="0"/>
+              <a:t>Group Objectives</a:t>
+            </a:r>
+          </a:p>
+          <a:p>
+            <a:pPr>
+              <a:lnSpc>
+                <a:spcPct val="100000"/>
+              </a:lnSpc>
+              <a:spcBef>
+                <a:spcPts val="200"/>
+              </a:spcBef>
+            </a:pPr>
+            <a:r>
+              <a:rPr lang="en-US" dirty="0" smtClean="0"/>
+              <a:t>Group Accomplishments</a:t>
+            </a:r>
+          </a:p>
+          <a:p>
+            <a:pPr>
+              <a:lnSpc>
+                <a:spcPct val="100000"/>
+              </a:lnSpc>
+              <a:spcBef>
+                <a:spcPts val="200"/>
+              </a:spcBef>
+            </a:pPr>
+            <a:r>
+              <a:rPr lang="en-US" dirty="0" smtClean="0"/>
+              <a:t>Lessons Learned</a:t>
+            </a:r>
+          </a:p>
+          <a:p>
+            <a:pPr>
+              <a:lnSpc>
+                <a:spcPct val="100000"/>
+              </a:lnSpc>
+              <a:spcBef>
+                <a:spcPts val="200"/>
+              </a:spcBef>
+            </a:pPr>
+            <a:r>
+              <a:rPr lang="en-US" dirty="0" smtClean="0"/>
+              <a:t>Recommended Future Directions</a:t>
+            </a:r>
+          </a:p>
+          <a:p>
+            <a:pPr>
+              <a:lnSpc>
+                <a:spcPct val="100000"/>
+              </a:lnSpc>
+              <a:spcBef>
+                <a:spcPts val="200"/>
+              </a:spcBef>
+            </a:pPr>
+            <a:endParaRPr lang="en-US" dirty="0" smtClean="0"/>
+          </a:p>
+          <a:p>
+            <a:endParaRPr lang="en-US" dirty="0"/>
+          </a:p>
+        </p:txBody>
+      </p:sp>
+      <p:sp>
+        <p:nvSpPr>
+          <p:cNvPr id="6" name="Footer Placeholder 5"/>
+          <p:cNvSpPr>
+            <a:spLocks noGrp="1"/>
+          </p:cNvSpPr>
+          <p:nvPr>
+            <p:ph type="ftr" sz="quarter" idx="11"/>
+          </p:nvPr>
+        </p:nvSpPr>
+        <p:spPr/>
+        <p:txBody>
+          <a:bodyPr/>
+          <a:lstStyle/>
+          <a:p>
+            <a:r>
+              <a:rPr lang="en-US" smtClean="0"/>
+              <a:t>Architecture Group</a:t>
+            </a:r>
+            <a:endParaRPr lang="en-US"/>
+          </a:p>
+        </p:txBody>
+      </p:sp>
+    </p:spTree>
+    <p:extLst>
+      <p:ext uri="{BB962C8B-B14F-4D97-AF65-F5344CB8AC3E}">
+        <p14:creationId xmlns:p14="http://schemas.microsoft.com/office/powerpoint/2010/main" val="1165000552"/>
+      </p:ext>
+    </p:extLst>
+  </p:cSld>
+  <p:clrMapOvr>
+    <a:masterClrMapping/>
+  </p:clrMapOvr>
+  <mc:AlternateContent xmlns:mc="http://schemas.openxmlformats.org/markup-compatibility/2006" xmlns:p14="http://schemas.microsoft.com/office/powerpoint/2010/main">
+    <mc:Choice Requires="p14">
+      <p:transition spd="slow" p14:dur="2000"/>
+    </mc:Choice>
+    <mc:Fallback xmlns="">
+      <p:transition spd="slow"/>
+    </mc:Fallback>
+  </mc:AlternateContent>
+  <p:timing>
+    <p:tnLst>
+      <p:par>
+        <p:cTn id="1" dur="indefinite" restart="never" nodeType="tmRoot"/>
+      </p:par>
+    </p:tnLst>
+  </p:timing>
+</p:sld>
+</file>
+
+<file path=ppt/slides/slide20.xml><?xml version="1.0" encoding="utf-8"?>
 <p:sld xmlns:a="http://schemas.openxmlformats.org/drawingml/2006/main" xmlns:r="http://schemas.openxmlformats.org/officeDocument/2006/relationships" xmlns:p="http://schemas.openxmlformats.org/presentationml/2006/main">
   <p:cSld>
     <p:spTree>
@@ -16876,7 +15467,7 @@
 </p:sld>
 </file>
 
-<file path=ppt/slides/slide22.xml><?xml version="1.0" encoding="utf-8"?>
+<file path=ppt/slides/slide21.xml><?xml version="1.0" encoding="utf-8"?>
 <p:sld xmlns:a="http://schemas.openxmlformats.org/drawingml/2006/main" xmlns:r="http://schemas.openxmlformats.org/officeDocument/2006/relationships" xmlns:p="http://schemas.openxmlformats.org/presentationml/2006/main">
   <p:cSld>
     <p:spTree>
@@ -17118,7 +15709,7 @@
 </p:sld>
 </file>
 
-<file path=ppt/slides/slide23.xml><?xml version="1.0" encoding="utf-8"?>
+<file path=ppt/slides/slide22.xml><?xml version="1.0" encoding="utf-8"?>
 <p:sld xmlns:a="http://schemas.openxmlformats.org/drawingml/2006/main" xmlns:r="http://schemas.openxmlformats.org/officeDocument/2006/relationships" xmlns:p="http://schemas.openxmlformats.org/presentationml/2006/main">
   <p:cSld>
     <p:spTree>
@@ -17881,7 +16472,7 @@
 </p:sld>
 </file>
 
-<file path=ppt/slides/slide24.xml><?xml version="1.0" encoding="utf-8"?>
+<file path=ppt/slides/slide23.xml><?xml version="1.0" encoding="utf-8"?>
 <p:sld xmlns:a="http://schemas.openxmlformats.org/drawingml/2006/main" xmlns:r="http://schemas.openxmlformats.org/officeDocument/2006/relationships" xmlns:p="http://schemas.openxmlformats.org/presentationml/2006/main">
   <p:cSld>
     <p:spTree>
@@ -18358,7 +16949,7 @@
 </p:sld>
 </file>
 
-<file path=ppt/slides/slide25.xml><?xml version="1.0" encoding="utf-8"?>
+<file path=ppt/slides/slide24.xml><?xml version="1.0" encoding="utf-8"?>
 <p:sld xmlns:a="http://schemas.openxmlformats.org/drawingml/2006/main" xmlns:r="http://schemas.openxmlformats.org/officeDocument/2006/relationships" xmlns:p="http://schemas.openxmlformats.org/presentationml/2006/main">
   <p:cSld>
     <p:spTree>
@@ -18593,7 +17184,7 @@
 </p:sld>
 </file>
 
-<file path=ppt/slides/slide26.xml><?xml version="1.0" encoding="utf-8"?>
+<file path=ppt/slides/slide25.xml><?xml version="1.0" encoding="utf-8"?>
 <p:sld xmlns:a="http://schemas.openxmlformats.org/drawingml/2006/main" xmlns:r="http://schemas.openxmlformats.org/officeDocument/2006/relationships" xmlns:p="http://schemas.openxmlformats.org/presentationml/2006/main">
   <p:cSld>
     <p:spTree>
@@ -18680,7 +17271,7 @@
 </p:sld>
 </file>
 
-<file path=ppt/slides/slide27.xml><?xml version="1.0" encoding="utf-8"?>
+<file path=ppt/slides/slide26.xml><?xml version="1.0" encoding="utf-8"?>
 <p:sld xmlns:a="http://schemas.openxmlformats.org/drawingml/2006/main" xmlns:r="http://schemas.openxmlformats.org/officeDocument/2006/relationships" xmlns:p="http://schemas.openxmlformats.org/presentationml/2006/main">
   <p:cSld>
     <p:spTree>
@@ -19084,7 +17675,7 @@
 </p:sld>
 </file>
 
-<file path=ppt/slides/slide28.xml><?xml version="1.0" encoding="utf-8"?>
+<file path=ppt/slides/slide27.xml><?xml version="1.0" encoding="utf-8"?>
 <p:sld xmlns:a="http://schemas.openxmlformats.org/drawingml/2006/main" xmlns:r="http://schemas.openxmlformats.org/officeDocument/2006/relationships" xmlns:p="http://schemas.openxmlformats.org/presentationml/2006/main">
   <p:cSld>
     <p:spTree>
@@ -19479,7 +18070,7 @@
 </p:sld>
 </file>
 
-<file path=ppt/slides/slide29.xml><?xml version="1.0" encoding="utf-8"?>
+<file path=ppt/slides/slide28.xml><?xml version="1.0" encoding="utf-8"?>
 <p:sld xmlns:a="http://schemas.openxmlformats.org/drawingml/2006/main" xmlns:r="http://schemas.openxmlformats.org/officeDocument/2006/relationships" xmlns:p="http://schemas.openxmlformats.org/presentationml/2006/main">
   <p:cSld>
     <p:spTree>
@@ -19773,6 +18364,361 @@
     <p:extLst>
       <p:ext uri="{BB962C8B-B14F-4D97-AF65-F5344CB8AC3E}">
         <p14:creationId xmlns:p14="http://schemas.microsoft.com/office/powerpoint/2010/main" val="286898037"/>
+      </p:ext>
+    </p:extLst>
+  </p:cSld>
+  <p:clrMapOvr>
+    <a:masterClrMapping/>
+  </p:clrMapOvr>
+  <mc:AlternateContent xmlns:mc="http://schemas.openxmlformats.org/markup-compatibility/2006" xmlns:p14="http://schemas.microsoft.com/office/powerpoint/2010/main">
+    <mc:Choice Requires="p14">
+      <p:transition spd="slow" p14:dur="2000"/>
+    </mc:Choice>
+    <mc:Fallback xmlns="">
+      <p:transition spd="slow"/>
+    </mc:Fallback>
+  </mc:AlternateContent>
+  <p:timing>
+    <p:tnLst>
+      <p:par>
+        <p:cTn id="1" dur="indefinite" restart="never" nodeType="tmRoot"/>
+      </p:par>
+    </p:tnLst>
+  </p:timing>
+</p:sld>
+</file>
+
+<file path=ppt/slides/slide29.xml><?xml version="1.0" encoding="utf-8"?>
+<p:sld xmlns:a="http://schemas.openxmlformats.org/drawingml/2006/main" xmlns:r="http://schemas.openxmlformats.org/officeDocument/2006/relationships" xmlns:p="http://schemas.openxmlformats.org/presentationml/2006/main">
+  <p:cSld>
+    <p:spTree>
+      <p:nvGrpSpPr>
+        <p:cNvPr id="1" name=""/>
+        <p:cNvGrpSpPr/>
+        <p:nvPr/>
+      </p:nvGrpSpPr>
+      <p:grpSpPr>
+        <a:xfrm>
+          <a:off x="0" y="0"/>
+          <a:ext cx="0" cy="0"/>
+          <a:chOff x="0" y="0"/>
+          <a:chExt cx="0" cy="0"/>
+        </a:xfrm>
+      </p:grpSpPr>
+      <p:sp>
+        <p:nvSpPr>
+          <p:cNvPr id="2" name="Title 1"/>
+          <p:cNvSpPr>
+            <a:spLocks noGrp="1"/>
+          </p:cNvSpPr>
+          <p:nvPr>
+            <p:ph type="title"/>
+          </p:nvPr>
+        </p:nvSpPr>
+        <p:spPr/>
+        <p:txBody>
+          <a:bodyPr/>
+          <a:lstStyle/>
+          <a:p>
+            <a:r>
+              <a:rPr lang="en-US" dirty="0" smtClean="0"/>
+              <a:t>Stateflow Representation</a:t>
+            </a:r>
+            <a:endParaRPr lang="en-US" dirty="0"/>
+          </a:p>
+        </p:txBody>
+      </p:sp>
+      <p:sp>
+        <p:nvSpPr>
+          <p:cNvPr id="3" name="Content Placeholder 2"/>
+          <p:cNvSpPr>
+            <a:spLocks noGrp="1"/>
+          </p:cNvSpPr>
+          <p:nvPr>
+            <p:ph idx="1"/>
+          </p:nvPr>
+        </p:nvSpPr>
+        <p:spPr/>
+        <p:txBody>
+          <a:bodyPr>
+            <a:normAutofit lnSpcReduction="10000"/>
+          </a:bodyPr>
+          <a:lstStyle/>
+          <a:p>
+            <a:r>
+              <a:rPr lang="en-US" dirty="0"/>
+              <a:t>Created a Stateflow representation of the Task Service Base state machine</a:t>
+            </a:r>
+          </a:p>
+          <a:p>
+            <a:r>
+              <a:rPr lang="en-US" dirty="0" smtClean="0"/>
+              <a:t>Benefits</a:t>
+            </a:r>
+          </a:p>
+          <a:p>
+            <a:pPr lvl="1"/>
+            <a:r>
+              <a:rPr lang="en-US" dirty="0"/>
+              <a:t>Evidence in the assurance argument: “gold standard state machine”</a:t>
+            </a:r>
+          </a:p>
+          <a:p>
+            <a:pPr lvl="1"/>
+            <a:r>
+              <a:rPr lang="en-US" dirty="0" smtClean="0"/>
+              <a:t>Enable simulation</a:t>
+            </a:r>
+          </a:p>
+          <a:p>
+            <a:pPr lvl="1"/>
+            <a:r>
+              <a:rPr lang="en-US" dirty="0" smtClean="0"/>
+              <a:t>Enable analysis from Simulink</a:t>
+            </a:r>
+          </a:p>
+          <a:p>
+            <a:pPr lvl="2"/>
+            <a:r>
+              <a:rPr lang="en-US" dirty="0" err="1" smtClean="0"/>
+              <a:t>QVtrace</a:t>
+            </a:r>
+            <a:endParaRPr lang="en-US" dirty="0" smtClean="0"/>
+          </a:p>
+          <a:p>
+            <a:pPr lvl="2"/>
+            <a:r>
+              <a:rPr lang="en-US" dirty="0" smtClean="0"/>
+              <a:t>Simulink-to-PVS</a:t>
+            </a:r>
+          </a:p>
+          <a:p>
+            <a:pPr lvl="2"/>
+            <a:r>
+              <a:rPr lang="en-US" dirty="0" smtClean="0"/>
+              <a:t>Simulink Design Verifier</a:t>
+            </a:r>
+          </a:p>
+          <a:p>
+            <a:pPr lvl="1"/>
+            <a:r>
+              <a:rPr lang="en-US" dirty="0" smtClean="0"/>
+              <a:t>Visualize counterexamples</a:t>
+            </a:r>
+          </a:p>
+          <a:p>
+            <a:pPr>
+              <a:lnSpc>
+                <a:spcPct val="100000"/>
+              </a:lnSpc>
+              <a:spcBef>
+                <a:spcPts val="200"/>
+              </a:spcBef>
+            </a:pPr>
+            <a:r>
+              <a:rPr lang="en-US" dirty="0" smtClean="0"/>
+              <a:t>Simulink/Stateflow abstractions cross-checked </a:t>
+            </a:r>
+            <a:r>
+              <a:rPr lang="en-US" dirty="0"/>
+              <a:t>with </a:t>
+            </a:r>
+            <a:r>
+              <a:rPr lang="en-US" dirty="0" smtClean="0"/>
+              <a:t>AADL/AGREE </a:t>
+            </a:r>
+            <a:r>
+              <a:rPr lang="en-US" dirty="0"/>
+              <a:t>model</a:t>
+            </a:r>
+          </a:p>
+          <a:p>
+            <a:pPr lvl="1">
+              <a:lnSpc>
+                <a:spcPct val="100000"/>
+              </a:lnSpc>
+              <a:spcBef>
+                <a:spcPts val="200"/>
+              </a:spcBef>
+            </a:pPr>
+            <a:r>
+              <a:rPr lang="en-US" dirty="0" smtClean="0"/>
+              <a:t>Found erroneous </a:t>
+            </a:r>
+            <a:r>
+              <a:rPr lang="en-US" dirty="0"/>
+              <a:t>initial conditions, unused from/</a:t>
+            </a:r>
+            <a:r>
+              <a:rPr lang="en-US" dirty="0" err="1"/>
+              <a:t>goto</a:t>
+            </a:r>
+            <a:r>
+              <a:rPr lang="en-US" dirty="0"/>
+              <a:t> flags, and incorrect settings on if-else </a:t>
+            </a:r>
+            <a:r>
+              <a:rPr lang="en-US" dirty="0" smtClean="0"/>
+              <a:t>cases in Stateflow model</a:t>
+            </a:r>
+            <a:endParaRPr lang="en-US" dirty="0"/>
+          </a:p>
+          <a:p>
+            <a:endParaRPr lang="en-US" dirty="0"/>
+          </a:p>
+        </p:txBody>
+      </p:sp>
+      <p:sp>
+        <p:nvSpPr>
+          <p:cNvPr id="5" name="Footer Placeholder 3"/>
+          <p:cNvSpPr txBox="1">
+            <a:spLocks/>
+          </p:cNvSpPr>
+          <p:nvPr/>
+        </p:nvSpPr>
+        <p:spPr>
+          <a:xfrm>
+            <a:off x="102476" y="6437441"/>
+            <a:ext cx="4532586" cy="306936"/>
+          </a:xfrm>
+          <a:prstGeom prst="rect">
+            <a:avLst/>
+          </a:prstGeom>
+        </p:spPr>
+        <p:txBody>
+          <a:bodyPr vert="horz" lIns="91440" tIns="45720" rIns="91440" bIns="45720" rtlCol="0" anchor="ctr"/>
+          <a:lstStyle>
+            <a:defPPr>
+              <a:defRPr lang="en-US"/>
+            </a:defPPr>
+            <a:lvl1pPr marL="0" algn="ctr" defTabSz="914400" rtl="0" eaLnBrk="1" latinLnBrk="0" hangingPunct="1">
+              <a:defRPr sz="1400" kern="1200">
+                <a:solidFill>
+                  <a:srgbClr val="000000"/>
+                </a:solidFill>
+                <a:latin typeface="+mn-lt"/>
+                <a:ea typeface="+mn-ea"/>
+                <a:cs typeface="+mn-cs"/>
+              </a:defRPr>
+            </a:lvl1pPr>
+            <a:lvl2pPr marL="457200" algn="l" defTabSz="914400" rtl="0" eaLnBrk="1" latinLnBrk="0" hangingPunct="1">
+              <a:defRPr sz="1800" kern="1200">
+                <a:solidFill>
+                  <a:schemeClr val="tx1"/>
+                </a:solidFill>
+                <a:latin typeface="+mn-lt"/>
+                <a:ea typeface="+mn-ea"/>
+                <a:cs typeface="+mn-cs"/>
+              </a:defRPr>
+            </a:lvl2pPr>
+            <a:lvl3pPr marL="914400" algn="l" defTabSz="914400" rtl="0" eaLnBrk="1" latinLnBrk="0" hangingPunct="1">
+              <a:defRPr sz="1800" kern="1200">
+                <a:solidFill>
+                  <a:schemeClr val="tx1"/>
+                </a:solidFill>
+                <a:latin typeface="+mn-lt"/>
+                <a:ea typeface="+mn-ea"/>
+                <a:cs typeface="+mn-cs"/>
+              </a:defRPr>
+            </a:lvl3pPr>
+            <a:lvl4pPr marL="1371600" algn="l" defTabSz="914400" rtl="0" eaLnBrk="1" latinLnBrk="0" hangingPunct="1">
+              <a:defRPr sz="1800" kern="1200">
+                <a:solidFill>
+                  <a:schemeClr val="tx1"/>
+                </a:solidFill>
+                <a:latin typeface="+mn-lt"/>
+                <a:ea typeface="+mn-ea"/>
+                <a:cs typeface="+mn-cs"/>
+              </a:defRPr>
+            </a:lvl4pPr>
+            <a:lvl5pPr marL="1828800" algn="l" defTabSz="914400" rtl="0" eaLnBrk="1" latinLnBrk="0" hangingPunct="1">
+              <a:defRPr sz="1800" kern="1200">
+                <a:solidFill>
+                  <a:schemeClr val="tx1"/>
+                </a:solidFill>
+                <a:latin typeface="+mn-lt"/>
+                <a:ea typeface="+mn-ea"/>
+                <a:cs typeface="+mn-cs"/>
+              </a:defRPr>
+            </a:lvl5pPr>
+            <a:lvl6pPr marL="2286000" algn="l" defTabSz="914400" rtl="0" eaLnBrk="1" latinLnBrk="0" hangingPunct="1">
+              <a:defRPr sz="1800" kern="1200">
+                <a:solidFill>
+                  <a:schemeClr val="tx1"/>
+                </a:solidFill>
+                <a:latin typeface="+mn-lt"/>
+                <a:ea typeface="+mn-ea"/>
+                <a:cs typeface="+mn-cs"/>
+              </a:defRPr>
+            </a:lvl6pPr>
+            <a:lvl7pPr marL="2743200" algn="l" defTabSz="914400" rtl="0" eaLnBrk="1" latinLnBrk="0" hangingPunct="1">
+              <a:defRPr sz="1800" kern="1200">
+                <a:solidFill>
+                  <a:schemeClr val="tx1"/>
+                </a:solidFill>
+                <a:latin typeface="+mn-lt"/>
+                <a:ea typeface="+mn-ea"/>
+                <a:cs typeface="+mn-cs"/>
+              </a:defRPr>
+            </a:lvl7pPr>
+            <a:lvl8pPr marL="3200400" algn="l" defTabSz="914400" rtl="0" eaLnBrk="1" latinLnBrk="0" hangingPunct="1">
+              <a:defRPr sz="1800" kern="1200">
+                <a:solidFill>
+                  <a:schemeClr val="tx1"/>
+                </a:solidFill>
+                <a:latin typeface="+mn-lt"/>
+                <a:ea typeface="+mn-ea"/>
+                <a:cs typeface="+mn-cs"/>
+              </a:defRPr>
+            </a:lvl8pPr>
+            <a:lvl9pPr marL="3657600" algn="l" defTabSz="914400" rtl="0" eaLnBrk="1" latinLnBrk="0" hangingPunct="1">
+              <a:defRPr sz="1800" kern="1200">
+                <a:solidFill>
+                  <a:schemeClr val="tx1"/>
+                </a:solidFill>
+                <a:latin typeface="+mn-lt"/>
+                <a:ea typeface="+mn-ea"/>
+                <a:cs typeface="+mn-cs"/>
+              </a:defRPr>
+            </a:lvl9pPr>
+          </a:lstStyle>
+          <a:p>
+            <a:pPr algn="l"/>
+            <a:r>
+              <a:rPr lang="en-US" dirty="0" smtClean="0"/>
+              <a:t>Lockheed Martin, Dependable Computing, Rockwell Collins</a:t>
+            </a:r>
+            <a:endParaRPr lang="en-US" dirty="0"/>
+          </a:p>
+        </p:txBody>
+      </p:sp>
+      <p:sp>
+        <p:nvSpPr>
+          <p:cNvPr id="7" name="Footer Placeholder 6"/>
+          <p:cNvSpPr>
+            <a:spLocks noGrp="1"/>
+          </p:cNvSpPr>
+          <p:nvPr>
+            <p:ph type="ftr" sz="quarter" idx="11"/>
+          </p:nvPr>
+        </p:nvSpPr>
+        <p:spPr/>
+        <p:txBody>
+          <a:bodyPr/>
+          <a:lstStyle/>
+          <a:p>
+            <a:r>
+              <a:rPr lang="en-US" dirty="0" smtClean="0"/>
+              <a:t>Architecture Group</a:t>
+            </a:r>
+            <a:endParaRPr lang="en-US" dirty="0"/>
+          </a:p>
+        </p:txBody>
+      </p:sp>
+    </p:spTree>
+    <p:extLst>
+      <p:ext uri="{BB962C8B-B14F-4D97-AF65-F5344CB8AC3E}">
+        <p14:creationId xmlns:p14="http://schemas.microsoft.com/office/powerpoint/2010/main" val="1619698478"/>
       </p:ext>
     </p:extLst>
   </p:cSld>
@@ -20494,370 +19440,6 @@
           <a:chExt cx="0" cy="0"/>
         </a:xfrm>
       </p:grpSpPr>
-      <p:sp>
-        <p:nvSpPr>
-          <p:cNvPr id="2" name="Title 1"/>
-          <p:cNvSpPr>
-            <a:spLocks noGrp="1"/>
-          </p:cNvSpPr>
-          <p:nvPr>
-            <p:ph type="title"/>
-          </p:nvPr>
-        </p:nvSpPr>
-        <p:spPr/>
-        <p:txBody>
-          <a:bodyPr/>
-          <a:lstStyle/>
-          <a:p>
-            <a:r>
-              <a:rPr lang="en-US" dirty="0" smtClean="0"/>
-              <a:t>Stateflow Representation</a:t>
-            </a:r>
-            <a:endParaRPr lang="en-US" dirty="0"/>
-          </a:p>
-        </p:txBody>
-      </p:sp>
-      <p:sp>
-        <p:nvSpPr>
-          <p:cNvPr id="3" name="Content Placeholder 2"/>
-          <p:cNvSpPr>
-            <a:spLocks noGrp="1"/>
-          </p:cNvSpPr>
-          <p:nvPr>
-            <p:ph idx="1"/>
-          </p:nvPr>
-        </p:nvSpPr>
-        <p:spPr/>
-        <p:txBody>
-          <a:bodyPr>
-            <a:normAutofit lnSpcReduction="10000"/>
-          </a:bodyPr>
-          <a:lstStyle/>
-          <a:p>
-            <a:r>
-              <a:rPr lang="en-US" dirty="0"/>
-              <a:t>Created a Stateflow representation of the Task Service Base state machine</a:t>
-            </a:r>
-          </a:p>
-          <a:p>
-            <a:r>
-              <a:rPr lang="en-US" dirty="0" smtClean="0"/>
-              <a:t>Benefits</a:t>
-            </a:r>
-            <a:endParaRPr lang="en-US" dirty="0" smtClean="0"/>
-          </a:p>
-          <a:p>
-            <a:pPr lvl="1"/>
-            <a:r>
-              <a:rPr lang="en-US" dirty="0"/>
-              <a:t>Evidence in the assurance argument: “gold standard state machine”</a:t>
-            </a:r>
-          </a:p>
-          <a:p>
-            <a:pPr lvl="1"/>
-            <a:r>
-              <a:rPr lang="en-US" dirty="0" smtClean="0"/>
-              <a:t>Enable </a:t>
-            </a:r>
-            <a:r>
-              <a:rPr lang="en-US" dirty="0" smtClean="0"/>
-              <a:t>simulation</a:t>
-            </a:r>
-          </a:p>
-          <a:p>
-            <a:pPr lvl="1"/>
-            <a:r>
-              <a:rPr lang="en-US" dirty="0" smtClean="0"/>
-              <a:t>Enable analysis from Simulink</a:t>
-            </a:r>
-          </a:p>
-          <a:p>
-            <a:pPr lvl="2"/>
-            <a:r>
-              <a:rPr lang="en-US" dirty="0" err="1" smtClean="0"/>
-              <a:t>QVtrace</a:t>
-            </a:r>
-            <a:endParaRPr lang="en-US" dirty="0" smtClean="0"/>
-          </a:p>
-          <a:p>
-            <a:pPr lvl="2"/>
-            <a:r>
-              <a:rPr lang="en-US" dirty="0" smtClean="0"/>
-              <a:t>Simulink-to-PVS</a:t>
-            </a:r>
-          </a:p>
-          <a:p>
-            <a:pPr lvl="2"/>
-            <a:r>
-              <a:rPr lang="en-US" dirty="0" smtClean="0"/>
-              <a:t>Simulink Design Verifier</a:t>
-            </a:r>
-          </a:p>
-          <a:p>
-            <a:pPr lvl="1"/>
-            <a:r>
-              <a:rPr lang="en-US" dirty="0" smtClean="0"/>
-              <a:t>Visualize counterexamples</a:t>
-            </a:r>
-          </a:p>
-          <a:p>
-            <a:pPr>
-              <a:lnSpc>
-                <a:spcPct val="100000"/>
-              </a:lnSpc>
-              <a:spcBef>
-                <a:spcPts val="200"/>
-              </a:spcBef>
-            </a:pPr>
-            <a:r>
-              <a:rPr lang="en-US" dirty="0" smtClean="0"/>
-              <a:t>Simulink/Stateflow </a:t>
-            </a:r>
-            <a:r>
-              <a:rPr lang="en-US" dirty="0" smtClean="0"/>
-              <a:t>abstractions cross-checked </a:t>
-            </a:r>
-            <a:r>
-              <a:rPr lang="en-US" dirty="0"/>
-              <a:t>with </a:t>
-            </a:r>
-            <a:r>
-              <a:rPr lang="en-US" dirty="0" smtClean="0"/>
-              <a:t>AADL/AGREE </a:t>
-            </a:r>
-            <a:r>
-              <a:rPr lang="en-US" dirty="0"/>
-              <a:t>model</a:t>
-            </a:r>
-          </a:p>
-          <a:p>
-            <a:pPr lvl="1">
-              <a:lnSpc>
-                <a:spcPct val="100000"/>
-              </a:lnSpc>
-              <a:spcBef>
-                <a:spcPts val="200"/>
-              </a:spcBef>
-            </a:pPr>
-            <a:r>
-              <a:rPr lang="en-US" dirty="0" smtClean="0"/>
-              <a:t>Found erroneous </a:t>
-            </a:r>
-            <a:r>
-              <a:rPr lang="en-US" dirty="0"/>
-              <a:t>initial conditions, unused from/</a:t>
-            </a:r>
-            <a:r>
-              <a:rPr lang="en-US" dirty="0" err="1"/>
-              <a:t>goto</a:t>
-            </a:r>
-            <a:r>
-              <a:rPr lang="en-US" dirty="0"/>
-              <a:t> flags, and incorrect settings on if-else </a:t>
-            </a:r>
-            <a:r>
-              <a:rPr lang="en-US" dirty="0" smtClean="0"/>
-              <a:t>cases in Stateflow model</a:t>
-            </a:r>
-            <a:endParaRPr lang="en-US" dirty="0"/>
-          </a:p>
-          <a:p>
-            <a:endParaRPr lang="en-US" dirty="0"/>
-          </a:p>
-        </p:txBody>
-      </p:sp>
-      <p:sp>
-        <p:nvSpPr>
-          <p:cNvPr id="5" name="Footer Placeholder 3"/>
-          <p:cNvSpPr txBox="1">
-            <a:spLocks/>
-          </p:cNvSpPr>
-          <p:nvPr/>
-        </p:nvSpPr>
-        <p:spPr>
-          <a:xfrm>
-            <a:off x="102476" y="6437441"/>
-            <a:ext cx="4532586" cy="306936"/>
-          </a:xfrm>
-          <a:prstGeom prst="rect">
-            <a:avLst/>
-          </a:prstGeom>
-        </p:spPr>
-        <p:txBody>
-          <a:bodyPr vert="horz" lIns="91440" tIns="45720" rIns="91440" bIns="45720" rtlCol="0" anchor="ctr"/>
-          <a:lstStyle>
-            <a:defPPr>
-              <a:defRPr lang="en-US"/>
-            </a:defPPr>
-            <a:lvl1pPr marL="0" algn="ctr" defTabSz="914400" rtl="0" eaLnBrk="1" latinLnBrk="0" hangingPunct="1">
-              <a:defRPr sz="1400" kern="1200">
-                <a:solidFill>
-                  <a:srgbClr val="000000"/>
-                </a:solidFill>
-                <a:latin typeface="+mn-lt"/>
-                <a:ea typeface="+mn-ea"/>
-                <a:cs typeface="+mn-cs"/>
-              </a:defRPr>
-            </a:lvl1pPr>
-            <a:lvl2pPr marL="457200" algn="l" defTabSz="914400" rtl="0" eaLnBrk="1" latinLnBrk="0" hangingPunct="1">
-              <a:defRPr sz="1800" kern="1200">
-                <a:solidFill>
-                  <a:schemeClr val="tx1"/>
-                </a:solidFill>
-                <a:latin typeface="+mn-lt"/>
-                <a:ea typeface="+mn-ea"/>
-                <a:cs typeface="+mn-cs"/>
-              </a:defRPr>
-            </a:lvl2pPr>
-            <a:lvl3pPr marL="914400" algn="l" defTabSz="914400" rtl="0" eaLnBrk="1" latinLnBrk="0" hangingPunct="1">
-              <a:defRPr sz="1800" kern="1200">
-                <a:solidFill>
-                  <a:schemeClr val="tx1"/>
-                </a:solidFill>
-                <a:latin typeface="+mn-lt"/>
-                <a:ea typeface="+mn-ea"/>
-                <a:cs typeface="+mn-cs"/>
-              </a:defRPr>
-            </a:lvl3pPr>
-            <a:lvl4pPr marL="1371600" algn="l" defTabSz="914400" rtl="0" eaLnBrk="1" latinLnBrk="0" hangingPunct="1">
-              <a:defRPr sz="1800" kern="1200">
-                <a:solidFill>
-                  <a:schemeClr val="tx1"/>
-                </a:solidFill>
-                <a:latin typeface="+mn-lt"/>
-                <a:ea typeface="+mn-ea"/>
-                <a:cs typeface="+mn-cs"/>
-              </a:defRPr>
-            </a:lvl4pPr>
-            <a:lvl5pPr marL="1828800" algn="l" defTabSz="914400" rtl="0" eaLnBrk="1" latinLnBrk="0" hangingPunct="1">
-              <a:defRPr sz="1800" kern="1200">
-                <a:solidFill>
-                  <a:schemeClr val="tx1"/>
-                </a:solidFill>
-                <a:latin typeface="+mn-lt"/>
-                <a:ea typeface="+mn-ea"/>
-                <a:cs typeface="+mn-cs"/>
-              </a:defRPr>
-            </a:lvl5pPr>
-            <a:lvl6pPr marL="2286000" algn="l" defTabSz="914400" rtl="0" eaLnBrk="1" latinLnBrk="0" hangingPunct="1">
-              <a:defRPr sz="1800" kern="1200">
-                <a:solidFill>
-                  <a:schemeClr val="tx1"/>
-                </a:solidFill>
-                <a:latin typeface="+mn-lt"/>
-                <a:ea typeface="+mn-ea"/>
-                <a:cs typeface="+mn-cs"/>
-              </a:defRPr>
-            </a:lvl6pPr>
-            <a:lvl7pPr marL="2743200" algn="l" defTabSz="914400" rtl="0" eaLnBrk="1" latinLnBrk="0" hangingPunct="1">
-              <a:defRPr sz="1800" kern="1200">
-                <a:solidFill>
-                  <a:schemeClr val="tx1"/>
-                </a:solidFill>
-                <a:latin typeface="+mn-lt"/>
-                <a:ea typeface="+mn-ea"/>
-                <a:cs typeface="+mn-cs"/>
-              </a:defRPr>
-            </a:lvl7pPr>
-            <a:lvl8pPr marL="3200400" algn="l" defTabSz="914400" rtl="0" eaLnBrk="1" latinLnBrk="0" hangingPunct="1">
-              <a:defRPr sz="1800" kern="1200">
-                <a:solidFill>
-                  <a:schemeClr val="tx1"/>
-                </a:solidFill>
-                <a:latin typeface="+mn-lt"/>
-                <a:ea typeface="+mn-ea"/>
-                <a:cs typeface="+mn-cs"/>
-              </a:defRPr>
-            </a:lvl8pPr>
-            <a:lvl9pPr marL="3657600" algn="l" defTabSz="914400" rtl="0" eaLnBrk="1" latinLnBrk="0" hangingPunct="1">
-              <a:defRPr sz="1800" kern="1200">
-                <a:solidFill>
-                  <a:schemeClr val="tx1"/>
-                </a:solidFill>
-                <a:latin typeface="+mn-lt"/>
-                <a:ea typeface="+mn-ea"/>
-                <a:cs typeface="+mn-cs"/>
-              </a:defRPr>
-            </a:lvl9pPr>
-          </a:lstStyle>
-          <a:p>
-            <a:pPr algn="l"/>
-            <a:r>
-              <a:rPr lang="en-US" dirty="0" smtClean="0"/>
-              <a:t>Lockheed Martin, Dependable Computing, Rockwell Collins</a:t>
-            </a:r>
-            <a:endParaRPr lang="en-US" dirty="0"/>
-          </a:p>
-        </p:txBody>
-      </p:sp>
-      <p:sp>
-        <p:nvSpPr>
-          <p:cNvPr id="7" name="Footer Placeholder 6"/>
-          <p:cNvSpPr>
-            <a:spLocks noGrp="1"/>
-          </p:cNvSpPr>
-          <p:nvPr>
-            <p:ph type="ftr" sz="quarter" idx="11"/>
-          </p:nvPr>
-        </p:nvSpPr>
-        <p:spPr/>
-        <p:txBody>
-          <a:bodyPr/>
-          <a:lstStyle/>
-          <a:p>
-            <a:r>
-              <a:rPr lang="en-US" dirty="0" smtClean="0"/>
-              <a:t>Architecture Group</a:t>
-            </a:r>
-            <a:endParaRPr lang="en-US" dirty="0"/>
-          </a:p>
-        </p:txBody>
-      </p:sp>
-    </p:spTree>
-    <p:extLst>
-      <p:ext uri="{BB962C8B-B14F-4D97-AF65-F5344CB8AC3E}">
-        <p14:creationId xmlns:p14="http://schemas.microsoft.com/office/powerpoint/2010/main" val="1619698478"/>
-      </p:ext>
-    </p:extLst>
-  </p:cSld>
-  <p:clrMapOvr>
-    <a:masterClrMapping/>
-  </p:clrMapOvr>
-  <mc:AlternateContent xmlns:mc="http://schemas.openxmlformats.org/markup-compatibility/2006" xmlns:p14="http://schemas.microsoft.com/office/powerpoint/2010/main">
-    <mc:Choice Requires="p14">
-      <p:transition spd="slow" p14:dur="2000"/>
-    </mc:Choice>
-    <mc:Fallback xmlns="">
-      <p:transition spd="slow"/>
-    </mc:Fallback>
-  </mc:AlternateContent>
-  <p:timing>
-    <p:tnLst>
-      <p:par>
-        <p:cTn id="1" dur="indefinite" restart="never" nodeType="tmRoot"/>
-      </p:par>
-    </p:tnLst>
-  </p:timing>
-</p:sld>
-</file>
-
-<file path=ppt/slides/slide31.xml><?xml version="1.0" encoding="utf-8"?>
-<p:sld xmlns:a="http://schemas.openxmlformats.org/drawingml/2006/main" xmlns:r="http://schemas.openxmlformats.org/officeDocument/2006/relationships" xmlns:p="http://schemas.openxmlformats.org/presentationml/2006/main">
-  <p:cSld>
-    <p:spTree>
-      <p:nvGrpSpPr>
-        <p:cNvPr id="1" name=""/>
-        <p:cNvGrpSpPr/>
-        <p:nvPr/>
-      </p:nvGrpSpPr>
-      <p:grpSpPr>
-        <a:xfrm>
-          <a:off x="0" y="0"/>
-          <a:ext cx="0" cy="0"/>
-          <a:chOff x="0" y="0"/>
-          <a:chExt cx="0" cy="0"/>
-        </a:xfrm>
-      </p:grpSpPr>
       <p:pic>
         <p:nvPicPr>
           <p:cNvPr id="5" name="Picture 4"/>
@@ -20909,7 +19491,7 @@
 </p:sld>
 </file>
 
-<file path=ppt/slides/slide32.xml><?xml version="1.0" encoding="utf-8"?>
+<file path=ppt/slides/slide31.xml><?xml version="1.0" encoding="utf-8"?>
 <p:sld xmlns:a="http://schemas.openxmlformats.org/drawingml/2006/main" xmlns:r="http://schemas.openxmlformats.org/officeDocument/2006/relationships" xmlns:p="http://schemas.openxmlformats.org/presentationml/2006/main">
   <p:cSld>
     <p:spTree>
@@ -21697,6 +20279,235 @@
 </p:sld>
 </file>
 
+<file path=ppt/slides/slide32.xml><?xml version="1.0" encoding="utf-8"?>
+<p:sld xmlns:a="http://schemas.openxmlformats.org/drawingml/2006/main" xmlns:r="http://schemas.openxmlformats.org/officeDocument/2006/relationships" xmlns:p="http://schemas.openxmlformats.org/presentationml/2006/main">
+  <p:cSld>
+    <p:spTree>
+      <p:nvGrpSpPr>
+        <p:cNvPr id="1" name=""/>
+        <p:cNvGrpSpPr/>
+        <p:nvPr/>
+      </p:nvGrpSpPr>
+      <p:grpSpPr>
+        <a:xfrm>
+          <a:off x="0" y="0"/>
+          <a:ext cx="0" cy="0"/>
+          <a:chOff x="0" y="0"/>
+          <a:chExt cx="0" cy="0"/>
+        </a:xfrm>
+      </p:grpSpPr>
+      <p:sp>
+        <p:nvSpPr>
+          <p:cNvPr id="2" name="Title 1"/>
+          <p:cNvSpPr>
+            <a:spLocks noGrp="1"/>
+          </p:cNvSpPr>
+          <p:nvPr>
+            <p:ph type="title"/>
+          </p:nvPr>
+        </p:nvSpPr>
+        <p:spPr/>
+        <p:txBody>
+          <a:bodyPr/>
+          <a:lstStyle/>
+          <a:p>
+            <a:r>
+              <a:rPr lang="en-US" dirty="0" smtClean="0"/>
+              <a:t>Lessons Learned</a:t>
+            </a:r>
+            <a:endParaRPr lang="en-US" dirty="0"/>
+          </a:p>
+        </p:txBody>
+      </p:sp>
+      <p:sp>
+        <p:nvSpPr>
+          <p:cNvPr id="3" name="Content Placeholder 2"/>
+          <p:cNvSpPr>
+            <a:spLocks noGrp="1"/>
+          </p:cNvSpPr>
+          <p:nvPr>
+            <p:ph idx="1"/>
+          </p:nvPr>
+        </p:nvSpPr>
+        <p:spPr/>
+        <p:txBody>
+          <a:bodyPr>
+            <a:normAutofit lnSpcReduction="10000"/>
+          </a:bodyPr>
+          <a:lstStyle/>
+          <a:p>
+            <a:pPr>
+              <a:lnSpc>
+                <a:spcPct val="100000"/>
+              </a:lnSpc>
+              <a:spcBef>
+                <a:spcPts val="200"/>
+              </a:spcBef>
+            </a:pPr>
+            <a:r>
+              <a:rPr lang="en-US" dirty="0" smtClean="0"/>
+              <a:t>Many problems are identified through the process of formalization, before analysis</a:t>
+            </a:r>
+          </a:p>
+          <a:p>
+            <a:pPr>
+              <a:lnSpc>
+                <a:spcPct val="100000"/>
+              </a:lnSpc>
+              <a:spcBef>
+                <a:spcPts val="200"/>
+              </a:spcBef>
+            </a:pPr>
+            <a:r>
+              <a:rPr lang="en-US" dirty="0" smtClean="0"/>
+              <a:t>Data types, ports, and connections (or an ontology) can be automatically extracted from code (with some moderate up front work)</a:t>
+            </a:r>
+          </a:p>
+          <a:p>
+            <a:pPr>
+              <a:lnSpc>
+                <a:spcPct val="100000"/>
+              </a:lnSpc>
+              <a:spcBef>
+                <a:spcPts val="200"/>
+              </a:spcBef>
+            </a:pPr>
+            <a:r>
+              <a:rPr lang="en-US" dirty="0" smtClean="0"/>
+              <a:t>Reusable (template) properties help find common mistakes</a:t>
+            </a:r>
+          </a:p>
+          <a:p>
+            <a:pPr>
+              <a:lnSpc>
+                <a:spcPct val="100000"/>
+              </a:lnSpc>
+              <a:spcBef>
+                <a:spcPts val="200"/>
+              </a:spcBef>
+            </a:pPr>
+            <a:r>
+              <a:rPr lang="en-US" dirty="0" smtClean="0"/>
+              <a:t>Not every error can be detected with a template property--a review of the specification itself is still worthwhile</a:t>
+            </a:r>
+          </a:p>
+          <a:p>
+            <a:pPr>
+              <a:lnSpc>
+                <a:spcPct val="100000"/>
+              </a:lnSpc>
+              <a:spcBef>
+                <a:spcPts val="200"/>
+              </a:spcBef>
+            </a:pPr>
+            <a:r>
+              <a:rPr lang="en-US" dirty="0" smtClean="0"/>
+              <a:t>Assurance arguments are useful to capture the “rest of the story”</a:t>
+            </a:r>
+          </a:p>
+          <a:p>
+            <a:pPr>
+              <a:lnSpc>
+                <a:spcPct val="100000"/>
+              </a:lnSpc>
+              <a:spcBef>
+                <a:spcPts val="200"/>
+              </a:spcBef>
+            </a:pPr>
+            <a:r>
+              <a:rPr lang="en-US" dirty="0" smtClean="0"/>
+              <a:t>SpeAR, ASSERT, AADL/AGREE, and </a:t>
+            </a:r>
+            <a:r>
+              <a:rPr lang="en-US" dirty="0" err="1" smtClean="0"/>
+              <a:t>QVtrace</a:t>
+            </a:r>
+            <a:r>
+              <a:rPr lang="en-US" dirty="0" smtClean="0"/>
+              <a:t> are all very capable analysis tools. There are synergies between them.</a:t>
+            </a:r>
+          </a:p>
+          <a:p>
+            <a:pPr>
+              <a:lnSpc>
+                <a:spcPct val="100000"/>
+              </a:lnSpc>
+              <a:spcBef>
+                <a:spcPts val="200"/>
+              </a:spcBef>
+            </a:pPr>
+            <a:r>
+              <a:rPr lang="en-US" dirty="0" smtClean="0"/>
+              <a:t>Challenges: arrays, inheritance</a:t>
+            </a:r>
+          </a:p>
+          <a:p>
+            <a:pPr>
+              <a:lnSpc>
+                <a:spcPct val="100000"/>
+              </a:lnSpc>
+              <a:spcBef>
+                <a:spcPts val="200"/>
+              </a:spcBef>
+            </a:pPr>
+            <a:endParaRPr lang="en-US" dirty="0" smtClean="0"/>
+          </a:p>
+          <a:p>
+            <a:endParaRPr lang="en-US" dirty="0"/>
+          </a:p>
+        </p:txBody>
+      </p:sp>
+      <p:sp>
+        <p:nvSpPr>
+          <p:cNvPr id="6" name="Footer Placeholder 5"/>
+          <p:cNvSpPr>
+            <a:spLocks noGrp="1"/>
+          </p:cNvSpPr>
+          <p:nvPr>
+            <p:ph type="ftr" sz="quarter" idx="11"/>
+          </p:nvPr>
+        </p:nvSpPr>
+        <p:spPr/>
+        <p:txBody>
+          <a:bodyPr/>
+          <a:lstStyle/>
+          <a:p>
+            <a:r>
+              <a:rPr lang="en-US" dirty="0" smtClean="0"/>
+              <a:t>Architecture Group</a:t>
+            </a:r>
+            <a:endParaRPr lang="en-US" dirty="0"/>
+          </a:p>
+        </p:txBody>
+      </p:sp>
+    </p:spTree>
+    <p:extLst>
+      <p:ext uri="{BB962C8B-B14F-4D97-AF65-F5344CB8AC3E}">
+        <p14:creationId xmlns:p14="http://schemas.microsoft.com/office/powerpoint/2010/main" val="3123488723"/>
+      </p:ext>
+    </p:extLst>
+  </p:cSld>
+  <p:clrMapOvr>
+    <a:masterClrMapping/>
+  </p:clrMapOvr>
+  <mc:AlternateContent xmlns:mc="http://schemas.openxmlformats.org/markup-compatibility/2006" xmlns:p14="http://schemas.microsoft.com/office/powerpoint/2010/main">
+    <mc:Choice Requires="p14">
+      <p:transition spd="slow" p14:dur="2000"/>
+    </mc:Choice>
+    <mc:Fallback xmlns="">
+      <p:transition spd="slow"/>
+    </mc:Fallback>
+  </mc:AlternateContent>
+  <p:timing>
+    <p:tnLst>
+      <p:par>
+        <p:cTn id="1" dur="indefinite" restart="never" nodeType="tmRoot"/>
+      </p:par>
+    </p:tnLst>
+  </p:timing>
+</p:sld>
+</file>
+
 <file path=ppt/slides/slide33.xml><?xml version="1.0" encoding="utf-8"?>
 <p:sld xmlns:a="http://schemas.openxmlformats.org/drawingml/2006/main" xmlns:r="http://schemas.openxmlformats.org/officeDocument/2006/relationships" xmlns:p="http://schemas.openxmlformats.org/presentationml/2006/main">
   <p:cSld>
@@ -21731,7 +20542,7 @@
           <a:p>
             <a:r>
               <a:rPr lang="en-US" dirty="0" smtClean="0"/>
-              <a:t>Lessons Learned</a:t>
+              <a:t>Recommended Future Directions</a:t>
             </a:r>
             <a:endParaRPr lang="en-US" dirty="0"/>
           </a:p>
@@ -21749,9 +20560,7 @@
         </p:nvSpPr>
         <p:spPr/>
         <p:txBody>
-          <a:bodyPr>
-            <a:normAutofit lnSpcReduction="10000"/>
-          </a:bodyPr>
+          <a:bodyPr/>
           <a:lstStyle/>
           <a:p>
             <a:pPr>
@@ -21764,7 +20573,7 @@
             </a:pPr>
             <a:r>
               <a:rPr lang="en-US" dirty="0" smtClean="0"/>
-              <a:t>Many problems are identified through the process of formalization, before analysis</a:t>
+              <a:t>Write contracts for the remaining thirty-one components</a:t>
             </a:r>
           </a:p>
           <a:p>
@@ -21776,46 +20585,7 @@
                 <a:spcPts val="200"/>
               </a:spcBef>
             </a:pPr>
-            <a:r>
-              <a:rPr lang="en-US" dirty="0" smtClean="0"/>
-              <a:t>Data </a:t>
-            </a:r>
-            <a:r>
-              <a:rPr lang="en-US" dirty="0" smtClean="0"/>
-              <a:t>types, ports</a:t>
-            </a:r>
-            <a:r>
-              <a:rPr lang="en-US" dirty="0" smtClean="0"/>
-              <a:t>, and connections </a:t>
-            </a:r>
-            <a:r>
-              <a:rPr lang="en-US" dirty="0" smtClean="0"/>
-              <a:t>(</a:t>
-            </a:r>
-            <a:r>
-              <a:rPr lang="en-US" dirty="0" smtClean="0"/>
-              <a:t>or an ontology) </a:t>
-            </a:r>
-            <a:r>
-              <a:rPr lang="en-US" dirty="0" smtClean="0"/>
-              <a:t>can </a:t>
-            </a:r>
-            <a:r>
-              <a:rPr lang="en-US" dirty="0" smtClean="0"/>
-              <a:t>be automatically extracted from code (with some </a:t>
-            </a:r>
-            <a:r>
-              <a:rPr lang="en-US" dirty="0" smtClean="0"/>
-              <a:t>moderate </a:t>
-            </a:r>
-            <a:r>
-              <a:rPr lang="en-US" dirty="0" smtClean="0"/>
-              <a:t>up </a:t>
-            </a:r>
-            <a:r>
-              <a:rPr lang="en-US" dirty="0" smtClean="0"/>
-              <a:t>front work)</a:t>
-            </a:r>
+            <a:endParaRPr lang="en-US" dirty="0" smtClean="0"/>
           </a:p>
           <a:p>
             <a:pPr>
@@ -21828,7 +20598,7 @@
             </a:pPr>
             <a:r>
               <a:rPr lang="en-US" dirty="0" smtClean="0"/>
-              <a:t>Reusable (template) properties help find common mistakes</a:t>
+              <a:t>State/compose and analyze system-level properties (in progress)</a:t>
             </a:r>
           </a:p>
           <a:p>
@@ -21840,10 +20610,7 @@
                 <a:spcPts val="200"/>
               </a:spcBef>
             </a:pPr>
-            <a:r>
-              <a:rPr lang="en-US" dirty="0" smtClean="0"/>
-              <a:t>Not every error can be detected with a template property--a review of the specification itself is still worthwhile</a:t>
-            </a:r>
+            <a:endParaRPr lang="en-US" dirty="0" smtClean="0"/>
           </a:p>
           <a:p>
             <a:pPr>
@@ -21856,7 +20623,7 @@
             </a:pPr>
             <a:r>
               <a:rPr lang="en-US" dirty="0" smtClean="0"/>
-              <a:t>Assurance arguments are useful to capture the “rest of the story”</a:t>
+              <a:t>Generate code from AADL</a:t>
             </a:r>
           </a:p>
           <a:p>
@@ -21868,18 +20635,7 @@
                 <a:spcPts val="200"/>
               </a:spcBef>
             </a:pPr>
-            <a:r>
-              <a:rPr lang="en-US" dirty="0" smtClean="0"/>
-              <a:t>SpeAR, ASSERT, AADL/AGREE, and </a:t>
-            </a:r>
-            <a:r>
-              <a:rPr lang="en-US" dirty="0" err="1" smtClean="0"/>
-              <a:t>QVtrace</a:t>
-            </a:r>
-            <a:r>
-              <a:rPr lang="en-US" dirty="0" smtClean="0"/>
-              <a:t> are all very capable analysis tools. There are synergies between them.</a:t>
-            </a:r>
+            <a:endParaRPr lang="en-US" dirty="0" smtClean="0"/>
           </a:p>
           <a:p>
             <a:pPr>
@@ -21892,8 +20648,63 @@
             </a:pPr>
             <a:r>
               <a:rPr lang="en-US" dirty="0" smtClean="0"/>
-              <a:t>Challenges: arrays, inheritance</a:t>
-            </a:r>
+              <a:t>Generate test cases from AGREE and run on </a:t>
+            </a:r>
+            <a:r>
+              <a:rPr lang="en-US" dirty="0" err="1" smtClean="0"/>
+              <a:t>UxAS</a:t>
+            </a:r>
+            <a:r>
+              <a:rPr lang="en-US" dirty="0" smtClean="0"/>
+              <a:t> implementation</a:t>
+            </a:r>
+          </a:p>
+          <a:p>
+            <a:pPr>
+              <a:lnSpc>
+                <a:spcPct val="100000"/>
+              </a:lnSpc>
+              <a:spcBef>
+                <a:spcPts val="200"/>
+              </a:spcBef>
+            </a:pPr>
+            <a:endParaRPr lang="en-US" dirty="0" smtClean="0"/>
+          </a:p>
+          <a:p>
+            <a:pPr>
+              <a:lnSpc>
+                <a:spcPct val="100000"/>
+              </a:lnSpc>
+              <a:spcBef>
+                <a:spcPts val="200"/>
+              </a:spcBef>
+            </a:pPr>
+            <a:r>
+              <a:rPr lang="en-US" dirty="0" smtClean="0"/>
+              <a:t>Continue documenting decisions and the assurance case for the architecture</a:t>
+            </a:r>
+          </a:p>
+          <a:p>
+            <a:pPr>
+              <a:lnSpc>
+                <a:spcPct val="100000"/>
+              </a:lnSpc>
+              <a:spcBef>
+                <a:spcPts val="200"/>
+              </a:spcBef>
+            </a:pPr>
+            <a:endParaRPr lang="en-US" dirty="0" smtClean="0"/>
+          </a:p>
+          <a:p>
+            <a:pPr>
+              <a:lnSpc>
+                <a:spcPct val="100000"/>
+              </a:lnSpc>
+              <a:spcBef>
+                <a:spcPts val="200"/>
+              </a:spcBef>
+            </a:pPr>
+            <a:endParaRPr lang="en-US" dirty="0" smtClean="0"/>
           </a:p>
           <a:p>
             <a:pPr>
@@ -21927,17 +20738,17 @@
           <a:lstStyle/>
           <a:p>
             <a:r>
-              <a:rPr lang="en-US" dirty="0" smtClean="0"/>
+              <a:rPr lang="en-US" smtClean="0"/>
               <a:t>Architecture Group</a:t>
             </a:r>
-            <a:endParaRPr lang="en-US" dirty="0"/>
+            <a:endParaRPr lang="en-US"/>
           </a:p>
         </p:txBody>
       </p:sp>
     </p:spTree>
     <p:extLst>
       <p:ext uri="{BB962C8B-B14F-4D97-AF65-F5344CB8AC3E}">
-        <p14:creationId xmlns:p14="http://schemas.microsoft.com/office/powerpoint/2010/main" val="3123488723"/>
+        <p14:creationId xmlns:p14="http://schemas.microsoft.com/office/powerpoint/2010/main" val="2472667537"/>
       </p:ext>
     </p:extLst>
   </p:cSld>
@@ -21981,271 +20792,6 @@
       </p:grpSpPr>
       <p:sp>
         <p:nvSpPr>
-          <p:cNvPr id="2" name="Title 1"/>
-          <p:cNvSpPr>
-            <a:spLocks noGrp="1"/>
-          </p:cNvSpPr>
-          <p:nvPr>
-            <p:ph type="title"/>
-          </p:nvPr>
-        </p:nvSpPr>
-        <p:spPr/>
-        <p:txBody>
-          <a:bodyPr/>
-          <a:lstStyle/>
-          <a:p>
-            <a:r>
-              <a:rPr lang="en-US" dirty="0" smtClean="0"/>
-              <a:t>Recommended Future Directions</a:t>
-            </a:r>
-            <a:endParaRPr lang="en-US" dirty="0"/>
-          </a:p>
-        </p:txBody>
-      </p:sp>
-      <p:sp>
-        <p:nvSpPr>
-          <p:cNvPr id="3" name="Content Placeholder 2"/>
-          <p:cNvSpPr>
-            <a:spLocks noGrp="1"/>
-          </p:cNvSpPr>
-          <p:nvPr>
-            <p:ph idx="1"/>
-          </p:nvPr>
-        </p:nvSpPr>
-        <p:spPr/>
-        <p:txBody>
-          <a:bodyPr/>
-          <a:lstStyle/>
-          <a:p>
-            <a:pPr>
-              <a:lnSpc>
-                <a:spcPct val="100000"/>
-              </a:lnSpc>
-              <a:spcBef>
-                <a:spcPts val="200"/>
-              </a:spcBef>
-            </a:pPr>
-            <a:r>
-              <a:rPr lang="en-US" dirty="0" smtClean="0"/>
-              <a:t>Write contracts for the remaining thirty-one components</a:t>
-            </a:r>
-          </a:p>
-          <a:p>
-            <a:pPr>
-              <a:lnSpc>
-                <a:spcPct val="100000"/>
-              </a:lnSpc>
-              <a:spcBef>
-                <a:spcPts val="200"/>
-              </a:spcBef>
-            </a:pPr>
-            <a:endParaRPr lang="en-US" dirty="0" smtClean="0"/>
-          </a:p>
-          <a:p>
-            <a:pPr>
-              <a:lnSpc>
-                <a:spcPct val="100000"/>
-              </a:lnSpc>
-              <a:spcBef>
-                <a:spcPts val="200"/>
-              </a:spcBef>
-            </a:pPr>
-            <a:r>
-              <a:rPr lang="en-US" dirty="0" smtClean="0"/>
-              <a:t>State/compose and analyze system-level properties (in progress)</a:t>
-            </a:r>
-          </a:p>
-          <a:p>
-            <a:pPr>
-              <a:lnSpc>
-                <a:spcPct val="100000"/>
-              </a:lnSpc>
-              <a:spcBef>
-                <a:spcPts val="200"/>
-              </a:spcBef>
-            </a:pPr>
-            <a:endParaRPr lang="en-US" dirty="0" smtClean="0"/>
-          </a:p>
-          <a:p>
-            <a:pPr>
-              <a:lnSpc>
-                <a:spcPct val="100000"/>
-              </a:lnSpc>
-              <a:spcBef>
-                <a:spcPts val="200"/>
-              </a:spcBef>
-            </a:pPr>
-            <a:r>
-              <a:rPr lang="en-US" dirty="0" smtClean="0"/>
-              <a:t>Generate code from AADL</a:t>
-            </a:r>
-          </a:p>
-          <a:p>
-            <a:pPr>
-              <a:lnSpc>
-                <a:spcPct val="100000"/>
-              </a:lnSpc>
-              <a:spcBef>
-                <a:spcPts val="200"/>
-              </a:spcBef>
-            </a:pPr>
-            <a:endParaRPr lang="en-US" dirty="0" smtClean="0"/>
-          </a:p>
-          <a:p>
-            <a:pPr>
-              <a:lnSpc>
-                <a:spcPct val="100000"/>
-              </a:lnSpc>
-              <a:spcBef>
-                <a:spcPts val="200"/>
-              </a:spcBef>
-            </a:pPr>
-            <a:r>
-              <a:rPr lang="en-US" dirty="0" smtClean="0"/>
-              <a:t>Generate test cases from AGREE and run on </a:t>
-            </a:r>
-            <a:r>
-              <a:rPr lang="en-US" dirty="0" err="1" smtClean="0"/>
-              <a:t>UxAS</a:t>
-            </a:r>
-            <a:r>
-              <a:rPr lang="en-US" dirty="0" smtClean="0"/>
-              <a:t> implementation</a:t>
-            </a:r>
-          </a:p>
-          <a:p>
-            <a:pPr>
-              <a:lnSpc>
-                <a:spcPct val="100000"/>
-              </a:lnSpc>
-              <a:spcBef>
-                <a:spcPts val="200"/>
-              </a:spcBef>
-            </a:pPr>
-            <a:endParaRPr lang="en-US" dirty="0" smtClean="0"/>
-          </a:p>
-          <a:p>
-            <a:pPr>
-              <a:lnSpc>
-                <a:spcPct val="100000"/>
-              </a:lnSpc>
-              <a:spcBef>
-                <a:spcPts val="200"/>
-              </a:spcBef>
-            </a:pPr>
-            <a:r>
-              <a:rPr lang="en-US" dirty="0" smtClean="0"/>
-              <a:t>Continue documenting decisions and the assurance case for the architecture</a:t>
-            </a:r>
-          </a:p>
-          <a:p>
-            <a:pPr>
-              <a:lnSpc>
-                <a:spcPct val="100000"/>
-              </a:lnSpc>
-              <a:spcBef>
-                <a:spcPts val="200"/>
-              </a:spcBef>
-            </a:pPr>
-            <a:endParaRPr lang="en-US" dirty="0" smtClean="0"/>
-          </a:p>
-          <a:p>
-            <a:pPr>
-              <a:lnSpc>
-                <a:spcPct val="100000"/>
-              </a:lnSpc>
-              <a:spcBef>
-                <a:spcPts val="200"/>
-              </a:spcBef>
-            </a:pPr>
-            <a:endParaRPr lang="en-US" dirty="0" smtClean="0"/>
-          </a:p>
-          <a:p>
-            <a:pPr>
-              <a:lnSpc>
-                <a:spcPct val="100000"/>
-              </a:lnSpc>
-              <a:spcBef>
-                <a:spcPts val="200"/>
-              </a:spcBef>
-            </a:pPr>
-            <a:endParaRPr lang="en-US" dirty="0" smtClean="0"/>
-          </a:p>
-          <a:p>
-            <a:endParaRPr lang="en-US" dirty="0"/>
-          </a:p>
-        </p:txBody>
-      </p:sp>
-      <p:sp>
-        <p:nvSpPr>
-          <p:cNvPr id="6" name="Footer Placeholder 5"/>
-          <p:cNvSpPr>
-            <a:spLocks noGrp="1"/>
-          </p:cNvSpPr>
-          <p:nvPr>
-            <p:ph type="ftr" sz="quarter" idx="11"/>
-          </p:nvPr>
-        </p:nvSpPr>
-        <p:spPr/>
-        <p:txBody>
-          <a:bodyPr/>
-          <a:lstStyle/>
-          <a:p>
-            <a:r>
-              <a:rPr lang="en-US" smtClean="0"/>
-              <a:t>Architecture Group</a:t>
-            </a:r>
-            <a:endParaRPr lang="en-US"/>
-          </a:p>
-        </p:txBody>
-      </p:sp>
-    </p:spTree>
-    <p:extLst>
-      <p:ext uri="{BB962C8B-B14F-4D97-AF65-F5344CB8AC3E}">
-        <p14:creationId xmlns:p14="http://schemas.microsoft.com/office/powerpoint/2010/main" val="2472667537"/>
-      </p:ext>
-    </p:extLst>
-  </p:cSld>
-  <p:clrMapOvr>
-    <a:masterClrMapping/>
-  </p:clrMapOvr>
-  <mc:AlternateContent xmlns:mc="http://schemas.openxmlformats.org/markup-compatibility/2006" xmlns:p14="http://schemas.microsoft.com/office/powerpoint/2010/main">
-    <mc:Choice Requires="p14">
-      <p:transition spd="slow" p14:dur="2000"/>
-    </mc:Choice>
-    <mc:Fallback xmlns="">
-      <p:transition spd="slow"/>
-    </mc:Fallback>
-  </mc:AlternateContent>
-  <p:timing>
-    <p:tnLst>
-      <p:par>
-        <p:cTn id="1" dur="indefinite" restart="never" nodeType="tmRoot"/>
-      </p:par>
-    </p:tnLst>
-  </p:timing>
-</p:sld>
-</file>
-
-<file path=ppt/slides/slide35.xml><?xml version="1.0" encoding="utf-8"?>
-<p:sld xmlns:a="http://schemas.openxmlformats.org/drawingml/2006/main" xmlns:r="http://schemas.openxmlformats.org/officeDocument/2006/relationships" xmlns:p="http://schemas.openxmlformats.org/presentationml/2006/main">
-  <p:cSld>
-    <p:spTree>
-      <p:nvGrpSpPr>
-        <p:cNvPr id="1" name=""/>
-        <p:cNvGrpSpPr/>
-        <p:nvPr/>
-      </p:nvGrpSpPr>
-      <p:grpSpPr>
-        <a:xfrm>
-          <a:off x="0" y="0"/>
-          <a:ext cx="0" cy="0"/>
-          <a:chOff x="0" y="0"/>
-          <a:chExt cx="0" cy="0"/>
-        </a:xfrm>
-      </p:grpSpPr>
-      <p:sp>
-        <p:nvSpPr>
           <p:cNvPr id="4" name="Title 3"/>
           <p:cNvSpPr>
             <a:spLocks noGrp="1"/>
@@ -22314,7 +20860,7 @@
 </p:sld>
 </file>
 
-<file path=ppt/slides/slide36.xml><?xml version="1.0" encoding="utf-8"?>
+<file path=ppt/slides/slide35.xml><?xml version="1.0" encoding="utf-8"?>
 <p:sld xmlns:a="http://schemas.openxmlformats.org/drawingml/2006/main" xmlns:r="http://schemas.openxmlformats.org/officeDocument/2006/relationships" xmlns:p="http://schemas.openxmlformats.org/presentationml/2006/main">
   <p:cSld>
     <p:spTree>
@@ -23788,7 +22334,7 @@
 </p:sld>
 </file>
 
-<file path=ppt/slides/slide37.xml><?xml version="1.0" encoding="utf-8"?>
+<file path=ppt/slides/slide36.xml><?xml version="1.0" encoding="utf-8"?>
 <p:sld xmlns:a="http://schemas.openxmlformats.org/drawingml/2006/main" xmlns:r="http://schemas.openxmlformats.org/officeDocument/2006/relationships" xmlns:p="http://schemas.openxmlformats.org/presentationml/2006/main">
   <p:cSld>
     <p:spTree>
@@ -24085,7 +22631,7 @@
 </p:sld>
 </file>
 
-<file path=ppt/slides/slide38.xml><?xml version="1.0" encoding="utf-8"?>
+<file path=ppt/slides/slide37.xml><?xml version="1.0" encoding="utf-8"?>
 <p:sld xmlns:a="http://schemas.openxmlformats.org/drawingml/2006/main" xmlns:r="http://schemas.openxmlformats.org/officeDocument/2006/relationships" xmlns:p="http://schemas.openxmlformats.org/presentationml/2006/main">
   <p:cSld>
     <p:spTree>
@@ -26431,8 +24977,12 @@
               <a:t>Enhanced tool </a:t>
             </a:r>
             <a:r>
+              <a:rPr lang="en-US" dirty="0" smtClean="0"/>
+              <a:t>(RELIQE) to </a:t>
+            </a:r>
+            <a:r>
               <a:rPr lang="en-US" dirty="0"/>
-              <a:t>to compose component contracts </a:t>
+              <a:t>compose component contracts </a:t>
             </a:r>
             <a:r>
               <a:rPr lang="en-US" dirty="0" smtClean="0"/>

--- a/presentations/S5_SoI_Architecture_Group.pptx
+++ b/presentations/S5_SoI_Architecture_Group.pptx
@@ -16,8 +16,8 @@
     <p:sldId id="288" r:id="rId7"/>
     <p:sldId id="323" r:id="rId8"/>
     <p:sldId id="291" r:id="rId9"/>
-    <p:sldId id="332" r:id="rId10"/>
-    <p:sldId id="333" r:id="rId11"/>
+    <p:sldId id="339" r:id="rId10"/>
+    <p:sldId id="338" r:id="rId11"/>
     <p:sldId id="293" r:id="rId12"/>
     <p:sldId id="294" r:id="rId13"/>
     <p:sldId id="324" r:id="rId14"/>
@@ -5817,6 +5817,291 @@
           <a:chExt cx="0" cy="0"/>
         </a:xfrm>
       </p:grpSpPr>
+      <p:grpSp>
+        <p:nvGrpSpPr>
+          <p:cNvPr id="50" name="Group 49"/>
+          <p:cNvGrpSpPr>
+            <a:grpSpLocks noChangeAspect="1"/>
+          </p:cNvGrpSpPr>
+          <p:nvPr/>
+        </p:nvGrpSpPr>
+        <p:grpSpPr>
+          <a:xfrm>
+            <a:off x="7450341" y="4151977"/>
+            <a:ext cx="4609787" cy="1691593"/>
+            <a:chOff x="5240562" y="4325746"/>
+            <a:chExt cx="4936702" cy="1811557"/>
+          </a:xfrm>
+        </p:grpSpPr>
+        <p:sp>
+          <p:nvSpPr>
+            <p:cNvPr id="32" name="Rectangle 31"/>
+            <p:cNvSpPr>
+              <a:spLocks noChangeAspect="1"/>
+            </p:cNvSpPr>
+            <p:nvPr/>
+          </p:nvSpPr>
+          <p:spPr>
+            <a:xfrm>
+              <a:off x="5240562" y="4325746"/>
+              <a:ext cx="4936702" cy="1811557"/>
+            </a:xfrm>
+            <a:prstGeom prst="rect">
+              <a:avLst/>
+            </a:prstGeom>
+            <a:solidFill>
+              <a:schemeClr val="bg1"/>
+            </a:solidFill>
+            <a:ln>
+              <a:solidFill>
+                <a:schemeClr val="tx1"/>
+              </a:solidFill>
+            </a:ln>
+            <a:effectLst>
+              <a:outerShdw blurRad="50800" dist="38100" dir="2700000" algn="tl" rotWithShape="0">
+                <a:prstClr val="black">
+                  <a:alpha val="40000"/>
+                </a:prstClr>
+              </a:outerShdw>
+            </a:effectLst>
+          </p:spPr>
+          <p:style>
+            <a:lnRef idx="2">
+              <a:schemeClr val="accent1">
+                <a:shade val="50000"/>
+              </a:schemeClr>
+            </a:lnRef>
+            <a:fillRef idx="1">
+              <a:schemeClr val="accent1"/>
+            </a:fillRef>
+            <a:effectRef idx="0">
+              <a:schemeClr val="accent1"/>
+            </a:effectRef>
+            <a:fontRef idx="minor">
+              <a:schemeClr val="lt1"/>
+            </a:fontRef>
+          </p:style>
+          <p:txBody>
+            <a:bodyPr rtlCol="0" anchor="ctr"/>
+            <a:lstStyle/>
+            <a:p>
+              <a:pPr algn="ctr"/>
+              <a:endParaRPr lang="en-US">
+                <a:solidFill>
+                  <a:prstClr val="white"/>
+                </a:solidFill>
+              </a:endParaRPr>
+            </a:p>
+          </p:txBody>
+        </p:sp>
+        <p:sp>
+          <p:nvSpPr>
+            <p:cNvPr id="49" name="TextBox 48"/>
+            <p:cNvSpPr txBox="1"/>
+            <p:nvPr/>
+          </p:nvSpPr>
+          <p:spPr>
+            <a:xfrm>
+              <a:off x="6310133" y="4423927"/>
+              <a:ext cx="2797561" cy="400110"/>
+            </a:xfrm>
+            <a:prstGeom prst="rect">
+              <a:avLst/>
+            </a:prstGeom>
+            <a:noFill/>
+          </p:spPr>
+          <p:txBody>
+            <a:bodyPr wrap="none" rtlCol="0">
+              <a:spAutoFit/>
+            </a:bodyPr>
+            <a:lstStyle/>
+            <a:p>
+              <a:r>
+                <a:rPr lang="en-US" sz="2000" b="1" dirty="0" smtClean="0">
+                  <a:solidFill>
+                    <a:prstClr val="black"/>
+                  </a:solidFill>
+                </a:rPr>
+                <a:t>Communication Services</a:t>
+              </a:r>
+              <a:endParaRPr lang="en-US" sz="2000" b="1" dirty="0">
+                <a:solidFill>
+                  <a:prstClr val="black"/>
+                </a:solidFill>
+              </a:endParaRPr>
+            </a:p>
+          </p:txBody>
+        </p:sp>
+      </p:grpSp>
+      <p:pic>
+        <p:nvPicPr>
+          <p:cNvPr id="6" name="Picture 5"/>
+          <p:cNvPicPr>
+            <a:picLocks noChangeAspect="1"/>
+          </p:cNvPicPr>
+          <p:nvPr/>
+        </p:nvPicPr>
+        <p:blipFill>
+          <a:blip r:embed="rId2">
+            <a:extLst>
+              <a:ext uri="{28A0092B-C50C-407E-A947-70E740481C1C}">
+                <a14:useLocalDpi xmlns:a14="http://schemas.microsoft.com/office/drawing/2010/main" val="0"/>
+              </a:ext>
+            </a:extLst>
+          </a:blip>
+          <a:stretch>
+            <a:fillRect/>
+          </a:stretch>
+        </p:blipFill>
+        <p:spPr>
+          <a:xfrm>
+            <a:off x="7570320" y="4619108"/>
+            <a:ext cx="4369827" cy="1066775"/>
+          </a:xfrm>
+          <a:prstGeom prst="rect">
+            <a:avLst/>
+          </a:prstGeom>
+        </p:spPr>
+      </p:pic>
+      <p:grpSp>
+        <p:nvGrpSpPr>
+          <p:cNvPr id="51" name="Group 50"/>
+          <p:cNvGrpSpPr>
+            <a:grpSpLocks noChangeAspect="1"/>
+          </p:cNvGrpSpPr>
+          <p:nvPr/>
+        </p:nvGrpSpPr>
+        <p:grpSpPr>
+          <a:xfrm>
+            <a:off x="7703119" y="2566100"/>
+            <a:ext cx="4357009" cy="1456292"/>
+            <a:chOff x="7872605" y="3317556"/>
+            <a:chExt cx="3896909" cy="1326875"/>
+          </a:xfrm>
+        </p:grpSpPr>
+        <p:sp>
+          <p:nvSpPr>
+            <p:cNvPr id="33" name="Rectangle 32"/>
+            <p:cNvSpPr/>
+            <p:nvPr/>
+          </p:nvSpPr>
+          <p:spPr>
+            <a:xfrm>
+              <a:off x="7872605" y="3317556"/>
+              <a:ext cx="3896909" cy="1326875"/>
+            </a:xfrm>
+            <a:prstGeom prst="rect">
+              <a:avLst/>
+            </a:prstGeom>
+            <a:solidFill>
+              <a:schemeClr val="bg1"/>
+            </a:solidFill>
+            <a:ln>
+              <a:solidFill>
+                <a:schemeClr val="tx1"/>
+              </a:solidFill>
+            </a:ln>
+            <a:effectLst>
+              <a:outerShdw blurRad="50800" dist="38100" dir="2700000" algn="tl" rotWithShape="0">
+                <a:prstClr val="black">
+                  <a:alpha val="40000"/>
+                </a:prstClr>
+              </a:outerShdw>
+            </a:effectLst>
+          </p:spPr>
+          <p:style>
+            <a:lnRef idx="2">
+              <a:schemeClr val="accent1">
+                <a:shade val="50000"/>
+              </a:schemeClr>
+            </a:lnRef>
+            <a:fillRef idx="1">
+              <a:schemeClr val="accent1"/>
+            </a:fillRef>
+            <a:effectRef idx="0">
+              <a:schemeClr val="accent1"/>
+            </a:effectRef>
+            <a:fontRef idx="minor">
+              <a:schemeClr val="lt1"/>
+            </a:fontRef>
+          </p:style>
+          <p:txBody>
+            <a:bodyPr rtlCol="0" anchor="ctr"/>
+            <a:lstStyle/>
+            <a:p>
+              <a:pPr algn="ctr"/>
+              <a:endParaRPr lang="en-US">
+                <a:solidFill>
+                  <a:prstClr val="white"/>
+                </a:solidFill>
+              </a:endParaRPr>
+            </a:p>
+          </p:txBody>
+        </p:sp>
+        <p:sp>
+          <p:nvSpPr>
+            <p:cNvPr id="48" name="TextBox 47"/>
+            <p:cNvSpPr txBox="1"/>
+            <p:nvPr/>
+          </p:nvSpPr>
+          <p:spPr>
+            <a:xfrm>
+              <a:off x="8686851" y="3412385"/>
+              <a:ext cx="2253827" cy="306423"/>
+            </a:xfrm>
+            <a:prstGeom prst="rect">
+              <a:avLst/>
+            </a:prstGeom>
+            <a:noFill/>
+          </p:spPr>
+          <p:txBody>
+            <a:bodyPr wrap="none" rtlCol="0">
+              <a:spAutoFit/>
+            </a:bodyPr>
+            <a:lstStyle/>
+            <a:p>
+              <a:pPr algn="ctr"/>
+              <a:r>
+                <a:rPr lang="en-US" sz="2000" b="1" dirty="0" smtClean="0">
+                  <a:solidFill>
+                    <a:prstClr val="black"/>
+                  </a:solidFill>
+                </a:rPr>
+                <a:t>Logging and Data Services</a:t>
+              </a:r>
+              <a:endParaRPr lang="en-US" sz="2000" b="1" dirty="0">
+                <a:solidFill>
+                  <a:prstClr val="black"/>
+                </a:solidFill>
+              </a:endParaRPr>
+            </a:p>
+          </p:txBody>
+        </p:sp>
+      </p:grpSp>
+      <p:pic>
+        <p:nvPicPr>
+          <p:cNvPr id="5" name="Picture 4"/>
+          <p:cNvPicPr>
+            <a:picLocks noChangeAspect="1"/>
+          </p:cNvPicPr>
+          <p:nvPr/>
+        </p:nvPicPr>
+        <p:blipFill>
+          <a:blip r:embed="rId3"/>
+          <a:stretch>
+            <a:fillRect/>
+          </a:stretch>
+        </p:blipFill>
+        <p:spPr>
+          <a:xfrm>
+            <a:off x="7785039" y="3078298"/>
+            <a:ext cx="4189631" cy="856109"/>
+          </a:xfrm>
+          <a:prstGeom prst="rect">
+            <a:avLst/>
+          </a:prstGeom>
+        </p:spPr>
+      </p:pic>
       <p:sp>
         <p:nvSpPr>
           <p:cNvPr id="9" name="Footer Placeholder 3"/>
@@ -6110,7 +6395,7 @@
             <p:nvPr/>
           </p:nvPicPr>
           <p:blipFill rotWithShape="1">
-            <a:blip r:embed="rId2"/>
+            <a:blip r:embed="rId4"/>
             <a:srcRect t="4780" b="50278"/>
             <a:stretch/>
           </p:blipFill>
@@ -6247,7 +6532,7 @@
             <p:nvPr/>
           </p:nvPicPr>
           <p:blipFill rotWithShape="1">
-            <a:blip r:embed="rId2"/>
+            <a:blip r:embed="rId4"/>
             <a:srcRect t="76457"/>
             <a:stretch/>
           </p:blipFill>
@@ -6290,145 +6575,6 @@
                   </a:solidFill>
                 </a:rPr>
                 <a:t>Data Types</a:t>
-              </a:r>
-              <a:endParaRPr lang="en-US" sz="2000" b="1" dirty="0">
-                <a:solidFill>
-                  <a:prstClr val="black"/>
-                </a:solidFill>
-              </a:endParaRPr>
-            </a:p>
-          </p:txBody>
-        </p:sp>
-      </p:grpSp>
-      <p:grpSp>
-        <p:nvGrpSpPr>
-          <p:cNvPr id="51" name="Group 50"/>
-          <p:cNvGrpSpPr>
-            <a:grpSpLocks noChangeAspect="1"/>
-          </p:cNvGrpSpPr>
-          <p:nvPr/>
-        </p:nvGrpSpPr>
-        <p:grpSpPr>
-          <a:xfrm>
-            <a:off x="7703119" y="2566100"/>
-            <a:ext cx="4357009" cy="1456292"/>
-            <a:chOff x="7872605" y="3317556"/>
-            <a:chExt cx="3896909" cy="1326875"/>
-          </a:xfrm>
-        </p:grpSpPr>
-        <p:sp>
-          <p:nvSpPr>
-            <p:cNvPr id="33" name="Rectangle 32"/>
-            <p:cNvSpPr/>
-            <p:nvPr/>
-          </p:nvSpPr>
-          <p:spPr>
-            <a:xfrm>
-              <a:off x="7872605" y="3317556"/>
-              <a:ext cx="3896909" cy="1326875"/>
-            </a:xfrm>
-            <a:prstGeom prst="rect">
-              <a:avLst/>
-            </a:prstGeom>
-            <a:solidFill>
-              <a:schemeClr val="bg1"/>
-            </a:solidFill>
-            <a:ln>
-              <a:solidFill>
-                <a:schemeClr val="tx1"/>
-              </a:solidFill>
-            </a:ln>
-            <a:effectLst>
-              <a:outerShdw blurRad="50800" dist="38100" dir="2700000" algn="tl" rotWithShape="0">
-                <a:prstClr val="black">
-                  <a:alpha val="40000"/>
-                </a:prstClr>
-              </a:outerShdw>
-            </a:effectLst>
-          </p:spPr>
-          <p:style>
-            <a:lnRef idx="2">
-              <a:schemeClr val="accent1">
-                <a:shade val="50000"/>
-              </a:schemeClr>
-            </a:lnRef>
-            <a:fillRef idx="1">
-              <a:schemeClr val="accent1"/>
-            </a:fillRef>
-            <a:effectRef idx="0">
-              <a:schemeClr val="accent1"/>
-            </a:effectRef>
-            <a:fontRef idx="minor">
-              <a:schemeClr val="lt1"/>
-            </a:fontRef>
-          </p:style>
-          <p:txBody>
-            <a:bodyPr rtlCol="0" anchor="ctr"/>
-            <a:lstStyle/>
-            <a:p>
-              <a:pPr algn="ctr"/>
-              <a:endParaRPr lang="en-US">
-                <a:solidFill>
-                  <a:prstClr val="white"/>
-                </a:solidFill>
-              </a:endParaRPr>
-            </a:p>
-          </p:txBody>
-        </p:sp>
-        <p:pic>
-          <p:nvPicPr>
-            <p:cNvPr id="3" name="Picture 2"/>
-            <p:cNvPicPr>
-              <a:picLocks noChangeAspect="1"/>
-            </p:cNvPicPr>
-            <p:nvPr/>
-          </p:nvPicPr>
-          <p:blipFill rotWithShape="1">
-            <a:blip r:embed="rId3"/>
-            <a:srcRect t="63436" b="21906"/>
-            <a:stretch/>
-          </p:blipFill>
-          <p:spPr>
-            <a:xfrm>
-              <a:off x="7947578" y="3770306"/>
-              <a:ext cx="3746960" cy="790575"/>
-            </a:xfrm>
-            <a:prstGeom prst="rect">
-              <a:avLst/>
-            </a:prstGeom>
-            <a:noFill/>
-          </p:spPr>
-        </p:pic>
-        <p:sp>
-          <p:nvSpPr>
-            <p:cNvPr id="48" name="TextBox 47"/>
-            <p:cNvSpPr txBox="1"/>
-            <p:nvPr/>
-          </p:nvSpPr>
-          <p:spPr>
-            <a:xfrm>
-              <a:off x="8686851" y="3412385"/>
-              <a:ext cx="2253827" cy="306423"/>
-            </a:xfrm>
-            <a:prstGeom prst="rect">
-              <a:avLst/>
-            </a:prstGeom>
-            <a:noFill/>
-          </p:spPr>
-          <p:txBody>
-            <a:bodyPr wrap="none" rtlCol="0">
-              <a:spAutoFit/>
-            </a:bodyPr>
-            <a:lstStyle/>
-            <a:p>
-              <a:pPr algn="ctr"/>
-              <a:r>
-                <a:rPr lang="en-US" sz="2000" b="1" dirty="0" smtClean="0">
-                  <a:solidFill>
-                    <a:prstClr val="black"/>
-                  </a:solidFill>
-                </a:rPr>
-                <a:t>Logging and Data Services</a:t>
               </a:r>
               <a:endParaRPr lang="en-US" sz="2000" b="1" dirty="0">
                 <a:solidFill>
@@ -6523,7 +6669,7 @@
             <p:nvPr/>
           </p:nvPicPr>
           <p:blipFill rotWithShape="1">
-            <a:blip r:embed="rId2"/>
+            <a:blip r:embed="rId4"/>
             <a:srcRect t="59201" b="31067"/>
             <a:stretch/>
           </p:blipFill>
@@ -6577,146 +6723,6 @@
           </p:txBody>
         </p:sp>
       </p:grpSp>
-      <p:grpSp>
-        <p:nvGrpSpPr>
-          <p:cNvPr id="50" name="Group 49"/>
-          <p:cNvGrpSpPr>
-            <a:grpSpLocks noChangeAspect="1"/>
-          </p:cNvGrpSpPr>
-          <p:nvPr/>
-        </p:nvGrpSpPr>
-        <p:grpSpPr>
-          <a:xfrm>
-            <a:off x="7450341" y="4151977"/>
-            <a:ext cx="4609787" cy="1691593"/>
-            <a:chOff x="5240562" y="4325746"/>
-            <a:chExt cx="4936702" cy="1811557"/>
-          </a:xfrm>
-        </p:grpSpPr>
-        <p:sp>
-          <p:nvSpPr>
-            <p:cNvPr id="32" name="Rectangle 31"/>
-            <p:cNvSpPr>
-              <a:spLocks noChangeAspect="1"/>
-            </p:cNvSpPr>
-            <p:nvPr/>
-          </p:nvSpPr>
-          <p:spPr>
-            <a:xfrm>
-              <a:off x="5240562" y="4325746"/>
-              <a:ext cx="4936702" cy="1811557"/>
-            </a:xfrm>
-            <a:prstGeom prst="rect">
-              <a:avLst/>
-            </a:prstGeom>
-            <a:solidFill>
-              <a:schemeClr val="bg1"/>
-            </a:solidFill>
-            <a:ln>
-              <a:solidFill>
-                <a:schemeClr val="tx1"/>
-              </a:solidFill>
-            </a:ln>
-            <a:effectLst>
-              <a:outerShdw blurRad="50800" dist="38100" dir="2700000" algn="tl" rotWithShape="0">
-                <a:prstClr val="black">
-                  <a:alpha val="40000"/>
-                </a:prstClr>
-              </a:outerShdw>
-            </a:effectLst>
-          </p:spPr>
-          <p:style>
-            <a:lnRef idx="2">
-              <a:schemeClr val="accent1">
-                <a:shade val="50000"/>
-              </a:schemeClr>
-            </a:lnRef>
-            <a:fillRef idx="1">
-              <a:schemeClr val="accent1"/>
-            </a:fillRef>
-            <a:effectRef idx="0">
-              <a:schemeClr val="accent1"/>
-            </a:effectRef>
-            <a:fontRef idx="minor">
-              <a:schemeClr val="lt1"/>
-            </a:fontRef>
-          </p:style>
-          <p:txBody>
-            <a:bodyPr rtlCol="0" anchor="ctr"/>
-            <a:lstStyle/>
-            <a:p>
-              <a:pPr algn="ctr"/>
-              <a:endParaRPr lang="en-US">
-                <a:solidFill>
-                  <a:prstClr val="white"/>
-                </a:solidFill>
-              </a:endParaRPr>
-            </a:p>
-          </p:txBody>
-        </p:sp>
-        <p:pic>
-          <p:nvPicPr>
-            <p:cNvPr id="31" name="Picture 30"/>
-            <p:cNvPicPr>
-              <a:picLocks noChangeAspect="1"/>
-            </p:cNvPicPr>
-            <p:nvPr/>
-          </p:nvPicPr>
-          <p:blipFill rotWithShape="1">
-            <a:blip r:embed="rId3"/>
-            <a:srcRect t="82841" b="205"/>
-            <a:stretch/>
-          </p:blipFill>
-          <p:spPr>
-            <a:xfrm>
-              <a:off x="5351669" y="4895790"/>
-              <a:ext cx="4689329" cy="1144374"/>
-            </a:xfrm>
-            <a:prstGeom prst="rect">
-              <a:avLst/>
-            </a:prstGeom>
-            <a:noFill/>
-          </p:spPr>
-        </p:pic>
-        <p:sp>
-          <p:nvSpPr>
-            <p:cNvPr id="49" name="TextBox 48"/>
-            <p:cNvSpPr txBox="1"/>
-            <p:nvPr/>
-          </p:nvSpPr>
-          <p:spPr>
-            <a:xfrm>
-              <a:off x="6310133" y="4423927"/>
-              <a:ext cx="2797561" cy="400110"/>
-            </a:xfrm>
-            <a:prstGeom prst="rect">
-              <a:avLst/>
-            </a:prstGeom>
-            <a:noFill/>
-          </p:spPr>
-          <p:txBody>
-            <a:bodyPr wrap="none" rtlCol="0">
-              <a:spAutoFit/>
-            </a:bodyPr>
-            <a:lstStyle/>
-            <a:p>
-              <a:r>
-                <a:rPr lang="en-US" sz="2000" b="1" dirty="0" smtClean="0">
-                  <a:solidFill>
-                    <a:prstClr val="black"/>
-                  </a:solidFill>
-                </a:rPr>
-                <a:t>Communication Services</a:t>
-              </a:r>
-              <a:endParaRPr lang="en-US" sz="2000" b="1" dirty="0">
-                <a:solidFill>
-                  <a:prstClr val="black"/>
-                </a:solidFill>
-              </a:endParaRPr>
-            </a:p>
-          </p:txBody>
-        </p:sp>
-      </p:grpSp>
       <p:pic>
         <p:nvPicPr>
           <p:cNvPr id="34" name="Picture 33"/>
@@ -6726,7 +6732,7 @@
           <p:nvPr/>
         </p:nvPicPr>
         <p:blipFill>
-          <a:blip r:embed="rId4"/>
+          <a:blip r:embed="rId5"/>
           <a:stretch>
             <a:fillRect/>
           </a:stretch>
@@ -6868,7 +6874,7 @@
     </p:spTree>
     <p:extLst>
       <p:ext uri="{BB962C8B-B14F-4D97-AF65-F5344CB8AC3E}">
-        <p14:creationId xmlns:p14="http://schemas.microsoft.com/office/powerpoint/2010/main" val="3801224785"/>
+        <p14:creationId xmlns:p14="http://schemas.microsoft.com/office/powerpoint/2010/main" val="2651972069"/>
       </p:ext>
     </p:extLst>
   </p:cSld>
@@ -11128,8 +11134,8 @@
         </p:nvSpPr>
         <p:spPr>
           <a:xfrm>
-            <a:off x="-60161" y="1386680"/>
-            <a:ext cx="12591076" cy="369332"/>
+            <a:off x="115262" y="1386680"/>
+            <a:ext cx="11856780" cy="369332"/>
           </a:xfrm>
           <a:prstGeom prst="rect">
             <a:avLst/>
@@ -12366,15 +12372,15 @@
         </p:nvSpPr>
         <p:spPr>
           <a:xfrm>
-            <a:off x="-60161" y="4546986"/>
-            <a:ext cx="12591076" cy="1969770"/>
+            <a:off x="210065" y="4546986"/>
+            <a:ext cx="11761976" cy="1969770"/>
           </a:xfrm>
           <a:prstGeom prst="rect">
             <a:avLst/>
           </a:prstGeom>
         </p:spPr>
         <p:txBody>
-          <a:bodyPr wrap="none">
+          <a:bodyPr wrap="square">
             <a:spAutoFit/>
           </a:bodyPr>
           <a:lstStyle/>
@@ -12450,54 +12456,38 @@
                 <a:latin typeface="Times New Roman" panose="02020603050405020304" pitchFamily="18" charset="0"/>
                 <a:cs typeface="Times New Roman" panose="02020603050405020304" pitchFamily="18" charset="0"/>
               </a:rPr>
-              <a:t>ime-dependent properties,</a:t>
-            </a:r>
-          </a:p>
-          <a:p>
-            <a:pPr lvl="1"/>
+              <a:t>ime-dependent </a:t>
+            </a:r>
             <a:r>
               <a:rPr lang="en-US" sz="2000" dirty="0" smtClean="0">
                 <a:latin typeface="Times New Roman" panose="02020603050405020304" pitchFamily="18" charset="0"/>
                 <a:cs typeface="Times New Roman" panose="02020603050405020304" pitchFamily="18" charset="0"/>
               </a:rPr>
-              <a:t>e.g., speed = [position – </a:t>
-            </a:r>
-            <a:r>
-              <a:rPr lang="en-US" sz="2000" dirty="0" smtClean="0">
-                <a:solidFill>
-                  <a:srgbClr val="FF0000"/>
-                </a:solidFill>
-                <a:latin typeface="Times New Roman" panose="02020603050405020304" pitchFamily="18" charset="0"/>
-                <a:cs typeface="Times New Roman" panose="02020603050405020304" pitchFamily="18" charset="0"/>
-              </a:rPr>
-              <a:t>previous</a:t>
-            </a:r>
+              <a:t>properties</a:t>
+            </a:r>
+            <a:endParaRPr lang="en-US" sz="2000" dirty="0" smtClean="0">
+              <a:latin typeface="Times New Roman" panose="02020603050405020304" pitchFamily="18" charset="0"/>
+              <a:cs typeface="Times New Roman" panose="02020603050405020304" pitchFamily="18" charset="0"/>
+            </a:endParaRPr>
+          </a:p>
+          <a:p>
+            <a:pPr marL="285750" indent="-285750">
+              <a:buFont typeface="Arial" panose="020B0604020202020204" pitchFamily="34" charset="0"/>
+              <a:buChar char="•"/>
+            </a:pPr>
             <a:r>
               <a:rPr lang="en-US" sz="2000" dirty="0" smtClean="0">
                 <a:latin typeface="Times New Roman" panose="02020603050405020304" pitchFamily="18" charset="0"/>
                 <a:cs typeface="Times New Roman" panose="02020603050405020304" pitchFamily="18" charset="0"/>
               </a:rPr>
-              <a:t>(position)]/(sample-period).</a:t>
-            </a:r>
-          </a:p>
-          <a:p>
-            <a:pPr marL="285750" indent="-285750">
-              <a:buFont typeface="Arial" panose="020B0604020202020204" pitchFamily="34" charset="0"/>
-              <a:buChar char="•"/>
-            </a:pPr>
-            <a:r>
-              <a:rPr lang="en-US" sz="2000" dirty="0">
-                <a:latin typeface="Times New Roman" panose="02020603050405020304" pitchFamily="18" charset="0"/>
-                <a:cs typeface="Times New Roman" panose="02020603050405020304" pitchFamily="18" charset="0"/>
-              </a:rPr>
-              <a:t>E</a:t>
+              <a:t>Extension </a:t>
             </a:r>
             <a:r>
               <a:rPr lang="en-US" sz="2000" dirty="0" smtClean="0">
                 <a:latin typeface="Times New Roman" panose="02020603050405020304" pitchFamily="18" charset="0"/>
                 <a:cs typeface="Times New Roman" panose="02020603050405020304" pitchFamily="18" charset="0"/>
               </a:rPr>
-              <a:t>xtension to Time-dependent properties completed under </a:t>
+              <a:t>to Time-dependent properties completed under </a:t>
             </a:r>
             <a:r>
               <a:rPr lang="en-US" sz="2000" dirty="0" err="1" smtClean="0">
@@ -12513,15 +12503,19 @@
               </a:rPr>
               <a:t>, more details presented under Hybrid Systems group </a:t>
             </a:r>
-          </a:p>
-          <a:p>
-            <a:pPr lvl="1"/>
             <a:r>
               <a:rPr lang="en-US" sz="2000" dirty="0" smtClean="0">
                 <a:latin typeface="Times New Roman" panose="02020603050405020304" pitchFamily="18" charset="0"/>
                 <a:cs typeface="Times New Roman" panose="02020603050405020304" pitchFamily="18" charset="0"/>
               </a:rPr>
-              <a:t>(our compositional reasoning framework applies not only to Cyber components, but also to Physical components)</a:t>
+              <a:t>(</a:t>
+            </a:r>
+            <a:r>
+              <a:rPr lang="en-US" sz="2000" dirty="0" smtClean="0">
+                <a:latin typeface="Times New Roman" panose="02020603050405020304" pitchFamily="18" charset="0"/>
+                <a:cs typeface="Times New Roman" panose="02020603050405020304" pitchFamily="18" charset="0"/>
+              </a:rPr>
+              <a:t>our compositional reasoning framework applies not only to Cyber components, but also to Physical components)</a:t>
             </a:r>
           </a:p>
           <a:p>
@@ -20438,22 +20432,25 @@
             </a:pPr>
             <a:r>
               <a:rPr lang="en-US" dirty="0" smtClean="0"/>
-              <a:t>Challenges: arrays, inheritance</a:t>
-            </a:r>
-          </a:p>
-          <a:p>
-            <a:pPr>
+              <a:t>Challenges: arrays, </a:t>
+            </a:r>
+            <a:r>
+              <a:rPr lang="en-US" dirty="0" smtClean="0"/>
+              <a:t>inheritance, polymorphism</a:t>
+            </a:r>
+            <a:endParaRPr lang="en-US" dirty="0" smtClean="0"/>
+          </a:p>
+          <a:p>
+            <a:pPr marL="0" indent="0">
               <a:lnSpc>
                 <a:spcPct val="100000"/>
               </a:lnSpc>
               <a:spcBef>
                 <a:spcPts val="200"/>
               </a:spcBef>
+              <a:buNone/>
             </a:pPr>
             <a:endParaRPr lang="en-US" dirty="0" smtClean="0"/>
-          </a:p>
-          <a:p>
-            <a:endParaRPr lang="en-US" dirty="0"/>
           </a:p>
         </p:txBody>
       </p:sp>
@@ -24745,10 +24742,10 @@
           <a:lstStyle/>
           <a:p>
             <a:r>
-              <a:rPr lang="en-US" smtClean="0"/>
+              <a:rPr lang="en-US" dirty="0" smtClean="0"/>
               <a:t>Architecture Group</a:t>
             </a:r>
-            <a:endParaRPr lang="en-US"/>
+            <a:endParaRPr lang="en-US" dirty="0"/>
           </a:p>
         </p:txBody>
       </p:sp>
@@ -24833,7 +24830,12 @@
             <p:ph idx="1"/>
           </p:nvPr>
         </p:nvSpPr>
-        <p:spPr/>
+        <p:spPr>
+          <a:xfrm>
+            <a:off x="210065" y="1508510"/>
+            <a:ext cx="11664778" cy="4910613"/>
+          </a:xfrm>
+        </p:spPr>
         <p:txBody>
           <a:bodyPr>
             <a:normAutofit fontScale="85000" lnSpcReduction="20000"/>
@@ -24878,7 +24880,15 @@
             <a:pPr lvl="1" fontAlgn="base"/>
             <a:r>
               <a:rPr lang="en-US" dirty="0" smtClean="0"/>
-              <a:t>Created formal contracts for nine services and tasks based on the </a:t>
+              <a:t>Created formal contracts for nine </a:t>
+            </a:r>
+            <a:r>
+              <a:rPr lang="en-US" dirty="0" smtClean="0"/>
+              <a:t>services/tasks </a:t>
+            </a:r>
+            <a:r>
+              <a:rPr lang="en-US" dirty="0" smtClean="0"/>
+              <a:t>based on the </a:t>
             </a:r>
             <a:r>
               <a:rPr lang="en-US" dirty="0" err="1" smtClean="0"/>
@@ -24886,7 +24896,7 @@
             </a:r>
             <a:r>
               <a:rPr lang="en-US" dirty="0" smtClean="0"/>
-              <a:t> Wiki and conversations with the developer </a:t>
+              <a:t> Wiki </a:t>
             </a:r>
             <a:r>
               <a:rPr lang="en-US" dirty="0" smtClean="0">
@@ -24894,7 +24904,15 @@
                   <a:srgbClr val="0000FF"/>
                 </a:solidFill>
               </a:rPr>
-              <a:t>(DC, RC)</a:t>
+              <a:t>(</a:t>
+            </a:r>
+            <a:r>
+              <a:rPr lang="en-US" dirty="0" smtClean="0">
+                <a:solidFill>
+                  <a:srgbClr val="0000FF"/>
+                </a:solidFill>
+              </a:rPr>
+              <a:t>DC, RC)</a:t>
             </a:r>
           </a:p>
           <a:p>
@@ -25044,15 +25062,31 @@
             <a:pPr fontAlgn="base"/>
             <a:r>
               <a:rPr lang="en-US" dirty="0"/>
-              <a:t>Connected </a:t>
+              <a:t>Demonstrated LMCP </a:t>
+            </a:r>
+            <a:r>
+              <a:rPr lang="en-US" dirty="0" smtClean="0"/>
+              <a:t>(</a:t>
+            </a:r>
+            <a:r>
+              <a:rPr lang="en-US" dirty="0" err="1" smtClean="0"/>
+              <a:t>UxAS</a:t>
+            </a:r>
+            <a:r>
+              <a:rPr lang="en-US" dirty="0" smtClean="0"/>
+              <a:t> messaging format) &lt;--&gt; </a:t>
+            </a:r>
+            <a:r>
+              <a:rPr lang="en-US" dirty="0"/>
+              <a:t>ROS communications and extracted static message types into ROS .</a:t>
             </a:r>
             <a:r>
               <a:rPr lang="en-US" dirty="0" err="1"/>
-              <a:t>UxAS</a:t>
+              <a:t>msg</a:t>
             </a:r>
             <a:r>
               <a:rPr lang="en-US" dirty="0"/>
-              <a:t> to the Robot Operating System (ROS) </a:t>
+              <a:t> format </a:t>
             </a:r>
             <a:r>
               <a:rPr lang="en-US" dirty="0">
@@ -25150,7 +25184,7 @@
         </p:nvSpPr>
         <p:spPr>
           <a:xfrm>
-            <a:off x="6221710" y="3244334"/>
+            <a:off x="6214783" y="3054687"/>
             <a:ext cx="5200278" cy="379294"/>
           </a:xfrm>
           <a:prstGeom prst="rect">
@@ -30703,143 +30737,6 @@
       </p:grpSp>
       <p:grpSp>
         <p:nvGrpSpPr>
-          <p:cNvPr id="45" name="Group 44"/>
-          <p:cNvGrpSpPr>
-            <a:grpSpLocks noChangeAspect="1"/>
-          </p:cNvGrpSpPr>
-          <p:nvPr/>
-        </p:nvGrpSpPr>
-        <p:grpSpPr>
-          <a:xfrm>
-            <a:off x="5411690" y="1267285"/>
-            <a:ext cx="4570821" cy="3439129"/>
-            <a:chOff x="4559057" y="1479288"/>
-            <a:chExt cx="3962966" cy="2981773"/>
-          </a:xfrm>
-        </p:grpSpPr>
-        <p:sp>
-          <p:nvSpPr>
-            <p:cNvPr id="18" name="Rectangle 17"/>
-            <p:cNvSpPr/>
-            <p:nvPr/>
-          </p:nvSpPr>
-          <p:spPr>
-            <a:xfrm>
-              <a:off x="4559057" y="1479288"/>
-              <a:ext cx="3962966" cy="2981773"/>
-            </a:xfrm>
-            <a:prstGeom prst="rect">
-              <a:avLst/>
-            </a:prstGeom>
-            <a:solidFill>
-              <a:schemeClr val="bg1"/>
-            </a:solidFill>
-            <a:ln>
-              <a:solidFill>
-                <a:schemeClr val="tx1"/>
-              </a:solidFill>
-            </a:ln>
-            <a:effectLst>
-              <a:outerShdw blurRad="50800" dist="38100" dir="2700000" algn="tl" rotWithShape="0">
-                <a:prstClr val="black">
-                  <a:alpha val="40000"/>
-                </a:prstClr>
-              </a:outerShdw>
-            </a:effectLst>
-          </p:spPr>
-          <p:style>
-            <a:lnRef idx="2">
-              <a:schemeClr val="accent1">
-                <a:shade val="50000"/>
-              </a:schemeClr>
-            </a:lnRef>
-            <a:fillRef idx="1">
-              <a:schemeClr val="accent1"/>
-            </a:fillRef>
-            <a:effectRef idx="0">
-              <a:schemeClr val="accent1"/>
-            </a:effectRef>
-            <a:fontRef idx="minor">
-              <a:schemeClr val="lt1"/>
-            </a:fontRef>
-          </p:style>
-          <p:txBody>
-            <a:bodyPr rtlCol="0" anchor="ctr"/>
-            <a:lstStyle/>
-            <a:p>
-              <a:pPr algn="ctr"/>
-              <a:endParaRPr lang="en-US">
-                <a:solidFill>
-                  <a:prstClr val="white"/>
-                </a:solidFill>
-              </a:endParaRPr>
-            </a:p>
-          </p:txBody>
-        </p:sp>
-        <p:pic>
-          <p:nvPicPr>
-            <p:cNvPr id="13" name="Picture 12"/>
-            <p:cNvPicPr>
-              <a:picLocks noChangeAspect="1"/>
-            </p:cNvPicPr>
-            <p:nvPr/>
-          </p:nvPicPr>
-          <p:blipFill rotWithShape="1">
-            <a:blip r:embed="rId2"/>
-            <a:srcRect t="4780" b="50278"/>
-            <a:stretch/>
-          </p:blipFill>
-          <p:spPr>
-            <a:xfrm>
-              <a:off x="4677558" y="1953879"/>
-              <a:ext cx="3755461" cy="2419350"/>
-            </a:xfrm>
-            <a:prstGeom prst="rect">
-              <a:avLst/>
-            </a:prstGeom>
-          </p:spPr>
-        </p:pic>
-        <p:sp>
-          <p:nvSpPr>
-            <p:cNvPr id="42" name="TextBox 41"/>
-            <p:cNvSpPr txBox="1"/>
-            <p:nvPr/>
-          </p:nvSpPr>
-          <p:spPr>
-            <a:xfrm>
-              <a:off x="6186829" y="1516919"/>
-              <a:ext cx="745012" cy="400110"/>
-            </a:xfrm>
-            <a:prstGeom prst="rect">
-              <a:avLst/>
-            </a:prstGeom>
-            <a:noFill/>
-          </p:spPr>
-          <p:txBody>
-            <a:bodyPr wrap="none" rtlCol="0">
-              <a:spAutoFit/>
-            </a:bodyPr>
-            <a:lstStyle/>
-            <a:p>
-              <a:r>
-                <a:rPr lang="en-US" sz="2000" b="1" dirty="0" smtClean="0">
-                  <a:solidFill>
-                    <a:prstClr val="black"/>
-                  </a:solidFill>
-                </a:rPr>
-                <a:t>Tasks</a:t>
-              </a:r>
-              <a:endParaRPr lang="en-US" sz="2000" b="1" dirty="0">
-                <a:solidFill>
-                  <a:prstClr val="black"/>
-                </a:solidFill>
-              </a:endParaRPr>
-            </a:p>
-          </p:txBody>
-        </p:sp>
-      </p:grpSp>
-      <p:grpSp>
-        <p:nvGrpSpPr>
           <p:cNvPr id="47" name="Group 46"/>
           <p:cNvGrpSpPr>
             <a:grpSpLocks noChangeAspect="1"/>
@@ -30977,7 +30874,7 @@
       </p:grpSp>
       <p:grpSp>
         <p:nvGrpSpPr>
-          <p:cNvPr id="46" name="Group 45"/>
+          <p:cNvPr id="51" name="Group 50"/>
           <p:cNvGrpSpPr>
             <a:grpSpLocks noChangeAspect="1"/>
           </p:cNvGrpSpPr>
@@ -30985,22 +30882,22 @@
         </p:nvGrpSpPr>
         <p:grpSpPr>
           <a:xfrm>
-            <a:off x="5446772" y="4791656"/>
-            <a:ext cx="4512694" cy="1059101"/>
-            <a:chOff x="7348849" y="1337771"/>
-            <a:chExt cx="4436213" cy="1041152"/>
+            <a:off x="7703119" y="2566100"/>
+            <a:ext cx="4357009" cy="1456292"/>
+            <a:chOff x="7872605" y="3317556"/>
+            <a:chExt cx="3896909" cy="1326875"/>
           </a:xfrm>
         </p:grpSpPr>
         <p:sp>
           <p:nvSpPr>
-            <p:cNvPr id="19" name="Rectangle 18"/>
+            <p:cNvPr id="33" name="Rectangle 32"/>
             <p:cNvSpPr/>
             <p:nvPr/>
           </p:nvSpPr>
           <p:spPr>
             <a:xfrm>
-              <a:off x="7348849" y="1351267"/>
-              <a:ext cx="4436213" cy="1027656"/>
+              <a:off x="7872605" y="3317556"/>
+              <a:ext cx="3896909" cy="1326875"/>
             </a:xfrm>
             <a:prstGeom prst="rect">
               <a:avLst/>
@@ -31050,39 +30947,16 @@
             </a:p>
           </p:txBody>
         </p:sp>
-        <p:pic>
-          <p:nvPicPr>
-            <p:cNvPr id="16" name="Picture 15"/>
-            <p:cNvPicPr>
-              <a:picLocks noChangeAspect="1"/>
-            </p:cNvPicPr>
-            <p:nvPr/>
-          </p:nvPicPr>
-          <p:blipFill rotWithShape="1">
-            <a:blip r:embed="rId2"/>
-            <a:srcRect t="59201" b="31067"/>
-            <a:stretch/>
-          </p:blipFill>
-          <p:spPr>
-            <a:xfrm>
-              <a:off x="7404824" y="1741727"/>
-              <a:ext cx="4337287" cy="605037"/>
-            </a:xfrm>
-            <a:prstGeom prst="rect">
-              <a:avLst/>
-            </a:prstGeom>
-          </p:spPr>
-        </p:pic>
         <p:sp>
           <p:nvSpPr>
-            <p:cNvPr id="43" name="TextBox 42"/>
+            <p:cNvPr id="48" name="TextBox 47"/>
             <p:cNvSpPr txBox="1"/>
             <p:nvPr/>
           </p:nvSpPr>
           <p:spPr>
             <a:xfrm>
-              <a:off x="8965668" y="1337771"/>
-              <a:ext cx="1202573" cy="400110"/>
+              <a:off x="8686851" y="3412385"/>
+              <a:ext cx="2253827" cy="306423"/>
             </a:xfrm>
             <a:prstGeom prst="rect">
               <a:avLst/>
@@ -31102,7 +30976,7 @@
                     <a:prstClr val="black"/>
                   </a:solidFill>
                 </a:rPr>
-                <a:t>Scenarios</a:t>
+                <a:t>Logging and Data Services</a:t>
               </a:r>
               <a:endParaRPr lang="en-US" sz="2000" b="1" dirty="0">
                 <a:solidFill>
@@ -31113,9 +30987,149 @@
           </p:txBody>
         </p:sp>
       </p:grpSp>
+      <p:grpSp>
+        <p:nvGrpSpPr>
+          <p:cNvPr id="50" name="Group 49"/>
+          <p:cNvGrpSpPr>
+            <a:grpSpLocks noChangeAspect="1"/>
+          </p:cNvGrpSpPr>
+          <p:nvPr/>
+        </p:nvGrpSpPr>
+        <p:grpSpPr>
+          <a:xfrm>
+            <a:off x="7450341" y="4151977"/>
+            <a:ext cx="4609787" cy="1691593"/>
+            <a:chOff x="5240562" y="4325746"/>
+            <a:chExt cx="4936702" cy="1811557"/>
+          </a:xfrm>
+        </p:grpSpPr>
+        <p:sp>
+          <p:nvSpPr>
+            <p:cNvPr id="32" name="Rectangle 31"/>
+            <p:cNvSpPr>
+              <a:spLocks noChangeAspect="1"/>
+            </p:cNvSpPr>
+            <p:nvPr/>
+          </p:nvSpPr>
+          <p:spPr>
+            <a:xfrm>
+              <a:off x="5240562" y="4325746"/>
+              <a:ext cx="4936702" cy="1811557"/>
+            </a:xfrm>
+            <a:prstGeom prst="rect">
+              <a:avLst/>
+            </a:prstGeom>
+            <a:solidFill>
+              <a:schemeClr val="bg1"/>
+            </a:solidFill>
+            <a:ln>
+              <a:solidFill>
+                <a:schemeClr val="tx1"/>
+              </a:solidFill>
+            </a:ln>
+            <a:effectLst>
+              <a:outerShdw blurRad="50800" dist="38100" dir="2700000" algn="tl" rotWithShape="0">
+                <a:prstClr val="black">
+                  <a:alpha val="40000"/>
+                </a:prstClr>
+              </a:outerShdw>
+            </a:effectLst>
+          </p:spPr>
+          <p:style>
+            <a:lnRef idx="2">
+              <a:schemeClr val="accent1">
+                <a:shade val="50000"/>
+              </a:schemeClr>
+            </a:lnRef>
+            <a:fillRef idx="1">
+              <a:schemeClr val="accent1"/>
+            </a:fillRef>
+            <a:effectRef idx="0">
+              <a:schemeClr val="accent1"/>
+            </a:effectRef>
+            <a:fontRef idx="minor">
+              <a:schemeClr val="lt1"/>
+            </a:fontRef>
+          </p:style>
+          <p:txBody>
+            <a:bodyPr rtlCol="0" anchor="ctr"/>
+            <a:lstStyle/>
+            <a:p>
+              <a:pPr algn="ctr"/>
+              <a:endParaRPr lang="en-US">
+                <a:solidFill>
+                  <a:prstClr val="white"/>
+                </a:solidFill>
+              </a:endParaRPr>
+            </a:p>
+          </p:txBody>
+        </p:sp>
+        <p:sp>
+          <p:nvSpPr>
+            <p:cNvPr id="49" name="TextBox 48"/>
+            <p:cNvSpPr txBox="1"/>
+            <p:nvPr/>
+          </p:nvSpPr>
+          <p:spPr>
+            <a:xfrm>
+              <a:off x="6310133" y="4423927"/>
+              <a:ext cx="2797561" cy="400110"/>
+            </a:xfrm>
+            <a:prstGeom prst="rect">
+              <a:avLst/>
+            </a:prstGeom>
+            <a:noFill/>
+          </p:spPr>
+          <p:txBody>
+            <a:bodyPr wrap="none" rtlCol="0">
+              <a:spAutoFit/>
+            </a:bodyPr>
+            <a:lstStyle/>
+            <a:p>
+              <a:r>
+                <a:rPr lang="en-US" sz="2000" b="1" dirty="0" smtClean="0">
+                  <a:solidFill>
+                    <a:prstClr val="black"/>
+                  </a:solidFill>
+                </a:rPr>
+                <a:t>Communication Services</a:t>
+              </a:r>
+              <a:endParaRPr lang="en-US" sz="2000" b="1" dirty="0">
+                <a:solidFill>
+                  <a:prstClr val="black"/>
+                </a:solidFill>
+              </a:endParaRPr>
+            </a:p>
+          </p:txBody>
+        </p:sp>
+      </p:grpSp>
+      <p:pic>
+        <p:nvPicPr>
+          <p:cNvPr id="34" name="Picture 33"/>
+          <p:cNvPicPr>
+            <a:picLocks noChangeAspect="1"/>
+          </p:cNvPicPr>
+          <p:nvPr/>
+        </p:nvPicPr>
+        <p:blipFill>
+          <a:blip r:embed="rId3"/>
+          <a:stretch>
+            <a:fillRect/>
+          </a:stretch>
+        </p:blipFill>
+        <p:spPr>
+          <a:xfrm>
+            <a:off x="106191" y="2723444"/>
+            <a:ext cx="5160387" cy="3965939"/>
+          </a:xfrm>
+          <a:prstGeom prst="rect">
+            <a:avLst/>
+          </a:prstGeom>
+        </p:spPr>
+      </p:pic>
       <p:sp>
         <p:nvSpPr>
-          <p:cNvPr id="22" name="Footer Placeholder 3"/>
+          <p:cNvPr id="35" name="Footer Placeholder 3"/>
           <p:cNvSpPr txBox="1">
             <a:spLocks/>
           </p:cNvSpPr>
@@ -31246,15 +31260,45 @@
           <p:nvPr/>
         </p:nvPicPr>
         <p:blipFill>
-          <a:blip r:embed="rId3"/>
+          <a:blip r:embed="rId4"/>
           <a:stretch>
             <a:fillRect/>
           </a:stretch>
         </p:blipFill>
         <p:spPr>
           <a:xfrm>
-            <a:off x="106191" y="2723444"/>
-            <a:ext cx="5160387" cy="3965939"/>
+            <a:off x="7785039" y="3078298"/>
+            <a:ext cx="4189631" cy="856109"/>
+          </a:xfrm>
+          <a:prstGeom prst="rect">
+            <a:avLst/>
+          </a:prstGeom>
+        </p:spPr>
+      </p:pic>
+      <p:pic>
+        <p:nvPicPr>
+          <p:cNvPr id="6" name="Picture 5"/>
+          <p:cNvPicPr>
+            <a:picLocks noChangeAspect="1"/>
+          </p:cNvPicPr>
+          <p:nvPr/>
+        </p:nvPicPr>
+        <p:blipFill>
+          <a:blip r:embed="rId5">
+            <a:extLst>
+              <a:ext uri="{28A0092B-C50C-407E-A947-70E740481C1C}">
+                <a14:useLocalDpi xmlns:a14="http://schemas.microsoft.com/office/drawing/2010/main" val="0"/>
+              </a:ext>
+            </a:extLst>
+          </a:blip>
+          <a:stretch>
+            <a:fillRect/>
+          </a:stretch>
+        </p:blipFill>
+        <p:spPr>
+          <a:xfrm>
+            <a:off x="7570320" y="4619108"/>
+            <a:ext cx="4369827" cy="1066775"/>
           </a:xfrm>
           <a:prstGeom prst="rect">
             <a:avLst/>
@@ -31264,7 +31308,7 @@
     </p:spTree>
     <p:extLst>
       <p:ext uri="{BB962C8B-B14F-4D97-AF65-F5344CB8AC3E}">
-        <p14:creationId xmlns:p14="http://schemas.microsoft.com/office/powerpoint/2010/main" val="2357698760"/>
+        <p14:creationId xmlns:p14="http://schemas.microsoft.com/office/powerpoint/2010/main" val="1959146874"/>
       </p:ext>
     </p:extLst>
   </p:cSld>

--- a/presentations/S5_SoI_Architecture_Group.pptx
+++ b/presentations/S5_SoI_Architecture_Group.pptx
@@ -25,25 +25,25 @@
     <p:sldId id="336" r:id="rId16"/>
     <p:sldId id="337" r:id="rId17"/>
     <p:sldId id="312" r:id="rId18"/>
-    <p:sldId id="327" r:id="rId19"/>
-    <p:sldId id="328" r:id="rId20"/>
-    <p:sldId id="329" r:id="rId21"/>
-    <p:sldId id="330" r:id="rId22"/>
-    <p:sldId id="331" r:id="rId23"/>
-    <p:sldId id="315" r:id="rId24"/>
-    <p:sldId id="279" r:id="rId25"/>
-    <p:sldId id="289" r:id="rId26"/>
-    <p:sldId id="335" r:id="rId27"/>
-    <p:sldId id="326" r:id="rId28"/>
-    <p:sldId id="266" r:id="rId29"/>
-    <p:sldId id="268" r:id="rId30"/>
-    <p:sldId id="295" r:id="rId31"/>
-    <p:sldId id="305" r:id="rId32"/>
-    <p:sldId id="261" r:id="rId33"/>
-    <p:sldId id="262" r:id="rId34"/>
-    <p:sldId id="306" r:id="rId35"/>
-    <p:sldId id="313" r:id="rId36"/>
-    <p:sldId id="290" r:id="rId37"/>
+    <p:sldId id="340" r:id="rId19"/>
+    <p:sldId id="327" r:id="rId20"/>
+    <p:sldId id="328" r:id="rId21"/>
+    <p:sldId id="329" r:id="rId22"/>
+    <p:sldId id="330" r:id="rId23"/>
+    <p:sldId id="331" r:id="rId24"/>
+    <p:sldId id="315" r:id="rId25"/>
+    <p:sldId id="279" r:id="rId26"/>
+    <p:sldId id="289" r:id="rId27"/>
+    <p:sldId id="335" r:id="rId28"/>
+    <p:sldId id="326" r:id="rId29"/>
+    <p:sldId id="266" r:id="rId30"/>
+    <p:sldId id="268" r:id="rId31"/>
+    <p:sldId id="295" r:id="rId32"/>
+    <p:sldId id="305" r:id="rId33"/>
+    <p:sldId id="261" r:id="rId34"/>
+    <p:sldId id="262" r:id="rId35"/>
+    <p:sldId id="306" r:id="rId36"/>
+    <p:sldId id="313" r:id="rId37"/>
     <p:sldId id="269" r:id="rId38"/>
   </p:sldIdLst>
   <p:sldSz cx="12192000" cy="6858000"/>
@@ -870,7 +870,7 @@
           <a:p>
             <a:fld id="{563BCB51-F13E-4501-921D-7D4EB39EDE9B}" type="slidenum">
               <a:rPr lang="en-US" smtClean="0"/>
-              <a:t>18</a:t>
+              <a:t>19</a:t>
             </a:fld>
             <a:endParaRPr lang="en-US"/>
           </a:p>
@@ -954,7 +954,7 @@
           <a:p>
             <a:fld id="{563BCB51-F13E-4501-921D-7D4EB39EDE9B}" type="slidenum">
               <a:rPr lang="en-US" smtClean="0"/>
-              <a:t>23</a:t>
+              <a:t>24</a:t>
             </a:fld>
             <a:endParaRPr lang="en-US"/>
           </a:p>
@@ -1048,7 +1048,7 @@
           <a:p>
             <a:fld id="{563BCB51-F13E-4501-921D-7D4EB39EDE9B}" type="slidenum">
               <a:rPr lang="en-US" smtClean="0"/>
-              <a:t>24</a:t>
+              <a:t>25</a:t>
             </a:fld>
             <a:endParaRPr lang="en-US"/>
           </a:p>
@@ -1132,7 +1132,7 @@
           <a:p>
             <a:fld id="{563BCB51-F13E-4501-921D-7D4EB39EDE9B}" type="slidenum">
               <a:rPr lang="en-US" smtClean="0"/>
-              <a:t>29</a:t>
+              <a:t>30</a:t>
             </a:fld>
             <a:endParaRPr lang="en-US"/>
           </a:p>
@@ -1224,7 +1224,7 @@
           <a:p>
             <a:fld id="{563BCB51-F13E-4501-921D-7D4EB39EDE9B}" type="slidenum">
               <a:rPr lang="en-US" smtClean="0"/>
-              <a:t>30</a:t>
+              <a:t>31</a:t>
             </a:fld>
             <a:endParaRPr lang="en-US"/>
           </a:p>
@@ -1308,7 +1308,7 @@
           <a:p>
             <a:fld id="{563BCB51-F13E-4501-921D-7D4EB39EDE9B}" type="slidenum">
               <a:rPr lang="en-US" smtClean="0"/>
-              <a:t>31</a:t>
+              <a:t>32</a:t>
             </a:fld>
             <a:endParaRPr lang="en-US"/>
           </a:p>
@@ -1440,7 +1440,7 @@
           <a:p>
             <a:fld id="{563BCB51-F13E-4501-921D-7D4EB39EDE9B}" type="slidenum">
               <a:rPr lang="en-US" smtClean="0"/>
-              <a:t>32</a:t>
+              <a:t>33</a:t>
             </a:fld>
             <a:endParaRPr lang="en-US"/>
           </a:p>
@@ -1563,7 +1563,7 @@
           <a:p>
             <a:fld id="{563BCB51-F13E-4501-921D-7D4EB39EDE9B}" type="slidenum">
               <a:rPr lang="en-US" smtClean="0"/>
-              <a:t>33</a:t>
+              <a:t>34</a:t>
             </a:fld>
             <a:endParaRPr lang="en-US"/>
           </a:p>
@@ -1741,7 +1741,7 @@
           <a:p>
             <a:fld id="{563BCB51-F13E-4501-921D-7D4EB39EDE9B}" type="slidenum">
               <a:rPr lang="en-US" smtClean="0"/>
-              <a:t>34</a:t>
+              <a:t>35</a:t>
             </a:fld>
             <a:endParaRPr lang="en-US"/>
           </a:p>
@@ -1833,7 +1833,7 @@
           <a:p>
             <a:fld id="{563BCB51-F13E-4501-921D-7D4EB39EDE9B}" type="slidenum">
               <a:rPr lang="en-US" smtClean="0"/>
-              <a:t>35</a:t>
+              <a:t>36</a:t>
             </a:fld>
             <a:endParaRPr lang="en-US"/>
           </a:p>
@@ -7764,7 +7764,15 @@
           <a:p>
             <a:r>
               <a:rPr lang="en-US" dirty="0" smtClean="0"/>
-              <a:t>System-level contracts</a:t>
+              <a:t>System-Level </a:t>
+            </a:r>
+            <a:r>
+              <a:rPr lang="en-US" dirty="0"/>
+              <a:t>C</a:t>
+            </a:r>
+            <a:r>
+              <a:rPr lang="en-US" dirty="0" smtClean="0"/>
+              <a:t>ontracts</a:t>
             </a:r>
             <a:endParaRPr lang="en-US" dirty="0"/>
           </a:p>
@@ -8147,7 +8155,15 @@
           <a:p>
             <a:r>
               <a:rPr lang="en-US" dirty="0" smtClean="0"/>
-              <a:t>System-level contracts</a:t>
+              <a:t>System-Level </a:t>
+            </a:r>
+            <a:r>
+              <a:rPr lang="en-US" dirty="0" smtClean="0"/>
+              <a:t>Co</a:t>
+            </a:r>
+            <a:r>
+              <a:rPr lang="en-US" dirty="0" smtClean="0"/>
+              <a:t>ntracts</a:t>
             </a:r>
             <a:endParaRPr lang="en-US" dirty="0"/>
           </a:p>
@@ -12456,38 +12472,20 @@
                 <a:latin typeface="Times New Roman" panose="02020603050405020304" pitchFamily="18" charset="0"/>
                 <a:cs typeface="Times New Roman" panose="02020603050405020304" pitchFamily="18" charset="0"/>
               </a:rPr>
-              <a:t>ime-dependent </a:t>
-            </a:r>
+              <a:t>ime-dependent properties</a:t>
+            </a:r>
+          </a:p>
+          <a:p>
+            <a:pPr marL="285750" indent="-285750">
+              <a:buFont typeface="Arial" panose="020B0604020202020204" pitchFamily="34" charset="0"/>
+              <a:buChar char="•"/>
+            </a:pPr>
             <a:r>
               <a:rPr lang="en-US" sz="2000" dirty="0" smtClean="0">
                 <a:latin typeface="Times New Roman" panose="02020603050405020304" pitchFamily="18" charset="0"/>
                 <a:cs typeface="Times New Roman" panose="02020603050405020304" pitchFamily="18" charset="0"/>
               </a:rPr>
-              <a:t>properties</a:t>
-            </a:r>
-            <a:endParaRPr lang="en-US" sz="2000" dirty="0" smtClean="0">
-              <a:latin typeface="Times New Roman" panose="02020603050405020304" pitchFamily="18" charset="0"/>
-              <a:cs typeface="Times New Roman" panose="02020603050405020304" pitchFamily="18" charset="0"/>
-            </a:endParaRPr>
-          </a:p>
-          <a:p>
-            <a:pPr marL="285750" indent="-285750">
-              <a:buFont typeface="Arial" panose="020B0604020202020204" pitchFamily="34" charset="0"/>
-              <a:buChar char="•"/>
-            </a:pPr>
-            <a:r>
-              <a:rPr lang="en-US" sz="2000" dirty="0" smtClean="0">
-                <a:latin typeface="Times New Roman" panose="02020603050405020304" pitchFamily="18" charset="0"/>
-                <a:cs typeface="Times New Roman" panose="02020603050405020304" pitchFamily="18" charset="0"/>
-              </a:rPr>
-              <a:t>Extension </a:t>
-            </a:r>
-            <a:r>
-              <a:rPr lang="en-US" sz="2000" dirty="0" smtClean="0">
-                <a:latin typeface="Times New Roman" panose="02020603050405020304" pitchFamily="18" charset="0"/>
-                <a:cs typeface="Times New Roman" panose="02020603050405020304" pitchFamily="18" charset="0"/>
-              </a:rPr>
-              <a:t>to Time-dependent properties completed under </a:t>
+              <a:t>Extension to Time-dependent properties completed under </a:t>
             </a:r>
             <a:r>
               <a:rPr lang="en-US" sz="2000" dirty="0" err="1" smtClean="0">
@@ -12501,21 +12499,7 @@
                 <a:latin typeface="Times New Roman" panose="02020603050405020304" pitchFamily="18" charset="0"/>
                 <a:cs typeface="Times New Roman" panose="02020603050405020304" pitchFamily="18" charset="0"/>
               </a:rPr>
-              <a:t>, more details presented under Hybrid Systems group </a:t>
-            </a:r>
-            <a:r>
-              <a:rPr lang="en-US" sz="2000" dirty="0" smtClean="0">
-                <a:latin typeface="Times New Roman" panose="02020603050405020304" pitchFamily="18" charset="0"/>
-                <a:cs typeface="Times New Roman" panose="02020603050405020304" pitchFamily="18" charset="0"/>
-              </a:rPr>
-              <a:t>(</a:t>
-            </a:r>
-            <a:r>
-              <a:rPr lang="en-US" sz="2000" dirty="0" smtClean="0">
-                <a:latin typeface="Times New Roman" panose="02020603050405020304" pitchFamily="18" charset="0"/>
-                <a:cs typeface="Times New Roman" panose="02020603050405020304" pitchFamily="18" charset="0"/>
-              </a:rPr>
-              <a:t>our compositional reasoning framework applies not only to Cyber components, but also to Physical components)</a:t>
+              <a:t>, more details presented under Hybrid Systems group (our compositional reasoning framework applies not only to Cyber components, but also to Physical components)</a:t>
             </a:r>
           </a:p>
           <a:p>
@@ -13626,45 +13610,20 @@
         </p:nvSpPr>
         <p:spPr/>
         <p:txBody>
-          <a:bodyPr>
-            <a:normAutofit fontScale="90000"/>
-          </a:bodyPr>
+          <a:bodyPr/>
           <a:lstStyle/>
           <a:p>
+            <a:pPr algn="ctr"/>
             <a:r>
               <a:rPr lang="en-US" dirty="0"/>
-              <a:t>Modeling UxAS System Architecture in SADL Ontology</a:t>
+              <a:t>ASSERT™ Requirement Analysis Checks </a:t>
             </a:r>
           </a:p>
         </p:txBody>
       </p:sp>
-      <p:pic>
-        <p:nvPicPr>
-          <p:cNvPr id="4" name="Picture 3"/>
-          <p:cNvPicPr>
-            <a:picLocks noChangeAspect="1"/>
-          </p:cNvPicPr>
-          <p:nvPr/>
-        </p:nvPicPr>
-        <p:blipFill>
-          <a:blip r:embed="rId3"/>
-          <a:stretch>
-            <a:fillRect/>
-          </a:stretch>
-        </p:blipFill>
-        <p:spPr>
-          <a:xfrm>
-            <a:off x="1128567" y="1514924"/>
-            <a:ext cx="9853662" cy="4678486"/>
-          </a:xfrm>
-          <a:prstGeom prst="rect">
-            <a:avLst/>
-          </a:prstGeom>
-        </p:spPr>
-      </p:pic>
       <p:sp>
         <p:nvSpPr>
-          <p:cNvPr id="5" name="Footer Placeholder 4"/>
+          <p:cNvPr id="3" name="Footer Placeholder 2"/>
           <p:cNvSpPr>
             <a:spLocks noGrp="1"/>
           </p:cNvSpPr>
@@ -13678,141 +13637,109 @@
           <a:lstStyle/>
           <a:p>
             <a:r>
-              <a:rPr lang="en-US" smtClean="0"/>
+              <a:rPr lang="en-US" dirty="0"/>
               <a:t>Architecture Group</a:t>
             </a:r>
-            <a:endParaRPr lang="en-US"/>
           </a:p>
         </p:txBody>
       </p:sp>
       <p:sp>
         <p:nvSpPr>
-          <p:cNvPr id="7" name="Footer Placeholder 3"/>
-          <p:cNvSpPr txBox="1">
-            <a:spLocks/>
-          </p:cNvSpPr>
+          <p:cNvPr id="4" name="TextBox 3"/>
+          <p:cNvSpPr txBox="1"/>
           <p:nvPr/>
         </p:nvSpPr>
         <p:spPr>
           <a:xfrm>
-            <a:off x="102476" y="6437441"/>
-            <a:ext cx="4532586" cy="306936"/>
+            <a:off x="718456" y="1828799"/>
+            <a:ext cx="10965543" cy="3477875"/>
           </a:xfrm>
           <a:prstGeom prst="rect">
             <a:avLst/>
           </a:prstGeom>
+          <a:noFill/>
         </p:spPr>
         <p:txBody>
-          <a:bodyPr vert="horz" lIns="91440" tIns="45720" rIns="91440" bIns="45720" rtlCol="0" anchor="ctr"/>
-          <a:lstStyle>
-            <a:defPPr>
-              <a:defRPr lang="en-US"/>
-            </a:defPPr>
-            <a:lvl1pPr marL="0" algn="ctr" defTabSz="914400" rtl="0" eaLnBrk="1" latinLnBrk="0" hangingPunct="1">
-              <a:defRPr sz="1400" kern="1200">
-                <a:solidFill>
-                  <a:srgbClr val="000000"/>
-                </a:solidFill>
-                <a:latin typeface="+mn-lt"/>
-                <a:ea typeface="+mn-ea"/>
-                <a:cs typeface="+mn-cs"/>
-              </a:defRPr>
-            </a:lvl1pPr>
-            <a:lvl2pPr marL="457200" algn="l" defTabSz="914400" rtl="0" eaLnBrk="1" latinLnBrk="0" hangingPunct="1">
-              <a:defRPr sz="1800" kern="1200">
-                <a:solidFill>
-                  <a:schemeClr val="tx1"/>
-                </a:solidFill>
-                <a:latin typeface="+mn-lt"/>
-                <a:ea typeface="+mn-ea"/>
-                <a:cs typeface="+mn-cs"/>
-              </a:defRPr>
-            </a:lvl2pPr>
-            <a:lvl3pPr marL="914400" algn="l" defTabSz="914400" rtl="0" eaLnBrk="1" latinLnBrk="0" hangingPunct="1">
-              <a:defRPr sz="1800" kern="1200">
-                <a:solidFill>
-                  <a:schemeClr val="tx1"/>
-                </a:solidFill>
-                <a:latin typeface="+mn-lt"/>
-                <a:ea typeface="+mn-ea"/>
-                <a:cs typeface="+mn-cs"/>
-              </a:defRPr>
-            </a:lvl3pPr>
-            <a:lvl4pPr marL="1371600" algn="l" defTabSz="914400" rtl="0" eaLnBrk="1" latinLnBrk="0" hangingPunct="1">
-              <a:defRPr sz="1800" kern="1200">
-                <a:solidFill>
-                  <a:schemeClr val="tx1"/>
-                </a:solidFill>
-                <a:latin typeface="+mn-lt"/>
-                <a:ea typeface="+mn-ea"/>
-                <a:cs typeface="+mn-cs"/>
-              </a:defRPr>
-            </a:lvl4pPr>
-            <a:lvl5pPr marL="1828800" algn="l" defTabSz="914400" rtl="0" eaLnBrk="1" latinLnBrk="0" hangingPunct="1">
-              <a:defRPr sz="1800" kern="1200">
-                <a:solidFill>
-                  <a:schemeClr val="tx1"/>
-                </a:solidFill>
-                <a:latin typeface="+mn-lt"/>
-                <a:ea typeface="+mn-ea"/>
-                <a:cs typeface="+mn-cs"/>
-              </a:defRPr>
-            </a:lvl5pPr>
-            <a:lvl6pPr marL="2286000" algn="l" defTabSz="914400" rtl="0" eaLnBrk="1" latinLnBrk="0" hangingPunct="1">
-              <a:defRPr sz="1800" kern="1200">
-                <a:solidFill>
-                  <a:schemeClr val="tx1"/>
-                </a:solidFill>
-                <a:latin typeface="+mn-lt"/>
-                <a:ea typeface="+mn-ea"/>
-                <a:cs typeface="+mn-cs"/>
-              </a:defRPr>
-            </a:lvl6pPr>
-            <a:lvl7pPr marL="2743200" algn="l" defTabSz="914400" rtl="0" eaLnBrk="1" latinLnBrk="0" hangingPunct="1">
-              <a:defRPr sz="1800" kern="1200">
-                <a:solidFill>
-                  <a:schemeClr val="tx1"/>
-                </a:solidFill>
-                <a:latin typeface="+mn-lt"/>
-                <a:ea typeface="+mn-ea"/>
-                <a:cs typeface="+mn-cs"/>
-              </a:defRPr>
-            </a:lvl7pPr>
-            <a:lvl8pPr marL="3200400" algn="l" defTabSz="914400" rtl="0" eaLnBrk="1" latinLnBrk="0" hangingPunct="1">
-              <a:defRPr sz="1800" kern="1200">
-                <a:solidFill>
-                  <a:schemeClr val="tx1"/>
-                </a:solidFill>
-                <a:latin typeface="+mn-lt"/>
-                <a:ea typeface="+mn-ea"/>
-                <a:cs typeface="+mn-cs"/>
-              </a:defRPr>
-            </a:lvl8pPr>
-            <a:lvl9pPr marL="3657600" algn="l" defTabSz="914400" rtl="0" eaLnBrk="1" latinLnBrk="0" hangingPunct="1">
-              <a:defRPr sz="1800" kern="1200">
-                <a:solidFill>
-                  <a:schemeClr val="tx1"/>
-                </a:solidFill>
-                <a:latin typeface="+mn-lt"/>
-                <a:ea typeface="+mn-ea"/>
-                <a:cs typeface="+mn-cs"/>
-              </a:defRPr>
-            </a:lvl9pPr>
-          </a:lstStyle>
-          <a:p>
-            <a:pPr algn="l"/>
-            <a:r>
-              <a:rPr lang="en-US" dirty="0" smtClean="0"/>
-              <a:t>GE</a:t>
-            </a:r>
-            <a:endParaRPr lang="en-US" dirty="0"/>
+          <a:bodyPr wrap="square" rtlCol="0">
+            <a:spAutoFit/>
+          </a:bodyPr>
+          <a:lstStyle/>
+          <a:p>
+            <a:pPr marL="285750" indent="-285750">
+              <a:buFont typeface="Arial" panose="020B0604020202020204" pitchFamily="34" charset="0"/>
+              <a:buChar char="•"/>
+            </a:pPr>
+            <a:r>
+              <a:rPr lang="en-US" sz="2000" b="1" dirty="0"/>
+              <a:t>Contingency: </a:t>
+            </a:r>
+            <a:r>
+              <a:rPr lang="en-US" sz="2000" dirty="0"/>
+              <a:t>Contingency analysis fails for requirement r if it is provably false (unrealizable) or true (redundant) under all value assignments to variables of r.</a:t>
+            </a:r>
+          </a:p>
+          <a:p>
+            <a:pPr marL="285750" indent="-285750">
+              <a:buFont typeface="Arial" panose="020B0604020202020204" pitchFamily="34" charset="0"/>
+              <a:buChar char="•"/>
+            </a:pPr>
+            <a:r>
+              <a:rPr lang="en-US" sz="2000" b="1" dirty="0"/>
+              <a:t>Conflict: </a:t>
+            </a:r>
+            <a:r>
+              <a:rPr lang="en-US" sz="2000" dirty="0"/>
+              <a:t>requirements r1 and r2 that set a common controlled variable v, if for some input value of the monitored variables r1 assigns v to a different value than r2</a:t>
+            </a:r>
+          </a:p>
+          <a:p>
+            <a:pPr marL="285750" indent="-285750">
+              <a:buFont typeface="Arial" panose="020B0604020202020204" pitchFamily="34" charset="0"/>
+              <a:buChar char="•"/>
+            </a:pPr>
+            <a:r>
+              <a:rPr lang="en-US" sz="2000" b="1" dirty="0"/>
+              <a:t>Completeness: </a:t>
+            </a:r>
+            <a:r>
+              <a:rPr lang="en-US" sz="2000" dirty="0"/>
+              <a:t>A set of requirements with the same controlled variable is complete if there is a requirement for all values of the monitored variables in the set.</a:t>
+            </a:r>
+          </a:p>
+          <a:p>
+            <a:pPr marL="285750" indent="-285750">
+              <a:buFont typeface="Arial" panose="020B0604020202020204" pitchFamily="34" charset="0"/>
+              <a:buChar char="•"/>
+            </a:pPr>
+            <a:r>
+              <a:rPr lang="en-US" sz="2000" b="1" dirty="0"/>
+              <a:t>Subjectivity: </a:t>
+            </a:r>
+            <a:r>
+              <a:rPr lang="en-US" sz="2000" dirty="0"/>
+              <a:t>controlled variable v with respect to requirements R fails if there is some output value for v (in the type domain of v) that is not assigned (set) by any requirement in R.</a:t>
+            </a:r>
+          </a:p>
+          <a:p>
+            <a:pPr marL="285750" indent="-285750">
+              <a:buFont typeface="Arial" panose="020B0604020202020204" pitchFamily="34" charset="0"/>
+              <a:buChar char="•"/>
+            </a:pPr>
+            <a:r>
+              <a:rPr lang="en-US" sz="2000" b="1" dirty="0"/>
+              <a:t>Independence: </a:t>
+            </a:r>
+            <a:r>
+              <a:rPr lang="en-US" sz="2000" dirty="0"/>
+              <a:t>Independence Analysis for requirement r with respect to requirements R fails if the conjunction of 'when' parts of R implies the 'when' part of r and both R and r set the controlled variable of r to the same value.</a:t>
+            </a:r>
           </a:p>
         </p:txBody>
       </p:sp>
     </p:spTree>
     <p:extLst>
       <p:ext uri="{BB962C8B-B14F-4D97-AF65-F5344CB8AC3E}">
-        <p14:creationId xmlns:p14="http://schemas.microsoft.com/office/powerpoint/2010/main" val="1742350916"/>
+        <p14:creationId xmlns:p14="http://schemas.microsoft.com/office/powerpoint/2010/main" val="92091782"/>
       </p:ext>
     </p:extLst>
   </p:cSld>
@@ -13863,7 +13790,429 @@
           </a:bodyPr>
           <a:lstStyle/>
           <a:p>
-            <a:pPr algn="ctr"/>
+            <a:r>
+              <a:rPr lang="en-US" dirty="0"/>
+              <a:t>Modeling UxAS System Architecture in SADL Ontology</a:t>
+            </a:r>
+          </a:p>
+        </p:txBody>
+      </p:sp>
+      <p:pic>
+        <p:nvPicPr>
+          <p:cNvPr id="4" name="Picture 3"/>
+          <p:cNvPicPr>
+            <a:picLocks noChangeAspect="1"/>
+          </p:cNvPicPr>
+          <p:nvPr/>
+        </p:nvPicPr>
+        <p:blipFill>
+          <a:blip r:embed="rId3"/>
+          <a:stretch>
+            <a:fillRect/>
+          </a:stretch>
+        </p:blipFill>
+        <p:spPr>
+          <a:xfrm>
+            <a:off x="1128567" y="1514924"/>
+            <a:ext cx="9853662" cy="4678486"/>
+          </a:xfrm>
+          <a:prstGeom prst="rect">
+            <a:avLst/>
+          </a:prstGeom>
+        </p:spPr>
+      </p:pic>
+      <p:sp>
+        <p:nvSpPr>
+          <p:cNvPr id="5" name="Footer Placeholder 4"/>
+          <p:cNvSpPr>
+            <a:spLocks noGrp="1"/>
+          </p:cNvSpPr>
+          <p:nvPr>
+            <p:ph type="ftr" sz="quarter" idx="11"/>
+          </p:nvPr>
+        </p:nvSpPr>
+        <p:spPr/>
+        <p:txBody>
+          <a:bodyPr/>
+          <a:lstStyle/>
+          <a:p>
+            <a:r>
+              <a:rPr lang="en-US" smtClean="0"/>
+              <a:t>Architecture Group</a:t>
+            </a:r>
+            <a:endParaRPr lang="en-US"/>
+          </a:p>
+        </p:txBody>
+      </p:sp>
+      <p:sp>
+        <p:nvSpPr>
+          <p:cNvPr id="7" name="Footer Placeholder 3"/>
+          <p:cNvSpPr txBox="1">
+            <a:spLocks/>
+          </p:cNvSpPr>
+          <p:nvPr/>
+        </p:nvSpPr>
+        <p:spPr>
+          <a:xfrm>
+            <a:off x="102476" y="6437441"/>
+            <a:ext cx="4532586" cy="306936"/>
+          </a:xfrm>
+          <a:prstGeom prst="rect">
+            <a:avLst/>
+          </a:prstGeom>
+        </p:spPr>
+        <p:txBody>
+          <a:bodyPr vert="horz" lIns="91440" tIns="45720" rIns="91440" bIns="45720" rtlCol="0" anchor="ctr"/>
+          <a:lstStyle>
+            <a:defPPr>
+              <a:defRPr lang="en-US"/>
+            </a:defPPr>
+            <a:lvl1pPr marL="0" algn="ctr" defTabSz="914400" rtl="0" eaLnBrk="1" latinLnBrk="0" hangingPunct="1">
+              <a:defRPr sz="1400" kern="1200">
+                <a:solidFill>
+                  <a:srgbClr val="000000"/>
+                </a:solidFill>
+                <a:latin typeface="+mn-lt"/>
+                <a:ea typeface="+mn-ea"/>
+                <a:cs typeface="+mn-cs"/>
+              </a:defRPr>
+            </a:lvl1pPr>
+            <a:lvl2pPr marL="457200" algn="l" defTabSz="914400" rtl="0" eaLnBrk="1" latinLnBrk="0" hangingPunct="1">
+              <a:defRPr sz="1800" kern="1200">
+                <a:solidFill>
+                  <a:schemeClr val="tx1"/>
+                </a:solidFill>
+                <a:latin typeface="+mn-lt"/>
+                <a:ea typeface="+mn-ea"/>
+                <a:cs typeface="+mn-cs"/>
+              </a:defRPr>
+            </a:lvl2pPr>
+            <a:lvl3pPr marL="914400" algn="l" defTabSz="914400" rtl="0" eaLnBrk="1" latinLnBrk="0" hangingPunct="1">
+              <a:defRPr sz="1800" kern="1200">
+                <a:solidFill>
+                  <a:schemeClr val="tx1"/>
+                </a:solidFill>
+                <a:latin typeface="+mn-lt"/>
+                <a:ea typeface="+mn-ea"/>
+                <a:cs typeface="+mn-cs"/>
+              </a:defRPr>
+            </a:lvl3pPr>
+            <a:lvl4pPr marL="1371600" algn="l" defTabSz="914400" rtl="0" eaLnBrk="1" latinLnBrk="0" hangingPunct="1">
+              <a:defRPr sz="1800" kern="1200">
+                <a:solidFill>
+                  <a:schemeClr val="tx1"/>
+                </a:solidFill>
+                <a:latin typeface="+mn-lt"/>
+                <a:ea typeface="+mn-ea"/>
+                <a:cs typeface="+mn-cs"/>
+              </a:defRPr>
+            </a:lvl4pPr>
+            <a:lvl5pPr marL="1828800" algn="l" defTabSz="914400" rtl="0" eaLnBrk="1" latinLnBrk="0" hangingPunct="1">
+              <a:defRPr sz="1800" kern="1200">
+                <a:solidFill>
+                  <a:schemeClr val="tx1"/>
+                </a:solidFill>
+                <a:latin typeface="+mn-lt"/>
+                <a:ea typeface="+mn-ea"/>
+                <a:cs typeface="+mn-cs"/>
+              </a:defRPr>
+            </a:lvl5pPr>
+            <a:lvl6pPr marL="2286000" algn="l" defTabSz="914400" rtl="0" eaLnBrk="1" latinLnBrk="0" hangingPunct="1">
+              <a:defRPr sz="1800" kern="1200">
+                <a:solidFill>
+                  <a:schemeClr val="tx1"/>
+                </a:solidFill>
+                <a:latin typeface="+mn-lt"/>
+                <a:ea typeface="+mn-ea"/>
+                <a:cs typeface="+mn-cs"/>
+              </a:defRPr>
+            </a:lvl6pPr>
+            <a:lvl7pPr marL="2743200" algn="l" defTabSz="914400" rtl="0" eaLnBrk="1" latinLnBrk="0" hangingPunct="1">
+              <a:defRPr sz="1800" kern="1200">
+                <a:solidFill>
+                  <a:schemeClr val="tx1"/>
+                </a:solidFill>
+                <a:latin typeface="+mn-lt"/>
+                <a:ea typeface="+mn-ea"/>
+                <a:cs typeface="+mn-cs"/>
+              </a:defRPr>
+            </a:lvl7pPr>
+            <a:lvl8pPr marL="3200400" algn="l" defTabSz="914400" rtl="0" eaLnBrk="1" latinLnBrk="0" hangingPunct="1">
+              <a:defRPr sz="1800" kern="1200">
+                <a:solidFill>
+                  <a:schemeClr val="tx1"/>
+                </a:solidFill>
+                <a:latin typeface="+mn-lt"/>
+                <a:ea typeface="+mn-ea"/>
+                <a:cs typeface="+mn-cs"/>
+              </a:defRPr>
+            </a:lvl8pPr>
+            <a:lvl9pPr marL="3657600" algn="l" defTabSz="914400" rtl="0" eaLnBrk="1" latinLnBrk="0" hangingPunct="1">
+              <a:defRPr sz="1800" kern="1200">
+                <a:solidFill>
+                  <a:schemeClr val="tx1"/>
+                </a:solidFill>
+                <a:latin typeface="+mn-lt"/>
+                <a:ea typeface="+mn-ea"/>
+                <a:cs typeface="+mn-cs"/>
+              </a:defRPr>
+            </a:lvl9pPr>
+          </a:lstStyle>
+          <a:p>
+            <a:pPr algn="l"/>
+            <a:r>
+              <a:rPr lang="en-US" dirty="0" smtClean="0"/>
+              <a:t>GE</a:t>
+            </a:r>
+            <a:endParaRPr lang="en-US" dirty="0"/>
+          </a:p>
+        </p:txBody>
+      </p:sp>
+    </p:spTree>
+    <p:extLst>
+      <p:ext uri="{BB962C8B-B14F-4D97-AF65-F5344CB8AC3E}">
+        <p14:creationId xmlns:p14="http://schemas.microsoft.com/office/powerpoint/2010/main" val="1742350916"/>
+      </p:ext>
+    </p:extLst>
+  </p:cSld>
+  <p:clrMapOvr>
+    <a:masterClrMapping/>
+  </p:clrMapOvr>
+  <p:timing>
+    <p:tnLst>
+      <p:par>
+        <p:cTn id="1" dur="indefinite" restart="never" nodeType="tmRoot"/>
+      </p:par>
+    </p:tnLst>
+  </p:timing>
+</p:sld>
+</file>
+
+<file path=ppt/slides/slide2.xml><?xml version="1.0" encoding="utf-8"?>
+<p:sld xmlns:a="http://schemas.openxmlformats.org/drawingml/2006/main" xmlns:r="http://schemas.openxmlformats.org/officeDocument/2006/relationships" xmlns:p="http://schemas.openxmlformats.org/presentationml/2006/main">
+  <p:cSld>
+    <p:spTree>
+      <p:nvGrpSpPr>
+        <p:cNvPr id="1" name=""/>
+        <p:cNvGrpSpPr/>
+        <p:nvPr/>
+      </p:nvGrpSpPr>
+      <p:grpSpPr>
+        <a:xfrm>
+          <a:off x="0" y="0"/>
+          <a:ext cx="0" cy="0"/>
+          <a:chOff x="0" y="0"/>
+          <a:chExt cx="0" cy="0"/>
+        </a:xfrm>
+      </p:grpSpPr>
+      <p:sp>
+        <p:nvSpPr>
+          <p:cNvPr id="2" name="Title 1"/>
+          <p:cNvSpPr>
+            <a:spLocks noGrp="1"/>
+          </p:cNvSpPr>
+          <p:nvPr>
+            <p:ph type="title"/>
+          </p:nvPr>
+        </p:nvSpPr>
+        <p:spPr/>
+        <p:txBody>
+          <a:bodyPr/>
+          <a:lstStyle/>
+          <a:p>
+            <a:r>
+              <a:rPr lang="en-US" dirty="0" smtClean="0"/>
+              <a:t>Agenda</a:t>
+            </a:r>
+            <a:endParaRPr lang="en-US" dirty="0"/>
+          </a:p>
+        </p:txBody>
+      </p:sp>
+      <p:sp>
+        <p:nvSpPr>
+          <p:cNvPr id="3" name="Content Placeholder 2"/>
+          <p:cNvSpPr>
+            <a:spLocks noGrp="1"/>
+          </p:cNvSpPr>
+          <p:nvPr>
+            <p:ph idx="1"/>
+          </p:nvPr>
+        </p:nvSpPr>
+        <p:spPr/>
+        <p:txBody>
+          <a:bodyPr/>
+          <a:lstStyle/>
+          <a:p>
+            <a:pPr>
+              <a:lnSpc>
+                <a:spcPct val="100000"/>
+              </a:lnSpc>
+              <a:spcBef>
+                <a:spcPts val="200"/>
+              </a:spcBef>
+            </a:pPr>
+            <a:r>
+              <a:rPr lang="en-US" dirty="0" smtClean="0"/>
+              <a:t>Group Description</a:t>
+            </a:r>
+          </a:p>
+          <a:p>
+            <a:pPr>
+              <a:lnSpc>
+                <a:spcPct val="100000"/>
+              </a:lnSpc>
+              <a:spcBef>
+                <a:spcPts val="200"/>
+              </a:spcBef>
+            </a:pPr>
+            <a:r>
+              <a:rPr lang="en-US" dirty="0" smtClean="0"/>
+              <a:t>Group Objectives</a:t>
+            </a:r>
+          </a:p>
+          <a:p>
+            <a:pPr>
+              <a:lnSpc>
+                <a:spcPct val="100000"/>
+              </a:lnSpc>
+              <a:spcBef>
+                <a:spcPts val="200"/>
+              </a:spcBef>
+            </a:pPr>
+            <a:r>
+              <a:rPr lang="en-US" dirty="0" smtClean="0"/>
+              <a:t>Group Accomplishments</a:t>
+            </a:r>
+          </a:p>
+          <a:p>
+            <a:pPr>
+              <a:lnSpc>
+                <a:spcPct val="100000"/>
+              </a:lnSpc>
+              <a:spcBef>
+                <a:spcPts val="200"/>
+              </a:spcBef>
+            </a:pPr>
+            <a:r>
+              <a:rPr lang="en-US" dirty="0" smtClean="0"/>
+              <a:t>Lessons Learned</a:t>
+            </a:r>
+          </a:p>
+          <a:p>
+            <a:pPr>
+              <a:lnSpc>
+                <a:spcPct val="100000"/>
+              </a:lnSpc>
+              <a:spcBef>
+                <a:spcPts val="200"/>
+              </a:spcBef>
+            </a:pPr>
+            <a:r>
+              <a:rPr lang="en-US" dirty="0" smtClean="0"/>
+              <a:t>Recommended Future Directions</a:t>
+            </a:r>
+          </a:p>
+          <a:p>
+            <a:pPr>
+              <a:lnSpc>
+                <a:spcPct val="100000"/>
+              </a:lnSpc>
+              <a:spcBef>
+                <a:spcPts val="200"/>
+              </a:spcBef>
+            </a:pPr>
+            <a:endParaRPr lang="en-US" dirty="0" smtClean="0"/>
+          </a:p>
+          <a:p>
+            <a:endParaRPr lang="en-US" dirty="0"/>
+          </a:p>
+        </p:txBody>
+      </p:sp>
+      <p:sp>
+        <p:nvSpPr>
+          <p:cNvPr id="6" name="Footer Placeholder 5"/>
+          <p:cNvSpPr>
+            <a:spLocks noGrp="1"/>
+          </p:cNvSpPr>
+          <p:nvPr>
+            <p:ph type="ftr" sz="quarter" idx="11"/>
+          </p:nvPr>
+        </p:nvSpPr>
+        <p:spPr/>
+        <p:txBody>
+          <a:bodyPr/>
+          <a:lstStyle/>
+          <a:p>
+            <a:r>
+              <a:rPr lang="en-US" smtClean="0"/>
+              <a:t>Architecture Group</a:t>
+            </a:r>
+            <a:endParaRPr lang="en-US"/>
+          </a:p>
+        </p:txBody>
+      </p:sp>
+    </p:spTree>
+    <p:extLst>
+      <p:ext uri="{BB962C8B-B14F-4D97-AF65-F5344CB8AC3E}">
+        <p14:creationId xmlns:p14="http://schemas.microsoft.com/office/powerpoint/2010/main" val="1165000552"/>
+      </p:ext>
+    </p:extLst>
+  </p:cSld>
+  <p:clrMapOvr>
+    <a:masterClrMapping/>
+  </p:clrMapOvr>
+  <mc:AlternateContent xmlns:mc="http://schemas.openxmlformats.org/markup-compatibility/2006" xmlns:p14="http://schemas.microsoft.com/office/powerpoint/2010/main">
+    <mc:Choice Requires="p14">
+      <p:transition spd="slow" p14:dur="2000"/>
+    </mc:Choice>
+    <mc:Fallback xmlns="">
+      <p:transition spd="slow"/>
+    </mc:Fallback>
+  </mc:AlternateContent>
+  <p:timing>
+    <p:tnLst>
+      <p:par>
+        <p:cTn id="1" dur="indefinite" restart="never" nodeType="tmRoot"/>
+      </p:par>
+    </p:tnLst>
+  </p:timing>
+</p:sld>
+</file>
+
+<file path=ppt/slides/slide20.xml><?xml version="1.0" encoding="utf-8"?>
+<p:sld xmlns:a="http://schemas.openxmlformats.org/drawingml/2006/main" xmlns:r="http://schemas.openxmlformats.org/officeDocument/2006/relationships" xmlns:p="http://schemas.openxmlformats.org/presentationml/2006/main">
+  <p:cSld>
+    <p:spTree>
+      <p:nvGrpSpPr>
+        <p:cNvPr id="1" name=""/>
+        <p:cNvGrpSpPr/>
+        <p:nvPr/>
+      </p:nvGrpSpPr>
+      <p:grpSpPr>
+        <a:xfrm>
+          <a:off x="0" y="0"/>
+          <a:ext cx="0" cy="0"/>
+          <a:chOff x="0" y="0"/>
+          <a:chExt cx="0" cy="0"/>
+        </a:xfrm>
+      </p:grpSpPr>
+      <p:sp>
+        <p:nvSpPr>
+          <p:cNvPr id="2" name="Title 1"/>
+          <p:cNvSpPr>
+            <a:spLocks noGrp="1"/>
+          </p:cNvSpPr>
+          <p:nvPr>
+            <p:ph type="title"/>
+          </p:nvPr>
+        </p:nvSpPr>
+        <p:spPr/>
+        <p:txBody>
+          <a:bodyPr>
+            <a:normAutofit fontScale="90000"/>
+          </a:bodyPr>
+          <a:lstStyle/>
+          <a:p>
             <a:r>
               <a:rPr lang="en-US" dirty="0"/>
               <a:t>Modeling Message Type Definition in SADL Ontology</a:t>
@@ -14066,198 +14415,7 @@
 </p:sld>
 </file>
 
-<file path=ppt/slides/slide2.xml><?xml version="1.0" encoding="utf-8"?>
-<p:sld xmlns:a="http://schemas.openxmlformats.org/drawingml/2006/main" xmlns:r="http://schemas.openxmlformats.org/officeDocument/2006/relationships" xmlns:p="http://schemas.openxmlformats.org/presentationml/2006/main">
-  <p:cSld>
-    <p:spTree>
-      <p:nvGrpSpPr>
-        <p:cNvPr id="1" name=""/>
-        <p:cNvGrpSpPr/>
-        <p:nvPr/>
-      </p:nvGrpSpPr>
-      <p:grpSpPr>
-        <a:xfrm>
-          <a:off x="0" y="0"/>
-          <a:ext cx="0" cy="0"/>
-          <a:chOff x="0" y="0"/>
-          <a:chExt cx="0" cy="0"/>
-        </a:xfrm>
-      </p:grpSpPr>
-      <p:sp>
-        <p:nvSpPr>
-          <p:cNvPr id="2" name="Title 1"/>
-          <p:cNvSpPr>
-            <a:spLocks noGrp="1"/>
-          </p:cNvSpPr>
-          <p:nvPr>
-            <p:ph type="title"/>
-          </p:nvPr>
-        </p:nvSpPr>
-        <p:spPr/>
-        <p:txBody>
-          <a:bodyPr/>
-          <a:lstStyle/>
-          <a:p>
-            <a:r>
-              <a:rPr lang="en-US" dirty="0" smtClean="0"/>
-              <a:t>Agenda</a:t>
-            </a:r>
-            <a:endParaRPr lang="en-US" dirty="0"/>
-          </a:p>
-        </p:txBody>
-      </p:sp>
-      <p:sp>
-        <p:nvSpPr>
-          <p:cNvPr id="3" name="Content Placeholder 2"/>
-          <p:cNvSpPr>
-            <a:spLocks noGrp="1"/>
-          </p:cNvSpPr>
-          <p:nvPr>
-            <p:ph idx="1"/>
-          </p:nvPr>
-        </p:nvSpPr>
-        <p:spPr/>
-        <p:txBody>
-          <a:bodyPr/>
-          <a:lstStyle/>
-          <a:p>
-            <a:pPr>
-              <a:lnSpc>
-                <a:spcPct val="100000"/>
-              </a:lnSpc>
-              <a:spcBef>
-                <a:spcPts val="200"/>
-              </a:spcBef>
-            </a:pPr>
-            <a:r>
-              <a:rPr lang="en-US" dirty="0" smtClean="0"/>
-              <a:t>Group Description</a:t>
-            </a:r>
-          </a:p>
-          <a:p>
-            <a:pPr>
-              <a:lnSpc>
-                <a:spcPct val="100000"/>
-              </a:lnSpc>
-              <a:spcBef>
-                <a:spcPts val="200"/>
-              </a:spcBef>
-            </a:pPr>
-            <a:r>
-              <a:rPr lang="en-US" dirty="0" smtClean="0"/>
-              <a:t>Group Objectives</a:t>
-            </a:r>
-          </a:p>
-          <a:p>
-            <a:pPr>
-              <a:lnSpc>
-                <a:spcPct val="100000"/>
-              </a:lnSpc>
-              <a:spcBef>
-                <a:spcPts val="200"/>
-              </a:spcBef>
-            </a:pPr>
-            <a:r>
-              <a:rPr lang="en-US" dirty="0" smtClean="0"/>
-              <a:t>Group Accomplishments</a:t>
-            </a:r>
-          </a:p>
-          <a:p>
-            <a:pPr>
-              <a:lnSpc>
-                <a:spcPct val="100000"/>
-              </a:lnSpc>
-              <a:spcBef>
-                <a:spcPts val="200"/>
-              </a:spcBef>
-            </a:pPr>
-            <a:r>
-              <a:rPr lang="en-US" dirty="0" smtClean="0"/>
-              <a:t>Lessons Learned</a:t>
-            </a:r>
-          </a:p>
-          <a:p>
-            <a:pPr>
-              <a:lnSpc>
-                <a:spcPct val="100000"/>
-              </a:lnSpc>
-              <a:spcBef>
-                <a:spcPts val="200"/>
-              </a:spcBef>
-            </a:pPr>
-            <a:r>
-              <a:rPr lang="en-US" dirty="0" smtClean="0"/>
-              <a:t>Recommended Future Directions</a:t>
-            </a:r>
-          </a:p>
-          <a:p>
-            <a:pPr>
-              <a:lnSpc>
-                <a:spcPct val="100000"/>
-              </a:lnSpc>
-              <a:spcBef>
-                <a:spcPts val="200"/>
-              </a:spcBef>
-            </a:pPr>
-            <a:endParaRPr lang="en-US" dirty="0" smtClean="0"/>
-          </a:p>
-          <a:p>
-            <a:endParaRPr lang="en-US" dirty="0"/>
-          </a:p>
-        </p:txBody>
-      </p:sp>
-      <p:sp>
-        <p:nvSpPr>
-          <p:cNvPr id="6" name="Footer Placeholder 5"/>
-          <p:cNvSpPr>
-            <a:spLocks noGrp="1"/>
-          </p:cNvSpPr>
-          <p:nvPr>
-            <p:ph type="ftr" sz="quarter" idx="11"/>
-          </p:nvPr>
-        </p:nvSpPr>
-        <p:spPr/>
-        <p:txBody>
-          <a:bodyPr/>
-          <a:lstStyle/>
-          <a:p>
-            <a:r>
-              <a:rPr lang="en-US" smtClean="0"/>
-              <a:t>Architecture Group</a:t>
-            </a:r>
-            <a:endParaRPr lang="en-US"/>
-          </a:p>
-        </p:txBody>
-      </p:sp>
-    </p:spTree>
-    <p:extLst>
-      <p:ext uri="{BB962C8B-B14F-4D97-AF65-F5344CB8AC3E}">
-        <p14:creationId xmlns:p14="http://schemas.microsoft.com/office/powerpoint/2010/main" val="1165000552"/>
-      </p:ext>
-    </p:extLst>
-  </p:cSld>
-  <p:clrMapOvr>
-    <a:masterClrMapping/>
-  </p:clrMapOvr>
-  <mc:AlternateContent xmlns:mc="http://schemas.openxmlformats.org/markup-compatibility/2006" xmlns:p14="http://schemas.microsoft.com/office/powerpoint/2010/main">
-    <mc:Choice Requires="p14">
-      <p:transition spd="slow" p14:dur="2000"/>
-    </mc:Choice>
-    <mc:Fallback xmlns="">
-      <p:transition spd="slow"/>
-    </mc:Fallback>
-  </mc:AlternateContent>
-  <p:timing>
-    <p:tnLst>
-      <p:par>
-        <p:cTn id="1" dur="indefinite" restart="never" nodeType="tmRoot"/>
-      </p:par>
-    </p:tnLst>
-  </p:timing>
-</p:sld>
-</file>
-
-<file path=ppt/slides/slide20.xml><?xml version="1.0" encoding="utf-8"?>
+<file path=ppt/slides/slide21.xml><?xml version="1.0" encoding="utf-8"?>
 <p:sld xmlns:a="http://schemas.openxmlformats.org/drawingml/2006/main" xmlns:r="http://schemas.openxmlformats.org/officeDocument/2006/relationships" xmlns:p="http://schemas.openxmlformats.org/presentationml/2006/main">
   <p:cSld>
     <p:spTree>
@@ -15461,7 +15619,7 @@
 </p:sld>
 </file>
 
-<file path=ppt/slides/slide21.xml><?xml version="1.0" encoding="utf-8"?>
+<file path=ppt/slides/slide22.xml><?xml version="1.0" encoding="utf-8"?>
 <p:sld xmlns:a="http://schemas.openxmlformats.org/drawingml/2006/main" xmlns:r="http://schemas.openxmlformats.org/officeDocument/2006/relationships" xmlns:p="http://schemas.openxmlformats.org/presentationml/2006/main">
   <p:cSld>
     <p:spTree>
@@ -15495,10 +15653,17 @@
           </a:bodyPr>
           <a:lstStyle/>
           <a:p>
-            <a:pPr algn="ctr"/>
             <a:r>
               <a:rPr lang="en-US" dirty="0"/>
-              <a:t>Illustrative example: Sample AADL Contracts Captured in SADL  </a:t>
+              <a:t>Illustrative </a:t>
+            </a:r>
+            <a:r>
+              <a:rPr lang="en-US" dirty="0" smtClean="0"/>
+              <a:t>Example</a:t>
+            </a:r>
+            <a:r>
+              <a:rPr lang="en-US" dirty="0"/>
+              <a:t>: Sample AADL Contracts Captured in SADL  </a:t>
             </a:r>
           </a:p>
         </p:txBody>
@@ -15703,7 +15868,7 @@
 </p:sld>
 </file>
 
-<file path=ppt/slides/slide22.xml><?xml version="1.0" encoding="utf-8"?>
+<file path=ppt/slides/slide23.xml><?xml version="1.0" encoding="utf-8"?>
 <p:sld xmlns:a="http://schemas.openxmlformats.org/drawingml/2006/main" xmlns:r="http://schemas.openxmlformats.org/officeDocument/2006/relationships" xmlns:p="http://schemas.openxmlformats.org/presentationml/2006/main">
   <p:cSld>
     <p:spTree>
@@ -15735,10 +15900,17 @@
           <a:bodyPr/>
           <a:lstStyle/>
           <a:p>
-            <a:pPr algn="ctr"/>
             <a:r>
               <a:rPr lang="en-US" dirty="0"/>
-              <a:t>Illustrative example: </a:t>
+              <a:t>Illustrative </a:t>
+            </a:r>
+            <a:r>
+              <a:rPr lang="en-US" dirty="0" smtClean="0"/>
+              <a:t>Example</a:t>
+            </a:r>
+            <a:r>
+              <a:rPr lang="en-US" dirty="0"/>
+              <a:t>: </a:t>
             </a:r>
             <a:r>
               <a:rPr lang="en-US" dirty="0" smtClean="0"/>
@@ -16466,7 +16638,7 @@
 </p:sld>
 </file>
 
-<file path=ppt/slides/slide23.xml><?xml version="1.0" encoding="utf-8"?>
+<file path=ppt/slides/slide24.xml><?xml version="1.0" encoding="utf-8"?>
 <p:sld xmlns:a="http://schemas.openxmlformats.org/drawingml/2006/main" xmlns:r="http://schemas.openxmlformats.org/officeDocument/2006/relationships" xmlns:p="http://schemas.openxmlformats.org/presentationml/2006/main">
   <p:cSld>
     <p:spTree>
@@ -16513,7 +16685,15 @@
             </a:r>
             <a:r>
               <a:rPr lang="en-US" sz="4000" dirty="0"/>
-              <a:t>example: Modified </a:t>
+              <a:t>E</a:t>
+            </a:r>
+            <a:r>
+              <a:rPr lang="en-US" sz="4000" dirty="0" smtClean="0"/>
+              <a:t>xample</a:t>
+            </a:r>
+            <a:r>
+              <a:rPr lang="en-US" sz="4000" dirty="0"/>
+              <a:t>: Modified </a:t>
             </a:r>
             <a:r>
               <a:rPr lang="en-US" sz="4000" dirty="0" smtClean="0"/>
@@ -16825,75 +17005,6 @@
       </p:sp>
       <p:sp>
         <p:nvSpPr>
-          <p:cNvPr id="3" name="TextBox 2"/>
-          <p:cNvSpPr txBox="1"/>
-          <p:nvPr/>
-        </p:nvSpPr>
-        <p:spPr>
-          <a:xfrm>
-            <a:off x="8050491" y="1462820"/>
-            <a:ext cx="3889463" cy="1323439"/>
-          </a:xfrm>
-          <a:prstGeom prst="rect">
-            <a:avLst/>
-          </a:prstGeom>
-          <a:solidFill>
-            <a:schemeClr val="accent1">
-              <a:lumMod val="60000"/>
-              <a:lumOff val="40000"/>
-            </a:schemeClr>
-          </a:solidFill>
-        </p:spPr>
-        <p:txBody>
-          <a:bodyPr wrap="square" rtlCol="0">
-            <a:spAutoFit/>
-          </a:bodyPr>
-          <a:lstStyle/>
-          <a:p>
-            <a:r>
-              <a:rPr lang="en-US" sz="1600" dirty="0"/>
-              <a:t>A</a:t>
-            </a:r>
-            <a:r>
-              <a:rPr lang="en-US" sz="1600" dirty="0" smtClean="0"/>
-              <a:t>nalysis enabled:</a:t>
-            </a:r>
-          </a:p>
-          <a:p>
-            <a:pPr marL="285750" indent="-285750">
-              <a:buFont typeface="Arial" panose="020B0604020202020204" pitchFamily="34" charset="0"/>
-              <a:buChar char="•"/>
-            </a:pPr>
-            <a:r>
-              <a:rPr lang="en-US" sz="1600" dirty="0" smtClean="0"/>
-              <a:t>Redundancy check</a:t>
-            </a:r>
-          </a:p>
-          <a:p>
-            <a:pPr marL="285750" indent="-285750">
-              <a:buFont typeface="Arial" panose="020B0604020202020204" pitchFamily="34" charset="0"/>
-              <a:buChar char="•"/>
-            </a:pPr>
-            <a:r>
-              <a:rPr lang="en-US" sz="1600" dirty="0" smtClean="0"/>
-              <a:t>Conflict check</a:t>
-            </a:r>
-          </a:p>
-          <a:p>
-            <a:pPr marL="285750" indent="-285750">
-              <a:buFont typeface="Arial" panose="020B0604020202020204" pitchFamily="34" charset="0"/>
-              <a:buChar char="•"/>
-            </a:pPr>
-            <a:r>
-              <a:rPr lang="en-US" sz="1600" dirty="0" smtClean="0"/>
-              <a:t>Completeness check (e.g., handle all cases of a variable’s value)</a:t>
-            </a:r>
-            <a:endParaRPr lang="en-US" sz="1600" dirty="0"/>
-          </a:p>
-        </p:txBody>
-      </p:sp>
-      <p:sp>
-        <p:nvSpPr>
           <p:cNvPr id="8" name="Footer Placeholder 7"/>
           <p:cNvSpPr>
             <a:spLocks noGrp="1"/>
@@ -16919,241 +17030,6 @@
     <p:extLst>
       <p:ext uri="{BB962C8B-B14F-4D97-AF65-F5344CB8AC3E}">
         <p14:creationId xmlns:p14="http://schemas.microsoft.com/office/powerpoint/2010/main" val="2157516037"/>
-      </p:ext>
-    </p:extLst>
-  </p:cSld>
-  <p:clrMapOvr>
-    <a:masterClrMapping/>
-  </p:clrMapOvr>
-  <mc:AlternateContent xmlns:mc="http://schemas.openxmlformats.org/markup-compatibility/2006" xmlns:p14="http://schemas.microsoft.com/office/powerpoint/2010/main">
-    <mc:Choice Requires="p14">
-      <p:transition spd="slow" p14:dur="2000"/>
-    </mc:Choice>
-    <mc:Fallback xmlns="">
-      <p:transition spd="slow"/>
-    </mc:Fallback>
-  </mc:AlternateContent>
-  <p:timing>
-    <p:tnLst>
-      <p:par>
-        <p:cTn id="1" dur="indefinite" restart="never" nodeType="tmRoot"/>
-      </p:par>
-    </p:tnLst>
-  </p:timing>
-</p:sld>
-</file>
-
-<file path=ppt/slides/slide24.xml><?xml version="1.0" encoding="utf-8"?>
-<p:sld xmlns:a="http://schemas.openxmlformats.org/drawingml/2006/main" xmlns:r="http://schemas.openxmlformats.org/officeDocument/2006/relationships" xmlns:p="http://schemas.openxmlformats.org/presentationml/2006/main">
-  <p:cSld>
-    <p:spTree>
-      <p:nvGrpSpPr>
-        <p:cNvPr id="1" name=""/>
-        <p:cNvGrpSpPr/>
-        <p:nvPr/>
-      </p:nvGrpSpPr>
-      <p:grpSpPr>
-        <a:xfrm>
-          <a:off x="0" y="0"/>
-          <a:ext cx="0" cy="0"/>
-          <a:chOff x="0" y="0"/>
-          <a:chExt cx="0" cy="0"/>
-        </a:xfrm>
-      </p:grpSpPr>
-      <p:sp>
-        <p:nvSpPr>
-          <p:cNvPr id="2" name="Title 1"/>
-          <p:cNvSpPr>
-            <a:spLocks noGrp="1"/>
-          </p:cNvSpPr>
-          <p:nvPr>
-            <p:ph type="title"/>
-          </p:nvPr>
-        </p:nvSpPr>
-        <p:spPr/>
-        <p:txBody>
-          <a:bodyPr>
-            <a:normAutofit fontScale="90000"/>
-          </a:bodyPr>
-          <a:lstStyle/>
-          <a:p>
-            <a:r>
-              <a:rPr lang="en-US" dirty="0" smtClean="0"/>
-              <a:t>From the lead developer: </a:t>
-            </a:r>
-            <a:br>
-              <a:rPr lang="en-US" dirty="0" smtClean="0"/>
-            </a:br>
-            <a:r>
-              <a:rPr lang="en-US" dirty="0" smtClean="0"/>
-              <a:t>Impact of Formalization on </a:t>
-            </a:r>
-            <a:r>
-              <a:rPr lang="en-US" dirty="0" err="1" smtClean="0"/>
-              <a:t>UxAS</a:t>
-            </a:r>
-            <a:endParaRPr lang="en-US" dirty="0"/>
-          </a:p>
-        </p:txBody>
-      </p:sp>
-      <p:sp>
-        <p:nvSpPr>
-          <p:cNvPr id="3" name="Content Placeholder 2"/>
-          <p:cNvSpPr>
-            <a:spLocks noGrp="1"/>
-          </p:cNvSpPr>
-          <p:nvPr>
-            <p:ph idx="1"/>
-          </p:nvPr>
-        </p:nvSpPr>
-        <p:spPr/>
-        <p:txBody>
-          <a:bodyPr>
-            <a:normAutofit/>
-          </a:bodyPr>
-          <a:lstStyle/>
-          <a:p>
-            <a:r>
-              <a:rPr lang="en-US" dirty="0" smtClean="0"/>
-              <a:t>Recognition of key assumptions</a:t>
-            </a:r>
-          </a:p>
-          <a:p>
-            <a:pPr lvl="1"/>
-            <a:r>
-              <a:rPr lang="en-US" dirty="0" smtClean="0"/>
-              <a:t>IDs are unique (not guaranteed by the implementation today)</a:t>
-            </a:r>
-          </a:p>
-          <a:p>
-            <a:r>
-              <a:rPr lang="en-US" dirty="0" smtClean="0"/>
-              <a:t>Illumination of design flaws</a:t>
-            </a:r>
-          </a:p>
-          <a:p>
-            <a:pPr lvl="1"/>
-            <a:r>
-              <a:rPr lang="en-US" dirty="0" smtClean="0"/>
-              <a:t>Missing ID checks</a:t>
-            </a:r>
-          </a:p>
-          <a:p>
-            <a:pPr lvl="1"/>
-            <a:r>
-              <a:rPr lang="en-US" dirty="0" smtClean="0"/>
-              <a:t>All services need to use the Route Planner for routes to ensure there is no conflict with an airspace constraint</a:t>
-            </a:r>
-          </a:p>
-          <a:p>
-            <a:r>
-              <a:rPr lang="en-US" dirty="0" smtClean="0"/>
-              <a:t>Restructuring to avoid redundant or problematic logic</a:t>
-            </a:r>
-          </a:p>
-          <a:p>
-            <a:pPr lvl="1"/>
-            <a:r>
-              <a:rPr lang="en-US" dirty="0" smtClean="0"/>
-              <a:t>Split </a:t>
-            </a:r>
-            <a:r>
-              <a:rPr lang="en-US" dirty="0" err="1" smtClean="0"/>
-              <a:t>RouteAggregatorService</a:t>
-            </a:r>
-            <a:r>
-              <a:rPr lang="en-US" dirty="0" smtClean="0"/>
-              <a:t> into two services for two functional roles</a:t>
-            </a:r>
-          </a:p>
-          <a:p>
-            <a:pPr lvl="1"/>
-            <a:r>
-              <a:rPr lang="en-US" dirty="0" smtClean="0"/>
-              <a:t>Removal of some dead code in the Route Planner</a:t>
-            </a:r>
-          </a:p>
-        </p:txBody>
-      </p:sp>
-      <p:sp>
-        <p:nvSpPr>
-          <p:cNvPr id="5" name="Rectangle 4"/>
-          <p:cNvSpPr/>
-          <p:nvPr/>
-        </p:nvSpPr>
-        <p:spPr>
-          <a:xfrm>
-            <a:off x="3659944" y="5409544"/>
-            <a:ext cx="5200278" cy="592333"/>
-          </a:xfrm>
-          <a:prstGeom prst="rect">
-            <a:avLst/>
-          </a:prstGeom>
-        </p:spPr>
-        <p:style>
-          <a:lnRef idx="2">
-            <a:schemeClr val="accent1">
-              <a:shade val="50000"/>
-            </a:schemeClr>
-          </a:lnRef>
-          <a:fillRef idx="1">
-            <a:schemeClr val="accent1"/>
-          </a:fillRef>
-          <a:effectRef idx="0">
-            <a:schemeClr val="accent1"/>
-          </a:effectRef>
-          <a:fontRef idx="minor">
-            <a:schemeClr val="lt1"/>
-          </a:fontRef>
-        </p:style>
-        <p:txBody>
-          <a:bodyPr rtlCol="0" anchor="ctr"/>
-          <a:lstStyle/>
-          <a:p>
-            <a:pPr algn="ctr"/>
-            <a:r>
-              <a:rPr lang="en-US" b="1" i="1" dirty="0" smtClean="0"/>
-              <a:t>We improved </a:t>
-            </a:r>
-            <a:r>
-              <a:rPr lang="en-US" b="1" i="1" dirty="0" err="1" smtClean="0"/>
-              <a:t>UxAS</a:t>
-            </a:r>
-            <a:r>
-              <a:rPr lang="en-US" b="1" i="1" dirty="0" smtClean="0"/>
-              <a:t> through formalization</a:t>
-            </a:r>
-            <a:endParaRPr lang="en-US" b="1" i="1" dirty="0"/>
-          </a:p>
-        </p:txBody>
-      </p:sp>
-      <p:sp>
-        <p:nvSpPr>
-          <p:cNvPr id="7" name="Footer Placeholder 6"/>
-          <p:cNvSpPr>
-            <a:spLocks noGrp="1"/>
-          </p:cNvSpPr>
-          <p:nvPr>
-            <p:ph type="ftr" sz="quarter" idx="11"/>
-          </p:nvPr>
-        </p:nvSpPr>
-        <p:spPr/>
-        <p:txBody>
-          <a:bodyPr/>
-          <a:lstStyle/>
-          <a:p>
-            <a:r>
-              <a:rPr lang="en-US" smtClean="0"/>
-              <a:t>Architecture Group</a:t>
-            </a:r>
-            <a:endParaRPr lang="en-US"/>
-          </a:p>
-        </p:txBody>
-      </p:sp>
-    </p:spTree>
-    <p:extLst>
-      <p:ext uri="{BB962C8B-B14F-4D97-AF65-F5344CB8AC3E}">
-        <p14:creationId xmlns:p14="http://schemas.microsoft.com/office/powerpoint/2010/main" val="3185477435"/>
       </p:ext>
     </p:extLst>
   </p:cSld>
@@ -17197,6 +17073,241 @@
       </p:grpSpPr>
       <p:sp>
         <p:nvSpPr>
+          <p:cNvPr id="2" name="Title 1"/>
+          <p:cNvSpPr>
+            <a:spLocks noGrp="1"/>
+          </p:cNvSpPr>
+          <p:nvPr>
+            <p:ph type="title"/>
+          </p:nvPr>
+        </p:nvSpPr>
+        <p:spPr/>
+        <p:txBody>
+          <a:bodyPr>
+            <a:normAutofit fontScale="90000"/>
+          </a:bodyPr>
+          <a:lstStyle/>
+          <a:p>
+            <a:r>
+              <a:rPr lang="en-US" dirty="0" smtClean="0"/>
+              <a:t>From the lead developer: </a:t>
+            </a:r>
+            <a:br>
+              <a:rPr lang="en-US" dirty="0" smtClean="0"/>
+            </a:br>
+            <a:r>
+              <a:rPr lang="en-US" dirty="0" smtClean="0"/>
+              <a:t>Impact of Formalization on </a:t>
+            </a:r>
+            <a:r>
+              <a:rPr lang="en-US" dirty="0" err="1" smtClean="0"/>
+              <a:t>UxAS</a:t>
+            </a:r>
+            <a:endParaRPr lang="en-US" dirty="0"/>
+          </a:p>
+        </p:txBody>
+      </p:sp>
+      <p:sp>
+        <p:nvSpPr>
+          <p:cNvPr id="3" name="Content Placeholder 2"/>
+          <p:cNvSpPr>
+            <a:spLocks noGrp="1"/>
+          </p:cNvSpPr>
+          <p:nvPr>
+            <p:ph idx="1"/>
+          </p:nvPr>
+        </p:nvSpPr>
+        <p:spPr/>
+        <p:txBody>
+          <a:bodyPr>
+            <a:normAutofit/>
+          </a:bodyPr>
+          <a:lstStyle/>
+          <a:p>
+            <a:r>
+              <a:rPr lang="en-US" dirty="0" smtClean="0"/>
+              <a:t>Recognition of key assumptions</a:t>
+            </a:r>
+          </a:p>
+          <a:p>
+            <a:pPr lvl="1"/>
+            <a:r>
+              <a:rPr lang="en-US" dirty="0" smtClean="0"/>
+              <a:t>IDs are unique (not guaranteed by the implementation today)</a:t>
+            </a:r>
+          </a:p>
+          <a:p>
+            <a:r>
+              <a:rPr lang="en-US" dirty="0" smtClean="0"/>
+              <a:t>Illumination of design flaws</a:t>
+            </a:r>
+          </a:p>
+          <a:p>
+            <a:pPr lvl="1"/>
+            <a:r>
+              <a:rPr lang="en-US" dirty="0" smtClean="0"/>
+              <a:t>Missing ID checks</a:t>
+            </a:r>
+          </a:p>
+          <a:p>
+            <a:pPr lvl="1"/>
+            <a:r>
+              <a:rPr lang="en-US" dirty="0" smtClean="0"/>
+              <a:t>All services need to use the Route Planner for routes to ensure there is no conflict with an airspace constraint</a:t>
+            </a:r>
+          </a:p>
+          <a:p>
+            <a:r>
+              <a:rPr lang="en-US" dirty="0" smtClean="0"/>
+              <a:t>Restructuring to avoid redundant or problematic logic</a:t>
+            </a:r>
+          </a:p>
+          <a:p>
+            <a:pPr lvl="1"/>
+            <a:r>
+              <a:rPr lang="en-US" dirty="0" smtClean="0"/>
+              <a:t>Split </a:t>
+            </a:r>
+            <a:r>
+              <a:rPr lang="en-US" dirty="0" err="1" smtClean="0"/>
+              <a:t>RouteAggregatorService</a:t>
+            </a:r>
+            <a:r>
+              <a:rPr lang="en-US" dirty="0" smtClean="0"/>
+              <a:t> into two services for two functional roles</a:t>
+            </a:r>
+          </a:p>
+          <a:p>
+            <a:pPr lvl="1"/>
+            <a:r>
+              <a:rPr lang="en-US" dirty="0" smtClean="0"/>
+              <a:t>Removal of some dead code in the Route Planner</a:t>
+            </a:r>
+          </a:p>
+        </p:txBody>
+      </p:sp>
+      <p:sp>
+        <p:nvSpPr>
+          <p:cNvPr id="5" name="Rectangle 4"/>
+          <p:cNvSpPr/>
+          <p:nvPr/>
+        </p:nvSpPr>
+        <p:spPr>
+          <a:xfrm>
+            <a:off x="3659944" y="5409544"/>
+            <a:ext cx="5200278" cy="592333"/>
+          </a:xfrm>
+          <a:prstGeom prst="rect">
+            <a:avLst/>
+          </a:prstGeom>
+        </p:spPr>
+        <p:style>
+          <a:lnRef idx="2">
+            <a:schemeClr val="accent1">
+              <a:shade val="50000"/>
+            </a:schemeClr>
+          </a:lnRef>
+          <a:fillRef idx="1">
+            <a:schemeClr val="accent1"/>
+          </a:fillRef>
+          <a:effectRef idx="0">
+            <a:schemeClr val="accent1"/>
+          </a:effectRef>
+          <a:fontRef idx="minor">
+            <a:schemeClr val="lt1"/>
+          </a:fontRef>
+        </p:style>
+        <p:txBody>
+          <a:bodyPr rtlCol="0" anchor="ctr"/>
+          <a:lstStyle/>
+          <a:p>
+            <a:pPr algn="ctr"/>
+            <a:r>
+              <a:rPr lang="en-US" b="1" i="1" dirty="0" smtClean="0"/>
+              <a:t>We improved </a:t>
+            </a:r>
+            <a:r>
+              <a:rPr lang="en-US" b="1" i="1" dirty="0" err="1" smtClean="0"/>
+              <a:t>UxAS</a:t>
+            </a:r>
+            <a:r>
+              <a:rPr lang="en-US" b="1" i="1" dirty="0" smtClean="0"/>
+              <a:t> through formalization</a:t>
+            </a:r>
+            <a:endParaRPr lang="en-US" b="1" i="1" dirty="0"/>
+          </a:p>
+        </p:txBody>
+      </p:sp>
+      <p:sp>
+        <p:nvSpPr>
+          <p:cNvPr id="7" name="Footer Placeholder 6"/>
+          <p:cNvSpPr>
+            <a:spLocks noGrp="1"/>
+          </p:cNvSpPr>
+          <p:nvPr>
+            <p:ph type="ftr" sz="quarter" idx="11"/>
+          </p:nvPr>
+        </p:nvSpPr>
+        <p:spPr/>
+        <p:txBody>
+          <a:bodyPr/>
+          <a:lstStyle/>
+          <a:p>
+            <a:r>
+              <a:rPr lang="en-US" smtClean="0"/>
+              <a:t>Architecture Group</a:t>
+            </a:r>
+            <a:endParaRPr lang="en-US"/>
+          </a:p>
+        </p:txBody>
+      </p:sp>
+    </p:spTree>
+    <p:extLst>
+      <p:ext uri="{BB962C8B-B14F-4D97-AF65-F5344CB8AC3E}">
+        <p14:creationId xmlns:p14="http://schemas.microsoft.com/office/powerpoint/2010/main" val="3185477435"/>
+      </p:ext>
+    </p:extLst>
+  </p:cSld>
+  <p:clrMapOvr>
+    <a:masterClrMapping/>
+  </p:clrMapOvr>
+  <mc:AlternateContent xmlns:mc="http://schemas.openxmlformats.org/markup-compatibility/2006" xmlns:p14="http://schemas.microsoft.com/office/powerpoint/2010/main">
+    <mc:Choice Requires="p14">
+      <p:transition spd="slow" p14:dur="2000"/>
+    </mc:Choice>
+    <mc:Fallback xmlns="">
+      <p:transition spd="slow"/>
+    </mc:Fallback>
+  </mc:AlternateContent>
+  <p:timing>
+    <p:tnLst>
+      <p:par>
+        <p:cTn id="1" dur="indefinite" restart="never" nodeType="tmRoot"/>
+      </p:par>
+    </p:tnLst>
+  </p:timing>
+</p:sld>
+</file>
+
+<file path=ppt/slides/slide26.xml><?xml version="1.0" encoding="utf-8"?>
+<p:sld xmlns:a="http://schemas.openxmlformats.org/drawingml/2006/main" xmlns:r="http://schemas.openxmlformats.org/officeDocument/2006/relationships" xmlns:p="http://schemas.openxmlformats.org/presentationml/2006/main">
+  <p:cSld>
+    <p:spTree>
+      <p:nvGrpSpPr>
+        <p:cNvPr id="1" name=""/>
+        <p:cNvGrpSpPr/>
+        <p:nvPr/>
+      </p:nvGrpSpPr>
+      <p:grpSpPr>
+        <a:xfrm>
+          <a:off x="0" y="0"/>
+          <a:ext cx="0" cy="0"/>
+          <a:chOff x="0" y="0"/>
+          <a:chExt cx="0" cy="0"/>
+        </a:xfrm>
+      </p:grpSpPr>
+      <p:sp>
+        <p:nvSpPr>
           <p:cNvPr id="4" name="Title 3"/>
           <p:cNvSpPr>
             <a:spLocks noGrp="1"/>
@@ -17265,7 +17376,7 @@
 </p:sld>
 </file>
 
-<file path=ppt/slides/slide26.xml><?xml version="1.0" encoding="utf-8"?>
+<file path=ppt/slides/slide27.xml><?xml version="1.0" encoding="utf-8"?>
 <p:sld xmlns:a="http://schemas.openxmlformats.org/drawingml/2006/main" xmlns:r="http://schemas.openxmlformats.org/officeDocument/2006/relationships" xmlns:p="http://schemas.openxmlformats.org/presentationml/2006/main">
   <p:cSld>
     <p:spTree>
@@ -17669,7 +17780,7 @@
 </p:sld>
 </file>
 
-<file path=ppt/slides/slide27.xml><?xml version="1.0" encoding="utf-8"?>
+<file path=ppt/slides/slide28.xml><?xml version="1.0" encoding="utf-8"?>
 <p:sld xmlns:a="http://schemas.openxmlformats.org/drawingml/2006/main" xmlns:r="http://schemas.openxmlformats.org/officeDocument/2006/relationships" xmlns:p="http://schemas.openxmlformats.org/presentationml/2006/main">
   <p:cSld>
     <p:spTree>
@@ -18064,7 +18175,7 @@
 </p:sld>
 </file>
 
-<file path=ppt/slides/slide28.xml><?xml version="1.0" encoding="utf-8"?>
+<file path=ppt/slides/slide29.xml><?xml version="1.0" encoding="utf-8"?>
 <p:sld xmlns:a="http://schemas.openxmlformats.org/drawingml/2006/main" xmlns:r="http://schemas.openxmlformats.org/officeDocument/2006/relationships" xmlns:p="http://schemas.openxmlformats.org/presentationml/2006/main">
   <p:cSld>
     <p:spTree>
@@ -18358,361 +18469,6 @@
     <p:extLst>
       <p:ext uri="{BB962C8B-B14F-4D97-AF65-F5344CB8AC3E}">
         <p14:creationId xmlns:p14="http://schemas.microsoft.com/office/powerpoint/2010/main" val="286898037"/>
-      </p:ext>
-    </p:extLst>
-  </p:cSld>
-  <p:clrMapOvr>
-    <a:masterClrMapping/>
-  </p:clrMapOvr>
-  <mc:AlternateContent xmlns:mc="http://schemas.openxmlformats.org/markup-compatibility/2006" xmlns:p14="http://schemas.microsoft.com/office/powerpoint/2010/main">
-    <mc:Choice Requires="p14">
-      <p:transition spd="slow" p14:dur="2000"/>
-    </mc:Choice>
-    <mc:Fallback xmlns="">
-      <p:transition spd="slow"/>
-    </mc:Fallback>
-  </mc:AlternateContent>
-  <p:timing>
-    <p:tnLst>
-      <p:par>
-        <p:cTn id="1" dur="indefinite" restart="never" nodeType="tmRoot"/>
-      </p:par>
-    </p:tnLst>
-  </p:timing>
-</p:sld>
-</file>
-
-<file path=ppt/slides/slide29.xml><?xml version="1.0" encoding="utf-8"?>
-<p:sld xmlns:a="http://schemas.openxmlformats.org/drawingml/2006/main" xmlns:r="http://schemas.openxmlformats.org/officeDocument/2006/relationships" xmlns:p="http://schemas.openxmlformats.org/presentationml/2006/main">
-  <p:cSld>
-    <p:spTree>
-      <p:nvGrpSpPr>
-        <p:cNvPr id="1" name=""/>
-        <p:cNvGrpSpPr/>
-        <p:nvPr/>
-      </p:nvGrpSpPr>
-      <p:grpSpPr>
-        <a:xfrm>
-          <a:off x="0" y="0"/>
-          <a:ext cx="0" cy="0"/>
-          <a:chOff x="0" y="0"/>
-          <a:chExt cx="0" cy="0"/>
-        </a:xfrm>
-      </p:grpSpPr>
-      <p:sp>
-        <p:nvSpPr>
-          <p:cNvPr id="2" name="Title 1"/>
-          <p:cNvSpPr>
-            <a:spLocks noGrp="1"/>
-          </p:cNvSpPr>
-          <p:nvPr>
-            <p:ph type="title"/>
-          </p:nvPr>
-        </p:nvSpPr>
-        <p:spPr/>
-        <p:txBody>
-          <a:bodyPr/>
-          <a:lstStyle/>
-          <a:p>
-            <a:r>
-              <a:rPr lang="en-US" dirty="0" smtClean="0"/>
-              <a:t>Stateflow Representation</a:t>
-            </a:r>
-            <a:endParaRPr lang="en-US" dirty="0"/>
-          </a:p>
-        </p:txBody>
-      </p:sp>
-      <p:sp>
-        <p:nvSpPr>
-          <p:cNvPr id="3" name="Content Placeholder 2"/>
-          <p:cNvSpPr>
-            <a:spLocks noGrp="1"/>
-          </p:cNvSpPr>
-          <p:nvPr>
-            <p:ph idx="1"/>
-          </p:nvPr>
-        </p:nvSpPr>
-        <p:spPr/>
-        <p:txBody>
-          <a:bodyPr>
-            <a:normAutofit lnSpcReduction="10000"/>
-          </a:bodyPr>
-          <a:lstStyle/>
-          <a:p>
-            <a:r>
-              <a:rPr lang="en-US" dirty="0"/>
-              <a:t>Created a Stateflow representation of the Task Service Base state machine</a:t>
-            </a:r>
-          </a:p>
-          <a:p>
-            <a:r>
-              <a:rPr lang="en-US" dirty="0" smtClean="0"/>
-              <a:t>Benefits</a:t>
-            </a:r>
-          </a:p>
-          <a:p>
-            <a:pPr lvl="1"/>
-            <a:r>
-              <a:rPr lang="en-US" dirty="0"/>
-              <a:t>Evidence in the assurance argument: “gold standard state machine”</a:t>
-            </a:r>
-          </a:p>
-          <a:p>
-            <a:pPr lvl="1"/>
-            <a:r>
-              <a:rPr lang="en-US" dirty="0" smtClean="0"/>
-              <a:t>Enable simulation</a:t>
-            </a:r>
-          </a:p>
-          <a:p>
-            <a:pPr lvl="1"/>
-            <a:r>
-              <a:rPr lang="en-US" dirty="0" smtClean="0"/>
-              <a:t>Enable analysis from Simulink</a:t>
-            </a:r>
-          </a:p>
-          <a:p>
-            <a:pPr lvl="2"/>
-            <a:r>
-              <a:rPr lang="en-US" dirty="0" err="1" smtClean="0"/>
-              <a:t>QVtrace</a:t>
-            </a:r>
-            <a:endParaRPr lang="en-US" dirty="0" smtClean="0"/>
-          </a:p>
-          <a:p>
-            <a:pPr lvl="2"/>
-            <a:r>
-              <a:rPr lang="en-US" dirty="0" smtClean="0"/>
-              <a:t>Simulink-to-PVS</a:t>
-            </a:r>
-          </a:p>
-          <a:p>
-            <a:pPr lvl="2"/>
-            <a:r>
-              <a:rPr lang="en-US" dirty="0" smtClean="0"/>
-              <a:t>Simulink Design Verifier</a:t>
-            </a:r>
-          </a:p>
-          <a:p>
-            <a:pPr lvl="1"/>
-            <a:r>
-              <a:rPr lang="en-US" dirty="0" smtClean="0"/>
-              <a:t>Visualize counterexamples</a:t>
-            </a:r>
-          </a:p>
-          <a:p>
-            <a:pPr>
-              <a:lnSpc>
-                <a:spcPct val="100000"/>
-              </a:lnSpc>
-              <a:spcBef>
-                <a:spcPts val="200"/>
-              </a:spcBef>
-            </a:pPr>
-            <a:r>
-              <a:rPr lang="en-US" dirty="0" smtClean="0"/>
-              <a:t>Simulink/Stateflow abstractions cross-checked </a:t>
-            </a:r>
-            <a:r>
-              <a:rPr lang="en-US" dirty="0"/>
-              <a:t>with </a:t>
-            </a:r>
-            <a:r>
-              <a:rPr lang="en-US" dirty="0" smtClean="0"/>
-              <a:t>AADL/AGREE </a:t>
-            </a:r>
-            <a:r>
-              <a:rPr lang="en-US" dirty="0"/>
-              <a:t>model</a:t>
-            </a:r>
-          </a:p>
-          <a:p>
-            <a:pPr lvl="1">
-              <a:lnSpc>
-                <a:spcPct val="100000"/>
-              </a:lnSpc>
-              <a:spcBef>
-                <a:spcPts val="200"/>
-              </a:spcBef>
-            </a:pPr>
-            <a:r>
-              <a:rPr lang="en-US" dirty="0" smtClean="0"/>
-              <a:t>Found erroneous </a:t>
-            </a:r>
-            <a:r>
-              <a:rPr lang="en-US" dirty="0"/>
-              <a:t>initial conditions, unused from/</a:t>
-            </a:r>
-            <a:r>
-              <a:rPr lang="en-US" dirty="0" err="1"/>
-              <a:t>goto</a:t>
-            </a:r>
-            <a:r>
-              <a:rPr lang="en-US" dirty="0"/>
-              <a:t> flags, and incorrect settings on if-else </a:t>
-            </a:r>
-            <a:r>
-              <a:rPr lang="en-US" dirty="0" smtClean="0"/>
-              <a:t>cases in Stateflow model</a:t>
-            </a:r>
-            <a:endParaRPr lang="en-US" dirty="0"/>
-          </a:p>
-          <a:p>
-            <a:endParaRPr lang="en-US" dirty="0"/>
-          </a:p>
-        </p:txBody>
-      </p:sp>
-      <p:sp>
-        <p:nvSpPr>
-          <p:cNvPr id="5" name="Footer Placeholder 3"/>
-          <p:cNvSpPr txBox="1">
-            <a:spLocks/>
-          </p:cNvSpPr>
-          <p:nvPr/>
-        </p:nvSpPr>
-        <p:spPr>
-          <a:xfrm>
-            <a:off x="102476" y="6437441"/>
-            <a:ext cx="4532586" cy="306936"/>
-          </a:xfrm>
-          <a:prstGeom prst="rect">
-            <a:avLst/>
-          </a:prstGeom>
-        </p:spPr>
-        <p:txBody>
-          <a:bodyPr vert="horz" lIns="91440" tIns="45720" rIns="91440" bIns="45720" rtlCol="0" anchor="ctr"/>
-          <a:lstStyle>
-            <a:defPPr>
-              <a:defRPr lang="en-US"/>
-            </a:defPPr>
-            <a:lvl1pPr marL="0" algn="ctr" defTabSz="914400" rtl="0" eaLnBrk="1" latinLnBrk="0" hangingPunct="1">
-              <a:defRPr sz="1400" kern="1200">
-                <a:solidFill>
-                  <a:srgbClr val="000000"/>
-                </a:solidFill>
-                <a:latin typeface="+mn-lt"/>
-                <a:ea typeface="+mn-ea"/>
-                <a:cs typeface="+mn-cs"/>
-              </a:defRPr>
-            </a:lvl1pPr>
-            <a:lvl2pPr marL="457200" algn="l" defTabSz="914400" rtl="0" eaLnBrk="1" latinLnBrk="0" hangingPunct="1">
-              <a:defRPr sz="1800" kern="1200">
-                <a:solidFill>
-                  <a:schemeClr val="tx1"/>
-                </a:solidFill>
-                <a:latin typeface="+mn-lt"/>
-                <a:ea typeface="+mn-ea"/>
-                <a:cs typeface="+mn-cs"/>
-              </a:defRPr>
-            </a:lvl2pPr>
-            <a:lvl3pPr marL="914400" algn="l" defTabSz="914400" rtl="0" eaLnBrk="1" latinLnBrk="0" hangingPunct="1">
-              <a:defRPr sz="1800" kern="1200">
-                <a:solidFill>
-                  <a:schemeClr val="tx1"/>
-                </a:solidFill>
-                <a:latin typeface="+mn-lt"/>
-                <a:ea typeface="+mn-ea"/>
-                <a:cs typeface="+mn-cs"/>
-              </a:defRPr>
-            </a:lvl3pPr>
-            <a:lvl4pPr marL="1371600" algn="l" defTabSz="914400" rtl="0" eaLnBrk="1" latinLnBrk="0" hangingPunct="1">
-              <a:defRPr sz="1800" kern="1200">
-                <a:solidFill>
-                  <a:schemeClr val="tx1"/>
-                </a:solidFill>
-                <a:latin typeface="+mn-lt"/>
-                <a:ea typeface="+mn-ea"/>
-                <a:cs typeface="+mn-cs"/>
-              </a:defRPr>
-            </a:lvl4pPr>
-            <a:lvl5pPr marL="1828800" algn="l" defTabSz="914400" rtl="0" eaLnBrk="1" latinLnBrk="0" hangingPunct="1">
-              <a:defRPr sz="1800" kern="1200">
-                <a:solidFill>
-                  <a:schemeClr val="tx1"/>
-                </a:solidFill>
-                <a:latin typeface="+mn-lt"/>
-                <a:ea typeface="+mn-ea"/>
-                <a:cs typeface="+mn-cs"/>
-              </a:defRPr>
-            </a:lvl5pPr>
-            <a:lvl6pPr marL="2286000" algn="l" defTabSz="914400" rtl="0" eaLnBrk="1" latinLnBrk="0" hangingPunct="1">
-              <a:defRPr sz="1800" kern="1200">
-                <a:solidFill>
-                  <a:schemeClr val="tx1"/>
-                </a:solidFill>
-                <a:latin typeface="+mn-lt"/>
-                <a:ea typeface="+mn-ea"/>
-                <a:cs typeface="+mn-cs"/>
-              </a:defRPr>
-            </a:lvl6pPr>
-            <a:lvl7pPr marL="2743200" algn="l" defTabSz="914400" rtl="0" eaLnBrk="1" latinLnBrk="0" hangingPunct="1">
-              <a:defRPr sz="1800" kern="1200">
-                <a:solidFill>
-                  <a:schemeClr val="tx1"/>
-                </a:solidFill>
-                <a:latin typeface="+mn-lt"/>
-                <a:ea typeface="+mn-ea"/>
-                <a:cs typeface="+mn-cs"/>
-              </a:defRPr>
-            </a:lvl7pPr>
-            <a:lvl8pPr marL="3200400" algn="l" defTabSz="914400" rtl="0" eaLnBrk="1" latinLnBrk="0" hangingPunct="1">
-              <a:defRPr sz="1800" kern="1200">
-                <a:solidFill>
-                  <a:schemeClr val="tx1"/>
-                </a:solidFill>
-                <a:latin typeface="+mn-lt"/>
-                <a:ea typeface="+mn-ea"/>
-                <a:cs typeface="+mn-cs"/>
-              </a:defRPr>
-            </a:lvl8pPr>
-            <a:lvl9pPr marL="3657600" algn="l" defTabSz="914400" rtl="0" eaLnBrk="1" latinLnBrk="0" hangingPunct="1">
-              <a:defRPr sz="1800" kern="1200">
-                <a:solidFill>
-                  <a:schemeClr val="tx1"/>
-                </a:solidFill>
-                <a:latin typeface="+mn-lt"/>
-                <a:ea typeface="+mn-ea"/>
-                <a:cs typeface="+mn-cs"/>
-              </a:defRPr>
-            </a:lvl9pPr>
-          </a:lstStyle>
-          <a:p>
-            <a:pPr algn="l"/>
-            <a:r>
-              <a:rPr lang="en-US" dirty="0" smtClean="0"/>
-              <a:t>Lockheed Martin, Dependable Computing, Rockwell Collins</a:t>
-            </a:r>
-            <a:endParaRPr lang="en-US" dirty="0"/>
-          </a:p>
-        </p:txBody>
-      </p:sp>
-      <p:sp>
-        <p:nvSpPr>
-          <p:cNvPr id="7" name="Footer Placeholder 6"/>
-          <p:cNvSpPr>
-            <a:spLocks noGrp="1"/>
-          </p:cNvSpPr>
-          <p:nvPr>
-            <p:ph type="ftr" sz="quarter" idx="11"/>
-          </p:nvPr>
-        </p:nvSpPr>
-        <p:spPr/>
-        <p:txBody>
-          <a:bodyPr/>
-          <a:lstStyle/>
-          <a:p>
-            <a:r>
-              <a:rPr lang="en-US" dirty="0" smtClean="0"/>
-              <a:t>Architecture Group</a:t>
-            </a:r>
-            <a:endParaRPr lang="en-US" dirty="0"/>
-          </a:p>
-        </p:txBody>
-      </p:sp>
-    </p:spTree>
-    <p:extLst>
-      <p:ext uri="{BB962C8B-B14F-4D97-AF65-F5344CB8AC3E}">
-        <p14:creationId xmlns:p14="http://schemas.microsoft.com/office/powerpoint/2010/main" val="1619698478"/>
       </p:ext>
     </p:extLst>
   </p:cSld>
@@ -19434,6 +19190,361 @@
           <a:chExt cx="0" cy="0"/>
         </a:xfrm>
       </p:grpSpPr>
+      <p:sp>
+        <p:nvSpPr>
+          <p:cNvPr id="2" name="Title 1"/>
+          <p:cNvSpPr>
+            <a:spLocks noGrp="1"/>
+          </p:cNvSpPr>
+          <p:nvPr>
+            <p:ph type="title"/>
+          </p:nvPr>
+        </p:nvSpPr>
+        <p:spPr/>
+        <p:txBody>
+          <a:bodyPr/>
+          <a:lstStyle/>
+          <a:p>
+            <a:r>
+              <a:rPr lang="en-US" dirty="0" smtClean="0"/>
+              <a:t>Stateflow Representation</a:t>
+            </a:r>
+            <a:endParaRPr lang="en-US" dirty="0"/>
+          </a:p>
+        </p:txBody>
+      </p:sp>
+      <p:sp>
+        <p:nvSpPr>
+          <p:cNvPr id="3" name="Content Placeholder 2"/>
+          <p:cNvSpPr>
+            <a:spLocks noGrp="1"/>
+          </p:cNvSpPr>
+          <p:nvPr>
+            <p:ph idx="1"/>
+          </p:nvPr>
+        </p:nvSpPr>
+        <p:spPr/>
+        <p:txBody>
+          <a:bodyPr>
+            <a:normAutofit lnSpcReduction="10000"/>
+          </a:bodyPr>
+          <a:lstStyle/>
+          <a:p>
+            <a:r>
+              <a:rPr lang="en-US" dirty="0"/>
+              <a:t>Created a Stateflow representation of the Task Service Base state machine</a:t>
+            </a:r>
+          </a:p>
+          <a:p>
+            <a:r>
+              <a:rPr lang="en-US" dirty="0" smtClean="0"/>
+              <a:t>Benefits</a:t>
+            </a:r>
+          </a:p>
+          <a:p>
+            <a:pPr lvl="1"/>
+            <a:r>
+              <a:rPr lang="en-US" dirty="0"/>
+              <a:t>Evidence in the assurance argument: “gold standard state machine”</a:t>
+            </a:r>
+          </a:p>
+          <a:p>
+            <a:pPr lvl="1"/>
+            <a:r>
+              <a:rPr lang="en-US" dirty="0" smtClean="0"/>
+              <a:t>Enable simulation</a:t>
+            </a:r>
+          </a:p>
+          <a:p>
+            <a:pPr lvl="1"/>
+            <a:r>
+              <a:rPr lang="en-US" dirty="0" smtClean="0"/>
+              <a:t>Enable analysis from Simulink</a:t>
+            </a:r>
+          </a:p>
+          <a:p>
+            <a:pPr lvl="2"/>
+            <a:r>
+              <a:rPr lang="en-US" dirty="0" err="1" smtClean="0"/>
+              <a:t>QVtrace</a:t>
+            </a:r>
+            <a:endParaRPr lang="en-US" dirty="0" smtClean="0"/>
+          </a:p>
+          <a:p>
+            <a:pPr lvl="2"/>
+            <a:r>
+              <a:rPr lang="en-US" dirty="0" smtClean="0"/>
+              <a:t>Simulink-to-PVS</a:t>
+            </a:r>
+          </a:p>
+          <a:p>
+            <a:pPr lvl="2"/>
+            <a:r>
+              <a:rPr lang="en-US" dirty="0" smtClean="0"/>
+              <a:t>Simulink Design Verifier</a:t>
+            </a:r>
+          </a:p>
+          <a:p>
+            <a:pPr lvl="1"/>
+            <a:r>
+              <a:rPr lang="en-US" dirty="0" smtClean="0"/>
+              <a:t>Visualize counterexamples</a:t>
+            </a:r>
+          </a:p>
+          <a:p>
+            <a:pPr>
+              <a:lnSpc>
+                <a:spcPct val="100000"/>
+              </a:lnSpc>
+              <a:spcBef>
+                <a:spcPts val="200"/>
+              </a:spcBef>
+            </a:pPr>
+            <a:r>
+              <a:rPr lang="en-US" dirty="0" smtClean="0"/>
+              <a:t>Simulink/Stateflow abstractions cross-checked </a:t>
+            </a:r>
+            <a:r>
+              <a:rPr lang="en-US" dirty="0"/>
+              <a:t>with </a:t>
+            </a:r>
+            <a:r>
+              <a:rPr lang="en-US" dirty="0" smtClean="0"/>
+              <a:t>AADL/AGREE </a:t>
+            </a:r>
+            <a:r>
+              <a:rPr lang="en-US" dirty="0"/>
+              <a:t>model</a:t>
+            </a:r>
+          </a:p>
+          <a:p>
+            <a:pPr lvl="1">
+              <a:lnSpc>
+                <a:spcPct val="100000"/>
+              </a:lnSpc>
+              <a:spcBef>
+                <a:spcPts val="200"/>
+              </a:spcBef>
+            </a:pPr>
+            <a:r>
+              <a:rPr lang="en-US" dirty="0" smtClean="0"/>
+              <a:t>Found erroneous </a:t>
+            </a:r>
+            <a:r>
+              <a:rPr lang="en-US" dirty="0"/>
+              <a:t>initial conditions, unused from/</a:t>
+            </a:r>
+            <a:r>
+              <a:rPr lang="en-US" dirty="0" err="1"/>
+              <a:t>goto</a:t>
+            </a:r>
+            <a:r>
+              <a:rPr lang="en-US" dirty="0"/>
+              <a:t> flags, and incorrect settings on if-else </a:t>
+            </a:r>
+            <a:r>
+              <a:rPr lang="en-US" dirty="0" smtClean="0"/>
+              <a:t>cases in Stateflow model</a:t>
+            </a:r>
+            <a:endParaRPr lang="en-US" dirty="0"/>
+          </a:p>
+          <a:p>
+            <a:endParaRPr lang="en-US" dirty="0"/>
+          </a:p>
+        </p:txBody>
+      </p:sp>
+      <p:sp>
+        <p:nvSpPr>
+          <p:cNvPr id="5" name="Footer Placeholder 3"/>
+          <p:cNvSpPr txBox="1">
+            <a:spLocks/>
+          </p:cNvSpPr>
+          <p:nvPr/>
+        </p:nvSpPr>
+        <p:spPr>
+          <a:xfrm>
+            <a:off x="102476" y="6437441"/>
+            <a:ext cx="4532586" cy="306936"/>
+          </a:xfrm>
+          <a:prstGeom prst="rect">
+            <a:avLst/>
+          </a:prstGeom>
+        </p:spPr>
+        <p:txBody>
+          <a:bodyPr vert="horz" lIns="91440" tIns="45720" rIns="91440" bIns="45720" rtlCol="0" anchor="ctr"/>
+          <a:lstStyle>
+            <a:defPPr>
+              <a:defRPr lang="en-US"/>
+            </a:defPPr>
+            <a:lvl1pPr marL="0" algn="ctr" defTabSz="914400" rtl="0" eaLnBrk="1" latinLnBrk="0" hangingPunct="1">
+              <a:defRPr sz="1400" kern="1200">
+                <a:solidFill>
+                  <a:srgbClr val="000000"/>
+                </a:solidFill>
+                <a:latin typeface="+mn-lt"/>
+                <a:ea typeface="+mn-ea"/>
+                <a:cs typeface="+mn-cs"/>
+              </a:defRPr>
+            </a:lvl1pPr>
+            <a:lvl2pPr marL="457200" algn="l" defTabSz="914400" rtl="0" eaLnBrk="1" latinLnBrk="0" hangingPunct="1">
+              <a:defRPr sz="1800" kern="1200">
+                <a:solidFill>
+                  <a:schemeClr val="tx1"/>
+                </a:solidFill>
+                <a:latin typeface="+mn-lt"/>
+                <a:ea typeface="+mn-ea"/>
+                <a:cs typeface="+mn-cs"/>
+              </a:defRPr>
+            </a:lvl2pPr>
+            <a:lvl3pPr marL="914400" algn="l" defTabSz="914400" rtl="0" eaLnBrk="1" latinLnBrk="0" hangingPunct="1">
+              <a:defRPr sz="1800" kern="1200">
+                <a:solidFill>
+                  <a:schemeClr val="tx1"/>
+                </a:solidFill>
+                <a:latin typeface="+mn-lt"/>
+                <a:ea typeface="+mn-ea"/>
+                <a:cs typeface="+mn-cs"/>
+              </a:defRPr>
+            </a:lvl3pPr>
+            <a:lvl4pPr marL="1371600" algn="l" defTabSz="914400" rtl="0" eaLnBrk="1" latinLnBrk="0" hangingPunct="1">
+              <a:defRPr sz="1800" kern="1200">
+                <a:solidFill>
+                  <a:schemeClr val="tx1"/>
+                </a:solidFill>
+                <a:latin typeface="+mn-lt"/>
+                <a:ea typeface="+mn-ea"/>
+                <a:cs typeface="+mn-cs"/>
+              </a:defRPr>
+            </a:lvl4pPr>
+            <a:lvl5pPr marL="1828800" algn="l" defTabSz="914400" rtl="0" eaLnBrk="1" latinLnBrk="0" hangingPunct="1">
+              <a:defRPr sz="1800" kern="1200">
+                <a:solidFill>
+                  <a:schemeClr val="tx1"/>
+                </a:solidFill>
+                <a:latin typeface="+mn-lt"/>
+                <a:ea typeface="+mn-ea"/>
+                <a:cs typeface="+mn-cs"/>
+              </a:defRPr>
+            </a:lvl5pPr>
+            <a:lvl6pPr marL="2286000" algn="l" defTabSz="914400" rtl="0" eaLnBrk="1" latinLnBrk="0" hangingPunct="1">
+              <a:defRPr sz="1800" kern="1200">
+                <a:solidFill>
+                  <a:schemeClr val="tx1"/>
+                </a:solidFill>
+                <a:latin typeface="+mn-lt"/>
+                <a:ea typeface="+mn-ea"/>
+                <a:cs typeface="+mn-cs"/>
+              </a:defRPr>
+            </a:lvl6pPr>
+            <a:lvl7pPr marL="2743200" algn="l" defTabSz="914400" rtl="0" eaLnBrk="1" latinLnBrk="0" hangingPunct="1">
+              <a:defRPr sz="1800" kern="1200">
+                <a:solidFill>
+                  <a:schemeClr val="tx1"/>
+                </a:solidFill>
+                <a:latin typeface="+mn-lt"/>
+                <a:ea typeface="+mn-ea"/>
+                <a:cs typeface="+mn-cs"/>
+              </a:defRPr>
+            </a:lvl7pPr>
+            <a:lvl8pPr marL="3200400" algn="l" defTabSz="914400" rtl="0" eaLnBrk="1" latinLnBrk="0" hangingPunct="1">
+              <a:defRPr sz="1800" kern="1200">
+                <a:solidFill>
+                  <a:schemeClr val="tx1"/>
+                </a:solidFill>
+                <a:latin typeface="+mn-lt"/>
+                <a:ea typeface="+mn-ea"/>
+                <a:cs typeface="+mn-cs"/>
+              </a:defRPr>
+            </a:lvl8pPr>
+            <a:lvl9pPr marL="3657600" algn="l" defTabSz="914400" rtl="0" eaLnBrk="1" latinLnBrk="0" hangingPunct="1">
+              <a:defRPr sz="1800" kern="1200">
+                <a:solidFill>
+                  <a:schemeClr val="tx1"/>
+                </a:solidFill>
+                <a:latin typeface="+mn-lt"/>
+                <a:ea typeface="+mn-ea"/>
+                <a:cs typeface="+mn-cs"/>
+              </a:defRPr>
+            </a:lvl9pPr>
+          </a:lstStyle>
+          <a:p>
+            <a:pPr algn="l"/>
+            <a:r>
+              <a:rPr lang="en-US" dirty="0" smtClean="0"/>
+              <a:t>Lockheed Martin, Dependable Computing, Rockwell Collins</a:t>
+            </a:r>
+            <a:endParaRPr lang="en-US" dirty="0"/>
+          </a:p>
+        </p:txBody>
+      </p:sp>
+      <p:sp>
+        <p:nvSpPr>
+          <p:cNvPr id="7" name="Footer Placeholder 6"/>
+          <p:cNvSpPr>
+            <a:spLocks noGrp="1"/>
+          </p:cNvSpPr>
+          <p:nvPr>
+            <p:ph type="ftr" sz="quarter" idx="11"/>
+          </p:nvPr>
+        </p:nvSpPr>
+        <p:spPr/>
+        <p:txBody>
+          <a:bodyPr/>
+          <a:lstStyle/>
+          <a:p>
+            <a:r>
+              <a:rPr lang="en-US" dirty="0" smtClean="0"/>
+              <a:t>Architecture Group</a:t>
+            </a:r>
+            <a:endParaRPr lang="en-US" dirty="0"/>
+          </a:p>
+        </p:txBody>
+      </p:sp>
+    </p:spTree>
+    <p:extLst>
+      <p:ext uri="{BB962C8B-B14F-4D97-AF65-F5344CB8AC3E}">
+        <p14:creationId xmlns:p14="http://schemas.microsoft.com/office/powerpoint/2010/main" val="1619698478"/>
+      </p:ext>
+    </p:extLst>
+  </p:cSld>
+  <p:clrMapOvr>
+    <a:masterClrMapping/>
+  </p:clrMapOvr>
+  <mc:AlternateContent xmlns:mc="http://schemas.openxmlformats.org/markup-compatibility/2006" xmlns:p14="http://schemas.microsoft.com/office/powerpoint/2010/main">
+    <mc:Choice Requires="p14">
+      <p:transition spd="slow" p14:dur="2000"/>
+    </mc:Choice>
+    <mc:Fallback xmlns="">
+      <p:transition spd="slow"/>
+    </mc:Fallback>
+  </mc:AlternateContent>
+  <p:timing>
+    <p:tnLst>
+      <p:par>
+        <p:cTn id="1" dur="indefinite" restart="never" nodeType="tmRoot"/>
+      </p:par>
+    </p:tnLst>
+  </p:timing>
+</p:sld>
+</file>
+
+<file path=ppt/slides/slide31.xml><?xml version="1.0" encoding="utf-8"?>
+<p:sld xmlns:a="http://schemas.openxmlformats.org/drawingml/2006/main" xmlns:r="http://schemas.openxmlformats.org/officeDocument/2006/relationships" xmlns:p="http://schemas.openxmlformats.org/presentationml/2006/main">
+  <p:cSld>
+    <p:spTree>
+      <p:nvGrpSpPr>
+        <p:cNvPr id="1" name=""/>
+        <p:cNvGrpSpPr/>
+        <p:nvPr/>
+      </p:nvGrpSpPr>
+      <p:grpSpPr>
+        <a:xfrm>
+          <a:off x="0" y="0"/>
+          <a:ext cx="0" cy="0"/>
+          <a:chOff x="0" y="0"/>
+          <a:chExt cx="0" cy="0"/>
+        </a:xfrm>
+      </p:grpSpPr>
       <p:pic>
         <p:nvPicPr>
           <p:cNvPr id="5" name="Picture 4"/>
@@ -19485,7 +19596,7 @@
 </p:sld>
 </file>
 
-<file path=ppt/slides/slide31.xml><?xml version="1.0" encoding="utf-8"?>
+<file path=ppt/slides/slide32.xml><?xml version="1.0" encoding="utf-8"?>
 <p:sld xmlns:a="http://schemas.openxmlformats.org/drawingml/2006/main" xmlns:r="http://schemas.openxmlformats.org/officeDocument/2006/relationships" xmlns:p="http://schemas.openxmlformats.org/presentationml/2006/main">
   <p:cSld>
     <p:spTree>
@@ -20273,238 +20384,6 @@
 </p:sld>
 </file>
 
-<file path=ppt/slides/slide32.xml><?xml version="1.0" encoding="utf-8"?>
-<p:sld xmlns:a="http://schemas.openxmlformats.org/drawingml/2006/main" xmlns:r="http://schemas.openxmlformats.org/officeDocument/2006/relationships" xmlns:p="http://schemas.openxmlformats.org/presentationml/2006/main">
-  <p:cSld>
-    <p:spTree>
-      <p:nvGrpSpPr>
-        <p:cNvPr id="1" name=""/>
-        <p:cNvGrpSpPr/>
-        <p:nvPr/>
-      </p:nvGrpSpPr>
-      <p:grpSpPr>
-        <a:xfrm>
-          <a:off x="0" y="0"/>
-          <a:ext cx="0" cy="0"/>
-          <a:chOff x="0" y="0"/>
-          <a:chExt cx="0" cy="0"/>
-        </a:xfrm>
-      </p:grpSpPr>
-      <p:sp>
-        <p:nvSpPr>
-          <p:cNvPr id="2" name="Title 1"/>
-          <p:cNvSpPr>
-            <a:spLocks noGrp="1"/>
-          </p:cNvSpPr>
-          <p:nvPr>
-            <p:ph type="title"/>
-          </p:nvPr>
-        </p:nvSpPr>
-        <p:spPr/>
-        <p:txBody>
-          <a:bodyPr/>
-          <a:lstStyle/>
-          <a:p>
-            <a:r>
-              <a:rPr lang="en-US" dirty="0" smtClean="0"/>
-              <a:t>Lessons Learned</a:t>
-            </a:r>
-            <a:endParaRPr lang="en-US" dirty="0"/>
-          </a:p>
-        </p:txBody>
-      </p:sp>
-      <p:sp>
-        <p:nvSpPr>
-          <p:cNvPr id="3" name="Content Placeholder 2"/>
-          <p:cNvSpPr>
-            <a:spLocks noGrp="1"/>
-          </p:cNvSpPr>
-          <p:nvPr>
-            <p:ph idx="1"/>
-          </p:nvPr>
-        </p:nvSpPr>
-        <p:spPr/>
-        <p:txBody>
-          <a:bodyPr>
-            <a:normAutofit lnSpcReduction="10000"/>
-          </a:bodyPr>
-          <a:lstStyle/>
-          <a:p>
-            <a:pPr>
-              <a:lnSpc>
-                <a:spcPct val="100000"/>
-              </a:lnSpc>
-              <a:spcBef>
-                <a:spcPts val="200"/>
-              </a:spcBef>
-            </a:pPr>
-            <a:r>
-              <a:rPr lang="en-US" dirty="0" smtClean="0"/>
-              <a:t>Many problems are identified through the process of formalization, before analysis</a:t>
-            </a:r>
-          </a:p>
-          <a:p>
-            <a:pPr>
-              <a:lnSpc>
-                <a:spcPct val="100000"/>
-              </a:lnSpc>
-              <a:spcBef>
-                <a:spcPts val="200"/>
-              </a:spcBef>
-            </a:pPr>
-            <a:r>
-              <a:rPr lang="en-US" dirty="0" smtClean="0"/>
-              <a:t>Data types, ports, and connections (or an ontology) can be automatically extracted from code (with some moderate up front work)</a:t>
-            </a:r>
-          </a:p>
-          <a:p>
-            <a:pPr>
-              <a:lnSpc>
-                <a:spcPct val="100000"/>
-              </a:lnSpc>
-              <a:spcBef>
-                <a:spcPts val="200"/>
-              </a:spcBef>
-            </a:pPr>
-            <a:r>
-              <a:rPr lang="en-US" dirty="0" smtClean="0"/>
-              <a:t>Reusable (template) properties help find common mistakes</a:t>
-            </a:r>
-          </a:p>
-          <a:p>
-            <a:pPr>
-              <a:lnSpc>
-                <a:spcPct val="100000"/>
-              </a:lnSpc>
-              <a:spcBef>
-                <a:spcPts val="200"/>
-              </a:spcBef>
-            </a:pPr>
-            <a:r>
-              <a:rPr lang="en-US" dirty="0" smtClean="0"/>
-              <a:t>Not every error can be detected with a template property--a review of the specification itself is still worthwhile</a:t>
-            </a:r>
-          </a:p>
-          <a:p>
-            <a:pPr>
-              <a:lnSpc>
-                <a:spcPct val="100000"/>
-              </a:lnSpc>
-              <a:spcBef>
-                <a:spcPts val="200"/>
-              </a:spcBef>
-            </a:pPr>
-            <a:r>
-              <a:rPr lang="en-US" dirty="0" smtClean="0"/>
-              <a:t>Assurance arguments are useful to capture the “rest of the story”</a:t>
-            </a:r>
-          </a:p>
-          <a:p>
-            <a:pPr>
-              <a:lnSpc>
-                <a:spcPct val="100000"/>
-              </a:lnSpc>
-              <a:spcBef>
-                <a:spcPts val="200"/>
-              </a:spcBef>
-            </a:pPr>
-            <a:r>
-              <a:rPr lang="en-US" dirty="0" smtClean="0"/>
-              <a:t>SpeAR, ASSERT, AADL/AGREE, and </a:t>
-            </a:r>
-            <a:r>
-              <a:rPr lang="en-US" dirty="0" err="1" smtClean="0"/>
-              <a:t>QVtrace</a:t>
-            </a:r>
-            <a:r>
-              <a:rPr lang="en-US" dirty="0" smtClean="0"/>
-              <a:t> are all very capable analysis tools. There are synergies between them.</a:t>
-            </a:r>
-          </a:p>
-          <a:p>
-            <a:pPr>
-              <a:lnSpc>
-                <a:spcPct val="100000"/>
-              </a:lnSpc>
-              <a:spcBef>
-                <a:spcPts val="200"/>
-              </a:spcBef>
-            </a:pPr>
-            <a:r>
-              <a:rPr lang="en-US" dirty="0" smtClean="0"/>
-              <a:t>Challenges: arrays, </a:t>
-            </a:r>
-            <a:r>
-              <a:rPr lang="en-US" dirty="0" smtClean="0"/>
-              <a:t>inheritance, polymorphism</a:t>
-            </a:r>
-            <a:endParaRPr lang="en-US" dirty="0" smtClean="0"/>
-          </a:p>
-          <a:p>
-            <a:pPr marL="0" indent="0">
-              <a:lnSpc>
-                <a:spcPct val="100000"/>
-              </a:lnSpc>
-              <a:spcBef>
-                <a:spcPts val="200"/>
-              </a:spcBef>
-              <a:buNone/>
-            </a:pPr>
-            <a:endParaRPr lang="en-US" dirty="0" smtClean="0"/>
-          </a:p>
-        </p:txBody>
-      </p:sp>
-      <p:sp>
-        <p:nvSpPr>
-          <p:cNvPr id="6" name="Footer Placeholder 5"/>
-          <p:cNvSpPr>
-            <a:spLocks noGrp="1"/>
-          </p:cNvSpPr>
-          <p:nvPr>
-            <p:ph type="ftr" sz="quarter" idx="11"/>
-          </p:nvPr>
-        </p:nvSpPr>
-        <p:spPr/>
-        <p:txBody>
-          <a:bodyPr/>
-          <a:lstStyle/>
-          <a:p>
-            <a:r>
-              <a:rPr lang="en-US" dirty="0" smtClean="0"/>
-              <a:t>Architecture Group</a:t>
-            </a:r>
-            <a:endParaRPr lang="en-US" dirty="0"/>
-          </a:p>
-        </p:txBody>
-      </p:sp>
-    </p:spTree>
-    <p:extLst>
-      <p:ext uri="{BB962C8B-B14F-4D97-AF65-F5344CB8AC3E}">
-        <p14:creationId xmlns:p14="http://schemas.microsoft.com/office/powerpoint/2010/main" val="3123488723"/>
-      </p:ext>
-    </p:extLst>
-  </p:cSld>
-  <p:clrMapOvr>
-    <a:masterClrMapping/>
-  </p:clrMapOvr>
-  <mc:AlternateContent xmlns:mc="http://schemas.openxmlformats.org/markup-compatibility/2006" xmlns:p14="http://schemas.microsoft.com/office/powerpoint/2010/main">
-    <mc:Choice Requires="p14">
-      <p:transition spd="slow" p14:dur="2000"/>
-    </mc:Choice>
-    <mc:Fallback xmlns="">
-      <p:transition spd="slow"/>
-    </mc:Fallback>
-  </mc:AlternateContent>
-  <p:timing>
-    <p:tnLst>
-      <p:par>
-        <p:cTn id="1" dur="indefinite" restart="never" nodeType="tmRoot"/>
-      </p:par>
-    </p:tnLst>
-  </p:timing>
-</p:sld>
-</file>
-
 <file path=ppt/slides/slide33.xml><?xml version="1.0" encoding="utf-8"?>
 <p:sld xmlns:a="http://schemas.openxmlformats.org/drawingml/2006/main" xmlns:r="http://schemas.openxmlformats.org/officeDocument/2006/relationships" xmlns:p="http://schemas.openxmlformats.org/presentationml/2006/main">
   <p:cSld>
@@ -20539,7 +20418,7 @@
           <a:p>
             <a:r>
               <a:rPr lang="en-US" dirty="0" smtClean="0"/>
-              <a:t>Recommended Future Directions</a:t>
+              <a:t>Lessons Learned</a:t>
             </a:r>
             <a:endParaRPr lang="en-US" dirty="0"/>
           </a:p>
@@ -20557,7 +20436,9 @@
         </p:nvSpPr>
         <p:spPr/>
         <p:txBody>
-          <a:bodyPr/>
+          <a:bodyPr>
+            <a:normAutofit lnSpcReduction="10000"/>
+          </a:bodyPr>
           <a:lstStyle/>
           <a:p>
             <a:pPr>
@@ -20570,7 +20451,7 @@
             </a:pPr>
             <a:r>
               <a:rPr lang="en-US" dirty="0" smtClean="0"/>
-              <a:t>Write contracts for the remaining thirty-one components</a:t>
+              <a:t>Many problems are identified through the process of formalization, before analysis</a:t>
             </a:r>
           </a:p>
           <a:p>
@@ -20582,7 +20463,10 @@
                 <a:spcPts val="200"/>
               </a:spcBef>
             </a:pPr>
-            <a:endParaRPr lang="en-US" dirty="0" smtClean="0"/>
+            <a:r>
+              <a:rPr lang="en-US" dirty="0" smtClean="0"/>
+              <a:t>Data types, ports, and connections (or an ontology) can be automatically extracted from code (with some moderate up front work)</a:t>
+            </a:r>
           </a:p>
           <a:p>
             <a:pPr>
@@ -20595,7 +20479,7 @@
             </a:pPr>
             <a:r>
               <a:rPr lang="en-US" dirty="0" smtClean="0"/>
-              <a:t>State/compose and analyze system-level properties (in progress)</a:t>
+              <a:t>Reusable (template) properties help find common mistakes</a:t>
             </a:r>
           </a:p>
           <a:p>
@@ -20607,7 +20491,10 @@
                 <a:spcPts val="200"/>
               </a:spcBef>
             </a:pPr>
-            <a:endParaRPr lang="en-US" dirty="0" smtClean="0"/>
+            <a:r>
+              <a:rPr lang="en-US" dirty="0" smtClean="0"/>
+              <a:t>Not every error can be detected with a template property--a review of the specification itself is still worthwhile</a:t>
+            </a:r>
           </a:p>
           <a:p>
             <a:pPr>
@@ -20620,7 +20507,7 @@
             </a:pPr>
             <a:r>
               <a:rPr lang="en-US" dirty="0" smtClean="0"/>
-              <a:t>Generate code from AADL</a:t>
+              <a:t>Assurance arguments are useful to capture the “rest of the story”</a:t>
             </a:r>
           </a:p>
           <a:p>
@@ -20632,7 +20519,18 @@
                 <a:spcPts val="200"/>
               </a:spcBef>
             </a:pPr>
-            <a:endParaRPr lang="en-US" dirty="0" smtClean="0"/>
+            <a:r>
+              <a:rPr lang="en-US" dirty="0" smtClean="0"/>
+              <a:t>SpeAR, ASSERT, AADL/AGREE, and </a:t>
+            </a:r>
+            <a:r>
+              <a:rPr lang="en-US" dirty="0" err="1" smtClean="0"/>
+              <a:t>QVtrace</a:t>
+            </a:r>
+            <a:r>
+              <a:rPr lang="en-US" dirty="0" smtClean="0"/>
+              <a:t> are all very capable analysis tools. There are synergies between them.</a:t>
+            </a:r>
           </a:p>
           <a:p>
             <a:pPr>
@@ -20645,77 +20543,20 @@
             </a:pPr>
             <a:r>
               <a:rPr lang="en-US" dirty="0" smtClean="0"/>
-              <a:t>Generate test cases from AGREE and run on </a:t>
-            </a:r>
-            <a:r>
-              <a:rPr lang="en-US" dirty="0" err="1" smtClean="0"/>
-              <a:t>UxAS</a:t>
-            </a:r>
-            <a:r>
-              <a:rPr lang="en-US" dirty="0" smtClean="0"/>
-              <a:t> implementation</a:t>
-            </a:r>
-          </a:p>
-          <a:p>
-            <a:pPr>
+              <a:t>Challenges: arrays, inheritance, polymorphism</a:t>
+            </a:r>
+          </a:p>
+          <a:p>
+            <a:pPr marL="0" indent="0">
               <a:lnSpc>
                 <a:spcPct val="100000"/>
               </a:lnSpc>
               <a:spcBef>
                 <a:spcPts val="200"/>
               </a:spcBef>
+              <a:buNone/>
             </a:pPr>
             <a:endParaRPr lang="en-US" dirty="0" smtClean="0"/>
-          </a:p>
-          <a:p>
-            <a:pPr>
-              <a:lnSpc>
-                <a:spcPct val="100000"/>
-              </a:lnSpc>
-              <a:spcBef>
-                <a:spcPts val="200"/>
-              </a:spcBef>
-            </a:pPr>
-            <a:r>
-              <a:rPr lang="en-US" dirty="0" smtClean="0"/>
-              <a:t>Continue documenting decisions and the assurance case for the architecture</a:t>
-            </a:r>
-          </a:p>
-          <a:p>
-            <a:pPr>
-              <a:lnSpc>
-                <a:spcPct val="100000"/>
-              </a:lnSpc>
-              <a:spcBef>
-                <a:spcPts val="200"/>
-              </a:spcBef>
-            </a:pPr>
-            <a:endParaRPr lang="en-US" dirty="0" smtClean="0"/>
-          </a:p>
-          <a:p>
-            <a:pPr>
-              <a:lnSpc>
-                <a:spcPct val="100000"/>
-              </a:lnSpc>
-              <a:spcBef>
-                <a:spcPts val="200"/>
-              </a:spcBef>
-            </a:pPr>
-            <a:endParaRPr lang="en-US" dirty="0" smtClean="0"/>
-          </a:p>
-          <a:p>
-            <a:pPr>
-              <a:lnSpc>
-                <a:spcPct val="100000"/>
-              </a:lnSpc>
-              <a:spcBef>
-                <a:spcPts val="200"/>
-              </a:spcBef>
-            </a:pPr>
-            <a:endParaRPr lang="en-US" dirty="0" smtClean="0"/>
-          </a:p>
-          <a:p>
-            <a:endParaRPr lang="en-US" dirty="0"/>
           </a:p>
         </p:txBody>
       </p:sp>
@@ -20735,17 +20576,17 @@
           <a:lstStyle/>
           <a:p>
             <a:r>
-              <a:rPr lang="en-US" smtClean="0"/>
+              <a:rPr lang="en-US" dirty="0" smtClean="0"/>
               <a:t>Architecture Group</a:t>
             </a:r>
-            <a:endParaRPr lang="en-US"/>
+            <a:endParaRPr lang="en-US" dirty="0"/>
           </a:p>
         </p:txBody>
       </p:sp>
     </p:spTree>
     <p:extLst>
       <p:ext uri="{BB962C8B-B14F-4D97-AF65-F5344CB8AC3E}">
-        <p14:creationId xmlns:p14="http://schemas.microsoft.com/office/powerpoint/2010/main" val="2472667537"/>
+        <p14:creationId xmlns:p14="http://schemas.microsoft.com/office/powerpoint/2010/main" val="3123488723"/>
       </p:ext>
     </p:extLst>
   </p:cSld>
@@ -20789,6 +20630,271 @@
       </p:grpSpPr>
       <p:sp>
         <p:nvSpPr>
+          <p:cNvPr id="2" name="Title 1"/>
+          <p:cNvSpPr>
+            <a:spLocks noGrp="1"/>
+          </p:cNvSpPr>
+          <p:nvPr>
+            <p:ph type="title"/>
+          </p:nvPr>
+        </p:nvSpPr>
+        <p:spPr/>
+        <p:txBody>
+          <a:bodyPr/>
+          <a:lstStyle/>
+          <a:p>
+            <a:r>
+              <a:rPr lang="en-US" dirty="0" smtClean="0"/>
+              <a:t>Recommended Future Directions</a:t>
+            </a:r>
+            <a:endParaRPr lang="en-US" dirty="0"/>
+          </a:p>
+        </p:txBody>
+      </p:sp>
+      <p:sp>
+        <p:nvSpPr>
+          <p:cNvPr id="3" name="Content Placeholder 2"/>
+          <p:cNvSpPr>
+            <a:spLocks noGrp="1"/>
+          </p:cNvSpPr>
+          <p:nvPr>
+            <p:ph idx="1"/>
+          </p:nvPr>
+        </p:nvSpPr>
+        <p:spPr/>
+        <p:txBody>
+          <a:bodyPr/>
+          <a:lstStyle/>
+          <a:p>
+            <a:pPr>
+              <a:lnSpc>
+                <a:spcPct val="100000"/>
+              </a:lnSpc>
+              <a:spcBef>
+                <a:spcPts val="200"/>
+              </a:spcBef>
+            </a:pPr>
+            <a:r>
+              <a:rPr lang="en-US" dirty="0" smtClean="0"/>
+              <a:t>Write contracts for the remaining thirty-one components</a:t>
+            </a:r>
+          </a:p>
+          <a:p>
+            <a:pPr>
+              <a:lnSpc>
+                <a:spcPct val="100000"/>
+              </a:lnSpc>
+              <a:spcBef>
+                <a:spcPts val="200"/>
+              </a:spcBef>
+            </a:pPr>
+            <a:endParaRPr lang="en-US" dirty="0" smtClean="0"/>
+          </a:p>
+          <a:p>
+            <a:pPr>
+              <a:lnSpc>
+                <a:spcPct val="100000"/>
+              </a:lnSpc>
+              <a:spcBef>
+                <a:spcPts val="200"/>
+              </a:spcBef>
+            </a:pPr>
+            <a:r>
+              <a:rPr lang="en-US" dirty="0" smtClean="0"/>
+              <a:t>State/compose and analyze system-level properties (in progress)</a:t>
+            </a:r>
+          </a:p>
+          <a:p>
+            <a:pPr>
+              <a:lnSpc>
+                <a:spcPct val="100000"/>
+              </a:lnSpc>
+              <a:spcBef>
+                <a:spcPts val="200"/>
+              </a:spcBef>
+            </a:pPr>
+            <a:endParaRPr lang="en-US" dirty="0" smtClean="0"/>
+          </a:p>
+          <a:p>
+            <a:pPr>
+              <a:lnSpc>
+                <a:spcPct val="100000"/>
+              </a:lnSpc>
+              <a:spcBef>
+                <a:spcPts val="200"/>
+              </a:spcBef>
+            </a:pPr>
+            <a:r>
+              <a:rPr lang="en-US" dirty="0" smtClean="0"/>
+              <a:t>Generate code from AADL</a:t>
+            </a:r>
+          </a:p>
+          <a:p>
+            <a:pPr>
+              <a:lnSpc>
+                <a:spcPct val="100000"/>
+              </a:lnSpc>
+              <a:spcBef>
+                <a:spcPts val="200"/>
+              </a:spcBef>
+            </a:pPr>
+            <a:endParaRPr lang="en-US" dirty="0" smtClean="0"/>
+          </a:p>
+          <a:p>
+            <a:pPr>
+              <a:lnSpc>
+                <a:spcPct val="100000"/>
+              </a:lnSpc>
+              <a:spcBef>
+                <a:spcPts val="200"/>
+              </a:spcBef>
+            </a:pPr>
+            <a:r>
+              <a:rPr lang="en-US" dirty="0" smtClean="0"/>
+              <a:t>Generate test cases from AGREE and run on </a:t>
+            </a:r>
+            <a:r>
+              <a:rPr lang="en-US" dirty="0" err="1" smtClean="0"/>
+              <a:t>UxAS</a:t>
+            </a:r>
+            <a:r>
+              <a:rPr lang="en-US" dirty="0" smtClean="0"/>
+              <a:t> implementation</a:t>
+            </a:r>
+          </a:p>
+          <a:p>
+            <a:pPr>
+              <a:lnSpc>
+                <a:spcPct val="100000"/>
+              </a:lnSpc>
+              <a:spcBef>
+                <a:spcPts val="200"/>
+              </a:spcBef>
+            </a:pPr>
+            <a:endParaRPr lang="en-US" dirty="0" smtClean="0"/>
+          </a:p>
+          <a:p>
+            <a:pPr>
+              <a:lnSpc>
+                <a:spcPct val="100000"/>
+              </a:lnSpc>
+              <a:spcBef>
+                <a:spcPts val="200"/>
+              </a:spcBef>
+            </a:pPr>
+            <a:r>
+              <a:rPr lang="en-US" dirty="0" smtClean="0"/>
+              <a:t>Continue documenting decisions and the assurance case for the architecture</a:t>
+            </a:r>
+          </a:p>
+          <a:p>
+            <a:pPr>
+              <a:lnSpc>
+                <a:spcPct val="100000"/>
+              </a:lnSpc>
+              <a:spcBef>
+                <a:spcPts val="200"/>
+              </a:spcBef>
+            </a:pPr>
+            <a:endParaRPr lang="en-US" dirty="0" smtClean="0"/>
+          </a:p>
+          <a:p>
+            <a:pPr>
+              <a:lnSpc>
+                <a:spcPct val="100000"/>
+              </a:lnSpc>
+              <a:spcBef>
+                <a:spcPts val="200"/>
+              </a:spcBef>
+            </a:pPr>
+            <a:endParaRPr lang="en-US" dirty="0" smtClean="0"/>
+          </a:p>
+          <a:p>
+            <a:pPr>
+              <a:lnSpc>
+                <a:spcPct val="100000"/>
+              </a:lnSpc>
+              <a:spcBef>
+                <a:spcPts val="200"/>
+              </a:spcBef>
+            </a:pPr>
+            <a:endParaRPr lang="en-US" dirty="0" smtClean="0"/>
+          </a:p>
+          <a:p>
+            <a:endParaRPr lang="en-US" dirty="0"/>
+          </a:p>
+        </p:txBody>
+      </p:sp>
+      <p:sp>
+        <p:nvSpPr>
+          <p:cNvPr id="6" name="Footer Placeholder 5"/>
+          <p:cNvSpPr>
+            <a:spLocks noGrp="1"/>
+          </p:cNvSpPr>
+          <p:nvPr>
+            <p:ph type="ftr" sz="quarter" idx="11"/>
+          </p:nvPr>
+        </p:nvSpPr>
+        <p:spPr/>
+        <p:txBody>
+          <a:bodyPr/>
+          <a:lstStyle/>
+          <a:p>
+            <a:r>
+              <a:rPr lang="en-US" smtClean="0"/>
+              <a:t>Architecture Group</a:t>
+            </a:r>
+            <a:endParaRPr lang="en-US"/>
+          </a:p>
+        </p:txBody>
+      </p:sp>
+    </p:spTree>
+    <p:extLst>
+      <p:ext uri="{BB962C8B-B14F-4D97-AF65-F5344CB8AC3E}">
+        <p14:creationId xmlns:p14="http://schemas.microsoft.com/office/powerpoint/2010/main" val="2472667537"/>
+      </p:ext>
+    </p:extLst>
+  </p:cSld>
+  <p:clrMapOvr>
+    <a:masterClrMapping/>
+  </p:clrMapOvr>
+  <mc:AlternateContent xmlns:mc="http://schemas.openxmlformats.org/markup-compatibility/2006" xmlns:p14="http://schemas.microsoft.com/office/powerpoint/2010/main">
+    <mc:Choice Requires="p14">
+      <p:transition spd="slow" p14:dur="2000"/>
+    </mc:Choice>
+    <mc:Fallback xmlns="">
+      <p:transition spd="slow"/>
+    </mc:Fallback>
+  </mc:AlternateContent>
+  <p:timing>
+    <p:tnLst>
+      <p:par>
+        <p:cTn id="1" dur="indefinite" restart="never" nodeType="tmRoot"/>
+      </p:par>
+    </p:tnLst>
+  </p:timing>
+</p:sld>
+</file>
+
+<file path=ppt/slides/slide35.xml><?xml version="1.0" encoding="utf-8"?>
+<p:sld xmlns:a="http://schemas.openxmlformats.org/drawingml/2006/main" xmlns:r="http://schemas.openxmlformats.org/officeDocument/2006/relationships" xmlns:p="http://schemas.openxmlformats.org/presentationml/2006/main">
+  <p:cSld>
+    <p:spTree>
+      <p:nvGrpSpPr>
+        <p:cNvPr id="1" name=""/>
+        <p:cNvGrpSpPr/>
+        <p:nvPr/>
+      </p:nvGrpSpPr>
+      <p:grpSpPr>
+        <a:xfrm>
+          <a:off x="0" y="0"/>
+          <a:ext cx="0" cy="0"/>
+          <a:chOff x="0" y="0"/>
+          <a:chExt cx="0" cy="0"/>
+        </a:xfrm>
+      </p:grpSpPr>
+      <p:sp>
+        <p:nvSpPr>
           <p:cNvPr id="4" name="Title 3"/>
           <p:cNvSpPr>
             <a:spLocks noGrp="1"/>
@@ -20857,7 +20963,7 @@
 </p:sld>
 </file>
 
-<file path=ppt/slides/slide35.xml><?xml version="1.0" encoding="utf-8"?>
+<file path=ppt/slides/slide36.xml><?xml version="1.0" encoding="utf-8"?>
 <p:sld xmlns:a="http://schemas.openxmlformats.org/drawingml/2006/main" xmlns:r="http://schemas.openxmlformats.org/officeDocument/2006/relationships" xmlns:p="http://schemas.openxmlformats.org/presentationml/2006/main">
   <p:cSld>
     <p:spTree>
@@ -22331,303 +22437,6 @@
 </p:sld>
 </file>
 
-<file path=ppt/slides/slide36.xml><?xml version="1.0" encoding="utf-8"?>
-<p:sld xmlns:a="http://schemas.openxmlformats.org/drawingml/2006/main" xmlns:r="http://schemas.openxmlformats.org/officeDocument/2006/relationships" xmlns:p="http://schemas.openxmlformats.org/presentationml/2006/main">
-  <p:cSld>
-    <p:spTree>
-      <p:nvGrpSpPr>
-        <p:cNvPr id="1" name=""/>
-        <p:cNvGrpSpPr/>
-        <p:nvPr/>
-      </p:nvGrpSpPr>
-      <p:grpSpPr>
-        <a:xfrm>
-          <a:off x="0" y="0"/>
-          <a:ext cx="0" cy="0"/>
-          <a:chOff x="0" y="0"/>
-          <a:chExt cx="0" cy="0"/>
-        </a:xfrm>
-      </p:grpSpPr>
-      <p:sp>
-        <p:nvSpPr>
-          <p:cNvPr id="2" name="Title 1"/>
-          <p:cNvSpPr>
-            <a:spLocks noGrp="1"/>
-          </p:cNvSpPr>
-          <p:nvPr>
-            <p:ph type="title"/>
-          </p:nvPr>
-        </p:nvSpPr>
-        <p:spPr/>
-        <p:txBody>
-          <a:bodyPr/>
-          <a:lstStyle/>
-          <a:p>
-            <a:r>
-              <a:rPr lang="en-US" dirty="0" smtClean="0"/>
-              <a:t>Producing the Formal Architecture</a:t>
-            </a:r>
-            <a:endParaRPr lang="en-US" dirty="0"/>
-          </a:p>
-        </p:txBody>
-      </p:sp>
-      <p:sp>
-        <p:nvSpPr>
-          <p:cNvPr id="3" name="Content Placeholder 2"/>
-          <p:cNvSpPr>
-            <a:spLocks noGrp="1"/>
-          </p:cNvSpPr>
-          <p:nvPr>
-            <p:ph idx="1"/>
-          </p:nvPr>
-        </p:nvSpPr>
-        <p:spPr>
-          <a:xfrm>
-            <a:off x="210065" y="1508511"/>
-            <a:ext cx="8993312" cy="4668452"/>
-          </a:xfrm>
-        </p:spPr>
-        <p:txBody>
-          <a:bodyPr>
-            <a:normAutofit/>
-          </a:bodyPr>
-          <a:lstStyle/>
-          <a:p>
-            <a:r>
-              <a:rPr lang="en-US" dirty="0" smtClean="0"/>
-              <a:t>The formal architecture relied on the documentation that was found on the </a:t>
-            </a:r>
-            <a:r>
-              <a:rPr lang="en-US" dirty="0" err="1" smtClean="0"/>
-              <a:t>UxAS</a:t>
-            </a:r>
-            <a:r>
-              <a:rPr lang="en-US" dirty="0" smtClean="0"/>
-              <a:t> Wiki page.</a:t>
-            </a:r>
-          </a:p>
-          <a:p>
-            <a:pPr lvl="1"/>
-            <a:r>
-              <a:rPr lang="en-US" dirty="0" smtClean="0"/>
-              <a:t>Direct code decomposition was going to be too intensive to meet objectives efficiently.</a:t>
-            </a:r>
-          </a:p>
-          <a:p>
-            <a:pPr lvl="1"/>
-            <a:r>
-              <a:rPr lang="en-US" dirty="0" smtClean="0"/>
-              <a:t>Through formalization, gaps were identified.</a:t>
-            </a:r>
-          </a:p>
-          <a:p>
-            <a:pPr marL="457200" lvl="1" indent="0">
-              <a:buNone/>
-            </a:pPr>
-            <a:endParaRPr lang="en-US" dirty="0" smtClean="0"/>
-          </a:p>
-          <a:p>
-            <a:endParaRPr lang="en-US" dirty="0"/>
-          </a:p>
-          <a:p>
-            <a:pPr lvl="1"/>
-            <a:endParaRPr lang="en-US" dirty="0" smtClean="0"/>
-          </a:p>
-        </p:txBody>
-      </p:sp>
-      <p:pic>
-        <p:nvPicPr>
-          <p:cNvPr id="5" name="Picture 4"/>
-          <p:cNvPicPr>
-            <a:picLocks noChangeAspect="1"/>
-          </p:cNvPicPr>
-          <p:nvPr/>
-        </p:nvPicPr>
-        <p:blipFill>
-          <a:blip r:embed="rId3"/>
-          <a:stretch>
-            <a:fillRect/>
-          </a:stretch>
-        </p:blipFill>
-        <p:spPr>
-          <a:xfrm>
-            <a:off x="9345881" y="1524032"/>
-            <a:ext cx="2764233" cy="4614116"/>
-          </a:xfrm>
-          <a:prstGeom prst="rect">
-            <a:avLst/>
-          </a:prstGeom>
-        </p:spPr>
-      </p:pic>
-      <p:sp>
-        <p:nvSpPr>
-          <p:cNvPr id="6" name="Rectangle 5"/>
-          <p:cNvSpPr/>
-          <p:nvPr/>
-        </p:nvSpPr>
-        <p:spPr>
-          <a:xfrm>
-            <a:off x="1200522" y="4271636"/>
-            <a:ext cx="6287069" cy="819124"/>
-          </a:xfrm>
-          <a:prstGeom prst="rect">
-            <a:avLst/>
-          </a:prstGeom>
-        </p:spPr>
-        <p:style>
-          <a:lnRef idx="2">
-            <a:schemeClr val="accent1">
-              <a:shade val="50000"/>
-            </a:schemeClr>
-          </a:lnRef>
-          <a:fillRef idx="1">
-            <a:schemeClr val="accent1"/>
-          </a:fillRef>
-          <a:effectRef idx="0">
-            <a:schemeClr val="accent1"/>
-          </a:effectRef>
-          <a:fontRef idx="minor">
-            <a:schemeClr val="lt1"/>
-          </a:fontRef>
-        </p:style>
-        <p:txBody>
-          <a:bodyPr rtlCol="0" anchor="ctr"/>
-          <a:lstStyle/>
-          <a:p>
-            <a:pPr algn="ctr"/>
-            <a:r>
-              <a:rPr lang="en-US" b="1" i="1" dirty="0" smtClean="0"/>
-              <a:t>Just the effort to formalize components proved extremely valuable to the SMEs, even before the analysis.</a:t>
-            </a:r>
-            <a:endParaRPr lang="en-US" b="1" i="1" dirty="0"/>
-          </a:p>
-        </p:txBody>
-      </p:sp>
-      <p:sp>
-        <p:nvSpPr>
-          <p:cNvPr id="8" name="Footer Placeholder 7"/>
-          <p:cNvSpPr>
-            <a:spLocks noGrp="1"/>
-          </p:cNvSpPr>
-          <p:nvPr>
-            <p:ph type="ftr" sz="quarter" idx="11"/>
-          </p:nvPr>
-        </p:nvSpPr>
-        <p:spPr/>
-        <p:txBody>
-          <a:bodyPr/>
-          <a:lstStyle/>
-          <a:p>
-            <a:r>
-              <a:rPr lang="en-US" smtClean="0"/>
-              <a:t>Architecture Group</a:t>
-            </a:r>
-            <a:endParaRPr lang="en-US"/>
-          </a:p>
-        </p:txBody>
-      </p:sp>
-    </p:spTree>
-    <p:custDataLst>
-      <p:tags r:id="rId1"/>
-    </p:custDataLst>
-    <p:extLst>
-      <p:ext uri="{BB962C8B-B14F-4D97-AF65-F5344CB8AC3E}">
-        <p14:creationId xmlns:p14="http://schemas.microsoft.com/office/powerpoint/2010/main" val="112893349"/>
-      </p:ext>
-    </p:extLst>
-  </p:cSld>
-  <p:clrMapOvr>
-    <a:masterClrMapping/>
-  </p:clrMapOvr>
-  <mc:AlternateContent xmlns:mc="http://schemas.openxmlformats.org/markup-compatibility/2006" xmlns:p14="http://schemas.microsoft.com/office/powerpoint/2010/main">
-    <mc:Choice Requires="p14">
-      <p:transition spd="slow" p14:dur="2000"/>
-    </mc:Choice>
-    <mc:Fallback xmlns="">
-      <p:transition spd="slow"/>
-    </mc:Fallback>
-  </mc:AlternateContent>
-  <p:timing>
-    <p:tnLst>
-      <p:par>
-        <p:cTn id="1" dur="indefinite" restart="never" nodeType="tmRoot">
-          <p:childTnLst>
-            <p:seq concurrent="1" nextAc="seek">
-              <p:cTn id="2" dur="indefinite" nodeType="mainSeq">
-                <p:childTnLst>
-                  <p:par>
-                    <p:cTn id="3" fill="hold">
-                      <p:stCondLst>
-                        <p:cond delay="indefinite"/>
-                      </p:stCondLst>
-                      <p:childTnLst>
-                        <p:par>
-                          <p:cTn id="4" fill="hold">
-                            <p:stCondLst>
-                              <p:cond delay="0"/>
-                            </p:stCondLst>
-                            <p:childTnLst>
-                              <p:par>
-                                <p:cTn id="5" presetID="1" presetClass="entr" presetSubtype="0" fill="hold" grpId="0" nodeType="clickEffect">
-                                  <p:stCondLst>
-                                    <p:cond delay="0"/>
-                                  </p:stCondLst>
-                                  <p:childTnLst>
-                                    <p:set>
-                                      <p:cBhvr>
-                                        <p:cTn id="6" dur="1" fill="hold">
-                                          <p:stCondLst>
-                                            <p:cond delay="0"/>
-                                          </p:stCondLst>
-                                        </p:cTn>
-                                        <p:tgtEl>
-                                          <p:spTgt spid="6"/>
-                                        </p:tgtEl>
-                                        <p:attrNameLst>
-                                          <p:attrName>style.visibility</p:attrName>
-                                        </p:attrNameLst>
-                                      </p:cBhvr>
-                                      <p:to>
-                                        <p:strVal val="visible"/>
-                                      </p:to>
-                                    </p:set>
-                                  </p:childTnLst>
-                                </p:cTn>
-                              </p:par>
-                            </p:childTnLst>
-                          </p:cTn>
-                        </p:par>
-                      </p:childTnLst>
-                    </p:cTn>
-                  </p:par>
-                </p:childTnLst>
-              </p:cTn>
-              <p:prevCondLst>
-                <p:cond evt="onPrev" delay="0">
-                  <p:tgtEl>
-                    <p:sldTgt/>
-                  </p:tgtEl>
-                </p:cond>
-              </p:prevCondLst>
-              <p:nextCondLst>
-                <p:cond evt="onNext" delay="0">
-                  <p:tgtEl>
-                    <p:sldTgt/>
-                  </p:tgtEl>
-                </p:cond>
-              </p:nextCondLst>
-            </p:seq>
-          </p:childTnLst>
-        </p:cTn>
-      </p:par>
-    </p:tnLst>
-    <p:bldLst>
-      <p:bldP spid="6" grpId="0" animBg="1"/>
-    </p:bldLst>
-  </p:timing>
-</p:sld>
-</file>
-
 <file path=ppt/slides/slide37.xml><?xml version="1.0" encoding="utf-8"?>
 <p:sld xmlns:a="http://schemas.openxmlformats.org/drawingml/2006/main" xmlns:r="http://schemas.openxmlformats.org/officeDocument/2006/relationships" xmlns:p="http://schemas.openxmlformats.org/presentationml/2006/main">
   <p:cSld>
@@ -24880,15 +24689,7 @@
             <a:pPr lvl="1" fontAlgn="base"/>
             <a:r>
               <a:rPr lang="en-US" dirty="0" smtClean="0"/>
-              <a:t>Created formal contracts for nine </a:t>
-            </a:r>
-            <a:r>
-              <a:rPr lang="en-US" dirty="0" smtClean="0"/>
-              <a:t>services/tasks </a:t>
-            </a:r>
-            <a:r>
-              <a:rPr lang="en-US" dirty="0" smtClean="0"/>
-              <a:t>based on the </a:t>
+              <a:t>Created formal contracts for nine services/tasks based on the </a:t>
             </a:r>
             <a:r>
               <a:rPr lang="en-US" dirty="0" err="1" smtClean="0"/>
@@ -24904,15 +24705,7 @@
                   <a:srgbClr val="0000FF"/>
                 </a:solidFill>
               </a:rPr>
-              <a:t>(</a:t>
-            </a:r>
-            <a:r>
-              <a:rPr lang="en-US" dirty="0" smtClean="0">
-                <a:solidFill>
-                  <a:srgbClr val="0000FF"/>
-                </a:solidFill>
-              </a:rPr>
-              <a:t>DC, RC)</a:t>
+              <a:t>(DC, RC)</a:t>
             </a:r>
           </a:p>
           <a:p>
@@ -24992,11 +24785,7 @@
             <a:pPr fontAlgn="base"/>
             <a:r>
               <a:rPr lang="en-US" dirty="0" smtClean="0"/>
-              <a:t>Enhanced tool </a:t>
-            </a:r>
-            <a:r>
-              <a:rPr lang="en-US" dirty="0" smtClean="0"/>
-              <a:t>(RELIQE) to </a:t>
+              <a:t>Enhanced tool (RELIQE) to </a:t>
             </a:r>
             <a:r>
               <a:rPr lang="en-US" dirty="0"/>
@@ -31345,12 +31134,6 @@
 </p:tagLst>
 </file>
 
-<file path=ppt/tags/tag3.xml><?xml version="1.0" encoding="utf-8"?>
-<p:tagLst xmlns:a="http://schemas.openxmlformats.org/drawingml/2006/main" xmlns:r="http://schemas.openxmlformats.org/officeDocument/2006/relationships" xmlns:p="http://schemas.openxmlformats.org/presentationml/2006/main">
-  <p:tag name="TIMING" val="|0.2"/>
-</p:tagLst>
-</file>
-
 <file path=ppt/theme/theme1.xml><?xml version="1.0" encoding="utf-8"?>
 <a:theme xmlns:a="http://schemas.openxmlformats.org/drawingml/2006/main" name="Office Theme">
   <a:themeElements>

--- a/presentations/S5_SoI_Architecture_Group.pptx
+++ b/presentations/S5_SoI_Architecture_Group.pptx
@@ -8079,7 +8079,7 @@
       </p:sp>
       <p:pic>
         <p:nvPicPr>
-          <p:cNvPr id="4" name="Picture 3"/>
+          <p:cNvPr id="5" name="Picture 4"/>
           <p:cNvPicPr>
             <a:picLocks noChangeAspect="1"/>
           </p:cNvPicPr>
@@ -8093,8 +8093,8 @@
         </p:blipFill>
         <p:spPr>
           <a:xfrm>
-            <a:off x="674594" y="4946918"/>
-            <a:ext cx="10122358" cy="846351"/>
+            <a:off x="674594" y="4831651"/>
+            <a:ext cx="10453008" cy="928125"/>
           </a:xfrm>
           <a:prstGeom prst="rect">
             <a:avLst/>
@@ -8155,15 +8155,7 @@
           <a:p>
             <a:r>
               <a:rPr lang="en-US" dirty="0" smtClean="0"/>
-              <a:t>System-Level </a:t>
-            </a:r>
-            <a:r>
-              <a:rPr lang="en-US" dirty="0" smtClean="0"/>
-              <a:t>Co</a:t>
-            </a:r>
-            <a:r>
-              <a:rPr lang="en-US" dirty="0" smtClean="0"/>
-              <a:t>ntracts</a:t>
+              <a:t>System-Level Contracts</a:t>
             </a:r>
             <a:endParaRPr lang="en-US" dirty="0"/>
           </a:p>
@@ -13613,7 +13605,6 @@
           <a:bodyPr/>
           <a:lstStyle/>
           <a:p>
-            <a:pPr algn="ctr"/>
             <a:r>
               <a:rPr lang="en-US" dirty="0"/>
               <a:t>ASSERT™ Requirement Analysis Checks </a:t>
@@ -17165,16 +17156,16 @@
           <a:p>
             <a:pPr lvl="1"/>
             <a:r>
+              <a:rPr lang="en-US" smtClean="0"/>
+              <a:t>Split </a:t>
+            </a:r>
+            <a:r>
+              <a:rPr lang="en-US" smtClean="0"/>
+              <a:t>Route Aggregator Service </a:t>
+            </a:r>
+            <a:r>
               <a:rPr lang="en-US" dirty="0" smtClean="0"/>
-              <a:t>Split </a:t>
-            </a:r>
-            <a:r>
-              <a:rPr lang="en-US" dirty="0" err="1" smtClean="0"/>
-              <a:t>RouteAggregatorService</a:t>
-            </a:r>
-            <a:r>
-              <a:rPr lang="en-US" dirty="0" smtClean="0"/>
-              <a:t> into two services for two functional roles</a:t>
+              <a:t>into two services for two functional roles</a:t>
             </a:r>
           </a:p>
           <a:p>
